--- a/ProjetStage/MaquetteProjetStage.pptx
+++ b/ProjetStage/MaquetteProjetStage.pptx
@@ -5082,6 +5082,715 @@
           </a:p>
         </p:txBody>
       </p:sp>
+      <p:sp>
+        <p:nvSpPr>
+          <p:cNvPr id="25" name="Add to Cart"/>
+          <p:cNvSpPr>
+            <a:spLocks noChangeAspect="1" noEditPoints="1"/>
+          </p:cNvSpPr>
+          <p:nvPr/>
+        </p:nvSpPr>
+        <p:spPr bwMode="auto">
+          <a:xfrm>
+            <a:off x="11723079" y="933916"/>
+            <a:ext cx="284765" cy="293483"/>
+          </a:xfrm>
+          <a:custGeom>
+            <a:avLst/>
+            <a:gdLst>
+              <a:gd name="T0" fmla="*/ 413 w 643"/>
+              <a:gd name="T1" fmla="*/ 0 h 653"/>
+              <a:gd name="T2" fmla="*/ 400 w 643"/>
+              <a:gd name="T3" fmla="*/ 13 h 653"/>
+              <a:gd name="T4" fmla="*/ 400 w 643"/>
+              <a:gd name="T5" fmla="*/ 248 h 653"/>
+              <a:gd name="T6" fmla="*/ 356 w 643"/>
+              <a:gd name="T7" fmla="*/ 204 h 653"/>
+              <a:gd name="T8" fmla="*/ 347 w 643"/>
+              <a:gd name="T9" fmla="*/ 200 h 653"/>
+              <a:gd name="T10" fmla="*/ 337 w 643"/>
+              <a:gd name="T11" fmla="*/ 223 h 653"/>
+              <a:gd name="T12" fmla="*/ 413 w 643"/>
+              <a:gd name="T13" fmla="*/ 299 h 653"/>
+              <a:gd name="T14" fmla="*/ 490 w 643"/>
+              <a:gd name="T15" fmla="*/ 223 h 653"/>
+              <a:gd name="T16" fmla="*/ 471 w 643"/>
+              <a:gd name="T17" fmla="*/ 204 h 653"/>
+              <a:gd name="T18" fmla="*/ 427 w 643"/>
+              <a:gd name="T19" fmla="*/ 248 h 653"/>
+              <a:gd name="T20" fmla="*/ 427 w 643"/>
+              <a:gd name="T21" fmla="*/ 13 h 653"/>
+              <a:gd name="T22" fmla="*/ 413 w 643"/>
+              <a:gd name="T23" fmla="*/ 0 h 653"/>
+              <a:gd name="T24" fmla="*/ 27 w 643"/>
+              <a:gd name="T25" fmla="*/ 13 h 653"/>
+              <a:gd name="T26" fmla="*/ 0 w 643"/>
+              <a:gd name="T27" fmla="*/ 40 h 653"/>
+              <a:gd name="T28" fmla="*/ 27 w 643"/>
+              <a:gd name="T29" fmla="*/ 67 h 653"/>
+              <a:gd name="T30" fmla="*/ 53 w 643"/>
+              <a:gd name="T31" fmla="*/ 40 h 653"/>
+              <a:gd name="T32" fmla="*/ 116 w 643"/>
+              <a:gd name="T33" fmla="*/ 40 h 653"/>
+              <a:gd name="T34" fmla="*/ 147 w 643"/>
+              <a:gd name="T35" fmla="*/ 49 h 653"/>
+              <a:gd name="T36" fmla="*/ 163 w 643"/>
+              <a:gd name="T37" fmla="*/ 80 h 653"/>
+              <a:gd name="T38" fmla="*/ 163 w 643"/>
+              <a:gd name="T39" fmla="*/ 80 h 653"/>
+              <a:gd name="T40" fmla="*/ 270 w 643"/>
+              <a:gd name="T41" fmla="*/ 510 h 653"/>
+              <a:gd name="T42" fmla="*/ 270 w 643"/>
+              <a:gd name="T43" fmla="*/ 510 h 653"/>
+              <a:gd name="T44" fmla="*/ 289 w 643"/>
+              <a:gd name="T45" fmla="*/ 553 h 653"/>
+              <a:gd name="T46" fmla="*/ 306 w 643"/>
+              <a:gd name="T47" fmla="*/ 566 h 653"/>
+              <a:gd name="T48" fmla="*/ 293 w 643"/>
+              <a:gd name="T49" fmla="*/ 600 h 653"/>
+              <a:gd name="T50" fmla="*/ 347 w 643"/>
+              <a:gd name="T51" fmla="*/ 653 h 653"/>
+              <a:gd name="T52" fmla="*/ 400 w 643"/>
+              <a:gd name="T53" fmla="*/ 600 h 653"/>
+              <a:gd name="T54" fmla="*/ 393 w 643"/>
+              <a:gd name="T55" fmla="*/ 573 h 653"/>
+              <a:gd name="T56" fmla="*/ 474 w 643"/>
+              <a:gd name="T57" fmla="*/ 573 h 653"/>
+              <a:gd name="T58" fmla="*/ 467 w 643"/>
+              <a:gd name="T59" fmla="*/ 600 h 653"/>
+              <a:gd name="T60" fmla="*/ 520 w 643"/>
+              <a:gd name="T61" fmla="*/ 653 h 653"/>
+              <a:gd name="T62" fmla="*/ 573 w 643"/>
+              <a:gd name="T63" fmla="*/ 600 h 653"/>
+              <a:gd name="T64" fmla="*/ 559 w 643"/>
+              <a:gd name="T65" fmla="*/ 564 h 653"/>
+              <a:gd name="T66" fmla="*/ 547 w 643"/>
+              <a:gd name="T67" fmla="*/ 547 h 653"/>
+              <a:gd name="T68" fmla="*/ 343 w 643"/>
+              <a:gd name="T69" fmla="*/ 547 h 653"/>
+              <a:gd name="T70" fmla="*/ 309 w 643"/>
+              <a:gd name="T71" fmla="*/ 536 h 653"/>
+              <a:gd name="T72" fmla="*/ 295 w 643"/>
+              <a:gd name="T73" fmla="*/ 503 h 653"/>
+              <a:gd name="T74" fmla="*/ 295 w 643"/>
+              <a:gd name="T75" fmla="*/ 503 h 653"/>
+              <a:gd name="T76" fmla="*/ 286 w 643"/>
+              <a:gd name="T77" fmla="*/ 467 h 653"/>
+              <a:gd name="T78" fmla="*/ 531 w 643"/>
+              <a:gd name="T79" fmla="*/ 467 h 653"/>
+              <a:gd name="T80" fmla="*/ 543 w 643"/>
+              <a:gd name="T81" fmla="*/ 458 h 653"/>
+              <a:gd name="T82" fmla="*/ 639 w 643"/>
+              <a:gd name="T83" fmla="*/ 205 h 653"/>
+              <a:gd name="T84" fmla="*/ 626 w 643"/>
+              <a:gd name="T85" fmla="*/ 187 h 653"/>
+              <a:gd name="T86" fmla="*/ 614 w 643"/>
+              <a:gd name="T87" fmla="*/ 195 h 653"/>
+              <a:gd name="T88" fmla="*/ 522 w 643"/>
+              <a:gd name="T89" fmla="*/ 440 h 653"/>
+              <a:gd name="T90" fmla="*/ 280 w 643"/>
+              <a:gd name="T91" fmla="*/ 440 h 653"/>
+              <a:gd name="T92" fmla="*/ 189 w 643"/>
+              <a:gd name="T93" fmla="*/ 72 h 653"/>
+              <a:gd name="T94" fmla="*/ 165 w 643"/>
+              <a:gd name="T95" fmla="*/ 29 h 653"/>
+              <a:gd name="T96" fmla="*/ 116 w 643"/>
+              <a:gd name="T97" fmla="*/ 13 h 653"/>
+              <a:gd name="T98" fmla="*/ 27 w 643"/>
+              <a:gd name="T99" fmla="*/ 13 h 653"/>
+              <a:gd name="T100" fmla="*/ 347 w 643"/>
+              <a:gd name="T101" fmla="*/ 573 h 653"/>
+              <a:gd name="T102" fmla="*/ 373 w 643"/>
+              <a:gd name="T103" fmla="*/ 600 h 653"/>
+              <a:gd name="T104" fmla="*/ 347 w 643"/>
+              <a:gd name="T105" fmla="*/ 627 h 653"/>
+              <a:gd name="T106" fmla="*/ 320 w 643"/>
+              <a:gd name="T107" fmla="*/ 600 h 653"/>
+              <a:gd name="T108" fmla="*/ 347 w 643"/>
+              <a:gd name="T109" fmla="*/ 573 h 653"/>
+              <a:gd name="T110" fmla="*/ 520 w 643"/>
+              <a:gd name="T111" fmla="*/ 573 h 653"/>
+              <a:gd name="T112" fmla="*/ 547 w 643"/>
+              <a:gd name="T113" fmla="*/ 600 h 653"/>
+              <a:gd name="T114" fmla="*/ 520 w 643"/>
+              <a:gd name="T115" fmla="*/ 627 h 653"/>
+              <a:gd name="T116" fmla="*/ 493 w 643"/>
+              <a:gd name="T117" fmla="*/ 600 h 653"/>
+              <a:gd name="T118" fmla="*/ 520 w 643"/>
+              <a:gd name="T119" fmla="*/ 573 h 653"/>
+            </a:gdLst>
+            <a:ahLst/>
+            <a:cxnLst>
+              <a:cxn ang="0">
+                <a:pos x="T0" y="T1"/>
+              </a:cxn>
+              <a:cxn ang="0">
+                <a:pos x="T2" y="T3"/>
+              </a:cxn>
+              <a:cxn ang="0">
+                <a:pos x="T4" y="T5"/>
+              </a:cxn>
+              <a:cxn ang="0">
+                <a:pos x="T6" y="T7"/>
+              </a:cxn>
+              <a:cxn ang="0">
+                <a:pos x="T8" y="T9"/>
+              </a:cxn>
+              <a:cxn ang="0">
+                <a:pos x="T10" y="T11"/>
+              </a:cxn>
+              <a:cxn ang="0">
+                <a:pos x="T12" y="T13"/>
+              </a:cxn>
+              <a:cxn ang="0">
+                <a:pos x="T14" y="T15"/>
+              </a:cxn>
+              <a:cxn ang="0">
+                <a:pos x="T16" y="T17"/>
+              </a:cxn>
+              <a:cxn ang="0">
+                <a:pos x="T18" y="T19"/>
+              </a:cxn>
+              <a:cxn ang="0">
+                <a:pos x="T20" y="T21"/>
+              </a:cxn>
+              <a:cxn ang="0">
+                <a:pos x="T22" y="T23"/>
+              </a:cxn>
+              <a:cxn ang="0">
+                <a:pos x="T24" y="T25"/>
+              </a:cxn>
+              <a:cxn ang="0">
+                <a:pos x="T26" y="T27"/>
+              </a:cxn>
+              <a:cxn ang="0">
+                <a:pos x="T28" y="T29"/>
+              </a:cxn>
+              <a:cxn ang="0">
+                <a:pos x="T30" y="T31"/>
+              </a:cxn>
+              <a:cxn ang="0">
+                <a:pos x="T32" y="T33"/>
+              </a:cxn>
+              <a:cxn ang="0">
+                <a:pos x="T34" y="T35"/>
+              </a:cxn>
+              <a:cxn ang="0">
+                <a:pos x="T36" y="T37"/>
+              </a:cxn>
+              <a:cxn ang="0">
+                <a:pos x="T38" y="T39"/>
+              </a:cxn>
+              <a:cxn ang="0">
+                <a:pos x="T40" y="T41"/>
+              </a:cxn>
+              <a:cxn ang="0">
+                <a:pos x="T42" y="T43"/>
+              </a:cxn>
+              <a:cxn ang="0">
+                <a:pos x="T44" y="T45"/>
+              </a:cxn>
+              <a:cxn ang="0">
+                <a:pos x="T46" y="T47"/>
+              </a:cxn>
+              <a:cxn ang="0">
+                <a:pos x="T48" y="T49"/>
+              </a:cxn>
+              <a:cxn ang="0">
+                <a:pos x="T50" y="T51"/>
+              </a:cxn>
+              <a:cxn ang="0">
+                <a:pos x="T52" y="T53"/>
+              </a:cxn>
+              <a:cxn ang="0">
+                <a:pos x="T54" y="T55"/>
+              </a:cxn>
+              <a:cxn ang="0">
+                <a:pos x="T56" y="T57"/>
+              </a:cxn>
+              <a:cxn ang="0">
+                <a:pos x="T58" y="T59"/>
+              </a:cxn>
+              <a:cxn ang="0">
+                <a:pos x="T60" y="T61"/>
+              </a:cxn>
+              <a:cxn ang="0">
+                <a:pos x="T62" y="T63"/>
+              </a:cxn>
+              <a:cxn ang="0">
+                <a:pos x="T64" y="T65"/>
+              </a:cxn>
+              <a:cxn ang="0">
+                <a:pos x="T66" y="T67"/>
+              </a:cxn>
+              <a:cxn ang="0">
+                <a:pos x="T68" y="T69"/>
+              </a:cxn>
+              <a:cxn ang="0">
+                <a:pos x="T70" y="T71"/>
+              </a:cxn>
+              <a:cxn ang="0">
+                <a:pos x="T72" y="T73"/>
+              </a:cxn>
+              <a:cxn ang="0">
+                <a:pos x="T74" y="T75"/>
+              </a:cxn>
+              <a:cxn ang="0">
+                <a:pos x="T76" y="T77"/>
+              </a:cxn>
+              <a:cxn ang="0">
+                <a:pos x="T78" y="T79"/>
+              </a:cxn>
+              <a:cxn ang="0">
+                <a:pos x="T80" y="T81"/>
+              </a:cxn>
+              <a:cxn ang="0">
+                <a:pos x="T82" y="T83"/>
+              </a:cxn>
+              <a:cxn ang="0">
+                <a:pos x="T84" y="T85"/>
+              </a:cxn>
+              <a:cxn ang="0">
+                <a:pos x="T86" y="T87"/>
+              </a:cxn>
+              <a:cxn ang="0">
+                <a:pos x="T88" y="T89"/>
+              </a:cxn>
+              <a:cxn ang="0">
+                <a:pos x="T90" y="T91"/>
+              </a:cxn>
+              <a:cxn ang="0">
+                <a:pos x="T92" y="T93"/>
+              </a:cxn>
+              <a:cxn ang="0">
+                <a:pos x="T94" y="T95"/>
+              </a:cxn>
+              <a:cxn ang="0">
+                <a:pos x="T96" y="T97"/>
+              </a:cxn>
+              <a:cxn ang="0">
+                <a:pos x="T98" y="T99"/>
+              </a:cxn>
+              <a:cxn ang="0">
+                <a:pos x="T100" y="T101"/>
+              </a:cxn>
+              <a:cxn ang="0">
+                <a:pos x="T102" y="T103"/>
+              </a:cxn>
+              <a:cxn ang="0">
+                <a:pos x="T104" y="T105"/>
+              </a:cxn>
+              <a:cxn ang="0">
+                <a:pos x="T106" y="T107"/>
+              </a:cxn>
+              <a:cxn ang="0">
+                <a:pos x="T108" y="T109"/>
+              </a:cxn>
+              <a:cxn ang="0">
+                <a:pos x="T110" y="T111"/>
+              </a:cxn>
+              <a:cxn ang="0">
+                <a:pos x="T112" y="T113"/>
+              </a:cxn>
+              <a:cxn ang="0">
+                <a:pos x="T114" y="T115"/>
+              </a:cxn>
+              <a:cxn ang="0">
+                <a:pos x="T116" y="T117"/>
+              </a:cxn>
+              <a:cxn ang="0">
+                <a:pos x="T118" y="T119"/>
+              </a:cxn>
+            </a:cxnLst>
+            <a:rect l="0" t="0" r="r" b="b"/>
+            <a:pathLst>
+              <a:path w="643" h="653">
+                <a:moveTo>
+                  <a:pt x="413" y="0"/>
+                </a:moveTo>
+                <a:cubicBezTo>
+                  <a:pt x="406" y="0"/>
+                  <a:pt x="400" y="6"/>
+                  <a:pt x="400" y="13"/>
+                </a:cubicBezTo>
+                <a:lnTo>
+                  <a:pt x="400" y="248"/>
+                </a:lnTo>
+                <a:lnTo>
+                  <a:pt x="356" y="204"/>
+                </a:lnTo>
+                <a:cubicBezTo>
+                  <a:pt x="354" y="201"/>
+                  <a:pt x="350" y="200"/>
+                  <a:pt x="347" y="200"/>
+                </a:cubicBezTo>
+                <a:cubicBezTo>
+                  <a:pt x="335" y="200"/>
+                  <a:pt x="329" y="215"/>
+                  <a:pt x="337" y="223"/>
+                </a:cubicBezTo>
+                <a:lnTo>
+                  <a:pt x="413" y="299"/>
+                </a:lnTo>
+                <a:lnTo>
+                  <a:pt x="490" y="223"/>
+                </a:lnTo>
+                <a:cubicBezTo>
+                  <a:pt x="503" y="210"/>
+                  <a:pt x="483" y="191"/>
+                  <a:pt x="471" y="204"/>
+                </a:cubicBezTo>
+                <a:lnTo>
+                  <a:pt x="427" y="248"/>
+                </a:lnTo>
+                <a:lnTo>
+                  <a:pt x="427" y="13"/>
+                </a:lnTo>
+                <a:cubicBezTo>
+                  <a:pt x="427" y="6"/>
+                  <a:pt x="421" y="0"/>
+                  <a:pt x="413" y="0"/>
+                </a:cubicBezTo>
+                <a:close/>
+                <a:moveTo>
+                  <a:pt x="27" y="13"/>
+                </a:moveTo>
+                <a:cubicBezTo>
+                  <a:pt x="12" y="13"/>
+                  <a:pt x="0" y="25"/>
+                  <a:pt x="0" y="40"/>
+                </a:cubicBezTo>
+                <a:cubicBezTo>
+                  <a:pt x="0" y="55"/>
+                  <a:pt x="12" y="67"/>
+                  <a:pt x="27" y="67"/>
+                </a:cubicBezTo>
+                <a:cubicBezTo>
+                  <a:pt x="41" y="67"/>
+                  <a:pt x="53" y="55"/>
+                  <a:pt x="53" y="40"/>
+                </a:cubicBezTo>
+                <a:cubicBezTo>
+                  <a:pt x="74" y="40"/>
+                  <a:pt x="95" y="40"/>
+                  <a:pt x="116" y="40"/>
+                </a:cubicBezTo>
+                <a:cubicBezTo>
+                  <a:pt x="132" y="40"/>
+                  <a:pt x="141" y="43"/>
+                  <a:pt x="147" y="49"/>
+                </a:cubicBezTo>
+                <a:cubicBezTo>
+                  <a:pt x="154" y="55"/>
+                  <a:pt x="159" y="65"/>
+                  <a:pt x="163" y="80"/>
+                </a:cubicBezTo>
+                <a:lnTo>
+                  <a:pt x="163" y="80"/>
+                </a:lnTo>
+                <a:lnTo>
+                  <a:pt x="270" y="510"/>
+                </a:lnTo>
+                <a:lnTo>
+                  <a:pt x="270" y="510"/>
+                </a:lnTo>
+                <a:cubicBezTo>
+                  <a:pt x="274" y="525"/>
+                  <a:pt x="278" y="541"/>
+                  <a:pt x="289" y="553"/>
+                </a:cubicBezTo>
+                <a:cubicBezTo>
+                  <a:pt x="293" y="559"/>
+                  <a:pt x="299" y="563"/>
+                  <a:pt x="306" y="566"/>
+                </a:cubicBezTo>
+                <a:cubicBezTo>
+                  <a:pt x="298" y="575"/>
+                  <a:pt x="293" y="587"/>
+                  <a:pt x="293" y="600"/>
+                </a:cubicBezTo>
+                <a:cubicBezTo>
+                  <a:pt x="293" y="629"/>
+                  <a:pt x="317" y="653"/>
+                  <a:pt x="347" y="653"/>
+                </a:cubicBezTo>
+                <a:cubicBezTo>
+                  <a:pt x="376" y="653"/>
+                  <a:pt x="400" y="629"/>
+                  <a:pt x="400" y="600"/>
+                </a:cubicBezTo>
+                <a:cubicBezTo>
+                  <a:pt x="400" y="590"/>
+                  <a:pt x="397" y="581"/>
+                  <a:pt x="393" y="573"/>
+                </a:cubicBezTo>
+                <a:lnTo>
+                  <a:pt x="474" y="573"/>
+                </a:lnTo>
+                <a:cubicBezTo>
+                  <a:pt x="470" y="581"/>
+                  <a:pt x="467" y="590"/>
+                  <a:pt x="467" y="600"/>
+                </a:cubicBezTo>
+                <a:cubicBezTo>
+                  <a:pt x="467" y="629"/>
+                  <a:pt x="491" y="653"/>
+                  <a:pt x="520" y="653"/>
+                </a:cubicBezTo>
+                <a:cubicBezTo>
+                  <a:pt x="549" y="653"/>
+                  <a:pt x="573" y="629"/>
+                  <a:pt x="573" y="600"/>
+                </a:cubicBezTo>
+                <a:cubicBezTo>
+                  <a:pt x="573" y="586"/>
+                  <a:pt x="568" y="574"/>
+                  <a:pt x="559" y="564"/>
+                </a:cubicBezTo>
+                <a:cubicBezTo>
+                  <a:pt x="562" y="556"/>
+                  <a:pt x="556" y="547"/>
+                  <a:pt x="547" y="547"/>
+                </a:cubicBezTo>
+                <a:cubicBezTo>
+                  <a:pt x="477" y="547"/>
+                  <a:pt x="403" y="547"/>
+                  <a:pt x="343" y="547"/>
+                </a:cubicBezTo>
+                <a:cubicBezTo>
+                  <a:pt x="322" y="547"/>
+                  <a:pt x="314" y="542"/>
+                  <a:pt x="309" y="536"/>
+                </a:cubicBezTo>
+                <a:cubicBezTo>
+                  <a:pt x="303" y="529"/>
+                  <a:pt x="299" y="518"/>
+                  <a:pt x="295" y="503"/>
+                </a:cubicBezTo>
+                <a:lnTo>
+                  <a:pt x="295" y="503"/>
+                </a:lnTo>
+                <a:lnTo>
+                  <a:pt x="286" y="467"/>
+                </a:lnTo>
+                <a:lnTo>
+                  <a:pt x="531" y="467"/>
+                </a:lnTo>
+                <a:cubicBezTo>
+                  <a:pt x="536" y="467"/>
+                  <a:pt x="541" y="463"/>
+                  <a:pt x="543" y="458"/>
+                </a:cubicBezTo>
+                <a:lnTo>
+                  <a:pt x="639" y="205"/>
+                </a:lnTo>
+                <a:cubicBezTo>
+                  <a:pt x="643" y="196"/>
+                  <a:pt x="636" y="186"/>
+                  <a:pt x="626" y="187"/>
+                </a:cubicBezTo>
+                <a:cubicBezTo>
+                  <a:pt x="621" y="187"/>
+                  <a:pt x="616" y="190"/>
+                  <a:pt x="614" y="195"/>
+                </a:cubicBezTo>
+                <a:lnTo>
+                  <a:pt x="522" y="440"/>
+                </a:lnTo>
+                <a:lnTo>
+                  <a:pt x="280" y="440"/>
+                </a:lnTo>
+                <a:cubicBezTo>
+                  <a:pt x="249" y="318"/>
+                  <a:pt x="219" y="195"/>
+                  <a:pt x="189" y="72"/>
+                </a:cubicBezTo>
+                <a:cubicBezTo>
+                  <a:pt x="184" y="55"/>
+                  <a:pt x="177" y="40"/>
+                  <a:pt x="165" y="29"/>
+                </a:cubicBezTo>
+                <a:cubicBezTo>
+                  <a:pt x="153" y="19"/>
+                  <a:pt x="136" y="13"/>
+                  <a:pt x="116" y="13"/>
+                </a:cubicBezTo>
+                <a:cubicBezTo>
+                  <a:pt x="86" y="13"/>
+                  <a:pt x="56" y="14"/>
+                  <a:pt x="27" y="13"/>
+                </a:cubicBezTo>
+                <a:close/>
+                <a:moveTo>
+                  <a:pt x="347" y="573"/>
+                </a:moveTo>
+                <a:cubicBezTo>
+                  <a:pt x="362" y="573"/>
+                  <a:pt x="373" y="585"/>
+                  <a:pt x="373" y="600"/>
+                </a:cubicBezTo>
+                <a:cubicBezTo>
+                  <a:pt x="373" y="615"/>
+                  <a:pt x="362" y="627"/>
+                  <a:pt x="347" y="627"/>
+                </a:cubicBezTo>
+                <a:cubicBezTo>
+                  <a:pt x="332" y="627"/>
+                  <a:pt x="320" y="615"/>
+                  <a:pt x="320" y="600"/>
+                </a:cubicBezTo>
+                <a:cubicBezTo>
+                  <a:pt x="320" y="585"/>
+                  <a:pt x="332" y="573"/>
+                  <a:pt x="347" y="573"/>
+                </a:cubicBezTo>
+                <a:close/>
+                <a:moveTo>
+                  <a:pt x="520" y="573"/>
+                </a:moveTo>
+                <a:cubicBezTo>
+                  <a:pt x="535" y="573"/>
+                  <a:pt x="547" y="585"/>
+                  <a:pt x="547" y="600"/>
+                </a:cubicBezTo>
+                <a:cubicBezTo>
+                  <a:pt x="547" y="615"/>
+                  <a:pt x="535" y="627"/>
+                  <a:pt x="520" y="627"/>
+                </a:cubicBezTo>
+                <a:cubicBezTo>
+                  <a:pt x="505" y="627"/>
+                  <a:pt x="493" y="615"/>
+                  <a:pt x="493" y="600"/>
+                </a:cubicBezTo>
+                <a:cubicBezTo>
+                  <a:pt x="493" y="585"/>
+                  <a:pt x="505" y="573"/>
+                  <a:pt x="520" y="573"/>
+                </a:cubicBezTo>
+                <a:close/>
+              </a:path>
+            </a:pathLst>
+          </a:custGeom>
+          <a:solidFill>
+            <a:schemeClr val="tx1"/>
+          </a:solidFill>
+          <a:ln w="9525">
+            <a:noFill/>
+            <a:round/>
+            <a:headEnd/>
+            <a:tailEnd/>
+          </a:ln>
+        </p:spPr>
+        <p:txBody>
+          <a:bodyPr vert="horz" wrap="square" lIns="91440" tIns="45720" rIns="91440" bIns="45720" numCol="1" anchor="t" anchorCtr="0" compatLnSpc="1">
+            <a:prstTxWarp prst="textNoShape">
+              <a:avLst/>
+            </a:prstTxWarp>
+          </a:bodyPr>
+          <a:lstStyle>
+            <a:defPPr>
+              <a:defRPr lang="en-US"/>
+            </a:defPPr>
+            <a:lvl1pPr marL="0" algn="l" defTabSz="914400" rtl="0" eaLnBrk="1" latinLnBrk="0" hangingPunct="1">
+              <a:defRPr sz="1800" kern="1200">
+                <a:solidFill>
+                  <a:schemeClr val="tx1"/>
+                </a:solidFill>
+                <a:latin typeface="+mn-lt"/>
+                <a:ea typeface="+mn-ea"/>
+                <a:cs typeface="+mn-cs"/>
+              </a:defRPr>
+            </a:lvl1pPr>
+            <a:lvl2pPr marL="457200" algn="l" defTabSz="914400" rtl="0" eaLnBrk="1" latinLnBrk="0" hangingPunct="1">
+              <a:defRPr sz="1800" kern="1200">
+                <a:solidFill>
+                  <a:schemeClr val="tx1"/>
+                </a:solidFill>
+                <a:latin typeface="+mn-lt"/>
+                <a:ea typeface="+mn-ea"/>
+                <a:cs typeface="+mn-cs"/>
+              </a:defRPr>
+            </a:lvl2pPr>
+            <a:lvl3pPr marL="914400" algn="l" defTabSz="914400" rtl="0" eaLnBrk="1" latinLnBrk="0" hangingPunct="1">
+              <a:defRPr sz="1800" kern="1200">
+                <a:solidFill>
+                  <a:schemeClr val="tx1"/>
+                </a:solidFill>
+                <a:latin typeface="+mn-lt"/>
+                <a:ea typeface="+mn-ea"/>
+                <a:cs typeface="+mn-cs"/>
+              </a:defRPr>
+            </a:lvl3pPr>
+            <a:lvl4pPr marL="1371600" algn="l" defTabSz="914400" rtl="0" eaLnBrk="1" latinLnBrk="0" hangingPunct="1">
+              <a:defRPr sz="1800" kern="1200">
+                <a:solidFill>
+                  <a:schemeClr val="tx1"/>
+                </a:solidFill>
+                <a:latin typeface="+mn-lt"/>
+                <a:ea typeface="+mn-ea"/>
+                <a:cs typeface="+mn-cs"/>
+              </a:defRPr>
+            </a:lvl4pPr>
+            <a:lvl5pPr marL="1828800" algn="l" defTabSz="914400" rtl="0" eaLnBrk="1" latinLnBrk="0" hangingPunct="1">
+              <a:defRPr sz="1800" kern="1200">
+                <a:solidFill>
+                  <a:schemeClr val="tx1"/>
+                </a:solidFill>
+                <a:latin typeface="+mn-lt"/>
+                <a:ea typeface="+mn-ea"/>
+                <a:cs typeface="+mn-cs"/>
+              </a:defRPr>
+            </a:lvl5pPr>
+            <a:lvl6pPr marL="2286000" algn="l" defTabSz="914400" rtl="0" eaLnBrk="1" latinLnBrk="0" hangingPunct="1">
+              <a:defRPr sz="1800" kern="1200">
+                <a:solidFill>
+                  <a:schemeClr val="tx1"/>
+                </a:solidFill>
+                <a:latin typeface="+mn-lt"/>
+                <a:ea typeface="+mn-ea"/>
+                <a:cs typeface="+mn-cs"/>
+              </a:defRPr>
+            </a:lvl6pPr>
+            <a:lvl7pPr marL="2743200" algn="l" defTabSz="914400" rtl="0" eaLnBrk="1" latinLnBrk="0" hangingPunct="1">
+              <a:defRPr sz="1800" kern="1200">
+                <a:solidFill>
+                  <a:schemeClr val="tx1"/>
+                </a:solidFill>
+                <a:latin typeface="+mn-lt"/>
+                <a:ea typeface="+mn-ea"/>
+                <a:cs typeface="+mn-cs"/>
+              </a:defRPr>
+            </a:lvl7pPr>
+            <a:lvl8pPr marL="3200400" algn="l" defTabSz="914400" rtl="0" eaLnBrk="1" latinLnBrk="0" hangingPunct="1">
+              <a:defRPr sz="1800" kern="1200">
+                <a:solidFill>
+                  <a:schemeClr val="tx1"/>
+                </a:solidFill>
+                <a:latin typeface="+mn-lt"/>
+                <a:ea typeface="+mn-ea"/>
+                <a:cs typeface="+mn-cs"/>
+              </a:defRPr>
+            </a:lvl8pPr>
+            <a:lvl9pPr marL="3657600" algn="l" defTabSz="914400" rtl="0" eaLnBrk="1" latinLnBrk="0" hangingPunct="1">
+              <a:defRPr sz="1800" kern="1200">
+                <a:solidFill>
+                  <a:schemeClr val="tx1"/>
+                </a:solidFill>
+                <a:latin typeface="+mn-lt"/>
+                <a:ea typeface="+mn-ea"/>
+                <a:cs typeface="+mn-cs"/>
+              </a:defRPr>
+            </a:lvl9pPr>
+          </a:lstStyle>
+          <a:p>
+            <a:endParaRPr lang="en-US" sz="900">
+              <a:latin typeface="Segoe UI" panose="020B0502040204020203" pitchFamily="34" charset="0"/>
+              <a:cs typeface="Segoe UI" panose="020B0502040204020203" pitchFamily="34" charset="0"/>
+            </a:endParaRPr>
+          </a:p>
+        </p:txBody>
+      </p:sp>
     </p:spTree>
     <p:extLst>
       <p:ext uri="{BB962C8B-B14F-4D97-AF65-F5344CB8AC3E}">

--- a/ProjetStage/MaquetteProjetStage.pptx
+++ b/ProjetStage/MaquetteProjetStage.pptx
@@ -104,6 +104,11 @@
       </a:defRPr>
     </a:lvl9pPr>
   </p:defaultTextStyle>
+  <p:extLst>
+    <p:ext uri="{EFAFB233-063F-42B5-8137-9DF3F51BA10A}">
+      <p15:sldGuideLst xmlns:p15="http://schemas.microsoft.com/office/powerpoint/2012/main"/>
+    </p:ext>
+  </p:extLst>
 </p:presentation>
 </file>
 
@@ -238,7 +243,7 @@
           <a:p>
             <a:fld id="{260E7F35-4855-4D43-B1DE-D4E531001705}" type="datetimeFigureOut">
               <a:rPr lang="fr-FR" smtClean="0"/>
-              <a:t>20/04/2020</a:t>
+              <a:t>21/04/2020</a:t>
             </a:fld>
             <a:endParaRPr lang="fr-FR"/>
           </a:p>
@@ -408,7 +413,7 @@
           <a:p>
             <a:fld id="{260E7F35-4855-4D43-B1DE-D4E531001705}" type="datetimeFigureOut">
               <a:rPr lang="fr-FR" smtClean="0"/>
-              <a:t>20/04/2020</a:t>
+              <a:t>21/04/2020</a:t>
             </a:fld>
             <a:endParaRPr lang="fr-FR"/>
           </a:p>
@@ -588,7 +593,7 @@
           <a:p>
             <a:fld id="{260E7F35-4855-4D43-B1DE-D4E531001705}" type="datetimeFigureOut">
               <a:rPr lang="fr-FR" smtClean="0"/>
-              <a:t>20/04/2020</a:t>
+              <a:t>21/04/2020</a:t>
             </a:fld>
             <a:endParaRPr lang="fr-FR"/>
           </a:p>
@@ -758,7 +763,7 @@
           <a:p>
             <a:fld id="{260E7F35-4855-4D43-B1DE-D4E531001705}" type="datetimeFigureOut">
               <a:rPr lang="fr-FR" smtClean="0"/>
-              <a:t>20/04/2020</a:t>
+              <a:t>21/04/2020</a:t>
             </a:fld>
             <a:endParaRPr lang="fr-FR"/>
           </a:p>
@@ -1004,7 +1009,7 @@
           <a:p>
             <a:fld id="{260E7F35-4855-4D43-B1DE-D4E531001705}" type="datetimeFigureOut">
               <a:rPr lang="fr-FR" smtClean="0"/>
-              <a:t>20/04/2020</a:t>
+              <a:t>21/04/2020</a:t>
             </a:fld>
             <a:endParaRPr lang="fr-FR"/>
           </a:p>
@@ -1236,7 +1241,7 @@
           <a:p>
             <a:fld id="{260E7F35-4855-4D43-B1DE-D4E531001705}" type="datetimeFigureOut">
               <a:rPr lang="fr-FR" smtClean="0"/>
-              <a:t>20/04/2020</a:t>
+              <a:t>21/04/2020</a:t>
             </a:fld>
             <a:endParaRPr lang="fr-FR"/>
           </a:p>
@@ -1603,7 +1608,7 @@
           <a:p>
             <a:fld id="{260E7F35-4855-4D43-B1DE-D4E531001705}" type="datetimeFigureOut">
               <a:rPr lang="fr-FR" smtClean="0"/>
-              <a:t>20/04/2020</a:t>
+              <a:t>21/04/2020</a:t>
             </a:fld>
             <a:endParaRPr lang="fr-FR"/>
           </a:p>
@@ -1721,7 +1726,7 @@
           <a:p>
             <a:fld id="{260E7F35-4855-4D43-B1DE-D4E531001705}" type="datetimeFigureOut">
               <a:rPr lang="fr-FR" smtClean="0"/>
-              <a:t>20/04/2020</a:t>
+              <a:t>21/04/2020</a:t>
             </a:fld>
             <a:endParaRPr lang="fr-FR"/>
           </a:p>
@@ -1816,7 +1821,7 @@
           <a:p>
             <a:fld id="{260E7F35-4855-4D43-B1DE-D4E531001705}" type="datetimeFigureOut">
               <a:rPr lang="fr-FR" smtClean="0"/>
-              <a:t>20/04/2020</a:t>
+              <a:t>21/04/2020</a:t>
             </a:fld>
             <a:endParaRPr lang="fr-FR"/>
           </a:p>
@@ -2093,7 +2098,7 @@
           <a:p>
             <a:fld id="{260E7F35-4855-4D43-B1DE-D4E531001705}" type="datetimeFigureOut">
               <a:rPr lang="fr-FR" smtClean="0"/>
-              <a:t>20/04/2020</a:t>
+              <a:t>21/04/2020</a:t>
             </a:fld>
             <a:endParaRPr lang="fr-FR"/>
           </a:p>
@@ -2346,7 +2351,7 @@
           <a:p>
             <a:fld id="{260E7F35-4855-4D43-B1DE-D4E531001705}" type="datetimeFigureOut">
               <a:rPr lang="fr-FR" smtClean="0"/>
-              <a:t>20/04/2020</a:t>
+              <a:t>21/04/2020</a:t>
             </a:fld>
             <a:endParaRPr lang="fr-FR"/>
           </a:p>
@@ -2559,7 +2564,7 @@
           <a:p>
             <a:fld id="{260E7F35-4855-4D43-B1DE-D4E531001705}" type="datetimeFigureOut">
               <a:rPr lang="fr-FR" smtClean="0"/>
-              <a:t>20/04/2020</a:t>
+              <a:t>21/04/2020</a:t>
             </a:fld>
             <a:endParaRPr lang="fr-FR"/>
           </a:p>
@@ -4844,6 +4849,52 @@
       </p:sp>
       <p:sp>
         <p:nvSpPr>
+          <p:cNvPr id="2" name="Rectangle 1"/>
+          <p:cNvSpPr/>
+          <p:nvPr/>
+        </p:nvSpPr>
+        <p:spPr>
+          <a:xfrm>
+            <a:off x="1661956" y="1337911"/>
+            <a:ext cx="1270535" cy="452388"/>
+          </a:xfrm>
+          <a:prstGeom prst="rect">
+            <a:avLst/>
+          </a:prstGeom>
+          <a:solidFill>
+            <a:schemeClr val="accent4">
+              <a:lumMod val="20000"/>
+              <a:lumOff val="80000"/>
+            </a:schemeClr>
+          </a:solidFill>
+        </p:spPr>
+        <p:style>
+          <a:lnRef idx="2">
+            <a:schemeClr val="accent1">
+              <a:shade val="50000"/>
+            </a:schemeClr>
+          </a:lnRef>
+          <a:fillRef idx="1">
+            <a:schemeClr val="accent1"/>
+          </a:fillRef>
+          <a:effectRef idx="0">
+            <a:schemeClr val="accent1"/>
+          </a:effectRef>
+          <a:fontRef idx="minor">
+            <a:schemeClr val="lt1"/>
+          </a:fontRef>
+        </p:style>
+        <p:txBody>
+          <a:bodyPr rtlCol="0" anchor="ctr"/>
+          <a:lstStyle/>
+          <a:p>
+            <a:pPr algn="ctr"/>
+            <a:endParaRPr lang="fr-FR"/>
+          </a:p>
+        </p:txBody>
+      </p:sp>
+      <p:sp>
+        <p:nvSpPr>
           <p:cNvPr id="17" name="ZoneTexte 16"/>
           <p:cNvSpPr txBox="1"/>
           <p:nvPr/>
@@ -4940,8 +4991,8 @@
         </p:nvSpPr>
         <p:spPr>
           <a:xfrm>
-            <a:off x="3053844" y="1392614"/>
-            <a:ext cx="1905802" cy="369332"/>
+            <a:off x="3366361" y="1392614"/>
+            <a:ext cx="1266824" cy="369332"/>
           </a:xfrm>
           <a:prstGeom prst="rect">
             <a:avLst/>
@@ -5801,6 +5852,13 @@
   <p:clrMapOvr>
     <a:masterClrMapping/>
   </p:clrMapOvr>
+  <p:timing>
+    <p:tnLst>
+      <p:par>
+        <p:cTn id="1" dur="indefinite" restart="never" nodeType="tmRoot"/>
+      </p:par>
+    </p:tnLst>
+  </p:timing>
 </p:sld>
 </file>
 

--- a/ProjetStage/MaquetteProjetStage.pptx
+++ b/ProjetStage/MaquetteProjetStage.pptx
@@ -6,6 +6,7 @@
   </p:sldMasterIdLst>
   <p:sldIdLst>
     <p:sldId id="256" r:id="rId2"/>
+    <p:sldId id="257" r:id="rId3"/>
   </p:sldIdLst>
   <p:sldSz cx="12192000" cy="6858000"/>
   <p:notesSz cx="6858000" cy="9144000"/>
@@ -2981,7 +2982,7 @@
         </p:nvGrpSpPr>
         <p:grpSpPr>
           <a:xfrm>
-            <a:off x="1661959" y="0"/>
+            <a:off x="1687851" y="0"/>
             <a:ext cx="10530041" cy="6873017"/>
             <a:chOff x="595683" y="1261242"/>
             <a:chExt cx="6668464" cy="4352544"/>
@@ -4780,7 +4781,7 @@
         <p:spPr>
           <a:xfrm>
             <a:off x="231006" y="534985"/>
-            <a:ext cx="1203158" cy="369332"/>
+            <a:ext cx="1203158" cy="646331"/>
           </a:xfrm>
           <a:prstGeom prst="rect">
             <a:avLst/>
@@ -4795,7 +4796,7 @@
           <a:p>
             <a:r>
               <a:rPr lang="fr-FR" dirty="0" smtClean="0"/>
-              <a:t>INDEX</a:t>
+              <a:t>INDEX Part1</a:t>
             </a:r>
             <a:endParaRPr lang="fr-FR" dirty="0"/>
           </a:p>
@@ -5842,10 +5843,4105 @@
           </a:p>
         </p:txBody>
       </p:sp>
+      <p:sp>
+        <p:nvSpPr>
+          <p:cNvPr id="3" name="Rectangle 2"/>
+          <p:cNvSpPr/>
+          <p:nvPr/>
+        </p:nvSpPr>
+        <p:spPr>
+          <a:xfrm>
+            <a:off x="1661956" y="1808189"/>
+            <a:ext cx="10530044" cy="2960581"/>
+          </a:xfrm>
+          <a:prstGeom prst="rect">
+            <a:avLst/>
+          </a:prstGeom>
+          <a:solidFill>
+            <a:schemeClr val="accent4">
+              <a:lumMod val="40000"/>
+              <a:lumOff val="60000"/>
+            </a:schemeClr>
+          </a:solidFill>
+        </p:spPr>
+        <p:style>
+          <a:lnRef idx="2">
+            <a:schemeClr val="accent1">
+              <a:shade val="50000"/>
+            </a:schemeClr>
+          </a:lnRef>
+          <a:fillRef idx="1">
+            <a:schemeClr val="accent1"/>
+          </a:fillRef>
+          <a:effectRef idx="0">
+            <a:schemeClr val="accent1"/>
+          </a:effectRef>
+          <a:fontRef idx="minor">
+            <a:schemeClr val="lt1"/>
+          </a:fontRef>
+        </p:style>
+        <p:txBody>
+          <a:bodyPr rtlCol="0" anchor="ctr"/>
+          <a:lstStyle/>
+          <a:p>
+            <a:pPr algn="ctr"/>
+            <a:endParaRPr lang="fr-FR"/>
+          </a:p>
+        </p:txBody>
+      </p:sp>
+      <p:sp>
+        <p:nvSpPr>
+          <p:cNvPr id="26" name="Rectangle 25"/>
+          <p:cNvSpPr/>
+          <p:nvPr/>
+        </p:nvSpPr>
+        <p:spPr>
+          <a:xfrm>
+            <a:off x="11723079" y="1790299"/>
+            <a:ext cx="468918" cy="2966896"/>
+          </a:xfrm>
+          <a:prstGeom prst="rect">
+            <a:avLst/>
+          </a:prstGeom>
+          <a:solidFill>
+            <a:schemeClr val="accent4">
+              <a:lumMod val="20000"/>
+              <a:lumOff val="80000"/>
+              <a:alpha val="50000"/>
+            </a:schemeClr>
+          </a:solidFill>
+          <a:ln>
+            <a:noFill/>
+          </a:ln>
+        </p:spPr>
+        <p:style>
+          <a:lnRef idx="0">
+            <a:scrgbClr r="0" g="0" b="0"/>
+          </a:lnRef>
+          <a:fillRef idx="0">
+            <a:scrgbClr r="0" g="0" b="0"/>
+          </a:fillRef>
+          <a:effectRef idx="0">
+            <a:scrgbClr r="0" g="0" b="0"/>
+          </a:effectRef>
+          <a:fontRef idx="minor">
+            <a:schemeClr val="lt1"/>
+          </a:fontRef>
+        </p:style>
+        <p:txBody>
+          <a:bodyPr rtlCol="0" anchor="ctr"/>
+          <a:lstStyle/>
+          <a:p>
+            <a:pPr algn="ctr"/>
+            <a:endParaRPr lang="fr-FR"/>
+          </a:p>
+        </p:txBody>
+      </p:sp>
+      <p:sp>
+        <p:nvSpPr>
+          <p:cNvPr id="28" name="ZoneTexte 27"/>
+          <p:cNvSpPr txBox="1"/>
+          <p:nvPr/>
+        </p:nvSpPr>
+        <p:spPr>
+          <a:xfrm>
+            <a:off x="11685960" y="2688849"/>
+            <a:ext cx="590309" cy="923330"/>
+          </a:xfrm>
+          <a:prstGeom prst="rect">
+            <a:avLst/>
+          </a:prstGeom>
+          <a:noFill/>
+        </p:spPr>
+        <p:txBody>
+          <a:bodyPr wrap="square" rtlCol="0">
+            <a:spAutoFit/>
+          </a:bodyPr>
+          <a:lstStyle/>
+          <a:p>
+            <a:r>
+              <a:rPr lang="fr-FR" sz="5400" dirty="0" smtClean="0">
+                <a:solidFill>
+                  <a:schemeClr val="accent4">
+                    <a:lumMod val="75000"/>
+                  </a:schemeClr>
+                </a:solidFill>
+              </a:rPr>
+              <a:t>&gt;</a:t>
+            </a:r>
+            <a:endParaRPr lang="fr-FR" sz="5400" dirty="0">
+              <a:solidFill>
+                <a:schemeClr val="accent4">
+                  <a:lumMod val="75000"/>
+                </a:schemeClr>
+              </a:solidFill>
+            </a:endParaRPr>
+          </a:p>
+        </p:txBody>
+      </p:sp>
+      <p:sp>
+        <p:nvSpPr>
+          <p:cNvPr id="29" name="ZoneTexte 28"/>
+          <p:cNvSpPr txBox="1"/>
+          <p:nvPr/>
+        </p:nvSpPr>
+        <p:spPr>
+          <a:xfrm>
+            <a:off x="5047070" y="4820967"/>
+            <a:ext cx="1092724" cy="369332"/>
+          </a:xfrm>
+          <a:prstGeom prst="rect">
+            <a:avLst/>
+          </a:prstGeom>
+          <a:noFill/>
+        </p:spPr>
+        <p:txBody>
+          <a:bodyPr wrap="square" rtlCol="0">
+            <a:spAutoFit/>
+          </a:bodyPr>
+          <a:lstStyle/>
+          <a:p>
+            <a:r>
+              <a:rPr lang="fr-FR" dirty="0" smtClean="0"/>
+              <a:t>Populaire</a:t>
+            </a:r>
+            <a:endParaRPr lang="fr-FR" dirty="0"/>
+          </a:p>
+        </p:txBody>
+      </p:sp>
+      <p:sp>
+        <p:nvSpPr>
+          <p:cNvPr id="30" name="ZoneTexte 29"/>
+          <p:cNvSpPr txBox="1"/>
+          <p:nvPr/>
+        </p:nvSpPr>
+        <p:spPr>
+          <a:xfrm>
+            <a:off x="6247507" y="4820967"/>
+            <a:ext cx="1358942" cy="369332"/>
+          </a:xfrm>
+          <a:prstGeom prst="rect">
+            <a:avLst/>
+          </a:prstGeom>
+          <a:noFill/>
+        </p:spPr>
+        <p:txBody>
+          <a:bodyPr wrap="square" rtlCol="0">
+            <a:spAutoFit/>
+          </a:bodyPr>
+          <a:lstStyle/>
+          <a:p>
+            <a:r>
+              <a:rPr lang="fr-FR" dirty="0" smtClean="0"/>
+              <a:t>Promotions</a:t>
+            </a:r>
+            <a:endParaRPr lang="fr-FR" dirty="0"/>
+          </a:p>
+        </p:txBody>
+      </p:sp>
+      <p:sp>
+        <p:nvSpPr>
+          <p:cNvPr id="31" name="ZoneTexte 30"/>
+          <p:cNvSpPr txBox="1"/>
+          <p:nvPr/>
+        </p:nvSpPr>
+        <p:spPr>
+          <a:xfrm>
+            <a:off x="7619565" y="4820967"/>
+            <a:ext cx="1519772" cy="369332"/>
+          </a:xfrm>
+          <a:prstGeom prst="rect">
+            <a:avLst/>
+          </a:prstGeom>
+          <a:noFill/>
+        </p:spPr>
+        <p:txBody>
+          <a:bodyPr wrap="square" rtlCol="0">
+            <a:spAutoFit/>
+          </a:bodyPr>
+          <a:lstStyle/>
+          <a:p>
+            <a:r>
+              <a:rPr lang="fr-FR" dirty="0" smtClean="0"/>
+              <a:t>Nouveautés</a:t>
+            </a:r>
+            <a:endParaRPr lang="fr-FR" dirty="0"/>
+          </a:p>
+        </p:txBody>
+      </p:sp>
+      <p:cxnSp>
+        <p:nvCxnSpPr>
+          <p:cNvPr id="33" name="Connecteur droit 32"/>
+          <p:cNvCxnSpPr/>
+          <p:nvPr/>
+        </p:nvCxnSpPr>
+        <p:spPr>
+          <a:xfrm>
+            <a:off x="6139794" y="4867940"/>
+            <a:ext cx="0" cy="240697"/>
+          </a:xfrm>
+          <a:prstGeom prst="line">
+            <a:avLst/>
+          </a:prstGeom>
+          <a:ln>
+            <a:solidFill>
+              <a:schemeClr val="tx1">
+                <a:lumMod val="50000"/>
+                <a:lumOff val="50000"/>
+              </a:schemeClr>
+            </a:solidFill>
+          </a:ln>
+        </p:spPr>
+        <p:style>
+          <a:lnRef idx="1">
+            <a:schemeClr val="accent1"/>
+          </a:lnRef>
+          <a:fillRef idx="0">
+            <a:schemeClr val="accent1"/>
+          </a:fillRef>
+          <a:effectRef idx="0">
+            <a:schemeClr val="accent1"/>
+          </a:effectRef>
+          <a:fontRef idx="minor">
+            <a:schemeClr val="tx1"/>
+          </a:fontRef>
+        </p:style>
+      </p:cxnSp>
+      <p:cxnSp>
+        <p:nvCxnSpPr>
+          <p:cNvPr id="34" name="Connecteur droit 33"/>
+          <p:cNvCxnSpPr/>
+          <p:nvPr/>
+        </p:nvCxnSpPr>
+        <p:spPr>
+          <a:xfrm>
+            <a:off x="7569045" y="4875238"/>
+            <a:ext cx="0" cy="240697"/>
+          </a:xfrm>
+          <a:prstGeom prst="line">
+            <a:avLst/>
+          </a:prstGeom>
+          <a:ln>
+            <a:solidFill>
+              <a:schemeClr val="tx1">
+                <a:lumMod val="50000"/>
+                <a:lumOff val="50000"/>
+              </a:schemeClr>
+            </a:solidFill>
+          </a:ln>
+        </p:spPr>
+        <p:style>
+          <a:lnRef idx="1">
+            <a:schemeClr val="accent1"/>
+          </a:lnRef>
+          <a:fillRef idx="0">
+            <a:schemeClr val="accent1"/>
+          </a:fillRef>
+          <a:effectRef idx="0">
+            <a:schemeClr val="accent1"/>
+          </a:effectRef>
+          <a:fontRef idx="minor">
+            <a:schemeClr val="tx1"/>
+          </a:fontRef>
+        </p:style>
+      </p:cxnSp>
+      <p:sp>
+        <p:nvSpPr>
+          <p:cNvPr id="35" name="ZoneTexte 34"/>
+          <p:cNvSpPr txBox="1"/>
+          <p:nvPr/>
+        </p:nvSpPr>
+        <p:spPr>
+          <a:xfrm>
+            <a:off x="5383836" y="3065409"/>
+            <a:ext cx="6481625" cy="369332"/>
+          </a:xfrm>
+          <a:prstGeom prst="rect">
+            <a:avLst/>
+          </a:prstGeom>
+          <a:noFill/>
+        </p:spPr>
+        <p:txBody>
+          <a:bodyPr wrap="square" rtlCol="0">
+            <a:spAutoFit/>
+          </a:bodyPr>
+          <a:lstStyle/>
+          <a:p>
+            <a:r>
+              <a:rPr lang="fr-FR" dirty="0" err="1" smtClean="0"/>
+              <a:t>Slideshow</a:t>
+            </a:r>
+            <a:r>
+              <a:rPr lang="fr-FR" dirty="0" smtClean="0"/>
+              <a:t> image des produits</a:t>
+            </a:r>
+            <a:endParaRPr lang="fr-FR" dirty="0"/>
+          </a:p>
+        </p:txBody>
+      </p:sp>
     </p:spTree>
     <p:extLst>
       <p:ext uri="{BB962C8B-B14F-4D97-AF65-F5344CB8AC3E}">
         <p14:creationId xmlns:p14="http://schemas.microsoft.com/office/powerpoint/2010/main" val="1968087635"/>
+      </p:ext>
+    </p:extLst>
+  </p:cSld>
+  <p:clrMapOvr>
+    <a:masterClrMapping/>
+  </p:clrMapOvr>
+  <p:timing>
+    <p:tnLst>
+      <p:par>
+        <p:cTn id="1" dur="indefinite" restart="never" nodeType="tmRoot"/>
+      </p:par>
+    </p:tnLst>
+  </p:timing>
+</p:sld>
+</file>
+
+<file path=ppt/slides/slide2.xml><?xml version="1.0" encoding="utf-8"?>
+<p:sld xmlns:a="http://schemas.openxmlformats.org/drawingml/2006/main" xmlns:r="http://schemas.openxmlformats.org/officeDocument/2006/relationships" xmlns:p="http://schemas.openxmlformats.org/presentationml/2006/main">
+  <p:cSld>
+    <p:spTree>
+      <p:nvGrpSpPr>
+        <p:cNvPr id="1" name=""/>
+        <p:cNvGrpSpPr/>
+        <p:nvPr/>
+      </p:nvGrpSpPr>
+      <p:grpSpPr>
+        <a:xfrm>
+          <a:off x="0" y="0"/>
+          <a:ext cx="0" cy="0"/>
+          <a:chOff x="0" y="0"/>
+          <a:chExt cx="0" cy="0"/>
+        </a:xfrm>
+      </p:grpSpPr>
+      <p:grpSp>
+        <p:nvGrpSpPr>
+          <p:cNvPr id="4" name="Browser" descr="&lt;SmartSettings&gt;&lt;SmartResize enabled=&quot;True&quot; minWidth=&quot;140&quot; minHeight=&quot;50&quot; /&gt;&lt;/SmartSettings&gt;"/>
+          <p:cNvGrpSpPr/>
+          <p:nvPr>
+            <p:custDataLst>
+              <p:tags r:id="rId1"/>
+            </p:custDataLst>
+          </p:nvPr>
+        </p:nvGrpSpPr>
+        <p:grpSpPr>
+          <a:xfrm>
+            <a:off x="1687851" y="0"/>
+            <a:ext cx="10530041" cy="6873017"/>
+            <a:chOff x="595683" y="1261242"/>
+            <a:chExt cx="6668464" cy="4352544"/>
+          </a:xfrm>
+        </p:grpSpPr>
+        <p:sp>
+          <p:nvSpPr>
+            <p:cNvPr id="5" name="Window Body" descr="&lt;SmartSettings&gt;&lt;SmartResize anchorLeft=&quot;Absolute&quot; anchorTop=&quot;Absolute&quot; anchorRight=&quot;Absolute&quot; anchorBottom=&quot;Absolute&quot; /&gt;&lt;/SmartSettings&gt;"/>
+            <p:cNvSpPr/>
+            <p:nvPr>
+              <p:custDataLst>
+                <p:tags r:id="rId2"/>
+              </p:custDataLst>
+            </p:nvPr>
+          </p:nvSpPr>
+          <p:spPr>
+            <a:xfrm>
+              <a:off x="595683" y="1600037"/>
+              <a:ext cx="6668462" cy="4013749"/>
+            </a:xfrm>
+            <a:prstGeom prst="rect">
+              <a:avLst/>
+            </a:prstGeom>
+            <a:solidFill>
+              <a:schemeClr val="bg1">
+                <a:lumMod val="95000"/>
+              </a:schemeClr>
+            </a:solidFill>
+            <a:ln w="6350">
+              <a:solidFill>
+                <a:srgbClr val="808080"/>
+              </a:solidFill>
+            </a:ln>
+          </p:spPr>
+          <p:style>
+            <a:lnRef idx="2">
+              <a:schemeClr val="accent1">
+                <a:shade val="50000"/>
+              </a:schemeClr>
+            </a:lnRef>
+            <a:fillRef idx="1">
+              <a:schemeClr val="accent1"/>
+            </a:fillRef>
+            <a:effectRef idx="0">
+              <a:schemeClr val="accent1"/>
+            </a:effectRef>
+            <a:fontRef idx="minor">
+              <a:schemeClr val="lt1"/>
+            </a:fontRef>
+          </p:style>
+          <p:txBody>
+            <a:bodyPr rot="0" spcFirstLastPara="0" vert="horz" wrap="square" lIns="91440" tIns="45720" rIns="91440" bIns="45720" numCol="1" spcCol="0" rtlCol="0" fromWordArt="0" anchor="ctr" anchorCtr="0" forceAA="0" compatLnSpc="1">
+              <a:prstTxWarp prst="textNoShape">
+                <a:avLst/>
+              </a:prstTxWarp>
+              <a:noAutofit/>
+            </a:bodyPr>
+            <a:lstStyle>
+              <a:defPPr>
+                <a:defRPr lang="en-US"/>
+              </a:defPPr>
+              <a:lvl1pPr marL="0" algn="l" defTabSz="914400" rtl="0" eaLnBrk="1" latinLnBrk="0" hangingPunct="1">
+                <a:defRPr sz="1800" kern="1200">
+                  <a:solidFill>
+                    <a:schemeClr val="lt1"/>
+                  </a:solidFill>
+                  <a:latin typeface="+mn-lt"/>
+                  <a:ea typeface="+mn-ea"/>
+                  <a:cs typeface="+mn-cs"/>
+                </a:defRPr>
+              </a:lvl1pPr>
+              <a:lvl2pPr marL="457200" algn="l" defTabSz="914400" rtl="0" eaLnBrk="1" latinLnBrk="0" hangingPunct="1">
+                <a:defRPr sz="1800" kern="1200">
+                  <a:solidFill>
+                    <a:schemeClr val="lt1"/>
+                  </a:solidFill>
+                  <a:latin typeface="+mn-lt"/>
+                  <a:ea typeface="+mn-ea"/>
+                  <a:cs typeface="+mn-cs"/>
+                </a:defRPr>
+              </a:lvl2pPr>
+              <a:lvl3pPr marL="914400" algn="l" defTabSz="914400" rtl="0" eaLnBrk="1" latinLnBrk="0" hangingPunct="1">
+                <a:defRPr sz="1800" kern="1200">
+                  <a:solidFill>
+                    <a:schemeClr val="lt1"/>
+                  </a:solidFill>
+                  <a:latin typeface="+mn-lt"/>
+                  <a:ea typeface="+mn-ea"/>
+                  <a:cs typeface="+mn-cs"/>
+                </a:defRPr>
+              </a:lvl3pPr>
+              <a:lvl4pPr marL="1371600" algn="l" defTabSz="914400" rtl="0" eaLnBrk="1" latinLnBrk="0" hangingPunct="1">
+                <a:defRPr sz="1800" kern="1200">
+                  <a:solidFill>
+                    <a:schemeClr val="lt1"/>
+                  </a:solidFill>
+                  <a:latin typeface="+mn-lt"/>
+                  <a:ea typeface="+mn-ea"/>
+                  <a:cs typeface="+mn-cs"/>
+                </a:defRPr>
+              </a:lvl4pPr>
+              <a:lvl5pPr marL="1828800" algn="l" defTabSz="914400" rtl="0" eaLnBrk="1" latinLnBrk="0" hangingPunct="1">
+                <a:defRPr sz="1800" kern="1200">
+                  <a:solidFill>
+                    <a:schemeClr val="lt1"/>
+                  </a:solidFill>
+                  <a:latin typeface="+mn-lt"/>
+                  <a:ea typeface="+mn-ea"/>
+                  <a:cs typeface="+mn-cs"/>
+                </a:defRPr>
+              </a:lvl5pPr>
+              <a:lvl6pPr marL="2286000" algn="l" defTabSz="914400" rtl="0" eaLnBrk="1" latinLnBrk="0" hangingPunct="1">
+                <a:defRPr sz="1800" kern="1200">
+                  <a:solidFill>
+                    <a:schemeClr val="lt1"/>
+                  </a:solidFill>
+                  <a:latin typeface="+mn-lt"/>
+                  <a:ea typeface="+mn-ea"/>
+                  <a:cs typeface="+mn-cs"/>
+                </a:defRPr>
+              </a:lvl6pPr>
+              <a:lvl7pPr marL="2743200" algn="l" defTabSz="914400" rtl="0" eaLnBrk="1" latinLnBrk="0" hangingPunct="1">
+                <a:defRPr sz="1800" kern="1200">
+                  <a:solidFill>
+                    <a:schemeClr val="lt1"/>
+                  </a:solidFill>
+                  <a:latin typeface="+mn-lt"/>
+                  <a:ea typeface="+mn-ea"/>
+                  <a:cs typeface="+mn-cs"/>
+                </a:defRPr>
+              </a:lvl7pPr>
+              <a:lvl8pPr marL="3200400" algn="l" defTabSz="914400" rtl="0" eaLnBrk="1" latinLnBrk="0" hangingPunct="1">
+                <a:defRPr sz="1800" kern="1200">
+                  <a:solidFill>
+                    <a:schemeClr val="lt1"/>
+                  </a:solidFill>
+                  <a:latin typeface="+mn-lt"/>
+                  <a:ea typeface="+mn-ea"/>
+                  <a:cs typeface="+mn-cs"/>
+                </a:defRPr>
+              </a:lvl8pPr>
+              <a:lvl9pPr marL="3657600" algn="l" defTabSz="914400" rtl="0" eaLnBrk="1" latinLnBrk="0" hangingPunct="1">
+                <a:defRPr sz="1800" kern="1200">
+                  <a:solidFill>
+                    <a:schemeClr val="lt1"/>
+                  </a:solidFill>
+                  <a:latin typeface="+mn-lt"/>
+                  <a:ea typeface="+mn-ea"/>
+                  <a:cs typeface="+mn-cs"/>
+                </a:defRPr>
+              </a:lvl9pPr>
+            </a:lstStyle>
+            <a:p>
+              <a:pPr algn="ctr"/>
+              <a:endParaRPr lang="en-US" sz="900" dirty="0">
+                <a:solidFill>
+                  <a:srgbClr val="5F5F5F"/>
+                </a:solidFill>
+                <a:latin typeface="Segoe UI" panose="020B0502040204020203" pitchFamily="34" charset="0"/>
+                <a:cs typeface="Segoe UI" panose="020B0502040204020203" pitchFamily="34" charset="0"/>
+              </a:endParaRPr>
+            </a:p>
+          </p:txBody>
+        </p:sp>
+        <p:sp>
+          <p:nvSpPr>
+            <p:cNvPr id="6" name="Title Bar" descr="&lt;SmartSettings&gt;&lt;SmartResize anchorLeft=&quot;Absolute&quot; anchorTop=&quot;Absolute&quot; anchorRight=&quot;Absolute&quot; anchorBottom=&quot;None&quot; /&gt;&lt;/SmartSettings&gt;"/>
+            <p:cNvSpPr/>
+            <p:nvPr>
+              <p:custDataLst>
+                <p:tags r:id="rId3"/>
+              </p:custDataLst>
+            </p:nvPr>
+          </p:nvSpPr>
+          <p:spPr>
+            <a:xfrm>
+              <a:off x="595684" y="1261242"/>
+              <a:ext cx="6668463" cy="340121"/>
+            </a:xfrm>
+            <a:prstGeom prst="rect">
+              <a:avLst/>
+            </a:prstGeom>
+            <a:solidFill>
+              <a:srgbClr val="FFFFFF"/>
+            </a:solidFill>
+            <a:ln w="6350">
+              <a:solidFill>
+                <a:srgbClr val="808080"/>
+              </a:solidFill>
+            </a:ln>
+          </p:spPr>
+          <p:style>
+            <a:lnRef idx="2">
+              <a:schemeClr val="accent1">
+                <a:shade val="50000"/>
+              </a:schemeClr>
+            </a:lnRef>
+            <a:fillRef idx="1">
+              <a:schemeClr val="accent1"/>
+            </a:fillRef>
+            <a:effectRef idx="0">
+              <a:schemeClr val="accent1"/>
+            </a:effectRef>
+            <a:fontRef idx="minor">
+              <a:schemeClr val="lt1"/>
+            </a:fontRef>
+          </p:style>
+          <p:txBody>
+            <a:bodyPr rot="0" spcFirstLastPara="0" vert="horz" wrap="square" lIns="91440" tIns="45720" rIns="228600" bIns="45720" numCol="1" spcCol="0" rtlCol="0" fromWordArt="0" anchor="t" anchorCtr="0" forceAA="0" compatLnSpc="1">
+              <a:prstTxWarp prst="textNoShape">
+                <a:avLst/>
+              </a:prstTxWarp>
+              <a:noAutofit/>
+            </a:bodyPr>
+            <a:lstStyle>
+              <a:defPPr>
+                <a:defRPr lang="en-US"/>
+              </a:defPPr>
+              <a:lvl1pPr marL="0" algn="l" defTabSz="914400" rtl="0" eaLnBrk="1" latinLnBrk="0" hangingPunct="1">
+                <a:defRPr sz="1800" kern="1200">
+                  <a:solidFill>
+                    <a:schemeClr val="lt1"/>
+                  </a:solidFill>
+                  <a:latin typeface="+mn-lt"/>
+                  <a:ea typeface="+mn-ea"/>
+                  <a:cs typeface="+mn-cs"/>
+                </a:defRPr>
+              </a:lvl1pPr>
+              <a:lvl2pPr marL="457200" algn="l" defTabSz="914400" rtl="0" eaLnBrk="1" latinLnBrk="0" hangingPunct="1">
+                <a:defRPr sz="1800" kern="1200">
+                  <a:solidFill>
+                    <a:schemeClr val="lt1"/>
+                  </a:solidFill>
+                  <a:latin typeface="+mn-lt"/>
+                  <a:ea typeface="+mn-ea"/>
+                  <a:cs typeface="+mn-cs"/>
+                </a:defRPr>
+              </a:lvl2pPr>
+              <a:lvl3pPr marL="914400" algn="l" defTabSz="914400" rtl="0" eaLnBrk="1" latinLnBrk="0" hangingPunct="1">
+                <a:defRPr sz="1800" kern="1200">
+                  <a:solidFill>
+                    <a:schemeClr val="lt1"/>
+                  </a:solidFill>
+                  <a:latin typeface="+mn-lt"/>
+                  <a:ea typeface="+mn-ea"/>
+                  <a:cs typeface="+mn-cs"/>
+                </a:defRPr>
+              </a:lvl3pPr>
+              <a:lvl4pPr marL="1371600" algn="l" defTabSz="914400" rtl="0" eaLnBrk="1" latinLnBrk="0" hangingPunct="1">
+                <a:defRPr sz="1800" kern="1200">
+                  <a:solidFill>
+                    <a:schemeClr val="lt1"/>
+                  </a:solidFill>
+                  <a:latin typeface="+mn-lt"/>
+                  <a:ea typeface="+mn-ea"/>
+                  <a:cs typeface="+mn-cs"/>
+                </a:defRPr>
+              </a:lvl4pPr>
+              <a:lvl5pPr marL="1828800" algn="l" defTabSz="914400" rtl="0" eaLnBrk="1" latinLnBrk="0" hangingPunct="1">
+                <a:defRPr sz="1800" kern="1200">
+                  <a:solidFill>
+                    <a:schemeClr val="lt1"/>
+                  </a:solidFill>
+                  <a:latin typeface="+mn-lt"/>
+                  <a:ea typeface="+mn-ea"/>
+                  <a:cs typeface="+mn-cs"/>
+                </a:defRPr>
+              </a:lvl5pPr>
+              <a:lvl6pPr marL="2286000" algn="l" defTabSz="914400" rtl="0" eaLnBrk="1" latinLnBrk="0" hangingPunct="1">
+                <a:defRPr sz="1800" kern="1200">
+                  <a:solidFill>
+                    <a:schemeClr val="lt1"/>
+                  </a:solidFill>
+                  <a:latin typeface="+mn-lt"/>
+                  <a:ea typeface="+mn-ea"/>
+                  <a:cs typeface="+mn-cs"/>
+                </a:defRPr>
+              </a:lvl6pPr>
+              <a:lvl7pPr marL="2743200" algn="l" defTabSz="914400" rtl="0" eaLnBrk="1" latinLnBrk="0" hangingPunct="1">
+                <a:defRPr sz="1800" kern="1200">
+                  <a:solidFill>
+                    <a:schemeClr val="lt1"/>
+                  </a:solidFill>
+                  <a:latin typeface="+mn-lt"/>
+                  <a:ea typeface="+mn-ea"/>
+                  <a:cs typeface="+mn-cs"/>
+                </a:defRPr>
+              </a:lvl7pPr>
+              <a:lvl8pPr marL="3200400" algn="l" defTabSz="914400" rtl="0" eaLnBrk="1" latinLnBrk="0" hangingPunct="1">
+                <a:defRPr sz="1800" kern="1200">
+                  <a:solidFill>
+                    <a:schemeClr val="lt1"/>
+                  </a:solidFill>
+                  <a:latin typeface="+mn-lt"/>
+                  <a:ea typeface="+mn-ea"/>
+                  <a:cs typeface="+mn-cs"/>
+                </a:defRPr>
+              </a:lvl8pPr>
+              <a:lvl9pPr marL="3657600" algn="l" defTabSz="914400" rtl="0" eaLnBrk="1" latinLnBrk="0" hangingPunct="1">
+                <a:defRPr sz="1800" kern="1200">
+                  <a:solidFill>
+                    <a:schemeClr val="lt1"/>
+                  </a:solidFill>
+                  <a:latin typeface="+mn-lt"/>
+                  <a:ea typeface="+mn-ea"/>
+                  <a:cs typeface="+mn-cs"/>
+                </a:defRPr>
+              </a:lvl9pPr>
+            </a:lstStyle>
+            <a:p>
+              <a:r>
+                <a:rPr lang="en-US" sz="900" dirty="0" smtClean="0">
+                  <a:solidFill>
+                    <a:srgbClr val="5F5F5F"/>
+                  </a:solidFill>
+                  <a:latin typeface="Segoe UI" panose="020B0502040204020203" pitchFamily="34" charset="0"/>
+                  <a:cs typeface="Segoe UI" panose="020B0502040204020203" pitchFamily="34" charset="0"/>
+                </a:rPr>
+                <a:t>Browser</a:t>
+              </a:r>
+              <a:endParaRPr lang="en-US" sz="900" dirty="0">
+                <a:solidFill>
+                  <a:srgbClr val="5F5F5F"/>
+                </a:solidFill>
+                <a:latin typeface="Segoe UI" panose="020B0502040204020203" pitchFamily="34" charset="0"/>
+                <a:cs typeface="Segoe UI" panose="020B0502040204020203" pitchFamily="34" charset="0"/>
+              </a:endParaRPr>
+            </a:p>
+          </p:txBody>
+        </p:sp>
+        <p:sp>
+          <p:nvSpPr>
+            <p:cNvPr id="7" name="Menu Button" descr="&lt;SmartSettings&gt;&lt;SmartResize anchorLeft=&quot;None&quot; anchorTop=&quot;Absolute&quot; anchorRight=&quot;Absolute&quot; anchorBottom=&quot;None&quot; /&gt;&lt;/SmartSettings&gt;"/>
+            <p:cNvSpPr>
+              <a:spLocks noChangeAspect="1" noEditPoints="1"/>
+            </p:cNvSpPr>
+            <p:nvPr>
+              <p:custDataLst>
+                <p:tags r:id="rId4"/>
+              </p:custDataLst>
+            </p:nvPr>
+          </p:nvSpPr>
+          <p:spPr bwMode="auto">
+            <a:xfrm>
+              <a:off x="7113500" y="1456014"/>
+              <a:ext cx="94501" cy="71379"/>
+            </a:xfrm>
+            <a:custGeom>
+              <a:avLst/>
+              <a:gdLst>
+                <a:gd name="T0" fmla="*/ 0 w 415"/>
+                <a:gd name="T1" fmla="*/ 309 h 309"/>
+                <a:gd name="T2" fmla="*/ 415 w 415"/>
+                <a:gd name="T3" fmla="*/ 309 h 309"/>
+                <a:gd name="T4" fmla="*/ 0 w 415"/>
+                <a:gd name="T5" fmla="*/ 155 h 309"/>
+                <a:gd name="T6" fmla="*/ 415 w 415"/>
+                <a:gd name="T7" fmla="*/ 155 h 309"/>
+                <a:gd name="T8" fmla="*/ 0 w 415"/>
+                <a:gd name="T9" fmla="*/ 0 h 309"/>
+                <a:gd name="T10" fmla="*/ 415 w 415"/>
+                <a:gd name="T11" fmla="*/ 0 h 309"/>
+              </a:gdLst>
+              <a:ahLst/>
+              <a:cxnLst>
+                <a:cxn ang="0">
+                  <a:pos x="T0" y="T1"/>
+                </a:cxn>
+                <a:cxn ang="0">
+                  <a:pos x="T2" y="T3"/>
+                </a:cxn>
+                <a:cxn ang="0">
+                  <a:pos x="T4" y="T5"/>
+                </a:cxn>
+                <a:cxn ang="0">
+                  <a:pos x="T6" y="T7"/>
+                </a:cxn>
+                <a:cxn ang="0">
+                  <a:pos x="T8" y="T9"/>
+                </a:cxn>
+                <a:cxn ang="0">
+                  <a:pos x="T10" y="T11"/>
+                </a:cxn>
+              </a:cxnLst>
+              <a:rect l="0" t="0" r="r" b="b"/>
+              <a:pathLst>
+                <a:path w="415" h="309">
+                  <a:moveTo>
+                    <a:pt x="0" y="309"/>
+                  </a:moveTo>
+                  <a:lnTo>
+                    <a:pt x="415" y="309"/>
+                  </a:lnTo>
+                  <a:moveTo>
+                    <a:pt x="0" y="155"/>
+                  </a:moveTo>
+                  <a:lnTo>
+                    <a:pt x="415" y="155"/>
+                  </a:lnTo>
+                  <a:moveTo>
+                    <a:pt x="0" y="0"/>
+                  </a:moveTo>
+                  <a:lnTo>
+                    <a:pt x="415" y="0"/>
+                  </a:lnTo>
+                </a:path>
+              </a:pathLst>
+            </a:custGeom>
+            <a:noFill/>
+            <a:ln w="6350" cap="flat">
+              <a:solidFill>
+                <a:srgbClr val="808080"/>
+              </a:solidFill>
+              <a:prstDash val="solid"/>
+              <a:miter lim="800000"/>
+              <a:headEnd/>
+              <a:tailEnd/>
+            </a:ln>
+            <a:extLst>
+              <a:ext uri="{909E8E84-426E-40DD-AFC4-6F175D3DCCD1}">
+                <a14:hiddenFill xmlns:a14="http://schemas.microsoft.com/office/drawing/2010/main">
+                  <a:solidFill>
+                    <a:srgbClr val="FFFFFF"/>
+                  </a:solidFill>
+                </a14:hiddenFill>
+              </a:ext>
+            </a:extLst>
+          </p:spPr>
+          <p:txBody>
+            <a:bodyPr vert="horz" wrap="square" lIns="91440" tIns="45720" rIns="91440" bIns="45720" numCol="1" anchor="t" anchorCtr="0" compatLnSpc="1">
+              <a:prstTxWarp prst="textNoShape">
+                <a:avLst/>
+              </a:prstTxWarp>
+            </a:bodyPr>
+            <a:lstStyle>
+              <a:defPPr>
+                <a:defRPr lang="en-US"/>
+              </a:defPPr>
+              <a:lvl1pPr marL="0" algn="l" defTabSz="914400" rtl="0" eaLnBrk="1" latinLnBrk="0" hangingPunct="1">
+                <a:defRPr sz="1800" kern="1200">
+                  <a:solidFill>
+                    <a:schemeClr val="tx1"/>
+                  </a:solidFill>
+                  <a:latin typeface="+mn-lt"/>
+                  <a:ea typeface="+mn-ea"/>
+                  <a:cs typeface="+mn-cs"/>
+                </a:defRPr>
+              </a:lvl1pPr>
+              <a:lvl2pPr marL="457200" algn="l" defTabSz="914400" rtl="0" eaLnBrk="1" latinLnBrk="0" hangingPunct="1">
+                <a:defRPr sz="1800" kern="1200">
+                  <a:solidFill>
+                    <a:schemeClr val="tx1"/>
+                  </a:solidFill>
+                  <a:latin typeface="+mn-lt"/>
+                  <a:ea typeface="+mn-ea"/>
+                  <a:cs typeface="+mn-cs"/>
+                </a:defRPr>
+              </a:lvl2pPr>
+              <a:lvl3pPr marL="914400" algn="l" defTabSz="914400" rtl="0" eaLnBrk="1" latinLnBrk="0" hangingPunct="1">
+                <a:defRPr sz="1800" kern="1200">
+                  <a:solidFill>
+                    <a:schemeClr val="tx1"/>
+                  </a:solidFill>
+                  <a:latin typeface="+mn-lt"/>
+                  <a:ea typeface="+mn-ea"/>
+                  <a:cs typeface="+mn-cs"/>
+                </a:defRPr>
+              </a:lvl3pPr>
+              <a:lvl4pPr marL="1371600" algn="l" defTabSz="914400" rtl="0" eaLnBrk="1" latinLnBrk="0" hangingPunct="1">
+                <a:defRPr sz="1800" kern="1200">
+                  <a:solidFill>
+                    <a:schemeClr val="tx1"/>
+                  </a:solidFill>
+                  <a:latin typeface="+mn-lt"/>
+                  <a:ea typeface="+mn-ea"/>
+                  <a:cs typeface="+mn-cs"/>
+                </a:defRPr>
+              </a:lvl4pPr>
+              <a:lvl5pPr marL="1828800" algn="l" defTabSz="914400" rtl="0" eaLnBrk="1" latinLnBrk="0" hangingPunct="1">
+                <a:defRPr sz="1800" kern="1200">
+                  <a:solidFill>
+                    <a:schemeClr val="tx1"/>
+                  </a:solidFill>
+                  <a:latin typeface="+mn-lt"/>
+                  <a:ea typeface="+mn-ea"/>
+                  <a:cs typeface="+mn-cs"/>
+                </a:defRPr>
+              </a:lvl5pPr>
+              <a:lvl6pPr marL="2286000" algn="l" defTabSz="914400" rtl="0" eaLnBrk="1" latinLnBrk="0" hangingPunct="1">
+                <a:defRPr sz="1800" kern="1200">
+                  <a:solidFill>
+                    <a:schemeClr val="tx1"/>
+                  </a:solidFill>
+                  <a:latin typeface="+mn-lt"/>
+                  <a:ea typeface="+mn-ea"/>
+                  <a:cs typeface="+mn-cs"/>
+                </a:defRPr>
+              </a:lvl6pPr>
+              <a:lvl7pPr marL="2743200" algn="l" defTabSz="914400" rtl="0" eaLnBrk="1" latinLnBrk="0" hangingPunct="1">
+                <a:defRPr sz="1800" kern="1200">
+                  <a:solidFill>
+                    <a:schemeClr val="tx1"/>
+                  </a:solidFill>
+                  <a:latin typeface="+mn-lt"/>
+                  <a:ea typeface="+mn-ea"/>
+                  <a:cs typeface="+mn-cs"/>
+                </a:defRPr>
+              </a:lvl7pPr>
+              <a:lvl8pPr marL="3200400" algn="l" defTabSz="914400" rtl="0" eaLnBrk="1" latinLnBrk="0" hangingPunct="1">
+                <a:defRPr sz="1800" kern="1200">
+                  <a:solidFill>
+                    <a:schemeClr val="tx1"/>
+                  </a:solidFill>
+                  <a:latin typeface="+mn-lt"/>
+                  <a:ea typeface="+mn-ea"/>
+                  <a:cs typeface="+mn-cs"/>
+                </a:defRPr>
+              </a:lvl8pPr>
+              <a:lvl9pPr marL="3657600" algn="l" defTabSz="914400" rtl="0" eaLnBrk="1" latinLnBrk="0" hangingPunct="1">
+                <a:defRPr sz="1800" kern="1200">
+                  <a:solidFill>
+                    <a:schemeClr val="tx1"/>
+                  </a:solidFill>
+                  <a:latin typeface="+mn-lt"/>
+                  <a:ea typeface="+mn-ea"/>
+                  <a:cs typeface="+mn-cs"/>
+                </a:defRPr>
+              </a:lvl9pPr>
+            </a:lstStyle>
+            <a:p>
+              <a:endParaRPr lang="en-US">
+                <a:solidFill>
+                  <a:srgbClr val="5F5F5F"/>
+                </a:solidFill>
+                <a:latin typeface="Segoe UI" panose="020B0502040204020203" pitchFamily="34" charset="0"/>
+                <a:cs typeface="Segoe UI" panose="020B0502040204020203" pitchFamily="34" charset="0"/>
+              </a:endParaRPr>
+            </a:p>
+          </p:txBody>
+        </p:sp>
+        <p:sp>
+          <p:nvSpPr>
+            <p:cNvPr id="8" name="Close Button" descr="&lt;SmartSettings&gt;&lt;SmartResize anchorLeft=&quot;None&quot; anchorTop=&quot;Absolute&quot; anchorRight=&quot;Absolute&quot; anchorBottom=&quot;None&quot; /&gt;&lt;/SmartSettings&gt;"/>
+            <p:cNvSpPr>
+              <a:spLocks noEditPoints="1"/>
+            </p:cNvSpPr>
+            <p:nvPr>
+              <p:custDataLst>
+                <p:tags r:id="rId5"/>
+              </p:custDataLst>
+            </p:nvPr>
+          </p:nvSpPr>
+          <p:spPr bwMode="auto">
+            <a:xfrm>
+              <a:off x="7130598" y="1306361"/>
+              <a:ext cx="62331" cy="60320"/>
+            </a:xfrm>
+            <a:custGeom>
+              <a:avLst/>
+              <a:gdLst>
+                <a:gd name="T0" fmla="*/ 254 w 254"/>
+                <a:gd name="T1" fmla="*/ 0 h 254"/>
+                <a:gd name="T2" fmla="*/ 0 w 254"/>
+                <a:gd name="T3" fmla="*/ 254 h 254"/>
+                <a:gd name="T4" fmla="*/ 0 w 254"/>
+                <a:gd name="T5" fmla="*/ 0 h 254"/>
+                <a:gd name="T6" fmla="*/ 254 w 254"/>
+                <a:gd name="T7" fmla="*/ 254 h 254"/>
+              </a:gdLst>
+              <a:ahLst/>
+              <a:cxnLst>
+                <a:cxn ang="0">
+                  <a:pos x="T0" y="T1"/>
+                </a:cxn>
+                <a:cxn ang="0">
+                  <a:pos x="T2" y="T3"/>
+                </a:cxn>
+                <a:cxn ang="0">
+                  <a:pos x="T4" y="T5"/>
+                </a:cxn>
+                <a:cxn ang="0">
+                  <a:pos x="T6" y="T7"/>
+                </a:cxn>
+              </a:cxnLst>
+              <a:rect l="0" t="0" r="r" b="b"/>
+              <a:pathLst>
+                <a:path w="254" h="254">
+                  <a:moveTo>
+                    <a:pt x="254" y="0"/>
+                  </a:moveTo>
+                  <a:lnTo>
+                    <a:pt x="0" y="254"/>
+                  </a:lnTo>
+                  <a:moveTo>
+                    <a:pt x="0" y="0"/>
+                  </a:moveTo>
+                  <a:lnTo>
+                    <a:pt x="254" y="254"/>
+                  </a:lnTo>
+                </a:path>
+              </a:pathLst>
+            </a:custGeom>
+            <a:noFill/>
+            <a:ln w="9525" cap="flat">
+              <a:solidFill>
+                <a:srgbClr val="808080"/>
+              </a:solidFill>
+              <a:prstDash val="solid"/>
+              <a:miter lim="800000"/>
+              <a:headEnd/>
+              <a:tailEnd/>
+            </a:ln>
+            <a:extLst>
+              <a:ext uri="{909E8E84-426E-40DD-AFC4-6F175D3DCCD1}">
+                <a14:hiddenFill xmlns:a14="http://schemas.microsoft.com/office/drawing/2010/main">
+                  <a:solidFill>
+                    <a:srgbClr val="FFFFFF"/>
+                  </a:solidFill>
+                </a14:hiddenFill>
+              </a:ext>
+            </a:extLst>
+          </p:spPr>
+          <p:txBody>
+            <a:bodyPr vert="horz" wrap="square" lIns="91440" tIns="45720" rIns="91440" bIns="45720" numCol="1" anchor="t" anchorCtr="0" compatLnSpc="1">
+              <a:prstTxWarp prst="textNoShape">
+                <a:avLst/>
+              </a:prstTxWarp>
+            </a:bodyPr>
+            <a:lstStyle>
+              <a:defPPr>
+                <a:defRPr lang="en-US"/>
+              </a:defPPr>
+              <a:lvl1pPr marL="0" algn="l" defTabSz="914400" rtl="0" eaLnBrk="1" latinLnBrk="0" hangingPunct="1">
+                <a:defRPr sz="1800" kern="1200">
+                  <a:solidFill>
+                    <a:schemeClr val="tx1"/>
+                  </a:solidFill>
+                  <a:latin typeface="+mn-lt"/>
+                  <a:ea typeface="+mn-ea"/>
+                  <a:cs typeface="+mn-cs"/>
+                </a:defRPr>
+              </a:lvl1pPr>
+              <a:lvl2pPr marL="457200" algn="l" defTabSz="914400" rtl="0" eaLnBrk="1" latinLnBrk="0" hangingPunct="1">
+                <a:defRPr sz="1800" kern="1200">
+                  <a:solidFill>
+                    <a:schemeClr val="tx1"/>
+                  </a:solidFill>
+                  <a:latin typeface="+mn-lt"/>
+                  <a:ea typeface="+mn-ea"/>
+                  <a:cs typeface="+mn-cs"/>
+                </a:defRPr>
+              </a:lvl2pPr>
+              <a:lvl3pPr marL="914400" algn="l" defTabSz="914400" rtl="0" eaLnBrk="1" latinLnBrk="0" hangingPunct="1">
+                <a:defRPr sz="1800" kern="1200">
+                  <a:solidFill>
+                    <a:schemeClr val="tx1"/>
+                  </a:solidFill>
+                  <a:latin typeface="+mn-lt"/>
+                  <a:ea typeface="+mn-ea"/>
+                  <a:cs typeface="+mn-cs"/>
+                </a:defRPr>
+              </a:lvl3pPr>
+              <a:lvl4pPr marL="1371600" algn="l" defTabSz="914400" rtl="0" eaLnBrk="1" latinLnBrk="0" hangingPunct="1">
+                <a:defRPr sz="1800" kern="1200">
+                  <a:solidFill>
+                    <a:schemeClr val="tx1"/>
+                  </a:solidFill>
+                  <a:latin typeface="+mn-lt"/>
+                  <a:ea typeface="+mn-ea"/>
+                  <a:cs typeface="+mn-cs"/>
+                </a:defRPr>
+              </a:lvl4pPr>
+              <a:lvl5pPr marL="1828800" algn="l" defTabSz="914400" rtl="0" eaLnBrk="1" latinLnBrk="0" hangingPunct="1">
+                <a:defRPr sz="1800" kern="1200">
+                  <a:solidFill>
+                    <a:schemeClr val="tx1"/>
+                  </a:solidFill>
+                  <a:latin typeface="+mn-lt"/>
+                  <a:ea typeface="+mn-ea"/>
+                  <a:cs typeface="+mn-cs"/>
+                </a:defRPr>
+              </a:lvl5pPr>
+              <a:lvl6pPr marL="2286000" algn="l" defTabSz="914400" rtl="0" eaLnBrk="1" latinLnBrk="0" hangingPunct="1">
+                <a:defRPr sz="1800" kern="1200">
+                  <a:solidFill>
+                    <a:schemeClr val="tx1"/>
+                  </a:solidFill>
+                  <a:latin typeface="+mn-lt"/>
+                  <a:ea typeface="+mn-ea"/>
+                  <a:cs typeface="+mn-cs"/>
+                </a:defRPr>
+              </a:lvl6pPr>
+              <a:lvl7pPr marL="2743200" algn="l" defTabSz="914400" rtl="0" eaLnBrk="1" latinLnBrk="0" hangingPunct="1">
+                <a:defRPr sz="1800" kern="1200">
+                  <a:solidFill>
+                    <a:schemeClr val="tx1"/>
+                  </a:solidFill>
+                  <a:latin typeface="+mn-lt"/>
+                  <a:ea typeface="+mn-ea"/>
+                  <a:cs typeface="+mn-cs"/>
+                </a:defRPr>
+              </a:lvl7pPr>
+              <a:lvl8pPr marL="3200400" algn="l" defTabSz="914400" rtl="0" eaLnBrk="1" latinLnBrk="0" hangingPunct="1">
+                <a:defRPr sz="1800" kern="1200">
+                  <a:solidFill>
+                    <a:schemeClr val="tx1"/>
+                  </a:solidFill>
+                  <a:latin typeface="+mn-lt"/>
+                  <a:ea typeface="+mn-ea"/>
+                  <a:cs typeface="+mn-cs"/>
+                </a:defRPr>
+              </a:lvl8pPr>
+              <a:lvl9pPr marL="3657600" algn="l" defTabSz="914400" rtl="0" eaLnBrk="1" latinLnBrk="0" hangingPunct="1">
+                <a:defRPr sz="1800" kern="1200">
+                  <a:solidFill>
+                    <a:schemeClr val="tx1"/>
+                  </a:solidFill>
+                  <a:latin typeface="+mn-lt"/>
+                  <a:ea typeface="+mn-ea"/>
+                  <a:cs typeface="+mn-cs"/>
+                </a:defRPr>
+              </a:lvl9pPr>
+            </a:lstStyle>
+            <a:p>
+              <a:endParaRPr lang="en-US">
+                <a:solidFill>
+                  <a:srgbClr val="5F5F5F"/>
+                </a:solidFill>
+                <a:latin typeface="Segoe UI" panose="020B0502040204020203" pitchFamily="34" charset="0"/>
+                <a:cs typeface="Segoe UI" panose="020B0502040204020203" pitchFamily="34" charset="0"/>
+              </a:endParaRPr>
+            </a:p>
+          </p:txBody>
+        </p:sp>
+        <p:sp>
+          <p:nvSpPr>
+            <p:cNvPr id="9" name="Address Box" descr="&lt;SmartSettings&gt;&lt;SmartResize anchorLeft=&quot;Absolute&quot; anchorTop=&quot;Absolute&quot; anchorRight=&quot;Absolute&quot; anchorBottom=&quot;None&quot; /&gt;&lt;/SmartSettings&gt;"/>
+            <p:cNvSpPr/>
+            <p:nvPr>
+              <p:custDataLst>
+                <p:tags r:id="rId6"/>
+              </p:custDataLst>
+            </p:nvPr>
+          </p:nvSpPr>
+          <p:spPr>
+            <a:xfrm>
+              <a:off x="1167482" y="1416423"/>
+              <a:ext cx="5889875" cy="150559"/>
+            </a:xfrm>
+            <a:prstGeom prst="rect">
+              <a:avLst/>
+            </a:prstGeom>
+            <a:solidFill>
+              <a:srgbClr val="FFFFFF"/>
+            </a:solidFill>
+            <a:ln w="6350">
+              <a:solidFill>
+                <a:srgbClr val="808080"/>
+              </a:solidFill>
+            </a:ln>
+          </p:spPr>
+          <p:style>
+            <a:lnRef idx="2">
+              <a:schemeClr val="accent1">
+                <a:shade val="50000"/>
+              </a:schemeClr>
+            </a:lnRef>
+            <a:fillRef idx="1">
+              <a:schemeClr val="accent1"/>
+            </a:fillRef>
+            <a:effectRef idx="0">
+              <a:schemeClr val="accent1"/>
+            </a:effectRef>
+            <a:fontRef idx="minor">
+              <a:schemeClr val="lt1"/>
+            </a:fontRef>
+          </p:style>
+          <p:txBody>
+            <a:bodyPr rot="0" spcFirstLastPara="0" vert="horz" wrap="square" lIns="237744" tIns="45720" rIns="91440" bIns="45720" numCol="1" spcCol="0" rtlCol="0" fromWordArt="0" anchor="ctr" anchorCtr="0" forceAA="0" compatLnSpc="1">
+              <a:prstTxWarp prst="textNoShape">
+                <a:avLst/>
+              </a:prstTxWarp>
+              <a:noAutofit/>
+            </a:bodyPr>
+            <a:lstStyle>
+              <a:defPPr>
+                <a:defRPr lang="en-US"/>
+              </a:defPPr>
+              <a:lvl1pPr marL="0" algn="l" defTabSz="914400" rtl="0" eaLnBrk="1" latinLnBrk="0" hangingPunct="1">
+                <a:defRPr sz="1800" kern="1200">
+                  <a:solidFill>
+                    <a:schemeClr val="lt1"/>
+                  </a:solidFill>
+                  <a:latin typeface="+mn-lt"/>
+                  <a:ea typeface="+mn-ea"/>
+                  <a:cs typeface="+mn-cs"/>
+                </a:defRPr>
+              </a:lvl1pPr>
+              <a:lvl2pPr marL="457200" algn="l" defTabSz="914400" rtl="0" eaLnBrk="1" latinLnBrk="0" hangingPunct="1">
+                <a:defRPr sz="1800" kern="1200">
+                  <a:solidFill>
+                    <a:schemeClr val="lt1"/>
+                  </a:solidFill>
+                  <a:latin typeface="+mn-lt"/>
+                  <a:ea typeface="+mn-ea"/>
+                  <a:cs typeface="+mn-cs"/>
+                </a:defRPr>
+              </a:lvl2pPr>
+              <a:lvl3pPr marL="914400" algn="l" defTabSz="914400" rtl="0" eaLnBrk="1" latinLnBrk="0" hangingPunct="1">
+                <a:defRPr sz="1800" kern="1200">
+                  <a:solidFill>
+                    <a:schemeClr val="lt1"/>
+                  </a:solidFill>
+                  <a:latin typeface="+mn-lt"/>
+                  <a:ea typeface="+mn-ea"/>
+                  <a:cs typeface="+mn-cs"/>
+                </a:defRPr>
+              </a:lvl3pPr>
+              <a:lvl4pPr marL="1371600" algn="l" defTabSz="914400" rtl="0" eaLnBrk="1" latinLnBrk="0" hangingPunct="1">
+                <a:defRPr sz="1800" kern="1200">
+                  <a:solidFill>
+                    <a:schemeClr val="lt1"/>
+                  </a:solidFill>
+                  <a:latin typeface="+mn-lt"/>
+                  <a:ea typeface="+mn-ea"/>
+                  <a:cs typeface="+mn-cs"/>
+                </a:defRPr>
+              </a:lvl4pPr>
+              <a:lvl5pPr marL="1828800" algn="l" defTabSz="914400" rtl="0" eaLnBrk="1" latinLnBrk="0" hangingPunct="1">
+                <a:defRPr sz="1800" kern="1200">
+                  <a:solidFill>
+                    <a:schemeClr val="lt1"/>
+                  </a:solidFill>
+                  <a:latin typeface="+mn-lt"/>
+                  <a:ea typeface="+mn-ea"/>
+                  <a:cs typeface="+mn-cs"/>
+                </a:defRPr>
+              </a:lvl5pPr>
+              <a:lvl6pPr marL="2286000" algn="l" defTabSz="914400" rtl="0" eaLnBrk="1" latinLnBrk="0" hangingPunct="1">
+                <a:defRPr sz="1800" kern="1200">
+                  <a:solidFill>
+                    <a:schemeClr val="lt1"/>
+                  </a:solidFill>
+                  <a:latin typeface="+mn-lt"/>
+                  <a:ea typeface="+mn-ea"/>
+                  <a:cs typeface="+mn-cs"/>
+                </a:defRPr>
+              </a:lvl6pPr>
+              <a:lvl7pPr marL="2743200" algn="l" defTabSz="914400" rtl="0" eaLnBrk="1" latinLnBrk="0" hangingPunct="1">
+                <a:defRPr sz="1800" kern="1200">
+                  <a:solidFill>
+                    <a:schemeClr val="lt1"/>
+                  </a:solidFill>
+                  <a:latin typeface="+mn-lt"/>
+                  <a:ea typeface="+mn-ea"/>
+                  <a:cs typeface="+mn-cs"/>
+                </a:defRPr>
+              </a:lvl7pPr>
+              <a:lvl8pPr marL="3200400" algn="l" defTabSz="914400" rtl="0" eaLnBrk="1" latinLnBrk="0" hangingPunct="1">
+                <a:defRPr sz="1800" kern="1200">
+                  <a:solidFill>
+                    <a:schemeClr val="lt1"/>
+                  </a:solidFill>
+                  <a:latin typeface="+mn-lt"/>
+                  <a:ea typeface="+mn-ea"/>
+                  <a:cs typeface="+mn-cs"/>
+                </a:defRPr>
+              </a:lvl8pPr>
+              <a:lvl9pPr marL="3657600" algn="l" defTabSz="914400" rtl="0" eaLnBrk="1" latinLnBrk="0" hangingPunct="1">
+                <a:defRPr sz="1800" kern="1200">
+                  <a:solidFill>
+                    <a:schemeClr val="lt1"/>
+                  </a:solidFill>
+                  <a:latin typeface="+mn-lt"/>
+                  <a:ea typeface="+mn-ea"/>
+                  <a:cs typeface="+mn-cs"/>
+                </a:defRPr>
+              </a:lvl9pPr>
+            </a:lstStyle>
+            <a:p>
+              <a:r>
+                <a:rPr lang="en-US" sz="900" noProof="1" smtClean="0">
+                  <a:solidFill>
+                    <a:srgbClr val="5F5F5F"/>
+                  </a:solidFill>
+                  <a:latin typeface="Segoe UI" panose="020B0502040204020203" pitchFamily="34" charset="0"/>
+                  <a:cs typeface="Segoe UI" panose="020B0502040204020203" pitchFamily="34" charset="0"/>
+                </a:rPr>
+                <a:t>www.example.com</a:t>
+              </a:r>
+              <a:endParaRPr lang="en-US" sz="900" noProof="1">
+                <a:solidFill>
+                  <a:srgbClr val="5F5F5F"/>
+                </a:solidFill>
+                <a:latin typeface="Segoe UI" panose="020B0502040204020203" pitchFamily="34" charset="0"/>
+                <a:cs typeface="Segoe UI" panose="020B0502040204020203" pitchFamily="34" charset="0"/>
+              </a:endParaRPr>
+            </a:p>
+          </p:txBody>
+        </p:sp>
+        <p:sp>
+          <p:nvSpPr>
+            <p:cNvPr id="10" name="Document Icon" descr="&lt;SmartSettings&gt;&lt;SmartResize anchorLeft=&quot;Absolute&quot; anchorTop=&quot;Absolute&quot; anchorRight=&quot;None&quot; anchorBottom=&quot;None&quot; /&gt;&lt;/SmartSettings&gt;"/>
+            <p:cNvSpPr>
+              <a:spLocks noChangeAspect="1" noEditPoints="1"/>
+            </p:cNvSpPr>
+            <p:nvPr>
+              <p:custDataLst>
+                <p:tags r:id="rId7"/>
+              </p:custDataLst>
+            </p:nvPr>
+          </p:nvSpPr>
+          <p:spPr bwMode="auto">
+            <a:xfrm>
+              <a:off x="1215689" y="1449479"/>
+              <a:ext cx="59315" cy="84448"/>
+            </a:xfrm>
+            <a:custGeom>
+              <a:avLst/>
+              <a:gdLst>
+                <a:gd name="T0" fmla="*/ 153 w 260"/>
+                <a:gd name="T1" fmla="*/ 7 h 367"/>
+                <a:gd name="T2" fmla="*/ 153 w 260"/>
+                <a:gd name="T3" fmla="*/ 108 h 367"/>
+                <a:gd name="T4" fmla="*/ 253 w 260"/>
+                <a:gd name="T5" fmla="*/ 108 h 367"/>
+                <a:gd name="T6" fmla="*/ 0 w 260"/>
+                <a:gd name="T7" fmla="*/ 0 h 367"/>
+                <a:gd name="T8" fmla="*/ 0 w 260"/>
+                <a:gd name="T9" fmla="*/ 367 h 367"/>
+                <a:gd name="T10" fmla="*/ 260 w 260"/>
+                <a:gd name="T11" fmla="*/ 367 h 367"/>
+                <a:gd name="T12" fmla="*/ 260 w 260"/>
+                <a:gd name="T13" fmla="*/ 100 h 367"/>
+                <a:gd name="T14" fmla="*/ 161 w 260"/>
+                <a:gd name="T15" fmla="*/ 1 h 367"/>
+                <a:gd name="T16" fmla="*/ 0 w 260"/>
+                <a:gd name="T17" fmla="*/ 0 h 367"/>
+              </a:gdLst>
+              <a:ahLst/>
+              <a:cxnLst>
+                <a:cxn ang="0">
+                  <a:pos x="T0" y="T1"/>
+                </a:cxn>
+                <a:cxn ang="0">
+                  <a:pos x="T2" y="T3"/>
+                </a:cxn>
+                <a:cxn ang="0">
+                  <a:pos x="T4" y="T5"/>
+                </a:cxn>
+                <a:cxn ang="0">
+                  <a:pos x="T6" y="T7"/>
+                </a:cxn>
+                <a:cxn ang="0">
+                  <a:pos x="T8" y="T9"/>
+                </a:cxn>
+                <a:cxn ang="0">
+                  <a:pos x="T10" y="T11"/>
+                </a:cxn>
+                <a:cxn ang="0">
+                  <a:pos x="T12" y="T13"/>
+                </a:cxn>
+                <a:cxn ang="0">
+                  <a:pos x="T14" y="T15"/>
+                </a:cxn>
+                <a:cxn ang="0">
+                  <a:pos x="T16" y="T17"/>
+                </a:cxn>
+              </a:cxnLst>
+              <a:rect l="0" t="0" r="r" b="b"/>
+              <a:pathLst>
+                <a:path w="260" h="367">
+                  <a:moveTo>
+                    <a:pt x="153" y="7"/>
+                  </a:moveTo>
+                  <a:lnTo>
+                    <a:pt x="153" y="108"/>
+                  </a:lnTo>
+                  <a:lnTo>
+                    <a:pt x="253" y="108"/>
+                  </a:lnTo>
+                  <a:moveTo>
+                    <a:pt x="0" y="0"/>
+                  </a:moveTo>
+                  <a:lnTo>
+                    <a:pt x="0" y="367"/>
+                  </a:lnTo>
+                  <a:lnTo>
+                    <a:pt x="260" y="367"/>
+                  </a:lnTo>
+                  <a:lnTo>
+                    <a:pt x="260" y="100"/>
+                  </a:lnTo>
+                  <a:lnTo>
+                    <a:pt x="161" y="1"/>
+                  </a:lnTo>
+                  <a:lnTo>
+                    <a:pt x="0" y="0"/>
+                  </a:lnTo>
+                  <a:close/>
+                </a:path>
+              </a:pathLst>
+            </a:custGeom>
+            <a:noFill/>
+            <a:ln w="6350" cap="flat">
+              <a:solidFill>
+                <a:srgbClr val="808080"/>
+              </a:solidFill>
+              <a:prstDash val="solid"/>
+              <a:miter lim="800000"/>
+              <a:headEnd/>
+              <a:tailEnd/>
+            </a:ln>
+            <a:extLst>
+              <a:ext uri="{909E8E84-426E-40DD-AFC4-6F175D3DCCD1}">
+                <a14:hiddenFill xmlns:a14="http://schemas.microsoft.com/office/drawing/2010/main">
+                  <a:solidFill>
+                    <a:srgbClr val="FFFFFF"/>
+                  </a:solidFill>
+                </a14:hiddenFill>
+              </a:ext>
+            </a:extLst>
+          </p:spPr>
+          <p:txBody>
+            <a:bodyPr vert="horz" wrap="square" lIns="91440" tIns="45720" rIns="91440" bIns="45720" numCol="1" anchor="t" anchorCtr="0" compatLnSpc="1">
+              <a:prstTxWarp prst="textNoShape">
+                <a:avLst/>
+              </a:prstTxWarp>
+            </a:bodyPr>
+            <a:lstStyle>
+              <a:defPPr>
+                <a:defRPr lang="en-US"/>
+              </a:defPPr>
+              <a:lvl1pPr marL="0" algn="l" defTabSz="914400" rtl="0" eaLnBrk="1" latinLnBrk="0" hangingPunct="1">
+                <a:defRPr sz="1800" kern="1200">
+                  <a:solidFill>
+                    <a:schemeClr val="tx1"/>
+                  </a:solidFill>
+                  <a:latin typeface="+mn-lt"/>
+                  <a:ea typeface="+mn-ea"/>
+                  <a:cs typeface="+mn-cs"/>
+                </a:defRPr>
+              </a:lvl1pPr>
+              <a:lvl2pPr marL="457200" algn="l" defTabSz="914400" rtl="0" eaLnBrk="1" latinLnBrk="0" hangingPunct="1">
+                <a:defRPr sz="1800" kern="1200">
+                  <a:solidFill>
+                    <a:schemeClr val="tx1"/>
+                  </a:solidFill>
+                  <a:latin typeface="+mn-lt"/>
+                  <a:ea typeface="+mn-ea"/>
+                  <a:cs typeface="+mn-cs"/>
+                </a:defRPr>
+              </a:lvl2pPr>
+              <a:lvl3pPr marL="914400" algn="l" defTabSz="914400" rtl="0" eaLnBrk="1" latinLnBrk="0" hangingPunct="1">
+                <a:defRPr sz="1800" kern="1200">
+                  <a:solidFill>
+                    <a:schemeClr val="tx1"/>
+                  </a:solidFill>
+                  <a:latin typeface="+mn-lt"/>
+                  <a:ea typeface="+mn-ea"/>
+                  <a:cs typeface="+mn-cs"/>
+                </a:defRPr>
+              </a:lvl3pPr>
+              <a:lvl4pPr marL="1371600" algn="l" defTabSz="914400" rtl="0" eaLnBrk="1" latinLnBrk="0" hangingPunct="1">
+                <a:defRPr sz="1800" kern="1200">
+                  <a:solidFill>
+                    <a:schemeClr val="tx1"/>
+                  </a:solidFill>
+                  <a:latin typeface="+mn-lt"/>
+                  <a:ea typeface="+mn-ea"/>
+                  <a:cs typeface="+mn-cs"/>
+                </a:defRPr>
+              </a:lvl4pPr>
+              <a:lvl5pPr marL="1828800" algn="l" defTabSz="914400" rtl="0" eaLnBrk="1" latinLnBrk="0" hangingPunct="1">
+                <a:defRPr sz="1800" kern="1200">
+                  <a:solidFill>
+                    <a:schemeClr val="tx1"/>
+                  </a:solidFill>
+                  <a:latin typeface="+mn-lt"/>
+                  <a:ea typeface="+mn-ea"/>
+                  <a:cs typeface="+mn-cs"/>
+                </a:defRPr>
+              </a:lvl5pPr>
+              <a:lvl6pPr marL="2286000" algn="l" defTabSz="914400" rtl="0" eaLnBrk="1" latinLnBrk="0" hangingPunct="1">
+                <a:defRPr sz="1800" kern="1200">
+                  <a:solidFill>
+                    <a:schemeClr val="tx1"/>
+                  </a:solidFill>
+                  <a:latin typeface="+mn-lt"/>
+                  <a:ea typeface="+mn-ea"/>
+                  <a:cs typeface="+mn-cs"/>
+                </a:defRPr>
+              </a:lvl6pPr>
+              <a:lvl7pPr marL="2743200" algn="l" defTabSz="914400" rtl="0" eaLnBrk="1" latinLnBrk="0" hangingPunct="1">
+                <a:defRPr sz="1800" kern="1200">
+                  <a:solidFill>
+                    <a:schemeClr val="tx1"/>
+                  </a:solidFill>
+                  <a:latin typeface="+mn-lt"/>
+                  <a:ea typeface="+mn-ea"/>
+                  <a:cs typeface="+mn-cs"/>
+                </a:defRPr>
+              </a:lvl7pPr>
+              <a:lvl8pPr marL="3200400" algn="l" defTabSz="914400" rtl="0" eaLnBrk="1" latinLnBrk="0" hangingPunct="1">
+                <a:defRPr sz="1800" kern="1200">
+                  <a:solidFill>
+                    <a:schemeClr val="tx1"/>
+                  </a:solidFill>
+                  <a:latin typeface="+mn-lt"/>
+                  <a:ea typeface="+mn-ea"/>
+                  <a:cs typeface="+mn-cs"/>
+                </a:defRPr>
+              </a:lvl8pPr>
+              <a:lvl9pPr marL="3657600" algn="l" defTabSz="914400" rtl="0" eaLnBrk="1" latinLnBrk="0" hangingPunct="1">
+                <a:defRPr sz="1800" kern="1200">
+                  <a:solidFill>
+                    <a:schemeClr val="tx1"/>
+                  </a:solidFill>
+                  <a:latin typeface="+mn-lt"/>
+                  <a:ea typeface="+mn-ea"/>
+                  <a:cs typeface="+mn-cs"/>
+                </a:defRPr>
+              </a:lvl9pPr>
+            </a:lstStyle>
+            <a:p>
+              <a:endParaRPr lang="en-US">
+                <a:solidFill>
+                  <a:srgbClr val="5F5F5F"/>
+                </a:solidFill>
+                <a:latin typeface="Segoe UI" panose="020B0502040204020203" pitchFamily="34" charset="0"/>
+                <a:cs typeface="Segoe UI" panose="020B0502040204020203" pitchFamily="34" charset="0"/>
+              </a:endParaRPr>
+            </a:p>
+          </p:txBody>
+        </p:sp>
+        <p:grpSp>
+          <p:nvGrpSpPr>
+            <p:cNvPr id="11" name="Navigation Buttons"/>
+            <p:cNvGrpSpPr/>
+            <p:nvPr/>
+          </p:nvGrpSpPr>
+          <p:grpSpPr>
+            <a:xfrm>
+              <a:off x="675422" y="1436912"/>
+              <a:ext cx="406155" cy="109581"/>
+              <a:chOff x="675422" y="1436912"/>
+              <a:chExt cx="406155" cy="109581"/>
+            </a:xfrm>
+          </p:grpSpPr>
+          <p:sp>
+            <p:nvSpPr>
+              <p:cNvPr id="12" name="Back Button" descr="&lt;SmartSettings&gt;&lt;SmartResize anchorLeft=&quot;Absolute&quot; anchorTop=&quot;Absolute&quot; anchorRight=&quot;None&quot; anchorBottom=&quot;None&quot; /&gt;&lt;/SmartSettings&gt;"/>
+              <p:cNvSpPr>
+                <a:spLocks noChangeAspect="1" noEditPoints="1"/>
+              </p:cNvSpPr>
+              <p:nvPr>
+                <p:custDataLst>
+                  <p:tags r:id="rId8"/>
+                </p:custDataLst>
+              </p:nvPr>
+            </p:nvSpPr>
+            <p:spPr bwMode="auto">
+              <a:xfrm>
+                <a:off x="675422" y="1453500"/>
+                <a:ext cx="96512" cy="76405"/>
+              </a:xfrm>
+              <a:custGeom>
+                <a:avLst/>
+                <a:gdLst>
+                  <a:gd name="T0" fmla="*/ 159 w 423"/>
+                  <a:gd name="T1" fmla="*/ 332 h 332"/>
+                  <a:gd name="T2" fmla="*/ 0 w 423"/>
+                  <a:gd name="T3" fmla="*/ 166 h 332"/>
+                  <a:gd name="T4" fmla="*/ 159 w 423"/>
+                  <a:gd name="T5" fmla="*/ 0 h 332"/>
+                  <a:gd name="T6" fmla="*/ 15 w 423"/>
+                  <a:gd name="T7" fmla="*/ 166 h 332"/>
+                  <a:gd name="T8" fmla="*/ 423 w 423"/>
+                  <a:gd name="T9" fmla="*/ 166 h 332"/>
+                </a:gdLst>
+                <a:ahLst/>
+                <a:cxnLst>
+                  <a:cxn ang="0">
+                    <a:pos x="T0" y="T1"/>
+                  </a:cxn>
+                  <a:cxn ang="0">
+                    <a:pos x="T2" y="T3"/>
+                  </a:cxn>
+                  <a:cxn ang="0">
+                    <a:pos x="T4" y="T5"/>
+                  </a:cxn>
+                  <a:cxn ang="0">
+                    <a:pos x="T6" y="T7"/>
+                  </a:cxn>
+                  <a:cxn ang="0">
+                    <a:pos x="T8" y="T9"/>
+                  </a:cxn>
+                </a:cxnLst>
+                <a:rect l="0" t="0" r="r" b="b"/>
+                <a:pathLst>
+                  <a:path w="423" h="332">
+                    <a:moveTo>
+                      <a:pt x="159" y="332"/>
+                    </a:moveTo>
+                    <a:lnTo>
+                      <a:pt x="0" y="166"/>
+                    </a:lnTo>
+                    <a:lnTo>
+                      <a:pt x="159" y="0"/>
+                    </a:lnTo>
+                    <a:moveTo>
+                      <a:pt x="15" y="166"/>
+                    </a:moveTo>
+                    <a:lnTo>
+                      <a:pt x="423" y="166"/>
+                    </a:lnTo>
+                  </a:path>
+                </a:pathLst>
+              </a:custGeom>
+              <a:noFill/>
+              <a:ln w="6350" cap="sq">
+                <a:solidFill>
+                  <a:srgbClr val="808080"/>
+                </a:solidFill>
+                <a:prstDash val="solid"/>
+                <a:miter lim="800000"/>
+                <a:headEnd/>
+                <a:tailEnd/>
+              </a:ln>
+              <a:extLst>
+                <a:ext uri="{909E8E84-426E-40DD-AFC4-6F175D3DCCD1}">
+                  <a14:hiddenFill xmlns:a14="http://schemas.microsoft.com/office/drawing/2010/main">
+                    <a:solidFill>
+                      <a:srgbClr val="FFFFFF"/>
+                    </a:solidFill>
+                  </a14:hiddenFill>
+                </a:ext>
+              </a:extLst>
+            </p:spPr>
+            <p:txBody>
+              <a:bodyPr vert="horz" wrap="square" lIns="91440" tIns="45720" rIns="91440" bIns="45720" numCol="1" anchor="t" anchorCtr="0" compatLnSpc="1">
+                <a:prstTxWarp prst="textNoShape">
+                  <a:avLst/>
+                </a:prstTxWarp>
+              </a:bodyPr>
+              <a:lstStyle>
+                <a:defPPr>
+                  <a:defRPr lang="en-US"/>
+                </a:defPPr>
+                <a:lvl1pPr marL="0" algn="l" defTabSz="914400" rtl="0" eaLnBrk="1" latinLnBrk="0" hangingPunct="1">
+                  <a:defRPr sz="1800" kern="1200">
+                    <a:solidFill>
+                      <a:schemeClr val="tx1"/>
+                    </a:solidFill>
+                    <a:latin typeface="+mn-lt"/>
+                    <a:ea typeface="+mn-ea"/>
+                    <a:cs typeface="+mn-cs"/>
+                  </a:defRPr>
+                </a:lvl1pPr>
+                <a:lvl2pPr marL="457200" algn="l" defTabSz="914400" rtl="0" eaLnBrk="1" latinLnBrk="0" hangingPunct="1">
+                  <a:defRPr sz="1800" kern="1200">
+                    <a:solidFill>
+                      <a:schemeClr val="tx1"/>
+                    </a:solidFill>
+                    <a:latin typeface="+mn-lt"/>
+                    <a:ea typeface="+mn-ea"/>
+                    <a:cs typeface="+mn-cs"/>
+                  </a:defRPr>
+                </a:lvl2pPr>
+                <a:lvl3pPr marL="914400" algn="l" defTabSz="914400" rtl="0" eaLnBrk="1" latinLnBrk="0" hangingPunct="1">
+                  <a:defRPr sz="1800" kern="1200">
+                    <a:solidFill>
+                      <a:schemeClr val="tx1"/>
+                    </a:solidFill>
+                    <a:latin typeface="+mn-lt"/>
+                    <a:ea typeface="+mn-ea"/>
+                    <a:cs typeface="+mn-cs"/>
+                  </a:defRPr>
+                </a:lvl3pPr>
+                <a:lvl4pPr marL="1371600" algn="l" defTabSz="914400" rtl="0" eaLnBrk="1" latinLnBrk="0" hangingPunct="1">
+                  <a:defRPr sz="1800" kern="1200">
+                    <a:solidFill>
+                      <a:schemeClr val="tx1"/>
+                    </a:solidFill>
+                    <a:latin typeface="+mn-lt"/>
+                    <a:ea typeface="+mn-ea"/>
+                    <a:cs typeface="+mn-cs"/>
+                  </a:defRPr>
+                </a:lvl4pPr>
+                <a:lvl5pPr marL="1828800" algn="l" defTabSz="914400" rtl="0" eaLnBrk="1" latinLnBrk="0" hangingPunct="1">
+                  <a:defRPr sz="1800" kern="1200">
+                    <a:solidFill>
+                      <a:schemeClr val="tx1"/>
+                    </a:solidFill>
+                    <a:latin typeface="+mn-lt"/>
+                    <a:ea typeface="+mn-ea"/>
+                    <a:cs typeface="+mn-cs"/>
+                  </a:defRPr>
+                </a:lvl5pPr>
+                <a:lvl6pPr marL="2286000" algn="l" defTabSz="914400" rtl="0" eaLnBrk="1" latinLnBrk="0" hangingPunct="1">
+                  <a:defRPr sz="1800" kern="1200">
+                    <a:solidFill>
+                      <a:schemeClr val="tx1"/>
+                    </a:solidFill>
+                    <a:latin typeface="+mn-lt"/>
+                    <a:ea typeface="+mn-ea"/>
+                    <a:cs typeface="+mn-cs"/>
+                  </a:defRPr>
+                </a:lvl6pPr>
+                <a:lvl7pPr marL="2743200" algn="l" defTabSz="914400" rtl="0" eaLnBrk="1" latinLnBrk="0" hangingPunct="1">
+                  <a:defRPr sz="1800" kern="1200">
+                    <a:solidFill>
+                      <a:schemeClr val="tx1"/>
+                    </a:solidFill>
+                    <a:latin typeface="+mn-lt"/>
+                    <a:ea typeface="+mn-ea"/>
+                    <a:cs typeface="+mn-cs"/>
+                  </a:defRPr>
+                </a:lvl7pPr>
+                <a:lvl8pPr marL="3200400" algn="l" defTabSz="914400" rtl="0" eaLnBrk="1" latinLnBrk="0" hangingPunct="1">
+                  <a:defRPr sz="1800" kern="1200">
+                    <a:solidFill>
+                      <a:schemeClr val="tx1"/>
+                    </a:solidFill>
+                    <a:latin typeface="+mn-lt"/>
+                    <a:ea typeface="+mn-ea"/>
+                    <a:cs typeface="+mn-cs"/>
+                  </a:defRPr>
+                </a:lvl8pPr>
+                <a:lvl9pPr marL="3657600" algn="l" defTabSz="914400" rtl="0" eaLnBrk="1" latinLnBrk="0" hangingPunct="1">
+                  <a:defRPr sz="1800" kern="1200">
+                    <a:solidFill>
+                      <a:schemeClr val="tx1"/>
+                    </a:solidFill>
+                    <a:latin typeface="+mn-lt"/>
+                    <a:ea typeface="+mn-ea"/>
+                    <a:cs typeface="+mn-cs"/>
+                  </a:defRPr>
+                </a:lvl9pPr>
+              </a:lstStyle>
+              <a:p>
+                <a:endParaRPr lang="en-US">
+                  <a:solidFill>
+                    <a:srgbClr val="5F5F5F"/>
+                  </a:solidFill>
+                  <a:latin typeface="Segoe UI" panose="020B0502040204020203" pitchFamily="34" charset="0"/>
+                  <a:cs typeface="Segoe UI" panose="020B0502040204020203" pitchFamily="34" charset="0"/>
+                </a:endParaRPr>
+              </a:p>
+            </p:txBody>
+          </p:sp>
+          <p:sp>
+            <p:nvSpPr>
+              <p:cNvPr id="13" name="Forward Button" descr="&lt;SmartSettings&gt;&lt;SmartResize anchorLeft=&quot;Absolute&quot; anchorTop=&quot;Absolute&quot; anchorRight=&quot;None&quot; anchorBottom=&quot;None&quot; /&gt;&lt;/SmartSettings&gt;"/>
+              <p:cNvSpPr>
+                <a:spLocks noChangeAspect="1" noEditPoints="1"/>
+              </p:cNvSpPr>
+              <p:nvPr>
+                <p:custDataLst>
+                  <p:tags r:id="rId9"/>
+                </p:custDataLst>
+              </p:nvPr>
+            </p:nvSpPr>
+            <p:spPr bwMode="auto">
+              <a:xfrm>
+                <a:off x="828233" y="1453500"/>
+                <a:ext cx="96512" cy="76405"/>
+              </a:xfrm>
+              <a:custGeom>
+                <a:avLst/>
+                <a:gdLst>
+                  <a:gd name="T0" fmla="*/ 265 w 423"/>
+                  <a:gd name="T1" fmla="*/ 0 h 332"/>
+                  <a:gd name="T2" fmla="*/ 423 w 423"/>
+                  <a:gd name="T3" fmla="*/ 166 h 332"/>
+                  <a:gd name="T4" fmla="*/ 265 w 423"/>
+                  <a:gd name="T5" fmla="*/ 332 h 332"/>
+                  <a:gd name="T6" fmla="*/ 408 w 423"/>
+                  <a:gd name="T7" fmla="*/ 166 h 332"/>
+                  <a:gd name="T8" fmla="*/ 0 w 423"/>
+                  <a:gd name="T9" fmla="*/ 166 h 332"/>
+                </a:gdLst>
+                <a:ahLst/>
+                <a:cxnLst>
+                  <a:cxn ang="0">
+                    <a:pos x="T0" y="T1"/>
+                  </a:cxn>
+                  <a:cxn ang="0">
+                    <a:pos x="T2" y="T3"/>
+                  </a:cxn>
+                  <a:cxn ang="0">
+                    <a:pos x="T4" y="T5"/>
+                  </a:cxn>
+                  <a:cxn ang="0">
+                    <a:pos x="T6" y="T7"/>
+                  </a:cxn>
+                  <a:cxn ang="0">
+                    <a:pos x="T8" y="T9"/>
+                  </a:cxn>
+                </a:cxnLst>
+                <a:rect l="0" t="0" r="r" b="b"/>
+                <a:pathLst>
+                  <a:path w="423" h="332">
+                    <a:moveTo>
+                      <a:pt x="265" y="0"/>
+                    </a:moveTo>
+                    <a:lnTo>
+                      <a:pt x="423" y="166"/>
+                    </a:lnTo>
+                    <a:lnTo>
+                      <a:pt x="265" y="332"/>
+                    </a:lnTo>
+                    <a:moveTo>
+                      <a:pt x="408" y="166"/>
+                    </a:moveTo>
+                    <a:lnTo>
+                      <a:pt x="0" y="166"/>
+                    </a:lnTo>
+                  </a:path>
+                </a:pathLst>
+              </a:custGeom>
+              <a:noFill/>
+              <a:ln w="6350" cap="sq">
+                <a:solidFill>
+                  <a:srgbClr val="808080"/>
+                </a:solidFill>
+                <a:prstDash val="solid"/>
+                <a:miter lim="800000"/>
+                <a:headEnd/>
+                <a:tailEnd/>
+              </a:ln>
+              <a:extLst>
+                <a:ext uri="{909E8E84-426E-40DD-AFC4-6F175D3DCCD1}">
+                  <a14:hiddenFill xmlns:a14="http://schemas.microsoft.com/office/drawing/2010/main">
+                    <a:solidFill>
+                      <a:srgbClr val="FFFFFF"/>
+                    </a:solidFill>
+                  </a14:hiddenFill>
+                </a:ext>
+              </a:extLst>
+            </p:spPr>
+            <p:txBody>
+              <a:bodyPr vert="horz" wrap="square" lIns="91440" tIns="45720" rIns="91440" bIns="45720" numCol="1" anchor="t" anchorCtr="0" compatLnSpc="1">
+                <a:prstTxWarp prst="textNoShape">
+                  <a:avLst/>
+                </a:prstTxWarp>
+              </a:bodyPr>
+              <a:lstStyle>
+                <a:defPPr>
+                  <a:defRPr lang="en-US"/>
+                </a:defPPr>
+                <a:lvl1pPr marL="0" algn="l" defTabSz="914400" rtl="0" eaLnBrk="1" latinLnBrk="0" hangingPunct="1">
+                  <a:defRPr sz="1800" kern="1200">
+                    <a:solidFill>
+                      <a:schemeClr val="tx1"/>
+                    </a:solidFill>
+                    <a:latin typeface="+mn-lt"/>
+                    <a:ea typeface="+mn-ea"/>
+                    <a:cs typeface="+mn-cs"/>
+                  </a:defRPr>
+                </a:lvl1pPr>
+                <a:lvl2pPr marL="457200" algn="l" defTabSz="914400" rtl="0" eaLnBrk="1" latinLnBrk="0" hangingPunct="1">
+                  <a:defRPr sz="1800" kern="1200">
+                    <a:solidFill>
+                      <a:schemeClr val="tx1"/>
+                    </a:solidFill>
+                    <a:latin typeface="+mn-lt"/>
+                    <a:ea typeface="+mn-ea"/>
+                    <a:cs typeface="+mn-cs"/>
+                  </a:defRPr>
+                </a:lvl2pPr>
+                <a:lvl3pPr marL="914400" algn="l" defTabSz="914400" rtl="0" eaLnBrk="1" latinLnBrk="0" hangingPunct="1">
+                  <a:defRPr sz="1800" kern="1200">
+                    <a:solidFill>
+                      <a:schemeClr val="tx1"/>
+                    </a:solidFill>
+                    <a:latin typeface="+mn-lt"/>
+                    <a:ea typeface="+mn-ea"/>
+                    <a:cs typeface="+mn-cs"/>
+                  </a:defRPr>
+                </a:lvl3pPr>
+                <a:lvl4pPr marL="1371600" algn="l" defTabSz="914400" rtl="0" eaLnBrk="1" latinLnBrk="0" hangingPunct="1">
+                  <a:defRPr sz="1800" kern="1200">
+                    <a:solidFill>
+                      <a:schemeClr val="tx1"/>
+                    </a:solidFill>
+                    <a:latin typeface="+mn-lt"/>
+                    <a:ea typeface="+mn-ea"/>
+                    <a:cs typeface="+mn-cs"/>
+                  </a:defRPr>
+                </a:lvl4pPr>
+                <a:lvl5pPr marL="1828800" algn="l" defTabSz="914400" rtl="0" eaLnBrk="1" latinLnBrk="0" hangingPunct="1">
+                  <a:defRPr sz="1800" kern="1200">
+                    <a:solidFill>
+                      <a:schemeClr val="tx1"/>
+                    </a:solidFill>
+                    <a:latin typeface="+mn-lt"/>
+                    <a:ea typeface="+mn-ea"/>
+                    <a:cs typeface="+mn-cs"/>
+                  </a:defRPr>
+                </a:lvl5pPr>
+                <a:lvl6pPr marL="2286000" algn="l" defTabSz="914400" rtl="0" eaLnBrk="1" latinLnBrk="0" hangingPunct="1">
+                  <a:defRPr sz="1800" kern="1200">
+                    <a:solidFill>
+                      <a:schemeClr val="tx1"/>
+                    </a:solidFill>
+                    <a:latin typeface="+mn-lt"/>
+                    <a:ea typeface="+mn-ea"/>
+                    <a:cs typeface="+mn-cs"/>
+                  </a:defRPr>
+                </a:lvl6pPr>
+                <a:lvl7pPr marL="2743200" algn="l" defTabSz="914400" rtl="0" eaLnBrk="1" latinLnBrk="0" hangingPunct="1">
+                  <a:defRPr sz="1800" kern="1200">
+                    <a:solidFill>
+                      <a:schemeClr val="tx1"/>
+                    </a:solidFill>
+                    <a:latin typeface="+mn-lt"/>
+                    <a:ea typeface="+mn-ea"/>
+                    <a:cs typeface="+mn-cs"/>
+                  </a:defRPr>
+                </a:lvl7pPr>
+                <a:lvl8pPr marL="3200400" algn="l" defTabSz="914400" rtl="0" eaLnBrk="1" latinLnBrk="0" hangingPunct="1">
+                  <a:defRPr sz="1800" kern="1200">
+                    <a:solidFill>
+                      <a:schemeClr val="tx1"/>
+                    </a:solidFill>
+                    <a:latin typeface="+mn-lt"/>
+                    <a:ea typeface="+mn-ea"/>
+                    <a:cs typeface="+mn-cs"/>
+                  </a:defRPr>
+                </a:lvl8pPr>
+                <a:lvl9pPr marL="3657600" algn="l" defTabSz="914400" rtl="0" eaLnBrk="1" latinLnBrk="0" hangingPunct="1">
+                  <a:defRPr sz="1800" kern="1200">
+                    <a:solidFill>
+                      <a:schemeClr val="tx1"/>
+                    </a:solidFill>
+                    <a:latin typeface="+mn-lt"/>
+                    <a:ea typeface="+mn-ea"/>
+                    <a:cs typeface="+mn-cs"/>
+                  </a:defRPr>
+                </a:lvl9pPr>
+              </a:lstStyle>
+              <a:p>
+                <a:endParaRPr lang="en-US">
+                  <a:solidFill>
+                    <a:srgbClr val="5F5F5F"/>
+                  </a:solidFill>
+                  <a:latin typeface="Segoe UI" panose="020B0502040204020203" pitchFamily="34" charset="0"/>
+                  <a:cs typeface="Segoe UI" panose="020B0502040204020203" pitchFamily="34" charset="0"/>
+                </a:endParaRPr>
+              </a:p>
+            </p:txBody>
+          </p:sp>
+          <p:sp>
+            <p:nvSpPr>
+              <p:cNvPr id="14" name="Reload Button" descr="&lt;SmartSettings&gt;&lt;SmartResize anchorLeft=&quot;Absolute&quot; anchorTop=&quot;Absolute&quot; anchorRight=&quot;None&quot; anchorBottom=&quot;None&quot; /&gt;&lt;/SmartSettings&gt;"/>
+              <p:cNvSpPr>
+                <a:spLocks noChangeAspect="1" noEditPoints="1"/>
+              </p:cNvSpPr>
+              <p:nvPr>
+                <p:custDataLst>
+                  <p:tags r:id="rId10"/>
+                </p:custDataLst>
+              </p:nvPr>
+            </p:nvSpPr>
+            <p:spPr bwMode="auto">
+              <a:xfrm>
+                <a:off x="981044" y="1436912"/>
+                <a:ext cx="100533" cy="109581"/>
+              </a:xfrm>
+              <a:custGeom>
+                <a:avLst/>
+                <a:gdLst>
+                  <a:gd name="T0" fmla="*/ 441 w 441"/>
+                  <a:gd name="T1" fmla="*/ 7 h 474"/>
+                  <a:gd name="T2" fmla="*/ 441 w 441"/>
+                  <a:gd name="T3" fmla="*/ 144 h 474"/>
+                  <a:gd name="T4" fmla="*/ 296 w 441"/>
+                  <a:gd name="T5" fmla="*/ 144 h 474"/>
+                  <a:gd name="T6" fmla="*/ 438 w 441"/>
+                  <a:gd name="T7" fmla="*/ 309 h 474"/>
+                  <a:gd name="T8" fmla="*/ 166 w 441"/>
+                  <a:gd name="T9" fmla="*/ 434 h 474"/>
+                  <a:gd name="T10" fmla="*/ 41 w 441"/>
+                  <a:gd name="T11" fmla="*/ 162 h 474"/>
+                  <a:gd name="T12" fmla="*/ 313 w 441"/>
+                  <a:gd name="T13" fmla="*/ 37 h 474"/>
+                  <a:gd name="T14" fmla="*/ 428 w 441"/>
+                  <a:gd name="T15" fmla="*/ 139 h 474"/>
+                </a:gdLst>
+                <a:ahLst/>
+                <a:cxnLst>
+                  <a:cxn ang="0">
+                    <a:pos x="T0" y="T1"/>
+                  </a:cxn>
+                  <a:cxn ang="0">
+                    <a:pos x="T2" y="T3"/>
+                  </a:cxn>
+                  <a:cxn ang="0">
+                    <a:pos x="T4" y="T5"/>
+                  </a:cxn>
+                  <a:cxn ang="0">
+                    <a:pos x="T6" y="T7"/>
+                  </a:cxn>
+                  <a:cxn ang="0">
+                    <a:pos x="T8" y="T9"/>
+                  </a:cxn>
+                  <a:cxn ang="0">
+                    <a:pos x="T10" y="T11"/>
+                  </a:cxn>
+                  <a:cxn ang="0">
+                    <a:pos x="T12" y="T13"/>
+                  </a:cxn>
+                  <a:cxn ang="0">
+                    <a:pos x="T14" y="T15"/>
+                  </a:cxn>
+                </a:cxnLst>
+                <a:rect l="0" t="0" r="r" b="b"/>
+                <a:pathLst>
+                  <a:path w="441" h="474">
+                    <a:moveTo>
+                      <a:pt x="441" y="7"/>
+                    </a:moveTo>
+                    <a:lnTo>
+                      <a:pt x="441" y="144"/>
+                    </a:lnTo>
+                    <a:lnTo>
+                      <a:pt x="296" y="144"/>
+                    </a:lnTo>
+                    <a:moveTo>
+                      <a:pt x="438" y="309"/>
+                    </a:moveTo>
+                    <a:cubicBezTo>
+                      <a:pt x="397" y="418"/>
+                      <a:pt x="276" y="474"/>
+                      <a:pt x="166" y="434"/>
+                    </a:cubicBezTo>
+                    <a:cubicBezTo>
+                      <a:pt x="56" y="393"/>
+                      <a:pt x="0" y="271"/>
+                      <a:pt x="41" y="162"/>
+                    </a:cubicBezTo>
+                    <a:cubicBezTo>
+                      <a:pt x="82" y="52"/>
+                      <a:pt x="202" y="0"/>
+                      <a:pt x="313" y="37"/>
+                    </a:cubicBezTo>
+                    <a:cubicBezTo>
+                      <a:pt x="357" y="51"/>
+                      <a:pt x="398" y="91"/>
+                      <a:pt x="428" y="139"/>
+                    </a:cubicBezTo>
+                  </a:path>
+                </a:pathLst>
+              </a:custGeom>
+              <a:noFill/>
+              <a:ln w="6350" cap="flat">
+                <a:solidFill>
+                  <a:srgbClr val="808080"/>
+                </a:solidFill>
+                <a:prstDash val="solid"/>
+                <a:miter lim="800000"/>
+                <a:headEnd/>
+                <a:tailEnd/>
+              </a:ln>
+              <a:extLst>
+                <a:ext uri="{909E8E84-426E-40DD-AFC4-6F175D3DCCD1}">
+                  <a14:hiddenFill xmlns:a14="http://schemas.microsoft.com/office/drawing/2010/main">
+                    <a:solidFill>
+                      <a:srgbClr val="FFFFFF"/>
+                    </a:solidFill>
+                  </a14:hiddenFill>
+                </a:ext>
+              </a:extLst>
+            </p:spPr>
+            <p:txBody>
+              <a:bodyPr vert="horz" wrap="square" lIns="91440" tIns="45720" rIns="91440" bIns="45720" numCol="1" anchor="t" anchorCtr="0" compatLnSpc="1">
+                <a:prstTxWarp prst="textNoShape">
+                  <a:avLst/>
+                </a:prstTxWarp>
+              </a:bodyPr>
+              <a:lstStyle>
+                <a:defPPr>
+                  <a:defRPr lang="en-US"/>
+                </a:defPPr>
+                <a:lvl1pPr marL="0" algn="l" defTabSz="914400" rtl="0" eaLnBrk="1" latinLnBrk="0" hangingPunct="1">
+                  <a:defRPr sz="1800" kern="1200">
+                    <a:solidFill>
+                      <a:schemeClr val="tx1"/>
+                    </a:solidFill>
+                    <a:latin typeface="+mn-lt"/>
+                    <a:ea typeface="+mn-ea"/>
+                    <a:cs typeface="+mn-cs"/>
+                  </a:defRPr>
+                </a:lvl1pPr>
+                <a:lvl2pPr marL="457200" algn="l" defTabSz="914400" rtl="0" eaLnBrk="1" latinLnBrk="0" hangingPunct="1">
+                  <a:defRPr sz="1800" kern="1200">
+                    <a:solidFill>
+                      <a:schemeClr val="tx1"/>
+                    </a:solidFill>
+                    <a:latin typeface="+mn-lt"/>
+                    <a:ea typeface="+mn-ea"/>
+                    <a:cs typeface="+mn-cs"/>
+                  </a:defRPr>
+                </a:lvl2pPr>
+                <a:lvl3pPr marL="914400" algn="l" defTabSz="914400" rtl="0" eaLnBrk="1" latinLnBrk="0" hangingPunct="1">
+                  <a:defRPr sz="1800" kern="1200">
+                    <a:solidFill>
+                      <a:schemeClr val="tx1"/>
+                    </a:solidFill>
+                    <a:latin typeface="+mn-lt"/>
+                    <a:ea typeface="+mn-ea"/>
+                    <a:cs typeface="+mn-cs"/>
+                  </a:defRPr>
+                </a:lvl3pPr>
+                <a:lvl4pPr marL="1371600" algn="l" defTabSz="914400" rtl="0" eaLnBrk="1" latinLnBrk="0" hangingPunct="1">
+                  <a:defRPr sz="1800" kern="1200">
+                    <a:solidFill>
+                      <a:schemeClr val="tx1"/>
+                    </a:solidFill>
+                    <a:latin typeface="+mn-lt"/>
+                    <a:ea typeface="+mn-ea"/>
+                    <a:cs typeface="+mn-cs"/>
+                  </a:defRPr>
+                </a:lvl4pPr>
+                <a:lvl5pPr marL="1828800" algn="l" defTabSz="914400" rtl="0" eaLnBrk="1" latinLnBrk="0" hangingPunct="1">
+                  <a:defRPr sz="1800" kern="1200">
+                    <a:solidFill>
+                      <a:schemeClr val="tx1"/>
+                    </a:solidFill>
+                    <a:latin typeface="+mn-lt"/>
+                    <a:ea typeface="+mn-ea"/>
+                    <a:cs typeface="+mn-cs"/>
+                  </a:defRPr>
+                </a:lvl5pPr>
+                <a:lvl6pPr marL="2286000" algn="l" defTabSz="914400" rtl="0" eaLnBrk="1" latinLnBrk="0" hangingPunct="1">
+                  <a:defRPr sz="1800" kern="1200">
+                    <a:solidFill>
+                      <a:schemeClr val="tx1"/>
+                    </a:solidFill>
+                    <a:latin typeface="+mn-lt"/>
+                    <a:ea typeface="+mn-ea"/>
+                    <a:cs typeface="+mn-cs"/>
+                  </a:defRPr>
+                </a:lvl6pPr>
+                <a:lvl7pPr marL="2743200" algn="l" defTabSz="914400" rtl="0" eaLnBrk="1" latinLnBrk="0" hangingPunct="1">
+                  <a:defRPr sz="1800" kern="1200">
+                    <a:solidFill>
+                      <a:schemeClr val="tx1"/>
+                    </a:solidFill>
+                    <a:latin typeface="+mn-lt"/>
+                    <a:ea typeface="+mn-ea"/>
+                    <a:cs typeface="+mn-cs"/>
+                  </a:defRPr>
+                </a:lvl7pPr>
+                <a:lvl8pPr marL="3200400" algn="l" defTabSz="914400" rtl="0" eaLnBrk="1" latinLnBrk="0" hangingPunct="1">
+                  <a:defRPr sz="1800" kern="1200">
+                    <a:solidFill>
+                      <a:schemeClr val="tx1"/>
+                    </a:solidFill>
+                    <a:latin typeface="+mn-lt"/>
+                    <a:ea typeface="+mn-ea"/>
+                    <a:cs typeface="+mn-cs"/>
+                  </a:defRPr>
+                </a:lvl8pPr>
+                <a:lvl9pPr marL="3657600" algn="l" defTabSz="914400" rtl="0" eaLnBrk="1" latinLnBrk="0" hangingPunct="1">
+                  <a:defRPr sz="1800" kern="1200">
+                    <a:solidFill>
+                      <a:schemeClr val="tx1"/>
+                    </a:solidFill>
+                    <a:latin typeface="+mn-lt"/>
+                    <a:ea typeface="+mn-ea"/>
+                    <a:cs typeface="+mn-cs"/>
+                  </a:defRPr>
+                </a:lvl9pPr>
+              </a:lstStyle>
+              <a:p>
+                <a:endParaRPr lang="en-US">
+                  <a:solidFill>
+                    <a:srgbClr val="5F5F5F"/>
+                  </a:solidFill>
+                  <a:latin typeface="Segoe UI" panose="020B0502040204020203" pitchFamily="34" charset="0"/>
+                  <a:cs typeface="Segoe UI" panose="020B0502040204020203" pitchFamily="34" charset="0"/>
+                </a:endParaRPr>
+              </a:p>
+            </p:txBody>
+          </p:sp>
+        </p:grpSp>
+      </p:grpSp>
+      <p:sp>
+        <p:nvSpPr>
+          <p:cNvPr id="15" name="ZoneTexte 14"/>
+          <p:cNvSpPr txBox="1"/>
+          <p:nvPr/>
+        </p:nvSpPr>
+        <p:spPr>
+          <a:xfrm>
+            <a:off x="231006" y="534985"/>
+            <a:ext cx="1203158" cy="1200329"/>
+          </a:xfrm>
+          <a:prstGeom prst="rect">
+            <a:avLst/>
+          </a:prstGeom>
+          <a:noFill/>
+        </p:spPr>
+        <p:txBody>
+          <a:bodyPr wrap="square" rtlCol="0">
+            <a:spAutoFit/>
+          </a:bodyPr>
+          <a:lstStyle/>
+          <a:p>
+            <a:r>
+              <a:rPr lang="fr-FR" dirty="0" smtClean="0"/>
+              <a:t>INDEX Part2</a:t>
+            </a:r>
+            <a:br>
+              <a:rPr lang="fr-FR" dirty="0" smtClean="0"/>
+            </a:br>
+            <a:r>
+              <a:rPr lang="fr-FR" dirty="0" smtClean="0"/>
+              <a:t>scroll down</a:t>
+            </a:r>
+            <a:endParaRPr lang="fr-FR" dirty="0"/>
+          </a:p>
+        </p:txBody>
+      </p:sp>
+      <p:sp>
+        <p:nvSpPr>
+          <p:cNvPr id="16" name="Rectangle 15"/>
+          <p:cNvSpPr/>
+          <p:nvPr/>
+        </p:nvSpPr>
+        <p:spPr>
+          <a:xfrm>
+            <a:off x="1696684" y="544611"/>
+            <a:ext cx="10530041" cy="420966"/>
+          </a:xfrm>
+          <a:prstGeom prst="rect">
+            <a:avLst/>
+          </a:prstGeom>
+          <a:solidFill>
+            <a:schemeClr val="accent3">
+              <a:lumMod val="60000"/>
+              <a:lumOff val="40000"/>
+            </a:schemeClr>
+          </a:solidFill>
+        </p:spPr>
+        <p:style>
+          <a:lnRef idx="2">
+            <a:schemeClr val="accent1">
+              <a:shade val="50000"/>
+            </a:schemeClr>
+          </a:lnRef>
+          <a:fillRef idx="1">
+            <a:schemeClr val="accent1"/>
+          </a:fillRef>
+          <a:effectRef idx="0">
+            <a:schemeClr val="accent1"/>
+          </a:effectRef>
+          <a:fontRef idx="minor">
+            <a:schemeClr val="lt1"/>
+          </a:fontRef>
+        </p:style>
+        <p:txBody>
+          <a:bodyPr rtlCol="0" anchor="ctr"/>
+          <a:lstStyle/>
+          <a:p>
+            <a:pPr algn="ctr"/>
+            <a:endParaRPr lang="fr-FR"/>
+          </a:p>
+        </p:txBody>
+      </p:sp>
+      <p:sp>
+        <p:nvSpPr>
+          <p:cNvPr id="17" name="ZoneTexte 16"/>
+          <p:cNvSpPr txBox="1"/>
+          <p:nvPr/>
+        </p:nvSpPr>
+        <p:spPr>
+          <a:xfrm>
+            <a:off x="2478773" y="591962"/>
+            <a:ext cx="2873081" cy="369332"/>
+          </a:xfrm>
+          <a:prstGeom prst="rect">
+            <a:avLst/>
+          </a:prstGeom>
+          <a:noFill/>
+        </p:spPr>
+        <p:txBody>
+          <a:bodyPr wrap="square" rtlCol="0">
+            <a:spAutoFit/>
+          </a:bodyPr>
+          <a:lstStyle/>
+          <a:p>
+            <a:r>
+              <a:rPr lang="fr-FR" dirty="0" smtClean="0"/>
+              <a:t>LES TRESORS DE ONE PIECE</a:t>
+            </a:r>
+            <a:endParaRPr lang="fr-FR" dirty="0"/>
+          </a:p>
+        </p:txBody>
+      </p:sp>
+      <p:sp>
+        <p:nvSpPr>
+          <p:cNvPr id="25" name="Add to Cart"/>
+          <p:cNvSpPr>
+            <a:spLocks noChangeAspect="1" noEditPoints="1"/>
+          </p:cNvSpPr>
+          <p:nvPr/>
+        </p:nvSpPr>
+        <p:spPr bwMode="auto">
+          <a:xfrm>
+            <a:off x="11837625" y="628478"/>
+            <a:ext cx="267808" cy="276007"/>
+          </a:xfrm>
+          <a:custGeom>
+            <a:avLst/>
+            <a:gdLst>
+              <a:gd name="T0" fmla="*/ 413 w 643"/>
+              <a:gd name="T1" fmla="*/ 0 h 653"/>
+              <a:gd name="T2" fmla="*/ 400 w 643"/>
+              <a:gd name="T3" fmla="*/ 13 h 653"/>
+              <a:gd name="T4" fmla="*/ 400 w 643"/>
+              <a:gd name="T5" fmla="*/ 248 h 653"/>
+              <a:gd name="T6" fmla="*/ 356 w 643"/>
+              <a:gd name="T7" fmla="*/ 204 h 653"/>
+              <a:gd name="T8" fmla="*/ 347 w 643"/>
+              <a:gd name="T9" fmla="*/ 200 h 653"/>
+              <a:gd name="T10" fmla="*/ 337 w 643"/>
+              <a:gd name="T11" fmla="*/ 223 h 653"/>
+              <a:gd name="T12" fmla="*/ 413 w 643"/>
+              <a:gd name="T13" fmla="*/ 299 h 653"/>
+              <a:gd name="T14" fmla="*/ 490 w 643"/>
+              <a:gd name="T15" fmla="*/ 223 h 653"/>
+              <a:gd name="T16" fmla="*/ 471 w 643"/>
+              <a:gd name="T17" fmla="*/ 204 h 653"/>
+              <a:gd name="T18" fmla="*/ 427 w 643"/>
+              <a:gd name="T19" fmla="*/ 248 h 653"/>
+              <a:gd name="T20" fmla="*/ 427 w 643"/>
+              <a:gd name="T21" fmla="*/ 13 h 653"/>
+              <a:gd name="T22" fmla="*/ 413 w 643"/>
+              <a:gd name="T23" fmla="*/ 0 h 653"/>
+              <a:gd name="T24" fmla="*/ 27 w 643"/>
+              <a:gd name="T25" fmla="*/ 13 h 653"/>
+              <a:gd name="T26" fmla="*/ 0 w 643"/>
+              <a:gd name="T27" fmla="*/ 40 h 653"/>
+              <a:gd name="T28" fmla="*/ 27 w 643"/>
+              <a:gd name="T29" fmla="*/ 67 h 653"/>
+              <a:gd name="T30" fmla="*/ 53 w 643"/>
+              <a:gd name="T31" fmla="*/ 40 h 653"/>
+              <a:gd name="T32" fmla="*/ 116 w 643"/>
+              <a:gd name="T33" fmla="*/ 40 h 653"/>
+              <a:gd name="T34" fmla="*/ 147 w 643"/>
+              <a:gd name="T35" fmla="*/ 49 h 653"/>
+              <a:gd name="T36" fmla="*/ 163 w 643"/>
+              <a:gd name="T37" fmla="*/ 80 h 653"/>
+              <a:gd name="T38" fmla="*/ 163 w 643"/>
+              <a:gd name="T39" fmla="*/ 80 h 653"/>
+              <a:gd name="T40" fmla="*/ 270 w 643"/>
+              <a:gd name="T41" fmla="*/ 510 h 653"/>
+              <a:gd name="T42" fmla="*/ 270 w 643"/>
+              <a:gd name="T43" fmla="*/ 510 h 653"/>
+              <a:gd name="T44" fmla="*/ 289 w 643"/>
+              <a:gd name="T45" fmla="*/ 553 h 653"/>
+              <a:gd name="T46" fmla="*/ 306 w 643"/>
+              <a:gd name="T47" fmla="*/ 566 h 653"/>
+              <a:gd name="T48" fmla="*/ 293 w 643"/>
+              <a:gd name="T49" fmla="*/ 600 h 653"/>
+              <a:gd name="T50" fmla="*/ 347 w 643"/>
+              <a:gd name="T51" fmla="*/ 653 h 653"/>
+              <a:gd name="T52" fmla="*/ 400 w 643"/>
+              <a:gd name="T53" fmla="*/ 600 h 653"/>
+              <a:gd name="T54" fmla="*/ 393 w 643"/>
+              <a:gd name="T55" fmla="*/ 573 h 653"/>
+              <a:gd name="T56" fmla="*/ 474 w 643"/>
+              <a:gd name="T57" fmla="*/ 573 h 653"/>
+              <a:gd name="T58" fmla="*/ 467 w 643"/>
+              <a:gd name="T59" fmla="*/ 600 h 653"/>
+              <a:gd name="T60" fmla="*/ 520 w 643"/>
+              <a:gd name="T61" fmla="*/ 653 h 653"/>
+              <a:gd name="T62" fmla="*/ 573 w 643"/>
+              <a:gd name="T63" fmla="*/ 600 h 653"/>
+              <a:gd name="T64" fmla="*/ 559 w 643"/>
+              <a:gd name="T65" fmla="*/ 564 h 653"/>
+              <a:gd name="T66" fmla="*/ 547 w 643"/>
+              <a:gd name="T67" fmla="*/ 547 h 653"/>
+              <a:gd name="T68" fmla="*/ 343 w 643"/>
+              <a:gd name="T69" fmla="*/ 547 h 653"/>
+              <a:gd name="T70" fmla="*/ 309 w 643"/>
+              <a:gd name="T71" fmla="*/ 536 h 653"/>
+              <a:gd name="T72" fmla="*/ 295 w 643"/>
+              <a:gd name="T73" fmla="*/ 503 h 653"/>
+              <a:gd name="T74" fmla="*/ 295 w 643"/>
+              <a:gd name="T75" fmla="*/ 503 h 653"/>
+              <a:gd name="T76" fmla="*/ 286 w 643"/>
+              <a:gd name="T77" fmla="*/ 467 h 653"/>
+              <a:gd name="T78" fmla="*/ 531 w 643"/>
+              <a:gd name="T79" fmla="*/ 467 h 653"/>
+              <a:gd name="T80" fmla="*/ 543 w 643"/>
+              <a:gd name="T81" fmla="*/ 458 h 653"/>
+              <a:gd name="T82" fmla="*/ 639 w 643"/>
+              <a:gd name="T83" fmla="*/ 205 h 653"/>
+              <a:gd name="T84" fmla="*/ 626 w 643"/>
+              <a:gd name="T85" fmla="*/ 187 h 653"/>
+              <a:gd name="T86" fmla="*/ 614 w 643"/>
+              <a:gd name="T87" fmla="*/ 195 h 653"/>
+              <a:gd name="T88" fmla="*/ 522 w 643"/>
+              <a:gd name="T89" fmla="*/ 440 h 653"/>
+              <a:gd name="T90" fmla="*/ 280 w 643"/>
+              <a:gd name="T91" fmla="*/ 440 h 653"/>
+              <a:gd name="T92" fmla="*/ 189 w 643"/>
+              <a:gd name="T93" fmla="*/ 72 h 653"/>
+              <a:gd name="T94" fmla="*/ 165 w 643"/>
+              <a:gd name="T95" fmla="*/ 29 h 653"/>
+              <a:gd name="T96" fmla="*/ 116 w 643"/>
+              <a:gd name="T97" fmla="*/ 13 h 653"/>
+              <a:gd name="T98" fmla="*/ 27 w 643"/>
+              <a:gd name="T99" fmla="*/ 13 h 653"/>
+              <a:gd name="T100" fmla="*/ 347 w 643"/>
+              <a:gd name="T101" fmla="*/ 573 h 653"/>
+              <a:gd name="T102" fmla="*/ 373 w 643"/>
+              <a:gd name="T103" fmla="*/ 600 h 653"/>
+              <a:gd name="T104" fmla="*/ 347 w 643"/>
+              <a:gd name="T105" fmla="*/ 627 h 653"/>
+              <a:gd name="T106" fmla="*/ 320 w 643"/>
+              <a:gd name="T107" fmla="*/ 600 h 653"/>
+              <a:gd name="T108" fmla="*/ 347 w 643"/>
+              <a:gd name="T109" fmla="*/ 573 h 653"/>
+              <a:gd name="T110" fmla="*/ 520 w 643"/>
+              <a:gd name="T111" fmla="*/ 573 h 653"/>
+              <a:gd name="T112" fmla="*/ 547 w 643"/>
+              <a:gd name="T113" fmla="*/ 600 h 653"/>
+              <a:gd name="T114" fmla="*/ 520 w 643"/>
+              <a:gd name="T115" fmla="*/ 627 h 653"/>
+              <a:gd name="T116" fmla="*/ 493 w 643"/>
+              <a:gd name="T117" fmla="*/ 600 h 653"/>
+              <a:gd name="T118" fmla="*/ 520 w 643"/>
+              <a:gd name="T119" fmla="*/ 573 h 653"/>
+            </a:gdLst>
+            <a:ahLst/>
+            <a:cxnLst>
+              <a:cxn ang="0">
+                <a:pos x="T0" y="T1"/>
+              </a:cxn>
+              <a:cxn ang="0">
+                <a:pos x="T2" y="T3"/>
+              </a:cxn>
+              <a:cxn ang="0">
+                <a:pos x="T4" y="T5"/>
+              </a:cxn>
+              <a:cxn ang="0">
+                <a:pos x="T6" y="T7"/>
+              </a:cxn>
+              <a:cxn ang="0">
+                <a:pos x="T8" y="T9"/>
+              </a:cxn>
+              <a:cxn ang="0">
+                <a:pos x="T10" y="T11"/>
+              </a:cxn>
+              <a:cxn ang="0">
+                <a:pos x="T12" y="T13"/>
+              </a:cxn>
+              <a:cxn ang="0">
+                <a:pos x="T14" y="T15"/>
+              </a:cxn>
+              <a:cxn ang="0">
+                <a:pos x="T16" y="T17"/>
+              </a:cxn>
+              <a:cxn ang="0">
+                <a:pos x="T18" y="T19"/>
+              </a:cxn>
+              <a:cxn ang="0">
+                <a:pos x="T20" y="T21"/>
+              </a:cxn>
+              <a:cxn ang="0">
+                <a:pos x="T22" y="T23"/>
+              </a:cxn>
+              <a:cxn ang="0">
+                <a:pos x="T24" y="T25"/>
+              </a:cxn>
+              <a:cxn ang="0">
+                <a:pos x="T26" y="T27"/>
+              </a:cxn>
+              <a:cxn ang="0">
+                <a:pos x="T28" y="T29"/>
+              </a:cxn>
+              <a:cxn ang="0">
+                <a:pos x="T30" y="T31"/>
+              </a:cxn>
+              <a:cxn ang="0">
+                <a:pos x="T32" y="T33"/>
+              </a:cxn>
+              <a:cxn ang="0">
+                <a:pos x="T34" y="T35"/>
+              </a:cxn>
+              <a:cxn ang="0">
+                <a:pos x="T36" y="T37"/>
+              </a:cxn>
+              <a:cxn ang="0">
+                <a:pos x="T38" y="T39"/>
+              </a:cxn>
+              <a:cxn ang="0">
+                <a:pos x="T40" y="T41"/>
+              </a:cxn>
+              <a:cxn ang="0">
+                <a:pos x="T42" y="T43"/>
+              </a:cxn>
+              <a:cxn ang="0">
+                <a:pos x="T44" y="T45"/>
+              </a:cxn>
+              <a:cxn ang="0">
+                <a:pos x="T46" y="T47"/>
+              </a:cxn>
+              <a:cxn ang="0">
+                <a:pos x="T48" y="T49"/>
+              </a:cxn>
+              <a:cxn ang="0">
+                <a:pos x="T50" y="T51"/>
+              </a:cxn>
+              <a:cxn ang="0">
+                <a:pos x="T52" y="T53"/>
+              </a:cxn>
+              <a:cxn ang="0">
+                <a:pos x="T54" y="T55"/>
+              </a:cxn>
+              <a:cxn ang="0">
+                <a:pos x="T56" y="T57"/>
+              </a:cxn>
+              <a:cxn ang="0">
+                <a:pos x="T58" y="T59"/>
+              </a:cxn>
+              <a:cxn ang="0">
+                <a:pos x="T60" y="T61"/>
+              </a:cxn>
+              <a:cxn ang="0">
+                <a:pos x="T62" y="T63"/>
+              </a:cxn>
+              <a:cxn ang="0">
+                <a:pos x="T64" y="T65"/>
+              </a:cxn>
+              <a:cxn ang="0">
+                <a:pos x="T66" y="T67"/>
+              </a:cxn>
+              <a:cxn ang="0">
+                <a:pos x="T68" y="T69"/>
+              </a:cxn>
+              <a:cxn ang="0">
+                <a:pos x="T70" y="T71"/>
+              </a:cxn>
+              <a:cxn ang="0">
+                <a:pos x="T72" y="T73"/>
+              </a:cxn>
+              <a:cxn ang="0">
+                <a:pos x="T74" y="T75"/>
+              </a:cxn>
+              <a:cxn ang="0">
+                <a:pos x="T76" y="T77"/>
+              </a:cxn>
+              <a:cxn ang="0">
+                <a:pos x="T78" y="T79"/>
+              </a:cxn>
+              <a:cxn ang="0">
+                <a:pos x="T80" y="T81"/>
+              </a:cxn>
+              <a:cxn ang="0">
+                <a:pos x="T82" y="T83"/>
+              </a:cxn>
+              <a:cxn ang="0">
+                <a:pos x="T84" y="T85"/>
+              </a:cxn>
+              <a:cxn ang="0">
+                <a:pos x="T86" y="T87"/>
+              </a:cxn>
+              <a:cxn ang="0">
+                <a:pos x="T88" y="T89"/>
+              </a:cxn>
+              <a:cxn ang="0">
+                <a:pos x="T90" y="T91"/>
+              </a:cxn>
+              <a:cxn ang="0">
+                <a:pos x="T92" y="T93"/>
+              </a:cxn>
+              <a:cxn ang="0">
+                <a:pos x="T94" y="T95"/>
+              </a:cxn>
+              <a:cxn ang="0">
+                <a:pos x="T96" y="T97"/>
+              </a:cxn>
+              <a:cxn ang="0">
+                <a:pos x="T98" y="T99"/>
+              </a:cxn>
+              <a:cxn ang="0">
+                <a:pos x="T100" y="T101"/>
+              </a:cxn>
+              <a:cxn ang="0">
+                <a:pos x="T102" y="T103"/>
+              </a:cxn>
+              <a:cxn ang="0">
+                <a:pos x="T104" y="T105"/>
+              </a:cxn>
+              <a:cxn ang="0">
+                <a:pos x="T106" y="T107"/>
+              </a:cxn>
+              <a:cxn ang="0">
+                <a:pos x="T108" y="T109"/>
+              </a:cxn>
+              <a:cxn ang="0">
+                <a:pos x="T110" y="T111"/>
+              </a:cxn>
+              <a:cxn ang="0">
+                <a:pos x="T112" y="T113"/>
+              </a:cxn>
+              <a:cxn ang="0">
+                <a:pos x="T114" y="T115"/>
+              </a:cxn>
+              <a:cxn ang="0">
+                <a:pos x="T116" y="T117"/>
+              </a:cxn>
+              <a:cxn ang="0">
+                <a:pos x="T118" y="T119"/>
+              </a:cxn>
+            </a:cxnLst>
+            <a:rect l="0" t="0" r="r" b="b"/>
+            <a:pathLst>
+              <a:path w="643" h="653">
+                <a:moveTo>
+                  <a:pt x="413" y="0"/>
+                </a:moveTo>
+                <a:cubicBezTo>
+                  <a:pt x="406" y="0"/>
+                  <a:pt x="400" y="6"/>
+                  <a:pt x="400" y="13"/>
+                </a:cubicBezTo>
+                <a:lnTo>
+                  <a:pt x="400" y="248"/>
+                </a:lnTo>
+                <a:lnTo>
+                  <a:pt x="356" y="204"/>
+                </a:lnTo>
+                <a:cubicBezTo>
+                  <a:pt x="354" y="201"/>
+                  <a:pt x="350" y="200"/>
+                  <a:pt x="347" y="200"/>
+                </a:cubicBezTo>
+                <a:cubicBezTo>
+                  <a:pt x="335" y="200"/>
+                  <a:pt x="329" y="215"/>
+                  <a:pt x="337" y="223"/>
+                </a:cubicBezTo>
+                <a:lnTo>
+                  <a:pt x="413" y="299"/>
+                </a:lnTo>
+                <a:lnTo>
+                  <a:pt x="490" y="223"/>
+                </a:lnTo>
+                <a:cubicBezTo>
+                  <a:pt x="503" y="210"/>
+                  <a:pt x="483" y="191"/>
+                  <a:pt x="471" y="204"/>
+                </a:cubicBezTo>
+                <a:lnTo>
+                  <a:pt x="427" y="248"/>
+                </a:lnTo>
+                <a:lnTo>
+                  <a:pt x="427" y="13"/>
+                </a:lnTo>
+                <a:cubicBezTo>
+                  <a:pt x="427" y="6"/>
+                  <a:pt x="421" y="0"/>
+                  <a:pt x="413" y="0"/>
+                </a:cubicBezTo>
+                <a:close/>
+                <a:moveTo>
+                  <a:pt x="27" y="13"/>
+                </a:moveTo>
+                <a:cubicBezTo>
+                  <a:pt x="12" y="13"/>
+                  <a:pt x="0" y="25"/>
+                  <a:pt x="0" y="40"/>
+                </a:cubicBezTo>
+                <a:cubicBezTo>
+                  <a:pt x="0" y="55"/>
+                  <a:pt x="12" y="67"/>
+                  <a:pt x="27" y="67"/>
+                </a:cubicBezTo>
+                <a:cubicBezTo>
+                  <a:pt x="41" y="67"/>
+                  <a:pt x="53" y="55"/>
+                  <a:pt x="53" y="40"/>
+                </a:cubicBezTo>
+                <a:cubicBezTo>
+                  <a:pt x="74" y="40"/>
+                  <a:pt x="95" y="40"/>
+                  <a:pt x="116" y="40"/>
+                </a:cubicBezTo>
+                <a:cubicBezTo>
+                  <a:pt x="132" y="40"/>
+                  <a:pt x="141" y="43"/>
+                  <a:pt x="147" y="49"/>
+                </a:cubicBezTo>
+                <a:cubicBezTo>
+                  <a:pt x="154" y="55"/>
+                  <a:pt x="159" y="65"/>
+                  <a:pt x="163" y="80"/>
+                </a:cubicBezTo>
+                <a:lnTo>
+                  <a:pt x="163" y="80"/>
+                </a:lnTo>
+                <a:lnTo>
+                  <a:pt x="270" y="510"/>
+                </a:lnTo>
+                <a:lnTo>
+                  <a:pt x="270" y="510"/>
+                </a:lnTo>
+                <a:cubicBezTo>
+                  <a:pt x="274" y="525"/>
+                  <a:pt x="278" y="541"/>
+                  <a:pt x="289" y="553"/>
+                </a:cubicBezTo>
+                <a:cubicBezTo>
+                  <a:pt x="293" y="559"/>
+                  <a:pt x="299" y="563"/>
+                  <a:pt x="306" y="566"/>
+                </a:cubicBezTo>
+                <a:cubicBezTo>
+                  <a:pt x="298" y="575"/>
+                  <a:pt x="293" y="587"/>
+                  <a:pt x="293" y="600"/>
+                </a:cubicBezTo>
+                <a:cubicBezTo>
+                  <a:pt x="293" y="629"/>
+                  <a:pt x="317" y="653"/>
+                  <a:pt x="347" y="653"/>
+                </a:cubicBezTo>
+                <a:cubicBezTo>
+                  <a:pt x="376" y="653"/>
+                  <a:pt x="400" y="629"/>
+                  <a:pt x="400" y="600"/>
+                </a:cubicBezTo>
+                <a:cubicBezTo>
+                  <a:pt x="400" y="590"/>
+                  <a:pt x="397" y="581"/>
+                  <a:pt x="393" y="573"/>
+                </a:cubicBezTo>
+                <a:lnTo>
+                  <a:pt x="474" y="573"/>
+                </a:lnTo>
+                <a:cubicBezTo>
+                  <a:pt x="470" y="581"/>
+                  <a:pt x="467" y="590"/>
+                  <a:pt x="467" y="600"/>
+                </a:cubicBezTo>
+                <a:cubicBezTo>
+                  <a:pt x="467" y="629"/>
+                  <a:pt x="491" y="653"/>
+                  <a:pt x="520" y="653"/>
+                </a:cubicBezTo>
+                <a:cubicBezTo>
+                  <a:pt x="549" y="653"/>
+                  <a:pt x="573" y="629"/>
+                  <a:pt x="573" y="600"/>
+                </a:cubicBezTo>
+                <a:cubicBezTo>
+                  <a:pt x="573" y="586"/>
+                  <a:pt x="568" y="574"/>
+                  <a:pt x="559" y="564"/>
+                </a:cubicBezTo>
+                <a:cubicBezTo>
+                  <a:pt x="562" y="556"/>
+                  <a:pt x="556" y="547"/>
+                  <a:pt x="547" y="547"/>
+                </a:cubicBezTo>
+                <a:cubicBezTo>
+                  <a:pt x="477" y="547"/>
+                  <a:pt x="403" y="547"/>
+                  <a:pt x="343" y="547"/>
+                </a:cubicBezTo>
+                <a:cubicBezTo>
+                  <a:pt x="322" y="547"/>
+                  <a:pt x="314" y="542"/>
+                  <a:pt x="309" y="536"/>
+                </a:cubicBezTo>
+                <a:cubicBezTo>
+                  <a:pt x="303" y="529"/>
+                  <a:pt x="299" y="518"/>
+                  <a:pt x="295" y="503"/>
+                </a:cubicBezTo>
+                <a:lnTo>
+                  <a:pt x="295" y="503"/>
+                </a:lnTo>
+                <a:lnTo>
+                  <a:pt x="286" y="467"/>
+                </a:lnTo>
+                <a:lnTo>
+                  <a:pt x="531" y="467"/>
+                </a:lnTo>
+                <a:cubicBezTo>
+                  <a:pt x="536" y="467"/>
+                  <a:pt x="541" y="463"/>
+                  <a:pt x="543" y="458"/>
+                </a:cubicBezTo>
+                <a:lnTo>
+                  <a:pt x="639" y="205"/>
+                </a:lnTo>
+                <a:cubicBezTo>
+                  <a:pt x="643" y="196"/>
+                  <a:pt x="636" y="186"/>
+                  <a:pt x="626" y="187"/>
+                </a:cubicBezTo>
+                <a:cubicBezTo>
+                  <a:pt x="621" y="187"/>
+                  <a:pt x="616" y="190"/>
+                  <a:pt x="614" y="195"/>
+                </a:cubicBezTo>
+                <a:lnTo>
+                  <a:pt x="522" y="440"/>
+                </a:lnTo>
+                <a:lnTo>
+                  <a:pt x="280" y="440"/>
+                </a:lnTo>
+                <a:cubicBezTo>
+                  <a:pt x="249" y="318"/>
+                  <a:pt x="219" y="195"/>
+                  <a:pt x="189" y="72"/>
+                </a:cubicBezTo>
+                <a:cubicBezTo>
+                  <a:pt x="184" y="55"/>
+                  <a:pt x="177" y="40"/>
+                  <a:pt x="165" y="29"/>
+                </a:cubicBezTo>
+                <a:cubicBezTo>
+                  <a:pt x="153" y="19"/>
+                  <a:pt x="136" y="13"/>
+                  <a:pt x="116" y="13"/>
+                </a:cubicBezTo>
+                <a:cubicBezTo>
+                  <a:pt x="86" y="13"/>
+                  <a:pt x="56" y="14"/>
+                  <a:pt x="27" y="13"/>
+                </a:cubicBezTo>
+                <a:close/>
+                <a:moveTo>
+                  <a:pt x="347" y="573"/>
+                </a:moveTo>
+                <a:cubicBezTo>
+                  <a:pt x="362" y="573"/>
+                  <a:pt x="373" y="585"/>
+                  <a:pt x="373" y="600"/>
+                </a:cubicBezTo>
+                <a:cubicBezTo>
+                  <a:pt x="373" y="615"/>
+                  <a:pt x="362" y="627"/>
+                  <a:pt x="347" y="627"/>
+                </a:cubicBezTo>
+                <a:cubicBezTo>
+                  <a:pt x="332" y="627"/>
+                  <a:pt x="320" y="615"/>
+                  <a:pt x="320" y="600"/>
+                </a:cubicBezTo>
+                <a:cubicBezTo>
+                  <a:pt x="320" y="585"/>
+                  <a:pt x="332" y="573"/>
+                  <a:pt x="347" y="573"/>
+                </a:cubicBezTo>
+                <a:close/>
+                <a:moveTo>
+                  <a:pt x="520" y="573"/>
+                </a:moveTo>
+                <a:cubicBezTo>
+                  <a:pt x="535" y="573"/>
+                  <a:pt x="547" y="585"/>
+                  <a:pt x="547" y="600"/>
+                </a:cubicBezTo>
+                <a:cubicBezTo>
+                  <a:pt x="547" y="615"/>
+                  <a:pt x="535" y="627"/>
+                  <a:pt x="520" y="627"/>
+                </a:cubicBezTo>
+                <a:cubicBezTo>
+                  <a:pt x="505" y="627"/>
+                  <a:pt x="493" y="615"/>
+                  <a:pt x="493" y="600"/>
+                </a:cubicBezTo>
+                <a:cubicBezTo>
+                  <a:pt x="493" y="585"/>
+                  <a:pt x="505" y="573"/>
+                  <a:pt x="520" y="573"/>
+                </a:cubicBezTo>
+                <a:close/>
+              </a:path>
+            </a:pathLst>
+          </a:custGeom>
+          <a:solidFill>
+            <a:schemeClr val="tx1"/>
+          </a:solidFill>
+          <a:ln w="9525">
+            <a:noFill/>
+            <a:round/>
+            <a:headEnd/>
+            <a:tailEnd/>
+          </a:ln>
+        </p:spPr>
+        <p:txBody>
+          <a:bodyPr vert="horz" wrap="square" lIns="91440" tIns="45720" rIns="91440" bIns="45720" numCol="1" anchor="t" anchorCtr="0" compatLnSpc="1">
+            <a:prstTxWarp prst="textNoShape">
+              <a:avLst/>
+            </a:prstTxWarp>
+          </a:bodyPr>
+          <a:lstStyle>
+            <a:defPPr>
+              <a:defRPr lang="en-US"/>
+            </a:defPPr>
+            <a:lvl1pPr marL="0" algn="l" defTabSz="914400" rtl="0" eaLnBrk="1" latinLnBrk="0" hangingPunct="1">
+              <a:defRPr sz="1800" kern="1200">
+                <a:solidFill>
+                  <a:schemeClr val="tx1"/>
+                </a:solidFill>
+                <a:latin typeface="+mn-lt"/>
+                <a:ea typeface="+mn-ea"/>
+                <a:cs typeface="+mn-cs"/>
+              </a:defRPr>
+            </a:lvl1pPr>
+            <a:lvl2pPr marL="457200" algn="l" defTabSz="914400" rtl="0" eaLnBrk="1" latinLnBrk="0" hangingPunct="1">
+              <a:defRPr sz="1800" kern="1200">
+                <a:solidFill>
+                  <a:schemeClr val="tx1"/>
+                </a:solidFill>
+                <a:latin typeface="+mn-lt"/>
+                <a:ea typeface="+mn-ea"/>
+                <a:cs typeface="+mn-cs"/>
+              </a:defRPr>
+            </a:lvl2pPr>
+            <a:lvl3pPr marL="914400" algn="l" defTabSz="914400" rtl="0" eaLnBrk="1" latinLnBrk="0" hangingPunct="1">
+              <a:defRPr sz="1800" kern="1200">
+                <a:solidFill>
+                  <a:schemeClr val="tx1"/>
+                </a:solidFill>
+                <a:latin typeface="+mn-lt"/>
+                <a:ea typeface="+mn-ea"/>
+                <a:cs typeface="+mn-cs"/>
+              </a:defRPr>
+            </a:lvl3pPr>
+            <a:lvl4pPr marL="1371600" algn="l" defTabSz="914400" rtl="0" eaLnBrk="1" latinLnBrk="0" hangingPunct="1">
+              <a:defRPr sz="1800" kern="1200">
+                <a:solidFill>
+                  <a:schemeClr val="tx1"/>
+                </a:solidFill>
+                <a:latin typeface="+mn-lt"/>
+                <a:ea typeface="+mn-ea"/>
+                <a:cs typeface="+mn-cs"/>
+              </a:defRPr>
+            </a:lvl4pPr>
+            <a:lvl5pPr marL="1828800" algn="l" defTabSz="914400" rtl="0" eaLnBrk="1" latinLnBrk="0" hangingPunct="1">
+              <a:defRPr sz="1800" kern="1200">
+                <a:solidFill>
+                  <a:schemeClr val="tx1"/>
+                </a:solidFill>
+                <a:latin typeface="+mn-lt"/>
+                <a:ea typeface="+mn-ea"/>
+                <a:cs typeface="+mn-cs"/>
+              </a:defRPr>
+            </a:lvl5pPr>
+            <a:lvl6pPr marL="2286000" algn="l" defTabSz="914400" rtl="0" eaLnBrk="1" latinLnBrk="0" hangingPunct="1">
+              <a:defRPr sz="1800" kern="1200">
+                <a:solidFill>
+                  <a:schemeClr val="tx1"/>
+                </a:solidFill>
+                <a:latin typeface="+mn-lt"/>
+                <a:ea typeface="+mn-ea"/>
+                <a:cs typeface="+mn-cs"/>
+              </a:defRPr>
+            </a:lvl6pPr>
+            <a:lvl7pPr marL="2743200" algn="l" defTabSz="914400" rtl="0" eaLnBrk="1" latinLnBrk="0" hangingPunct="1">
+              <a:defRPr sz="1800" kern="1200">
+                <a:solidFill>
+                  <a:schemeClr val="tx1"/>
+                </a:solidFill>
+                <a:latin typeface="+mn-lt"/>
+                <a:ea typeface="+mn-ea"/>
+                <a:cs typeface="+mn-cs"/>
+              </a:defRPr>
+            </a:lvl7pPr>
+            <a:lvl8pPr marL="3200400" algn="l" defTabSz="914400" rtl="0" eaLnBrk="1" latinLnBrk="0" hangingPunct="1">
+              <a:defRPr sz="1800" kern="1200">
+                <a:solidFill>
+                  <a:schemeClr val="tx1"/>
+                </a:solidFill>
+                <a:latin typeface="+mn-lt"/>
+                <a:ea typeface="+mn-ea"/>
+                <a:cs typeface="+mn-cs"/>
+              </a:defRPr>
+            </a:lvl8pPr>
+            <a:lvl9pPr marL="3657600" algn="l" defTabSz="914400" rtl="0" eaLnBrk="1" latinLnBrk="0" hangingPunct="1">
+              <a:defRPr sz="1800" kern="1200">
+                <a:solidFill>
+                  <a:schemeClr val="tx1"/>
+                </a:solidFill>
+                <a:latin typeface="+mn-lt"/>
+                <a:ea typeface="+mn-ea"/>
+                <a:cs typeface="+mn-cs"/>
+              </a:defRPr>
+            </a:lvl9pPr>
+          </a:lstStyle>
+          <a:p>
+            <a:endParaRPr lang="en-US" sz="900">
+              <a:latin typeface="Segoe UI" panose="020B0502040204020203" pitchFamily="34" charset="0"/>
+              <a:cs typeface="Segoe UI" panose="020B0502040204020203" pitchFamily="34" charset="0"/>
+            </a:endParaRPr>
+          </a:p>
+        </p:txBody>
+      </p:sp>
+      <p:sp>
+        <p:nvSpPr>
+          <p:cNvPr id="29" name="ZoneTexte 28"/>
+          <p:cNvSpPr txBox="1"/>
+          <p:nvPr/>
+        </p:nvSpPr>
+        <p:spPr>
+          <a:xfrm>
+            <a:off x="5047070" y="1024470"/>
+            <a:ext cx="1092724" cy="369332"/>
+          </a:xfrm>
+          <a:prstGeom prst="rect">
+            <a:avLst/>
+          </a:prstGeom>
+          <a:noFill/>
+        </p:spPr>
+        <p:txBody>
+          <a:bodyPr wrap="square" rtlCol="0">
+            <a:spAutoFit/>
+          </a:bodyPr>
+          <a:lstStyle/>
+          <a:p>
+            <a:r>
+              <a:rPr lang="fr-FR" dirty="0" smtClean="0"/>
+              <a:t>Populaire</a:t>
+            </a:r>
+            <a:endParaRPr lang="fr-FR" dirty="0"/>
+          </a:p>
+        </p:txBody>
+      </p:sp>
+      <p:sp>
+        <p:nvSpPr>
+          <p:cNvPr id="30" name="ZoneTexte 29"/>
+          <p:cNvSpPr txBox="1"/>
+          <p:nvPr/>
+        </p:nvSpPr>
+        <p:spPr>
+          <a:xfrm>
+            <a:off x="6247507" y="1024470"/>
+            <a:ext cx="1358942" cy="369332"/>
+          </a:xfrm>
+          <a:prstGeom prst="rect">
+            <a:avLst/>
+          </a:prstGeom>
+          <a:noFill/>
+        </p:spPr>
+        <p:txBody>
+          <a:bodyPr wrap="square" rtlCol="0">
+            <a:spAutoFit/>
+          </a:bodyPr>
+          <a:lstStyle/>
+          <a:p>
+            <a:r>
+              <a:rPr lang="fr-FR" dirty="0" smtClean="0"/>
+              <a:t>Promotions</a:t>
+            </a:r>
+            <a:endParaRPr lang="fr-FR" dirty="0"/>
+          </a:p>
+        </p:txBody>
+      </p:sp>
+      <p:sp>
+        <p:nvSpPr>
+          <p:cNvPr id="31" name="ZoneTexte 30"/>
+          <p:cNvSpPr txBox="1"/>
+          <p:nvPr/>
+        </p:nvSpPr>
+        <p:spPr>
+          <a:xfrm>
+            <a:off x="7619565" y="1024470"/>
+            <a:ext cx="1519772" cy="369332"/>
+          </a:xfrm>
+          <a:prstGeom prst="rect">
+            <a:avLst/>
+          </a:prstGeom>
+          <a:noFill/>
+        </p:spPr>
+        <p:txBody>
+          <a:bodyPr wrap="square" rtlCol="0">
+            <a:spAutoFit/>
+          </a:bodyPr>
+          <a:lstStyle/>
+          <a:p>
+            <a:r>
+              <a:rPr lang="fr-FR" dirty="0" smtClean="0"/>
+              <a:t>Nouveautés</a:t>
+            </a:r>
+            <a:endParaRPr lang="fr-FR" dirty="0"/>
+          </a:p>
+        </p:txBody>
+      </p:sp>
+      <p:cxnSp>
+        <p:nvCxnSpPr>
+          <p:cNvPr id="33" name="Connecteur droit 32"/>
+          <p:cNvCxnSpPr/>
+          <p:nvPr/>
+        </p:nvCxnSpPr>
+        <p:spPr>
+          <a:xfrm>
+            <a:off x="6139794" y="1071443"/>
+            <a:ext cx="0" cy="240697"/>
+          </a:xfrm>
+          <a:prstGeom prst="line">
+            <a:avLst/>
+          </a:prstGeom>
+          <a:ln>
+            <a:solidFill>
+              <a:schemeClr val="tx1">
+                <a:lumMod val="50000"/>
+                <a:lumOff val="50000"/>
+              </a:schemeClr>
+            </a:solidFill>
+          </a:ln>
+        </p:spPr>
+        <p:style>
+          <a:lnRef idx="1">
+            <a:schemeClr val="accent1"/>
+          </a:lnRef>
+          <a:fillRef idx="0">
+            <a:schemeClr val="accent1"/>
+          </a:fillRef>
+          <a:effectRef idx="0">
+            <a:schemeClr val="accent1"/>
+          </a:effectRef>
+          <a:fontRef idx="minor">
+            <a:schemeClr val="tx1"/>
+          </a:fontRef>
+        </p:style>
+      </p:cxnSp>
+      <p:cxnSp>
+        <p:nvCxnSpPr>
+          <p:cNvPr id="34" name="Connecteur droit 33"/>
+          <p:cNvCxnSpPr/>
+          <p:nvPr/>
+        </p:nvCxnSpPr>
+        <p:spPr>
+          <a:xfrm>
+            <a:off x="7569045" y="1078741"/>
+            <a:ext cx="0" cy="240697"/>
+          </a:xfrm>
+          <a:prstGeom prst="line">
+            <a:avLst/>
+          </a:prstGeom>
+          <a:ln>
+            <a:solidFill>
+              <a:schemeClr val="tx1">
+                <a:lumMod val="50000"/>
+                <a:lumOff val="50000"/>
+              </a:schemeClr>
+            </a:solidFill>
+          </a:ln>
+        </p:spPr>
+        <p:style>
+          <a:lnRef idx="1">
+            <a:schemeClr val="accent1"/>
+          </a:lnRef>
+          <a:fillRef idx="0">
+            <a:schemeClr val="accent1"/>
+          </a:fillRef>
+          <a:effectRef idx="0">
+            <a:schemeClr val="accent1"/>
+          </a:effectRef>
+          <a:fontRef idx="minor">
+            <a:schemeClr val="tx1"/>
+          </a:fontRef>
+        </p:style>
+      </p:cxnSp>
+      <p:cxnSp>
+        <p:nvCxnSpPr>
+          <p:cNvPr id="32" name="Connecteur droit 31"/>
+          <p:cNvCxnSpPr/>
+          <p:nvPr/>
+        </p:nvCxnSpPr>
+        <p:spPr>
+          <a:xfrm>
+            <a:off x="1813765" y="663203"/>
+            <a:ext cx="393701" cy="0"/>
+          </a:xfrm>
+          <a:prstGeom prst="line">
+            <a:avLst/>
+          </a:prstGeom>
+          <a:ln/>
+        </p:spPr>
+        <p:style>
+          <a:lnRef idx="3">
+            <a:schemeClr val="dk1"/>
+          </a:lnRef>
+          <a:fillRef idx="0">
+            <a:schemeClr val="dk1"/>
+          </a:fillRef>
+          <a:effectRef idx="2">
+            <a:schemeClr val="dk1"/>
+          </a:effectRef>
+          <a:fontRef idx="minor">
+            <a:schemeClr val="tx1"/>
+          </a:fontRef>
+        </p:style>
+      </p:cxnSp>
+      <p:cxnSp>
+        <p:nvCxnSpPr>
+          <p:cNvPr id="36" name="Connecteur droit 35"/>
+          <p:cNvCxnSpPr/>
+          <p:nvPr/>
+        </p:nvCxnSpPr>
+        <p:spPr>
+          <a:xfrm>
+            <a:off x="1815693" y="757728"/>
+            <a:ext cx="393701" cy="0"/>
+          </a:xfrm>
+          <a:prstGeom prst="line">
+            <a:avLst/>
+          </a:prstGeom>
+          <a:ln/>
+        </p:spPr>
+        <p:style>
+          <a:lnRef idx="3">
+            <a:schemeClr val="dk1"/>
+          </a:lnRef>
+          <a:fillRef idx="0">
+            <a:schemeClr val="dk1"/>
+          </a:fillRef>
+          <a:effectRef idx="2">
+            <a:schemeClr val="dk1"/>
+          </a:effectRef>
+          <a:fontRef idx="minor">
+            <a:schemeClr val="tx1"/>
+          </a:fontRef>
+        </p:style>
+      </p:cxnSp>
+      <p:cxnSp>
+        <p:nvCxnSpPr>
+          <p:cNvPr id="37" name="Connecteur droit 36"/>
+          <p:cNvCxnSpPr/>
+          <p:nvPr/>
+        </p:nvCxnSpPr>
+        <p:spPr>
+          <a:xfrm>
+            <a:off x="1817622" y="840681"/>
+            <a:ext cx="393701" cy="0"/>
+          </a:xfrm>
+          <a:prstGeom prst="line">
+            <a:avLst/>
+          </a:prstGeom>
+          <a:ln/>
+        </p:spPr>
+        <p:style>
+          <a:lnRef idx="3">
+            <a:schemeClr val="dk1"/>
+          </a:lnRef>
+          <a:fillRef idx="0">
+            <a:schemeClr val="dk1"/>
+          </a:fillRef>
+          <a:effectRef idx="2">
+            <a:schemeClr val="dk1"/>
+          </a:effectRef>
+          <a:fontRef idx="minor">
+            <a:schemeClr val="tx1"/>
+          </a:fontRef>
+        </p:style>
+      </p:cxnSp>
+      <p:sp>
+        <p:nvSpPr>
+          <p:cNvPr id="39" name="Add User"/>
+          <p:cNvSpPr>
+            <a:spLocks noChangeAspect="1" noEditPoints="1"/>
+          </p:cNvSpPr>
+          <p:nvPr/>
+        </p:nvSpPr>
+        <p:spPr bwMode="auto">
+          <a:xfrm>
+            <a:off x="11300345" y="567339"/>
+            <a:ext cx="401756" cy="393955"/>
+          </a:xfrm>
+          <a:custGeom>
+            <a:avLst/>
+            <a:gdLst>
+              <a:gd name="T0" fmla="*/ 147 w 668"/>
+              <a:gd name="T1" fmla="*/ 65 h 661"/>
+              <a:gd name="T2" fmla="*/ 136 w 668"/>
+              <a:gd name="T3" fmla="*/ 231 h 661"/>
+              <a:gd name="T4" fmla="*/ 161 w 668"/>
+              <a:gd name="T5" fmla="*/ 274 h 661"/>
+              <a:gd name="T6" fmla="*/ 184 w 668"/>
+              <a:gd name="T7" fmla="*/ 331 h 661"/>
+              <a:gd name="T8" fmla="*/ 189 w 668"/>
+              <a:gd name="T9" fmla="*/ 384 h 661"/>
+              <a:gd name="T10" fmla="*/ 97 w 668"/>
+              <a:gd name="T11" fmla="*/ 437 h 661"/>
+              <a:gd name="T12" fmla="*/ 1 w 668"/>
+              <a:gd name="T13" fmla="*/ 554 h 661"/>
+              <a:gd name="T14" fmla="*/ 334 w 668"/>
+              <a:gd name="T15" fmla="*/ 568 h 661"/>
+              <a:gd name="T16" fmla="*/ 31 w 668"/>
+              <a:gd name="T17" fmla="*/ 541 h 661"/>
+              <a:gd name="T18" fmla="*/ 108 w 668"/>
+              <a:gd name="T19" fmla="*/ 462 h 661"/>
+              <a:gd name="T20" fmla="*/ 215 w 668"/>
+              <a:gd name="T21" fmla="*/ 393 h 661"/>
+              <a:gd name="T22" fmla="*/ 216 w 668"/>
+              <a:gd name="T23" fmla="*/ 389 h 661"/>
+              <a:gd name="T24" fmla="*/ 217 w 668"/>
+              <a:gd name="T25" fmla="*/ 324 h 661"/>
+              <a:gd name="T26" fmla="*/ 206 w 668"/>
+              <a:gd name="T27" fmla="*/ 315 h 661"/>
+              <a:gd name="T28" fmla="*/ 186 w 668"/>
+              <a:gd name="T29" fmla="*/ 265 h 661"/>
+              <a:gd name="T30" fmla="*/ 174 w 668"/>
+              <a:gd name="T31" fmla="*/ 253 h 661"/>
+              <a:gd name="T32" fmla="*/ 163 w 668"/>
+              <a:gd name="T33" fmla="*/ 228 h 661"/>
+              <a:gd name="T34" fmla="*/ 175 w 668"/>
+              <a:gd name="T35" fmla="*/ 208 h 661"/>
+              <a:gd name="T36" fmla="*/ 171 w 668"/>
+              <a:gd name="T37" fmla="*/ 76 h 661"/>
+              <a:gd name="T38" fmla="*/ 316 w 668"/>
+              <a:gd name="T39" fmla="*/ 43 h 661"/>
+              <a:gd name="T40" fmla="*/ 325 w 668"/>
+              <a:gd name="T41" fmla="*/ 50 h 661"/>
+              <a:gd name="T42" fmla="*/ 375 w 668"/>
+              <a:gd name="T43" fmla="*/ 110 h 661"/>
+              <a:gd name="T44" fmla="*/ 359 w 668"/>
+              <a:gd name="T45" fmla="*/ 208 h 661"/>
+              <a:gd name="T46" fmla="*/ 372 w 668"/>
+              <a:gd name="T47" fmla="*/ 228 h 661"/>
+              <a:gd name="T48" fmla="*/ 361 w 668"/>
+              <a:gd name="T49" fmla="*/ 253 h 661"/>
+              <a:gd name="T50" fmla="*/ 349 w 668"/>
+              <a:gd name="T51" fmla="*/ 265 h 661"/>
+              <a:gd name="T52" fmla="*/ 330 w 668"/>
+              <a:gd name="T53" fmla="*/ 316 h 661"/>
+              <a:gd name="T54" fmla="*/ 319 w 668"/>
+              <a:gd name="T55" fmla="*/ 324 h 661"/>
+              <a:gd name="T56" fmla="*/ 320 w 668"/>
+              <a:gd name="T57" fmla="*/ 389 h 661"/>
+              <a:gd name="T58" fmla="*/ 321 w 668"/>
+              <a:gd name="T59" fmla="*/ 393 h 661"/>
+              <a:gd name="T60" fmla="*/ 359 w 668"/>
+              <a:gd name="T61" fmla="*/ 400 h 661"/>
+              <a:gd name="T62" fmla="*/ 346 w 668"/>
+              <a:gd name="T63" fmla="*/ 337 h 661"/>
+              <a:gd name="T64" fmla="*/ 362 w 668"/>
+              <a:gd name="T65" fmla="*/ 314 h 661"/>
+              <a:gd name="T66" fmla="*/ 386 w 668"/>
+              <a:gd name="T67" fmla="*/ 267 h 661"/>
+              <a:gd name="T68" fmla="*/ 390 w 668"/>
+              <a:gd name="T69" fmla="*/ 199 h 661"/>
+              <a:gd name="T70" fmla="*/ 384 w 668"/>
+              <a:gd name="T71" fmla="*/ 54 h 661"/>
+              <a:gd name="T72" fmla="*/ 266 w 668"/>
+              <a:gd name="T73" fmla="*/ 0 h 661"/>
+              <a:gd name="T74" fmla="*/ 508 w 668"/>
+              <a:gd name="T75" fmla="*/ 341 h 661"/>
+              <a:gd name="T76" fmla="*/ 508 w 668"/>
+              <a:gd name="T77" fmla="*/ 661 h 661"/>
+              <a:gd name="T78" fmla="*/ 508 w 668"/>
+              <a:gd name="T79" fmla="*/ 341 h 661"/>
+              <a:gd name="T80" fmla="*/ 641 w 668"/>
+              <a:gd name="T81" fmla="*/ 501 h 661"/>
+              <a:gd name="T82" fmla="*/ 374 w 668"/>
+              <a:gd name="T83" fmla="*/ 501 h 661"/>
+              <a:gd name="T84" fmla="*/ 494 w 668"/>
+              <a:gd name="T85" fmla="*/ 421 h 661"/>
+              <a:gd name="T86" fmla="*/ 428 w 668"/>
+              <a:gd name="T87" fmla="*/ 488 h 661"/>
+              <a:gd name="T88" fmla="*/ 494 w 668"/>
+              <a:gd name="T89" fmla="*/ 514 h 661"/>
+              <a:gd name="T90" fmla="*/ 521 w 668"/>
+              <a:gd name="T91" fmla="*/ 581 h 661"/>
+              <a:gd name="T92" fmla="*/ 588 w 668"/>
+              <a:gd name="T93" fmla="*/ 514 h 661"/>
+              <a:gd name="T94" fmla="*/ 521 w 668"/>
+              <a:gd name="T95" fmla="*/ 488 h 661"/>
+              <a:gd name="T96" fmla="*/ 494 w 668"/>
+              <a:gd name="T97" fmla="*/ 421 h 661"/>
+            </a:gdLst>
+            <a:ahLst/>
+            <a:cxnLst>
+              <a:cxn ang="0">
+                <a:pos x="T0" y="T1"/>
+              </a:cxn>
+              <a:cxn ang="0">
+                <a:pos x="T2" y="T3"/>
+              </a:cxn>
+              <a:cxn ang="0">
+                <a:pos x="T4" y="T5"/>
+              </a:cxn>
+              <a:cxn ang="0">
+                <a:pos x="T6" y="T7"/>
+              </a:cxn>
+              <a:cxn ang="0">
+                <a:pos x="T8" y="T9"/>
+              </a:cxn>
+              <a:cxn ang="0">
+                <a:pos x="T10" y="T11"/>
+              </a:cxn>
+              <a:cxn ang="0">
+                <a:pos x="T12" y="T13"/>
+              </a:cxn>
+              <a:cxn ang="0">
+                <a:pos x="T14" y="T15"/>
+              </a:cxn>
+              <a:cxn ang="0">
+                <a:pos x="T16" y="T17"/>
+              </a:cxn>
+              <a:cxn ang="0">
+                <a:pos x="T18" y="T19"/>
+              </a:cxn>
+              <a:cxn ang="0">
+                <a:pos x="T20" y="T21"/>
+              </a:cxn>
+              <a:cxn ang="0">
+                <a:pos x="T22" y="T23"/>
+              </a:cxn>
+              <a:cxn ang="0">
+                <a:pos x="T24" y="T25"/>
+              </a:cxn>
+              <a:cxn ang="0">
+                <a:pos x="T26" y="T27"/>
+              </a:cxn>
+              <a:cxn ang="0">
+                <a:pos x="T28" y="T29"/>
+              </a:cxn>
+              <a:cxn ang="0">
+                <a:pos x="T30" y="T31"/>
+              </a:cxn>
+              <a:cxn ang="0">
+                <a:pos x="T32" y="T33"/>
+              </a:cxn>
+              <a:cxn ang="0">
+                <a:pos x="T34" y="T35"/>
+              </a:cxn>
+              <a:cxn ang="0">
+                <a:pos x="T36" y="T37"/>
+              </a:cxn>
+              <a:cxn ang="0">
+                <a:pos x="T38" y="T39"/>
+              </a:cxn>
+              <a:cxn ang="0">
+                <a:pos x="T40" y="T41"/>
+              </a:cxn>
+              <a:cxn ang="0">
+                <a:pos x="T42" y="T43"/>
+              </a:cxn>
+              <a:cxn ang="0">
+                <a:pos x="T44" y="T45"/>
+              </a:cxn>
+              <a:cxn ang="0">
+                <a:pos x="T46" y="T47"/>
+              </a:cxn>
+              <a:cxn ang="0">
+                <a:pos x="T48" y="T49"/>
+              </a:cxn>
+              <a:cxn ang="0">
+                <a:pos x="T50" y="T51"/>
+              </a:cxn>
+              <a:cxn ang="0">
+                <a:pos x="T52" y="T53"/>
+              </a:cxn>
+              <a:cxn ang="0">
+                <a:pos x="T54" y="T55"/>
+              </a:cxn>
+              <a:cxn ang="0">
+                <a:pos x="T56" y="T57"/>
+              </a:cxn>
+              <a:cxn ang="0">
+                <a:pos x="T58" y="T59"/>
+              </a:cxn>
+              <a:cxn ang="0">
+                <a:pos x="T60" y="T61"/>
+              </a:cxn>
+              <a:cxn ang="0">
+                <a:pos x="T62" y="T63"/>
+              </a:cxn>
+              <a:cxn ang="0">
+                <a:pos x="T64" y="T65"/>
+              </a:cxn>
+              <a:cxn ang="0">
+                <a:pos x="T66" y="T67"/>
+              </a:cxn>
+              <a:cxn ang="0">
+                <a:pos x="T68" y="T69"/>
+              </a:cxn>
+              <a:cxn ang="0">
+                <a:pos x="T70" y="T71"/>
+              </a:cxn>
+              <a:cxn ang="0">
+                <a:pos x="T72" y="T73"/>
+              </a:cxn>
+              <a:cxn ang="0">
+                <a:pos x="T74" y="T75"/>
+              </a:cxn>
+              <a:cxn ang="0">
+                <a:pos x="T76" y="T77"/>
+              </a:cxn>
+              <a:cxn ang="0">
+                <a:pos x="T78" y="T79"/>
+              </a:cxn>
+              <a:cxn ang="0">
+                <a:pos x="T80" y="T81"/>
+              </a:cxn>
+              <a:cxn ang="0">
+                <a:pos x="T82" y="T83"/>
+              </a:cxn>
+              <a:cxn ang="0">
+                <a:pos x="T84" y="T85"/>
+              </a:cxn>
+              <a:cxn ang="0">
+                <a:pos x="T86" y="T87"/>
+              </a:cxn>
+              <a:cxn ang="0">
+                <a:pos x="T88" y="T89"/>
+              </a:cxn>
+              <a:cxn ang="0">
+                <a:pos x="T90" y="T91"/>
+              </a:cxn>
+              <a:cxn ang="0">
+                <a:pos x="T92" y="T93"/>
+              </a:cxn>
+              <a:cxn ang="0">
+                <a:pos x="T94" y="T95"/>
+              </a:cxn>
+              <a:cxn ang="0">
+                <a:pos x="T96" y="T97"/>
+              </a:cxn>
+            </a:cxnLst>
+            <a:rect l="0" t="0" r="r" b="b"/>
+            <a:pathLst>
+              <a:path w="668" h="661">
+                <a:moveTo>
+                  <a:pt x="266" y="0"/>
+                </a:moveTo>
+                <a:cubicBezTo>
+                  <a:pt x="204" y="1"/>
+                  <a:pt x="164" y="26"/>
+                  <a:pt x="147" y="65"/>
+                </a:cubicBezTo>
+                <a:cubicBezTo>
+                  <a:pt x="131" y="103"/>
+                  <a:pt x="134" y="150"/>
+                  <a:pt x="146" y="198"/>
+                </a:cubicBezTo>
+                <a:cubicBezTo>
+                  <a:pt x="140" y="206"/>
+                  <a:pt x="135" y="216"/>
+                  <a:pt x="136" y="231"/>
+                </a:cubicBezTo>
+                <a:cubicBezTo>
+                  <a:pt x="138" y="244"/>
+                  <a:pt x="144" y="257"/>
+                  <a:pt x="149" y="267"/>
+                </a:cubicBezTo>
+                <a:cubicBezTo>
+                  <a:pt x="153" y="271"/>
+                  <a:pt x="157" y="272"/>
+                  <a:pt x="161" y="274"/>
+                </a:cubicBezTo>
+                <a:cubicBezTo>
+                  <a:pt x="164" y="288"/>
+                  <a:pt x="168" y="302"/>
+                  <a:pt x="174" y="314"/>
+                </a:cubicBezTo>
+                <a:cubicBezTo>
+                  <a:pt x="177" y="320"/>
+                  <a:pt x="181" y="326"/>
+                  <a:pt x="184" y="331"/>
+                </a:cubicBezTo>
+                <a:cubicBezTo>
+                  <a:pt x="186" y="334"/>
+                  <a:pt x="188" y="335"/>
+                  <a:pt x="190" y="337"/>
+                </a:cubicBezTo>
+                <a:cubicBezTo>
+                  <a:pt x="190" y="353"/>
+                  <a:pt x="191" y="367"/>
+                  <a:pt x="189" y="384"/>
+                </a:cubicBezTo>
+                <a:cubicBezTo>
+                  <a:pt x="185" y="395"/>
+                  <a:pt x="175" y="403"/>
+                  <a:pt x="158" y="412"/>
+                </a:cubicBezTo>
+                <a:cubicBezTo>
+                  <a:pt x="141" y="420"/>
+                  <a:pt x="119" y="428"/>
+                  <a:pt x="97" y="437"/>
+                </a:cubicBezTo>
+                <a:cubicBezTo>
+                  <a:pt x="75" y="447"/>
+                  <a:pt x="52" y="458"/>
+                  <a:pt x="34" y="477"/>
+                </a:cubicBezTo>
+                <a:cubicBezTo>
+                  <a:pt x="16" y="495"/>
+                  <a:pt x="3" y="520"/>
+                  <a:pt x="1" y="554"/>
+                </a:cubicBezTo>
+                <a:lnTo>
+                  <a:pt x="0" y="568"/>
+                </a:lnTo>
+                <a:lnTo>
+                  <a:pt x="334" y="568"/>
+                </a:lnTo>
+                <a:lnTo>
+                  <a:pt x="326" y="541"/>
+                </a:lnTo>
+                <a:lnTo>
+                  <a:pt x="31" y="541"/>
+                </a:lnTo>
+                <a:cubicBezTo>
+                  <a:pt x="34" y="522"/>
+                  <a:pt x="42" y="507"/>
+                  <a:pt x="53" y="495"/>
+                </a:cubicBezTo>
+                <a:cubicBezTo>
+                  <a:pt x="67" y="481"/>
+                  <a:pt x="87" y="471"/>
+                  <a:pt x="108" y="462"/>
+                </a:cubicBezTo>
+                <a:cubicBezTo>
+                  <a:pt x="128" y="453"/>
+                  <a:pt x="151" y="445"/>
+                  <a:pt x="170" y="435"/>
+                </a:cubicBezTo>
+                <a:cubicBezTo>
+                  <a:pt x="190" y="426"/>
+                  <a:pt x="207" y="413"/>
+                  <a:pt x="215" y="393"/>
+                </a:cubicBezTo>
+                <a:lnTo>
+                  <a:pt x="216" y="391"/>
+                </a:lnTo>
+                <a:lnTo>
+                  <a:pt x="216" y="389"/>
+                </a:lnTo>
+                <a:cubicBezTo>
+                  <a:pt x="218" y="367"/>
+                  <a:pt x="217" y="351"/>
+                  <a:pt x="217" y="332"/>
+                </a:cubicBezTo>
+                <a:lnTo>
+                  <a:pt x="217" y="324"/>
+                </a:lnTo>
+                <a:lnTo>
+                  <a:pt x="210" y="320"/>
+                </a:lnTo>
+                <a:cubicBezTo>
+                  <a:pt x="211" y="321"/>
+                  <a:pt x="208" y="319"/>
+                  <a:pt x="206" y="315"/>
+                </a:cubicBezTo>
+                <a:cubicBezTo>
+                  <a:pt x="203" y="312"/>
+                  <a:pt x="200" y="307"/>
+                  <a:pt x="198" y="302"/>
+                </a:cubicBezTo>
+                <a:cubicBezTo>
+                  <a:pt x="192" y="291"/>
+                  <a:pt x="187" y="277"/>
+                  <a:pt x="186" y="265"/>
+                </a:cubicBezTo>
+                <a:lnTo>
+                  <a:pt x="185" y="254"/>
+                </a:lnTo>
+                <a:lnTo>
+                  <a:pt x="174" y="253"/>
+                </a:lnTo>
+                <a:cubicBezTo>
+                  <a:pt x="174" y="253"/>
+                  <a:pt x="173" y="254"/>
+                  <a:pt x="170" y="251"/>
+                </a:cubicBezTo>
+                <a:cubicBezTo>
+                  <a:pt x="168" y="247"/>
+                  <a:pt x="164" y="241"/>
+                  <a:pt x="163" y="228"/>
+                </a:cubicBezTo>
+                <a:cubicBezTo>
+                  <a:pt x="161" y="222"/>
+                  <a:pt x="165" y="217"/>
+                  <a:pt x="167" y="213"/>
+                </a:cubicBezTo>
+                <a:lnTo>
+                  <a:pt x="175" y="208"/>
+                </a:lnTo>
+                <a:lnTo>
+                  <a:pt x="173" y="198"/>
+                </a:lnTo>
+                <a:cubicBezTo>
+                  <a:pt x="160" y="150"/>
+                  <a:pt x="158" y="106"/>
+                  <a:pt x="171" y="76"/>
+                </a:cubicBezTo>
+                <a:cubicBezTo>
+                  <a:pt x="184" y="46"/>
+                  <a:pt x="211" y="27"/>
+                  <a:pt x="266" y="26"/>
+                </a:cubicBezTo>
+                <a:cubicBezTo>
+                  <a:pt x="293" y="26"/>
+                  <a:pt x="311" y="34"/>
+                  <a:pt x="316" y="43"/>
+                </a:cubicBezTo>
+                <a:lnTo>
+                  <a:pt x="319" y="49"/>
+                </a:lnTo>
+                <a:lnTo>
+                  <a:pt x="325" y="50"/>
+                </a:lnTo>
+                <a:cubicBezTo>
+                  <a:pt x="344" y="52"/>
+                  <a:pt x="355" y="59"/>
+                  <a:pt x="362" y="70"/>
+                </a:cubicBezTo>
+                <a:cubicBezTo>
+                  <a:pt x="370" y="80"/>
+                  <a:pt x="374" y="94"/>
+                  <a:pt x="375" y="110"/>
+                </a:cubicBezTo>
+                <a:cubicBezTo>
+                  <a:pt x="377" y="142"/>
+                  <a:pt x="368" y="180"/>
+                  <a:pt x="363" y="197"/>
+                </a:cubicBezTo>
+                <a:lnTo>
+                  <a:pt x="359" y="208"/>
+                </a:lnTo>
+                <a:lnTo>
+                  <a:pt x="368" y="213"/>
+                </a:lnTo>
+                <a:cubicBezTo>
+                  <a:pt x="368" y="213"/>
+                  <a:pt x="374" y="217"/>
+                  <a:pt x="372" y="228"/>
+                </a:cubicBezTo>
+                <a:cubicBezTo>
+                  <a:pt x="371" y="241"/>
+                  <a:pt x="367" y="248"/>
+                  <a:pt x="365" y="251"/>
+                </a:cubicBezTo>
+                <a:cubicBezTo>
+                  <a:pt x="362" y="254"/>
+                  <a:pt x="361" y="253"/>
+                  <a:pt x="361" y="253"/>
+                </a:cubicBezTo>
+                <a:lnTo>
+                  <a:pt x="350" y="254"/>
+                </a:lnTo>
+                <a:lnTo>
+                  <a:pt x="349" y="265"/>
+                </a:lnTo>
+                <a:cubicBezTo>
+                  <a:pt x="348" y="277"/>
+                  <a:pt x="343" y="291"/>
+                  <a:pt x="338" y="302"/>
+                </a:cubicBezTo>
+                <a:cubicBezTo>
+                  <a:pt x="335" y="307"/>
+                  <a:pt x="332" y="312"/>
+                  <a:pt x="330" y="316"/>
+                </a:cubicBezTo>
+                <a:cubicBezTo>
+                  <a:pt x="327" y="319"/>
+                  <a:pt x="325" y="321"/>
+                  <a:pt x="326" y="320"/>
+                </a:cubicBezTo>
+                <a:lnTo>
+                  <a:pt x="319" y="324"/>
+                </a:lnTo>
+                <a:lnTo>
+                  <a:pt x="319" y="332"/>
+                </a:lnTo>
+                <a:cubicBezTo>
+                  <a:pt x="319" y="351"/>
+                  <a:pt x="318" y="367"/>
+                  <a:pt x="320" y="389"/>
+                </a:cubicBezTo>
+                <a:lnTo>
+                  <a:pt x="320" y="391"/>
+                </a:lnTo>
+                <a:lnTo>
+                  <a:pt x="321" y="393"/>
+                </a:lnTo>
+                <a:cubicBezTo>
+                  <a:pt x="325" y="404"/>
+                  <a:pt x="333" y="416"/>
+                  <a:pt x="345" y="423"/>
+                </a:cubicBezTo>
+                <a:lnTo>
+                  <a:pt x="359" y="400"/>
+                </a:lnTo>
+                <a:cubicBezTo>
+                  <a:pt x="353" y="397"/>
+                  <a:pt x="349" y="391"/>
+                  <a:pt x="347" y="384"/>
+                </a:cubicBezTo>
+                <a:cubicBezTo>
+                  <a:pt x="345" y="367"/>
+                  <a:pt x="345" y="353"/>
+                  <a:pt x="346" y="337"/>
+                </a:cubicBezTo>
+                <a:cubicBezTo>
+                  <a:pt x="347" y="335"/>
+                  <a:pt x="350" y="334"/>
+                  <a:pt x="351" y="331"/>
+                </a:cubicBezTo>
+                <a:cubicBezTo>
+                  <a:pt x="355" y="326"/>
+                  <a:pt x="358" y="320"/>
+                  <a:pt x="362" y="314"/>
+                </a:cubicBezTo>
+                <a:cubicBezTo>
+                  <a:pt x="367" y="302"/>
+                  <a:pt x="371" y="288"/>
+                  <a:pt x="374" y="274"/>
+                </a:cubicBezTo>
+                <a:cubicBezTo>
+                  <a:pt x="378" y="272"/>
+                  <a:pt x="382" y="271"/>
+                  <a:pt x="386" y="267"/>
+                </a:cubicBezTo>
+                <a:cubicBezTo>
+                  <a:pt x="392" y="259"/>
+                  <a:pt x="397" y="247"/>
+                  <a:pt x="399" y="231"/>
+                </a:cubicBezTo>
+                <a:cubicBezTo>
+                  <a:pt x="400" y="216"/>
+                  <a:pt x="396" y="206"/>
+                  <a:pt x="390" y="199"/>
+                </a:cubicBezTo>
+                <a:cubicBezTo>
+                  <a:pt x="396" y="178"/>
+                  <a:pt x="404" y="143"/>
+                  <a:pt x="402" y="108"/>
+                </a:cubicBezTo>
+                <a:cubicBezTo>
+                  <a:pt x="400" y="89"/>
+                  <a:pt x="395" y="70"/>
+                  <a:pt x="384" y="54"/>
+                </a:cubicBezTo>
+                <a:cubicBezTo>
+                  <a:pt x="373" y="40"/>
+                  <a:pt x="356" y="29"/>
+                  <a:pt x="335" y="25"/>
+                </a:cubicBezTo>
+                <a:cubicBezTo>
+                  <a:pt x="321" y="7"/>
+                  <a:pt x="296" y="0"/>
+                  <a:pt x="266" y="0"/>
+                </a:cubicBezTo>
+                <a:lnTo>
+                  <a:pt x="266" y="0"/>
+                </a:lnTo>
+                <a:close/>
+                <a:moveTo>
+                  <a:pt x="508" y="341"/>
+                </a:moveTo>
+                <a:cubicBezTo>
+                  <a:pt x="419" y="341"/>
+                  <a:pt x="348" y="413"/>
+                  <a:pt x="348" y="501"/>
+                </a:cubicBezTo>
+                <a:cubicBezTo>
+                  <a:pt x="348" y="589"/>
+                  <a:pt x="419" y="661"/>
+                  <a:pt x="508" y="661"/>
+                </a:cubicBezTo>
+                <a:cubicBezTo>
+                  <a:pt x="596" y="661"/>
+                  <a:pt x="668" y="589"/>
+                  <a:pt x="668" y="501"/>
+                </a:cubicBezTo>
+                <a:cubicBezTo>
+                  <a:pt x="668" y="413"/>
+                  <a:pt x="596" y="341"/>
+                  <a:pt x="508" y="341"/>
+                </a:cubicBezTo>
+                <a:close/>
+                <a:moveTo>
+                  <a:pt x="508" y="368"/>
+                </a:moveTo>
+                <a:cubicBezTo>
+                  <a:pt x="581" y="368"/>
+                  <a:pt x="641" y="427"/>
+                  <a:pt x="641" y="501"/>
+                </a:cubicBezTo>
+                <a:cubicBezTo>
+                  <a:pt x="641" y="575"/>
+                  <a:pt x="581" y="634"/>
+                  <a:pt x="508" y="634"/>
+                </a:cubicBezTo>
+                <a:cubicBezTo>
+                  <a:pt x="434" y="634"/>
+                  <a:pt x="374" y="575"/>
+                  <a:pt x="374" y="501"/>
+                </a:cubicBezTo>
+                <a:cubicBezTo>
+                  <a:pt x="374" y="427"/>
+                  <a:pt x="434" y="368"/>
+                  <a:pt x="508" y="368"/>
+                </a:cubicBezTo>
+                <a:close/>
+                <a:moveTo>
+                  <a:pt x="494" y="421"/>
+                </a:moveTo>
+                <a:lnTo>
+                  <a:pt x="494" y="488"/>
+                </a:lnTo>
+                <a:lnTo>
+                  <a:pt x="428" y="488"/>
+                </a:lnTo>
+                <a:lnTo>
+                  <a:pt x="428" y="514"/>
+                </a:lnTo>
+                <a:lnTo>
+                  <a:pt x="494" y="514"/>
+                </a:lnTo>
+                <a:lnTo>
+                  <a:pt x="494" y="581"/>
+                </a:lnTo>
+                <a:lnTo>
+                  <a:pt x="521" y="581"/>
+                </a:lnTo>
+                <a:lnTo>
+                  <a:pt x="521" y="514"/>
+                </a:lnTo>
+                <a:lnTo>
+                  <a:pt x="588" y="514"/>
+                </a:lnTo>
+                <a:lnTo>
+                  <a:pt x="588" y="488"/>
+                </a:lnTo>
+                <a:lnTo>
+                  <a:pt x="521" y="488"/>
+                </a:lnTo>
+                <a:lnTo>
+                  <a:pt x="521" y="421"/>
+                </a:lnTo>
+                <a:lnTo>
+                  <a:pt x="494" y="421"/>
+                </a:lnTo>
+                <a:close/>
+              </a:path>
+            </a:pathLst>
+          </a:custGeom>
+          <a:solidFill>
+            <a:srgbClr val="5F5F5F"/>
+          </a:solidFill>
+          <a:ln w="9525">
+            <a:solidFill>
+              <a:schemeClr val="tx1">
+                <a:lumMod val="65000"/>
+                <a:lumOff val="35000"/>
+              </a:schemeClr>
+            </a:solidFill>
+            <a:round/>
+            <a:headEnd/>
+            <a:tailEnd/>
+          </a:ln>
+        </p:spPr>
+        <p:txBody>
+          <a:bodyPr vert="horz" wrap="square" lIns="91440" tIns="45720" rIns="91440" bIns="45720" numCol="1" anchor="t" anchorCtr="0" compatLnSpc="1">
+            <a:prstTxWarp prst="textNoShape">
+              <a:avLst/>
+            </a:prstTxWarp>
+          </a:bodyPr>
+          <a:lstStyle>
+            <a:defPPr>
+              <a:defRPr lang="en-US"/>
+            </a:defPPr>
+            <a:lvl1pPr marL="0" algn="l" defTabSz="914400" rtl="0" eaLnBrk="1" latinLnBrk="0" hangingPunct="1">
+              <a:defRPr sz="1800" kern="1200">
+                <a:solidFill>
+                  <a:schemeClr val="tx1"/>
+                </a:solidFill>
+                <a:latin typeface="+mn-lt"/>
+                <a:ea typeface="+mn-ea"/>
+                <a:cs typeface="+mn-cs"/>
+              </a:defRPr>
+            </a:lvl1pPr>
+            <a:lvl2pPr marL="457200" algn="l" defTabSz="914400" rtl="0" eaLnBrk="1" latinLnBrk="0" hangingPunct="1">
+              <a:defRPr sz="1800" kern="1200">
+                <a:solidFill>
+                  <a:schemeClr val="tx1"/>
+                </a:solidFill>
+                <a:latin typeface="+mn-lt"/>
+                <a:ea typeface="+mn-ea"/>
+                <a:cs typeface="+mn-cs"/>
+              </a:defRPr>
+            </a:lvl2pPr>
+            <a:lvl3pPr marL="914400" algn="l" defTabSz="914400" rtl="0" eaLnBrk="1" latinLnBrk="0" hangingPunct="1">
+              <a:defRPr sz="1800" kern="1200">
+                <a:solidFill>
+                  <a:schemeClr val="tx1"/>
+                </a:solidFill>
+                <a:latin typeface="+mn-lt"/>
+                <a:ea typeface="+mn-ea"/>
+                <a:cs typeface="+mn-cs"/>
+              </a:defRPr>
+            </a:lvl3pPr>
+            <a:lvl4pPr marL="1371600" algn="l" defTabSz="914400" rtl="0" eaLnBrk="1" latinLnBrk="0" hangingPunct="1">
+              <a:defRPr sz="1800" kern="1200">
+                <a:solidFill>
+                  <a:schemeClr val="tx1"/>
+                </a:solidFill>
+                <a:latin typeface="+mn-lt"/>
+                <a:ea typeface="+mn-ea"/>
+                <a:cs typeface="+mn-cs"/>
+              </a:defRPr>
+            </a:lvl4pPr>
+            <a:lvl5pPr marL="1828800" algn="l" defTabSz="914400" rtl="0" eaLnBrk="1" latinLnBrk="0" hangingPunct="1">
+              <a:defRPr sz="1800" kern="1200">
+                <a:solidFill>
+                  <a:schemeClr val="tx1"/>
+                </a:solidFill>
+                <a:latin typeface="+mn-lt"/>
+                <a:ea typeface="+mn-ea"/>
+                <a:cs typeface="+mn-cs"/>
+              </a:defRPr>
+            </a:lvl5pPr>
+            <a:lvl6pPr marL="2286000" algn="l" defTabSz="914400" rtl="0" eaLnBrk="1" latinLnBrk="0" hangingPunct="1">
+              <a:defRPr sz="1800" kern="1200">
+                <a:solidFill>
+                  <a:schemeClr val="tx1"/>
+                </a:solidFill>
+                <a:latin typeface="+mn-lt"/>
+                <a:ea typeface="+mn-ea"/>
+                <a:cs typeface="+mn-cs"/>
+              </a:defRPr>
+            </a:lvl6pPr>
+            <a:lvl7pPr marL="2743200" algn="l" defTabSz="914400" rtl="0" eaLnBrk="1" latinLnBrk="0" hangingPunct="1">
+              <a:defRPr sz="1800" kern="1200">
+                <a:solidFill>
+                  <a:schemeClr val="tx1"/>
+                </a:solidFill>
+                <a:latin typeface="+mn-lt"/>
+                <a:ea typeface="+mn-ea"/>
+                <a:cs typeface="+mn-cs"/>
+              </a:defRPr>
+            </a:lvl7pPr>
+            <a:lvl8pPr marL="3200400" algn="l" defTabSz="914400" rtl="0" eaLnBrk="1" latinLnBrk="0" hangingPunct="1">
+              <a:defRPr sz="1800" kern="1200">
+                <a:solidFill>
+                  <a:schemeClr val="tx1"/>
+                </a:solidFill>
+                <a:latin typeface="+mn-lt"/>
+                <a:ea typeface="+mn-ea"/>
+                <a:cs typeface="+mn-cs"/>
+              </a:defRPr>
+            </a:lvl8pPr>
+            <a:lvl9pPr marL="3657600" algn="l" defTabSz="914400" rtl="0" eaLnBrk="1" latinLnBrk="0" hangingPunct="1">
+              <a:defRPr sz="1800" kern="1200">
+                <a:solidFill>
+                  <a:schemeClr val="tx1"/>
+                </a:solidFill>
+                <a:latin typeface="+mn-lt"/>
+                <a:ea typeface="+mn-ea"/>
+                <a:cs typeface="+mn-cs"/>
+              </a:defRPr>
+            </a:lvl9pPr>
+          </a:lstStyle>
+          <a:p>
+            <a:endParaRPr lang="en-US" sz="900">
+              <a:latin typeface="Segoe UI" panose="020B0502040204020203" pitchFamily="34" charset="0"/>
+              <a:cs typeface="Segoe UI" panose="020B0502040204020203" pitchFamily="34" charset="0"/>
+            </a:endParaRPr>
+          </a:p>
+        </p:txBody>
+      </p:sp>
+      <p:pic>
+        <p:nvPicPr>
+          <p:cNvPr id="46" name="Image 45"/>
+          <p:cNvPicPr>
+            <a:picLocks noChangeAspect="1"/>
+          </p:cNvPicPr>
+          <p:nvPr/>
+        </p:nvPicPr>
+        <p:blipFill>
+          <a:blip r:embed="rId12" cstate="print">
+            <a:extLst>
+              <a:ext uri="{28A0092B-C50C-407E-A947-70E740481C1C}">
+                <a14:useLocalDpi xmlns:a14="http://schemas.microsoft.com/office/drawing/2010/main" val="0"/>
+              </a:ext>
+            </a:extLst>
+          </a:blip>
+          <a:stretch>
+            <a:fillRect/>
+          </a:stretch>
+        </p:blipFill>
+        <p:spPr>
+          <a:xfrm>
+            <a:off x="10793868" y="580287"/>
+            <a:ext cx="381007" cy="381007"/>
+          </a:xfrm>
+          <a:prstGeom prst="rect">
+            <a:avLst/>
+          </a:prstGeom>
+        </p:spPr>
+      </p:pic>
+    </p:spTree>
+    <p:extLst>
+      <p:ext uri="{BB962C8B-B14F-4D97-AF65-F5344CB8AC3E}">
+        <p14:creationId xmlns:p14="http://schemas.microsoft.com/office/powerpoint/2010/main" val="2835019783"/>
       </p:ext>
     </p:extLst>
   </p:cSld>
@@ -5874,9 +9970,69 @@
 </p:tagLst>
 </file>
 
+<file path=ppt/tags/tag11.xml><?xml version="1.0" encoding="utf-8"?>
+<p:tagLst xmlns:a="http://schemas.openxmlformats.org/drawingml/2006/main" xmlns:r="http://schemas.openxmlformats.org/officeDocument/2006/relationships" xmlns:p="http://schemas.openxmlformats.org/presentationml/2006/main">
+  <p:tag name="SMARTSETTINGSHASH" val="PWOa7bLCMN/NfWse0OkDrDXWtXjrMvC+/KEnGxnzoq0="/>
+</p:tagLst>
+</file>
+
+<file path=ppt/tags/tag12.xml><?xml version="1.0" encoding="utf-8"?>
+<p:tagLst xmlns:a="http://schemas.openxmlformats.org/drawingml/2006/main" xmlns:r="http://schemas.openxmlformats.org/officeDocument/2006/relationships" xmlns:p="http://schemas.openxmlformats.org/presentationml/2006/main">
+  <p:tag name="SMARTSETTINGSHASH" val="xZU/W0IqlvXPkJ37/hSWg5jSIFh0KZmI7sT1syyiYH8="/>
+</p:tagLst>
+</file>
+
+<file path=ppt/tags/tag13.xml><?xml version="1.0" encoding="utf-8"?>
+<p:tagLst xmlns:a="http://schemas.openxmlformats.org/drawingml/2006/main" xmlns:r="http://schemas.openxmlformats.org/officeDocument/2006/relationships" xmlns:p="http://schemas.openxmlformats.org/presentationml/2006/main">
+  <p:tag name="SMARTSETTINGSHASH" val="SB3bqgv5ghGJknk/m+/9EdPMDkanH9eNosaoBtCx42Q="/>
+</p:tagLst>
+</file>
+
+<file path=ppt/tags/tag14.xml><?xml version="1.0" encoding="utf-8"?>
+<p:tagLst xmlns:a="http://schemas.openxmlformats.org/drawingml/2006/main" xmlns:r="http://schemas.openxmlformats.org/officeDocument/2006/relationships" xmlns:p="http://schemas.openxmlformats.org/presentationml/2006/main">
+  <p:tag name="SMARTSETTINGSHASH" val="xscEFkRiZvbxLfN1YzQGPp4nKBgtuPrjp3QiTCcMWwM="/>
+</p:tagLst>
+</file>
+
+<file path=ppt/tags/tag15.xml><?xml version="1.0" encoding="utf-8"?>
+<p:tagLst xmlns:a="http://schemas.openxmlformats.org/drawingml/2006/main" xmlns:r="http://schemas.openxmlformats.org/officeDocument/2006/relationships" xmlns:p="http://schemas.openxmlformats.org/presentationml/2006/main">
+  <p:tag name="SMARTSETTINGSHASH" val="xscEFkRiZvbxLfN1YzQGPp4nKBgtuPrjp3QiTCcMWwM="/>
+</p:tagLst>
+</file>
+
+<file path=ppt/tags/tag16.xml><?xml version="1.0" encoding="utf-8"?>
+<p:tagLst xmlns:a="http://schemas.openxmlformats.org/drawingml/2006/main" xmlns:r="http://schemas.openxmlformats.org/officeDocument/2006/relationships" xmlns:p="http://schemas.openxmlformats.org/presentationml/2006/main">
+  <p:tag name="SMARTSETTINGSHASH" val="SB3bqgv5ghGJknk/m+/9EdPMDkanH9eNosaoBtCx42Q="/>
+</p:tagLst>
+</file>
+
+<file path=ppt/tags/tag17.xml><?xml version="1.0" encoding="utf-8"?>
+<p:tagLst xmlns:a="http://schemas.openxmlformats.org/drawingml/2006/main" xmlns:r="http://schemas.openxmlformats.org/officeDocument/2006/relationships" xmlns:p="http://schemas.openxmlformats.org/presentationml/2006/main">
+  <p:tag name="SMARTSETTINGSHASH" val="IDSg7uxH1Z/iSOkBSMZyie/SGkHlLE2okQSpqFhp1Ac="/>
+</p:tagLst>
+</file>
+
+<file path=ppt/tags/tag18.xml><?xml version="1.0" encoding="utf-8"?>
+<p:tagLst xmlns:a="http://schemas.openxmlformats.org/drawingml/2006/main" xmlns:r="http://schemas.openxmlformats.org/officeDocument/2006/relationships" xmlns:p="http://schemas.openxmlformats.org/presentationml/2006/main">
+  <p:tag name="SMARTSETTINGSHASH" val="IDSg7uxH1Z/iSOkBSMZyie/SGkHlLE2okQSpqFhp1Ac="/>
+</p:tagLst>
+</file>
+
+<file path=ppt/tags/tag19.xml><?xml version="1.0" encoding="utf-8"?>
+<p:tagLst xmlns:a="http://schemas.openxmlformats.org/drawingml/2006/main" xmlns:r="http://schemas.openxmlformats.org/officeDocument/2006/relationships" xmlns:p="http://schemas.openxmlformats.org/presentationml/2006/main">
+  <p:tag name="SMARTSETTINGSHASH" val="IDSg7uxH1Z/iSOkBSMZyie/SGkHlLE2okQSpqFhp1Ac="/>
+</p:tagLst>
+</file>
+
 <file path=ppt/tags/tag2.xml><?xml version="1.0" encoding="utf-8"?>
 <p:tagLst xmlns:a="http://schemas.openxmlformats.org/drawingml/2006/main" xmlns:r="http://schemas.openxmlformats.org/officeDocument/2006/relationships" xmlns:p="http://schemas.openxmlformats.org/presentationml/2006/main">
   <p:tag name="SMARTSETTINGSHASH" val="xZU/W0IqlvXPkJ37/hSWg5jSIFh0KZmI7sT1syyiYH8="/>
+</p:tagLst>
+</file>
+
+<file path=ppt/tags/tag20.xml><?xml version="1.0" encoding="utf-8"?>
+<p:tagLst xmlns:a="http://schemas.openxmlformats.org/drawingml/2006/main" xmlns:r="http://schemas.openxmlformats.org/officeDocument/2006/relationships" xmlns:p="http://schemas.openxmlformats.org/presentationml/2006/main">
+  <p:tag name="SMARTSETTINGSHASH" val="IDSg7uxH1Z/iSOkBSMZyie/SGkHlLE2okQSpqFhp1Ac="/>
 </p:tagLst>
 </file>
 

--- a/ProjetStage/MaquetteProjetStage.pptx
+++ b/ProjetStage/MaquetteProjetStage.pptx
@@ -9932,6 +9932,1138 @@
           <a:xfrm>
             <a:off x="10793868" y="580287"/>
             <a:ext cx="381007" cy="381007"/>
+          </a:xfrm>
+          <a:prstGeom prst="rect">
+            <a:avLst/>
+          </a:prstGeom>
+        </p:spPr>
+      </p:pic>
+      <p:sp>
+        <p:nvSpPr>
+          <p:cNvPr id="82" name="Rectangle 81"/>
+          <p:cNvSpPr/>
+          <p:nvPr/>
+        </p:nvSpPr>
+        <p:spPr>
+          <a:xfrm>
+            <a:off x="2258249" y="5248060"/>
+            <a:ext cx="2507128" cy="1609940"/>
+          </a:xfrm>
+          <a:prstGeom prst="rect">
+            <a:avLst/>
+          </a:prstGeom>
+          <a:solidFill>
+            <a:schemeClr val="bg1"/>
+          </a:solidFill>
+          <a:ln>
+            <a:solidFill>
+              <a:schemeClr val="accent5">
+                <a:lumMod val="40000"/>
+                <a:lumOff val="60000"/>
+              </a:schemeClr>
+            </a:solidFill>
+          </a:ln>
+        </p:spPr>
+        <p:style>
+          <a:lnRef idx="2">
+            <a:schemeClr val="accent1">
+              <a:shade val="50000"/>
+            </a:schemeClr>
+          </a:lnRef>
+          <a:fillRef idx="1">
+            <a:schemeClr val="accent1"/>
+          </a:fillRef>
+          <a:effectRef idx="0">
+            <a:schemeClr val="accent1"/>
+          </a:effectRef>
+          <a:fontRef idx="minor">
+            <a:schemeClr val="lt1"/>
+          </a:fontRef>
+        </p:style>
+        <p:txBody>
+          <a:bodyPr rtlCol="0" anchor="ctr"/>
+          <a:lstStyle/>
+          <a:p>
+            <a:pPr algn="ctr"/>
+            <a:endParaRPr lang="fr-FR"/>
+          </a:p>
+        </p:txBody>
+      </p:sp>
+      <p:pic>
+        <p:nvPicPr>
+          <p:cNvPr id="92" name="Image 91"/>
+          <p:cNvPicPr>
+            <a:picLocks noChangeAspect="1"/>
+          </p:cNvPicPr>
+          <p:nvPr/>
+        </p:nvPicPr>
+        <p:blipFill>
+          <a:blip r:embed="rId13">
+            <a:extLst>
+              <a:ext uri="{28A0092B-C50C-407E-A947-70E740481C1C}">
+                <a14:useLocalDpi xmlns:a14="http://schemas.microsoft.com/office/drawing/2010/main" val="0"/>
+              </a:ext>
+            </a:extLst>
+          </a:blip>
+          <a:stretch>
+            <a:fillRect/>
+          </a:stretch>
+        </p:blipFill>
+        <p:spPr>
+          <a:xfrm>
+            <a:off x="2648096" y="5265276"/>
+            <a:ext cx="1568616" cy="1568616"/>
+          </a:xfrm>
+          <a:prstGeom prst="rect">
+            <a:avLst/>
+          </a:prstGeom>
+        </p:spPr>
+      </p:pic>
+      <p:sp>
+        <p:nvSpPr>
+          <p:cNvPr id="55" name="Rectangle 54"/>
+          <p:cNvSpPr/>
+          <p:nvPr/>
+        </p:nvSpPr>
+        <p:spPr>
+          <a:xfrm>
+            <a:off x="2261641" y="2021049"/>
+            <a:ext cx="2507128" cy="4437624"/>
+          </a:xfrm>
+          <a:prstGeom prst="rect">
+            <a:avLst/>
+          </a:prstGeom>
+          <a:solidFill>
+            <a:schemeClr val="bg1"/>
+          </a:solidFill>
+          <a:ln>
+            <a:solidFill>
+              <a:schemeClr val="accent5">
+                <a:lumMod val="75000"/>
+              </a:schemeClr>
+            </a:solidFill>
+          </a:ln>
+        </p:spPr>
+        <p:style>
+          <a:lnRef idx="2">
+            <a:schemeClr val="accent1">
+              <a:shade val="50000"/>
+            </a:schemeClr>
+          </a:lnRef>
+          <a:fillRef idx="1">
+            <a:schemeClr val="accent1"/>
+          </a:fillRef>
+          <a:effectRef idx="0">
+            <a:schemeClr val="accent1"/>
+          </a:effectRef>
+          <a:fontRef idx="minor">
+            <a:schemeClr val="lt1"/>
+          </a:fontRef>
+        </p:style>
+        <p:txBody>
+          <a:bodyPr rtlCol="0" anchor="ctr"/>
+          <a:lstStyle/>
+          <a:p>
+            <a:pPr algn="ctr"/>
+            <a:endParaRPr lang="fr-FR"/>
+          </a:p>
+        </p:txBody>
+      </p:sp>
+      <p:pic>
+        <p:nvPicPr>
+          <p:cNvPr id="56" name="Image 55"/>
+          <p:cNvPicPr>
+            <a:picLocks noChangeAspect="1"/>
+          </p:cNvPicPr>
+          <p:nvPr/>
+        </p:nvPicPr>
+        <p:blipFill>
+          <a:blip r:embed="rId14" cstate="print">
+            <a:extLst>
+              <a:ext uri="{28A0092B-C50C-407E-A947-70E740481C1C}">
+                <a14:useLocalDpi xmlns:a14="http://schemas.microsoft.com/office/drawing/2010/main" val="0"/>
+              </a:ext>
+            </a:extLst>
+          </a:blip>
+          <a:stretch>
+            <a:fillRect/>
+          </a:stretch>
+        </p:blipFill>
+        <p:spPr>
+          <a:xfrm>
+            <a:off x="2666890" y="2118469"/>
+            <a:ext cx="1800828" cy="1800828"/>
+          </a:xfrm>
+          <a:prstGeom prst="rect">
+            <a:avLst/>
+          </a:prstGeom>
+        </p:spPr>
+      </p:pic>
+      <p:pic>
+        <p:nvPicPr>
+          <p:cNvPr id="57" name="Image 56"/>
+          <p:cNvPicPr>
+            <a:picLocks noChangeAspect="1"/>
+          </p:cNvPicPr>
+          <p:nvPr/>
+        </p:nvPicPr>
+        <p:blipFill>
+          <a:blip r:embed="rId15" cstate="print">
+            <a:extLst>
+              <a:ext uri="{28A0092B-C50C-407E-A947-70E740481C1C}">
+                <a14:useLocalDpi xmlns:a14="http://schemas.microsoft.com/office/drawing/2010/main" val="0"/>
+              </a:ext>
+            </a:extLst>
+          </a:blip>
+          <a:stretch>
+            <a:fillRect/>
+          </a:stretch>
+        </p:blipFill>
+        <p:spPr>
+          <a:xfrm>
+            <a:off x="2356784" y="4061900"/>
+            <a:ext cx="550762" cy="550762"/>
+          </a:xfrm>
+          <a:prstGeom prst="rect">
+            <a:avLst/>
+          </a:prstGeom>
+        </p:spPr>
+      </p:pic>
+      <p:pic>
+        <p:nvPicPr>
+          <p:cNvPr id="58" name="Image 57"/>
+          <p:cNvPicPr>
+            <a:picLocks noChangeAspect="1"/>
+          </p:cNvPicPr>
+          <p:nvPr/>
+        </p:nvPicPr>
+        <p:blipFill>
+          <a:blip r:embed="rId16" cstate="print">
+            <a:extLst>
+              <a:ext uri="{28A0092B-C50C-407E-A947-70E740481C1C}">
+                <a14:useLocalDpi xmlns:a14="http://schemas.microsoft.com/office/drawing/2010/main" val="0"/>
+              </a:ext>
+            </a:extLst>
+          </a:blip>
+          <a:stretch>
+            <a:fillRect/>
+          </a:stretch>
+        </p:blipFill>
+        <p:spPr>
+          <a:xfrm>
+            <a:off x="2964443" y="4061900"/>
+            <a:ext cx="550762" cy="550762"/>
+          </a:xfrm>
+          <a:prstGeom prst="rect">
+            <a:avLst/>
+          </a:prstGeom>
+        </p:spPr>
+      </p:pic>
+      <p:pic>
+        <p:nvPicPr>
+          <p:cNvPr id="59" name="Image 58"/>
+          <p:cNvPicPr>
+            <a:picLocks noChangeAspect="1"/>
+          </p:cNvPicPr>
+          <p:nvPr/>
+        </p:nvPicPr>
+        <p:blipFill>
+          <a:blip r:embed="rId17" cstate="print">
+            <a:extLst>
+              <a:ext uri="{28A0092B-C50C-407E-A947-70E740481C1C}">
+                <a14:useLocalDpi xmlns:a14="http://schemas.microsoft.com/office/drawing/2010/main" val="0"/>
+              </a:ext>
+            </a:extLst>
+          </a:blip>
+          <a:stretch>
+            <a:fillRect/>
+          </a:stretch>
+        </p:blipFill>
+        <p:spPr>
+          <a:xfrm>
+            <a:off x="3569372" y="4052221"/>
+            <a:ext cx="560441" cy="560441"/>
+          </a:xfrm>
+          <a:prstGeom prst="rect">
+            <a:avLst/>
+          </a:prstGeom>
+        </p:spPr>
+      </p:pic>
+      <p:pic>
+        <p:nvPicPr>
+          <p:cNvPr id="60" name="Image 59"/>
+          <p:cNvPicPr>
+            <a:picLocks noChangeAspect="1"/>
+          </p:cNvPicPr>
+          <p:nvPr/>
+        </p:nvPicPr>
+        <p:blipFill>
+          <a:blip r:embed="rId18" cstate="print">
+            <a:extLst>
+              <a:ext uri="{28A0092B-C50C-407E-A947-70E740481C1C}">
+                <a14:useLocalDpi xmlns:a14="http://schemas.microsoft.com/office/drawing/2010/main" val="0"/>
+              </a:ext>
+            </a:extLst>
+          </a:blip>
+          <a:stretch>
+            <a:fillRect/>
+          </a:stretch>
+        </p:blipFill>
+        <p:spPr>
+          <a:xfrm>
+            <a:off x="4168976" y="4052220"/>
+            <a:ext cx="560441" cy="560441"/>
+          </a:xfrm>
+          <a:prstGeom prst="rect">
+            <a:avLst/>
+          </a:prstGeom>
+        </p:spPr>
+      </p:pic>
+      <p:pic>
+        <p:nvPicPr>
+          <p:cNvPr id="54" name="Image 53"/>
+          <p:cNvPicPr>
+            <a:picLocks noChangeAspect="1"/>
+          </p:cNvPicPr>
+          <p:nvPr/>
+        </p:nvPicPr>
+        <p:blipFill>
+          <a:blip r:embed="rId19" cstate="print">
+            <a:extLst>
+              <a:ext uri="{28A0092B-C50C-407E-A947-70E740481C1C}">
+                <a14:useLocalDpi xmlns:a14="http://schemas.microsoft.com/office/drawing/2010/main" val="0"/>
+              </a:ext>
+            </a:extLst>
+          </a:blip>
+          <a:stretch>
+            <a:fillRect/>
+          </a:stretch>
+        </p:blipFill>
+        <p:spPr>
+          <a:xfrm>
+            <a:off x="4284136" y="3035992"/>
+            <a:ext cx="239787" cy="239787"/>
+          </a:xfrm>
+          <a:prstGeom prst="rect">
+            <a:avLst/>
+          </a:prstGeom>
+        </p:spPr>
+      </p:pic>
+      <p:sp>
+        <p:nvSpPr>
+          <p:cNvPr id="61" name="ZoneTexte 60"/>
+          <p:cNvSpPr txBox="1"/>
+          <p:nvPr/>
+        </p:nvSpPr>
+        <p:spPr>
+          <a:xfrm>
+            <a:off x="2356784" y="5507732"/>
+            <a:ext cx="1398746" cy="369332"/>
+          </a:xfrm>
+          <a:prstGeom prst="rect">
+            <a:avLst/>
+          </a:prstGeom>
+          <a:noFill/>
+        </p:spPr>
+        <p:txBody>
+          <a:bodyPr wrap="square" rtlCol="0">
+            <a:spAutoFit/>
+          </a:bodyPr>
+          <a:lstStyle/>
+          <a:p>
+            <a:r>
+              <a:rPr lang="fr-FR" dirty="0" smtClean="0"/>
+              <a:t>74,90 €</a:t>
+            </a:r>
+            <a:endParaRPr lang="fr-FR" dirty="0"/>
+          </a:p>
+        </p:txBody>
+      </p:sp>
+      <p:sp>
+        <p:nvSpPr>
+          <p:cNvPr id="62" name="Rectangle à coins arrondis 61"/>
+          <p:cNvSpPr/>
+          <p:nvPr/>
+        </p:nvSpPr>
+        <p:spPr>
+          <a:xfrm>
+            <a:off x="2375741" y="5944686"/>
+            <a:ext cx="2265707" cy="428443"/>
+          </a:xfrm>
+          <a:prstGeom prst="roundRect">
+            <a:avLst/>
+          </a:prstGeom>
+          <a:solidFill>
+            <a:srgbClr val="C00000"/>
+          </a:solidFill>
+        </p:spPr>
+        <p:style>
+          <a:lnRef idx="2">
+            <a:schemeClr val="accent1">
+              <a:shade val="50000"/>
+            </a:schemeClr>
+          </a:lnRef>
+          <a:fillRef idx="1">
+            <a:schemeClr val="accent1"/>
+          </a:fillRef>
+          <a:effectRef idx="0">
+            <a:schemeClr val="accent1"/>
+          </a:effectRef>
+          <a:fontRef idx="minor">
+            <a:schemeClr val="lt1"/>
+          </a:fontRef>
+        </p:style>
+        <p:txBody>
+          <a:bodyPr rtlCol="0" anchor="ctr"/>
+          <a:lstStyle/>
+          <a:p>
+            <a:pPr algn="ctr"/>
+            <a:endParaRPr lang="fr-FR"/>
+          </a:p>
+        </p:txBody>
+      </p:sp>
+      <p:sp>
+        <p:nvSpPr>
+          <p:cNvPr id="63" name="ZoneTexte 62"/>
+          <p:cNvSpPr txBox="1"/>
+          <p:nvPr/>
+        </p:nvSpPr>
+        <p:spPr>
+          <a:xfrm>
+            <a:off x="2536646" y="5989630"/>
+            <a:ext cx="2274301" cy="338554"/>
+          </a:xfrm>
+          <a:prstGeom prst="rect">
+            <a:avLst/>
+          </a:prstGeom>
+          <a:noFill/>
+        </p:spPr>
+        <p:txBody>
+          <a:bodyPr wrap="square" rtlCol="0">
+            <a:spAutoFit/>
+          </a:bodyPr>
+          <a:lstStyle/>
+          <a:p>
+            <a:r>
+              <a:rPr lang="fr-FR" sz="1600" dirty="0" smtClean="0">
+                <a:solidFill>
+                  <a:schemeClr val="bg1"/>
+                </a:solidFill>
+              </a:rPr>
+              <a:t>AJOUTER AU PANIER</a:t>
+            </a:r>
+            <a:endParaRPr lang="fr-FR" sz="1600" dirty="0">
+              <a:solidFill>
+                <a:schemeClr val="bg1"/>
+              </a:solidFill>
+            </a:endParaRPr>
+          </a:p>
+        </p:txBody>
+      </p:sp>
+      <p:sp>
+        <p:nvSpPr>
+          <p:cNvPr id="64" name="Rectangle 63"/>
+          <p:cNvSpPr/>
+          <p:nvPr/>
+        </p:nvSpPr>
+        <p:spPr>
+          <a:xfrm>
+            <a:off x="5631668" y="2021049"/>
+            <a:ext cx="2507128" cy="2769054"/>
+          </a:xfrm>
+          <a:prstGeom prst="rect">
+            <a:avLst/>
+          </a:prstGeom>
+          <a:solidFill>
+            <a:schemeClr val="bg1"/>
+          </a:solidFill>
+          <a:ln>
+            <a:solidFill>
+              <a:schemeClr val="accent5">
+                <a:lumMod val="40000"/>
+                <a:lumOff val="60000"/>
+              </a:schemeClr>
+            </a:solidFill>
+          </a:ln>
+        </p:spPr>
+        <p:style>
+          <a:lnRef idx="2">
+            <a:schemeClr val="accent1">
+              <a:shade val="50000"/>
+            </a:schemeClr>
+          </a:lnRef>
+          <a:fillRef idx="1">
+            <a:schemeClr val="accent1"/>
+          </a:fillRef>
+          <a:effectRef idx="0">
+            <a:schemeClr val="accent1"/>
+          </a:effectRef>
+          <a:fontRef idx="minor">
+            <a:schemeClr val="lt1"/>
+          </a:fontRef>
+        </p:style>
+        <p:txBody>
+          <a:bodyPr rtlCol="0" anchor="ctr"/>
+          <a:lstStyle/>
+          <a:p>
+            <a:pPr algn="ctr"/>
+            <a:endParaRPr lang="fr-FR"/>
+          </a:p>
+        </p:txBody>
+      </p:sp>
+      <p:pic>
+        <p:nvPicPr>
+          <p:cNvPr id="65" name="Image 64"/>
+          <p:cNvPicPr>
+            <a:picLocks noChangeAspect="1"/>
+          </p:cNvPicPr>
+          <p:nvPr/>
+        </p:nvPicPr>
+        <p:blipFill>
+          <a:blip r:embed="rId20" cstate="print">
+            <a:extLst>
+              <a:ext uri="{28A0092B-C50C-407E-A947-70E740481C1C}">
+                <a14:useLocalDpi xmlns:a14="http://schemas.microsoft.com/office/drawing/2010/main" val="0"/>
+              </a:ext>
+            </a:extLst>
+          </a:blip>
+          <a:stretch>
+            <a:fillRect/>
+          </a:stretch>
+        </p:blipFill>
+        <p:spPr>
+          <a:xfrm>
+            <a:off x="6346663" y="2069311"/>
+            <a:ext cx="1316042" cy="1969374"/>
+          </a:xfrm>
+          <a:prstGeom prst="rect">
+            <a:avLst/>
+          </a:prstGeom>
+        </p:spPr>
+      </p:pic>
+      <p:sp>
+        <p:nvSpPr>
+          <p:cNvPr id="66" name="ZoneTexte 65"/>
+          <p:cNvSpPr txBox="1"/>
+          <p:nvPr/>
+        </p:nvSpPr>
+        <p:spPr>
+          <a:xfrm>
+            <a:off x="6443706" y="4429677"/>
+            <a:ext cx="1398746" cy="369332"/>
+          </a:xfrm>
+          <a:prstGeom prst="rect">
+            <a:avLst/>
+          </a:prstGeom>
+          <a:noFill/>
+        </p:spPr>
+        <p:txBody>
+          <a:bodyPr wrap="square" rtlCol="0">
+            <a:spAutoFit/>
+          </a:bodyPr>
+          <a:lstStyle/>
+          <a:p>
+            <a:r>
+              <a:rPr lang="fr-FR" dirty="0" smtClean="0">
+                <a:solidFill>
+                  <a:srgbClr val="FF0000"/>
+                </a:solidFill>
+              </a:rPr>
+              <a:t>39,90 €</a:t>
+            </a:r>
+            <a:endParaRPr lang="fr-FR" dirty="0">
+              <a:solidFill>
+                <a:srgbClr val="FF0000"/>
+              </a:solidFill>
+            </a:endParaRPr>
+          </a:p>
+        </p:txBody>
+      </p:sp>
+      <p:sp>
+        <p:nvSpPr>
+          <p:cNvPr id="67" name="ZoneTexte 66"/>
+          <p:cNvSpPr txBox="1"/>
+          <p:nvPr/>
+        </p:nvSpPr>
+        <p:spPr>
+          <a:xfrm>
+            <a:off x="2296366" y="4722733"/>
+            <a:ext cx="2472403" cy="738664"/>
+          </a:xfrm>
+          <a:prstGeom prst="rect">
+            <a:avLst/>
+          </a:prstGeom>
+          <a:noFill/>
+        </p:spPr>
+        <p:txBody>
+          <a:bodyPr wrap="square" rtlCol="0">
+            <a:spAutoFit/>
+          </a:bodyPr>
+          <a:lstStyle/>
+          <a:p>
+            <a:pPr algn="ctr"/>
+            <a:r>
+              <a:rPr lang="fr-FR" sz="1400" dirty="0" smtClean="0"/>
+              <a:t>Statuette </a:t>
+            </a:r>
+            <a:r>
+              <a:rPr lang="fr-FR" sz="1400" dirty="0" err="1" smtClean="0"/>
+              <a:t>Roronoa</a:t>
+            </a:r>
+            <a:r>
+              <a:rPr lang="fr-FR" sz="1400" dirty="0" smtClean="0"/>
+              <a:t> </a:t>
+            </a:r>
+            <a:r>
+              <a:rPr lang="fr-FR" sz="1400" dirty="0" err="1" smtClean="0"/>
+              <a:t>Zoro</a:t>
+            </a:r>
+            <a:r>
+              <a:rPr lang="fr-FR" sz="1400" dirty="0" smtClean="0"/>
+              <a:t> – </a:t>
+            </a:r>
+            <a:r>
+              <a:rPr lang="fr-FR" sz="1400" dirty="0" err="1" smtClean="0"/>
+              <a:t>Grandista</a:t>
+            </a:r>
+            <a:r>
+              <a:rPr lang="fr-FR" sz="1400" dirty="0" smtClean="0"/>
+              <a:t> Manga Dimension– 28 cm</a:t>
+            </a:r>
+            <a:endParaRPr lang="fr-FR" sz="1400" dirty="0"/>
+          </a:p>
+        </p:txBody>
+      </p:sp>
+      <p:sp>
+        <p:nvSpPr>
+          <p:cNvPr id="68" name="ZoneTexte 67"/>
+          <p:cNvSpPr txBox="1"/>
+          <p:nvPr/>
+        </p:nvSpPr>
+        <p:spPr>
+          <a:xfrm>
+            <a:off x="5714482" y="3965686"/>
+            <a:ext cx="2341499" cy="523220"/>
+          </a:xfrm>
+          <a:prstGeom prst="rect">
+            <a:avLst/>
+          </a:prstGeom>
+          <a:noFill/>
+        </p:spPr>
+        <p:txBody>
+          <a:bodyPr wrap="square" rtlCol="0">
+            <a:spAutoFit/>
+          </a:bodyPr>
+          <a:lstStyle/>
+          <a:p>
+            <a:pPr algn="ctr"/>
+            <a:r>
+              <a:rPr lang="fr-FR" sz="1400" dirty="0" smtClean="0"/>
+              <a:t>Statuette Law–</a:t>
+            </a:r>
+            <a:r>
+              <a:rPr lang="fr-FR" sz="1400" dirty="0" err="1" smtClean="0"/>
+              <a:t>Ishibansho</a:t>
+            </a:r>
+            <a:r>
+              <a:rPr lang="fr-FR" sz="1400" dirty="0" smtClean="0"/>
+              <a:t>– 27 cm</a:t>
+            </a:r>
+            <a:endParaRPr lang="fr-FR" sz="1400" dirty="0"/>
+          </a:p>
+        </p:txBody>
+      </p:sp>
+      <p:sp>
+        <p:nvSpPr>
+          <p:cNvPr id="69" name="Rectangle 68"/>
+          <p:cNvSpPr/>
+          <p:nvPr/>
+        </p:nvSpPr>
+        <p:spPr>
+          <a:xfrm>
+            <a:off x="2252805" y="2190197"/>
+            <a:ext cx="895509" cy="281245"/>
+          </a:xfrm>
+          <a:prstGeom prst="rect">
+            <a:avLst/>
+          </a:prstGeom>
+        </p:spPr>
+        <p:style>
+          <a:lnRef idx="2">
+            <a:schemeClr val="accent1">
+              <a:shade val="50000"/>
+            </a:schemeClr>
+          </a:lnRef>
+          <a:fillRef idx="1">
+            <a:schemeClr val="accent1"/>
+          </a:fillRef>
+          <a:effectRef idx="0">
+            <a:schemeClr val="accent1"/>
+          </a:effectRef>
+          <a:fontRef idx="minor">
+            <a:schemeClr val="lt1"/>
+          </a:fontRef>
+        </p:style>
+        <p:txBody>
+          <a:bodyPr rtlCol="0" anchor="ctr"/>
+          <a:lstStyle/>
+          <a:p>
+            <a:pPr algn="ctr"/>
+            <a:endParaRPr lang="fr-FR"/>
+          </a:p>
+        </p:txBody>
+      </p:sp>
+      <p:sp>
+        <p:nvSpPr>
+          <p:cNvPr id="70" name="ZoneTexte 69"/>
+          <p:cNvSpPr txBox="1"/>
+          <p:nvPr/>
+        </p:nvSpPr>
+        <p:spPr>
+          <a:xfrm>
+            <a:off x="2219463" y="2174562"/>
+            <a:ext cx="1044598" cy="307777"/>
+          </a:xfrm>
+          <a:prstGeom prst="rect">
+            <a:avLst/>
+          </a:prstGeom>
+          <a:noFill/>
+        </p:spPr>
+        <p:txBody>
+          <a:bodyPr wrap="square" rtlCol="0">
+            <a:spAutoFit/>
+          </a:bodyPr>
+          <a:lstStyle/>
+          <a:p>
+            <a:r>
+              <a:rPr lang="fr-FR" sz="1400" dirty="0" smtClean="0">
+                <a:solidFill>
+                  <a:schemeClr val="bg1"/>
+                </a:solidFill>
+              </a:rPr>
+              <a:t>Nouveauté</a:t>
+            </a:r>
+            <a:endParaRPr lang="fr-FR" sz="1400" dirty="0">
+              <a:solidFill>
+                <a:schemeClr val="bg1"/>
+              </a:solidFill>
+            </a:endParaRPr>
+          </a:p>
+        </p:txBody>
+      </p:sp>
+      <p:sp>
+        <p:nvSpPr>
+          <p:cNvPr id="71" name="Rectangle 70"/>
+          <p:cNvSpPr/>
+          <p:nvPr/>
+        </p:nvSpPr>
+        <p:spPr>
+          <a:xfrm>
+            <a:off x="5640479" y="2157132"/>
+            <a:ext cx="607028" cy="281245"/>
+          </a:xfrm>
+          <a:prstGeom prst="rect">
+            <a:avLst/>
+          </a:prstGeom>
+          <a:solidFill>
+            <a:srgbClr val="FF0000"/>
+          </a:solidFill>
+        </p:spPr>
+        <p:style>
+          <a:lnRef idx="2">
+            <a:schemeClr val="accent1">
+              <a:shade val="50000"/>
+            </a:schemeClr>
+          </a:lnRef>
+          <a:fillRef idx="1">
+            <a:schemeClr val="accent1"/>
+          </a:fillRef>
+          <a:effectRef idx="0">
+            <a:schemeClr val="accent1"/>
+          </a:effectRef>
+          <a:fontRef idx="minor">
+            <a:schemeClr val="lt1"/>
+          </a:fontRef>
+        </p:style>
+        <p:txBody>
+          <a:bodyPr rtlCol="0" anchor="ctr"/>
+          <a:lstStyle/>
+          <a:p>
+            <a:pPr algn="ctr"/>
+            <a:endParaRPr lang="fr-FR"/>
+          </a:p>
+        </p:txBody>
+      </p:sp>
+      <p:sp>
+        <p:nvSpPr>
+          <p:cNvPr id="72" name="ZoneTexte 71"/>
+          <p:cNvSpPr txBox="1"/>
+          <p:nvPr/>
+        </p:nvSpPr>
+        <p:spPr>
+          <a:xfrm>
+            <a:off x="5617495" y="2142175"/>
+            <a:ext cx="1044598" cy="307777"/>
+          </a:xfrm>
+          <a:prstGeom prst="rect">
+            <a:avLst/>
+          </a:prstGeom>
+          <a:noFill/>
+        </p:spPr>
+        <p:txBody>
+          <a:bodyPr wrap="square" rtlCol="0">
+            <a:spAutoFit/>
+          </a:bodyPr>
+          <a:lstStyle/>
+          <a:p>
+            <a:r>
+              <a:rPr lang="fr-FR" sz="1400" dirty="0" smtClean="0">
+                <a:solidFill>
+                  <a:schemeClr val="bg1"/>
+                </a:solidFill>
+              </a:rPr>
+              <a:t>Promo</a:t>
+            </a:r>
+            <a:endParaRPr lang="fr-FR" sz="1400" dirty="0">
+              <a:solidFill>
+                <a:schemeClr val="bg1"/>
+              </a:solidFill>
+            </a:endParaRPr>
+          </a:p>
+        </p:txBody>
+      </p:sp>
+      <p:sp>
+        <p:nvSpPr>
+          <p:cNvPr id="73" name="ZoneTexte 72"/>
+          <p:cNvSpPr txBox="1"/>
+          <p:nvPr/>
+        </p:nvSpPr>
+        <p:spPr>
+          <a:xfrm>
+            <a:off x="5657816" y="4425813"/>
+            <a:ext cx="1079346" cy="369332"/>
+          </a:xfrm>
+          <a:prstGeom prst="rect">
+            <a:avLst/>
+          </a:prstGeom>
+          <a:noFill/>
+        </p:spPr>
+        <p:txBody>
+          <a:bodyPr wrap="square" rtlCol="0">
+            <a:spAutoFit/>
+          </a:bodyPr>
+          <a:lstStyle/>
+          <a:p>
+            <a:r>
+              <a:rPr lang="fr-FR" strike="sngStrike" dirty="0"/>
+              <a:t>5</a:t>
+            </a:r>
+            <a:r>
+              <a:rPr lang="fr-FR" strike="sngStrike" dirty="0" smtClean="0"/>
+              <a:t>9,90 €</a:t>
+            </a:r>
+            <a:endParaRPr lang="fr-FR" strike="sngStrike" dirty="0"/>
+          </a:p>
+        </p:txBody>
+      </p:sp>
+      <p:sp>
+        <p:nvSpPr>
+          <p:cNvPr id="74" name="Rectangle 73"/>
+          <p:cNvSpPr/>
+          <p:nvPr/>
+        </p:nvSpPr>
+        <p:spPr>
+          <a:xfrm>
+            <a:off x="8990135" y="2021049"/>
+            <a:ext cx="2507128" cy="2769054"/>
+          </a:xfrm>
+          <a:prstGeom prst="rect">
+            <a:avLst/>
+          </a:prstGeom>
+          <a:solidFill>
+            <a:schemeClr val="bg1"/>
+          </a:solidFill>
+          <a:ln>
+            <a:solidFill>
+              <a:schemeClr val="accent5">
+                <a:lumMod val="40000"/>
+                <a:lumOff val="60000"/>
+              </a:schemeClr>
+            </a:solidFill>
+          </a:ln>
+        </p:spPr>
+        <p:style>
+          <a:lnRef idx="2">
+            <a:schemeClr val="accent1">
+              <a:shade val="50000"/>
+            </a:schemeClr>
+          </a:lnRef>
+          <a:fillRef idx="1">
+            <a:schemeClr val="accent1"/>
+          </a:fillRef>
+          <a:effectRef idx="0">
+            <a:schemeClr val="accent1"/>
+          </a:effectRef>
+          <a:fontRef idx="minor">
+            <a:schemeClr val="lt1"/>
+          </a:fontRef>
+        </p:style>
+        <p:txBody>
+          <a:bodyPr rtlCol="0" anchor="ctr"/>
+          <a:lstStyle/>
+          <a:p>
+            <a:pPr algn="ctr"/>
+            <a:endParaRPr lang="fr-FR"/>
+          </a:p>
+        </p:txBody>
+      </p:sp>
+      <p:pic>
+        <p:nvPicPr>
+          <p:cNvPr id="75" name="Image 74"/>
+          <p:cNvPicPr>
+            <a:picLocks noChangeAspect="1"/>
+          </p:cNvPicPr>
+          <p:nvPr/>
+        </p:nvPicPr>
+        <p:blipFill>
+          <a:blip r:embed="rId21">
+            <a:extLst>
+              <a:ext uri="{28A0092B-C50C-407E-A947-70E740481C1C}">
+                <a14:useLocalDpi xmlns:a14="http://schemas.microsoft.com/office/drawing/2010/main" val="0"/>
+              </a:ext>
+            </a:extLst>
+          </a:blip>
+          <a:stretch>
+            <a:fillRect/>
+          </a:stretch>
+        </p:blipFill>
+        <p:spPr>
+          <a:xfrm>
+            <a:off x="9392891" y="2035666"/>
+            <a:ext cx="1747259" cy="1747259"/>
+          </a:xfrm>
+          <a:prstGeom prst="rect">
+            <a:avLst/>
+          </a:prstGeom>
+        </p:spPr>
+      </p:pic>
+      <p:sp>
+        <p:nvSpPr>
+          <p:cNvPr id="76" name="ZoneTexte 75"/>
+          <p:cNvSpPr txBox="1"/>
+          <p:nvPr/>
+        </p:nvSpPr>
+        <p:spPr>
+          <a:xfrm>
+            <a:off x="9130495" y="3870309"/>
+            <a:ext cx="2341499" cy="307777"/>
+          </a:xfrm>
+          <a:prstGeom prst="rect">
+            <a:avLst/>
+          </a:prstGeom>
+          <a:noFill/>
+        </p:spPr>
+        <p:txBody>
+          <a:bodyPr wrap="square" rtlCol="0">
+            <a:spAutoFit/>
+          </a:bodyPr>
+          <a:lstStyle/>
+          <a:p>
+            <a:pPr algn="ctr"/>
+            <a:r>
+              <a:rPr lang="fr-FR" sz="1400" dirty="0" smtClean="0"/>
+              <a:t>Casquette Chopper</a:t>
+            </a:r>
+            <a:endParaRPr lang="fr-FR" sz="1400" dirty="0"/>
+          </a:p>
+        </p:txBody>
+      </p:sp>
+      <p:sp>
+        <p:nvSpPr>
+          <p:cNvPr id="77" name="ZoneTexte 76"/>
+          <p:cNvSpPr txBox="1"/>
+          <p:nvPr/>
+        </p:nvSpPr>
+        <p:spPr>
+          <a:xfrm>
+            <a:off x="9222501" y="4295884"/>
+            <a:ext cx="1398746" cy="369332"/>
+          </a:xfrm>
+          <a:prstGeom prst="rect">
+            <a:avLst/>
+          </a:prstGeom>
+          <a:noFill/>
+        </p:spPr>
+        <p:txBody>
+          <a:bodyPr wrap="square" rtlCol="0">
+            <a:spAutoFit/>
+          </a:bodyPr>
+          <a:lstStyle/>
+          <a:p>
+            <a:r>
+              <a:rPr lang="fr-FR" dirty="0" smtClean="0"/>
+              <a:t>19,90 €</a:t>
+            </a:r>
+            <a:endParaRPr lang="fr-FR" dirty="0"/>
+          </a:p>
+        </p:txBody>
+      </p:sp>
+      <p:sp>
+        <p:nvSpPr>
+          <p:cNvPr id="78" name="Rectangle 77"/>
+          <p:cNvSpPr/>
+          <p:nvPr/>
+        </p:nvSpPr>
+        <p:spPr>
+          <a:xfrm>
+            <a:off x="8991618" y="5201854"/>
+            <a:ext cx="2507128" cy="1671164"/>
+          </a:xfrm>
+          <a:prstGeom prst="rect">
+            <a:avLst/>
+          </a:prstGeom>
+          <a:solidFill>
+            <a:schemeClr val="bg1"/>
+          </a:solidFill>
+          <a:ln>
+            <a:solidFill>
+              <a:schemeClr val="accent5">
+                <a:lumMod val="40000"/>
+                <a:lumOff val="60000"/>
+              </a:schemeClr>
+            </a:solidFill>
+          </a:ln>
+        </p:spPr>
+        <p:style>
+          <a:lnRef idx="2">
+            <a:schemeClr val="accent1">
+              <a:shade val="50000"/>
+            </a:schemeClr>
+          </a:lnRef>
+          <a:fillRef idx="1">
+            <a:schemeClr val="accent1"/>
+          </a:fillRef>
+          <a:effectRef idx="0">
+            <a:schemeClr val="accent1"/>
+          </a:effectRef>
+          <a:fontRef idx="minor">
+            <a:schemeClr val="lt1"/>
+          </a:fontRef>
+        </p:style>
+        <p:txBody>
+          <a:bodyPr rtlCol="0" anchor="ctr"/>
+          <a:lstStyle/>
+          <a:p>
+            <a:pPr algn="ctr"/>
+            <a:endParaRPr lang="fr-FR"/>
+          </a:p>
+        </p:txBody>
+      </p:sp>
+      <p:sp>
+        <p:nvSpPr>
+          <p:cNvPr id="86" name="Rectangle 85"/>
+          <p:cNvSpPr/>
+          <p:nvPr/>
+        </p:nvSpPr>
+        <p:spPr>
+          <a:xfrm>
+            <a:off x="5663120" y="5248060"/>
+            <a:ext cx="2507128" cy="1609940"/>
+          </a:xfrm>
+          <a:prstGeom prst="rect">
+            <a:avLst/>
+          </a:prstGeom>
+          <a:solidFill>
+            <a:schemeClr val="bg1"/>
+          </a:solidFill>
+          <a:ln>
+            <a:solidFill>
+              <a:schemeClr val="accent5">
+                <a:lumMod val="40000"/>
+                <a:lumOff val="60000"/>
+              </a:schemeClr>
+            </a:solidFill>
+          </a:ln>
+        </p:spPr>
+        <p:style>
+          <a:lnRef idx="2">
+            <a:schemeClr val="accent1">
+              <a:shade val="50000"/>
+            </a:schemeClr>
+          </a:lnRef>
+          <a:fillRef idx="1">
+            <a:schemeClr val="accent1"/>
+          </a:fillRef>
+          <a:effectRef idx="0">
+            <a:schemeClr val="accent1"/>
+          </a:effectRef>
+          <a:fontRef idx="minor">
+            <a:schemeClr val="lt1"/>
+          </a:fontRef>
+        </p:style>
+        <p:txBody>
+          <a:bodyPr rtlCol="0" anchor="ctr"/>
+          <a:lstStyle/>
+          <a:p>
+            <a:pPr algn="ctr"/>
+            <a:endParaRPr lang="fr-FR"/>
+          </a:p>
+        </p:txBody>
+      </p:sp>
+      <p:pic>
+        <p:nvPicPr>
+          <p:cNvPr id="91" name="Image 90"/>
+          <p:cNvPicPr>
+            <a:picLocks noChangeAspect="1"/>
+          </p:cNvPicPr>
+          <p:nvPr/>
+        </p:nvPicPr>
+        <p:blipFill>
+          <a:blip r:embed="rId13">
+            <a:extLst>
+              <a:ext uri="{28A0092B-C50C-407E-A947-70E740481C1C}">
+                <a14:useLocalDpi xmlns:a14="http://schemas.microsoft.com/office/drawing/2010/main" val="0"/>
+              </a:ext>
+            </a:extLst>
+          </a:blip>
+          <a:stretch>
+            <a:fillRect/>
+          </a:stretch>
+        </p:blipFill>
+        <p:spPr>
+          <a:xfrm>
+            <a:off x="9516936" y="5275973"/>
+            <a:ext cx="1568616" cy="1568616"/>
+          </a:xfrm>
+          <a:prstGeom prst="rect">
+            <a:avLst/>
+          </a:prstGeom>
+        </p:spPr>
+      </p:pic>
+      <p:pic>
+        <p:nvPicPr>
+          <p:cNvPr id="93" name="Image 92"/>
+          <p:cNvPicPr>
+            <a:picLocks noChangeAspect="1"/>
+          </p:cNvPicPr>
+          <p:nvPr/>
+        </p:nvPicPr>
+        <p:blipFill>
+          <a:blip r:embed="rId13">
+            <a:extLst>
+              <a:ext uri="{28A0092B-C50C-407E-A947-70E740481C1C}">
+                <a14:useLocalDpi xmlns:a14="http://schemas.microsoft.com/office/drawing/2010/main" val="0"/>
+              </a:ext>
+            </a:extLst>
+          </a:blip>
+          <a:stretch>
+            <a:fillRect/>
+          </a:stretch>
+        </p:blipFill>
+        <p:spPr>
+          <a:xfrm>
+            <a:off x="6168562" y="5256966"/>
+            <a:ext cx="1568616" cy="1568616"/>
           </a:xfrm>
           <a:prstGeom prst="rect">
             <a:avLst/>

--- a/ProjetStage/MaquetteProjetStage.pptx
+++ b/ProjetStage/MaquetteProjetStage.pptx
@@ -7,6 +7,7 @@
   <p:sldIdLst>
     <p:sldId id="256" r:id="rId2"/>
     <p:sldId id="257" r:id="rId3"/>
+    <p:sldId id="258" r:id="rId4"/>
   </p:sldIdLst>
   <p:sldSz cx="12192000" cy="6858000"/>
   <p:notesSz cx="6858000" cy="9144000"/>
@@ -4810,16 +4811,15 @@
         </p:nvSpPr>
         <p:spPr>
           <a:xfrm>
-            <a:off x="1661959" y="544610"/>
+            <a:off x="1696684" y="544610"/>
             <a:ext cx="10530041" cy="1245689"/>
           </a:xfrm>
           <a:prstGeom prst="rect">
             <a:avLst/>
           </a:prstGeom>
           <a:solidFill>
-            <a:schemeClr val="accent3">
-              <a:lumMod val="60000"/>
-              <a:lumOff val="40000"/>
+            <a:schemeClr val="tx2">
+              <a:lumMod val="75000"/>
             </a:schemeClr>
           </a:solidFill>
         </p:spPr>
@@ -4856,33 +4856,25 @@
         </p:nvSpPr>
         <p:spPr>
           <a:xfrm>
-            <a:off x="1661956" y="1337911"/>
+            <a:off x="1708256" y="1349486"/>
             <a:ext cx="1270535" cy="452388"/>
           </a:xfrm>
           <a:prstGeom prst="rect">
             <a:avLst/>
           </a:prstGeom>
-          <a:solidFill>
-            <a:schemeClr val="accent4">
-              <a:lumMod val="20000"/>
-              <a:lumOff val="80000"/>
-            </a:schemeClr>
-          </a:solidFill>
         </p:spPr>
         <p:style>
-          <a:lnRef idx="2">
-            <a:schemeClr val="accent1">
-              <a:shade val="50000"/>
-            </a:schemeClr>
+          <a:lnRef idx="1">
+            <a:schemeClr val="accent1"/>
           </a:lnRef>
-          <a:fillRef idx="1">
+          <a:fillRef idx="2">
             <a:schemeClr val="accent1"/>
           </a:fillRef>
-          <a:effectRef idx="0">
+          <a:effectRef idx="1">
             <a:schemeClr val="accent1"/>
           </a:effectRef>
           <a:fontRef idx="minor">
-            <a:schemeClr val="lt1"/>
+            <a:schemeClr val="dk1"/>
           </a:fontRef>
         </p:style>
         <p:txBody>
@@ -4917,10 +4909,18 @@
           <a:lstStyle/>
           <a:p>
             <a:r>
-              <a:rPr lang="fr-FR" sz="2800" dirty="0" smtClean="0"/>
+              <a:rPr lang="fr-FR" sz="2800" dirty="0" smtClean="0">
+                <a:solidFill>
+                  <a:schemeClr val="bg1"/>
+                </a:solidFill>
+              </a:rPr>
               <a:t>LES TRESORS DE ONE PIECE</a:t>
             </a:r>
-            <a:endParaRPr lang="fr-FR" sz="2800" dirty="0"/>
+            <a:endParaRPr lang="fr-FR" sz="2800" dirty="0">
+              <a:solidFill>
+                <a:schemeClr val="bg1"/>
+              </a:solidFill>
+            </a:endParaRPr>
           </a:p>
         </p:txBody>
       </p:sp>
@@ -4947,10 +4947,18 @@
           <a:lstStyle/>
           <a:p>
             <a:r>
-              <a:rPr lang="fr-FR" sz="1400" dirty="0" smtClean="0"/>
+              <a:rPr lang="fr-FR" sz="1400" dirty="0" smtClean="0">
+                <a:solidFill>
+                  <a:schemeClr val="bg1"/>
+                </a:solidFill>
+              </a:rPr>
               <a:t>Inscription/Connexion</a:t>
             </a:r>
-            <a:endParaRPr lang="fr-FR" sz="1400" dirty="0"/>
+            <a:endParaRPr lang="fr-FR" sz="1400" dirty="0">
+              <a:solidFill>
+                <a:schemeClr val="bg1"/>
+              </a:solidFill>
+            </a:endParaRPr>
           </a:p>
         </p:txBody>
       </p:sp>
@@ -4977,10 +4985,18 @@
           <a:lstStyle/>
           <a:p>
             <a:r>
-              <a:rPr lang="fr-FR" dirty="0" smtClean="0"/>
+              <a:rPr lang="fr-FR" dirty="0" smtClean="0">
+                <a:solidFill>
+                  <a:schemeClr val="bg1"/>
+                </a:solidFill>
+              </a:rPr>
               <a:t>HOME</a:t>
             </a:r>
-            <a:endParaRPr lang="fr-FR" dirty="0"/>
+            <a:endParaRPr lang="fr-FR" dirty="0">
+              <a:solidFill>
+                <a:schemeClr val="bg1"/>
+              </a:solidFill>
+            </a:endParaRPr>
           </a:p>
         </p:txBody>
       </p:sp>
@@ -5007,10 +5023,18 @@
           <a:lstStyle/>
           <a:p>
             <a:r>
-              <a:rPr lang="fr-FR" dirty="0" smtClean="0"/>
+              <a:rPr lang="fr-FR" dirty="0" smtClean="0">
+                <a:solidFill>
+                  <a:schemeClr val="bg1"/>
+                </a:solidFill>
+              </a:rPr>
               <a:t>FIGURINES</a:t>
             </a:r>
-            <a:endParaRPr lang="fr-FR" dirty="0"/>
+            <a:endParaRPr lang="fr-FR" dirty="0">
+              <a:solidFill>
+                <a:schemeClr val="bg1"/>
+              </a:solidFill>
+            </a:endParaRPr>
           </a:p>
         </p:txBody>
       </p:sp>
@@ -5037,10 +5061,18 @@
           <a:lstStyle/>
           <a:p>
             <a:r>
-              <a:rPr lang="fr-FR" dirty="0" smtClean="0"/>
+              <a:rPr lang="fr-FR" dirty="0" smtClean="0">
+                <a:solidFill>
+                  <a:schemeClr val="bg1"/>
+                </a:solidFill>
+              </a:rPr>
               <a:t>VETEMENTS</a:t>
             </a:r>
-            <a:endParaRPr lang="fr-FR" dirty="0"/>
+            <a:endParaRPr lang="fr-FR" dirty="0">
+              <a:solidFill>
+                <a:schemeClr val="bg1"/>
+              </a:solidFill>
+            </a:endParaRPr>
           </a:p>
         </p:txBody>
       </p:sp>
@@ -5067,10 +5099,18 @@
           <a:lstStyle/>
           <a:p>
             <a:r>
-              <a:rPr lang="fr-FR" dirty="0" smtClean="0"/>
+              <a:rPr lang="fr-FR" dirty="0" smtClean="0">
+                <a:solidFill>
+                  <a:schemeClr val="bg1"/>
+                </a:solidFill>
+              </a:rPr>
               <a:t>DVD &amp; BLU-RAY</a:t>
             </a:r>
-            <a:endParaRPr lang="fr-FR" dirty="0"/>
+            <a:endParaRPr lang="fr-FR" dirty="0">
+              <a:solidFill>
+                <a:schemeClr val="bg1"/>
+              </a:solidFill>
+            </a:endParaRPr>
           </a:p>
         </p:txBody>
       </p:sp>
@@ -5097,10 +5137,18 @@
           <a:lstStyle/>
           <a:p>
             <a:r>
-              <a:rPr lang="fr-FR" dirty="0" smtClean="0"/>
+              <a:rPr lang="fr-FR" dirty="0" smtClean="0">
+                <a:solidFill>
+                  <a:schemeClr val="bg1"/>
+                </a:solidFill>
+              </a:rPr>
               <a:t>LIVRES</a:t>
             </a:r>
-            <a:endParaRPr lang="fr-FR" dirty="0"/>
+            <a:endParaRPr lang="fr-FR" dirty="0">
+              <a:solidFill>
+                <a:schemeClr val="bg1"/>
+              </a:solidFill>
+            </a:endParaRPr>
           </a:p>
         </p:txBody>
       </p:sp>
@@ -5127,10 +5175,18 @@
           <a:lstStyle/>
           <a:p>
             <a:r>
-              <a:rPr lang="fr-FR" dirty="0" smtClean="0"/>
+              <a:rPr lang="fr-FR" dirty="0" smtClean="0">
+                <a:solidFill>
+                  <a:schemeClr val="bg1"/>
+                </a:solidFill>
+              </a:rPr>
               <a:t>GOODIES</a:t>
             </a:r>
-            <a:endParaRPr lang="fr-FR" dirty="0"/>
+            <a:endParaRPr lang="fr-FR" dirty="0">
+              <a:solidFill>
+                <a:schemeClr val="bg1"/>
+              </a:solidFill>
+            </a:endParaRPr>
           </a:p>
         </p:txBody>
       </p:sp>
@@ -5728,7 +5784,9 @@
             <a:schemeClr val="tx1"/>
           </a:solidFill>
           <a:ln w="9525">
-            <a:noFill/>
+            <a:solidFill>
+              <a:schemeClr val="bg1"/>
+            </a:solidFill>
             <a:round/>
             <a:headEnd/>
             <a:tailEnd/>
@@ -5851,7 +5909,7 @@
         </p:nvSpPr>
         <p:spPr>
           <a:xfrm>
-            <a:off x="1661956" y="1808189"/>
+            <a:off x="1685106" y="1808189"/>
             <a:ext cx="10530044" cy="2960581"/>
           </a:xfrm>
           <a:prstGeom prst="rect">
@@ -6253,9 +6311,7 @@
               <a:avLst/>
             </a:prstGeom>
             <a:solidFill>
-              <a:schemeClr val="bg1">
-                <a:lumMod val="95000"/>
-              </a:schemeClr>
+              <a:schemeClr val="bg2"/>
             </a:solidFill>
             <a:ln w="6350">
               <a:solidFill>
@@ -8070,9 +8126,8 @@
             <a:avLst/>
           </a:prstGeom>
           <a:solidFill>
-            <a:schemeClr val="accent3">
-              <a:lumMod val="60000"/>
-              <a:lumOff val="40000"/>
+            <a:schemeClr val="tx2">
+              <a:lumMod val="75000"/>
             </a:schemeClr>
           </a:solidFill>
         </p:spPr>
@@ -8124,10 +8179,18 @@
           <a:lstStyle/>
           <a:p>
             <a:r>
-              <a:rPr lang="fr-FR" dirty="0" smtClean="0"/>
+              <a:rPr lang="fr-FR" dirty="0" smtClean="0">
+                <a:solidFill>
+                  <a:schemeClr val="bg1"/>
+                </a:solidFill>
+              </a:rPr>
               <a:t>LES TRESORS DE ONE PIECE</a:t>
             </a:r>
-            <a:endParaRPr lang="fr-FR" dirty="0"/>
+            <a:endParaRPr lang="fr-FR" dirty="0">
+              <a:solidFill>
+                <a:schemeClr val="bg1"/>
+              </a:solidFill>
+            </a:endParaRPr>
           </a:p>
         </p:txBody>
       </p:sp>
@@ -8725,7 +8788,9 @@
             <a:schemeClr val="tx1"/>
           </a:solidFill>
           <a:ln w="9525">
-            <a:noFill/>
+            <a:solidFill>
+              <a:schemeClr val="bg1"/>
+            </a:solidFill>
             <a:round/>
             <a:headEnd/>
             <a:tailEnd/>
@@ -9020,7 +9085,11 @@
           <a:prstGeom prst="line">
             <a:avLst/>
           </a:prstGeom>
-          <a:ln/>
+          <a:ln>
+            <a:solidFill>
+              <a:schemeClr val="bg1"/>
+            </a:solidFill>
+          </a:ln>
         </p:spPr>
         <p:style>
           <a:lnRef idx="3">
@@ -9051,7 +9120,11 @@
           <a:prstGeom prst="line">
             <a:avLst/>
           </a:prstGeom>
-          <a:ln/>
+          <a:ln>
+            <a:solidFill>
+              <a:schemeClr val="bg1"/>
+            </a:solidFill>
+          </a:ln>
         </p:spPr>
         <p:style>
           <a:lnRef idx="3">
@@ -9082,7 +9155,11 @@
           <a:prstGeom prst="line">
             <a:avLst/>
           </a:prstGeom>
-          <a:ln/>
+          <a:ln>
+            <a:solidFill>
+              <a:schemeClr val="bg1"/>
+            </a:solidFill>
+          </a:ln>
         </p:spPr>
         <p:style>
           <a:lnRef idx="3">
@@ -9789,10 +9866,7 @@
           </a:solidFill>
           <a:ln w="9525">
             <a:solidFill>
-              <a:schemeClr val="tx1">
-                <a:lumMod val="65000"/>
-                <a:lumOff val="35000"/>
-              </a:schemeClr>
+              <a:schemeClr val="bg1"/>
             </a:solidFill>
             <a:round/>
             <a:headEnd/>
@@ -9908,36 +9982,6 @@
           </a:p>
         </p:txBody>
       </p:sp>
-      <p:pic>
-        <p:nvPicPr>
-          <p:cNvPr id="46" name="Image 45"/>
-          <p:cNvPicPr>
-            <a:picLocks noChangeAspect="1"/>
-          </p:cNvPicPr>
-          <p:nvPr/>
-        </p:nvPicPr>
-        <p:blipFill>
-          <a:blip r:embed="rId12" cstate="print">
-            <a:extLst>
-              <a:ext uri="{28A0092B-C50C-407E-A947-70E740481C1C}">
-                <a14:useLocalDpi xmlns:a14="http://schemas.microsoft.com/office/drawing/2010/main" val="0"/>
-              </a:ext>
-            </a:extLst>
-          </a:blip>
-          <a:stretch>
-            <a:fillRect/>
-          </a:stretch>
-        </p:blipFill>
-        <p:spPr>
-          <a:xfrm>
-            <a:off x="10793868" y="580287"/>
-            <a:ext cx="381007" cy="381007"/>
-          </a:xfrm>
-          <a:prstGeom prst="rect">
-            <a:avLst/>
-          </a:prstGeom>
-        </p:spPr>
-      </p:pic>
       <p:sp>
         <p:nvSpPr>
           <p:cNvPr id="82" name="Rectangle 81"/>
@@ -9998,7 +10042,7 @@
           <p:nvPr/>
         </p:nvPicPr>
         <p:blipFill>
-          <a:blip r:embed="rId13">
+          <a:blip r:embed="rId12">
             <a:extLst>
               <a:ext uri="{28A0092B-C50C-407E-A947-70E740481C1C}">
                 <a14:useLocalDpi xmlns:a14="http://schemas.microsoft.com/office/drawing/2010/main" val="0"/>
@@ -10078,7 +10122,7 @@
           <p:nvPr/>
         </p:nvPicPr>
         <p:blipFill>
-          <a:blip r:embed="rId14" cstate="print">
+          <a:blip r:embed="rId13" cstate="print">
             <a:extLst>
               <a:ext uri="{28A0092B-C50C-407E-A947-70E740481C1C}">
                 <a14:useLocalDpi xmlns:a14="http://schemas.microsoft.com/office/drawing/2010/main" val="0"/>
@@ -10108,7 +10152,7 @@
           <p:nvPr/>
         </p:nvPicPr>
         <p:blipFill>
-          <a:blip r:embed="rId15" cstate="print">
+          <a:blip r:embed="rId14" cstate="print">
             <a:extLst>
               <a:ext uri="{28A0092B-C50C-407E-A947-70E740481C1C}">
                 <a14:useLocalDpi xmlns:a14="http://schemas.microsoft.com/office/drawing/2010/main" val="0"/>
@@ -10138,7 +10182,7 @@
           <p:nvPr/>
         </p:nvPicPr>
         <p:blipFill>
-          <a:blip r:embed="rId16" cstate="print">
+          <a:blip r:embed="rId15" cstate="print">
             <a:extLst>
               <a:ext uri="{28A0092B-C50C-407E-A947-70E740481C1C}">
                 <a14:useLocalDpi xmlns:a14="http://schemas.microsoft.com/office/drawing/2010/main" val="0"/>
@@ -10168,7 +10212,7 @@
           <p:nvPr/>
         </p:nvPicPr>
         <p:blipFill>
-          <a:blip r:embed="rId17" cstate="print">
+          <a:blip r:embed="rId16" cstate="print">
             <a:extLst>
               <a:ext uri="{28A0092B-C50C-407E-A947-70E740481C1C}">
                 <a14:useLocalDpi xmlns:a14="http://schemas.microsoft.com/office/drawing/2010/main" val="0"/>
@@ -10198,7 +10242,7 @@
           <p:nvPr/>
         </p:nvPicPr>
         <p:blipFill>
-          <a:blip r:embed="rId18" cstate="print">
+          <a:blip r:embed="rId17" cstate="print">
             <a:extLst>
               <a:ext uri="{28A0092B-C50C-407E-A947-70E740481C1C}">
                 <a14:useLocalDpi xmlns:a14="http://schemas.microsoft.com/office/drawing/2010/main" val="0"/>
@@ -10228,7 +10272,7 @@
           <p:nvPr/>
         </p:nvPicPr>
         <p:blipFill>
-          <a:blip r:embed="rId19" cstate="print">
+          <a:blip r:embed="rId18" cstate="print">
             <a:extLst>
               <a:ext uri="{28A0092B-C50C-407E-A947-70E740481C1C}">
                 <a14:useLocalDpi xmlns:a14="http://schemas.microsoft.com/office/drawing/2010/main" val="0"/>
@@ -10420,7 +10464,7 @@
           <p:nvPr/>
         </p:nvPicPr>
         <p:blipFill>
-          <a:blip r:embed="rId20" cstate="print">
+          <a:blip r:embed="rId19" cstate="print">
             <a:extLst>
               <a:ext uri="{28A0092B-C50C-407E-A947-70E740481C1C}">
                 <a14:useLocalDpi xmlns:a14="http://schemas.microsoft.com/office/drawing/2010/main" val="0"/>
@@ -10826,7 +10870,7 @@
           <p:nvPr/>
         </p:nvPicPr>
         <p:blipFill>
-          <a:blip r:embed="rId21">
+          <a:blip r:embed="rId20">
             <a:extLst>
               <a:ext uri="{28A0092B-C50C-407E-A947-70E740481C1C}">
                 <a14:useLocalDpi xmlns:a14="http://schemas.microsoft.com/office/drawing/2010/main" val="0"/>
@@ -11019,7 +11063,7 @@
           <p:nvPr/>
         </p:nvPicPr>
         <p:blipFill>
-          <a:blip r:embed="rId13">
+          <a:blip r:embed="rId12">
             <a:extLst>
               <a:ext uri="{28A0092B-C50C-407E-A947-70E740481C1C}">
                 <a14:useLocalDpi xmlns:a14="http://schemas.microsoft.com/office/drawing/2010/main" val="0"/>
@@ -11049,7 +11093,7 @@
           <p:nvPr/>
         </p:nvPicPr>
         <p:blipFill>
-          <a:blip r:embed="rId13">
+          <a:blip r:embed="rId12">
             <a:extLst>
               <a:ext uri="{28A0092B-C50C-407E-A947-70E740481C1C}">
                 <a14:useLocalDpi xmlns:a14="http://schemas.microsoft.com/office/drawing/2010/main" val="0"/>
@@ -11070,10 +11114,4326 @@
           </a:prstGeom>
         </p:spPr>
       </p:pic>
+      <p:pic>
+        <p:nvPicPr>
+          <p:cNvPr id="94" name="Image 93"/>
+          <p:cNvPicPr>
+            <a:picLocks noChangeAspect="1"/>
+          </p:cNvPicPr>
+          <p:nvPr/>
+        </p:nvPicPr>
+        <p:blipFill>
+          <a:blip r:embed="rId21" cstate="print">
+            <a:extLst>
+              <a:ext uri="{28A0092B-C50C-407E-A947-70E740481C1C}">
+                <a14:useLocalDpi xmlns:a14="http://schemas.microsoft.com/office/drawing/2010/main" val="0"/>
+              </a:ext>
+            </a:extLst>
+          </a:blip>
+          <a:stretch>
+            <a:fillRect/>
+          </a:stretch>
+        </p:blipFill>
+        <p:spPr>
+          <a:xfrm>
+            <a:off x="10826305" y="589275"/>
+            <a:ext cx="344146" cy="344146"/>
+          </a:xfrm>
+          <a:prstGeom prst="rect">
+            <a:avLst/>
+          </a:prstGeom>
+        </p:spPr>
+      </p:pic>
     </p:spTree>
     <p:extLst>
       <p:ext uri="{BB962C8B-B14F-4D97-AF65-F5344CB8AC3E}">
         <p14:creationId xmlns:p14="http://schemas.microsoft.com/office/powerpoint/2010/main" val="2835019783"/>
+      </p:ext>
+    </p:extLst>
+  </p:cSld>
+  <p:clrMapOvr>
+    <a:masterClrMapping/>
+  </p:clrMapOvr>
+  <p:timing>
+    <p:tnLst>
+      <p:par>
+        <p:cTn id="1" dur="indefinite" restart="never" nodeType="tmRoot"/>
+      </p:par>
+    </p:tnLst>
+  </p:timing>
+</p:sld>
+</file>
+
+<file path=ppt/slides/slide3.xml><?xml version="1.0" encoding="utf-8"?>
+<p:sld xmlns:a="http://schemas.openxmlformats.org/drawingml/2006/main" xmlns:r="http://schemas.openxmlformats.org/officeDocument/2006/relationships" xmlns:p="http://schemas.openxmlformats.org/presentationml/2006/main">
+  <p:cSld>
+    <p:spTree>
+      <p:nvGrpSpPr>
+        <p:cNvPr id="1" name=""/>
+        <p:cNvGrpSpPr/>
+        <p:nvPr/>
+      </p:nvGrpSpPr>
+      <p:grpSpPr>
+        <a:xfrm>
+          <a:off x="0" y="0"/>
+          <a:ext cx="0" cy="0"/>
+          <a:chOff x="0" y="0"/>
+          <a:chExt cx="0" cy="0"/>
+        </a:xfrm>
+      </p:grpSpPr>
+      <p:grpSp>
+        <p:nvGrpSpPr>
+          <p:cNvPr id="4" name="Browser" descr="&lt;SmartSettings&gt;&lt;SmartResize enabled=&quot;True&quot; minWidth=&quot;140&quot; minHeight=&quot;50&quot; /&gt;&lt;/SmartSettings&gt;"/>
+          <p:cNvGrpSpPr/>
+          <p:nvPr>
+            <p:custDataLst>
+              <p:tags r:id="rId1"/>
+            </p:custDataLst>
+          </p:nvPr>
+        </p:nvGrpSpPr>
+        <p:grpSpPr>
+          <a:xfrm>
+            <a:off x="1687851" y="0"/>
+            <a:ext cx="10530041" cy="6873017"/>
+            <a:chOff x="595683" y="1261242"/>
+            <a:chExt cx="6668464" cy="4352544"/>
+          </a:xfrm>
+        </p:grpSpPr>
+        <p:sp>
+          <p:nvSpPr>
+            <p:cNvPr id="5" name="Window Body" descr="&lt;SmartSettings&gt;&lt;SmartResize anchorLeft=&quot;Absolute&quot; anchorTop=&quot;Absolute&quot; anchorRight=&quot;Absolute&quot; anchorBottom=&quot;Absolute&quot; /&gt;&lt;/SmartSettings&gt;"/>
+            <p:cNvSpPr/>
+            <p:nvPr>
+              <p:custDataLst>
+                <p:tags r:id="rId2"/>
+              </p:custDataLst>
+            </p:nvPr>
+          </p:nvSpPr>
+          <p:spPr>
+            <a:xfrm>
+              <a:off x="595683" y="1600037"/>
+              <a:ext cx="6668462" cy="4013749"/>
+            </a:xfrm>
+            <a:prstGeom prst="rect">
+              <a:avLst/>
+            </a:prstGeom>
+            <a:solidFill>
+              <a:schemeClr val="bg1">
+                <a:lumMod val="95000"/>
+              </a:schemeClr>
+            </a:solidFill>
+            <a:ln w="6350">
+              <a:solidFill>
+                <a:srgbClr val="808080"/>
+              </a:solidFill>
+            </a:ln>
+          </p:spPr>
+          <p:style>
+            <a:lnRef idx="2">
+              <a:schemeClr val="accent1">
+                <a:shade val="50000"/>
+              </a:schemeClr>
+            </a:lnRef>
+            <a:fillRef idx="1">
+              <a:schemeClr val="accent1"/>
+            </a:fillRef>
+            <a:effectRef idx="0">
+              <a:schemeClr val="accent1"/>
+            </a:effectRef>
+            <a:fontRef idx="minor">
+              <a:schemeClr val="lt1"/>
+            </a:fontRef>
+          </p:style>
+          <p:txBody>
+            <a:bodyPr rot="0" spcFirstLastPara="0" vert="horz" wrap="square" lIns="91440" tIns="45720" rIns="91440" bIns="45720" numCol="1" spcCol="0" rtlCol="0" fromWordArt="0" anchor="ctr" anchorCtr="0" forceAA="0" compatLnSpc="1">
+              <a:prstTxWarp prst="textNoShape">
+                <a:avLst/>
+              </a:prstTxWarp>
+              <a:noAutofit/>
+            </a:bodyPr>
+            <a:lstStyle>
+              <a:defPPr>
+                <a:defRPr lang="en-US"/>
+              </a:defPPr>
+              <a:lvl1pPr marL="0" algn="l" defTabSz="914400" rtl="0" eaLnBrk="1" latinLnBrk="0" hangingPunct="1">
+                <a:defRPr sz="1800" kern="1200">
+                  <a:solidFill>
+                    <a:schemeClr val="lt1"/>
+                  </a:solidFill>
+                  <a:latin typeface="+mn-lt"/>
+                  <a:ea typeface="+mn-ea"/>
+                  <a:cs typeface="+mn-cs"/>
+                </a:defRPr>
+              </a:lvl1pPr>
+              <a:lvl2pPr marL="457200" algn="l" defTabSz="914400" rtl="0" eaLnBrk="1" latinLnBrk="0" hangingPunct="1">
+                <a:defRPr sz="1800" kern="1200">
+                  <a:solidFill>
+                    <a:schemeClr val="lt1"/>
+                  </a:solidFill>
+                  <a:latin typeface="+mn-lt"/>
+                  <a:ea typeface="+mn-ea"/>
+                  <a:cs typeface="+mn-cs"/>
+                </a:defRPr>
+              </a:lvl2pPr>
+              <a:lvl3pPr marL="914400" algn="l" defTabSz="914400" rtl="0" eaLnBrk="1" latinLnBrk="0" hangingPunct="1">
+                <a:defRPr sz="1800" kern="1200">
+                  <a:solidFill>
+                    <a:schemeClr val="lt1"/>
+                  </a:solidFill>
+                  <a:latin typeface="+mn-lt"/>
+                  <a:ea typeface="+mn-ea"/>
+                  <a:cs typeface="+mn-cs"/>
+                </a:defRPr>
+              </a:lvl3pPr>
+              <a:lvl4pPr marL="1371600" algn="l" defTabSz="914400" rtl="0" eaLnBrk="1" latinLnBrk="0" hangingPunct="1">
+                <a:defRPr sz="1800" kern="1200">
+                  <a:solidFill>
+                    <a:schemeClr val="lt1"/>
+                  </a:solidFill>
+                  <a:latin typeface="+mn-lt"/>
+                  <a:ea typeface="+mn-ea"/>
+                  <a:cs typeface="+mn-cs"/>
+                </a:defRPr>
+              </a:lvl4pPr>
+              <a:lvl5pPr marL="1828800" algn="l" defTabSz="914400" rtl="0" eaLnBrk="1" latinLnBrk="0" hangingPunct="1">
+                <a:defRPr sz="1800" kern="1200">
+                  <a:solidFill>
+                    <a:schemeClr val="lt1"/>
+                  </a:solidFill>
+                  <a:latin typeface="+mn-lt"/>
+                  <a:ea typeface="+mn-ea"/>
+                  <a:cs typeface="+mn-cs"/>
+                </a:defRPr>
+              </a:lvl5pPr>
+              <a:lvl6pPr marL="2286000" algn="l" defTabSz="914400" rtl="0" eaLnBrk="1" latinLnBrk="0" hangingPunct="1">
+                <a:defRPr sz="1800" kern="1200">
+                  <a:solidFill>
+                    <a:schemeClr val="lt1"/>
+                  </a:solidFill>
+                  <a:latin typeface="+mn-lt"/>
+                  <a:ea typeface="+mn-ea"/>
+                  <a:cs typeface="+mn-cs"/>
+                </a:defRPr>
+              </a:lvl6pPr>
+              <a:lvl7pPr marL="2743200" algn="l" defTabSz="914400" rtl="0" eaLnBrk="1" latinLnBrk="0" hangingPunct="1">
+                <a:defRPr sz="1800" kern="1200">
+                  <a:solidFill>
+                    <a:schemeClr val="lt1"/>
+                  </a:solidFill>
+                  <a:latin typeface="+mn-lt"/>
+                  <a:ea typeface="+mn-ea"/>
+                  <a:cs typeface="+mn-cs"/>
+                </a:defRPr>
+              </a:lvl7pPr>
+              <a:lvl8pPr marL="3200400" algn="l" defTabSz="914400" rtl="0" eaLnBrk="1" latinLnBrk="0" hangingPunct="1">
+                <a:defRPr sz="1800" kern="1200">
+                  <a:solidFill>
+                    <a:schemeClr val="lt1"/>
+                  </a:solidFill>
+                  <a:latin typeface="+mn-lt"/>
+                  <a:ea typeface="+mn-ea"/>
+                  <a:cs typeface="+mn-cs"/>
+                </a:defRPr>
+              </a:lvl8pPr>
+              <a:lvl9pPr marL="3657600" algn="l" defTabSz="914400" rtl="0" eaLnBrk="1" latinLnBrk="0" hangingPunct="1">
+                <a:defRPr sz="1800" kern="1200">
+                  <a:solidFill>
+                    <a:schemeClr val="lt1"/>
+                  </a:solidFill>
+                  <a:latin typeface="+mn-lt"/>
+                  <a:ea typeface="+mn-ea"/>
+                  <a:cs typeface="+mn-cs"/>
+                </a:defRPr>
+              </a:lvl9pPr>
+            </a:lstStyle>
+            <a:p>
+              <a:pPr algn="ctr"/>
+              <a:endParaRPr lang="en-US" sz="900" dirty="0">
+                <a:solidFill>
+                  <a:srgbClr val="5F5F5F"/>
+                </a:solidFill>
+                <a:latin typeface="Segoe UI" panose="020B0502040204020203" pitchFamily="34" charset="0"/>
+                <a:cs typeface="Segoe UI" panose="020B0502040204020203" pitchFamily="34" charset="0"/>
+              </a:endParaRPr>
+            </a:p>
+          </p:txBody>
+        </p:sp>
+        <p:sp>
+          <p:nvSpPr>
+            <p:cNvPr id="6" name="Title Bar" descr="&lt;SmartSettings&gt;&lt;SmartResize anchorLeft=&quot;Absolute&quot; anchorTop=&quot;Absolute&quot; anchorRight=&quot;Absolute&quot; anchorBottom=&quot;None&quot; /&gt;&lt;/SmartSettings&gt;"/>
+            <p:cNvSpPr/>
+            <p:nvPr>
+              <p:custDataLst>
+                <p:tags r:id="rId3"/>
+              </p:custDataLst>
+            </p:nvPr>
+          </p:nvSpPr>
+          <p:spPr>
+            <a:xfrm>
+              <a:off x="595684" y="1261242"/>
+              <a:ext cx="6668463" cy="340121"/>
+            </a:xfrm>
+            <a:prstGeom prst="rect">
+              <a:avLst/>
+            </a:prstGeom>
+            <a:solidFill>
+              <a:srgbClr val="FFFFFF"/>
+            </a:solidFill>
+            <a:ln w="6350">
+              <a:solidFill>
+                <a:srgbClr val="808080"/>
+              </a:solidFill>
+            </a:ln>
+          </p:spPr>
+          <p:style>
+            <a:lnRef idx="2">
+              <a:schemeClr val="accent1">
+                <a:shade val="50000"/>
+              </a:schemeClr>
+            </a:lnRef>
+            <a:fillRef idx="1">
+              <a:schemeClr val="accent1"/>
+            </a:fillRef>
+            <a:effectRef idx="0">
+              <a:schemeClr val="accent1"/>
+            </a:effectRef>
+            <a:fontRef idx="minor">
+              <a:schemeClr val="lt1"/>
+            </a:fontRef>
+          </p:style>
+          <p:txBody>
+            <a:bodyPr rot="0" spcFirstLastPara="0" vert="horz" wrap="square" lIns="91440" tIns="45720" rIns="228600" bIns="45720" numCol="1" spcCol="0" rtlCol="0" fromWordArt="0" anchor="t" anchorCtr="0" forceAA="0" compatLnSpc="1">
+              <a:prstTxWarp prst="textNoShape">
+                <a:avLst/>
+              </a:prstTxWarp>
+              <a:noAutofit/>
+            </a:bodyPr>
+            <a:lstStyle>
+              <a:defPPr>
+                <a:defRPr lang="en-US"/>
+              </a:defPPr>
+              <a:lvl1pPr marL="0" algn="l" defTabSz="914400" rtl="0" eaLnBrk="1" latinLnBrk="0" hangingPunct="1">
+                <a:defRPr sz="1800" kern="1200">
+                  <a:solidFill>
+                    <a:schemeClr val="lt1"/>
+                  </a:solidFill>
+                  <a:latin typeface="+mn-lt"/>
+                  <a:ea typeface="+mn-ea"/>
+                  <a:cs typeface="+mn-cs"/>
+                </a:defRPr>
+              </a:lvl1pPr>
+              <a:lvl2pPr marL="457200" algn="l" defTabSz="914400" rtl="0" eaLnBrk="1" latinLnBrk="0" hangingPunct="1">
+                <a:defRPr sz="1800" kern="1200">
+                  <a:solidFill>
+                    <a:schemeClr val="lt1"/>
+                  </a:solidFill>
+                  <a:latin typeface="+mn-lt"/>
+                  <a:ea typeface="+mn-ea"/>
+                  <a:cs typeface="+mn-cs"/>
+                </a:defRPr>
+              </a:lvl2pPr>
+              <a:lvl3pPr marL="914400" algn="l" defTabSz="914400" rtl="0" eaLnBrk="1" latinLnBrk="0" hangingPunct="1">
+                <a:defRPr sz="1800" kern="1200">
+                  <a:solidFill>
+                    <a:schemeClr val="lt1"/>
+                  </a:solidFill>
+                  <a:latin typeface="+mn-lt"/>
+                  <a:ea typeface="+mn-ea"/>
+                  <a:cs typeface="+mn-cs"/>
+                </a:defRPr>
+              </a:lvl3pPr>
+              <a:lvl4pPr marL="1371600" algn="l" defTabSz="914400" rtl="0" eaLnBrk="1" latinLnBrk="0" hangingPunct="1">
+                <a:defRPr sz="1800" kern="1200">
+                  <a:solidFill>
+                    <a:schemeClr val="lt1"/>
+                  </a:solidFill>
+                  <a:latin typeface="+mn-lt"/>
+                  <a:ea typeface="+mn-ea"/>
+                  <a:cs typeface="+mn-cs"/>
+                </a:defRPr>
+              </a:lvl4pPr>
+              <a:lvl5pPr marL="1828800" algn="l" defTabSz="914400" rtl="0" eaLnBrk="1" latinLnBrk="0" hangingPunct="1">
+                <a:defRPr sz="1800" kern="1200">
+                  <a:solidFill>
+                    <a:schemeClr val="lt1"/>
+                  </a:solidFill>
+                  <a:latin typeface="+mn-lt"/>
+                  <a:ea typeface="+mn-ea"/>
+                  <a:cs typeface="+mn-cs"/>
+                </a:defRPr>
+              </a:lvl5pPr>
+              <a:lvl6pPr marL="2286000" algn="l" defTabSz="914400" rtl="0" eaLnBrk="1" latinLnBrk="0" hangingPunct="1">
+                <a:defRPr sz="1800" kern="1200">
+                  <a:solidFill>
+                    <a:schemeClr val="lt1"/>
+                  </a:solidFill>
+                  <a:latin typeface="+mn-lt"/>
+                  <a:ea typeface="+mn-ea"/>
+                  <a:cs typeface="+mn-cs"/>
+                </a:defRPr>
+              </a:lvl6pPr>
+              <a:lvl7pPr marL="2743200" algn="l" defTabSz="914400" rtl="0" eaLnBrk="1" latinLnBrk="0" hangingPunct="1">
+                <a:defRPr sz="1800" kern="1200">
+                  <a:solidFill>
+                    <a:schemeClr val="lt1"/>
+                  </a:solidFill>
+                  <a:latin typeface="+mn-lt"/>
+                  <a:ea typeface="+mn-ea"/>
+                  <a:cs typeface="+mn-cs"/>
+                </a:defRPr>
+              </a:lvl7pPr>
+              <a:lvl8pPr marL="3200400" algn="l" defTabSz="914400" rtl="0" eaLnBrk="1" latinLnBrk="0" hangingPunct="1">
+                <a:defRPr sz="1800" kern="1200">
+                  <a:solidFill>
+                    <a:schemeClr val="lt1"/>
+                  </a:solidFill>
+                  <a:latin typeface="+mn-lt"/>
+                  <a:ea typeface="+mn-ea"/>
+                  <a:cs typeface="+mn-cs"/>
+                </a:defRPr>
+              </a:lvl8pPr>
+              <a:lvl9pPr marL="3657600" algn="l" defTabSz="914400" rtl="0" eaLnBrk="1" latinLnBrk="0" hangingPunct="1">
+                <a:defRPr sz="1800" kern="1200">
+                  <a:solidFill>
+                    <a:schemeClr val="lt1"/>
+                  </a:solidFill>
+                  <a:latin typeface="+mn-lt"/>
+                  <a:ea typeface="+mn-ea"/>
+                  <a:cs typeface="+mn-cs"/>
+                </a:defRPr>
+              </a:lvl9pPr>
+            </a:lstStyle>
+            <a:p>
+              <a:r>
+                <a:rPr lang="en-US" sz="900" dirty="0" smtClean="0">
+                  <a:solidFill>
+                    <a:srgbClr val="5F5F5F"/>
+                  </a:solidFill>
+                  <a:latin typeface="Segoe UI" panose="020B0502040204020203" pitchFamily="34" charset="0"/>
+                  <a:cs typeface="Segoe UI" panose="020B0502040204020203" pitchFamily="34" charset="0"/>
+                </a:rPr>
+                <a:t>Browser</a:t>
+              </a:r>
+              <a:endParaRPr lang="en-US" sz="900" dirty="0">
+                <a:solidFill>
+                  <a:srgbClr val="5F5F5F"/>
+                </a:solidFill>
+                <a:latin typeface="Segoe UI" panose="020B0502040204020203" pitchFamily="34" charset="0"/>
+                <a:cs typeface="Segoe UI" panose="020B0502040204020203" pitchFamily="34" charset="0"/>
+              </a:endParaRPr>
+            </a:p>
+          </p:txBody>
+        </p:sp>
+        <p:sp>
+          <p:nvSpPr>
+            <p:cNvPr id="7" name="Menu Button" descr="&lt;SmartSettings&gt;&lt;SmartResize anchorLeft=&quot;None&quot; anchorTop=&quot;Absolute&quot; anchorRight=&quot;Absolute&quot; anchorBottom=&quot;None&quot; /&gt;&lt;/SmartSettings&gt;"/>
+            <p:cNvSpPr>
+              <a:spLocks noChangeAspect="1" noEditPoints="1"/>
+            </p:cNvSpPr>
+            <p:nvPr>
+              <p:custDataLst>
+                <p:tags r:id="rId4"/>
+              </p:custDataLst>
+            </p:nvPr>
+          </p:nvSpPr>
+          <p:spPr bwMode="auto">
+            <a:xfrm>
+              <a:off x="7113500" y="1456014"/>
+              <a:ext cx="94501" cy="71379"/>
+            </a:xfrm>
+            <a:custGeom>
+              <a:avLst/>
+              <a:gdLst>
+                <a:gd name="T0" fmla="*/ 0 w 415"/>
+                <a:gd name="T1" fmla="*/ 309 h 309"/>
+                <a:gd name="T2" fmla="*/ 415 w 415"/>
+                <a:gd name="T3" fmla="*/ 309 h 309"/>
+                <a:gd name="T4" fmla="*/ 0 w 415"/>
+                <a:gd name="T5" fmla="*/ 155 h 309"/>
+                <a:gd name="T6" fmla="*/ 415 w 415"/>
+                <a:gd name="T7" fmla="*/ 155 h 309"/>
+                <a:gd name="T8" fmla="*/ 0 w 415"/>
+                <a:gd name="T9" fmla="*/ 0 h 309"/>
+                <a:gd name="T10" fmla="*/ 415 w 415"/>
+                <a:gd name="T11" fmla="*/ 0 h 309"/>
+              </a:gdLst>
+              <a:ahLst/>
+              <a:cxnLst>
+                <a:cxn ang="0">
+                  <a:pos x="T0" y="T1"/>
+                </a:cxn>
+                <a:cxn ang="0">
+                  <a:pos x="T2" y="T3"/>
+                </a:cxn>
+                <a:cxn ang="0">
+                  <a:pos x="T4" y="T5"/>
+                </a:cxn>
+                <a:cxn ang="0">
+                  <a:pos x="T6" y="T7"/>
+                </a:cxn>
+                <a:cxn ang="0">
+                  <a:pos x="T8" y="T9"/>
+                </a:cxn>
+                <a:cxn ang="0">
+                  <a:pos x="T10" y="T11"/>
+                </a:cxn>
+              </a:cxnLst>
+              <a:rect l="0" t="0" r="r" b="b"/>
+              <a:pathLst>
+                <a:path w="415" h="309">
+                  <a:moveTo>
+                    <a:pt x="0" y="309"/>
+                  </a:moveTo>
+                  <a:lnTo>
+                    <a:pt x="415" y="309"/>
+                  </a:lnTo>
+                  <a:moveTo>
+                    <a:pt x="0" y="155"/>
+                  </a:moveTo>
+                  <a:lnTo>
+                    <a:pt x="415" y="155"/>
+                  </a:lnTo>
+                  <a:moveTo>
+                    <a:pt x="0" y="0"/>
+                  </a:moveTo>
+                  <a:lnTo>
+                    <a:pt x="415" y="0"/>
+                  </a:lnTo>
+                </a:path>
+              </a:pathLst>
+            </a:custGeom>
+            <a:noFill/>
+            <a:ln w="6350" cap="flat">
+              <a:solidFill>
+                <a:srgbClr val="808080"/>
+              </a:solidFill>
+              <a:prstDash val="solid"/>
+              <a:miter lim="800000"/>
+              <a:headEnd/>
+              <a:tailEnd/>
+            </a:ln>
+            <a:extLst>
+              <a:ext uri="{909E8E84-426E-40DD-AFC4-6F175D3DCCD1}">
+                <a14:hiddenFill xmlns:a14="http://schemas.microsoft.com/office/drawing/2010/main">
+                  <a:solidFill>
+                    <a:srgbClr val="FFFFFF"/>
+                  </a:solidFill>
+                </a14:hiddenFill>
+              </a:ext>
+            </a:extLst>
+          </p:spPr>
+          <p:txBody>
+            <a:bodyPr vert="horz" wrap="square" lIns="91440" tIns="45720" rIns="91440" bIns="45720" numCol="1" anchor="t" anchorCtr="0" compatLnSpc="1">
+              <a:prstTxWarp prst="textNoShape">
+                <a:avLst/>
+              </a:prstTxWarp>
+            </a:bodyPr>
+            <a:lstStyle>
+              <a:defPPr>
+                <a:defRPr lang="en-US"/>
+              </a:defPPr>
+              <a:lvl1pPr marL="0" algn="l" defTabSz="914400" rtl="0" eaLnBrk="1" latinLnBrk="0" hangingPunct="1">
+                <a:defRPr sz="1800" kern="1200">
+                  <a:solidFill>
+                    <a:schemeClr val="tx1"/>
+                  </a:solidFill>
+                  <a:latin typeface="+mn-lt"/>
+                  <a:ea typeface="+mn-ea"/>
+                  <a:cs typeface="+mn-cs"/>
+                </a:defRPr>
+              </a:lvl1pPr>
+              <a:lvl2pPr marL="457200" algn="l" defTabSz="914400" rtl="0" eaLnBrk="1" latinLnBrk="0" hangingPunct="1">
+                <a:defRPr sz="1800" kern="1200">
+                  <a:solidFill>
+                    <a:schemeClr val="tx1"/>
+                  </a:solidFill>
+                  <a:latin typeface="+mn-lt"/>
+                  <a:ea typeface="+mn-ea"/>
+                  <a:cs typeface="+mn-cs"/>
+                </a:defRPr>
+              </a:lvl2pPr>
+              <a:lvl3pPr marL="914400" algn="l" defTabSz="914400" rtl="0" eaLnBrk="1" latinLnBrk="0" hangingPunct="1">
+                <a:defRPr sz="1800" kern="1200">
+                  <a:solidFill>
+                    <a:schemeClr val="tx1"/>
+                  </a:solidFill>
+                  <a:latin typeface="+mn-lt"/>
+                  <a:ea typeface="+mn-ea"/>
+                  <a:cs typeface="+mn-cs"/>
+                </a:defRPr>
+              </a:lvl3pPr>
+              <a:lvl4pPr marL="1371600" algn="l" defTabSz="914400" rtl="0" eaLnBrk="1" latinLnBrk="0" hangingPunct="1">
+                <a:defRPr sz="1800" kern="1200">
+                  <a:solidFill>
+                    <a:schemeClr val="tx1"/>
+                  </a:solidFill>
+                  <a:latin typeface="+mn-lt"/>
+                  <a:ea typeface="+mn-ea"/>
+                  <a:cs typeface="+mn-cs"/>
+                </a:defRPr>
+              </a:lvl4pPr>
+              <a:lvl5pPr marL="1828800" algn="l" defTabSz="914400" rtl="0" eaLnBrk="1" latinLnBrk="0" hangingPunct="1">
+                <a:defRPr sz="1800" kern="1200">
+                  <a:solidFill>
+                    <a:schemeClr val="tx1"/>
+                  </a:solidFill>
+                  <a:latin typeface="+mn-lt"/>
+                  <a:ea typeface="+mn-ea"/>
+                  <a:cs typeface="+mn-cs"/>
+                </a:defRPr>
+              </a:lvl5pPr>
+              <a:lvl6pPr marL="2286000" algn="l" defTabSz="914400" rtl="0" eaLnBrk="1" latinLnBrk="0" hangingPunct="1">
+                <a:defRPr sz="1800" kern="1200">
+                  <a:solidFill>
+                    <a:schemeClr val="tx1"/>
+                  </a:solidFill>
+                  <a:latin typeface="+mn-lt"/>
+                  <a:ea typeface="+mn-ea"/>
+                  <a:cs typeface="+mn-cs"/>
+                </a:defRPr>
+              </a:lvl6pPr>
+              <a:lvl7pPr marL="2743200" algn="l" defTabSz="914400" rtl="0" eaLnBrk="1" latinLnBrk="0" hangingPunct="1">
+                <a:defRPr sz="1800" kern="1200">
+                  <a:solidFill>
+                    <a:schemeClr val="tx1"/>
+                  </a:solidFill>
+                  <a:latin typeface="+mn-lt"/>
+                  <a:ea typeface="+mn-ea"/>
+                  <a:cs typeface="+mn-cs"/>
+                </a:defRPr>
+              </a:lvl7pPr>
+              <a:lvl8pPr marL="3200400" algn="l" defTabSz="914400" rtl="0" eaLnBrk="1" latinLnBrk="0" hangingPunct="1">
+                <a:defRPr sz="1800" kern="1200">
+                  <a:solidFill>
+                    <a:schemeClr val="tx1"/>
+                  </a:solidFill>
+                  <a:latin typeface="+mn-lt"/>
+                  <a:ea typeface="+mn-ea"/>
+                  <a:cs typeface="+mn-cs"/>
+                </a:defRPr>
+              </a:lvl8pPr>
+              <a:lvl9pPr marL="3657600" algn="l" defTabSz="914400" rtl="0" eaLnBrk="1" latinLnBrk="0" hangingPunct="1">
+                <a:defRPr sz="1800" kern="1200">
+                  <a:solidFill>
+                    <a:schemeClr val="tx1"/>
+                  </a:solidFill>
+                  <a:latin typeface="+mn-lt"/>
+                  <a:ea typeface="+mn-ea"/>
+                  <a:cs typeface="+mn-cs"/>
+                </a:defRPr>
+              </a:lvl9pPr>
+            </a:lstStyle>
+            <a:p>
+              <a:endParaRPr lang="en-US">
+                <a:solidFill>
+                  <a:srgbClr val="5F5F5F"/>
+                </a:solidFill>
+                <a:latin typeface="Segoe UI" panose="020B0502040204020203" pitchFamily="34" charset="0"/>
+                <a:cs typeface="Segoe UI" panose="020B0502040204020203" pitchFamily="34" charset="0"/>
+              </a:endParaRPr>
+            </a:p>
+          </p:txBody>
+        </p:sp>
+        <p:sp>
+          <p:nvSpPr>
+            <p:cNvPr id="8" name="Close Button" descr="&lt;SmartSettings&gt;&lt;SmartResize anchorLeft=&quot;None&quot; anchorTop=&quot;Absolute&quot; anchorRight=&quot;Absolute&quot; anchorBottom=&quot;None&quot; /&gt;&lt;/SmartSettings&gt;"/>
+            <p:cNvSpPr>
+              <a:spLocks noEditPoints="1"/>
+            </p:cNvSpPr>
+            <p:nvPr>
+              <p:custDataLst>
+                <p:tags r:id="rId5"/>
+              </p:custDataLst>
+            </p:nvPr>
+          </p:nvSpPr>
+          <p:spPr bwMode="auto">
+            <a:xfrm>
+              <a:off x="7130598" y="1306361"/>
+              <a:ext cx="62331" cy="60320"/>
+            </a:xfrm>
+            <a:custGeom>
+              <a:avLst/>
+              <a:gdLst>
+                <a:gd name="T0" fmla="*/ 254 w 254"/>
+                <a:gd name="T1" fmla="*/ 0 h 254"/>
+                <a:gd name="T2" fmla="*/ 0 w 254"/>
+                <a:gd name="T3" fmla="*/ 254 h 254"/>
+                <a:gd name="T4" fmla="*/ 0 w 254"/>
+                <a:gd name="T5" fmla="*/ 0 h 254"/>
+                <a:gd name="T6" fmla="*/ 254 w 254"/>
+                <a:gd name="T7" fmla="*/ 254 h 254"/>
+              </a:gdLst>
+              <a:ahLst/>
+              <a:cxnLst>
+                <a:cxn ang="0">
+                  <a:pos x="T0" y="T1"/>
+                </a:cxn>
+                <a:cxn ang="0">
+                  <a:pos x="T2" y="T3"/>
+                </a:cxn>
+                <a:cxn ang="0">
+                  <a:pos x="T4" y="T5"/>
+                </a:cxn>
+                <a:cxn ang="0">
+                  <a:pos x="T6" y="T7"/>
+                </a:cxn>
+              </a:cxnLst>
+              <a:rect l="0" t="0" r="r" b="b"/>
+              <a:pathLst>
+                <a:path w="254" h="254">
+                  <a:moveTo>
+                    <a:pt x="254" y="0"/>
+                  </a:moveTo>
+                  <a:lnTo>
+                    <a:pt x="0" y="254"/>
+                  </a:lnTo>
+                  <a:moveTo>
+                    <a:pt x="0" y="0"/>
+                  </a:moveTo>
+                  <a:lnTo>
+                    <a:pt x="254" y="254"/>
+                  </a:lnTo>
+                </a:path>
+              </a:pathLst>
+            </a:custGeom>
+            <a:noFill/>
+            <a:ln w="9525" cap="flat">
+              <a:solidFill>
+                <a:srgbClr val="808080"/>
+              </a:solidFill>
+              <a:prstDash val="solid"/>
+              <a:miter lim="800000"/>
+              <a:headEnd/>
+              <a:tailEnd/>
+            </a:ln>
+            <a:extLst>
+              <a:ext uri="{909E8E84-426E-40DD-AFC4-6F175D3DCCD1}">
+                <a14:hiddenFill xmlns:a14="http://schemas.microsoft.com/office/drawing/2010/main">
+                  <a:solidFill>
+                    <a:srgbClr val="FFFFFF"/>
+                  </a:solidFill>
+                </a14:hiddenFill>
+              </a:ext>
+            </a:extLst>
+          </p:spPr>
+          <p:txBody>
+            <a:bodyPr vert="horz" wrap="square" lIns="91440" tIns="45720" rIns="91440" bIns="45720" numCol="1" anchor="t" anchorCtr="0" compatLnSpc="1">
+              <a:prstTxWarp prst="textNoShape">
+                <a:avLst/>
+              </a:prstTxWarp>
+            </a:bodyPr>
+            <a:lstStyle>
+              <a:defPPr>
+                <a:defRPr lang="en-US"/>
+              </a:defPPr>
+              <a:lvl1pPr marL="0" algn="l" defTabSz="914400" rtl="0" eaLnBrk="1" latinLnBrk="0" hangingPunct="1">
+                <a:defRPr sz="1800" kern="1200">
+                  <a:solidFill>
+                    <a:schemeClr val="tx1"/>
+                  </a:solidFill>
+                  <a:latin typeface="+mn-lt"/>
+                  <a:ea typeface="+mn-ea"/>
+                  <a:cs typeface="+mn-cs"/>
+                </a:defRPr>
+              </a:lvl1pPr>
+              <a:lvl2pPr marL="457200" algn="l" defTabSz="914400" rtl="0" eaLnBrk="1" latinLnBrk="0" hangingPunct="1">
+                <a:defRPr sz="1800" kern="1200">
+                  <a:solidFill>
+                    <a:schemeClr val="tx1"/>
+                  </a:solidFill>
+                  <a:latin typeface="+mn-lt"/>
+                  <a:ea typeface="+mn-ea"/>
+                  <a:cs typeface="+mn-cs"/>
+                </a:defRPr>
+              </a:lvl2pPr>
+              <a:lvl3pPr marL="914400" algn="l" defTabSz="914400" rtl="0" eaLnBrk="1" latinLnBrk="0" hangingPunct="1">
+                <a:defRPr sz="1800" kern="1200">
+                  <a:solidFill>
+                    <a:schemeClr val="tx1"/>
+                  </a:solidFill>
+                  <a:latin typeface="+mn-lt"/>
+                  <a:ea typeface="+mn-ea"/>
+                  <a:cs typeface="+mn-cs"/>
+                </a:defRPr>
+              </a:lvl3pPr>
+              <a:lvl4pPr marL="1371600" algn="l" defTabSz="914400" rtl="0" eaLnBrk="1" latinLnBrk="0" hangingPunct="1">
+                <a:defRPr sz="1800" kern="1200">
+                  <a:solidFill>
+                    <a:schemeClr val="tx1"/>
+                  </a:solidFill>
+                  <a:latin typeface="+mn-lt"/>
+                  <a:ea typeface="+mn-ea"/>
+                  <a:cs typeface="+mn-cs"/>
+                </a:defRPr>
+              </a:lvl4pPr>
+              <a:lvl5pPr marL="1828800" algn="l" defTabSz="914400" rtl="0" eaLnBrk="1" latinLnBrk="0" hangingPunct="1">
+                <a:defRPr sz="1800" kern="1200">
+                  <a:solidFill>
+                    <a:schemeClr val="tx1"/>
+                  </a:solidFill>
+                  <a:latin typeface="+mn-lt"/>
+                  <a:ea typeface="+mn-ea"/>
+                  <a:cs typeface="+mn-cs"/>
+                </a:defRPr>
+              </a:lvl5pPr>
+              <a:lvl6pPr marL="2286000" algn="l" defTabSz="914400" rtl="0" eaLnBrk="1" latinLnBrk="0" hangingPunct="1">
+                <a:defRPr sz="1800" kern="1200">
+                  <a:solidFill>
+                    <a:schemeClr val="tx1"/>
+                  </a:solidFill>
+                  <a:latin typeface="+mn-lt"/>
+                  <a:ea typeface="+mn-ea"/>
+                  <a:cs typeface="+mn-cs"/>
+                </a:defRPr>
+              </a:lvl6pPr>
+              <a:lvl7pPr marL="2743200" algn="l" defTabSz="914400" rtl="0" eaLnBrk="1" latinLnBrk="0" hangingPunct="1">
+                <a:defRPr sz="1800" kern="1200">
+                  <a:solidFill>
+                    <a:schemeClr val="tx1"/>
+                  </a:solidFill>
+                  <a:latin typeface="+mn-lt"/>
+                  <a:ea typeface="+mn-ea"/>
+                  <a:cs typeface="+mn-cs"/>
+                </a:defRPr>
+              </a:lvl7pPr>
+              <a:lvl8pPr marL="3200400" algn="l" defTabSz="914400" rtl="0" eaLnBrk="1" latinLnBrk="0" hangingPunct="1">
+                <a:defRPr sz="1800" kern="1200">
+                  <a:solidFill>
+                    <a:schemeClr val="tx1"/>
+                  </a:solidFill>
+                  <a:latin typeface="+mn-lt"/>
+                  <a:ea typeface="+mn-ea"/>
+                  <a:cs typeface="+mn-cs"/>
+                </a:defRPr>
+              </a:lvl8pPr>
+              <a:lvl9pPr marL="3657600" algn="l" defTabSz="914400" rtl="0" eaLnBrk="1" latinLnBrk="0" hangingPunct="1">
+                <a:defRPr sz="1800" kern="1200">
+                  <a:solidFill>
+                    <a:schemeClr val="tx1"/>
+                  </a:solidFill>
+                  <a:latin typeface="+mn-lt"/>
+                  <a:ea typeface="+mn-ea"/>
+                  <a:cs typeface="+mn-cs"/>
+                </a:defRPr>
+              </a:lvl9pPr>
+            </a:lstStyle>
+            <a:p>
+              <a:endParaRPr lang="en-US">
+                <a:solidFill>
+                  <a:srgbClr val="5F5F5F"/>
+                </a:solidFill>
+                <a:latin typeface="Segoe UI" panose="020B0502040204020203" pitchFamily="34" charset="0"/>
+                <a:cs typeface="Segoe UI" panose="020B0502040204020203" pitchFamily="34" charset="0"/>
+              </a:endParaRPr>
+            </a:p>
+          </p:txBody>
+        </p:sp>
+        <p:sp>
+          <p:nvSpPr>
+            <p:cNvPr id="9" name="Address Box" descr="&lt;SmartSettings&gt;&lt;SmartResize anchorLeft=&quot;Absolute&quot; anchorTop=&quot;Absolute&quot; anchorRight=&quot;Absolute&quot; anchorBottom=&quot;None&quot; /&gt;&lt;/SmartSettings&gt;"/>
+            <p:cNvSpPr/>
+            <p:nvPr>
+              <p:custDataLst>
+                <p:tags r:id="rId6"/>
+              </p:custDataLst>
+            </p:nvPr>
+          </p:nvSpPr>
+          <p:spPr>
+            <a:xfrm>
+              <a:off x="1167482" y="1416423"/>
+              <a:ext cx="5889875" cy="150559"/>
+            </a:xfrm>
+            <a:prstGeom prst="rect">
+              <a:avLst/>
+            </a:prstGeom>
+            <a:solidFill>
+              <a:srgbClr val="FFFFFF"/>
+            </a:solidFill>
+            <a:ln w="6350">
+              <a:solidFill>
+                <a:srgbClr val="808080"/>
+              </a:solidFill>
+            </a:ln>
+          </p:spPr>
+          <p:style>
+            <a:lnRef idx="2">
+              <a:schemeClr val="accent1">
+                <a:shade val="50000"/>
+              </a:schemeClr>
+            </a:lnRef>
+            <a:fillRef idx="1">
+              <a:schemeClr val="accent1"/>
+            </a:fillRef>
+            <a:effectRef idx="0">
+              <a:schemeClr val="accent1"/>
+            </a:effectRef>
+            <a:fontRef idx="minor">
+              <a:schemeClr val="lt1"/>
+            </a:fontRef>
+          </p:style>
+          <p:txBody>
+            <a:bodyPr rot="0" spcFirstLastPara="0" vert="horz" wrap="square" lIns="237744" tIns="45720" rIns="91440" bIns="45720" numCol="1" spcCol="0" rtlCol="0" fromWordArt="0" anchor="ctr" anchorCtr="0" forceAA="0" compatLnSpc="1">
+              <a:prstTxWarp prst="textNoShape">
+                <a:avLst/>
+              </a:prstTxWarp>
+              <a:noAutofit/>
+            </a:bodyPr>
+            <a:lstStyle>
+              <a:defPPr>
+                <a:defRPr lang="en-US"/>
+              </a:defPPr>
+              <a:lvl1pPr marL="0" algn="l" defTabSz="914400" rtl="0" eaLnBrk="1" latinLnBrk="0" hangingPunct="1">
+                <a:defRPr sz="1800" kern="1200">
+                  <a:solidFill>
+                    <a:schemeClr val="lt1"/>
+                  </a:solidFill>
+                  <a:latin typeface="+mn-lt"/>
+                  <a:ea typeface="+mn-ea"/>
+                  <a:cs typeface="+mn-cs"/>
+                </a:defRPr>
+              </a:lvl1pPr>
+              <a:lvl2pPr marL="457200" algn="l" defTabSz="914400" rtl="0" eaLnBrk="1" latinLnBrk="0" hangingPunct="1">
+                <a:defRPr sz="1800" kern="1200">
+                  <a:solidFill>
+                    <a:schemeClr val="lt1"/>
+                  </a:solidFill>
+                  <a:latin typeface="+mn-lt"/>
+                  <a:ea typeface="+mn-ea"/>
+                  <a:cs typeface="+mn-cs"/>
+                </a:defRPr>
+              </a:lvl2pPr>
+              <a:lvl3pPr marL="914400" algn="l" defTabSz="914400" rtl="0" eaLnBrk="1" latinLnBrk="0" hangingPunct="1">
+                <a:defRPr sz="1800" kern="1200">
+                  <a:solidFill>
+                    <a:schemeClr val="lt1"/>
+                  </a:solidFill>
+                  <a:latin typeface="+mn-lt"/>
+                  <a:ea typeface="+mn-ea"/>
+                  <a:cs typeface="+mn-cs"/>
+                </a:defRPr>
+              </a:lvl3pPr>
+              <a:lvl4pPr marL="1371600" algn="l" defTabSz="914400" rtl="0" eaLnBrk="1" latinLnBrk="0" hangingPunct="1">
+                <a:defRPr sz="1800" kern="1200">
+                  <a:solidFill>
+                    <a:schemeClr val="lt1"/>
+                  </a:solidFill>
+                  <a:latin typeface="+mn-lt"/>
+                  <a:ea typeface="+mn-ea"/>
+                  <a:cs typeface="+mn-cs"/>
+                </a:defRPr>
+              </a:lvl4pPr>
+              <a:lvl5pPr marL="1828800" algn="l" defTabSz="914400" rtl="0" eaLnBrk="1" latinLnBrk="0" hangingPunct="1">
+                <a:defRPr sz="1800" kern="1200">
+                  <a:solidFill>
+                    <a:schemeClr val="lt1"/>
+                  </a:solidFill>
+                  <a:latin typeface="+mn-lt"/>
+                  <a:ea typeface="+mn-ea"/>
+                  <a:cs typeface="+mn-cs"/>
+                </a:defRPr>
+              </a:lvl5pPr>
+              <a:lvl6pPr marL="2286000" algn="l" defTabSz="914400" rtl="0" eaLnBrk="1" latinLnBrk="0" hangingPunct="1">
+                <a:defRPr sz="1800" kern="1200">
+                  <a:solidFill>
+                    <a:schemeClr val="lt1"/>
+                  </a:solidFill>
+                  <a:latin typeface="+mn-lt"/>
+                  <a:ea typeface="+mn-ea"/>
+                  <a:cs typeface="+mn-cs"/>
+                </a:defRPr>
+              </a:lvl6pPr>
+              <a:lvl7pPr marL="2743200" algn="l" defTabSz="914400" rtl="0" eaLnBrk="1" latinLnBrk="0" hangingPunct="1">
+                <a:defRPr sz="1800" kern="1200">
+                  <a:solidFill>
+                    <a:schemeClr val="lt1"/>
+                  </a:solidFill>
+                  <a:latin typeface="+mn-lt"/>
+                  <a:ea typeface="+mn-ea"/>
+                  <a:cs typeface="+mn-cs"/>
+                </a:defRPr>
+              </a:lvl7pPr>
+              <a:lvl8pPr marL="3200400" algn="l" defTabSz="914400" rtl="0" eaLnBrk="1" latinLnBrk="0" hangingPunct="1">
+                <a:defRPr sz="1800" kern="1200">
+                  <a:solidFill>
+                    <a:schemeClr val="lt1"/>
+                  </a:solidFill>
+                  <a:latin typeface="+mn-lt"/>
+                  <a:ea typeface="+mn-ea"/>
+                  <a:cs typeface="+mn-cs"/>
+                </a:defRPr>
+              </a:lvl8pPr>
+              <a:lvl9pPr marL="3657600" algn="l" defTabSz="914400" rtl="0" eaLnBrk="1" latinLnBrk="0" hangingPunct="1">
+                <a:defRPr sz="1800" kern="1200">
+                  <a:solidFill>
+                    <a:schemeClr val="lt1"/>
+                  </a:solidFill>
+                  <a:latin typeface="+mn-lt"/>
+                  <a:ea typeface="+mn-ea"/>
+                  <a:cs typeface="+mn-cs"/>
+                </a:defRPr>
+              </a:lvl9pPr>
+            </a:lstStyle>
+            <a:p>
+              <a:r>
+                <a:rPr lang="en-US" sz="900" noProof="1" smtClean="0">
+                  <a:solidFill>
+                    <a:srgbClr val="5F5F5F"/>
+                  </a:solidFill>
+                  <a:latin typeface="Segoe UI" panose="020B0502040204020203" pitchFamily="34" charset="0"/>
+                  <a:cs typeface="Segoe UI" panose="020B0502040204020203" pitchFamily="34" charset="0"/>
+                </a:rPr>
+                <a:t>www.example.com</a:t>
+              </a:r>
+              <a:endParaRPr lang="en-US" sz="900" noProof="1">
+                <a:solidFill>
+                  <a:srgbClr val="5F5F5F"/>
+                </a:solidFill>
+                <a:latin typeface="Segoe UI" panose="020B0502040204020203" pitchFamily="34" charset="0"/>
+                <a:cs typeface="Segoe UI" panose="020B0502040204020203" pitchFamily="34" charset="0"/>
+              </a:endParaRPr>
+            </a:p>
+          </p:txBody>
+        </p:sp>
+        <p:sp>
+          <p:nvSpPr>
+            <p:cNvPr id="10" name="Document Icon" descr="&lt;SmartSettings&gt;&lt;SmartResize anchorLeft=&quot;Absolute&quot; anchorTop=&quot;Absolute&quot; anchorRight=&quot;None&quot; anchorBottom=&quot;None&quot; /&gt;&lt;/SmartSettings&gt;"/>
+            <p:cNvSpPr>
+              <a:spLocks noChangeAspect="1" noEditPoints="1"/>
+            </p:cNvSpPr>
+            <p:nvPr>
+              <p:custDataLst>
+                <p:tags r:id="rId7"/>
+              </p:custDataLst>
+            </p:nvPr>
+          </p:nvSpPr>
+          <p:spPr bwMode="auto">
+            <a:xfrm>
+              <a:off x="1215689" y="1449479"/>
+              <a:ext cx="59315" cy="84448"/>
+            </a:xfrm>
+            <a:custGeom>
+              <a:avLst/>
+              <a:gdLst>
+                <a:gd name="T0" fmla="*/ 153 w 260"/>
+                <a:gd name="T1" fmla="*/ 7 h 367"/>
+                <a:gd name="T2" fmla="*/ 153 w 260"/>
+                <a:gd name="T3" fmla="*/ 108 h 367"/>
+                <a:gd name="T4" fmla="*/ 253 w 260"/>
+                <a:gd name="T5" fmla="*/ 108 h 367"/>
+                <a:gd name="T6" fmla="*/ 0 w 260"/>
+                <a:gd name="T7" fmla="*/ 0 h 367"/>
+                <a:gd name="T8" fmla="*/ 0 w 260"/>
+                <a:gd name="T9" fmla="*/ 367 h 367"/>
+                <a:gd name="T10" fmla="*/ 260 w 260"/>
+                <a:gd name="T11" fmla="*/ 367 h 367"/>
+                <a:gd name="T12" fmla="*/ 260 w 260"/>
+                <a:gd name="T13" fmla="*/ 100 h 367"/>
+                <a:gd name="T14" fmla="*/ 161 w 260"/>
+                <a:gd name="T15" fmla="*/ 1 h 367"/>
+                <a:gd name="T16" fmla="*/ 0 w 260"/>
+                <a:gd name="T17" fmla="*/ 0 h 367"/>
+              </a:gdLst>
+              <a:ahLst/>
+              <a:cxnLst>
+                <a:cxn ang="0">
+                  <a:pos x="T0" y="T1"/>
+                </a:cxn>
+                <a:cxn ang="0">
+                  <a:pos x="T2" y="T3"/>
+                </a:cxn>
+                <a:cxn ang="0">
+                  <a:pos x="T4" y="T5"/>
+                </a:cxn>
+                <a:cxn ang="0">
+                  <a:pos x="T6" y="T7"/>
+                </a:cxn>
+                <a:cxn ang="0">
+                  <a:pos x="T8" y="T9"/>
+                </a:cxn>
+                <a:cxn ang="0">
+                  <a:pos x="T10" y="T11"/>
+                </a:cxn>
+                <a:cxn ang="0">
+                  <a:pos x="T12" y="T13"/>
+                </a:cxn>
+                <a:cxn ang="0">
+                  <a:pos x="T14" y="T15"/>
+                </a:cxn>
+                <a:cxn ang="0">
+                  <a:pos x="T16" y="T17"/>
+                </a:cxn>
+              </a:cxnLst>
+              <a:rect l="0" t="0" r="r" b="b"/>
+              <a:pathLst>
+                <a:path w="260" h="367">
+                  <a:moveTo>
+                    <a:pt x="153" y="7"/>
+                  </a:moveTo>
+                  <a:lnTo>
+                    <a:pt x="153" y="108"/>
+                  </a:lnTo>
+                  <a:lnTo>
+                    <a:pt x="253" y="108"/>
+                  </a:lnTo>
+                  <a:moveTo>
+                    <a:pt x="0" y="0"/>
+                  </a:moveTo>
+                  <a:lnTo>
+                    <a:pt x="0" y="367"/>
+                  </a:lnTo>
+                  <a:lnTo>
+                    <a:pt x="260" y="367"/>
+                  </a:lnTo>
+                  <a:lnTo>
+                    <a:pt x="260" y="100"/>
+                  </a:lnTo>
+                  <a:lnTo>
+                    <a:pt x="161" y="1"/>
+                  </a:lnTo>
+                  <a:lnTo>
+                    <a:pt x="0" y="0"/>
+                  </a:lnTo>
+                  <a:close/>
+                </a:path>
+              </a:pathLst>
+            </a:custGeom>
+            <a:noFill/>
+            <a:ln w="6350" cap="flat">
+              <a:solidFill>
+                <a:srgbClr val="808080"/>
+              </a:solidFill>
+              <a:prstDash val="solid"/>
+              <a:miter lim="800000"/>
+              <a:headEnd/>
+              <a:tailEnd/>
+            </a:ln>
+            <a:extLst>
+              <a:ext uri="{909E8E84-426E-40DD-AFC4-6F175D3DCCD1}">
+                <a14:hiddenFill xmlns:a14="http://schemas.microsoft.com/office/drawing/2010/main">
+                  <a:solidFill>
+                    <a:srgbClr val="FFFFFF"/>
+                  </a:solidFill>
+                </a14:hiddenFill>
+              </a:ext>
+            </a:extLst>
+          </p:spPr>
+          <p:txBody>
+            <a:bodyPr vert="horz" wrap="square" lIns="91440" tIns="45720" rIns="91440" bIns="45720" numCol="1" anchor="t" anchorCtr="0" compatLnSpc="1">
+              <a:prstTxWarp prst="textNoShape">
+                <a:avLst/>
+              </a:prstTxWarp>
+            </a:bodyPr>
+            <a:lstStyle>
+              <a:defPPr>
+                <a:defRPr lang="en-US"/>
+              </a:defPPr>
+              <a:lvl1pPr marL="0" algn="l" defTabSz="914400" rtl="0" eaLnBrk="1" latinLnBrk="0" hangingPunct="1">
+                <a:defRPr sz="1800" kern="1200">
+                  <a:solidFill>
+                    <a:schemeClr val="tx1"/>
+                  </a:solidFill>
+                  <a:latin typeface="+mn-lt"/>
+                  <a:ea typeface="+mn-ea"/>
+                  <a:cs typeface="+mn-cs"/>
+                </a:defRPr>
+              </a:lvl1pPr>
+              <a:lvl2pPr marL="457200" algn="l" defTabSz="914400" rtl="0" eaLnBrk="1" latinLnBrk="0" hangingPunct="1">
+                <a:defRPr sz="1800" kern="1200">
+                  <a:solidFill>
+                    <a:schemeClr val="tx1"/>
+                  </a:solidFill>
+                  <a:latin typeface="+mn-lt"/>
+                  <a:ea typeface="+mn-ea"/>
+                  <a:cs typeface="+mn-cs"/>
+                </a:defRPr>
+              </a:lvl2pPr>
+              <a:lvl3pPr marL="914400" algn="l" defTabSz="914400" rtl="0" eaLnBrk="1" latinLnBrk="0" hangingPunct="1">
+                <a:defRPr sz="1800" kern="1200">
+                  <a:solidFill>
+                    <a:schemeClr val="tx1"/>
+                  </a:solidFill>
+                  <a:latin typeface="+mn-lt"/>
+                  <a:ea typeface="+mn-ea"/>
+                  <a:cs typeface="+mn-cs"/>
+                </a:defRPr>
+              </a:lvl3pPr>
+              <a:lvl4pPr marL="1371600" algn="l" defTabSz="914400" rtl="0" eaLnBrk="1" latinLnBrk="0" hangingPunct="1">
+                <a:defRPr sz="1800" kern="1200">
+                  <a:solidFill>
+                    <a:schemeClr val="tx1"/>
+                  </a:solidFill>
+                  <a:latin typeface="+mn-lt"/>
+                  <a:ea typeface="+mn-ea"/>
+                  <a:cs typeface="+mn-cs"/>
+                </a:defRPr>
+              </a:lvl4pPr>
+              <a:lvl5pPr marL="1828800" algn="l" defTabSz="914400" rtl="0" eaLnBrk="1" latinLnBrk="0" hangingPunct="1">
+                <a:defRPr sz="1800" kern="1200">
+                  <a:solidFill>
+                    <a:schemeClr val="tx1"/>
+                  </a:solidFill>
+                  <a:latin typeface="+mn-lt"/>
+                  <a:ea typeface="+mn-ea"/>
+                  <a:cs typeface="+mn-cs"/>
+                </a:defRPr>
+              </a:lvl5pPr>
+              <a:lvl6pPr marL="2286000" algn="l" defTabSz="914400" rtl="0" eaLnBrk="1" latinLnBrk="0" hangingPunct="1">
+                <a:defRPr sz="1800" kern="1200">
+                  <a:solidFill>
+                    <a:schemeClr val="tx1"/>
+                  </a:solidFill>
+                  <a:latin typeface="+mn-lt"/>
+                  <a:ea typeface="+mn-ea"/>
+                  <a:cs typeface="+mn-cs"/>
+                </a:defRPr>
+              </a:lvl6pPr>
+              <a:lvl7pPr marL="2743200" algn="l" defTabSz="914400" rtl="0" eaLnBrk="1" latinLnBrk="0" hangingPunct="1">
+                <a:defRPr sz="1800" kern="1200">
+                  <a:solidFill>
+                    <a:schemeClr val="tx1"/>
+                  </a:solidFill>
+                  <a:latin typeface="+mn-lt"/>
+                  <a:ea typeface="+mn-ea"/>
+                  <a:cs typeface="+mn-cs"/>
+                </a:defRPr>
+              </a:lvl7pPr>
+              <a:lvl8pPr marL="3200400" algn="l" defTabSz="914400" rtl="0" eaLnBrk="1" latinLnBrk="0" hangingPunct="1">
+                <a:defRPr sz="1800" kern="1200">
+                  <a:solidFill>
+                    <a:schemeClr val="tx1"/>
+                  </a:solidFill>
+                  <a:latin typeface="+mn-lt"/>
+                  <a:ea typeface="+mn-ea"/>
+                  <a:cs typeface="+mn-cs"/>
+                </a:defRPr>
+              </a:lvl8pPr>
+              <a:lvl9pPr marL="3657600" algn="l" defTabSz="914400" rtl="0" eaLnBrk="1" latinLnBrk="0" hangingPunct="1">
+                <a:defRPr sz="1800" kern="1200">
+                  <a:solidFill>
+                    <a:schemeClr val="tx1"/>
+                  </a:solidFill>
+                  <a:latin typeface="+mn-lt"/>
+                  <a:ea typeface="+mn-ea"/>
+                  <a:cs typeface="+mn-cs"/>
+                </a:defRPr>
+              </a:lvl9pPr>
+            </a:lstStyle>
+            <a:p>
+              <a:endParaRPr lang="en-US">
+                <a:solidFill>
+                  <a:srgbClr val="5F5F5F"/>
+                </a:solidFill>
+                <a:latin typeface="Segoe UI" panose="020B0502040204020203" pitchFamily="34" charset="0"/>
+                <a:cs typeface="Segoe UI" panose="020B0502040204020203" pitchFamily="34" charset="0"/>
+              </a:endParaRPr>
+            </a:p>
+          </p:txBody>
+        </p:sp>
+        <p:grpSp>
+          <p:nvGrpSpPr>
+            <p:cNvPr id="11" name="Navigation Buttons"/>
+            <p:cNvGrpSpPr/>
+            <p:nvPr/>
+          </p:nvGrpSpPr>
+          <p:grpSpPr>
+            <a:xfrm>
+              <a:off x="675422" y="1436912"/>
+              <a:ext cx="406155" cy="109581"/>
+              <a:chOff x="675422" y="1436912"/>
+              <a:chExt cx="406155" cy="109581"/>
+            </a:xfrm>
+          </p:grpSpPr>
+          <p:sp>
+            <p:nvSpPr>
+              <p:cNvPr id="12" name="Back Button" descr="&lt;SmartSettings&gt;&lt;SmartResize anchorLeft=&quot;Absolute&quot; anchorTop=&quot;Absolute&quot; anchorRight=&quot;None&quot; anchorBottom=&quot;None&quot; /&gt;&lt;/SmartSettings&gt;"/>
+              <p:cNvSpPr>
+                <a:spLocks noChangeAspect="1" noEditPoints="1"/>
+              </p:cNvSpPr>
+              <p:nvPr>
+                <p:custDataLst>
+                  <p:tags r:id="rId8"/>
+                </p:custDataLst>
+              </p:nvPr>
+            </p:nvSpPr>
+            <p:spPr bwMode="auto">
+              <a:xfrm>
+                <a:off x="675422" y="1453500"/>
+                <a:ext cx="96512" cy="76405"/>
+              </a:xfrm>
+              <a:custGeom>
+                <a:avLst/>
+                <a:gdLst>
+                  <a:gd name="T0" fmla="*/ 159 w 423"/>
+                  <a:gd name="T1" fmla="*/ 332 h 332"/>
+                  <a:gd name="T2" fmla="*/ 0 w 423"/>
+                  <a:gd name="T3" fmla="*/ 166 h 332"/>
+                  <a:gd name="T4" fmla="*/ 159 w 423"/>
+                  <a:gd name="T5" fmla="*/ 0 h 332"/>
+                  <a:gd name="T6" fmla="*/ 15 w 423"/>
+                  <a:gd name="T7" fmla="*/ 166 h 332"/>
+                  <a:gd name="T8" fmla="*/ 423 w 423"/>
+                  <a:gd name="T9" fmla="*/ 166 h 332"/>
+                </a:gdLst>
+                <a:ahLst/>
+                <a:cxnLst>
+                  <a:cxn ang="0">
+                    <a:pos x="T0" y="T1"/>
+                  </a:cxn>
+                  <a:cxn ang="0">
+                    <a:pos x="T2" y="T3"/>
+                  </a:cxn>
+                  <a:cxn ang="0">
+                    <a:pos x="T4" y="T5"/>
+                  </a:cxn>
+                  <a:cxn ang="0">
+                    <a:pos x="T6" y="T7"/>
+                  </a:cxn>
+                  <a:cxn ang="0">
+                    <a:pos x="T8" y="T9"/>
+                  </a:cxn>
+                </a:cxnLst>
+                <a:rect l="0" t="0" r="r" b="b"/>
+                <a:pathLst>
+                  <a:path w="423" h="332">
+                    <a:moveTo>
+                      <a:pt x="159" y="332"/>
+                    </a:moveTo>
+                    <a:lnTo>
+                      <a:pt x="0" y="166"/>
+                    </a:lnTo>
+                    <a:lnTo>
+                      <a:pt x="159" y="0"/>
+                    </a:lnTo>
+                    <a:moveTo>
+                      <a:pt x="15" y="166"/>
+                    </a:moveTo>
+                    <a:lnTo>
+                      <a:pt x="423" y="166"/>
+                    </a:lnTo>
+                  </a:path>
+                </a:pathLst>
+              </a:custGeom>
+              <a:noFill/>
+              <a:ln w="6350" cap="sq">
+                <a:solidFill>
+                  <a:srgbClr val="808080"/>
+                </a:solidFill>
+                <a:prstDash val="solid"/>
+                <a:miter lim="800000"/>
+                <a:headEnd/>
+                <a:tailEnd/>
+              </a:ln>
+              <a:extLst>
+                <a:ext uri="{909E8E84-426E-40DD-AFC4-6F175D3DCCD1}">
+                  <a14:hiddenFill xmlns:a14="http://schemas.microsoft.com/office/drawing/2010/main">
+                    <a:solidFill>
+                      <a:srgbClr val="FFFFFF"/>
+                    </a:solidFill>
+                  </a14:hiddenFill>
+                </a:ext>
+              </a:extLst>
+            </p:spPr>
+            <p:txBody>
+              <a:bodyPr vert="horz" wrap="square" lIns="91440" tIns="45720" rIns="91440" bIns="45720" numCol="1" anchor="t" anchorCtr="0" compatLnSpc="1">
+                <a:prstTxWarp prst="textNoShape">
+                  <a:avLst/>
+                </a:prstTxWarp>
+              </a:bodyPr>
+              <a:lstStyle>
+                <a:defPPr>
+                  <a:defRPr lang="en-US"/>
+                </a:defPPr>
+                <a:lvl1pPr marL="0" algn="l" defTabSz="914400" rtl="0" eaLnBrk="1" latinLnBrk="0" hangingPunct="1">
+                  <a:defRPr sz="1800" kern="1200">
+                    <a:solidFill>
+                      <a:schemeClr val="tx1"/>
+                    </a:solidFill>
+                    <a:latin typeface="+mn-lt"/>
+                    <a:ea typeface="+mn-ea"/>
+                    <a:cs typeface="+mn-cs"/>
+                  </a:defRPr>
+                </a:lvl1pPr>
+                <a:lvl2pPr marL="457200" algn="l" defTabSz="914400" rtl="0" eaLnBrk="1" latinLnBrk="0" hangingPunct="1">
+                  <a:defRPr sz="1800" kern="1200">
+                    <a:solidFill>
+                      <a:schemeClr val="tx1"/>
+                    </a:solidFill>
+                    <a:latin typeface="+mn-lt"/>
+                    <a:ea typeface="+mn-ea"/>
+                    <a:cs typeface="+mn-cs"/>
+                  </a:defRPr>
+                </a:lvl2pPr>
+                <a:lvl3pPr marL="914400" algn="l" defTabSz="914400" rtl="0" eaLnBrk="1" latinLnBrk="0" hangingPunct="1">
+                  <a:defRPr sz="1800" kern="1200">
+                    <a:solidFill>
+                      <a:schemeClr val="tx1"/>
+                    </a:solidFill>
+                    <a:latin typeface="+mn-lt"/>
+                    <a:ea typeface="+mn-ea"/>
+                    <a:cs typeface="+mn-cs"/>
+                  </a:defRPr>
+                </a:lvl3pPr>
+                <a:lvl4pPr marL="1371600" algn="l" defTabSz="914400" rtl="0" eaLnBrk="1" latinLnBrk="0" hangingPunct="1">
+                  <a:defRPr sz="1800" kern="1200">
+                    <a:solidFill>
+                      <a:schemeClr val="tx1"/>
+                    </a:solidFill>
+                    <a:latin typeface="+mn-lt"/>
+                    <a:ea typeface="+mn-ea"/>
+                    <a:cs typeface="+mn-cs"/>
+                  </a:defRPr>
+                </a:lvl4pPr>
+                <a:lvl5pPr marL="1828800" algn="l" defTabSz="914400" rtl="0" eaLnBrk="1" latinLnBrk="0" hangingPunct="1">
+                  <a:defRPr sz="1800" kern="1200">
+                    <a:solidFill>
+                      <a:schemeClr val="tx1"/>
+                    </a:solidFill>
+                    <a:latin typeface="+mn-lt"/>
+                    <a:ea typeface="+mn-ea"/>
+                    <a:cs typeface="+mn-cs"/>
+                  </a:defRPr>
+                </a:lvl5pPr>
+                <a:lvl6pPr marL="2286000" algn="l" defTabSz="914400" rtl="0" eaLnBrk="1" latinLnBrk="0" hangingPunct="1">
+                  <a:defRPr sz="1800" kern="1200">
+                    <a:solidFill>
+                      <a:schemeClr val="tx1"/>
+                    </a:solidFill>
+                    <a:latin typeface="+mn-lt"/>
+                    <a:ea typeface="+mn-ea"/>
+                    <a:cs typeface="+mn-cs"/>
+                  </a:defRPr>
+                </a:lvl6pPr>
+                <a:lvl7pPr marL="2743200" algn="l" defTabSz="914400" rtl="0" eaLnBrk="1" latinLnBrk="0" hangingPunct="1">
+                  <a:defRPr sz="1800" kern="1200">
+                    <a:solidFill>
+                      <a:schemeClr val="tx1"/>
+                    </a:solidFill>
+                    <a:latin typeface="+mn-lt"/>
+                    <a:ea typeface="+mn-ea"/>
+                    <a:cs typeface="+mn-cs"/>
+                  </a:defRPr>
+                </a:lvl7pPr>
+                <a:lvl8pPr marL="3200400" algn="l" defTabSz="914400" rtl="0" eaLnBrk="1" latinLnBrk="0" hangingPunct="1">
+                  <a:defRPr sz="1800" kern="1200">
+                    <a:solidFill>
+                      <a:schemeClr val="tx1"/>
+                    </a:solidFill>
+                    <a:latin typeface="+mn-lt"/>
+                    <a:ea typeface="+mn-ea"/>
+                    <a:cs typeface="+mn-cs"/>
+                  </a:defRPr>
+                </a:lvl8pPr>
+                <a:lvl9pPr marL="3657600" algn="l" defTabSz="914400" rtl="0" eaLnBrk="1" latinLnBrk="0" hangingPunct="1">
+                  <a:defRPr sz="1800" kern="1200">
+                    <a:solidFill>
+                      <a:schemeClr val="tx1"/>
+                    </a:solidFill>
+                    <a:latin typeface="+mn-lt"/>
+                    <a:ea typeface="+mn-ea"/>
+                    <a:cs typeface="+mn-cs"/>
+                  </a:defRPr>
+                </a:lvl9pPr>
+              </a:lstStyle>
+              <a:p>
+                <a:endParaRPr lang="en-US">
+                  <a:solidFill>
+                    <a:srgbClr val="5F5F5F"/>
+                  </a:solidFill>
+                  <a:latin typeface="Segoe UI" panose="020B0502040204020203" pitchFamily="34" charset="0"/>
+                  <a:cs typeface="Segoe UI" panose="020B0502040204020203" pitchFamily="34" charset="0"/>
+                </a:endParaRPr>
+              </a:p>
+            </p:txBody>
+          </p:sp>
+          <p:sp>
+            <p:nvSpPr>
+              <p:cNvPr id="13" name="Forward Button" descr="&lt;SmartSettings&gt;&lt;SmartResize anchorLeft=&quot;Absolute&quot; anchorTop=&quot;Absolute&quot; anchorRight=&quot;None&quot; anchorBottom=&quot;None&quot; /&gt;&lt;/SmartSettings&gt;"/>
+              <p:cNvSpPr>
+                <a:spLocks noChangeAspect="1" noEditPoints="1"/>
+              </p:cNvSpPr>
+              <p:nvPr>
+                <p:custDataLst>
+                  <p:tags r:id="rId9"/>
+                </p:custDataLst>
+              </p:nvPr>
+            </p:nvSpPr>
+            <p:spPr bwMode="auto">
+              <a:xfrm>
+                <a:off x="828233" y="1453500"/>
+                <a:ext cx="96512" cy="76405"/>
+              </a:xfrm>
+              <a:custGeom>
+                <a:avLst/>
+                <a:gdLst>
+                  <a:gd name="T0" fmla="*/ 265 w 423"/>
+                  <a:gd name="T1" fmla="*/ 0 h 332"/>
+                  <a:gd name="T2" fmla="*/ 423 w 423"/>
+                  <a:gd name="T3" fmla="*/ 166 h 332"/>
+                  <a:gd name="T4" fmla="*/ 265 w 423"/>
+                  <a:gd name="T5" fmla="*/ 332 h 332"/>
+                  <a:gd name="T6" fmla="*/ 408 w 423"/>
+                  <a:gd name="T7" fmla="*/ 166 h 332"/>
+                  <a:gd name="T8" fmla="*/ 0 w 423"/>
+                  <a:gd name="T9" fmla="*/ 166 h 332"/>
+                </a:gdLst>
+                <a:ahLst/>
+                <a:cxnLst>
+                  <a:cxn ang="0">
+                    <a:pos x="T0" y="T1"/>
+                  </a:cxn>
+                  <a:cxn ang="0">
+                    <a:pos x="T2" y="T3"/>
+                  </a:cxn>
+                  <a:cxn ang="0">
+                    <a:pos x="T4" y="T5"/>
+                  </a:cxn>
+                  <a:cxn ang="0">
+                    <a:pos x="T6" y="T7"/>
+                  </a:cxn>
+                  <a:cxn ang="0">
+                    <a:pos x="T8" y="T9"/>
+                  </a:cxn>
+                </a:cxnLst>
+                <a:rect l="0" t="0" r="r" b="b"/>
+                <a:pathLst>
+                  <a:path w="423" h="332">
+                    <a:moveTo>
+                      <a:pt x="265" y="0"/>
+                    </a:moveTo>
+                    <a:lnTo>
+                      <a:pt x="423" y="166"/>
+                    </a:lnTo>
+                    <a:lnTo>
+                      <a:pt x="265" y="332"/>
+                    </a:lnTo>
+                    <a:moveTo>
+                      <a:pt x="408" y="166"/>
+                    </a:moveTo>
+                    <a:lnTo>
+                      <a:pt x="0" y="166"/>
+                    </a:lnTo>
+                  </a:path>
+                </a:pathLst>
+              </a:custGeom>
+              <a:noFill/>
+              <a:ln w="6350" cap="sq">
+                <a:solidFill>
+                  <a:srgbClr val="808080"/>
+                </a:solidFill>
+                <a:prstDash val="solid"/>
+                <a:miter lim="800000"/>
+                <a:headEnd/>
+                <a:tailEnd/>
+              </a:ln>
+              <a:extLst>
+                <a:ext uri="{909E8E84-426E-40DD-AFC4-6F175D3DCCD1}">
+                  <a14:hiddenFill xmlns:a14="http://schemas.microsoft.com/office/drawing/2010/main">
+                    <a:solidFill>
+                      <a:srgbClr val="FFFFFF"/>
+                    </a:solidFill>
+                  </a14:hiddenFill>
+                </a:ext>
+              </a:extLst>
+            </p:spPr>
+            <p:txBody>
+              <a:bodyPr vert="horz" wrap="square" lIns="91440" tIns="45720" rIns="91440" bIns="45720" numCol="1" anchor="t" anchorCtr="0" compatLnSpc="1">
+                <a:prstTxWarp prst="textNoShape">
+                  <a:avLst/>
+                </a:prstTxWarp>
+              </a:bodyPr>
+              <a:lstStyle>
+                <a:defPPr>
+                  <a:defRPr lang="en-US"/>
+                </a:defPPr>
+                <a:lvl1pPr marL="0" algn="l" defTabSz="914400" rtl="0" eaLnBrk="1" latinLnBrk="0" hangingPunct="1">
+                  <a:defRPr sz="1800" kern="1200">
+                    <a:solidFill>
+                      <a:schemeClr val="tx1"/>
+                    </a:solidFill>
+                    <a:latin typeface="+mn-lt"/>
+                    <a:ea typeface="+mn-ea"/>
+                    <a:cs typeface="+mn-cs"/>
+                  </a:defRPr>
+                </a:lvl1pPr>
+                <a:lvl2pPr marL="457200" algn="l" defTabSz="914400" rtl="0" eaLnBrk="1" latinLnBrk="0" hangingPunct="1">
+                  <a:defRPr sz="1800" kern="1200">
+                    <a:solidFill>
+                      <a:schemeClr val="tx1"/>
+                    </a:solidFill>
+                    <a:latin typeface="+mn-lt"/>
+                    <a:ea typeface="+mn-ea"/>
+                    <a:cs typeface="+mn-cs"/>
+                  </a:defRPr>
+                </a:lvl2pPr>
+                <a:lvl3pPr marL="914400" algn="l" defTabSz="914400" rtl="0" eaLnBrk="1" latinLnBrk="0" hangingPunct="1">
+                  <a:defRPr sz="1800" kern="1200">
+                    <a:solidFill>
+                      <a:schemeClr val="tx1"/>
+                    </a:solidFill>
+                    <a:latin typeface="+mn-lt"/>
+                    <a:ea typeface="+mn-ea"/>
+                    <a:cs typeface="+mn-cs"/>
+                  </a:defRPr>
+                </a:lvl3pPr>
+                <a:lvl4pPr marL="1371600" algn="l" defTabSz="914400" rtl="0" eaLnBrk="1" latinLnBrk="0" hangingPunct="1">
+                  <a:defRPr sz="1800" kern="1200">
+                    <a:solidFill>
+                      <a:schemeClr val="tx1"/>
+                    </a:solidFill>
+                    <a:latin typeface="+mn-lt"/>
+                    <a:ea typeface="+mn-ea"/>
+                    <a:cs typeface="+mn-cs"/>
+                  </a:defRPr>
+                </a:lvl4pPr>
+                <a:lvl5pPr marL="1828800" algn="l" defTabSz="914400" rtl="0" eaLnBrk="1" latinLnBrk="0" hangingPunct="1">
+                  <a:defRPr sz="1800" kern="1200">
+                    <a:solidFill>
+                      <a:schemeClr val="tx1"/>
+                    </a:solidFill>
+                    <a:latin typeface="+mn-lt"/>
+                    <a:ea typeface="+mn-ea"/>
+                    <a:cs typeface="+mn-cs"/>
+                  </a:defRPr>
+                </a:lvl5pPr>
+                <a:lvl6pPr marL="2286000" algn="l" defTabSz="914400" rtl="0" eaLnBrk="1" latinLnBrk="0" hangingPunct="1">
+                  <a:defRPr sz="1800" kern="1200">
+                    <a:solidFill>
+                      <a:schemeClr val="tx1"/>
+                    </a:solidFill>
+                    <a:latin typeface="+mn-lt"/>
+                    <a:ea typeface="+mn-ea"/>
+                    <a:cs typeface="+mn-cs"/>
+                  </a:defRPr>
+                </a:lvl6pPr>
+                <a:lvl7pPr marL="2743200" algn="l" defTabSz="914400" rtl="0" eaLnBrk="1" latinLnBrk="0" hangingPunct="1">
+                  <a:defRPr sz="1800" kern="1200">
+                    <a:solidFill>
+                      <a:schemeClr val="tx1"/>
+                    </a:solidFill>
+                    <a:latin typeface="+mn-lt"/>
+                    <a:ea typeface="+mn-ea"/>
+                    <a:cs typeface="+mn-cs"/>
+                  </a:defRPr>
+                </a:lvl7pPr>
+                <a:lvl8pPr marL="3200400" algn="l" defTabSz="914400" rtl="0" eaLnBrk="1" latinLnBrk="0" hangingPunct="1">
+                  <a:defRPr sz="1800" kern="1200">
+                    <a:solidFill>
+                      <a:schemeClr val="tx1"/>
+                    </a:solidFill>
+                    <a:latin typeface="+mn-lt"/>
+                    <a:ea typeface="+mn-ea"/>
+                    <a:cs typeface="+mn-cs"/>
+                  </a:defRPr>
+                </a:lvl8pPr>
+                <a:lvl9pPr marL="3657600" algn="l" defTabSz="914400" rtl="0" eaLnBrk="1" latinLnBrk="0" hangingPunct="1">
+                  <a:defRPr sz="1800" kern="1200">
+                    <a:solidFill>
+                      <a:schemeClr val="tx1"/>
+                    </a:solidFill>
+                    <a:latin typeface="+mn-lt"/>
+                    <a:ea typeface="+mn-ea"/>
+                    <a:cs typeface="+mn-cs"/>
+                  </a:defRPr>
+                </a:lvl9pPr>
+              </a:lstStyle>
+              <a:p>
+                <a:endParaRPr lang="en-US">
+                  <a:solidFill>
+                    <a:srgbClr val="5F5F5F"/>
+                  </a:solidFill>
+                  <a:latin typeface="Segoe UI" panose="020B0502040204020203" pitchFamily="34" charset="0"/>
+                  <a:cs typeface="Segoe UI" panose="020B0502040204020203" pitchFamily="34" charset="0"/>
+                </a:endParaRPr>
+              </a:p>
+            </p:txBody>
+          </p:sp>
+          <p:sp>
+            <p:nvSpPr>
+              <p:cNvPr id="14" name="Reload Button" descr="&lt;SmartSettings&gt;&lt;SmartResize anchorLeft=&quot;Absolute&quot; anchorTop=&quot;Absolute&quot; anchorRight=&quot;None&quot; anchorBottom=&quot;None&quot; /&gt;&lt;/SmartSettings&gt;"/>
+              <p:cNvSpPr>
+                <a:spLocks noChangeAspect="1" noEditPoints="1"/>
+              </p:cNvSpPr>
+              <p:nvPr>
+                <p:custDataLst>
+                  <p:tags r:id="rId10"/>
+                </p:custDataLst>
+              </p:nvPr>
+            </p:nvSpPr>
+            <p:spPr bwMode="auto">
+              <a:xfrm>
+                <a:off x="981044" y="1436912"/>
+                <a:ext cx="100533" cy="109581"/>
+              </a:xfrm>
+              <a:custGeom>
+                <a:avLst/>
+                <a:gdLst>
+                  <a:gd name="T0" fmla="*/ 441 w 441"/>
+                  <a:gd name="T1" fmla="*/ 7 h 474"/>
+                  <a:gd name="T2" fmla="*/ 441 w 441"/>
+                  <a:gd name="T3" fmla="*/ 144 h 474"/>
+                  <a:gd name="T4" fmla="*/ 296 w 441"/>
+                  <a:gd name="T5" fmla="*/ 144 h 474"/>
+                  <a:gd name="T6" fmla="*/ 438 w 441"/>
+                  <a:gd name="T7" fmla="*/ 309 h 474"/>
+                  <a:gd name="T8" fmla="*/ 166 w 441"/>
+                  <a:gd name="T9" fmla="*/ 434 h 474"/>
+                  <a:gd name="T10" fmla="*/ 41 w 441"/>
+                  <a:gd name="T11" fmla="*/ 162 h 474"/>
+                  <a:gd name="T12" fmla="*/ 313 w 441"/>
+                  <a:gd name="T13" fmla="*/ 37 h 474"/>
+                  <a:gd name="T14" fmla="*/ 428 w 441"/>
+                  <a:gd name="T15" fmla="*/ 139 h 474"/>
+                </a:gdLst>
+                <a:ahLst/>
+                <a:cxnLst>
+                  <a:cxn ang="0">
+                    <a:pos x="T0" y="T1"/>
+                  </a:cxn>
+                  <a:cxn ang="0">
+                    <a:pos x="T2" y="T3"/>
+                  </a:cxn>
+                  <a:cxn ang="0">
+                    <a:pos x="T4" y="T5"/>
+                  </a:cxn>
+                  <a:cxn ang="0">
+                    <a:pos x="T6" y="T7"/>
+                  </a:cxn>
+                  <a:cxn ang="0">
+                    <a:pos x="T8" y="T9"/>
+                  </a:cxn>
+                  <a:cxn ang="0">
+                    <a:pos x="T10" y="T11"/>
+                  </a:cxn>
+                  <a:cxn ang="0">
+                    <a:pos x="T12" y="T13"/>
+                  </a:cxn>
+                  <a:cxn ang="0">
+                    <a:pos x="T14" y="T15"/>
+                  </a:cxn>
+                </a:cxnLst>
+                <a:rect l="0" t="0" r="r" b="b"/>
+                <a:pathLst>
+                  <a:path w="441" h="474">
+                    <a:moveTo>
+                      <a:pt x="441" y="7"/>
+                    </a:moveTo>
+                    <a:lnTo>
+                      <a:pt x="441" y="144"/>
+                    </a:lnTo>
+                    <a:lnTo>
+                      <a:pt x="296" y="144"/>
+                    </a:lnTo>
+                    <a:moveTo>
+                      <a:pt x="438" y="309"/>
+                    </a:moveTo>
+                    <a:cubicBezTo>
+                      <a:pt x="397" y="418"/>
+                      <a:pt x="276" y="474"/>
+                      <a:pt x="166" y="434"/>
+                    </a:cubicBezTo>
+                    <a:cubicBezTo>
+                      <a:pt x="56" y="393"/>
+                      <a:pt x="0" y="271"/>
+                      <a:pt x="41" y="162"/>
+                    </a:cubicBezTo>
+                    <a:cubicBezTo>
+                      <a:pt x="82" y="52"/>
+                      <a:pt x="202" y="0"/>
+                      <a:pt x="313" y="37"/>
+                    </a:cubicBezTo>
+                    <a:cubicBezTo>
+                      <a:pt x="357" y="51"/>
+                      <a:pt x="398" y="91"/>
+                      <a:pt x="428" y="139"/>
+                    </a:cubicBezTo>
+                  </a:path>
+                </a:pathLst>
+              </a:custGeom>
+              <a:noFill/>
+              <a:ln w="6350" cap="flat">
+                <a:solidFill>
+                  <a:srgbClr val="808080"/>
+                </a:solidFill>
+                <a:prstDash val="solid"/>
+                <a:miter lim="800000"/>
+                <a:headEnd/>
+                <a:tailEnd/>
+              </a:ln>
+              <a:extLst>
+                <a:ext uri="{909E8E84-426E-40DD-AFC4-6F175D3DCCD1}">
+                  <a14:hiddenFill xmlns:a14="http://schemas.microsoft.com/office/drawing/2010/main">
+                    <a:solidFill>
+                      <a:srgbClr val="FFFFFF"/>
+                    </a:solidFill>
+                  </a14:hiddenFill>
+                </a:ext>
+              </a:extLst>
+            </p:spPr>
+            <p:txBody>
+              <a:bodyPr vert="horz" wrap="square" lIns="91440" tIns="45720" rIns="91440" bIns="45720" numCol="1" anchor="t" anchorCtr="0" compatLnSpc="1">
+                <a:prstTxWarp prst="textNoShape">
+                  <a:avLst/>
+                </a:prstTxWarp>
+              </a:bodyPr>
+              <a:lstStyle>
+                <a:defPPr>
+                  <a:defRPr lang="en-US"/>
+                </a:defPPr>
+                <a:lvl1pPr marL="0" algn="l" defTabSz="914400" rtl="0" eaLnBrk="1" latinLnBrk="0" hangingPunct="1">
+                  <a:defRPr sz="1800" kern="1200">
+                    <a:solidFill>
+                      <a:schemeClr val="tx1"/>
+                    </a:solidFill>
+                    <a:latin typeface="+mn-lt"/>
+                    <a:ea typeface="+mn-ea"/>
+                    <a:cs typeface="+mn-cs"/>
+                  </a:defRPr>
+                </a:lvl1pPr>
+                <a:lvl2pPr marL="457200" algn="l" defTabSz="914400" rtl="0" eaLnBrk="1" latinLnBrk="0" hangingPunct="1">
+                  <a:defRPr sz="1800" kern="1200">
+                    <a:solidFill>
+                      <a:schemeClr val="tx1"/>
+                    </a:solidFill>
+                    <a:latin typeface="+mn-lt"/>
+                    <a:ea typeface="+mn-ea"/>
+                    <a:cs typeface="+mn-cs"/>
+                  </a:defRPr>
+                </a:lvl2pPr>
+                <a:lvl3pPr marL="914400" algn="l" defTabSz="914400" rtl="0" eaLnBrk="1" latinLnBrk="0" hangingPunct="1">
+                  <a:defRPr sz="1800" kern="1200">
+                    <a:solidFill>
+                      <a:schemeClr val="tx1"/>
+                    </a:solidFill>
+                    <a:latin typeface="+mn-lt"/>
+                    <a:ea typeface="+mn-ea"/>
+                    <a:cs typeface="+mn-cs"/>
+                  </a:defRPr>
+                </a:lvl3pPr>
+                <a:lvl4pPr marL="1371600" algn="l" defTabSz="914400" rtl="0" eaLnBrk="1" latinLnBrk="0" hangingPunct="1">
+                  <a:defRPr sz="1800" kern="1200">
+                    <a:solidFill>
+                      <a:schemeClr val="tx1"/>
+                    </a:solidFill>
+                    <a:latin typeface="+mn-lt"/>
+                    <a:ea typeface="+mn-ea"/>
+                    <a:cs typeface="+mn-cs"/>
+                  </a:defRPr>
+                </a:lvl4pPr>
+                <a:lvl5pPr marL="1828800" algn="l" defTabSz="914400" rtl="0" eaLnBrk="1" latinLnBrk="0" hangingPunct="1">
+                  <a:defRPr sz="1800" kern="1200">
+                    <a:solidFill>
+                      <a:schemeClr val="tx1"/>
+                    </a:solidFill>
+                    <a:latin typeface="+mn-lt"/>
+                    <a:ea typeface="+mn-ea"/>
+                    <a:cs typeface="+mn-cs"/>
+                  </a:defRPr>
+                </a:lvl5pPr>
+                <a:lvl6pPr marL="2286000" algn="l" defTabSz="914400" rtl="0" eaLnBrk="1" latinLnBrk="0" hangingPunct="1">
+                  <a:defRPr sz="1800" kern="1200">
+                    <a:solidFill>
+                      <a:schemeClr val="tx1"/>
+                    </a:solidFill>
+                    <a:latin typeface="+mn-lt"/>
+                    <a:ea typeface="+mn-ea"/>
+                    <a:cs typeface="+mn-cs"/>
+                  </a:defRPr>
+                </a:lvl6pPr>
+                <a:lvl7pPr marL="2743200" algn="l" defTabSz="914400" rtl="0" eaLnBrk="1" latinLnBrk="0" hangingPunct="1">
+                  <a:defRPr sz="1800" kern="1200">
+                    <a:solidFill>
+                      <a:schemeClr val="tx1"/>
+                    </a:solidFill>
+                    <a:latin typeface="+mn-lt"/>
+                    <a:ea typeface="+mn-ea"/>
+                    <a:cs typeface="+mn-cs"/>
+                  </a:defRPr>
+                </a:lvl7pPr>
+                <a:lvl8pPr marL="3200400" algn="l" defTabSz="914400" rtl="0" eaLnBrk="1" latinLnBrk="0" hangingPunct="1">
+                  <a:defRPr sz="1800" kern="1200">
+                    <a:solidFill>
+                      <a:schemeClr val="tx1"/>
+                    </a:solidFill>
+                    <a:latin typeface="+mn-lt"/>
+                    <a:ea typeface="+mn-ea"/>
+                    <a:cs typeface="+mn-cs"/>
+                  </a:defRPr>
+                </a:lvl8pPr>
+                <a:lvl9pPr marL="3657600" algn="l" defTabSz="914400" rtl="0" eaLnBrk="1" latinLnBrk="0" hangingPunct="1">
+                  <a:defRPr sz="1800" kern="1200">
+                    <a:solidFill>
+                      <a:schemeClr val="tx1"/>
+                    </a:solidFill>
+                    <a:latin typeface="+mn-lt"/>
+                    <a:ea typeface="+mn-ea"/>
+                    <a:cs typeface="+mn-cs"/>
+                  </a:defRPr>
+                </a:lvl9pPr>
+              </a:lstStyle>
+              <a:p>
+                <a:endParaRPr lang="en-US">
+                  <a:solidFill>
+                    <a:srgbClr val="5F5F5F"/>
+                  </a:solidFill>
+                  <a:latin typeface="Segoe UI" panose="020B0502040204020203" pitchFamily="34" charset="0"/>
+                  <a:cs typeface="Segoe UI" panose="020B0502040204020203" pitchFamily="34" charset="0"/>
+                </a:endParaRPr>
+              </a:p>
+            </p:txBody>
+          </p:sp>
+        </p:grpSp>
+      </p:grpSp>
+      <p:sp>
+        <p:nvSpPr>
+          <p:cNvPr id="15" name="ZoneTexte 14"/>
+          <p:cNvSpPr txBox="1"/>
+          <p:nvPr/>
+        </p:nvSpPr>
+        <p:spPr>
+          <a:xfrm>
+            <a:off x="231006" y="534985"/>
+            <a:ext cx="1203158" cy="1200329"/>
+          </a:xfrm>
+          <a:prstGeom prst="rect">
+            <a:avLst/>
+          </a:prstGeom>
+          <a:noFill/>
+        </p:spPr>
+        <p:txBody>
+          <a:bodyPr wrap="square" rtlCol="0">
+            <a:spAutoFit/>
+          </a:bodyPr>
+          <a:lstStyle/>
+          <a:p>
+            <a:r>
+              <a:rPr lang="fr-FR" dirty="0" smtClean="0"/>
+              <a:t>INDEX Part3</a:t>
+            </a:r>
+            <a:br>
+              <a:rPr lang="fr-FR" dirty="0" smtClean="0"/>
+            </a:br>
+            <a:r>
+              <a:rPr lang="fr-FR" dirty="0" smtClean="0"/>
+              <a:t>scroll down</a:t>
+            </a:r>
+            <a:endParaRPr lang="fr-FR" dirty="0"/>
+          </a:p>
+        </p:txBody>
+      </p:sp>
+      <p:sp>
+        <p:nvSpPr>
+          <p:cNvPr id="16" name="Rectangle 15"/>
+          <p:cNvSpPr/>
+          <p:nvPr/>
+        </p:nvSpPr>
+        <p:spPr>
+          <a:xfrm>
+            <a:off x="1696684" y="544611"/>
+            <a:ext cx="10530041" cy="420966"/>
+          </a:xfrm>
+          <a:prstGeom prst="rect">
+            <a:avLst/>
+          </a:prstGeom>
+          <a:solidFill>
+            <a:schemeClr val="tx2">
+              <a:lumMod val="75000"/>
+            </a:schemeClr>
+          </a:solidFill>
+        </p:spPr>
+        <p:style>
+          <a:lnRef idx="2">
+            <a:schemeClr val="accent1">
+              <a:shade val="50000"/>
+            </a:schemeClr>
+          </a:lnRef>
+          <a:fillRef idx="1">
+            <a:schemeClr val="accent1"/>
+          </a:fillRef>
+          <a:effectRef idx="0">
+            <a:schemeClr val="accent1"/>
+          </a:effectRef>
+          <a:fontRef idx="minor">
+            <a:schemeClr val="lt1"/>
+          </a:fontRef>
+        </p:style>
+        <p:txBody>
+          <a:bodyPr rtlCol="0" anchor="ctr"/>
+          <a:lstStyle/>
+          <a:p>
+            <a:pPr algn="ctr"/>
+            <a:endParaRPr lang="fr-FR"/>
+          </a:p>
+        </p:txBody>
+      </p:sp>
+      <p:sp>
+        <p:nvSpPr>
+          <p:cNvPr id="17" name="ZoneTexte 16"/>
+          <p:cNvSpPr txBox="1"/>
+          <p:nvPr/>
+        </p:nvSpPr>
+        <p:spPr>
+          <a:xfrm>
+            <a:off x="2478773" y="591962"/>
+            <a:ext cx="2873081" cy="369332"/>
+          </a:xfrm>
+          <a:prstGeom prst="rect">
+            <a:avLst/>
+          </a:prstGeom>
+          <a:noFill/>
+        </p:spPr>
+        <p:txBody>
+          <a:bodyPr wrap="square" rtlCol="0">
+            <a:spAutoFit/>
+          </a:bodyPr>
+          <a:lstStyle/>
+          <a:p>
+            <a:r>
+              <a:rPr lang="fr-FR" dirty="0" smtClean="0">
+                <a:solidFill>
+                  <a:schemeClr val="bg1"/>
+                </a:solidFill>
+              </a:rPr>
+              <a:t>LES TRESORS DE ONE PIECE</a:t>
+            </a:r>
+            <a:endParaRPr lang="fr-FR" dirty="0">
+              <a:solidFill>
+                <a:schemeClr val="bg1"/>
+              </a:solidFill>
+            </a:endParaRPr>
+          </a:p>
+        </p:txBody>
+      </p:sp>
+      <p:sp>
+        <p:nvSpPr>
+          <p:cNvPr id="25" name="Add to Cart"/>
+          <p:cNvSpPr>
+            <a:spLocks noChangeAspect="1" noEditPoints="1"/>
+          </p:cNvSpPr>
+          <p:nvPr/>
+        </p:nvSpPr>
+        <p:spPr bwMode="auto">
+          <a:xfrm>
+            <a:off x="11837625" y="628478"/>
+            <a:ext cx="267808" cy="276007"/>
+          </a:xfrm>
+          <a:custGeom>
+            <a:avLst/>
+            <a:gdLst>
+              <a:gd name="T0" fmla="*/ 413 w 643"/>
+              <a:gd name="T1" fmla="*/ 0 h 653"/>
+              <a:gd name="T2" fmla="*/ 400 w 643"/>
+              <a:gd name="T3" fmla="*/ 13 h 653"/>
+              <a:gd name="T4" fmla="*/ 400 w 643"/>
+              <a:gd name="T5" fmla="*/ 248 h 653"/>
+              <a:gd name="T6" fmla="*/ 356 w 643"/>
+              <a:gd name="T7" fmla="*/ 204 h 653"/>
+              <a:gd name="T8" fmla="*/ 347 w 643"/>
+              <a:gd name="T9" fmla="*/ 200 h 653"/>
+              <a:gd name="T10" fmla="*/ 337 w 643"/>
+              <a:gd name="T11" fmla="*/ 223 h 653"/>
+              <a:gd name="T12" fmla="*/ 413 w 643"/>
+              <a:gd name="T13" fmla="*/ 299 h 653"/>
+              <a:gd name="T14" fmla="*/ 490 w 643"/>
+              <a:gd name="T15" fmla="*/ 223 h 653"/>
+              <a:gd name="T16" fmla="*/ 471 w 643"/>
+              <a:gd name="T17" fmla="*/ 204 h 653"/>
+              <a:gd name="T18" fmla="*/ 427 w 643"/>
+              <a:gd name="T19" fmla="*/ 248 h 653"/>
+              <a:gd name="T20" fmla="*/ 427 w 643"/>
+              <a:gd name="T21" fmla="*/ 13 h 653"/>
+              <a:gd name="T22" fmla="*/ 413 w 643"/>
+              <a:gd name="T23" fmla="*/ 0 h 653"/>
+              <a:gd name="T24" fmla="*/ 27 w 643"/>
+              <a:gd name="T25" fmla="*/ 13 h 653"/>
+              <a:gd name="T26" fmla="*/ 0 w 643"/>
+              <a:gd name="T27" fmla="*/ 40 h 653"/>
+              <a:gd name="T28" fmla="*/ 27 w 643"/>
+              <a:gd name="T29" fmla="*/ 67 h 653"/>
+              <a:gd name="T30" fmla="*/ 53 w 643"/>
+              <a:gd name="T31" fmla="*/ 40 h 653"/>
+              <a:gd name="T32" fmla="*/ 116 w 643"/>
+              <a:gd name="T33" fmla="*/ 40 h 653"/>
+              <a:gd name="T34" fmla="*/ 147 w 643"/>
+              <a:gd name="T35" fmla="*/ 49 h 653"/>
+              <a:gd name="T36" fmla="*/ 163 w 643"/>
+              <a:gd name="T37" fmla="*/ 80 h 653"/>
+              <a:gd name="T38" fmla="*/ 163 w 643"/>
+              <a:gd name="T39" fmla="*/ 80 h 653"/>
+              <a:gd name="T40" fmla="*/ 270 w 643"/>
+              <a:gd name="T41" fmla="*/ 510 h 653"/>
+              <a:gd name="T42" fmla="*/ 270 w 643"/>
+              <a:gd name="T43" fmla="*/ 510 h 653"/>
+              <a:gd name="T44" fmla="*/ 289 w 643"/>
+              <a:gd name="T45" fmla="*/ 553 h 653"/>
+              <a:gd name="T46" fmla="*/ 306 w 643"/>
+              <a:gd name="T47" fmla="*/ 566 h 653"/>
+              <a:gd name="T48" fmla="*/ 293 w 643"/>
+              <a:gd name="T49" fmla="*/ 600 h 653"/>
+              <a:gd name="T50" fmla="*/ 347 w 643"/>
+              <a:gd name="T51" fmla="*/ 653 h 653"/>
+              <a:gd name="T52" fmla="*/ 400 w 643"/>
+              <a:gd name="T53" fmla="*/ 600 h 653"/>
+              <a:gd name="T54" fmla="*/ 393 w 643"/>
+              <a:gd name="T55" fmla="*/ 573 h 653"/>
+              <a:gd name="T56" fmla="*/ 474 w 643"/>
+              <a:gd name="T57" fmla="*/ 573 h 653"/>
+              <a:gd name="T58" fmla="*/ 467 w 643"/>
+              <a:gd name="T59" fmla="*/ 600 h 653"/>
+              <a:gd name="T60" fmla="*/ 520 w 643"/>
+              <a:gd name="T61" fmla="*/ 653 h 653"/>
+              <a:gd name="T62" fmla="*/ 573 w 643"/>
+              <a:gd name="T63" fmla="*/ 600 h 653"/>
+              <a:gd name="T64" fmla="*/ 559 w 643"/>
+              <a:gd name="T65" fmla="*/ 564 h 653"/>
+              <a:gd name="T66" fmla="*/ 547 w 643"/>
+              <a:gd name="T67" fmla="*/ 547 h 653"/>
+              <a:gd name="T68" fmla="*/ 343 w 643"/>
+              <a:gd name="T69" fmla="*/ 547 h 653"/>
+              <a:gd name="T70" fmla="*/ 309 w 643"/>
+              <a:gd name="T71" fmla="*/ 536 h 653"/>
+              <a:gd name="T72" fmla="*/ 295 w 643"/>
+              <a:gd name="T73" fmla="*/ 503 h 653"/>
+              <a:gd name="T74" fmla="*/ 295 w 643"/>
+              <a:gd name="T75" fmla="*/ 503 h 653"/>
+              <a:gd name="T76" fmla="*/ 286 w 643"/>
+              <a:gd name="T77" fmla="*/ 467 h 653"/>
+              <a:gd name="T78" fmla="*/ 531 w 643"/>
+              <a:gd name="T79" fmla="*/ 467 h 653"/>
+              <a:gd name="T80" fmla="*/ 543 w 643"/>
+              <a:gd name="T81" fmla="*/ 458 h 653"/>
+              <a:gd name="T82" fmla="*/ 639 w 643"/>
+              <a:gd name="T83" fmla="*/ 205 h 653"/>
+              <a:gd name="T84" fmla="*/ 626 w 643"/>
+              <a:gd name="T85" fmla="*/ 187 h 653"/>
+              <a:gd name="T86" fmla="*/ 614 w 643"/>
+              <a:gd name="T87" fmla="*/ 195 h 653"/>
+              <a:gd name="T88" fmla="*/ 522 w 643"/>
+              <a:gd name="T89" fmla="*/ 440 h 653"/>
+              <a:gd name="T90" fmla="*/ 280 w 643"/>
+              <a:gd name="T91" fmla="*/ 440 h 653"/>
+              <a:gd name="T92" fmla="*/ 189 w 643"/>
+              <a:gd name="T93" fmla="*/ 72 h 653"/>
+              <a:gd name="T94" fmla="*/ 165 w 643"/>
+              <a:gd name="T95" fmla="*/ 29 h 653"/>
+              <a:gd name="T96" fmla="*/ 116 w 643"/>
+              <a:gd name="T97" fmla="*/ 13 h 653"/>
+              <a:gd name="T98" fmla="*/ 27 w 643"/>
+              <a:gd name="T99" fmla="*/ 13 h 653"/>
+              <a:gd name="T100" fmla="*/ 347 w 643"/>
+              <a:gd name="T101" fmla="*/ 573 h 653"/>
+              <a:gd name="T102" fmla="*/ 373 w 643"/>
+              <a:gd name="T103" fmla="*/ 600 h 653"/>
+              <a:gd name="T104" fmla="*/ 347 w 643"/>
+              <a:gd name="T105" fmla="*/ 627 h 653"/>
+              <a:gd name="T106" fmla="*/ 320 w 643"/>
+              <a:gd name="T107" fmla="*/ 600 h 653"/>
+              <a:gd name="T108" fmla="*/ 347 w 643"/>
+              <a:gd name="T109" fmla="*/ 573 h 653"/>
+              <a:gd name="T110" fmla="*/ 520 w 643"/>
+              <a:gd name="T111" fmla="*/ 573 h 653"/>
+              <a:gd name="T112" fmla="*/ 547 w 643"/>
+              <a:gd name="T113" fmla="*/ 600 h 653"/>
+              <a:gd name="T114" fmla="*/ 520 w 643"/>
+              <a:gd name="T115" fmla="*/ 627 h 653"/>
+              <a:gd name="T116" fmla="*/ 493 w 643"/>
+              <a:gd name="T117" fmla="*/ 600 h 653"/>
+              <a:gd name="T118" fmla="*/ 520 w 643"/>
+              <a:gd name="T119" fmla="*/ 573 h 653"/>
+            </a:gdLst>
+            <a:ahLst/>
+            <a:cxnLst>
+              <a:cxn ang="0">
+                <a:pos x="T0" y="T1"/>
+              </a:cxn>
+              <a:cxn ang="0">
+                <a:pos x="T2" y="T3"/>
+              </a:cxn>
+              <a:cxn ang="0">
+                <a:pos x="T4" y="T5"/>
+              </a:cxn>
+              <a:cxn ang="0">
+                <a:pos x="T6" y="T7"/>
+              </a:cxn>
+              <a:cxn ang="0">
+                <a:pos x="T8" y="T9"/>
+              </a:cxn>
+              <a:cxn ang="0">
+                <a:pos x="T10" y="T11"/>
+              </a:cxn>
+              <a:cxn ang="0">
+                <a:pos x="T12" y="T13"/>
+              </a:cxn>
+              <a:cxn ang="0">
+                <a:pos x="T14" y="T15"/>
+              </a:cxn>
+              <a:cxn ang="0">
+                <a:pos x="T16" y="T17"/>
+              </a:cxn>
+              <a:cxn ang="0">
+                <a:pos x="T18" y="T19"/>
+              </a:cxn>
+              <a:cxn ang="0">
+                <a:pos x="T20" y="T21"/>
+              </a:cxn>
+              <a:cxn ang="0">
+                <a:pos x="T22" y="T23"/>
+              </a:cxn>
+              <a:cxn ang="0">
+                <a:pos x="T24" y="T25"/>
+              </a:cxn>
+              <a:cxn ang="0">
+                <a:pos x="T26" y="T27"/>
+              </a:cxn>
+              <a:cxn ang="0">
+                <a:pos x="T28" y="T29"/>
+              </a:cxn>
+              <a:cxn ang="0">
+                <a:pos x="T30" y="T31"/>
+              </a:cxn>
+              <a:cxn ang="0">
+                <a:pos x="T32" y="T33"/>
+              </a:cxn>
+              <a:cxn ang="0">
+                <a:pos x="T34" y="T35"/>
+              </a:cxn>
+              <a:cxn ang="0">
+                <a:pos x="T36" y="T37"/>
+              </a:cxn>
+              <a:cxn ang="0">
+                <a:pos x="T38" y="T39"/>
+              </a:cxn>
+              <a:cxn ang="0">
+                <a:pos x="T40" y="T41"/>
+              </a:cxn>
+              <a:cxn ang="0">
+                <a:pos x="T42" y="T43"/>
+              </a:cxn>
+              <a:cxn ang="0">
+                <a:pos x="T44" y="T45"/>
+              </a:cxn>
+              <a:cxn ang="0">
+                <a:pos x="T46" y="T47"/>
+              </a:cxn>
+              <a:cxn ang="0">
+                <a:pos x="T48" y="T49"/>
+              </a:cxn>
+              <a:cxn ang="0">
+                <a:pos x="T50" y="T51"/>
+              </a:cxn>
+              <a:cxn ang="0">
+                <a:pos x="T52" y="T53"/>
+              </a:cxn>
+              <a:cxn ang="0">
+                <a:pos x="T54" y="T55"/>
+              </a:cxn>
+              <a:cxn ang="0">
+                <a:pos x="T56" y="T57"/>
+              </a:cxn>
+              <a:cxn ang="0">
+                <a:pos x="T58" y="T59"/>
+              </a:cxn>
+              <a:cxn ang="0">
+                <a:pos x="T60" y="T61"/>
+              </a:cxn>
+              <a:cxn ang="0">
+                <a:pos x="T62" y="T63"/>
+              </a:cxn>
+              <a:cxn ang="0">
+                <a:pos x="T64" y="T65"/>
+              </a:cxn>
+              <a:cxn ang="0">
+                <a:pos x="T66" y="T67"/>
+              </a:cxn>
+              <a:cxn ang="0">
+                <a:pos x="T68" y="T69"/>
+              </a:cxn>
+              <a:cxn ang="0">
+                <a:pos x="T70" y="T71"/>
+              </a:cxn>
+              <a:cxn ang="0">
+                <a:pos x="T72" y="T73"/>
+              </a:cxn>
+              <a:cxn ang="0">
+                <a:pos x="T74" y="T75"/>
+              </a:cxn>
+              <a:cxn ang="0">
+                <a:pos x="T76" y="T77"/>
+              </a:cxn>
+              <a:cxn ang="0">
+                <a:pos x="T78" y="T79"/>
+              </a:cxn>
+              <a:cxn ang="0">
+                <a:pos x="T80" y="T81"/>
+              </a:cxn>
+              <a:cxn ang="0">
+                <a:pos x="T82" y="T83"/>
+              </a:cxn>
+              <a:cxn ang="0">
+                <a:pos x="T84" y="T85"/>
+              </a:cxn>
+              <a:cxn ang="0">
+                <a:pos x="T86" y="T87"/>
+              </a:cxn>
+              <a:cxn ang="0">
+                <a:pos x="T88" y="T89"/>
+              </a:cxn>
+              <a:cxn ang="0">
+                <a:pos x="T90" y="T91"/>
+              </a:cxn>
+              <a:cxn ang="0">
+                <a:pos x="T92" y="T93"/>
+              </a:cxn>
+              <a:cxn ang="0">
+                <a:pos x="T94" y="T95"/>
+              </a:cxn>
+              <a:cxn ang="0">
+                <a:pos x="T96" y="T97"/>
+              </a:cxn>
+              <a:cxn ang="0">
+                <a:pos x="T98" y="T99"/>
+              </a:cxn>
+              <a:cxn ang="0">
+                <a:pos x="T100" y="T101"/>
+              </a:cxn>
+              <a:cxn ang="0">
+                <a:pos x="T102" y="T103"/>
+              </a:cxn>
+              <a:cxn ang="0">
+                <a:pos x="T104" y="T105"/>
+              </a:cxn>
+              <a:cxn ang="0">
+                <a:pos x="T106" y="T107"/>
+              </a:cxn>
+              <a:cxn ang="0">
+                <a:pos x="T108" y="T109"/>
+              </a:cxn>
+              <a:cxn ang="0">
+                <a:pos x="T110" y="T111"/>
+              </a:cxn>
+              <a:cxn ang="0">
+                <a:pos x="T112" y="T113"/>
+              </a:cxn>
+              <a:cxn ang="0">
+                <a:pos x="T114" y="T115"/>
+              </a:cxn>
+              <a:cxn ang="0">
+                <a:pos x="T116" y="T117"/>
+              </a:cxn>
+              <a:cxn ang="0">
+                <a:pos x="T118" y="T119"/>
+              </a:cxn>
+            </a:cxnLst>
+            <a:rect l="0" t="0" r="r" b="b"/>
+            <a:pathLst>
+              <a:path w="643" h="653">
+                <a:moveTo>
+                  <a:pt x="413" y="0"/>
+                </a:moveTo>
+                <a:cubicBezTo>
+                  <a:pt x="406" y="0"/>
+                  <a:pt x="400" y="6"/>
+                  <a:pt x="400" y="13"/>
+                </a:cubicBezTo>
+                <a:lnTo>
+                  <a:pt x="400" y="248"/>
+                </a:lnTo>
+                <a:lnTo>
+                  <a:pt x="356" y="204"/>
+                </a:lnTo>
+                <a:cubicBezTo>
+                  <a:pt x="354" y="201"/>
+                  <a:pt x="350" y="200"/>
+                  <a:pt x="347" y="200"/>
+                </a:cubicBezTo>
+                <a:cubicBezTo>
+                  <a:pt x="335" y="200"/>
+                  <a:pt x="329" y="215"/>
+                  <a:pt x="337" y="223"/>
+                </a:cubicBezTo>
+                <a:lnTo>
+                  <a:pt x="413" y="299"/>
+                </a:lnTo>
+                <a:lnTo>
+                  <a:pt x="490" y="223"/>
+                </a:lnTo>
+                <a:cubicBezTo>
+                  <a:pt x="503" y="210"/>
+                  <a:pt x="483" y="191"/>
+                  <a:pt x="471" y="204"/>
+                </a:cubicBezTo>
+                <a:lnTo>
+                  <a:pt x="427" y="248"/>
+                </a:lnTo>
+                <a:lnTo>
+                  <a:pt x="427" y="13"/>
+                </a:lnTo>
+                <a:cubicBezTo>
+                  <a:pt x="427" y="6"/>
+                  <a:pt x="421" y="0"/>
+                  <a:pt x="413" y="0"/>
+                </a:cubicBezTo>
+                <a:close/>
+                <a:moveTo>
+                  <a:pt x="27" y="13"/>
+                </a:moveTo>
+                <a:cubicBezTo>
+                  <a:pt x="12" y="13"/>
+                  <a:pt x="0" y="25"/>
+                  <a:pt x="0" y="40"/>
+                </a:cubicBezTo>
+                <a:cubicBezTo>
+                  <a:pt x="0" y="55"/>
+                  <a:pt x="12" y="67"/>
+                  <a:pt x="27" y="67"/>
+                </a:cubicBezTo>
+                <a:cubicBezTo>
+                  <a:pt x="41" y="67"/>
+                  <a:pt x="53" y="55"/>
+                  <a:pt x="53" y="40"/>
+                </a:cubicBezTo>
+                <a:cubicBezTo>
+                  <a:pt x="74" y="40"/>
+                  <a:pt x="95" y="40"/>
+                  <a:pt x="116" y="40"/>
+                </a:cubicBezTo>
+                <a:cubicBezTo>
+                  <a:pt x="132" y="40"/>
+                  <a:pt x="141" y="43"/>
+                  <a:pt x="147" y="49"/>
+                </a:cubicBezTo>
+                <a:cubicBezTo>
+                  <a:pt x="154" y="55"/>
+                  <a:pt x="159" y="65"/>
+                  <a:pt x="163" y="80"/>
+                </a:cubicBezTo>
+                <a:lnTo>
+                  <a:pt x="163" y="80"/>
+                </a:lnTo>
+                <a:lnTo>
+                  <a:pt x="270" y="510"/>
+                </a:lnTo>
+                <a:lnTo>
+                  <a:pt x="270" y="510"/>
+                </a:lnTo>
+                <a:cubicBezTo>
+                  <a:pt x="274" y="525"/>
+                  <a:pt x="278" y="541"/>
+                  <a:pt x="289" y="553"/>
+                </a:cubicBezTo>
+                <a:cubicBezTo>
+                  <a:pt x="293" y="559"/>
+                  <a:pt x="299" y="563"/>
+                  <a:pt x="306" y="566"/>
+                </a:cubicBezTo>
+                <a:cubicBezTo>
+                  <a:pt x="298" y="575"/>
+                  <a:pt x="293" y="587"/>
+                  <a:pt x="293" y="600"/>
+                </a:cubicBezTo>
+                <a:cubicBezTo>
+                  <a:pt x="293" y="629"/>
+                  <a:pt x="317" y="653"/>
+                  <a:pt x="347" y="653"/>
+                </a:cubicBezTo>
+                <a:cubicBezTo>
+                  <a:pt x="376" y="653"/>
+                  <a:pt x="400" y="629"/>
+                  <a:pt x="400" y="600"/>
+                </a:cubicBezTo>
+                <a:cubicBezTo>
+                  <a:pt x="400" y="590"/>
+                  <a:pt x="397" y="581"/>
+                  <a:pt x="393" y="573"/>
+                </a:cubicBezTo>
+                <a:lnTo>
+                  <a:pt x="474" y="573"/>
+                </a:lnTo>
+                <a:cubicBezTo>
+                  <a:pt x="470" y="581"/>
+                  <a:pt x="467" y="590"/>
+                  <a:pt x="467" y="600"/>
+                </a:cubicBezTo>
+                <a:cubicBezTo>
+                  <a:pt x="467" y="629"/>
+                  <a:pt x="491" y="653"/>
+                  <a:pt x="520" y="653"/>
+                </a:cubicBezTo>
+                <a:cubicBezTo>
+                  <a:pt x="549" y="653"/>
+                  <a:pt x="573" y="629"/>
+                  <a:pt x="573" y="600"/>
+                </a:cubicBezTo>
+                <a:cubicBezTo>
+                  <a:pt x="573" y="586"/>
+                  <a:pt x="568" y="574"/>
+                  <a:pt x="559" y="564"/>
+                </a:cubicBezTo>
+                <a:cubicBezTo>
+                  <a:pt x="562" y="556"/>
+                  <a:pt x="556" y="547"/>
+                  <a:pt x="547" y="547"/>
+                </a:cubicBezTo>
+                <a:cubicBezTo>
+                  <a:pt x="477" y="547"/>
+                  <a:pt x="403" y="547"/>
+                  <a:pt x="343" y="547"/>
+                </a:cubicBezTo>
+                <a:cubicBezTo>
+                  <a:pt x="322" y="547"/>
+                  <a:pt x="314" y="542"/>
+                  <a:pt x="309" y="536"/>
+                </a:cubicBezTo>
+                <a:cubicBezTo>
+                  <a:pt x="303" y="529"/>
+                  <a:pt x="299" y="518"/>
+                  <a:pt x="295" y="503"/>
+                </a:cubicBezTo>
+                <a:lnTo>
+                  <a:pt x="295" y="503"/>
+                </a:lnTo>
+                <a:lnTo>
+                  <a:pt x="286" y="467"/>
+                </a:lnTo>
+                <a:lnTo>
+                  <a:pt x="531" y="467"/>
+                </a:lnTo>
+                <a:cubicBezTo>
+                  <a:pt x="536" y="467"/>
+                  <a:pt x="541" y="463"/>
+                  <a:pt x="543" y="458"/>
+                </a:cubicBezTo>
+                <a:lnTo>
+                  <a:pt x="639" y="205"/>
+                </a:lnTo>
+                <a:cubicBezTo>
+                  <a:pt x="643" y="196"/>
+                  <a:pt x="636" y="186"/>
+                  <a:pt x="626" y="187"/>
+                </a:cubicBezTo>
+                <a:cubicBezTo>
+                  <a:pt x="621" y="187"/>
+                  <a:pt x="616" y="190"/>
+                  <a:pt x="614" y="195"/>
+                </a:cubicBezTo>
+                <a:lnTo>
+                  <a:pt x="522" y="440"/>
+                </a:lnTo>
+                <a:lnTo>
+                  <a:pt x="280" y="440"/>
+                </a:lnTo>
+                <a:cubicBezTo>
+                  <a:pt x="249" y="318"/>
+                  <a:pt x="219" y="195"/>
+                  <a:pt x="189" y="72"/>
+                </a:cubicBezTo>
+                <a:cubicBezTo>
+                  <a:pt x="184" y="55"/>
+                  <a:pt x="177" y="40"/>
+                  <a:pt x="165" y="29"/>
+                </a:cubicBezTo>
+                <a:cubicBezTo>
+                  <a:pt x="153" y="19"/>
+                  <a:pt x="136" y="13"/>
+                  <a:pt x="116" y="13"/>
+                </a:cubicBezTo>
+                <a:cubicBezTo>
+                  <a:pt x="86" y="13"/>
+                  <a:pt x="56" y="14"/>
+                  <a:pt x="27" y="13"/>
+                </a:cubicBezTo>
+                <a:close/>
+                <a:moveTo>
+                  <a:pt x="347" y="573"/>
+                </a:moveTo>
+                <a:cubicBezTo>
+                  <a:pt x="362" y="573"/>
+                  <a:pt x="373" y="585"/>
+                  <a:pt x="373" y="600"/>
+                </a:cubicBezTo>
+                <a:cubicBezTo>
+                  <a:pt x="373" y="615"/>
+                  <a:pt x="362" y="627"/>
+                  <a:pt x="347" y="627"/>
+                </a:cubicBezTo>
+                <a:cubicBezTo>
+                  <a:pt x="332" y="627"/>
+                  <a:pt x="320" y="615"/>
+                  <a:pt x="320" y="600"/>
+                </a:cubicBezTo>
+                <a:cubicBezTo>
+                  <a:pt x="320" y="585"/>
+                  <a:pt x="332" y="573"/>
+                  <a:pt x="347" y="573"/>
+                </a:cubicBezTo>
+                <a:close/>
+                <a:moveTo>
+                  <a:pt x="520" y="573"/>
+                </a:moveTo>
+                <a:cubicBezTo>
+                  <a:pt x="535" y="573"/>
+                  <a:pt x="547" y="585"/>
+                  <a:pt x="547" y="600"/>
+                </a:cubicBezTo>
+                <a:cubicBezTo>
+                  <a:pt x="547" y="615"/>
+                  <a:pt x="535" y="627"/>
+                  <a:pt x="520" y="627"/>
+                </a:cubicBezTo>
+                <a:cubicBezTo>
+                  <a:pt x="505" y="627"/>
+                  <a:pt x="493" y="615"/>
+                  <a:pt x="493" y="600"/>
+                </a:cubicBezTo>
+                <a:cubicBezTo>
+                  <a:pt x="493" y="585"/>
+                  <a:pt x="505" y="573"/>
+                  <a:pt x="520" y="573"/>
+                </a:cubicBezTo>
+                <a:close/>
+              </a:path>
+            </a:pathLst>
+          </a:custGeom>
+          <a:solidFill>
+            <a:schemeClr val="tx1"/>
+          </a:solidFill>
+          <a:ln w="9525">
+            <a:solidFill>
+              <a:schemeClr val="bg1"/>
+            </a:solidFill>
+            <a:round/>
+            <a:headEnd/>
+            <a:tailEnd/>
+          </a:ln>
+        </p:spPr>
+        <p:txBody>
+          <a:bodyPr vert="horz" wrap="square" lIns="91440" tIns="45720" rIns="91440" bIns="45720" numCol="1" anchor="t" anchorCtr="0" compatLnSpc="1">
+            <a:prstTxWarp prst="textNoShape">
+              <a:avLst/>
+            </a:prstTxWarp>
+          </a:bodyPr>
+          <a:lstStyle>
+            <a:defPPr>
+              <a:defRPr lang="en-US"/>
+            </a:defPPr>
+            <a:lvl1pPr marL="0" algn="l" defTabSz="914400" rtl="0" eaLnBrk="1" latinLnBrk="0" hangingPunct="1">
+              <a:defRPr sz="1800" kern="1200">
+                <a:solidFill>
+                  <a:schemeClr val="tx1"/>
+                </a:solidFill>
+                <a:latin typeface="+mn-lt"/>
+                <a:ea typeface="+mn-ea"/>
+                <a:cs typeface="+mn-cs"/>
+              </a:defRPr>
+            </a:lvl1pPr>
+            <a:lvl2pPr marL="457200" algn="l" defTabSz="914400" rtl="0" eaLnBrk="1" latinLnBrk="0" hangingPunct="1">
+              <a:defRPr sz="1800" kern="1200">
+                <a:solidFill>
+                  <a:schemeClr val="tx1"/>
+                </a:solidFill>
+                <a:latin typeface="+mn-lt"/>
+                <a:ea typeface="+mn-ea"/>
+                <a:cs typeface="+mn-cs"/>
+              </a:defRPr>
+            </a:lvl2pPr>
+            <a:lvl3pPr marL="914400" algn="l" defTabSz="914400" rtl="0" eaLnBrk="1" latinLnBrk="0" hangingPunct="1">
+              <a:defRPr sz="1800" kern="1200">
+                <a:solidFill>
+                  <a:schemeClr val="tx1"/>
+                </a:solidFill>
+                <a:latin typeface="+mn-lt"/>
+                <a:ea typeface="+mn-ea"/>
+                <a:cs typeface="+mn-cs"/>
+              </a:defRPr>
+            </a:lvl3pPr>
+            <a:lvl4pPr marL="1371600" algn="l" defTabSz="914400" rtl="0" eaLnBrk="1" latinLnBrk="0" hangingPunct="1">
+              <a:defRPr sz="1800" kern="1200">
+                <a:solidFill>
+                  <a:schemeClr val="tx1"/>
+                </a:solidFill>
+                <a:latin typeface="+mn-lt"/>
+                <a:ea typeface="+mn-ea"/>
+                <a:cs typeface="+mn-cs"/>
+              </a:defRPr>
+            </a:lvl4pPr>
+            <a:lvl5pPr marL="1828800" algn="l" defTabSz="914400" rtl="0" eaLnBrk="1" latinLnBrk="0" hangingPunct="1">
+              <a:defRPr sz="1800" kern="1200">
+                <a:solidFill>
+                  <a:schemeClr val="tx1"/>
+                </a:solidFill>
+                <a:latin typeface="+mn-lt"/>
+                <a:ea typeface="+mn-ea"/>
+                <a:cs typeface="+mn-cs"/>
+              </a:defRPr>
+            </a:lvl5pPr>
+            <a:lvl6pPr marL="2286000" algn="l" defTabSz="914400" rtl="0" eaLnBrk="1" latinLnBrk="0" hangingPunct="1">
+              <a:defRPr sz="1800" kern="1200">
+                <a:solidFill>
+                  <a:schemeClr val="tx1"/>
+                </a:solidFill>
+                <a:latin typeface="+mn-lt"/>
+                <a:ea typeface="+mn-ea"/>
+                <a:cs typeface="+mn-cs"/>
+              </a:defRPr>
+            </a:lvl6pPr>
+            <a:lvl7pPr marL="2743200" algn="l" defTabSz="914400" rtl="0" eaLnBrk="1" latinLnBrk="0" hangingPunct="1">
+              <a:defRPr sz="1800" kern="1200">
+                <a:solidFill>
+                  <a:schemeClr val="tx1"/>
+                </a:solidFill>
+                <a:latin typeface="+mn-lt"/>
+                <a:ea typeface="+mn-ea"/>
+                <a:cs typeface="+mn-cs"/>
+              </a:defRPr>
+            </a:lvl7pPr>
+            <a:lvl8pPr marL="3200400" algn="l" defTabSz="914400" rtl="0" eaLnBrk="1" latinLnBrk="0" hangingPunct="1">
+              <a:defRPr sz="1800" kern="1200">
+                <a:solidFill>
+                  <a:schemeClr val="tx1"/>
+                </a:solidFill>
+                <a:latin typeface="+mn-lt"/>
+                <a:ea typeface="+mn-ea"/>
+                <a:cs typeface="+mn-cs"/>
+              </a:defRPr>
+            </a:lvl8pPr>
+            <a:lvl9pPr marL="3657600" algn="l" defTabSz="914400" rtl="0" eaLnBrk="1" latinLnBrk="0" hangingPunct="1">
+              <a:defRPr sz="1800" kern="1200">
+                <a:solidFill>
+                  <a:schemeClr val="tx1"/>
+                </a:solidFill>
+                <a:latin typeface="+mn-lt"/>
+                <a:ea typeface="+mn-ea"/>
+                <a:cs typeface="+mn-cs"/>
+              </a:defRPr>
+            </a:lvl9pPr>
+          </a:lstStyle>
+          <a:p>
+            <a:endParaRPr lang="en-US" sz="900">
+              <a:latin typeface="Segoe UI" panose="020B0502040204020203" pitchFamily="34" charset="0"/>
+              <a:cs typeface="Segoe UI" panose="020B0502040204020203" pitchFamily="34" charset="0"/>
+            </a:endParaRPr>
+          </a:p>
+        </p:txBody>
+      </p:sp>
+      <p:sp>
+        <p:nvSpPr>
+          <p:cNvPr id="29" name="ZoneTexte 28"/>
+          <p:cNvSpPr txBox="1"/>
+          <p:nvPr/>
+        </p:nvSpPr>
+        <p:spPr>
+          <a:xfrm>
+            <a:off x="5047070" y="1024470"/>
+            <a:ext cx="1092724" cy="369332"/>
+          </a:xfrm>
+          <a:prstGeom prst="rect">
+            <a:avLst/>
+          </a:prstGeom>
+          <a:noFill/>
+        </p:spPr>
+        <p:txBody>
+          <a:bodyPr wrap="square" rtlCol="0">
+            <a:spAutoFit/>
+          </a:bodyPr>
+          <a:lstStyle/>
+          <a:p>
+            <a:r>
+              <a:rPr lang="fr-FR" dirty="0" smtClean="0"/>
+              <a:t>Populaire</a:t>
+            </a:r>
+            <a:endParaRPr lang="fr-FR" dirty="0"/>
+          </a:p>
+        </p:txBody>
+      </p:sp>
+      <p:sp>
+        <p:nvSpPr>
+          <p:cNvPr id="30" name="ZoneTexte 29"/>
+          <p:cNvSpPr txBox="1"/>
+          <p:nvPr/>
+        </p:nvSpPr>
+        <p:spPr>
+          <a:xfrm>
+            <a:off x="6247507" y="1024470"/>
+            <a:ext cx="1358942" cy="369332"/>
+          </a:xfrm>
+          <a:prstGeom prst="rect">
+            <a:avLst/>
+          </a:prstGeom>
+          <a:noFill/>
+        </p:spPr>
+        <p:txBody>
+          <a:bodyPr wrap="square" rtlCol="0">
+            <a:spAutoFit/>
+          </a:bodyPr>
+          <a:lstStyle/>
+          <a:p>
+            <a:r>
+              <a:rPr lang="fr-FR" dirty="0" smtClean="0"/>
+              <a:t>Promotions</a:t>
+            </a:r>
+            <a:endParaRPr lang="fr-FR" dirty="0"/>
+          </a:p>
+        </p:txBody>
+      </p:sp>
+      <p:sp>
+        <p:nvSpPr>
+          <p:cNvPr id="31" name="ZoneTexte 30"/>
+          <p:cNvSpPr txBox="1"/>
+          <p:nvPr/>
+        </p:nvSpPr>
+        <p:spPr>
+          <a:xfrm>
+            <a:off x="7619565" y="1024470"/>
+            <a:ext cx="1519772" cy="369332"/>
+          </a:xfrm>
+          <a:prstGeom prst="rect">
+            <a:avLst/>
+          </a:prstGeom>
+          <a:noFill/>
+        </p:spPr>
+        <p:txBody>
+          <a:bodyPr wrap="square" rtlCol="0">
+            <a:spAutoFit/>
+          </a:bodyPr>
+          <a:lstStyle/>
+          <a:p>
+            <a:r>
+              <a:rPr lang="fr-FR" dirty="0" smtClean="0"/>
+              <a:t>Nouveautés</a:t>
+            </a:r>
+            <a:endParaRPr lang="fr-FR" dirty="0"/>
+          </a:p>
+        </p:txBody>
+      </p:sp>
+      <p:cxnSp>
+        <p:nvCxnSpPr>
+          <p:cNvPr id="33" name="Connecteur droit 32"/>
+          <p:cNvCxnSpPr/>
+          <p:nvPr/>
+        </p:nvCxnSpPr>
+        <p:spPr>
+          <a:xfrm>
+            <a:off x="6139794" y="1071443"/>
+            <a:ext cx="0" cy="240697"/>
+          </a:xfrm>
+          <a:prstGeom prst="line">
+            <a:avLst/>
+          </a:prstGeom>
+          <a:ln>
+            <a:solidFill>
+              <a:schemeClr val="tx1">
+                <a:lumMod val="50000"/>
+                <a:lumOff val="50000"/>
+              </a:schemeClr>
+            </a:solidFill>
+          </a:ln>
+        </p:spPr>
+        <p:style>
+          <a:lnRef idx="1">
+            <a:schemeClr val="accent1"/>
+          </a:lnRef>
+          <a:fillRef idx="0">
+            <a:schemeClr val="accent1"/>
+          </a:fillRef>
+          <a:effectRef idx="0">
+            <a:schemeClr val="accent1"/>
+          </a:effectRef>
+          <a:fontRef idx="minor">
+            <a:schemeClr val="tx1"/>
+          </a:fontRef>
+        </p:style>
+      </p:cxnSp>
+      <p:cxnSp>
+        <p:nvCxnSpPr>
+          <p:cNvPr id="34" name="Connecteur droit 33"/>
+          <p:cNvCxnSpPr/>
+          <p:nvPr/>
+        </p:nvCxnSpPr>
+        <p:spPr>
+          <a:xfrm>
+            <a:off x="7569045" y="1078741"/>
+            <a:ext cx="0" cy="240697"/>
+          </a:xfrm>
+          <a:prstGeom prst="line">
+            <a:avLst/>
+          </a:prstGeom>
+          <a:ln>
+            <a:solidFill>
+              <a:schemeClr val="tx1">
+                <a:lumMod val="50000"/>
+                <a:lumOff val="50000"/>
+              </a:schemeClr>
+            </a:solidFill>
+          </a:ln>
+        </p:spPr>
+        <p:style>
+          <a:lnRef idx="1">
+            <a:schemeClr val="accent1"/>
+          </a:lnRef>
+          <a:fillRef idx="0">
+            <a:schemeClr val="accent1"/>
+          </a:fillRef>
+          <a:effectRef idx="0">
+            <a:schemeClr val="accent1"/>
+          </a:effectRef>
+          <a:fontRef idx="minor">
+            <a:schemeClr val="tx1"/>
+          </a:fontRef>
+        </p:style>
+      </p:cxnSp>
+      <p:cxnSp>
+        <p:nvCxnSpPr>
+          <p:cNvPr id="32" name="Connecteur droit 31"/>
+          <p:cNvCxnSpPr/>
+          <p:nvPr/>
+        </p:nvCxnSpPr>
+        <p:spPr>
+          <a:xfrm>
+            <a:off x="1813765" y="663203"/>
+            <a:ext cx="393701" cy="0"/>
+          </a:xfrm>
+          <a:prstGeom prst="line">
+            <a:avLst/>
+          </a:prstGeom>
+          <a:ln>
+            <a:solidFill>
+              <a:schemeClr val="bg1"/>
+            </a:solidFill>
+          </a:ln>
+        </p:spPr>
+        <p:style>
+          <a:lnRef idx="3">
+            <a:schemeClr val="dk1"/>
+          </a:lnRef>
+          <a:fillRef idx="0">
+            <a:schemeClr val="dk1"/>
+          </a:fillRef>
+          <a:effectRef idx="2">
+            <a:schemeClr val="dk1"/>
+          </a:effectRef>
+          <a:fontRef idx="minor">
+            <a:schemeClr val="tx1"/>
+          </a:fontRef>
+        </p:style>
+      </p:cxnSp>
+      <p:cxnSp>
+        <p:nvCxnSpPr>
+          <p:cNvPr id="36" name="Connecteur droit 35"/>
+          <p:cNvCxnSpPr/>
+          <p:nvPr/>
+        </p:nvCxnSpPr>
+        <p:spPr>
+          <a:xfrm>
+            <a:off x="1815693" y="757728"/>
+            <a:ext cx="393701" cy="0"/>
+          </a:xfrm>
+          <a:prstGeom prst="line">
+            <a:avLst/>
+          </a:prstGeom>
+          <a:ln>
+            <a:solidFill>
+              <a:schemeClr val="bg1"/>
+            </a:solidFill>
+          </a:ln>
+        </p:spPr>
+        <p:style>
+          <a:lnRef idx="3">
+            <a:schemeClr val="dk1"/>
+          </a:lnRef>
+          <a:fillRef idx="0">
+            <a:schemeClr val="dk1"/>
+          </a:fillRef>
+          <a:effectRef idx="2">
+            <a:schemeClr val="dk1"/>
+          </a:effectRef>
+          <a:fontRef idx="minor">
+            <a:schemeClr val="tx1"/>
+          </a:fontRef>
+        </p:style>
+      </p:cxnSp>
+      <p:cxnSp>
+        <p:nvCxnSpPr>
+          <p:cNvPr id="37" name="Connecteur droit 36"/>
+          <p:cNvCxnSpPr/>
+          <p:nvPr/>
+        </p:nvCxnSpPr>
+        <p:spPr>
+          <a:xfrm>
+            <a:off x="1817622" y="840681"/>
+            <a:ext cx="393701" cy="0"/>
+          </a:xfrm>
+          <a:prstGeom prst="line">
+            <a:avLst/>
+          </a:prstGeom>
+          <a:ln>
+            <a:solidFill>
+              <a:schemeClr val="bg1"/>
+            </a:solidFill>
+          </a:ln>
+        </p:spPr>
+        <p:style>
+          <a:lnRef idx="3">
+            <a:schemeClr val="dk1"/>
+          </a:lnRef>
+          <a:fillRef idx="0">
+            <a:schemeClr val="dk1"/>
+          </a:fillRef>
+          <a:effectRef idx="2">
+            <a:schemeClr val="dk1"/>
+          </a:effectRef>
+          <a:fontRef idx="minor">
+            <a:schemeClr val="tx1"/>
+          </a:fontRef>
+        </p:style>
+      </p:cxnSp>
+      <p:sp>
+        <p:nvSpPr>
+          <p:cNvPr id="39" name="Add User"/>
+          <p:cNvSpPr>
+            <a:spLocks noChangeAspect="1" noEditPoints="1"/>
+          </p:cNvSpPr>
+          <p:nvPr/>
+        </p:nvSpPr>
+        <p:spPr bwMode="auto">
+          <a:xfrm>
+            <a:off x="11300345" y="567339"/>
+            <a:ext cx="401756" cy="393955"/>
+          </a:xfrm>
+          <a:custGeom>
+            <a:avLst/>
+            <a:gdLst>
+              <a:gd name="T0" fmla="*/ 147 w 668"/>
+              <a:gd name="T1" fmla="*/ 65 h 661"/>
+              <a:gd name="T2" fmla="*/ 136 w 668"/>
+              <a:gd name="T3" fmla="*/ 231 h 661"/>
+              <a:gd name="T4" fmla="*/ 161 w 668"/>
+              <a:gd name="T5" fmla="*/ 274 h 661"/>
+              <a:gd name="T6" fmla="*/ 184 w 668"/>
+              <a:gd name="T7" fmla="*/ 331 h 661"/>
+              <a:gd name="T8" fmla="*/ 189 w 668"/>
+              <a:gd name="T9" fmla="*/ 384 h 661"/>
+              <a:gd name="T10" fmla="*/ 97 w 668"/>
+              <a:gd name="T11" fmla="*/ 437 h 661"/>
+              <a:gd name="T12" fmla="*/ 1 w 668"/>
+              <a:gd name="T13" fmla="*/ 554 h 661"/>
+              <a:gd name="T14" fmla="*/ 334 w 668"/>
+              <a:gd name="T15" fmla="*/ 568 h 661"/>
+              <a:gd name="T16" fmla="*/ 31 w 668"/>
+              <a:gd name="T17" fmla="*/ 541 h 661"/>
+              <a:gd name="T18" fmla="*/ 108 w 668"/>
+              <a:gd name="T19" fmla="*/ 462 h 661"/>
+              <a:gd name="T20" fmla="*/ 215 w 668"/>
+              <a:gd name="T21" fmla="*/ 393 h 661"/>
+              <a:gd name="T22" fmla="*/ 216 w 668"/>
+              <a:gd name="T23" fmla="*/ 389 h 661"/>
+              <a:gd name="T24" fmla="*/ 217 w 668"/>
+              <a:gd name="T25" fmla="*/ 324 h 661"/>
+              <a:gd name="T26" fmla="*/ 206 w 668"/>
+              <a:gd name="T27" fmla="*/ 315 h 661"/>
+              <a:gd name="T28" fmla="*/ 186 w 668"/>
+              <a:gd name="T29" fmla="*/ 265 h 661"/>
+              <a:gd name="T30" fmla="*/ 174 w 668"/>
+              <a:gd name="T31" fmla="*/ 253 h 661"/>
+              <a:gd name="T32" fmla="*/ 163 w 668"/>
+              <a:gd name="T33" fmla="*/ 228 h 661"/>
+              <a:gd name="T34" fmla="*/ 175 w 668"/>
+              <a:gd name="T35" fmla="*/ 208 h 661"/>
+              <a:gd name="T36" fmla="*/ 171 w 668"/>
+              <a:gd name="T37" fmla="*/ 76 h 661"/>
+              <a:gd name="T38" fmla="*/ 316 w 668"/>
+              <a:gd name="T39" fmla="*/ 43 h 661"/>
+              <a:gd name="T40" fmla="*/ 325 w 668"/>
+              <a:gd name="T41" fmla="*/ 50 h 661"/>
+              <a:gd name="T42" fmla="*/ 375 w 668"/>
+              <a:gd name="T43" fmla="*/ 110 h 661"/>
+              <a:gd name="T44" fmla="*/ 359 w 668"/>
+              <a:gd name="T45" fmla="*/ 208 h 661"/>
+              <a:gd name="T46" fmla="*/ 372 w 668"/>
+              <a:gd name="T47" fmla="*/ 228 h 661"/>
+              <a:gd name="T48" fmla="*/ 361 w 668"/>
+              <a:gd name="T49" fmla="*/ 253 h 661"/>
+              <a:gd name="T50" fmla="*/ 349 w 668"/>
+              <a:gd name="T51" fmla="*/ 265 h 661"/>
+              <a:gd name="T52" fmla="*/ 330 w 668"/>
+              <a:gd name="T53" fmla="*/ 316 h 661"/>
+              <a:gd name="T54" fmla="*/ 319 w 668"/>
+              <a:gd name="T55" fmla="*/ 324 h 661"/>
+              <a:gd name="T56" fmla="*/ 320 w 668"/>
+              <a:gd name="T57" fmla="*/ 389 h 661"/>
+              <a:gd name="T58" fmla="*/ 321 w 668"/>
+              <a:gd name="T59" fmla="*/ 393 h 661"/>
+              <a:gd name="T60" fmla="*/ 359 w 668"/>
+              <a:gd name="T61" fmla="*/ 400 h 661"/>
+              <a:gd name="T62" fmla="*/ 346 w 668"/>
+              <a:gd name="T63" fmla="*/ 337 h 661"/>
+              <a:gd name="T64" fmla="*/ 362 w 668"/>
+              <a:gd name="T65" fmla="*/ 314 h 661"/>
+              <a:gd name="T66" fmla="*/ 386 w 668"/>
+              <a:gd name="T67" fmla="*/ 267 h 661"/>
+              <a:gd name="T68" fmla="*/ 390 w 668"/>
+              <a:gd name="T69" fmla="*/ 199 h 661"/>
+              <a:gd name="T70" fmla="*/ 384 w 668"/>
+              <a:gd name="T71" fmla="*/ 54 h 661"/>
+              <a:gd name="T72" fmla="*/ 266 w 668"/>
+              <a:gd name="T73" fmla="*/ 0 h 661"/>
+              <a:gd name="T74" fmla="*/ 508 w 668"/>
+              <a:gd name="T75" fmla="*/ 341 h 661"/>
+              <a:gd name="T76" fmla="*/ 508 w 668"/>
+              <a:gd name="T77" fmla="*/ 661 h 661"/>
+              <a:gd name="T78" fmla="*/ 508 w 668"/>
+              <a:gd name="T79" fmla="*/ 341 h 661"/>
+              <a:gd name="T80" fmla="*/ 641 w 668"/>
+              <a:gd name="T81" fmla="*/ 501 h 661"/>
+              <a:gd name="T82" fmla="*/ 374 w 668"/>
+              <a:gd name="T83" fmla="*/ 501 h 661"/>
+              <a:gd name="T84" fmla="*/ 494 w 668"/>
+              <a:gd name="T85" fmla="*/ 421 h 661"/>
+              <a:gd name="T86" fmla="*/ 428 w 668"/>
+              <a:gd name="T87" fmla="*/ 488 h 661"/>
+              <a:gd name="T88" fmla="*/ 494 w 668"/>
+              <a:gd name="T89" fmla="*/ 514 h 661"/>
+              <a:gd name="T90" fmla="*/ 521 w 668"/>
+              <a:gd name="T91" fmla="*/ 581 h 661"/>
+              <a:gd name="T92" fmla="*/ 588 w 668"/>
+              <a:gd name="T93" fmla="*/ 514 h 661"/>
+              <a:gd name="T94" fmla="*/ 521 w 668"/>
+              <a:gd name="T95" fmla="*/ 488 h 661"/>
+              <a:gd name="T96" fmla="*/ 494 w 668"/>
+              <a:gd name="T97" fmla="*/ 421 h 661"/>
+            </a:gdLst>
+            <a:ahLst/>
+            <a:cxnLst>
+              <a:cxn ang="0">
+                <a:pos x="T0" y="T1"/>
+              </a:cxn>
+              <a:cxn ang="0">
+                <a:pos x="T2" y="T3"/>
+              </a:cxn>
+              <a:cxn ang="0">
+                <a:pos x="T4" y="T5"/>
+              </a:cxn>
+              <a:cxn ang="0">
+                <a:pos x="T6" y="T7"/>
+              </a:cxn>
+              <a:cxn ang="0">
+                <a:pos x="T8" y="T9"/>
+              </a:cxn>
+              <a:cxn ang="0">
+                <a:pos x="T10" y="T11"/>
+              </a:cxn>
+              <a:cxn ang="0">
+                <a:pos x="T12" y="T13"/>
+              </a:cxn>
+              <a:cxn ang="0">
+                <a:pos x="T14" y="T15"/>
+              </a:cxn>
+              <a:cxn ang="0">
+                <a:pos x="T16" y="T17"/>
+              </a:cxn>
+              <a:cxn ang="0">
+                <a:pos x="T18" y="T19"/>
+              </a:cxn>
+              <a:cxn ang="0">
+                <a:pos x="T20" y="T21"/>
+              </a:cxn>
+              <a:cxn ang="0">
+                <a:pos x="T22" y="T23"/>
+              </a:cxn>
+              <a:cxn ang="0">
+                <a:pos x="T24" y="T25"/>
+              </a:cxn>
+              <a:cxn ang="0">
+                <a:pos x="T26" y="T27"/>
+              </a:cxn>
+              <a:cxn ang="0">
+                <a:pos x="T28" y="T29"/>
+              </a:cxn>
+              <a:cxn ang="0">
+                <a:pos x="T30" y="T31"/>
+              </a:cxn>
+              <a:cxn ang="0">
+                <a:pos x="T32" y="T33"/>
+              </a:cxn>
+              <a:cxn ang="0">
+                <a:pos x="T34" y="T35"/>
+              </a:cxn>
+              <a:cxn ang="0">
+                <a:pos x="T36" y="T37"/>
+              </a:cxn>
+              <a:cxn ang="0">
+                <a:pos x="T38" y="T39"/>
+              </a:cxn>
+              <a:cxn ang="0">
+                <a:pos x="T40" y="T41"/>
+              </a:cxn>
+              <a:cxn ang="0">
+                <a:pos x="T42" y="T43"/>
+              </a:cxn>
+              <a:cxn ang="0">
+                <a:pos x="T44" y="T45"/>
+              </a:cxn>
+              <a:cxn ang="0">
+                <a:pos x="T46" y="T47"/>
+              </a:cxn>
+              <a:cxn ang="0">
+                <a:pos x="T48" y="T49"/>
+              </a:cxn>
+              <a:cxn ang="0">
+                <a:pos x="T50" y="T51"/>
+              </a:cxn>
+              <a:cxn ang="0">
+                <a:pos x="T52" y="T53"/>
+              </a:cxn>
+              <a:cxn ang="0">
+                <a:pos x="T54" y="T55"/>
+              </a:cxn>
+              <a:cxn ang="0">
+                <a:pos x="T56" y="T57"/>
+              </a:cxn>
+              <a:cxn ang="0">
+                <a:pos x="T58" y="T59"/>
+              </a:cxn>
+              <a:cxn ang="0">
+                <a:pos x="T60" y="T61"/>
+              </a:cxn>
+              <a:cxn ang="0">
+                <a:pos x="T62" y="T63"/>
+              </a:cxn>
+              <a:cxn ang="0">
+                <a:pos x="T64" y="T65"/>
+              </a:cxn>
+              <a:cxn ang="0">
+                <a:pos x="T66" y="T67"/>
+              </a:cxn>
+              <a:cxn ang="0">
+                <a:pos x="T68" y="T69"/>
+              </a:cxn>
+              <a:cxn ang="0">
+                <a:pos x="T70" y="T71"/>
+              </a:cxn>
+              <a:cxn ang="0">
+                <a:pos x="T72" y="T73"/>
+              </a:cxn>
+              <a:cxn ang="0">
+                <a:pos x="T74" y="T75"/>
+              </a:cxn>
+              <a:cxn ang="0">
+                <a:pos x="T76" y="T77"/>
+              </a:cxn>
+              <a:cxn ang="0">
+                <a:pos x="T78" y="T79"/>
+              </a:cxn>
+              <a:cxn ang="0">
+                <a:pos x="T80" y="T81"/>
+              </a:cxn>
+              <a:cxn ang="0">
+                <a:pos x="T82" y="T83"/>
+              </a:cxn>
+              <a:cxn ang="0">
+                <a:pos x="T84" y="T85"/>
+              </a:cxn>
+              <a:cxn ang="0">
+                <a:pos x="T86" y="T87"/>
+              </a:cxn>
+              <a:cxn ang="0">
+                <a:pos x="T88" y="T89"/>
+              </a:cxn>
+              <a:cxn ang="0">
+                <a:pos x="T90" y="T91"/>
+              </a:cxn>
+              <a:cxn ang="0">
+                <a:pos x="T92" y="T93"/>
+              </a:cxn>
+              <a:cxn ang="0">
+                <a:pos x="T94" y="T95"/>
+              </a:cxn>
+              <a:cxn ang="0">
+                <a:pos x="T96" y="T97"/>
+              </a:cxn>
+            </a:cxnLst>
+            <a:rect l="0" t="0" r="r" b="b"/>
+            <a:pathLst>
+              <a:path w="668" h="661">
+                <a:moveTo>
+                  <a:pt x="266" y="0"/>
+                </a:moveTo>
+                <a:cubicBezTo>
+                  <a:pt x="204" y="1"/>
+                  <a:pt x="164" y="26"/>
+                  <a:pt x="147" y="65"/>
+                </a:cubicBezTo>
+                <a:cubicBezTo>
+                  <a:pt x="131" y="103"/>
+                  <a:pt x="134" y="150"/>
+                  <a:pt x="146" y="198"/>
+                </a:cubicBezTo>
+                <a:cubicBezTo>
+                  <a:pt x="140" y="206"/>
+                  <a:pt x="135" y="216"/>
+                  <a:pt x="136" y="231"/>
+                </a:cubicBezTo>
+                <a:cubicBezTo>
+                  <a:pt x="138" y="244"/>
+                  <a:pt x="144" y="257"/>
+                  <a:pt x="149" y="267"/>
+                </a:cubicBezTo>
+                <a:cubicBezTo>
+                  <a:pt x="153" y="271"/>
+                  <a:pt x="157" y="272"/>
+                  <a:pt x="161" y="274"/>
+                </a:cubicBezTo>
+                <a:cubicBezTo>
+                  <a:pt x="164" y="288"/>
+                  <a:pt x="168" y="302"/>
+                  <a:pt x="174" y="314"/>
+                </a:cubicBezTo>
+                <a:cubicBezTo>
+                  <a:pt x="177" y="320"/>
+                  <a:pt x="181" y="326"/>
+                  <a:pt x="184" y="331"/>
+                </a:cubicBezTo>
+                <a:cubicBezTo>
+                  <a:pt x="186" y="334"/>
+                  <a:pt x="188" y="335"/>
+                  <a:pt x="190" y="337"/>
+                </a:cubicBezTo>
+                <a:cubicBezTo>
+                  <a:pt x="190" y="353"/>
+                  <a:pt x="191" y="367"/>
+                  <a:pt x="189" y="384"/>
+                </a:cubicBezTo>
+                <a:cubicBezTo>
+                  <a:pt x="185" y="395"/>
+                  <a:pt x="175" y="403"/>
+                  <a:pt x="158" y="412"/>
+                </a:cubicBezTo>
+                <a:cubicBezTo>
+                  <a:pt x="141" y="420"/>
+                  <a:pt x="119" y="428"/>
+                  <a:pt x="97" y="437"/>
+                </a:cubicBezTo>
+                <a:cubicBezTo>
+                  <a:pt x="75" y="447"/>
+                  <a:pt x="52" y="458"/>
+                  <a:pt x="34" y="477"/>
+                </a:cubicBezTo>
+                <a:cubicBezTo>
+                  <a:pt x="16" y="495"/>
+                  <a:pt x="3" y="520"/>
+                  <a:pt x="1" y="554"/>
+                </a:cubicBezTo>
+                <a:lnTo>
+                  <a:pt x="0" y="568"/>
+                </a:lnTo>
+                <a:lnTo>
+                  <a:pt x="334" y="568"/>
+                </a:lnTo>
+                <a:lnTo>
+                  <a:pt x="326" y="541"/>
+                </a:lnTo>
+                <a:lnTo>
+                  <a:pt x="31" y="541"/>
+                </a:lnTo>
+                <a:cubicBezTo>
+                  <a:pt x="34" y="522"/>
+                  <a:pt x="42" y="507"/>
+                  <a:pt x="53" y="495"/>
+                </a:cubicBezTo>
+                <a:cubicBezTo>
+                  <a:pt x="67" y="481"/>
+                  <a:pt x="87" y="471"/>
+                  <a:pt x="108" y="462"/>
+                </a:cubicBezTo>
+                <a:cubicBezTo>
+                  <a:pt x="128" y="453"/>
+                  <a:pt x="151" y="445"/>
+                  <a:pt x="170" y="435"/>
+                </a:cubicBezTo>
+                <a:cubicBezTo>
+                  <a:pt x="190" y="426"/>
+                  <a:pt x="207" y="413"/>
+                  <a:pt x="215" y="393"/>
+                </a:cubicBezTo>
+                <a:lnTo>
+                  <a:pt x="216" y="391"/>
+                </a:lnTo>
+                <a:lnTo>
+                  <a:pt x="216" y="389"/>
+                </a:lnTo>
+                <a:cubicBezTo>
+                  <a:pt x="218" y="367"/>
+                  <a:pt x="217" y="351"/>
+                  <a:pt x="217" y="332"/>
+                </a:cubicBezTo>
+                <a:lnTo>
+                  <a:pt x="217" y="324"/>
+                </a:lnTo>
+                <a:lnTo>
+                  <a:pt x="210" y="320"/>
+                </a:lnTo>
+                <a:cubicBezTo>
+                  <a:pt x="211" y="321"/>
+                  <a:pt x="208" y="319"/>
+                  <a:pt x="206" y="315"/>
+                </a:cubicBezTo>
+                <a:cubicBezTo>
+                  <a:pt x="203" y="312"/>
+                  <a:pt x="200" y="307"/>
+                  <a:pt x="198" y="302"/>
+                </a:cubicBezTo>
+                <a:cubicBezTo>
+                  <a:pt x="192" y="291"/>
+                  <a:pt x="187" y="277"/>
+                  <a:pt x="186" y="265"/>
+                </a:cubicBezTo>
+                <a:lnTo>
+                  <a:pt x="185" y="254"/>
+                </a:lnTo>
+                <a:lnTo>
+                  <a:pt x="174" y="253"/>
+                </a:lnTo>
+                <a:cubicBezTo>
+                  <a:pt x="174" y="253"/>
+                  <a:pt x="173" y="254"/>
+                  <a:pt x="170" y="251"/>
+                </a:cubicBezTo>
+                <a:cubicBezTo>
+                  <a:pt x="168" y="247"/>
+                  <a:pt x="164" y="241"/>
+                  <a:pt x="163" y="228"/>
+                </a:cubicBezTo>
+                <a:cubicBezTo>
+                  <a:pt x="161" y="222"/>
+                  <a:pt x="165" y="217"/>
+                  <a:pt x="167" y="213"/>
+                </a:cubicBezTo>
+                <a:lnTo>
+                  <a:pt x="175" y="208"/>
+                </a:lnTo>
+                <a:lnTo>
+                  <a:pt x="173" y="198"/>
+                </a:lnTo>
+                <a:cubicBezTo>
+                  <a:pt x="160" y="150"/>
+                  <a:pt x="158" y="106"/>
+                  <a:pt x="171" y="76"/>
+                </a:cubicBezTo>
+                <a:cubicBezTo>
+                  <a:pt x="184" y="46"/>
+                  <a:pt x="211" y="27"/>
+                  <a:pt x="266" y="26"/>
+                </a:cubicBezTo>
+                <a:cubicBezTo>
+                  <a:pt x="293" y="26"/>
+                  <a:pt x="311" y="34"/>
+                  <a:pt x="316" y="43"/>
+                </a:cubicBezTo>
+                <a:lnTo>
+                  <a:pt x="319" y="49"/>
+                </a:lnTo>
+                <a:lnTo>
+                  <a:pt x="325" y="50"/>
+                </a:lnTo>
+                <a:cubicBezTo>
+                  <a:pt x="344" y="52"/>
+                  <a:pt x="355" y="59"/>
+                  <a:pt x="362" y="70"/>
+                </a:cubicBezTo>
+                <a:cubicBezTo>
+                  <a:pt x="370" y="80"/>
+                  <a:pt x="374" y="94"/>
+                  <a:pt x="375" y="110"/>
+                </a:cubicBezTo>
+                <a:cubicBezTo>
+                  <a:pt x="377" y="142"/>
+                  <a:pt x="368" y="180"/>
+                  <a:pt x="363" y="197"/>
+                </a:cubicBezTo>
+                <a:lnTo>
+                  <a:pt x="359" y="208"/>
+                </a:lnTo>
+                <a:lnTo>
+                  <a:pt x="368" y="213"/>
+                </a:lnTo>
+                <a:cubicBezTo>
+                  <a:pt x="368" y="213"/>
+                  <a:pt x="374" y="217"/>
+                  <a:pt x="372" y="228"/>
+                </a:cubicBezTo>
+                <a:cubicBezTo>
+                  <a:pt x="371" y="241"/>
+                  <a:pt x="367" y="248"/>
+                  <a:pt x="365" y="251"/>
+                </a:cubicBezTo>
+                <a:cubicBezTo>
+                  <a:pt x="362" y="254"/>
+                  <a:pt x="361" y="253"/>
+                  <a:pt x="361" y="253"/>
+                </a:cubicBezTo>
+                <a:lnTo>
+                  <a:pt x="350" y="254"/>
+                </a:lnTo>
+                <a:lnTo>
+                  <a:pt x="349" y="265"/>
+                </a:lnTo>
+                <a:cubicBezTo>
+                  <a:pt x="348" y="277"/>
+                  <a:pt x="343" y="291"/>
+                  <a:pt x="338" y="302"/>
+                </a:cubicBezTo>
+                <a:cubicBezTo>
+                  <a:pt x="335" y="307"/>
+                  <a:pt x="332" y="312"/>
+                  <a:pt x="330" y="316"/>
+                </a:cubicBezTo>
+                <a:cubicBezTo>
+                  <a:pt x="327" y="319"/>
+                  <a:pt x="325" y="321"/>
+                  <a:pt x="326" y="320"/>
+                </a:cubicBezTo>
+                <a:lnTo>
+                  <a:pt x="319" y="324"/>
+                </a:lnTo>
+                <a:lnTo>
+                  <a:pt x="319" y="332"/>
+                </a:lnTo>
+                <a:cubicBezTo>
+                  <a:pt x="319" y="351"/>
+                  <a:pt x="318" y="367"/>
+                  <a:pt x="320" y="389"/>
+                </a:cubicBezTo>
+                <a:lnTo>
+                  <a:pt x="320" y="391"/>
+                </a:lnTo>
+                <a:lnTo>
+                  <a:pt x="321" y="393"/>
+                </a:lnTo>
+                <a:cubicBezTo>
+                  <a:pt x="325" y="404"/>
+                  <a:pt x="333" y="416"/>
+                  <a:pt x="345" y="423"/>
+                </a:cubicBezTo>
+                <a:lnTo>
+                  <a:pt x="359" y="400"/>
+                </a:lnTo>
+                <a:cubicBezTo>
+                  <a:pt x="353" y="397"/>
+                  <a:pt x="349" y="391"/>
+                  <a:pt x="347" y="384"/>
+                </a:cubicBezTo>
+                <a:cubicBezTo>
+                  <a:pt x="345" y="367"/>
+                  <a:pt x="345" y="353"/>
+                  <a:pt x="346" y="337"/>
+                </a:cubicBezTo>
+                <a:cubicBezTo>
+                  <a:pt x="347" y="335"/>
+                  <a:pt x="350" y="334"/>
+                  <a:pt x="351" y="331"/>
+                </a:cubicBezTo>
+                <a:cubicBezTo>
+                  <a:pt x="355" y="326"/>
+                  <a:pt x="358" y="320"/>
+                  <a:pt x="362" y="314"/>
+                </a:cubicBezTo>
+                <a:cubicBezTo>
+                  <a:pt x="367" y="302"/>
+                  <a:pt x="371" y="288"/>
+                  <a:pt x="374" y="274"/>
+                </a:cubicBezTo>
+                <a:cubicBezTo>
+                  <a:pt x="378" y="272"/>
+                  <a:pt x="382" y="271"/>
+                  <a:pt x="386" y="267"/>
+                </a:cubicBezTo>
+                <a:cubicBezTo>
+                  <a:pt x="392" y="259"/>
+                  <a:pt x="397" y="247"/>
+                  <a:pt x="399" y="231"/>
+                </a:cubicBezTo>
+                <a:cubicBezTo>
+                  <a:pt x="400" y="216"/>
+                  <a:pt x="396" y="206"/>
+                  <a:pt x="390" y="199"/>
+                </a:cubicBezTo>
+                <a:cubicBezTo>
+                  <a:pt x="396" y="178"/>
+                  <a:pt x="404" y="143"/>
+                  <a:pt x="402" y="108"/>
+                </a:cubicBezTo>
+                <a:cubicBezTo>
+                  <a:pt x="400" y="89"/>
+                  <a:pt x="395" y="70"/>
+                  <a:pt x="384" y="54"/>
+                </a:cubicBezTo>
+                <a:cubicBezTo>
+                  <a:pt x="373" y="40"/>
+                  <a:pt x="356" y="29"/>
+                  <a:pt x="335" y="25"/>
+                </a:cubicBezTo>
+                <a:cubicBezTo>
+                  <a:pt x="321" y="7"/>
+                  <a:pt x="296" y="0"/>
+                  <a:pt x="266" y="0"/>
+                </a:cubicBezTo>
+                <a:lnTo>
+                  <a:pt x="266" y="0"/>
+                </a:lnTo>
+                <a:close/>
+                <a:moveTo>
+                  <a:pt x="508" y="341"/>
+                </a:moveTo>
+                <a:cubicBezTo>
+                  <a:pt x="419" y="341"/>
+                  <a:pt x="348" y="413"/>
+                  <a:pt x="348" y="501"/>
+                </a:cubicBezTo>
+                <a:cubicBezTo>
+                  <a:pt x="348" y="589"/>
+                  <a:pt x="419" y="661"/>
+                  <a:pt x="508" y="661"/>
+                </a:cubicBezTo>
+                <a:cubicBezTo>
+                  <a:pt x="596" y="661"/>
+                  <a:pt x="668" y="589"/>
+                  <a:pt x="668" y="501"/>
+                </a:cubicBezTo>
+                <a:cubicBezTo>
+                  <a:pt x="668" y="413"/>
+                  <a:pt x="596" y="341"/>
+                  <a:pt x="508" y="341"/>
+                </a:cubicBezTo>
+                <a:close/>
+                <a:moveTo>
+                  <a:pt x="508" y="368"/>
+                </a:moveTo>
+                <a:cubicBezTo>
+                  <a:pt x="581" y="368"/>
+                  <a:pt x="641" y="427"/>
+                  <a:pt x="641" y="501"/>
+                </a:cubicBezTo>
+                <a:cubicBezTo>
+                  <a:pt x="641" y="575"/>
+                  <a:pt x="581" y="634"/>
+                  <a:pt x="508" y="634"/>
+                </a:cubicBezTo>
+                <a:cubicBezTo>
+                  <a:pt x="434" y="634"/>
+                  <a:pt x="374" y="575"/>
+                  <a:pt x="374" y="501"/>
+                </a:cubicBezTo>
+                <a:cubicBezTo>
+                  <a:pt x="374" y="427"/>
+                  <a:pt x="434" y="368"/>
+                  <a:pt x="508" y="368"/>
+                </a:cubicBezTo>
+                <a:close/>
+                <a:moveTo>
+                  <a:pt x="494" y="421"/>
+                </a:moveTo>
+                <a:lnTo>
+                  <a:pt x="494" y="488"/>
+                </a:lnTo>
+                <a:lnTo>
+                  <a:pt x="428" y="488"/>
+                </a:lnTo>
+                <a:lnTo>
+                  <a:pt x="428" y="514"/>
+                </a:lnTo>
+                <a:lnTo>
+                  <a:pt x="494" y="514"/>
+                </a:lnTo>
+                <a:lnTo>
+                  <a:pt x="494" y="581"/>
+                </a:lnTo>
+                <a:lnTo>
+                  <a:pt x="521" y="581"/>
+                </a:lnTo>
+                <a:lnTo>
+                  <a:pt x="521" y="514"/>
+                </a:lnTo>
+                <a:lnTo>
+                  <a:pt x="588" y="514"/>
+                </a:lnTo>
+                <a:lnTo>
+                  <a:pt x="588" y="488"/>
+                </a:lnTo>
+                <a:lnTo>
+                  <a:pt x="521" y="488"/>
+                </a:lnTo>
+                <a:lnTo>
+                  <a:pt x="521" y="421"/>
+                </a:lnTo>
+                <a:lnTo>
+                  <a:pt x="494" y="421"/>
+                </a:lnTo>
+                <a:close/>
+              </a:path>
+            </a:pathLst>
+          </a:custGeom>
+          <a:solidFill>
+            <a:srgbClr val="5F5F5F"/>
+          </a:solidFill>
+          <a:ln w="9525">
+            <a:solidFill>
+              <a:schemeClr val="bg1"/>
+            </a:solidFill>
+            <a:round/>
+            <a:headEnd/>
+            <a:tailEnd/>
+          </a:ln>
+        </p:spPr>
+        <p:txBody>
+          <a:bodyPr vert="horz" wrap="square" lIns="91440" tIns="45720" rIns="91440" bIns="45720" numCol="1" anchor="t" anchorCtr="0" compatLnSpc="1">
+            <a:prstTxWarp prst="textNoShape">
+              <a:avLst/>
+            </a:prstTxWarp>
+          </a:bodyPr>
+          <a:lstStyle>
+            <a:defPPr>
+              <a:defRPr lang="en-US"/>
+            </a:defPPr>
+            <a:lvl1pPr marL="0" algn="l" defTabSz="914400" rtl="0" eaLnBrk="1" latinLnBrk="0" hangingPunct="1">
+              <a:defRPr sz="1800" kern="1200">
+                <a:solidFill>
+                  <a:schemeClr val="tx1"/>
+                </a:solidFill>
+                <a:latin typeface="+mn-lt"/>
+                <a:ea typeface="+mn-ea"/>
+                <a:cs typeface="+mn-cs"/>
+              </a:defRPr>
+            </a:lvl1pPr>
+            <a:lvl2pPr marL="457200" algn="l" defTabSz="914400" rtl="0" eaLnBrk="1" latinLnBrk="0" hangingPunct="1">
+              <a:defRPr sz="1800" kern="1200">
+                <a:solidFill>
+                  <a:schemeClr val="tx1"/>
+                </a:solidFill>
+                <a:latin typeface="+mn-lt"/>
+                <a:ea typeface="+mn-ea"/>
+                <a:cs typeface="+mn-cs"/>
+              </a:defRPr>
+            </a:lvl2pPr>
+            <a:lvl3pPr marL="914400" algn="l" defTabSz="914400" rtl="0" eaLnBrk="1" latinLnBrk="0" hangingPunct="1">
+              <a:defRPr sz="1800" kern="1200">
+                <a:solidFill>
+                  <a:schemeClr val="tx1"/>
+                </a:solidFill>
+                <a:latin typeface="+mn-lt"/>
+                <a:ea typeface="+mn-ea"/>
+                <a:cs typeface="+mn-cs"/>
+              </a:defRPr>
+            </a:lvl3pPr>
+            <a:lvl4pPr marL="1371600" algn="l" defTabSz="914400" rtl="0" eaLnBrk="1" latinLnBrk="0" hangingPunct="1">
+              <a:defRPr sz="1800" kern="1200">
+                <a:solidFill>
+                  <a:schemeClr val="tx1"/>
+                </a:solidFill>
+                <a:latin typeface="+mn-lt"/>
+                <a:ea typeface="+mn-ea"/>
+                <a:cs typeface="+mn-cs"/>
+              </a:defRPr>
+            </a:lvl4pPr>
+            <a:lvl5pPr marL="1828800" algn="l" defTabSz="914400" rtl="0" eaLnBrk="1" latinLnBrk="0" hangingPunct="1">
+              <a:defRPr sz="1800" kern="1200">
+                <a:solidFill>
+                  <a:schemeClr val="tx1"/>
+                </a:solidFill>
+                <a:latin typeface="+mn-lt"/>
+                <a:ea typeface="+mn-ea"/>
+                <a:cs typeface="+mn-cs"/>
+              </a:defRPr>
+            </a:lvl5pPr>
+            <a:lvl6pPr marL="2286000" algn="l" defTabSz="914400" rtl="0" eaLnBrk="1" latinLnBrk="0" hangingPunct="1">
+              <a:defRPr sz="1800" kern="1200">
+                <a:solidFill>
+                  <a:schemeClr val="tx1"/>
+                </a:solidFill>
+                <a:latin typeface="+mn-lt"/>
+                <a:ea typeface="+mn-ea"/>
+                <a:cs typeface="+mn-cs"/>
+              </a:defRPr>
+            </a:lvl6pPr>
+            <a:lvl7pPr marL="2743200" algn="l" defTabSz="914400" rtl="0" eaLnBrk="1" latinLnBrk="0" hangingPunct="1">
+              <a:defRPr sz="1800" kern="1200">
+                <a:solidFill>
+                  <a:schemeClr val="tx1"/>
+                </a:solidFill>
+                <a:latin typeface="+mn-lt"/>
+                <a:ea typeface="+mn-ea"/>
+                <a:cs typeface="+mn-cs"/>
+              </a:defRPr>
+            </a:lvl7pPr>
+            <a:lvl8pPr marL="3200400" algn="l" defTabSz="914400" rtl="0" eaLnBrk="1" latinLnBrk="0" hangingPunct="1">
+              <a:defRPr sz="1800" kern="1200">
+                <a:solidFill>
+                  <a:schemeClr val="tx1"/>
+                </a:solidFill>
+                <a:latin typeface="+mn-lt"/>
+                <a:ea typeface="+mn-ea"/>
+                <a:cs typeface="+mn-cs"/>
+              </a:defRPr>
+            </a:lvl8pPr>
+            <a:lvl9pPr marL="3657600" algn="l" defTabSz="914400" rtl="0" eaLnBrk="1" latinLnBrk="0" hangingPunct="1">
+              <a:defRPr sz="1800" kern="1200">
+                <a:solidFill>
+                  <a:schemeClr val="tx1"/>
+                </a:solidFill>
+                <a:latin typeface="+mn-lt"/>
+                <a:ea typeface="+mn-ea"/>
+                <a:cs typeface="+mn-cs"/>
+              </a:defRPr>
+            </a:lvl9pPr>
+          </a:lstStyle>
+          <a:p>
+            <a:endParaRPr lang="en-US" sz="900">
+              <a:solidFill>
+                <a:schemeClr val="bg1"/>
+              </a:solidFill>
+              <a:latin typeface="Segoe UI" panose="020B0502040204020203" pitchFamily="34" charset="0"/>
+              <a:cs typeface="Segoe UI" panose="020B0502040204020203" pitchFamily="34" charset="0"/>
+            </a:endParaRPr>
+          </a:p>
+        </p:txBody>
+      </p:sp>
+      <p:sp>
+        <p:nvSpPr>
+          <p:cNvPr id="79" name="Rectangle 78"/>
+          <p:cNvSpPr/>
+          <p:nvPr/>
+        </p:nvSpPr>
+        <p:spPr>
+          <a:xfrm>
+            <a:off x="2273201" y="2051981"/>
+            <a:ext cx="2507128" cy="2769054"/>
+          </a:xfrm>
+          <a:prstGeom prst="rect">
+            <a:avLst/>
+          </a:prstGeom>
+          <a:solidFill>
+            <a:schemeClr val="bg1"/>
+          </a:solidFill>
+          <a:ln>
+            <a:solidFill>
+              <a:schemeClr val="accent5">
+                <a:lumMod val="40000"/>
+                <a:lumOff val="60000"/>
+              </a:schemeClr>
+            </a:solidFill>
+          </a:ln>
+        </p:spPr>
+        <p:style>
+          <a:lnRef idx="2">
+            <a:schemeClr val="accent1">
+              <a:shade val="50000"/>
+            </a:schemeClr>
+          </a:lnRef>
+          <a:fillRef idx="1">
+            <a:schemeClr val="accent1"/>
+          </a:fillRef>
+          <a:effectRef idx="0">
+            <a:schemeClr val="accent1"/>
+          </a:effectRef>
+          <a:fontRef idx="minor">
+            <a:schemeClr val="lt1"/>
+          </a:fontRef>
+        </p:style>
+        <p:txBody>
+          <a:bodyPr rtlCol="0" anchor="ctr"/>
+          <a:lstStyle/>
+          <a:p>
+            <a:pPr algn="ctr"/>
+            <a:endParaRPr lang="fr-FR"/>
+          </a:p>
+        </p:txBody>
+      </p:sp>
+      <p:pic>
+        <p:nvPicPr>
+          <p:cNvPr id="80" name="Image 79"/>
+          <p:cNvPicPr>
+            <a:picLocks noChangeAspect="1"/>
+          </p:cNvPicPr>
+          <p:nvPr/>
+        </p:nvPicPr>
+        <p:blipFill>
+          <a:blip r:embed="rId12">
+            <a:extLst>
+              <a:ext uri="{28A0092B-C50C-407E-A947-70E740481C1C}">
+                <a14:useLocalDpi xmlns:a14="http://schemas.microsoft.com/office/drawing/2010/main" val="0"/>
+              </a:ext>
+            </a:extLst>
+          </a:blip>
+          <a:stretch>
+            <a:fillRect/>
+          </a:stretch>
+        </p:blipFill>
+        <p:spPr>
+          <a:xfrm>
+            <a:off x="2608768" y="2083302"/>
+            <a:ext cx="1835993" cy="1835993"/>
+          </a:xfrm>
+          <a:prstGeom prst="rect">
+            <a:avLst/>
+          </a:prstGeom>
+        </p:spPr>
+      </p:pic>
+      <p:sp>
+        <p:nvSpPr>
+          <p:cNvPr id="3" name="ZoneTexte 2"/>
+          <p:cNvSpPr txBox="1"/>
+          <p:nvPr/>
+        </p:nvSpPr>
+        <p:spPr>
+          <a:xfrm>
+            <a:off x="2792386" y="3950616"/>
+            <a:ext cx="2245853" cy="307777"/>
+          </a:xfrm>
+          <a:prstGeom prst="rect">
+            <a:avLst/>
+          </a:prstGeom>
+          <a:noFill/>
+        </p:spPr>
+        <p:txBody>
+          <a:bodyPr wrap="square" rtlCol="0">
+            <a:spAutoFit/>
+          </a:bodyPr>
+          <a:lstStyle/>
+          <a:p>
+            <a:r>
+              <a:rPr lang="fr-FR" sz="1400" dirty="0" smtClean="0"/>
+              <a:t>Porte clés Chopper</a:t>
+            </a:r>
+            <a:endParaRPr lang="fr-FR" sz="1400" dirty="0"/>
+          </a:p>
+        </p:txBody>
+      </p:sp>
+      <p:sp>
+        <p:nvSpPr>
+          <p:cNvPr id="18" name="ZoneTexte 17"/>
+          <p:cNvSpPr txBox="1"/>
+          <p:nvPr/>
+        </p:nvSpPr>
+        <p:spPr>
+          <a:xfrm>
+            <a:off x="2376252" y="4401870"/>
+            <a:ext cx="1283507" cy="369332"/>
+          </a:xfrm>
+          <a:prstGeom prst="rect">
+            <a:avLst/>
+          </a:prstGeom>
+          <a:noFill/>
+        </p:spPr>
+        <p:txBody>
+          <a:bodyPr wrap="square" rtlCol="0">
+            <a:spAutoFit/>
+          </a:bodyPr>
+          <a:lstStyle/>
+          <a:p>
+            <a:r>
+              <a:rPr lang="fr-FR" dirty="0" smtClean="0"/>
+              <a:t>4,90€</a:t>
+            </a:r>
+            <a:endParaRPr lang="fr-FR" dirty="0"/>
+          </a:p>
+        </p:txBody>
+      </p:sp>
+      <p:sp>
+        <p:nvSpPr>
+          <p:cNvPr id="83" name="Rectangle 82"/>
+          <p:cNvSpPr/>
+          <p:nvPr/>
+        </p:nvSpPr>
+        <p:spPr>
+          <a:xfrm>
+            <a:off x="5631668" y="2028347"/>
+            <a:ext cx="2507128" cy="2769054"/>
+          </a:xfrm>
+          <a:prstGeom prst="rect">
+            <a:avLst/>
+          </a:prstGeom>
+          <a:solidFill>
+            <a:schemeClr val="bg1"/>
+          </a:solidFill>
+          <a:ln>
+            <a:solidFill>
+              <a:schemeClr val="accent5">
+                <a:lumMod val="40000"/>
+                <a:lumOff val="60000"/>
+              </a:schemeClr>
+            </a:solidFill>
+          </a:ln>
+        </p:spPr>
+        <p:style>
+          <a:lnRef idx="2">
+            <a:schemeClr val="accent1">
+              <a:shade val="50000"/>
+            </a:schemeClr>
+          </a:lnRef>
+          <a:fillRef idx="1">
+            <a:schemeClr val="accent1"/>
+          </a:fillRef>
+          <a:effectRef idx="0">
+            <a:schemeClr val="accent1"/>
+          </a:effectRef>
+          <a:fontRef idx="minor">
+            <a:schemeClr val="lt1"/>
+          </a:fontRef>
+        </p:style>
+        <p:txBody>
+          <a:bodyPr rtlCol="0" anchor="ctr"/>
+          <a:lstStyle/>
+          <a:p>
+            <a:pPr algn="ctr"/>
+            <a:endParaRPr lang="fr-FR"/>
+          </a:p>
+        </p:txBody>
+      </p:sp>
+      <p:pic>
+        <p:nvPicPr>
+          <p:cNvPr id="84" name="Image 83"/>
+          <p:cNvPicPr>
+            <a:picLocks noChangeAspect="1"/>
+          </p:cNvPicPr>
+          <p:nvPr/>
+        </p:nvPicPr>
+        <p:blipFill>
+          <a:blip r:embed="rId12">
+            <a:extLst>
+              <a:ext uri="{28A0092B-C50C-407E-A947-70E740481C1C}">
+                <a14:useLocalDpi xmlns:a14="http://schemas.microsoft.com/office/drawing/2010/main" val="0"/>
+              </a:ext>
+            </a:extLst>
+          </a:blip>
+          <a:stretch>
+            <a:fillRect/>
+          </a:stretch>
+        </p:blipFill>
+        <p:spPr>
+          <a:xfrm>
+            <a:off x="5967235" y="2059668"/>
+            <a:ext cx="1835993" cy="1835993"/>
+          </a:xfrm>
+          <a:prstGeom prst="rect">
+            <a:avLst/>
+          </a:prstGeom>
+        </p:spPr>
+      </p:pic>
+      <p:sp>
+        <p:nvSpPr>
+          <p:cNvPr id="85" name="ZoneTexte 84"/>
+          <p:cNvSpPr txBox="1"/>
+          <p:nvPr/>
+        </p:nvSpPr>
+        <p:spPr>
+          <a:xfrm>
+            <a:off x="6150853" y="3926982"/>
+            <a:ext cx="2245853" cy="307777"/>
+          </a:xfrm>
+          <a:prstGeom prst="rect">
+            <a:avLst/>
+          </a:prstGeom>
+          <a:noFill/>
+        </p:spPr>
+        <p:txBody>
+          <a:bodyPr wrap="square" rtlCol="0">
+            <a:spAutoFit/>
+          </a:bodyPr>
+          <a:lstStyle/>
+          <a:p>
+            <a:r>
+              <a:rPr lang="fr-FR" sz="1400" dirty="0" smtClean="0"/>
+              <a:t>Porte clés Chopper</a:t>
+            </a:r>
+            <a:endParaRPr lang="fr-FR" sz="1400" dirty="0"/>
+          </a:p>
+        </p:txBody>
+      </p:sp>
+      <p:sp>
+        <p:nvSpPr>
+          <p:cNvPr id="87" name="ZoneTexte 86"/>
+          <p:cNvSpPr txBox="1"/>
+          <p:nvPr/>
+        </p:nvSpPr>
+        <p:spPr>
+          <a:xfrm>
+            <a:off x="5734719" y="4378236"/>
+            <a:ext cx="1283507" cy="369332"/>
+          </a:xfrm>
+          <a:prstGeom prst="rect">
+            <a:avLst/>
+          </a:prstGeom>
+          <a:noFill/>
+        </p:spPr>
+        <p:txBody>
+          <a:bodyPr wrap="square" rtlCol="0">
+            <a:spAutoFit/>
+          </a:bodyPr>
+          <a:lstStyle/>
+          <a:p>
+            <a:r>
+              <a:rPr lang="fr-FR" dirty="0" smtClean="0"/>
+              <a:t>4,90€</a:t>
+            </a:r>
+            <a:endParaRPr lang="fr-FR" dirty="0"/>
+          </a:p>
+        </p:txBody>
+      </p:sp>
+      <p:sp>
+        <p:nvSpPr>
+          <p:cNvPr id="88" name="Rectangle 87"/>
+          <p:cNvSpPr/>
+          <p:nvPr/>
+        </p:nvSpPr>
+        <p:spPr>
+          <a:xfrm>
+            <a:off x="8990135" y="2004713"/>
+            <a:ext cx="2507128" cy="2769054"/>
+          </a:xfrm>
+          <a:prstGeom prst="rect">
+            <a:avLst/>
+          </a:prstGeom>
+          <a:solidFill>
+            <a:schemeClr val="bg1"/>
+          </a:solidFill>
+          <a:ln>
+            <a:solidFill>
+              <a:schemeClr val="accent5">
+                <a:lumMod val="40000"/>
+                <a:lumOff val="60000"/>
+              </a:schemeClr>
+            </a:solidFill>
+          </a:ln>
+        </p:spPr>
+        <p:style>
+          <a:lnRef idx="2">
+            <a:schemeClr val="accent1">
+              <a:shade val="50000"/>
+            </a:schemeClr>
+          </a:lnRef>
+          <a:fillRef idx="1">
+            <a:schemeClr val="accent1"/>
+          </a:fillRef>
+          <a:effectRef idx="0">
+            <a:schemeClr val="accent1"/>
+          </a:effectRef>
+          <a:fontRef idx="minor">
+            <a:schemeClr val="lt1"/>
+          </a:fontRef>
+        </p:style>
+        <p:txBody>
+          <a:bodyPr rtlCol="0" anchor="ctr"/>
+          <a:lstStyle/>
+          <a:p>
+            <a:pPr algn="ctr"/>
+            <a:endParaRPr lang="fr-FR"/>
+          </a:p>
+        </p:txBody>
+      </p:sp>
+      <p:pic>
+        <p:nvPicPr>
+          <p:cNvPr id="89" name="Image 88"/>
+          <p:cNvPicPr>
+            <a:picLocks noChangeAspect="1"/>
+          </p:cNvPicPr>
+          <p:nvPr/>
+        </p:nvPicPr>
+        <p:blipFill>
+          <a:blip r:embed="rId12">
+            <a:extLst>
+              <a:ext uri="{28A0092B-C50C-407E-A947-70E740481C1C}">
+                <a14:useLocalDpi xmlns:a14="http://schemas.microsoft.com/office/drawing/2010/main" val="0"/>
+              </a:ext>
+            </a:extLst>
+          </a:blip>
+          <a:stretch>
+            <a:fillRect/>
+          </a:stretch>
+        </p:blipFill>
+        <p:spPr>
+          <a:xfrm>
+            <a:off x="9325702" y="2036034"/>
+            <a:ext cx="1835993" cy="1835993"/>
+          </a:xfrm>
+          <a:prstGeom prst="rect">
+            <a:avLst/>
+          </a:prstGeom>
+        </p:spPr>
+      </p:pic>
+      <p:sp>
+        <p:nvSpPr>
+          <p:cNvPr id="90" name="ZoneTexte 89"/>
+          <p:cNvSpPr txBox="1"/>
+          <p:nvPr/>
+        </p:nvSpPr>
+        <p:spPr>
+          <a:xfrm>
+            <a:off x="9509320" y="3903348"/>
+            <a:ext cx="2245853" cy="307777"/>
+          </a:xfrm>
+          <a:prstGeom prst="rect">
+            <a:avLst/>
+          </a:prstGeom>
+          <a:noFill/>
+        </p:spPr>
+        <p:txBody>
+          <a:bodyPr wrap="square" rtlCol="0">
+            <a:spAutoFit/>
+          </a:bodyPr>
+          <a:lstStyle/>
+          <a:p>
+            <a:r>
+              <a:rPr lang="fr-FR" sz="1400" dirty="0" smtClean="0"/>
+              <a:t>Porte clés Chopper</a:t>
+            </a:r>
+            <a:endParaRPr lang="fr-FR" sz="1400" dirty="0"/>
+          </a:p>
+        </p:txBody>
+      </p:sp>
+      <p:sp>
+        <p:nvSpPr>
+          <p:cNvPr id="94" name="ZoneTexte 93"/>
+          <p:cNvSpPr txBox="1"/>
+          <p:nvPr/>
+        </p:nvSpPr>
+        <p:spPr>
+          <a:xfrm>
+            <a:off x="9093186" y="4354602"/>
+            <a:ext cx="1283507" cy="369332"/>
+          </a:xfrm>
+          <a:prstGeom prst="rect">
+            <a:avLst/>
+          </a:prstGeom>
+          <a:noFill/>
+        </p:spPr>
+        <p:txBody>
+          <a:bodyPr wrap="square" rtlCol="0">
+            <a:spAutoFit/>
+          </a:bodyPr>
+          <a:lstStyle/>
+          <a:p>
+            <a:r>
+              <a:rPr lang="fr-FR" dirty="0" smtClean="0"/>
+              <a:t>4,90€</a:t>
+            </a:r>
+            <a:endParaRPr lang="fr-FR" dirty="0"/>
+          </a:p>
+        </p:txBody>
+      </p:sp>
+      <p:sp>
+        <p:nvSpPr>
+          <p:cNvPr id="95" name="Rectangle 94"/>
+          <p:cNvSpPr/>
+          <p:nvPr/>
+        </p:nvSpPr>
+        <p:spPr>
+          <a:xfrm>
+            <a:off x="1696684" y="5513608"/>
+            <a:ext cx="10530041" cy="1359409"/>
+          </a:xfrm>
+          <a:prstGeom prst="rect">
+            <a:avLst/>
+          </a:prstGeom>
+          <a:solidFill>
+            <a:schemeClr val="tx2">
+              <a:lumMod val="75000"/>
+            </a:schemeClr>
+          </a:solidFill>
+        </p:spPr>
+        <p:style>
+          <a:lnRef idx="2">
+            <a:schemeClr val="accent1">
+              <a:shade val="50000"/>
+            </a:schemeClr>
+          </a:lnRef>
+          <a:fillRef idx="1">
+            <a:schemeClr val="accent1"/>
+          </a:fillRef>
+          <a:effectRef idx="0">
+            <a:schemeClr val="accent1"/>
+          </a:effectRef>
+          <a:fontRef idx="minor">
+            <a:schemeClr val="lt1"/>
+          </a:fontRef>
+        </p:style>
+        <p:txBody>
+          <a:bodyPr rtlCol="0" anchor="ctr"/>
+          <a:lstStyle/>
+          <a:p>
+            <a:pPr algn="ctr"/>
+            <a:endParaRPr lang="fr-FR"/>
+          </a:p>
+        </p:txBody>
+      </p:sp>
+      <p:sp>
+        <p:nvSpPr>
+          <p:cNvPr id="19" name="ZoneTexte 18"/>
+          <p:cNvSpPr txBox="1"/>
+          <p:nvPr/>
+        </p:nvSpPr>
+        <p:spPr>
+          <a:xfrm>
+            <a:off x="2375741" y="5657085"/>
+            <a:ext cx="1324742" cy="369332"/>
+          </a:xfrm>
+          <a:prstGeom prst="rect">
+            <a:avLst/>
+          </a:prstGeom>
+          <a:noFill/>
+        </p:spPr>
+        <p:txBody>
+          <a:bodyPr wrap="square" rtlCol="0">
+            <a:spAutoFit/>
+          </a:bodyPr>
+          <a:lstStyle/>
+          <a:p>
+            <a:r>
+              <a:rPr lang="fr-FR" b="1" dirty="0" smtClean="0">
+                <a:solidFill>
+                  <a:schemeClr val="bg1"/>
+                </a:solidFill>
+              </a:rPr>
+              <a:t>NOS INFOS</a:t>
+            </a:r>
+            <a:endParaRPr lang="fr-FR" b="1" dirty="0">
+              <a:solidFill>
+                <a:schemeClr val="bg1"/>
+              </a:solidFill>
+            </a:endParaRPr>
+          </a:p>
+        </p:txBody>
+      </p:sp>
+      <p:pic>
+        <p:nvPicPr>
+          <p:cNvPr id="20" name="Image 19"/>
+          <p:cNvPicPr>
+            <a:picLocks noChangeAspect="1"/>
+          </p:cNvPicPr>
+          <p:nvPr/>
+        </p:nvPicPr>
+        <p:blipFill>
+          <a:blip r:embed="rId13" cstate="print">
+            <a:extLst>
+              <a:ext uri="{28A0092B-C50C-407E-A947-70E740481C1C}">
+                <a14:useLocalDpi xmlns:a14="http://schemas.microsoft.com/office/drawing/2010/main" val="0"/>
+              </a:ext>
+            </a:extLst>
+          </a:blip>
+          <a:stretch>
+            <a:fillRect/>
+          </a:stretch>
+        </p:blipFill>
+        <p:spPr>
+          <a:xfrm>
+            <a:off x="10830600" y="611813"/>
+            <a:ext cx="296598" cy="296598"/>
+          </a:xfrm>
+          <a:prstGeom prst="rect">
+            <a:avLst/>
+          </a:prstGeom>
+        </p:spPr>
+      </p:pic>
+    </p:spTree>
+    <p:extLst>
+      <p:ext uri="{BB962C8B-B14F-4D97-AF65-F5344CB8AC3E}">
+        <p14:creationId xmlns:p14="http://schemas.microsoft.com/office/powerpoint/2010/main" val="4021091829"/>
       </p:ext>
     </p:extLst>
   </p:cSld>
@@ -11168,9 +15528,69 @@
 </p:tagLst>
 </file>
 
+<file path=ppt/tags/tag21.xml><?xml version="1.0" encoding="utf-8"?>
+<p:tagLst xmlns:a="http://schemas.openxmlformats.org/drawingml/2006/main" xmlns:r="http://schemas.openxmlformats.org/officeDocument/2006/relationships" xmlns:p="http://schemas.openxmlformats.org/presentationml/2006/main">
+  <p:tag name="SMARTSETTINGSHASH" val="PWOa7bLCMN/NfWse0OkDrDXWtXjrMvC+/KEnGxnzoq0="/>
+</p:tagLst>
+</file>
+
+<file path=ppt/tags/tag22.xml><?xml version="1.0" encoding="utf-8"?>
+<p:tagLst xmlns:a="http://schemas.openxmlformats.org/drawingml/2006/main" xmlns:r="http://schemas.openxmlformats.org/officeDocument/2006/relationships" xmlns:p="http://schemas.openxmlformats.org/presentationml/2006/main">
+  <p:tag name="SMARTSETTINGSHASH" val="xZU/W0IqlvXPkJ37/hSWg5jSIFh0KZmI7sT1syyiYH8="/>
+</p:tagLst>
+</file>
+
+<file path=ppt/tags/tag23.xml><?xml version="1.0" encoding="utf-8"?>
+<p:tagLst xmlns:a="http://schemas.openxmlformats.org/drawingml/2006/main" xmlns:r="http://schemas.openxmlformats.org/officeDocument/2006/relationships" xmlns:p="http://schemas.openxmlformats.org/presentationml/2006/main">
+  <p:tag name="SMARTSETTINGSHASH" val="SB3bqgv5ghGJknk/m+/9EdPMDkanH9eNosaoBtCx42Q="/>
+</p:tagLst>
+</file>
+
+<file path=ppt/tags/tag24.xml><?xml version="1.0" encoding="utf-8"?>
+<p:tagLst xmlns:a="http://schemas.openxmlformats.org/drawingml/2006/main" xmlns:r="http://schemas.openxmlformats.org/officeDocument/2006/relationships" xmlns:p="http://schemas.openxmlformats.org/presentationml/2006/main">
+  <p:tag name="SMARTSETTINGSHASH" val="xscEFkRiZvbxLfN1YzQGPp4nKBgtuPrjp3QiTCcMWwM="/>
+</p:tagLst>
+</file>
+
+<file path=ppt/tags/tag25.xml><?xml version="1.0" encoding="utf-8"?>
+<p:tagLst xmlns:a="http://schemas.openxmlformats.org/drawingml/2006/main" xmlns:r="http://schemas.openxmlformats.org/officeDocument/2006/relationships" xmlns:p="http://schemas.openxmlformats.org/presentationml/2006/main">
+  <p:tag name="SMARTSETTINGSHASH" val="xscEFkRiZvbxLfN1YzQGPp4nKBgtuPrjp3QiTCcMWwM="/>
+</p:tagLst>
+</file>
+
+<file path=ppt/tags/tag26.xml><?xml version="1.0" encoding="utf-8"?>
+<p:tagLst xmlns:a="http://schemas.openxmlformats.org/drawingml/2006/main" xmlns:r="http://schemas.openxmlformats.org/officeDocument/2006/relationships" xmlns:p="http://schemas.openxmlformats.org/presentationml/2006/main">
+  <p:tag name="SMARTSETTINGSHASH" val="SB3bqgv5ghGJknk/m+/9EdPMDkanH9eNosaoBtCx42Q="/>
+</p:tagLst>
+</file>
+
+<file path=ppt/tags/tag27.xml><?xml version="1.0" encoding="utf-8"?>
+<p:tagLst xmlns:a="http://schemas.openxmlformats.org/drawingml/2006/main" xmlns:r="http://schemas.openxmlformats.org/officeDocument/2006/relationships" xmlns:p="http://schemas.openxmlformats.org/presentationml/2006/main">
+  <p:tag name="SMARTSETTINGSHASH" val="IDSg7uxH1Z/iSOkBSMZyie/SGkHlLE2okQSpqFhp1Ac="/>
+</p:tagLst>
+</file>
+
+<file path=ppt/tags/tag28.xml><?xml version="1.0" encoding="utf-8"?>
+<p:tagLst xmlns:a="http://schemas.openxmlformats.org/drawingml/2006/main" xmlns:r="http://schemas.openxmlformats.org/officeDocument/2006/relationships" xmlns:p="http://schemas.openxmlformats.org/presentationml/2006/main">
+  <p:tag name="SMARTSETTINGSHASH" val="IDSg7uxH1Z/iSOkBSMZyie/SGkHlLE2okQSpqFhp1Ac="/>
+</p:tagLst>
+</file>
+
+<file path=ppt/tags/tag29.xml><?xml version="1.0" encoding="utf-8"?>
+<p:tagLst xmlns:a="http://schemas.openxmlformats.org/drawingml/2006/main" xmlns:r="http://schemas.openxmlformats.org/officeDocument/2006/relationships" xmlns:p="http://schemas.openxmlformats.org/presentationml/2006/main">
+  <p:tag name="SMARTSETTINGSHASH" val="IDSg7uxH1Z/iSOkBSMZyie/SGkHlLE2okQSpqFhp1Ac="/>
+</p:tagLst>
+</file>
+
 <file path=ppt/tags/tag3.xml><?xml version="1.0" encoding="utf-8"?>
 <p:tagLst xmlns:a="http://schemas.openxmlformats.org/drawingml/2006/main" xmlns:r="http://schemas.openxmlformats.org/officeDocument/2006/relationships" xmlns:p="http://schemas.openxmlformats.org/presentationml/2006/main">
   <p:tag name="SMARTSETTINGSHASH" val="SB3bqgv5ghGJknk/m+/9EdPMDkanH9eNosaoBtCx42Q="/>
+</p:tagLst>
+</file>
+
+<file path=ppt/tags/tag30.xml><?xml version="1.0" encoding="utf-8"?>
+<p:tagLst xmlns:a="http://schemas.openxmlformats.org/drawingml/2006/main" xmlns:r="http://schemas.openxmlformats.org/officeDocument/2006/relationships" xmlns:p="http://schemas.openxmlformats.org/presentationml/2006/main">
+  <p:tag name="SMARTSETTINGSHASH" val="IDSg7uxH1Z/iSOkBSMZyie/SGkHlLE2okQSpqFhp1Ac="/>
 </p:tagLst>
 </file>
 

--- a/ProjetStage/MaquetteProjetStage.pptx
+++ b/ProjetStage/MaquetteProjetStage.pptx
@@ -15370,8 +15370,8 @@
         </p:nvSpPr>
         <p:spPr>
           <a:xfrm>
-            <a:off x="2375741" y="5657085"/>
-            <a:ext cx="1324742" cy="369332"/>
+            <a:off x="1949838" y="5494724"/>
+            <a:ext cx="1281859" cy="369332"/>
           </a:xfrm>
           <a:prstGeom prst="rect">
             <a:avLst/>
@@ -15424,6 +15424,490 @@
           <a:xfrm>
             <a:off x="10830600" y="611813"/>
             <a:ext cx="296598" cy="296598"/>
+          </a:xfrm>
+          <a:prstGeom prst="rect">
+            <a:avLst/>
+          </a:prstGeom>
+        </p:spPr>
+      </p:pic>
+      <p:sp>
+        <p:nvSpPr>
+          <p:cNvPr id="21" name="ZoneTexte 20"/>
+          <p:cNvSpPr txBox="1"/>
+          <p:nvPr/>
+        </p:nvSpPr>
+        <p:spPr>
+          <a:xfrm>
+            <a:off x="2455117" y="6041982"/>
+            <a:ext cx="1329806" cy="276999"/>
+          </a:xfrm>
+          <a:prstGeom prst="rect">
+            <a:avLst/>
+          </a:prstGeom>
+          <a:noFill/>
+        </p:spPr>
+        <p:txBody>
+          <a:bodyPr wrap="square" rtlCol="0">
+            <a:spAutoFit/>
+          </a:bodyPr>
+          <a:lstStyle/>
+          <a:p>
+            <a:r>
+              <a:rPr lang="fr-FR" sz="1200" dirty="0" smtClean="0">
+                <a:solidFill>
+                  <a:schemeClr val="bg1">
+                    <a:lumMod val="85000"/>
+                  </a:schemeClr>
+                </a:solidFill>
+              </a:rPr>
+              <a:t>Infos livraison</a:t>
+            </a:r>
+            <a:endParaRPr lang="fr-FR" sz="1200" dirty="0">
+              <a:solidFill>
+                <a:schemeClr val="bg1">
+                  <a:lumMod val="85000"/>
+                </a:schemeClr>
+              </a:solidFill>
+            </a:endParaRPr>
+          </a:p>
+        </p:txBody>
+      </p:sp>
+      <p:sp>
+        <p:nvSpPr>
+          <p:cNvPr id="97" name="ZoneTexte 96"/>
+          <p:cNvSpPr txBox="1"/>
+          <p:nvPr/>
+        </p:nvSpPr>
+        <p:spPr>
+          <a:xfrm>
+            <a:off x="2455114" y="6304035"/>
+            <a:ext cx="1721415" cy="276999"/>
+          </a:xfrm>
+          <a:prstGeom prst="rect">
+            <a:avLst/>
+          </a:prstGeom>
+          <a:noFill/>
+        </p:spPr>
+        <p:txBody>
+          <a:bodyPr wrap="square" rtlCol="0">
+            <a:spAutoFit/>
+          </a:bodyPr>
+          <a:lstStyle/>
+          <a:p>
+            <a:r>
+              <a:rPr lang="fr-FR" sz="1200" dirty="0" smtClean="0">
+                <a:solidFill>
+                  <a:schemeClr val="bg1">
+                    <a:lumMod val="85000"/>
+                  </a:schemeClr>
+                </a:solidFill>
+              </a:rPr>
+              <a:t>Infos </a:t>
+            </a:r>
+            <a:r>
+              <a:rPr lang="fr-FR" sz="1200" dirty="0" err="1" smtClean="0">
+                <a:solidFill>
+                  <a:schemeClr val="bg1">
+                    <a:lumMod val="85000"/>
+                  </a:schemeClr>
+                </a:solidFill>
+              </a:rPr>
+              <a:t>pré-commande</a:t>
+            </a:r>
+            <a:endParaRPr lang="fr-FR" sz="1200" dirty="0">
+              <a:solidFill>
+                <a:schemeClr val="bg1">
+                  <a:lumMod val="85000"/>
+                </a:schemeClr>
+              </a:solidFill>
+            </a:endParaRPr>
+          </a:p>
+        </p:txBody>
+      </p:sp>
+      <p:sp>
+        <p:nvSpPr>
+          <p:cNvPr id="98" name="ZoneTexte 97"/>
+          <p:cNvSpPr txBox="1"/>
+          <p:nvPr/>
+        </p:nvSpPr>
+        <p:spPr>
+          <a:xfrm>
+            <a:off x="2455117" y="5791711"/>
+            <a:ext cx="1329806" cy="276999"/>
+          </a:xfrm>
+          <a:prstGeom prst="rect">
+            <a:avLst/>
+          </a:prstGeom>
+          <a:noFill/>
+        </p:spPr>
+        <p:txBody>
+          <a:bodyPr wrap="square" rtlCol="0">
+            <a:spAutoFit/>
+          </a:bodyPr>
+          <a:lstStyle/>
+          <a:p>
+            <a:r>
+              <a:rPr lang="fr-FR" sz="1200" dirty="0" smtClean="0">
+                <a:solidFill>
+                  <a:schemeClr val="bg1">
+                    <a:lumMod val="85000"/>
+                  </a:schemeClr>
+                </a:solidFill>
+              </a:rPr>
+              <a:t>Nous contacter</a:t>
+            </a:r>
+            <a:endParaRPr lang="fr-FR" sz="1200" dirty="0">
+              <a:solidFill>
+                <a:schemeClr val="bg1">
+                  <a:lumMod val="85000"/>
+                </a:schemeClr>
+              </a:solidFill>
+            </a:endParaRPr>
+          </a:p>
+        </p:txBody>
+      </p:sp>
+      <p:sp>
+        <p:nvSpPr>
+          <p:cNvPr id="99" name="ZoneTexte 98"/>
+          <p:cNvSpPr txBox="1"/>
+          <p:nvPr/>
+        </p:nvSpPr>
+        <p:spPr>
+          <a:xfrm>
+            <a:off x="2424867" y="6556942"/>
+            <a:ext cx="2515725" cy="276999"/>
+          </a:xfrm>
+          <a:prstGeom prst="rect">
+            <a:avLst/>
+          </a:prstGeom>
+          <a:noFill/>
+        </p:spPr>
+        <p:txBody>
+          <a:bodyPr wrap="square" rtlCol="0">
+            <a:spAutoFit/>
+          </a:bodyPr>
+          <a:lstStyle/>
+          <a:p>
+            <a:r>
+              <a:rPr lang="fr-FR" sz="1200" dirty="0" smtClean="0">
+                <a:solidFill>
+                  <a:schemeClr val="bg1">
+                    <a:lumMod val="85000"/>
+                  </a:schemeClr>
+                </a:solidFill>
+              </a:rPr>
+              <a:t>Conditions générales de ventes</a:t>
+            </a:r>
+            <a:endParaRPr lang="fr-FR" sz="1200" dirty="0">
+              <a:solidFill>
+                <a:schemeClr val="bg1">
+                  <a:lumMod val="85000"/>
+                </a:schemeClr>
+              </a:solidFill>
+            </a:endParaRPr>
+          </a:p>
+        </p:txBody>
+      </p:sp>
+      <p:sp>
+        <p:nvSpPr>
+          <p:cNvPr id="100" name="ZoneTexte 99"/>
+          <p:cNvSpPr txBox="1"/>
+          <p:nvPr/>
+        </p:nvSpPr>
+        <p:spPr>
+          <a:xfrm>
+            <a:off x="8544684" y="5585996"/>
+            <a:ext cx="3647316" cy="369332"/>
+          </a:xfrm>
+          <a:prstGeom prst="rect">
+            <a:avLst/>
+          </a:prstGeom>
+          <a:noFill/>
+        </p:spPr>
+        <p:txBody>
+          <a:bodyPr wrap="square" rtlCol="0">
+            <a:spAutoFit/>
+          </a:bodyPr>
+          <a:lstStyle/>
+          <a:p>
+            <a:r>
+              <a:rPr lang="fr-FR" b="1" dirty="0" smtClean="0">
+                <a:solidFill>
+                  <a:schemeClr val="bg1"/>
+                </a:solidFill>
+              </a:rPr>
+              <a:t>INSCRIPTION A NOTRE NEWSLETTER</a:t>
+            </a:r>
+            <a:endParaRPr lang="fr-FR" b="1" dirty="0">
+              <a:solidFill>
+                <a:schemeClr val="bg1"/>
+              </a:solidFill>
+            </a:endParaRPr>
+          </a:p>
+        </p:txBody>
+      </p:sp>
+      <p:sp>
+        <p:nvSpPr>
+          <p:cNvPr id="22" name="ZoneTexte 21"/>
+          <p:cNvSpPr txBox="1"/>
+          <p:nvPr/>
+        </p:nvSpPr>
+        <p:spPr>
+          <a:xfrm>
+            <a:off x="8217381" y="5864056"/>
+            <a:ext cx="4259483" cy="276999"/>
+          </a:xfrm>
+          <a:prstGeom prst="rect">
+            <a:avLst/>
+          </a:prstGeom>
+          <a:noFill/>
+        </p:spPr>
+        <p:txBody>
+          <a:bodyPr wrap="square" rtlCol="0">
+            <a:spAutoFit/>
+          </a:bodyPr>
+          <a:lstStyle/>
+          <a:p>
+            <a:r>
+              <a:rPr lang="fr-FR" sz="1200" dirty="0" smtClean="0">
+                <a:solidFill>
+                  <a:schemeClr val="bg1">
+                    <a:lumMod val="65000"/>
+                  </a:schemeClr>
+                </a:solidFill>
+              </a:rPr>
+              <a:t>Pour être tenu informer des dernières nouveautés et promos</a:t>
+            </a:r>
+            <a:endParaRPr lang="fr-FR" sz="1200" dirty="0">
+              <a:solidFill>
+                <a:schemeClr val="bg1">
+                  <a:lumMod val="65000"/>
+                </a:schemeClr>
+              </a:solidFill>
+            </a:endParaRPr>
+          </a:p>
+        </p:txBody>
+      </p:sp>
+      <p:sp>
+        <p:nvSpPr>
+          <p:cNvPr id="23" name="Rectangle 22"/>
+          <p:cNvSpPr/>
+          <p:nvPr/>
+        </p:nvSpPr>
+        <p:spPr>
+          <a:xfrm>
+            <a:off x="8217381" y="6195454"/>
+            <a:ext cx="2414865" cy="315131"/>
+          </a:xfrm>
+          <a:prstGeom prst="rect">
+            <a:avLst/>
+          </a:prstGeom>
+          <a:solidFill>
+            <a:schemeClr val="bg1"/>
+          </a:solidFill>
+        </p:spPr>
+        <p:style>
+          <a:lnRef idx="2">
+            <a:schemeClr val="accent1">
+              <a:shade val="50000"/>
+            </a:schemeClr>
+          </a:lnRef>
+          <a:fillRef idx="1">
+            <a:schemeClr val="accent1"/>
+          </a:fillRef>
+          <a:effectRef idx="0">
+            <a:schemeClr val="accent1"/>
+          </a:effectRef>
+          <a:fontRef idx="minor">
+            <a:schemeClr val="lt1"/>
+          </a:fontRef>
+        </p:style>
+        <p:txBody>
+          <a:bodyPr rtlCol="0" anchor="ctr"/>
+          <a:lstStyle/>
+          <a:p>
+            <a:pPr algn="ctr"/>
+            <a:endParaRPr lang="fr-FR"/>
+          </a:p>
+        </p:txBody>
+      </p:sp>
+      <p:sp>
+        <p:nvSpPr>
+          <p:cNvPr id="24" name="ZoneTexte 23"/>
+          <p:cNvSpPr txBox="1"/>
+          <p:nvPr/>
+        </p:nvSpPr>
+        <p:spPr>
+          <a:xfrm>
+            <a:off x="8202710" y="6168353"/>
+            <a:ext cx="2613219" cy="369332"/>
+          </a:xfrm>
+          <a:prstGeom prst="rect">
+            <a:avLst/>
+          </a:prstGeom>
+          <a:noFill/>
+        </p:spPr>
+        <p:txBody>
+          <a:bodyPr wrap="square" rtlCol="0">
+            <a:spAutoFit/>
+          </a:bodyPr>
+          <a:lstStyle/>
+          <a:p>
+            <a:r>
+              <a:rPr lang="fr-FR" i="1" dirty="0" smtClean="0">
+                <a:solidFill>
+                  <a:schemeClr val="bg1">
+                    <a:lumMod val="65000"/>
+                  </a:schemeClr>
+                </a:solidFill>
+              </a:rPr>
+              <a:t>Adresse email</a:t>
+            </a:r>
+            <a:endParaRPr lang="fr-FR" i="1" dirty="0">
+              <a:solidFill>
+                <a:schemeClr val="bg1">
+                  <a:lumMod val="65000"/>
+                </a:schemeClr>
+              </a:solidFill>
+            </a:endParaRPr>
+          </a:p>
+        </p:txBody>
+      </p:sp>
+      <p:sp>
+        <p:nvSpPr>
+          <p:cNvPr id="26" name="Rectangle à coins arrondis 25"/>
+          <p:cNvSpPr/>
+          <p:nvPr/>
+        </p:nvSpPr>
+        <p:spPr>
+          <a:xfrm>
+            <a:off x="10719095" y="6193252"/>
+            <a:ext cx="1335525" cy="328712"/>
+          </a:xfrm>
+          <a:prstGeom prst="roundRect">
+            <a:avLst/>
+          </a:prstGeom>
+          <a:solidFill>
+            <a:srgbClr val="C00000"/>
+          </a:solidFill>
+        </p:spPr>
+        <p:style>
+          <a:lnRef idx="2">
+            <a:schemeClr val="accent1">
+              <a:shade val="50000"/>
+            </a:schemeClr>
+          </a:lnRef>
+          <a:fillRef idx="1">
+            <a:schemeClr val="accent1"/>
+          </a:fillRef>
+          <a:effectRef idx="0">
+            <a:schemeClr val="accent1"/>
+          </a:effectRef>
+          <a:fontRef idx="minor">
+            <a:schemeClr val="lt1"/>
+          </a:fontRef>
+        </p:style>
+        <p:txBody>
+          <a:bodyPr rtlCol="0" anchor="ctr"/>
+          <a:lstStyle/>
+          <a:p>
+            <a:pPr algn="ctr"/>
+            <a:endParaRPr lang="fr-FR"/>
+          </a:p>
+        </p:txBody>
+      </p:sp>
+      <p:sp>
+        <p:nvSpPr>
+          <p:cNvPr id="27" name="ZoneTexte 26"/>
+          <p:cNvSpPr txBox="1"/>
+          <p:nvPr/>
+        </p:nvSpPr>
+        <p:spPr>
+          <a:xfrm>
+            <a:off x="10815984" y="6199130"/>
+            <a:ext cx="1594479" cy="307777"/>
+          </a:xfrm>
+          <a:prstGeom prst="rect">
+            <a:avLst/>
+          </a:prstGeom>
+          <a:noFill/>
+        </p:spPr>
+        <p:txBody>
+          <a:bodyPr wrap="square" rtlCol="0">
+            <a:spAutoFit/>
+          </a:bodyPr>
+          <a:lstStyle/>
+          <a:p>
+            <a:r>
+              <a:rPr lang="fr-FR" sz="1400" dirty="0" smtClean="0">
+                <a:solidFill>
+                  <a:schemeClr val="bg1"/>
+                </a:solidFill>
+              </a:rPr>
+              <a:t>JE M’ABONNE</a:t>
+            </a:r>
+            <a:endParaRPr lang="fr-FR" sz="1400" dirty="0">
+              <a:solidFill>
+                <a:schemeClr val="bg1"/>
+              </a:solidFill>
+            </a:endParaRPr>
+          </a:p>
+        </p:txBody>
+      </p:sp>
+      <p:pic>
+        <p:nvPicPr>
+          <p:cNvPr id="35" name="Image 34"/>
+          <p:cNvPicPr>
+            <a:picLocks noChangeAspect="1"/>
+          </p:cNvPicPr>
+          <p:nvPr/>
+        </p:nvPicPr>
+        <p:blipFill>
+          <a:blip r:embed="rId14" cstate="print">
+            <a:extLst>
+              <a:ext uri="{28A0092B-C50C-407E-A947-70E740481C1C}">
+                <a14:useLocalDpi xmlns:a14="http://schemas.microsoft.com/office/drawing/2010/main" val="0"/>
+              </a:ext>
+            </a:extLst>
+          </a:blip>
+          <a:stretch>
+            <a:fillRect/>
+          </a:stretch>
+        </p:blipFill>
+        <p:spPr>
+          <a:xfrm>
+            <a:off x="5194279" y="6149700"/>
+            <a:ext cx="540202" cy="606850"/>
+          </a:xfrm>
+          <a:prstGeom prst="rect">
+            <a:avLst/>
+          </a:prstGeom>
+        </p:spPr>
+      </p:pic>
+      <p:pic>
+        <p:nvPicPr>
+          <p:cNvPr id="38" name="Image 37"/>
+          <p:cNvPicPr>
+            <a:picLocks noChangeAspect="1"/>
+          </p:cNvPicPr>
+          <p:nvPr/>
+        </p:nvPicPr>
+        <p:blipFill>
+          <a:blip r:embed="rId15" cstate="print">
+            <a:extLst>
+              <a:ext uri="{28A0092B-C50C-407E-A947-70E740481C1C}">
+                <a14:useLocalDpi xmlns:a14="http://schemas.microsoft.com/office/drawing/2010/main" val="0"/>
+              </a:ext>
+            </a:extLst>
+          </a:blip>
+          <a:stretch>
+            <a:fillRect/>
+          </a:stretch>
+        </p:blipFill>
+        <p:spPr>
+          <a:xfrm>
+            <a:off x="5748630" y="6168353"/>
+            <a:ext cx="536503" cy="574825"/>
           </a:xfrm>
           <a:prstGeom prst="rect">
             <a:avLst/>

--- a/ProjetStage/MaquetteProjetStage.pptx
+++ b/ProjetStage/MaquetteProjetStage.pptx
@@ -8,6 +8,7 @@
     <p:sldId id="256" r:id="rId2"/>
     <p:sldId id="257" r:id="rId3"/>
     <p:sldId id="258" r:id="rId4"/>
+    <p:sldId id="259" r:id="rId5"/>
   </p:sldIdLst>
   <p:sldSz cx="12192000" cy="6858000"/>
   <p:notesSz cx="6858000" cy="9144000"/>
@@ -10065,7 +10066,9 @@
       </p:pic>
       <p:sp>
         <p:nvSpPr>
-          <p:cNvPr id="55" name="Rectangle 54"/>
+          <p:cNvPr id="55" name="Rectangle 54">
+            <a:hlinkClick r:id="rId13" action="ppaction://hlinksldjump"/>
+          </p:cNvPr>
           <p:cNvSpPr/>
           <p:nvPr/>
         </p:nvSpPr>
@@ -10115,14 +10118,16 @@
       </p:sp>
       <p:pic>
         <p:nvPicPr>
-          <p:cNvPr id="56" name="Image 55"/>
+          <p:cNvPr id="56" name="Image 55">
+            <a:hlinkClick r:id="rId13" action="ppaction://hlinksldjump"/>
+          </p:cNvPr>
           <p:cNvPicPr>
             <a:picLocks noChangeAspect="1"/>
           </p:cNvPicPr>
           <p:nvPr/>
         </p:nvPicPr>
         <p:blipFill>
-          <a:blip r:embed="rId13" cstate="print">
+          <a:blip r:embed="rId14" cstate="print">
             <a:extLst>
               <a:ext uri="{28A0092B-C50C-407E-A947-70E740481C1C}">
                 <a14:useLocalDpi xmlns:a14="http://schemas.microsoft.com/office/drawing/2010/main" val="0"/>
@@ -10152,7 +10157,7 @@
           <p:nvPr/>
         </p:nvPicPr>
         <p:blipFill>
-          <a:blip r:embed="rId14" cstate="print">
+          <a:blip r:embed="rId15" cstate="print">
             <a:extLst>
               <a:ext uri="{28A0092B-C50C-407E-A947-70E740481C1C}">
                 <a14:useLocalDpi xmlns:a14="http://schemas.microsoft.com/office/drawing/2010/main" val="0"/>
@@ -10182,7 +10187,7 @@
           <p:nvPr/>
         </p:nvPicPr>
         <p:blipFill>
-          <a:blip r:embed="rId15" cstate="print">
+          <a:blip r:embed="rId16" cstate="print">
             <a:extLst>
               <a:ext uri="{28A0092B-C50C-407E-A947-70E740481C1C}">
                 <a14:useLocalDpi xmlns:a14="http://schemas.microsoft.com/office/drawing/2010/main" val="0"/>
@@ -10212,7 +10217,7 @@
           <p:nvPr/>
         </p:nvPicPr>
         <p:blipFill>
-          <a:blip r:embed="rId16" cstate="print">
+          <a:blip r:embed="rId17" cstate="print">
             <a:extLst>
               <a:ext uri="{28A0092B-C50C-407E-A947-70E740481C1C}">
                 <a14:useLocalDpi xmlns:a14="http://schemas.microsoft.com/office/drawing/2010/main" val="0"/>
@@ -10242,7 +10247,7 @@
           <p:nvPr/>
         </p:nvPicPr>
         <p:blipFill>
-          <a:blip r:embed="rId17" cstate="print">
+          <a:blip r:embed="rId18" cstate="print">
             <a:extLst>
               <a:ext uri="{28A0092B-C50C-407E-A947-70E740481C1C}">
                 <a14:useLocalDpi xmlns:a14="http://schemas.microsoft.com/office/drawing/2010/main" val="0"/>
@@ -10272,7 +10277,7 @@
           <p:nvPr/>
         </p:nvPicPr>
         <p:blipFill>
-          <a:blip r:embed="rId18" cstate="print">
+          <a:blip r:embed="rId19" cstate="print">
             <a:extLst>
               <a:ext uri="{28A0092B-C50C-407E-A947-70E740481C1C}">
                 <a14:useLocalDpi xmlns:a14="http://schemas.microsoft.com/office/drawing/2010/main" val="0"/>
@@ -10464,7 +10469,7 @@
           <p:nvPr/>
         </p:nvPicPr>
         <p:blipFill>
-          <a:blip r:embed="rId19" cstate="print">
+          <a:blip r:embed="rId20" cstate="print">
             <a:extLst>
               <a:ext uri="{28A0092B-C50C-407E-A947-70E740481C1C}">
                 <a14:useLocalDpi xmlns:a14="http://schemas.microsoft.com/office/drawing/2010/main" val="0"/>
@@ -10548,7 +10553,7 @@
             <a:pPr algn="ctr"/>
             <a:r>
               <a:rPr lang="fr-FR" sz="1400" dirty="0" smtClean="0"/>
-              <a:t>Statuette </a:t>
+              <a:t>Figurine </a:t>
             </a:r>
             <a:r>
               <a:rPr lang="fr-FR" sz="1400" dirty="0" err="1" smtClean="0"/>
@@ -10870,7 +10875,7 @@
           <p:nvPr/>
         </p:nvPicPr>
         <p:blipFill>
-          <a:blip r:embed="rId20">
+          <a:blip r:embed="rId21">
             <a:extLst>
               <a:ext uri="{28A0092B-C50C-407E-A947-70E740481C1C}">
                 <a14:useLocalDpi xmlns:a14="http://schemas.microsoft.com/office/drawing/2010/main" val="0"/>
@@ -11123,7 +11128,7 @@
           <p:nvPr/>
         </p:nvPicPr>
         <p:blipFill>
-          <a:blip r:embed="rId21" cstate="print">
+          <a:blip r:embed="rId22" cstate="print">
             <a:extLst>
               <a:ext uri="{28A0092B-C50C-407E-A947-70E740481C1C}">
                 <a14:useLocalDpi xmlns:a14="http://schemas.microsoft.com/office/drawing/2010/main" val="0"/>
@@ -15934,6 +15939,3973 @@
 </p:sld>
 </file>
 
+<file path=ppt/slides/slide4.xml><?xml version="1.0" encoding="utf-8"?>
+<p:sld xmlns:a="http://schemas.openxmlformats.org/drawingml/2006/main" xmlns:r="http://schemas.openxmlformats.org/officeDocument/2006/relationships" xmlns:p="http://schemas.openxmlformats.org/presentationml/2006/main">
+  <p:cSld>
+    <p:spTree>
+      <p:nvGrpSpPr>
+        <p:cNvPr id="1" name=""/>
+        <p:cNvGrpSpPr/>
+        <p:nvPr/>
+      </p:nvGrpSpPr>
+      <p:grpSpPr>
+        <a:xfrm>
+          <a:off x="0" y="0"/>
+          <a:ext cx="0" cy="0"/>
+          <a:chOff x="0" y="0"/>
+          <a:chExt cx="0" cy="0"/>
+        </a:xfrm>
+      </p:grpSpPr>
+      <p:grpSp>
+        <p:nvGrpSpPr>
+          <p:cNvPr id="4" name="Browser" descr="&lt;SmartSettings&gt;&lt;SmartResize enabled=&quot;True&quot; minWidth=&quot;140&quot; minHeight=&quot;50&quot; /&gt;&lt;/SmartSettings&gt;"/>
+          <p:cNvGrpSpPr/>
+          <p:nvPr>
+            <p:custDataLst>
+              <p:tags r:id="rId1"/>
+            </p:custDataLst>
+          </p:nvPr>
+        </p:nvGrpSpPr>
+        <p:grpSpPr>
+          <a:xfrm>
+            <a:off x="1687851" y="0"/>
+            <a:ext cx="10530041" cy="6873017"/>
+            <a:chOff x="595683" y="1261242"/>
+            <a:chExt cx="6668464" cy="4352544"/>
+          </a:xfrm>
+        </p:grpSpPr>
+        <p:sp>
+          <p:nvSpPr>
+            <p:cNvPr id="5" name="Window Body" descr="&lt;SmartSettings&gt;&lt;SmartResize anchorLeft=&quot;Absolute&quot; anchorTop=&quot;Absolute&quot; anchorRight=&quot;Absolute&quot; anchorBottom=&quot;Absolute&quot; /&gt;&lt;/SmartSettings&gt;"/>
+            <p:cNvSpPr/>
+            <p:nvPr>
+              <p:custDataLst>
+                <p:tags r:id="rId2"/>
+              </p:custDataLst>
+            </p:nvPr>
+          </p:nvSpPr>
+          <p:spPr>
+            <a:xfrm>
+              <a:off x="595683" y="1600037"/>
+              <a:ext cx="6668462" cy="4013749"/>
+            </a:xfrm>
+            <a:prstGeom prst="rect">
+              <a:avLst/>
+            </a:prstGeom>
+            <a:solidFill>
+              <a:schemeClr val="bg1">
+                <a:lumMod val="95000"/>
+              </a:schemeClr>
+            </a:solidFill>
+            <a:ln w="6350">
+              <a:solidFill>
+                <a:srgbClr val="808080"/>
+              </a:solidFill>
+            </a:ln>
+          </p:spPr>
+          <p:style>
+            <a:lnRef idx="2">
+              <a:schemeClr val="accent1">
+                <a:shade val="50000"/>
+              </a:schemeClr>
+            </a:lnRef>
+            <a:fillRef idx="1">
+              <a:schemeClr val="accent1"/>
+            </a:fillRef>
+            <a:effectRef idx="0">
+              <a:schemeClr val="accent1"/>
+            </a:effectRef>
+            <a:fontRef idx="minor">
+              <a:schemeClr val="lt1"/>
+            </a:fontRef>
+          </p:style>
+          <p:txBody>
+            <a:bodyPr rot="0" spcFirstLastPara="0" vert="horz" wrap="square" lIns="91440" tIns="45720" rIns="91440" bIns="45720" numCol="1" spcCol="0" rtlCol="0" fromWordArt="0" anchor="ctr" anchorCtr="0" forceAA="0" compatLnSpc="1">
+              <a:prstTxWarp prst="textNoShape">
+                <a:avLst/>
+              </a:prstTxWarp>
+              <a:noAutofit/>
+            </a:bodyPr>
+            <a:lstStyle>
+              <a:defPPr>
+                <a:defRPr lang="en-US"/>
+              </a:defPPr>
+              <a:lvl1pPr marL="0" algn="l" defTabSz="914400" rtl="0" eaLnBrk="1" latinLnBrk="0" hangingPunct="1">
+                <a:defRPr sz="1800" kern="1200">
+                  <a:solidFill>
+                    <a:schemeClr val="lt1"/>
+                  </a:solidFill>
+                  <a:latin typeface="+mn-lt"/>
+                  <a:ea typeface="+mn-ea"/>
+                  <a:cs typeface="+mn-cs"/>
+                </a:defRPr>
+              </a:lvl1pPr>
+              <a:lvl2pPr marL="457200" algn="l" defTabSz="914400" rtl="0" eaLnBrk="1" latinLnBrk="0" hangingPunct="1">
+                <a:defRPr sz="1800" kern="1200">
+                  <a:solidFill>
+                    <a:schemeClr val="lt1"/>
+                  </a:solidFill>
+                  <a:latin typeface="+mn-lt"/>
+                  <a:ea typeface="+mn-ea"/>
+                  <a:cs typeface="+mn-cs"/>
+                </a:defRPr>
+              </a:lvl2pPr>
+              <a:lvl3pPr marL="914400" algn="l" defTabSz="914400" rtl="0" eaLnBrk="1" latinLnBrk="0" hangingPunct="1">
+                <a:defRPr sz="1800" kern="1200">
+                  <a:solidFill>
+                    <a:schemeClr val="lt1"/>
+                  </a:solidFill>
+                  <a:latin typeface="+mn-lt"/>
+                  <a:ea typeface="+mn-ea"/>
+                  <a:cs typeface="+mn-cs"/>
+                </a:defRPr>
+              </a:lvl3pPr>
+              <a:lvl4pPr marL="1371600" algn="l" defTabSz="914400" rtl="0" eaLnBrk="1" latinLnBrk="0" hangingPunct="1">
+                <a:defRPr sz="1800" kern="1200">
+                  <a:solidFill>
+                    <a:schemeClr val="lt1"/>
+                  </a:solidFill>
+                  <a:latin typeface="+mn-lt"/>
+                  <a:ea typeface="+mn-ea"/>
+                  <a:cs typeface="+mn-cs"/>
+                </a:defRPr>
+              </a:lvl4pPr>
+              <a:lvl5pPr marL="1828800" algn="l" defTabSz="914400" rtl="0" eaLnBrk="1" latinLnBrk="0" hangingPunct="1">
+                <a:defRPr sz="1800" kern="1200">
+                  <a:solidFill>
+                    <a:schemeClr val="lt1"/>
+                  </a:solidFill>
+                  <a:latin typeface="+mn-lt"/>
+                  <a:ea typeface="+mn-ea"/>
+                  <a:cs typeface="+mn-cs"/>
+                </a:defRPr>
+              </a:lvl5pPr>
+              <a:lvl6pPr marL="2286000" algn="l" defTabSz="914400" rtl="0" eaLnBrk="1" latinLnBrk="0" hangingPunct="1">
+                <a:defRPr sz="1800" kern="1200">
+                  <a:solidFill>
+                    <a:schemeClr val="lt1"/>
+                  </a:solidFill>
+                  <a:latin typeface="+mn-lt"/>
+                  <a:ea typeface="+mn-ea"/>
+                  <a:cs typeface="+mn-cs"/>
+                </a:defRPr>
+              </a:lvl6pPr>
+              <a:lvl7pPr marL="2743200" algn="l" defTabSz="914400" rtl="0" eaLnBrk="1" latinLnBrk="0" hangingPunct="1">
+                <a:defRPr sz="1800" kern="1200">
+                  <a:solidFill>
+                    <a:schemeClr val="lt1"/>
+                  </a:solidFill>
+                  <a:latin typeface="+mn-lt"/>
+                  <a:ea typeface="+mn-ea"/>
+                  <a:cs typeface="+mn-cs"/>
+                </a:defRPr>
+              </a:lvl7pPr>
+              <a:lvl8pPr marL="3200400" algn="l" defTabSz="914400" rtl="0" eaLnBrk="1" latinLnBrk="0" hangingPunct="1">
+                <a:defRPr sz="1800" kern="1200">
+                  <a:solidFill>
+                    <a:schemeClr val="lt1"/>
+                  </a:solidFill>
+                  <a:latin typeface="+mn-lt"/>
+                  <a:ea typeface="+mn-ea"/>
+                  <a:cs typeface="+mn-cs"/>
+                </a:defRPr>
+              </a:lvl8pPr>
+              <a:lvl9pPr marL="3657600" algn="l" defTabSz="914400" rtl="0" eaLnBrk="1" latinLnBrk="0" hangingPunct="1">
+                <a:defRPr sz="1800" kern="1200">
+                  <a:solidFill>
+                    <a:schemeClr val="lt1"/>
+                  </a:solidFill>
+                  <a:latin typeface="+mn-lt"/>
+                  <a:ea typeface="+mn-ea"/>
+                  <a:cs typeface="+mn-cs"/>
+                </a:defRPr>
+              </a:lvl9pPr>
+            </a:lstStyle>
+            <a:p>
+              <a:pPr algn="ctr"/>
+              <a:endParaRPr lang="en-US" sz="900" dirty="0">
+                <a:solidFill>
+                  <a:srgbClr val="5F5F5F"/>
+                </a:solidFill>
+                <a:latin typeface="Segoe UI" panose="020B0502040204020203" pitchFamily="34" charset="0"/>
+                <a:cs typeface="Segoe UI" panose="020B0502040204020203" pitchFamily="34" charset="0"/>
+              </a:endParaRPr>
+            </a:p>
+          </p:txBody>
+        </p:sp>
+        <p:sp>
+          <p:nvSpPr>
+            <p:cNvPr id="6" name="Title Bar" descr="&lt;SmartSettings&gt;&lt;SmartResize anchorLeft=&quot;Absolute&quot; anchorTop=&quot;Absolute&quot; anchorRight=&quot;Absolute&quot; anchorBottom=&quot;None&quot; /&gt;&lt;/SmartSettings&gt;"/>
+            <p:cNvSpPr/>
+            <p:nvPr>
+              <p:custDataLst>
+                <p:tags r:id="rId3"/>
+              </p:custDataLst>
+            </p:nvPr>
+          </p:nvSpPr>
+          <p:spPr>
+            <a:xfrm>
+              <a:off x="595684" y="1261242"/>
+              <a:ext cx="6668463" cy="340121"/>
+            </a:xfrm>
+            <a:prstGeom prst="rect">
+              <a:avLst/>
+            </a:prstGeom>
+            <a:solidFill>
+              <a:srgbClr val="FFFFFF"/>
+            </a:solidFill>
+            <a:ln w="6350">
+              <a:solidFill>
+                <a:srgbClr val="808080"/>
+              </a:solidFill>
+            </a:ln>
+          </p:spPr>
+          <p:style>
+            <a:lnRef idx="2">
+              <a:schemeClr val="accent1">
+                <a:shade val="50000"/>
+              </a:schemeClr>
+            </a:lnRef>
+            <a:fillRef idx="1">
+              <a:schemeClr val="accent1"/>
+            </a:fillRef>
+            <a:effectRef idx="0">
+              <a:schemeClr val="accent1"/>
+            </a:effectRef>
+            <a:fontRef idx="minor">
+              <a:schemeClr val="lt1"/>
+            </a:fontRef>
+          </p:style>
+          <p:txBody>
+            <a:bodyPr rot="0" spcFirstLastPara="0" vert="horz" wrap="square" lIns="91440" tIns="45720" rIns="228600" bIns="45720" numCol="1" spcCol="0" rtlCol="0" fromWordArt="0" anchor="t" anchorCtr="0" forceAA="0" compatLnSpc="1">
+              <a:prstTxWarp prst="textNoShape">
+                <a:avLst/>
+              </a:prstTxWarp>
+              <a:noAutofit/>
+            </a:bodyPr>
+            <a:lstStyle>
+              <a:defPPr>
+                <a:defRPr lang="en-US"/>
+              </a:defPPr>
+              <a:lvl1pPr marL="0" algn="l" defTabSz="914400" rtl="0" eaLnBrk="1" latinLnBrk="0" hangingPunct="1">
+                <a:defRPr sz="1800" kern="1200">
+                  <a:solidFill>
+                    <a:schemeClr val="lt1"/>
+                  </a:solidFill>
+                  <a:latin typeface="+mn-lt"/>
+                  <a:ea typeface="+mn-ea"/>
+                  <a:cs typeface="+mn-cs"/>
+                </a:defRPr>
+              </a:lvl1pPr>
+              <a:lvl2pPr marL="457200" algn="l" defTabSz="914400" rtl="0" eaLnBrk="1" latinLnBrk="0" hangingPunct="1">
+                <a:defRPr sz="1800" kern="1200">
+                  <a:solidFill>
+                    <a:schemeClr val="lt1"/>
+                  </a:solidFill>
+                  <a:latin typeface="+mn-lt"/>
+                  <a:ea typeface="+mn-ea"/>
+                  <a:cs typeface="+mn-cs"/>
+                </a:defRPr>
+              </a:lvl2pPr>
+              <a:lvl3pPr marL="914400" algn="l" defTabSz="914400" rtl="0" eaLnBrk="1" latinLnBrk="0" hangingPunct="1">
+                <a:defRPr sz="1800" kern="1200">
+                  <a:solidFill>
+                    <a:schemeClr val="lt1"/>
+                  </a:solidFill>
+                  <a:latin typeface="+mn-lt"/>
+                  <a:ea typeface="+mn-ea"/>
+                  <a:cs typeface="+mn-cs"/>
+                </a:defRPr>
+              </a:lvl3pPr>
+              <a:lvl4pPr marL="1371600" algn="l" defTabSz="914400" rtl="0" eaLnBrk="1" latinLnBrk="0" hangingPunct="1">
+                <a:defRPr sz="1800" kern="1200">
+                  <a:solidFill>
+                    <a:schemeClr val="lt1"/>
+                  </a:solidFill>
+                  <a:latin typeface="+mn-lt"/>
+                  <a:ea typeface="+mn-ea"/>
+                  <a:cs typeface="+mn-cs"/>
+                </a:defRPr>
+              </a:lvl4pPr>
+              <a:lvl5pPr marL="1828800" algn="l" defTabSz="914400" rtl="0" eaLnBrk="1" latinLnBrk="0" hangingPunct="1">
+                <a:defRPr sz="1800" kern="1200">
+                  <a:solidFill>
+                    <a:schemeClr val="lt1"/>
+                  </a:solidFill>
+                  <a:latin typeface="+mn-lt"/>
+                  <a:ea typeface="+mn-ea"/>
+                  <a:cs typeface="+mn-cs"/>
+                </a:defRPr>
+              </a:lvl5pPr>
+              <a:lvl6pPr marL="2286000" algn="l" defTabSz="914400" rtl="0" eaLnBrk="1" latinLnBrk="0" hangingPunct="1">
+                <a:defRPr sz="1800" kern="1200">
+                  <a:solidFill>
+                    <a:schemeClr val="lt1"/>
+                  </a:solidFill>
+                  <a:latin typeface="+mn-lt"/>
+                  <a:ea typeface="+mn-ea"/>
+                  <a:cs typeface="+mn-cs"/>
+                </a:defRPr>
+              </a:lvl6pPr>
+              <a:lvl7pPr marL="2743200" algn="l" defTabSz="914400" rtl="0" eaLnBrk="1" latinLnBrk="0" hangingPunct="1">
+                <a:defRPr sz="1800" kern="1200">
+                  <a:solidFill>
+                    <a:schemeClr val="lt1"/>
+                  </a:solidFill>
+                  <a:latin typeface="+mn-lt"/>
+                  <a:ea typeface="+mn-ea"/>
+                  <a:cs typeface="+mn-cs"/>
+                </a:defRPr>
+              </a:lvl7pPr>
+              <a:lvl8pPr marL="3200400" algn="l" defTabSz="914400" rtl="0" eaLnBrk="1" latinLnBrk="0" hangingPunct="1">
+                <a:defRPr sz="1800" kern="1200">
+                  <a:solidFill>
+                    <a:schemeClr val="lt1"/>
+                  </a:solidFill>
+                  <a:latin typeface="+mn-lt"/>
+                  <a:ea typeface="+mn-ea"/>
+                  <a:cs typeface="+mn-cs"/>
+                </a:defRPr>
+              </a:lvl8pPr>
+              <a:lvl9pPr marL="3657600" algn="l" defTabSz="914400" rtl="0" eaLnBrk="1" latinLnBrk="0" hangingPunct="1">
+                <a:defRPr sz="1800" kern="1200">
+                  <a:solidFill>
+                    <a:schemeClr val="lt1"/>
+                  </a:solidFill>
+                  <a:latin typeface="+mn-lt"/>
+                  <a:ea typeface="+mn-ea"/>
+                  <a:cs typeface="+mn-cs"/>
+                </a:defRPr>
+              </a:lvl9pPr>
+            </a:lstStyle>
+            <a:p>
+              <a:r>
+                <a:rPr lang="en-US" sz="900" dirty="0" smtClean="0">
+                  <a:solidFill>
+                    <a:srgbClr val="5F5F5F"/>
+                  </a:solidFill>
+                  <a:latin typeface="Segoe UI" panose="020B0502040204020203" pitchFamily="34" charset="0"/>
+                  <a:cs typeface="Segoe UI" panose="020B0502040204020203" pitchFamily="34" charset="0"/>
+                </a:rPr>
+                <a:t>Browser</a:t>
+              </a:r>
+              <a:endParaRPr lang="en-US" sz="900" dirty="0">
+                <a:solidFill>
+                  <a:srgbClr val="5F5F5F"/>
+                </a:solidFill>
+                <a:latin typeface="Segoe UI" panose="020B0502040204020203" pitchFamily="34" charset="0"/>
+                <a:cs typeface="Segoe UI" panose="020B0502040204020203" pitchFamily="34" charset="0"/>
+              </a:endParaRPr>
+            </a:p>
+          </p:txBody>
+        </p:sp>
+        <p:sp>
+          <p:nvSpPr>
+            <p:cNvPr id="7" name="Menu Button" descr="&lt;SmartSettings&gt;&lt;SmartResize anchorLeft=&quot;None&quot; anchorTop=&quot;Absolute&quot; anchorRight=&quot;Absolute&quot; anchorBottom=&quot;None&quot; /&gt;&lt;/SmartSettings&gt;"/>
+            <p:cNvSpPr>
+              <a:spLocks noChangeAspect="1" noEditPoints="1"/>
+            </p:cNvSpPr>
+            <p:nvPr>
+              <p:custDataLst>
+                <p:tags r:id="rId4"/>
+              </p:custDataLst>
+            </p:nvPr>
+          </p:nvSpPr>
+          <p:spPr bwMode="auto">
+            <a:xfrm>
+              <a:off x="7113500" y="1456014"/>
+              <a:ext cx="94501" cy="71379"/>
+            </a:xfrm>
+            <a:custGeom>
+              <a:avLst/>
+              <a:gdLst>
+                <a:gd name="T0" fmla="*/ 0 w 415"/>
+                <a:gd name="T1" fmla="*/ 309 h 309"/>
+                <a:gd name="T2" fmla="*/ 415 w 415"/>
+                <a:gd name="T3" fmla="*/ 309 h 309"/>
+                <a:gd name="T4" fmla="*/ 0 w 415"/>
+                <a:gd name="T5" fmla="*/ 155 h 309"/>
+                <a:gd name="T6" fmla="*/ 415 w 415"/>
+                <a:gd name="T7" fmla="*/ 155 h 309"/>
+                <a:gd name="T8" fmla="*/ 0 w 415"/>
+                <a:gd name="T9" fmla="*/ 0 h 309"/>
+                <a:gd name="T10" fmla="*/ 415 w 415"/>
+                <a:gd name="T11" fmla="*/ 0 h 309"/>
+              </a:gdLst>
+              <a:ahLst/>
+              <a:cxnLst>
+                <a:cxn ang="0">
+                  <a:pos x="T0" y="T1"/>
+                </a:cxn>
+                <a:cxn ang="0">
+                  <a:pos x="T2" y="T3"/>
+                </a:cxn>
+                <a:cxn ang="0">
+                  <a:pos x="T4" y="T5"/>
+                </a:cxn>
+                <a:cxn ang="0">
+                  <a:pos x="T6" y="T7"/>
+                </a:cxn>
+                <a:cxn ang="0">
+                  <a:pos x="T8" y="T9"/>
+                </a:cxn>
+                <a:cxn ang="0">
+                  <a:pos x="T10" y="T11"/>
+                </a:cxn>
+              </a:cxnLst>
+              <a:rect l="0" t="0" r="r" b="b"/>
+              <a:pathLst>
+                <a:path w="415" h="309">
+                  <a:moveTo>
+                    <a:pt x="0" y="309"/>
+                  </a:moveTo>
+                  <a:lnTo>
+                    <a:pt x="415" y="309"/>
+                  </a:lnTo>
+                  <a:moveTo>
+                    <a:pt x="0" y="155"/>
+                  </a:moveTo>
+                  <a:lnTo>
+                    <a:pt x="415" y="155"/>
+                  </a:lnTo>
+                  <a:moveTo>
+                    <a:pt x="0" y="0"/>
+                  </a:moveTo>
+                  <a:lnTo>
+                    <a:pt x="415" y="0"/>
+                  </a:lnTo>
+                </a:path>
+              </a:pathLst>
+            </a:custGeom>
+            <a:noFill/>
+            <a:ln w="6350" cap="flat">
+              <a:solidFill>
+                <a:srgbClr val="808080"/>
+              </a:solidFill>
+              <a:prstDash val="solid"/>
+              <a:miter lim="800000"/>
+              <a:headEnd/>
+              <a:tailEnd/>
+            </a:ln>
+            <a:extLst>
+              <a:ext uri="{909E8E84-426E-40DD-AFC4-6F175D3DCCD1}">
+                <a14:hiddenFill xmlns:a14="http://schemas.microsoft.com/office/drawing/2010/main">
+                  <a:solidFill>
+                    <a:srgbClr val="FFFFFF"/>
+                  </a:solidFill>
+                </a14:hiddenFill>
+              </a:ext>
+            </a:extLst>
+          </p:spPr>
+          <p:txBody>
+            <a:bodyPr vert="horz" wrap="square" lIns="91440" tIns="45720" rIns="91440" bIns="45720" numCol="1" anchor="t" anchorCtr="0" compatLnSpc="1">
+              <a:prstTxWarp prst="textNoShape">
+                <a:avLst/>
+              </a:prstTxWarp>
+            </a:bodyPr>
+            <a:lstStyle>
+              <a:defPPr>
+                <a:defRPr lang="en-US"/>
+              </a:defPPr>
+              <a:lvl1pPr marL="0" algn="l" defTabSz="914400" rtl="0" eaLnBrk="1" latinLnBrk="0" hangingPunct="1">
+                <a:defRPr sz="1800" kern="1200">
+                  <a:solidFill>
+                    <a:schemeClr val="tx1"/>
+                  </a:solidFill>
+                  <a:latin typeface="+mn-lt"/>
+                  <a:ea typeface="+mn-ea"/>
+                  <a:cs typeface="+mn-cs"/>
+                </a:defRPr>
+              </a:lvl1pPr>
+              <a:lvl2pPr marL="457200" algn="l" defTabSz="914400" rtl="0" eaLnBrk="1" latinLnBrk="0" hangingPunct="1">
+                <a:defRPr sz="1800" kern="1200">
+                  <a:solidFill>
+                    <a:schemeClr val="tx1"/>
+                  </a:solidFill>
+                  <a:latin typeface="+mn-lt"/>
+                  <a:ea typeface="+mn-ea"/>
+                  <a:cs typeface="+mn-cs"/>
+                </a:defRPr>
+              </a:lvl2pPr>
+              <a:lvl3pPr marL="914400" algn="l" defTabSz="914400" rtl="0" eaLnBrk="1" latinLnBrk="0" hangingPunct="1">
+                <a:defRPr sz="1800" kern="1200">
+                  <a:solidFill>
+                    <a:schemeClr val="tx1"/>
+                  </a:solidFill>
+                  <a:latin typeface="+mn-lt"/>
+                  <a:ea typeface="+mn-ea"/>
+                  <a:cs typeface="+mn-cs"/>
+                </a:defRPr>
+              </a:lvl3pPr>
+              <a:lvl4pPr marL="1371600" algn="l" defTabSz="914400" rtl="0" eaLnBrk="1" latinLnBrk="0" hangingPunct="1">
+                <a:defRPr sz="1800" kern="1200">
+                  <a:solidFill>
+                    <a:schemeClr val="tx1"/>
+                  </a:solidFill>
+                  <a:latin typeface="+mn-lt"/>
+                  <a:ea typeface="+mn-ea"/>
+                  <a:cs typeface="+mn-cs"/>
+                </a:defRPr>
+              </a:lvl4pPr>
+              <a:lvl5pPr marL="1828800" algn="l" defTabSz="914400" rtl="0" eaLnBrk="1" latinLnBrk="0" hangingPunct="1">
+                <a:defRPr sz="1800" kern="1200">
+                  <a:solidFill>
+                    <a:schemeClr val="tx1"/>
+                  </a:solidFill>
+                  <a:latin typeface="+mn-lt"/>
+                  <a:ea typeface="+mn-ea"/>
+                  <a:cs typeface="+mn-cs"/>
+                </a:defRPr>
+              </a:lvl5pPr>
+              <a:lvl6pPr marL="2286000" algn="l" defTabSz="914400" rtl="0" eaLnBrk="1" latinLnBrk="0" hangingPunct="1">
+                <a:defRPr sz="1800" kern="1200">
+                  <a:solidFill>
+                    <a:schemeClr val="tx1"/>
+                  </a:solidFill>
+                  <a:latin typeface="+mn-lt"/>
+                  <a:ea typeface="+mn-ea"/>
+                  <a:cs typeface="+mn-cs"/>
+                </a:defRPr>
+              </a:lvl6pPr>
+              <a:lvl7pPr marL="2743200" algn="l" defTabSz="914400" rtl="0" eaLnBrk="1" latinLnBrk="0" hangingPunct="1">
+                <a:defRPr sz="1800" kern="1200">
+                  <a:solidFill>
+                    <a:schemeClr val="tx1"/>
+                  </a:solidFill>
+                  <a:latin typeface="+mn-lt"/>
+                  <a:ea typeface="+mn-ea"/>
+                  <a:cs typeface="+mn-cs"/>
+                </a:defRPr>
+              </a:lvl7pPr>
+              <a:lvl8pPr marL="3200400" algn="l" defTabSz="914400" rtl="0" eaLnBrk="1" latinLnBrk="0" hangingPunct="1">
+                <a:defRPr sz="1800" kern="1200">
+                  <a:solidFill>
+                    <a:schemeClr val="tx1"/>
+                  </a:solidFill>
+                  <a:latin typeface="+mn-lt"/>
+                  <a:ea typeface="+mn-ea"/>
+                  <a:cs typeface="+mn-cs"/>
+                </a:defRPr>
+              </a:lvl8pPr>
+              <a:lvl9pPr marL="3657600" algn="l" defTabSz="914400" rtl="0" eaLnBrk="1" latinLnBrk="0" hangingPunct="1">
+                <a:defRPr sz="1800" kern="1200">
+                  <a:solidFill>
+                    <a:schemeClr val="tx1"/>
+                  </a:solidFill>
+                  <a:latin typeface="+mn-lt"/>
+                  <a:ea typeface="+mn-ea"/>
+                  <a:cs typeface="+mn-cs"/>
+                </a:defRPr>
+              </a:lvl9pPr>
+            </a:lstStyle>
+            <a:p>
+              <a:endParaRPr lang="en-US">
+                <a:solidFill>
+                  <a:srgbClr val="5F5F5F"/>
+                </a:solidFill>
+                <a:latin typeface="Segoe UI" panose="020B0502040204020203" pitchFamily="34" charset="0"/>
+                <a:cs typeface="Segoe UI" panose="020B0502040204020203" pitchFamily="34" charset="0"/>
+              </a:endParaRPr>
+            </a:p>
+          </p:txBody>
+        </p:sp>
+        <p:sp>
+          <p:nvSpPr>
+            <p:cNvPr id="8" name="Close Button" descr="&lt;SmartSettings&gt;&lt;SmartResize anchorLeft=&quot;None&quot; anchorTop=&quot;Absolute&quot; anchorRight=&quot;Absolute&quot; anchorBottom=&quot;None&quot; /&gt;&lt;/SmartSettings&gt;"/>
+            <p:cNvSpPr>
+              <a:spLocks noEditPoints="1"/>
+            </p:cNvSpPr>
+            <p:nvPr>
+              <p:custDataLst>
+                <p:tags r:id="rId5"/>
+              </p:custDataLst>
+            </p:nvPr>
+          </p:nvSpPr>
+          <p:spPr bwMode="auto">
+            <a:xfrm>
+              <a:off x="7130598" y="1306361"/>
+              <a:ext cx="62331" cy="60320"/>
+            </a:xfrm>
+            <a:custGeom>
+              <a:avLst/>
+              <a:gdLst>
+                <a:gd name="T0" fmla="*/ 254 w 254"/>
+                <a:gd name="T1" fmla="*/ 0 h 254"/>
+                <a:gd name="T2" fmla="*/ 0 w 254"/>
+                <a:gd name="T3" fmla="*/ 254 h 254"/>
+                <a:gd name="T4" fmla="*/ 0 w 254"/>
+                <a:gd name="T5" fmla="*/ 0 h 254"/>
+                <a:gd name="T6" fmla="*/ 254 w 254"/>
+                <a:gd name="T7" fmla="*/ 254 h 254"/>
+              </a:gdLst>
+              <a:ahLst/>
+              <a:cxnLst>
+                <a:cxn ang="0">
+                  <a:pos x="T0" y="T1"/>
+                </a:cxn>
+                <a:cxn ang="0">
+                  <a:pos x="T2" y="T3"/>
+                </a:cxn>
+                <a:cxn ang="0">
+                  <a:pos x="T4" y="T5"/>
+                </a:cxn>
+                <a:cxn ang="0">
+                  <a:pos x="T6" y="T7"/>
+                </a:cxn>
+              </a:cxnLst>
+              <a:rect l="0" t="0" r="r" b="b"/>
+              <a:pathLst>
+                <a:path w="254" h="254">
+                  <a:moveTo>
+                    <a:pt x="254" y="0"/>
+                  </a:moveTo>
+                  <a:lnTo>
+                    <a:pt x="0" y="254"/>
+                  </a:lnTo>
+                  <a:moveTo>
+                    <a:pt x="0" y="0"/>
+                  </a:moveTo>
+                  <a:lnTo>
+                    <a:pt x="254" y="254"/>
+                  </a:lnTo>
+                </a:path>
+              </a:pathLst>
+            </a:custGeom>
+            <a:noFill/>
+            <a:ln w="9525" cap="flat">
+              <a:solidFill>
+                <a:srgbClr val="808080"/>
+              </a:solidFill>
+              <a:prstDash val="solid"/>
+              <a:miter lim="800000"/>
+              <a:headEnd/>
+              <a:tailEnd/>
+            </a:ln>
+            <a:extLst>
+              <a:ext uri="{909E8E84-426E-40DD-AFC4-6F175D3DCCD1}">
+                <a14:hiddenFill xmlns:a14="http://schemas.microsoft.com/office/drawing/2010/main">
+                  <a:solidFill>
+                    <a:srgbClr val="FFFFFF"/>
+                  </a:solidFill>
+                </a14:hiddenFill>
+              </a:ext>
+            </a:extLst>
+          </p:spPr>
+          <p:txBody>
+            <a:bodyPr vert="horz" wrap="square" lIns="91440" tIns="45720" rIns="91440" bIns="45720" numCol="1" anchor="t" anchorCtr="0" compatLnSpc="1">
+              <a:prstTxWarp prst="textNoShape">
+                <a:avLst/>
+              </a:prstTxWarp>
+            </a:bodyPr>
+            <a:lstStyle>
+              <a:defPPr>
+                <a:defRPr lang="en-US"/>
+              </a:defPPr>
+              <a:lvl1pPr marL="0" algn="l" defTabSz="914400" rtl="0" eaLnBrk="1" latinLnBrk="0" hangingPunct="1">
+                <a:defRPr sz="1800" kern="1200">
+                  <a:solidFill>
+                    <a:schemeClr val="tx1"/>
+                  </a:solidFill>
+                  <a:latin typeface="+mn-lt"/>
+                  <a:ea typeface="+mn-ea"/>
+                  <a:cs typeface="+mn-cs"/>
+                </a:defRPr>
+              </a:lvl1pPr>
+              <a:lvl2pPr marL="457200" algn="l" defTabSz="914400" rtl="0" eaLnBrk="1" latinLnBrk="0" hangingPunct="1">
+                <a:defRPr sz="1800" kern="1200">
+                  <a:solidFill>
+                    <a:schemeClr val="tx1"/>
+                  </a:solidFill>
+                  <a:latin typeface="+mn-lt"/>
+                  <a:ea typeface="+mn-ea"/>
+                  <a:cs typeface="+mn-cs"/>
+                </a:defRPr>
+              </a:lvl2pPr>
+              <a:lvl3pPr marL="914400" algn="l" defTabSz="914400" rtl="0" eaLnBrk="1" latinLnBrk="0" hangingPunct="1">
+                <a:defRPr sz="1800" kern="1200">
+                  <a:solidFill>
+                    <a:schemeClr val="tx1"/>
+                  </a:solidFill>
+                  <a:latin typeface="+mn-lt"/>
+                  <a:ea typeface="+mn-ea"/>
+                  <a:cs typeface="+mn-cs"/>
+                </a:defRPr>
+              </a:lvl3pPr>
+              <a:lvl4pPr marL="1371600" algn="l" defTabSz="914400" rtl="0" eaLnBrk="1" latinLnBrk="0" hangingPunct="1">
+                <a:defRPr sz="1800" kern="1200">
+                  <a:solidFill>
+                    <a:schemeClr val="tx1"/>
+                  </a:solidFill>
+                  <a:latin typeface="+mn-lt"/>
+                  <a:ea typeface="+mn-ea"/>
+                  <a:cs typeface="+mn-cs"/>
+                </a:defRPr>
+              </a:lvl4pPr>
+              <a:lvl5pPr marL="1828800" algn="l" defTabSz="914400" rtl="0" eaLnBrk="1" latinLnBrk="0" hangingPunct="1">
+                <a:defRPr sz="1800" kern="1200">
+                  <a:solidFill>
+                    <a:schemeClr val="tx1"/>
+                  </a:solidFill>
+                  <a:latin typeface="+mn-lt"/>
+                  <a:ea typeface="+mn-ea"/>
+                  <a:cs typeface="+mn-cs"/>
+                </a:defRPr>
+              </a:lvl5pPr>
+              <a:lvl6pPr marL="2286000" algn="l" defTabSz="914400" rtl="0" eaLnBrk="1" latinLnBrk="0" hangingPunct="1">
+                <a:defRPr sz="1800" kern="1200">
+                  <a:solidFill>
+                    <a:schemeClr val="tx1"/>
+                  </a:solidFill>
+                  <a:latin typeface="+mn-lt"/>
+                  <a:ea typeface="+mn-ea"/>
+                  <a:cs typeface="+mn-cs"/>
+                </a:defRPr>
+              </a:lvl6pPr>
+              <a:lvl7pPr marL="2743200" algn="l" defTabSz="914400" rtl="0" eaLnBrk="1" latinLnBrk="0" hangingPunct="1">
+                <a:defRPr sz="1800" kern="1200">
+                  <a:solidFill>
+                    <a:schemeClr val="tx1"/>
+                  </a:solidFill>
+                  <a:latin typeface="+mn-lt"/>
+                  <a:ea typeface="+mn-ea"/>
+                  <a:cs typeface="+mn-cs"/>
+                </a:defRPr>
+              </a:lvl7pPr>
+              <a:lvl8pPr marL="3200400" algn="l" defTabSz="914400" rtl="0" eaLnBrk="1" latinLnBrk="0" hangingPunct="1">
+                <a:defRPr sz="1800" kern="1200">
+                  <a:solidFill>
+                    <a:schemeClr val="tx1"/>
+                  </a:solidFill>
+                  <a:latin typeface="+mn-lt"/>
+                  <a:ea typeface="+mn-ea"/>
+                  <a:cs typeface="+mn-cs"/>
+                </a:defRPr>
+              </a:lvl8pPr>
+              <a:lvl9pPr marL="3657600" algn="l" defTabSz="914400" rtl="0" eaLnBrk="1" latinLnBrk="0" hangingPunct="1">
+                <a:defRPr sz="1800" kern="1200">
+                  <a:solidFill>
+                    <a:schemeClr val="tx1"/>
+                  </a:solidFill>
+                  <a:latin typeface="+mn-lt"/>
+                  <a:ea typeface="+mn-ea"/>
+                  <a:cs typeface="+mn-cs"/>
+                </a:defRPr>
+              </a:lvl9pPr>
+            </a:lstStyle>
+            <a:p>
+              <a:endParaRPr lang="en-US">
+                <a:solidFill>
+                  <a:srgbClr val="5F5F5F"/>
+                </a:solidFill>
+                <a:latin typeface="Segoe UI" panose="020B0502040204020203" pitchFamily="34" charset="0"/>
+                <a:cs typeface="Segoe UI" panose="020B0502040204020203" pitchFamily="34" charset="0"/>
+              </a:endParaRPr>
+            </a:p>
+          </p:txBody>
+        </p:sp>
+        <p:sp>
+          <p:nvSpPr>
+            <p:cNvPr id="9" name="Address Box" descr="&lt;SmartSettings&gt;&lt;SmartResize anchorLeft=&quot;Absolute&quot; anchorTop=&quot;Absolute&quot; anchorRight=&quot;Absolute&quot; anchorBottom=&quot;None&quot; /&gt;&lt;/SmartSettings&gt;"/>
+            <p:cNvSpPr/>
+            <p:nvPr>
+              <p:custDataLst>
+                <p:tags r:id="rId6"/>
+              </p:custDataLst>
+            </p:nvPr>
+          </p:nvSpPr>
+          <p:spPr>
+            <a:xfrm>
+              <a:off x="1167482" y="1416423"/>
+              <a:ext cx="5889875" cy="150559"/>
+            </a:xfrm>
+            <a:prstGeom prst="rect">
+              <a:avLst/>
+            </a:prstGeom>
+            <a:solidFill>
+              <a:srgbClr val="FFFFFF"/>
+            </a:solidFill>
+            <a:ln w="6350">
+              <a:solidFill>
+                <a:srgbClr val="808080"/>
+              </a:solidFill>
+            </a:ln>
+          </p:spPr>
+          <p:style>
+            <a:lnRef idx="2">
+              <a:schemeClr val="accent1">
+                <a:shade val="50000"/>
+              </a:schemeClr>
+            </a:lnRef>
+            <a:fillRef idx="1">
+              <a:schemeClr val="accent1"/>
+            </a:fillRef>
+            <a:effectRef idx="0">
+              <a:schemeClr val="accent1"/>
+            </a:effectRef>
+            <a:fontRef idx="minor">
+              <a:schemeClr val="lt1"/>
+            </a:fontRef>
+          </p:style>
+          <p:txBody>
+            <a:bodyPr rot="0" spcFirstLastPara="0" vert="horz" wrap="square" lIns="237744" tIns="45720" rIns="91440" bIns="45720" numCol="1" spcCol="0" rtlCol="0" fromWordArt="0" anchor="ctr" anchorCtr="0" forceAA="0" compatLnSpc="1">
+              <a:prstTxWarp prst="textNoShape">
+                <a:avLst/>
+              </a:prstTxWarp>
+              <a:noAutofit/>
+            </a:bodyPr>
+            <a:lstStyle>
+              <a:defPPr>
+                <a:defRPr lang="en-US"/>
+              </a:defPPr>
+              <a:lvl1pPr marL="0" algn="l" defTabSz="914400" rtl="0" eaLnBrk="1" latinLnBrk="0" hangingPunct="1">
+                <a:defRPr sz="1800" kern="1200">
+                  <a:solidFill>
+                    <a:schemeClr val="lt1"/>
+                  </a:solidFill>
+                  <a:latin typeface="+mn-lt"/>
+                  <a:ea typeface="+mn-ea"/>
+                  <a:cs typeface="+mn-cs"/>
+                </a:defRPr>
+              </a:lvl1pPr>
+              <a:lvl2pPr marL="457200" algn="l" defTabSz="914400" rtl="0" eaLnBrk="1" latinLnBrk="0" hangingPunct="1">
+                <a:defRPr sz="1800" kern="1200">
+                  <a:solidFill>
+                    <a:schemeClr val="lt1"/>
+                  </a:solidFill>
+                  <a:latin typeface="+mn-lt"/>
+                  <a:ea typeface="+mn-ea"/>
+                  <a:cs typeface="+mn-cs"/>
+                </a:defRPr>
+              </a:lvl2pPr>
+              <a:lvl3pPr marL="914400" algn="l" defTabSz="914400" rtl="0" eaLnBrk="1" latinLnBrk="0" hangingPunct="1">
+                <a:defRPr sz="1800" kern="1200">
+                  <a:solidFill>
+                    <a:schemeClr val="lt1"/>
+                  </a:solidFill>
+                  <a:latin typeface="+mn-lt"/>
+                  <a:ea typeface="+mn-ea"/>
+                  <a:cs typeface="+mn-cs"/>
+                </a:defRPr>
+              </a:lvl3pPr>
+              <a:lvl4pPr marL="1371600" algn="l" defTabSz="914400" rtl="0" eaLnBrk="1" latinLnBrk="0" hangingPunct="1">
+                <a:defRPr sz="1800" kern="1200">
+                  <a:solidFill>
+                    <a:schemeClr val="lt1"/>
+                  </a:solidFill>
+                  <a:latin typeface="+mn-lt"/>
+                  <a:ea typeface="+mn-ea"/>
+                  <a:cs typeface="+mn-cs"/>
+                </a:defRPr>
+              </a:lvl4pPr>
+              <a:lvl5pPr marL="1828800" algn="l" defTabSz="914400" rtl="0" eaLnBrk="1" latinLnBrk="0" hangingPunct="1">
+                <a:defRPr sz="1800" kern="1200">
+                  <a:solidFill>
+                    <a:schemeClr val="lt1"/>
+                  </a:solidFill>
+                  <a:latin typeface="+mn-lt"/>
+                  <a:ea typeface="+mn-ea"/>
+                  <a:cs typeface="+mn-cs"/>
+                </a:defRPr>
+              </a:lvl5pPr>
+              <a:lvl6pPr marL="2286000" algn="l" defTabSz="914400" rtl="0" eaLnBrk="1" latinLnBrk="0" hangingPunct="1">
+                <a:defRPr sz="1800" kern="1200">
+                  <a:solidFill>
+                    <a:schemeClr val="lt1"/>
+                  </a:solidFill>
+                  <a:latin typeface="+mn-lt"/>
+                  <a:ea typeface="+mn-ea"/>
+                  <a:cs typeface="+mn-cs"/>
+                </a:defRPr>
+              </a:lvl6pPr>
+              <a:lvl7pPr marL="2743200" algn="l" defTabSz="914400" rtl="0" eaLnBrk="1" latinLnBrk="0" hangingPunct="1">
+                <a:defRPr sz="1800" kern="1200">
+                  <a:solidFill>
+                    <a:schemeClr val="lt1"/>
+                  </a:solidFill>
+                  <a:latin typeface="+mn-lt"/>
+                  <a:ea typeface="+mn-ea"/>
+                  <a:cs typeface="+mn-cs"/>
+                </a:defRPr>
+              </a:lvl7pPr>
+              <a:lvl8pPr marL="3200400" algn="l" defTabSz="914400" rtl="0" eaLnBrk="1" latinLnBrk="0" hangingPunct="1">
+                <a:defRPr sz="1800" kern="1200">
+                  <a:solidFill>
+                    <a:schemeClr val="lt1"/>
+                  </a:solidFill>
+                  <a:latin typeface="+mn-lt"/>
+                  <a:ea typeface="+mn-ea"/>
+                  <a:cs typeface="+mn-cs"/>
+                </a:defRPr>
+              </a:lvl8pPr>
+              <a:lvl9pPr marL="3657600" algn="l" defTabSz="914400" rtl="0" eaLnBrk="1" latinLnBrk="0" hangingPunct="1">
+                <a:defRPr sz="1800" kern="1200">
+                  <a:solidFill>
+                    <a:schemeClr val="lt1"/>
+                  </a:solidFill>
+                  <a:latin typeface="+mn-lt"/>
+                  <a:ea typeface="+mn-ea"/>
+                  <a:cs typeface="+mn-cs"/>
+                </a:defRPr>
+              </a:lvl9pPr>
+            </a:lstStyle>
+            <a:p>
+              <a:r>
+                <a:rPr lang="en-US" sz="900" noProof="1" smtClean="0">
+                  <a:solidFill>
+                    <a:srgbClr val="5F5F5F"/>
+                  </a:solidFill>
+                  <a:latin typeface="Segoe UI" panose="020B0502040204020203" pitchFamily="34" charset="0"/>
+                  <a:cs typeface="Segoe UI" panose="020B0502040204020203" pitchFamily="34" charset="0"/>
+                </a:rPr>
+                <a:t>www.example.com</a:t>
+              </a:r>
+              <a:endParaRPr lang="en-US" sz="900" noProof="1">
+                <a:solidFill>
+                  <a:srgbClr val="5F5F5F"/>
+                </a:solidFill>
+                <a:latin typeface="Segoe UI" panose="020B0502040204020203" pitchFamily="34" charset="0"/>
+                <a:cs typeface="Segoe UI" panose="020B0502040204020203" pitchFamily="34" charset="0"/>
+              </a:endParaRPr>
+            </a:p>
+          </p:txBody>
+        </p:sp>
+        <p:sp>
+          <p:nvSpPr>
+            <p:cNvPr id="10" name="Document Icon" descr="&lt;SmartSettings&gt;&lt;SmartResize anchorLeft=&quot;Absolute&quot; anchorTop=&quot;Absolute&quot; anchorRight=&quot;None&quot; anchorBottom=&quot;None&quot; /&gt;&lt;/SmartSettings&gt;"/>
+            <p:cNvSpPr>
+              <a:spLocks noChangeAspect="1" noEditPoints="1"/>
+            </p:cNvSpPr>
+            <p:nvPr>
+              <p:custDataLst>
+                <p:tags r:id="rId7"/>
+              </p:custDataLst>
+            </p:nvPr>
+          </p:nvSpPr>
+          <p:spPr bwMode="auto">
+            <a:xfrm>
+              <a:off x="1215689" y="1449479"/>
+              <a:ext cx="59315" cy="84448"/>
+            </a:xfrm>
+            <a:custGeom>
+              <a:avLst/>
+              <a:gdLst>
+                <a:gd name="T0" fmla="*/ 153 w 260"/>
+                <a:gd name="T1" fmla="*/ 7 h 367"/>
+                <a:gd name="T2" fmla="*/ 153 w 260"/>
+                <a:gd name="T3" fmla="*/ 108 h 367"/>
+                <a:gd name="T4" fmla="*/ 253 w 260"/>
+                <a:gd name="T5" fmla="*/ 108 h 367"/>
+                <a:gd name="T6" fmla="*/ 0 w 260"/>
+                <a:gd name="T7" fmla="*/ 0 h 367"/>
+                <a:gd name="T8" fmla="*/ 0 w 260"/>
+                <a:gd name="T9" fmla="*/ 367 h 367"/>
+                <a:gd name="T10" fmla="*/ 260 w 260"/>
+                <a:gd name="T11" fmla="*/ 367 h 367"/>
+                <a:gd name="T12" fmla="*/ 260 w 260"/>
+                <a:gd name="T13" fmla="*/ 100 h 367"/>
+                <a:gd name="T14" fmla="*/ 161 w 260"/>
+                <a:gd name="T15" fmla="*/ 1 h 367"/>
+                <a:gd name="T16" fmla="*/ 0 w 260"/>
+                <a:gd name="T17" fmla="*/ 0 h 367"/>
+              </a:gdLst>
+              <a:ahLst/>
+              <a:cxnLst>
+                <a:cxn ang="0">
+                  <a:pos x="T0" y="T1"/>
+                </a:cxn>
+                <a:cxn ang="0">
+                  <a:pos x="T2" y="T3"/>
+                </a:cxn>
+                <a:cxn ang="0">
+                  <a:pos x="T4" y="T5"/>
+                </a:cxn>
+                <a:cxn ang="0">
+                  <a:pos x="T6" y="T7"/>
+                </a:cxn>
+                <a:cxn ang="0">
+                  <a:pos x="T8" y="T9"/>
+                </a:cxn>
+                <a:cxn ang="0">
+                  <a:pos x="T10" y="T11"/>
+                </a:cxn>
+                <a:cxn ang="0">
+                  <a:pos x="T12" y="T13"/>
+                </a:cxn>
+                <a:cxn ang="0">
+                  <a:pos x="T14" y="T15"/>
+                </a:cxn>
+                <a:cxn ang="0">
+                  <a:pos x="T16" y="T17"/>
+                </a:cxn>
+              </a:cxnLst>
+              <a:rect l="0" t="0" r="r" b="b"/>
+              <a:pathLst>
+                <a:path w="260" h="367">
+                  <a:moveTo>
+                    <a:pt x="153" y="7"/>
+                  </a:moveTo>
+                  <a:lnTo>
+                    <a:pt x="153" y="108"/>
+                  </a:lnTo>
+                  <a:lnTo>
+                    <a:pt x="253" y="108"/>
+                  </a:lnTo>
+                  <a:moveTo>
+                    <a:pt x="0" y="0"/>
+                  </a:moveTo>
+                  <a:lnTo>
+                    <a:pt x="0" y="367"/>
+                  </a:lnTo>
+                  <a:lnTo>
+                    <a:pt x="260" y="367"/>
+                  </a:lnTo>
+                  <a:lnTo>
+                    <a:pt x="260" y="100"/>
+                  </a:lnTo>
+                  <a:lnTo>
+                    <a:pt x="161" y="1"/>
+                  </a:lnTo>
+                  <a:lnTo>
+                    <a:pt x="0" y="0"/>
+                  </a:lnTo>
+                  <a:close/>
+                </a:path>
+              </a:pathLst>
+            </a:custGeom>
+            <a:noFill/>
+            <a:ln w="6350" cap="flat">
+              <a:solidFill>
+                <a:srgbClr val="808080"/>
+              </a:solidFill>
+              <a:prstDash val="solid"/>
+              <a:miter lim="800000"/>
+              <a:headEnd/>
+              <a:tailEnd/>
+            </a:ln>
+            <a:extLst>
+              <a:ext uri="{909E8E84-426E-40DD-AFC4-6F175D3DCCD1}">
+                <a14:hiddenFill xmlns:a14="http://schemas.microsoft.com/office/drawing/2010/main">
+                  <a:solidFill>
+                    <a:srgbClr val="FFFFFF"/>
+                  </a:solidFill>
+                </a14:hiddenFill>
+              </a:ext>
+            </a:extLst>
+          </p:spPr>
+          <p:txBody>
+            <a:bodyPr vert="horz" wrap="square" lIns="91440" tIns="45720" rIns="91440" bIns="45720" numCol="1" anchor="t" anchorCtr="0" compatLnSpc="1">
+              <a:prstTxWarp prst="textNoShape">
+                <a:avLst/>
+              </a:prstTxWarp>
+            </a:bodyPr>
+            <a:lstStyle>
+              <a:defPPr>
+                <a:defRPr lang="en-US"/>
+              </a:defPPr>
+              <a:lvl1pPr marL="0" algn="l" defTabSz="914400" rtl="0" eaLnBrk="1" latinLnBrk="0" hangingPunct="1">
+                <a:defRPr sz="1800" kern="1200">
+                  <a:solidFill>
+                    <a:schemeClr val="tx1"/>
+                  </a:solidFill>
+                  <a:latin typeface="+mn-lt"/>
+                  <a:ea typeface="+mn-ea"/>
+                  <a:cs typeface="+mn-cs"/>
+                </a:defRPr>
+              </a:lvl1pPr>
+              <a:lvl2pPr marL="457200" algn="l" defTabSz="914400" rtl="0" eaLnBrk="1" latinLnBrk="0" hangingPunct="1">
+                <a:defRPr sz="1800" kern="1200">
+                  <a:solidFill>
+                    <a:schemeClr val="tx1"/>
+                  </a:solidFill>
+                  <a:latin typeface="+mn-lt"/>
+                  <a:ea typeface="+mn-ea"/>
+                  <a:cs typeface="+mn-cs"/>
+                </a:defRPr>
+              </a:lvl2pPr>
+              <a:lvl3pPr marL="914400" algn="l" defTabSz="914400" rtl="0" eaLnBrk="1" latinLnBrk="0" hangingPunct="1">
+                <a:defRPr sz="1800" kern="1200">
+                  <a:solidFill>
+                    <a:schemeClr val="tx1"/>
+                  </a:solidFill>
+                  <a:latin typeface="+mn-lt"/>
+                  <a:ea typeface="+mn-ea"/>
+                  <a:cs typeface="+mn-cs"/>
+                </a:defRPr>
+              </a:lvl3pPr>
+              <a:lvl4pPr marL="1371600" algn="l" defTabSz="914400" rtl="0" eaLnBrk="1" latinLnBrk="0" hangingPunct="1">
+                <a:defRPr sz="1800" kern="1200">
+                  <a:solidFill>
+                    <a:schemeClr val="tx1"/>
+                  </a:solidFill>
+                  <a:latin typeface="+mn-lt"/>
+                  <a:ea typeface="+mn-ea"/>
+                  <a:cs typeface="+mn-cs"/>
+                </a:defRPr>
+              </a:lvl4pPr>
+              <a:lvl5pPr marL="1828800" algn="l" defTabSz="914400" rtl="0" eaLnBrk="1" latinLnBrk="0" hangingPunct="1">
+                <a:defRPr sz="1800" kern="1200">
+                  <a:solidFill>
+                    <a:schemeClr val="tx1"/>
+                  </a:solidFill>
+                  <a:latin typeface="+mn-lt"/>
+                  <a:ea typeface="+mn-ea"/>
+                  <a:cs typeface="+mn-cs"/>
+                </a:defRPr>
+              </a:lvl5pPr>
+              <a:lvl6pPr marL="2286000" algn="l" defTabSz="914400" rtl="0" eaLnBrk="1" latinLnBrk="0" hangingPunct="1">
+                <a:defRPr sz="1800" kern="1200">
+                  <a:solidFill>
+                    <a:schemeClr val="tx1"/>
+                  </a:solidFill>
+                  <a:latin typeface="+mn-lt"/>
+                  <a:ea typeface="+mn-ea"/>
+                  <a:cs typeface="+mn-cs"/>
+                </a:defRPr>
+              </a:lvl6pPr>
+              <a:lvl7pPr marL="2743200" algn="l" defTabSz="914400" rtl="0" eaLnBrk="1" latinLnBrk="0" hangingPunct="1">
+                <a:defRPr sz="1800" kern="1200">
+                  <a:solidFill>
+                    <a:schemeClr val="tx1"/>
+                  </a:solidFill>
+                  <a:latin typeface="+mn-lt"/>
+                  <a:ea typeface="+mn-ea"/>
+                  <a:cs typeface="+mn-cs"/>
+                </a:defRPr>
+              </a:lvl7pPr>
+              <a:lvl8pPr marL="3200400" algn="l" defTabSz="914400" rtl="0" eaLnBrk="1" latinLnBrk="0" hangingPunct="1">
+                <a:defRPr sz="1800" kern="1200">
+                  <a:solidFill>
+                    <a:schemeClr val="tx1"/>
+                  </a:solidFill>
+                  <a:latin typeface="+mn-lt"/>
+                  <a:ea typeface="+mn-ea"/>
+                  <a:cs typeface="+mn-cs"/>
+                </a:defRPr>
+              </a:lvl8pPr>
+              <a:lvl9pPr marL="3657600" algn="l" defTabSz="914400" rtl="0" eaLnBrk="1" latinLnBrk="0" hangingPunct="1">
+                <a:defRPr sz="1800" kern="1200">
+                  <a:solidFill>
+                    <a:schemeClr val="tx1"/>
+                  </a:solidFill>
+                  <a:latin typeface="+mn-lt"/>
+                  <a:ea typeface="+mn-ea"/>
+                  <a:cs typeface="+mn-cs"/>
+                </a:defRPr>
+              </a:lvl9pPr>
+            </a:lstStyle>
+            <a:p>
+              <a:endParaRPr lang="en-US">
+                <a:solidFill>
+                  <a:srgbClr val="5F5F5F"/>
+                </a:solidFill>
+                <a:latin typeface="Segoe UI" panose="020B0502040204020203" pitchFamily="34" charset="0"/>
+                <a:cs typeface="Segoe UI" panose="020B0502040204020203" pitchFamily="34" charset="0"/>
+              </a:endParaRPr>
+            </a:p>
+          </p:txBody>
+        </p:sp>
+        <p:grpSp>
+          <p:nvGrpSpPr>
+            <p:cNvPr id="11" name="Navigation Buttons"/>
+            <p:cNvGrpSpPr/>
+            <p:nvPr/>
+          </p:nvGrpSpPr>
+          <p:grpSpPr>
+            <a:xfrm>
+              <a:off x="675422" y="1436912"/>
+              <a:ext cx="406155" cy="109581"/>
+              <a:chOff x="675422" y="1436912"/>
+              <a:chExt cx="406155" cy="109581"/>
+            </a:xfrm>
+          </p:grpSpPr>
+          <p:sp>
+            <p:nvSpPr>
+              <p:cNvPr id="12" name="Back Button" descr="&lt;SmartSettings&gt;&lt;SmartResize anchorLeft=&quot;Absolute&quot; anchorTop=&quot;Absolute&quot; anchorRight=&quot;None&quot; anchorBottom=&quot;None&quot; /&gt;&lt;/SmartSettings&gt;"/>
+              <p:cNvSpPr>
+                <a:spLocks noChangeAspect="1" noEditPoints="1"/>
+              </p:cNvSpPr>
+              <p:nvPr>
+                <p:custDataLst>
+                  <p:tags r:id="rId8"/>
+                </p:custDataLst>
+              </p:nvPr>
+            </p:nvSpPr>
+            <p:spPr bwMode="auto">
+              <a:xfrm>
+                <a:off x="675422" y="1453500"/>
+                <a:ext cx="96512" cy="76405"/>
+              </a:xfrm>
+              <a:custGeom>
+                <a:avLst/>
+                <a:gdLst>
+                  <a:gd name="T0" fmla="*/ 159 w 423"/>
+                  <a:gd name="T1" fmla="*/ 332 h 332"/>
+                  <a:gd name="T2" fmla="*/ 0 w 423"/>
+                  <a:gd name="T3" fmla="*/ 166 h 332"/>
+                  <a:gd name="T4" fmla="*/ 159 w 423"/>
+                  <a:gd name="T5" fmla="*/ 0 h 332"/>
+                  <a:gd name="T6" fmla="*/ 15 w 423"/>
+                  <a:gd name="T7" fmla="*/ 166 h 332"/>
+                  <a:gd name="T8" fmla="*/ 423 w 423"/>
+                  <a:gd name="T9" fmla="*/ 166 h 332"/>
+                </a:gdLst>
+                <a:ahLst/>
+                <a:cxnLst>
+                  <a:cxn ang="0">
+                    <a:pos x="T0" y="T1"/>
+                  </a:cxn>
+                  <a:cxn ang="0">
+                    <a:pos x="T2" y="T3"/>
+                  </a:cxn>
+                  <a:cxn ang="0">
+                    <a:pos x="T4" y="T5"/>
+                  </a:cxn>
+                  <a:cxn ang="0">
+                    <a:pos x="T6" y="T7"/>
+                  </a:cxn>
+                  <a:cxn ang="0">
+                    <a:pos x="T8" y="T9"/>
+                  </a:cxn>
+                </a:cxnLst>
+                <a:rect l="0" t="0" r="r" b="b"/>
+                <a:pathLst>
+                  <a:path w="423" h="332">
+                    <a:moveTo>
+                      <a:pt x="159" y="332"/>
+                    </a:moveTo>
+                    <a:lnTo>
+                      <a:pt x="0" y="166"/>
+                    </a:lnTo>
+                    <a:lnTo>
+                      <a:pt x="159" y="0"/>
+                    </a:lnTo>
+                    <a:moveTo>
+                      <a:pt x="15" y="166"/>
+                    </a:moveTo>
+                    <a:lnTo>
+                      <a:pt x="423" y="166"/>
+                    </a:lnTo>
+                  </a:path>
+                </a:pathLst>
+              </a:custGeom>
+              <a:noFill/>
+              <a:ln w="6350" cap="sq">
+                <a:solidFill>
+                  <a:srgbClr val="808080"/>
+                </a:solidFill>
+                <a:prstDash val="solid"/>
+                <a:miter lim="800000"/>
+                <a:headEnd/>
+                <a:tailEnd/>
+              </a:ln>
+              <a:extLst>
+                <a:ext uri="{909E8E84-426E-40DD-AFC4-6F175D3DCCD1}">
+                  <a14:hiddenFill xmlns:a14="http://schemas.microsoft.com/office/drawing/2010/main">
+                    <a:solidFill>
+                      <a:srgbClr val="FFFFFF"/>
+                    </a:solidFill>
+                  </a14:hiddenFill>
+                </a:ext>
+              </a:extLst>
+            </p:spPr>
+            <p:txBody>
+              <a:bodyPr vert="horz" wrap="square" lIns="91440" tIns="45720" rIns="91440" bIns="45720" numCol="1" anchor="t" anchorCtr="0" compatLnSpc="1">
+                <a:prstTxWarp prst="textNoShape">
+                  <a:avLst/>
+                </a:prstTxWarp>
+              </a:bodyPr>
+              <a:lstStyle>
+                <a:defPPr>
+                  <a:defRPr lang="en-US"/>
+                </a:defPPr>
+                <a:lvl1pPr marL="0" algn="l" defTabSz="914400" rtl="0" eaLnBrk="1" latinLnBrk="0" hangingPunct="1">
+                  <a:defRPr sz="1800" kern="1200">
+                    <a:solidFill>
+                      <a:schemeClr val="tx1"/>
+                    </a:solidFill>
+                    <a:latin typeface="+mn-lt"/>
+                    <a:ea typeface="+mn-ea"/>
+                    <a:cs typeface="+mn-cs"/>
+                  </a:defRPr>
+                </a:lvl1pPr>
+                <a:lvl2pPr marL="457200" algn="l" defTabSz="914400" rtl="0" eaLnBrk="1" latinLnBrk="0" hangingPunct="1">
+                  <a:defRPr sz="1800" kern="1200">
+                    <a:solidFill>
+                      <a:schemeClr val="tx1"/>
+                    </a:solidFill>
+                    <a:latin typeface="+mn-lt"/>
+                    <a:ea typeface="+mn-ea"/>
+                    <a:cs typeface="+mn-cs"/>
+                  </a:defRPr>
+                </a:lvl2pPr>
+                <a:lvl3pPr marL="914400" algn="l" defTabSz="914400" rtl="0" eaLnBrk="1" latinLnBrk="0" hangingPunct="1">
+                  <a:defRPr sz="1800" kern="1200">
+                    <a:solidFill>
+                      <a:schemeClr val="tx1"/>
+                    </a:solidFill>
+                    <a:latin typeface="+mn-lt"/>
+                    <a:ea typeface="+mn-ea"/>
+                    <a:cs typeface="+mn-cs"/>
+                  </a:defRPr>
+                </a:lvl3pPr>
+                <a:lvl4pPr marL="1371600" algn="l" defTabSz="914400" rtl="0" eaLnBrk="1" latinLnBrk="0" hangingPunct="1">
+                  <a:defRPr sz="1800" kern="1200">
+                    <a:solidFill>
+                      <a:schemeClr val="tx1"/>
+                    </a:solidFill>
+                    <a:latin typeface="+mn-lt"/>
+                    <a:ea typeface="+mn-ea"/>
+                    <a:cs typeface="+mn-cs"/>
+                  </a:defRPr>
+                </a:lvl4pPr>
+                <a:lvl5pPr marL="1828800" algn="l" defTabSz="914400" rtl="0" eaLnBrk="1" latinLnBrk="0" hangingPunct="1">
+                  <a:defRPr sz="1800" kern="1200">
+                    <a:solidFill>
+                      <a:schemeClr val="tx1"/>
+                    </a:solidFill>
+                    <a:latin typeface="+mn-lt"/>
+                    <a:ea typeface="+mn-ea"/>
+                    <a:cs typeface="+mn-cs"/>
+                  </a:defRPr>
+                </a:lvl5pPr>
+                <a:lvl6pPr marL="2286000" algn="l" defTabSz="914400" rtl="0" eaLnBrk="1" latinLnBrk="0" hangingPunct="1">
+                  <a:defRPr sz="1800" kern="1200">
+                    <a:solidFill>
+                      <a:schemeClr val="tx1"/>
+                    </a:solidFill>
+                    <a:latin typeface="+mn-lt"/>
+                    <a:ea typeface="+mn-ea"/>
+                    <a:cs typeface="+mn-cs"/>
+                  </a:defRPr>
+                </a:lvl6pPr>
+                <a:lvl7pPr marL="2743200" algn="l" defTabSz="914400" rtl="0" eaLnBrk="1" latinLnBrk="0" hangingPunct="1">
+                  <a:defRPr sz="1800" kern="1200">
+                    <a:solidFill>
+                      <a:schemeClr val="tx1"/>
+                    </a:solidFill>
+                    <a:latin typeface="+mn-lt"/>
+                    <a:ea typeface="+mn-ea"/>
+                    <a:cs typeface="+mn-cs"/>
+                  </a:defRPr>
+                </a:lvl7pPr>
+                <a:lvl8pPr marL="3200400" algn="l" defTabSz="914400" rtl="0" eaLnBrk="1" latinLnBrk="0" hangingPunct="1">
+                  <a:defRPr sz="1800" kern="1200">
+                    <a:solidFill>
+                      <a:schemeClr val="tx1"/>
+                    </a:solidFill>
+                    <a:latin typeface="+mn-lt"/>
+                    <a:ea typeface="+mn-ea"/>
+                    <a:cs typeface="+mn-cs"/>
+                  </a:defRPr>
+                </a:lvl8pPr>
+                <a:lvl9pPr marL="3657600" algn="l" defTabSz="914400" rtl="0" eaLnBrk="1" latinLnBrk="0" hangingPunct="1">
+                  <a:defRPr sz="1800" kern="1200">
+                    <a:solidFill>
+                      <a:schemeClr val="tx1"/>
+                    </a:solidFill>
+                    <a:latin typeface="+mn-lt"/>
+                    <a:ea typeface="+mn-ea"/>
+                    <a:cs typeface="+mn-cs"/>
+                  </a:defRPr>
+                </a:lvl9pPr>
+              </a:lstStyle>
+              <a:p>
+                <a:endParaRPr lang="en-US">
+                  <a:solidFill>
+                    <a:srgbClr val="5F5F5F"/>
+                  </a:solidFill>
+                  <a:latin typeface="Segoe UI" panose="020B0502040204020203" pitchFamily="34" charset="0"/>
+                  <a:cs typeface="Segoe UI" panose="020B0502040204020203" pitchFamily="34" charset="0"/>
+                </a:endParaRPr>
+              </a:p>
+            </p:txBody>
+          </p:sp>
+          <p:sp>
+            <p:nvSpPr>
+              <p:cNvPr id="13" name="Forward Button" descr="&lt;SmartSettings&gt;&lt;SmartResize anchorLeft=&quot;Absolute&quot; anchorTop=&quot;Absolute&quot; anchorRight=&quot;None&quot; anchorBottom=&quot;None&quot; /&gt;&lt;/SmartSettings&gt;"/>
+              <p:cNvSpPr>
+                <a:spLocks noChangeAspect="1" noEditPoints="1"/>
+              </p:cNvSpPr>
+              <p:nvPr>
+                <p:custDataLst>
+                  <p:tags r:id="rId9"/>
+                </p:custDataLst>
+              </p:nvPr>
+            </p:nvSpPr>
+            <p:spPr bwMode="auto">
+              <a:xfrm>
+                <a:off x="828233" y="1453500"/>
+                <a:ext cx="96512" cy="76405"/>
+              </a:xfrm>
+              <a:custGeom>
+                <a:avLst/>
+                <a:gdLst>
+                  <a:gd name="T0" fmla="*/ 265 w 423"/>
+                  <a:gd name="T1" fmla="*/ 0 h 332"/>
+                  <a:gd name="T2" fmla="*/ 423 w 423"/>
+                  <a:gd name="T3" fmla="*/ 166 h 332"/>
+                  <a:gd name="T4" fmla="*/ 265 w 423"/>
+                  <a:gd name="T5" fmla="*/ 332 h 332"/>
+                  <a:gd name="T6" fmla="*/ 408 w 423"/>
+                  <a:gd name="T7" fmla="*/ 166 h 332"/>
+                  <a:gd name="T8" fmla="*/ 0 w 423"/>
+                  <a:gd name="T9" fmla="*/ 166 h 332"/>
+                </a:gdLst>
+                <a:ahLst/>
+                <a:cxnLst>
+                  <a:cxn ang="0">
+                    <a:pos x="T0" y="T1"/>
+                  </a:cxn>
+                  <a:cxn ang="0">
+                    <a:pos x="T2" y="T3"/>
+                  </a:cxn>
+                  <a:cxn ang="0">
+                    <a:pos x="T4" y="T5"/>
+                  </a:cxn>
+                  <a:cxn ang="0">
+                    <a:pos x="T6" y="T7"/>
+                  </a:cxn>
+                  <a:cxn ang="0">
+                    <a:pos x="T8" y="T9"/>
+                  </a:cxn>
+                </a:cxnLst>
+                <a:rect l="0" t="0" r="r" b="b"/>
+                <a:pathLst>
+                  <a:path w="423" h="332">
+                    <a:moveTo>
+                      <a:pt x="265" y="0"/>
+                    </a:moveTo>
+                    <a:lnTo>
+                      <a:pt x="423" y="166"/>
+                    </a:lnTo>
+                    <a:lnTo>
+                      <a:pt x="265" y="332"/>
+                    </a:lnTo>
+                    <a:moveTo>
+                      <a:pt x="408" y="166"/>
+                    </a:moveTo>
+                    <a:lnTo>
+                      <a:pt x="0" y="166"/>
+                    </a:lnTo>
+                  </a:path>
+                </a:pathLst>
+              </a:custGeom>
+              <a:noFill/>
+              <a:ln w="6350" cap="sq">
+                <a:solidFill>
+                  <a:srgbClr val="808080"/>
+                </a:solidFill>
+                <a:prstDash val="solid"/>
+                <a:miter lim="800000"/>
+                <a:headEnd/>
+                <a:tailEnd/>
+              </a:ln>
+              <a:extLst>
+                <a:ext uri="{909E8E84-426E-40DD-AFC4-6F175D3DCCD1}">
+                  <a14:hiddenFill xmlns:a14="http://schemas.microsoft.com/office/drawing/2010/main">
+                    <a:solidFill>
+                      <a:srgbClr val="FFFFFF"/>
+                    </a:solidFill>
+                  </a14:hiddenFill>
+                </a:ext>
+              </a:extLst>
+            </p:spPr>
+            <p:txBody>
+              <a:bodyPr vert="horz" wrap="square" lIns="91440" tIns="45720" rIns="91440" bIns="45720" numCol="1" anchor="t" anchorCtr="0" compatLnSpc="1">
+                <a:prstTxWarp prst="textNoShape">
+                  <a:avLst/>
+                </a:prstTxWarp>
+              </a:bodyPr>
+              <a:lstStyle>
+                <a:defPPr>
+                  <a:defRPr lang="en-US"/>
+                </a:defPPr>
+                <a:lvl1pPr marL="0" algn="l" defTabSz="914400" rtl="0" eaLnBrk="1" latinLnBrk="0" hangingPunct="1">
+                  <a:defRPr sz="1800" kern="1200">
+                    <a:solidFill>
+                      <a:schemeClr val="tx1"/>
+                    </a:solidFill>
+                    <a:latin typeface="+mn-lt"/>
+                    <a:ea typeface="+mn-ea"/>
+                    <a:cs typeface="+mn-cs"/>
+                  </a:defRPr>
+                </a:lvl1pPr>
+                <a:lvl2pPr marL="457200" algn="l" defTabSz="914400" rtl="0" eaLnBrk="1" latinLnBrk="0" hangingPunct="1">
+                  <a:defRPr sz="1800" kern="1200">
+                    <a:solidFill>
+                      <a:schemeClr val="tx1"/>
+                    </a:solidFill>
+                    <a:latin typeface="+mn-lt"/>
+                    <a:ea typeface="+mn-ea"/>
+                    <a:cs typeface="+mn-cs"/>
+                  </a:defRPr>
+                </a:lvl2pPr>
+                <a:lvl3pPr marL="914400" algn="l" defTabSz="914400" rtl="0" eaLnBrk="1" latinLnBrk="0" hangingPunct="1">
+                  <a:defRPr sz="1800" kern="1200">
+                    <a:solidFill>
+                      <a:schemeClr val="tx1"/>
+                    </a:solidFill>
+                    <a:latin typeface="+mn-lt"/>
+                    <a:ea typeface="+mn-ea"/>
+                    <a:cs typeface="+mn-cs"/>
+                  </a:defRPr>
+                </a:lvl3pPr>
+                <a:lvl4pPr marL="1371600" algn="l" defTabSz="914400" rtl="0" eaLnBrk="1" latinLnBrk="0" hangingPunct="1">
+                  <a:defRPr sz="1800" kern="1200">
+                    <a:solidFill>
+                      <a:schemeClr val="tx1"/>
+                    </a:solidFill>
+                    <a:latin typeface="+mn-lt"/>
+                    <a:ea typeface="+mn-ea"/>
+                    <a:cs typeface="+mn-cs"/>
+                  </a:defRPr>
+                </a:lvl4pPr>
+                <a:lvl5pPr marL="1828800" algn="l" defTabSz="914400" rtl="0" eaLnBrk="1" latinLnBrk="0" hangingPunct="1">
+                  <a:defRPr sz="1800" kern="1200">
+                    <a:solidFill>
+                      <a:schemeClr val="tx1"/>
+                    </a:solidFill>
+                    <a:latin typeface="+mn-lt"/>
+                    <a:ea typeface="+mn-ea"/>
+                    <a:cs typeface="+mn-cs"/>
+                  </a:defRPr>
+                </a:lvl5pPr>
+                <a:lvl6pPr marL="2286000" algn="l" defTabSz="914400" rtl="0" eaLnBrk="1" latinLnBrk="0" hangingPunct="1">
+                  <a:defRPr sz="1800" kern="1200">
+                    <a:solidFill>
+                      <a:schemeClr val="tx1"/>
+                    </a:solidFill>
+                    <a:latin typeface="+mn-lt"/>
+                    <a:ea typeface="+mn-ea"/>
+                    <a:cs typeface="+mn-cs"/>
+                  </a:defRPr>
+                </a:lvl6pPr>
+                <a:lvl7pPr marL="2743200" algn="l" defTabSz="914400" rtl="0" eaLnBrk="1" latinLnBrk="0" hangingPunct="1">
+                  <a:defRPr sz="1800" kern="1200">
+                    <a:solidFill>
+                      <a:schemeClr val="tx1"/>
+                    </a:solidFill>
+                    <a:latin typeface="+mn-lt"/>
+                    <a:ea typeface="+mn-ea"/>
+                    <a:cs typeface="+mn-cs"/>
+                  </a:defRPr>
+                </a:lvl7pPr>
+                <a:lvl8pPr marL="3200400" algn="l" defTabSz="914400" rtl="0" eaLnBrk="1" latinLnBrk="0" hangingPunct="1">
+                  <a:defRPr sz="1800" kern="1200">
+                    <a:solidFill>
+                      <a:schemeClr val="tx1"/>
+                    </a:solidFill>
+                    <a:latin typeface="+mn-lt"/>
+                    <a:ea typeface="+mn-ea"/>
+                    <a:cs typeface="+mn-cs"/>
+                  </a:defRPr>
+                </a:lvl8pPr>
+                <a:lvl9pPr marL="3657600" algn="l" defTabSz="914400" rtl="0" eaLnBrk="1" latinLnBrk="0" hangingPunct="1">
+                  <a:defRPr sz="1800" kern="1200">
+                    <a:solidFill>
+                      <a:schemeClr val="tx1"/>
+                    </a:solidFill>
+                    <a:latin typeface="+mn-lt"/>
+                    <a:ea typeface="+mn-ea"/>
+                    <a:cs typeface="+mn-cs"/>
+                  </a:defRPr>
+                </a:lvl9pPr>
+              </a:lstStyle>
+              <a:p>
+                <a:endParaRPr lang="en-US">
+                  <a:solidFill>
+                    <a:srgbClr val="5F5F5F"/>
+                  </a:solidFill>
+                  <a:latin typeface="Segoe UI" panose="020B0502040204020203" pitchFamily="34" charset="0"/>
+                  <a:cs typeface="Segoe UI" panose="020B0502040204020203" pitchFamily="34" charset="0"/>
+                </a:endParaRPr>
+              </a:p>
+            </p:txBody>
+          </p:sp>
+          <p:sp>
+            <p:nvSpPr>
+              <p:cNvPr id="14" name="Reload Button" descr="&lt;SmartSettings&gt;&lt;SmartResize anchorLeft=&quot;Absolute&quot; anchorTop=&quot;Absolute&quot; anchorRight=&quot;None&quot; anchorBottom=&quot;None&quot; /&gt;&lt;/SmartSettings&gt;"/>
+              <p:cNvSpPr>
+                <a:spLocks noChangeAspect="1" noEditPoints="1"/>
+              </p:cNvSpPr>
+              <p:nvPr>
+                <p:custDataLst>
+                  <p:tags r:id="rId10"/>
+                </p:custDataLst>
+              </p:nvPr>
+            </p:nvSpPr>
+            <p:spPr bwMode="auto">
+              <a:xfrm>
+                <a:off x="981044" y="1436912"/>
+                <a:ext cx="100533" cy="109581"/>
+              </a:xfrm>
+              <a:custGeom>
+                <a:avLst/>
+                <a:gdLst>
+                  <a:gd name="T0" fmla="*/ 441 w 441"/>
+                  <a:gd name="T1" fmla="*/ 7 h 474"/>
+                  <a:gd name="T2" fmla="*/ 441 w 441"/>
+                  <a:gd name="T3" fmla="*/ 144 h 474"/>
+                  <a:gd name="T4" fmla="*/ 296 w 441"/>
+                  <a:gd name="T5" fmla="*/ 144 h 474"/>
+                  <a:gd name="T6" fmla="*/ 438 w 441"/>
+                  <a:gd name="T7" fmla="*/ 309 h 474"/>
+                  <a:gd name="T8" fmla="*/ 166 w 441"/>
+                  <a:gd name="T9" fmla="*/ 434 h 474"/>
+                  <a:gd name="T10" fmla="*/ 41 w 441"/>
+                  <a:gd name="T11" fmla="*/ 162 h 474"/>
+                  <a:gd name="T12" fmla="*/ 313 w 441"/>
+                  <a:gd name="T13" fmla="*/ 37 h 474"/>
+                  <a:gd name="T14" fmla="*/ 428 w 441"/>
+                  <a:gd name="T15" fmla="*/ 139 h 474"/>
+                </a:gdLst>
+                <a:ahLst/>
+                <a:cxnLst>
+                  <a:cxn ang="0">
+                    <a:pos x="T0" y="T1"/>
+                  </a:cxn>
+                  <a:cxn ang="0">
+                    <a:pos x="T2" y="T3"/>
+                  </a:cxn>
+                  <a:cxn ang="0">
+                    <a:pos x="T4" y="T5"/>
+                  </a:cxn>
+                  <a:cxn ang="0">
+                    <a:pos x="T6" y="T7"/>
+                  </a:cxn>
+                  <a:cxn ang="0">
+                    <a:pos x="T8" y="T9"/>
+                  </a:cxn>
+                  <a:cxn ang="0">
+                    <a:pos x="T10" y="T11"/>
+                  </a:cxn>
+                  <a:cxn ang="0">
+                    <a:pos x="T12" y="T13"/>
+                  </a:cxn>
+                  <a:cxn ang="0">
+                    <a:pos x="T14" y="T15"/>
+                  </a:cxn>
+                </a:cxnLst>
+                <a:rect l="0" t="0" r="r" b="b"/>
+                <a:pathLst>
+                  <a:path w="441" h="474">
+                    <a:moveTo>
+                      <a:pt x="441" y="7"/>
+                    </a:moveTo>
+                    <a:lnTo>
+                      <a:pt x="441" y="144"/>
+                    </a:lnTo>
+                    <a:lnTo>
+                      <a:pt x="296" y="144"/>
+                    </a:lnTo>
+                    <a:moveTo>
+                      <a:pt x="438" y="309"/>
+                    </a:moveTo>
+                    <a:cubicBezTo>
+                      <a:pt x="397" y="418"/>
+                      <a:pt x="276" y="474"/>
+                      <a:pt x="166" y="434"/>
+                    </a:cubicBezTo>
+                    <a:cubicBezTo>
+                      <a:pt x="56" y="393"/>
+                      <a:pt x="0" y="271"/>
+                      <a:pt x="41" y="162"/>
+                    </a:cubicBezTo>
+                    <a:cubicBezTo>
+                      <a:pt x="82" y="52"/>
+                      <a:pt x="202" y="0"/>
+                      <a:pt x="313" y="37"/>
+                    </a:cubicBezTo>
+                    <a:cubicBezTo>
+                      <a:pt x="357" y="51"/>
+                      <a:pt x="398" y="91"/>
+                      <a:pt x="428" y="139"/>
+                    </a:cubicBezTo>
+                  </a:path>
+                </a:pathLst>
+              </a:custGeom>
+              <a:noFill/>
+              <a:ln w="6350" cap="flat">
+                <a:solidFill>
+                  <a:srgbClr val="808080"/>
+                </a:solidFill>
+                <a:prstDash val="solid"/>
+                <a:miter lim="800000"/>
+                <a:headEnd/>
+                <a:tailEnd/>
+              </a:ln>
+              <a:extLst>
+                <a:ext uri="{909E8E84-426E-40DD-AFC4-6F175D3DCCD1}">
+                  <a14:hiddenFill xmlns:a14="http://schemas.microsoft.com/office/drawing/2010/main">
+                    <a:solidFill>
+                      <a:srgbClr val="FFFFFF"/>
+                    </a:solidFill>
+                  </a14:hiddenFill>
+                </a:ext>
+              </a:extLst>
+            </p:spPr>
+            <p:txBody>
+              <a:bodyPr vert="horz" wrap="square" lIns="91440" tIns="45720" rIns="91440" bIns="45720" numCol="1" anchor="t" anchorCtr="0" compatLnSpc="1">
+                <a:prstTxWarp prst="textNoShape">
+                  <a:avLst/>
+                </a:prstTxWarp>
+              </a:bodyPr>
+              <a:lstStyle>
+                <a:defPPr>
+                  <a:defRPr lang="en-US"/>
+                </a:defPPr>
+                <a:lvl1pPr marL="0" algn="l" defTabSz="914400" rtl="0" eaLnBrk="1" latinLnBrk="0" hangingPunct="1">
+                  <a:defRPr sz="1800" kern="1200">
+                    <a:solidFill>
+                      <a:schemeClr val="tx1"/>
+                    </a:solidFill>
+                    <a:latin typeface="+mn-lt"/>
+                    <a:ea typeface="+mn-ea"/>
+                    <a:cs typeface="+mn-cs"/>
+                  </a:defRPr>
+                </a:lvl1pPr>
+                <a:lvl2pPr marL="457200" algn="l" defTabSz="914400" rtl="0" eaLnBrk="1" latinLnBrk="0" hangingPunct="1">
+                  <a:defRPr sz="1800" kern="1200">
+                    <a:solidFill>
+                      <a:schemeClr val="tx1"/>
+                    </a:solidFill>
+                    <a:latin typeface="+mn-lt"/>
+                    <a:ea typeface="+mn-ea"/>
+                    <a:cs typeface="+mn-cs"/>
+                  </a:defRPr>
+                </a:lvl2pPr>
+                <a:lvl3pPr marL="914400" algn="l" defTabSz="914400" rtl="0" eaLnBrk="1" latinLnBrk="0" hangingPunct="1">
+                  <a:defRPr sz="1800" kern="1200">
+                    <a:solidFill>
+                      <a:schemeClr val="tx1"/>
+                    </a:solidFill>
+                    <a:latin typeface="+mn-lt"/>
+                    <a:ea typeface="+mn-ea"/>
+                    <a:cs typeface="+mn-cs"/>
+                  </a:defRPr>
+                </a:lvl3pPr>
+                <a:lvl4pPr marL="1371600" algn="l" defTabSz="914400" rtl="0" eaLnBrk="1" latinLnBrk="0" hangingPunct="1">
+                  <a:defRPr sz="1800" kern="1200">
+                    <a:solidFill>
+                      <a:schemeClr val="tx1"/>
+                    </a:solidFill>
+                    <a:latin typeface="+mn-lt"/>
+                    <a:ea typeface="+mn-ea"/>
+                    <a:cs typeface="+mn-cs"/>
+                  </a:defRPr>
+                </a:lvl4pPr>
+                <a:lvl5pPr marL="1828800" algn="l" defTabSz="914400" rtl="0" eaLnBrk="1" latinLnBrk="0" hangingPunct="1">
+                  <a:defRPr sz="1800" kern="1200">
+                    <a:solidFill>
+                      <a:schemeClr val="tx1"/>
+                    </a:solidFill>
+                    <a:latin typeface="+mn-lt"/>
+                    <a:ea typeface="+mn-ea"/>
+                    <a:cs typeface="+mn-cs"/>
+                  </a:defRPr>
+                </a:lvl5pPr>
+                <a:lvl6pPr marL="2286000" algn="l" defTabSz="914400" rtl="0" eaLnBrk="1" latinLnBrk="0" hangingPunct="1">
+                  <a:defRPr sz="1800" kern="1200">
+                    <a:solidFill>
+                      <a:schemeClr val="tx1"/>
+                    </a:solidFill>
+                    <a:latin typeface="+mn-lt"/>
+                    <a:ea typeface="+mn-ea"/>
+                    <a:cs typeface="+mn-cs"/>
+                  </a:defRPr>
+                </a:lvl6pPr>
+                <a:lvl7pPr marL="2743200" algn="l" defTabSz="914400" rtl="0" eaLnBrk="1" latinLnBrk="0" hangingPunct="1">
+                  <a:defRPr sz="1800" kern="1200">
+                    <a:solidFill>
+                      <a:schemeClr val="tx1"/>
+                    </a:solidFill>
+                    <a:latin typeface="+mn-lt"/>
+                    <a:ea typeface="+mn-ea"/>
+                    <a:cs typeface="+mn-cs"/>
+                  </a:defRPr>
+                </a:lvl7pPr>
+                <a:lvl8pPr marL="3200400" algn="l" defTabSz="914400" rtl="0" eaLnBrk="1" latinLnBrk="0" hangingPunct="1">
+                  <a:defRPr sz="1800" kern="1200">
+                    <a:solidFill>
+                      <a:schemeClr val="tx1"/>
+                    </a:solidFill>
+                    <a:latin typeface="+mn-lt"/>
+                    <a:ea typeface="+mn-ea"/>
+                    <a:cs typeface="+mn-cs"/>
+                  </a:defRPr>
+                </a:lvl8pPr>
+                <a:lvl9pPr marL="3657600" algn="l" defTabSz="914400" rtl="0" eaLnBrk="1" latinLnBrk="0" hangingPunct="1">
+                  <a:defRPr sz="1800" kern="1200">
+                    <a:solidFill>
+                      <a:schemeClr val="tx1"/>
+                    </a:solidFill>
+                    <a:latin typeface="+mn-lt"/>
+                    <a:ea typeface="+mn-ea"/>
+                    <a:cs typeface="+mn-cs"/>
+                  </a:defRPr>
+                </a:lvl9pPr>
+              </a:lstStyle>
+              <a:p>
+                <a:endParaRPr lang="en-US">
+                  <a:solidFill>
+                    <a:srgbClr val="5F5F5F"/>
+                  </a:solidFill>
+                  <a:latin typeface="Segoe UI" panose="020B0502040204020203" pitchFamily="34" charset="0"/>
+                  <a:cs typeface="Segoe UI" panose="020B0502040204020203" pitchFamily="34" charset="0"/>
+                </a:endParaRPr>
+              </a:p>
+            </p:txBody>
+          </p:sp>
+        </p:grpSp>
+      </p:grpSp>
+      <p:sp>
+        <p:nvSpPr>
+          <p:cNvPr id="16" name="Rectangle 15"/>
+          <p:cNvSpPr/>
+          <p:nvPr/>
+        </p:nvSpPr>
+        <p:spPr>
+          <a:xfrm>
+            <a:off x="1696684" y="544610"/>
+            <a:ext cx="10530041" cy="1245689"/>
+          </a:xfrm>
+          <a:prstGeom prst="rect">
+            <a:avLst/>
+          </a:prstGeom>
+          <a:solidFill>
+            <a:schemeClr val="tx2">
+              <a:lumMod val="75000"/>
+            </a:schemeClr>
+          </a:solidFill>
+        </p:spPr>
+        <p:style>
+          <a:lnRef idx="2">
+            <a:schemeClr val="accent1">
+              <a:shade val="50000"/>
+            </a:schemeClr>
+          </a:lnRef>
+          <a:fillRef idx="1">
+            <a:schemeClr val="accent1"/>
+          </a:fillRef>
+          <a:effectRef idx="0">
+            <a:schemeClr val="accent1"/>
+          </a:effectRef>
+          <a:fontRef idx="minor">
+            <a:schemeClr val="lt1"/>
+          </a:fontRef>
+        </p:style>
+        <p:txBody>
+          <a:bodyPr rtlCol="0" anchor="ctr"/>
+          <a:lstStyle/>
+          <a:p>
+            <a:pPr algn="ctr"/>
+            <a:endParaRPr lang="fr-FR"/>
+          </a:p>
+        </p:txBody>
+      </p:sp>
+      <p:sp>
+        <p:nvSpPr>
+          <p:cNvPr id="17" name="ZoneTexte 16"/>
+          <p:cNvSpPr txBox="1"/>
+          <p:nvPr/>
+        </p:nvSpPr>
+        <p:spPr>
+          <a:xfrm>
+            <a:off x="4905106" y="788817"/>
+            <a:ext cx="4620126" cy="523220"/>
+          </a:xfrm>
+          <a:prstGeom prst="rect">
+            <a:avLst/>
+          </a:prstGeom>
+          <a:noFill/>
+        </p:spPr>
+        <p:txBody>
+          <a:bodyPr wrap="square" rtlCol="0">
+            <a:spAutoFit/>
+          </a:bodyPr>
+          <a:lstStyle/>
+          <a:p>
+            <a:r>
+              <a:rPr lang="fr-FR" sz="2800" dirty="0" smtClean="0">
+                <a:solidFill>
+                  <a:schemeClr val="bg1"/>
+                </a:solidFill>
+              </a:rPr>
+              <a:t>LES TRESORS DE ONE PIECE</a:t>
+            </a:r>
+            <a:endParaRPr lang="fr-FR" sz="2800" dirty="0">
+              <a:solidFill>
+                <a:schemeClr val="bg1"/>
+              </a:solidFill>
+            </a:endParaRPr>
+          </a:p>
+        </p:txBody>
+      </p:sp>
+      <p:sp>
+        <p:nvSpPr>
+          <p:cNvPr id="18" name="ZoneTexte 17"/>
+          <p:cNvSpPr txBox="1"/>
+          <p:nvPr/>
+        </p:nvSpPr>
+        <p:spPr>
+          <a:xfrm>
+            <a:off x="10424159" y="573942"/>
+            <a:ext cx="2595613" cy="307777"/>
+          </a:xfrm>
+          <a:prstGeom prst="rect">
+            <a:avLst/>
+          </a:prstGeom>
+          <a:noFill/>
+        </p:spPr>
+        <p:txBody>
+          <a:bodyPr wrap="square" rtlCol="0">
+            <a:spAutoFit/>
+          </a:bodyPr>
+          <a:lstStyle/>
+          <a:p>
+            <a:r>
+              <a:rPr lang="fr-FR" sz="1400" dirty="0" smtClean="0">
+                <a:solidFill>
+                  <a:schemeClr val="bg1"/>
+                </a:solidFill>
+              </a:rPr>
+              <a:t>Inscription/Connexion</a:t>
+            </a:r>
+            <a:endParaRPr lang="fr-FR" sz="1400" dirty="0">
+              <a:solidFill>
+                <a:schemeClr val="bg1"/>
+              </a:solidFill>
+            </a:endParaRPr>
+          </a:p>
+        </p:txBody>
+      </p:sp>
+      <p:sp>
+        <p:nvSpPr>
+          <p:cNvPr id="19" name="ZoneTexte 18"/>
+          <p:cNvSpPr txBox="1"/>
+          <p:nvPr/>
+        </p:nvSpPr>
+        <p:spPr>
+          <a:xfrm>
+            <a:off x="1940273" y="1395663"/>
+            <a:ext cx="956931" cy="369332"/>
+          </a:xfrm>
+          <a:prstGeom prst="rect">
+            <a:avLst/>
+          </a:prstGeom>
+          <a:noFill/>
+        </p:spPr>
+        <p:txBody>
+          <a:bodyPr wrap="square" rtlCol="0">
+            <a:spAutoFit/>
+          </a:bodyPr>
+          <a:lstStyle/>
+          <a:p>
+            <a:r>
+              <a:rPr lang="fr-FR" dirty="0" smtClean="0">
+                <a:solidFill>
+                  <a:schemeClr val="bg1"/>
+                </a:solidFill>
+              </a:rPr>
+              <a:t>HOME</a:t>
+            </a:r>
+            <a:endParaRPr lang="fr-FR" dirty="0">
+              <a:solidFill>
+                <a:schemeClr val="bg1"/>
+              </a:solidFill>
+            </a:endParaRPr>
+          </a:p>
+        </p:txBody>
+      </p:sp>
+      <p:sp>
+        <p:nvSpPr>
+          <p:cNvPr id="20" name="ZoneTexte 19"/>
+          <p:cNvSpPr txBox="1"/>
+          <p:nvPr/>
+        </p:nvSpPr>
+        <p:spPr>
+          <a:xfrm>
+            <a:off x="3366361" y="1392614"/>
+            <a:ext cx="1266824" cy="369332"/>
+          </a:xfrm>
+          <a:prstGeom prst="rect">
+            <a:avLst/>
+          </a:prstGeom>
+          <a:noFill/>
+        </p:spPr>
+        <p:txBody>
+          <a:bodyPr wrap="square" rtlCol="0">
+            <a:spAutoFit/>
+          </a:bodyPr>
+          <a:lstStyle/>
+          <a:p>
+            <a:r>
+              <a:rPr lang="fr-FR" dirty="0" smtClean="0">
+                <a:solidFill>
+                  <a:schemeClr val="bg1"/>
+                </a:solidFill>
+              </a:rPr>
+              <a:t>FIGURINES</a:t>
+            </a:r>
+            <a:endParaRPr lang="fr-FR" dirty="0">
+              <a:solidFill>
+                <a:schemeClr val="bg1"/>
+              </a:solidFill>
+            </a:endParaRPr>
+          </a:p>
+        </p:txBody>
+      </p:sp>
+      <p:sp>
+        <p:nvSpPr>
+          <p:cNvPr id="21" name="ZoneTexte 20"/>
+          <p:cNvSpPr txBox="1"/>
+          <p:nvPr/>
+        </p:nvSpPr>
+        <p:spPr>
+          <a:xfrm>
+            <a:off x="8940265" y="1438857"/>
+            <a:ext cx="1905802" cy="369332"/>
+          </a:xfrm>
+          <a:prstGeom prst="rect">
+            <a:avLst/>
+          </a:prstGeom>
+          <a:noFill/>
+        </p:spPr>
+        <p:txBody>
+          <a:bodyPr wrap="square" rtlCol="0">
+            <a:spAutoFit/>
+          </a:bodyPr>
+          <a:lstStyle/>
+          <a:p>
+            <a:r>
+              <a:rPr lang="fr-FR" dirty="0" smtClean="0">
+                <a:solidFill>
+                  <a:schemeClr val="bg1"/>
+                </a:solidFill>
+              </a:rPr>
+              <a:t>VETEMENTS</a:t>
+            </a:r>
+            <a:endParaRPr lang="fr-FR" dirty="0">
+              <a:solidFill>
+                <a:schemeClr val="bg1"/>
+              </a:solidFill>
+            </a:endParaRPr>
+          </a:p>
+        </p:txBody>
+      </p:sp>
+      <p:sp>
+        <p:nvSpPr>
+          <p:cNvPr id="22" name="ZoneTexte 21"/>
+          <p:cNvSpPr txBox="1"/>
+          <p:nvPr/>
+        </p:nvSpPr>
+        <p:spPr>
+          <a:xfrm>
+            <a:off x="6620578" y="1420967"/>
+            <a:ext cx="1905802" cy="369332"/>
+          </a:xfrm>
+          <a:prstGeom prst="rect">
+            <a:avLst/>
+          </a:prstGeom>
+          <a:noFill/>
+        </p:spPr>
+        <p:txBody>
+          <a:bodyPr wrap="square" rtlCol="0">
+            <a:spAutoFit/>
+          </a:bodyPr>
+          <a:lstStyle/>
+          <a:p>
+            <a:r>
+              <a:rPr lang="fr-FR" dirty="0" smtClean="0">
+                <a:solidFill>
+                  <a:schemeClr val="bg1"/>
+                </a:solidFill>
+              </a:rPr>
+              <a:t>DVD &amp; BLU-RAY</a:t>
+            </a:r>
+            <a:endParaRPr lang="fr-FR" dirty="0">
+              <a:solidFill>
+                <a:schemeClr val="bg1"/>
+              </a:solidFill>
+            </a:endParaRPr>
+          </a:p>
+        </p:txBody>
+      </p:sp>
+      <p:sp>
+        <p:nvSpPr>
+          <p:cNvPr id="23" name="ZoneTexte 22"/>
+          <p:cNvSpPr txBox="1"/>
+          <p:nvPr/>
+        </p:nvSpPr>
+        <p:spPr>
+          <a:xfrm>
+            <a:off x="5047070" y="1400453"/>
+            <a:ext cx="1905802" cy="369332"/>
+          </a:xfrm>
+          <a:prstGeom prst="rect">
+            <a:avLst/>
+          </a:prstGeom>
+          <a:noFill/>
+        </p:spPr>
+        <p:txBody>
+          <a:bodyPr wrap="square" rtlCol="0">
+            <a:spAutoFit/>
+          </a:bodyPr>
+          <a:lstStyle/>
+          <a:p>
+            <a:r>
+              <a:rPr lang="fr-FR" dirty="0" smtClean="0">
+                <a:solidFill>
+                  <a:schemeClr val="bg1"/>
+                </a:solidFill>
+              </a:rPr>
+              <a:t>LIVRES</a:t>
+            </a:r>
+            <a:endParaRPr lang="fr-FR" dirty="0">
+              <a:solidFill>
+                <a:schemeClr val="bg1"/>
+              </a:solidFill>
+            </a:endParaRPr>
+          </a:p>
+        </p:txBody>
+      </p:sp>
+      <p:sp>
+        <p:nvSpPr>
+          <p:cNvPr id="24" name="ZoneTexte 23"/>
+          <p:cNvSpPr txBox="1"/>
+          <p:nvPr/>
+        </p:nvSpPr>
+        <p:spPr>
+          <a:xfrm>
+            <a:off x="10769064" y="1438857"/>
+            <a:ext cx="1905802" cy="369332"/>
+          </a:xfrm>
+          <a:prstGeom prst="rect">
+            <a:avLst/>
+          </a:prstGeom>
+          <a:noFill/>
+        </p:spPr>
+        <p:txBody>
+          <a:bodyPr wrap="square" rtlCol="0">
+            <a:spAutoFit/>
+          </a:bodyPr>
+          <a:lstStyle/>
+          <a:p>
+            <a:r>
+              <a:rPr lang="fr-FR" dirty="0" smtClean="0">
+                <a:solidFill>
+                  <a:schemeClr val="bg1"/>
+                </a:solidFill>
+              </a:rPr>
+              <a:t>GOODIES</a:t>
+            </a:r>
+            <a:endParaRPr lang="fr-FR" dirty="0">
+              <a:solidFill>
+                <a:schemeClr val="bg1"/>
+              </a:solidFill>
+            </a:endParaRPr>
+          </a:p>
+        </p:txBody>
+      </p:sp>
+      <p:sp>
+        <p:nvSpPr>
+          <p:cNvPr id="25" name="Add to Cart"/>
+          <p:cNvSpPr>
+            <a:spLocks noChangeAspect="1" noEditPoints="1"/>
+          </p:cNvSpPr>
+          <p:nvPr/>
+        </p:nvSpPr>
+        <p:spPr bwMode="auto">
+          <a:xfrm>
+            <a:off x="11723079" y="933916"/>
+            <a:ext cx="284765" cy="293483"/>
+          </a:xfrm>
+          <a:custGeom>
+            <a:avLst/>
+            <a:gdLst>
+              <a:gd name="T0" fmla="*/ 413 w 643"/>
+              <a:gd name="T1" fmla="*/ 0 h 653"/>
+              <a:gd name="T2" fmla="*/ 400 w 643"/>
+              <a:gd name="T3" fmla="*/ 13 h 653"/>
+              <a:gd name="T4" fmla="*/ 400 w 643"/>
+              <a:gd name="T5" fmla="*/ 248 h 653"/>
+              <a:gd name="T6" fmla="*/ 356 w 643"/>
+              <a:gd name="T7" fmla="*/ 204 h 653"/>
+              <a:gd name="T8" fmla="*/ 347 w 643"/>
+              <a:gd name="T9" fmla="*/ 200 h 653"/>
+              <a:gd name="T10" fmla="*/ 337 w 643"/>
+              <a:gd name="T11" fmla="*/ 223 h 653"/>
+              <a:gd name="T12" fmla="*/ 413 w 643"/>
+              <a:gd name="T13" fmla="*/ 299 h 653"/>
+              <a:gd name="T14" fmla="*/ 490 w 643"/>
+              <a:gd name="T15" fmla="*/ 223 h 653"/>
+              <a:gd name="T16" fmla="*/ 471 w 643"/>
+              <a:gd name="T17" fmla="*/ 204 h 653"/>
+              <a:gd name="T18" fmla="*/ 427 w 643"/>
+              <a:gd name="T19" fmla="*/ 248 h 653"/>
+              <a:gd name="T20" fmla="*/ 427 w 643"/>
+              <a:gd name="T21" fmla="*/ 13 h 653"/>
+              <a:gd name="T22" fmla="*/ 413 w 643"/>
+              <a:gd name="T23" fmla="*/ 0 h 653"/>
+              <a:gd name="T24" fmla="*/ 27 w 643"/>
+              <a:gd name="T25" fmla="*/ 13 h 653"/>
+              <a:gd name="T26" fmla="*/ 0 w 643"/>
+              <a:gd name="T27" fmla="*/ 40 h 653"/>
+              <a:gd name="T28" fmla="*/ 27 w 643"/>
+              <a:gd name="T29" fmla="*/ 67 h 653"/>
+              <a:gd name="T30" fmla="*/ 53 w 643"/>
+              <a:gd name="T31" fmla="*/ 40 h 653"/>
+              <a:gd name="T32" fmla="*/ 116 w 643"/>
+              <a:gd name="T33" fmla="*/ 40 h 653"/>
+              <a:gd name="T34" fmla="*/ 147 w 643"/>
+              <a:gd name="T35" fmla="*/ 49 h 653"/>
+              <a:gd name="T36" fmla="*/ 163 w 643"/>
+              <a:gd name="T37" fmla="*/ 80 h 653"/>
+              <a:gd name="T38" fmla="*/ 163 w 643"/>
+              <a:gd name="T39" fmla="*/ 80 h 653"/>
+              <a:gd name="T40" fmla="*/ 270 w 643"/>
+              <a:gd name="T41" fmla="*/ 510 h 653"/>
+              <a:gd name="T42" fmla="*/ 270 w 643"/>
+              <a:gd name="T43" fmla="*/ 510 h 653"/>
+              <a:gd name="T44" fmla="*/ 289 w 643"/>
+              <a:gd name="T45" fmla="*/ 553 h 653"/>
+              <a:gd name="T46" fmla="*/ 306 w 643"/>
+              <a:gd name="T47" fmla="*/ 566 h 653"/>
+              <a:gd name="T48" fmla="*/ 293 w 643"/>
+              <a:gd name="T49" fmla="*/ 600 h 653"/>
+              <a:gd name="T50" fmla="*/ 347 w 643"/>
+              <a:gd name="T51" fmla="*/ 653 h 653"/>
+              <a:gd name="T52" fmla="*/ 400 w 643"/>
+              <a:gd name="T53" fmla="*/ 600 h 653"/>
+              <a:gd name="T54" fmla="*/ 393 w 643"/>
+              <a:gd name="T55" fmla="*/ 573 h 653"/>
+              <a:gd name="T56" fmla="*/ 474 w 643"/>
+              <a:gd name="T57" fmla="*/ 573 h 653"/>
+              <a:gd name="T58" fmla="*/ 467 w 643"/>
+              <a:gd name="T59" fmla="*/ 600 h 653"/>
+              <a:gd name="T60" fmla="*/ 520 w 643"/>
+              <a:gd name="T61" fmla="*/ 653 h 653"/>
+              <a:gd name="T62" fmla="*/ 573 w 643"/>
+              <a:gd name="T63" fmla="*/ 600 h 653"/>
+              <a:gd name="T64" fmla="*/ 559 w 643"/>
+              <a:gd name="T65" fmla="*/ 564 h 653"/>
+              <a:gd name="T66" fmla="*/ 547 w 643"/>
+              <a:gd name="T67" fmla="*/ 547 h 653"/>
+              <a:gd name="T68" fmla="*/ 343 w 643"/>
+              <a:gd name="T69" fmla="*/ 547 h 653"/>
+              <a:gd name="T70" fmla="*/ 309 w 643"/>
+              <a:gd name="T71" fmla="*/ 536 h 653"/>
+              <a:gd name="T72" fmla="*/ 295 w 643"/>
+              <a:gd name="T73" fmla="*/ 503 h 653"/>
+              <a:gd name="T74" fmla="*/ 295 w 643"/>
+              <a:gd name="T75" fmla="*/ 503 h 653"/>
+              <a:gd name="T76" fmla="*/ 286 w 643"/>
+              <a:gd name="T77" fmla="*/ 467 h 653"/>
+              <a:gd name="T78" fmla="*/ 531 w 643"/>
+              <a:gd name="T79" fmla="*/ 467 h 653"/>
+              <a:gd name="T80" fmla="*/ 543 w 643"/>
+              <a:gd name="T81" fmla="*/ 458 h 653"/>
+              <a:gd name="T82" fmla="*/ 639 w 643"/>
+              <a:gd name="T83" fmla="*/ 205 h 653"/>
+              <a:gd name="T84" fmla="*/ 626 w 643"/>
+              <a:gd name="T85" fmla="*/ 187 h 653"/>
+              <a:gd name="T86" fmla="*/ 614 w 643"/>
+              <a:gd name="T87" fmla="*/ 195 h 653"/>
+              <a:gd name="T88" fmla="*/ 522 w 643"/>
+              <a:gd name="T89" fmla="*/ 440 h 653"/>
+              <a:gd name="T90" fmla="*/ 280 w 643"/>
+              <a:gd name="T91" fmla="*/ 440 h 653"/>
+              <a:gd name="T92" fmla="*/ 189 w 643"/>
+              <a:gd name="T93" fmla="*/ 72 h 653"/>
+              <a:gd name="T94" fmla="*/ 165 w 643"/>
+              <a:gd name="T95" fmla="*/ 29 h 653"/>
+              <a:gd name="T96" fmla="*/ 116 w 643"/>
+              <a:gd name="T97" fmla="*/ 13 h 653"/>
+              <a:gd name="T98" fmla="*/ 27 w 643"/>
+              <a:gd name="T99" fmla="*/ 13 h 653"/>
+              <a:gd name="T100" fmla="*/ 347 w 643"/>
+              <a:gd name="T101" fmla="*/ 573 h 653"/>
+              <a:gd name="T102" fmla="*/ 373 w 643"/>
+              <a:gd name="T103" fmla="*/ 600 h 653"/>
+              <a:gd name="T104" fmla="*/ 347 w 643"/>
+              <a:gd name="T105" fmla="*/ 627 h 653"/>
+              <a:gd name="T106" fmla="*/ 320 w 643"/>
+              <a:gd name="T107" fmla="*/ 600 h 653"/>
+              <a:gd name="T108" fmla="*/ 347 w 643"/>
+              <a:gd name="T109" fmla="*/ 573 h 653"/>
+              <a:gd name="T110" fmla="*/ 520 w 643"/>
+              <a:gd name="T111" fmla="*/ 573 h 653"/>
+              <a:gd name="T112" fmla="*/ 547 w 643"/>
+              <a:gd name="T113" fmla="*/ 600 h 653"/>
+              <a:gd name="T114" fmla="*/ 520 w 643"/>
+              <a:gd name="T115" fmla="*/ 627 h 653"/>
+              <a:gd name="T116" fmla="*/ 493 w 643"/>
+              <a:gd name="T117" fmla="*/ 600 h 653"/>
+              <a:gd name="T118" fmla="*/ 520 w 643"/>
+              <a:gd name="T119" fmla="*/ 573 h 653"/>
+            </a:gdLst>
+            <a:ahLst/>
+            <a:cxnLst>
+              <a:cxn ang="0">
+                <a:pos x="T0" y="T1"/>
+              </a:cxn>
+              <a:cxn ang="0">
+                <a:pos x="T2" y="T3"/>
+              </a:cxn>
+              <a:cxn ang="0">
+                <a:pos x="T4" y="T5"/>
+              </a:cxn>
+              <a:cxn ang="0">
+                <a:pos x="T6" y="T7"/>
+              </a:cxn>
+              <a:cxn ang="0">
+                <a:pos x="T8" y="T9"/>
+              </a:cxn>
+              <a:cxn ang="0">
+                <a:pos x="T10" y="T11"/>
+              </a:cxn>
+              <a:cxn ang="0">
+                <a:pos x="T12" y="T13"/>
+              </a:cxn>
+              <a:cxn ang="0">
+                <a:pos x="T14" y="T15"/>
+              </a:cxn>
+              <a:cxn ang="0">
+                <a:pos x="T16" y="T17"/>
+              </a:cxn>
+              <a:cxn ang="0">
+                <a:pos x="T18" y="T19"/>
+              </a:cxn>
+              <a:cxn ang="0">
+                <a:pos x="T20" y="T21"/>
+              </a:cxn>
+              <a:cxn ang="0">
+                <a:pos x="T22" y="T23"/>
+              </a:cxn>
+              <a:cxn ang="0">
+                <a:pos x="T24" y="T25"/>
+              </a:cxn>
+              <a:cxn ang="0">
+                <a:pos x="T26" y="T27"/>
+              </a:cxn>
+              <a:cxn ang="0">
+                <a:pos x="T28" y="T29"/>
+              </a:cxn>
+              <a:cxn ang="0">
+                <a:pos x="T30" y="T31"/>
+              </a:cxn>
+              <a:cxn ang="0">
+                <a:pos x="T32" y="T33"/>
+              </a:cxn>
+              <a:cxn ang="0">
+                <a:pos x="T34" y="T35"/>
+              </a:cxn>
+              <a:cxn ang="0">
+                <a:pos x="T36" y="T37"/>
+              </a:cxn>
+              <a:cxn ang="0">
+                <a:pos x="T38" y="T39"/>
+              </a:cxn>
+              <a:cxn ang="0">
+                <a:pos x="T40" y="T41"/>
+              </a:cxn>
+              <a:cxn ang="0">
+                <a:pos x="T42" y="T43"/>
+              </a:cxn>
+              <a:cxn ang="0">
+                <a:pos x="T44" y="T45"/>
+              </a:cxn>
+              <a:cxn ang="0">
+                <a:pos x="T46" y="T47"/>
+              </a:cxn>
+              <a:cxn ang="0">
+                <a:pos x="T48" y="T49"/>
+              </a:cxn>
+              <a:cxn ang="0">
+                <a:pos x="T50" y="T51"/>
+              </a:cxn>
+              <a:cxn ang="0">
+                <a:pos x="T52" y="T53"/>
+              </a:cxn>
+              <a:cxn ang="0">
+                <a:pos x="T54" y="T55"/>
+              </a:cxn>
+              <a:cxn ang="0">
+                <a:pos x="T56" y="T57"/>
+              </a:cxn>
+              <a:cxn ang="0">
+                <a:pos x="T58" y="T59"/>
+              </a:cxn>
+              <a:cxn ang="0">
+                <a:pos x="T60" y="T61"/>
+              </a:cxn>
+              <a:cxn ang="0">
+                <a:pos x="T62" y="T63"/>
+              </a:cxn>
+              <a:cxn ang="0">
+                <a:pos x="T64" y="T65"/>
+              </a:cxn>
+              <a:cxn ang="0">
+                <a:pos x="T66" y="T67"/>
+              </a:cxn>
+              <a:cxn ang="0">
+                <a:pos x="T68" y="T69"/>
+              </a:cxn>
+              <a:cxn ang="0">
+                <a:pos x="T70" y="T71"/>
+              </a:cxn>
+              <a:cxn ang="0">
+                <a:pos x="T72" y="T73"/>
+              </a:cxn>
+              <a:cxn ang="0">
+                <a:pos x="T74" y="T75"/>
+              </a:cxn>
+              <a:cxn ang="0">
+                <a:pos x="T76" y="T77"/>
+              </a:cxn>
+              <a:cxn ang="0">
+                <a:pos x="T78" y="T79"/>
+              </a:cxn>
+              <a:cxn ang="0">
+                <a:pos x="T80" y="T81"/>
+              </a:cxn>
+              <a:cxn ang="0">
+                <a:pos x="T82" y="T83"/>
+              </a:cxn>
+              <a:cxn ang="0">
+                <a:pos x="T84" y="T85"/>
+              </a:cxn>
+              <a:cxn ang="0">
+                <a:pos x="T86" y="T87"/>
+              </a:cxn>
+              <a:cxn ang="0">
+                <a:pos x="T88" y="T89"/>
+              </a:cxn>
+              <a:cxn ang="0">
+                <a:pos x="T90" y="T91"/>
+              </a:cxn>
+              <a:cxn ang="0">
+                <a:pos x="T92" y="T93"/>
+              </a:cxn>
+              <a:cxn ang="0">
+                <a:pos x="T94" y="T95"/>
+              </a:cxn>
+              <a:cxn ang="0">
+                <a:pos x="T96" y="T97"/>
+              </a:cxn>
+              <a:cxn ang="0">
+                <a:pos x="T98" y="T99"/>
+              </a:cxn>
+              <a:cxn ang="0">
+                <a:pos x="T100" y="T101"/>
+              </a:cxn>
+              <a:cxn ang="0">
+                <a:pos x="T102" y="T103"/>
+              </a:cxn>
+              <a:cxn ang="0">
+                <a:pos x="T104" y="T105"/>
+              </a:cxn>
+              <a:cxn ang="0">
+                <a:pos x="T106" y="T107"/>
+              </a:cxn>
+              <a:cxn ang="0">
+                <a:pos x="T108" y="T109"/>
+              </a:cxn>
+              <a:cxn ang="0">
+                <a:pos x="T110" y="T111"/>
+              </a:cxn>
+              <a:cxn ang="0">
+                <a:pos x="T112" y="T113"/>
+              </a:cxn>
+              <a:cxn ang="0">
+                <a:pos x="T114" y="T115"/>
+              </a:cxn>
+              <a:cxn ang="0">
+                <a:pos x="T116" y="T117"/>
+              </a:cxn>
+              <a:cxn ang="0">
+                <a:pos x="T118" y="T119"/>
+              </a:cxn>
+            </a:cxnLst>
+            <a:rect l="0" t="0" r="r" b="b"/>
+            <a:pathLst>
+              <a:path w="643" h="653">
+                <a:moveTo>
+                  <a:pt x="413" y="0"/>
+                </a:moveTo>
+                <a:cubicBezTo>
+                  <a:pt x="406" y="0"/>
+                  <a:pt x="400" y="6"/>
+                  <a:pt x="400" y="13"/>
+                </a:cubicBezTo>
+                <a:lnTo>
+                  <a:pt x="400" y="248"/>
+                </a:lnTo>
+                <a:lnTo>
+                  <a:pt x="356" y="204"/>
+                </a:lnTo>
+                <a:cubicBezTo>
+                  <a:pt x="354" y="201"/>
+                  <a:pt x="350" y="200"/>
+                  <a:pt x="347" y="200"/>
+                </a:cubicBezTo>
+                <a:cubicBezTo>
+                  <a:pt x="335" y="200"/>
+                  <a:pt x="329" y="215"/>
+                  <a:pt x="337" y="223"/>
+                </a:cubicBezTo>
+                <a:lnTo>
+                  <a:pt x="413" y="299"/>
+                </a:lnTo>
+                <a:lnTo>
+                  <a:pt x="490" y="223"/>
+                </a:lnTo>
+                <a:cubicBezTo>
+                  <a:pt x="503" y="210"/>
+                  <a:pt x="483" y="191"/>
+                  <a:pt x="471" y="204"/>
+                </a:cubicBezTo>
+                <a:lnTo>
+                  <a:pt x="427" y="248"/>
+                </a:lnTo>
+                <a:lnTo>
+                  <a:pt x="427" y="13"/>
+                </a:lnTo>
+                <a:cubicBezTo>
+                  <a:pt x="427" y="6"/>
+                  <a:pt x="421" y="0"/>
+                  <a:pt x="413" y="0"/>
+                </a:cubicBezTo>
+                <a:close/>
+                <a:moveTo>
+                  <a:pt x="27" y="13"/>
+                </a:moveTo>
+                <a:cubicBezTo>
+                  <a:pt x="12" y="13"/>
+                  <a:pt x="0" y="25"/>
+                  <a:pt x="0" y="40"/>
+                </a:cubicBezTo>
+                <a:cubicBezTo>
+                  <a:pt x="0" y="55"/>
+                  <a:pt x="12" y="67"/>
+                  <a:pt x="27" y="67"/>
+                </a:cubicBezTo>
+                <a:cubicBezTo>
+                  <a:pt x="41" y="67"/>
+                  <a:pt x="53" y="55"/>
+                  <a:pt x="53" y="40"/>
+                </a:cubicBezTo>
+                <a:cubicBezTo>
+                  <a:pt x="74" y="40"/>
+                  <a:pt x="95" y="40"/>
+                  <a:pt x="116" y="40"/>
+                </a:cubicBezTo>
+                <a:cubicBezTo>
+                  <a:pt x="132" y="40"/>
+                  <a:pt x="141" y="43"/>
+                  <a:pt x="147" y="49"/>
+                </a:cubicBezTo>
+                <a:cubicBezTo>
+                  <a:pt x="154" y="55"/>
+                  <a:pt x="159" y="65"/>
+                  <a:pt x="163" y="80"/>
+                </a:cubicBezTo>
+                <a:lnTo>
+                  <a:pt x="163" y="80"/>
+                </a:lnTo>
+                <a:lnTo>
+                  <a:pt x="270" y="510"/>
+                </a:lnTo>
+                <a:lnTo>
+                  <a:pt x="270" y="510"/>
+                </a:lnTo>
+                <a:cubicBezTo>
+                  <a:pt x="274" y="525"/>
+                  <a:pt x="278" y="541"/>
+                  <a:pt x="289" y="553"/>
+                </a:cubicBezTo>
+                <a:cubicBezTo>
+                  <a:pt x="293" y="559"/>
+                  <a:pt x="299" y="563"/>
+                  <a:pt x="306" y="566"/>
+                </a:cubicBezTo>
+                <a:cubicBezTo>
+                  <a:pt x="298" y="575"/>
+                  <a:pt x="293" y="587"/>
+                  <a:pt x="293" y="600"/>
+                </a:cubicBezTo>
+                <a:cubicBezTo>
+                  <a:pt x="293" y="629"/>
+                  <a:pt x="317" y="653"/>
+                  <a:pt x="347" y="653"/>
+                </a:cubicBezTo>
+                <a:cubicBezTo>
+                  <a:pt x="376" y="653"/>
+                  <a:pt x="400" y="629"/>
+                  <a:pt x="400" y="600"/>
+                </a:cubicBezTo>
+                <a:cubicBezTo>
+                  <a:pt x="400" y="590"/>
+                  <a:pt x="397" y="581"/>
+                  <a:pt x="393" y="573"/>
+                </a:cubicBezTo>
+                <a:lnTo>
+                  <a:pt x="474" y="573"/>
+                </a:lnTo>
+                <a:cubicBezTo>
+                  <a:pt x="470" y="581"/>
+                  <a:pt x="467" y="590"/>
+                  <a:pt x="467" y="600"/>
+                </a:cubicBezTo>
+                <a:cubicBezTo>
+                  <a:pt x="467" y="629"/>
+                  <a:pt x="491" y="653"/>
+                  <a:pt x="520" y="653"/>
+                </a:cubicBezTo>
+                <a:cubicBezTo>
+                  <a:pt x="549" y="653"/>
+                  <a:pt x="573" y="629"/>
+                  <a:pt x="573" y="600"/>
+                </a:cubicBezTo>
+                <a:cubicBezTo>
+                  <a:pt x="573" y="586"/>
+                  <a:pt x="568" y="574"/>
+                  <a:pt x="559" y="564"/>
+                </a:cubicBezTo>
+                <a:cubicBezTo>
+                  <a:pt x="562" y="556"/>
+                  <a:pt x="556" y="547"/>
+                  <a:pt x="547" y="547"/>
+                </a:cubicBezTo>
+                <a:cubicBezTo>
+                  <a:pt x="477" y="547"/>
+                  <a:pt x="403" y="547"/>
+                  <a:pt x="343" y="547"/>
+                </a:cubicBezTo>
+                <a:cubicBezTo>
+                  <a:pt x="322" y="547"/>
+                  <a:pt x="314" y="542"/>
+                  <a:pt x="309" y="536"/>
+                </a:cubicBezTo>
+                <a:cubicBezTo>
+                  <a:pt x="303" y="529"/>
+                  <a:pt x="299" y="518"/>
+                  <a:pt x="295" y="503"/>
+                </a:cubicBezTo>
+                <a:lnTo>
+                  <a:pt x="295" y="503"/>
+                </a:lnTo>
+                <a:lnTo>
+                  <a:pt x="286" y="467"/>
+                </a:lnTo>
+                <a:lnTo>
+                  <a:pt x="531" y="467"/>
+                </a:lnTo>
+                <a:cubicBezTo>
+                  <a:pt x="536" y="467"/>
+                  <a:pt x="541" y="463"/>
+                  <a:pt x="543" y="458"/>
+                </a:cubicBezTo>
+                <a:lnTo>
+                  <a:pt x="639" y="205"/>
+                </a:lnTo>
+                <a:cubicBezTo>
+                  <a:pt x="643" y="196"/>
+                  <a:pt x="636" y="186"/>
+                  <a:pt x="626" y="187"/>
+                </a:cubicBezTo>
+                <a:cubicBezTo>
+                  <a:pt x="621" y="187"/>
+                  <a:pt x="616" y="190"/>
+                  <a:pt x="614" y="195"/>
+                </a:cubicBezTo>
+                <a:lnTo>
+                  <a:pt x="522" y="440"/>
+                </a:lnTo>
+                <a:lnTo>
+                  <a:pt x="280" y="440"/>
+                </a:lnTo>
+                <a:cubicBezTo>
+                  <a:pt x="249" y="318"/>
+                  <a:pt x="219" y="195"/>
+                  <a:pt x="189" y="72"/>
+                </a:cubicBezTo>
+                <a:cubicBezTo>
+                  <a:pt x="184" y="55"/>
+                  <a:pt x="177" y="40"/>
+                  <a:pt x="165" y="29"/>
+                </a:cubicBezTo>
+                <a:cubicBezTo>
+                  <a:pt x="153" y="19"/>
+                  <a:pt x="136" y="13"/>
+                  <a:pt x="116" y="13"/>
+                </a:cubicBezTo>
+                <a:cubicBezTo>
+                  <a:pt x="86" y="13"/>
+                  <a:pt x="56" y="14"/>
+                  <a:pt x="27" y="13"/>
+                </a:cubicBezTo>
+                <a:close/>
+                <a:moveTo>
+                  <a:pt x="347" y="573"/>
+                </a:moveTo>
+                <a:cubicBezTo>
+                  <a:pt x="362" y="573"/>
+                  <a:pt x="373" y="585"/>
+                  <a:pt x="373" y="600"/>
+                </a:cubicBezTo>
+                <a:cubicBezTo>
+                  <a:pt x="373" y="615"/>
+                  <a:pt x="362" y="627"/>
+                  <a:pt x="347" y="627"/>
+                </a:cubicBezTo>
+                <a:cubicBezTo>
+                  <a:pt x="332" y="627"/>
+                  <a:pt x="320" y="615"/>
+                  <a:pt x="320" y="600"/>
+                </a:cubicBezTo>
+                <a:cubicBezTo>
+                  <a:pt x="320" y="585"/>
+                  <a:pt x="332" y="573"/>
+                  <a:pt x="347" y="573"/>
+                </a:cubicBezTo>
+                <a:close/>
+                <a:moveTo>
+                  <a:pt x="520" y="573"/>
+                </a:moveTo>
+                <a:cubicBezTo>
+                  <a:pt x="535" y="573"/>
+                  <a:pt x="547" y="585"/>
+                  <a:pt x="547" y="600"/>
+                </a:cubicBezTo>
+                <a:cubicBezTo>
+                  <a:pt x="547" y="615"/>
+                  <a:pt x="535" y="627"/>
+                  <a:pt x="520" y="627"/>
+                </a:cubicBezTo>
+                <a:cubicBezTo>
+                  <a:pt x="505" y="627"/>
+                  <a:pt x="493" y="615"/>
+                  <a:pt x="493" y="600"/>
+                </a:cubicBezTo>
+                <a:cubicBezTo>
+                  <a:pt x="493" y="585"/>
+                  <a:pt x="505" y="573"/>
+                  <a:pt x="520" y="573"/>
+                </a:cubicBezTo>
+                <a:close/>
+              </a:path>
+            </a:pathLst>
+          </a:custGeom>
+          <a:solidFill>
+            <a:schemeClr val="tx1"/>
+          </a:solidFill>
+          <a:ln w="9525">
+            <a:solidFill>
+              <a:schemeClr val="bg1"/>
+            </a:solidFill>
+            <a:round/>
+            <a:headEnd/>
+            <a:tailEnd/>
+          </a:ln>
+        </p:spPr>
+        <p:txBody>
+          <a:bodyPr vert="horz" wrap="square" lIns="91440" tIns="45720" rIns="91440" bIns="45720" numCol="1" anchor="t" anchorCtr="0" compatLnSpc="1">
+            <a:prstTxWarp prst="textNoShape">
+              <a:avLst/>
+            </a:prstTxWarp>
+          </a:bodyPr>
+          <a:lstStyle>
+            <a:defPPr>
+              <a:defRPr lang="en-US"/>
+            </a:defPPr>
+            <a:lvl1pPr marL="0" algn="l" defTabSz="914400" rtl="0" eaLnBrk="1" latinLnBrk="0" hangingPunct="1">
+              <a:defRPr sz="1800" kern="1200">
+                <a:solidFill>
+                  <a:schemeClr val="tx1"/>
+                </a:solidFill>
+                <a:latin typeface="+mn-lt"/>
+                <a:ea typeface="+mn-ea"/>
+                <a:cs typeface="+mn-cs"/>
+              </a:defRPr>
+            </a:lvl1pPr>
+            <a:lvl2pPr marL="457200" algn="l" defTabSz="914400" rtl="0" eaLnBrk="1" latinLnBrk="0" hangingPunct="1">
+              <a:defRPr sz="1800" kern="1200">
+                <a:solidFill>
+                  <a:schemeClr val="tx1"/>
+                </a:solidFill>
+                <a:latin typeface="+mn-lt"/>
+                <a:ea typeface="+mn-ea"/>
+                <a:cs typeface="+mn-cs"/>
+              </a:defRPr>
+            </a:lvl2pPr>
+            <a:lvl3pPr marL="914400" algn="l" defTabSz="914400" rtl="0" eaLnBrk="1" latinLnBrk="0" hangingPunct="1">
+              <a:defRPr sz="1800" kern="1200">
+                <a:solidFill>
+                  <a:schemeClr val="tx1"/>
+                </a:solidFill>
+                <a:latin typeface="+mn-lt"/>
+                <a:ea typeface="+mn-ea"/>
+                <a:cs typeface="+mn-cs"/>
+              </a:defRPr>
+            </a:lvl3pPr>
+            <a:lvl4pPr marL="1371600" algn="l" defTabSz="914400" rtl="0" eaLnBrk="1" latinLnBrk="0" hangingPunct="1">
+              <a:defRPr sz="1800" kern="1200">
+                <a:solidFill>
+                  <a:schemeClr val="tx1"/>
+                </a:solidFill>
+                <a:latin typeface="+mn-lt"/>
+                <a:ea typeface="+mn-ea"/>
+                <a:cs typeface="+mn-cs"/>
+              </a:defRPr>
+            </a:lvl4pPr>
+            <a:lvl5pPr marL="1828800" algn="l" defTabSz="914400" rtl="0" eaLnBrk="1" latinLnBrk="0" hangingPunct="1">
+              <a:defRPr sz="1800" kern="1200">
+                <a:solidFill>
+                  <a:schemeClr val="tx1"/>
+                </a:solidFill>
+                <a:latin typeface="+mn-lt"/>
+                <a:ea typeface="+mn-ea"/>
+                <a:cs typeface="+mn-cs"/>
+              </a:defRPr>
+            </a:lvl5pPr>
+            <a:lvl6pPr marL="2286000" algn="l" defTabSz="914400" rtl="0" eaLnBrk="1" latinLnBrk="0" hangingPunct="1">
+              <a:defRPr sz="1800" kern="1200">
+                <a:solidFill>
+                  <a:schemeClr val="tx1"/>
+                </a:solidFill>
+                <a:latin typeface="+mn-lt"/>
+                <a:ea typeface="+mn-ea"/>
+                <a:cs typeface="+mn-cs"/>
+              </a:defRPr>
+            </a:lvl6pPr>
+            <a:lvl7pPr marL="2743200" algn="l" defTabSz="914400" rtl="0" eaLnBrk="1" latinLnBrk="0" hangingPunct="1">
+              <a:defRPr sz="1800" kern="1200">
+                <a:solidFill>
+                  <a:schemeClr val="tx1"/>
+                </a:solidFill>
+                <a:latin typeface="+mn-lt"/>
+                <a:ea typeface="+mn-ea"/>
+                <a:cs typeface="+mn-cs"/>
+              </a:defRPr>
+            </a:lvl7pPr>
+            <a:lvl8pPr marL="3200400" algn="l" defTabSz="914400" rtl="0" eaLnBrk="1" latinLnBrk="0" hangingPunct="1">
+              <a:defRPr sz="1800" kern="1200">
+                <a:solidFill>
+                  <a:schemeClr val="tx1"/>
+                </a:solidFill>
+                <a:latin typeface="+mn-lt"/>
+                <a:ea typeface="+mn-ea"/>
+                <a:cs typeface="+mn-cs"/>
+              </a:defRPr>
+            </a:lvl8pPr>
+            <a:lvl9pPr marL="3657600" algn="l" defTabSz="914400" rtl="0" eaLnBrk="1" latinLnBrk="0" hangingPunct="1">
+              <a:defRPr sz="1800" kern="1200">
+                <a:solidFill>
+                  <a:schemeClr val="tx1"/>
+                </a:solidFill>
+                <a:latin typeface="+mn-lt"/>
+                <a:ea typeface="+mn-ea"/>
+                <a:cs typeface="+mn-cs"/>
+              </a:defRPr>
+            </a:lvl9pPr>
+          </a:lstStyle>
+          <a:p>
+            <a:endParaRPr lang="en-US" sz="900">
+              <a:latin typeface="Segoe UI" panose="020B0502040204020203" pitchFamily="34" charset="0"/>
+              <a:cs typeface="Segoe UI" panose="020B0502040204020203" pitchFamily="34" charset="0"/>
+            </a:endParaRPr>
+          </a:p>
+        </p:txBody>
+      </p:sp>
+      <p:sp>
+        <p:nvSpPr>
+          <p:cNvPr id="32" name="Rectangle 31"/>
+          <p:cNvSpPr/>
+          <p:nvPr/>
+        </p:nvSpPr>
+        <p:spPr>
+          <a:xfrm>
+            <a:off x="2897204" y="1919235"/>
+            <a:ext cx="8135886" cy="4813161"/>
+          </a:xfrm>
+          <a:prstGeom prst="rect">
+            <a:avLst/>
+          </a:prstGeom>
+          <a:solidFill>
+            <a:schemeClr val="bg1"/>
+          </a:solidFill>
+        </p:spPr>
+        <p:style>
+          <a:lnRef idx="2">
+            <a:schemeClr val="accent1">
+              <a:shade val="50000"/>
+            </a:schemeClr>
+          </a:lnRef>
+          <a:fillRef idx="1">
+            <a:schemeClr val="accent1"/>
+          </a:fillRef>
+          <a:effectRef idx="0">
+            <a:schemeClr val="accent1"/>
+          </a:effectRef>
+          <a:fontRef idx="minor">
+            <a:schemeClr val="lt1"/>
+          </a:fontRef>
+        </p:style>
+        <p:txBody>
+          <a:bodyPr rtlCol="0" anchor="ctr"/>
+          <a:lstStyle/>
+          <a:p>
+            <a:pPr algn="ctr"/>
+            <a:endParaRPr lang="fr-FR"/>
+          </a:p>
+        </p:txBody>
+      </p:sp>
+      <p:pic>
+        <p:nvPicPr>
+          <p:cNvPr id="36" name="Image 35"/>
+          <p:cNvPicPr>
+            <a:picLocks noChangeAspect="1"/>
+          </p:cNvPicPr>
+          <p:nvPr/>
+        </p:nvPicPr>
+        <p:blipFill>
+          <a:blip r:embed="rId12">
+            <a:extLst>
+              <a:ext uri="{28A0092B-C50C-407E-A947-70E740481C1C}">
+                <a14:useLocalDpi xmlns:a14="http://schemas.microsoft.com/office/drawing/2010/main" val="0"/>
+              </a:ext>
+            </a:extLst>
+          </a:blip>
+          <a:stretch>
+            <a:fillRect/>
+          </a:stretch>
+        </p:blipFill>
+        <p:spPr>
+          <a:xfrm>
+            <a:off x="3269901" y="2034506"/>
+            <a:ext cx="4043304" cy="4043304"/>
+          </a:xfrm>
+          <a:prstGeom prst="rect">
+            <a:avLst/>
+          </a:prstGeom>
+        </p:spPr>
+      </p:pic>
+      <p:sp>
+        <p:nvSpPr>
+          <p:cNvPr id="37" name="Rectangle 36"/>
+          <p:cNvSpPr/>
+          <p:nvPr/>
+        </p:nvSpPr>
+        <p:spPr>
+          <a:xfrm>
+            <a:off x="3003476" y="2161960"/>
+            <a:ext cx="996297" cy="952685"/>
+          </a:xfrm>
+          <a:prstGeom prst="rect">
+            <a:avLst/>
+          </a:prstGeom>
+          <a:solidFill>
+            <a:schemeClr val="bg1"/>
+          </a:solidFill>
+          <a:ln>
+            <a:solidFill>
+              <a:schemeClr val="tx2"/>
+            </a:solidFill>
+          </a:ln>
+        </p:spPr>
+        <p:style>
+          <a:lnRef idx="2">
+            <a:schemeClr val="accent1">
+              <a:shade val="50000"/>
+            </a:schemeClr>
+          </a:lnRef>
+          <a:fillRef idx="1">
+            <a:schemeClr val="accent1"/>
+          </a:fillRef>
+          <a:effectRef idx="0">
+            <a:schemeClr val="accent1"/>
+          </a:effectRef>
+          <a:fontRef idx="minor">
+            <a:schemeClr val="lt1"/>
+          </a:fontRef>
+        </p:style>
+        <p:txBody>
+          <a:bodyPr rtlCol="0" anchor="ctr"/>
+          <a:lstStyle/>
+          <a:p>
+            <a:pPr algn="ctr"/>
+            <a:endParaRPr lang="fr-FR"/>
+          </a:p>
+        </p:txBody>
+      </p:sp>
+      <p:sp>
+        <p:nvSpPr>
+          <p:cNvPr id="38" name="Rectangle 37"/>
+          <p:cNvSpPr/>
+          <p:nvPr/>
+        </p:nvSpPr>
+        <p:spPr>
+          <a:xfrm>
+            <a:off x="3003475" y="3144999"/>
+            <a:ext cx="996297" cy="952685"/>
+          </a:xfrm>
+          <a:prstGeom prst="rect">
+            <a:avLst/>
+          </a:prstGeom>
+          <a:solidFill>
+            <a:schemeClr val="bg1"/>
+          </a:solidFill>
+          <a:ln>
+            <a:noFill/>
+          </a:ln>
+        </p:spPr>
+        <p:style>
+          <a:lnRef idx="2">
+            <a:schemeClr val="accent1">
+              <a:shade val="50000"/>
+            </a:schemeClr>
+          </a:lnRef>
+          <a:fillRef idx="1">
+            <a:schemeClr val="accent1"/>
+          </a:fillRef>
+          <a:effectRef idx="0">
+            <a:schemeClr val="accent1"/>
+          </a:effectRef>
+          <a:fontRef idx="minor">
+            <a:schemeClr val="lt1"/>
+          </a:fontRef>
+        </p:style>
+        <p:txBody>
+          <a:bodyPr rtlCol="0" anchor="ctr"/>
+          <a:lstStyle/>
+          <a:p>
+            <a:pPr algn="ctr"/>
+            <a:endParaRPr lang="fr-FR"/>
+          </a:p>
+        </p:txBody>
+      </p:sp>
+      <p:sp>
+        <p:nvSpPr>
+          <p:cNvPr id="39" name="Rectangle 38"/>
+          <p:cNvSpPr/>
+          <p:nvPr/>
+        </p:nvSpPr>
+        <p:spPr>
+          <a:xfrm>
+            <a:off x="3003475" y="4135061"/>
+            <a:ext cx="996297" cy="952685"/>
+          </a:xfrm>
+          <a:prstGeom prst="rect">
+            <a:avLst/>
+          </a:prstGeom>
+          <a:solidFill>
+            <a:schemeClr val="bg1"/>
+          </a:solidFill>
+          <a:ln>
+            <a:noFill/>
+          </a:ln>
+        </p:spPr>
+        <p:style>
+          <a:lnRef idx="2">
+            <a:schemeClr val="accent1">
+              <a:shade val="50000"/>
+            </a:schemeClr>
+          </a:lnRef>
+          <a:fillRef idx="1">
+            <a:schemeClr val="accent1"/>
+          </a:fillRef>
+          <a:effectRef idx="0">
+            <a:schemeClr val="accent1"/>
+          </a:effectRef>
+          <a:fontRef idx="minor">
+            <a:schemeClr val="lt1"/>
+          </a:fontRef>
+        </p:style>
+        <p:txBody>
+          <a:bodyPr rtlCol="0" anchor="ctr"/>
+          <a:lstStyle/>
+          <a:p>
+            <a:pPr algn="ctr"/>
+            <a:endParaRPr lang="fr-FR"/>
+          </a:p>
+        </p:txBody>
+      </p:sp>
+      <p:sp>
+        <p:nvSpPr>
+          <p:cNvPr id="40" name="Rectangle 39"/>
+          <p:cNvSpPr/>
+          <p:nvPr/>
+        </p:nvSpPr>
+        <p:spPr>
+          <a:xfrm>
+            <a:off x="3003475" y="5125125"/>
+            <a:ext cx="996297" cy="952685"/>
+          </a:xfrm>
+          <a:prstGeom prst="rect">
+            <a:avLst/>
+          </a:prstGeom>
+          <a:solidFill>
+            <a:schemeClr val="bg1"/>
+          </a:solidFill>
+          <a:ln>
+            <a:noFill/>
+          </a:ln>
+        </p:spPr>
+        <p:style>
+          <a:lnRef idx="2">
+            <a:schemeClr val="accent1">
+              <a:shade val="50000"/>
+            </a:schemeClr>
+          </a:lnRef>
+          <a:fillRef idx="1">
+            <a:schemeClr val="accent1"/>
+          </a:fillRef>
+          <a:effectRef idx="0">
+            <a:schemeClr val="accent1"/>
+          </a:effectRef>
+          <a:fontRef idx="minor">
+            <a:schemeClr val="lt1"/>
+          </a:fontRef>
+        </p:style>
+        <p:txBody>
+          <a:bodyPr rtlCol="0" anchor="ctr"/>
+          <a:lstStyle/>
+          <a:p>
+            <a:pPr algn="ctr"/>
+            <a:endParaRPr lang="fr-FR"/>
+          </a:p>
+        </p:txBody>
+      </p:sp>
+      <p:pic>
+        <p:nvPicPr>
+          <p:cNvPr id="41" name="Image 40"/>
+          <p:cNvPicPr>
+            <a:picLocks noChangeAspect="1"/>
+          </p:cNvPicPr>
+          <p:nvPr/>
+        </p:nvPicPr>
+        <p:blipFill>
+          <a:blip r:embed="rId13" cstate="print">
+            <a:extLst>
+              <a:ext uri="{28A0092B-C50C-407E-A947-70E740481C1C}">
+                <a14:useLocalDpi xmlns:a14="http://schemas.microsoft.com/office/drawing/2010/main" val="0"/>
+              </a:ext>
+            </a:extLst>
+          </a:blip>
+          <a:stretch>
+            <a:fillRect/>
+          </a:stretch>
+        </p:blipFill>
+        <p:spPr>
+          <a:xfrm>
+            <a:off x="3057320" y="2198758"/>
+            <a:ext cx="888606" cy="888606"/>
+          </a:xfrm>
+          <a:prstGeom prst="rect">
+            <a:avLst/>
+          </a:prstGeom>
+        </p:spPr>
+      </p:pic>
+      <p:pic>
+        <p:nvPicPr>
+          <p:cNvPr id="42" name="Image 41"/>
+          <p:cNvPicPr>
+            <a:picLocks noChangeAspect="1"/>
+          </p:cNvPicPr>
+          <p:nvPr/>
+        </p:nvPicPr>
+        <p:blipFill>
+          <a:blip r:embed="rId14" cstate="print">
+            <a:extLst>
+              <a:ext uri="{28A0092B-C50C-407E-A947-70E740481C1C}">
+                <a14:useLocalDpi xmlns:a14="http://schemas.microsoft.com/office/drawing/2010/main" val="0"/>
+              </a:ext>
+            </a:extLst>
+          </a:blip>
+          <a:stretch>
+            <a:fillRect/>
+          </a:stretch>
+        </p:blipFill>
+        <p:spPr>
+          <a:xfrm>
+            <a:off x="3030396" y="3159781"/>
+            <a:ext cx="942454" cy="942454"/>
+          </a:xfrm>
+          <a:prstGeom prst="rect">
+            <a:avLst/>
+          </a:prstGeom>
+        </p:spPr>
+      </p:pic>
+      <p:pic>
+        <p:nvPicPr>
+          <p:cNvPr id="43" name="Image 42"/>
+          <p:cNvPicPr>
+            <a:picLocks noChangeAspect="1"/>
+          </p:cNvPicPr>
+          <p:nvPr/>
+        </p:nvPicPr>
+        <p:blipFill>
+          <a:blip r:embed="rId15" cstate="print">
+            <a:extLst>
+              <a:ext uri="{28A0092B-C50C-407E-A947-70E740481C1C}">
+                <a14:useLocalDpi xmlns:a14="http://schemas.microsoft.com/office/drawing/2010/main" val="0"/>
+              </a:ext>
+            </a:extLst>
+          </a:blip>
+          <a:stretch>
+            <a:fillRect/>
+          </a:stretch>
+        </p:blipFill>
+        <p:spPr>
+          <a:xfrm>
+            <a:off x="3089560" y="4187422"/>
+            <a:ext cx="890116" cy="890116"/>
+          </a:xfrm>
+          <a:prstGeom prst="rect">
+            <a:avLst/>
+          </a:prstGeom>
+        </p:spPr>
+      </p:pic>
+      <p:pic>
+        <p:nvPicPr>
+          <p:cNvPr id="44" name="Image 43"/>
+          <p:cNvPicPr>
+            <a:picLocks noChangeAspect="1"/>
+          </p:cNvPicPr>
+          <p:nvPr/>
+        </p:nvPicPr>
+        <p:blipFill>
+          <a:blip r:embed="rId16" cstate="print">
+            <a:extLst>
+              <a:ext uri="{28A0092B-C50C-407E-A947-70E740481C1C}">
+                <a14:useLocalDpi xmlns:a14="http://schemas.microsoft.com/office/drawing/2010/main" val="0"/>
+              </a:ext>
+            </a:extLst>
+          </a:blip>
+          <a:stretch>
+            <a:fillRect/>
+          </a:stretch>
+        </p:blipFill>
+        <p:spPr>
+          <a:xfrm>
+            <a:off x="3089559" y="5151615"/>
+            <a:ext cx="910213" cy="910213"/>
+          </a:xfrm>
+          <a:prstGeom prst="rect">
+            <a:avLst/>
+          </a:prstGeom>
+        </p:spPr>
+      </p:pic>
+      <p:sp>
+        <p:nvSpPr>
+          <p:cNvPr id="45" name="ZoneTexte 44"/>
+          <p:cNvSpPr txBox="1"/>
+          <p:nvPr/>
+        </p:nvSpPr>
+        <p:spPr>
+          <a:xfrm>
+            <a:off x="7357472" y="2091872"/>
+            <a:ext cx="3183249" cy="923330"/>
+          </a:xfrm>
+          <a:prstGeom prst="rect">
+            <a:avLst/>
+          </a:prstGeom>
+          <a:noFill/>
+        </p:spPr>
+        <p:txBody>
+          <a:bodyPr wrap="square" rtlCol="0">
+            <a:spAutoFit/>
+          </a:bodyPr>
+          <a:lstStyle/>
+          <a:p>
+            <a:r>
+              <a:rPr lang="fr-FR" b="1" dirty="0"/>
+              <a:t>Figurine </a:t>
+            </a:r>
+            <a:r>
+              <a:rPr lang="fr-FR" b="1" dirty="0" err="1"/>
+              <a:t>Roronoa</a:t>
+            </a:r>
+            <a:r>
+              <a:rPr lang="fr-FR" b="1" dirty="0"/>
+              <a:t> </a:t>
+            </a:r>
+            <a:r>
+              <a:rPr lang="fr-FR" b="1" dirty="0" err="1"/>
+              <a:t>Zoro</a:t>
+            </a:r>
+            <a:r>
+              <a:rPr lang="fr-FR" b="1" dirty="0"/>
+              <a:t> – </a:t>
+            </a:r>
+            <a:r>
+              <a:rPr lang="fr-FR" b="1" dirty="0" err="1"/>
+              <a:t>Grandista</a:t>
+            </a:r>
+            <a:r>
+              <a:rPr lang="fr-FR" b="1" dirty="0"/>
+              <a:t> Manga </a:t>
+            </a:r>
+            <a:r>
+              <a:rPr lang="fr-FR" b="1" dirty="0" smtClean="0"/>
+              <a:t>Dimension</a:t>
+            </a:r>
+            <a:endParaRPr lang="fr-FR" b="1" dirty="0"/>
+          </a:p>
+          <a:p>
+            <a:endParaRPr lang="fr-FR" dirty="0"/>
+          </a:p>
+        </p:txBody>
+      </p:sp>
+      <p:sp>
+        <p:nvSpPr>
+          <p:cNvPr id="46" name="ZoneTexte 45"/>
+          <p:cNvSpPr txBox="1"/>
+          <p:nvPr/>
+        </p:nvSpPr>
+        <p:spPr>
+          <a:xfrm>
+            <a:off x="7357469" y="2682727"/>
+            <a:ext cx="2958234" cy="461665"/>
+          </a:xfrm>
+          <a:prstGeom prst="rect">
+            <a:avLst/>
+          </a:prstGeom>
+          <a:noFill/>
+        </p:spPr>
+        <p:txBody>
+          <a:bodyPr wrap="square" rtlCol="0">
+            <a:spAutoFit/>
+          </a:bodyPr>
+          <a:lstStyle/>
+          <a:p>
+            <a:r>
+              <a:rPr lang="fr-FR" sz="1200" i="1" dirty="0" smtClean="0">
+                <a:solidFill>
+                  <a:schemeClr val="bg1">
+                    <a:lumMod val="50000"/>
+                  </a:schemeClr>
+                </a:solidFill>
+              </a:rPr>
+              <a:t>Description 28 cm </a:t>
+            </a:r>
+            <a:r>
+              <a:rPr lang="fr-FR" sz="1200" i="1" dirty="0" err="1">
+                <a:solidFill>
+                  <a:schemeClr val="bg1">
+                    <a:lumMod val="50000"/>
+                  </a:schemeClr>
+                </a:solidFill>
+              </a:rPr>
+              <a:t>Lorem</a:t>
+            </a:r>
+            <a:r>
+              <a:rPr lang="fr-FR" sz="1200" i="1" dirty="0">
+                <a:solidFill>
+                  <a:schemeClr val="bg1">
+                    <a:lumMod val="50000"/>
+                  </a:schemeClr>
+                </a:solidFill>
+              </a:rPr>
+              <a:t> </a:t>
+            </a:r>
+            <a:r>
+              <a:rPr lang="fr-FR" sz="1200" i="1" dirty="0" err="1">
+                <a:solidFill>
+                  <a:schemeClr val="bg1">
+                    <a:lumMod val="50000"/>
+                  </a:schemeClr>
+                </a:solidFill>
+              </a:rPr>
+              <a:t>ipsum</a:t>
+            </a:r>
+            <a:r>
+              <a:rPr lang="fr-FR" sz="1200" i="1" dirty="0">
+                <a:solidFill>
+                  <a:schemeClr val="bg1">
+                    <a:lumMod val="50000"/>
+                  </a:schemeClr>
+                </a:solidFill>
+              </a:rPr>
+              <a:t> </a:t>
+            </a:r>
+            <a:r>
+              <a:rPr lang="fr-FR" sz="1200" i="1" dirty="0" err="1">
+                <a:solidFill>
+                  <a:schemeClr val="bg1">
+                    <a:lumMod val="50000"/>
+                  </a:schemeClr>
+                </a:solidFill>
+              </a:rPr>
+              <a:t>dolor</a:t>
+            </a:r>
+            <a:r>
+              <a:rPr lang="fr-FR" sz="1200" i="1" dirty="0">
+                <a:solidFill>
+                  <a:schemeClr val="bg1">
+                    <a:lumMod val="50000"/>
+                  </a:schemeClr>
+                </a:solidFill>
+              </a:rPr>
+              <a:t> </a:t>
+            </a:r>
+            <a:r>
+              <a:rPr lang="fr-FR" sz="1200" i="1" dirty="0" err="1">
+                <a:solidFill>
+                  <a:schemeClr val="bg1">
+                    <a:lumMod val="50000"/>
+                  </a:schemeClr>
+                </a:solidFill>
+              </a:rPr>
+              <a:t>sit</a:t>
+            </a:r>
+            <a:r>
+              <a:rPr lang="fr-FR" sz="1200" i="1" dirty="0">
+                <a:solidFill>
+                  <a:schemeClr val="bg1">
+                    <a:lumMod val="50000"/>
+                  </a:schemeClr>
+                </a:solidFill>
+              </a:rPr>
+              <a:t> </a:t>
+            </a:r>
+            <a:r>
+              <a:rPr lang="fr-FR" sz="1200" i="1" dirty="0" err="1">
+                <a:solidFill>
+                  <a:schemeClr val="bg1">
+                    <a:lumMod val="50000"/>
+                  </a:schemeClr>
+                </a:solidFill>
+              </a:rPr>
+              <a:t>amet</a:t>
+            </a:r>
+            <a:r>
+              <a:rPr lang="fr-FR" sz="1200" i="1" dirty="0">
+                <a:solidFill>
+                  <a:schemeClr val="bg1">
+                    <a:lumMod val="50000"/>
+                  </a:schemeClr>
+                </a:solidFill>
+              </a:rPr>
+              <a:t>, </a:t>
+            </a:r>
+            <a:r>
+              <a:rPr lang="fr-FR" sz="1200" i="1" dirty="0" err="1">
+                <a:solidFill>
+                  <a:schemeClr val="bg1">
+                    <a:lumMod val="50000"/>
+                  </a:schemeClr>
+                </a:solidFill>
+              </a:rPr>
+              <a:t>consectetur</a:t>
+            </a:r>
+            <a:r>
+              <a:rPr lang="fr-FR" sz="1200" i="1" dirty="0">
+                <a:solidFill>
+                  <a:schemeClr val="bg1">
+                    <a:lumMod val="50000"/>
+                  </a:schemeClr>
+                </a:solidFill>
+              </a:rPr>
+              <a:t> </a:t>
+            </a:r>
+            <a:r>
+              <a:rPr lang="fr-FR" sz="1200" i="1" dirty="0" err="1">
+                <a:solidFill>
+                  <a:schemeClr val="bg1">
+                    <a:lumMod val="50000"/>
+                  </a:schemeClr>
+                </a:solidFill>
+              </a:rPr>
+              <a:t>adipiscing</a:t>
+            </a:r>
+            <a:r>
+              <a:rPr lang="fr-FR" sz="1200" i="1" dirty="0">
+                <a:solidFill>
+                  <a:schemeClr val="bg1">
+                    <a:lumMod val="50000"/>
+                  </a:schemeClr>
+                </a:solidFill>
+              </a:rPr>
+              <a:t> </a:t>
+            </a:r>
+            <a:r>
+              <a:rPr lang="fr-FR" sz="1200" i="1" dirty="0" err="1">
+                <a:solidFill>
+                  <a:schemeClr val="bg1">
+                    <a:lumMod val="50000"/>
+                  </a:schemeClr>
+                </a:solidFill>
+              </a:rPr>
+              <a:t>elit</a:t>
+            </a:r>
+            <a:r>
+              <a:rPr lang="fr-FR" sz="1200" i="1" dirty="0">
+                <a:solidFill>
+                  <a:schemeClr val="bg1">
+                    <a:lumMod val="50000"/>
+                  </a:schemeClr>
+                </a:solidFill>
+              </a:rPr>
+              <a:t>. </a:t>
+            </a:r>
+            <a:endParaRPr lang="fr-FR" sz="1200" i="1" dirty="0">
+              <a:solidFill>
+                <a:schemeClr val="bg1">
+                  <a:lumMod val="50000"/>
+                </a:schemeClr>
+              </a:solidFill>
+            </a:endParaRPr>
+          </a:p>
+        </p:txBody>
+      </p:sp>
+      <p:sp>
+        <p:nvSpPr>
+          <p:cNvPr id="48" name="ZoneTexte 47"/>
+          <p:cNvSpPr txBox="1"/>
+          <p:nvPr/>
+        </p:nvSpPr>
+        <p:spPr>
+          <a:xfrm>
+            <a:off x="7357469" y="3335715"/>
+            <a:ext cx="1889090" cy="369332"/>
+          </a:xfrm>
+          <a:prstGeom prst="rect">
+            <a:avLst/>
+          </a:prstGeom>
+          <a:noFill/>
+        </p:spPr>
+        <p:txBody>
+          <a:bodyPr wrap="square" rtlCol="0">
+            <a:spAutoFit/>
+          </a:bodyPr>
+          <a:lstStyle/>
+          <a:p>
+            <a:r>
+              <a:rPr lang="fr-FR" dirty="0" smtClean="0"/>
+              <a:t>74,90 € </a:t>
+            </a:r>
+            <a:endParaRPr lang="fr-FR" dirty="0"/>
+          </a:p>
+        </p:txBody>
+      </p:sp>
+      <p:sp>
+        <p:nvSpPr>
+          <p:cNvPr id="49" name="Rectangle 48"/>
+          <p:cNvSpPr/>
+          <p:nvPr/>
+        </p:nvSpPr>
+        <p:spPr>
+          <a:xfrm>
+            <a:off x="7474886" y="4325815"/>
+            <a:ext cx="422031" cy="419224"/>
+          </a:xfrm>
+          <a:prstGeom prst="rect">
+            <a:avLst/>
+          </a:prstGeom>
+          <a:solidFill>
+            <a:schemeClr val="bg1"/>
+          </a:solidFill>
+          <a:ln>
+            <a:solidFill>
+              <a:schemeClr val="tx2">
+                <a:lumMod val="75000"/>
+              </a:schemeClr>
+            </a:solidFill>
+          </a:ln>
+        </p:spPr>
+        <p:style>
+          <a:lnRef idx="2">
+            <a:schemeClr val="accent1">
+              <a:shade val="50000"/>
+            </a:schemeClr>
+          </a:lnRef>
+          <a:fillRef idx="1">
+            <a:schemeClr val="accent1"/>
+          </a:fillRef>
+          <a:effectRef idx="0">
+            <a:schemeClr val="accent1"/>
+          </a:effectRef>
+          <a:fontRef idx="minor">
+            <a:schemeClr val="lt1"/>
+          </a:fontRef>
+        </p:style>
+        <p:txBody>
+          <a:bodyPr rtlCol="0" anchor="ctr"/>
+          <a:lstStyle/>
+          <a:p>
+            <a:pPr algn="ctr"/>
+            <a:endParaRPr lang="fr-FR"/>
+          </a:p>
+        </p:txBody>
+      </p:sp>
+      <p:sp>
+        <p:nvSpPr>
+          <p:cNvPr id="50" name="Rectangle 49"/>
+          <p:cNvSpPr/>
+          <p:nvPr/>
+        </p:nvSpPr>
+        <p:spPr>
+          <a:xfrm>
+            <a:off x="7966169" y="4325815"/>
+            <a:ext cx="184436" cy="419224"/>
+          </a:xfrm>
+          <a:prstGeom prst="rect">
+            <a:avLst/>
+          </a:prstGeom>
+          <a:solidFill>
+            <a:schemeClr val="bg1"/>
+          </a:solidFill>
+          <a:ln>
+            <a:solidFill>
+              <a:schemeClr val="tx2">
+                <a:lumMod val="75000"/>
+              </a:schemeClr>
+            </a:solidFill>
+          </a:ln>
+        </p:spPr>
+        <p:style>
+          <a:lnRef idx="2">
+            <a:schemeClr val="accent1">
+              <a:shade val="50000"/>
+            </a:schemeClr>
+          </a:lnRef>
+          <a:fillRef idx="1">
+            <a:schemeClr val="accent1"/>
+          </a:fillRef>
+          <a:effectRef idx="0">
+            <a:schemeClr val="accent1"/>
+          </a:effectRef>
+          <a:fontRef idx="minor">
+            <a:schemeClr val="lt1"/>
+          </a:fontRef>
+        </p:style>
+        <p:txBody>
+          <a:bodyPr rtlCol="0" anchor="ctr"/>
+          <a:lstStyle/>
+          <a:p>
+            <a:pPr algn="ctr"/>
+            <a:endParaRPr lang="fr-FR"/>
+          </a:p>
+        </p:txBody>
+      </p:sp>
+      <p:cxnSp>
+        <p:nvCxnSpPr>
+          <p:cNvPr id="54" name="Connecteur droit 53"/>
+          <p:cNvCxnSpPr>
+            <a:stCxn id="50" idx="1"/>
+            <a:endCxn id="50" idx="3"/>
+          </p:cNvCxnSpPr>
+          <p:nvPr/>
+        </p:nvCxnSpPr>
+        <p:spPr>
+          <a:xfrm>
+            <a:off x="7966169" y="4535427"/>
+            <a:ext cx="184436" cy="0"/>
+          </a:xfrm>
+          <a:prstGeom prst="line">
+            <a:avLst/>
+          </a:prstGeom>
+          <a:ln>
+            <a:solidFill>
+              <a:schemeClr val="tx2">
+                <a:lumMod val="75000"/>
+              </a:schemeClr>
+            </a:solidFill>
+          </a:ln>
+        </p:spPr>
+        <p:style>
+          <a:lnRef idx="1">
+            <a:schemeClr val="accent1"/>
+          </a:lnRef>
+          <a:fillRef idx="0">
+            <a:schemeClr val="accent1"/>
+          </a:fillRef>
+          <a:effectRef idx="0">
+            <a:schemeClr val="accent1"/>
+          </a:effectRef>
+          <a:fontRef idx="minor">
+            <a:schemeClr val="tx1"/>
+          </a:fontRef>
+        </p:style>
+      </p:cxnSp>
+      <p:sp>
+        <p:nvSpPr>
+          <p:cNvPr id="56" name="ZoneTexte 55"/>
+          <p:cNvSpPr txBox="1"/>
+          <p:nvPr/>
+        </p:nvSpPr>
+        <p:spPr>
+          <a:xfrm>
+            <a:off x="7909657" y="4263148"/>
+            <a:ext cx="207206" cy="369332"/>
+          </a:xfrm>
+          <a:prstGeom prst="rect">
+            <a:avLst/>
+          </a:prstGeom>
+          <a:noFill/>
+        </p:spPr>
+        <p:txBody>
+          <a:bodyPr wrap="square" rtlCol="0">
+            <a:spAutoFit/>
+          </a:bodyPr>
+          <a:lstStyle/>
+          <a:p>
+            <a:r>
+              <a:rPr lang="fr-FR" dirty="0" smtClean="0">
+                <a:solidFill>
+                  <a:schemeClr val="tx2">
+                    <a:lumMod val="75000"/>
+                  </a:schemeClr>
+                </a:solidFill>
+              </a:rPr>
+              <a:t>^</a:t>
+            </a:r>
+            <a:endParaRPr lang="fr-FR" dirty="0">
+              <a:solidFill>
+                <a:schemeClr val="tx2">
+                  <a:lumMod val="75000"/>
+                </a:schemeClr>
+              </a:solidFill>
+            </a:endParaRPr>
+          </a:p>
+        </p:txBody>
+      </p:sp>
+      <p:sp>
+        <p:nvSpPr>
+          <p:cNvPr id="57" name="ZoneTexte 56"/>
+          <p:cNvSpPr txBox="1"/>
+          <p:nvPr/>
+        </p:nvSpPr>
+        <p:spPr>
+          <a:xfrm flipV="1">
+            <a:off x="8041058" y="4445596"/>
+            <a:ext cx="146828" cy="369332"/>
+          </a:xfrm>
+          <a:prstGeom prst="rect">
+            <a:avLst/>
+          </a:prstGeom>
+          <a:noFill/>
+        </p:spPr>
+        <p:txBody>
+          <a:bodyPr wrap="square" rtlCol="0">
+            <a:spAutoFit/>
+          </a:bodyPr>
+          <a:lstStyle/>
+          <a:p>
+            <a:r>
+              <a:rPr lang="fr-FR" dirty="0" smtClean="0">
+                <a:solidFill>
+                  <a:schemeClr val="tx2">
+                    <a:lumMod val="75000"/>
+                  </a:schemeClr>
+                </a:solidFill>
+              </a:rPr>
+              <a:t>^</a:t>
+            </a:r>
+            <a:endParaRPr lang="fr-FR" dirty="0">
+              <a:solidFill>
+                <a:schemeClr val="tx2">
+                  <a:lumMod val="75000"/>
+                </a:schemeClr>
+              </a:solidFill>
+            </a:endParaRPr>
+          </a:p>
+        </p:txBody>
+      </p:sp>
+      <p:sp>
+        <p:nvSpPr>
+          <p:cNvPr id="58" name="ZoneTexte 57"/>
+          <p:cNvSpPr txBox="1"/>
+          <p:nvPr/>
+        </p:nvSpPr>
+        <p:spPr>
+          <a:xfrm>
+            <a:off x="7381061" y="4032063"/>
+            <a:ext cx="745836" cy="276999"/>
+          </a:xfrm>
+          <a:prstGeom prst="rect">
+            <a:avLst/>
+          </a:prstGeom>
+          <a:noFill/>
+        </p:spPr>
+        <p:txBody>
+          <a:bodyPr wrap="square" rtlCol="0">
+            <a:spAutoFit/>
+          </a:bodyPr>
+          <a:lstStyle/>
+          <a:p>
+            <a:r>
+              <a:rPr lang="fr-FR" sz="1200" dirty="0" smtClean="0">
+                <a:solidFill>
+                  <a:schemeClr val="tx2">
+                    <a:lumMod val="75000"/>
+                  </a:schemeClr>
+                </a:solidFill>
+              </a:rPr>
+              <a:t>Quantité</a:t>
+            </a:r>
+            <a:endParaRPr lang="fr-FR" sz="1200" dirty="0">
+              <a:solidFill>
+                <a:schemeClr val="tx2">
+                  <a:lumMod val="75000"/>
+                </a:schemeClr>
+              </a:solidFill>
+            </a:endParaRPr>
+          </a:p>
+        </p:txBody>
+      </p:sp>
+      <p:sp>
+        <p:nvSpPr>
+          <p:cNvPr id="62" name="ZoneTexte 61"/>
+          <p:cNvSpPr txBox="1"/>
+          <p:nvPr/>
+        </p:nvSpPr>
+        <p:spPr>
+          <a:xfrm>
+            <a:off x="7515269" y="4243039"/>
+            <a:ext cx="378830" cy="584775"/>
+          </a:xfrm>
+          <a:prstGeom prst="rect">
+            <a:avLst/>
+          </a:prstGeom>
+          <a:noFill/>
+        </p:spPr>
+        <p:txBody>
+          <a:bodyPr wrap="square" rtlCol="0">
+            <a:spAutoFit/>
+          </a:bodyPr>
+          <a:lstStyle/>
+          <a:p>
+            <a:r>
+              <a:rPr lang="fr-FR" sz="3200" dirty="0" smtClean="0">
+                <a:solidFill>
+                  <a:schemeClr val="tx2">
+                    <a:lumMod val="75000"/>
+                  </a:schemeClr>
+                </a:solidFill>
+              </a:rPr>
+              <a:t>1</a:t>
+            </a:r>
+            <a:endParaRPr lang="fr-FR" sz="3200" dirty="0">
+              <a:solidFill>
+                <a:schemeClr val="tx2">
+                  <a:lumMod val="75000"/>
+                </a:schemeClr>
+              </a:solidFill>
+            </a:endParaRPr>
+          </a:p>
+        </p:txBody>
+      </p:sp>
+      <p:sp>
+        <p:nvSpPr>
+          <p:cNvPr id="64" name="Rectangle 63"/>
+          <p:cNvSpPr/>
+          <p:nvPr/>
+        </p:nvSpPr>
+        <p:spPr>
+          <a:xfrm>
+            <a:off x="8390895" y="4325815"/>
+            <a:ext cx="1637360" cy="419224"/>
+          </a:xfrm>
+          <a:prstGeom prst="rect">
+            <a:avLst/>
+          </a:prstGeom>
+          <a:solidFill>
+            <a:srgbClr val="C00000"/>
+          </a:solidFill>
+          <a:ln>
+            <a:solidFill>
+              <a:schemeClr val="tx2">
+                <a:lumMod val="75000"/>
+              </a:schemeClr>
+            </a:solidFill>
+          </a:ln>
+        </p:spPr>
+        <p:style>
+          <a:lnRef idx="2">
+            <a:schemeClr val="accent1">
+              <a:shade val="50000"/>
+            </a:schemeClr>
+          </a:lnRef>
+          <a:fillRef idx="1">
+            <a:schemeClr val="accent1"/>
+          </a:fillRef>
+          <a:effectRef idx="0">
+            <a:schemeClr val="accent1"/>
+          </a:effectRef>
+          <a:fontRef idx="minor">
+            <a:schemeClr val="lt1"/>
+          </a:fontRef>
+        </p:style>
+        <p:txBody>
+          <a:bodyPr rtlCol="0" anchor="ctr"/>
+          <a:lstStyle/>
+          <a:p>
+            <a:pPr algn="ctr"/>
+            <a:endParaRPr lang="fr-FR"/>
+          </a:p>
+        </p:txBody>
+      </p:sp>
+      <p:sp>
+        <p:nvSpPr>
+          <p:cNvPr id="65" name="ZoneTexte 64"/>
+          <p:cNvSpPr txBox="1"/>
+          <p:nvPr/>
+        </p:nvSpPr>
+        <p:spPr>
+          <a:xfrm>
+            <a:off x="8408630" y="4369647"/>
+            <a:ext cx="1874130" cy="338554"/>
+          </a:xfrm>
+          <a:prstGeom prst="rect">
+            <a:avLst/>
+          </a:prstGeom>
+          <a:noFill/>
+        </p:spPr>
+        <p:txBody>
+          <a:bodyPr wrap="square" rtlCol="0">
+            <a:spAutoFit/>
+          </a:bodyPr>
+          <a:lstStyle/>
+          <a:p>
+            <a:r>
+              <a:rPr lang="fr-FR" sz="1600" dirty="0" smtClean="0">
+                <a:solidFill>
+                  <a:schemeClr val="bg1"/>
+                </a:solidFill>
+              </a:rPr>
+              <a:t>Ajouter au panier</a:t>
+            </a:r>
+            <a:endParaRPr lang="fr-FR" sz="1600" dirty="0">
+              <a:solidFill>
+                <a:schemeClr val="bg1"/>
+              </a:solidFill>
+            </a:endParaRPr>
+          </a:p>
+        </p:txBody>
+      </p:sp>
+    </p:spTree>
+    <p:extLst>
+      <p:ext uri="{BB962C8B-B14F-4D97-AF65-F5344CB8AC3E}">
+        <p14:creationId xmlns:p14="http://schemas.microsoft.com/office/powerpoint/2010/main" val="1733529339"/>
+      </p:ext>
+    </p:extLst>
+  </p:cSld>
+  <p:clrMapOvr>
+    <a:masterClrMapping/>
+  </p:clrMapOvr>
+  <p:timing>
+    <p:tnLst>
+      <p:par>
+        <p:cTn id="1" dur="indefinite" restart="never" nodeType="tmRoot"/>
+      </p:par>
+    </p:tnLst>
+  </p:timing>
+</p:sld>
+</file>
+
 <file path=ppt/tags/tag1.xml><?xml version="1.0" encoding="utf-8"?>
 <p:tagLst xmlns:a="http://schemas.openxmlformats.org/drawingml/2006/main" xmlns:r="http://schemas.openxmlformats.org/officeDocument/2006/relationships" xmlns:p="http://schemas.openxmlformats.org/presentationml/2006/main">
   <p:tag name="SMARTSETTINGSHASH" val="PWOa7bLCMN/NfWse0OkDrDXWtXjrMvC+/KEnGxnzoq0="/>
@@ -16078,9 +20050,69 @@
 </p:tagLst>
 </file>
 
+<file path=ppt/tags/tag31.xml><?xml version="1.0" encoding="utf-8"?>
+<p:tagLst xmlns:a="http://schemas.openxmlformats.org/drawingml/2006/main" xmlns:r="http://schemas.openxmlformats.org/officeDocument/2006/relationships" xmlns:p="http://schemas.openxmlformats.org/presentationml/2006/main">
+  <p:tag name="SMARTSETTINGSHASH" val="PWOa7bLCMN/NfWse0OkDrDXWtXjrMvC+/KEnGxnzoq0="/>
+</p:tagLst>
+</file>
+
+<file path=ppt/tags/tag32.xml><?xml version="1.0" encoding="utf-8"?>
+<p:tagLst xmlns:a="http://schemas.openxmlformats.org/drawingml/2006/main" xmlns:r="http://schemas.openxmlformats.org/officeDocument/2006/relationships" xmlns:p="http://schemas.openxmlformats.org/presentationml/2006/main">
+  <p:tag name="SMARTSETTINGSHASH" val="xZU/W0IqlvXPkJ37/hSWg5jSIFh0KZmI7sT1syyiYH8="/>
+</p:tagLst>
+</file>
+
+<file path=ppt/tags/tag33.xml><?xml version="1.0" encoding="utf-8"?>
+<p:tagLst xmlns:a="http://schemas.openxmlformats.org/drawingml/2006/main" xmlns:r="http://schemas.openxmlformats.org/officeDocument/2006/relationships" xmlns:p="http://schemas.openxmlformats.org/presentationml/2006/main">
+  <p:tag name="SMARTSETTINGSHASH" val="SB3bqgv5ghGJknk/m+/9EdPMDkanH9eNosaoBtCx42Q="/>
+</p:tagLst>
+</file>
+
+<file path=ppt/tags/tag34.xml><?xml version="1.0" encoding="utf-8"?>
+<p:tagLst xmlns:a="http://schemas.openxmlformats.org/drawingml/2006/main" xmlns:r="http://schemas.openxmlformats.org/officeDocument/2006/relationships" xmlns:p="http://schemas.openxmlformats.org/presentationml/2006/main">
+  <p:tag name="SMARTSETTINGSHASH" val="xscEFkRiZvbxLfN1YzQGPp4nKBgtuPrjp3QiTCcMWwM="/>
+</p:tagLst>
+</file>
+
+<file path=ppt/tags/tag35.xml><?xml version="1.0" encoding="utf-8"?>
+<p:tagLst xmlns:a="http://schemas.openxmlformats.org/drawingml/2006/main" xmlns:r="http://schemas.openxmlformats.org/officeDocument/2006/relationships" xmlns:p="http://schemas.openxmlformats.org/presentationml/2006/main">
+  <p:tag name="SMARTSETTINGSHASH" val="xscEFkRiZvbxLfN1YzQGPp4nKBgtuPrjp3QiTCcMWwM="/>
+</p:tagLst>
+</file>
+
+<file path=ppt/tags/tag36.xml><?xml version="1.0" encoding="utf-8"?>
+<p:tagLst xmlns:a="http://schemas.openxmlformats.org/drawingml/2006/main" xmlns:r="http://schemas.openxmlformats.org/officeDocument/2006/relationships" xmlns:p="http://schemas.openxmlformats.org/presentationml/2006/main">
+  <p:tag name="SMARTSETTINGSHASH" val="SB3bqgv5ghGJknk/m+/9EdPMDkanH9eNosaoBtCx42Q="/>
+</p:tagLst>
+</file>
+
+<file path=ppt/tags/tag37.xml><?xml version="1.0" encoding="utf-8"?>
+<p:tagLst xmlns:a="http://schemas.openxmlformats.org/drawingml/2006/main" xmlns:r="http://schemas.openxmlformats.org/officeDocument/2006/relationships" xmlns:p="http://schemas.openxmlformats.org/presentationml/2006/main">
+  <p:tag name="SMARTSETTINGSHASH" val="IDSg7uxH1Z/iSOkBSMZyie/SGkHlLE2okQSpqFhp1Ac="/>
+</p:tagLst>
+</file>
+
+<file path=ppt/tags/tag38.xml><?xml version="1.0" encoding="utf-8"?>
+<p:tagLst xmlns:a="http://schemas.openxmlformats.org/drawingml/2006/main" xmlns:r="http://schemas.openxmlformats.org/officeDocument/2006/relationships" xmlns:p="http://schemas.openxmlformats.org/presentationml/2006/main">
+  <p:tag name="SMARTSETTINGSHASH" val="IDSg7uxH1Z/iSOkBSMZyie/SGkHlLE2okQSpqFhp1Ac="/>
+</p:tagLst>
+</file>
+
+<file path=ppt/tags/tag39.xml><?xml version="1.0" encoding="utf-8"?>
+<p:tagLst xmlns:a="http://schemas.openxmlformats.org/drawingml/2006/main" xmlns:r="http://schemas.openxmlformats.org/officeDocument/2006/relationships" xmlns:p="http://schemas.openxmlformats.org/presentationml/2006/main">
+  <p:tag name="SMARTSETTINGSHASH" val="IDSg7uxH1Z/iSOkBSMZyie/SGkHlLE2okQSpqFhp1Ac="/>
+</p:tagLst>
+</file>
+
 <file path=ppt/tags/tag4.xml><?xml version="1.0" encoding="utf-8"?>
 <p:tagLst xmlns:a="http://schemas.openxmlformats.org/drawingml/2006/main" xmlns:r="http://schemas.openxmlformats.org/officeDocument/2006/relationships" xmlns:p="http://schemas.openxmlformats.org/presentationml/2006/main">
   <p:tag name="SMARTSETTINGSHASH" val="xscEFkRiZvbxLfN1YzQGPp4nKBgtuPrjp3QiTCcMWwM="/>
+</p:tagLst>
+</file>
+
+<file path=ppt/tags/tag40.xml><?xml version="1.0" encoding="utf-8"?>
+<p:tagLst xmlns:a="http://schemas.openxmlformats.org/drawingml/2006/main" xmlns:r="http://schemas.openxmlformats.org/officeDocument/2006/relationships" xmlns:p="http://schemas.openxmlformats.org/presentationml/2006/main">
+  <p:tag name="SMARTSETTINGSHASH" val="IDSg7uxH1Z/iSOkBSMZyie/SGkHlLE2okQSpqFhp1Ac="/>
 </p:tagLst>
 </file>
 

--- a/ProjetStage/MaquetteProjetStage.pptx
+++ b/ProjetStage/MaquetteProjetStage.pptx
@@ -19764,7 +19764,7 @@
         </p:nvSpPr>
         <p:spPr>
           <a:xfrm>
-            <a:off x="7515269" y="4243039"/>
+            <a:off x="7495173" y="4243039"/>
             <a:ext cx="378830" cy="584775"/>
           </a:xfrm>
           <a:prstGeom prst="rect">

--- a/ProjetStage/MaquetteProjetStage.pptx
+++ b/ProjetStage/MaquetteProjetStage.pptx
@@ -246,7 +246,7 @@
           <a:p>
             <a:fld id="{260E7F35-4855-4D43-B1DE-D4E531001705}" type="datetimeFigureOut">
               <a:rPr lang="fr-FR" smtClean="0"/>
-              <a:t>21/04/2020</a:t>
+              <a:t>22/04/2020</a:t>
             </a:fld>
             <a:endParaRPr lang="fr-FR"/>
           </a:p>
@@ -416,7 +416,7 @@
           <a:p>
             <a:fld id="{260E7F35-4855-4D43-B1DE-D4E531001705}" type="datetimeFigureOut">
               <a:rPr lang="fr-FR" smtClean="0"/>
-              <a:t>21/04/2020</a:t>
+              <a:t>22/04/2020</a:t>
             </a:fld>
             <a:endParaRPr lang="fr-FR"/>
           </a:p>
@@ -596,7 +596,7 @@
           <a:p>
             <a:fld id="{260E7F35-4855-4D43-B1DE-D4E531001705}" type="datetimeFigureOut">
               <a:rPr lang="fr-FR" smtClean="0"/>
-              <a:t>21/04/2020</a:t>
+              <a:t>22/04/2020</a:t>
             </a:fld>
             <a:endParaRPr lang="fr-FR"/>
           </a:p>
@@ -766,7 +766,7 @@
           <a:p>
             <a:fld id="{260E7F35-4855-4D43-B1DE-D4E531001705}" type="datetimeFigureOut">
               <a:rPr lang="fr-FR" smtClean="0"/>
-              <a:t>21/04/2020</a:t>
+              <a:t>22/04/2020</a:t>
             </a:fld>
             <a:endParaRPr lang="fr-FR"/>
           </a:p>
@@ -1012,7 +1012,7 @@
           <a:p>
             <a:fld id="{260E7F35-4855-4D43-B1DE-D4E531001705}" type="datetimeFigureOut">
               <a:rPr lang="fr-FR" smtClean="0"/>
-              <a:t>21/04/2020</a:t>
+              <a:t>22/04/2020</a:t>
             </a:fld>
             <a:endParaRPr lang="fr-FR"/>
           </a:p>
@@ -1244,7 +1244,7 @@
           <a:p>
             <a:fld id="{260E7F35-4855-4D43-B1DE-D4E531001705}" type="datetimeFigureOut">
               <a:rPr lang="fr-FR" smtClean="0"/>
-              <a:t>21/04/2020</a:t>
+              <a:t>22/04/2020</a:t>
             </a:fld>
             <a:endParaRPr lang="fr-FR"/>
           </a:p>
@@ -1611,7 +1611,7 @@
           <a:p>
             <a:fld id="{260E7F35-4855-4D43-B1DE-D4E531001705}" type="datetimeFigureOut">
               <a:rPr lang="fr-FR" smtClean="0"/>
-              <a:t>21/04/2020</a:t>
+              <a:t>22/04/2020</a:t>
             </a:fld>
             <a:endParaRPr lang="fr-FR"/>
           </a:p>
@@ -1729,7 +1729,7 @@
           <a:p>
             <a:fld id="{260E7F35-4855-4D43-B1DE-D4E531001705}" type="datetimeFigureOut">
               <a:rPr lang="fr-FR" smtClean="0"/>
-              <a:t>21/04/2020</a:t>
+              <a:t>22/04/2020</a:t>
             </a:fld>
             <a:endParaRPr lang="fr-FR"/>
           </a:p>
@@ -1824,7 +1824,7 @@
           <a:p>
             <a:fld id="{260E7F35-4855-4D43-B1DE-D4E531001705}" type="datetimeFigureOut">
               <a:rPr lang="fr-FR" smtClean="0"/>
-              <a:t>21/04/2020</a:t>
+              <a:t>22/04/2020</a:t>
             </a:fld>
             <a:endParaRPr lang="fr-FR"/>
           </a:p>
@@ -2101,7 +2101,7 @@
           <a:p>
             <a:fld id="{260E7F35-4855-4D43-B1DE-D4E531001705}" type="datetimeFigureOut">
               <a:rPr lang="fr-FR" smtClean="0"/>
-              <a:t>21/04/2020</a:t>
+              <a:t>22/04/2020</a:t>
             </a:fld>
             <a:endParaRPr lang="fr-FR"/>
           </a:p>
@@ -2354,7 +2354,7 @@
           <a:p>
             <a:fld id="{260E7F35-4855-4D43-B1DE-D4E531001705}" type="datetimeFigureOut">
               <a:rPr lang="fr-FR" smtClean="0"/>
-              <a:t>21/04/2020</a:t>
+              <a:t>22/04/2020</a:t>
             </a:fld>
             <a:endParaRPr lang="fr-FR"/>
           </a:p>
@@ -2567,7 +2567,7 @@
           <a:p>
             <a:fld id="{260E7F35-4855-4D43-B1DE-D4E531001705}" type="datetimeFigureOut">
               <a:rPr lang="fr-FR" smtClean="0"/>
-              <a:t>21/04/2020</a:t>
+              <a:t>22/04/2020</a:t>
             </a:fld>
             <a:endParaRPr lang="fr-FR"/>
           </a:p>
@@ -5917,7 +5917,7 @@
             <a:avLst/>
           </a:prstGeom>
           <a:solidFill>
-            <a:schemeClr val="accent4">
+            <a:schemeClr val="tx2">
               <a:lumMod val="40000"/>
               <a:lumOff val="60000"/>
             </a:schemeClr>
@@ -19450,13 +19450,6 @@
               </a:rPr>
               <a:t>. </a:t>
             </a:r>
-            <a:endParaRPr lang="fr-FR" sz="1200" i="1" dirty="0">
-              <a:solidFill>
-                <a:schemeClr val="bg1">
-                  <a:lumMod val="50000"/>
-                </a:schemeClr>
-              </a:solidFill>
-            </a:endParaRPr>
           </a:p>
         </p:txBody>
       </p:sp>

--- a/ProjetStage/MaquetteProjetStage.pptx
+++ b/ProjetStage/MaquetteProjetStage.pptx
@@ -9,6 +9,7 @@
     <p:sldId id="257" r:id="rId3"/>
     <p:sldId id="258" r:id="rId4"/>
     <p:sldId id="259" r:id="rId5"/>
+    <p:sldId id="260" r:id="rId6"/>
   </p:sldIdLst>
   <p:sldSz cx="12192000" cy="6858000"/>
   <p:notesSz cx="6858000" cy="9144000"/>
@@ -4782,8 +4783,8 @@
         </p:nvSpPr>
         <p:spPr>
           <a:xfrm>
-            <a:off x="231006" y="534985"/>
-            <a:ext cx="1203158" cy="646331"/>
+            <a:off x="16193" y="0"/>
+            <a:ext cx="1582759" cy="369332"/>
           </a:xfrm>
           <a:prstGeom prst="rect">
             <a:avLst/>
@@ -4952,6 +4953,7 @@
                 <a:solidFill>
                   <a:schemeClr val="bg1"/>
                 </a:solidFill>
+                <a:hlinkClick r:id="rId12" action="ppaction://hlinksldjump"/>
               </a:rPr>
               <a:t>Inscription/Connexion</a:t>
             </a:r>
@@ -6021,8 +6023,9 @@
             <a:r>
               <a:rPr lang="fr-FR" sz="5400" dirty="0" smtClean="0">
                 <a:solidFill>
-                  <a:schemeClr val="accent4">
-                    <a:lumMod val="75000"/>
+                  <a:schemeClr val="tx2">
+                    <a:lumMod val="40000"/>
+                    <a:lumOff val="60000"/>
                   </a:schemeClr>
                 </a:solidFill>
               </a:rPr>
@@ -6030,8 +6033,9 @@
             </a:r>
             <a:endParaRPr lang="fr-FR" sz="5400" dirty="0">
               <a:solidFill>
-                <a:schemeClr val="accent4">
-                  <a:lumMod val="75000"/>
+                <a:schemeClr val="tx2">
+                  <a:lumMod val="40000"/>
+                  <a:lumOff val="60000"/>
                 </a:schemeClr>
               </a:solidFill>
             </a:endParaRPr>
@@ -8083,8 +8087,8 @@
         </p:nvSpPr>
         <p:spPr>
           <a:xfrm>
-            <a:off x="231006" y="534985"/>
-            <a:ext cx="1203158" cy="1200329"/>
+            <a:off x="-45755" y="0"/>
+            <a:ext cx="1824060" cy="646331"/>
           </a:xfrm>
           <a:prstGeom prst="rect">
             <a:avLst/>
@@ -12996,8 +13000,8 @@
         </p:nvSpPr>
         <p:spPr>
           <a:xfrm>
-            <a:off x="231006" y="534985"/>
-            <a:ext cx="1203158" cy="1200329"/>
+            <a:off x="10777" y="-40961"/>
+            <a:ext cx="1674734" cy="646331"/>
           </a:xfrm>
           <a:prstGeom prst="rect">
             <a:avLst/>
@@ -19879,10 +19883,3713 @@
           </a:p>
         </p:txBody>
       </p:sp>
+      <p:sp>
+        <p:nvSpPr>
+          <p:cNvPr id="2" name="ZoneTexte 1"/>
+          <p:cNvSpPr txBox="1"/>
+          <p:nvPr/>
+        </p:nvSpPr>
+        <p:spPr>
+          <a:xfrm>
+            <a:off x="28909" y="729"/>
+            <a:ext cx="1614491" cy="646331"/>
+          </a:xfrm>
+          <a:prstGeom prst="rect">
+            <a:avLst/>
+          </a:prstGeom>
+          <a:noFill/>
+        </p:spPr>
+        <p:txBody>
+          <a:bodyPr wrap="square" rtlCol="0">
+            <a:spAutoFit/>
+          </a:bodyPr>
+          <a:lstStyle/>
+          <a:p>
+            <a:r>
+              <a:rPr lang="fr-FR" dirty="0" smtClean="0"/>
+              <a:t>Page de l’objet en vente</a:t>
+            </a:r>
+            <a:endParaRPr lang="fr-FR" dirty="0"/>
+          </a:p>
+        </p:txBody>
+      </p:sp>
     </p:spTree>
     <p:extLst>
       <p:ext uri="{BB962C8B-B14F-4D97-AF65-F5344CB8AC3E}">
         <p14:creationId xmlns:p14="http://schemas.microsoft.com/office/powerpoint/2010/main" val="1733529339"/>
+      </p:ext>
+    </p:extLst>
+  </p:cSld>
+  <p:clrMapOvr>
+    <a:masterClrMapping/>
+  </p:clrMapOvr>
+  <p:timing>
+    <p:tnLst>
+      <p:par>
+        <p:cTn id="1" dur="indefinite" restart="never" nodeType="tmRoot"/>
+      </p:par>
+    </p:tnLst>
+  </p:timing>
+</p:sld>
+</file>
+
+<file path=ppt/slides/slide5.xml><?xml version="1.0" encoding="utf-8"?>
+<p:sld xmlns:a="http://schemas.openxmlformats.org/drawingml/2006/main" xmlns:r="http://schemas.openxmlformats.org/officeDocument/2006/relationships" xmlns:p="http://schemas.openxmlformats.org/presentationml/2006/main">
+  <p:cSld>
+    <p:spTree>
+      <p:nvGrpSpPr>
+        <p:cNvPr id="1" name=""/>
+        <p:cNvGrpSpPr/>
+        <p:nvPr/>
+      </p:nvGrpSpPr>
+      <p:grpSpPr>
+        <a:xfrm>
+          <a:off x="0" y="0"/>
+          <a:ext cx="0" cy="0"/>
+          <a:chOff x="0" y="0"/>
+          <a:chExt cx="0" cy="0"/>
+        </a:xfrm>
+      </p:grpSpPr>
+      <p:grpSp>
+        <p:nvGrpSpPr>
+          <p:cNvPr id="4" name="Browser" descr="&lt;SmartSettings&gt;&lt;SmartResize enabled=&quot;True&quot; minWidth=&quot;140&quot; minHeight=&quot;50&quot; /&gt;&lt;/SmartSettings&gt;"/>
+          <p:cNvGrpSpPr/>
+          <p:nvPr>
+            <p:custDataLst>
+              <p:tags r:id="rId1"/>
+            </p:custDataLst>
+          </p:nvPr>
+        </p:nvGrpSpPr>
+        <p:grpSpPr>
+          <a:xfrm>
+            <a:off x="1687851" y="0"/>
+            <a:ext cx="10530041" cy="6873017"/>
+            <a:chOff x="595683" y="1261242"/>
+            <a:chExt cx="6668464" cy="4352544"/>
+          </a:xfrm>
+        </p:grpSpPr>
+        <p:sp>
+          <p:nvSpPr>
+            <p:cNvPr id="5" name="Window Body" descr="&lt;SmartSettings&gt;&lt;SmartResize anchorLeft=&quot;Absolute&quot; anchorTop=&quot;Absolute&quot; anchorRight=&quot;Absolute&quot; anchorBottom=&quot;Absolute&quot; /&gt;&lt;/SmartSettings&gt;"/>
+            <p:cNvSpPr/>
+            <p:nvPr>
+              <p:custDataLst>
+                <p:tags r:id="rId2"/>
+              </p:custDataLst>
+            </p:nvPr>
+          </p:nvSpPr>
+          <p:spPr>
+            <a:xfrm>
+              <a:off x="595683" y="1600037"/>
+              <a:ext cx="6668462" cy="4013749"/>
+            </a:xfrm>
+            <a:prstGeom prst="rect">
+              <a:avLst/>
+            </a:prstGeom>
+            <a:solidFill>
+              <a:schemeClr val="bg1">
+                <a:lumMod val="95000"/>
+              </a:schemeClr>
+            </a:solidFill>
+            <a:ln w="6350">
+              <a:solidFill>
+                <a:srgbClr val="808080"/>
+              </a:solidFill>
+            </a:ln>
+          </p:spPr>
+          <p:style>
+            <a:lnRef idx="2">
+              <a:schemeClr val="accent1">
+                <a:shade val="50000"/>
+              </a:schemeClr>
+            </a:lnRef>
+            <a:fillRef idx="1">
+              <a:schemeClr val="accent1"/>
+            </a:fillRef>
+            <a:effectRef idx="0">
+              <a:schemeClr val="accent1"/>
+            </a:effectRef>
+            <a:fontRef idx="minor">
+              <a:schemeClr val="lt1"/>
+            </a:fontRef>
+          </p:style>
+          <p:txBody>
+            <a:bodyPr rot="0" spcFirstLastPara="0" vert="horz" wrap="square" lIns="91440" tIns="45720" rIns="91440" bIns="45720" numCol="1" spcCol="0" rtlCol="0" fromWordArt="0" anchor="ctr" anchorCtr="0" forceAA="0" compatLnSpc="1">
+              <a:prstTxWarp prst="textNoShape">
+                <a:avLst/>
+              </a:prstTxWarp>
+              <a:noAutofit/>
+            </a:bodyPr>
+            <a:lstStyle>
+              <a:defPPr>
+                <a:defRPr lang="en-US"/>
+              </a:defPPr>
+              <a:lvl1pPr marL="0" algn="l" defTabSz="914400" rtl="0" eaLnBrk="1" latinLnBrk="0" hangingPunct="1">
+                <a:defRPr sz="1800" kern="1200">
+                  <a:solidFill>
+                    <a:schemeClr val="lt1"/>
+                  </a:solidFill>
+                  <a:latin typeface="+mn-lt"/>
+                  <a:ea typeface="+mn-ea"/>
+                  <a:cs typeface="+mn-cs"/>
+                </a:defRPr>
+              </a:lvl1pPr>
+              <a:lvl2pPr marL="457200" algn="l" defTabSz="914400" rtl="0" eaLnBrk="1" latinLnBrk="0" hangingPunct="1">
+                <a:defRPr sz="1800" kern="1200">
+                  <a:solidFill>
+                    <a:schemeClr val="lt1"/>
+                  </a:solidFill>
+                  <a:latin typeface="+mn-lt"/>
+                  <a:ea typeface="+mn-ea"/>
+                  <a:cs typeface="+mn-cs"/>
+                </a:defRPr>
+              </a:lvl2pPr>
+              <a:lvl3pPr marL="914400" algn="l" defTabSz="914400" rtl="0" eaLnBrk="1" latinLnBrk="0" hangingPunct="1">
+                <a:defRPr sz="1800" kern="1200">
+                  <a:solidFill>
+                    <a:schemeClr val="lt1"/>
+                  </a:solidFill>
+                  <a:latin typeface="+mn-lt"/>
+                  <a:ea typeface="+mn-ea"/>
+                  <a:cs typeface="+mn-cs"/>
+                </a:defRPr>
+              </a:lvl3pPr>
+              <a:lvl4pPr marL="1371600" algn="l" defTabSz="914400" rtl="0" eaLnBrk="1" latinLnBrk="0" hangingPunct="1">
+                <a:defRPr sz="1800" kern="1200">
+                  <a:solidFill>
+                    <a:schemeClr val="lt1"/>
+                  </a:solidFill>
+                  <a:latin typeface="+mn-lt"/>
+                  <a:ea typeface="+mn-ea"/>
+                  <a:cs typeface="+mn-cs"/>
+                </a:defRPr>
+              </a:lvl4pPr>
+              <a:lvl5pPr marL="1828800" algn="l" defTabSz="914400" rtl="0" eaLnBrk="1" latinLnBrk="0" hangingPunct="1">
+                <a:defRPr sz="1800" kern="1200">
+                  <a:solidFill>
+                    <a:schemeClr val="lt1"/>
+                  </a:solidFill>
+                  <a:latin typeface="+mn-lt"/>
+                  <a:ea typeface="+mn-ea"/>
+                  <a:cs typeface="+mn-cs"/>
+                </a:defRPr>
+              </a:lvl5pPr>
+              <a:lvl6pPr marL="2286000" algn="l" defTabSz="914400" rtl="0" eaLnBrk="1" latinLnBrk="0" hangingPunct="1">
+                <a:defRPr sz="1800" kern="1200">
+                  <a:solidFill>
+                    <a:schemeClr val="lt1"/>
+                  </a:solidFill>
+                  <a:latin typeface="+mn-lt"/>
+                  <a:ea typeface="+mn-ea"/>
+                  <a:cs typeface="+mn-cs"/>
+                </a:defRPr>
+              </a:lvl6pPr>
+              <a:lvl7pPr marL="2743200" algn="l" defTabSz="914400" rtl="0" eaLnBrk="1" latinLnBrk="0" hangingPunct="1">
+                <a:defRPr sz="1800" kern="1200">
+                  <a:solidFill>
+                    <a:schemeClr val="lt1"/>
+                  </a:solidFill>
+                  <a:latin typeface="+mn-lt"/>
+                  <a:ea typeface="+mn-ea"/>
+                  <a:cs typeface="+mn-cs"/>
+                </a:defRPr>
+              </a:lvl7pPr>
+              <a:lvl8pPr marL="3200400" algn="l" defTabSz="914400" rtl="0" eaLnBrk="1" latinLnBrk="0" hangingPunct="1">
+                <a:defRPr sz="1800" kern="1200">
+                  <a:solidFill>
+                    <a:schemeClr val="lt1"/>
+                  </a:solidFill>
+                  <a:latin typeface="+mn-lt"/>
+                  <a:ea typeface="+mn-ea"/>
+                  <a:cs typeface="+mn-cs"/>
+                </a:defRPr>
+              </a:lvl8pPr>
+              <a:lvl9pPr marL="3657600" algn="l" defTabSz="914400" rtl="0" eaLnBrk="1" latinLnBrk="0" hangingPunct="1">
+                <a:defRPr sz="1800" kern="1200">
+                  <a:solidFill>
+                    <a:schemeClr val="lt1"/>
+                  </a:solidFill>
+                  <a:latin typeface="+mn-lt"/>
+                  <a:ea typeface="+mn-ea"/>
+                  <a:cs typeface="+mn-cs"/>
+                </a:defRPr>
+              </a:lvl9pPr>
+            </a:lstStyle>
+            <a:p>
+              <a:pPr algn="ctr"/>
+              <a:endParaRPr lang="en-US" sz="900" dirty="0">
+                <a:solidFill>
+                  <a:srgbClr val="5F5F5F"/>
+                </a:solidFill>
+                <a:latin typeface="Segoe UI" panose="020B0502040204020203" pitchFamily="34" charset="0"/>
+                <a:cs typeface="Segoe UI" panose="020B0502040204020203" pitchFamily="34" charset="0"/>
+              </a:endParaRPr>
+            </a:p>
+          </p:txBody>
+        </p:sp>
+        <p:sp>
+          <p:nvSpPr>
+            <p:cNvPr id="6" name="Title Bar" descr="&lt;SmartSettings&gt;&lt;SmartResize anchorLeft=&quot;Absolute&quot; anchorTop=&quot;Absolute&quot; anchorRight=&quot;Absolute&quot; anchorBottom=&quot;None&quot; /&gt;&lt;/SmartSettings&gt;"/>
+            <p:cNvSpPr/>
+            <p:nvPr>
+              <p:custDataLst>
+                <p:tags r:id="rId3"/>
+              </p:custDataLst>
+            </p:nvPr>
+          </p:nvSpPr>
+          <p:spPr>
+            <a:xfrm>
+              <a:off x="595684" y="1261242"/>
+              <a:ext cx="6668463" cy="340121"/>
+            </a:xfrm>
+            <a:prstGeom prst="rect">
+              <a:avLst/>
+            </a:prstGeom>
+            <a:solidFill>
+              <a:srgbClr val="FFFFFF"/>
+            </a:solidFill>
+            <a:ln w="6350">
+              <a:solidFill>
+                <a:srgbClr val="808080"/>
+              </a:solidFill>
+            </a:ln>
+          </p:spPr>
+          <p:style>
+            <a:lnRef idx="2">
+              <a:schemeClr val="accent1">
+                <a:shade val="50000"/>
+              </a:schemeClr>
+            </a:lnRef>
+            <a:fillRef idx="1">
+              <a:schemeClr val="accent1"/>
+            </a:fillRef>
+            <a:effectRef idx="0">
+              <a:schemeClr val="accent1"/>
+            </a:effectRef>
+            <a:fontRef idx="minor">
+              <a:schemeClr val="lt1"/>
+            </a:fontRef>
+          </p:style>
+          <p:txBody>
+            <a:bodyPr rot="0" spcFirstLastPara="0" vert="horz" wrap="square" lIns="91440" tIns="45720" rIns="228600" bIns="45720" numCol="1" spcCol="0" rtlCol="0" fromWordArt="0" anchor="t" anchorCtr="0" forceAA="0" compatLnSpc="1">
+              <a:prstTxWarp prst="textNoShape">
+                <a:avLst/>
+              </a:prstTxWarp>
+              <a:noAutofit/>
+            </a:bodyPr>
+            <a:lstStyle>
+              <a:defPPr>
+                <a:defRPr lang="en-US"/>
+              </a:defPPr>
+              <a:lvl1pPr marL="0" algn="l" defTabSz="914400" rtl="0" eaLnBrk="1" latinLnBrk="0" hangingPunct="1">
+                <a:defRPr sz="1800" kern="1200">
+                  <a:solidFill>
+                    <a:schemeClr val="lt1"/>
+                  </a:solidFill>
+                  <a:latin typeface="+mn-lt"/>
+                  <a:ea typeface="+mn-ea"/>
+                  <a:cs typeface="+mn-cs"/>
+                </a:defRPr>
+              </a:lvl1pPr>
+              <a:lvl2pPr marL="457200" algn="l" defTabSz="914400" rtl="0" eaLnBrk="1" latinLnBrk="0" hangingPunct="1">
+                <a:defRPr sz="1800" kern="1200">
+                  <a:solidFill>
+                    <a:schemeClr val="lt1"/>
+                  </a:solidFill>
+                  <a:latin typeface="+mn-lt"/>
+                  <a:ea typeface="+mn-ea"/>
+                  <a:cs typeface="+mn-cs"/>
+                </a:defRPr>
+              </a:lvl2pPr>
+              <a:lvl3pPr marL="914400" algn="l" defTabSz="914400" rtl="0" eaLnBrk="1" latinLnBrk="0" hangingPunct="1">
+                <a:defRPr sz="1800" kern="1200">
+                  <a:solidFill>
+                    <a:schemeClr val="lt1"/>
+                  </a:solidFill>
+                  <a:latin typeface="+mn-lt"/>
+                  <a:ea typeface="+mn-ea"/>
+                  <a:cs typeface="+mn-cs"/>
+                </a:defRPr>
+              </a:lvl3pPr>
+              <a:lvl4pPr marL="1371600" algn="l" defTabSz="914400" rtl="0" eaLnBrk="1" latinLnBrk="0" hangingPunct="1">
+                <a:defRPr sz="1800" kern="1200">
+                  <a:solidFill>
+                    <a:schemeClr val="lt1"/>
+                  </a:solidFill>
+                  <a:latin typeface="+mn-lt"/>
+                  <a:ea typeface="+mn-ea"/>
+                  <a:cs typeface="+mn-cs"/>
+                </a:defRPr>
+              </a:lvl4pPr>
+              <a:lvl5pPr marL="1828800" algn="l" defTabSz="914400" rtl="0" eaLnBrk="1" latinLnBrk="0" hangingPunct="1">
+                <a:defRPr sz="1800" kern="1200">
+                  <a:solidFill>
+                    <a:schemeClr val="lt1"/>
+                  </a:solidFill>
+                  <a:latin typeface="+mn-lt"/>
+                  <a:ea typeface="+mn-ea"/>
+                  <a:cs typeface="+mn-cs"/>
+                </a:defRPr>
+              </a:lvl5pPr>
+              <a:lvl6pPr marL="2286000" algn="l" defTabSz="914400" rtl="0" eaLnBrk="1" latinLnBrk="0" hangingPunct="1">
+                <a:defRPr sz="1800" kern="1200">
+                  <a:solidFill>
+                    <a:schemeClr val="lt1"/>
+                  </a:solidFill>
+                  <a:latin typeface="+mn-lt"/>
+                  <a:ea typeface="+mn-ea"/>
+                  <a:cs typeface="+mn-cs"/>
+                </a:defRPr>
+              </a:lvl6pPr>
+              <a:lvl7pPr marL="2743200" algn="l" defTabSz="914400" rtl="0" eaLnBrk="1" latinLnBrk="0" hangingPunct="1">
+                <a:defRPr sz="1800" kern="1200">
+                  <a:solidFill>
+                    <a:schemeClr val="lt1"/>
+                  </a:solidFill>
+                  <a:latin typeface="+mn-lt"/>
+                  <a:ea typeface="+mn-ea"/>
+                  <a:cs typeface="+mn-cs"/>
+                </a:defRPr>
+              </a:lvl7pPr>
+              <a:lvl8pPr marL="3200400" algn="l" defTabSz="914400" rtl="0" eaLnBrk="1" latinLnBrk="0" hangingPunct="1">
+                <a:defRPr sz="1800" kern="1200">
+                  <a:solidFill>
+                    <a:schemeClr val="lt1"/>
+                  </a:solidFill>
+                  <a:latin typeface="+mn-lt"/>
+                  <a:ea typeface="+mn-ea"/>
+                  <a:cs typeface="+mn-cs"/>
+                </a:defRPr>
+              </a:lvl8pPr>
+              <a:lvl9pPr marL="3657600" algn="l" defTabSz="914400" rtl="0" eaLnBrk="1" latinLnBrk="0" hangingPunct="1">
+                <a:defRPr sz="1800" kern="1200">
+                  <a:solidFill>
+                    <a:schemeClr val="lt1"/>
+                  </a:solidFill>
+                  <a:latin typeface="+mn-lt"/>
+                  <a:ea typeface="+mn-ea"/>
+                  <a:cs typeface="+mn-cs"/>
+                </a:defRPr>
+              </a:lvl9pPr>
+            </a:lstStyle>
+            <a:p>
+              <a:r>
+                <a:rPr lang="en-US" sz="900" dirty="0" smtClean="0">
+                  <a:solidFill>
+                    <a:srgbClr val="5F5F5F"/>
+                  </a:solidFill>
+                  <a:latin typeface="Segoe UI" panose="020B0502040204020203" pitchFamily="34" charset="0"/>
+                  <a:cs typeface="Segoe UI" panose="020B0502040204020203" pitchFamily="34" charset="0"/>
+                </a:rPr>
+                <a:t>Browser</a:t>
+              </a:r>
+              <a:endParaRPr lang="en-US" sz="900" dirty="0">
+                <a:solidFill>
+                  <a:srgbClr val="5F5F5F"/>
+                </a:solidFill>
+                <a:latin typeface="Segoe UI" panose="020B0502040204020203" pitchFamily="34" charset="0"/>
+                <a:cs typeface="Segoe UI" panose="020B0502040204020203" pitchFamily="34" charset="0"/>
+              </a:endParaRPr>
+            </a:p>
+          </p:txBody>
+        </p:sp>
+        <p:sp>
+          <p:nvSpPr>
+            <p:cNvPr id="7" name="Menu Button" descr="&lt;SmartSettings&gt;&lt;SmartResize anchorLeft=&quot;None&quot; anchorTop=&quot;Absolute&quot; anchorRight=&quot;Absolute&quot; anchorBottom=&quot;None&quot; /&gt;&lt;/SmartSettings&gt;"/>
+            <p:cNvSpPr>
+              <a:spLocks noChangeAspect="1" noEditPoints="1"/>
+            </p:cNvSpPr>
+            <p:nvPr>
+              <p:custDataLst>
+                <p:tags r:id="rId4"/>
+              </p:custDataLst>
+            </p:nvPr>
+          </p:nvSpPr>
+          <p:spPr bwMode="auto">
+            <a:xfrm>
+              <a:off x="7113500" y="1456014"/>
+              <a:ext cx="94501" cy="71379"/>
+            </a:xfrm>
+            <a:custGeom>
+              <a:avLst/>
+              <a:gdLst>
+                <a:gd name="T0" fmla="*/ 0 w 415"/>
+                <a:gd name="T1" fmla="*/ 309 h 309"/>
+                <a:gd name="T2" fmla="*/ 415 w 415"/>
+                <a:gd name="T3" fmla="*/ 309 h 309"/>
+                <a:gd name="T4" fmla="*/ 0 w 415"/>
+                <a:gd name="T5" fmla="*/ 155 h 309"/>
+                <a:gd name="T6" fmla="*/ 415 w 415"/>
+                <a:gd name="T7" fmla="*/ 155 h 309"/>
+                <a:gd name="T8" fmla="*/ 0 w 415"/>
+                <a:gd name="T9" fmla="*/ 0 h 309"/>
+                <a:gd name="T10" fmla="*/ 415 w 415"/>
+                <a:gd name="T11" fmla="*/ 0 h 309"/>
+              </a:gdLst>
+              <a:ahLst/>
+              <a:cxnLst>
+                <a:cxn ang="0">
+                  <a:pos x="T0" y="T1"/>
+                </a:cxn>
+                <a:cxn ang="0">
+                  <a:pos x="T2" y="T3"/>
+                </a:cxn>
+                <a:cxn ang="0">
+                  <a:pos x="T4" y="T5"/>
+                </a:cxn>
+                <a:cxn ang="0">
+                  <a:pos x="T6" y="T7"/>
+                </a:cxn>
+                <a:cxn ang="0">
+                  <a:pos x="T8" y="T9"/>
+                </a:cxn>
+                <a:cxn ang="0">
+                  <a:pos x="T10" y="T11"/>
+                </a:cxn>
+              </a:cxnLst>
+              <a:rect l="0" t="0" r="r" b="b"/>
+              <a:pathLst>
+                <a:path w="415" h="309">
+                  <a:moveTo>
+                    <a:pt x="0" y="309"/>
+                  </a:moveTo>
+                  <a:lnTo>
+                    <a:pt x="415" y="309"/>
+                  </a:lnTo>
+                  <a:moveTo>
+                    <a:pt x="0" y="155"/>
+                  </a:moveTo>
+                  <a:lnTo>
+                    <a:pt x="415" y="155"/>
+                  </a:lnTo>
+                  <a:moveTo>
+                    <a:pt x="0" y="0"/>
+                  </a:moveTo>
+                  <a:lnTo>
+                    <a:pt x="415" y="0"/>
+                  </a:lnTo>
+                </a:path>
+              </a:pathLst>
+            </a:custGeom>
+            <a:noFill/>
+            <a:ln w="6350" cap="flat">
+              <a:solidFill>
+                <a:srgbClr val="808080"/>
+              </a:solidFill>
+              <a:prstDash val="solid"/>
+              <a:miter lim="800000"/>
+              <a:headEnd/>
+              <a:tailEnd/>
+            </a:ln>
+            <a:extLst>
+              <a:ext uri="{909E8E84-426E-40DD-AFC4-6F175D3DCCD1}">
+                <a14:hiddenFill xmlns:a14="http://schemas.microsoft.com/office/drawing/2010/main">
+                  <a:solidFill>
+                    <a:srgbClr val="FFFFFF"/>
+                  </a:solidFill>
+                </a14:hiddenFill>
+              </a:ext>
+            </a:extLst>
+          </p:spPr>
+          <p:txBody>
+            <a:bodyPr vert="horz" wrap="square" lIns="91440" tIns="45720" rIns="91440" bIns="45720" numCol="1" anchor="t" anchorCtr="0" compatLnSpc="1">
+              <a:prstTxWarp prst="textNoShape">
+                <a:avLst/>
+              </a:prstTxWarp>
+            </a:bodyPr>
+            <a:lstStyle>
+              <a:defPPr>
+                <a:defRPr lang="en-US"/>
+              </a:defPPr>
+              <a:lvl1pPr marL="0" algn="l" defTabSz="914400" rtl="0" eaLnBrk="1" latinLnBrk="0" hangingPunct="1">
+                <a:defRPr sz="1800" kern="1200">
+                  <a:solidFill>
+                    <a:schemeClr val="tx1"/>
+                  </a:solidFill>
+                  <a:latin typeface="+mn-lt"/>
+                  <a:ea typeface="+mn-ea"/>
+                  <a:cs typeface="+mn-cs"/>
+                </a:defRPr>
+              </a:lvl1pPr>
+              <a:lvl2pPr marL="457200" algn="l" defTabSz="914400" rtl="0" eaLnBrk="1" latinLnBrk="0" hangingPunct="1">
+                <a:defRPr sz="1800" kern="1200">
+                  <a:solidFill>
+                    <a:schemeClr val="tx1"/>
+                  </a:solidFill>
+                  <a:latin typeface="+mn-lt"/>
+                  <a:ea typeface="+mn-ea"/>
+                  <a:cs typeface="+mn-cs"/>
+                </a:defRPr>
+              </a:lvl2pPr>
+              <a:lvl3pPr marL="914400" algn="l" defTabSz="914400" rtl="0" eaLnBrk="1" latinLnBrk="0" hangingPunct="1">
+                <a:defRPr sz="1800" kern="1200">
+                  <a:solidFill>
+                    <a:schemeClr val="tx1"/>
+                  </a:solidFill>
+                  <a:latin typeface="+mn-lt"/>
+                  <a:ea typeface="+mn-ea"/>
+                  <a:cs typeface="+mn-cs"/>
+                </a:defRPr>
+              </a:lvl3pPr>
+              <a:lvl4pPr marL="1371600" algn="l" defTabSz="914400" rtl="0" eaLnBrk="1" latinLnBrk="0" hangingPunct="1">
+                <a:defRPr sz="1800" kern="1200">
+                  <a:solidFill>
+                    <a:schemeClr val="tx1"/>
+                  </a:solidFill>
+                  <a:latin typeface="+mn-lt"/>
+                  <a:ea typeface="+mn-ea"/>
+                  <a:cs typeface="+mn-cs"/>
+                </a:defRPr>
+              </a:lvl4pPr>
+              <a:lvl5pPr marL="1828800" algn="l" defTabSz="914400" rtl="0" eaLnBrk="1" latinLnBrk="0" hangingPunct="1">
+                <a:defRPr sz="1800" kern="1200">
+                  <a:solidFill>
+                    <a:schemeClr val="tx1"/>
+                  </a:solidFill>
+                  <a:latin typeface="+mn-lt"/>
+                  <a:ea typeface="+mn-ea"/>
+                  <a:cs typeface="+mn-cs"/>
+                </a:defRPr>
+              </a:lvl5pPr>
+              <a:lvl6pPr marL="2286000" algn="l" defTabSz="914400" rtl="0" eaLnBrk="1" latinLnBrk="0" hangingPunct="1">
+                <a:defRPr sz="1800" kern="1200">
+                  <a:solidFill>
+                    <a:schemeClr val="tx1"/>
+                  </a:solidFill>
+                  <a:latin typeface="+mn-lt"/>
+                  <a:ea typeface="+mn-ea"/>
+                  <a:cs typeface="+mn-cs"/>
+                </a:defRPr>
+              </a:lvl6pPr>
+              <a:lvl7pPr marL="2743200" algn="l" defTabSz="914400" rtl="0" eaLnBrk="1" latinLnBrk="0" hangingPunct="1">
+                <a:defRPr sz="1800" kern="1200">
+                  <a:solidFill>
+                    <a:schemeClr val="tx1"/>
+                  </a:solidFill>
+                  <a:latin typeface="+mn-lt"/>
+                  <a:ea typeface="+mn-ea"/>
+                  <a:cs typeface="+mn-cs"/>
+                </a:defRPr>
+              </a:lvl7pPr>
+              <a:lvl8pPr marL="3200400" algn="l" defTabSz="914400" rtl="0" eaLnBrk="1" latinLnBrk="0" hangingPunct="1">
+                <a:defRPr sz="1800" kern="1200">
+                  <a:solidFill>
+                    <a:schemeClr val="tx1"/>
+                  </a:solidFill>
+                  <a:latin typeface="+mn-lt"/>
+                  <a:ea typeface="+mn-ea"/>
+                  <a:cs typeface="+mn-cs"/>
+                </a:defRPr>
+              </a:lvl8pPr>
+              <a:lvl9pPr marL="3657600" algn="l" defTabSz="914400" rtl="0" eaLnBrk="1" latinLnBrk="0" hangingPunct="1">
+                <a:defRPr sz="1800" kern="1200">
+                  <a:solidFill>
+                    <a:schemeClr val="tx1"/>
+                  </a:solidFill>
+                  <a:latin typeface="+mn-lt"/>
+                  <a:ea typeface="+mn-ea"/>
+                  <a:cs typeface="+mn-cs"/>
+                </a:defRPr>
+              </a:lvl9pPr>
+            </a:lstStyle>
+            <a:p>
+              <a:endParaRPr lang="en-US">
+                <a:solidFill>
+                  <a:srgbClr val="5F5F5F"/>
+                </a:solidFill>
+                <a:latin typeface="Segoe UI" panose="020B0502040204020203" pitchFamily="34" charset="0"/>
+                <a:cs typeface="Segoe UI" panose="020B0502040204020203" pitchFamily="34" charset="0"/>
+              </a:endParaRPr>
+            </a:p>
+          </p:txBody>
+        </p:sp>
+        <p:sp>
+          <p:nvSpPr>
+            <p:cNvPr id="8" name="Close Button" descr="&lt;SmartSettings&gt;&lt;SmartResize anchorLeft=&quot;None&quot; anchorTop=&quot;Absolute&quot; anchorRight=&quot;Absolute&quot; anchorBottom=&quot;None&quot; /&gt;&lt;/SmartSettings&gt;"/>
+            <p:cNvSpPr>
+              <a:spLocks noEditPoints="1"/>
+            </p:cNvSpPr>
+            <p:nvPr>
+              <p:custDataLst>
+                <p:tags r:id="rId5"/>
+              </p:custDataLst>
+            </p:nvPr>
+          </p:nvSpPr>
+          <p:spPr bwMode="auto">
+            <a:xfrm>
+              <a:off x="7130598" y="1306361"/>
+              <a:ext cx="62331" cy="60320"/>
+            </a:xfrm>
+            <a:custGeom>
+              <a:avLst/>
+              <a:gdLst>
+                <a:gd name="T0" fmla="*/ 254 w 254"/>
+                <a:gd name="T1" fmla="*/ 0 h 254"/>
+                <a:gd name="T2" fmla="*/ 0 w 254"/>
+                <a:gd name="T3" fmla="*/ 254 h 254"/>
+                <a:gd name="T4" fmla="*/ 0 w 254"/>
+                <a:gd name="T5" fmla="*/ 0 h 254"/>
+                <a:gd name="T6" fmla="*/ 254 w 254"/>
+                <a:gd name="T7" fmla="*/ 254 h 254"/>
+              </a:gdLst>
+              <a:ahLst/>
+              <a:cxnLst>
+                <a:cxn ang="0">
+                  <a:pos x="T0" y="T1"/>
+                </a:cxn>
+                <a:cxn ang="0">
+                  <a:pos x="T2" y="T3"/>
+                </a:cxn>
+                <a:cxn ang="0">
+                  <a:pos x="T4" y="T5"/>
+                </a:cxn>
+                <a:cxn ang="0">
+                  <a:pos x="T6" y="T7"/>
+                </a:cxn>
+              </a:cxnLst>
+              <a:rect l="0" t="0" r="r" b="b"/>
+              <a:pathLst>
+                <a:path w="254" h="254">
+                  <a:moveTo>
+                    <a:pt x="254" y="0"/>
+                  </a:moveTo>
+                  <a:lnTo>
+                    <a:pt x="0" y="254"/>
+                  </a:lnTo>
+                  <a:moveTo>
+                    <a:pt x="0" y="0"/>
+                  </a:moveTo>
+                  <a:lnTo>
+                    <a:pt x="254" y="254"/>
+                  </a:lnTo>
+                </a:path>
+              </a:pathLst>
+            </a:custGeom>
+            <a:noFill/>
+            <a:ln w="9525" cap="flat">
+              <a:solidFill>
+                <a:srgbClr val="808080"/>
+              </a:solidFill>
+              <a:prstDash val="solid"/>
+              <a:miter lim="800000"/>
+              <a:headEnd/>
+              <a:tailEnd/>
+            </a:ln>
+            <a:extLst>
+              <a:ext uri="{909E8E84-426E-40DD-AFC4-6F175D3DCCD1}">
+                <a14:hiddenFill xmlns:a14="http://schemas.microsoft.com/office/drawing/2010/main">
+                  <a:solidFill>
+                    <a:srgbClr val="FFFFFF"/>
+                  </a:solidFill>
+                </a14:hiddenFill>
+              </a:ext>
+            </a:extLst>
+          </p:spPr>
+          <p:txBody>
+            <a:bodyPr vert="horz" wrap="square" lIns="91440" tIns="45720" rIns="91440" bIns="45720" numCol="1" anchor="t" anchorCtr="0" compatLnSpc="1">
+              <a:prstTxWarp prst="textNoShape">
+                <a:avLst/>
+              </a:prstTxWarp>
+            </a:bodyPr>
+            <a:lstStyle>
+              <a:defPPr>
+                <a:defRPr lang="en-US"/>
+              </a:defPPr>
+              <a:lvl1pPr marL="0" algn="l" defTabSz="914400" rtl="0" eaLnBrk="1" latinLnBrk="0" hangingPunct="1">
+                <a:defRPr sz="1800" kern="1200">
+                  <a:solidFill>
+                    <a:schemeClr val="tx1"/>
+                  </a:solidFill>
+                  <a:latin typeface="+mn-lt"/>
+                  <a:ea typeface="+mn-ea"/>
+                  <a:cs typeface="+mn-cs"/>
+                </a:defRPr>
+              </a:lvl1pPr>
+              <a:lvl2pPr marL="457200" algn="l" defTabSz="914400" rtl="0" eaLnBrk="1" latinLnBrk="0" hangingPunct="1">
+                <a:defRPr sz="1800" kern="1200">
+                  <a:solidFill>
+                    <a:schemeClr val="tx1"/>
+                  </a:solidFill>
+                  <a:latin typeface="+mn-lt"/>
+                  <a:ea typeface="+mn-ea"/>
+                  <a:cs typeface="+mn-cs"/>
+                </a:defRPr>
+              </a:lvl2pPr>
+              <a:lvl3pPr marL="914400" algn="l" defTabSz="914400" rtl="0" eaLnBrk="1" latinLnBrk="0" hangingPunct="1">
+                <a:defRPr sz="1800" kern="1200">
+                  <a:solidFill>
+                    <a:schemeClr val="tx1"/>
+                  </a:solidFill>
+                  <a:latin typeface="+mn-lt"/>
+                  <a:ea typeface="+mn-ea"/>
+                  <a:cs typeface="+mn-cs"/>
+                </a:defRPr>
+              </a:lvl3pPr>
+              <a:lvl4pPr marL="1371600" algn="l" defTabSz="914400" rtl="0" eaLnBrk="1" latinLnBrk="0" hangingPunct="1">
+                <a:defRPr sz="1800" kern="1200">
+                  <a:solidFill>
+                    <a:schemeClr val="tx1"/>
+                  </a:solidFill>
+                  <a:latin typeface="+mn-lt"/>
+                  <a:ea typeface="+mn-ea"/>
+                  <a:cs typeface="+mn-cs"/>
+                </a:defRPr>
+              </a:lvl4pPr>
+              <a:lvl5pPr marL="1828800" algn="l" defTabSz="914400" rtl="0" eaLnBrk="1" latinLnBrk="0" hangingPunct="1">
+                <a:defRPr sz="1800" kern="1200">
+                  <a:solidFill>
+                    <a:schemeClr val="tx1"/>
+                  </a:solidFill>
+                  <a:latin typeface="+mn-lt"/>
+                  <a:ea typeface="+mn-ea"/>
+                  <a:cs typeface="+mn-cs"/>
+                </a:defRPr>
+              </a:lvl5pPr>
+              <a:lvl6pPr marL="2286000" algn="l" defTabSz="914400" rtl="0" eaLnBrk="1" latinLnBrk="0" hangingPunct="1">
+                <a:defRPr sz="1800" kern="1200">
+                  <a:solidFill>
+                    <a:schemeClr val="tx1"/>
+                  </a:solidFill>
+                  <a:latin typeface="+mn-lt"/>
+                  <a:ea typeface="+mn-ea"/>
+                  <a:cs typeface="+mn-cs"/>
+                </a:defRPr>
+              </a:lvl6pPr>
+              <a:lvl7pPr marL="2743200" algn="l" defTabSz="914400" rtl="0" eaLnBrk="1" latinLnBrk="0" hangingPunct="1">
+                <a:defRPr sz="1800" kern="1200">
+                  <a:solidFill>
+                    <a:schemeClr val="tx1"/>
+                  </a:solidFill>
+                  <a:latin typeface="+mn-lt"/>
+                  <a:ea typeface="+mn-ea"/>
+                  <a:cs typeface="+mn-cs"/>
+                </a:defRPr>
+              </a:lvl7pPr>
+              <a:lvl8pPr marL="3200400" algn="l" defTabSz="914400" rtl="0" eaLnBrk="1" latinLnBrk="0" hangingPunct="1">
+                <a:defRPr sz="1800" kern="1200">
+                  <a:solidFill>
+                    <a:schemeClr val="tx1"/>
+                  </a:solidFill>
+                  <a:latin typeface="+mn-lt"/>
+                  <a:ea typeface="+mn-ea"/>
+                  <a:cs typeface="+mn-cs"/>
+                </a:defRPr>
+              </a:lvl8pPr>
+              <a:lvl9pPr marL="3657600" algn="l" defTabSz="914400" rtl="0" eaLnBrk="1" latinLnBrk="0" hangingPunct="1">
+                <a:defRPr sz="1800" kern="1200">
+                  <a:solidFill>
+                    <a:schemeClr val="tx1"/>
+                  </a:solidFill>
+                  <a:latin typeface="+mn-lt"/>
+                  <a:ea typeface="+mn-ea"/>
+                  <a:cs typeface="+mn-cs"/>
+                </a:defRPr>
+              </a:lvl9pPr>
+            </a:lstStyle>
+            <a:p>
+              <a:endParaRPr lang="en-US">
+                <a:solidFill>
+                  <a:srgbClr val="5F5F5F"/>
+                </a:solidFill>
+                <a:latin typeface="Segoe UI" panose="020B0502040204020203" pitchFamily="34" charset="0"/>
+                <a:cs typeface="Segoe UI" panose="020B0502040204020203" pitchFamily="34" charset="0"/>
+              </a:endParaRPr>
+            </a:p>
+          </p:txBody>
+        </p:sp>
+        <p:sp>
+          <p:nvSpPr>
+            <p:cNvPr id="9" name="Address Box" descr="&lt;SmartSettings&gt;&lt;SmartResize anchorLeft=&quot;Absolute&quot; anchorTop=&quot;Absolute&quot; anchorRight=&quot;Absolute&quot; anchorBottom=&quot;None&quot; /&gt;&lt;/SmartSettings&gt;"/>
+            <p:cNvSpPr/>
+            <p:nvPr>
+              <p:custDataLst>
+                <p:tags r:id="rId6"/>
+              </p:custDataLst>
+            </p:nvPr>
+          </p:nvSpPr>
+          <p:spPr>
+            <a:xfrm>
+              <a:off x="1167482" y="1416423"/>
+              <a:ext cx="5889875" cy="150559"/>
+            </a:xfrm>
+            <a:prstGeom prst="rect">
+              <a:avLst/>
+            </a:prstGeom>
+            <a:solidFill>
+              <a:srgbClr val="FFFFFF"/>
+            </a:solidFill>
+            <a:ln w="6350">
+              <a:solidFill>
+                <a:srgbClr val="808080"/>
+              </a:solidFill>
+            </a:ln>
+          </p:spPr>
+          <p:style>
+            <a:lnRef idx="2">
+              <a:schemeClr val="accent1">
+                <a:shade val="50000"/>
+              </a:schemeClr>
+            </a:lnRef>
+            <a:fillRef idx="1">
+              <a:schemeClr val="accent1"/>
+            </a:fillRef>
+            <a:effectRef idx="0">
+              <a:schemeClr val="accent1"/>
+            </a:effectRef>
+            <a:fontRef idx="minor">
+              <a:schemeClr val="lt1"/>
+            </a:fontRef>
+          </p:style>
+          <p:txBody>
+            <a:bodyPr rot="0" spcFirstLastPara="0" vert="horz" wrap="square" lIns="237744" tIns="45720" rIns="91440" bIns="45720" numCol="1" spcCol="0" rtlCol="0" fromWordArt="0" anchor="ctr" anchorCtr="0" forceAA="0" compatLnSpc="1">
+              <a:prstTxWarp prst="textNoShape">
+                <a:avLst/>
+              </a:prstTxWarp>
+              <a:noAutofit/>
+            </a:bodyPr>
+            <a:lstStyle>
+              <a:defPPr>
+                <a:defRPr lang="en-US"/>
+              </a:defPPr>
+              <a:lvl1pPr marL="0" algn="l" defTabSz="914400" rtl="0" eaLnBrk="1" latinLnBrk="0" hangingPunct="1">
+                <a:defRPr sz="1800" kern="1200">
+                  <a:solidFill>
+                    <a:schemeClr val="lt1"/>
+                  </a:solidFill>
+                  <a:latin typeface="+mn-lt"/>
+                  <a:ea typeface="+mn-ea"/>
+                  <a:cs typeface="+mn-cs"/>
+                </a:defRPr>
+              </a:lvl1pPr>
+              <a:lvl2pPr marL="457200" algn="l" defTabSz="914400" rtl="0" eaLnBrk="1" latinLnBrk="0" hangingPunct="1">
+                <a:defRPr sz="1800" kern="1200">
+                  <a:solidFill>
+                    <a:schemeClr val="lt1"/>
+                  </a:solidFill>
+                  <a:latin typeface="+mn-lt"/>
+                  <a:ea typeface="+mn-ea"/>
+                  <a:cs typeface="+mn-cs"/>
+                </a:defRPr>
+              </a:lvl2pPr>
+              <a:lvl3pPr marL="914400" algn="l" defTabSz="914400" rtl="0" eaLnBrk="1" latinLnBrk="0" hangingPunct="1">
+                <a:defRPr sz="1800" kern="1200">
+                  <a:solidFill>
+                    <a:schemeClr val="lt1"/>
+                  </a:solidFill>
+                  <a:latin typeface="+mn-lt"/>
+                  <a:ea typeface="+mn-ea"/>
+                  <a:cs typeface="+mn-cs"/>
+                </a:defRPr>
+              </a:lvl3pPr>
+              <a:lvl4pPr marL="1371600" algn="l" defTabSz="914400" rtl="0" eaLnBrk="1" latinLnBrk="0" hangingPunct="1">
+                <a:defRPr sz="1800" kern="1200">
+                  <a:solidFill>
+                    <a:schemeClr val="lt1"/>
+                  </a:solidFill>
+                  <a:latin typeface="+mn-lt"/>
+                  <a:ea typeface="+mn-ea"/>
+                  <a:cs typeface="+mn-cs"/>
+                </a:defRPr>
+              </a:lvl4pPr>
+              <a:lvl5pPr marL="1828800" algn="l" defTabSz="914400" rtl="0" eaLnBrk="1" latinLnBrk="0" hangingPunct="1">
+                <a:defRPr sz="1800" kern="1200">
+                  <a:solidFill>
+                    <a:schemeClr val="lt1"/>
+                  </a:solidFill>
+                  <a:latin typeface="+mn-lt"/>
+                  <a:ea typeface="+mn-ea"/>
+                  <a:cs typeface="+mn-cs"/>
+                </a:defRPr>
+              </a:lvl5pPr>
+              <a:lvl6pPr marL="2286000" algn="l" defTabSz="914400" rtl="0" eaLnBrk="1" latinLnBrk="0" hangingPunct="1">
+                <a:defRPr sz="1800" kern="1200">
+                  <a:solidFill>
+                    <a:schemeClr val="lt1"/>
+                  </a:solidFill>
+                  <a:latin typeface="+mn-lt"/>
+                  <a:ea typeface="+mn-ea"/>
+                  <a:cs typeface="+mn-cs"/>
+                </a:defRPr>
+              </a:lvl6pPr>
+              <a:lvl7pPr marL="2743200" algn="l" defTabSz="914400" rtl="0" eaLnBrk="1" latinLnBrk="0" hangingPunct="1">
+                <a:defRPr sz="1800" kern="1200">
+                  <a:solidFill>
+                    <a:schemeClr val="lt1"/>
+                  </a:solidFill>
+                  <a:latin typeface="+mn-lt"/>
+                  <a:ea typeface="+mn-ea"/>
+                  <a:cs typeface="+mn-cs"/>
+                </a:defRPr>
+              </a:lvl7pPr>
+              <a:lvl8pPr marL="3200400" algn="l" defTabSz="914400" rtl="0" eaLnBrk="1" latinLnBrk="0" hangingPunct="1">
+                <a:defRPr sz="1800" kern="1200">
+                  <a:solidFill>
+                    <a:schemeClr val="lt1"/>
+                  </a:solidFill>
+                  <a:latin typeface="+mn-lt"/>
+                  <a:ea typeface="+mn-ea"/>
+                  <a:cs typeface="+mn-cs"/>
+                </a:defRPr>
+              </a:lvl8pPr>
+              <a:lvl9pPr marL="3657600" algn="l" defTabSz="914400" rtl="0" eaLnBrk="1" latinLnBrk="0" hangingPunct="1">
+                <a:defRPr sz="1800" kern="1200">
+                  <a:solidFill>
+                    <a:schemeClr val="lt1"/>
+                  </a:solidFill>
+                  <a:latin typeface="+mn-lt"/>
+                  <a:ea typeface="+mn-ea"/>
+                  <a:cs typeface="+mn-cs"/>
+                </a:defRPr>
+              </a:lvl9pPr>
+            </a:lstStyle>
+            <a:p>
+              <a:r>
+                <a:rPr lang="en-US" sz="900" noProof="1" smtClean="0">
+                  <a:solidFill>
+                    <a:srgbClr val="5F5F5F"/>
+                  </a:solidFill>
+                  <a:latin typeface="Segoe UI" panose="020B0502040204020203" pitchFamily="34" charset="0"/>
+                  <a:cs typeface="Segoe UI" panose="020B0502040204020203" pitchFamily="34" charset="0"/>
+                </a:rPr>
+                <a:t>www.example.com</a:t>
+              </a:r>
+              <a:endParaRPr lang="en-US" sz="900" noProof="1">
+                <a:solidFill>
+                  <a:srgbClr val="5F5F5F"/>
+                </a:solidFill>
+                <a:latin typeface="Segoe UI" panose="020B0502040204020203" pitchFamily="34" charset="0"/>
+                <a:cs typeface="Segoe UI" panose="020B0502040204020203" pitchFamily="34" charset="0"/>
+              </a:endParaRPr>
+            </a:p>
+          </p:txBody>
+        </p:sp>
+        <p:sp>
+          <p:nvSpPr>
+            <p:cNvPr id="10" name="Document Icon" descr="&lt;SmartSettings&gt;&lt;SmartResize anchorLeft=&quot;Absolute&quot; anchorTop=&quot;Absolute&quot; anchorRight=&quot;None&quot; anchorBottom=&quot;None&quot; /&gt;&lt;/SmartSettings&gt;"/>
+            <p:cNvSpPr>
+              <a:spLocks noChangeAspect="1" noEditPoints="1"/>
+            </p:cNvSpPr>
+            <p:nvPr>
+              <p:custDataLst>
+                <p:tags r:id="rId7"/>
+              </p:custDataLst>
+            </p:nvPr>
+          </p:nvSpPr>
+          <p:spPr bwMode="auto">
+            <a:xfrm>
+              <a:off x="1215689" y="1449479"/>
+              <a:ext cx="59315" cy="84448"/>
+            </a:xfrm>
+            <a:custGeom>
+              <a:avLst/>
+              <a:gdLst>
+                <a:gd name="T0" fmla="*/ 153 w 260"/>
+                <a:gd name="T1" fmla="*/ 7 h 367"/>
+                <a:gd name="T2" fmla="*/ 153 w 260"/>
+                <a:gd name="T3" fmla="*/ 108 h 367"/>
+                <a:gd name="T4" fmla="*/ 253 w 260"/>
+                <a:gd name="T5" fmla="*/ 108 h 367"/>
+                <a:gd name="T6" fmla="*/ 0 w 260"/>
+                <a:gd name="T7" fmla="*/ 0 h 367"/>
+                <a:gd name="T8" fmla="*/ 0 w 260"/>
+                <a:gd name="T9" fmla="*/ 367 h 367"/>
+                <a:gd name="T10" fmla="*/ 260 w 260"/>
+                <a:gd name="T11" fmla="*/ 367 h 367"/>
+                <a:gd name="T12" fmla="*/ 260 w 260"/>
+                <a:gd name="T13" fmla="*/ 100 h 367"/>
+                <a:gd name="T14" fmla="*/ 161 w 260"/>
+                <a:gd name="T15" fmla="*/ 1 h 367"/>
+                <a:gd name="T16" fmla="*/ 0 w 260"/>
+                <a:gd name="T17" fmla="*/ 0 h 367"/>
+              </a:gdLst>
+              <a:ahLst/>
+              <a:cxnLst>
+                <a:cxn ang="0">
+                  <a:pos x="T0" y="T1"/>
+                </a:cxn>
+                <a:cxn ang="0">
+                  <a:pos x="T2" y="T3"/>
+                </a:cxn>
+                <a:cxn ang="0">
+                  <a:pos x="T4" y="T5"/>
+                </a:cxn>
+                <a:cxn ang="0">
+                  <a:pos x="T6" y="T7"/>
+                </a:cxn>
+                <a:cxn ang="0">
+                  <a:pos x="T8" y="T9"/>
+                </a:cxn>
+                <a:cxn ang="0">
+                  <a:pos x="T10" y="T11"/>
+                </a:cxn>
+                <a:cxn ang="0">
+                  <a:pos x="T12" y="T13"/>
+                </a:cxn>
+                <a:cxn ang="0">
+                  <a:pos x="T14" y="T15"/>
+                </a:cxn>
+                <a:cxn ang="0">
+                  <a:pos x="T16" y="T17"/>
+                </a:cxn>
+              </a:cxnLst>
+              <a:rect l="0" t="0" r="r" b="b"/>
+              <a:pathLst>
+                <a:path w="260" h="367">
+                  <a:moveTo>
+                    <a:pt x="153" y="7"/>
+                  </a:moveTo>
+                  <a:lnTo>
+                    <a:pt x="153" y="108"/>
+                  </a:lnTo>
+                  <a:lnTo>
+                    <a:pt x="253" y="108"/>
+                  </a:lnTo>
+                  <a:moveTo>
+                    <a:pt x="0" y="0"/>
+                  </a:moveTo>
+                  <a:lnTo>
+                    <a:pt x="0" y="367"/>
+                  </a:lnTo>
+                  <a:lnTo>
+                    <a:pt x="260" y="367"/>
+                  </a:lnTo>
+                  <a:lnTo>
+                    <a:pt x="260" y="100"/>
+                  </a:lnTo>
+                  <a:lnTo>
+                    <a:pt x="161" y="1"/>
+                  </a:lnTo>
+                  <a:lnTo>
+                    <a:pt x="0" y="0"/>
+                  </a:lnTo>
+                  <a:close/>
+                </a:path>
+              </a:pathLst>
+            </a:custGeom>
+            <a:noFill/>
+            <a:ln w="6350" cap="flat">
+              <a:solidFill>
+                <a:srgbClr val="808080"/>
+              </a:solidFill>
+              <a:prstDash val="solid"/>
+              <a:miter lim="800000"/>
+              <a:headEnd/>
+              <a:tailEnd/>
+            </a:ln>
+            <a:extLst>
+              <a:ext uri="{909E8E84-426E-40DD-AFC4-6F175D3DCCD1}">
+                <a14:hiddenFill xmlns:a14="http://schemas.microsoft.com/office/drawing/2010/main">
+                  <a:solidFill>
+                    <a:srgbClr val="FFFFFF"/>
+                  </a:solidFill>
+                </a14:hiddenFill>
+              </a:ext>
+            </a:extLst>
+          </p:spPr>
+          <p:txBody>
+            <a:bodyPr vert="horz" wrap="square" lIns="91440" tIns="45720" rIns="91440" bIns="45720" numCol="1" anchor="t" anchorCtr="0" compatLnSpc="1">
+              <a:prstTxWarp prst="textNoShape">
+                <a:avLst/>
+              </a:prstTxWarp>
+            </a:bodyPr>
+            <a:lstStyle>
+              <a:defPPr>
+                <a:defRPr lang="en-US"/>
+              </a:defPPr>
+              <a:lvl1pPr marL="0" algn="l" defTabSz="914400" rtl="0" eaLnBrk="1" latinLnBrk="0" hangingPunct="1">
+                <a:defRPr sz="1800" kern="1200">
+                  <a:solidFill>
+                    <a:schemeClr val="tx1"/>
+                  </a:solidFill>
+                  <a:latin typeface="+mn-lt"/>
+                  <a:ea typeface="+mn-ea"/>
+                  <a:cs typeface="+mn-cs"/>
+                </a:defRPr>
+              </a:lvl1pPr>
+              <a:lvl2pPr marL="457200" algn="l" defTabSz="914400" rtl="0" eaLnBrk="1" latinLnBrk="0" hangingPunct="1">
+                <a:defRPr sz="1800" kern="1200">
+                  <a:solidFill>
+                    <a:schemeClr val="tx1"/>
+                  </a:solidFill>
+                  <a:latin typeface="+mn-lt"/>
+                  <a:ea typeface="+mn-ea"/>
+                  <a:cs typeface="+mn-cs"/>
+                </a:defRPr>
+              </a:lvl2pPr>
+              <a:lvl3pPr marL="914400" algn="l" defTabSz="914400" rtl="0" eaLnBrk="1" latinLnBrk="0" hangingPunct="1">
+                <a:defRPr sz="1800" kern="1200">
+                  <a:solidFill>
+                    <a:schemeClr val="tx1"/>
+                  </a:solidFill>
+                  <a:latin typeface="+mn-lt"/>
+                  <a:ea typeface="+mn-ea"/>
+                  <a:cs typeface="+mn-cs"/>
+                </a:defRPr>
+              </a:lvl3pPr>
+              <a:lvl4pPr marL="1371600" algn="l" defTabSz="914400" rtl="0" eaLnBrk="1" latinLnBrk="0" hangingPunct="1">
+                <a:defRPr sz="1800" kern="1200">
+                  <a:solidFill>
+                    <a:schemeClr val="tx1"/>
+                  </a:solidFill>
+                  <a:latin typeface="+mn-lt"/>
+                  <a:ea typeface="+mn-ea"/>
+                  <a:cs typeface="+mn-cs"/>
+                </a:defRPr>
+              </a:lvl4pPr>
+              <a:lvl5pPr marL="1828800" algn="l" defTabSz="914400" rtl="0" eaLnBrk="1" latinLnBrk="0" hangingPunct="1">
+                <a:defRPr sz="1800" kern="1200">
+                  <a:solidFill>
+                    <a:schemeClr val="tx1"/>
+                  </a:solidFill>
+                  <a:latin typeface="+mn-lt"/>
+                  <a:ea typeface="+mn-ea"/>
+                  <a:cs typeface="+mn-cs"/>
+                </a:defRPr>
+              </a:lvl5pPr>
+              <a:lvl6pPr marL="2286000" algn="l" defTabSz="914400" rtl="0" eaLnBrk="1" latinLnBrk="0" hangingPunct="1">
+                <a:defRPr sz="1800" kern="1200">
+                  <a:solidFill>
+                    <a:schemeClr val="tx1"/>
+                  </a:solidFill>
+                  <a:latin typeface="+mn-lt"/>
+                  <a:ea typeface="+mn-ea"/>
+                  <a:cs typeface="+mn-cs"/>
+                </a:defRPr>
+              </a:lvl6pPr>
+              <a:lvl7pPr marL="2743200" algn="l" defTabSz="914400" rtl="0" eaLnBrk="1" latinLnBrk="0" hangingPunct="1">
+                <a:defRPr sz="1800" kern="1200">
+                  <a:solidFill>
+                    <a:schemeClr val="tx1"/>
+                  </a:solidFill>
+                  <a:latin typeface="+mn-lt"/>
+                  <a:ea typeface="+mn-ea"/>
+                  <a:cs typeface="+mn-cs"/>
+                </a:defRPr>
+              </a:lvl7pPr>
+              <a:lvl8pPr marL="3200400" algn="l" defTabSz="914400" rtl="0" eaLnBrk="1" latinLnBrk="0" hangingPunct="1">
+                <a:defRPr sz="1800" kern="1200">
+                  <a:solidFill>
+                    <a:schemeClr val="tx1"/>
+                  </a:solidFill>
+                  <a:latin typeface="+mn-lt"/>
+                  <a:ea typeface="+mn-ea"/>
+                  <a:cs typeface="+mn-cs"/>
+                </a:defRPr>
+              </a:lvl8pPr>
+              <a:lvl9pPr marL="3657600" algn="l" defTabSz="914400" rtl="0" eaLnBrk="1" latinLnBrk="0" hangingPunct="1">
+                <a:defRPr sz="1800" kern="1200">
+                  <a:solidFill>
+                    <a:schemeClr val="tx1"/>
+                  </a:solidFill>
+                  <a:latin typeface="+mn-lt"/>
+                  <a:ea typeface="+mn-ea"/>
+                  <a:cs typeface="+mn-cs"/>
+                </a:defRPr>
+              </a:lvl9pPr>
+            </a:lstStyle>
+            <a:p>
+              <a:endParaRPr lang="en-US">
+                <a:solidFill>
+                  <a:srgbClr val="5F5F5F"/>
+                </a:solidFill>
+                <a:latin typeface="Segoe UI" panose="020B0502040204020203" pitchFamily="34" charset="0"/>
+                <a:cs typeface="Segoe UI" panose="020B0502040204020203" pitchFamily="34" charset="0"/>
+              </a:endParaRPr>
+            </a:p>
+          </p:txBody>
+        </p:sp>
+        <p:grpSp>
+          <p:nvGrpSpPr>
+            <p:cNvPr id="11" name="Navigation Buttons"/>
+            <p:cNvGrpSpPr/>
+            <p:nvPr/>
+          </p:nvGrpSpPr>
+          <p:grpSpPr>
+            <a:xfrm>
+              <a:off x="675422" y="1436912"/>
+              <a:ext cx="406155" cy="109581"/>
+              <a:chOff x="675422" y="1436912"/>
+              <a:chExt cx="406155" cy="109581"/>
+            </a:xfrm>
+          </p:grpSpPr>
+          <p:sp>
+            <p:nvSpPr>
+              <p:cNvPr id="12" name="Back Button" descr="&lt;SmartSettings&gt;&lt;SmartResize anchorLeft=&quot;Absolute&quot; anchorTop=&quot;Absolute&quot; anchorRight=&quot;None&quot; anchorBottom=&quot;None&quot; /&gt;&lt;/SmartSettings&gt;"/>
+              <p:cNvSpPr>
+                <a:spLocks noChangeAspect="1" noEditPoints="1"/>
+              </p:cNvSpPr>
+              <p:nvPr>
+                <p:custDataLst>
+                  <p:tags r:id="rId8"/>
+                </p:custDataLst>
+              </p:nvPr>
+            </p:nvSpPr>
+            <p:spPr bwMode="auto">
+              <a:xfrm>
+                <a:off x="675422" y="1453500"/>
+                <a:ext cx="96512" cy="76405"/>
+              </a:xfrm>
+              <a:custGeom>
+                <a:avLst/>
+                <a:gdLst>
+                  <a:gd name="T0" fmla="*/ 159 w 423"/>
+                  <a:gd name="T1" fmla="*/ 332 h 332"/>
+                  <a:gd name="T2" fmla="*/ 0 w 423"/>
+                  <a:gd name="T3" fmla="*/ 166 h 332"/>
+                  <a:gd name="T4" fmla="*/ 159 w 423"/>
+                  <a:gd name="T5" fmla="*/ 0 h 332"/>
+                  <a:gd name="T6" fmla="*/ 15 w 423"/>
+                  <a:gd name="T7" fmla="*/ 166 h 332"/>
+                  <a:gd name="T8" fmla="*/ 423 w 423"/>
+                  <a:gd name="T9" fmla="*/ 166 h 332"/>
+                </a:gdLst>
+                <a:ahLst/>
+                <a:cxnLst>
+                  <a:cxn ang="0">
+                    <a:pos x="T0" y="T1"/>
+                  </a:cxn>
+                  <a:cxn ang="0">
+                    <a:pos x="T2" y="T3"/>
+                  </a:cxn>
+                  <a:cxn ang="0">
+                    <a:pos x="T4" y="T5"/>
+                  </a:cxn>
+                  <a:cxn ang="0">
+                    <a:pos x="T6" y="T7"/>
+                  </a:cxn>
+                  <a:cxn ang="0">
+                    <a:pos x="T8" y="T9"/>
+                  </a:cxn>
+                </a:cxnLst>
+                <a:rect l="0" t="0" r="r" b="b"/>
+                <a:pathLst>
+                  <a:path w="423" h="332">
+                    <a:moveTo>
+                      <a:pt x="159" y="332"/>
+                    </a:moveTo>
+                    <a:lnTo>
+                      <a:pt x="0" y="166"/>
+                    </a:lnTo>
+                    <a:lnTo>
+                      <a:pt x="159" y="0"/>
+                    </a:lnTo>
+                    <a:moveTo>
+                      <a:pt x="15" y="166"/>
+                    </a:moveTo>
+                    <a:lnTo>
+                      <a:pt x="423" y="166"/>
+                    </a:lnTo>
+                  </a:path>
+                </a:pathLst>
+              </a:custGeom>
+              <a:noFill/>
+              <a:ln w="6350" cap="sq">
+                <a:solidFill>
+                  <a:srgbClr val="808080"/>
+                </a:solidFill>
+                <a:prstDash val="solid"/>
+                <a:miter lim="800000"/>
+                <a:headEnd/>
+                <a:tailEnd/>
+              </a:ln>
+              <a:extLst>
+                <a:ext uri="{909E8E84-426E-40DD-AFC4-6F175D3DCCD1}">
+                  <a14:hiddenFill xmlns:a14="http://schemas.microsoft.com/office/drawing/2010/main">
+                    <a:solidFill>
+                      <a:srgbClr val="FFFFFF"/>
+                    </a:solidFill>
+                  </a14:hiddenFill>
+                </a:ext>
+              </a:extLst>
+            </p:spPr>
+            <p:txBody>
+              <a:bodyPr vert="horz" wrap="square" lIns="91440" tIns="45720" rIns="91440" bIns="45720" numCol="1" anchor="t" anchorCtr="0" compatLnSpc="1">
+                <a:prstTxWarp prst="textNoShape">
+                  <a:avLst/>
+                </a:prstTxWarp>
+              </a:bodyPr>
+              <a:lstStyle>
+                <a:defPPr>
+                  <a:defRPr lang="en-US"/>
+                </a:defPPr>
+                <a:lvl1pPr marL="0" algn="l" defTabSz="914400" rtl="0" eaLnBrk="1" latinLnBrk="0" hangingPunct="1">
+                  <a:defRPr sz="1800" kern="1200">
+                    <a:solidFill>
+                      <a:schemeClr val="tx1"/>
+                    </a:solidFill>
+                    <a:latin typeface="+mn-lt"/>
+                    <a:ea typeface="+mn-ea"/>
+                    <a:cs typeface="+mn-cs"/>
+                  </a:defRPr>
+                </a:lvl1pPr>
+                <a:lvl2pPr marL="457200" algn="l" defTabSz="914400" rtl="0" eaLnBrk="1" latinLnBrk="0" hangingPunct="1">
+                  <a:defRPr sz="1800" kern="1200">
+                    <a:solidFill>
+                      <a:schemeClr val="tx1"/>
+                    </a:solidFill>
+                    <a:latin typeface="+mn-lt"/>
+                    <a:ea typeface="+mn-ea"/>
+                    <a:cs typeface="+mn-cs"/>
+                  </a:defRPr>
+                </a:lvl2pPr>
+                <a:lvl3pPr marL="914400" algn="l" defTabSz="914400" rtl="0" eaLnBrk="1" latinLnBrk="0" hangingPunct="1">
+                  <a:defRPr sz="1800" kern="1200">
+                    <a:solidFill>
+                      <a:schemeClr val="tx1"/>
+                    </a:solidFill>
+                    <a:latin typeface="+mn-lt"/>
+                    <a:ea typeface="+mn-ea"/>
+                    <a:cs typeface="+mn-cs"/>
+                  </a:defRPr>
+                </a:lvl3pPr>
+                <a:lvl4pPr marL="1371600" algn="l" defTabSz="914400" rtl="0" eaLnBrk="1" latinLnBrk="0" hangingPunct="1">
+                  <a:defRPr sz="1800" kern="1200">
+                    <a:solidFill>
+                      <a:schemeClr val="tx1"/>
+                    </a:solidFill>
+                    <a:latin typeface="+mn-lt"/>
+                    <a:ea typeface="+mn-ea"/>
+                    <a:cs typeface="+mn-cs"/>
+                  </a:defRPr>
+                </a:lvl4pPr>
+                <a:lvl5pPr marL="1828800" algn="l" defTabSz="914400" rtl="0" eaLnBrk="1" latinLnBrk="0" hangingPunct="1">
+                  <a:defRPr sz="1800" kern="1200">
+                    <a:solidFill>
+                      <a:schemeClr val="tx1"/>
+                    </a:solidFill>
+                    <a:latin typeface="+mn-lt"/>
+                    <a:ea typeface="+mn-ea"/>
+                    <a:cs typeface="+mn-cs"/>
+                  </a:defRPr>
+                </a:lvl5pPr>
+                <a:lvl6pPr marL="2286000" algn="l" defTabSz="914400" rtl="0" eaLnBrk="1" latinLnBrk="0" hangingPunct="1">
+                  <a:defRPr sz="1800" kern="1200">
+                    <a:solidFill>
+                      <a:schemeClr val="tx1"/>
+                    </a:solidFill>
+                    <a:latin typeface="+mn-lt"/>
+                    <a:ea typeface="+mn-ea"/>
+                    <a:cs typeface="+mn-cs"/>
+                  </a:defRPr>
+                </a:lvl6pPr>
+                <a:lvl7pPr marL="2743200" algn="l" defTabSz="914400" rtl="0" eaLnBrk="1" latinLnBrk="0" hangingPunct="1">
+                  <a:defRPr sz="1800" kern="1200">
+                    <a:solidFill>
+                      <a:schemeClr val="tx1"/>
+                    </a:solidFill>
+                    <a:latin typeface="+mn-lt"/>
+                    <a:ea typeface="+mn-ea"/>
+                    <a:cs typeface="+mn-cs"/>
+                  </a:defRPr>
+                </a:lvl7pPr>
+                <a:lvl8pPr marL="3200400" algn="l" defTabSz="914400" rtl="0" eaLnBrk="1" latinLnBrk="0" hangingPunct="1">
+                  <a:defRPr sz="1800" kern="1200">
+                    <a:solidFill>
+                      <a:schemeClr val="tx1"/>
+                    </a:solidFill>
+                    <a:latin typeface="+mn-lt"/>
+                    <a:ea typeface="+mn-ea"/>
+                    <a:cs typeface="+mn-cs"/>
+                  </a:defRPr>
+                </a:lvl8pPr>
+                <a:lvl9pPr marL="3657600" algn="l" defTabSz="914400" rtl="0" eaLnBrk="1" latinLnBrk="0" hangingPunct="1">
+                  <a:defRPr sz="1800" kern="1200">
+                    <a:solidFill>
+                      <a:schemeClr val="tx1"/>
+                    </a:solidFill>
+                    <a:latin typeface="+mn-lt"/>
+                    <a:ea typeface="+mn-ea"/>
+                    <a:cs typeface="+mn-cs"/>
+                  </a:defRPr>
+                </a:lvl9pPr>
+              </a:lstStyle>
+              <a:p>
+                <a:endParaRPr lang="en-US">
+                  <a:solidFill>
+                    <a:srgbClr val="5F5F5F"/>
+                  </a:solidFill>
+                  <a:latin typeface="Segoe UI" panose="020B0502040204020203" pitchFamily="34" charset="0"/>
+                  <a:cs typeface="Segoe UI" panose="020B0502040204020203" pitchFamily="34" charset="0"/>
+                </a:endParaRPr>
+              </a:p>
+            </p:txBody>
+          </p:sp>
+          <p:sp>
+            <p:nvSpPr>
+              <p:cNvPr id="13" name="Forward Button" descr="&lt;SmartSettings&gt;&lt;SmartResize anchorLeft=&quot;Absolute&quot; anchorTop=&quot;Absolute&quot; anchorRight=&quot;None&quot; anchorBottom=&quot;None&quot; /&gt;&lt;/SmartSettings&gt;"/>
+              <p:cNvSpPr>
+                <a:spLocks noChangeAspect="1" noEditPoints="1"/>
+              </p:cNvSpPr>
+              <p:nvPr>
+                <p:custDataLst>
+                  <p:tags r:id="rId9"/>
+                </p:custDataLst>
+              </p:nvPr>
+            </p:nvSpPr>
+            <p:spPr bwMode="auto">
+              <a:xfrm>
+                <a:off x="828233" y="1453500"/>
+                <a:ext cx="96512" cy="76405"/>
+              </a:xfrm>
+              <a:custGeom>
+                <a:avLst/>
+                <a:gdLst>
+                  <a:gd name="T0" fmla="*/ 265 w 423"/>
+                  <a:gd name="T1" fmla="*/ 0 h 332"/>
+                  <a:gd name="T2" fmla="*/ 423 w 423"/>
+                  <a:gd name="T3" fmla="*/ 166 h 332"/>
+                  <a:gd name="T4" fmla="*/ 265 w 423"/>
+                  <a:gd name="T5" fmla="*/ 332 h 332"/>
+                  <a:gd name="T6" fmla="*/ 408 w 423"/>
+                  <a:gd name="T7" fmla="*/ 166 h 332"/>
+                  <a:gd name="T8" fmla="*/ 0 w 423"/>
+                  <a:gd name="T9" fmla="*/ 166 h 332"/>
+                </a:gdLst>
+                <a:ahLst/>
+                <a:cxnLst>
+                  <a:cxn ang="0">
+                    <a:pos x="T0" y="T1"/>
+                  </a:cxn>
+                  <a:cxn ang="0">
+                    <a:pos x="T2" y="T3"/>
+                  </a:cxn>
+                  <a:cxn ang="0">
+                    <a:pos x="T4" y="T5"/>
+                  </a:cxn>
+                  <a:cxn ang="0">
+                    <a:pos x="T6" y="T7"/>
+                  </a:cxn>
+                  <a:cxn ang="0">
+                    <a:pos x="T8" y="T9"/>
+                  </a:cxn>
+                </a:cxnLst>
+                <a:rect l="0" t="0" r="r" b="b"/>
+                <a:pathLst>
+                  <a:path w="423" h="332">
+                    <a:moveTo>
+                      <a:pt x="265" y="0"/>
+                    </a:moveTo>
+                    <a:lnTo>
+                      <a:pt x="423" y="166"/>
+                    </a:lnTo>
+                    <a:lnTo>
+                      <a:pt x="265" y="332"/>
+                    </a:lnTo>
+                    <a:moveTo>
+                      <a:pt x="408" y="166"/>
+                    </a:moveTo>
+                    <a:lnTo>
+                      <a:pt x="0" y="166"/>
+                    </a:lnTo>
+                  </a:path>
+                </a:pathLst>
+              </a:custGeom>
+              <a:noFill/>
+              <a:ln w="6350" cap="sq">
+                <a:solidFill>
+                  <a:srgbClr val="808080"/>
+                </a:solidFill>
+                <a:prstDash val="solid"/>
+                <a:miter lim="800000"/>
+                <a:headEnd/>
+                <a:tailEnd/>
+              </a:ln>
+              <a:extLst>
+                <a:ext uri="{909E8E84-426E-40DD-AFC4-6F175D3DCCD1}">
+                  <a14:hiddenFill xmlns:a14="http://schemas.microsoft.com/office/drawing/2010/main">
+                    <a:solidFill>
+                      <a:srgbClr val="FFFFFF"/>
+                    </a:solidFill>
+                  </a14:hiddenFill>
+                </a:ext>
+              </a:extLst>
+            </p:spPr>
+            <p:txBody>
+              <a:bodyPr vert="horz" wrap="square" lIns="91440" tIns="45720" rIns="91440" bIns="45720" numCol="1" anchor="t" anchorCtr="0" compatLnSpc="1">
+                <a:prstTxWarp prst="textNoShape">
+                  <a:avLst/>
+                </a:prstTxWarp>
+              </a:bodyPr>
+              <a:lstStyle>
+                <a:defPPr>
+                  <a:defRPr lang="en-US"/>
+                </a:defPPr>
+                <a:lvl1pPr marL="0" algn="l" defTabSz="914400" rtl="0" eaLnBrk="1" latinLnBrk="0" hangingPunct="1">
+                  <a:defRPr sz="1800" kern="1200">
+                    <a:solidFill>
+                      <a:schemeClr val="tx1"/>
+                    </a:solidFill>
+                    <a:latin typeface="+mn-lt"/>
+                    <a:ea typeface="+mn-ea"/>
+                    <a:cs typeface="+mn-cs"/>
+                  </a:defRPr>
+                </a:lvl1pPr>
+                <a:lvl2pPr marL="457200" algn="l" defTabSz="914400" rtl="0" eaLnBrk="1" latinLnBrk="0" hangingPunct="1">
+                  <a:defRPr sz="1800" kern="1200">
+                    <a:solidFill>
+                      <a:schemeClr val="tx1"/>
+                    </a:solidFill>
+                    <a:latin typeface="+mn-lt"/>
+                    <a:ea typeface="+mn-ea"/>
+                    <a:cs typeface="+mn-cs"/>
+                  </a:defRPr>
+                </a:lvl2pPr>
+                <a:lvl3pPr marL="914400" algn="l" defTabSz="914400" rtl="0" eaLnBrk="1" latinLnBrk="0" hangingPunct="1">
+                  <a:defRPr sz="1800" kern="1200">
+                    <a:solidFill>
+                      <a:schemeClr val="tx1"/>
+                    </a:solidFill>
+                    <a:latin typeface="+mn-lt"/>
+                    <a:ea typeface="+mn-ea"/>
+                    <a:cs typeface="+mn-cs"/>
+                  </a:defRPr>
+                </a:lvl3pPr>
+                <a:lvl4pPr marL="1371600" algn="l" defTabSz="914400" rtl="0" eaLnBrk="1" latinLnBrk="0" hangingPunct="1">
+                  <a:defRPr sz="1800" kern="1200">
+                    <a:solidFill>
+                      <a:schemeClr val="tx1"/>
+                    </a:solidFill>
+                    <a:latin typeface="+mn-lt"/>
+                    <a:ea typeface="+mn-ea"/>
+                    <a:cs typeface="+mn-cs"/>
+                  </a:defRPr>
+                </a:lvl4pPr>
+                <a:lvl5pPr marL="1828800" algn="l" defTabSz="914400" rtl="0" eaLnBrk="1" latinLnBrk="0" hangingPunct="1">
+                  <a:defRPr sz="1800" kern="1200">
+                    <a:solidFill>
+                      <a:schemeClr val="tx1"/>
+                    </a:solidFill>
+                    <a:latin typeface="+mn-lt"/>
+                    <a:ea typeface="+mn-ea"/>
+                    <a:cs typeface="+mn-cs"/>
+                  </a:defRPr>
+                </a:lvl5pPr>
+                <a:lvl6pPr marL="2286000" algn="l" defTabSz="914400" rtl="0" eaLnBrk="1" latinLnBrk="0" hangingPunct="1">
+                  <a:defRPr sz="1800" kern="1200">
+                    <a:solidFill>
+                      <a:schemeClr val="tx1"/>
+                    </a:solidFill>
+                    <a:latin typeface="+mn-lt"/>
+                    <a:ea typeface="+mn-ea"/>
+                    <a:cs typeface="+mn-cs"/>
+                  </a:defRPr>
+                </a:lvl6pPr>
+                <a:lvl7pPr marL="2743200" algn="l" defTabSz="914400" rtl="0" eaLnBrk="1" latinLnBrk="0" hangingPunct="1">
+                  <a:defRPr sz="1800" kern="1200">
+                    <a:solidFill>
+                      <a:schemeClr val="tx1"/>
+                    </a:solidFill>
+                    <a:latin typeface="+mn-lt"/>
+                    <a:ea typeface="+mn-ea"/>
+                    <a:cs typeface="+mn-cs"/>
+                  </a:defRPr>
+                </a:lvl7pPr>
+                <a:lvl8pPr marL="3200400" algn="l" defTabSz="914400" rtl="0" eaLnBrk="1" latinLnBrk="0" hangingPunct="1">
+                  <a:defRPr sz="1800" kern="1200">
+                    <a:solidFill>
+                      <a:schemeClr val="tx1"/>
+                    </a:solidFill>
+                    <a:latin typeface="+mn-lt"/>
+                    <a:ea typeface="+mn-ea"/>
+                    <a:cs typeface="+mn-cs"/>
+                  </a:defRPr>
+                </a:lvl8pPr>
+                <a:lvl9pPr marL="3657600" algn="l" defTabSz="914400" rtl="0" eaLnBrk="1" latinLnBrk="0" hangingPunct="1">
+                  <a:defRPr sz="1800" kern="1200">
+                    <a:solidFill>
+                      <a:schemeClr val="tx1"/>
+                    </a:solidFill>
+                    <a:latin typeface="+mn-lt"/>
+                    <a:ea typeface="+mn-ea"/>
+                    <a:cs typeface="+mn-cs"/>
+                  </a:defRPr>
+                </a:lvl9pPr>
+              </a:lstStyle>
+              <a:p>
+                <a:endParaRPr lang="en-US">
+                  <a:solidFill>
+                    <a:srgbClr val="5F5F5F"/>
+                  </a:solidFill>
+                  <a:latin typeface="Segoe UI" panose="020B0502040204020203" pitchFamily="34" charset="0"/>
+                  <a:cs typeface="Segoe UI" panose="020B0502040204020203" pitchFamily="34" charset="0"/>
+                </a:endParaRPr>
+              </a:p>
+            </p:txBody>
+          </p:sp>
+          <p:sp>
+            <p:nvSpPr>
+              <p:cNvPr id="14" name="Reload Button" descr="&lt;SmartSettings&gt;&lt;SmartResize anchorLeft=&quot;Absolute&quot; anchorTop=&quot;Absolute&quot; anchorRight=&quot;None&quot; anchorBottom=&quot;None&quot; /&gt;&lt;/SmartSettings&gt;"/>
+              <p:cNvSpPr>
+                <a:spLocks noChangeAspect="1" noEditPoints="1"/>
+              </p:cNvSpPr>
+              <p:nvPr>
+                <p:custDataLst>
+                  <p:tags r:id="rId10"/>
+                </p:custDataLst>
+              </p:nvPr>
+            </p:nvSpPr>
+            <p:spPr bwMode="auto">
+              <a:xfrm>
+                <a:off x="981044" y="1436912"/>
+                <a:ext cx="100533" cy="109581"/>
+              </a:xfrm>
+              <a:custGeom>
+                <a:avLst/>
+                <a:gdLst>
+                  <a:gd name="T0" fmla="*/ 441 w 441"/>
+                  <a:gd name="T1" fmla="*/ 7 h 474"/>
+                  <a:gd name="T2" fmla="*/ 441 w 441"/>
+                  <a:gd name="T3" fmla="*/ 144 h 474"/>
+                  <a:gd name="T4" fmla="*/ 296 w 441"/>
+                  <a:gd name="T5" fmla="*/ 144 h 474"/>
+                  <a:gd name="T6" fmla="*/ 438 w 441"/>
+                  <a:gd name="T7" fmla="*/ 309 h 474"/>
+                  <a:gd name="T8" fmla="*/ 166 w 441"/>
+                  <a:gd name="T9" fmla="*/ 434 h 474"/>
+                  <a:gd name="T10" fmla="*/ 41 w 441"/>
+                  <a:gd name="T11" fmla="*/ 162 h 474"/>
+                  <a:gd name="T12" fmla="*/ 313 w 441"/>
+                  <a:gd name="T13" fmla="*/ 37 h 474"/>
+                  <a:gd name="T14" fmla="*/ 428 w 441"/>
+                  <a:gd name="T15" fmla="*/ 139 h 474"/>
+                </a:gdLst>
+                <a:ahLst/>
+                <a:cxnLst>
+                  <a:cxn ang="0">
+                    <a:pos x="T0" y="T1"/>
+                  </a:cxn>
+                  <a:cxn ang="0">
+                    <a:pos x="T2" y="T3"/>
+                  </a:cxn>
+                  <a:cxn ang="0">
+                    <a:pos x="T4" y="T5"/>
+                  </a:cxn>
+                  <a:cxn ang="0">
+                    <a:pos x="T6" y="T7"/>
+                  </a:cxn>
+                  <a:cxn ang="0">
+                    <a:pos x="T8" y="T9"/>
+                  </a:cxn>
+                  <a:cxn ang="0">
+                    <a:pos x="T10" y="T11"/>
+                  </a:cxn>
+                  <a:cxn ang="0">
+                    <a:pos x="T12" y="T13"/>
+                  </a:cxn>
+                  <a:cxn ang="0">
+                    <a:pos x="T14" y="T15"/>
+                  </a:cxn>
+                </a:cxnLst>
+                <a:rect l="0" t="0" r="r" b="b"/>
+                <a:pathLst>
+                  <a:path w="441" h="474">
+                    <a:moveTo>
+                      <a:pt x="441" y="7"/>
+                    </a:moveTo>
+                    <a:lnTo>
+                      <a:pt x="441" y="144"/>
+                    </a:lnTo>
+                    <a:lnTo>
+                      <a:pt x="296" y="144"/>
+                    </a:lnTo>
+                    <a:moveTo>
+                      <a:pt x="438" y="309"/>
+                    </a:moveTo>
+                    <a:cubicBezTo>
+                      <a:pt x="397" y="418"/>
+                      <a:pt x="276" y="474"/>
+                      <a:pt x="166" y="434"/>
+                    </a:cubicBezTo>
+                    <a:cubicBezTo>
+                      <a:pt x="56" y="393"/>
+                      <a:pt x="0" y="271"/>
+                      <a:pt x="41" y="162"/>
+                    </a:cubicBezTo>
+                    <a:cubicBezTo>
+                      <a:pt x="82" y="52"/>
+                      <a:pt x="202" y="0"/>
+                      <a:pt x="313" y="37"/>
+                    </a:cubicBezTo>
+                    <a:cubicBezTo>
+                      <a:pt x="357" y="51"/>
+                      <a:pt x="398" y="91"/>
+                      <a:pt x="428" y="139"/>
+                    </a:cubicBezTo>
+                  </a:path>
+                </a:pathLst>
+              </a:custGeom>
+              <a:noFill/>
+              <a:ln w="6350" cap="flat">
+                <a:solidFill>
+                  <a:srgbClr val="808080"/>
+                </a:solidFill>
+                <a:prstDash val="solid"/>
+                <a:miter lim="800000"/>
+                <a:headEnd/>
+                <a:tailEnd/>
+              </a:ln>
+              <a:extLst>
+                <a:ext uri="{909E8E84-426E-40DD-AFC4-6F175D3DCCD1}">
+                  <a14:hiddenFill xmlns:a14="http://schemas.microsoft.com/office/drawing/2010/main">
+                    <a:solidFill>
+                      <a:srgbClr val="FFFFFF"/>
+                    </a:solidFill>
+                  </a14:hiddenFill>
+                </a:ext>
+              </a:extLst>
+            </p:spPr>
+            <p:txBody>
+              <a:bodyPr vert="horz" wrap="square" lIns="91440" tIns="45720" rIns="91440" bIns="45720" numCol="1" anchor="t" anchorCtr="0" compatLnSpc="1">
+                <a:prstTxWarp prst="textNoShape">
+                  <a:avLst/>
+                </a:prstTxWarp>
+              </a:bodyPr>
+              <a:lstStyle>
+                <a:defPPr>
+                  <a:defRPr lang="en-US"/>
+                </a:defPPr>
+                <a:lvl1pPr marL="0" algn="l" defTabSz="914400" rtl="0" eaLnBrk="1" latinLnBrk="0" hangingPunct="1">
+                  <a:defRPr sz="1800" kern="1200">
+                    <a:solidFill>
+                      <a:schemeClr val="tx1"/>
+                    </a:solidFill>
+                    <a:latin typeface="+mn-lt"/>
+                    <a:ea typeface="+mn-ea"/>
+                    <a:cs typeface="+mn-cs"/>
+                  </a:defRPr>
+                </a:lvl1pPr>
+                <a:lvl2pPr marL="457200" algn="l" defTabSz="914400" rtl="0" eaLnBrk="1" latinLnBrk="0" hangingPunct="1">
+                  <a:defRPr sz="1800" kern="1200">
+                    <a:solidFill>
+                      <a:schemeClr val="tx1"/>
+                    </a:solidFill>
+                    <a:latin typeface="+mn-lt"/>
+                    <a:ea typeface="+mn-ea"/>
+                    <a:cs typeface="+mn-cs"/>
+                  </a:defRPr>
+                </a:lvl2pPr>
+                <a:lvl3pPr marL="914400" algn="l" defTabSz="914400" rtl="0" eaLnBrk="1" latinLnBrk="0" hangingPunct="1">
+                  <a:defRPr sz="1800" kern="1200">
+                    <a:solidFill>
+                      <a:schemeClr val="tx1"/>
+                    </a:solidFill>
+                    <a:latin typeface="+mn-lt"/>
+                    <a:ea typeface="+mn-ea"/>
+                    <a:cs typeface="+mn-cs"/>
+                  </a:defRPr>
+                </a:lvl3pPr>
+                <a:lvl4pPr marL="1371600" algn="l" defTabSz="914400" rtl="0" eaLnBrk="1" latinLnBrk="0" hangingPunct="1">
+                  <a:defRPr sz="1800" kern="1200">
+                    <a:solidFill>
+                      <a:schemeClr val="tx1"/>
+                    </a:solidFill>
+                    <a:latin typeface="+mn-lt"/>
+                    <a:ea typeface="+mn-ea"/>
+                    <a:cs typeface="+mn-cs"/>
+                  </a:defRPr>
+                </a:lvl4pPr>
+                <a:lvl5pPr marL="1828800" algn="l" defTabSz="914400" rtl="0" eaLnBrk="1" latinLnBrk="0" hangingPunct="1">
+                  <a:defRPr sz="1800" kern="1200">
+                    <a:solidFill>
+                      <a:schemeClr val="tx1"/>
+                    </a:solidFill>
+                    <a:latin typeface="+mn-lt"/>
+                    <a:ea typeface="+mn-ea"/>
+                    <a:cs typeface="+mn-cs"/>
+                  </a:defRPr>
+                </a:lvl5pPr>
+                <a:lvl6pPr marL="2286000" algn="l" defTabSz="914400" rtl="0" eaLnBrk="1" latinLnBrk="0" hangingPunct="1">
+                  <a:defRPr sz="1800" kern="1200">
+                    <a:solidFill>
+                      <a:schemeClr val="tx1"/>
+                    </a:solidFill>
+                    <a:latin typeface="+mn-lt"/>
+                    <a:ea typeface="+mn-ea"/>
+                    <a:cs typeface="+mn-cs"/>
+                  </a:defRPr>
+                </a:lvl6pPr>
+                <a:lvl7pPr marL="2743200" algn="l" defTabSz="914400" rtl="0" eaLnBrk="1" latinLnBrk="0" hangingPunct="1">
+                  <a:defRPr sz="1800" kern="1200">
+                    <a:solidFill>
+                      <a:schemeClr val="tx1"/>
+                    </a:solidFill>
+                    <a:latin typeface="+mn-lt"/>
+                    <a:ea typeface="+mn-ea"/>
+                    <a:cs typeface="+mn-cs"/>
+                  </a:defRPr>
+                </a:lvl7pPr>
+                <a:lvl8pPr marL="3200400" algn="l" defTabSz="914400" rtl="0" eaLnBrk="1" latinLnBrk="0" hangingPunct="1">
+                  <a:defRPr sz="1800" kern="1200">
+                    <a:solidFill>
+                      <a:schemeClr val="tx1"/>
+                    </a:solidFill>
+                    <a:latin typeface="+mn-lt"/>
+                    <a:ea typeface="+mn-ea"/>
+                    <a:cs typeface="+mn-cs"/>
+                  </a:defRPr>
+                </a:lvl8pPr>
+                <a:lvl9pPr marL="3657600" algn="l" defTabSz="914400" rtl="0" eaLnBrk="1" latinLnBrk="0" hangingPunct="1">
+                  <a:defRPr sz="1800" kern="1200">
+                    <a:solidFill>
+                      <a:schemeClr val="tx1"/>
+                    </a:solidFill>
+                    <a:latin typeface="+mn-lt"/>
+                    <a:ea typeface="+mn-ea"/>
+                    <a:cs typeface="+mn-cs"/>
+                  </a:defRPr>
+                </a:lvl9pPr>
+              </a:lstStyle>
+              <a:p>
+                <a:endParaRPr lang="en-US">
+                  <a:solidFill>
+                    <a:srgbClr val="5F5F5F"/>
+                  </a:solidFill>
+                  <a:latin typeface="Segoe UI" panose="020B0502040204020203" pitchFamily="34" charset="0"/>
+                  <a:cs typeface="Segoe UI" panose="020B0502040204020203" pitchFamily="34" charset="0"/>
+                </a:endParaRPr>
+              </a:p>
+            </p:txBody>
+          </p:sp>
+        </p:grpSp>
+      </p:grpSp>
+      <p:sp>
+        <p:nvSpPr>
+          <p:cNvPr id="16" name="Rectangle 15"/>
+          <p:cNvSpPr/>
+          <p:nvPr/>
+        </p:nvSpPr>
+        <p:spPr>
+          <a:xfrm>
+            <a:off x="1696684" y="544610"/>
+            <a:ext cx="10530041" cy="1245689"/>
+          </a:xfrm>
+          <a:prstGeom prst="rect">
+            <a:avLst/>
+          </a:prstGeom>
+          <a:solidFill>
+            <a:schemeClr val="tx2">
+              <a:lumMod val="75000"/>
+            </a:schemeClr>
+          </a:solidFill>
+        </p:spPr>
+        <p:style>
+          <a:lnRef idx="2">
+            <a:schemeClr val="accent1">
+              <a:shade val="50000"/>
+            </a:schemeClr>
+          </a:lnRef>
+          <a:fillRef idx="1">
+            <a:schemeClr val="accent1"/>
+          </a:fillRef>
+          <a:effectRef idx="0">
+            <a:schemeClr val="accent1"/>
+          </a:effectRef>
+          <a:fontRef idx="minor">
+            <a:schemeClr val="lt1"/>
+          </a:fontRef>
+        </p:style>
+        <p:txBody>
+          <a:bodyPr rtlCol="0" anchor="ctr"/>
+          <a:lstStyle/>
+          <a:p>
+            <a:pPr algn="ctr"/>
+            <a:endParaRPr lang="fr-FR"/>
+          </a:p>
+        </p:txBody>
+      </p:sp>
+      <p:sp>
+        <p:nvSpPr>
+          <p:cNvPr id="17" name="ZoneTexte 16"/>
+          <p:cNvSpPr txBox="1"/>
+          <p:nvPr/>
+        </p:nvSpPr>
+        <p:spPr>
+          <a:xfrm>
+            <a:off x="4905106" y="788817"/>
+            <a:ext cx="4620126" cy="523220"/>
+          </a:xfrm>
+          <a:prstGeom prst="rect">
+            <a:avLst/>
+          </a:prstGeom>
+          <a:noFill/>
+        </p:spPr>
+        <p:txBody>
+          <a:bodyPr wrap="square" rtlCol="0">
+            <a:spAutoFit/>
+          </a:bodyPr>
+          <a:lstStyle/>
+          <a:p>
+            <a:r>
+              <a:rPr lang="fr-FR" sz="2800" dirty="0" smtClean="0">
+                <a:solidFill>
+                  <a:schemeClr val="bg1"/>
+                </a:solidFill>
+              </a:rPr>
+              <a:t>LES TRESORS DE ONE PIECE</a:t>
+            </a:r>
+            <a:endParaRPr lang="fr-FR" sz="2800" dirty="0">
+              <a:solidFill>
+                <a:schemeClr val="bg1"/>
+              </a:solidFill>
+            </a:endParaRPr>
+          </a:p>
+        </p:txBody>
+      </p:sp>
+      <p:sp>
+        <p:nvSpPr>
+          <p:cNvPr id="19" name="ZoneTexte 18"/>
+          <p:cNvSpPr txBox="1"/>
+          <p:nvPr/>
+        </p:nvSpPr>
+        <p:spPr>
+          <a:xfrm>
+            <a:off x="1940273" y="1395663"/>
+            <a:ext cx="956931" cy="369332"/>
+          </a:xfrm>
+          <a:prstGeom prst="rect">
+            <a:avLst/>
+          </a:prstGeom>
+          <a:noFill/>
+        </p:spPr>
+        <p:txBody>
+          <a:bodyPr wrap="square" rtlCol="0">
+            <a:spAutoFit/>
+          </a:bodyPr>
+          <a:lstStyle/>
+          <a:p>
+            <a:r>
+              <a:rPr lang="fr-FR" dirty="0" smtClean="0">
+                <a:solidFill>
+                  <a:schemeClr val="bg1"/>
+                </a:solidFill>
+              </a:rPr>
+              <a:t>HOME</a:t>
+            </a:r>
+            <a:endParaRPr lang="fr-FR" dirty="0">
+              <a:solidFill>
+                <a:schemeClr val="bg1"/>
+              </a:solidFill>
+            </a:endParaRPr>
+          </a:p>
+        </p:txBody>
+      </p:sp>
+      <p:sp>
+        <p:nvSpPr>
+          <p:cNvPr id="20" name="ZoneTexte 19"/>
+          <p:cNvSpPr txBox="1"/>
+          <p:nvPr/>
+        </p:nvSpPr>
+        <p:spPr>
+          <a:xfrm>
+            <a:off x="3366361" y="1392614"/>
+            <a:ext cx="1266824" cy="369332"/>
+          </a:xfrm>
+          <a:prstGeom prst="rect">
+            <a:avLst/>
+          </a:prstGeom>
+          <a:noFill/>
+        </p:spPr>
+        <p:txBody>
+          <a:bodyPr wrap="square" rtlCol="0">
+            <a:spAutoFit/>
+          </a:bodyPr>
+          <a:lstStyle/>
+          <a:p>
+            <a:r>
+              <a:rPr lang="fr-FR" dirty="0" smtClean="0">
+                <a:solidFill>
+                  <a:schemeClr val="bg1"/>
+                </a:solidFill>
+              </a:rPr>
+              <a:t>FIGURINES</a:t>
+            </a:r>
+            <a:endParaRPr lang="fr-FR" dirty="0">
+              <a:solidFill>
+                <a:schemeClr val="bg1"/>
+              </a:solidFill>
+            </a:endParaRPr>
+          </a:p>
+        </p:txBody>
+      </p:sp>
+      <p:sp>
+        <p:nvSpPr>
+          <p:cNvPr id="21" name="ZoneTexte 20"/>
+          <p:cNvSpPr txBox="1"/>
+          <p:nvPr/>
+        </p:nvSpPr>
+        <p:spPr>
+          <a:xfrm>
+            <a:off x="8940265" y="1438857"/>
+            <a:ext cx="1905802" cy="369332"/>
+          </a:xfrm>
+          <a:prstGeom prst="rect">
+            <a:avLst/>
+          </a:prstGeom>
+          <a:noFill/>
+        </p:spPr>
+        <p:txBody>
+          <a:bodyPr wrap="square" rtlCol="0">
+            <a:spAutoFit/>
+          </a:bodyPr>
+          <a:lstStyle/>
+          <a:p>
+            <a:r>
+              <a:rPr lang="fr-FR" dirty="0" smtClean="0">
+                <a:solidFill>
+                  <a:schemeClr val="bg1"/>
+                </a:solidFill>
+              </a:rPr>
+              <a:t>VETEMENTS</a:t>
+            </a:r>
+            <a:endParaRPr lang="fr-FR" dirty="0">
+              <a:solidFill>
+                <a:schemeClr val="bg1"/>
+              </a:solidFill>
+            </a:endParaRPr>
+          </a:p>
+        </p:txBody>
+      </p:sp>
+      <p:sp>
+        <p:nvSpPr>
+          <p:cNvPr id="22" name="ZoneTexte 21"/>
+          <p:cNvSpPr txBox="1"/>
+          <p:nvPr/>
+        </p:nvSpPr>
+        <p:spPr>
+          <a:xfrm>
+            <a:off x="6620578" y="1420967"/>
+            <a:ext cx="1905802" cy="369332"/>
+          </a:xfrm>
+          <a:prstGeom prst="rect">
+            <a:avLst/>
+          </a:prstGeom>
+          <a:noFill/>
+        </p:spPr>
+        <p:txBody>
+          <a:bodyPr wrap="square" rtlCol="0">
+            <a:spAutoFit/>
+          </a:bodyPr>
+          <a:lstStyle/>
+          <a:p>
+            <a:r>
+              <a:rPr lang="fr-FR" dirty="0" smtClean="0">
+                <a:solidFill>
+                  <a:schemeClr val="bg1"/>
+                </a:solidFill>
+              </a:rPr>
+              <a:t>DVD &amp; BLU-RAY</a:t>
+            </a:r>
+            <a:endParaRPr lang="fr-FR" dirty="0">
+              <a:solidFill>
+                <a:schemeClr val="bg1"/>
+              </a:solidFill>
+            </a:endParaRPr>
+          </a:p>
+        </p:txBody>
+      </p:sp>
+      <p:sp>
+        <p:nvSpPr>
+          <p:cNvPr id="23" name="ZoneTexte 22"/>
+          <p:cNvSpPr txBox="1"/>
+          <p:nvPr/>
+        </p:nvSpPr>
+        <p:spPr>
+          <a:xfrm>
+            <a:off x="5047070" y="1400453"/>
+            <a:ext cx="1905802" cy="369332"/>
+          </a:xfrm>
+          <a:prstGeom prst="rect">
+            <a:avLst/>
+          </a:prstGeom>
+          <a:noFill/>
+        </p:spPr>
+        <p:txBody>
+          <a:bodyPr wrap="square" rtlCol="0">
+            <a:spAutoFit/>
+          </a:bodyPr>
+          <a:lstStyle/>
+          <a:p>
+            <a:r>
+              <a:rPr lang="fr-FR" dirty="0" smtClean="0">
+                <a:solidFill>
+                  <a:schemeClr val="bg1"/>
+                </a:solidFill>
+              </a:rPr>
+              <a:t>LIVRES</a:t>
+            </a:r>
+            <a:endParaRPr lang="fr-FR" dirty="0">
+              <a:solidFill>
+                <a:schemeClr val="bg1"/>
+              </a:solidFill>
+            </a:endParaRPr>
+          </a:p>
+        </p:txBody>
+      </p:sp>
+      <p:sp>
+        <p:nvSpPr>
+          <p:cNvPr id="24" name="ZoneTexte 23"/>
+          <p:cNvSpPr txBox="1"/>
+          <p:nvPr/>
+        </p:nvSpPr>
+        <p:spPr>
+          <a:xfrm>
+            <a:off x="10769064" y="1438857"/>
+            <a:ext cx="1905802" cy="369332"/>
+          </a:xfrm>
+          <a:prstGeom prst="rect">
+            <a:avLst/>
+          </a:prstGeom>
+          <a:noFill/>
+        </p:spPr>
+        <p:txBody>
+          <a:bodyPr wrap="square" rtlCol="0">
+            <a:spAutoFit/>
+          </a:bodyPr>
+          <a:lstStyle/>
+          <a:p>
+            <a:r>
+              <a:rPr lang="fr-FR" dirty="0" smtClean="0">
+                <a:solidFill>
+                  <a:schemeClr val="bg1"/>
+                </a:solidFill>
+              </a:rPr>
+              <a:t>GOODIES</a:t>
+            </a:r>
+            <a:endParaRPr lang="fr-FR" dirty="0">
+              <a:solidFill>
+                <a:schemeClr val="bg1"/>
+              </a:solidFill>
+            </a:endParaRPr>
+          </a:p>
+        </p:txBody>
+      </p:sp>
+      <p:sp>
+        <p:nvSpPr>
+          <p:cNvPr id="25" name="Add to Cart"/>
+          <p:cNvSpPr>
+            <a:spLocks noChangeAspect="1" noEditPoints="1"/>
+          </p:cNvSpPr>
+          <p:nvPr/>
+        </p:nvSpPr>
+        <p:spPr bwMode="auto">
+          <a:xfrm>
+            <a:off x="11723079" y="933916"/>
+            <a:ext cx="284765" cy="293483"/>
+          </a:xfrm>
+          <a:custGeom>
+            <a:avLst/>
+            <a:gdLst>
+              <a:gd name="T0" fmla="*/ 413 w 643"/>
+              <a:gd name="T1" fmla="*/ 0 h 653"/>
+              <a:gd name="T2" fmla="*/ 400 w 643"/>
+              <a:gd name="T3" fmla="*/ 13 h 653"/>
+              <a:gd name="T4" fmla="*/ 400 w 643"/>
+              <a:gd name="T5" fmla="*/ 248 h 653"/>
+              <a:gd name="T6" fmla="*/ 356 w 643"/>
+              <a:gd name="T7" fmla="*/ 204 h 653"/>
+              <a:gd name="T8" fmla="*/ 347 w 643"/>
+              <a:gd name="T9" fmla="*/ 200 h 653"/>
+              <a:gd name="T10" fmla="*/ 337 w 643"/>
+              <a:gd name="T11" fmla="*/ 223 h 653"/>
+              <a:gd name="T12" fmla="*/ 413 w 643"/>
+              <a:gd name="T13" fmla="*/ 299 h 653"/>
+              <a:gd name="T14" fmla="*/ 490 w 643"/>
+              <a:gd name="T15" fmla="*/ 223 h 653"/>
+              <a:gd name="T16" fmla="*/ 471 w 643"/>
+              <a:gd name="T17" fmla="*/ 204 h 653"/>
+              <a:gd name="T18" fmla="*/ 427 w 643"/>
+              <a:gd name="T19" fmla="*/ 248 h 653"/>
+              <a:gd name="T20" fmla="*/ 427 w 643"/>
+              <a:gd name="T21" fmla="*/ 13 h 653"/>
+              <a:gd name="T22" fmla="*/ 413 w 643"/>
+              <a:gd name="T23" fmla="*/ 0 h 653"/>
+              <a:gd name="T24" fmla="*/ 27 w 643"/>
+              <a:gd name="T25" fmla="*/ 13 h 653"/>
+              <a:gd name="T26" fmla="*/ 0 w 643"/>
+              <a:gd name="T27" fmla="*/ 40 h 653"/>
+              <a:gd name="T28" fmla="*/ 27 w 643"/>
+              <a:gd name="T29" fmla="*/ 67 h 653"/>
+              <a:gd name="T30" fmla="*/ 53 w 643"/>
+              <a:gd name="T31" fmla="*/ 40 h 653"/>
+              <a:gd name="T32" fmla="*/ 116 w 643"/>
+              <a:gd name="T33" fmla="*/ 40 h 653"/>
+              <a:gd name="T34" fmla="*/ 147 w 643"/>
+              <a:gd name="T35" fmla="*/ 49 h 653"/>
+              <a:gd name="T36" fmla="*/ 163 w 643"/>
+              <a:gd name="T37" fmla="*/ 80 h 653"/>
+              <a:gd name="T38" fmla="*/ 163 w 643"/>
+              <a:gd name="T39" fmla="*/ 80 h 653"/>
+              <a:gd name="T40" fmla="*/ 270 w 643"/>
+              <a:gd name="T41" fmla="*/ 510 h 653"/>
+              <a:gd name="T42" fmla="*/ 270 w 643"/>
+              <a:gd name="T43" fmla="*/ 510 h 653"/>
+              <a:gd name="T44" fmla="*/ 289 w 643"/>
+              <a:gd name="T45" fmla="*/ 553 h 653"/>
+              <a:gd name="T46" fmla="*/ 306 w 643"/>
+              <a:gd name="T47" fmla="*/ 566 h 653"/>
+              <a:gd name="T48" fmla="*/ 293 w 643"/>
+              <a:gd name="T49" fmla="*/ 600 h 653"/>
+              <a:gd name="T50" fmla="*/ 347 w 643"/>
+              <a:gd name="T51" fmla="*/ 653 h 653"/>
+              <a:gd name="T52" fmla="*/ 400 w 643"/>
+              <a:gd name="T53" fmla="*/ 600 h 653"/>
+              <a:gd name="T54" fmla="*/ 393 w 643"/>
+              <a:gd name="T55" fmla="*/ 573 h 653"/>
+              <a:gd name="T56" fmla="*/ 474 w 643"/>
+              <a:gd name="T57" fmla="*/ 573 h 653"/>
+              <a:gd name="T58" fmla="*/ 467 w 643"/>
+              <a:gd name="T59" fmla="*/ 600 h 653"/>
+              <a:gd name="T60" fmla="*/ 520 w 643"/>
+              <a:gd name="T61" fmla="*/ 653 h 653"/>
+              <a:gd name="T62" fmla="*/ 573 w 643"/>
+              <a:gd name="T63" fmla="*/ 600 h 653"/>
+              <a:gd name="T64" fmla="*/ 559 w 643"/>
+              <a:gd name="T65" fmla="*/ 564 h 653"/>
+              <a:gd name="T66" fmla="*/ 547 w 643"/>
+              <a:gd name="T67" fmla="*/ 547 h 653"/>
+              <a:gd name="T68" fmla="*/ 343 w 643"/>
+              <a:gd name="T69" fmla="*/ 547 h 653"/>
+              <a:gd name="T70" fmla="*/ 309 w 643"/>
+              <a:gd name="T71" fmla="*/ 536 h 653"/>
+              <a:gd name="T72" fmla="*/ 295 w 643"/>
+              <a:gd name="T73" fmla="*/ 503 h 653"/>
+              <a:gd name="T74" fmla="*/ 295 w 643"/>
+              <a:gd name="T75" fmla="*/ 503 h 653"/>
+              <a:gd name="T76" fmla="*/ 286 w 643"/>
+              <a:gd name="T77" fmla="*/ 467 h 653"/>
+              <a:gd name="T78" fmla="*/ 531 w 643"/>
+              <a:gd name="T79" fmla="*/ 467 h 653"/>
+              <a:gd name="T80" fmla="*/ 543 w 643"/>
+              <a:gd name="T81" fmla="*/ 458 h 653"/>
+              <a:gd name="T82" fmla="*/ 639 w 643"/>
+              <a:gd name="T83" fmla="*/ 205 h 653"/>
+              <a:gd name="T84" fmla="*/ 626 w 643"/>
+              <a:gd name="T85" fmla="*/ 187 h 653"/>
+              <a:gd name="T86" fmla="*/ 614 w 643"/>
+              <a:gd name="T87" fmla="*/ 195 h 653"/>
+              <a:gd name="T88" fmla="*/ 522 w 643"/>
+              <a:gd name="T89" fmla="*/ 440 h 653"/>
+              <a:gd name="T90" fmla="*/ 280 w 643"/>
+              <a:gd name="T91" fmla="*/ 440 h 653"/>
+              <a:gd name="T92" fmla="*/ 189 w 643"/>
+              <a:gd name="T93" fmla="*/ 72 h 653"/>
+              <a:gd name="T94" fmla="*/ 165 w 643"/>
+              <a:gd name="T95" fmla="*/ 29 h 653"/>
+              <a:gd name="T96" fmla="*/ 116 w 643"/>
+              <a:gd name="T97" fmla="*/ 13 h 653"/>
+              <a:gd name="T98" fmla="*/ 27 w 643"/>
+              <a:gd name="T99" fmla="*/ 13 h 653"/>
+              <a:gd name="T100" fmla="*/ 347 w 643"/>
+              <a:gd name="T101" fmla="*/ 573 h 653"/>
+              <a:gd name="T102" fmla="*/ 373 w 643"/>
+              <a:gd name="T103" fmla="*/ 600 h 653"/>
+              <a:gd name="T104" fmla="*/ 347 w 643"/>
+              <a:gd name="T105" fmla="*/ 627 h 653"/>
+              <a:gd name="T106" fmla="*/ 320 w 643"/>
+              <a:gd name="T107" fmla="*/ 600 h 653"/>
+              <a:gd name="T108" fmla="*/ 347 w 643"/>
+              <a:gd name="T109" fmla="*/ 573 h 653"/>
+              <a:gd name="T110" fmla="*/ 520 w 643"/>
+              <a:gd name="T111" fmla="*/ 573 h 653"/>
+              <a:gd name="T112" fmla="*/ 547 w 643"/>
+              <a:gd name="T113" fmla="*/ 600 h 653"/>
+              <a:gd name="T114" fmla="*/ 520 w 643"/>
+              <a:gd name="T115" fmla="*/ 627 h 653"/>
+              <a:gd name="T116" fmla="*/ 493 w 643"/>
+              <a:gd name="T117" fmla="*/ 600 h 653"/>
+              <a:gd name="T118" fmla="*/ 520 w 643"/>
+              <a:gd name="T119" fmla="*/ 573 h 653"/>
+            </a:gdLst>
+            <a:ahLst/>
+            <a:cxnLst>
+              <a:cxn ang="0">
+                <a:pos x="T0" y="T1"/>
+              </a:cxn>
+              <a:cxn ang="0">
+                <a:pos x="T2" y="T3"/>
+              </a:cxn>
+              <a:cxn ang="0">
+                <a:pos x="T4" y="T5"/>
+              </a:cxn>
+              <a:cxn ang="0">
+                <a:pos x="T6" y="T7"/>
+              </a:cxn>
+              <a:cxn ang="0">
+                <a:pos x="T8" y="T9"/>
+              </a:cxn>
+              <a:cxn ang="0">
+                <a:pos x="T10" y="T11"/>
+              </a:cxn>
+              <a:cxn ang="0">
+                <a:pos x="T12" y="T13"/>
+              </a:cxn>
+              <a:cxn ang="0">
+                <a:pos x="T14" y="T15"/>
+              </a:cxn>
+              <a:cxn ang="0">
+                <a:pos x="T16" y="T17"/>
+              </a:cxn>
+              <a:cxn ang="0">
+                <a:pos x="T18" y="T19"/>
+              </a:cxn>
+              <a:cxn ang="0">
+                <a:pos x="T20" y="T21"/>
+              </a:cxn>
+              <a:cxn ang="0">
+                <a:pos x="T22" y="T23"/>
+              </a:cxn>
+              <a:cxn ang="0">
+                <a:pos x="T24" y="T25"/>
+              </a:cxn>
+              <a:cxn ang="0">
+                <a:pos x="T26" y="T27"/>
+              </a:cxn>
+              <a:cxn ang="0">
+                <a:pos x="T28" y="T29"/>
+              </a:cxn>
+              <a:cxn ang="0">
+                <a:pos x="T30" y="T31"/>
+              </a:cxn>
+              <a:cxn ang="0">
+                <a:pos x="T32" y="T33"/>
+              </a:cxn>
+              <a:cxn ang="0">
+                <a:pos x="T34" y="T35"/>
+              </a:cxn>
+              <a:cxn ang="0">
+                <a:pos x="T36" y="T37"/>
+              </a:cxn>
+              <a:cxn ang="0">
+                <a:pos x="T38" y="T39"/>
+              </a:cxn>
+              <a:cxn ang="0">
+                <a:pos x="T40" y="T41"/>
+              </a:cxn>
+              <a:cxn ang="0">
+                <a:pos x="T42" y="T43"/>
+              </a:cxn>
+              <a:cxn ang="0">
+                <a:pos x="T44" y="T45"/>
+              </a:cxn>
+              <a:cxn ang="0">
+                <a:pos x="T46" y="T47"/>
+              </a:cxn>
+              <a:cxn ang="0">
+                <a:pos x="T48" y="T49"/>
+              </a:cxn>
+              <a:cxn ang="0">
+                <a:pos x="T50" y="T51"/>
+              </a:cxn>
+              <a:cxn ang="0">
+                <a:pos x="T52" y="T53"/>
+              </a:cxn>
+              <a:cxn ang="0">
+                <a:pos x="T54" y="T55"/>
+              </a:cxn>
+              <a:cxn ang="0">
+                <a:pos x="T56" y="T57"/>
+              </a:cxn>
+              <a:cxn ang="0">
+                <a:pos x="T58" y="T59"/>
+              </a:cxn>
+              <a:cxn ang="0">
+                <a:pos x="T60" y="T61"/>
+              </a:cxn>
+              <a:cxn ang="0">
+                <a:pos x="T62" y="T63"/>
+              </a:cxn>
+              <a:cxn ang="0">
+                <a:pos x="T64" y="T65"/>
+              </a:cxn>
+              <a:cxn ang="0">
+                <a:pos x="T66" y="T67"/>
+              </a:cxn>
+              <a:cxn ang="0">
+                <a:pos x="T68" y="T69"/>
+              </a:cxn>
+              <a:cxn ang="0">
+                <a:pos x="T70" y="T71"/>
+              </a:cxn>
+              <a:cxn ang="0">
+                <a:pos x="T72" y="T73"/>
+              </a:cxn>
+              <a:cxn ang="0">
+                <a:pos x="T74" y="T75"/>
+              </a:cxn>
+              <a:cxn ang="0">
+                <a:pos x="T76" y="T77"/>
+              </a:cxn>
+              <a:cxn ang="0">
+                <a:pos x="T78" y="T79"/>
+              </a:cxn>
+              <a:cxn ang="0">
+                <a:pos x="T80" y="T81"/>
+              </a:cxn>
+              <a:cxn ang="0">
+                <a:pos x="T82" y="T83"/>
+              </a:cxn>
+              <a:cxn ang="0">
+                <a:pos x="T84" y="T85"/>
+              </a:cxn>
+              <a:cxn ang="0">
+                <a:pos x="T86" y="T87"/>
+              </a:cxn>
+              <a:cxn ang="0">
+                <a:pos x="T88" y="T89"/>
+              </a:cxn>
+              <a:cxn ang="0">
+                <a:pos x="T90" y="T91"/>
+              </a:cxn>
+              <a:cxn ang="0">
+                <a:pos x="T92" y="T93"/>
+              </a:cxn>
+              <a:cxn ang="0">
+                <a:pos x="T94" y="T95"/>
+              </a:cxn>
+              <a:cxn ang="0">
+                <a:pos x="T96" y="T97"/>
+              </a:cxn>
+              <a:cxn ang="0">
+                <a:pos x="T98" y="T99"/>
+              </a:cxn>
+              <a:cxn ang="0">
+                <a:pos x="T100" y="T101"/>
+              </a:cxn>
+              <a:cxn ang="0">
+                <a:pos x="T102" y="T103"/>
+              </a:cxn>
+              <a:cxn ang="0">
+                <a:pos x="T104" y="T105"/>
+              </a:cxn>
+              <a:cxn ang="0">
+                <a:pos x="T106" y="T107"/>
+              </a:cxn>
+              <a:cxn ang="0">
+                <a:pos x="T108" y="T109"/>
+              </a:cxn>
+              <a:cxn ang="0">
+                <a:pos x="T110" y="T111"/>
+              </a:cxn>
+              <a:cxn ang="0">
+                <a:pos x="T112" y="T113"/>
+              </a:cxn>
+              <a:cxn ang="0">
+                <a:pos x="T114" y="T115"/>
+              </a:cxn>
+              <a:cxn ang="0">
+                <a:pos x="T116" y="T117"/>
+              </a:cxn>
+              <a:cxn ang="0">
+                <a:pos x="T118" y="T119"/>
+              </a:cxn>
+            </a:cxnLst>
+            <a:rect l="0" t="0" r="r" b="b"/>
+            <a:pathLst>
+              <a:path w="643" h="653">
+                <a:moveTo>
+                  <a:pt x="413" y="0"/>
+                </a:moveTo>
+                <a:cubicBezTo>
+                  <a:pt x="406" y="0"/>
+                  <a:pt x="400" y="6"/>
+                  <a:pt x="400" y="13"/>
+                </a:cubicBezTo>
+                <a:lnTo>
+                  <a:pt x="400" y="248"/>
+                </a:lnTo>
+                <a:lnTo>
+                  <a:pt x="356" y="204"/>
+                </a:lnTo>
+                <a:cubicBezTo>
+                  <a:pt x="354" y="201"/>
+                  <a:pt x="350" y="200"/>
+                  <a:pt x="347" y="200"/>
+                </a:cubicBezTo>
+                <a:cubicBezTo>
+                  <a:pt x="335" y="200"/>
+                  <a:pt x="329" y="215"/>
+                  <a:pt x="337" y="223"/>
+                </a:cubicBezTo>
+                <a:lnTo>
+                  <a:pt x="413" y="299"/>
+                </a:lnTo>
+                <a:lnTo>
+                  <a:pt x="490" y="223"/>
+                </a:lnTo>
+                <a:cubicBezTo>
+                  <a:pt x="503" y="210"/>
+                  <a:pt x="483" y="191"/>
+                  <a:pt x="471" y="204"/>
+                </a:cubicBezTo>
+                <a:lnTo>
+                  <a:pt x="427" y="248"/>
+                </a:lnTo>
+                <a:lnTo>
+                  <a:pt x="427" y="13"/>
+                </a:lnTo>
+                <a:cubicBezTo>
+                  <a:pt x="427" y="6"/>
+                  <a:pt x="421" y="0"/>
+                  <a:pt x="413" y="0"/>
+                </a:cubicBezTo>
+                <a:close/>
+                <a:moveTo>
+                  <a:pt x="27" y="13"/>
+                </a:moveTo>
+                <a:cubicBezTo>
+                  <a:pt x="12" y="13"/>
+                  <a:pt x="0" y="25"/>
+                  <a:pt x="0" y="40"/>
+                </a:cubicBezTo>
+                <a:cubicBezTo>
+                  <a:pt x="0" y="55"/>
+                  <a:pt x="12" y="67"/>
+                  <a:pt x="27" y="67"/>
+                </a:cubicBezTo>
+                <a:cubicBezTo>
+                  <a:pt x="41" y="67"/>
+                  <a:pt x="53" y="55"/>
+                  <a:pt x="53" y="40"/>
+                </a:cubicBezTo>
+                <a:cubicBezTo>
+                  <a:pt x="74" y="40"/>
+                  <a:pt x="95" y="40"/>
+                  <a:pt x="116" y="40"/>
+                </a:cubicBezTo>
+                <a:cubicBezTo>
+                  <a:pt x="132" y="40"/>
+                  <a:pt x="141" y="43"/>
+                  <a:pt x="147" y="49"/>
+                </a:cubicBezTo>
+                <a:cubicBezTo>
+                  <a:pt x="154" y="55"/>
+                  <a:pt x="159" y="65"/>
+                  <a:pt x="163" y="80"/>
+                </a:cubicBezTo>
+                <a:lnTo>
+                  <a:pt x="163" y="80"/>
+                </a:lnTo>
+                <a:lnTo>
+                  <a:pt x="270" y="510"/>
+                </a:lnTo>
+                <a:lnTo>
+                  <a:pt x="270" y="510"/>
+                </a:lnTo>
+                <a:cubicBezTo>
+                  <a:pt x="274" y="525"/>
+                  <a:pt x="278" y="541"/>
+                  <a:pt x="289" y="553"/>
+                </a:cubicBezTo>
+                <a:cubicBezTo>
+                  <a:pt x="293" y="559"/>
+                  <a:pt x="299" y="563"/>
+                  <a:pt x="306" y="566"/>
+                </a:cubicBezTo>
+                <a:cubicBezTo>
+                  <a:pt x="298" y="575"/>
+                  <a:pt x="293" y="587"/>
+                  <a:pt x="293" y="600"/>
+                </a:cubicBezTo>
+                <a:cubicBezTo>
+                  <a:pt x="293" y="629"/>
+                  <a:pt x="317" y="653"/>
+                  <a:pt x="347" y="653"/>
+                </a:cubicBezTo>
+                <a:cubicBezTo>
+                  <a:pt x="376" y="653"/>
+                  <a:pt x="400" y="629"/>
+                  <a:pt x="400" y="600"/>
+                </a:cubicBezTo>
+                <a:cubicBezTo>
+                  <a:pt x="400" y="590"/>
+                  <a:pt x="397" y="581"/>
+                  <a:pt x="393" y="573"/>
+                </a:cubicBezTo>
+                <a:lnTo>
+                  <a:pt x="474" y="573"/>
+                </a:lnTo>
+                <a:cubicBezTo>
+                  <a:pt x="470" y="581"/>
+                  <a:pt x="467" y="590"/>
+                  <a:pt x="467" y="600"/>
+                </a:cubicBezTo>
+                <a:cubicBezTo>
+                  <a:pt x="467" y="629"/>
+                  <a:pt x="491" y="653"/>
+                  <a:pt x="520" y="653"/>
+                </a:cubicBezTo>
+                <a:cubicBezTo>
+                  <a:pt x="549" y="653"/>
+                  <a:pt x="573" y="629"/>
+                  <a:pt x="573" y="600"/>
+                </a:cubicBezTo>
+                <a:cubicBezTo>
+                  <a:pt x="573" y="586"/>
+                  <a:pt x="568" y="574"/>
+                  <a:pt x="559" y="564"/>
+                </a:cubicBezTo>
+                <a:cubicBezTo>
+                  <a:pt x="562" y="556"/>
+                  <a:pt x="556" y="547"/>
+                  <a:pt x="547" y="547"/>
+                </a:cubicBezTo>
+                <a:cubicBezTo>
+                  <a:pt x="477" y="547"/>
+                  <a:pt x="403" y="547"/>
+                  <a:pt x="343" y="547"/>
+                </a:cubicBezTo>
+                <a:cubicBezTo>
+                  <a:pt x="322" y="547"/>
+                  <a:pt x="314" y="542"/>
+                  <a:pt x="309" y="536"/>
+                </a:cubicBezTo>
+                <a:cubicBezTo>
+                  <a:pt x="303" y="529"/>
+                  <a:pt x="299" y="518"/>
+                  <a:pt x="295" y="503"/>
+                </a:cubicBezTo>
+                <a:lnTo>
+                  <a:pt x="295" y="503"/>
+                </a:lnTo>
+                <a:lnTo>
+                  <a:pt x="286" y="467"/>
+                </a:lnTo>
+                <a:lnTo>
+                  <a:pt x="531" y="467"/>
+                </a:lnTo>
+                <a:cubicBezTo>
+                  <a:pt x="536" y="467"/>
+                  <a:pt x="541" y="463"/>
+                  <a:pt x="543" y="458"/>
+                </a:cubicBezTo>
+                <a:lnTo>
+                  <a:pt x="639" y="205"/>
+                </a:lnTo>
+                <a:cubicBezTo>
+                  <a:pt x="643" y="196"/>
+                  <a:pt x="636" y="186"/>
+                  <a:pt x="626" y="187"/>
+                </a:cubicBezTo>
+                <a:cubicBezTo>
+                  <a:pt x="621" y="187"/>
+                  <a:pt x="616" y="190"/>
+                  <a:pt x="614" y="195"/>
+                </a:cubicBezTo>
+                <a:lnTo>
+                  <a:pt x="522" y="440"/>
+                </a:lnTo>
+                <a:lnTo>
+                  <a:pt x="280" y="440"/>
+                </a:lnTo>
+                <a:cubicBezTo>
+                  <a:pt x="249" y="318"/>
+                  <a:pt x="219" y="195"/>
+                  <a:pt x="189" y="72"/>
+                </a:cubicBezTo>
+                <a:cubicBezTo>
+                  <a:pt x="184" y="55"/>
+                  <a:pt x="177" y="40"/>
+                  <a:pt x="165" y="29"/>
+                </a:cubicBezTo>
+                <a:cubicBezTo>
+                  <a:pt x="153" y="19"/>
+                  <a:pt x="136" y="13"/>
+                  <a:pt x="116" y="13"/>
+                </a:cubicBezTo>
+                <a:cubicBezTo>
+                  <a:pt x="86" y="13"/>
+                  <a:pt x="56" y="14"/>
+                  <a:pt x="27" y="13"/>
+                </a:cubicBezTo>
+                <a:close/>
+                <a:moveTo>
+                  <a:pt x="347" y="573"/>
+                </a:moveTo>
+                <a:cubicBezTo>
+                  <a:pt x="362" y="573"/>
+                  <a:pt x="373" y="585"/>
+                  <a:pt x="373" y="600"/>
+                </a:cubicBezTo>
+                <a:cubicBezTo>
+                  <a:pt x="373" y="615"/>
+                  <a:pt x="362" y="627"/>
+                  <a:pt x="347" y="627"/>
+                </a:cubicBezTo>
+                <a:cubicBezTo>
+                  <a:pt x="332" y="627"/>
+                  <a:pt x="320" y="615"/>
+                  <a:pt x="320" y="600"/>
+                </a:cubicBezTo>
+                <a:cubicBezTo>
+                  <a:pt x="320" y="585"/>
+                  <a:pt x="332" y="573"/>
+                  <a:pt x="347" y="573"/>
+                </a:cubicBezTo>
+                <a:close/>
+                <a:moveTo>
+                  <a:pt x="520" y="573"/>
+                </a:moveTo>
+                <a:cubicBezTo>
+                  <a:pt x="535" y="573"/>
+                  <a:pt x="547" y="585"/>
+                  <a:pt x="547" y="600"/>
+                </a:cubicBezTo>
+                <a:cubicBezTo>
+                  <a:pt x="547" y="615"/>
+                  <a:pt x="535" y="627"/>
+                  <a:pt x="520" y="627"/>
+                </a:cubicBezTo>
+                <a:cubicBezTo>
+                  <a:pt x="505" y="627"/>
+                  <a:pt x="493" y="615"/>
+                  <a:pt x="493" y="600"/>
+                </a:cubicBezTo>
+                <a:cubicBezTo>
+                  <a:pt x="493" y="585"/>
+                  <a:pt x="505" y="573"/>
+                  <a:pt x="520" y="573"/>
+                </a:cubicBezTo>
+                <a:close/>
+              </a:path>
+            </a:pathLst>
+          </a:custGeom>
+          <a:solidFill>
+            <a:schemeClr val="tx1"/>
+          </a:solidFill>
+          <a:ln w="9525">
+            <a:solidFill>
+              <a:schemeClr val="bg1"/>
+            </a:solidFill>
+            <a:round/>
+            <a:headEnd/>
+            <a:tailEnd/>
+          </a:ln>
+        </p:spPr>
+        <p:txBody>
+          <a:bodyPr vert="horz" wrap="square" lIns="91440" tIns="45720" rIns="91440" bIns="45720" numCol="1" anchor="t" anchorCtr="0" compatLnSpc="1">
+            <a:prstTxWarp prst="textNoShape">
+              <a:avLst/>
+            </a:prstTxWarp>
+          </a:bodyPr>
+          <a:lstStyle>
+            <a:defPPr>
+              <a:defRPr lang="en-US"/>
+            </a:defPPr>
+            <a:lvl1pPr marL="0" algn="l" defTabSz="914400" rtl="0" eaLnBrk="1" latinLnBrk="0" hangingPunct="1">
+              <a:defRPr sz="1800" kern="1200">
+                <a:solidFill>
+                  <a:schemeClr val="tx1"/>
+                </a:solidFill>
+                <a:latin typeface="+mn-lt"/>
+                <a:ea typeface="+mn-ea"/>
+                <a:cs typeface="+mn-cs"/>
+              </a:defRPr>
+            </a:lvl1pPr>
+            <a:lvl2pPr marL="457200" algn="l" defTabSz="914400" rtl="0" eaLnBrk="1" latinLnBrk="0" hangingPunct="1">
+              <a:defRPr sz="1800" kern="1200">
+                <a:solidFill>
+                  <a:schemeClr val="tx1"/>
+                </a:solidFill>
+                <a:latin typeface="+mn-lt"/>
+                <a:ea typeface="+mn-ea"/>
+                <a:cs typeface="+mn-cs"/>
+              </a:defRPr>
+            </a:lvl2pPr>
+            <a:lvl3pPr marL="914400" algn="l" defTabSz="914400" rtl="0" eaLnBrk="1" latinLnBrk="0" hangingPunct="1">
+              <a:defRPr sz="1800" kern="1200">
+                <a:solidFill>
+                  <a:schemeClr val="tx1"/>
+                </a:solidFill>
+                <a:latin typeface="+mn-lt"/>
+                <a:ea typeface="+mn-ea"/>
+                <a:cs typeface="+mn-cs"/>
+              </a:defRPr>
+            </a:lvl3pPr>
+            <a:lvl4pPr marL="1371600" algn="l" defTabSz="914400" rtl="0" eaLnBrk="1" latinLnBrk="0" hangingPunct="1">
+              <a:defRPr sz="1800" kern="1200">
+                <a:solidFill>
+                  <a:schemeClr val="tx1"/>
+                </a:solidFill>
+                <a:latin typeface="+mn-lt"/>
+                <a:ea typeface="+mn-ea"/>
+                <a:cs typeface="+mn-cs"/>
+              </a:defRPr>
+            </a:lvl4pPr>
+            <a:lvl5pPr marL="1828800" algn="l" defTabSz="914400" rtl="0" eaLnBrk="1" latinLnBrk="0" hangingPunct="1">
+              <a:defRPr sz="1800" kern="1200">
+                <a:solidFill>
+                  <a:schemeClr val="tx1"/>
+                </a:solidFill>
+                <a:latin typeface="+mn-lt"/>
+                <a:ea typeface="+mn-ea"/>
+                <a:cs typeface="+mn-cs"/>
+              </a:defRPr>
+            </a:lvl5pPr>
+            <a:lvl6pPr marL="2286000" algn="l" defTabSz="914400" rtl="0" eaLnBrk="1" latinLnBrk="0" hangingPunct="1">
+              <a:defRPr sz="1800" kern="1200">
+                <a:solidFill>
+                  <a:schemeClr val="tx1"/>
+                </a:solidFill>
+                <a:latin typeface="+mn-lt"/>
+                <a:ea typeface="+mn-ea"/>
+                <a:cs typeface="+mn-cs"/>
+              </a:defRPr>
+            </a:lvl6pPr>
+            <a:lvl7pPr marL="2743200" algn="l" defTabSz="914400" rtl="0" eaLnBrk="1" latinLnBrk="0" hangingPunct="1">
+              <a:defRPr sz="1800" kern="1200">
+                <a:solidFill>
+                  <a:schemeClr val="tx1"/>
+                </a:solidFill>
+                <a:latin typeface="+mn-lt"/>
+                <a:ea typeface="+mn-ea"/>
+                <a:cs typeface="+mn-cs"/>
+              </a:defRPr>
+            </a:lvl7pPr>
+            <a:lvl8pPr marL="3200400" algn="l" defTabSz="914400" rtl="0" eaLnBrk="1" latinLnBrk="0" hangingPunct="1">
+              <a:defRPr sz="1800" kern="1200">
+                <a:solidFill>
+                  <a:schemeClr val="tx1"/>
+                </a:solidFill>
+                <a:latin typeface="+mn-lt"/>
+                <a:ea typeface="+mn-ea"/>
+                <a:cs typeface="+mn-cs"/>
+              </a:defRPr>
+            </a:lvl8pPr>
+            <a:lvl9pPr marL="3657600" algn="l" defTabSz="914400" rtl="0" eaLnBrk="1" latinLnBrk="0" hangingPunct="1">
+              <a:defRPr sz="1800" kern="1200">
+                <a:solidFill>
+                  <a:schemeClr val="tx1"/>
+                </a:solidFill>
+                <a:latin typeface="+mn-lt"/>
+                <a:ea typeface="+mn-ea"/>
+                <a:cs typeface="+mn-cs"/>
+              </a:defRPr>
+            </a:lvl9pPr>
+          </a:lstStyle>
+          <a:p>
+            <a:endParaRPr lang="en-US" sz="900">
+              <a:latin typeface="Segoe UI" panose="020B0502040204020203" pitchFamily="34" charset="0"/>
+              <a:cs typeface="Segoe UI" panose="020B0502040204020203" pitchFamily="34" charset="0"/>
+            </a:endParaRPr>
+          </a:p>
+        </p:txBody>
+      </p:sp>
+      <p:sp>
+        <p:nvSpPr>
+          <p:cNvPr id="2" name="ZoneTexte 1"/>
+          <p:cNvSpPr txBox="1"/>
+          <p:nvPr/>
+        </p:nvSpPr>
+        <p:spPr>
+          <a:xfrm>
+            <a:off x="2666890" y="2478559"/>
+            <a:ext cx="3398378" cy="369332"/>
+          </a:xfrm>
+          <a:prstGeom prst="rect">
+            <a:avLst/>
+          </a:prstGeom>
+          <a:noFill/>
+        </p:spPr>
+        <p:txBody>
+          <a:bodyPr wrap="square" rtlCol="0">
+            <a:spAutoFit/>
+          </a:bodyPr>
+          <a:lstStyle/>
+          <a:p>
+            <a:r>
+              <a:rPr lang="fr-FR" b="1" dirty="0" smtClean="0"/>
+              <a:t>IDENTIFIEZ-VOUS</a:t>
+            </a:r>
+            <a:endParaRPr lang="fr-FR" b="1" dirty="0"/>
+          </a:p>
+        </p:txBody>
+      </p:sp>
+      <p:cxnSp>
+        <p:nvCxnSpPr>
+          <p:cNvPr id="15" name="Connecteur droit 14"/>
+          <p:cNvCxnSpPr/>
+          <p:nvPr/>
+        </p:nvCxnSpPr>
+        <p:spPr>
+          <a:xfrm>
+            <a:off x="2569580" y="2905246"/>
+            <a:ext cx="8785116" cy="26213"/>
+          </a:xfrm>
+          <a:prstGeom prst="line">
+            <a:avLst/>
+          </a:prstGeom>
+          <a:ln>
+            <a:solidFill>
+              <a:schemeClr val="bg1">
+                <a:lumMod val="65000"/>
+              </a:schemeClr>
+            </a:solidFill>
+          </a:ln>
+        </p:spPr>
+        <p:style>
+          <a:lnRef idx="1">
+            <a:schemeClr val="accent1"/>
+          </a:lnRef>
+          <a:fillRef idx="0">
+            <a:schemeClr val="accent1"/>
+          </a:fillRef>
+          <a:effectRef idx="0">
+            <a:schemeClr val="accent1"/>
+          </a:effectRef>
+          <a:fontRef idx="minor">
+            <a:schemeClr val="tx1"/>
+          </a:fontRef>
+        </p:style>
+      </p:cxnSp>
+      <p:sp>
+        <p:nvSpPr>
+          <p:cNvPr id="27" name="Rectangle 26"/>
+          <p:cNvSpPr/>
+          <p:nvPr/>
+        </p:nvSpPr>
+        <p:spPr>
+          <a:xfrm>
+            <a:off x="2543243" y="3098157"/>
+            <a:ext cx="4369004" cy="3107434"/>
+          </a:xfrm>
+          <a:prstGeom prst="rect">
+            <a:avLst/>
+          </a:prstGeom>
+          <a:solidFill>
+            <a:schemeClr val="bg1">
+              <a:lumMod val="95000"/>
+            </a:schemeClr>
+          </a:solidFill>
+          <a:ln>
+            <a:solidFill>
+              <a:schemeClr val="accent5">
+                <a:lumMod val="75000"/>
+              </a:schemeClr>
+            </a:solidFill>
+          </a:ln>
+        </p:spPr>
+        <p:style>
+          <a:lnRef idx="2">
+            <a:schemeClr val="accent1">
+              <a:shade val="50000"/>
+            </a:schemeClr>
+          </a:lnRef>
+          <a:fillRef idx="1">
+            <a:schemeClr val="accent1"/>
+          </a:fillRef>
+          <a:effectRef idx="0">
+            <a:schemeClr val="accent1"/>
+          </a:effectRef>
+          <a:fontRef idx="minor">
+            <a:schemeClr val="lt1"/>
+          </a:fontRef>
+        </p:style>
+        <p:txBody>
+          <a:bodyPr rtlCol="0" anchor="ctr"/>
+          <a:lstStyle/>
+          <a:p>
+            <a:pPr algn="ctr"/>
+            <a:endParaRPr lang="fr-FR"/>
+          </a:p>
+        </p:txBody>
+      </p:sp>
+      <p:sp>
+        <p:nvSpPr>
+          <p:cNvPr id="28" name="ZoneTexte 27"/>
+          <p:cNvSpPr txBox="1"/>
+          <p:nvPr/>
+        </p:nvSpPr>
+        <p:spPr>
+          <a:xfrm>
+            <a:off x="2666890" y="3207080"/>
+            <a:ext cx="3718412" cy="369332"/>
+          </a:xfrm>
+          <a:prstGeom prst="rect">
+            <a:avLst/>
+          </a:prstGeom>
+          <a:noFill/>
+        </p:spPr>
+        <p:txBody>
+          <a:bodyPr wrap="square" rtlCol="0">
+            <a:spAutoFit/>
+          </a:bodyPr>
+          <a:lstStyle/>
+          <a:p>
+            <a:r>
+              <a:rPr lang="fr-FR" dirty="0" smtClean="0"/>
+              <a:t>CREEZ VOTRE COMPTE</a:t>
+            </a:r>
+            <a:endParaRPr lang="fr-FR" dirty="0"/>
+          </a:p>
+        </p:txBody>
+      </p:sp>
+      <p:cxnSp>
+        <p:nvCxnSpPr>
+          <p:cNvPr id="30" name="Connecteur droit 29"/>
+          <p:cNvCxnSpPr/>
+          <p:nvPr/>
+        </p:nvCxnSpPr>
+        <p:spPr>
+          <a:xfrm flipV="1">
+            <a:off x="2569580" y="3576412"/>
+            <a:ext cx="4342667" cy="1"/>
+          </a:xfrm>
+          <a:prstGeom prst="line">
+            <a:avLst/>
+          </a:prstGeom>
+          <a:ln>
+            <a:solidFill>
+              <a:schemeClr val="bg1">
+                <a:lumMod val="75000"/>
+              </a:schemeClr>
+            </a:solidFill>
+          </a:ln>
+        </p:spPr>
+        <p:style>
+          <a:lnRef idx="1">
+            <a:schemeClr val="accent1"/>
+          </a:lnRef>
+          <a:fillRef idx="0">
+            <a:schemeClr val="accent1"/>
+          </a:fillRef>
+          <a:effectRef idx="0">
+            <a:schemeClr val="accent1"/>
+          </a:effectRef>
+          <a:fontRef idx="minor">
+            <a:schemeClr val="tx1"/>
+          </a:fontRef>
+        </p:style>
+      </p:cxnSp>
+      <p:sp>
+        <p:nvSpPr>
+          <p:cNvPr id="33" name="ZoneTexte 32"/>
+          <p:cNvSpPr txBox="1"/>
+          <p:nvPr/>
+        </p:nvSpPr>
+        <p:spPr>
+          <a:xfrm>
+            <a:off x="2569580" y="3660963"/>
+            <a:ext cx="4776140" cy="307777"/>
+          </a:xfrm>
+          <a:prstGeom prst="rect">
+            <a:avLst/>
+          </a:prstGeom>
+          <a:noFill/>
+        </p:spPr>
+        <p:txBody>
+          <a:bodyPr wrap="square" rtlCol="0">
+            <a:spAutoFit/>
+          </a:bodyPr>
+          <a:lstStyle/>
+          <a:p>
+            <a:r>
+              <a:rPr lang="fr-FR" sz="1400" i="1" dirty="0" smtClean="0">
+                <a:solidFill>
+                  <a:schemeClr val="bg1">
+                    <a:lumMod val="65000"/>
+                  </a:schemeClr>
+                </a:solidFill>
+              </a:rPr>
+              <a:t>Veuillez saisir votre adresse email pour créer un compte.</a:t>
+            </a:r>
+            <a:endParaRPr lang="fr-FR" sz="1400" i="1" dirty="0">
+              <a:solidFill>
+                <a:schemeClr val="bg1">
+                  <a:lumMod val="65000"/>
+                </a:schemeClr>
+              </a:solidFill>
+            </a:endParaRPr>
+          </a:p>
+        </p:txBody>
+      </p:sp>
+      <p:sp>
+        <p:nvSpPr>
+          <p:cNvPr id="34" name="Rectangle 33"/>
+          <p:cNvSpPr/>
+          <p:nvPr/>
+        </p:nvSpPr>
+        <p:spPr>
+          <a:xfrm>
+            <a:off x="2666890" y="4356244"/>
+            <a:ext cx="4103780" cy="380144"/>
+          </a:xfrm>
+          <a:prstGeom prst="rect">
+            <a:avLst/>
+          </a:prstGeom>
+          <a:solidFill>
+            <a:schemeClr val="bg1">
+              <a:lumMod val="95000"/>
+            </a:schemeClr>
+          </a:solidFill>
+        </p:spPr>
+        <p:style>
+          <a:lnRef idx="2">
+            <a:schemeClr val="accent1">
+              <a:shade val="50000"/>
+            </a:schemeClr>
+          </a:lnRef>
+          <a:fillRef idx="1">
+            <a:schemeClr val="accent1"/>
+          </a:fillRef>
+          <a:effectRef idx="0">
+            <a:schemeClr val="accent1"/>
+          </a:effectRef>
+          <a:fontRef idx="minor">
+            <a:schemeClr val="lt1"/>
+          </a:fontRef>
+        </p:style>
+        <p:txBody>
+          <a:bodyPr rtlCol="0" anchor="ctr"/>
+          <a:lstStyle/>
+          <a:p>
+            <a:pPr algn="ctr"/>
+            <a:endParaRPr lang="fr-FR"/>
+          </a:p>
+        </p:txBody>
+      </p:sp>
+      <p:sp>
+        <p:nvSpPr>
+          <p:cNvPr id="35" name="ZoneTexte 34"/>
+          <p:cNvSpPr txBox="1"/>
+          <p:nvPr/>
+        </p:nvSpPr>
+        <p:spPr>
+          <a:xfrm>
+            <a:off x="2666890" y="4048467"/>
+            <a:ext cx="2152775" cy="307777"/>
+          </a:xfrm>
+          <a:prstGeom prst="rect">
+            <a:avLst/>
+          </a:prstGeom>
+          <a:noFill/>
+        </p:spPr>
+        <p:txBody>
+          <a:bodyPr wrap="square" rtlCol="0">
+            <a:spAutoFit/>
+          </a:bodyPr>
+          <a:lstStyle/>
+          <a:p>
+            <a:r>
+              <a:rPr lang="fr-FR" sz="1400" dirty="0" smtClean="0"/>
+              <a:t>Adresse email</a:t>
+            </a:r>
+            <a:endParaRPr lang="fr-FR" sz="1400" dirty="0"/>
+          </a:p>
+        </p:txBody>
+      </p:sp>
+      <p:sp>
+        <p:nvSpPr>
+          <p:cNvPr id="47" name="Rectangle à coins arrondis 46"/>
+          <p:cNvSpPr/>
+          <p:nvPr/>
+        </p:nvSpPr>
+        <p:spPr>
+          <a:xfrm>
+            <a:off x="2713721" y="4947838"/>
+            <a:ext cx="2105944" cy="446096"/>
+          </a:xfrm>
+          <a:prstGeom prst="roundRect">
+            <a:avLst/>
+          </a:prstGeom>
+          <a:solidFill>
+            <a:schemeClr val="tx2">
+              <a:lumMod val="75000"/>
+            </a:schemeClr>
+          </a:solidFill>
+        </p:spPr>
+        <p:style>
+          <a:lnRef idx="2">
+            <a:schemeClr val="accent1">
+              <a:shade val="50000"/>
+            </a:schemeClr>
+          </a:lnRef>
+          <a:fillRef idx="1">
+            <a:schemeClr val="accent1"/>
+          </a:fillRef>
+          <a:effectRef idx="0">
+            <a:schemeClr val="accent1"/>
+          </a:effectRef>
+          <a:fontRef idx="minor">
+            <a:schemeClr val="lt1"/>
+          </a:fontRef>
+        </p:style>
+        <p:txBody>
+          <a:bodyPr rtlCol="0" anchor="ctr"/>
+          <a:lstStyle/>
+          <a:p>
+            <a:pPr algn="ctr"/>
+            <a:endParaRPr lang="fr-FR"/>
+          </a:p>
+        </p:txBody>
+      </p:sp>
+      <p:sp>
+        <p:nvSpPr>
+          <p:cNvPr id="52" name="ZoneTexte 51"/>
+          <p:cNvSpPr txBox="1"/>
+          <p:nvPr/>
+        </p:nvSpPr>
+        <p:spPr>
+          <a:xfrm>
+            <a:off x="2760553" y="5015297"/>
+            <a:ext cx="2592283" cy="338554"/>
+          </a:xfrm>
+          <a:prstGeom prst="rect">
+            <a:avLst/>
+          </a:prstGeom>
+          <a:noFill/>
+        </p:spPr>
+        <p:txBody>
+          <a:bodyPr wrap="square" rtlCol="0">
+            <a:spAutoFit/>
+          </a:bodyPr>
+          <a:lstStyle/>
+          <a:p>
+            <a:r>
+              <a:rPr lang="fr-FR" sz="1600" dirty="0" smtClean="0">
+                <a:solidFill>
+                  <a:schemeClr val="bg1"/>
+                </a:solidFill>
+              </a:rPr>
+              <a:t>CREEZ VOTRE COMPTE</a:t>
+            </a:r>
+            <a:endParaRPr lang="fr-FR" sz="1600" dirty="0">
+              <a:solidFill>
+                <a:schemeClr val="bg1"/>
+              </a:solidFill>
+            </a:endParaRPr>
+          </a:p>
+        </p:txBody>
+      </p:sp>
+      <p:sp>
+        <p:nvSpPr>
+          <p:cNvPr id="60" name="Rectangle 59"/>
+          <p:cNvSpPr/>
+          <p:nvPr/>
+        </p:nvSpPr>
+        <p:spPr>
+          <a:xfrm>
+            <a:off x="7272134" y="3098157"/>
+            <a:ext cx="4369004" cy="3107434"/>
+          </a:xfrm>
+          <a:prstGeom prst="rect">
+            <a:avLst/>
+          </a:prstGeom>
+          <a:solidFill>
+            <a:schemeClr val="bg1">
+              <a:lumMod val="95000"/>
+            </a:schemeClr>
+          </a:solidFill>
+          <a:ln>
+            <a:solidFill>
+              <a:schemeClr val="accent5">
+                <a:lumMod val="75000"/>
+              </a:schemeClr>
+            </a:solidFill>
+          </a:ln>
+        </p:spPr>
+        <p:style>
+          <a:lnRef idx="2">
+            <a:schemeClr val="accent1">
+              <a:shade val="50000"/>
+            </a:schemeClr>
+          </a:lnRef>
+          <a:fillRef idx="1">
+            <a:schemeClr val="accent1"/>
+          </a:fillRef>
+          <a:effectRef idx="0">
+            <a:schemeClr val="accent1"/>
+          </a:effectRef>
+          <a:fontRef idx="minor">
+            <a:schemeClr val="lt1"/>
+          </a:fontRef>
+        </p:style>
+        <p:txBody>
+          <a:bodyPr rtlCol="0" anchor="ctr"/>
+          <a:lstStyle/>
+          <a:p>
+            <a:pPr algn="ctr"/>
+            <a:endParaRPr lang="fr-FR"/>
+          </a:p>
+        </p:txBody>
+      </p:sp>
+      <p:sp>
+        <p:nvSpPr>
+          <p:cNvPr id="61" name="ZoneTexte 60"/>
+          <p:cNvSpPr txBox="1"/>
+          <p:nvPr/>
+        </p:nvSpPr>
+        <p:spPr>
+          <a:xfrm>
+            <a:off x="7395781" y="3207080"/>
+            <a:ext cx="3718412" cy="369332"/>
+          </a:xfrm>
+          <a:prstGeom prst="rect">
+            <a:avLst/>
+          </a:prstGeom>
+          <a:noFill/>
+        </p:spPr>
+        <p:txBody>
+          <a:bodyPr wrap="square" rtlCol="0">
+            <a:spAutoFit/>
+          </a:bodyPr>
+          <a:lstStyle/>
+          <a:p>
+            <a:r>
+              <a:rPr lang="fr-FR" dirty="0" smtClean="0"/>
+              <a:t>DÉJÀ INSCRIT ?</a:t>
+            </a:r>
+            <a:endParaRPr lang="fr-FR" dirty="0"/>
+          </a:p>
+        </p:txBody>
+      </p:sp>
+      <p:cxnSp>
+        <p:nvCxnSpPr>
+          <p:cNvPr id="63" name="Connecteur droit 62"/>
+          <p:cNvCxnSpPr/>
+          <p:nvPr/>
+        </p:nvCxnSpPr>
+        <p:spPr>
+          <a:xfrm flipV="1">
+            <a:off x="7298471" y="3576412"/>
+            <a:ext cx="4342667" cy="1"/>
+          </a:xfrm>
+          <a:prstGeom prst="line">
+            <a:avLst/>
+          </a:prstGeom>
+          <a:ln>
+            <a:solidFill>
+              <a:schemeClr val="bg1">
+                <a:lumMod val="75000"/>
+              </a:schemeClr>
+            </a:solidFill>
+          </a:ln>
+        </p:spPr>
+        <p:style>
+          <a:lnRef idx="1">
+            <a:schemeClr val="accent1"/>
+          </a:lnRef>
+          <a:fillRef idx="0">
+            <a:schemeClr val="accent1"/>
+          </a:fillRef>
+          <a:effectRef idx="0">
+            <a:schemeClr val="accent1"/>
+          </a:effectRef>
+          <a:fontRef idx="minor">
+            <a:schemeClr val="tx1"/>
+          </a:fontRef>
+        </p:style>
+      </p:cxnSp>
+      <p:sp>
+        <p:nvSpPr>
+          <p:cNvPr id="67" name="Rectangle 66"/>
+          <p:cNvSpPr/>
+          <p:nvPr/>
+        </p:nvSpPr>
+        <p:spPr>
+          <a:xfrm>
+            <a:off x="7395781" y="3965825"/>
+            <a:ext cx="4103780" cy="380144"/>
+          </a:xfrm>
+          <a:prstGeom prst="rect">
+            <a:avLst/>
+          </a:prstGeom>
+          <a:solidFill>
+            <a:schemeClr val="bg1">
+              <a:lumMod val="95000"/>
+            </a:schemeClr>
+          </a:solidFill>
+        </p:spPr>
+        <p:style>
+          <a:lnRef idx="2">
+            <a:schemeClr val="accent1">
+              <a:shade val="50000"/>
+            </a:schemeClr>
+          </a:lnRef>
+          <a:fillRef idx="1">
+            <a:schemeClr val="accent1"/>
+          </a:fillRef>
+          <a:effectRef idx="0">
+            <a:schemeClr val="accent1"/>
+          </a:effectRef>
+          <a:fontRef idx="minor">
+            <a:schemeClr val="lt1"/>
+          </a:fontRef>
+        </p:style>
+        <p:txBody>
+          <a:bodyPr rtlCol="0" anchor="ctr"/>
+          <a:lstStyle/>
+          <a:p>
+            <a:pPr algn="ctr"/>
+            <a:endParaRPr lang="fr-FR"/>
+          </a:p>
+        </p:txBody>
+      </p:sp>
+      <p:sp>
+        <p:nvSpPr>
+          <p:cNvPr id="68" name="ZoneTexte 67"/>
+          <p:cNvSpPr txBox="1"/>
+          <p:nvPr/>
+        </p:nvSpPr>
+        <p:spPr>
+          <a:xfrm>
+            <a:off x="7395781" y="3658048"/>
+            <a:ext cx="2152775" cy="307777"/>
+          </a:xfrm>
+          <a:prstGeom prst="rect">
+            <a:avLst/>
+          </a:prstGeom>
+          <a:noFill/>
+        </p:spPr>
+        <p:txBody>
+          <a:bodyPr wrap="square" rtlCol="0">
+            <a:spAutoFit/>
+          </a:bodyPr>
+          <a:lstStyle/>
+          <a:p>
+            <a:r>
+              <a:rPr lang="fr-FR" sz="1400" dirty="0" smtClean="0"/>
+              <a:t>Adresse email</a:t>
+            </a:r>
+            <a:endParaRPr lang="fr-FR" sz="1400" dirty="0"/>
+          </a:p>
+        </p:txBody>
+      </p:sp>
+      <p:sp>
+        <p:nvSpPr>
+          <p:cNvPr id="69" name="Rectangle à coins arrondis 68"/>
+          <p:cNvSpPr/>
+          <p:nvPr/>
+        </p:nvSpPr>
+        <p:spPr>
+          <a:xfrm>
+            <a:off x="7442612" y="5543734"/>
+            <a:ext cx="1382889" cy="446096"/>
+          </a:xfrm>
+          <a:prstGeom prst="roundRect">
+            <a:avLst/>
+          </a:prstGeom>
+          <a:solidFill>
+            <a:schemeClr val="tx2">
+              <a:lumMod val="75000"/>
+            </a:schemeClr>
+          </a:solidFill>
+        </p:spPr>
+        <p:style>
+          <a:lnRef idx="2">
+            <a:schemeClr val="accent1">
+              <a:shade val="50000"/>
+            </a:schemeClr>
+          </a:lnRef>
+          <a:fillRef idx="1">
+            <a:schemeClr val="accent1"/>
+          </a:fillRef>
+          <a:effectRef idx="0">
+            <a:schemeClr val="accent1"/>
+          </a:effectRef>
+          <a:fontRef idx="minor">
+            <a:schemeClr val="lt1"/>
+          </a:fontRef>
+        </p:style>
+        <p:txBody>
+          <a:bodyPr rtlCol="0" anchor="ctr"/>
+          <a:lstStyle/>
+          <a:p>
+            <a:pPr algn="ctr"/>
+            <a:endParaRPr lang="fr-FR"/>
+          </a:p>
+        </p:txBody>
+      </p:sp>
+      <p:sp>
+        <p:nvSpPr>
+          <p:cNvPr id="70" name="ZoneTexte 69"/>
+          <p:cNvSpPr txBox="1"/>
+          <p:nvPr/>
+        </p:nvSpPr>
+        <p:spPr>
+          <a:xfrm>
+            <a:off x="7530540" y="5611193"/>
+            <a:ext cx="2592283" cy="338554"/>
+          </a:xfrm>
+          <a:prstGeom prst="rect">
+            <a:avLst/>
+          </a:prstGeom>
+          <a:noFill/>
+        </p:spPr>
+        <p:txBody>
+          <a:bodyPr wrap="square" rtlCol="0">
+            <a:spAutoFit/>
+          </a:bodyPr>
+          <a:lstStyle/>
+          <a:p>
+            <a:r>
+              <a:rPr lang="fr-FR" sz="1600" dirty="0" smtClean="0">
+                <a:solidFill>
+                  <a:schemeClr val="bg1"/>
+                </a:solidFill>
+              </a:rPr>
+              <a:t>CONNEXION</a:t>
+            </a:r>
+            <a:endParaRPr lang="fr-FR" sz="1600" dirty="0">
+              <a:solidFill>
+                <a:schemeClr val="bg1"/>
+              </a:solidFill>
+            </a:endParaRPr>
+          </a:p>
+        </p:txBody>
+      </p:sp>
+      <p:sp>
+        <p:nvSpPr>
+          <p:cNvPr id="71" name="ZoneTexte 70"/>
+          <p:cNvSpPr txBox="1"/>
+          <p:nvPr/>
+        </p:nvSpPr>
+        <p:spPr>
+          <a:xfrm>
+            <a:off x="7386945" y="4418803"/>
+            <a:ext cx="2152775" cy="307777"/>
+          </a:xfrm>
+          <a:prstGeom prst="rect">
+            <a:avLst/>
+          </a:prstGeom>
+          <a:noFill/>
+        </p:spPr>
+        <p:txBody>
+          <a:bodyPr wrap="square" rtlCol="0">
+            <a:spAutoFit/>
+          </a:bodyPr>
+          <a:lstStyle/>
+          <a:p>
+            <a:r>
+              <a:rPr lang="fr-FR" sz="1400" dirty="0" smtClean="0"/>
+              <a:t>Mot de passe</a:t>
+            </a:r>
+            <a:endParaRPr lang="fr-FR" sz="1400" dirty="0"/>
+          </a:p>
+        </p:txBody>
+      </p:sp>
+      <p:sp>
+        <p:nvSpPr>
+          <p:cNvPr id="72" name="Rectangle 71"/>
+          <p:cNvSpPr/>
+          <p:nvPr/>
+        </p:nvSpPr>
+        <p:spPr>
+          <a:xfrm>
+            <a:off x="7395778" y="4715609"/>
+            <a:ext cx="4103780" cy="380144"/>
+          </a:xfrm>
+          <a:prstGeom prst="rect">
+            <a:avLst/>
+          </a:prstGeom>
+          <a:solidFill>
+            <a:schemeClr val="bg1">
+              <a:lumMod val="95000"/>
+            </a:schemeClr>
+          </a:solidFill>
+        </p:spPr>
+        <p:style>
+          <a:lnRef idx="2">
+            <a:schemeClr val="accent1">
+              <a:shade val="50000"/>
+            </a:schemeClr>
+          </a:lnRef>
+          <a:fillRef idx="1">
+            <a:schemeClr val="accent1"/>
+          </a:fillRef>
+          <a:effectRef idx="0">
+            <a:schemeClr val="accent1"/>
+          </a:effectRef>
+          <a:fontRef idx="minor">
+            <a:schemeClr val="lt1"/>
+          </a:fontRef>
+        </p:style>
+        <p:txBody>
+          <a:bodyPr rtlCol="0" anchor="ctr"/>
+          <a:lstStyle/>
+          <a:p>
+            <a:pPr algn="ctr"/>
+            <a:endParaRPr lang="fr-FR"/>
+          </a:p>
+        </p:txBody>
+      </p:sp>
+      <p:sp>
+        <p:nvSpPr>
+          <p:cNvPr id="53" name="ZoneTexte 52"/>
+          <p:cNvSpPr txBox="1"/>
+          <p:nvPr/>
+        </p:nvSpPr>
+        <p:spPr>
+          <a:xfrm>
+            <a:off x="7345720" y="5095753"/>
+            <a:ext cx="2642074" cy="246221"/>
+          </a:xfrm>
+          <a:prstGeom prst="rect">
+            <a:avLst/>
+          </a:prstGeom>
+          <a:noFill/>
+        </p:spPr>
+        <p:txBody>
+          <a:bodyPr wrap="square" rtlCol="0">
+            <a:spAutoFit/>
+          </a:bodyPr>
+          <a:lstStyle/>
+          <a:p>
+            <a:r>
+              <a:rPr lang="fr-FR" sz="1000" i="1" u="sng" dirty="0" smtClean="0">
+                <a:solidFill>
+                  <a:schemeClr val="tx1">
+                    <a:lumMod val="65000"/>
+                    <a:lumOff val="35000"/>
+                  </a:schemeClr>
+                </a:solidFill>
+              </a:rPr>
+              <a:t>Mot de passe oublié ?</a:t>
+            </a:r>
+            <a:endParaRPr lang="fr-FR" sz="1000" i="1" u="sng" dirty="0">
+              <a:solidFill>
+                <a:schemeClr val="tx1">
+                  <a:lumMod val="65000"/>
+                  <a:lumOff val="35000"/>
+                </a:schemeClr>
+              </a:solidFill>
+            </a:endParaRPr>
+          </a:p>
+        </p:txBody>
+      </p:sp>
+      <p:sp>
+        <p:nvSpPr>
+          <p:cNvPr id="55" name="ZoneTexte 54"/>
+          <p:cNvSpPr txBox="1"/>
+          <p:nvPr/>
+        </p:nvSpPr>
+        <p:spPr>
+          <a:xfrm>
+            <a:off x="81463" y="1492"/>
+            <a:ext cx="1687851" cy="646331"/>
+          </a:xfrm>
+          <a:prstGeom prst="rect">
+            <a:avLst/>
+          </a:prstGeom>
+          <a:noFill/>
+        </p:spPr>
+        <p:txBody>
+          <a:bodyPr wrap="square" rtlCol="0">
+            <a:spAutoFit/>
+          </a:bodyPr>
+          <a:lstStyle/>
+          <a:p>
+            <a:r>
+              <a:rPr lang="fr-FR" dirty="0" smtClean="0"/>
+              <a:t>Page d’inscription</a:t>
+            </a:r>
+            <a:endParaRPr lang="fr-FR" dirty="0"/>
+          </a:p>
+        </p:txBody>
+      </p:sp>
+    </p:spTree>
+    <p:extLst>
+      <p:ext uri="{BB962C8B-B14F-4D97-AF65-F5344CB8AC3E}">
+        <p14:creationId xmlns:p14="http://schemas.microsoft.com/office/powerpoint/2010/main" val="195385150"/>
       </p:ext>
     </p:extLst>
   </p:cSld>
@@ -20109,9 +23816,69 @@
 </p:tagLst>
 </file>
 
+<file path=ppt/tags/tag41.xml><?xml version="1.0" encoding="utf-8"?>
+<p:tagLst xmlns:a="http://schemas.openxmlformats.org/drawingml/2006/main" xmlns:r="http://schemas.openxmlformats.org/officeDocument/2006/relationships" xmlns:p="http://schemas.openxmlformats.org/presentationml/2006/main">
+  <p:tag name="SMARTSETTINGSHASH" val="PWOa7bLCMN/NfWse0OkDrDXWtXjrMvC+/KEnGxnzoq0="/>
+</p:tagLst>
+</file>
+
+<file path=ppt/tags/tag42.xml><?xml version="1.0" encoding="utf-8"?>
+<p:tagLst xmlns:a="http://schemas.openxmlformats.org/drawingml/2006/main" xmlns:r="http://schemas.openxmlformats.org/officeDocument/2006/relationships" xmlns:p="http://schemas.openxmlformats.org/presentationml/2006/main">
+  <p:tag name="SMARTSETTINGSHASH" val="xZU/W0IqlvXPkJ37/hSWg5jSIFh0KZmI7sT1syyiYH8="/>
+</p:tagLst>
+</file>
+
+<file path=ppt/tags/tag43.xml><?xml version="1.0" encoding="utf-8"?>
+<p:tagLst xmlns:a="http://schemas.openxmlformats.org/drawingml/2006/main" xmlns:r="http://schemas.openxmlformats.org/officeDocument/2006/relationships" xmlns:p="http://schemas.openxmlformats.org/presentationml/2006/main">
+  <p:tag name="SMARTSETTINGSHASH" val="SB3bqgv5ghGJknk/m+/9EdPMDkanH9eNosaoBtCx42Q="/>
+</p:tagLst>
+</file>
+
+<file path=ppt/tags/tag44.xml><?xml version="1.0" encoding="utf-8"?>
+<p:tagLst xmlns:a="http://schemas.openxmlformats.org/drawingml/2006/main" xmlns:r="http://schemas.openxmlformats.org/officeDocument/2006/relationships" xmlns:p="http://schemas.openxmlformats.org/presentationml/2006/main">
+  <p:tag name="SMARTSETTINGSHASH" val="xscEFkRiZvbxLfN1YzQGPp4nKBgtuPrjp3QiTCcMWwM="/>
+</p:tagLst>
+</file>
+
+<file path=ppt/tags/tag45.xml><?xml version="1.0" encoding="utf-8"?>
+<p:tagLst xmlns:a="http://schemas.openxmlformats.org/drawingml/2006/main" xmlns:r="http://schemas.openxmlformats.org/officeDocument/2006/relationships" xmlns:p="http://schemas.openxmlformats.org/presentationml/2006/main">
+  <p:tag name="SMARTSETTINGSHASH" val="xscEFkRiZvbxLfN1YzQGPp4nKBgtuPrjp3QiTCcMWwM="/>
+</p:tagLst>
+</file>
+
+<file path=ppt/tags/tag46.xml><?xml version="1.0" encoding="utf-8"?>
+<p:tagLst xmlns:a="http://schemas.openxmlformats.org/drawingml/2006/main" xmlns:r="http://schemas.openxmlformats.org/officeDocument/2006/relationships" xmlns:p="http://schemas.openxmlformats.org/presentationml/2006/main">
+  <p:tag name="SMARTSETTINGSHASH" val="SB3bqgv5ghGJknk/m+/9EdPMDkanH9eNosaoBtCx42Q="/>
+</p:tagLst>
+</file>
+
+<file path=ppt/tags/tag47.xml><?xml version="1.0" encoding="utf-8"?>
+<p:tagLst xmlns:a="http://schemas.openxmlformats.org/drawingml/2006/main" xmlns:r="http://schemas.openxmlformats.org/officeDocument/2006/relationships" xmlns:p="http://schemas.openxmlformats.org/presentationml/2006/main">
+  <p:tag name="SMARTSETTINGSHASH" val="IDSg7uxH1Z/iSOkBSMZyie/SGkHlLE2okQSpqFhp1Ac="/>
+</p:tagLst>
+</file>
+
+<file path=ppt/tags/tag48.xml><?xml version="1.0" encoding="utf-8"?>
+<p:tagLst xmlns:a="http://schemas.openxmlformats.org/drawingml/2006/main" xmlns:r="http://schemas.openxmlformats.org/officeDocument/2006/relationships" xmlns:p="http://schemas.openxmlformats.org/presentationml/2006/main">
+  <p:tag name="SMARTSETTINGSHASH" val="IDSg7uxH1Z/iSOkBSMZyie/SGkHlLE2okQSpqFhp1Ac="/>
+</p:tagLst>
+</file>
+
+<file path=ppt/tags/tag49.xml><?xml version="1.0" encoding="utf-8"?>
+<p:tagLst xmlns:a="http://schemas.openxmlformats.org/drawingml/2006/main" xmlns:r="http://schemas.openxmlformats.org/officeDocument/2006/relationships" xmlns:p="http://schemas.openxmlformats.org/presentationml/2006/main">
+  <p:tag name="SMARTSETTINGSHASH" val="IDSg7uxH1Z/iSOkBSMZyie/SGkHlLE2okQSpqFhp1Ac="/>
+</p:tagLst>
+</file>
+
 <file path=ppt/tags/tag5.xml><?xml version="1.0" encoding="utf-8"?>
 <p:tagLst xmlns:a="http://schemas.openxmlformats.org/drawingml/2006/main" xmlns:r="http://schemas.openxmlformats.org/officeDocument/2006/relationships" xmlns:p="http://schemas.openxmlformats.org/presentationml/2006/main">
   <p:tag name="SMARTSETTINGSHASH" val="xscEFkRiZvbxLfN1YzQGPp4nKBgtuPrjp3QiTCcMWwM="/>
+</p:tagLst>
+</file>
+
+<file path=ppt/tags/tag50.xml><?xml version="1.0" encoding="utf-8"?>
+<p:tagLst xmlns:a="http://schemas.openxmlformats.org/drawingml/2006/main" xmlns:r="http://schemas.openxmlformats.org/officeDocument/2006/relationships" xmlns:p="http://schemas.openxmlformats.org/presentationml/2006/main">
+  <p:tag name="SMARTSETTINGSHASH" val="IDSg7uxH1Z/iSOkBSMZyie/SGkHlLE2okQSpqFhp1Ac="/>
 </p:tagLst>
 </file>
 

--- a/ProjetStage/MaquetteProjetStage.pptx
+++ b/ProjetStage/MaquetteProjetStage.pptx
@@ -10,6 +10,7 @@
     <p:sldId id="258" r:id="rId4"/>
     <p:sldId id="259" r:id="rId5"/>
     <p:sldId id="260" r:id="rId6"/>
+    <p:sldId id="261" r:id="rId7"/>
   </p:sldIdLst>
   <p:sldSz cx="12192000" cy="6858000"/>
   <p:notesSz cx="6858000" cy="9144000"/>
@@ -19797,7 +19798,9 @@
       </p:sp>
       <p:sp>
         <p:nvSpPr>
-          <p:cNvPr id="64" name="Rectangle 63"/>
+          <p:cNvPr id="64" name="Rectangle 63">
+            <a:hlinkClick r:id="rId17" action="ppaction://hlinksldjump"/>
+          </p:cNvPr>
           <p:cNvSpPr/>
           <p:nvPr/>
         </p:nvSpPr>
@@ -19872,6 +19875,7 @@
                 <a:solidFill>
                   <a:schemeClr val="bg1"/>
                 </a:solidFill>
+                <a:hlinkClick r:id="rId17" action="ppaction://hlinksldjump"/>
               </a:rPr>
               <a:t>Ajouter au panier</a:t>
             </a:r>
@@ -22782,7 +22786,7 @@
         </p:nvSpPr>
         <p:spPr>
           <a:xfrm>
-            <a:off x="2666890" y="2478559"/>
+            <a:off x="2666890" y="2293627"/>
             <a:ext cx="3398378" cy="369332"/>
           </a:xfrm>
           <a:prstGeom prst="rect">
@@ -22812,7 +22816,7 @@
         </p:nvCxnSpPr>
         <p:spPr>
           <a:xfrm>
-            <a:off x="2569580" y="2905246"/>
+            <a:off x="2569580" y="2720314"/>
             <a:ext cx="8785116" cy="26213"/>
           </a:xfrm>
           <a:prstGeom prst="line">
@@ -22849,7 +22853,7 @@
         </p:nvSpPr>
         <p:spPr>
           <a:xfrm>
-            <a:off x="2543243" y="3098157"/>
+            <a:off x="2543243" y="2913225"/>
             <a:ext cx="4369004" cy="3107434"/>
           </a:xfrm>
           <a:prstGeom prst="rect">
@@ -22901,7 +22905,7 @@
         </p:nvSpPr>
         <p:spPr>
           <a:xfrm>
-            <a:off x="2666890" y="3207080"/>
+            <a:off x="2666890" y="3022148"/>
             <a:ext cx="3718412" cy="369332"/>
           </a:xfrm>
           <a:prstGeom prst="rect">
@@ -22931,7 +22935,7 @@
         </p:nvCxnSpPr>
         <p:spPr>
           <a:xfrm flipV="1">
-            <a:off x="2569580" y="3576412"/>
+            <a:off x="2569580" y="3391480"/>
             <a:ext cx="4342667" cy="1"/>
           </a:xfrm>
           <a:prstGeom prst="line">
@@ -22968,7 +22972,7 @@
         </p:nvSpPr>
         <p:spPr>
           <a:xfrm>
-            <a:off x="2569580" y="3660963"/>
+            <a:off x="2569580" y="3476031"/>
             <a:ext cx="4776140" cy="307777"/>
           </a:xfrm>
           <a:prstGeom prst="rect">
@@ -23010,7 +23014,7 @@
         </p:nvSpPr>
         <p:spPr>
           <a:xfrm>
-            <a:off x="2666890" y="4356244"/>
+            <a:off x="2666890" y="4171312"/>
             <a:ext cx="4103780" cy="380144"/>
           </a:xfrm>
           <a:prstGeom prst="rect">
@@ -23055,7 +23059,7 @@
         </p:nvSpPr>
         <p:spPr>
           <a:xfrm>
-            <a:off x="2666890" y="4048467"/>
+            <a:off x="2666890" y="3863535"/>
             <a:ext cx="2152775" cy="307777"/>
           </a:xfrm>
           <a:prstGeom prst="rect">
@@ -23085,7 +23089,7 @@
         </p:nvSpPr>
         <p:spPr>
           <a:xfrm>
-            <a:off x="2713721" y="4947838"/>
+            <a:off x="2713721" y="4762906"/>
             <a:ext cx="2105944" cy="446096"/>
           </a:xfrm>
           <a:prstGeom prst="roundRect">
@@ -23130,7 +23134,7 @@
         </p:nvSpPr>
         <p:spPr>
           <a:xfrm>
-            <a:off x="2760553" y="5015297"/>
+            <a:off x="2760553" y="4830365"/>
             <a:ext cx="2592283" cy="338554"/>
           </a:xfrm>
           <a:prstGeom prst="rect">
@@ -23168,7 +23172,7 @@
         </p:nvSpPr>
         <p:spPr>
           <a:xfrm>
-            <a:off x="7272134" y="3098157"/>
+            <a:off x="7272134" y="2913225"/>
             <a:ext cx="4369004" cy="3107434"/>
           </a:xfrm>
           <a:prstGeom prst="rect">
@@ -23220,7 +23224,7 @@
         </p:nvSpPr>
         <p:spPr>
           <a:xfrm>
-            <a:off x="7395781" y="3207080"/>
+            <a:off x="7395781" y="3022148"/>
             <a:ext cx="3718412" cy="369332"/>
           </a:xfrm>
           <a:prstGeom prst="rect">
@@ -23250,7 +23254,7 @@
         </p:nvCxnSpPr>
         <p:spPr>
           <a:xfrm flipV="1">
-            <a:off x="7298471" y="3576412"/>
+            <a:off x="7298471" y="3391480"/>
             <a:ext cx="4342667" cy="1"/>
           </a:xfrm>
           <a:prstGeom prst="line">
@@ -23287,7 +23291,7 @@
         </p:nvSpPr>
         <p:spPr>
           <a:xfrm>
-            <a:off x="7395781" y="3965825"/>
+            <a:off x="7395781" y="3780893"/>
             <a:ext cx="4103780" cy="380144"/>
           </a:xfrm>
           <a:prstGeom prst="rect">
@@ -23332,7 +23336,7 @@
         </p:nvSpPr>
         <p:spPr>
           <a:xfrm>
-            <a:off x="7395781" y="3658048"/>
+            <a:off x="7395781" y="3473116"/>
             <a:ext cx="2152775" cy="307777"/>
           </a:xfrm>
           <a:prstGeom prst="rect">
@@ -23362,7 +23366,7 @@
         </p:nvSpPr>
         <p:spPr>
           <a:xfrm>
-            <a:off x="7442612" y="5543734"/>
+            <a:off x="7442612" y="5358802"/>
             <a:ext cx="1382889" cy="446096"/>
           </a:xfrm>
           <a:prstGeom prst="roundRect">
@@ -23407,7 +23411,7 @@
         </p:nvSpPr>
         <p:spPr>
           <a:xfrm>
-            <a:off x="7530540" y="5611193"/>
+            <a:off x="7530540" y="5426261"/>
             <a:ext cx="2592283" cy="338554"/>
           </a:xfrm>
           <a:prstGeom prst="rect">
@@ -23445,7 +23449,7 @@
         </p:nvSpPr>
         <p:spPr>
           <a:xfrm>
-            <a:off x="7386945" y="4418803"/>
+            <a:off x="7386945" y="4233871"/>
             <a:ext cx="2152775" cy="307777"/>
           </a:xfrm>
           <a:prstGeom prst="rect">
@@ -23475,7 +23479,7 @@
         </p:nvSpPr>
         <p:spPr>
           <a:xfrm>
-            <a:off x="7395778" y="4715609"/>
+            <a:off x="7395778" y="4530677"/>
             <a:ext cx="4103780" cy="380144"/>
           </a:xfrm>
           <a:prstGeom prst="rect">
@@ -23520,7 +23524,7 @@
         </p:nvSpPr>
         <p:spPr>
           <a:xfrm>
-            <a:off x="7345720" y="5095753"/>
+            <a:off x="7345720" y="4910821"/>
             <a:ext cx="2642074" cy="246221"/>
           </a:xfrm>
           <a:prstGeom prst="rect">
@@ -23590,6 +23594,4465 @@
     <p:extLst>
       <p:ext uri="{BB962C8B-B14F-4D97-AF65-F5344CB8AC3E}">
         <p14:creationId xmlns:p14="http://schemas.microsoft.com/office/powerpoint/2010/main" val="195385150"/>
+      </p:ext>
+    </p:extLst>
+  </p:cSld>
+  <p:clrMapOvr>
+    <a:masterClrMapping/>
+  </p:clrMapOvr>
+  <p:timing>
+    <p:tnLst>
+      <p:par>
+        <p:cTn id="1" dur="indefinite" restart="never" nodeType="tmRoot"/>
+      </p:par>
+    </p:tnLst>
+  </p:timing>
+</p:sld>
+</file>
+
+<file path=ppt/slides/slide6.xml><?xml version="1.0" encoding="utf-8"?>
+<p:sld xmlns:a="http://schemas.openxmlformats.org/drawingml/2006/main" xmlns:r="http://schemas.openxmlformats.org/officeDocument/2006/relationships" xmlns:p="http://schemas.openxmlformats.org/presentationml/2006/main">
+  <p:cSld>
+    <p:spTree>
+      <p:nvGrpSpPr>
+        <p:cNvPr id="1" name=""/>
+        <p:cNvGrpSpPr/>
+        <p:nvPr/>
+      </p:nvGrpSpPr>
+      <p:grpSpPr>
+        <a:xfrm>
+          <a:off x="0" y="0"/>
+          <a:ext cx="0" cy="0"/>
+          <a:chOff x="0" y="0"/>
+          <a:chExt cx="0" cy="0"/>
+        </a:xfrm>
+      </p:grpSpPr>
+      <p:grpSp>
+        <p:nvGrpSpPr>
+          <p:cNvPr id="4" name="Browser" descr="&lt;SmartSettings&gt;&lt;SmartResize enabled=&quot;True&quot; minWidth=&quot;140&quot; minHeight=&quot;50&quot; /&gt;&lt;/SmartSettings&gt;"/>
+          <p:cNvGrpSpPr/>
+          <p:nvPr>
+            <p:custDataLst>
+              <p:tags r:id="rId1"/>
+            </p:custDataLst>
+          </p:nvPr>
+        </p:nvGrpSpPr>
+        <p:grpSpPr>
+          <a:xfrm>
+            <a:off x="1687851" y="0"/>
+            <a:ext cx="10530041" cy="6873017"/>
+            <a:chOff x="595683" y="1261242"/>
+            <a:chExt cx="6668464" cy="4352544"/>
+          </a:xfrm>
+        </p:grpSpPr>
+        <p:sp>
+          <p:nvSpPr>
+            <p:cNvPr id="5" name="Window Body" descr="&lt;SmartSettings&gt;&lt;SmartResize anchorLeft=&quot;Absolute&quot; anchorTop=&quot;Absolute&quot; anchorRight=&quot;Absolute&quot; anchorBottom=&quot;Absolute&quot; /&gt;&lt;/SmartSettings&gt;"/>
+            <p:cNvSpPr/>
+            <p:nvPr>
+              <p:custDataLst>
+                <p:tags r:id="rId2"/>
+              </p:custDataLst>
+            </p:nvPr>
+          </p:nvSpPr>
+          <p:spPr>
+            <a:xfrm>
+              <a:off x="595683" y="1600037"/>
+              <a:ext cx="6668462" cy="4013749"/>
+            </a:xfrm>
+            <a:prstGeom prst="rect">
+              <a:avLst/>
+            </a:prstGeom>
+            <a:solidFill>
+              <a:schemeClr val="bg1">
+                <a:lumMod val="95000"/>
+              </a:schemeClr>
+            </a:solidFill>
+            <a:ln w="6350">
+              <a:solidFill>
+                <a:srgbClr val="808080"/>
+              </a:solidFill>
+            </a:ln>
+          </p:spPr>
+          <p:style>
+            <a:lnRef idx="2">
+              <a:schemeClr val="accent1">
+                <a:shade val="50000"/>
+              </a:schemeClr>
+            </a:lnRef>
+            <a:fillRef idx="1">
+              <a:schemeClr val="accent1"/>
+            </a:fillRef>
+            <a:effectRef idx="0">
+              <a:schemeClr val="accent1"/>
+            </a:effectRef>
+            <a:fontRef idx="minor">
+              <a:schemeClr val="lt1"/>
+            </a:fontRef>
+          </p:style>
+          <p:txBody>
+            <a:bodyPr rot="0" spcFirstLastPara="0" vert="horz" wrap="square" lIns="91440" tIns="45720" rIns="91440" bIns="45720" numCol="1" spcCol="0" rtlCol="0" fromWordArt="0" anchor="ctr" anchorCtr="0" forceAA="0" compatLnSpc="1">
+              <a:prstTxWarp prst="textNoShape">
+                <a:avLst/>
+              </a:prstTxWarp>
+              <a:noAutofit/>
+            </a:bodyPr>
+            <a:lstStyle>
+              <a:defPPr>
+                <a:defRPr lang="en-US"/>
+              </a:defPPr>
+              <a:lvl1pPr marL="0" algn="l" defTabSz="914400" rtl="0" eaLnBrk="1" latinLnBrk="0" hangingPunct="1">
+                <a:defRPr sz="1800" kern="1200">
+                  <a:solidFill>
+                    <a:schemeClr val="lt1"/>
+                  </a:solidFill>
+                  <a:latin typeface="+mn-lt"/>
+                  <a:ea typeface="+mn-ea"/>
+                  <a:cs typeface="+mn-cs"/>
+                </a:defRPr>
+              </a:lvl1pPr>
+              <a:lvl2pPr marL="457200" algn="l" defTabSz="914400" rtl="0" eaLnBrk="1" latinLnBrk="0" hangingPunct="1">
+                <a:defRPr sz="1800" kern="1200">
+                  <a:solidFill>
+                    <a:schemeClr val="lt1"/>
+                  </a:solidFill>
+                  <a:latin typeface="+mn-lt"/>
+                  <a:ea typeface="+mn-ea"/>
+                  <a:cs typeface="+mn-cs"/>
+                </a:defRPr>
+              </a:lvl2pPr>
+              <a:lvl3pPr marL="914400" algn="l" defTabSz="914400" rtl="0" eaLnBrk="1" latinLnBrk="0" hangingPunct="1">
+                <a:defRPr sz="1800" kern="1200">
+                  <a:solidFill>
+                    <a:schemeClr val="lt1"/>
+                  </a:solidFill>
+                  <a:latin typeface="+mn-lt"/>
+                  <a:ea typeface="+mn-ea"/>
+                  <a:cs typeface="+mn-cs"/>
+                </a:defRPr>
+              </a:lvl3pPr>
+              <a:lvl4pPr marL="1371600" algn="l" defTabSz="914400" rtl="0" eaLnBrk="1" latinLnBrk="0" hangingPunct="1">
+                <a:defRPr sz="1800" kern="1200">
+                  <a:solidFill>
+                    <a:schemeClr val="lt1"/>
+                  </a:solidFill>
+                  <a:latin typeface="+mn-lt"/>
+                  <a:ea typeface="+mn-ea"/>
+                  <a:cs typeface="+mn-cs"/>
+                </a:defRPr>
+              </a:lvl4pPr>
+              <a:lvl5pPr marL="1828800" algn="l" defTabSz="914400" rtl="0" eaLnBrk="1" latinLnBrk="0" hangingPunct="1">
+                <a:defRPr sz="1800" kern="1200">
+                  <a:solidFill>
+                    <a:schemeClr val="lt1"/>
+                  </a:solidFill>
+                  <a:latin typeface="+mn-lt"/>
+                  <a:ea typeface="+mn-ea"/>
+                  <a:cs typeface="+mn-cs"/>
+                </a:defRPr>
+              </a:lvl5pPr>
+              <a:lvl6pPr marL="2286000" algn="l" defTabSz="914400" rtl="0" eaLnBrk="1" latinLnBrk="0" hangingPunct="1">
+                <a:defRPr sz="1800" kern="1200">
+                  <a:solidFill>
+                    <a:schemeClr val="lt1"/>
+                  </a:solidFill>
+                  <a:latin typeface="+mn-lt"/>
+                  <a:ea typeface="+mn-ea"/>
+                  <a:cs typeface="+mn-cs"/>
+                </a:defRPr>
+              </a:lvl6pPr>
+              <a:lvl7pPr marL="2743200" algn="l" defTabSz="914400" rtl="0" eaLnBrk="1" latinLnBrk="0" hangingPunct="1">
+                <a:defRPr sz="1800" kern="1200">
+                  <a:solidFill>
+                    <a:schemeClr val="lt1"/>
+                  </a:solidFill>
+                  <a:latin typeface="+mn-lt"/>
+                  <a:ea typeface="+mn-ea"/>
+                  <a:cs typeface="+mn-cs"/>
+                </a:defRPr>
+              </a:lvl7pPr>
+              <a:lvl8pPr marL="3200400" algn="l" defTabSz="914400" rtl="0" eaLnBrk="1" latinLnBrk="0" hangingPunct="1">
+                <a:defRPr sz="1800" kern="1200">
+                  <a:solidFill>
+                    <a:schemeClr val="lt1"/>
+                  </a:solidFill>
+                  <a:latin typeface="+mn-lt"/>
+                  <a:ea typeface="+mn-ea"/>
+                  <a:cs typeface="+mn-cs"/>
+                </a:defRPr>
+              </a:lvl8pPr>
+              <a:lvl9pPr marL="3657600" algn="l" defTabSz="914400" rtl="0" eaLnBrk="1" latinLnBrk="0" hangingPunct="1">
+                <a:defRPr sz="1800" kern="1200">
+                  <a:solidFill>
+                    <a:schemeClr val="lt1"/>
+                  </a:solidFill>
+                  <a:latin typeface="+mn-lt"/>
+                  <a:ea typeface="+mn-ea"/>
+                  <a:cs typeface="+mn-cs"/>
+                </a:defRPr>
+              </a:lvl9pPr>
+            </a:lstStyle>
+            <a:p>
+              <a:pPr algn="ctr"/>
+              <a:endParaRPr lang="en-US" sz="900" dirty="0">
+                <a:solidFill>
+                  <a:srgbClr val="5F5F5F"/>
+                </a:solidFill>
+                <a:latin typeface="Segoe UI" panose="020B0502040204020203" pitchFamily="34" charset="0"/>
+                <a:cs typeface="Segoe UI" panose="020B0502040204020203" pitchFamily="34" charset="0"/>
+              </a:endParaRPr>
+            </a:p>
+          </p:txBody>
+        </p:sp>
+        <p:sp>
+          <p:nvSpPr>
+            <p:cNvPr id="6" name="Title Bar" descr="&lt;SmartSettings&gt;&lt;SmartResize anchorLeft=&quot;Absolute&quot; anchorTop=&quot;Absolute&quot; anchorRight=&quot;Absolute&quot; anchorBottom=&quot;None&quot; /&gt;&lt;/SmartSettings&gt;"/>
+            <p:cNvSpPr/>
+            <p:nvPr>
+              <p:custDataLst>
+                <p:tags r:id="rId3"/>
+              </p:custDataLst>
+            </p:nvPr>
+          </p:nvSpPr>
+          <p:spPr>
+            <a:xfrm>
+              <a:off x="595684" y="1261242"/>
+              <a:ext cx="6668463" cy="340121"/>
+            </a:xfrm>
+            <a:prstGeom prst="rect">
+              <a:avLst/>
+            </a:prstGeom>
+            <a:solidFill>
+              <a:srgbClr val="FFFFFF"/>
+            </a:solidFill>
+            <a:ln w="6350">
+              <a:solidFill>
+                <a:srgbClr val="808080"/>
+              </a:solidFill>
+            </a:ln>
+          </p:spPr>
+          <p:style>
+            <a:lnRef idx="2">
+              <a:schemeClr val="accent1">
+                <a:shade val="50000"/>
+              </a:schemeClr>
+            </a:lnRef>
+            <a:fillRef idx="1">
+              <a:schemeClr val="accent1"/>
+            </a:fillRef>
+            <a:effectRef idx="0">
+              <a:schemeClr val="accent1"/>
+            </a:effectRef>
+            <a:fontRef idx="minor">
+              <a:schemeClr val="lt1"/>
+            </a:fontRef>
+          </p:style>
+          <p:txBody>
+            <a:bodyPr rot="0" spcFirstLastPara="0" vert="horz" wrap="square" lIns="91440" tIns="45720" rIns="228600" bIns="45720" numCol="1" spcCol="0" rtlCol="0" fromWordArt="0" anchor="t" anchorCtr="0" forceAA="0" compatLnSpc="1">
+              <a:prstTxWarp prst="textNoShape">
+                <a:avLst/>
+              </a:prstTxWarp>
+              <a:noAutofit/>
+            </a:bodyPr>
+            <a:lstStyle>
+              <a:defPPr>
+                <a:defRPr lang="en-US"/>
+              </a:defPPr>
+              <a:lvl1pPr marL="0" algn="l" defTabSz="914400" rtl="0" eaLnBrk="1" latinLnBrk="0" hangingPunct="1">
+                <a:defRPr sz="1800" kern="1200">
+                  <a:solidFill>
+                    <a:schemeClr val="lt1"/>
+                  </a:solidFill>
+                  <a:latin typeface="+mn-lt"/>
+                  <a:ea typeface="+mn-ea"/>
+                  <a:cs typeface="+mn-cs"/>
+                </a:defRPr>
+              </a:lvl1pPr>
+              <a:lvl2pPr marL="457200" algn="l" defTabSz="914400" rtl="0" eaLnBrk="1" latinLnBrk="0" hangingPunct="1">
+                <a:defRPr sz="1800" kern="1200">
+                  <a:solidFill>
+                    <a:schemeClr val="lt1"/>
+                  </a:solidFill>
+                  <a:latin typeface="+mn-lt"/>
+                  <a:ea typeface="+mn-ea"/>
+                  <a:cs typeface="+mn-cs"/>
+                </a:defRPr>
+              </a:lvl2pPr>
+              <a:lvl3pPr marL="914400" algn="l" defTabSz="914400" rtl="0" eaLnBrk="1" latinLnBrk="0" hangingPunct="1">
+                <a:defRPr sz="1800" kern="1200">
+                  <a:solidFill>
+                    <a:schemeClr val="lt1"/>
+                  </a:solidFill>
+                  <a:latin typeface="+mn-lt"/>
+                  <a:ea typeface="+mn-ea"/>
+                  <a:cs typeface="+mn-cs"/>
+                </a:defRPr>
+              </a:lvl3pPr>
+              <a:lvl4pPr marL="1371600" algn="l" defTabSz="914400" rtl="0" eaLnBrk="1" latinLnBrk="0" hangingPunct="1">
+                <a:defRPr sz="1800" kern="1200">
+                  <a:solidFill>
+                    <a:schemeClr val="lt1"/>
+                  </a:solidFill>
+                  <a:latin typeface="+mn-lt"/>
+                  <a:ea typeface="+mn-ea"/>
+                  <a:cs typeface="+mn-cs"/>
+                </a:defRPr>
+              </a:lvl4pPr>
+              <a:lvl5pPr marL="1828800" algn="l" defTabSz="914400" rtl="0" eaLnBrk="1" latinLnBrk="0" hangingPunct="1">
+                <a:defRPr sz="1800" kern="1200">
+                  <a:solidFill>
+                    <a:schemeClr val="lt1"/>
+                  </a:solidFill>
+                  <a:latin typeface="+mn-lt"/>
+                  <a:ea typeface="+mn-ea"/>
+                  <a:cs typeface="+mn-cs"/>
+                </a:defRPr>
+              </a:lvl5pPr>
+              <a:lvl6pPr marL="2286000" algn="l" defTabSz="914400" rtl="0" eaLnBrk="1" latinLnBrk="0" hangingPunct="1">
+                <a:defRPr sz="1800" kern="1200">
+                  <a:solidFill>
+                    <a:schemeClr val="lt1"/>
+                  </a:solidFill>
+                  <a:latin typeface="+mn-lt"/>
+                  <a:ea typeface="+mn-ea"/>
+                  <a:cs typeface="+mn-cs"/>
+                </a:defRPr>
+              </a:lvl6pPr>
+              <a:lvl7pPr marL="2743200" algn="l" defTabSz="914400" rtl="0" eaLnBrk="1" latinLnBrk="0" hangingPunct="1">
+                <a:defRPr sz="1800" kern="1200">
+                  <a:solidFill>
+                    <a:schemeClr val="lt1"/>
+                  </a:solidFill>
+                  <a:latin typeface="+mn-lt"/>
+                  <a:ea typeface="+mn-ea"/>
+                  <a:cs typeface="+mn-cs"/>
+                </a:defRPr>
+              </a:lvl7pPr>
+              <a:lvl8pPr marL="3200400" algn="l" defTabSz="914400" rtl="0" eaLnBrk="1" latinLnBrk="0" hangingPunct="1">
+                <a:defRPr sz="1800" kern="1200">
+                  <a:solidFill>
+                    <a:schemeClr val="lt1"/>
+                  </a:solidFill>
+                  <a:latin typeface="+mn-lt"/>
+                  <a:ea typeface="+mn-ea"/>
+                  <a:cs typeface="+mn-cs"/>
+                </a:defRPr>
+              </a:lvl8pPr>
+              <a:lvl9pPr marL="3657600" algn="l" defTabSz="914400" rtl="0" eaLnBrk="1" latinLnBrk="0" hangingPunct="1">
+                <a:defRPr sz="1800" kern="1200">
+                  <a:solidFill>
+                    <a:schemeClr val="lt1"/>
+                  </a:solidFill>
+                  <a:latin typeface="+mn-lt"/>
+                  <a:ea typeface="+mn-ea"/>
+                  <a:cs typeface="+mn-cs"/>
+                </a:defRPr>
+              </a:lvl9pPr>
+            </a:lstStyle>
+            <a:p>
+              <a:r>
+                <a:rPr lang="en-US" sz="900" dirty="0" smtClean="0">
+                  <a:solidFill>
+                    <a:srgbClr val="5F5F5F"/>
+                  </a:solidFill>
+                  <a:latin typeface="Segoe UI" panose="020B0502040204020203" pitchFamily="34" charset="0"/>
+                  <a:cs typeface="Segoe UI" panose="020B0502040204020203" pitchFamily="34" charset="0"/>
+                </a:rPr>
+                <a:t>Browser</a:t>
+              </a:r>
+              <a:endParaRPr lang="en-US" sz="900" dirty="0">
+                <a:solidFill>
+                  <a:srgbClr val="5F5F5F"/>
+                </a:solidFill>
+                <a:latin typeface="Segoe UI" panose="020B0502040204020203" pitchFamily="34" charset="0"/>
+                <a:cs typeface="Segoe UI" panose="020B0502040204020203" pitchFamily="34" charset="0"/>
+              </a:endParaRPr>
+            </a:p>
+          </p:txBody>
+        </p:sp>
+        <p:sp>
+          <p:nvSpPr>
+            <p:cNvPr id="7" name="Menu Button" descr="&lt;SmartSettings&gt;&lt;SmartResize anchorLeft=&quot;None&quot; anchorTop=&quot;Absolute&quot; anchorRight=&quot;Absolute&quot; anchorBottom=&quot;None&quot; /&gt;&lt;/SmartSettings&gt;"/>
+            <p:cNvSpPr>
+              <a:spLocks noChangeAspect="1" noEditPoints="1"/>
+            </p:cNvSpPr>
+            <p:nvPr>
+              <p:custDataLst>
+                <p:tags r:id="rId4"/>
+              </p:custDataLst>
+            </p:nvPr>
+          </p:nvSpPr>
+          <p:spPr bwMode="auto">
+            <a:xfrm>
+              <a:off x="7113500" y="1456014"/>
+              <a:ext cx="94501" cy="71379"/>
+            </a:xfrm>
+            <a:custGeom>
+              <a:avLst/>
+              <a:gdLst>
+                <a:gd name="T0" fmla="*/ 0 w 415"/>
+                <a:gd name="T1" fmla="*/ 309 h 309"/>
+                <a:gd name="T2" fmla="*/ 415 w 415"/>
+                <a:gd name="T3" fmla="*/ 309 h 309"/>
+                <a:gd name="T4" fmla="*/ 0 w 415"/>
+                <a:gd name="T5" fmla="*/ 155 h 309"/>
+                <a:gd name="T6" fmla="*/ 415 w 415"/>
+                <a:gd name="T7" fmla="*/ 155 h 309"/>
+                <a:gd name="T8" fmla="*/ 0 w 415"/>
+                <a:gd name="T9" fmla="*/ 0 h 309"/>
+                <a:gd name="T10" fmla="*/ 415 w 415"/>
+                <a:gd name="T11" fmla="*/ 0 h 309"/>
+              </a:gdLst>
+              <a:ahLst/>
+              <a:cxnLst>
+                <a:cxn ang="0">
+                  <a:pos x="T0" y="T1"/>
+                </a:cxn>
+                <a:cxn ang="0">
+                  <a:pos x="T2" y="T3"/>
+                </a:cxn>
+                <a:cxn ang="0">
+                  <a:pos x="T4" y="T5"/>
+                </a:cxn>
+                <a:cxn ang="0">
+                  <a:pos x="T6" y="T7"/>
+                </a:cxn>
+                <a:cxn ang="0">
+                  <a:pos x="T8" y="T9"/>
+                </a:cxn>
+                <a:cxn ang="0">
+                  <a:pos x="T10" y="T11"/>
+                </a:cxn>
+              </a:cxnLst>
+              <a:rect l="0" t="0" r="r" b="b"/>
+              <a:pathLst>
+                <a:path w="415" h="309">
+                  <a:moveTo>
+                    <a:pt x="0" y="309"/>
+                  </a:moveTo>
+                  <a:lnTo>
+                    <a:pt x="415" y="309"/>
+                  </a:lnTo>
+                  <a:moveTo>
+                    <a:pt x="0" y="155"/>
+                  </a:moveTo>
+                  <a:lnTo>
+                    <a:pt x="415" y="155"/>
+                  </a:lnTo>
+                  <a:moveTo>
+                    <a:pt x="0" y="0"/>
+                  </a:moveTo>
+                  <a:lnTo>
+                    <a:pt x="415" y="0"/>
+                  </a:lnTo>
+                </a:path>
+              </a:pathLst>
+            </a:custGeom>
+            <a:noFill/>
+            <a:ln w="6350" cap="flat">
+              <a:solidFill>
+                <a:srgbClr val="808080"/>
+              </a:solidFill>
+              <a:prstDash val="solid"/>
+              <a:miter lim="800000"/>
+              <a:headEnd/>
+              <a:tailEnd/>
+            </a:ln>
+            <a:extLst>
+              <a:ext uri="{909E8E84-426E-40DD-AFC4-6F175D3DCCD1}">
+                <a14:hiddenFill xmlns:a14="http://schemas.microsoft.com/office/drawing/2010/main">
+                  <a:solidFill>
+                    <a:srgbClr val="FFFFFF"/>
+                  </a:solidFill>
+                </a14:hiddenFill>
+              </a:ext>
+            </a:extLst>
+          </p:spPr>
+          <p:txBody>
+            <a:bodyPr vert="horz" wrap="square" lIns="91440" tIns="45720" rIns="91440" bIns="45720" numCol="1" anchor="t" anchorCtr="0" compatLnSpc="1">
+              <a:prstTxWarp prst="textNoShape">
+                <a:avLst/>
+              </a:prstTxWarp>
+            </a:bodyPr>
+            <a:lstStyle>
+              <a:defPPr>
+                <a:defRPr lang="en-US"/>
+              </a:defPPr>
+              <a:lvl1pPr marL="0" algn="l" defTabSz="914400" rtl="0" eaLnBrk="1" latinLnBrk="0" hangingPunct="1">
+                <a:defRPr sz="1800" kern="1200">
+                  <a:solidFill>
+                    <a:schemeClr val="tx1"/>
+                  </a:solidFill>
+                  <a:latin typeface="+mn-lt"/>
+                  <a:ea typeface="+mn-ea"/>
+                  <a:cs typeface="+mn-cs"/>
+                </a:defRPr>
+              </a:lvl1pPr>
+              <a:lvl2pPr marL="457200" algn="l" defTabSz="914400" rtl="0" eaLnBrk="1" latinLnBrk="0" hangingPunct="1">
+                <a:defRPr sz="1800" kern="1200">
+                  <a:solidFill>
+                    <a:schemeClr val="tx1"/>
+                  </a:solidFill>
+                  <a:latin typeface="+mn-lt"/>
+                  <a:ea typeface="+mn-ea"/>
+                  <a:cs typeface="+mn-cs"/>
+                </a:defRPr>
+              </a:lvl2pPr>
+              <a:lvl3pPr marL="914400" algn="l" defTabSz="914400" rtl="0" eaLnBrk="1" latinLnBrk="0" hangingPunct="1">
+                <a:defRPr sz="1800" kern="1200">
+                  <a:solidFill>
+                    <a:schemeClr val="tx1"/>
+                  </a:solidFill>
+                  <a:latin typeface="+mn-lt"/>
+                  <a:ea typeface="+mn-ea"/>
+                  <a:cs typeface="+mn-cs"/>
+                </a:defRPr>
+              </a:lvl3pPr>
+              <a:lvl4pPr marL="1371600" algn="l" defTabSz="914400" rtl="0" eaLnBrk="1" latinLnBrk="0" hangingPunct="1">
+                <a:defRPr sz="1800" kern="1200">
+                  <a:solidFill>
+                    <a:schemeClr val="tx1"/>
+                  </a:solidFill>
+                  <a:latin typeface="+mn-lt"/>
+                  <a:ea typeface="+mn-ea"/>
+                  <a:cs typeface="+mn-cs"/>
+                </a:defRPr>
+              </a:lvl4pPr>
+              <a:lvl5pPr marL="1828800" algn="l" defTabSz="914400" rtl="0" eaLnBrk="1" latinLnBrk="0" hangingPunct="1">
+                <a:defRPr sz="1800" kern="1200">
+                  <a:solidFill>
+                    <a:schemeClr val="tx1"/>
+                  </a:solidFill>
+                  <a:latin typeface="+mn-lt"/>
+                  <a:ea typeface="+mn-ea"/>
+                  <a:cs typeface="+mn-cs"/>
+                </a:defRPr>
+              </a:lvl5pPr>
+              <a:lvl6pPr marL="2286000" algn="l" defTabSz="914400" rtl="0" eaLnBrk="1" latinLnBrk="0" hangingPunct="1">
+                <a:defRPr sz="1800" kern="1200">
+                  <a:solidFill>
+                    <a:schemeClr val="tx1"/>
+                  </a:solidFill>
+                  <a:latin typeface="+mn-lt"/>
+                  <a:ea typeface="+mn-ea"/>
+                  <a:cs typeface="+mn-cs"/>
+                </a:defRPr>
+              </a:lvl6pPr>
+              <a:lvl7pPr marL="2743200" algn="l" defTabSz="914400" rtl="0" eaLnBrk="1" latinLnBrk="0" hangingPunct="1">
+                <a:defRPr sz="1800" kern="1200">
+                  <a:solidFill>
+                    <a:schemeClr val="tx1"/>
+                  </a:solidFill>
+                  <a:latin typeface="+mn-lt"/>
+                  <a:ea typeface="+mn-ea"/>
+                  <a:cs typeface="+mn-cs"/>
+                </a:defRPr>
+              </a:lvl7pPr>
+              <a:lvl8pPr marL="3200400" algn="l" defTabSz="914400" rtl="0" eaLnBrk="1" latinLnBrk="0" hangingPunct="1">
+                <a:defRPr sz="1800" kern="1200">
+                  <a:solidFill>
+                    <a:schemeClr val="tx1"/>
+                  </a:solidFill>
+                  <a:latin typeface="+mn-lt"/>
+                  <a:ea typeface="+mn-ea"/>
+                  <a:cs typeface="+mn-cs"/>
+                </a:defRPr>
+              </a:lvl8pPr>
+              <a:lvl9pPr marL="3657600" algn="l" defTabSz="914400" rtl="0" eaLnBrk="1" latinLnBrk="0" hangingPunct="1">
+                <a:defRPr sz="1800" kern="1200">
+                  <a:solidFill>
+                    <a:schemeClr val="tx1"/>
+                  </a:solidFill>
+                  <a:latin typeface="+mn-lt"/>
+                  <a:ea typeface="+mn-ea"/>
+                  <a:cs typeface="+mn-cs"/>
+                </a:defRPr>
+              </a:lvl9pPr>
+            </a:lstStyle>
+            <a:p>
+              <a:endParaRPr lang="en-US">
+                <a:solidFill>
+                  <a:srgbClr val="5F5F5F"/>
+                </a:solidFill>
+                <a:latin typeface="Segoe UI" panose="020B0502040204020203" pitchFamily="34" charset="0"/>
+                <a:cs typeface="Segoe UI" panose="020B0502040204020203" pitchFamily="34" charset="0"/>
+              </a:endParaRPr>
+            </a:p>
+          </p:txBody>
+        </p:sp>
+        <p:sp>
+          <p:nvSpPr>
+            <p:cNvPr id="8" name="Close Button" descr="&lt;SmartSettings&gt;&lt;SmartResize anchorLeft=&quot;None&quot; anchorTop=&quot;Absolute&quot; anchorRight=&quot;Absolute&quot; anchorBottom=&quot;None&quot; /&gt;&lt;/SmartSettings&gt;"/>
+            <p:cNvSpPr>
+              <a:spLocks noEditPoints="1"/>
+            </p:cNvSpPr>
+            <p:nvPr>
+              <p:custDataLst>
+                <p:tags r:id="rId5"/>
+              </p:custDataLst>
+            </p:nvPr>
+          </p:nvSpPr>
+          <p:spPr bwMode="auto">
+            <a:xfrm>
+              <a:off x="7130598" y="1306361"/>
+              <a:ext cx="62331" cy="60320"/>
+            </a:xfrm>
+            <a:custGeom>
+              <a:avLst/>
+              <a:gdLst>
+                <a:gd name="T0" fmla="*/ 254 w 254"/>
+                <a:gd name="T1" fmla="*/ 0 h 254"/>
+                <a:gd name="T2" fmla="*/ 0 w 254"/>
+                <a:gd name="T3" fmla="*/ 254 h 254"/>
+                <a:gd name="T4" fmla="*/ 0 w 254"/>
+                <a:gd name="T5" fmla="*/ 0 h 254"/>
+                <a:gd name="T6" fmla="*/ 254 w 254"/>
+                <a:gd name="T7" fmla="*/ 254 h 254"/>
+              </a:gdLst>
+              <a:ahLst/>
+              <a:cxnLst>
+                <a:cxn ang="0">
+                  <a:pos x="T0" y="T1"/>
+                </a:cxn>
+                <a:cxn ang="0">
+                  <a:pos x="T2" y="T3"/>
+                </a:cxn>
+                <a:cxn ang="0">
+                  <a:pos x="T4" y="T5"/>
+                </a:cxn>
+                <a:cxn ang="0">
+                  <a:pos x="T6" y="T7"/>
+                </a:cxn>
+              </a:cxnLst>
+              <a:rect l="0" t="0" r="r" b="b"/>
+              <a:pathLst>
+                <a:path w="254" h="254">
+                  <a:moveTo>
+                    <a:pt x="254" y="0"/>
+                  </a:moveTo>
+                  <a:lnTo>
+                    <a:pt x="0" y="254"/>
+                  </a:lnTo>
+                  <a:moveTo>
+                    <a:pt x="0" y="0"/>
+                  </a:moveTo>
+                  <a:lnTo>
+                    <a:pt x="254" y="254"/>
+                  </a:lnTo>
+                </a:path>
+              </a:pathLst>
+            </a:custGeom>
+            <a:noFill/>
+            <a:ln w="9525" cap="flat">
+              <a:solidFill>
+                <a:srgbClr val="808080"/>
+              </a:solidFill>
+              <a:prstDash val="solid"/>
+              <a:miter lim="800000"/>
+              <a:headEnd/>
+              <a:tailEnd/>
+            </a:ln>
+            <a:extLst>
+              <a:ext uri="{909E8E84-426E-40DD-AFC4-6F175D3DCCD1}">
+                <a14:hiddenFill xmlns:a14="http://schemas.microsoft.com/office/drawing/2010/main">
+                  <a:solidFill>
+                    <a:srgbClr val="FFFFFF"/>
+                  </a:solidFill>
+                </a14:hiddenFill>
+              </a:ext>
+            </a:extLst>
+          </p:spPr>
+          <p:txBody>
+            <a:bodyPr vert="horz" wrap="square" lIns="91440" tIns="45720" rIns="91440" bIns="45720" numCol="1" anchor="t" anchorCtr="0" compatLnSpc="1">
+              <a:prstTxWarp prst="textNoShape">
+                <a:avLst/>
+              </a:prstTxWarp>
+            </a:bodyPr>
+            <a:lstStyle>
+              <a:defPPr>
+                <a:defRPr lang="en-US"/>
+              </a:defPPr>
+              <a:lvl1pPr marL="0" algn="l" defTabSz="914400" rtl="0" eaLnBrk="1" latinLnBrk="0" hangingPunct="1">
+                <a:defRPr sz="1800" kern="1200">
+                  <a:solidFill>
+                    <a:schemeClr val="tx1"/>
+                  </a:solidFill>
+                  <a:latin typeface="+mn-lt"/>
+                  <a:ea typeface="+mn-ea"/>
+                  <a:cs typeface="+mn-cs"/>
+                </a:defRPr>
+              </a:lvl1pPr>
+              <a:lvl2pPr marL="457200" algn="l" defTabSz="914400" rtl="0" eaLnBrk="1" latinLnBrk="0" hangingPunct="1">
+                <a:defRPr sz="1800" kern="1200">
+                  <a:solidFill>
+                    <a:schemeClr val="tx1"/>
+                  </a:solidFill>
+                  <a:latin typeface="+mn-lt"/>
+                  <a:ea typeface="+mn-ea"/>
+                  <a:cs typeface="+mn-cs"/>
+                </a:defRPr>
+              </a:lvl2pPr>
+              <a:lvl3pPr marL="914400" algn="l" defTabSz="914400" rtl="0" eaLnBrk="1" latinLnBrk="0" hangingPunct="1">
+                <a:defRPr sz="1800" kern="1200">
+                  <a:solidFill>
+                    <a:schemeClr val="tx1"/>
+                  </a:solidFill>
+                  <a:latin typeface="+mn-lt"/>
+                  <a:ea typeface="+mn-ea"/>
+                  <a:cs typeface="+mn-cs"/>
+                </a:defRPr>
+              </a:lvl3pPr>
+              <a:lvl4pPr marL="1371600" algn="l" defTabSz="914400" rtl="0" eaLnBrk="1" latinLnBrk="0" hangingPunct="1">
+                <a:defRPr sz="1800" kern="1200">
+                  <a:solidFill>
+                    <a:schemeClr val="tx1"/>
+                  </a:solidFill>
+                  <a:latin typeface="+mn-lt"/>
+                  <a:ea typeface="+mn-ea"/>
+                  <a:cs typeface="+mn-cs"/>
+                </a:defRPr>
+              </a:lvl4pPr>
+              <a:lvl5pPr marL="1828800" algn="l" defTabSz="914400" rtl="0" eaLnBrk="1" latinLnBrk="0" hangingPunct="1">
+                <a:defRPr sz="1800" kern="1200">
+                  <a:solidFill>
+                    <a:schemeClr val="tx1"/>
+                  </a:solidFill>
+                  <a:latin typeface="+mn-lt"/>
+                  <a:ea typeface="+mn-ea"/>
+                  <a:cs typeface="+mn-cs"/>
+                </a:defRPr>
+              </a:lvl5pPr>
+              <a:lvl6pPr marL="2286000" algn="l" defTabSz="914400" rtl="0" eaLnBrk="1" latinLnBrk="0" hangingPunct="1">
+                <a:defRPr sz="1800" kern="1200">
+                  <a:solidFill>
+                    <a:schemeClr val="tx1"/>
+                  </a:solidFill>
+                  <a:latin typeface="+mn-lt"/>
+                  <a:ea typeface="+mn-ea"/>
+                  <a:cs typeface="+mn-cs"/>
+                </a:defRPr>
+              </a:lvl6pPr>
+              <a:lvl7pPr marL="2743200" algn="l" defTabSz="914400" rtl="0" eaLnBrk="1" latinLnBrk="0" hangingPunct="1">
+                <a:defRPr sz="1800" kern="1200">
+                  <a:solidFill>
+                    <a:schemeClr val="tx1"/>
+                  </a:solidFill>
+                  <a:latin typeface="+mn-lt"/>
+                  <a:ea typeface="+mn-ea"/>
+                  <a:cs typeface="+mn-cs"/>
+                </a:defRPr>
+              </a:lvl7pPr>
+              <a:lvl8pPr marL="3200400" algn="l" defTabSz="914400" rtl="0" eaLnBrk="1" latinLnBrk="0" hangingPunct="1">
+                <a:defRPr sz="1800" kern="1200">
+                  <a:solidFill>
+                    <a:schemeClr val="tx1"/>
+                  </a:solidFill>
+                  <a:latin typeface="+mn-lt"/>
+                  <a:ea typeface="+mn-ea"/>
+                  <a:cs typeface="+mn-cs"/>
+                </a:defRPr>
+              </a:lvl8pPr>
+              <a:lvl9pPr marL="3657600" algn="l" defTabSz="914400" rtl="0" eaLnBrk="1" latinLnBrk="0" hangingPunct="1">
+                <a:defRPr sz="1800" kern="1200">
+                  <a:solidFill>
+                    <a:schemeClr val="tx1"/>
+                  </a:solidFill>
+                  <a:latin typeface="+mn-lt"/>
+                  <a:ea typeface="+mn-ea"/>
+                  <a:cs typeface="+mn-cs"/>
+                </a:defRPr>
+              </a:lvl9pPr>
+            </a:lstStyle>
+            <a:p>
+              <a:endParaRPr lang="en-US">
+                <a:solidFill>
+                  <a:srgbClr val="5F5F5F"/>
+                </a:solidFill>
+                <a:latin typeface="Segoe UI" panose="020B0502040204020203" pitchFamily="34" charset="0"/>
+                <a:cs typeface="Segoe UI" panose="020B0502040204020203" pitchFamily="34" charset="0"/>
+              </a:endParaRPr>
+            </a:p>
+          </p:txBody>
+        </p:sp>
+        <p:sp>
+          <p:nvSpPr>
+            <p:cNvPr id="9" name="Address Box" descr="&lt;SmartSettings&gt;&lt;SmartResize anchorLeft=&quot;Absolute&quot; anchorTop=&quot;Absolute&quot; anchorRight=&quot;Absolute&quot; anchorBottom=&quot;None&quot; /&gt;&lt;/SmartSettings&gt;"/>
+            <p:cNvSpPr/>
+            <p:nvPr>
+              <p:custDataLst>
+                <p:tags r:id="rId6"/>
+              </p:custDataLst>
+            </p:nvPr>
+          </p:nvSpPr>
+          <p:spPr>
+            <a:xfrm>
+              <a:off x="1167482" y="1416423"/>
+              <a:ext cx="5889875" cy="150559"/>
+            </a:xfrm>
+            <a:prstGeom prst="rect">
+              <a:avLst/>
+            </a:prstGeom>
+            <a:solidFill>
+              <a:srgbClr val="FFFFFF"/>
+            </a:solidFill>
+            <a:ln w="6350">
+              <a:solidFill>
+                <a:srgbClr val="808080"/>
+              </a:solidFill>
+            </a:ln>
+          </p:spPr>
+          <p:style>
+            <a:lnRef idx="2">
+              <a:schemeClr val="accent1">
+                <a:shade val="50000"/>
+              </a:schemeClr>
+            </a:lnRef>
+            <a:fillRef idx="1">
+              <a:schemeClr val="accent1"/>
+            </a:fillRef>
+            <a:effectRef idx="0">
+              <a:schemeClr val="accent1"/>
+            </a:effectRef>
+            <a:fontRef idx="minor">
+              <a:schemeClr val="lt1"/>
+            </a:fontRef>
+          </p:style>
+          <p:txBody>
+            <a:bodyPr rot="0" spcFirstLastPara="0" vert="horz" wrap="square" lIns="237744" tIns="45720" rIns="91440" bIns="45720" numCol="1" spcCol="0" rtlCol="0" fromWordArt="0" anchor="ctr" anchorCtr="0" forceAA="0" compatLnSpc="1">
+              <a:prstTxWarp prst="textNoShape">
+                <a:avLst/>
+              </a:prstTxWarp>
+              <a:noAutofit/>
+            </a:bodyPr>
+            <a:lstStyle>
+              <a:defPPr>
+                <a:defRPr lang="en-US"/>
+              </a:defPPr>
+              <a:lvl1pPr marL="0" algn="l" defTabSz="914400" rtl="0" eaLnBrk="1" latinLnBrk="0" hangingPunct="1">
+                <a:defRPr sz="1800" kern="1200">
+                  <a:solidFill>
+                    <a:schemeClr val="lt1"/>
+                  </a:solidFill>
+                  <a:latin typeface="+mn-lt"/>
+                  <a:ea typeface="+mn-ea"/>
+                  <a:cs typeface="+mn-cs"/>
+                </a:defRPr>
+              </a:lvl1pPr>
+              <a:lvl2pPr marL="457200" algn="l" defTabSz="914400" rtl="0" eaLnBrk="1" latinLnBrk="0" hangingPunct="1">
+                <a:defRPr sz="1800" kern="1200">
+                  <a:solidFill>
+                    <a:schemeClr val="lt1"/>
+                  </a:solidFill>
+                  <a:latin typeface="+mn-lt"/>
+                  <a:ea typeface="+mn-ea"/>
+                  <a:cs typeface="+mn-cs"/>
+                </a:defRPr>
+              </a:lvl2pPr>
+              <a:lvl3pPr marL="914400" algn="l" defTabSz="914400" rtl="0" eaLnBrk="1" latinLnBrk="0" hangingPunct="1">
+                <a:defRPr sz="1800" kern="1200">
+                  <a:solidFill>
+                    <a:schemeClr val="lt1"/>
+                  </a:solidFill>
+                  <a:latin typeface="+mn-lt"/>
+                  <a:ea typeface="+mn-ea"/>
+                  <a:cs typeface="+mn-cs"/>
+                </a:defRPr>
+              </a:lvl3pPr>
+              <a:lvl4pPr marL="1371600" algn="l" defTabSz="914400" rtl="0" eaLnBrk="1" latinLnBrk="0" hangingPunct="1">
+                <a:defRPr sz="1800" kern="1200">
+                  <a:solidFill>
+                    <a:schemeClr val="lt1"/>
+                  </a:solidFill>
+                  <a:latin typeface="+mn-lt"/>
+                  <a:ea typeface="+mn-ea"/>
+                  <a:cs typeface="+mn-cs"/>
+                </a:defRPr>
+              </a:lvl4pPr>
+              <a:lvl5pPr marL="1828800" algn="l" defTabSz="914400" rtl="0" eaLnBrk="1" latinLnBrk="0" hangingPunct="1">
+                <a:defRPr sz="1800" kern="1200">
+                  <a:solidFill>
+                    <a:schemeClr val="lt1"/>
+                  </a:solidFill>
+                  <a:latin typeface="+mn-lt"/>
+                  <a:ea typeface="+mn-ea"/>
+                  <a:cs typeface="+mn-cs"/>
+                </a:defRPr>
+              </a:lvl5pPr>
+              <a:lvl6pPr marL="2286000" algn="l" defTabSz="914400" rtl="0" eaLnBrk="1" latinLnBrk="0" hangingPunct="1">
+                <a:defRPr sz="1800" kern="1200">
+                  <a:solidFill>
+                    <a:schemeClr val="lt1"/>
+                  </a:solidFill>
+                  <a:latin typeface="+mn-lt"/>
+                  <a:ea typeface="+mn-ea"/>
+                  <a:cs typeface="+mn-cs"/>
+                </a:defRPr>
+              </a:lvl6pPr>
+              <a:lvl7pPr marL="2743200" algn="l" defTabSz="914400" rtl="0" eaLnBrk="1" latinLnBrk="0" hangingPunct="1">
+                <a:defRPr sz="1800" kern="1200">
+                  <a:solidFill>
+                    <a:schemeClr val="lt1"/>
+                  </a:solidFill>
+                  <a:latin typeface="+mn-lt"/>
+                  <a:ea typeface="+mn-ea"/>
+                  <a:cs typeface="+mn-cs"/>
+                </a:defRPr>
+              </a:lvl7pPr>
+              <a:lvl8pPr marL="3200400" algn="l" defTabSz="914400" rtl="0" eaLnBrk="1" latinLnBrk="0" hangingPunct="1">
+                <a:defRPr sz="1800" kern="1200">
+                  <a:solidFill>
+                    <a:schemeClr val="lt1"/>
+                  </a:solidFill>
+                  <a:latin typeface="+mn-lt"/>
+                  <a:ea typeface="+mn-ea"/>
+                  <a:cs typeface="+mn-cs"/>
+                </a:defRPr>
+              </a:lvl8pPr>
+              <a:lvl9pPr marL="3657600" algn="l" defTabSz="914400" rtl="0" eaLnBrk="1" latinLnBrk="0" hangingPunct="1">
+                <a:defRPr sz="1800" kern="1200">
+                  <a:solidFill>
+                    <a:schemeClr val="lt1"/>
+                  </a:solidFill>
+                  <a:latin typeface="+mn-lt"/>
+                  <a:ea typeface="+mn-ea"/>
+                  <a:cs typeface="+mn-cs"/>
+                </a:defRPr>
+              </a:lvl9pPr>
+            </a:lstStyle>
+            <a:p>
+              <a:r>
+                <a:rPr lang="en-US" sz="900" noProof="1" smtClean="0">
+                  <a:solidFill>
+                    <a:srgbClr val="5F5F5F"/>
+                  </a:solidFill>
+                  <a:latin typeface="Segoe UI" panose="020B0502040204020203" pitchFamily="34" charset="0"/>
+                  <a:cs typeface="Segoe UI" panose="020B0502040204020203" pitchFamily="34" charset="0"/>
+                </a:rPr>
+                <a:t>www.example.com</a:t>
+              </a:r>
+              <a:endParaRPr lang="en-US" sz="900" noProof="1">
+                <a:solidFill>
+                  <a:srgbClr val="5F5F5F"/>
+                </a:solidFill>
+                <a:latin typeface="Segoe UI" panose="020B0502040204020203" pitchFamily="34" charset="0"/>
+                <a:cs typeface="Segoe UI" panose="020B0502040204020203" pitchFamily="34" charset="0"/>
+              </a:endParaRPr>
+            </a:p>
+          </p:txBody>
+        </p:sp>
+        <p:sp>
+          <p:nvSpPr>
+            <p:cNvPr id="10" name="Document Icon" descr="&lt;SmartSettings&gt;&lt;SmartResize anchorLeft=&quot;Absolute&quot; anchorTop=&quot;Absolute&quot; anchorRight=&quot;None&quot; anchorBottom=&quot;None&quot; /&gt;&lt;/SmartSettings&gt;"/>
+            <p:cNvSpPr>
+              <a:spLocks noChangeAspect="1" noEditPoints="1"/>
+            </p:cNvSpPr>
+            <p:nvPr>
+              <p:custDataLst>
+                <p:tags r:id="rId7"/>
+              </p:custDataLst>
+            </p:nvPr>
+          </p:nvSpPr>
+          <p:spPr bwMode="auto">
+            <a:xfrm>
+              <a:off x="1215689" y="1449479"/>
+              <a:ext cx="59315" cy="84448"/>
+            </a:xfrm>
+            <a:custGeom>
+              <a:avLst/>
+              <a:gdLst>
+                <a:gd name="T0" fmla="*/ 153 w 260"/>
+                <a:gd name="T1" fmla="*/ 7 h 367"/>
+                <a:gd name="T2" fmla="*/ 153 w 260"/>
+                <a:gd name="T3" fmla="*/ 108 h 367"/>
+                <a:gd name="T4" fmla="*/ 253 w 260"/>
+                <a:gd name="T5" fmla="*/ 108 h 367"/>
+                <a:gd name="T6" fmla="*/ 0 w 260"/>
+                <a:gd name="T7" fmla="*/ 0 h 367"/>
+                <a:gd name="T8" fmla="*/ 0 w 260"/>
+                <a:gd name="T9" fmla="*/ 367 h 367"/>
+                <a:gd name="T10" fmla="*/ 260 w 260"/>
+                <a:gd name="T11" fmla="*/ 367 h 367"/>
+                <a:gd name="T12" fmla="*/ 260 w 260"/>
+                <a:gd name="T13" fmla="*/ 100 h 367"/>
+                <a:gd name="T14" fmla="*/ 161 w 260"/>
+                <a:gd name="T15" fmla="*/ 1 h 367"/>
+                <a:gd name="T16" fmla="*/ 0 w 260"/>
+                <a:gd name="T17" fmla="*/ 0 h 367"/>
+              </a:gdLst>
+              <a:ahLst/>
+              <a:cxnLst>
+                <a:cxn ang="0">
+                  <a:pos x="T0" y="T1"/>
+                </a:cxn>
+                <a:cxn ang="0">
+                  <a:pos x="T2" y="T3"/>
+                </a:cxn>
+                <a:cxn ang="0">
+                  <a:pos x="T4" y="T5"/>
+                </a:cxn>
+                <a:cxn ang="0">
+                  <a:pos x="T6" y="T7"/>
+                </a:cxn>
+                <a:cxn ang="0">
+                  <a:pos x="T8" y="T9"/>
+                </a:cxn>
+                <a:cxn ang="0">
+                  <a:pos x="T10" y="T11"/>
+                </a:cxn>
+                <a:cxn ang="0">
+                  <a:pos x="T12" y="T13"/>
+                </a:cxn>
+                <a:cxn ang="0">
+                  <a:pos x="T14" y="T15"/>
+                </a:cxn>
+                <a:cxn ang="0">
+                  <a:pos x="T16" y="T17"/>
+                </a:cxn>
+              </a:cxnLst>
+              <a:rect l="0" t="0" r="r" b="b"/>
+              <a:pathLst>
+                <a:path w="260" h="367">
+                  <a:moveTo>
+                    <a:pt x="153" y="7"/>
+                  </a:moveTo>
+                  <a:lnTo>
+                    <a:pt x="153" y="108"/>
+                  </a:lnTo>
+                  <a:lnTo>
+                    <a:pt x="253" y="108"/>
+                  </a:lnTo>
+                  <a:moveTo>
+                    <a:pt x="0" y="0"/>
+                  </a:moveTo>
+                  <a:lnTo>
+                    <a:pt x="0" y="367"/>
+                  </a:lnTo>
+                  <a:lnTo>
+                    <a:pt x="260" y="367"/>
+                  </a:lnTo>
+                  <a:lnTo>
+                    <a:pt x="260" y="100"/>
+                  </a:lnTo>
+                  <a:lnTo>
+                    <a:pt x="161" y="1"/>
+                  </a:lnTo>
+                  <a:lnTo>
+                    <a:pt x="0" y="0"/>
+                  </a:lnTo>
+                  <a:close/>
+                </a:path>
+              </a:pathLst>
+            </a:custGeom>
+            <a:noFill/>
+            <a:ln w="6350" cap="flat">
+              <a:solidFill>
+                <a:srgbClr val="808080"/>
+              </a:solidFill>
+              <a:prstDash val="solid"/>
+              <a:miter lim="800000"/>
+              <a:headEnd/>
+              <a:tailEnd/>
+            </a:ln>
+            <a:extLst>
+              <a:ext uri="{909E8E84-426E-40DD-AFC4-6F175D3DCCD1}">
+                <a14:hiddenFill xmlns:a14="http://schemas.microsoft.com/office/drawing/2010/main">
+                  <a:solidFill>
+                    <a:srgbClr val="FFFFFF"/>
+                  </a:solidFill>
+                </a14:hiddenFill>
+              </a:ext>
+            </a:extLst>
+          </p:spPr>
+          <p:txBody>
+            <a:bodyPr vert="horz" wrap="square" lIns="91440" tIns="45720" rIns="91440" bIns="45720" numCol="1" anchor="t" anchorCtr="0" compatLnSpc="1">
+              <a:prstTxWarp prst="textNoShape">
+                <a:avLst/>
+              </a:prstTxWarp>
+            </a:bodyPr>
+            <a:lstStyle>
+              <a:defPPr>
+                <a:defRPr lang="en-US"/>
+              </a:defPPr>
+              <a:lvl1pPr marL="0" algn="l" defTabSz="914400" rtl="0" eaLnBrk="1" latinLnBrk="0" hangingPunct="1">
+                <a:defRPr sz="1800" kern="1200">
+                  <a:solidFill>
+                    <a:schemeClr val="tx1"/>
+                  </a:solidFill>
+                  <a:latin typeface="+mn-lt"/>
+                  <a:ea typeface="+mn-ea"/>
+                  <a:cs typeface="+mn-cs"/>
+                </a:defRPr>
+              </a:lvl1pPr>
+              <a:lvl2pPr marL="457200" algn="l" defTabSz="914400" rtl="0" eaLnBrk="1" latinLnBrk="0" hangingPunct="1">
+                <a:defRPr sz="1800" kern="1200">
+                  <a:solidFill>
+                    <a:schemeClr val="tx1"/>
+                  </a:solidFill>
+                  <a:latin typeface="+mn-lt"/>
+                  <a:ea typeface="+mn-ea"/>
+                  <a:cs typeface="+mn-cs"/>
+                </a:defRPr>
+              </a:lvl2pPr>
+              <a:lvl3pPr marL="914400" algn="l" defTabSz="914400" rtl="0" eaLnBrk="1" latinLnBrk="0" hangingPunct="1">
+                <a:defRPr sz="1800" kern="1200">
+                  <a:solidFill>
+                    <a:schemeClr val="tx1"/>
+                  </a:solidFill>
+                  <a:latin typeface="+mn-lt"/>
+                  <a:ea typeface="+mn-ea"/>
+                  <a:cs typeface="+mn-cs"/>
+                </a:defRPr>
+              </a:lvl3pPr>
+              <a:lvl4pPr marL="1371600" algn="l" defTabSz="914400" rtl="0" eaLnBrk="1" latinLnBrk="0" hangingPunct="1">
+                <a:defRPr sz="1800" kern="1200">
+                  <a:solidFill>
+                    <a:schemeClr val="tx1"/>
+                  </a:solidFill>
+                  <a:latin typeface="+mn-lt"/>
+                  <a:ea typeface="+mn-ea"/>
+                  <a:cs typeface="+mn-cs"/>
+                </a:defRPr>
+              </a:lvl4pPr>
+              <a:lvl5pPr marL="1828800" algn="l" defTabSz="914400" rtl="0" eaLnBrk="1" latinLnBrk="0" hangingPunct="1">
+                <a:defRPr sz="1800" kern="1200">
+                  <a:solidFill>
+                    <a:schemeClr val="tx1"/>
+                  </a:solidFill>
+                  <a:latin typeface="+mn-lt"/>
+                  <a:ea typeface="+mn-ea"/>
+                  <a:cs typeface="+mn-cs"/>
+                </a:defRPr>
+              </a:lvl5pPr>
+              <a:lvl6pPr marL="2286000" algn="l" defTabSz="914400" rtl="0" eaLnBrk="1" latinLnBrk="0" hangingPunct="1">
+                <a:defRPr sz="1800" kern="1200">
+                  <a:solidFill>
+                    <a:schemeClr val="tx1"/>
+                  </a:solidFill>
+                  <a:latin typeface="+mn-lt"/>
+                  <a:ea typeface="+mn-ea"/>
+                  <a:cs typeface="+mn-cs"/>
+                </a:defRPr>
+              </a:lvl6pPr>
+              <a:lvl7pPr marL="2743200" algn="l" defTabSz="914400" rtl="0" eaLnBrk="1" latinLnBrk="0" hangingPunct="1">
+                <a:defRPr sz="1800" kern="1200">
+                  <a:solidFill>
+                    <a:schemeClr val="tx1"/>
+                  </a:solidFill>
+                  <a:latin typeface="+mn-lt"/>
+                  <a:ea typeface="+mn-ea"/>
+                  <a:cs typeface="+mn-cs"/>
+                </a:defRPr>
+              </a:lvl7pPr>
+              <a:lvl8pPr marL="3200400" algn="l" defTabSz="914400" rtl="0" eaLnBrk="1" latinLnBrk="0" hangingPunct="1">
+                <a:defRPr sz="1800" kern="1200">
+                  <a:solidFill>
+                    <a:schemeClr val="tx1"/>
+                  </a:solidFill>
+                  <a:latin typeface="+mn-lt"/>
+                  <a:ea typeface="+mn-ea"/>
+                  <a:cs typeface="+mn-cs"/>
+                </a:defRPr>
+              </a:lvl8pPr>
+              <a:lvl9pPr marL="3657600" algn="l" defTabSz="914400" rtl="0" eaLnBrk="1" latinLnBrk="0" hangingPunct="1">
+                <a:defRPr sz="1800" kern="1200">
+                  <a:solidFill>
+                    <a:schemeClr val="tx1"/>
+                  </a:solidFill>
+                  <a:latin typeface="+mn-lt"/>
+                  <a:ea typeface="+mn-ea"/>
+                  <a:cs typeface="+mn-cs"/>
+                </a:defRPr>
+              </a:lvl9pPr>
+            </a:lstStyle>
+            <a:p>
+              <a:endParaRPr lang="en-US">
+                <a:solidFill>
+                  <a:srgbClr val="5F5F5F"/>
+                </a:solidFill>
+                <a:latin typeface="Segoe UI" panose="020B0502040204020203" pitchFamily="34" charset="0"/>
+                <a:cs typeface="Segoe UI" panose="020B0502040204020203" pitchFamily="34" charset="0"/>
+              </a:endParaRPr>
+            </a:p>
+          </p:txBody>
+        </p:sp>
+        <p:grpSp>
+          <p:nvGrpSpPr>
+            <p:cNvPr id="11" name="Navigation Buttons"/>
+            <p:cNvGrpSpPr/>
+            <p:nvPr/>
+          </p:nvGrpSpPr>
+          <p:grpSpPr>
+            <a:xfrm>
+              <a:off x="675422" y="1436912"/>
+              <a:ext cx="406155" cy="109581"/>
+              <a:chOff x="675422" y="1436912"/>
+              <a:chExt cx="406155" cy="109581"/>
+            </a:xfrm>
+          </p:grpSpPr>
+          <p:sp>
+            <p:nvSpPr>
+              <p:cNvPr id="12" name="Back Button" descr="&lt;SmartSettings&gt;&lt;SmartResize anchorLeft=&quot;Absolute&quot; anchorTop=&quot;Absolute&quot; anchorRight=&quot;None&quot; anchorBottom=&quot;None&quot; /&gt;&lt;/SmartSettings&gt;"/>
+              <p:cNvSpPr>
+                <a:spLocks noChangeAspect="1" noEditPoints="1"/>
+              </p:cNvSpPr>
+              <p:nvPr>
+                <p:custDataLst>
+                  <p:tags r:id="rId8"/>
+                </p:custDataLst>
+              </p:nvPr>
+            </p:nvSpPr>
+            <p:spPr bwMode="auto">
+              <a:xfrm>
+                <a:off x="675422" y="1453500"/>
+                <a:ext cx="96512" cy="76405"/>
+              </a:xfrm>
+              <a:custGeom>
+                <a:avLst/>
+                <a:gdLst>
+                  <a:gd name="T0" fmla="*/ 159 w 423"/>
+                  <a:gd name="T1" fmla="*/ 332 h 332"/>
+                  <a:gd name="T2" fmla="*/ 0 w 423"/>
+                  <a:gd name="T3" fmla="*/ 166 h 332"/>
+                  <a:gd name="T4" fmla="*/ 159 w 423"/>
+                  <a:gd name="T5" fmla="*/ 0 h 332"/>
+                  <a:gd name="T6" fmla="*/ 15 w 423"/>
+                  <a:gd name="T7" fmla="*/ 166 h 332"/>
+                  <a:gd name="T8" fmla="*/ 423 w 423"/>
+                  <a:gd name="T9" fmla="*/ 166 h 332"/>
+                </a:gdLst>
+                <a:ahLst/>
+                <a:cxnLst>
+                  <a:cxn ang="0">
+                    <a:pos x="T0" y="T1"/>
+                  </a:cxn>
+                  <a:cxn ang="0">
+                    <a:pos x="T2" y="T3"/>
+                  </a:cxn>
+                  <a:cxn ang="0">
+                    <a:pos x="T4" y="T5"/>
+                  </a:cxn>
+                  <a:cxn ang="0">
+                    <a:pos x="T6" y="T7"/>
+                  </a:cxn>
+                  <a:cxn ang="0">
+                    <a:pos x="T8" y="T9"/>
+                  </a:cxn>
+                </a:cxnLst>
+                <a:rect l="0" t="0" r="r" b="b"/>
+                <a:pathLst>
+                  <a:path w="423" h="332">
+                    <a:moveTo>
+                      <a:pt x="159" y="332"/>
+                    </a:moveTo>
+                    <a:lnTo>
+                      <a:pt x="0" y="166"/>
+                    </a:lnTo>
+                    <a:lnTo>
+                      <a:pt x="159" y="0"/>
+                    </a:lnTo>
+                    <a:moveTo>
+                      <a:pt x="15" y="166"/>
+                    </a:moveTo>
+                    <a:lnTo>
+                      <a:pt x="423" y="166"/>
+                    </a:lnTo>
+                  </a:path>
+                </a:pathLst>
+              </a:custGeom>
+              <a:noFill/>
+              <a:ln w="6350" cap="sq">
+                <a:solidFill>
+                  <a:srgbClr val="808080"/>
+                </a:solidFill>
+                <a:prstDash val="solid"/>
+                <a:miter lim="800000"/>
+                <a:headEnd/>
+                <a:tailEnd/>
+              </a:ln>
+              <a:extLst>
+                <a:ext uri="{909E8E84-426E-40DD-AFC4-6F175D3DCCD1}">
+                  <a14:hiddenFill xmlns:a14="http://schemas.microsoft.com/office/drawing/2010/main">
+                    <a:solidFill>
+                      <a:srgbClr val="FFFFFF"/>
+                    </a:solidFill>
+                  </a14:hiddenFill>
+                </a:ext>
+              </a:extLst>
+            </p:spPr>
+            <p:txBody>
+              <a:bodyPr vert="horz" wrap="square" lIns="91440" tIns="45720" rIns="91440" bIns="45720" numCol="1" anchor="t" anchorCtr="0" compatLnSpc="1">
+                <a:prstTxWarp prst="textNoShape">
+                  <a:avLst/>
+                </a:prstTxWarp>
+              </a:bodyPr>
+              <a:lstStyle>
+                <a:defPPr>
+                  <a:defRPr lang="en-US"/>
+                </a:defPPr>
+                <a:lvl1pPr marL="0" algn="l" defTabSz="914400" rtl="0" eaLnBrk="1" latinLnBrk="0" hangingPunct="1">
+                  <a:defRPr sz="1800" kern="1200">
+                    <a:solidFill>
+                      <a:schemeClr val="tx1"/>
+                    </a:solidFill>
+                    <a:latin typeface="+mn-lt"/>
+                    <a:ea typeface="+mn-ea"/>
+                    <a:cs typeface="+mn-cs"/>
+                  </a:defRPr>
+                </a:lvl1pPr>
+                <a:lvl2pPr marL="457200" algn="l" defTabSz="914400" rtl="0" eaLnBrk="1" latinLnBrk="0" hangingPunct="1">
+                  <a:defRPr sz="1800" kern="1200">
+                    <a:solidFill>
+                      <a:schemeClr val="tx1"/>
+                    </a:solidFill>
+                    <a:latin typeface="+mn-lt"/>
+                    <a:ea typeface="+mn-ea"/>
+                    <a:cs typeface="+mn-cs"/>
+                  </a:defRPr>
+                </a:lvl2pPr>
+                <a:lvl3pPr marL="914400" algn="l" defTabSz="914400" rtl="0" eaLnBrk="1" latinLnBrk="0" hangingPunct="1">
+                  <a:defRPr sz="1800" kern="1200">
+                    <a:solidFill>
+                      <a:schemeClr val="tx1"/>
+                    </a:solidFill>
+                    <a:latin typeface="+mn-lt"/>
+                    <a:ea typeface="+mn-ea"/>
+                    <a:cs typeface="+mn-cs"/>
+                  </a:defRPr>
+                </a:lvl3pPr>
+                <a:lvl4pPr marL="1371600" algn="l" defTabSz="914400" rtl="0" eaLnBrk="1" latinLnBrk="0" hangingPunct="1">
+                  <a:defRPr sz="1800" kern="1200">
+                    <a:solidFill>
+                      <a:schemeClr val="tx1"/>
+                    </a:solidFill>
+                    <a:latin typeface="+mn-lt"/>
+                    <a:ea typeface="+mn-ea"/>
+                    <a:cs typeface="+mn-cs"/>
+                  </a:defRPr>
+                </a:lvl4pPr>
+                <a:lvl5pPr marL="1828800" algn="l" defTabSz="914400" rtl="0" eaLnBrk="1" latinLnBrk="0" hangingPunct="1">
+                  <a:defRPr sz="1800" kern="1200">
+                    <a:solidFill>
+                      <a:schemeClr val="tx1"/>
+                    </a:solidFill>
+                    <a:latin typeface="+mn-lt"/>
+                    <a:ea typeface="+mn-ea"/>
+                    <a:cs typeface="+mn-cs"/>
+                  </a:defRPr>
+                </a:lvl5pPr>
+                <a:lvl6pPr marL="2286000" algn="l" defTabSz="914400" rtl="0" eaLnBrk="1" latinLnBrk="0" hangingPunct="1">
+                  <a:defRPr sz="1800" kern="1200">
+                    <a:solidFill>
+                      <a:schemeClr val="tx1"/>
+                    </a:solidFill>
+                    <a:latin typeface="+mn-lt"/>
+                    <a:ea typeface="+mn-ea"/>
+                    <a:cs typeface="+mn-cs"/>
+                  </a:defRPr>
+                </a:lvl6pPr>
+                <a:lvl7pPr marL="2743200" algn="l" defTabSz="914400" rtl="0" eaLnBrk="1" latinLnBrk="0" hangingPunct="1">
+                  <a:defRPr sz="1800" kern="1200">
+                    <a:solidFill>
+                      <a:schemeClr val="tx1"/>
+                    </a:solidFill>
+                    <a:latin typeface="+mn-lt"/>
+                    <a:ea typeface="+mn-ea"/>
+                    <a:cs typeface="+mn-cs"/>
+                  </a:defRPr>
+                </a:lvl7pPr>
+                <a:lvl8pPr marL="3200400" algn="l" defTabSz="914400" rtl="0" eaLnBrk="1" latinLnBrk="0" hangingPunct="1">
+                  <a:defRPr sz="1800" kern="1200">
+                    <a:solidFill>
+                      <a:schemeClr val="tx1"/>
+                    </a:solidFill>
+                    <a:latin typeface="+mn-lt"/>
+                    <a:ea typeface="+mn-ea"/>
+                    <a:cs typeface="+mn-cs"/>
+                  </a:defRPr>
+                </a:lvl8pPr>
+                <a:lvl9pPr marL="3657600" algn="l" defTabSz="914400" rtl="0" eaLnBrk="1" latinLnBrk="0" hangingPunct="1">
+                  <a:defRPr sz="1800" kern="1200">
+                    <a:solidFill>
+                      <a:schemeClr val="tx1"/>
+                    </a:solidFill>
+                    <a:latin typeface="+mn-lt"/>
+                    <a:ea typeface="+mn-ea"/>
+                    <a:cs typeface="+mn-cs"/>
+                  </a:defRPr>
+                </a:lvl9pPr>
+              </a:lstStyle>
+              <a:p>
+                <a:endParaRPr lang="en-US">
+                  <a:solidFill>
+                    <a:srgbClr val="5F5F5F"/>
+                  </a:solidFill>
+                  <a:latin typeface="Segoe UI" panose="020B0502040204020203" pitchFamily="34" charset="0"/>
+                  <a:cs typeface="Segoe UI" panose="020B0502040204020203" pitchFamily="34" charset="0"/>
+                </a:endParaRPr>
+              </a:p>
+            </p:txBody>
+          </p:sp>
+          <p:sp>
+            <p:nvSpPr>
+              <p:cNvPr id="13" name="Forward Button" descr="&lt;SmartSettings&gt;&lt;SmartResize anchorLeft=&quot;Absolute&quot; anchorTop=&quot;Absolute&quot; anchorRight=&quot;None&quot; anchorBottom=&quot;None&quot; /&gt;&lt;/SmartSettings&gt;"/>
+              <p:cNvSpPr>
+                <a:spLocks noChangeAspect="1" noEditPoints="1"/>
+              </p:cNvSpPr>
+              <p:nvPr>
+                <p:custDataLst>
+                  <p:tags r:id="rId9"/>
+                </p:custDataLst>
+              </p:nvPr>
+            </p:nvSpPr>
+            <p:spPr bwMode="auto">
+              <a:xfrm>
+                <a:off x="828233" y="1453500"/>
+                <a:ext cx="96512" cy="76405"/>
+              </a:xfrm>
+              <a:custGeom>
+                <a:avLst/>
+                <a:gdLst>
+                  <a:gd name="T0" fmla="*/ 265 w 423"/>
+                  <a:gd name="T1" fmla="*/ 0 h 332"/>
+                  <a:gd name="T2" fmla="*/ 423 w 423"/>
+                  <a:gd name="T3" fmla="*/ 166 h 332"/>
+                  <a:gd name="T4" fmla="*/ 265 w 423"/>
+                  <a:gd name="T5" fmla="*/ 332 h 332"/>
+                  <a:gd name="T6" fmla="*/ 408 w 423"/>
+                  <a:gd name="T7" fmla="*/ 166 h 332"/>
+                  <a:gd name="T8" fmla="*/ 0 w 423"/>
+                  <a:gd name="T9" fmla="*/ 166 h 332"/>
+                </a:gdLst>
+                <a:ahLst/>
+                <a:cxnLst>
+                  <a:cxn ang="0">
+                    <a:pos x="T0" y="T1"/>
+                  </a:cxn>
+                  <a:cxn ang="0">
+                    <a:pos x="T2" y="T3"/>
+                  </a:cxn>
+                  <a:cxn ang="0">
+                    <a:pos x="T4" y="T5"/>
+                  </a:cxn>
+                  <a:cxn ang="0">
+                    <a:pos x="T6" y="T7"/>
+                  </a:cxn>
+                  <a:cxn ang="0">
+                    <a:pos x="T8" y="T9"/>
+                  </a:cxn>
+                </a:cxnLst>
+                <a:rect l="0" t="0" r="r" b="b"/>
+                <a:pathLst>
+                  <a:path w="423" h="332">
+                    <a:moveTo>
+                      <a:pt x="265" y="0"/>
+                    </a:moveTo>
+                    <a:lnTo>
+                      <a:pt x="423" y="166"/>
+                    </a:lnTo>
+                    <a:lnTo>
+                      <a:pt x="265" y="332"/>
+                    </a:lnTo>
+                    <a:moveTo>
+                      <a:pt x="408" y="166"/>
+                    </a:moveTo>
+                    <a:lnTo>
+                      <a:pt x="0" y="166"/>
+                    </a:lnTo>
+                  </a:path>
+                </a:pathLst>
+              </a:custGeom>
+              <a:noFill/>
+              <a:ln w="6350" cap="sq">
+                <a:solidFill>
+                  <a:srgbClr val="808080"/>
+                </a:solidFill>
+                <a:prstDash val="solid"/>
+                <a:miter lim="800000"/>
+                <a:headEnd/>
+                <a:tailEnd/>
+              </a:ln>
+              <a:extLst>
+                <a:ext uri="{909E8E84-426E-40DD-AFC4-6F175D3DCCD1}">
+                  <a14:hiddenFill xmlns:a14="http://schemas.microsoft.com/office/drawing/2010/main">
+                    <a:solidFill>
+                      <a:srgbClr val="FFFFFF"/>
+                    </a:solidFill>
+                  </a14:hiddenFill>
+                </a:ext>
+              </a:extLst>
+            </p:spPr>
+            <p:txBody>
+              <a:bodyPr vert="horz" wrap="square" lIns="91440" tIns="45720" rIns="91440" bIns="45720" numCol="1" anchor="t" anchorCtr="0" compatLnSpc="1">
+                <a:prstTxWarp prst="textNoShape">
+                  <a:avLst/>
+                </a:prstTxWarp>
+              </a:bodyPr>
+              <a:lstStyle>
+                <a:defPPr>
+                  <a:defRPr lang="en-US"/>
+                </a:defPPr>
+                <a:lvl1pPr marL="0" algn="l" defTabSz="914400" rtl="0" eaLnBrk="1" latinLnBrk="0" hangingPunct="1">
+                  <a:defRPr sz="1800" kern="1200">
+                    <a:solidFill>
+                      <a:schemeClr val="tx1"/>
+                    </a:solidFill>
+                    <a:latin typeface="+mn-lt"/>
+                    <a:ea typeface="+mn-ea"/>
+                    <a:cs typeface="+mn-cs"/>
+                  </a:defRPr>
+                </a:lvl1pPr>
+                <a:lvl2pPr marL="457200" algn="l" defTabSz="914400" rtl="0" eaLnBrk="1" latinLnBrk="0" hangingPunct="1">
+                  <a:defRPr sz="1800" kern="1200">
+                    <a:solidFill>
+                      <a:schemeClr val="tx1"/>
+                    </a:solidFill>
+                    <a:latin typeface="+mn-lt"/>
+                    <a:ea typeface="+mn-ea"/>
+                    <a:cs typeface="+mn-cs"/>
+                  </a:defRPr>
+                </a:lvl2pPr>
+                <a:lvl3pPr marL="914400" algn="l" defTabSz="914400" rtl="0" eaLnBrk="1" latinLnBrk="0" hangingPunct="1">
+                  <a:defRPr sz="1800" kern="1200">
+                    <a:solidFill>
+                      <a:schemeClr val="tx1"/>
+                    </a:solidFill>
+                    <a:latin typeface="+mn-lt"/>
+                    <a:ea typeface="+mn-ea"/>
+                    <a:cs typeface="+mn-cs"/>
+                  </a:defRPr>
+                </a:lvl3pPr>
+                <a:lvl4pPr marL="1371600" algn="l" defTabSz="914400" rtl="0" eaLnBrk="1" latinLnBrk="0" hangingPunct="1">
+                  <a:defRPr sz="1800" kern="1200">
+                    <a:solidFill>
+                      <a:schemeClr val="tx1"/>
+                    </a:solidFill>
+                    <a:latin typeface="+mn-lt"/>
+                    <a:ea typeface="+mn-ea"/>
+                    <a:cs typeface="+mn-cs"/>
+                  </a:defRPr>
+                </a:lvl4pPr>
+                <a:lvl5pPr marL="1828800" algn="l" defTabSz="914400" rtl="0" eaLnBrk="1" latinLnBrk="0" hangingPunct="1">
+                  <a:defRPr sz="1800" kern="1200">
+                    <a:solidFill>
+                      <a:schemeClr val="tx1"/>
+                    </a:solidFill>
+                    <a:latin typeface="+mn-lt"/>
+                    <a:ea typeface="+mn-ea"/>
+                    <a:cs typeface="+mn-cs"/>
+                  </a:defRPr>
+                </a:lvl5pPr>
+                <a:lvl6pPr marL="2286000" algn="l" defTabSz="914400" rtl="0" eaLnBrk="1" latinLnBrk="0" hangingPunct="1">
+                  <a:defRPr sz="1800" kern="1200">
+                    <a:solidFill>
+                      <a:schemeClr val="tx1"/>
+                    </a:solidFill>
+                    <a:latin typeface="+mn-lt"/>
+                    <a:ea typeface="+mn-ea"/>
+                    <a:cs typeface="+mn-cs"/>
+                  </a:defRPr>
+                </a:lvl6pPr>
+                <a:lvl7pPr marL="2743200" algn="l" defTabSz="914400" rtl="0" eaLnBrk="1" latinLnBrk="0" hangingPunct="1">
+                  <a:defRPr sz="1800" kern="1200">
+                    <a:solidFill>
+                      <a:schemeClr val="tx1"/>
+                    </a:solidFill>
+                    <a:latin typeface="+mn-lt"/>
+                    <a:ea typeface="+mn-ea"/>
+                    <a:cs typeface="+mn-cs"/>
+                  </a:defRPr>
+                </a:lvl7pPr>
+                <a:lvl8pPr marL="3200400" algn="l" defTabSz="914400" rtl="0" eaLnBrk="1" latinLnBrk="0" hangingPunct="1">
+                  <a:defRPr sz="1800" kern="1200">
+                    <a:solidFill>
+                      <a:schemeClr val="tx1"/>
+                    </a:solidFill>
+                    <a:latin typeface="+mn-lt"/>
+                    <a:ea typeface="+mn-ea"/>
+                    <a:cs typeface="+mn-cs"/>
+                  </a:defRPr>
+                </a:lvl8pPr>
+                <a:lvl9pPr marL="3657600" algn="l" defTabSz="914400" rtl="0" eaLnBrk="1" latinLnBrk="0" hangingPunct="1">
+                  <a:defRPr sz="1800" kern="1200">
+                    <a:solidFill>
+                      <a:schemeClr val="tx1"/>
+                    </a:solidFill>
+                    <a:latin typeface="+mn-lt"/>
+                    <a:ea typeface="+mn-ea"/>
+                    <a:cs typeface="+mn-cs"/>
+                  </a:defRPr>
+                </a:lvl9pPr>
+              </a:lstStyle>
+              <a:p>
+                <a:endParaRPr lang="en-US">
+                  <a:solidFill>
+                    <a:srgbClr val="5F5F5F"/>
+                  </a:solidFill>
+                  <a:latin typeface="Segoe UI" panose="020B0502040204020203" pitchFamily="34" charset="0"/>
+                  <a:cs typeface="Segoe UI" panose="020B0502040204020203" pitchFamily="34" charset="0"/>
+                </a:endParaRPr>
+              </a:p>
+            </p:txBody>
+          </p:sp>
+          <p:sp>
+            <p:nvSpPr>
+              <p:cNvPr id="14" name="Reload Button" descr="&lt;SmartSettings&gt;&lt;SmartResize anchorLeft=&quot;Absolute&quot; anchorTop=&quot;Absolute&quot; anchorRight=&quot;None&quot; anchorBottom=&quot;None&quot; /&gt;&lt;/SmartSettings&gt;"/>
+              <p:cNvSpPr>
+                <a:spLocks noChangeAspect="1" noEditPoints="1"/>
+              </p:cNvSpPr>
+              <p:nvPr>
+                <p:custDataLst>
+                  <p:tags r:id="rId10"/>
+                </p:custDataLst>
+              </p:nvPr>
+            </p:nvSpPr>
+            <p:spPr bwMode="auto">
+              <a:xfrm>
+                <a:off x="981044" y="1436912"/>
+                <a:ext cx="100533" cy="109581"/>
+              </a:xfrm>
+              <a:custGeom>
+                <a:avLst/>
+                <a:gdLst>
+                  <a:gd name="T0" fmla="*/ 441 w 441"/>
+                  <a:gd name="T1" fmla="*/ 7 h 474"/>
+                  <a:gd name="T2" fmla="*/ 441 w 441"/>
+                  <a:gd name="T3" fmla="*/ 144 h 474"/>
+                  <a:gd name="T4" fmla="*/ 296 w 441"/>
+                  <a:gd name="T5" fmla="*/ 144 h 474"/>
+                  <a:gd name="T6" fmla="*/ 438 w 441"/>
+                  <a:gd name="T7" fmla="*/ 309 h 474"/>
+                  <a:gd name="T8" fmla="*/ 166 w 441"/>
+                  <a:gd name="T9" fmla="*/ 434 h 474"/>
+                  <a:gd name="T10" fmla="*/ 41 w 441"/>
+                  <a:gd name="T11" fmla="*/ 162 h 474"/>
+                  <a:gd name="T12" fmla="*/ 313 w 441"/>
+                  <a:gd name="T13" fmla="*/ 37 h 474"/>
+                  <a:gd name="T14" fmla="*/ 428 w 441"/>
+                  <a:gd name="T15" fmla="*/ 139 h 474"/>
+                </a:gdLst>
+                <a:ahLst/>
+                <a:cxnLst>
+                  <a:cxn ang="0">
+                    <a:pos x="T0" y="T1"/>
+                  </a:cxn>
+                  <a:cxn ang="0">
+                    <a:pos x="T2" y="T3"/>
+                  </a:cxn>
+                  <a:cxn ang="0">
+                    <a:pos x="T4" y="T5"/>
+                  </a:cxn>
+                  <a:cxn ang="0">
+                    <a:pos x="T6" y="T7"/>
+                  </a:cxn>
+                  <a:cxn ang="0">
+                    <a:pos x="T8" y="T9"/>
+                  </a:cxn>
+                  <a:cxn ang="0">
+                    <a:pos x="T10" y="T11"/>
+                  </a:cxn>
+                  <a:cxn ang="0">
+                    <a:pos x="T12" y="T13"/>
+                  </a:cxn>
+                  <a:cxn ang="0">
+                    <a:pos x="T14" y="T15"/>
+                  </a:cxn>
+                </a:cxnLst>
+                <a:rect l="0" t="0" r="r" b="b"/>
+                <a:pathLst>
+                  <a:path w="441" h="474">
+                    <a:moveTo>
+                      <a:pt x="441" y="7"/>
+                    </a:moveTo>
+                    <a:lnTo>
+                      <a:pt x="441" y="144"/>
+                    </a:lnTo>
+                    <a:lnTo>
+                      <a:pt x="296" y="144"/>
+                    </a:lnTo>
+                    <a:moveTo>
+                      <a:pt x="438" y="309"/>
+                    </a:moveTo>
+                    <a:cubicBezTo>
+                      <a:pt x="397" y="418"/>
+                      <a:pt x="276" y="474"/>
+                      <a:pt x="166" y="434"/>
+                    </a:cubicBezTo>
+                    <a:cubicBezTo>
+                      <a:pt x="56" y="393"/>
+                      <a:pt x="0" y="271"/>
+                      <a:pt x="41" y="162"/>
+                    </a:cubicBezTo>
+                    <a:cubicBezTo>
+                      <a:pt x="82" y="52"/>
+                      <a:pt x="202" y="0"/>
+                      <a:pt x="313" y="37"/>
+                    </a:cubicBezTo>
+                    <a:cubicBezTo>
+                      <a:pt x="357" y="51"/>
+                      <a:pt x="398" y="91"/>
+                      <a:pt x="428" y="139"/>
+                    </a:cubicBezTo>
+                  </a:path>
+                </a:pathLst>
+              </a:custGeom>
+              <a:noFill/>
+              <a:ln w="6350" cap="flat">
+                <a:solidFill>
+                  <a:srgbClr val="808080"/>
+                </a:solidFill>
+                <a:prstDash val="solid"/>
+                <a:miter lim="800000"/>
+                <a:headEnd/>
+                <a:tailEnd/>
+              </a:ln>
+              <a:extLst>
+                <a:ext uri="{909E8E84-426E-40DD-AFC4-6F175D3DCCD1}">
+                  <a14:hiddenFill xmlns:a14="http://schemas.microsoft.com/office/drawing/2010/main">
+                    <a:solidFill>
+                      <a:srgbClr val="FFFFFF"/>
+                    </a:solidFill>
+                  </a14:hiddenFill>
+                </a:ext>
+              </a:extLst>
+            </p:spPr>
+            <p:txBody>
+              <a:bodyPr vert="horz" wrap="square" lIns="91440" tIns="45720" rIns="91440" bIns="45720" numCol="1" anchor="t" anchorCtr="0" compatLnSpc="1">
+                <a:prstTxWarp prst="textNoShape">
+                  <a:avLst/>
+                </a:prstTxWarp>
+              </a:bodyPr>
+              <a:lstStyle>
+                <a:defPPr>
+                  <a:defRPr lang="en-US"/>
+                </a:defPPr>
+                <a:lvl1pPr marL="0" algn="l" defTabSz="914400" rtl="0" eaLnBrk="1" latinLnBrk="0" hangingPunct="1">
+                  <a:defRPr sz="1800" kern="1200">
+                    <a:solidFill>
+                      <a:schemeClr val="tx1"/>
+                    </a:solidFill>
+                    <a:latin typeface="+mn-lt"/>
+                    <a:ea typeface="+mn-ea"/>
+                    <a:cs typeface="+mn-cs"/>
+                  </a:defRPr>
+                </a:lvl1pPr>
+                <a:lvl2pPr marL="457200" algn="l" defTabSz="914400" rtl="0" eaLnBrk="1" latinLnBrk="0" hangingPunct="1">
+                  <a:defRPr sz="1800" kern="1200">
+                    <a:solidFill>
+                      <a:schemeClr val="tx1"/>
+                    </a:solidFill>
+                    <a:latin typeface="+mn-lt"/>
+                    <a:ea typeface="+mn-ea"/>
+                    <a:cs typeface="+mn-cs"/>
+                  </a:defRPr>
+                </a:lvl2pPr>
+                <a:lvl3pPr marL="914400" algn="l" defTabSz="914400" rtl="0" eaLnBrk="1" latinLnBrk="0" hangingPunct="1">
+                  <a:defRPr sz="1800" kern="1200">
+                    <a:solidFill>
+                      <a:schemeClr val="tx1"/>
+                    </a:solidFill>
+                    <a:latin typeface="+mn-lt"/>
+                    <a:ea typeface="+mn-ea"/>
+                    <a:cs typeface="+mn-cs"/>
+                  </a:defRPr>
+                </a:lvl3pPr>
+                <a:lvl4pPr marL="1371600" algn="l" defTabSz="914400" rtl="0" eaLnBrk="1" latinLnBrk="0" hangingPunct="1">
+                  <a:defRPr sz="1800" kern="1200">
+                    <a:solidFill>
+                      <a:schemeClr val="tx1"/>
+                    </a:solidFill>
+                    <a:latin typeface="+mn-lt"/>
+                    <a:ea typeface="+mn-ea"/>
+                    <a:cs typeface="+mn-cs"/>
+                  </a:defRPr>
+                </a:lvl4pPr>
+                <a:lvl5pPr marL="1828800" algn="l" defTabSz="914400" rtl="0" eaLnBrk="1" latinLnBrk="0" hangingPunct="1">
+                  <a:defRPr sz="1800" kern="1200">
+                    <a:solidFill>
+                      <a:schemeClr val="tx1"/>
+                    </a:solidFill>
+                    <a:latin typeface="+mn-lt"/>
+                    <a:ea typeface="+mn-ea"/>
+                    <a:cs typeface="+mn-cs"/>
+                  </a:defRPr>
+                </a:lvl5pPr>
+                <a:lvl6pPr marL="2286000" algn="l" defTabSz="914400" rtl="0" eaLnBrk="1" latinLnBrk="0" hangingPunct="1">
+                  <a:defRPr sz="1800" kern="1200">
+                    <a:solidFill>
+                      <a:schemeClr val="tx1"/>
+                    </a:solidFill>
+                    <a:latin typeface="+mn-lt"/>
+                    <a:ea typeface="+mn-ea"/>
+                    <a:cs typeface="+mn-cs"/>
+                  </a:defRPr>
+                </a:lvl6pPr>
+                <a:lvl7pPr marL="2743200" algn="l" defTabSz="914400" rtl="0" eaLnBrk="1" latinLnBrk="0" hangingPunct="1">
+                  <a:defRPr sz="1800" kern="1200">
+                    <a:solidFill>
+                      <a:schemeClr val="tx1"/>
+                    </a:solidFill>
+                    <a:latin typeface="+mn-lt"/>
+                    <a:ea typeface="+mn-ea"/>
+                    <a:cs typeface="+mn-cs"/>
+                  </a:defRPr>
+                </a:lvl7pPr>
+                <a:lvl8pPr marL="3200400" algn="l" defTabSz="914400" rtl="0" eaLnBrk="1" latinLnBrk="0" hangingPunct="1">
+                  <a:defRPr sz="1800" kern="1200">
+                    <a:solidFill>
+                      <a:schemeClr val="tx1"/>
+                    </a:solidFill>
+                    <a:latin typeface="+mn-lt"/>
+                    <a:ea typeface="+mn-ea"/>
+                    <a:cs typeface="+mn-cs"/>
+                  </a:defRPr>
+                </a:lvl8pPr>
+                <a:lvl9pPr marL="3657600" algn="l" defTabSz="914400" rtl="0" eaLnBrk="1" latinLnBrk="0" hangingPunct="1">
+                  <a:defRPr sz="1800" kern="1200">
+                    <a:solidFill>
+                      <a:schemeClr val="tx1"/>
+                    </a:solidFill>
+                    <a:latin typeface="+mn-lt"/>
+                    <a:ea typeface="+mn-ea"/>
+                    <a:cs typeface="+mn-cs"/>
+                  </a:defRPr>
+                </a:lvl9pPr>
+              </a:lstStyle>
+              <a:p>
+                <a:endParaRPr lang="en-US">
+                  <a:solidFill>
+                    <a:srgbClr val="5F5F5F"/>
+                  </a:solidFill>
+                  <a:latin typeface="Segoe UI" panose="020B0502040204020203" pitchFamily="34" charset="0"/>
+                  <a:cs typeface="Segoe UI" panose="020B0502040204020203" pitchFamily="34" charset="0"/>
+                </a:endParaRPr>
+              </a:p>
+            </p:txBody>
+          </p:sp>
+        </p:grpSp>
+      </p:grpSp>
+      <p:sp>
+        <p:nvSpPr>
+          <p:cNvPr id="16" name="Rectangle 15"/>
+          <p:cNvSpPr/>
+          <p:nvPr/>
+        </p:nvSpPr>
+        <p:spPr>
+          <a:xfrm>
+            <a:off x="1696684" y="544610"/>
+            <a:ext cx="10530041" cy="1245689"/>
+          </a:xfrm>
+          <a:prstGeom prst="rect">
+            <a:avLst/>
+          </a:prstGeom>
+          <a:solidFill>
+            <a:schemeClr val="tx2">
+              <a:lumMod val="75000"/>
+            </a:schemeClr>
+          </a:solidFill>
+        </p:spPr>
+        <p:style>
+          <a:lnRef idx="2">
+            <a:schemeClr val="accent1">
+              <a:shade val="50000"/>
+            </a:schemeClr>
+          </a:lnRef>
+          <a:fillRef idx="1">
+            <a:schemeClr val="accent1"/>
+          </a:fillRef>
+          <a:effectRef idx="0">
+            <a:schemeClr val="accent1"/>
+          </a:effectRef>
+          <a:fontRef idx="minor">
+            <a:schemeClr val="lt1"/>
+          </a:fontRef>
+        </p:style>
+        <p:txBody>
+          <a:bodyPr rtlCol="0" anchor="ctr"/>
+          <a:lstStyle/>
+          <a:p>
+            <a:pPr algn="ctr"/>
+            <a:endParaRPr lang="fr-FR"/>
+          </a:p>
+        </p:txBody>
+      </p:sp>
+      <p:sp>
+        <p:nvSpPr>
+          <p:cNvPr id="17" name="ZoneTexte 16"/>
+          <p:cNvSpPr txBox="1"/>
+          <p:nvPr/>
+        </p:nvSpPr>
+        <p:spPr>
+          <a:xfrm>
+            <a:off x="4905106" y="788817"/>
+            <a:ext cx="4620126" cy="523220"/>
+          </a:xfrm>
+          <a:prstGeom prst="rect">
+            <a:avLst/>
+          </a:prstGeom>
+          <a:noFill/>
+        </p:spPr>
+        <p:txBody>
+          <a:bodyPr wrap="square" rtlCol="0">
+            <a:spAutoFit/>
+          </a:bodyPr>
+          <a:lstStyle/>
+          <a:p>
+            <a:r>
+              <a:rPr lang="fr-FR" sz="2800" dirty="0" smtClean="0">
+                <a:solidFill>
+                  <a:schemeClr val="bg1"/>
+                </a:solidFill>
+              </a:rPr>
+              <a:t>LES TRESORS DE ONE PIECE</a:t>
+            </a:r>
+            <a:endParaRPr lang="fr-FR" sz="2800" dirty="0">
+              <a:solidFill>
+                <a:schemeClr val="bg1"/>
+              </a:solidFill>
+            </a:endParaRPr>
+          </a:p>
+        </p:txBody>
+      </p:sp>
+      <p:sp>
+        <p:nvSpPr>
+          <p:cNvPr id="18" name="ZoneTexte 17"/>
+          <p:cNvSpPr txBox="1"/>
+          <p:nvPr/>
+        </p:nvSpPr>
+        <p:spPr>
+          <a:xfrm>
+            <a:off x="10424159" y="573942"/>
+            <a:ext cx="2595613" cy="307777"/>
+          </a:xfrm>
+          <a:prstGeom prst="rect">
+            <a:avLst/>
+          </a:prstGeom>
+          <a:noFill/>
+        </p:spPr>
+        <p:txBody>
+          <a:bodyPr wrap="square" rtlCol="0">
+            <a:spAutoFit/>
+          </a:bodyPr>
+          <a:lstStyle/>
+          <a:p>
+            <a:r>
+              <a:rPr lang="fr-FR" sz="1400" dirty="0" smtClean="0">
+                <a:solidFill>
+                  <a:schemeClr val="bg1"/>
+                </a:solidFill>
+              </a:rPr>
+              <a:t>Inscription/Connexion</a:t>
+            </a:r>
+            <a:endParaRPr lang="fr-FR" sz="1400" dirty="0">
+              <a:solidFill>
+                <a:schemeClr val="bg1"/>
+              </a:solidFill>
+            </a:endParaRPr>
+          </a:p>
+        </p:txBody>
+      </p:sp>
+      <p:sp>
+        <p:nvSpPr>
+          <p:cNvPr id="19" name="ZoneTexte 18"/>
+          <p:cNvSpPr txBox="1"/>
+          <p:nvPr/>
+        </p:nvSpPr>
+        <p:spPr>
+          <a:xfrm>
+            <a:off x="1940273" y="1395663"/>
+            <a:ext cx="956931" cy="369332"/>
+          </a:xfrm>
+          <a:prstGeom prst="rect">
+            <a:avLst/>
+          </a:prstGeom>
+          <a:noFill/>
+        </p:spPr>
+        <p:txBody>
+          <a:bodyPr wrap="square" rtlCol="0">
+            <a:spAutoFit/>
+          </a:bodyPr>
+          <a:lstStyle/>
+          <a:p>
+            <a:r>
+              <a:rPr lang="fr-FR" dirty="0" smtClean="0">
+                <a:solidFill>
+                  <a:schemeClr val="bg1"/>
+                </a:solidFill>
+              </a:rPr>
+              <a:t>HOME</a:t>
+            </a:r>
+            <a:endParaRPr lang="fr-FR" dirty="0">
+              <a:solidFill>
+                <a:schemeClr val="bg1"/>
+              </a:solidFill>
+            </a:endParaRPr>
+          </a:p>
+        </p:txBody>
+      </p:sp>
+      <p:sp>
+        <p:nvSpPr>
+          <p:cNvPr id="20" name="ZoneTexte 19"/>
+          <p:cNvSpPr txBox="1"/>
+          <p:nvPr/>
+        </p:nvSpPr>
+        <p:spPr>
+          <a:xfrm>
+            <a:off x="3366361" y="1392614"/>
+            <a:ext cx="1266824" cy="369332"/>
+          </a:xfrm>
+          <a:prstGeom prst="rect">
+            <a:avLst/>
+          </a:prstGeom>
+          <a:noFill/>
+        </p:spPr>
+        <p:txBody>
+          <a:bodyPr wrap="square" rtlCol="0">
+            <a:spAutoFit/>
+          </a:bodyPr>
+          <a:lstStyle/>
+          <a:p>
+            <a:r>
+              <a:rPr lang="fr-FR" dirty="0" smtClean="0">
+                <a:solidFill>
+                  <a:schemeClr val="bg1"/>
+                </a:solidFill>
+              </a:rPr>
+              <a:t>FIGURINES</a:t>
+            </a:r>
+            <a:endParaRPr lang="fr-FR" dirty="0">
+              <a:solidFill>
+                <a:schemeClr val="bg1"/>
+              </a:solidFill>
+            </a:endParaRPr>
+          </a:p>
+        </p:txBody>
+      </p:sp>
+      <p:sp>
+        <p:nvSpPr>
+          <p:cNvPr id="21" name="ZoneTexte 20"/>
+          <p:cNvSpPr txBox="1"/>
+          <p:nvPr/>
+        </p:nvSpPr>
+        <p:spPr>
+          <a:xfrm>
+            <a:off x="8940265" y="1438857"/>
+            <a:ext cx="1905802" cy="369332"/>
+          </a:xfrm>
+          <a:prstGeom prst="rect">
+            <a:avLst/>
+          </a:prstGeom>
+          <a:noFill/>
+        </p:spPr>
+        <p:txBody>
+          <a:bodyPr wrap="square" rtlCol="0">
+            <a:spAutoFit/>
+          </a:bodyPr>
+          <a:lstStyle/>
+          <a:p>
+            <a:r>
+              <a:rPr lang="fr-FR" dirty="0" smtClean="0">
+                <a:solidFill>
+                  <a:schemeClr val="bg1"/>
+                </a:solidFill>
+              </a:rPr>
+              <a:t>VETEMENTS</a:t>
+            </a:r>
+            <a:endParaRPr lang="fr-FR" dirty="0">
+              <a:solidFill>
+                <a:schemeClr val="bg1"/>
+              </a:solidFill>
+            </a:endParaRPr>
+          </a:p>
+        </p:txBody>
+      </p:sp>
+      <p:sp>
+        <p:nvSpPr>
+          <p:cNvPr id="22" name="ZoneTexte 21"/>
+          <p:cNvSpPr txBox="1"/>
+          <p:nvPr/>
+        </p:nvSpPr>
+        <p:spPr>
+          <a:xfrm>
+            <a:off x="6620578" y="1420967"/>
+            <a:ext cx="1905802" cy="369332"/>
+          </a:xfrm>
+          <a:prstGeom prst="rect">
+            <a:avLst/>
+          </a:prstGeom>
+          <a:noFill/>
+        </p:spPr>
+        <p:txBody>
+          <a:bodyPr wrap="square" rtlCol="0">
+            <a:spAutoFit/>
+          </a:bodyPr>
+          <a:lstStyle/>
+          <a:p>
+            <a:r>
+              <a:rPr lang="fr-FR" dirty="0" smtClean="0">
+                <a:solidFill>
+                  <a:schemeClr val="bg1"/>
+                </a:solidFill>
+              </a:rPr>
+              <a:t>DVD &amp; BLU-RAY</a:t>
+            </a:r>
+            <a:endParaRPr lang="fr-FR" dirty="0">
+              <a:solidFill>
+                <a:schemeClr val="bg1"/>
+              </a:solidFill>
+            </a:endParaRPr>
+          </a:p>
+        </p:txBody>
+      </p:sp>
+      <p:sp>
+        <p:nvSpPr>
+          <p:cNvPr id="23" name="ZoneTexte 22"/>
+          <p:cNvSpPr txBox="1"/>
+          <p:nvPr/>
+        </p:nvSpPr>
+        <p:spPr>
+          <a:xfrm>
+            <a:off x="5047070" y="1400453"/>
+            <a:ext cx="1905802" cy="369332"/>
+          </a:xfrm>
+          <a:prstGeom prst="rect">
+            <a:avLst/>
+          </a:prstGeom>
+          <a:noFill/>
+        </p:spPr>
+        <p:txBody>
+          <a:bodyPr wrap="square" rtlCol="0">
+            <a:spAutoFit/>
+          </a:bodyPr>
+          <a:lstStyle/>
+          <a:p>
+            <a:r>
+              <a:rPr lang="fr-FR" dirty="0" smtClean="0">
+                <a:solidFill>
+                  <a:schemeClr val="bg1"/>
+                </a:solidFill>
+              </a:rPr>
+              <a:t>LIVRES</a:t>
+            </a:r>
+            <a:endParaRPr lang="fr-FR" dirty="0">
+              <a:solidFill>
+                <a:schemeClr val="bg1"/>
+              </a:solidFill>
+            </a:endParaRPr>
+          </a:p>
+        </p:txBody>
+      </p:sp>
+      <p:sp>
+        <p:nvSpPr>
+          <p:cNvPr id="24" name="ZoneTexte 23"/>
+          <p:cNvSpPr txBox="1"/>
+          <p:nvPr/>
+        </p:nvSpPr>
+        <p:spPr>
+          <a:xfrm>
+            <a:off x="10769064" y="1438857"/>
+            <a:ext cx="1905802" cy="369332"/>
+          </a:xfrm>
+          <a:prstGeom prst="rect">
+            <a:avLst/>
+          </a:prstGeom>
+          <a:noFill/>
+        </p:spPr>
+        <p:txBody>
+          <a:bodyPr wrap="square" rtlCol="0">
+            <a:spAutoFit/>
+          </a:bodyPr>
+          <a:lstStyle/>
+          <a:p>
+            <a:r>
+              <a:rPr lang="fr-FR" dirty="0" smtClean="0">
+                <a:solidFill>
+                  <a:schemeClr val="bg1"/>
+                </a:solidFill>
+              </a:rPr>
+              <a:t>GOODIES</a:t>
+            </a:r>
+            <a:endParaRPr lang="fr-FR" dirty="0">
+              <a:solidFill>
+                <a:schemeClr val="bg1"/>
+              </a:solidFill>
+            </a:endParaRPr>
+          </a:p>
+        </p:txBody>
+      </p:sp>
+      <p:sp>
+        <p:nvSpPr>
+          <p:cNvPr id="25" name="Add to Cart"/>
+          <p:cNvSpPr>
+            <a:spLocks noChangeAspect="1" noEditPoints="1"/>
+          </p:cNvSpPr>
+          <p:nvPr/>
+        </p:nvSpPr>
+        <p:spPr bwMode="auto">
+          <a:xfrm>
+            <a:off x="11723079" y="933916"/>
+            <a:ext cx="284765" cy="293483"/>
+          </a:xfrm>
+          <a:custGeom>
+            <a:avLst/>
+            <a:gdLst>
+              <a:gd name="T0" fmla="*/ 413 w 643"/>
+              <a:gd name="T1" fmla="*/ 0 h 653"/>
+              <a:gd name="T2" fmla="*/ 400 w 643"/>
+              <a:gd name="T3" fmla="*/ 13 h 653"/>
+              <a:gd name="T4" fmla="*/ 400 w 643"/>
+              <a:gd name="T5" fmla="*/ 248 h 653"/>
+              <a:gd name="T6" fmla="*/ 356 w 643"/>
+              <a:gd name="T7" fmla="*/ 204 h 653"/>
+              <a:gd name="T8" fmla="*/ 347 w 643"/>
+              <a:gd name="T9" fmla="*/ 200 h 653"/>
+              <a:gd name="T10" fmla="*/ 337 w 643"/>
+              <a:gd name="T11" fmla="*/ 223 h 653"/>
+              <a:gd name="T12" fmla="*/ 413 w 643"/>
+              <a:gd name="T13" fmla="*/ 299 h 653"/>
+              <a:gd name="T14" fmla="*/ 490 w 643"/>
+              <a:gd name="T15" fmla="*/ 223 h 653"/>
+              <a:gd name="T16" fmla="*/ 471 w 643"/>
+              <a:gd name="T17" fmla="*/ 204 h 653"/>
+              <a:gd name="T18" fmla="*/ 427 w 643"/>
+              <a:gd name="T19" fmla="*/ 248 h 653"/>
+              <a:gd name="T20" fmla="*/ 427 w 643"/>
+              <a:gd name="T21" fmla="*/ 13 h 653"/>
+              <a:gd name="T22" fmla="*/ 413 w 643"/>
+              <a:gd name="T23" fmla="*/ 0 h 653"/>
+              <a:gd name="T24" fmla="*/ 27 w 643"/>
+              <a:gd name="T25" fmla="*/ 13 h 653"/>
+              <a:gd name="T26" fmla="*/ 0 w 643"/>
+              <a:gd name="T27" fmla="*/ 40 h 653"/>
+              <a:gd name="T28" fmla="*/ 27 w 643"/>
+              <a:gd name="T29" fmla="*/ 67 h 653"/>
+              <a:gd name="T30" fmla="*/ 53 w 643"/>
+              <a:gd name="T31" fmla="*/ 40 h 653"/>
+              <a:gd name="T32" fmla="*/ 116 w 643"/>
+              <a:gd name="T33" fmla="*/ 40 h 653"/>
+              <a:gd name="T34" fmla="*/ 147 w 643"/>
+              <a:gd name="T35" fmla="*/ 49 h 653"/>
+              <a:gd name="T36" fmla="*/ 163 w 643"/>
+              <a:gd name="T37" fmla="*/ 80 h 653"/>
+              <a:gd name="T38" fmla="*/ 163 w 643"/>
+              <a:gd name="T39" fmla="*/ 80 h 653"/>
+              <a:gd name="T40" fmla="*/ 270 w 643"/>
+              <a:gd name="T41" fmla="*/ 510 h 653"/>
+              <a:gd name="T42" fmla="*/ 270 w 643"/>
+              <a:gd name="T43" fmla="*/ 510 h 653"/>
+              <a:gd name="T44" fmla="*/ 289 w 643"/>
+              <a:gd name="T45" fmla="*/ 553 h 653"/>
+              <a:gd name="T46" fmla="*/ 306 w 643"/>
+              <a:gd name="T47" fmla="*/ 566 h 653"/>
+              <a:gd name="T48" fmla="*/ 293 w 643"/>
+              <a:gd name="T49" fmla="*/ 600 h 653"/>
+              <a:gd name="T50" fmla="*/ 347 w 643"/>
+              <a:gd name="T51" fmla="*/ 653 h 653"/>
+              <a:gd name="T52" fmla="*/ 400 w 643"/>
+              <a:gd name="T53" fmla="*/ 600 h 653"/>
+              <a:gd name="T54" fmla="*/ 393 w 643"/>
+              <a:gd name="T55" fmla="*/ 573 h 653"/>
+              <a:gd name="T56" fmla="*/ 474 w 643"/>
+              <a:gd name="T57" fmla="*/ 573 h 653"/>
+              <a:gd name="T58" fmla="*/ 467 w 643"/>
+              <a:gd name="T59" fmla="*/ 600 h 653"/>
+              <a:gd name="T60" fmla="*/ 520 w 643"/>
+              <a:gd name="T61" fmla="*/ 653 h 653"/>
+              <a:gd name="T62" fmla="*/ 573 w 643"/>
+              <a:gd name="T63" fmla="*/ 600 h 653"/>
+              <a:gd name="T64" fmla="*/ 559 w 643"/>
+              <a:gd name="T65" fmla="*/ 564 h 653"/>
+              <a:gd name="T66" fmla="*/ 547 w 643"/>
+              <a:gd name="T67" fmla="*/ 547 h 653"/>
+              <a:gd name="T68" fmla="*/ 343 w 643"/>
+              <a:gd name="T69" fmla="*/ 547 h 653"/>
+              <a:gd name="T70" fmla="*/ 309 w 643"/>
+              <a:gd name="T71" fmla="*/ 536 h 653"/>
+              <a:gd name="T72" fmla="*/ 295 w 643"/>
+              <a:gd name="T73" fmla="*/ 503 h 653"/>
+              <a:gd name="T74" fmla="*/ 295 w 643"/>
+              <a:gd name="T75" fmla="*/ 503 h 653"/>
+              <a:gd name="T76" fmla="*/ 286 w 643"/>
+              <a:gd name="T77" fmla="*/ 467 h 653"/>
+              <a:gd name="T78" fmla="*/ 531 w 643"/>
+              <a:gd name="T79" fmla="*/ 467 h 653"/>
+              <a:gd name="T80" fmla="*/ 543 w 643"/>
+              <a:gd name="T81" fmla="*/ 458 h 653"/>
+              <a:gd name="T82" fmla="*/ 639 w 643"/>
+              <a:gd name="T83" fmla="*/ 205 h 653"/>
+              <a:gd name="T84" fmla="*/ 626 w 643"/>
+              <a:gd name="T85" fmla="*/ 187 h 653"/>
+              <a:gd name="T86" fmla="*/ 614 w 643"/>
+              <a:gd name="T87" fmla="*/ 195 h 653"/>
+              <a:gd name="T88" fmla="*/ 522 w 643"/>
+              <a:gd name="T89" fmla="*/ 440 h 653"/>
+              <a:gd name="T90" fmla="*/ 280 w 643"/>
+              <a:gd name="T91" fmla="*/ 440 h 653"/>
+              <a:gd name="T92" fmla="*/ 189 w 643"/>
+              <a:gd name="T93" fmla="*/ 72 h 653"/>
+              <a:gd name="T94" fmla="*/ 165 w 643"/>
+              <a:gd name="T95" fmla="*/ 29 h 653"/>
+              <a:gd name="T96" fmla="*/ 116 w 643"/>
+              <a:gd name="T97" fmla="*/ 13 h 653"/>
+              <a:gd name="T98" fmla="*/ 27 w 643"/>
+              <a:gd name="T99" fmla="*/ 13 h 653"/>
+              <a:gd name="T100" fmla="*/ 347 w 643"/>
+              <a:gd name="T101" fmla="*/ 573 h 653"/>
+              <a:gd name="T102" fmla="*/ 373 w 643"/>
+              <a:gd name="T103" fmla="*/ 600 h 653"/>
+              <a:gd name="T104" fmla="*/ 347 w 643"/>
+              <a:gd name="T105" fmla="*/ 627 h 653"/>
+              <a:gd name="T106" fmla="*/ 320 w 643"/>
+              <a:gd name="T107" fmla="*/ 600 h 653"/>
+              <a:gd name="T108" fmla="*/ 347 w 643"/>
+              <a:gd name="T109" fmla="*/ 573 h 653"/>
+              <a:gd name="T110" fmla="*/ 520 w 643"/>
+              <a:gd name="T111" fmla="*/ 573 h 653"/>
+              <a:gd name="T112" fmla="*/ 547 w 643"/>
+              <a:gd name="T113" fmla="*/ 600 h 653"/>
+              <a:gd name="T114" fmla="*/ 520 w 643"/>
+              <a:gd name="T115" fmla="*/ 627 h 653"/>
+              <a:gd name="T116" fmla="*/ 493 w 643"/>
+              <a:gd name="T117" fmla="*/ 600 h 653"/>
+              <a:gd name="T118" fmla="*/ 520 w 643"/>
+              <a:gd name="T119" fmla="*/ 573 h 653"/>
+            </a:gdLst>
+            <a:ahLst/>
+            <a:cxnLst>
+              <a:cxn ang="0">
+                <a:pos x="T0" y="T1"/>
+              </a:cxn>
+              <a:cxn ang="0">
+                <a:pos x="T2" y="T3"/>
+              </a:cxn>
+              <a:cxn ang="0">
+                <a:pos x="T4" y="T5"/>
+              </a:cxn>
+              <a:cxn ang="0">
+                <a:pos x="T6" y="T7"/>
+              </a:cxn>
+              <a:cxn ang="0">
+                <a:pos x="T8" y="T9"/>
+              </a:cxn>
+              <a:cxn ang="0">
+                <a:pos x="T10" y="T11"/>
+              </a:cxn>
+              <a:cxn ang="0">
+                <a:pos x="T12" y="T13"/>
+              </a:cxn>
+              <a:cxn ang="0">
+                <a:pos x="T14" y="T15"/>
+              </a:cxn>
+              <a:cxn ang="0">
+                <a:pos x="T16" y="T17"/>
+              </a:cxn>
+              <a:cxn ang="0">
+                <a:pos x="T18" y="T19"/>
+              </a:cxn>
+              <a:cxn ang="0">
+                <a:pos x="T20" y="T21"/>
+              </a:cxn>
+              <a:cxn ang="0">
+                <a:pos x="T22" y="T23"/>
+              </a:cxn>
+              <a:cxn ang="0">
+                <a:pos x="T24" y="T25"/>
+              </a:cxn>
+              <a:cxn ang="0">
+                <a:pos x="T26" y="T27"/>
+              </a:cxn>
+              <a:cxn ang="0">
+                <a:pos x="T28" y="T29"/>
+              </a:cxn>
+              <a:cxn ang="0">
+                <a:pos x="T30" y="T31"/>
+              </a:cxn>
+              <a:cxn ang="0">
+                <a:pos x="T32" y="T33"/>
+              </a:cxn>
+              <a:cxn ang="0">
+                <a:pos x="T34" y="T35"/>
+              </a:cxn>
+              <a:cxn ang="0">
+                <a:pos x="T36" y="T37"/>
+              </a:cxn>
+              <a:cxn ang="0">
+                <a:pos x="T38" y="T39"/>
+              </a:cxn>
+              <a:cxn ang="0">
+                <a:pos x="T40" y="T41"/>
+              </a:cxn>
+              <a:cxn ang="0">
+                <a:pos x="T42" y="T43"/>
+              </a:cxn>
+              <a:cxn ang="0">
+                <a:pos x="T44" y="T45"/>
+              </a:cxn>
+              <a:cxn ang="0">
+                <a:pos x="T46" y="T47"/>
+              </a:cxn>
+              <a:cxn ang="0">
+                <a:pos x="T48" y="T49"/>
+              </a:cxn>
+              <a:cxn ang="0">
+                <a:pos x="T50" y="T51"/>
+              </a:cxn>
+              <a:cxn ang="0">
+                <a:pos x="T52" y="T53"/>
+              </a:cxn>
+              <a:cxn ang="0">
+                <a:pos x="T54" y="T55"/>
+              </a:cxn>
+              <a:cxn ang="0">
+                <a:pos x="T56" y="T57"/>
+              </a:cxn>
+              <a:cxn ang="0">
+                <a:pos x="T58" y="T59"/>
+              </a:cxn>
+              <a:cxn ang="0">
+                <a:pos x="T60" y="T61"/>
+              </a:cxn>
+              <a:cxn ang="0">
+                <a:pos x="T62" y="T63"/>
+              </a:cxn>
+              <a:cxn ang="0">
+                <a:pos x="T64" y="T65"/>
+              </a:cxn>
+              <a:cxn ang="0">
+                <a:pos x="T66" y="T67"/>
+              </a:cxn>
+              <a:cxn ang="0">
+                <a:pos x="T68" y="T69"/>
+              </a:cxn>
+              <a:cxn ang="0">
+                <a:pos x="T70" y="T71"/>
+              </a:cxn>
+              <a:cxn ang="0">
+                <a:pos x="T72" y="T73"/>
+              </a:cxn>
+              <a:cxn ang="0">
+                <a:pos x="T74" y="T75"/>
+              </a:cxn>
+              <a:cxn ang="0">
+                <a:pos x="T76" y="T77"/>
+              </a:cxn>
+              <a:cxn ang="0">
+                <a:pos x="T78" y="T79"/>
+              </a:cxn>
+              <a:cxn ang="0">
+                <a:pos x="T80" y="T81"/>
+              </a:cxn>
+              <a:cxn ang="0">
+                <a:pos x="T82" y="T83"/>
+              </a:cxn>
+              <a:cxn ang="0">
+                <a:pos x="T84" y="T85"/>
+              </a:cxn>
+              <a:cxn ang="0">
+                <a:pos x="T86" y="T87"/>
+              </a:cxn>
+              <a:cxn ang="0">
+                <a:pos x="T88" y="T89"/>
+              </a:cxn>
+              <a:cxn ang="0">
+                <a:pos x="T90" y="T91"/>
+              </a:cxn>
+              <a:cxn ang="0">
+                <a:pos x="T92" y="T93"/>
+              </a:cxn>
+              <a:cxn ang="0">
+                <a:pos x="T94" y="T95"/>
+              </a:cxn>
+              <a:cxn ang="0">
+                <a:pos x="T96" y="T97"/>
+              </a:cxn>
+              <a:cxn ang="0">
+                <a:pos x="T98" y="T99"/>
+              </a:cxn>
+              <a:cxn ang="0">
+                <a:pos x="T100" y="T101"/>
+              </a:cxn>
+              <a:cxn ang="0">
+                <a:pos x="T102" y="T103"/>
+              </a:cxn>
+              <a:cxn ang="0">
+                <a:pos x="T104" y="T105"/>
+              </a:cxn>
+              <a:cxn ang="0">
+                <a:pos x="T106" y="T107"/>
+              </a:cxn>
+              <a:cxn ang="0">
+                <a:pos x="T108" y="T109"/>
+              </a:cxn>
+              <a:cxn ang="0">
+                <a:pos x="T110" y="T111"/>
+              </a:cxn>
+              <a:cxn ang="0">
+                <a:pos x="T112" y="T113"/>
+              </a:cxn>
+              <a:cxn ang="0">
+                <a:pos x="T114" y="T115"/>
+              </a:cxn>
+              <a:cxn ang="0">
+                <a:pos x="T116" y="T117"/>
+              </a:cxn>
+              <a:cxn ang="0">
+                <a:pos x="T118" y="T119"/>
+              </a:cxn>
+            </a:cxnLst>
+            <a:rect l="0" t="0" r="r" b="b"/>
+            <a:pathLst>
+              <a:path w="643" h="653">
+                <a:moveTo>
+                  <a:pt x="413" y="0"/>
+                </a:moveTo>
+                <a:cubicBezTo>
+                  <a:pt x="406" y="0"/>
+                  <a:pt x="400" y="6"/>
+                  <a:pt x="400" y="13"/>
+                </a:cubicBezTo>
+                <a:lnTo>
+                  <a:pt x="400" y="248"/>
+                </a:lnTo>
+                <a:lnTo>
+                  <a:pt x="356" y="204"/>
+                </a:lnTo>
+                <a:cubicBezTo>
+                  <a:pt x="354" y="201"/>
+                  <a:pt x="350" y="200"/>
+                  <a:pt x="347" y="200"/>
+                </a:cubicBezTo>
+                <a:cubicBezTo>
+                  <a:pt x="335" y="200"/>
+                  <a:pt x="329" y="215"/>
+                  <a:pt x="337" y="223"/>
+                </a:cubicBezTo>
+                <a:lnTo>
+                  <a:pt x="413" y="299"/>
+                </a:lnTo>
+                <a:lnTo>
+                  <a:pt x="490" y="223"/>
+                </a:lnTo>
+                <a:cubicBezTo>
+                  <a:pt x="503" y="210"/>
+                  <a:pt x="483" y="191"/>
+                  <a:pt x="471" y="204"/>
+                </a:cubicBezTo>
+                <a:lnTo>
+                  <a:pt x="427" y="248"/>
+                </a:lnTo>
+                <a:lnTo>
+                  <a:pt x="427" y="13"/>
+                </a:lnTo>
+                <a:cubicBezTo>
+                  <a:pt x="427" y="6"/>
+                  <a:pt x="421" y="0"/>
+                  <a:pt x="413" y="0"/>
+                </a:cubicBezTo>
+                <a:close/>
+                <a:moveTo>
+                  <a:pt x="27" y="13"/>
+                </a:moveTo>
+                <a:cubicBezTo>
+                  <a:pt x="12" y="13"/>
+                  <a:pt x="0" y="25"/>
+                  <a:pt x="0" y="40"/>
+                </a:cubicBezTo>
+                <a:cubicBezTo>
+                  <a:pt x="0" y="55"/>
+                  <a:pt x="12" y="67"/>
+                  <a:pt x="27" y="67"/>
+                </a:cubicBezTo>
+                <a:cubicBezTo>
+                  <a:pt x="41" y="67"/>
+                  <a:pt x="53" y="55"/>
+                  <a:pt x="53" y="40"/>
+                </a:cubicBezTo>
+                <a:cubicBezTo>
+                  <a:pt x="74" y="40"/>
+                  <a:pt x="95" y="40"/>
+                  <a:pt x="116" y="40"/>
+                </a:cubicBezTo>
+                <a:cubicBezTo>
+                  <a:pt x="132" y="40"/>
+                  <a:pt x="141" y="43"/>
+                  <a:pt x="147" y="49"/>
+                </a:cubicBezTo>
+                <a:cubicBezTo>
+                  <a:pt x="154" y="55"/>
+                  <a:pt x="159" y="65"/>
+                  <a:pt x="163" y="80"/>
+                </a:cubicBezTo>
+                <a:lnTo>
+                  <a:pt x="163" y="80"/>
+                </a:lnTo>
+                <a:lnTo>
+                  <a:pt x="270" y="510"/>
+                </a:lnTo>
+                <a:lnTo>
+                  <a:pt x="270" y="510"/>
+                </a:lnTo>
+                <a:cubicBezTo>
+                  <a:pt x="274" y="525"/>
+                  <a:pt x="278" y="541"/>
+                  <a:pt x="289" y="553"/>
+                </a:cubicBezTo>
+                <a:cubicBezTo>
+                  <a:pt x="293" y="559"/>
+                  <a:pt x="299" y="563"/>
+                  <a:pt x="306" y="566"/>
+                </a:cubicBezTo>
+                <a:cubicBezTo>
+                  <a:pt x="298" y="575"/>
+                  <a:pt x="293" y="587"/>
+                  <a:pt x="293" y="600"/>
+                </a:cubicBezTo>
+                <a:cubicBezTo>
+                  <a:pt x="293" y="629"/>
+                  <a:pt x="317" y="653"/>
+                  <a:pt x="347" y="653"/>
+                </a:cubicBezTo>
+                <a:cubicBezTo>
+                  <a:pt x="376" y="653"/>
+                  <a:pt x="400" y="629"/>
+                  <a:pt x="400" y="600"/>
+                </a:cubicBezTo>
+                <a:cubicBezTo>
+                  <a:pt x="400" y="590"/>
+                  <a:pt x="397" y="581"/>
+                  <a:pt x="393" y="573"/>
+                </a:cubicBezTo>
+                <a:lnTo>
+                  <a:pt x="474" y="573"/>
+                </a:lnTo>
+                <a:cubicBezTo>
+                  <a:pt x="470" y="581"/>
+                  <a:pt x="467" y="590"/>
+                  <a:pt x="467" y="600"/>
+                </a:cubicBezTo>
+                <a:cubicBezTo>
+                  <a:pt x="467" y="629"/>
+                  <a:pt x="491" y="653"/>
+                  <a:pt x="520" y="653"/>
+                </a:cubicBezTo>
+                <a:cubicBezTo>
+                  <a:pt x="549" y="653"/>
+                  <a:pt x="573" y="629"/>
+                  <a:pt x="573" y="600"/>
+                </a:cubicBezTo>
+                <a:cubicBezTo>
+                  <a:pt x="573" y="586"/>
+                  <a:pt x="568" y="574"/>
+                  <a:pt x="559" y="564"/>
+                </a:cubicBezTo>
+                <a:cubicBezTo>
+                  <a:pt x="562" y="556"/>
+                  <a:pt x="556" y="547"/>
+                  <a:pt x="547" y="547"/>
+                </a:cubicBezTo>
+                <a:cubicBezTo>
+                  <a:pt x="477" y="547"/>
+                  <a:pt x="403" y="547"/>
+                  <a:pt x="343" y="547"/>
+                </a:cubicBezTo>
+                <a:cubicBezTo>
+                  <a:pt x="322" y="547"/>
+                  <a:pt x="314" y="542"/>
+                  <a:pt x="309" y="536"/>
+                </a:cubicBezTo>
+                <a:cubicBezTo>
+                  <a:pt x="303" y="529"/>
+                  <a:pt x="299" y="518"/>
+                  <a:pt x="295" y="503"/>
+                </a:cubicBezTo>
+                <a:lnTo>
+                  <a:pt x="295" y="503"/>
+                </a:lnTo>
+                <a:lnTo>
+                  <a:pt x="286" y="467"/>
+                </a:lnTo>
+                <a:lnTo>
+                  <a:pt x="531" y="467"/>
+                </a:lnTo>
+                <a:cubicBezTo>
+                  <a:pt x="536" y="467"/>
+                  <a:pt x="541" y="463"/>
+                  <a:pt x="543" y="458"/>
+                </a:cubicBezTo>
+                <a:lnTo>
+                  <a:pt x="639" y="205"/>
+                </a:lnTo>
+                <a:cubicBezTo>
+                  <a:pt x="643" y="196"/>
+                  <a:pt x="636" y="186"/>
+                  <a:pt x="626" y="187"/>
+                </a:cubicBezTo>
+                <a:cubicBezTo>
+                  <a:pt x="621" y="187"/>
+                  <a:pt x="616" y="190"/>
+                  <a:pt x="614" y="195"/>
+                </a:cubicBezTo>
+                <a:lnTo>
+                  <a:pt x="522" y="440"/>
+                </a:lnTo>
+                <a:lnTo>
+                  <a:pt x="280" y="440"/>
+                </a:lnTo>
+                <a:cubicBezTo>
+                  <a:pt x="249" y="318"/>
+                  <a:pt x="219" y="195"/>
+                  <a:pt x="189" y="72"/>
+                </a:cubicBezTo>
+                <a:cubicBezTo>
+                  <a:pt x="184" y="55"/>
+                  <a:pt x="177" y="40"/>
+                  <a:pt x="165" y="29"/>
+                </a:cubicBezTo>
+                <a:cubicBezTo>
+                  <a:pt x="153" y="19"/>
+                  <a:pt x="136" y="13"/>
+                  <a:pt x="116" y="13"/>
+                </a:cubicBezTo>
+                <a:cubicBezTo>
+                  <a:pt x="86" y="13"/>
+                  <a:pt x="56" y="14"/>
+                  <a:pt x="27" y="13"/>
+                </a:cubicBezTo>
+                <a:close/>
+                <a:moveTo>
+                  <a:pt x="347" y="573"/>
+                </a:moveTo>
+                <a:cubicBezTo>
+                  <a:pt x="362" y="573"/>
+                  <a:pt x="373" y="585"/>
+                  <a:pt x="373" y="600"/>
+                </a:cubicBezTo>
+                <a:cubicBezTo>
+                  <a:pt x="373" y="615"/>
+                  <a:pt x="362" y="627"/>
+                  <a:pt x="347" y="627"/>
+                </a:cubicBezTo>
+                <a:cubicBezTo>
+                  <a:pt x="332" y="627"/>
+                  <a:pt x="320" y="615"/>
+                  <a:pt x="320" y="600"/>
+                </a:cubicBezTo>
+                <a:cubicBezTo>
+                  <a:pt x="320" y="585"/>
+                  <a:pt x="332" y="573"/>
+                  <a:pt x="347" y="573"/>
+                </a:cubicBezTo>
+                <a:close/>
+                <a:moveTo>
+                  <a:pt x="520" y="573"/>
+                </a:moveTo>
+                <a:cubicBezTo>
+                  <a:pt x="535" y="573"/>
+                  <a:pt x="547" y="585"/>
+                  <a:pt x="547" y="600"/>
+                </a:cubicBezTo>
+                <a:cubicBezTo>
+                  <a:pt x="547" y="615"/>
+                  <a:pt x="535" y="627"/>
+                  <a:pt x="520" y="627"/>
+                </a:cubicBezTo>
+                <a:cubicBezTo>
+                  <a:pt x="505" y="627"/>
+                  <a:pt x="493" y="615"/>
+                  <a:pt x="493" y="600"/>
+                </a:cubicBezTo>
+                <a:cubicBezTo>
+                  <a:pt x="493" y="585"/>
+                  <a:pt x="505" y="573"/>
+                  <a:pt x="520" y="573"/>
+                </a:cubicBezTo>
+                <a:close/>
+              </a:path>
+            </a:pathLst>
+          </a:custGeom>
+          <a:solidFill>
+            <a:schemeClr val="tx1"/>
+          </a:solidFill>
+          <a:ln w="9525">
+            <a:solidFill>
+              <a:schemeClr val="bg1"/>
+            </a:solidFill>
+            <a:round/>
+            <a:headEnd/>
+            <a:tailEnd/>
+          </a:ln>
+        </p:spPr>
+        <p:txBody>
+          <a:bodyPr vert="horz" wrap="square" lIns="91440" tIns="45720" rIns="91440" bIns="45720" numCol="1" anchor="t" anchorCtr="0" compatLnSpc="1">
+            <a:prstTxWarp prst="textNoShape">
+              <a:avLst/>
+            </a:prstTxWarp>
+          </a:bodyPr>
+          <a:lstStyle>
+            <a:defPPr>
+              <a:defRPr lang="en-US"/>
+            </a:defPPr>
+            <a:lvl1pPr marL="0" algn="l" defTabSz="914400" rtl="0" eaLnBrk="1" latinLnBrk="0" hangingPunct="1">
+              <a:defRPr sz="1800" kern="1200">
+                <a:solidFill>
+                  <a:schemeClr val="tx1"/>
+                </a:solidFill>
+                <a:latin typeface="+mn-lt"/>
+                <a:ea typeface="+mn-ea"/>
+                <a:cs typeface="+mn-cs"/>
+              </a:defRPr>
+            </a:lvl1pPr>
+            <a:lvl2pPr marL="457200" algn="l" defTabSz="914400" rtl="0" eaLnBrk="1" latinLnBrk="0" hangingPunct="1">
+              <a:defRPr sz="1800" kern="1200">
+                <a:solidFill>
+                  <a:schemeClr val="tx1"/>
+                </a:solidFill>
+                <a:latin typeface="+mn-lt"/>
+                <a:ea typeface="+mn-ea"/>
+                <a:cs typeface="+mn-cs"/>
+              </a:defRPr>
+            </a:lvl2pPr>
+            <a:lvl3pPr marL="914400" algn="l" defTabSz="914400" rtl="0" eaLnBrk="1" latinLnBrk="0" hangingPunct="1">
+              <a:defRPr sz="1800" kern="1200">
+                <a:solidFill>
+                  <a:schemeClr val="tx1"/>
+                </a:solidFill>
+                <a:latin typeface="+mn-lt"/>
+                <a:ea typeface="+mn-ea"/>
+                <a:cs typeface="+mn-cs"/>
+              </a:defRPr>
+            </a:lvl3pPr>
+            <a:lvl4pPr marL="1371600" algn="l" defTabSz="914400" rtl="0" eaLnBrk="1" latinLnBrk="0" hangingPunct="1">
+              <a:defRPr sz="1800" kern="1200">
+                <a:solidFill>
+                  <a:schemeClr val="tx1"/>
+                </a:solidFill>
+                <a:latin typeface="+mn-lt"/>
+                <a:ea typeface="+mn-ea"/>
+                <a:cs typeface="+mn-cs"/>
+              </a:defRPr>
+            </a:lvl4pPr>
+            <a:lvl5pPr marL="1828800" algn="l" defTabSz="914400" rtl="0" eaLnBrk="1" latinLnBrk="0" hangingPunct="1">
+              <a:defRPr sz="1800" kern="1200">
+                <a:solidFill>
+                  <a:schemeClr val="tx1"/>
+                </a:solidFill>
+                <a:latin typeface="+mn-lt"/>
+                <a:ea typeface="+mn-ea"/>
+                <a:cs typeface="+mn-cs"/>
+              </a:defRPr>
+            </a:lvl5pPr>
+            <a:lvl6pPr marL="2286000" algn="l" defTabSz="914400" rtl="0" eaLnBrk="1" latinLnBrk="0" hangingPunct="1">
+              <a:defRPr sz="1800" kern="1200">
+                <a:solidFill>
+                  <a:schemeClr val="tx1"/>
+                </a:solidFill>
+                <a:latin typeface="+mn-lt"/>
+                <a:ea typeface="+mn-ea"/>
+                <a:cs typeface="+mn-cs"/>
+              </a:defRPr>
+            </a:lvl6pPr>
+            <a:lvl7pPr marL="2743200" algn="l" defTabSz="914400" rtl="0" eaLnBrk="1" latinLnBrk="0" hangingPunct="1">
+              <a:defRPr sz="1800" kern="1200">
+                <a:solidFill>
+                  <a:schemeClr val="tx1"/>
+                </a:solidFill>
+                <a:latin typeface="+mn-lt"/>
+                <a:ea typeface="+mn-ea"/>
+                <a:cs typeface="+mn-cs"/>
+              </a:defRPr>
+            </a:lvl7pPr>
+            <a:lvl8pPr marL="3200400" algn="l" defTabSz="914400" rtl="0" eaLnBrk="1" latinLnBrk="0" hangingPunct="1">
+              <a:defRPr sz="1800" kern="1200">
+                <a:solidFill>
+                  <a:schemeClr val="tx1"/>
+                </a:solidFill>
+                <a:latin typeface="+mn-lt"/>
+                <a:ea typeface="+mn-ea"/>
+                <a:cs typeface="+mn-cs"/>
+              </a:defRPr>
+            </a:lvl8pPr>
+            <a:lvl9pPr marL="3657600" algn="l" defTabSz="914400" rtl="0" eaLnBrk="1" latinLnBrk="0" hangingPunct="1">
+              <a:defRPr sz="1800" kern="1200">
+                <a:solidFill>
+                  <a:schemeClr val="tx1"/>
+                </a:solidFill>
+                <a:latin typeface="+mn-lt"/>
+                <a:ea typeface="+mn-ea"/>
+                <a:cs typeface="+mn-cs"/>
+              </a:defRPr>
+            </a:lvl9pPr>
+          </a:lstStyle>
+          <a:p>
+            <a:endParaRPr lang="en-US" sz="900">
+              <a:latin typeface="Segoe UI" panose="020B0502040204020203" pitchFamily="34" charset="0"/>
+              <a:cs typeface="Segoe UI" panose="020B0502040204020203" pitchFamily="34" charset="0"/>
+            </a:endParaRPr>
+          </a:p>
+        </p:txBody>
+      </p:sp>
+      <p:sp>
+        <p:nvSpPr>
+          <p:cNvPr id="32" name="Rectangle 31"/>
+          <p:cNvSpPr/>
+          <p:nvPr/>
+        </p:nvSpPr>
+        <p:spPr>
+          <a:xfrm>
+            <a:off x="2897204" y="1919235"/>
+            <a:ext cx="8135886" cy="4813161"/>
+          </a:xfrm>
+          <a:prstGeom prst="rect">
+            <a:avLst/>
+          </a:prstGeom>
+          <a:solidFill>
+            <a:schemeClr val="bg1"/>
+          </a:solidFill>
+        </p:spPr>
+        <p:style>
+          <a:lnRef idx="2">
+            <a:schemeClr val="accent1">
+              <a:shade val="50000"/>
+            </a:schemeClr>
+          </a:lnRef>
+          <a:fillRef idx="1">
+            <a:schemeClr val="accent1"/>
+          </a:fillRef>
+          <a:effectRef idx="0">
+            <a:schemeClr val="accent1"/>
+          </a:effectRef>
+          <a:fontRef idx="minor">
+            <a:schemeClr val="lt1"/>
+          </a:fontRef>
+        </p:style>
+        <p:txBody>
+          <a:bodyPr rtlCol="0" anchor="ctr"/>
+          <a:lstStyle/>
+          <a:p>
+            <a:pPr algn="ctr"/>
+            <a:endParaRPr lang="fr-FR"/>
+          </a:p>
+        </p:txBody>
+      </p:sp>
+      <p:pic>
+        <p:nvPicPr>
+          <p:cNvPr id="36" name="Image 35"/>
+          <p:cNvPicPr>
+            <a:picLocks noChangeAspect="1"/>
+          </p:cNvPicPr>
+          <p:nvPr/>
+        </p:nvPicPr>
+        <p:blipFill>
+          <a:blip r:embed="rId12">
+            <a:extLst>
+              <a:ext uri="{28A0092B-C50C-407E-A947-70E740481C1C}">
+                <a14:useLocalDpi xmlns:a14="http://schemas.microsoft.com/office/drawing/2010/main" val="0"/>
+              </a:ext>
+            </a:extLst>
+          </a:blip>
+          <a:stretch>
+            <a:fillRect/>
+          </a:stretch>
+        </p:blipFill>
+        <p:spPr>
+          <a:xfrm>
+            <a:off x="3269901" y="2034506"/>
+            <a:ext cx="4043304" cy="4043304"/>
+          </a:xfrm>
+          <a:prstGeom prst="rect">
+            <a:avLst/>
+          </a:prstGeom>
+        </p:spPr>
+      </p:pic>
+      <p:sp>
+        <p:nvSpPr>
+          <p:cNvPr id="37" name="Rectangle 36"/>
+          <p:cNvSpPr/>
+          <p:nvPr/>
+        </p:nvSpPr>
+        <p:spPr>
+          <a:xfrm>
+            <a:off x="3003476" y="2161960"/>
+            <a:ext cx="996297" cy="952685"/>
+          </a:xfrm>
+          <a:prstGeom prst="rect">
+            <a:avLst/>
+          </a:prstGeom>
+          <a:solidFill>
+            <a:schemeClr val="bg1"/>
+          </a:solidFill>
+          <a:ln>
+            <a:solidFill>
+              <a:schemeClr val="tx2"/>
+            </a:solidFill>
+          </a:ln>
+        </p:spPr>
+        <p:style>
+          <a:lnRef idx="2">
+            <a:schemeClr val="accent1">
+              <a:shade val="50000"/>
+            </a:schemeClr>
+          </a:lnRef>
+          <a:fillRef idx="1">
+            <a:schemeClr val="accent1"/>
+          </a:fillRef>
+          <a:effectRef idx="0">
+            <a:schemeClr val="accent1"/>
+          </a:effectRef>
+          <a:fontRef idx="minor">
+            <a:schemeClr val="lt1"/>
+          </a:fontRef>
+        </p:style>
+        <p:txBody>
+          <a:bodyPr rtlCol="0" anchor="ctr"/>
+          <a:lstStyle/>
+          <a:p>
+            <a:pPr algn="ctr"/>
+            <a:endParaRPr lang="fr-FR"/>
+          </a:p>
+        </p:txBody>
+      </p:sp>
+      <p:sp>
+        <p:nvSpPr>
+          <p:cNvPr id="38" name="Rectangle 37"/>
+          <p:cNvSpPr/>
+          <p:nvPr/>
+        </p:nvSpPr>
+        <p:spPr>
+          <a:xfrm>
+            <a:off x="3003475" y="3144999"/>
+            <a:ext cx="996297" cy="952685"/>
+          </a:xfrm>
+          <a:prstGeom prst="rect">
+            <a:avLst/>
+          </a:prstGeom>
+          <a:solidFill>
+            <a:schemeClr val="bg1"/>
+          </a:solidFill>
+          <a:ln>
+            <a:noFill/>
+          </a:ln>
+        </p:spPr>
+        <p:style>
+          <a:lnRef idx="2">
+            <a:schemeClr val="accent1">
+              <a:shade val="50000"/>
+            </a:schemeClr>
+          </a:lnRef>
+          <a:fillRef idx="1">
+            <a:schemeClr val="accent1"/>
+          </a:fillRef>
+          <a:effectRef idx="0">
+            <a:schemeClr val="accent1"/>
+          </a:effectRef>
+          <a:fontRef idx="minor">
+            <a:schemeClr val="lt1"/>
+          </a:fontRef>
+        </p:style>
+        <p:txBody>
+          <a:bodyPr rtlCol="0" anchor="ctr"/>
+          <a:lstStyle/>
+          <a:p>
+            <a:pPr algn="ctr"/>
+            <a:endParaRPr lang="fr-FR"/>
+          </a:p>
+        </p:txBody>
+      </p:sp>
+      <p:sp>
+        <p:nvSpPr>
+          <p:cNvPr id="39" name="Rectangle 38"/>
+          <p:cNvSpPr/>
+          <p:nvPr/>
+        </p:nvSpPr>
+        <p:spPr>
+          <a:xfrm>
+            <a:off x="3003475" y="4135061"/>
+            <a:ext cx="996297" cy="952685"/>
+          </a:xfrm>
+          <a:prstGeom prst="rect">
+            <a:avLst/>
+          </a:prstGeom>
+          <a:solidFill>
+            <a:schemeClr val="bg1"/>
+          </a:solidFill>
+          <a:ln>
+            <a:noFill/>
+          </a:ln>
+        </p:spPr>
+        <p:style>
+          <a:lnRef idx="2">
+            <a:schemeClr val="accent1">
+              <a:shade val="50000"/>
+            </a:schemeClr>
+          </a:lnRef>
+          <a:fillRef idx="1">
+            <a:schemeClr val="accent1"/>
+          </a:fillRef>
+          <a:effectRef idx="0">
+            <a:schemeClr val="accent1"/>
+          </a:effectRef>
+          <a:fontRef idx="minor">
+            <a:schemeClr val="lt1"/>
+          </a:fontRef>
+        </p:style>
+        <p:txBody>
+          <a:bodyPr rtlCol="0" anchor="ctr"/>
+          <a:lstStyle/>
+          <a:p>
+            <a:pPr algn="ctr"/>
+            <a:endParaRPr lang="fr-FR"/>
+          </a:p>
+        </p:txBody>
+      </p:sp>
+      <p:sp>
+        <p:nvSpPr>
+          <p:cNvPr id="40" name="Rectangle 39"/>
+          <p:cNvSpPr/>
+          <p:nvPr/>
+        </p:nvSpPr>
+        <p:spPr>
+          <a:xfrm>
+            <a:off x="3003475" y="5125125"/>
+            <a:ext cx="996297" cy="952685"/>
+          </a:xfrm>
+          <a:prstGeom prst="rect">
+            <a:avLst/>
+          </a:prstGeom>
+          <a:solidFill>
+            <a:schemeClr val="bg1"/>
+          </a:solidFill>
+          <a:ln>
+            <a:noFill/>
+          </a:ln>
+        </p:spPr>
+        <p:style>
+          <a:lnRef idx="2">
+            <a:schemeClr val="accent1">
+              <a:shade val="50000"/>
+            </a:schemeClr>
+          </a:lnRef>
+          <a:fillRef idx="1">
+            <a:schemeClr val="accent1"/>
+          </a:fillRef>
+          <a:effectRef idx="0">
+            <a:schemeClr val="accent1"/>
+          </a:effectRef>
+          <a:fontRef idx="minor">
+            <a:schemeClr val="lt1"/>
+          </a:fontRef>
+        </p:style>
+        <p:txBody>
+          <a:bodyPr rtlCol="0" anchor="ctr"/>
+          <a:lstStyle/>
+          <a:p>
+            <a:pPr algn="ctr"/>
+            <a:endParaRPr lang="fr-FR"/>
+          </a:p>
+        </p:txBody>
+      </p:sp>
+      <p:pic>
+        <p:nvPicPr>
+          <p:cNvPr id="41" name="Image 40"/>
+          <p:cNvPicPr>
+            <a:picLocks noChangeAspect="1"/>
+          </p:cNvPicPr>
+          <p:nvPr/>
+        </p:nvPicPr>
+        <p:blipFill>
+          <a:blip r:embed="rId13" cstate="print">
+            <a:extLst>
+              <a:ext uri="{28A0092B-C50C-407E-A947-70E740481C1C}">
+                <a14:useLocalDpi xmlns:a14="http://schemas.microsoft.com/office/drawing/2010/main" val="0"/>
+              </a:ext>
+            </a:extLst>
+          </a:blip>
+          <a:stretch>
+            <a:fillRect/>
+          </a:stretch>
+        </p:blipFill>
+        <p:spPr>
+          <a:xfrm>
+            <a:off x="3057320" y="2198758"/>
+            <a:ext cx="888606" cy="888606"/>
+          </a:xfrm>
+          <a:prstGeom prst="rect">
+            <a:avLst/>
+          </a:prstGeom>
+        </p:spPr>
+      </p:pic>
+      <p:pic>
+        <p:nvPicPr>
+          <p:cNvPr id="42" name="Image 41"/>
+          <p:cNvPicPr>
+            <a:picLocks noChangeAspect="1"/>
+          </p:cNvPicPr>
+          <p:nvPr/>
+        </p:nvPicPr>
+        <p:blipFill>
+          <a:blip r:embed="rId14" cstate="print">
+            <a:extLst>
+              <a:ext uri="{28A0092B-C50C-407E-A947-70E740481C1C}">
+                <a14:useLocalDpi xmlns:a14="http://schemas.microsoft.com/office/drawing/2010/main" val="0"/>
+              </a:ext>
+            </a:extLst>
+          </a:blip>
+          <a:stretch>
+            <a:fillRect/>
+          </a:stretch>
+        </p:blipFill>
+        <p:spPr>
+          <a:xfrm>
+            <a:off x="3030396" y="3159781"/>
+            <a:ext cx="942454" cy="942454"/>
+          </a:xfrm>
+          <a:prstGeom prst="rect">
+            <a:avLst/>
+          </a:prstGeom>
+        </p:spPr>
+      </p:pic>
+      <p:pic>
+        <p:nvPicPr>
+          <p:cNvPr id="43" name="Image 42"/>
+          <p:cNvPicPr>
+            <a:picLocks noChangeAspect="1"/>
+          </p:cNvPicPr>
+          <p:nvPr/>
+        </p:nvPicPr>
+        <p:blipFill>
+          <a:blip r:embed="rId15" cstate="print">
+            <a:extLst>
+              <a:ext uri="{28A0092B-C50C-407E-A947-70E740481C1C}">
+                <a14:useLocalDpi xmlns:a14="http://schemas.microsoft.com/office/drawing/2010/main" val="0"/>
+              </a:ext>
+            </a:extLst>
+          </a:blip>
+          <a:stretch>
+            <a:fillRect/>
+          </a:stretch>
+        </p:blipFill>
+        <p:spPr>
+          <a:xfrm>
+            <a:off x="3089560" y="4187422"/>
+            <a:ext cx="890116" cy="890116"/>
+          </a:xfrm>
+          <a:prstGeom prst="rect">
+            <a:avLst/>
+          </a:prstGeom>
+        </p:spPr>
+      </p:pic>
+      <p:pic>
+        <p:nvPicPr>
+          <p:cNvPr id="44" name="Image 43"/>
+          <p:cNvPicPr>
+            <a:picLocks noChangeAspect="1"/>
+          </p:cNvPicPr>
+          <p:nvPr/>
+        </p:nvPicPr>
+        <p:blipFill>
+          <a:blip r:embed="rId16" cstate="print">
+            <a:extLst>
+              <a:ext uri="{28A0092B-C50C-407E-A947-70E740481C1C}">
+                <a14:useLocalDpi xmlns:a14="http://schemas.microsoft.com/office/drawing/2010/main" val="0"/>
+              </a:ext>
+            </a:extLst>
+          </a:blip>
+          <a:stretch>
+            <a:fillRect/>
+          </a:stretch>
+        </p:blipFill>
+        <p:spPr>
+          <a:xfrm>
+            <a:off x="3089559" y="5151615"/>
+            <a:ext cx="910213" cy="910213"/>
+          </a:xfrm>
+          <a:prstGeom prst="rect">
+            <a:avLst/>
+          </a:prstGeom>
+        </p:spPr>
+      </p:pic>
+      <p:sp>
+        <p:nvSpPr>
+          <p:cNvPr id="45" name="ZoneTexte 44"/>
+          <p:cNvSpPr txBox="1"/>
+          <p:nvPr/>
+        </p:nvSpPr>
+        <p:spPr>
+          <a:xfrm>
+            <a:off x="7357472" y="2091872"/>
+            <a:ext cx="3183249" cy="923330"/>
+          </a:xfrm>
+          <a:prstGeom prst="rect">
+            <a:avLst/>
+          </a:prstGeom>
+          <a:noFill/>
+        </p:spPr>
+        <p:txBody>
+          <a:bodyPr wrap="square" rtlCol="0">
+            <a:spAutoFit/>
+          </a:bodyPr>
+          <a:lstStyle/>
+          <a:p>
+            <a:r>
+              <a:rPr lang="fr-FR" b="1" dirty="0"/>
+              <a:t>Figurine </a:t>
+            </a:r>
+            <a:r>
+              <a:rPr lang="fr-FR" b="1" dirty="0" err="1"/>
+              <a:t>Roronoa</a:t>
+            </a:r>
+            <a:r>
+              <a:rPr lang="fr-FR" b="1" dirty="0"/>
+              <a:t> </a:t>
+            </a:r>
+            <a:r>
+              <a:rPr lang="fr-FR" b="1" dirty="0" err="1"/>
+              <a:t>Zoro</a:t>
+            </a:r>
+            <a:r>
+              <a:rPr lang="fr-FR" b="1" dirty="0"/>
+              <a:t> – </a:t>
+            </a:r>
+            <a:r>
+              <a:rPr lang="fr-FR" b="1" dirty="0" err="1"/>
+              <a:t>Grandista</a:t>
+            </a:r>
+            <a:r>
+              <a:rPr lang="fr-FR" b="1" dirty="0"/>
+              <a:t> Manga </a:t>
+            </a:r>
+            <a:r>
+              <a:rPr lang="fr-FR" b="1" dirty="0" smtClean="0"/>
+              <a:t>Dimension</a:t>
+            </a:r>
+            <a:endParaRPr lang="fr-FR" b="1" dirty="0"/>
+          </a:p>
+          <a:p>
+            <a:endParaRPr lang="fr-FR" dirty="0"/>
+          </a:p>
+        </p:txBody>
+      </p:sp>
+      <p:sp>
+        <p:nvSpPr>
+          <p:cNvPr id="46" name="ZoneTexte 45"/>
+          <p:cNvSpPr txBox="1"/>
+          <p:nvPr/>
+        </p:nvSpPr>
+        <p:spPr>
+          <a:xfrm>
+            <a:off x="7357469" y="2682727"/>
+            <a:ext cx="2958234" cy="461665"/>
+          </a:xfrm>
+          <a:prstGeom prst="rect">
+            <a:avLst/>
+          </a:prstGeom>
+          <a:noFill/>
+        </p:spPr>
+        <p:txBody>
+          <a:bodyPr wrap="square" rtlCol="0">
+            <a:spAutoFit/>
+          </a:bodyPr>
+          <a:lstStyle/>
+          <a:p>
+            <a:r>
+              <a:rPr lang="fr-FR" sz="1200" i="1" dirty="0" smtClean="0">
+                <a:solidFill>
+                  <a:schemeClr val="bg1">
+                    <a:lumMod val="50000"/>
+                  </a:schemeClr>
+                </a:solidFill>
+              </a:rPr>
+              <a:t>Description 28 cm </a:t>
+            </a:r>
+            <a:r>
+              <a:rPr lang="fr-FR" sz="1200" i="1" dirty="0" err="1">
+                <a:solidFill>
+                  <a:schemeClr val="bg1">
+                    <a:lumMod val="50000"/>
+                  </a:schemeClr>
+                </a:solidFill>
+              </a:rPr>
+              <a:t>Lorem</a:t>
+            </a:r>
+            <a:r>
+              <a:rPr lang="fr-FR" sz="1200" i="1" dirty="0">
+                <a:solidFill>
+                  <a:schemeClr val="bg1">
+                    <a:lumMod val="50000"/>
+                  </a:schemeClr>
+                </a:solidFill>
+              </a:rPr>
+              <a:t> </a:t>
+            </a:r>
+            <a:r>
+              <a:rPr lang="fr-FR" sz="1200" i="1" dirty="0" err="1">
+                <a:solidFill>
+                  <a:schemeClr val="bg1">
+                    <a:lumMod val="50000"/>
+                  </a:schemeClr>
+                </a:solidFill>
+              </a:rPr>
+              <a:t>ipsum</a:t>
+            </a:r>
+            <a:r>
+              <a:rPr lang="fr-FR" sz="1200" i="1" dirty="0">
+                <a:solidFill>
+                  <a:schemeClr val="bg1">
+                    <a:lumMod val="50000"/>
+                  </a:schemeClr>
+                </a:solidFill>
+              </a:rPr>
+              <a:t> </a:t>
+            </a:r>
+            <a:r>
+              <a:rPr lang="fr-FR" sz="1200" i="1" dirty="0" err="1">
+                <a:solidFill>
+                  <a:schemeClr val="bg1">
+                    <a:lumMod val="50000"/>
+                  </a:schemeClr>
+                </a:solidFill>
+              </a:rPr>
+              <a:t>dolor</a:t>
+            </a:r>
+            <a:r>
+              <a:rPr lang="fr-FR" sz="1200" i="1" dirty="0">
+                <a:solidFill>
+                  <a:schemeClr val="bg1">
+                    <a:lumMod val="50000"/>
+                  </a:schemeClr>
+                </a:solidFill>
+              </a:rPr>
+              <a:t> </a:t>
+            </a:r>
+            <a:r>
+              <a:rPr lang="fr-FR" sz="1200" i="1" dirty="0" err="1">
+                <a:solidFill>
+                  <a:schemeClr val="bg1">
+                    <a:lumMod val="50000"/>
+                  </a:schemeClr>
+                </a:solidFill>
+              </a:rPr>
+              <a:t>sit</a:t>
+            </a:r>
+            <a:r>
+              <a:rPr lang="fr-FR" sz="1200" i="1" dirty="0">
+                <a:solidFill>
+                  <a:schemeClr val="bg1">
+                    <a:lumMod val="50000"/>
+                  </a:schemeClr>
+                </a:solidFill>
+              </a:rPr>
+              <a:t> </a:t>
+            </a:r>
+            <a:r>
+              <a:rPr lang="fr-FR" sz="1200" i="1" dirty="0" err="1">
+                <a:solidFill>
+                  <a:schemeClr val="bg1">
+                    <a:lumMod val="50000"/>
+                  </a:schemeClr>
+                </a:solidFill>
+              </a:rPr>
+              <a:t>amet</a:t>
+            </a:r>
+            <a:r>
+              <a:rPr lang="fr-FR" sz="1200" i="1" dirty="0">
+                <a:solidFill>
+                  <a:schemeClr val="bg1">
+                    <a:lumMod val="50000"/>
+                  </a:schemeClr>
+                </a:solidFill>
+              </a:rPr>
+              <a:t>, </a:t>
+            </a:r>
+            <a:r>
+              <a:rPr lang="fr-FR" sz="1200" i="1" dirty="0" err="1">
+                <a:solidFill>
+                  <a:schemeClr val="bg1">
+                    <a:lumMod val="50000"/>
+                  </a:schemeClr>
+                </a:solidFill>
+              </a:rPr>
+              <a:t>consectetur</a:t>
+            </a:r>
+            <a:r>
+              <a:rPr lang="fr-FR" sz="1200" i="1" dirty="0">
+                <a:solidFill>
+                  <a:schemeClr val="bg1">
+                    <a:lumMod val="50000"/>
+                  </a:schemeClr>
+                </a:solidFill>
+              </a:rPr>
+              <a:t> </a:t>
+            </a:r>
+            <a:r>
+              <a:rPr lang="fr-FR" sz="1200" i="1" dirty="0" err="1">
+                <a:solidFill>
+                  <a:schemeClr val="bg1">
+                    <a:lumMod val="50000"/>
+                  </a:schemeClr>
+                </a:solidFill>
+              </a:rPr>
+              <a:t>adipiscing</a:t>
+            </a:r>
+            <a:r>
+              <a:rPr lang="fr-FR" sz="1200" i="1" dirty="0">
+                <a:solidFill>
+                  <a:schemeClr val="bg1">
+                    <a:lumMod val="50000"/>
+                  </a:schemeClr>
+                </a:solidFill>
+              </a:rPr>
+              <a:t> </a:t>
+            </a:r>
+            <a:r>
+              <a:rPr lang="fr-FR" sz="1200" i="1" dirty="0" err="1">
+                <a:solidFill>
+                  <a:schemeClr val="bg1">
+                    <a:lumMod val="50000"/>
+                  </a:schemeClr>
+                </a:solidFill>
+              </a:rPr>
+              <a:t>elit</a:t>
+            </a:r>
+            <a:r>
+              <a:rPr lang="fr-FR" sz="1200" i="1" dirty="0">
+                <a:solidFill>
+                  <a:schemeClr val="bg1">
+                    <a:lumMod val="50000"/>
+                  </a:schemeClr>
+                </a:solidFill>
+              </a:rPr>
+              <a:t>. </a:t>
+            </a:r>
+          </a:p>
+        </p:txBody>
+      </p:sp>
+      <p:sp>
+        <p:nvSpPr>
+          <p:cNvPr id="48" name="ZoneTexte 47"/>
+          <p:cNvSpPr txBox="1"/>
+          <p:nvPr/>
+        </p:nvSpPr>
+        <p:spPr>
+          <a:xfrm>
+            <a:off x="7357469" y="3335715"/>
+            <a:ext cx="1889090" cy="369332"/>
+          </a:xfrm>
+          <a:prstGeom prst="rect">
+            <a:avLst/>
+          </a:prstGeom>
+          <a:noFill/>
+        </p:spPr>
+        <p:txBody>
+          <a:bodyPr wrap="square" rtlCol="0">
+            <a:spAutoFit/>
+          </a:bodyPr>
+          <a:lstStyle/>
+          <a:p>
+            <a:r>
+              <a:rPr lang="fr-FR" dirty="0" smtClean="0"/>
+              <a:t>74,90 € </a:t>
+            </a:r>
+            <a:endParaRPr lang="fr-FR" dirty="0"/>
+          </a:p>
+        </p:txBody>
+      </p:sp>
+      <p:sp>
+        <p:nvSpPr>
+          <p:cNvPr id="49" name="Rectangle 48"/>
+          <p:cNvSpPr/>
+          <p:nvPr/>
+        </p:nvSpPr>
+        <p:spPr>
+          <a:xfrm>
+            <a:off x="7474886" y="4325815"/>
+            <a:ext cx="422031" cy="419224"/>
+          </a:xfrm>
+          <a:prstGeom prst="rect">
+            <a:avLst/>
+          </a:prstGeom>
+          <a:solidFill>
+            <a:schemeClr val="bg1"/>
+          </a:solidFill>
+          <a:ln>
+            <a:solidFill>
+              <a:schemeClr val="tx2">
+                <a:lumMod val="75000"/>
+              </a:schemeClr>
+            </a:solidFill>
+          </a:ln>
+        </p:spPr>
+        <p:style>
+          <a:lnRef idx="2">
+            <a:schemeClr val="accent1">
+              <a:shade val="50000"/>
+            </a:schemeClr>
+          </a:lnRef>
+          <a:fillRef idx="1">
+            <a:schemeClr val="accent1"/>
+          </a:fillRef>
+          <a:effectRef idx="0">
+            <a:schemeClr val="accent1"/>
+          </a:effectRef>
+          <a:fontRef idx="minor">
+            <a:schemeClr val="lt1"/>
+          </a:fontRef>
+        </p:style>
+        <p:txBody>
+          <a:bodyPr rtlCol="0" anchor="ctr"/>
+          <a:lstStyle/>
+          <a:p>
+            <a:pPr algn="ctr"/>
+            <a:endParaRPr lang="fr-FR"/>
+          </a:p>
+        </p:txBody>
+      </p:sp>
+      <p:sp>
+        <p:nvSpPr>
+          <p:cNvPr id="50" name="Rectangle 49"/>
+          <p:cNvSpPr/>
+          <p:nvPr/>
+        </p:nvSpPr>
+        <p:spPr>
+          <a:xfrm>
+            <a:off x="7966169" y="4325815"/>
+            <a:ext cx="184436" cy="419224"/>
+          </a:xfrm>
+          <a:prstGeom prst="rect">
+            <a:avLst/>
+          </a:prstGeom>
+          <a:solidFill>
+            <a:schemeClr val="bg1"/>
+          </a:solidFill>
+          <a:ln>
+            <a:solidFill>
+              <a:schemeClr val="tx2">
+                <a:lumMod val="75000"/>
+              </a:schemeClr>
+            </a:solidFill>
+          </a:ln>
+        </p:spPr>
+        <p:style>
+          <a:lnRef idx="2">
+            <a:schemeClr val="accent1">
+              <a:shade val="50000"/>
+            </a:schemeClr>
+          </a:lnRef>
+          <a:fillRef idx="1">
+            <a:schemeClr val="accent1"/>
+          </a:fillRef>
+          <a:effectRef idx="0">
+            <a:schemeClr val="accent1"/>
+          </a:effectRef>
+          <a:fontRef idx="minor">
+            <a:schemeClr val="lt1"/>
+          </a:fontRef>
+        </p:style>
+        <p:txBody>
+          <a:bodyPr rtlCol="0" anchor="ctr"/>
+          <a:lstStyle/>
+          <a:p>
+            <a:pPr algn="ctr"/>
+            <a:endParaRPr lang="fr-FR"/>
+          </a:p>
+        </p:txBody>
+      </p:sp>
+      <p:cxnSp>
+        <p:nvCxnSpPr>
+          <p:cNvPr id="54" name="Connecteur droit 53"/>
+          <p:cNvCxnSpPr>
+            <a:stCxn id="50" idx="1"/>
+            <a:endCxn id="50" idx="3"/>
+          </p:cNvCxnSpPr>
+          <p:nvPr/>
+        </p:nvCxnSpPr>
+        <p:spPr>
+          <a:xfrm>
+            <a:off x="7966169" y="4535427"/>
+            <a:ext cx="184436" cy="0"/>
+          </a:xfrm>
+          <a:prstGeom prst="line">
+            <a:avLst/>
+          </a:prstGeom>
+          <a:ln>
+            <a:solidFill>
+              <a:schemeClr val="tx2">
+                <a:lumMod val="75000"/>
+              </a:schemeClr>
+            </a:solidFill>
+          </a:ln>
+        </p:spPr>
+        <p:style>
+          <a:lnRef idx="1">
+            <a:schemeClr val="accent1"/>
+          </a:lnRef>
+          <a:fillRef idx="0">
+            <a:schemeClr val="accent1"/>
+          </a:fillRef>
+          <a:effectRef idx="0">
+            <a:schemeClr val="accent1"/>
+          </a:effectRef>
+          <a:fontRef idx="minor">
+            <a:schemeClr val="tx1"/>
+          </a:fontRef>
+        </p:style>
+      </p:cxnSp>
+      <p:sp>
+        <p:nvSpPr>
+          <p:cNvPr id="56" name="ZoneTexte 55"/>
+          <p:cNvSpPr txBox="1"/>
+          <p:nvPr/>
+        </p:nvSpPr>
+        <p:spPr>
+          <a:xfrm>
+            <a:off x="7909657" y="4263148"/>
+            <a:ext cx="207206" cy="369332"/>
+          </a:xfrm>
+          <a:prstGeom prst="rect">
+            <a:avLst/>
+          </a:prstGeom>
+          <a:noFill/>
+        </p:spPr>
+        <p:txBody>
+          <a:bodyPr wrap="square" rtlCol="0">
+            <a:spAutoFit/>
+          </a:bodyPr>
+          <a:lstStyle/>
+          <a:p>
+            <a:r>
+              <a:rPr lang="fr-FR" dirty="0" smtClean="0">
+                <a:solidFill>
+                  <a:schemeClr val="tx2">
+                    <a:lumMod val="75000"/>
+                  </a:schemeClr>
+                </a:solidFill>
+              </a:rPr>
+              <a:t>^</a:t>
+            </a:r>
+            <a:endParaRPr lang="fr-FR" dirty="0">
+              <a:solidFill>
+                <a:schemeClr val="tx2">
+                  <a:lumMod val="75000"/>
+                </a:schemeClr>
+              </a:solidFill>
+            </a:endParaRPr>
+          </a:p>
+        </p:txBody>
+      </p:sp>
+      <p:sp>
+        <p:nvSpPr>
+          <p:cNvPr id="57" name="ZoneTexte 56"/>
+          <p:cNvSpPr txBox="1"/>
+          <p:nvPr/>
+        </p:nvSpPr>
+        <p:spPr>
+          <a:xfrm flipV="1">
+            <a:off x="8041058" y="4445596"/>
+            <a:ext cx="146828" cy="369332"/>
+          </a:xfrm>
+          <a:prstGeom prst="rect">
+            <a:avLst/>
+          </a:prstGeom>
+          <a:noFill/>
+        </p:spPr>
+        <p:txBody>
+          <a:bodyPr wrap="square" rtlCol="0">
+            <a:spAutoFit/>
+          </a:bodyPr>
+          <a:lstStyle/>
+          <a:p>
+            <a:r>
+              <a:rPr lang="fr-FR" dirty="0" smtClean="0">
+                <a:solidFill>
+                  <a:schemeClr val="tx2">
+                    <a:lumMod val="75000"/>
+                  </a:schemeClr>
+                </a:solidFill>
+              </a:rPr>
+              <a:t>^</a:t>
+            </a:r>
+            <a:endParaRPr lang="fr-FR" dirty="0">
+              <a:solidFill>
+                <a:schemeClr val="tx2">
+                  <a:lumMod val="75000"/>
+                </a:schemeClr>
+              </a:solidFill>
+            </a:endParaRPr>
+          </a:p>
+        </p:txBody>
+      </p:sp>
+      <p:sp>
+        <p:nvSpPr>
+          <p:cNvPr id="58" name="ZoneTexte 57"/>
+          <p:cNvSpPr txBox="1"/>
+          <p:nvPr/>
+        </p:nvSpPr>
+        <p:spPr>
+          <a:xfrm>
+            <a:off x="7381061" y="4032063"/>
+            <a:ext cx="745836" cy="276999"/>
+          </a:xfrm>
+          <a:prstGeom prst="rect">
+            <a:avLst/>
+          </a:prstGeom>
+          <a:noFill/>
+        </p:spPr>
+        <p:txBody>
+          <a:bodyPr wrap="square" rtlCol="0">
+            <a:spAutoFit/>
+          </a:bodyPr>
+          <a:lstStyle/>
+          <a:p>
+            <a:r>
+              <a:rPr lang="fr-FR" sz="1200" dirty="0" smtClean="0">
+                <a:solidFill>
+                  <a:schemeClr val="tx2">
+                    <a:lumMod val="75000"/>
+                  </a:schemeClr>
+                </a:solidFill>
+              </a:rPr>
+              <a:t>Quantité</a:t>
+            </a:r>
+            <a:endParaRPr lang="fr-FR" sz="1200" dirty="0">
+              <a:solidFill>
+                <a:schemeClr val="tx2">
+                  <a:lumMod val="75000"/>
+                </a:schemeClr>
+              </a:solidFill>
+            </a:endParaRPr>
+          </a:p>
+        </p:txBody>
+      </p:sp>
+      <p:sp>
+        <p:nvSpPr>
+          <p:cNvPr id="62" name="ZoneTexte 61"/>
+          <p:cNvSpPr txBox="1"/>
+          <p:nvPr/>
+        </p:nvSpPr>
+        <p:spPr>
+          <a:xfrm>
+            <a:off x="7495173" y="4243039"/>
+            <a:ext cx="378830" cy="584775"/>
+          </a:xfrm>
+          <a:prstGeom prst="rect">
+            <a:avLst/>
+          </a:prstGeom>
+          <a:noFill/>
+        </p:spPr>
+        <p:txBody>
+          <a:bodyPr wrap="square" rtlCol="0">
+            <a:spAutoFit/>
+          </a:bodyPr>
+          <a:lstStyle/>
+          <a:p>
+            <a:r>
+              <a:rPr lang="fr-FR" sz="3200" dirty="0" smtClean="0">
+                <a:solidFill>
+                  <a:schemeClr val="tx2">
+                    <a:lumMod val="75000"/>
+                  </a:schemeClr>
+                </a:solidFill>
+              </a:rPr>
+              <a:t>1</a:t>
+            </a:r>
+            <a:endParaRPr lang="fr-FR" sz="3200" dirty="0">
+              <a:solidFill>
+                <a:schemeClr val="tx2">
+                  <a:lumMod val="75000"/>
+                </a:schemeClr>
+              </a:solidFill>
+            </a:endParaRPr>
+          </a:p>
+        </p:txBody>
+      </p:sp>
+      <p:sp>
+        <p:nvSpPr>
+          <p:cNvPr id="64" name="Rectangle 63"/>
+          <p:cNvSpPr/>
+          <p:nvPr/>
+        </p:nvSpPr>
+        <p:spPr>
+          <a:xfrm>
+            <a:off x="8390895" y="4325815"/>
+            <a:ext cx="1637360" cy="419224"/>
+          </a:xfrm>
+          <a:prstGeom prst="rect">
+            <a:avLst/>
+          </a:prstGeom>
+          <a:solidFill>
+            <a:srgbClr val="C00000"/>
+          </a:solidFill>
+          <a:ln>
+            <a:solidFill>
+              <a:schemeClr val="tx2">
+                <a:lumMod val="75000"/>
+              </a:schemeClr>
+            </a:solidFill>
+          </a:ln>
+        </p:spPr>
+        <p:style>
+          <a:lnRef idx="2">
+            <a:schemeClr val="accent1">
+              <a:shade val="50000"/>
+            </a:schemeClr>
+          </a:lnRef>
+          <a:fillRef idx="1">
+            <a:schemeClr val="accent1"/>
+          </a:fillRef>
+          <a:effectRef idx="0">
+            <a:schemeClr val="accent1"/>
+          </a:effectRef>
+          <a:fontRef idx="minor">
+            <a:schemeClr val="lt1"/>
+          </a:fontRef>
+        </p:style>
+        <p:txBody>
+          <a:bodyPr rtlCol="0" anchor="ctr"/>
+          <a:lstStyle/>
+          <a:p>
+            <a:pPr algn="ctr"/>
+            <a:endParaRPr lang="fr-FR"/>
+          </a:p>
+        </p:txBody>
+      </p:sp>
+      <p:sp>
+        <p:nvSpPr>
+          <p:cNvPr id="65" name="ZoneTexte 64"/>
+          <p:cNvSpPr txBox="1"/>
+          <p:nvPr/>
+        </p:nvSpPr>
+        <p:spPr>
+          <a:xfrm>
+            <a:off x="8408630" y="4369647"/>
+            <a:ext cx="1874130" cy="338554"/>
+          </a:xfrm>
+          <a:prstGeom prst="rect">
+            <a:avLst/>
+          </a:prstGeom>
+          <a:noFill/>
+        </p:spPr>
+        <p:txBody>
+          <a:bodyPr wrap="square" rtlCol="0">
+            <a:spAutoFit/>
+          </a:bodyPr>
+          <a:lstStyle/>
+          <a:p>
+            <a:r>
+              <a:rPr lang="fr-FR" sz="1600" dirty="0" smtClean="0">
+                <a:solidFill>
+                  <a:schemeClr val="bg1"/>
+                </a:solidFill>
+              </a:rPr>
+              <a:t>Ajouter au panier</a:t>
+            </a:r>
+            <a:endParaRPr lang="fr-FR" sz="1600" dirty="0">
+              <a:solidFill>
+                <a:schemeClr val="bg1"/>
+              </a:solidFill>
+            </a:endParaRPr>
+          </a:p>
+        </p:txBody>
+      </p:sp>
+      <p:sp>
+        <p:nvSpPr>
+          <p:cNvPr id="2" name="ZoneTexte 1"/>
+          <p:cNvSpPr txBox="1"/>
+          <p:nvPr/>
+        </p:nvSpPr>
+        <p:spPr>
+          <a:xfrm>
+            <a:off x="28909" y="729"/>
+            <a:ext cx="1614491" cy="646331"/>
+          </a:xfrm>
+          <a:prstGeom prst="rect">
+            <a:avLst/>
+          </a:prstGeom>
+          <a:noFill/>
+        </p:spPr>
+        <p:txBody>
+          <a:bodyPr wrap="square" rtlCol="0">
+            <a:spAutoFit/>
+          </a:bodyPr>
+          <a:lstStyle/>
+          <a:p>
+            <a:r>
+              <a:rPr lang="fr-FR" dirty="0" smtClean="0"/>
+              <a:t>Page de l’objet en vente</a:t>
+            </a:r>
+            <a:endParaRPr lang="fr-FR" dirty="0"/>
+          </a:p>
+        </p:txBody>
+      </p:sp>
+      <p:pic>
+        <p:nvPicPr>
+          <p:cNvPr id="3" name="Image 2"/>
+          <p:cNvPicPr>
+            <a:picLocks noChangeAspect="1"/>
+          </p:cNvPicPr>
+          <p:nvPr/>
+        </p:nvPicPr>
+        <p:blipFill>
+          <a:blip r:embed="rId17">
+            <a:extLst>
+              <a:ext uri="{28A0092B-C50C-407E-A947-70E740481C1C}">
+                <a14:useLocalDpi xmlns:a14="http://schemas.microsoft.com/office/drawing/2010/main" val="0"/>
+              </a:ext>
+            </a:extLst>
+          </a:blip>
+          <a:stretch>
+            <a:fillRect/>
+          </a:stretch>
+        </p:blipFill>
+        <p:spPr>
+          <a:xfrm>
+            <a:off x="1679015" y="-12603"/>
+            <a:ext cx="10547710" cy="6902250"/>
+          </a:xfrm>
+          <a:prstGeom prst="rect">
+            <a:avLst/>
+          </a:prstGeom>
+        </p:spPr>
+      </p:pic>
+      <p:sp>
+        <p:nvSpPr>
+          <p:cNvPr id="15" name="Rectangle 14"/>
+          <p:cNvSpPr/>
+          <p:nvPr/>
+        </p:nvSpPr>
+        <p:spPr>
+          <a:xfrm>
+            <a:off x="2455116" y="1010655"/>
+            <a:ext cx="8964640" cy="3195005"/>
+          </a:xfrm>
+          <a:prstGeom prst="rect">
+            <a:avLst/>
+          </a:prstGeom>
+          <a:solidFill>
+            <a:schemeClr val="bg1">
+              <a:lumMod val="95000"/>
+            </a:schemeClr>
+          </a:solidFill>
+        </p:spPr>
+        <p:style>
+          <a:lnRef idx="2">
+            <a:schemeClr val="accent1">
+              <a:shade val="50000"/>
+            </a:schemeClr>
+          </a:lnRef>
+          <a:fillRef idx="1">
+            <a:schemeClr val="accent1"/>
+          </a:fillRef>
+          <a:effectRef idx="0">
+            <a:schemeClr val="accent1"/>
+          </a:effectRef>
+          <a:fontRef idx="minor">
+            <a:schemeClr val="lt1"/>
+          </a:fontRef>
+        </p:style>
+        <p:txBody>
+          <a:bodyPr rtlCol="0" anchor="ctr"/>
+          <a:lstStyle/>
+          <a:p>
+            <a:pPr algn="ctr"/>
+            <a:endParaRPr lang="fr-FR"/>
+          </a:p>
+        </p:txBody>
+      </p:sp>
+      <p:sp>
+        <p:nvSpPr>
+          <p:cNvPr id="26" name="ZoneTexte 25"/>
+          <p:cNvSpPr txBox="1"/>
+          <p:nvPr/>
+        </p:nvSpPr>
+        <p:spPr>
+          <a:xfrm>
+            <a:off x="4722478" y="1200258"/>
+            <a:ext cx="4370316" cy="369332"/>
+          </a:xfrm>
+          <a:prstGeom prst="rect">
+            <a:avLst/>
+          </a:prstGeom>
+          <a:noFill/>
+        </p:spPr>
+        <p:txBody>
+          <a:bodyPr wrap="square" rtlCol="0">
+            <a:spAutoFit/>
+          </a:bodyPr>
+          <a:lstStyle/>
+          <a:p>
+            <a:r>
+              <a:rPr lang="fr-FR" b="1" dirty="0" smtClean="0"/>
+              <a:t>LE PRODUIT A BIEN ÉTÉ AJOUTE AU PANIER.</a:t>
+            </a:r>
+            <a:endParaRPr lang="fr-FR" b="1" dirty="0"/>
+          </a:p>
+        </p:txBody>
+      </p:sp>
+      <p:cxnSp>
+        <p:nvCxnSpPr>
+          <p:cNvPr id="51" name="Line"/>
+          <p:cNvCxnSpPr>
+            <a:cxnSpLocks/>
+          </p:cNvCxnSpPr>
+          <p:nvPr/>
+        </p:nvCxnSpPr>
+        <p:spPr bwMode="auto">
+          <a:xfrm>
+            <a:off x="4736370" y="1560142"/>
+            <a:ext cx="4203795" cy="606"/>
+          </a:xfrm>
+          <a:prstGeom prst="line">
+            <a:avLst/>
+          </a:prstGeom>
+          <a:ln w="6350">
+            <a:solidFill>
+              <a:schemeClr val="bg2">
+                <a:lumMod val="90000"/>
+              </a:schemeClr>
+            </a:solidFill>
+          </a:ln>
+        </p:spPr>
+        <p:style>
+          <a:lnRef idx="1">
+            <a:schemeClr val="accent1"/>
+          </a:lnRef>
+          <a:fillRef idx="0">
+            <a:schemeClr val="accent1"/>
+          </a:fillRef>
+          <a:effectRef idx="0">
+            <a:schemeClr val="accent1"/>
+          </a:effectRef>
+          <a:fontRef idx="minor">
+            <a:schemeClr val="tx1"/>
+          </a:fontRef>
+        </p:style>
+      </p:cxnSp>
+      <p:pic>
+        <p:nvPicPr>
+          <p:cNvPr id="28" name="Image 27"/>
+          <p:cNvPicPr>
+            <a:picLocks noChangeAspect="1"/>
+          </p:cNvPicPr>
+          <p:nvPr/>
+        </p:nvPicPr>
+        <p:blipFill>
+          <a:blip r:embed="rId18" cstate="print">
+            <a:extLst>
+              <a:ext uri="{28A0092B-C50C-407E-A947-70E740481C1C}">
+                <a14:useLocalDpi xmlns:a14="http://schemas.microsoft.com/office/drawing/2010/main" val="0"/>
+              </a:ext>
+            </a:extLst>
+          </a:blip>
+          <a:stretch>
+            <a:fillRect/>
+          </a:stretch>
+        </p:blipFill>
+        <p:spPr>
+          <a:xfrm>
+            <a:off x="2613981" y="1941406"/>
+            <a:ext cx="1824318" cy="1824318"/>
+          </a:xfrm>
+          <a:prstGeom prst="rect">
+            <a:avLst/>
+          </a:prstGeom>
+        </p:spPr>
+      </p:pic>
+      <p:sp>
+        <p:nvSpPr>
+          <p:cNvPr id="29" name="ZoneTexte 28"/>
+          <p:cNvSpPr txBox="1"/>
+          <p:nvPr/>
+        </p:nvSpPr>
+        <p:spPr>
+          <a:xfrm>
+            <a:off x="4597164" y="1890882"/>
+            <a:ext cx="2535287" cy="1200329"/>
+          </a:xfrm>
+          <a:prstGeom prst="rect">
+            <a:avLst/>
+          </a:prstGeom>
+          <a:noFill/>
+        </p:spPr>
+        <p:txBody>
+          <a:bodyPr wrap="square" rtlCol="0">
+            <a:spAutoFit/>
+          </a:bodyPr>
+          <a:lstStyle/>
+          <a:p>
+            <a:r>
+              <a:rPr lang="fr-FR" dirty="0"/>
+              <a:t>Figurine </a:t>
+            </a:r>
+            <a:r>
+              <a:rPr lang="fr-FR" dirty="0" err="1"/>
+              <a:t>Roronoa</a:t>
+            </a:r>
+            <a:r>
+              <a:rPr lang="fr-FR" dirty="0"/>
+              <a:t> </a:t>
+            </a:r>
+            <a:r>
+              <a:rPr lang="fr-FR" dirty="0" err="1"/>
+              <a:t>Zoro</a:t>
+            </a:r>
+            <a:r>
+              <a:rPr lang="fr-FR" dirty="0"/>
+              <a:t> – </a:t>
+            </a:r>
+            <a:r>
+              <a:rPr lang="fr-FR" dirty="0" err="1"/>
+              <a:t>Grandista</a:t>
+            </a:r>
+            <a:r>
+              <a:rPr lang="fr-FR" dirty="0"/>
+              <a:t> Manga Dimension– 28 cm</a:t>
+            </a:r>
+          </a:p>
+          <a:p>
+            <a:endParaRPr lang="fr-FR" dirty="0"/>
+          </a:p>
+        </p:txBody>
+      </p:sp>
+      <p:sp>
+        <p:nvSpPr>
+          <p:cNvPr id="30" name="ZoneTexte 29"/>
+          <p:cNvSpPr txBox="1"/>
+          <p:nvPr/>
+        </p:nvSpPr>
+        <p:spPr>
+          <a:xfrm>
+            <a:off x="4684582" y="2966383"/>
+            <a:ext cx="2144133" cy="738664"/>
+          </a:xfrm>
+          <a:prstGeom prst="rect">
+            <a:avLst/>
+          </a:prstGeom>
+          <a:noFill/>
+        </p:spPr>
+        <p:txBody>
+          <a:bodyPr wrap="square" rtlCol="0">
+            <a:spAutoFit/>
+          </a:bodyPr>
+          <a:lstStyle/>
+          <a:p>
+            <a:r>
+              <a:rPr lang="fr-FR" sz="2400" dirty="0"/>
+              <a:t>74,90 € </a:t>
+            </a:r>
+          </a:p>
+          <a:p>
+            <a:endParaRPr lang="fr-FR" dirty="0"/>
+          </a:p>
+        </p:txBody>
+      </p:sp>
+      <p:sp>
+        <p:nvSpPr>
+          <p:cNvPr id="31" name="ZoneTexte 30"/>
+          <p:cNvSpPr txBox="1"/>
+          <p:nvPr/>
+        </p:nvSpPr>
+        <p:spPr>
+          <a:xfrm>
+            <a:off x="4633185" y="3481821"/>
+            <a:ext cx="4576390" cy="307777"/>
+          </a:xfrm>
+          <a:prstGeom prst="rect">
+            <a:avLst/>
+          </a:prstGeom>
+          <a:noFill/>
+        </p:spPr>
+        <p:txBody>
+          <a:bodyPr wrap="square" rtlCol="0">
+            <a:spAutoFit/>
+          </a:bodyPr>
+          <a:lstStyle/>
+          <a:p>
+            <a:r>
+              <a:rPr lang="fr-FR" sz="1400" dirty="0" smtClean="0">
+                <a:solidFill>
+                  <a:schemeClr val="bg2">
+                    <a:lumMod val="50000"/>
+                  </a:schemeClr>
+                </a:solidFill>
+              </a:rPr>
+              <a:t>Quantité ajoutée : 1</a:t>
+            </a:r>
+            <a:endParaRPr lang="fr-FR" sz="1400" dirty="0">
+              <a:solidFill>
+                <a:schemeClr val="bg2">
+                  <a:lumMod val="50000"/>
+                </a:schemeClr>
+              </a:solidFill>
+            </a:endParaRPr>
+          </a:p>
+        </p:txBody>
+      </p:sp>
+      <p:sp>
+        <p:nvSpPr>
+          <p:cNvPr id="34" name="Rectangle 33"/>
+          <p:cNvSpPr/>
+          <p:nvPr/>
+        </p:nvSpPr>
+        <p:spPr>
+          <a:xfrm>
+            <a:off x="8033054" y="2045876"/>
+            <a:ext cx="2829366" cy="583063"/>
+          </a:xfrm>
+          <a:prstGeom prst="rect">
+            <a:avLst/>
+          </a:prstGeom>
+          <a:solidFill>
+            <a:schemeClr val="tx2">
+              <a:lumMod val="75000"/>
+            </a:schemeClr>
+          </a:solidFill>
+        </p:spPr>
+        <p:style>
+          <a:lnRef idx="2">
+            <a:schemeClr val="accent1">
+              <a:shade val="50000"/>
+            </a:schemeClr>
+          </a:lnRef>
+          <a:fillRef idx="1">
+            <a:schemeClr val="accent1"/>
+          </a:fillRef>
+          <a:effectRef idx="0">
+            <a:schemeClr val="accent1"/>
+          </a:effectRef>
+          <a:fontRef idx="minor">
+            <a:schemeClr val="lt1"/>
+          </a:fontRef>
+        </p:style>
+        <p:txBody>
+          <a:bodyPr rtlCol="0" anchor="ctr"/>
+          <a:lstStyle/>
+          <a:p>
+            <a:pPr algn="ctr"/>
+            <a:endParaRPr lang="fr-FR"/>
+          </a:p>
+        </p:txBody>
+      </p:sp>
+      <p:sp>
+        <p:nvSpPr>
+          <p:cNvPr id="35" name="ZoneTexte 34"/>
+          <p:cNvSpPr txBox="1"/>
+          <p:nvPr/>
+        </p:nvSpPr>
+        <p:spPr>
+          <a:xfrm>
+            <a:off x="8130957" y="2158417"/>
+            <a:ext cx="2703130" cy="369332"/>
+          </a:xfrm>
+          <a:prstGeom prst="rect">
+            <a:avLst/>
+          </a:prstGeom>
+          <a:noFill/>
+        </p:spPr>
+        <p:txBody>
+          <a:bodyPr wrap="square" rtlCol="0">
+            <a:spAutoFit/>
+          </a:bodyPr>
+          <a:lstStyle/>
+          <a:p>
+            <a:r>
+              <a:rPr lang="fr-FR" b="1" dirty="0" smtClean="0">
+                <a:solidFill>
+                  <a:schemeClr val="bg1"/>
+                </a:solidFill>
+              </a:rPr>
+              <a:t>CONTINUER MES ACHATS</a:t>
+            </a:r>
+            <a:endParaRPr lang="fr-FR" b="1" dirty="0">
+              <a:solidFill>
+                <a:schemeClr val="bg1"/>
+              </a:solidFill>
+            </a:endParaRPr>
+          </a:p>
+        </p:txBody>
+      </p:sp>
+      <p:sp>
+        <p:nvSpPr>
+          <p:cNvPr id="59" name="Rectangle 58"/>
+          <p:cNvSpPr/>
+          <p:nvPr/>
+        </p:nvSpPr>
+        <p:spPr>
+          <a:xfrm>
+            <a:off x="8022739" y="2870486"/>
+            <a:ext cx="1805964" cy="583063"/>
+          </a:xfrm>
+          <a:prstGeom prst="rect">
+            <a:avLst/>
+          </a:prstGeom>
+          <a:solidFill>
+            <a:srgbClr val="C00000"/>
+          </a:solidFill>
+        </p:spPr>
+        <p:style>
+          <a:lnRef idx="2">
+            <a:schemeClr val="accent1">
+              <a:shade val="50000"/>
+            </a:schemeClr>
+          </a:lnRef>
+          <a:fillRef idx="1">
+            <a:schemeClr val="accent1"/>
+          </a:fillRef>
+          <a:effectRef idx="0">
+            <a:schemeClr val="accent1"/>
+          </a:effectRef>
+          <a:fontRef idx="minor">
+            <a:schemeClr val="lt1"/>
+          </a:fontRef>
+        </p:style>
+        <p:txBody>
+          <a:bodyPr rtlCol="0" anchor="ctr"/>
+          <a:lstStyle/>
+          <a:p>
+            <a:pPr algn="ctr"/>
+            <a:endParaRPr lang="fr-FR"/>
+          </a:p>
+        </p:txBody>
+      </p:sp>
+      <p:sp>
+        <p:nvSpPr>
+          <p:cNvPr id="60" name="ZoneTexte 59"/>
+          <p:cNvSpPr txBox="1"/>
+          <p:nvPr/>
+        </p:nvSpPr>
+        <p:spPr>
+          <a:xfrm>
+            <a:off x="8120642" y="2983027"/>
+            <a:ext cx="2703130" cy="369332"/>
+          </a:xfrm>
+          <a:prstGeom prst="rect">
+            <a:avLst/>
+          </a:prstGeom>
+          <a:noFill/>
+        </p:spPr>
+        <p:txBody>
+          <a:bodyPr wrap="square" rtlCol="0">
+            <a:spAutoFit/>
+          </a:bodyPr>
+          <a:lstStyle/>
+          <a:p>
+            <a:r>
+              <a:rPr lang="fr-FR" b="1" dirty="0" smtClean="0">
+                <a:solidFill>
+                  <a:schemeClr val="bg1"/>
+                </a:solidFill>
+                <a:hlinkClick r:id="rId19" action="ppaction://hlinksldjump"/>
+              </a:rPr>
+              <a:t>COMMANDER</a:t>
+            </a:r>
+            <a:endParaRPr lang="fr-FR" b="1" dirty="0">
+              <a:solidFill>
+                <a:schemeClr val="bg1"/>
+              </a:solidFill>
+            </a:endParaRPr>
+          </a:p>
+        </p:txBody>
+      </p:sp>
+    </p:spTree>
+    <p:extLst>
+      <p:ext uri="{BB962C8B-B14F-4D97-AF65-F5344CB8AC3E}">
+        <p14:creationId xmlns:p14="http://schemas.microsoft.com/office/powerpoint/2010/main" val="1917674613"/>
       </p:ext>
     </p:extLst>
   </p:cSld>
@@ -23882,9 +28345,69 @@
 </p:tagLst>
 </file>
 
+<file path=ppt/tags/tag51.xml><?xml version="1.0" encoding="utf-8"?>
+<p:tagLst xmlns:a="http://schemas.openxmlformats.org/drawingml/2006/main" xmlns:r="http://schemas.openxmlformats.org/officeDocument/2006/relationships" xmlns:p="http://schemas.openxmlformats.org/presentationml/2006/main">
+  <p:tag name="SMARTSETTINGSHASH" val="PWOa7bLCMN/NfWse0OkDrDXWtXjrMvC+/KEnGxnzoq0="/>
+</p:tagLst>
+</file>
+
+<file path=ppt/tags/tag52.xml><?xml version="1.0" encoding="utf-8"?>
+<p:tagLst xmlns:a="http://schemas.openxmlformats.org/drawingml/2006/main" xmlns:r="http://schemas.openxmlformats.org/officeDocument/2006/relationships" xmlns:p="http://schemas.openxmlformats.org/presentationml/2006/main">
+  <p:tag name="SMARTSETTINGSHASH" val="xZU/W0IqlvXPkJ37/hSWg5jSIFh0KZmI7sT1syyiYH8="/>
+</p:tagLst>
+</file>
+
+<file path=ppt/tags/tag53.xml><?xml version="1.0" encoding="utf-8"?>
+<p:tagLst xmlns:a="http://schemas.openxmlformats.org/drawingml/2006/main" xmlns:r="http://schemas.openxmlformats.org/officeDocument/2006/relationships" xmlns:p="http://schemas.openxmlformats.org/presentationml/2006/main">
+  <p:tag name="SMARTSETTINGSHASH" val="SB3bqgv5ghGJknk/m+/9EdPMDkanH9eNosaoBtCx42Q="/>
+</p:tagLst>
+</file>
+
+<file path=ppt/tags/tag54.xml><?xml version="1.0" encoding="utf-8"?>
+<p:tagLst xmlns:a="http://schemas.openxmlformats.org/drawingml/2006/main" xmlns:r="http://schemas.openxmlformats.org/officeDocument/2006/relationships" xmlns:p="http://schemas.openxmlformats.org/presentationml/2006/main">
+  <p:tag name="SMARTSETTINGSHASH" val="xscEFkRiZvbxLfN1YzQGPp4nKBgtuPrjp3QiTCcMWwM="/>
+</p:tagLst>
+</file>
+
+<file path=ppt/tags/tag55.xml><?xml version="1.0" encoding="utf-8"?>
+<p:tagLst xmlns:a="http://schemas.openxmlformats.org/drawingml/2006/main" xmlns:r="http://schemas.openxmlformats.org/officeDocument/2006/relationships" xmlns:p="http://schemas.openxmlformats.org/presentationml/2006/main">
+  <p:tag name="SMARTSETTINGSHASH" val="xscEFkRiZvbxLfN1YzQGPp4nKBgtuPrjp3QiTCcMWwM="/>
+</p:tagLst>
+</file>
+
+<file path=ppt/tags/tag56.xml><?xml version="1.0" encoding="utf-8"?>
+<p:tagLst xmlns:a="http://schemas.openxmlformats.org/drawingml/2006/main" xmlns:r="http://schemas.openxmlformats.org/officeDocument/2006/relationships" xmlns:p="http://schemas.openxmlformats.org/presentationml/2006/main">
+  <p:tag name="SMARTSETTINGSHASH" val="SB3bqgv5ghGJknk/m+/9EdPMDkanH9eNosaoBtCx42Q="/>
+</p:tagLst>
+</file>
+
+<file path=ppt/tags/tag57.xml><?xml version="1.0" encoding="utf-8"?>
+<p:tagLst xmlns:a="http://schemas.openxmlformats.org/drawingml/2006/main" xmlns:r="http://schemas.openxmlformats.org/officeDocument/2006/relationships" xmlns:p="http://schemas.openxmlformats.org/presentationml/2006/main">
+  <p:tag name="SMARTSETTINGSHASH" val="IDSg7uxH1Z/iSOkBSMZyie/SGkHlLE2okQSpqFhp1Ac="/>
+</p:tagLst>
+</file>
+
+<file path=ppt/tags/tag58.xml><?xml version="1.0" encoding="utf-8"?>
+<p:tagLst xmlns:a="http://schemas.openxmlformats.org/drawingml/2006/main" xmlns:r="http://schemas.openxmlformats.org/officeDocument/2006/relationships" xmlns:p="http://schemas.openxmlformats.org/presentationml/2006/main">
+  <p:tag name="SMARTSETTINGSHASH" val="IDSg7uxH1Z/iSOkBSMZyie/SGkHlLE2okQSpqFhp1Ac="/>
+</p:tagLst>
+</file>
+
+<file path=ppt/tags/tag59.xml><?xml version="1.0" encoding="utf-8"?>
+<p:tagLst xmlns:a="http://schemas.openxmlformats.org/drawingml/2006/main" xmlns:r="http://schemas.openxmlformats.org/officeDocument/2006/relationships" xmlns:p="http://schemas.openxmlformats.org/presentationml/2006/main">
+  <p:tag name="SMARTSETTINGSHASH" val="IDSg7uxH1Z/iSOkBSMZyie/SGkHlLE2okQSpqFhp1Ac="/>
+</p:tagLst>
+</file>
+
 <file path=ppt/tags/tag6.xml><?xml version="1.0" encoding="utf-8"?>
 <p:tagLst xmlns:a="http://schemas.openxmlformats.org/drawingml/2006/main" xmlns:r="http://schemas.openxmlformats.org/officeDocument/2006/relationships" xmlns:p="http://schemas.openxmlformats.org/presentationml/2006/main">
   <p:tag name="SMARTSETTINGSHASH" val="SB3bqgv5ghGJknk/m+/9EdPMDkanH9eNosaoBtCx42Q="/>
+</p:tagLst>
+</file>
+
+<file path=ppt/tags/tag60.xml><?xml version="1.0" encoding="utf-8"?>
+<p:tagLst xmlns:a="http://schemas.openxmlformats.org/drawingml/2006/main" xmlns:r="http://schemas.openxmlformats.org/officeDocument/2006/relationships" xmlns:p="http://schemas.openxmlformats.org/presentationml/2006/main">
+  <p:tag name="SMARTSETTINGSHASH" val="IDSg7uxH1Z/iSOkBSMZyie/SGkHlLE2okQSpqFhp1Ac="/>
 </p:tagLst>
 </file>
 

--- a/ProjetStage/MaquetteProjetStage.pptx
+++ b/ProjetStage/MaquetteProjetStage.pptx
@@ -11,6 +11,7 @@
     <p:sldId id="259" r:id="rId5"/>
     <p:sldId id="260" r:id="rId6"/>
     <p:sldId id="261" r:id="rId7"/>
+    <p:sldId id="262" r:id="rId8"/>
   </p:sldIdLst>
   <p:sldSz cx="12192000" cy="6858000"/>
   <p:notesSz cx="6858000" cy="9144000"/>
@@ -27574,7 +27575,7 @@
           <a:p>
             <a:r>
               <a:rPr lang="fr-FR" dirty="0" smtClean="0"/>
-              <a:t>Page de l’objet en vente</a:t>
+              <a:t>Page de confirmation</a:t>
             </a:r>
             <a:endParaRPr lang="fr-FR" dirty="0"/>
           </a:p>
@@ -28069,6 +28070,3677 @@
 </p:sld>
 </file>
 
+<file path=ppt/slides/slide7.xml><?xml version="1.0" encoding="utf-8"?>
+<p:sld xmlns:a="http://schemas.openxmlformats.org/drawingml/2006/main" xmlns:r="http://schemas.openxmlformats.org/officeDocument/2006/relationships" xmlns:p="http://schemas.openxmlformats.org/presentationml/2006/main">
+  <p:cSld>
+    <p:spTree>
+      <p:nvGrpSpPr>
+        <p:cNvPr id="1" name=""/>
+        <p:cNvGrpSpPr/>
+        <p:nvPr/>
+      </p:nvGrpSpPr>
+      <p:grpSpPr>
+        <a:xfrm>
+          <a:off x="0" y="0"/>
+          <a:ext cx="0" cy="0"/>
+          <a:chOff x="0" y="0"/>
+          <a:chExt cx="0" cy="0"/>
+        </a:xfrm>
+      </p:grpSpPr>
+      <p:grpSp>
+        <p:nvGrpSpPr>
+          <p:cNvPr id="4" name="Browser" descr="&lt;SmartSettings&gt;&lt;SmartResize enabled=&quot;True&quot; minWidth=&quot;140&quot; minHeight=&quot;50&quot; /&gt;&lt;/SmartSettings&gt;"/>
+          <p:cNvGrpSpPr/>
+          <p:nvPr>
+            <p:custDataLst>
+              <p:tags r:id="rId1"/>
+            </p:custDataLst>
+          </p:nvPr>
+        </p:nvGrpSpPr>
+        <p:grpSpPr>
+          <a:xfrm>
+            <a:off x="1687851" y="0"/>
+            <a:ext cx="10530041" cy="6873017"/>
+            <a:chOff x="595683" y="1261242"/>
+            <a:chExt cx="6668464" cy="4352544"/>
+          </a:xfrm>
+        </p:grpSpPr>
+        <p:sp>
+          <p:nvSpPr>
+            <p:cNvPr id="5" name="Window Body" descr="&lt;SmartSettings&gt;&lt;SmartResize anchorLeft=&quot;Absolute&quot; anchorTop=&quot;Absolute&quot; anchorRight=&quot;Absolute&quot; anchorBottom=&quot;Absolute&quot; /&gt;&lt;/SmartSettings&gt;"/>
+            <p:cNvSpPr/>
+            <p:nvPr>
+              <p:custDataLst>
+                <p:tags r:id="rId2"/>
+              </p:custDataLst>
+            </p:nvPr>
+          </p:nvSpPr>
+          <p:spPr>
+            <a:xfrm>
+              <a:off x="595683" y="1600037"/>
+              <a:ext cx="6668462" cy="4013749"/>
+            </a:xfrm>
+            <a:prstGeom prst="rect">
+              <a:avLst/>
+            </a:prstGeom>
+            <a:solidFill>
+              <a:schemeClr val="bg1">
+                <a:lumMod val="95000"/>
+              </a:schemeClr>
+            </a:solidFill>
+            <a:ln w="6350">
+              <a:solidFill>
+                <a:srgbClr val="808080"/>
+              </a:solidFill>
+            </a:ln>
+          </p:spPr>
+          <p:style>
+            <a:lnRef idx="2">
+              <a:schemeClr val="accent1">
+                <a:shade val="50000"/>
+              </a:schemeClr>
+            </a:lnRef>
+            <a:fillRef idx="1">
+              <a:schemeClr val="accent1"/>
+            </a:fillRef>
+            <a:effectRef idx="0">
+              <a:schemeClr val="accent1"/>
+            </a:effectRef>
+            <a:fontRef idx="minor">
+              <a:schemeClr val="lt1"/>
+            </a:fontRef>
+          </p:style>
+          <p:txBody>
+            <a:bodyPr rot="0" spcFirstLastPara="0" vert="horz" wrap="square" lIns="91440" tIns="45720" rIns="91440" bIns="45720" numCol="1" spcCol="0" rtlCol="0" fromWordArt="0" anchor="ctr" anchorCtr="0" forceAA="0" compatLnSpc="1">
+              <a:prstTxWarp prst="textNoShape">
+                <a:avLst/>
+              </a:prstTxWarp>
+              <a:noAutofit/>
+            </a:bodyPr>
+            <a:lstStyle>
+              <a:defPPr>
+                <a:defRPr lang="en-US"/>
+              </a:defPPr>
+              <a:lvl1pPr marL="0" algn="l" defTabSz="914400" rtl="0" eaLnBrk="1" latinLnBrk="0" hangingPunct="1">
+                <a:defRPr sz="1800" kern="1200">
+                  <a:solidFill>
+                    <a:schemeClr val="lt1"/>
+                  </a:solidFill>
+                  <a:latin typeface="+mn-lt"/>
+                  <a:ea typeface="+mn-ea"/>
+                  <a:cs typeface="+mn-cs"/>
+                </a:defRPr>
+              </a:lvl1pPr>
+              <a:lvl2pPr marL="457200" algn="l" defTabSz="914400" rtl="0" eaLnBrk="1" latinLnBrk="0" hangingPunct="1">
+                <a:defRPr sz="1800" kern="1200">
+                  <a:solidFill>
+                    <a:schemeClr val="lt1"/>
+                  </a:solidFill>
+                  <a:latin typeface="+mn-lt"/>
+                  <a:ea typeface="+mn-ea"/>
+                  <a:cs typeface="+mn-cs"/>
+                </a:defRPr>
+              </a:lvl2pPr>
+              <a:lvl3pPr marL="914400" algn="l" defTabSz="914400" rtl="0" eaLnBrk="1" latinLnBrk="0" hangingPunct="1">
+                <a:defRPr sz="1800" kern="1200">
+                  <a:solidFill>
+                    <a:schemeClr val="lt1"/>
+                  </a:solidFill>
+                  <a:latin typeface="+mn-lt"/>
+                  <a:ea typeface="+mn-ea"/>
+                  <a:cs typeface="+mn-cs"/>
+                </a:defRPr>
+              </a:lvl3pPr>
+              <a:lvl4pPr marL="1371600" algn="l" defTabSz="914400" rtl="0" eaLnBrk="1" latinLnBrk="0" hangingPunct="1">
+                <a:defRPr sz="1800" kern="1200">
+                  <a:solidFill>
+                    <a:schemeClr val="lt1"/>
+                  </a:solidFill>
+                  <a:latin typeface="+mn-lt"/>
+                  <a:ea typeface="+mn-ea"/>
+                  <a:cs typeface="+mn-cs"/>
+                </a:defRPr>
+              </a:lvl4pPr>
+              <a:lvl5pPr marL="1828800" algn="l" defTabSz="914400" rtl="0" eaLnBrk="1" latinLnBrk="0" hangingPunct="1">
+                <a:defRPr sz="1800" kern="1200">
+                  <a:solidFill>
+                    <a:schemeClr val="lt1"/>
+                  </a:solidFill>
+                  <a:latin typeface="+mn-lt"/>
+                  <a:ea typeface="+mn-ea"/>
+                  <a:cs typeface="+mn-cs"/>
+                </a:defRPr>
+              </a:lvl5pPr>
+              <a:lvl6pPr marL="2286000" algn="l" defTabSz="914400" rtl="0" eaLnBrk="1" latinLnBrk="0" hangingPunct="1">
+                <a:defRPr sz="1800" kern="1200">
+                  <a:solidFill>
+                    <a:schemeClr val="lt1"/>
+                  </a:solidFill>
+                  <a:latin typeface="+mn-lt"/>
+                  <a:ea typeface="+mn-ea"/>
+                  <a:cs typeface="+mn-cs"/>
+                </a:defRPr>
+              </a:lvl6pPr>
+              <a:lvl7pPr marL="2743200" algn="l" defTabSz="914400" rtl="0" eaLnBrk="1" latinLnBrk="0" hangingPunct="1">
+                <a:defRPr sz="1800" kern="1200">
+                  <a:solidFill>
+                    <a:schemeClr val="lt1"/>
+                  </a:solidFill>
+                  <a:latin typeface="+mn-lt"/>
+                  <a:ea typeface="+mn-ea"/>
+                  <a:cs typeface="+mn-cs"/>
+                </a:defRPr>
+              </a:lvl7pPr>
+              <a:lvl8pPr marL="3200400" algn="l" defTabSz="914400" rtl="0" eaLnBrk="1" latinLnBrk="0" hangingPunct="1">
+                <a:defRPr sz="1800" kern="1200">
+                  <a:solidFill>
+                    <a:schemeClr val="lt1"/>
+                  </a:solidFill>
+                  <a:latin typeface="+mn-lt"/>
+                  <a:ea typeface="+mn-ea"/>
+                  <a:cs typeface="+mn-cs"/>
+                </a:defRPr>
+              </a:lvl8pPr>
+              <a:lvl9pPr marL="3657600" algn="l" defTabSz="914400" rtl="0" eaLnBrk="1" latinLnBrk="0" hangingPunct="1">
+                <a:defRPr sz="1800" kern="1200">
+                  <a:solidFill>
+                    <a:schemeClr val="lt1"/>
+                  </a:solidFill>
+                  <a:latin typeface="+mn-lt"/>
+                  <a:ea typeface="+mn-ea"/>
+                  <a:cs typeface="+mn-cs"/>
+                </a:defRPr>
+              </a:lvl9pPr>
+            </a:lstStyle>
+            <a:p>
+              <a:pPr algn="ctr"/>
+              <a:endParaRPr lang="en-US" sz="900" dirty="0">
+                <a:solidFill>
+                  <a:srgbClr val="5F5F5F"/>
+                </a:solidFill>
+                <a:latin typeface="Segoe UI" panose="020B0502040204020203" pitchFamily="34" charset="0"/>
+                <a:cs typeface="Segoe UI" panose="020B0502040204020203" pitchFamily="34" charset="0"/>
+              </a:endParaRPr>
+            </a:p>
+          </p:txBody>
+        </p:sp>
+        <p:sp>
+          <p:nvSpPr>
+            <p:cNvPr id="6" name="Title Bar" descr="&lt;SmartSettings&gt;&lt;SmartResize anchorLeft=&quot;Absolute&quot; anchorTop=&quot;Absolute&quot; anchorRight=&quot;Absolute&quot; anchorBottom=&quot;None&quot; /&gt;&lt;/SmartSettings&gt;"/>
+            <p:cNvSpPr/>
+            <p:nvPr>
+              <p:custDataLst>
+                <p:tags r:id="rId3"/>
+              </p:custDataLst>
+            </p:nvPr>
+          </p:nvSpPr>
+          <p:spPr>
+            <a:xfrm>
+              <a:off x="595684" y="1261242"/>
+              <a:ext cx="6668463" cy="340121"/>
+            </a:xfrm>
+            <a:prstGeom prst="rect">
+              <a:avLst/>
+            </a:prstGeom>
+            <a:solidFill>
+              <a:srgbClr val="FFFFFF"/>
+            </a:solidFill>
+            <a:ln w="6350">
+              <a:solidFill>
+                <a:srgbClr val="808080"/>
+              </a:solidFill>
+            </a:ln>
+          </p:spPr>
+          <p:style>
+            <a:lnRef idx="2">
+              <a:schemeClr val="accent1">
+                <a:shade val="50000"/>
+              </a:schemeClr>
+            </a:lnRef>
+            <a:fillRef idx="1">
+              <a:schemeClr val="accent1"/>
+            </a:fillRef>
+            <a:effectRef idx="0">
+              <a:schemeClr val="accent1"/>
+            </a:effectRef>
+            <a:fontRef idx="minor">
+              <a:schemeClr val="lt1"/>
+            </a:fontRef>
+          </p:style>
+          <p:txBody>
+            <a:bodyPr rot="0" spcFirstLastPara="0" vert="horz" wrap="square" lIns="91440" tIns="45720" rIns="228600" bIns="45720" numCol="1" spcCol="0" rtlCol="0" fromWordArt="0" anchor="t" anchorCtr="0" forceAA="0" compatLnSpc="1">
+              <a:prstTxWarp prst="textNoShape">
+                <a:avLst/>
+              </a:prstTxWarp>
+              <a:noAutofit/>
+            </a:bodyPr>
+            <a:lstStyle>
+              <a:defPPr>
+                <a:defRPr lang="en-US"/>
+              </a:defPPr>
+              <a:lvl1pPr marL="0" algn="l" defTabSz="914400" rtl="0" eaLnBrk="1" latinLnBrk="0" hangingPunct="1">
+                <a:defRPr sz="1800" kern="1200">
+                  <a:solidFill>
+                    <a:schemeClr val="lt1"/>
+                  </a:solidFill>
+                  <a:latin typeface="+mn-lt"/>
+                  <a:ea typeface="+mn-ea"/>
+                  <a:cs typeface="+mn-cs"/>
+                </a:defRPr>
+              </a:lvl1pPr>
+              <a:lvl2pPr marL="457200" algn="l" defTabSz="914400" rtl="0" eaLnBrk="1" latinLnBrk="0" hangingPunct="1">
+                <a:defRPr sz="1800" kern="1200">
+                  <a:solidFill>
+                    <a:schemeClr val="lt1"/>
+                  </a:solidFill>
+                  <a:latin typeface="+mn-lt"/>
+                  <a:ea typeface="+mn-ea"/>
+                  <a:cs typeface="+mn-cs"/>
+                </a:defRPr>
+              </a:lvl2pPr>
+              <a:lvl3pPr marL="914400" algn="l" defTabSz="914400" rtl="0" eaLnBrk="1" latinLnBrk="0" hangingPunct="1">
+                <a:defRPr sz="1800" kern="1200">
+                  <a:solidFill>
+                    <a:schemeClr val="lt1"/>
+                  </a:solidFill>
+                  <a:latin typeface="+mn-lt"/>
+                  <a:ea typeface="+mn-ea"/>
+                  <a:cs typeface="+mn-cs"/>
+                </a:defRPr>
+              </a:lvl3pPr>
+              <a:lvl4pPr marL="1371600" algn="l" defTabSz="914400" rtl="0" eaLnBrk="1" latinLnBrk="0" hangingPunct="1">
+                <a:defRPr sz="1800" kern="1200">
+                  <a:solidFill>
+                    <a:schemeClr val="lt1"/>
+                  </a:solidFill>
+                  <a:latin typeface="+mn-lt"/>
+                  <a:ea typeface="+mn-ea"/>
+                  <a:cs typeface="+mn-cs"/>
+                </a:defRPr>
+              </a:lvl4pPr>
+              <a:lvl5pPr marL="1828800" algn="l" defTabSz="914400" rtl="0" eaLnBrk="1" latinLnBrk="0" hangingPunct="1">
+                <a:defRPr sz="1800" kern="1200">
+                  <a:solidFill>
+                    <a:schemeClr val="lt1"/>
+                  </a:solidFill>
+                  <a:latin typeface="+mn-lt"/>
+                  <a:ea typeface="+mn-ea"/>
+                  <a:cs typeface="+mn-cs"/>
+                </a:defRPr>
+              </a:lvl5pPr>
+              <a:lvl6pPr marL="2286000" algn="l" defTabSz="914400" rtl="0" eaLnBrk="1" latinLnBrk="0" hangingPunct="1">
+                <a:defRPr sz="1800" kern="1200">
+                  <a:solidFill>
+                    <a:schemeClr val="lt1"/>
+                  </a:solidFill>
+                  <a:latin typeface="+mn-lt"/>
+                  <a:ea typeface="+mn-ea"/>
+                  <a:cs typeface="+mn-cs"/>
+                </a:defRPr>
+              </a:lvl6pPr>
+              <a:lvl7pPr marL="2743200" algn="l" defTabSz="914400" rtl="0" eaLnBrk="1" latinLnBrk="0" hangingPunct="1">
+                <a:defRPr sz="1800" kern="1200">
+                  <a:solidFill>
+                    <a:schemeClr val="lt1"/>
+                  </a:solidFill>
+                  <a:latin typeface="+mn-lt"/>
+                  <a:ea typeface="+mn-ea"/>
+                  <a:cs typeface="+mn-cs"/>
+                </a:defRPr>
+              </a:lvl7pPr>
+              <a:lvl8pPr marL="3200400" algn="l" defTabSz="914400" rtl="0" eaLnBrk="1" latinLnBrk="0" hangingPunct="1">
+                <a:defRPr sz="1800" kern="1200">
+                  <a:solidFill>
+                    <a:schemeClr val="lt1"/>
+                  </a:solidFill>
+                  <a:latin typeface="+mn-lt"/>
+                  <a:ea typeface="+mn-ea"/>
+                  <a:cs typeface="+mn-cs"/>
+                </a:defRPr>
+              </a:lvl8pPr>
+              <a:lvl9pPr marL="3657600" algn="l" defTabSz="914400" rtl="0" eaLnBrk="1" latinLnBrk="0" hangingPunct="1">
+                <a:defRPr sz="1800" kern="1200">
+                  <a:solidFill>
+                    <a:schemeClr val="lt1"/>
+                  </a:solidFill>
+                  <a:latin typeface="+mn-lt"/>
+                  <a:ea typeface="+mn-ea"/>
+                  <a:cs typeface="+mn-cs"/>
+                </a:defRPr>
+              </a:lvl9pPr>
+            </a:lstStyle>
+            <a:p>
+              <a:r>
+                <a:rPr lang="en-US" sz="900" dirty="0" smtClean="0">
+                  <a:solidFill>
+                    <a:srgbClr val="5F5F5F"/>
+                  </a:solidFill>
+                  <a:latin typeface="Segoe UI" panose="020B0502040204020203" pitchFamily="34" charset="0"/>
+                  <a:cs typeface="Segoe UI" panose="020B0502040204020203" pitchFamily="34" charset="0"/>
+                </a:rPr>
+                <a:t>Browser</a:t>
+              </a:r>
+              <a:endParaRPr lang="en-US" sz="900" dirty="0">
+                <a:solidFill>
+                  <a:srgbClr val="5F5F5F"/>
+                </a:solidFill>
+                <a:latin typeface="Segoe UI" panose="020B0502040204020203" pitchFamily="34" charset="0"/>
+                <a:cs typeface="Segoe UI" panose="020B0502040204020203" pitchFamily="34" charset="0"/>
+              </a:endParaRPr>
+            </a:p>
+          </p:txBody>
+        </p:sp>
+        <p:sp>
+          <p:nvSpPr>
+            <p:cNvPr id="7" name="Menu Button" descr="&lt;SmartSettings&gt;&lt;SmartResize anchorLeft=&quot;None&quot; anchorTop=&quot;Absolute&quot; anchorRight=&quot;Absolute&quot; anchorBottom=&quot;None&quot; /&gt;&lt;/SmartSettings&gt;"/>
+            <p:cNvSpPr>
+              <a:spLocks noChangeAspect="1" noEditPoints="1"/>
+            </p:cNvSpPr>
+            <p:nvPr>
+              <p:custDataLst>
+                <p:tags r:id="rId4"/>
+              </p:custDataLst>
+            </p:nvPr>
+          </p:nvSpPr>
+          <p:spPr bwMode="auto">
+            <a:xfrm>
+              <a:off x="7113500" y="1456014"/>
+              <a:ext cx="94501" cy="71379"/>
+            </a:xfrm>
+            <a:custGeom>
+              <a:avLst/>
+              <a:gdLst>
+                <a:gd name="T0" fmla="*/ 0 w 415"/>
+                <a:gd name="T1" fmla="*/ 309 h 309"/>
+                <a:gd name="T2" fmla="*/ 415 w 415"/>
+                <a:gd name="T3" fmla="*/ 309 h 309"/>
+                <a:gd name="T4" fmla="*/ 0 w 415"/>
+                <a:gd name="T5" fmla="*/ 155 h 309"/>
+                <a:gd name="T6" fmla="*/ 415 w 415"/>
+                <a:gd name="T7" fmla="*/ 155 h 309"/>
+                <a:gd name="T8" fmla="*/ 0 w 415"/>
+                <a:gd name="T9" fmla="*/ 0 h 309"/>
+                <a:gd name="T10" fmla="*/ 415 w 415"/>
+                <a:gd name="T11" fmla="*/ 0 h 309"/>
+              </a:gdLst>
+              <a:ahLst/>
+              <a:cxnLst>
+                <a:cxn ang="0">
+                  <a:pos x="T0" y="T1"/>
+                </a:cxn>
+                <a:cxn ang="0">
+                  <a:pos x="T2" y="T3"/>
+                </a:cxn>
+                <a:cxn ang="0">
+                  <a:pos x="T4" y="T5"/>
+                </a:cxn>
+                <a:cxn ang="0">
+                  <a:pos x="T6" y="T7"/>
+                </a:cxn>
+                <a:cxn ang="0">
+                  <a:pos x="T8" y="T9"/>
+                </a:cxn>
+                <a:cxn ang="0">
+                  <a:pos x="T10" y="T11"/>
+                </a:cxn>
+              </a:cxnLst>
+              <a:rect l="0" t="0" r="r" b="b"/>
+              <a:pathLst>
+                <a:path w="415" h="309">
+                  <a:moveTo>
+                    <a:pt x="0" y="309"/>
+                  </a:moveTo>
+                  <a:lnTo>
+                    <a:pt x="415" y="309"/>
+                  </a:lnTo>
+                  <a:moveTo>
+                    <a:pt x="0" y="155"/>
+                  </a:moveTo>
+                  <a:lnTo>
+                    <a:pt x="415" y="155"/>
+                  </a:lnTo>
+                  <a:moveTo>
+                    <a:pt x="0" y="0"/>
+                  </a:moveTo>
+                  <a:lnTo>
+                    <a:pt x="415" y="0"/>
+                  </a:lnTo>
+                </a:path>
+              </a:pathLst>
+            </a:custGeom>
+            <a:noFill/>
+            <a:ln w="6350" cap="flat">
+              <a:solidFill>
+                <a:srgbClr val="808080"/>
+              </a:solidFill>
+              <a:prstDash val="solid"/>
+              <a:miter lim="800000"/>
+              <a:headEnd/>
+              <a:tailEnd/>
+            </a:ln>
+            <a:extLst>
+              <a:ext uri="{909E8E84-426E-40DD-AFC4-6F175D3DCCD1}">
+                <a14:hiddenFill xmlns:a14="http://schemas.microsoft.com/office/drawing/2010/main">
+                  <a:solidFill>
+                    <a:srgbClr val="FFFFFF"/>
+                  </a:solidFill>
+                </a14:hiddenFill>
+              </a:ext>
+            </a:extLst>
+          </p:spPr>
+          <p:txBody>
+            <a:bodyPr vert="horz" wrap="square" lIns="91440" tIns="45720" rIns="91440" bIns="45720" numCol="1" anchor="t" anchorCtr="0" compatLnSpc="1">
+              <a:prstTxWarp prst="textNoShape">
+                <a:avLst/>
+              </a:prstTxWarp>
+            </a:bodyPr>
+            <a:lstStyle>
+              <a:defPPr>
+                <a:defRPr lang="en-US"/>
+              </a:defPPr>
+              <a:lvl1pPr marL="0" algn="l" defTabSz="914400" rtl="0" eaLnBrk="1" latinLnBrk="0" hangingPunct="1">
+                <a:defRPr sz="1800" kern="1200">
+                  <a:solidFill>
+                    <a:schemeClr val="tx1"/>
+                  </a:solidFill>
+                  <a:latin typeface="+mn-lt"/>
+                  <a:ea typeface="+mn-ea"/>
+                  <a:cs typeface="+mn-cs"/>
+                </a:defRPr>
+              </a:lvl1pPr>
+              <a:lvl2pPr marL="457200" algn="l" defTabSz="914400" rtl="0" eaLnBrk="1" latinLnBrk="0" hangingPunct="1">
+                <a:defRPr sz="1800" kern="1200">
+                  <a:solidFill>
+                    <a:schemeClr val="tx1"/>
+                  </a:solidFill>
+                  <a:latin typeface="+mn-lt"/>
+                  <a:ea typeface="+mn-ea"/>
+                  <a:cs typeface="+mn-cs"/>
+                </a:defRPr>
+              </a:lvl2pPr>
+              <a:lvl3pPr marL="914400" algn="l" defTabSz="914400" rtl="0" eaLnBrk="1" latinLnBrk="0" hangingPunct="1">
+                <a:defRPr sz="1800" kern="1200">
+                  <a:solidFill>
+                    <a:schemeClr val="tx1"/>
+                  </a:solidFill>
+                  <a:latin typeface="+mn-lt"/>
+                  <a:ea typeface="+mn-ea"/>
+                  <a:cs typeface="+mn-cs"/>
+                </a:defRPr>
+              </a:lvl3pPr>
+              <a:lvl4pPr marL="1371600" algn="l" defTabSz="914400" rtl="0" eaLnBrk="1" latinLnBrk="0" hangingPunct="1">
+                <a:defRPr sz="1800" kern="1200">
+                  <a:solidFill>
+                    <a:schemeClr val="tx1"/>
+                  </a:solidFill>
+                  <a:latin typeface="+mn-lt"/>
+                  <a:ea typeface="+mn-ea"/>
+                  <a:cs typeface="+mn-cs"/>
+                </a:defRPr>
+              </a:lvl4pPr>
+              <a:lvl5pPr marL="1828800" algn="l" defTabSz="914400" rtl="0" eaLnBrk="1" latinLnBrk="0" hangingPunct="1">
+                <a:defRPr sz="1800" kern="1200">
+                  <a:solidFill>
+                    <a:schemeClr val="tx1"/>
+                  </a:solidFill>
+                  <a:latin typeface="+mn-lt"/>
+                  <a:ea typeface="+mn-ea"/>
+                  <a:cs typeface="+mn-cs"/>
+                </a:defRPr>
+              </a:lvl5pPr>
+              <a:lvl6pPr marL="2286000" algn="l" defTabSz="914400" rtl="0" eaLnBrk="1" latinLnBrk="0" hangingPunct="1">
+                <a:defRPr sz="1800" kern="1200">
+                  <a:solidFill>
+                    <a:schemeClr val="tx1"/>
+                  </a:solidFill>
+                  <a:latin typeface="+mn-lt"/>
+                  <a:ea typeface="+mn-ea"/>
+                  <a:cs typeface="+mn-cs"/>
+                </a:defRPr>
+              </a:lvl6pPr>
+              <a:lvl7pPr marL="2743200" algn="l" defTabSz="914400" rtl="0" eaLnBrk="1" latinLnBrk="0" hangingPunct="1">
+                <a:defRPr sz="1800" kern="1200">
+                  <a:solidFill>
+                    <a:schemeClr val="tx1"/>
+                  </a:solidFill>
+                  <a:latin typeface="+mn-lt"/>
+                  <a:ea typeface="+mn-ea"/>
+                  <a:cs typeface="+mn-cs"/>
+                </a:defRPr>
+              </a:lvl7pPr>
+              <a:lvl8pPr marL="3200400" algn="l" defTabSz="914400" rtl="0" eaLnBrk="1" latinLnBrk="0" hangingPunct="1">
+                <a:defRPr sz="1800" kern="1200">
+                  <a:solidFill>
+                    <a:schemeClr val="tx1"/>
+                  </a:solidFill>
+                  <a:latin typeface="+mn-lt"/>
+                  <a:ea typeface="+mn-ea"/>
+                  <a:cs typeface="+mn-cs"/>
+                </a:defRPr>
+              </a:lvl8pPr>
+              <a:lvl9pPr marL="3657600" algn="l" defTabSz="914400" rtl="0" eaLnBrk="1" latinLnBrk="0" hangingPunct="1">
+                <a:defRPr sz="1800" kern="1200">
+                  <a:solidFill>
+                    <a:schemeClr val="tx1"/>
+                  </a:solidFill>
+                  <a:latin typeface="+mn-lt"/>
+                  <a:ea typeface="+mn-ea"/>
+                  <a:cs typeface="+mn-cs"/>
+                </a:defRPr>
+              </a:lvl9pPr>
+            </a:lstStyle>
+            <a:p>
+              <a:endParaRPr lang="en-US">
+                <a:solidFill>
+                  <a:srgbClr val="5F5F5F"/>
+                </a:solidFill>
+                <a:latin typeface="Segoe UI" panose="020B0502040204020203" pitchFamily="34" charset="0"/>
+                <a:cs typeface="Segoe UI" panose="020B0502040204020203" pitchFamily="34" charset="0"/>
+              </a:endParaRPr>
+            </a:p>
+          </p:txBody>
+        </p:sp>
+        <p:sp>
+          <p:nvSpPr>
+            <p:cNvPr id="8" name="Close Button" descr="&lt;SmartSettings&gt;&lt;SmartResize anchorLeft=&quot;None&quot; anchorTop=&quot;Absolute&quot; anchorRight=&quot;Absolute&quot; anchorBottom=&quot;None&quot; /&gt;&lt;/SmartSettings&gt;"/>
+            <p:cNvSpPr>
+              <a:spLocks noEditPoints="1"/>
+            </p:cNvSpPr>
+            <p:nvPr>
+              <p:custDataLst>
+                <p:tags r:id="rId5"/>
+              </p:custDataLst>
+            </p:nvPr>
+          </p:nvSpPr>
+          <p:spPr bwMode="auto">
+            <a:xfrm>
+              <a:off x="7130598" y="1306361"/>
+              <a:ext cx="62331" cy="60320"/>
+            </a:xfrm>
+            <a:custGeom>
+              <a:avLst/>
+              <a:gdLst>
+                <a:gd name="T0" fmla="*/ 254 w 254"/>
+                <a:gd name="T1" fmla="*/ 0 h 254"/>
+                <a:gd name="T2" fmla="*/ 0 w 254"/>
+                <a:gd name="T3" fmla="*/ 254 h 254"/>
+                <a:gd name="T4" fmla="*/ 0 w 254"/>
+                <a:gd name="T5" fmla="*/ 0 h 254"/>
+                <a:gd name="T6" fmla="*/ 254 w 254"/>
+                <a:gd name="T7" fmla="*/ 254 h 254"/>
+              </a:gdLst>
+              <a:ahLst/>
+              <a:cxnLst>
+                <a:cxn ang="0">
+                  <a:pos x="T0" y="T1"/>
+                </a:cxn>
+                <a:cxn ang="0">
+                  <a:pos x="T2" y="T3"/>
+                </a:cxn>
+                <a:cxn ang="0">
+                  <a:pos x="T4" y="T5"/>
+                </a:cxn>
+                <a:cxn ang="0">
+                  <a:pos x="T6" y="T7"/>
+                </a:cxn>
+              </a:cxnLst>
+              <a:rect l="0" t="0" r="r" b="b"/>
+              <a:pathLst>
+                <a:path w="254" h="254">
+                  <a:moveTo>
+                    <a:pt x="254" y="0"/>
+                  </a:moveTo>
+                  <a:lnTo>
+                    <a:pt x="0" y="254"/>
+                  </a:lnTo>
+                  <a:moveTo>
+                    <a:pt x="0" y="0"/>
+                  </a:moveTo>
+                  <a:lnTo>
+                    <a:pt x="254" y="254"/>
+                  </a:lnTo>
+                </a:path>
+              </a:pathLst>
+            </a:custGeom>
+            <a:noFill/>
+            <a:ln w="9525" cap="flat">
+              <a:solidFill>
+                <a:srgbClr val="808080"/>
+              </a:solidFill>
+              <a:prstDash val="solid"/>
+              <a:miter lim="800000"/>
+              <a:headEnd/>
+              <a:tailEnd/>
+            </a:ln>
+            <a:extLst>
+              <a:ext uri="{909E8E84-426E-40DD-AFC4-6F175D3DCCD1}">
+                <a14:hiddenFill xmlns:a14="http://schemas.microsoft.com/office/drawing/2010/main">
+                  <a:solidFill>
+                    <a:srgbClr val="FFFFFF"/>
+                  </a:solidFill>
+                </a14:hiddenFill>
+              </a:ext>
+            </a:extLst>
+          </p:spPr>
+          <p:txBody>
+            <a:bodyPr vert="horz" wrap="square" lIns="91440" tIns="45720" rIns="91440" bIns="45720" numCol="1" anchor="t" anchorCtr="0" compatLnSpc="1">
+              <a:prstTxWarp prst="textNoShape">
+                <a:avLst/>
+              </a:prstTxWarp>
+            </a:bodyPr>
+            <a:lstStyle>
+              <a:defPPr>
+                <a:defRPr lang="en-US"/>
+              </a:defPPr>
+              <a:lvl1pPr marL="0" algn="l" defTabSz="914400" rtl="0" eaLnBrk="1" latinLnBrk="0" hangingPunct="1">
+                <a:defRPr sz="1800" kern="1200">
+                  <a:solidFill>
+                    <a:schemeClr val="tx1"/>
+                  </a:solidFill>
+                  <a:latin typeface="+mn-lt"/>
+                  <a:ea typeface="+mn-ea"/>
+                  <a:cs typeface="+mn-cs"/>
+                </a:defRPr>
+              </a:lvl1pPr>
+              <a:lvl2pPr marL="457200" algn="l" defTabSz="914400" rtl="0" eaLnBrk="1" latinLnBrk="0" hangingPunct="1">
+                <a:defRPr sz="1800" kern="1200">
+                  <a:solidFill>
+                    <a:schemeClr val="tx1"/>
+                  </a:solidFill>
+                  <a:latin typeface="+mn-lt"/>
+                  <a:ea typeface="+mn-ea"/>
+                  <a:cs typeface="+mn-cs"/>
+                </a:defRPr>
+              </a:lvl2pPr>
+              <a:lvl3pPr marL="914400" algn="l" defTabSz="914400" rtl="0" eaLnBrk="1" latinLnBrk="0" hangingPunct="1">
+                <a:defRPr sz="1800" kern="1200">
+                  <a:solidFill>
+                    <a:schemeClr val="tx1"/>
+                  </a:solidFill>
+                  <a:latin typeface="+mn-lt"/>
+                  <a:ea typeface="+mn-ea"/>
+                  <a:cs typeface="+mn-cs"/>
+                </a:defRPr>
+              </a:lvl3pPr>
+              <a:lvl4pPr marL="1371600" algn="l" defTabSz="914400" rtl="0" eaLnBrk="1" latinLnBrk="0" hangingPunct="1">
+                <a:defRPr sz="1800" kern="1200">
+                  <a:solidFill>
+                    <a:schemeClr val="tx1"/>
+                  </a:solidFill>
+                  <a:latin typeface="+mn-lt"/>
+                  <a:ea typeface="+mn-ea"/>
+                  <a:cs typeface="+mn-cs"/>
+                </a:defRPr>
+              </a:lvl4pPr>
+              <a:lvl5pPr marL="1828800" algn="l" defTabSz="914400" rtl="0" eaLnBrk="1" latinLnBrk="0" hangingPunct="1">
+                <a:defRPr sz="1800" kern="1200">
+                  <a:solidFill>
+                    <a:schemeClr val="tx1"/>
+                  </a:solidFill>
+                  <a:latin typeface="+mn-lt"/>
+                  <a:ea typeface="+mn-ea"/>
+                  <a:cs typeface="+mn-cs"/>
+                </a:defRPr>
+              </a:lvl5pPr>
+              <a:lvl6pPr marL="2286000" algn="l" defTabSz="914400" rtl="0" eaLnBrk="1" latinLnBrk="0" hangingPunct="1">
+                <a:defRPr sz="1800" kern="1200">
+                  <a:solidFill>
+                    <a:schemeClr val="tx1"/>
+                  </a:solidFill>
+                  <a:latin typeface="+mn-lt"/>
+                  <a:ea typeface="+mn-ea"/>
+                  <a:cs typeface="+mn-cs"/>
+                </a:defRPr>
+              </a:lvl6pPr>
+              <a:lvl7pPr marL="2743200" algn="l" defTabSz="914400" rtl="0" eaLnBrk="1" latinLnBrk="0" hangingPunct="1">
+                <a:defRPr sz="1800" kern="1200">
+                  <a:solidFill>
+                    <a:schemeClr val="tx1"/>
+                  </a:solidFill>
+                  <a:latin typeface="+mn-lt"/>
+                  <a:ea typeface="+mn-ea"/>
+                  <a:cs typeface="+mn-cs"/>
+                </a:defRPr>
+              </a:lvl7pPr>
+              <a:lvl8pPr marL="3200400" algn="l" defTabSz="914400" rtl="0" eaLnBrk="1" latinLnBrk="0" hangingPunct="1">
+                <a:defRPr sz="1800" kern="1200">
+                  <a:solidFill>
+                    <a:schemeClr val="tx1"/>
+                  </a:solidFill>
+                  <a:latin typeface="+mn-lt"/>
+                  <a:ea typeface="+mn-ea"/>
+                  <a:cs typeface="+mn-cs"/>
+                </a:defRPr>
+              </a:lvl8pPr>
+              <a:lvl9pPr marL="3657600" algn="l" defTabSz="914400" rtl="0" eaLnBrk="1" latinLnBrk="0" hangingPunct="1">
+                <a:defRPr sz="1800" kern="1200">
+                  <a:solidFill>
+                    <a:schemeClr val="tx1"/>
+                  </a:solidFill>
+                  <a:latin typeface="+mn-lt"/>
+                  <a:ea typeface="+mn-ea"/>
+                  <a:cs typeface="+mn-cs"/>
+                </a:defRPr>
+              </a:lvl9pPr>
+            </a:lstStyle>
+            <a:p>
+              <a:endParaRPr lang="en-US">
+                <a:solidFill>
+                  <a:srgbClr val="5F5F5F"/>
+                </a:solidFill>
+                <a:latin typeface="Segoe UI" panose="020B0502040204020203" pitchFamily="34" charset="0"/>
+                <a:cs typeface="Segoe UI" panose="020B0502040204020203" pitchFamily="34" charset="0"/>
+              </a:endParaRPr>
+            </a:p>
+          </p:txBody>
+        </p:sp>
+        <p:sp>
+          <p:nvSpPr>
+            <p:cNvPr id="9" name="Address Box" descr="&lt;SmartSettings&gt;&lt;SmartResize anchorLeft=&quot;Absolute&quot; anchorTop=&quot;Absolute&quot; anchorRight=&quot;Absolute&quot; anchorBottom=&quot;None&quot; /&gt;&lt;/SmartSettings&gt;"/>
+            <p:cNvSpPr/>
+            <p:nvPr>
+              <p:custDataLst>
+                <p:tags r:id="rId6"/>
+              </p:custDataLst>
+            </p:nvPr>
+          </p:nvSpPr>
+          <p:spPr>
+            <a:xfrm>
+              <a:off x="1167482" y="1416423"/>
+              <a:ext cx="5889875" cy="150559"/>
+            </a:xfrm>
+            <a:prstGeom prst="rect">
+              <a:avLst/>
+            </a:prstGeom>
+            <a:solidFill>
+              <a:srgbClr val="FFFFFF"/>
+            </a:solidFill>
+            <a:ln w="6350">
+              <a:solidFill>
+                <a:srgbClr val="808080"/>
+              </a:solidFill>
+            </a:ln>
+          </p:spPr>
+          <p:style>
+            <a:lnRef idx="2">
+              <a:schemeClr val="accent1">
+                <a:shade val="50000"/>
+              </a:schemeClr>
+            </a:lnRef>
+            <a:fillRef idx="1">
+              <a:schemeClr val="accent1"/>
+            </a:fillRef>
+            <a:effectRef idx="0">
+              <a:schemeClr val="accent1"/>
+            </a:effectRef>
+            <a:fontRef idx="minor">
+              <a:schemeClr val="lt1"/>
+            </a:fontRef>
+          </p:style>
+          <p:txBody>
+            <a:bodyPr rot="0" spcFirstLastPara="0" vert="horz" wrap="square" lIns="237744" tIns="45720" rIns="91440" bIns="45720" numCol="1" spcCol="0" rtlCol="0" fromWordArt="0" anchor="ctr" anchorCtr="0" forceAA="0" compatLnSpc="1">
+              <a:prstTxWarp prst="textNoShape">
+                <a:avLst/>
+              </a:prstTxWarp>
+              <a:noAutofit/>
+            </a:bodyPr>
+            <a:lstStyle>
+              <a:defPPr>
+                <a:defRPr lang="en-US"/>
+              </a:defPPr>
+              <a:lvl1pPr marL="0" algn="l" defTabSz="914400" rtl="0" eaLnBrk="1" latinLnBrk="0" hangingPunct="1">
+                <a:defRPr sz="1800" kern="1200">
+                  <a:solidFill>
+                    <a:schemeClr val="lt1"/>
+                  </a:solidFill>
+                  <a:latin typeface="+mn-lt"/>
+                  <a:ea typeface="+mn-ea"/>
+                  <a:cs typeface="+mn-cs"/>
+                </a:defRPr>
+              </a:lvl1pPr>
+              <a:lvl2pPr marL="457200" algn="l" defTabSz="914400" rtl="0" eaLnBrk="1" latinLnBrk="0" hangingPunct="1">
+                <a:defRPr sz="1800" kern="1200">
+                  <a:solidFill>
+                    <a:schemeClr val="lt1"/>
+                  </a:solidFill>
+                  <a:latin typeface="+mn-lt"/>
+                  <a:ea typeface="+mn-ea"/>
+                  <a:cs typeface="+mn-cs"/>
+                </a:defRPr>
+              </a:lvl2pPr>
+              <a:lvl3pPr marL="914400" algn="l" defTabSz="914400" rtl="0" eaLnBrk="1" latinLnBrk="0" hangingPunct="1">
+                <a:defRPr sz="1800" kern="1200">
+                  <a:solidFill>
+                    <a:schemeClr val="lt1"/>
+                  </a:solidFill>
+                  <a:latin typeface="+mn-lt"/>
+                  <a:ea typeface="+mn-ea"/>
+                  <a:cs typeface="+mn-cs"/>
+                </a:defRPr>
+              </a:lvl3pPr>
+              <a:lvl4pPr marL="1371600" algn="l" defTabSz="914400" rtl="0" eaLnBrk="1" latinLnBrk="0" hangingPunct="1">
+                <a:defRPr sz="1800" kern="1200">
+                  <a:solidFill>
+                    <a:schemeClr val="lt1"/>
+                  </a:solidFill>
+                  <a:latin typeface="+mn-lt"/>
+                  <a:ea typeface="+mn-ea"/>
+                  <a:cs typeface="+mn-cs"/>
+                </a:defRPr>
+              </a:lvl4pPr>
+              <a:lvl5pPr marL="1828800" algn="l" defTabSz="914400" rtl="0" eaLnBrk="1" latinLnBrk="0" hangingPunct="1">
+                <a:defRPr sz="1800" kern="1200">
+                  <a:solidFill>
+                    <a:schemeClr val="lt1"/>
+                  </a:solidFill>
+                  <a:latin typeface="+mn-lt"/>
+                  <a:ea typeface="+mn-ea"/>
+                  <a:cs typeface="+mn-cs"/>
+                </a:defRPr>
+              </a:lvl5pPr>
+              <a:lvl6pPr marL="2286000" algn="l" defTabSz="914400" rtl="0" eaLnBrk="1" latinLnBrk="0" hangingPunct="1">
+                <a:defRPr sz="1800" kern="1200">
+                  <a:solidFill>
+                    <a:schemeClr val="lt1"/>
+                  </a:solidFill>
+                  <a:latin typeface="+mn-lt"/>
+                  <a:ea typeface="+mn-ea"/>
+                  <a:cs typeface="+mn-cs"/>
+                </a:defRPr>
+              </a:lvl6pPr>
+              <a:lvl7pPr marL="2743200" algn="l" defTabSz="914400" rtl="0" eaLnBrk="1" latinLnBrk="0" hangingPunct="1">
+                <a:defRPr sz="1800" kern="1200">
+                  <a:solidFill>
+                    <a:schemeClr val="lt1"/>
+                  </a:solidFill>
+                  <a:latin typeface="+mn-lt"/>
+                  <a:ea typeface="+mn-ea"/>
+                  <a:cs typeface="+mn-cs"/>
+                </a:defRPr>
+              </a:lvl7pPr>
+              <a:lvl8pPr marL="3200400" algn="l" defTabSz="914400" rtl="0" eaLnBrk="1" latinLnBrk="0" hangingPunct="1">
+                <a:defRPr sz="1800" kern="1200">
+                  <a:solidFill>
+                    <a:schemeClr val="lt1"/>
+                  </a:solidFill>
+                  <a:latin typeface="+mn-lt"/>
+                  <a:ea typeface="+mn-ea"/>
+                  <a:cs typeface="+mn-cs"/>
+                </a:defRPr>
+              </a:lvl8pPr>
+              <a:lvl9pPr marL="3657600" algn="l" defTabSz="914400" rtl="0" eaLnBrk="1" latinLnBrk="0" hangingPunct="1">
+                <a:defRPr sz="1800" kern="1200">
+                  <a:solidFill>
+                    <a:schemeClr val="lt1"/>
+                  </a:solidFill>
+                  <a:latin typeface="+mn-lt"/>
+                  <a:ea typeface="+mn-ea"/>
+                  <a:cs typeface="+mn-cs"/>
+                </a:defRPr>
+              </a:lvl9pPr>
+            </a:lstStyle>
+            <a:p>
+              <a:r>
+                <a:rPr lang="en-US" sz="900" noProof="1" smtClean="0">
+                  <a:solidFill>
+                    <a:srgbClr val="5F5F5F"/>
+                  </a:solidFill>
+                  <a:latin typeface="Segoe UI" panose="020B0502040204020203" pitchFamily="34" charset="0"/>
+                  <a:cs typeface="Segoe UI" panose="020B0502040204020203" pitchFamily="34" charset="0"/>
+                </a:rPr>
+                <a:t>www.example.com</a:t>
+              </a:r>
+              <a:endParaRPr lang="en-US" sz="900" noProof="1">
+                <a:solidFill>
+                  <a:srgbClr val="5F5F5F"/>
+                </a:solidFill>
+                <a:latin typeface="Segoe UI" panose="020B0502040204020203" pitchFamily="34" charset="0"/>
+                <a:cs typeface="Segoe UI" panose="020B0502040204020203" pitchFamily="34" charset="0"/>
+              </a:endParaRPr>
+            </a:p>
+          </p:txBody>
+        </p:sp>
+        <p:sp>
+          <p:nvSpPr>
+            <p:cNvPr id="10" name="Document Icon" descr="&lt;SmartSettings&gt;&lt;SmartResize anchorLeft=&quot;Absolute&quot; anchorTop=&quot;Absolute&quot; anchorRight=&quot;None&quot; anchorBottom=&quot;None&quot; /&gt;&lt;/SmartSettings&gt;"/>
+            <p:cNvSpPr>
+              <a:spLocks noChangeAspect="1" noEditPoints="1"/>
+            </p:cNvSpPr>
+            <p:nvPr>
+              <p:custDataLst>
+                <p:tags r:id="rId7"/>
+              </p:custDataLst>
+            </p:nvPr>
+          </p:nvSpPr>
+          <p:spPr bwMode="auto">
+            <a:xfrm>
+              <a:off x="1215689" y="1449479"/>
+              <a:ext cx="59315" cy="84448"/>
+            </a:xfrm>
+            <a:custGeom>
+              <a:avLst/>
+              <a:gdLst>
+                <a:gd name="T0" fmla="*/ 153 w 260"/>
+                <a:gd name="T1" fmla="*/ 7 h 367"/>
+                <a:gd name="T2" fmla="*/ 153 w 260"/>
+                <a:gd name="T3" fmla="*/ 108 h 367"/>
+                <a:gd name="T4" fmla="*/ 253 w 260"/>
+                <a:gd name="T5" fmla="*/ 108 h 367"/>
+                <a:gd name="T6" fmla="*/ 0 w 260"/>
+                <a:gd name="T7" fmla="*/ 0 h 367"/>
+                <a:gd name="T8" fmla="*/ 0 w 260"/>
+                <a:gd name="T9" fmla="*/ 367 h 367"/>
+                <a:gd name="T10" fmla="*/ 260 w 260"/>
+                <a:gd name="T11" fmla="*/ 367 h 367"/>
+                <a:gd name="T12" fmla="*/ 260 w 260"/>
+                <a:gd name="T13" fmla="*/ 100 h 367"/>
+                <a:gd name="T14" fmla="*/ 161 w 260"/>
+                <a:gd name="T15" fmla="*/ 1 h 367"/>
+                <a:gd name="T16" fmla="*/ 0 w 260"/>
+                <a:gd name="T17" fmla="*/ 0 h 367"/>
+              </a:gdLst>
+              <a:ahLst/>
+              <a:cxnLst>
+                <a:cxn ang="0">
+                  <a:pos x="T0" y="T1"/>
+                </a:cxn>
+                <a:cxn ang="0">
+                  <a:pos x="T2" y="T3"/>
+                </a:cxn>
+                <a:cxn ang="0">
+                  <a:pos x="T4" y="T5"/>
+                </a:cxn>
+                <a:cxn ang="0">
+                  <a:pos x="T6" y="T7"/>
+                </a:cxn>
+                <a:cxn ang="0">
+                  <a:pos x="T8" y="T9"/>
+                </a:cxn>
+                <a:cxn ang="0">
+                  <a:pos x="T10" y="T11"/>
+                </a:cxn>
+                <a:cxn ang="0">
+                  <a:pos x="T12" y="T13"/>
+                </a:cxn>
+                <a:cxn ang="0">
+                  <a:pos x="T14" y="T15"/>
+                </a:cxn>
+                <a:cxn ang="0">
+                  <a:pos x="T16" y="T17"/>
+                </a:cxn>
+              </a:cxnLst>
+              <a:rect l="0" t="0" r="r" b="b"/>
+              <a:pathLst>
+                <a:path w="260" h="367">
+                  <a:moveTo>
+                    <a:pt x="153" y="7"/>
+                  </a:moveTo>
+                  <a:lnTo>
+                    <a:pt x="153" y="108"/>
+                  </a:lnTo>
+                  <a:lnTo>
+                    <a:pt x="253" y="108"/>
+                  </a:lnTo>
+                  <a:moveTo>
+                    <a:pt x="0" y="0"/>
+                  </a:moveTo>
+                  <a:lnTo>
+                    <a:pt x="0" y="367"/>
+                  </a:lnTo>
+                  <a:lnTo>
+                    <a:pt x="260" y="367"/>
+                  </a:lnTo>
+                  <a:lnTo>
+                    <a:pt x="260" y="100"/>
+                  </a:lnTo>
+                  <a:lnTo>
+                    <a:pt x="161" y="1"/>
+                  </a:lnTo>
+                  <a:lnTo>
+                    <a:pt x="0" y="0"/>
+                  </a:lnTo>
+                  <a:close/>
+                </a:path>
+              </a:pathLst>
+            </a:custGeom>
+            <a:noFill/>
+            <a:ln w="6350" cap="flat">
+              <a:solidFill>
+                <a:srgbClr val="808080"/>
+              </a:solidFill>
+              <a:prstDash val="solid"/>
+              <a:miter lim="800000"/>
+              <a:headEnd/>
+              <a:tailEnd/>
+            </a:ln>
+            <a:extLst>
+              <a:ext uri="{909E8E84-426E-40DD-AFC4-6F175D3DCCD1}">
+                <a14:hiddenFill xmlns:a14="http://schemas.microsoft.com/office/drawing/2010/main">
+                  <a:solidFill>
+                    <a:srgbClr val="FFFFFF"/>
+                  </a:solidFill>
+                </a14:hiddenFill>
+              </a:ext>
+            </a:extLst>
+          </p:spPr>
+          <p:txBody>
+            <a:bodyPr vert="horz" wrap="square" lIns="91440" tIns="45720" rIns="91440" bIns="45720" numCol="1" anchor="t" anchorCtr="0" compatLnSpc="1">
+              <a:prstTxWarp prst="textNoShape">
+                <a:avLst/>
+              </a:prstTxWarp>
+            </a:bodyPr>
+            <a:lstStyle>
+              <a:defPPr>
+                <a:defRPr lang="en-US"/>
+              </a:defPPr>
+              <a:lvl1pPr marL="0" algn="l" defTabSz="914400" rtl="0" eaLnBrk="1" latinLnBrk="0" hangingPunct="1">
+                <a:defRPr sz="1800" kern="1200">
+                  <a:solidFill>
+                    <a:schemeClr val="tx1"/>
+                  </a:solidFill>
+                  <a:latin typeface="+mn-lt"/>
+                  <a:ea typeface="+mn-ea"/>
+                  <a:cs typeface="+mn-cs"/>
+                </a:defRPr>
+              </a:lvl1pPr>
+              <a:lvl2pPr marL="457200" algn="l" defTabSz="914400" rtl="0" eaLnBrk="1" latinLnBrk="0" hangingPunct="1">
+                <a:defRPr sz="1800" kern="1200">
+                  <a:solidFill>
+                    <a:schemeClr val="tx1"/>
+                  </a:solidFill>
+                  <a:latin typeface="+mn-lt"/>
+                  <a:ea typeface="+mn-ea"/>
+                  <a:cs typeface="+mn-cs"/>
+                </a:defRPr>
+              </a:lvl2pPr>
+              <a:lvl3pPr marL="914400" algn="l" defTabSz="914400" rtl="0" eaLnBrk="1" latinLnBrk="0" hangingPunct="1">
+                <a:defRPr sz="1800" kern="1200">
+                  <a:solidFill>
+                    <a:schemeClr val="tx1"/>
+                  </a:solidFill>
+                  <a:latin typeface="+mn-lt"/>
+                  <a:ea typeface="+mn-ea"/>
+                  <a:cs typeface="+mn-cs"/>
+                </a:defRPr>
+              </a:lvl3pPr>
+              <a:lvl4pPr marL="1371600" algn="l" defTabSz="914400" rtl="0" eaLnBrk="1" latinLnBrk="0" hangingPunct="1">
+                <a:defRPr sz="1800" kern="1200">
+                  <a:solidFill>
+                    <a:schemeClr val="tx1"/>
+                  </a:solidFill>
+                  <a:latin typeface="+mn-lt"/>
+                  <a:ea typeface="+mn-ea"/>
+                  <a:cs typeface="+mn-cs"/>
+                </a:defRPr>
+              </a:lvl4pPr>
+              <a:lvl5pPr marL="1828800" algn="l" defTabSz="914400" rtl="0" eaLnBrk="1" latinLnBrk="0" hangingPunct="1">
+                <a:defRPr sz="1800" kern="1200">
+                  <a:solidFill>
+                    <a:schemeClr val="tx1"/>
+                  </a:solidFill>
+                  <a:latin typeface="+mn-lt"/>
+                  <a:ea typeface="+mn-ea"/>
+                  <a:cs typeface="+mn-cs"/>
+                </a:defRPr>
+              </a:lvl5pPr>
+              <a:lvl6pPr marL="2286000" algn="l" defTabSz="914400" rtl="0" eaLnBrk="1" latinLnBrk="0" hangingPunct="1">
+                <a:defRPr sz="1800" kern="1200">
+                  <a:solidFill>
+                    <a:schemeClr val="tx1"/>
+                  </a:solidFill>
+                  <a:latin typeface="+mn-lt"/>
+                  <a:ea typeface="+mn-ea"/>
+                  <a:cs typeface="+mn-cs"/>
+                </a:defRPr>
+              </a:lvl6pPr>
+              <a:lvl7pPr marL="2743200" algn="l" defTabSz="914400" rtl="0" eaLnBrk="1" latinLnBrk="0" hangingPunct="1">
+                <a:defRPr sz="1800" kern="1200">
+                  <a:solidFill>
+                    <a:schemeClr val="tx1"/>
+                  </a:solidFill>
+                  <a:latin typeface="+mn-lt"/>
+                  <a:ea typeface="+mn-ea"/>
+                  <a:cs typeface="+mn-cs"/>
+                </a:defRPr>
+              </a:lvl7pPr>
+              <a:lvl8pPr marL="3200400" algn="l" defTabSz="914400" rtl="0" eaLnBrk="1" latinLnBrk="0" hangingPunct="1">
+                <a:defRPr sz="1800" kern="1200">
+                  <a:solidFill>
+                    <a:schemeClr val="tx1"/>
+                  </a:solidFill>
+                  <a:latin typeface="+mn-lt"/>
+                  <a:ea typeface="+mn-ea"/>
+                  <a:cs typeface="+mn-cs"/>
+                </a:defRPr>
+              </a:lvl8pPr>
+              <a:lvl9pPr marL="3657600" algn="l" defTabSz="914400" rtl="0" eaLnBrk="1" latinLnBrk="0" hangingPunct="1">
+                <a:defRPr sz="1800" kern="1200">
+                  <a:solidFill>
+                    <a:schemeClr val="tx1"/>
+                  </a:solidFill>
+                  <a:latin typeface="+mn-lt"/>
+                  <a:ea typeface="+mn-ea"/>
+                  <a:cs typeface="+mn-cs"/>
+                </a:defRPr>
+              </a:lvl9pPr>
+            </a:lstStyle>
+            <a:p>
+              <a:endParaRPr lang="en-US">
+                <a:solidFill>
+                  <a:srgbClr val="5F5F5F"/>
+                </a:solidFill>
+                <a:latin typeface="Segoe UI" panose="020B0502040204020203" pitchFamily="34" charset="0"/>
+                <a:cs typeface="Segoe UI" panose="020B0502040204020203" pitchFamily="34" charset="0"/>
+              </a:endParaRPr>
+            </a:p>
+          </p:txBody>
+        </p:sp>
+        <p:grpSp>
+          <p:nvGrpSpPr>
+            <p:cNvPr id="11" name="Navigation Buttons"/>
+            <p:cNvGrpSpPr/>
+            <p:nvPr/>
+          </p:nvGrpSpPr>
+          <p:grpSpPr>
+            <a:xfrm>
+              <a:off x="675422" y="1436912"/>
+              <a:ext cx="406155" cy="109581"/>
+              <a:chOff x="675422" y="1436912"/>
+              <a:chExt cx="406155" cy="109581"/>
+            </a:xfrm>
+          </p:grpSpPr>
+          <p:sp>
+            <p:nvSpPr>
+              <p:cNvPr id="12" name="Back Button" descr="&lt;SmartSettings&gt;&lt;SmartResize anchorLeft=&quot;Absolute&quot; anchorTop=&quot;Absolute&quot; anchorRight=&quot;None&quot; anchorBottom=&quot;None&quot; /&gt;&lt;/SmartSettings&gt;"/>
+              <p:cNvSpPr>
+                <a:spLocks noChangeAspect="1" noEditPoints="1"/>
+              </p:cNvSpPr>
+              <p:nvPr>
+                <p:custDataLst>
+                  <p:tags r:id="rId8"/>
+                </p:custDataLst>
+              </p:nvPr>
+            </p:nvSpPr>
+            <p:spPr bwMode="auto">
+              <a:xfrm>
+                <a:off x="675422" y="1453500"/>
+                <a:ext cx="96512" cy="76405"/>
+              </a:xfrm>
+              <a:custGeom>
+                <a:avLst/>
+                <a:gdLst>
+                  <a:gd name="T0" fmla="*/ 159 w 423"/>
+                  <a:gd name="T1" fmla="*/ 332 h 332"/>
+                  <a:gd name="T2" fmla="*/ 0 w 423"/>
+                  <a:gd name="T3" fmla="*/ 166 h 332"/>
+                  <a:gd name="T4" fmla="*/ 159 w 423"/>
+                  <a:gd name="T5" fmla="*/ 0 h 332"/>
+                  <a:gd name="T6" fmla="*/ 15 w 423"/>
+                  <a:gd name="T7" fmla="*/ 166 h 332"/>
+                  <a:gd name="T8" fmla="*/ 423 w 423"/>
+                  <a:gd name="T9" fmla="*/ 166 h 332"/>
+                </a:gdLst>
+                <a:ahLst/>
+                <a:cxnLst>
+                  <a:cxn ang="0">
+                    <a:pos x="T0" y="T1"/>
+                  </a:cxn>
+                  <a:cxn ang="0">
+                    <a:pos x="T2" y="T3"/>
+                  </a:cxn>
+                  <a:cxn ang="0">
+                    <a:pos x="T4" y="T5"/>
+                  </a:cxn>
+                  <a:cxn ang="0">
+                    <a:pos x="T6" y="T7"/>
+                  </a:cxn>
+                  <a:cxn ang="0">
+                    <a:pos x="T8" y="T9"/>
+                  </a:cxn>
+                </a:cxnLst>
+                <a:rect l="0" t="0" r="r" b="b"/>
+                <a:pathLst>
+                  <a:path w="423" h="332">
+                    <a:moveTo>
+                      <a:pt x="159" y="332"/>
+                    </a:moveTo>
+                    <a:lnTo>
+                      <a:pt x="0" y="166"/>
+                    </a:lnTo>
+                    <a:lnTo>
+                      <a:pt x="159" y="0"/>
+                    </a:lnTo>
+                    <a:moveTo>
+                      <a:pt x="15" y="166"/>
+                    </a:moveTo>
+                    <a:lnTo>
+                      <a:pt x="423" y="166"/>
+                    </a:lnTo>
+                  </a:path>
+                </a:pathLst>
+              </a:custGeom>
+              <a:noFill/>
+              <a:ln w="6350" cap="sq">
+                <a:solidFill>
+                  <a:srgbClr val="808080"/>
+                </a:solidFill>
+                <a:prstDash val="solid"/>
+                <a:miter lim="800000"/>
+                <a:headEnd/>
+                <a:tailEnd/>
+              </a:ln>
+              <a:extLst>
+                <a:ext uri="{909E8E84-426E-40DD-AFC4-6F175D3DCCD1}">
+                  <a14:hiddenFill xmlns:a14="http://schemas.microsoft.com/office/drawing/2010/main">
+                    <a:solidFill>
+                      <a:srgbClr val="FFFFFF"/>
+                    </a:solidFill>
+                  </a14:hiddenFill>
+                </a:ext>
+              </a:extLst>
+            </p:spPr>
+            <p:txBody>
+              <a:bodyPr vert="horz" wrap="square" lIns="91440" tIns="45720" rIns="91440" bIns="45720" numCol="1" anchor="t" anchorCtr="0" compatLnSpc="1">
+                <a:prstTxWarp prst="textNoShape">
+                  <a:avLst/>
+                </a:prstTxWarp>
+              </a:bodyPr>
+              <a:lstStyle>
+                <a:defPPr>
+                  <a:defRPr lang="en-US"/>
+                </a:defPPr>
+                <a:lvl1pPr marL="0" algn="l" defTabSz="914400" rtl="0" eaLnBrk="1" latinLnBrk="0" hangingPunct="1">
+                  <a:defRPr sz="1800" kern="1200">
+                    <a:solidFill>
+                      <a:schemeClr val="tx1"/>
+                    </a:solidFill>
+                    <a:latin typeface="+mn-lt"/>
+                    <a:ea typeface="+mn-ea"/>
+                    <a:cs typeface="+mn-cs"/>
+                  </a:defRPr>
+                </a:lvl1pPr>
+                <a:lvl2pPr marL="457200" algn="l" defTabSz="914400" rtl="0" eaLnBrk="1" latinLnBrk="0" hangingPunct="1">
+                  <a:defRPr sz="1800" kern="1200">
+                    <a:solidFill>
+                      <a:schemeClr val="tx1"/>
+                    </a:solidFill>
+                    <a:latin typeface="+mn-lt"/>
+                    <a:ea typeface="+mn-ea"/>
+                    <a:cs typeface="+mn-cs"/>
+                  </a:defRPr>
+                </a:lvl2pPr>
+                <a:lvl3pPr marL="914400" algn="l" defTabSz="914400" rtl="0" eaLnBrk="1" latinLnBrk="0" hangingPunct="1">
+                  <a:defRPr sz="1800" kern="1200">
+                    <a:solidFill>
+                      <a:schemeClr val="tx1"/>
+                    </a:solidFill>
+                    <a:latin typeface="+mn-lt"/>
+                    <a:ea typeface="+mn-ea"/>
+                    <a:cs typeface="+mn-cs"/>
+                  </a:defRPr>
+                </a:lvl3pPr>
+                <a:lvl4pPr marL="1371600" algn="l" defTabSz="914400" rtl="0" eaLnBrk="1" latinLnBrk="0" hangingPunct="1">
+                  <a:defRPr sz="1800" kern="1200">
+                    <a:solidFill>
+                      <a:schemeClr val="tx1"/>
+                    </a:solidFill>
+                    <a:latin typeface="+mn-lt"/>
+                    <a:ea typeface="+mn-ea"/>
+                    <a:cs typeface="+mn-cs"/>
+                  </a:defRPr>
+                </a:lvl4pPr>
+                <a:lvl5pPr marL="1828800" algn="l" defTabSz="914400" rtl="0" eaLnBrk="1" latinLnBrk="0" hangingPunct="1">
+                  <a:defRPr sz="1800" kern="1200">
+                    <a:solidFill>
+                      <a:schemeClr val="tx1"/>
+                    </a:solidFill>
+                    <a:latin typeface="+mn-lt"/>
+                    <a:ea typeface="+mn-ea"/>
+                    <a:cs typeface="+mn-cs"/>
+                  </a:defRPr>
+                </a:lvl5pPr>
+                <a:lvl6pPr marL="2286000" algn="l" defTabSz="914400" rtl="0" eaLnBrk="1" latinLnBrk="0" hangingPunct="1">
+                  <a:defRPr sz="1800" kern="1200">
+                    <a:solidFill>
+                      <a:schemeClr val="tx1"/>
+                    </a:solidFill>
+                    <a:latin typeface="+mn-lt"/>
+                    <a:ea typeface="+mn-ea"/>
+                    <a:cs typeface="+mn-cs"/>
+                  </a:defRPr>
+                </a:lvl6pPr>
+                <a:lvl7pPr marL="2743200" algn="l" defTabSz="914400" rtl="0" eaLnBrk="1" latinLnBrk="0" hangingPunct="1">
+                  <a:defRPr sz="1800" kern="1200">
+                    <a:solidFill>
+                      <a:schemeClr val="tx1"/>
+                    </a:solidFill>
+                    <a:latin typeface="+mn-lt"/>
+                    <a:ea typeface="+mn-ea"/>
+                    <a:cs typeface="+mn-cs"/>
+                  </a:defRPr>
+                </a:lvl7pPr>
+                <a:lvl8pPr marL="3200400" algn="l" defTabSz="914400" rtl="0" eaLnBrk="1" latinLnBrk="0" hangingPunct="1">
+                  <a:defRPr sz="1800" kern="1200">
+                    <a:solidFill>
+                      <a:schemeClr val="tx1"/>
+                    </a:solidFill>
+                    <a:latin typeface="+mn-lt"/>
+                    <a:ea typeface="+mn-ea"/>
+                    <a:cs typeface="+mn-cs"/>
+                  </a:defRPr>
+                </a:lvl8pPr>
+                <a:lvl9pPr marL="3657600" algn="l" defTabSz="914400" rtl="0" eaLnBrk="1" latinLnBrk="0" hangingPunct="1">
+                  <a:defRPr sz="1800" kern="1200">
+                    <a:solidFill>
+                      <a:schemeClr val="tx1"/>
+                    </a:solidFill>
+                    <a:latin typeface="+mn-lt"/>
+                    <a:ea typeface="+mn-ea"/>
+                    <a:cs typeface="+mn-cs"/>
+                  </a:defRPr>
+                </a:lvl9pPr>
+              </a:lstStyle>
+              <a:p>
+                <a:endParaRPr lang="en-US">
+                  <a:solidFill>
+                    <a:srgbClr val="5F5F5F"/>
+                  </a:solidFill>
+                  <a:latin typeface="Segoe UI" panose="020B0502040204020203" pitchFamily="34" charset="0"/>
+                  <a:cs typeface="Segoe UI" panose="020B0502040204020203" pitchFamily="34" charset="0"/>
+                </a:endParaRPr>
+              </a:p>
+            </p:txBody>
+          </p:sp>
+          <p:sp>
+            <p:nvSpPr>
+              <p:cNvPr id="13" name="Forward Button" descr="&lt;SmartSettings&gt;&lt;SmartResize anchorLeft=&quot;Absolute&quot; anchorTop=&quot;Absolute&quot; anchorRight=&quot;None&quot; anchorBottom=&quot;None&quot; /&gt;&lt;/SmartSettings&gt;"/>
+              <p:cNvSpPr>
+                <a:spLocks noChangeAspect="1" noEditPoints="1"/>
+              </p:cNvSpPr>
+              <p:nvPr>
+                <p:custDataLst>
+                  <p:tags r:id="rId9"/>
+                </p:custDataLst>
+              </p:nvPr>
+            </p:nvSpPr>
+            <p:spPr bwMode="auto">
+              <a:xfrm>
+                <a:off x="828233" y="1453500"/>
+                <a:ext cx="96512" cy="76405"/>
+              </a:xfrm>
+              <a:custGeom>
+                <a:avLst/>
+                <a:gdLst>
+                  <a:gd name="T0" fmla="*/ 265 w 423"/>
+                  <a:gd name="T1" fmla="*/ 0 h 332"/>
+                  <a:gd name="T2" fmla="*/ 423 w 423"/>
+                  <a:gd name="T3" fmla="*/ 166 h 332"/>
+                  <a:gd name="T4" fmla="*/ 265 w 423"/>
+                  <a:gd name="T5" fmla="*/ 332 h 332"/>
+                  <a:gd name="T6" fmla="*/ 408 w 423"/>
+                  <a:gd name="T7" fmla="*/ 166 h 332"/>
+                  <a:gd name="T8" fmla="*/ 0 w 423"/>
+                  <a:gd name="T9" fmla="*/ 166 h 332"/>
+                </a:gdLst>
+                <a:ahLst/>
+                <a:cxnLst>
+                  <a:cxn ang="0">
+                    <a:pos x="T0" y="T1"/>
+                  </a:cxn>
+                  <a:cxn ang="0">
+                    <a:pos x="T2" y="T3"/>
+                  </a:cxn>
+                  <a:cxn ang="0">
+                    <a:pos x="T4" y="T5"/>
+                  </a:cxn>
+                  <a:cxn ang="0">
+                    <a:pos x="T6" y="T7"/>
+                  </a:cxn>
+                  <a:cxn ang="0">
+                    <a:pos x="T8" y="T9"/>
+                  </a:cxn>
+                </a:cxnLst>
+                <a:rect l="0" t="0" r="r" b="b"/>
+                <a:pathLst>
+                  <a:path w="423" h="332">
+                    <a:moveTo>
+                      <a:pt x="265" y="0"/>
+                    </a:moveTo>
+                    <a:lnTo>
+                      <a:pt x="423" y="166"/>
+                    </a:lnTo>
+                    <a:lnTo>
+                      <a:pt x="265" y="332"/>
+                    </a:lnTo>
+                    <a:moveTo>
+                      <a:pt x="408" y="166"/>
+                    </a:moveTo>
+                    <a:lnTo>
+                      <a:pt x="0" y="166"/>
+                    </a:lnTo>
+                  </a:path>
+                </a:pathLst>
+              </a:custGeom>
+              <a:noFill/>
+              <a:ln w="6350" cap="sq">
+                <a:solidFill>
+                  <a:srgbClr val="808080"/>
+                </a:solidFill>
+                <a:prstDash val="solid"/>
+                <a:miter lim="800000"/>
+                <a:headEnd/>
+                <a:tailEnd/>
+              </a:ln>
+              <a:extLst>
+                <a:ext uri="{909E8E84-426E-40DD-AFC4-6F175D3DCCD1}">
+                  <a14:hiddenFill xmlns:a14="http://schemas.microsoft.com/office/drawing/2010/main">
+                    <a:solidFill>
+                      <a:srgbClr val="FFFFFF"/>
+                    </a:solidFill>
+                  </a14:hiddenFill>
+                </a:ext>
+              </a:extLst>
+            </p:spPr>
+            <p:txBody>
+              <a:bodyPr vert="horz" wrap="square" lIns="91440" tIns="45720" rIns="91440" bIns="45720" numCol="1" anchor="t" anchorCtr="0" compatLnSpc="1">
+                <a:prstTxWarp prst="textNoShape">
+                  <a:avLst/>
+                </a:prstTxWarp>
+              </a:bodyPr>
+              <a:lstStyle>
+                <a:defPPr>
+                  <a:defRPr lang="en-US"/>
+                </a:defPPr>
+                <a:lvl1pPr marL="0" algn="l" defTabSz="914400" rtl="0" eaLnBrk="1" latinLnBrk="0" hangingPunct="1">
+                  <a:defRPr sz="1800" kern="1200">
+                    <a:solidFill>
+                      <a:schemeClr val="tx1"/>
+                    </a:solidFill>
+                    <a:latin typeface="+mn-lt"/>
+                    <a:ea typeface="+mn-ea"/>
+                    <a:cs typeface="+mn-cs"/>
+                  </a:defRPr>
+                </a:lvl1pPr>
+                <a:lvl2pPr marL="457200" algn="l" defTabSz="914400" rtl="0" eaLnBrk="1" latinLnBrk="0" hangingPunct="1">
+                  <a:defRPr sz="1800" kern="1200">
+                    <a:solidFill>
+                      <a:schemeClr val="tx1"/>
+                    </a:solidFill>
+                    <a:latin typeface="+mn-lt"/>
+                    <a:ea typeface="+mn-ea"/>
+                    <a:cs typeface="+mn-cs"/>
+                  </a:defRPr>
+                </a:lvl2pPr>
+                <a:lvl3pPr marL="914400" algn="l" defTabSz="914400" rtl="0" eaLnBrk="1" latinLnBrk="0" hangingPunct="1">
+                  <a:defRPr sz="1800" kern="1200">
+                    <a:solidFill>
+                      <a:schemeClr val="tx1"/>
+                    </a:solidFill>
+                    <a:latin typeface="+mn-lt"/>
+                    <a:ea typeface="+mn-ea"/>
+                    <a:cs typeface="+mn-cs"/>
+                  </a:defRPr>
+                </a:lvl3pPr>
+                <a:lvl4pPr marL="1371600" algn="l" defTabSz="914400" rtl="0" eaLnBrk="1" latinLnBrk="0" hangingPunct="1">
+                  <a:defRPr sz="1800" kern="1200">
+                    <a:solidFill>
+                      <a:schemeClr val="tx1"/>
+                    </a:solidFill>
+                    <a:latin typeface="+mn-lt"/>
+                    <a:ea typeface="+mn-ea"/>
+                    <a:cs typeface="+mn-cs"/>
+                  </a:defRPr>
+                </a:lvl4pPr>
+                <a:lvl5pPr marL="1828800" algn="l" defTabSz="914400" rtl="0" eaLnBrk="1" latinLnBrk="0" hangingPunct="1">
+                  <a:defRPr sz="1800" kern="1200">
+                    <a:solidFill>
+                      <a:schemeClr val="tx1"/>
+                    </a:solidFill>
+                    <a:latin typeface="+mn-lt"/>
+                    <a:ea typeface="+mn-ea"/>
+                    <a:cs typeface="+mn-cs"/>
+                  </a:defRPr>
+                </a:lvl5pPr>
+                <a:lvl6pPr marL="2286000" algn="l" defTabSz="914400" rtl="0" eaLnBrk="1" latinLnBrk="0" hangingPunct="1">
+                  <a:defRPr sz="1800" kern="1200">
+                    <a:solidFill>
+                      <a:schemeClr val="tx1"/>
+                    </a:solidFill>
+                    <a:latin typeface="+mn-lt"/>
+                    <a:ea typeface="+mn-ea"/>
+                    <a:cs typeface="+mn-cs"/>
+                  </a:defRPr>
+                </a:lvl6pPr>
+                <a:lvl7pPr marL="2743200" algn="l" defTabSz="914400" rtl="0" eaLnBrk="1" latinLnBrk="0" hangingPunct="1">
+                  <a:defRPr sz="1800" kern="1200">
+                    <a:solidFill>
+                      <a:schemeClr val="tx1"/>
+                    </a:solidFill>
+                    <a:latin typeface="+mn-lt"/>
+                    <a:ea typeface="+mn-ea"/>
+                    <a:cs typeface="+mn-cs"/>
+                  </a:defRPr>
+                </a:lvl7pPr>
+                <a:lvl8pPr marL="3200400" algn="l" defTabSz="914400" rtl="0" eaLnBrk="1" latinLnBrk="0" hangingPunct="1">
+                  <a:defRPr sz="1800" kern="1200">
+                    <a:solidFill>
+                      <a:schemeClr val="tx1"/>
+                    </a:solidFill>
+                    <a:latin typeface="+mn-lt"/>
+                    <a:ea typeface="+mn-ea"/>
+                    <a:cs typeface="+mn-cs"/>
+                  </a:defRPr>
+                </a:lvl8pPr>
+                <a:lvl9pPr marL="3657600" algn="l" defTabSz="914400" rtl="0" eaLnBrk="1" latinLnBrk="0" hangingPunct="1">
+                  <a:defRPr sz="1800" kern="1200">
+                    <a:solidFill>
+                      <a:schemeClr val="tx1"/>
+                    </a:solidFill>
+                    <a:latin typeface="+mn-lt"/>
+                    <a:ea typeface="+mn-ea"/>
+                    <a:cs typeface="+mn-cs"/>
+                  </a:defRPr>
+                </a:lvl9pPr>
+              </a:lstStyle>
+              <a:p>
+                <a:endParaRPr lang="en-US">
+                  <a:solidFill>
+                    <a:srgbClr val="5F5F5F"/>
+                  </a:solidFill>
+                  <a:latin typeface="Segoe UI" panose="020B0502040204020203" pitchFamily="34" charset="0"/>
+                  <a:cs typeface="Segoe UI" panose="020B0502040204020203" pitchFamily="34" charset="0"/>
+                </a:endParaRPr>
+              </a:p>
+            </p:txBody>
+          </p:sp>
+          <p:sp>
+            <p:nvSpPr>
+              <p:cNvPr id="14" name="Reload Button" descr="&lt;SmartSettings&gt;&lt;SmartResize anchorLeft=&quot;Absolute&quot; anchorTop=&quot;Absolute&quot; anchorRight=&quot;None&quot; anchorBottom=&quot;None&quot; /&gt;&lt;/SmartSettings&gt;"/>
+              <p:cNvSpPr>
+                <a:spLocks noChangeAspect="1" noEditPoints="1"/>
+              </p:cNvSpPr>
+              <p:nvPr>
+                <p:custDataLst>
+                  <p:tags r:id="rId10"/>
+                </p:custDataLst>
+              </p:nvPr>
+            </p:nvSpPr>
+            <p:spPr bwMode="auto">
+              <a:xfrm>
+                <a:off x="981044" y="1436912"/>
+                <a:ext cx="100533" cy="109581"/>
+              </a:xfrm>
+              <a:custGeom>
+                <a:avLst/>
+                <a:gdLst>
+                  <a:gd name="T0" fmla="*/ 441 w 441"/>
+                  <a:gd name="T1" fmla="*/ 7 h 474"/>
+                  <a:gd name="T2" fmla="*/ 441 w 441"/>
+                  <a:gd name="T3" fmla="*/ 144 h 474"/>
+                  <a:gd name="T4" fmla="*/ 296 w 441"/>
+                  <a:gd name="T5" fmla="*/ 144 h 474"/>
+                  <a:gd name="T6" fmla="*/ 438 w 441"/>
+                  <a:gd name="T7" fmla="*/ 309 h 474"/>
+                  <a:gd name="T8" fmla="*/ 166 w 441"/>
+                  <a:gd name="T9" fmla="*/ 434 h 474"/>
+                  <a:gd name="T10" fmla="*/ 41 w 441"/>
+                  <a:gd name="T11" fmla="*/ 162 h 474"/>
+                  <a:gd name="T12" fmla="*/ 313 w 441"/>
+                  <a:gd name="T13" fmla="*/ 37 h 474"/>
+                  <a:gd name="T14" fmla="*/ 428 w 441"/>
+                  <a:gd name="T15" fmla="*/ 139 h 474"/>
+                </a:gdLst>
+                <a:ahLst/>
+                <a:cxnLst>
+                  <a:cxn ang="0">
+                    <a:pos x="T0" y="T1"/>
+                  </a:cxn>
+                  <a:cxn ang="0">
+                    <a:pos x="T2" y="T3"/>
+                  </a:cxn>
+                  <a:cxn ang="0">
+                    <a:pos x="T4" y="T5"/>
+                  </a:cxn>
+                  <a:cxn ang="0">
+                    <a:pos x="T6" y="T7"/>
+                  </a:cxn>
+                  <a:cxn ang="0">
+                    <a:pos x="T8" y="T9"/>
+                  </a:cxn>
+                  <a:cxn ang="0">
+                    <a:pos x="T10" y="T11"/>
+                  </a:cxn>
+                  <a:cxn ang="0">
+                    <a:pos x="T12" y="T13"/>
+                  </a:cxn>
+                  <a:cxn ang="0">
+                    <a:pos x="T14" y="T15"/>
+                  </a:cxn>
+                </a:cxnLst>
+                <a:rect l="0" t="0" r="r" b="b"/>
+                <a:pathLst>
+                  <a:path w="441" h="474">
+                    <a:moveTo>
+                      <a:pt x="441" y="7"/>
+                    </a:moveTo>
+                    <a:lnTo>
+                      <a:pt x="441" y="144"/>
+                    </a:lnTo>
+                    <a:lnTo>
+                      <a:pt x="296" y="144"/>
+                    </a:lnTo>
+                    <a:moveTo>
+                      <a:pt x="438" y="309"/>
+                    </a:moveTo>
+                    <a:cubicBezTo>
+                      <a:pt x="397" y="418"/>
+                      <a:pt x="276" y="474"/>
+                      <a:pt x="166" y="434"/>
+                    </a:cubicBezTo>
+                    <a:cubicBezTo>
+                      <a:pt x="56" y="393"/>
+                      <a:pt x="0" y="271"/>
+                      <a:pt x="41" y="162"/>
+                    </a:cubicBezTo>
+                    <a:cubicBezTo>
+                      <a:pt x="82" y="52"/>
+                      <a:pt x="202" y="0"/>
+                      <a:pt x="313" y="37"/>
+                    </a:cubicBezTo>
+                    <a:cubicBezTo>
+                      <a:pt x="357" y="51"/>
+                      <a:pt x="398" y="91"/>
+                      <a:pt x="428" y="139"/>
+                    </a:cubicBezTo>
+                  </a:path>
+                </a:pathLst>
+              </a:custGeom>
+              <a:noFill/>
+              <a:ln w="6350" cap="flat">
+                <a:solidFill>
+                  <a:srgbClr val="808080"/>
+                </a:solidFill>
+                <a:prstDash val="solid"/>
+                <a:miter lim="800000"/>
+                <a:headEnd/>
+                <a:tailEnd/>
+              </a:ln>
+              <a:extLst>
+                <a:ext uri="{909E8E84-426E-40DD-AFC4-6F175D3DCCD1}">
+                  <a14:hiddenFill xmlns:a14="http://schemas.microsoft.com/office/drawing/2010/main">
+                    <a:solidFill>
+                      <a:srgbClr val="FFFFFF"/>
+                    </a:solidFill>
+                  </a14:hiddenFill>
+                </a:ext>
+              </a:extLst>
+            </p:spPr>
+            <p:txBody>
+              <a:bodyPr vert="horz" wrap="square" lIns="91440" tIns="45720" rIns="91440" bIns="45720" numCol="1" anchor="t" anchorCtr="0" compatLnSpc="1">
+                <a:prstTxWarp prst="textNoShape">
+                  <a:avLst/>
+                </a:prstTxWarp>
+              </a:bodyPr>
+              <a:lstStyle>
+                <a:defPPr>
+                  <a:defRPr lang="en-US"/>
+                </a:defPPr>
+                <a:lvl1pPr marL="0" algn="l" defTabSz="914400" rtl="0" eaLnBrk="1" latinLnBrk="0" hangingPunct="1">
+                  <a:defRPr sz="1800" kern="1200">
+                    <a:solidFill>
+                      <a:schemeClr val="tx1"/>
+                    </a:solidFill>
+                    <a:latin typeface="+mn-lt"/>
+                    <a:ea typeface="+mn-ea"/>
+                    <a:cs typeface="+mn-cs"/>
+                  </a:defRPr>
+                </a:lvl1pPr>
+                <a:lvl2pPr marL="457200" algn="l" defTabSz="914400" rtl="0" eaLnBrk="1" latinLnBrk="0" hangingPunct="1">
+                  <a:defRPr sz="1800" kern="1200">
+                    <a:solidFill>
+                      <a:schemeClr val="tx1"/>
+                    </a:solidFill>
+                    <a:latin typeface="+mn-lt"/>
+                    <a:ea typeface="+mn-ea"/>
+                    <a:cs typeface="+mn-cs"/>
+                  </a:defRPr>
+                </a:lvl2pPr>
+                <a:lvl3pPr marL="914400" algn="l" defTabSz="914400" rtl="0" eaLnBrk="1" latinLnBrk="0" hangingPunct="1">
+                  <a:defRPr sz="1800" kern="1200">
+                    <a:solidFill>
+                      <a:schemeClr val="tx1"/>
+                    </a:solidFill>
+                    <a:latin typeface="+mn-lt"/>
+                    <a:ea typeface="+mn-ea"/>
+                    <a:cs typeface="+mn-cs"/>
+                  </a:defRPr>
+                </a:lvl3pPr>
+                <a:lvl4pPr marL="1371600" algn="l" defTabSz="914400" rtl="0" eaLnBrk="1" latinLnBrk="0" hangingPunct="1">
+                  <a:defRPr sz="1800" kern="1200">
+                    <a:solidFill>
+                      <a:schemeClr val="tx1"/>
+                    </a:solidFill>
+                    <a:latin typeface="+mn-lt"/>
+                    <a:ea typeface="+mn-ea"/>
+                    <a:cs typeface="+mn-cs"/>
+                  </a:defRPr>
+                </a:lvl4pPr>
+                <a:lvl5pPr marL="1828800" algn="l" defTabSz="914400" rtl="0" eaLnBrk="1" latinLnBrk="0" hangingPunct="1">
+                  <a:defRPr sz="1800" kern="1200">
+                    <a:solidFill>
+                      <a:schemeClr val="tx1"/>
+                    </a:solidFill>
+                    <a:latin typeface="+mn-lt"/>
+                    <a:ea typeface="+mn-ea"/>
+                    <a:cs typeface="+mn-cs"/>
+                  </a:defRPr>
+                </a:lvl5pPr>
+                <a:lvl6pPr marL="2286000" algn="l" defTabSz="914400" rtl="0" eaLnBrk="1" latinLnBrk="0" hangingPunct="1">
+                  <a:defRPr sz="1800" kern="1200">
+                    <a:solidFill>
+                      <a:schemeClr val="tx1"/>
+                    </a:solidFill>
+                    <a:latin typeface="+mn-lt"/>
+                    <a:ea typeface="+mn-ea"/>
+                    <a:cs typeface="+mn-cs"/>
+                  </a:defRPr>
+                </a:lvl6pPr>
+                <a:lvl7pPr marL="2743200" algn="l" defTabSz="914400" rtl="0" eaLnBrk="1" latinLnBrk="0" hangingPunct="1">
+                  <a:defRPr sz="1800" kern="1200">
+                    <a:solidFill>
+                      <a:schemeClr val="tx1"/>
+                    </a:solidFill>
+                    <a:latin typeface="+mn-lt"/>
+                    <a:ea typeface="+mn-ea"/>
+                    <a:cs typeface="+mn-cs"/>
+                  </a:defRPr>
+                </a:lvl7pPr>
+                <a:lvl8pPr marL="3200400" algn="l" defTabSz="914400" rtl="0" eaLnBrk="1" latinLnBrk="0" hangingPunct="1">
+                  <a:defRPr sz="1800" kern="1200">
+                    <a:solidFill>
+                      <a:schemeClr val="tx1"/>
+                    </a:solidFill>
+                    <a:latin typeface="+mn-lt"/>
+                    <a:ea typeface="+mn-ea"/>
+                    <a:cs typeface="+mn-cs"/>
+                  </a:defRPr>
+                </a:lvl8pPr>
+                <a:lvl9pPr marL="3657600" algn="l" defTabSz="914400" rtl="0" eaLnBrk="1" latinLnBrk="0" hangingPunct="1">
+                  <a:defRPr sz="1800" kern="1200">
+                    <a:solidFill>
+                      <a:schemeClr val="tx1"/>
+                    </a:solidFill>
+                    <a:latin typeface="+mn-lt"/>
+                    <a:ea typeface="+mn-ea"/>
+                    <a:cs typeface="+mn-cs"/>
+                  </a:defRPr>
+                </a:lvl9pPr>
+              </a:lstStyle>
+              <a:p>
+                <a:endParaRPr lang="en-US">
+                  <a:solidFill>
+                    <a:srgbClr val="5F5F5F"/>
+                  </a:solidFill>
+                  <a:latin typeface="Segoe UI" panose="020B0502040204020203" pitchFamily="34" charset="0"/>
+                  <a:cs typeface="Segoe UI" panose="020B0502040204020203" pitchFamily="34" charset="0"/>
+                </a:endParaRPr>
+              </a:p>
+            </p:txBody>
+          </p:sp>
+        </p:grpSp>
+      </p:grpSp>
+      <p:sp>
+        <p:nvSpPr>
+          <p:cNvPr id="16" name="Rectangle 15"/>
+          <p:cNvSpPr/>
+          <p:nvPr/>
+        </p:nvSpPr>
+        <p:spPr>
+          <a:xfrm>
+            <a:off x="1696684" y="544610"/>
+            <a:ext cx="10530041" cy="1245689"/>
+          </a:xfrm>
+          <a:prstGeom prst="rect">
+            <a:avLst/>
+          </a:prstGeom>
+          <a:solidFill>
+            <a:schemeClr val="tx2">
+              <a:lumMod val="75000"/>
+            </a:schemeClr>
+          </a:solidFill>
+        </p:spPr>
+        <p:style>
+          <a:lnRef idx="2">
+            <a:schemeClr val="accent1">
+              <a:shade val="50000"/>
+            </a:schemeClr>
+          </a:lnRef>
+          <a:fillRef idx="1">
+            <a:schemeClr val="accent1"/>
+          </a:fillRef>
+          <a:effectRef idx="0">
+            <a:schemeClr val="accent1"/>
+          </a:effectRef>
+          <a:fontRef idx="minor">
+            <a:schemeClr val="lt1"/>
+          </a:fontRef>
+        </p:style>
+        <p:txBody>
+          <a:bodyPr rtlCol="0" anchor="ctr"/>
+          <a:lstStyle/>
+          <a:p>
+            <a:pPr algn="ctr"/>
+            <a:endParaRPr lang="fr-FR"/>
+          </a:p>
+        </p:txBody>
+      </p:sp>
+      <p:sp>
+        <p:nvSpPr>
+          <p:cNvPr id="17" name="ZoneTexte 16"/>
+          <p:cNvSpPr txBox="1"/>
+          <p:nvPr/>
+        </p:nvSpPr>
+        <p:spPr>
+          <a:xfrm>
+            <a:off x="4905106" y="788817"/>
+            <a:ext cx="4620126" cy="523220"/>
+          </a:xfrm>
+          <a:prstGeom prst="rect">
+            <a:avLst/>
+          </a:prstGeom>
+          <a:noFill/>
+        </p:spPr>
+        <p:txBody>
+          <a:bodyPr wrap="square" rtlCol="0">
+            <a:spAutoFit/>
+          </a:bodyPr>
+          <a:lstStyle/>
+          <a:p>
+            <a:r>
+              <a:rPr lang="fr-FR" sz="2800" dirty="0" smtClean="0">
+                <a:solidFill>
+                  <a:schemeClr val="bg1"/>
+                </a:solidFill>
+              </a:rPr>
+              <a:t>LES TRESORS DE ONE PIECE</a:t>
+            </a:r>
+            <a:endParaRPr lang="fr-FR" sz="2800" dirty="0">
+              <a:solidFill>
+                <a:schemeClr val="bg1"/>
+              </a:solidFill>
+            </a:endParaRPr>
+          </a:p>
+        </p:txBody>
+      </p:sp>
+      <p:sp>
+        <p:nvSpPr>
+          <p:cNvPr id="18" name="ZoneTexte 17"/>
+          <p:cNvSpPr txBox="1"/>
+          <p:nvPr/>
+        </p:nvSpPr>
+        <p:spPr>
+          <a:xfrm>
+            <a:off x="10424159" y="573942"/>
+            <a:ext cx="2595613" cy="307777"/>
+          </a:xfrm>
+          <a:prstGeom prst="rect">
+            <a:avLst/>
+          </a:prstGeom>
+          <a:noFill/>
+        </p:spPr>
+        <p:txBody>
+          <a:bodyPr wrap="square" rtlCol="0">
+            <a:spAutoFit/>
+          </a:bodyPr>
+          <a:lstStyle/>
+          <a:p>
+            <a:r>
+              <a:rPr lang="fr-FR" sz="1400" dirty="0" smtClean="0">
+                <a:solidFill>
+                  <a:schemeClr val="bg1"/>
+                </a:solidFill>
+              </a:rPr>
+              <a:t>Inscription/Connexion</a:t>
+            </a:r>
+            <a:endParaRPr lang="fr-FR" sz="1400" dirty="0">
+              <a:solidFill>
+                <a:schemeClr val="bg1"/>
+              </a:solidFill>
+            </a:endParaRPr>
+          </a:p>
+        </p:txBody>
+      </p:sp>
+      <p:sp>
+        <p:nvSpPr>
+          <p:cNvPr id="19" name="ZoneTexte 18"/>
+          <p:cNvSpPr txBox="1"/>
+          <p:nvPr/>
+        </p:nvSpPr>
+        <p:spPr>
+          <a:xfrm>
+            <a:off x="1940273" y="1395663"/>
+            <a:ext cx="956931" cy="369332"/>
+          </a:xfrm>
+          <a:prstGeom prst="rect">
+            <a:avLst/>
+          </a:prstGeom>
+          <a:noFill/>
+        </p:spPr>
+        <p:txBody>
+          <a:bodyPr wrap="square" rtlCol="0">
+            <a:spAutoFit/>
+          </a:bodyPr>
+          <a:lstStyle/>
+          <a:p>
+            <a:r>
+              <a:rPr lang="fr-FR" dirty="0" smtClean="0">
+                <a:solidFill>
+                  <a:schemeClr val="bg1"/>
+                </a:solidFill>
+              </a:rPr>
+              <a:t>HOME</a:t>
+            </a:r>
+            <a:endParaRPr lang="fr-FR" dirty="0">
+              <a:solidFill>
+                <a:schemeClr val="bg1"/>
+              </a:solidFill>
+            </a:endParaRPr>
+          </a:p>
+        </p:txBody>
+      </p:sp>
+      <p:sp>
+        <p:nvSpPr>
+          <p:cNvPr id="20" name="ZoneTexte 19"/>
+          <p:cNvSpPr txBox="1"/>
+          <p:nvPr/>
+        </p:nvSpPr>
+        <p:spPr>
+          <a:xfrm>
+            <a:off x="3366361" y="1392614"/>
+            <a:ext cx="1266824" cy="369332"/>
+          </a:xfrm>
+          <a:prstGeom prst="rect">
+            <a:avLst/>
+          </a:prstGeom>
+          <a:noFill/>
+        </p:spPr>
+        <p:txBody>
+          <a:bodyPr wrap="square" rtlCol="0">
+            <a:spAutoFit/>
+          </a:bodyPr>
+          <a:lstStyle/>
+          <a:p>
+            <a:r>
+              <a:rPr lang="fr-FR" dirty="0" smtClean="0">
+                <a:solidFill>
+                  <a:schemeClr val="bg1"/>
+                </a:solidFill>
+              </a:rPr>
+              <a:t>FIGURINES</a:t>
+            </a:r>
+            <a:endParaRPr lang="fr-FR" dirty="0">
+              <a:solidFill>
+                <a:schemeClr val="bg1"/>
+              </a:solidFill>
+            </a:endParaRPr>
+          </a:p>
+        </p:txBody>
+      </p:sp>
+      <p:sp>
+        <p:nvSpPr>
+          <p:cNvPr id="21" name="ZoneTexte 20"/>
+          <p:cNvSpPr txBox="1"/>
+          <p:nvPr/>
+        </p:nvSpPr>
+        <p:spPr>
+          <a:xfrm>
+            <a:off x="8940265" y="1438857"/>
+            <a:ext cx="1905802" cy="369332"/>
+          </a:xfrm>
+          <a:prstGeom prst="rect">
+            <a:avLst/>
+          </a:prstGeom>
+          <a:noFill/>
+        </p:spPr>
+        <p:txBody>
+          <a:bodyPr wrap="square" rtlCol="0">
+            <a:spAutoFit/>
+          </a:bodyPr>
+          <a:lstStyle/>
+          <a:p>
+            <a:r>
+              <a:rPr lang="fr-FR" dirty="0" smtClean="0">
+                <a:solidFill>
+                  <a:schemeClr val="bg1"/>
+                </a:solidFill>
+              </a:rPr>
+              <a:t>VETEMENTS</a:t>
+            </a:r>
+            <a:endParaRPr lang="fr-FR" dirty="0">
+              <a:solidFill>
+                <a:schemeClr val="bg1"/>
+              </a:solidFill>
+            </a:endParaRPr>
+          </a:p>
+        </p:txBody>
+      </p:sp>
+      <p:sp>
+        <p:nvSpPr>
+          <p:cNvPr id="22" name="ZoneTexte 21"/>
+          <p:cNvSpPr txBox="1"/>
+          <p:nvPr/>
+        </p:nvSpPr>
+        <p:spPr>
+          <a:xfrm>
+            <a:off x="6620578" y="1420967"/>
+            <a:ext cx="1905802" cy="369332"/>
+          </a:xfrm>
+          <a:prstGeom prst="rect">
+            <a:avLst/>
+          </a:prstGeom>
+          <a:noFill/>
+        </p:spPr>
+        <p:txBody>
+          <a:bodyPr wrap="square" rtlCol="0">
+            <a:spAutoFit/>
+          </a:bodyPr>
+          <a:lstStyle/>
+          <a:p>
+            <a:r>
+              <a:rPr lang="fr-FR" dirty="0" smtClean="0">
+                <a:solidFill>
+                  <a:schemeClr val="bg1"/>
+                </a:solidFill>
+              </a:rPr>
+              <a:t>DVD &amp; BLU-RAY</a:t>
+            </a:r>
+            <a:endParaRPr lang="fr-FR" dirty="0">
+              <a:solidFill>
+                <a:schemeClr val="bg1"/>
+              </a:solidFill>
+            </a:endParaRPr>
+          </a:p>
+        </p:txBody>
+      </p:sp>
+      <p:sp>
+        <p:nvSpPr>
+          <p:cNvPr id="23" name="ZoneTexte 22"/>
+          <p:cNvSpPr txBox="1"/>
+          <p:nvPr/>
+        </p:nvSpPr>
+        <p:spPr>
+          <a:xfrm>
+            <a:off x="5047070" y="1400453"/>
+            <a:ext cx="1905802" cy="369332"/>
+          </a:xfrm>
+          <a:prstGeom prst="rect">
+            <a:avLst/>
+          </a:prstGeom>
+          <a:noFill/>
+        </p:spPr>
+        <p:txBody>
+          <a:bodyPr wrap="square" rtlCol="0">
+            <a:spAutoFit/>
+          </a:bodyPr>
+          <a:lstStyle/>
+          <a:p>
+            <a:r>
+              <a:rPr lang="fr-FR" dirty="0" smtClean="0">
+                <a:solidFill>
+                  <a:schemeClr val="bg1"/>
+                </a:solidFill>
+              </a:rPr>
+              <a:t>LIVRES</a:t>
+            </a:r>
+            <a:endParaRPr lang="fr-FR" dirty="0">
+              <a:solidFill>
+                <a:schemeClr val="bg1"/>
+              </a:solidFill>
+            </a:endParaRPr>
+          </a:p>
+        </p:txBody>
+      </p:sp>
+      <p:sp>
+        <p:nvSpPr>
+          <p:cNvPr id="24" name="ZoneTexte 23"/>
+          <p:cNvSpPr txBox="1"/>
+          <p:nvPr/>
+        </p:nvSpPr>
+        <p:spPr>
+          <a:xfrm>
+            <a:off x="10769064" y="1438857"/>
+            <a:ext cx="1905802" cy="369332"/>
+          </a:xfrm>
+          <a:prstGeom prst="rect">
+            <a:avLst/>
+          </a:prstGeom>
+          <a:noFill/>
+        </p:spPr>
+        <p:txBody>
+          <a:bodyPr wrap="square" rtlCol="0">
+            <a:spAutoFit/>
+          </a:bodyPr>
+          <a:lstStyle/>
+          <a:p>
+            <a:r>
+              <a:rPr lang="fr-FR" dirty="0" smtClean="0">
+                <a:solidFill>
+                  <a:schemeClr val="bg1"/>
+                </a:solidFill>
+              </a:rPr>
+              <a:t>GOODIES</a:t>
+            </a:r>
+            <a:endParaRPr lang="fr-FR" dirty="0">
+              <a:solidFill>
+                <a:schemeClr val="bg1"/>
+              </a:solidFill>
+            </a:endParaRPr>
+          </a:p>
+        </p:txBody>
+      </p:sp>
+      <p:sp>
+        <p:nvSpPr>
+          <p:cNvPr id="25" name="Add to Cart"/>
+          <p:cNvSpPr>
+            <a:spLocks noChangeAspect="1" noEditPoints="1"/>
+          </p:cNvSpPr>
+          <p:nvPr/>
+        </p:nvSpPr>
+        <p:spPr bwMode="auto">
+          <a:xfrm>
+            <a:off x="11723079" y="933916"/>
+            <a:ext cx="284765" cy="293483"/>
+          </a:xfrm>
+          <a:custGeom>
+            <a:avLst/>
+            <a:gdLst>
+              <a:gd name="T0" fmla="*/ 413 w 643"/>
+              <a:gd name="T1" fmla="*/ 0 h 653"/>
+              <a:gd name="T2" fmla="*/ 400 w 643"/>
+              <a:gd name="T3" fmla="*/ 13 h 653"/>
+              <a:gd name="T4" fmla="*/ 400 w 643"/>
+              <a:gd name="T5" fmla="*/ 248 h 653"/>
+              <a:gd name="T6" fmla="*/ 356 w 643"/>
+              <a:gd name="T7" fmla="*/ 204 h 653"/>
+              <a:gd name="T8" fmla="*/ 347 w 643"/>
+              <a:gd name="T9" fmla="*/ 200 h 653"/>
+              <a:gd name="T10" fmla="*/ 337 w 643"/>
+              <a:gd name="T11" fmla="*/ 223 h 653"/>
+              <a:gd name="T12" fmla="*/ 413 w 643"/>
+              <a:gd name="T13" fmla="*/ 299 h 653"/>
+              <a:gd name="T14" fmla="*/ 490 w 643"/>
+              <a:gd name="T15" fmla="*/ 223 h 653"/>
+              <a:gd name="T16" fmla="*/ 471 w 643"/>
+              <a:gd name="T17" fmla="*/ 204 h 653"/>
+              <a:gd name="T18" fmla="*/ 427 w 643"/>
+              <a:gd name="T19" fmla="*/ 248 h 653"/>
+              <a:gd name="T20" fmla="*/ 427 w 643"/>
+              <a:gd name="T21" fmla="*/ 13 h 653"/>
+              <a:gd name="T22" fmla="*/ 413 w 643"/>
+              <a:gd name="T23" fmla="*/ 0 h 653"/>
+              <a:gd name="T24" fmla="*/ 27 w 643"/>
+              <a:gd name="T25" fmla="*/ 13 h 653"/>
+              <a:gd name="T26" fmla="*/ 0 w 643"/>
+              <a:gd name="T27" fmla="*/ 40 h 653"/>
+              <a:gd name="T28" fmla="*/ 27 w 643"/>
+              <a:gd name="T29" fmla="*/ 67 h 653"/>
+              <a:gd name="T30" fmla="*/ 53 w 643"/>
+              <a:gd name="T31" fmla="*/ 40 h 653"/>
+              <a:gd name="T32" fmla="*/ 116 w 643"/>
+              <a:gd name="T33" fmla="*/ 40 h 653"/>
+              <a:gd name="T34" fmla="*/ 147 w 643"/>
+              <a:gd name="T35" fmla="*/ 49 h 653"/>
+              <a:gd name="T36" fmla="*/ 163 w 643"/>
+              <a:gd name="T37" fmla="*/ 80 h 653"/>
+              <a:gd name="T38" fmla="*/ 163 w 643"/>
+              <a:gd name="T39" fmla="*/ 80 h 653"/>
+              <a:gd name="T40" fmla="*/ 270 w 643"/>
+              <a:gd name="T41" fmla="*/ 510 h 653"/>
+              <a:gd name="T42" fmla="*/ 270 w 643"/>
+              <a:gd name="T43" fmla="*/ 510 h 653"/>
+              <a:gd name="T44" fmla="*/ 289 w 643"/>
+              <a:gd name="T45" fmla="*/ 553 h 653"/>
+              <a:gd name="T46" fmla="*/ 306 w 643"/>
+              <a:gd name="T47" fmla="*/ 566 h 653"/>
+              <a:gd name="T48" fmla="*/ 293 w 643"/>
+              <a:gd name="T49" fmla="*/ 600 h 653"/>
+              <a:gd name="T50" fmla="*/ 347 w 643"/>
+              <a:gd name="T51" fmla="*/ 653 h 653"/>
+              <a:gd name="T52" fmla="*/ 400 w 643"/>
+              <a:gd name="T53" fmla="*/ 600 h 653"/>
+              <a:gd name="T54" fmla="*/ 393 w 643"/>
+              <a:gd name="T55" fmla="*/ 573 h 653"/>
+              <a:gd name="T56" fmla="*/ 474 w 643"/>
+              <a:gd name="T57" fmla="*/ 573 h 653"/>
+              <a:gd name="T58" fmla="*/ 467 w 643"/>
+              <a:gd name="T59" fmla="*/ 600 h 653"/>
+              <a:gd name="T60" fmla="*/ 520 w 643"/>
+              <a:gd name="T61" fmla="*/ 653 h 653"/>
+              <a:gd name="T62" fmla="*/ 573 w 643"/>
+              <a:gd name="T63" fmla="*/ 600 h 653"/>
+              <a:gd name="T64" fmla="*/ 559 w 643"/>
+              <a:gd name="T65" fmla="*/ 564 h 653"/>
+              <a:gd name="T66" fmla="*/ 547 w 643"/>
+              <a:gd name="T67" fmla="*/ 547 h 653"/>
+              <a:gd name="T68" fmla="*/ 343 w 643"/>
+              <a:gd name="T69" fmla="*/ 547 h 653"/>
+              <a:gd name="T70" fmla="*/ 309 w 643"/>
+              <a:gd name="T71" fmla="*/ 536 h 653"/>
+              <a:gd name="T72" fmla="*/ 295 w 643"/>
+              <a:gd name="T73" fmla="*/ 503 h 653"/>
+              <a:gd name="T74" fmla="*/ 295 w 643"/>
+              <a:gd name="T75" fmla="*/ 503 h 653"/>
+              <a:gd name="T76" fmla="*/ 286 w 643"/>
+              <a:gd name="T77" fmla="*/ 467 h 653"/>
+              <a:gd name="T78" fmla="*/ 531 w 643"/>
+              <a:gd name="T79" fmla="*/ 467 h 653"/>
+              <a:gd name="T80" fmla="*/ 543 w 643"/>
+              <a:gd name="T81" fmla="*/ 458 h 653"/>
+              <a:gd name="T82" fmla="*/ 639 w 643"/>
+              <a:gd name="T83" fmla="*/ 205 h 653"/>
+              <a:gd name="T84" fmla="*/ 626 w 643"/>
+              <a:gd name="T85" fmla="*/ 187 h 653"/>
+              <a:gd name="T86" fmla="*/ 614 w 643"/>
+              <a:gd name="T87" fmla="*/ 195 h 653"/>
+              <a:gd name="T88" fmla="*/ 522 w 643"/>
+              <a:gd name="T89" fmla="*/ 440 h 653"/>
+              <a:gd name="T90" fmla="*/ 280 w 643"/>
+              <a:gd name="T91" fmla="*/ 440 h 653"/>
+              <a:gd name="T92" fmla="*/ 189 w 643"/>
+              <a:gd name="T93" fmla="*/ 72 h 653"/>
+              <a:gd name="T94" fmla="*/ 165 w 643"/>
+              <a:gd name="T95" fmla="*/ 29 h 653"/>
+              <a:gd name="T96" fmla="*/ 116 w 643"/>
+              <a:gd name="T97" fmla="*/ 13 h 653"/>
+              <a:gd name="T98" fmla="*/ 27 w 643"/>
+              <a:gd name="T99" fmla="*/ 13 h 653"/>
+              <a:gd name="T100" fmla="*/ 347 w 643"/>
+              <a:gd name="T101" fmla="*/ 573 h 653"/>
+              <a:gd name="T102" fmla="*/ 373 w 643"/>
+              <a:gd name="T103" fmla="*/ 600 h 653"/>
+              <a:gd name="T104" fmla="*/ 347 w 643"/>
+              <a:gd name="T105" fmla="*/ 627 h 653"/>
+              <a:gd name="T106" fmla="*/ 320 w 643"/>
+              <a:gd name="T107" fmla="*/ 600 h 653"/>
+              <a:gd name="T108" fmla="*/ 347 w 643"/>
+              <a:gd name="T109" fmla="*/ 573 h 653"/>
+              <a:gd name="T110" fmla="*/ 520 w 643"/>
+              <a:gd name="T111" fmla="*/ 573 h 653"/>
+              <a:gd name="T112" fmla="*/ 547 w 643"/>
+              <a:gd name="T113" fmla="*/ 600 h 653"/>
+              <a:gd name="T114" fmla="*/ 520 w 643"/>
+              <a:gd name="T115" fmla="*/ 627 h 653"/>
+              <a:gd name="T116" fmla="*/ 493 w 643"/>
+              <a:gd name="T117" fmla="*/ 600 h 653"/>
+              <a:gd name="T118" fmla="*/ 520 w 643"/>
+              <a:gd name="T119" fmla="*/ 573 h 653"/>
+            </a:gdLst>
+            <a:ahLst/>
+            <a:cxnLst>
+              <a:cxn ang="0">
+                <a:pos x="T0" y="T1"/>
+              </a:cxn>
+              <a:cxn ang="0">
+                <a:pos x="T2" y="T3"/>
+              </a:cxn>
+              <a:cxn ang="0">
+                <a:pos x="T4" y="T5"/>
+              </a:cxn>
+              <a:cxn ang="0">
+                <a:pos x="T6" y="T7"/>
+              </a:cxn>
+              <a:cxn ang="0">
+                <a:pos x="T8" y="T9"/>
+              </a:cxn>
+              <a:cxn ang="0">
+                <a:pos x="T10" y="T11"/>
+              </a:cxn>
+              <a:cxn ang="0">
+                <a:pos x="T12" y="T13"/>
+              </a:cxn>
+              <a:cxn ang="0">
+                <a:pos x="T14" y="T15"/>
+              </a:cxn>
+              <a:cxn ang="0">
+                <a:pos x="T16" y="T17"/>
+              </a:cxn>
+              <a:cxn ang="0">
+                <a:pos x="T18" y="T19"/>
+              </a:cxn>
+              <a:cxn ang="0">
+                <a:pos x="T20" y="T21"/>
+              </a:cxn>
+              <a:cxn ang="0">
+                <a:pos x="T22" y="T23"/>
+              </a:cxn>
+              <a:cxn ang="0">
+                <a:pos x="T24" y="T25"/>
+              </a:cxn>
+              <a:cxn ang="0">
+                <a:pos x="T26" y="T27"/>
+              </a:cxn>
+              <a:cxn ang="0">
+                <a:pos x="T28" y="T29"/>
+              </a:cxn>
+              <a:cxn ang="0">
+                <a:pos x="T30" y="T31"/>
+              </a:cxn>
+              <a:cxn ang="0">
+                <a:pos x="T32" y="T33"/>
+              </a:cxn>
+              <a:cxn ang="0">
+                <a:pos x="T34" y="T35"/>
+              </a:cxn>
+              <a:cxn ang="0">
+                <a:pos x="T36" y="T37"/>
+              </a:cxn>
+              <a:cxn ang="0">
+                <a:pos x="T38" y="T39"/>
+              </a:cxn>
+              <a:cxn ang="0">
+                <a:pos x="T40" y="T41"/>
+              </a:cxn>
+              <a:cxn ang="0">
+                <a:pos x="T42" y="T43"/>
+              </a:cxn>
+              <a:cxn ang="0">
+                <a:pos x="T44" y="T45"/>
+              </a:cxn>
+              <a:cxn ang="0">
+                <a:pos x="T46" y="T47"/>
+              </a:cxn>
+              <a:cxn ang="0">
+                <a:pos x="T48" y="T49"/>
+              </a:cxn>
+              <a:cxn ang="0">
+                <a:pos x="T50" y="T51"/>
+              </a:cxn>
+              <a:cxn ang="0">
+                <a:pos x="T52" y="T53"/>
+              </a:cxn>
+              <a:cxn ang="0">
+                <a:pos x="T54" y="T55"/>
+              </a:cxn>
+              <a:cxn ang="0">
+                <a:pos x="T56" y="T57"/>
+              </a:cxn>
+              <a:cxn ang="0">
+                <a:pos x="T58" y="T59"/>
+              </a:cxn>
+              <a:cxn ang="0">
+                <a:pos x="T60" y="T61"/>
+              </a:cxn>
+              <a:cxn ang="0">
+                <a:pos x="T62" y="T63"/>
+              </a:cxn>
+              <a:cxn ang="0">
+                <a:pos x="T64" y="T65"/>
+              </a:cxn>
+              <a:cxn ang="0">
+                <a:pos x="T66" y="T67"/>
+              </a:cxn>
+              <a:cxn ang="0">
+                <a:pos x="T68" y="T69"/>
+              </a:cxn>
+              <a:cxn ang="0">
+                <a:pos x="T70" y="T71"/>
+              </a:cxn>
+              <a:cxn ang="0">
+                <a:pos x="T72" y="T73"/>
+              </a:cxn>
+              <a:cxn ang="0">
+                <a:pos x="T74" y="T75"/>
+              </a:cxn>
+              <a:cxn ang="0">
+                <a:pos x="T76" y="T77"/>
+              </a:cxn>
+              <a:cxn ang="0">
+                <a:pos x="T78" y="T79"/>
+              </a:cxn>
+              <a:cxn ang="0">
+                <a:pos x="T80" y="T81"/>
+              </a:cxn>
+              <a:cxn ang="0">
+                <a:pos x="T82" y="T83"/>
+              </a:cxn>
+              <a:cxn ang="0">
+                <a:pos x="T84" y="T85"/>
+              </a:cxn>
+              <a:cxn ang="0">
+                <a:pos x="T86" y="T87"/>
+              </a:cxn>
+              <a:cxn ang="0">
+                <a:pos x="T88" y="T89"/>
+              </a:cxn>
+              <a:cxn ang="0">
+                <a:pos x="T90" y="T91"/>
+              </a:cxn>
+              <a:cxn ang="0">
+                <a:pos x="T92" y="T93"/>
+              </a:cxn>
+              <a:cxn ang="0">
+                <a:pos x="T94" y="T95"/>
+              </a:cxn>
+              <a:cxn ang="0">
+                <a:pos x="T96" y="T97"/>
+              </a:cxn>
+              <a:cxn ang="0">
+                <a:pos x="T98" y="T99"/>
+              </a:cxn>
+              <a:cxn ang="0">
+                <a:pos x="T100" y="T101"/>
+              </a:cxn>
+              <a:cxn ang="0">
+                <a:pos x="T102" y="T103"/>
+              </a:cxn>
+              <a:cxn ang="0">
+                <a:pos x="T104" y="T105"/>
+              </a:cxn>
+              <a:cxn ang="0">
+                <a:pos x="T106" y="T107"/>
+              </a:cxn>
+              <a:cxn ang="0">
+                <a:pos x="T108" y="T109"/>
+              </a:cxn>
+              <a:cxn ang="0">
+                <a:pos x="T110" y="T111"/>
+              </a:cxn>
+              <a:cxn ang="0">
+                <a:pos x="T112" y="T113"/>
+              </a:cxn>
+              <a:cxn ang="0">
+                <a:pos x="T114" y="T115"/>
+              </a:cxn>
+              <a:cxn ang="0">
+                <a:pos x="T116" y="T117"/>
+              </a:cxn>
+              <a:cxn ang="0">
+                <a:pos x="T118" y="T119"/>
+              </a:cxn>
+            </a:cxnLst>
+            <a:rect l="0" t="0" r="r" b="b"/>
+            <a:pathLst>
+              <a:path w="643" h="653">
+                <a:moveTo>
+                  <a:pt x="413" y="0"/>
+                </a:moveTo>
+                <a:cubicBezTo>
+                  <a:pt x="406" y="0"/>
+                  <a:pt x="400" y="6"/>
+                  <a:pt x="400" y="13"/>
+                </a:cubicBezTo>
+                <a:lnTo>
+                  <a:pt x="400" y="248"/>
+                </a:lnTo>
+                <a:lnTo>
+                  <a:pt x="356" y="204"/>
+                </a:lnTo>
+                <a:cubicBezTo>
+                  <a:pt x="354" y="201"/>
+                  <a:pt x="350" y="200"/>
+                  <a:pt x="347" y="200"/>
+                </a:cubicBezTo>
+                <a:cubicBezTo>
+                  <a:pt x="335" y="200"/>
+                  <a:pt x="329" y="215"/>
+                  <a:pt x="337" y="223"/>
+                </a:cubicBezTo>
+                <a:lnTo>
+                  <a:pt x="413" y="299"/>
+                </a:lnTo>
+                <a:lnTo>
+                  <a:pt x="490" y="223"/>
+                </a:lnTo>
+                <a:cubicBezTo>
+                  <a:pt x="503" y="210"/>
+                  <a:pt x="483" y="191"/>
+                  <a:pt x="471" y="204"/>
+                </a:cubicBezTo>
+                <a:lnTo>
+                  <a:pt x="427" y="248"/>
+                </a:lnTo>
+                <a:lnTo>
+                  <a:pt x="427" y="13"/>
+                </a:lnTo>
+                <a:cubicBezTo>
+                  <a:pt x="427" y="6"/>
+                  <a:pt x="421" y="0"/>
+                  <a:pt x="413" y="0"/>
+                </a:cubicBezTo>
+                <a:close/>
+                <a:moveTo>
+                  <a:pt x="27" y="13"/>
+                </a:moveTo>
+                <a:cubicBezTo>
+                  <a:pt x="12" y="13"/>
+                  <a:pt x="0" y="25"/>
+                  <a:pt x="0" y="40"/>
+                </a:cubicBezTo>
+                <a:cubicBezTo>
+                  <a:pt x="0" y="55"/>
+                  <a:pt x="12" y="67"/>
+                  <a:pt x="27" y="67"/>
+                </a:cubicBezTo>
+                <a:cubicBezTo>
+                  <a:pt x="41" y="67"/>
+                  <a:pt x="53" y="55"/>
+                  <a:pt x="53" y="40"/>
+                </a:cubicBezTo>
+                <a:cubicBezTo>
+                  <a:pt x="74" y="40"/>
+                  <a:pt x="95" y="40"/>
+                  <a:pt x="116" y="40"/>
+                </a:cubicBezTo>
+                <a:cubicBezTo>
+                  <a:pt x="132" y="40"/>
+                  <a:pt x="141" y="43"/>
+                  <a:pt x="147" y="49"/>
+                </a:cubicBezTo>
+                <a:cubicBezTo>
+                  <a:pt x="154" y="55"/>
+                  <a:pt x="159" y="65"/>
+                  <a:pt x="163" y="80"/>
+                </a:cubicBezTo>
+                <a:lnTo>
+                  <a:pt x="163" y="80"/>
+                </a:lnTo>
+                <a:lnTo>
+                  <a:pt x="270" y="510"/>
+                </a:lnTo>
+                <a:lnTo>
+                  <a:pt x="270" y="510"/>
+                </a:lnTo>
+                <a:cubicBezTo>
+                  <a:pt x="274" y="525"/>
+                  <a:pt x="278" y="541"/>
+                  <a:pt x="289" y="553"/>
+                </a:cubicBezTo>
+                <a:cubicBezTo>
+                  <a:pt x="293" y="559"/>
+                  <a:pt x="299" y="563"/>
+                  <a:pt x="306" y="566"/>
+                </a:cubicBezTo>
+                <a:cubicBezTo>
+                  <a:pt x="298" y="575"/>
+                  <a:pt x="293" y="587"/>
+                  <a:pt x="293" y="600"/>
+                </a:cubicBezTo>
+                <a:cubicBezTo>
+                  <a:pt x="293" y="629"/>
+                  <a:pt x="317" y="653"/>
+                  <a:pt x="347" y="653"/>
+                </a:cubicBezTo>
+                <a:cubicBezTo>
+                  <a:pt x="376" y="653"/>
+                  <a:pt x="400" y="629"/>
+                  <a:pt x="400" y="600"/>
+                </a:cubicBezTo>
+                <a:cubicBezTo>
+                  <a:pt x="400" y="590"/>
+                  <a:pt x="397" y="581"/>
+                  <a:pt x="393" y="573"/>
+                </a:cubicBezTo>
+                <a:lnTo>
+                  <a:pt x="474" y="573"/>
+                </a:lnTo>
+                <a:cubicBezTo>
+                  <a:pt x="470" y="581"/>
+                  <a:pt x="467" y="590"/>
+                  <a:pt x="467" y="600"/>
+                </a:cubicBezTo>
+                <a:cubicBezTo>
+                  <a:pt x="467" y="629"/>
+                  <a:pt x="491" y="653"/>
+                  <a:pt x="520" y="653"/>
+                </a:cubicBezTo>
+                <a:cubicBezTo>
+                  <a:pt x="549" y="653"/>
+                  <a:pt x="573" y="629"/>
+                  <a:pt x="573" y="600"/>
+                </a:cubicBezTo>
+                <a:cubicBezTo>
+                  <a:pt x="573" y="586"/>
+                  <a:pt x="568" y="574"/>
+                  <a:pt x="559" y="564"/>
+                </a:cubicBezTo>
+                <a:cubicBezTo>
+                  <a:pt x="562" y="556"/>
+                  <a:pt x="556" y="547"/>
+                  <a:pt x="547" y="547"/>
+                </a:cubicBezTo>
+                <a:cubicBezTo>
+                  <a:pt x="477" y="547"/>
+                  <a:pt x="403" y="547"/>
+                  <a:pt x="343" y="547"/>
+                </a:cubicBezTo>
+                <a:cubicBezTo>
+                  <a:pt x="322" y="547"/>
+                  <a:pt x="314" y="542"/>
+                  <a:pt x="309" y="536"/>
+                </a:cubicBezTo>
+                <a:cubicBezTo>
+                  <a:pt x="303" y="529"/>
+                  <a:pt x="299" y="518"/>
+                  <a:pt x="295" y="503"/>
+                </a:cubicBezTo>
+                <a:lnTo>
+                  <a:pt x="295" y="503"/>
+                </a:lnTo>
+                <a:lnTo>
+                  <a:pt x="286" y="467"/>
+                </a:lnTo>
+                <a:lnTo>
+                  <a:pt x="531" y="467"/>
+                </a:lnTo>
+                <a:cubicBezTo>
+                  <a:pt x="536" y="467"/>
+                  <a:pt x="541" y="463"/>
+                  <a:pt x="543" y="458"/>
+                </a:cubicBezTo>
+                <a:lnTo>
+                  <a:pt x="639" y="205"/>
+                </a:lnTo>
+                <a:cubicBezTo>
+                  <a:pt x="643" y="196"/>
+                  <a:pt x="636" y="186"/>
+                  <a:pt x="626" y="187"/>
+                </a:cubicBezTo>
+                <a:cubicBezTo>
+                  <a:pt x="621" y="187"/>
+                  <a:pt x="616" y="190"/>
+                  <a:pt x="614" y="195"/>
+                </a:cubicBezTo>
+                <a:lnTo>
+                  <a:pt x="522" y="440"/>
+                </a:lnTo>
+                <a:lnTo>
+                  <a:pt x="280" y="440"/>
+                </a:lnTo>
+                <a:cubicBezTo>
+                  <a:pt x="249" y="318"/>
+                  <a:pt x="219" y="195"/>
+                  <a:pt x="189" y="72"/>
+                </a:cubicBezTo>
+                <a:cubicBezTo>
+                  <a:pt x="184" y="55"/>
+                  <a:pt x="177" y="40"/>
+                  <a:pt x="165" y="29"/>
+                </a:cubicBezTo>
+                <a:cubicBezTo>
+                  <a:pt x="153" y="19"/>
+                  <a:pt x="136" y="13"/>
+                  <a:pt x="116" y="13"/>
+                </a:cubicBezTo>
+                <a:cubicBezTo>
+                  <a:pt x="86" y="13"/>
+                  <a:pt x="56" y="14"/>
+                  <a:pt x="27" y="13"/>
+                </a:cubicBezTo>
+                <a:close/>
+                <a:moveTo>
+                  <a:pt x="347" y="573"/>
+                </a:moveTo>
+                <a:cubicBezTo>
+                  <a:pt x="362" y="573"/>
+                  <a:pt x="373" y="585"/>
+                  <a:pt x="373" y="600"/>
+                </a:cubicBezTo>
+                <a:cubicBezTo>
+                  <a:pt x="373" y="615"/>
+                  <a:pt x="362" y="627"/>
+                  <a:pt x="347" y="627"/>
+                </a:cubicBezTo>
+                <a:cubicBezTo>
+                  <a:pt x="332" y="627"/>
+                  <a:pt x="320" y="615"/>
+                  <a:pt x="320" y="600"/>
+                </a:cubicBezTo>
+                <a:cubicBezTo>
+                  <a:pt x="320" y="585"/>
+                  <a:pt x="332" y="573"/>
+                  <a:pt x="347" y="573"/>
+                </a:cubicBezTo>
+                <a:close/>
+                <a:moveTo>
+                  <a:pt x="520" y="573"/>
+                </a:moveTo>
+                <a:cubicBezTo>
+                  <a:pt x="535" y="573"/>
+                  <a:pt x="547" y="585"/>
+                  <a:pt x="547" y="600"/>
+                </a:cubicBezTo>
+                <a:cubicBezTo>
+                  <a:pt x="547" y="615"/>
+                  <a:pt x="535" y="627"/>
+                  <a:pt x="520" y="627"/>
+                </a:cubicBezTo>
+                <a:cubicBezTo>
+                  <a:pt x="505" y="627"/>
+                  <a:pt x="493" y="615"/>
+                  <a:pt x="493" y="600"/>
+                </a:cubicBezTo>
+                <a:cubicBezTo>
+                  <a:pt x="493" y="585"/>
+                  <a:pt x="505" y="573"/>
+                  <a:pt x="520" y="573"/>
+                </a:cubicBezTo>
+                <a:close/>
+              </a:path>
+            </a:pathLst>
+          </a:custGeom>
+          <a:solidFill>
+            <a:schemeClr val="tx1"/>
+          </a:solidFill>
+          <a:ln w="9525">
+            <a:solidFill>
+              <a:schemeClr val="bg1"/>
+            </a:solidFill>
+            <a:round/>
+            <a:headEnd/>
+            <a:tailEnd/>
+          </a:ln>
+        </p:spPr>
+        <p:txBody>
+          <a:bodyPr vert="horz" wrap="square" lIns="91440" tIns="45720" rIns="91440" bIns="45720" numCol="1" anchor="t" anchorCtr="0" compatLnSpc="1">
+            <a:prstTxWarp prst="textNoShape">
+              <a:avLst/>
+            </a:prstTxWarp>
+          </a:bodyPr>
+          <a:lstStyle>
+            <a:defPPr>
+              <a:defRPr lang="en-US"/>
+            </a:defPPr>
+            <a:lvl1pPr marL="0" algn="l" defTabSz="914400" rtl="0" eaLnBrk="1" latinLnBrk="0" hangingPunct="1">
+              <a:defRPr sz="1800" kern="1200">
+                <a:solidFill>
+                  <a:schemeClr val="tx1"/>
+                </a:solidFill>
+                <a:latin typeface="+mn-lt"/>
+                <a:ea typeface="+mn-ea"/>
+                <a:cs typeface="+mn-cs"/>
+              </a:defRPr>
+            </a:lvl1pPr>
+            <a:lvl2pPr marL="457200" algn="l" defTabSz="914400" rtl="0" eaLnBrk="1" latinLnBrk="0" hangingPunct="1">
+              <a:defRPr sz="1800" kern="1200">
+                <a:solidFill>
+                  <a:schemeClr val="tx1"/>
+                </a:solidFill>
+                <a:latin typeface="+mn-lt"/>
+                <a:ea typeface="+mn-ea"/>
+                <a:cs typeface="+mn-cs"/>
+              </a:defRPr>
+            </a:lvl2pPr>
+            <a:lvl3pPr marL="914400" algn="l" defTabSz="914400" rtl="0" eaLnBrk="1" latinLnBrk="0" hangingPunct="1">
+              <a:defRPr sz="1800" kern="1200">
+                <a:solidFill>
+                  <a:schemeClr val="tx1"/>
+                </a:solidFill>
+                <a:latin typeface="+mn-lt"/>
+                <a:ea typeface="+mn-ea"/>
+                <a:cs typeface="+mn-cs"/>
+              </a:defRPr>
+            </a:lvl3pPr>
+            <a:lvl4pPr marL="1371600" algn="l" defTabSz="914400" rtl="0" eaLnBrk="1" latinLnBrk="0" hangingPunct="1">
+              <a:defRPr sz="1800" kern="1200">
+                <a:solidFill>
+                  <a:schemeClr val="tx1"/>
+                </a:solidFill>
+                <a:latin typeface="+mn-lt"/>
+                <a:ea typeface="+mn-ea"/>
+                <a:cs typeface="+mn-cs"/>
+              </a:defRPr>
+            </a:lvl4pPr>
+            <a:lvl5pPr marL="1828800" algn="l" defTabSz="914400" rtl="0" eaLnBrk="1" latinLnBrk="0" hangingPunct="1">
+              <a:defRPr sz="1800" kern="1200">
+                <a:solidFill>
+                  <a:schemeClr val="tx1"/>
+                </a:solidFill>
+                <a:latin typeface="+mn-lt"/>
+                <a:ea typeface="+mn-ea"/>
+                <a:cs typeface="+mn-cs"/>
+              </a:defRPr>
+            </a:lvl5pPr>
+            <a:lvl6pPr marL="2286000" algn="l" defTabSz="914400" rtl="0" eaLnBrk="1" latinLnBrk="0" hangingPunct="1">
+              <a:defRPr sz="1800" kern="1200">
+                <a:solidFill>
+                  <a:schemeClr val="tx1"/>
+                </a:solidFill>
+                <a:latin typeface="+mn-lt"/>
+                <a:ea typeface="+mn-ea"/>
+                <a:cs typeface="+mn-cs"/>
+              </a:defRPr>
+            </a:lvl6pPr>
+            <a:lvl7pPr marL="2743200" algn="l" defTabSz="914400" rtl="0" eaLnBrk="1" latinLnBrk="0" hangingPunct="1">
+              <a:defRPr sz="1800" kern="1200">
+                <a:solidFill>
+                  <a:schemeClr val="tx1"/>
+                </a:solidFill>
+                <a:latin typeface="+mn-lt"/>
+                <a:ea typeface="+mn-ea"/>
+                <a:cs typeface="+mn-cs"/>
+              </a:defRPr>
+            </a:lvl7pPr>
+            <a:lvl8pPr marL="3200400" algn="l" defTabSz="914400" rtl="0" eaLnBrk="1" latinLnBrk="0" hangingPunct="1">
+              <a:defRPr sz="1800" kern="1200">
+                <a:solidFill>
+                  <a:schemeClr val="tx1"/>
+                </a:solidFill>
+                <a:latin typeface="+mn-lt"/>
+                <a:ea typeface="+mn-ea"/>
+                <a:cs typeface="+mn-cs"/>
+              </a:defRPr>
+            </a:lvl8pPr>
+            <a:lvl9pPr marL="3657600" algn="l" defTabSz="914400" rtl="0" eaLnBrk="1" latinLnBrk="0" hangingPunct="1">
+              <a:defRPr sz="1800" kern="1200">
+                <a:solidFill>
+                  <a:schemeClr val="tx1"/>
+                </a:solidFill>
+                <a:latin typeface="+mn-lt"/>
+                <a:ea typeface="+mn-ea"/>
+                <a:cs typeface="+mn-cs"/>
+              </a:defRPr>
+            </a:lvl9pPr>
+          </a:lstStyle>
+          <a:p>
+            <a:endParaRPr lang="en-US" sz="900">
+              <a:latin typeface="Segoe UI" panose="020B0502040204020203" pitchFamily="34" charset="0"/>
+              <a:cs typeface="Segoe UI" panose="020B0502040204020203" pitchFamily="34" charset="0"/>
+            </a:endParaRPr>
+          </a:p>
+        </p:txBody>
+      </p:sp>
+      <p:sp>
+        <p:nvSpPr>
+          <p:cNvPr id="2" name="ZoneTexte 1"/>
+          <p:cNvSpPr txBox="1"/>
+          <p:nvPr/>
+        </p:nvSpPr>
+        <p:spPr>
+          <a:xfrm>
+            <a:off x="28909" y="729"/>
+            <a:ext cx="1614491" cy="369332"/>
+          </a:xfrm>
+          <a:prstGeom prst="rect">
+            <a:avLst/>
+          </a:prstGeom>
+          <a:noFill/>
+        </p:spPr>
+        <p:txBody>
+          <a:bodyPr wrap="square" rtlCol="0">
+            <a:spAutoFit/>
+          </a:bodyPr>
+          <a:lstStyle/>
+          <a:p>
+            <a:r>
+              <a:rPr lang="fr-FR" dirty="0" smtClean="0"/>
+              <a:t>Page du panier</a:t>
+            </a:r>
+            <a:endParaRPr lang="fr-FR" dirty="0"/>
+          </a:p>
+        </p:txBody>
+      </p:sp>
+      <p:sp>
+        <p:nvSpPr>
+          <p:cNvPr id="3" name="ZoneTexte 2"/>
+          <p:cNvSpPr txBox="1"/>
+          <p:nvPr/>
+        </p:nvSpPr>
+        <p:spPr>
+          <a:xfrm>
+            <a:off x="11733467" y="612611"/>
+            <a:ext cx="226899" cy="646331"/>
+          </a:xfrm>
+          <a:prstGeom prst="rect">
+            <a:avLst/>
+          </a:prstGeom>
+          <a:noFill/>
+        </p:spPr>
+        <p:txBody>
+          <a:bodyPr wrap="square" rtlCol="0">
+            <a:spAutoFit/>
+          </a:bodyPr>
+          <a:lstStyle/>
+          <a:p>
+            <a:r>
+              <a:rPr lang="fr-FR" sz="3600" dirty="0" smtClean="0">
+                <a:solidFill>
+                  <a:srgbClr val="C00000"/>
+                </a:solidFill>
+                <a:latin typeface="Berlin Sans FB Demi" panose="020E0802020502020306" pitchFamily="34" charset="0"/>
+              </a:rPr>
+              <a:t>1</a:t>
+            </a:r>
+            <a:endParaRPr lang="fr-FR" sz="3600" dirty="0">
+              <a:solidFill>
+                <a:srgbClr val="C00000"/>
+              </a:solidFill>
+              <a:latin typeface="Berlin Sans FB Demi" panose="020E0802020502020306" pitchFamily="34" charset="0"/>
+            </a:endParaRPr>
+          </a:p>
+        </p:txBody>
+      </p:sp>
+      <p:sp>
+        <p:nvSpPr>
+          <p:cNvPr id="26" name="ZoneTexte 25"/>
+          <p:cNvSpPr txBox="1"/>
+          <p:nvPr/>
+        </p:nvSpPr>
+        <p:spPr>
+          <a:xfrm>
+            <a:off x="2621437" y="2304770"/>
+            <a:ext cx="3687267" cy="369332"/>
+          </a:xfrm>
+          <a:prstGeom prst="rect">
+            <a:avLst/>
+          </a:prstGeom>
+          <a:noFill/>
+        </p:spPr>
+        <p:txBody>
+          <a:bodyPr wrap="square" rtlCol="0">
+            <a:spAutoFit/>
+          </a:bodyPr>
+          <a:lstStyle/>
+          <a:p>
+            <a:r>
+              <a:rPr lang="fr-FR" b="1" dirty="0" smtClean="0"/>
+              <a:t>MON PANIER : 80,90 € </a:t>
+            </a:r>
+            <a:endParaRPr lang="fr-FR" b="1" dirty="0"/>
+          </a:p>
+        </p:txBody>
+      </p:sp>
+      <p:cxnSp>
+        <p:nvCxnSpPr>
+          <p:cNvPr id="51" name="Line"/>
+          <p:cNvCxnSpPr>
+            <a:cxnSpLocks/>
+          </p:cNvCxnSpPr>
+          <p:nvPr/>
+        </p:nvCxnSpPr>
+        <p:spPr bwMode="auto">
+          <a:xfrm flipV="1">
+            <a:off x="2713721" y="2674101"/>
+            <a:ext cx="2084838" cy="1"/>
+          </a:xfrm>
+          <a:prstGeom prst="line">
+            <a:avLst/>
+          </a:prstGeom>
+          <a:ln w="6350">
+            <a:solidFill>
+              <a:srgbClr val="808080"/>
+            </a:solidFill>
+          </a:ln>
+        </p:spPr>
+        <p:style>
+          <a:lnRef idx="1">
+            <a:schemeClr val="accent1"/>
+          </a:lnRef>
+          <a:fillRef idx="0">
+            <a:schemeClr val="accent1"/>
+          </a:fillRef>
+          <a:effectRef idx="0">
+            <a:schemeClr val="accent1"/>
+          </a:effectRef>
+          <a:fontRef idx="minor">
+            <a:schemeClr val="tx1"/>
+          </a:fontRef>
+        </p:style>
+      </p:cxnSp>
+      <p:sp>
+        <p:nvSpPr>
+          <p:cNvPr id="28" name="Rectangle 27"/>
+          <p:cNvSpPr/>
+          <p:nvPr/>
+        </p:nvSpPr>
+        <p:spPr>
+          <a:xfrm>
+            <a:off x="2142627" y="2877227"/>
+            <a:ext cx="5941971" cy="432957"/>
+          </a:xfrm>
+          <a:prstGeom prst="rect">
+            <a:avLst/>
+          </a:prstGeom>
+          <a:solidFill>
+            <a:schemeClr val="tx2">
+              <a:lumMod val="75000"/>
+            </a:schemeClr>
+          </a:solidFill>
+        </p:spPr>
+        <p:style>
+          <a:lnRef idx="2">
+            <a:schemeClr val="accent1">
+              <a:shade val="50000"/>
+            </a:schemeClr>
+          </a:lnRef>
+          <a:fillRef idx="1">
+            <a:schemeClr val="accent1"/>
+          </a:fillRef>
+          <a:effectRef idx="0">
+            <a:schemeClr val="accent1"/>
+          </a:effectRef>
+          <a:fontRef idx="minor">
+            <a:schemeClr val="lt1"/>
+          </a:fontRef>
+        </p:style>
+        <p:txBody>
+          <a:bodyPr rtlCol="0" anchor="ctr"/>
+          <a:lstStyle/>
+          <a:p>
+            <a:pPr algn="ctr"/>
+            <a:endParaRPr lang="fr-FR"/>
+          </a:p>
+        </p:txBody>
+      </p:sp>
+      <p:sp>
+        <p:nvSpPr>
+          <p:cNvPr id="52" name="Rectangle 51"/>
+          <p:cNvSpPr/>
+          <p:nvPr/>
+        </p:nvSpPr>
+        <p:spPr>
+          <a:xfrm>
+            <a:off x="2142627" y="3296389"/>
+            <a:ext cx="5941971" cy="2571011"/>
+          </a:xfrm>
+          <a:prstGeom prst="rect">
+            <a:avLst/>
+          </a:prstGeom>
+          <a:noFill/>
+          <a:ln>
+            <a:solidFill>
+              <a:schemeClr val="tx2">
+                <a:lumMod val="75000"/>
+              </a:schemeClr>
+            </a:solidFill>
+          </a:ln>
+        </p:spPr>
+        <p:style>
+          <a:lnRef idx="2">
+            <a:schemeClr val="accent1">
+              <a:shade val="50000"/>
+            </a:schemeClr>
+          </a:lnRef>
+          <a:fillRef idx="1">
+            <a:schemeClr val="accent1"/>
+          </a:fillRef>
+          <a:effectRef idx="0">
+            <a:schemeClr val="accent1"/>
+          </a:effectRef>
+          <a:fontRef idx="minor">
+            <a:schemeClr val="lt1"/>
+          </a:fontRef>
+        </p:style>
+        <p:txBody>
+          <a:bodyPr rtlCol="0" anchor="ctr"/>
+          <a:lstStyle/>
+          <a:p>
+            <a:pPr algn="ctr"/>
+            <a:endParaRPr lang="fr-FR"/>
+          </a:p>
+        </p:txBody>
+      </p:sp>
+      <p:sp>
+        <p:nvSpPr>
+          <p:cNvPr id="29" name="ZoneTexte 28"/>
+          <p:cNvSpPr txBox="1"/>
+          <p:nvPr/>
+        </p:nvSpPr>
+        <p:spPr>
+          <a:xfrm>
+            <a:off x="2207466" y="2913560"/>
+            <a:ext cx="4942634" cy="369332"/>
+          </a:xfrm>
+          <a:prstGeom prst="rect">
+            <a:avLst/>
+          </a:prstGeom>
+          <a:noFill/>
+        </p:spPr>
+        <p:txBody>
+          <a:bodyPr wrap="square" rtlCol="0">
+            <a:spAutoFit/>
+          </a:bodyPr>
+          <a:lstStyle/>
+          <a:p>
+            <a:r>
+              <a:rPr lang="fr-FR" dirty="0" smtClean="0">
+                <a:solidFill>
+                  <a:schemeClr val="bg1"/>
+                </a:solidFill>
+              </a:rPr>
+              <a:t>1 ARTICLE AU PANIER</a:t>
+            </a:r>
+            <a:endParaRPr lang="fr-FR" dirty="0">
+              <a:solidFill>
+                <a:schemeClr val="bg1"/>
+              </a:solidFill>
+            </a:endParaRPr>
+          </a:p>
+        </p:txBody>
+      </p:sp>
+      <p:pic>
+        <p:nvPicPr>
+          <p:cNvPr id="30" name="Image 29"/>
+          <p:cNvPicPr>
+            <a:picLocks noChangeAspect="1"/>
+          </p:cNvPicPr>
+          <p:nvPr/>
+        </p:nvPicPr>
+        <p:blipFill>
+          <a:blip r:embed="rId12" cstate="print">
+            <a:extLst>
+              <a:ext uri="{28A0092B-C50C-407E-A947-70E740481C1C}">
+                <a14:useLocalDpi xmlns:a14="http://schemas.microsoft.com/office/drawing/2010/main" val="0"/>
+              </a:ext>
+            </a:extLst>
+          </a:blip>
+          <a:stretch>
+            <a:fillRect/>
+          </a:stretch>
+        </p:blipFill>
+        <p:spPr>
+          <a:xfrm>
+            <a:off x="2207466" y="3598801"/>
+            <a:ext cx="1966185" cy="1966185"/>
+          </a:xfrm>
+          <a:prstGeom prst="rect">
+            <a:avLst/>
+          </a:prstGeom>
+        </p:spPr>
+      </p:pic>
+      <p:sp>
+        <p:nvSpPr>
+          <p:cNvPr id="31" name="ZoneTexte 30"/>
+          <p:cNvSpPr txBox="1"/>
+          <p:nvPr/>
+        </p:nvSpPr>
+        <p:spPr>
+          <a:xfrm>
+            <a:off x="4238490" y="3513309"/>
+            <a:ext cx="2844800" cy="1107996"/>
+          </a:xfrm>
+          <a:prstGeom prst="rect">
+            <a:avLst/>
+          </a:prstGeom>
+          <a:noFill/>
+        </p:spPr>
+        <p:txBody>
+          <a:bodyPr wrap="square" rtlCol="0">
+            <a:spAutoFit/>
+          </a:bodyPr>
+          <a:lstStyle/>
+          <a:p>
+            <a:r>
+              <a:rPr lang="fr-FR" sz="1600" dirty="0"/>
+              <a:t>Figurine </a:t>
+            </a:r>
+            <a:r>
+              <a:rPr lang="fr-FR" sz="1600" dirty="0" err="1"/>
+              <a:t>Roronoa</a:t>
+            </a:r>
+            <a:r>
+              <a:rPr lang="fr-FR" sz="1600" dirty="0"/>
+              <a:t> </a:t>
+            </a:r>
+            <a:r>
+              <a:rPr lang="fr-FR" sz="1600" dirty="0" err="1"/>
+              <a:t>Zoro</a:t>
+            </a:r>
+            <a:r>
+              <a:rPr lang="fr-FR" sz="1600" dirty="0"/>
+              <a:t> – </a:t>
+            </a:r>
+            <a:r>
+              <a:rPr lang="fr-FR" sz="1600" dirty="0" err="1"/>
+              <a:t>Grandista</a:t>
+            </a:r>
+            <a:r>
+              <a:rPr lang="fr-FR" sz="1600" dirty="0"/>
+              <a:t> Manga Dimension– 28 cm</a:t>
+            </a:r>
+          </a:p>
+          <a:p>
+            <a:endParaRPr lang="fr-FR" dirty="0"/>
+          </a:p>
+        </p:txBody>
+      </p:sp>
+      <p:sp>
+        <p:nvSpPr>
+          <p:cNvPr id="33" name="ZoneTexte 32"/>
+          <p:cNvSpPr txBox="1"/>
+          <p:nvPr/>
+        </p:nvSpPr>
+        <p:spPr>
+          <a:xfrm>
+            <a:off x="4238487" y="4336524"/>
+            <a:ext cx="1660163" cy="369332"/>
+          </a:xfrm>
+          <a:prstGeom prst="rect">
+            <a:avLst/>
+          </a:prstGeom>
+          <a:noFill/>
+        </p:spPr>
+        <p:txBody>
+          <a:bodyPr wrap="square" rtlCol="0">
+            <a:spAutoFit/>
+          </a:bodyPr>
+          <a:lstStyle/>
+          <a:p>
+            <a:r>
+              <a:rPr lang="fr-FR" b="1" dirty="0" smtClean="0">
+                <a:solidFill>
+                  <a:srgbClr val="C00000"/>
+                </a:solidFill>
+              </a:rPr>
+              <a:t>74,90€</a:t>
+            </a:r>
+            <a:endParaRPr lang="fr-FR" b="1" dirty="0">
+              <a:solidFill>
+                <a:srgbClr val="C00000"/>
+              </a:solidFill>
+            </a:endParaRPr>
+          </a:p>
+        </p:txBody>
+      </p:sp>
+      <p:sp>
+        <p:nvSpPr>
+          <p:cNvPr id="34" name="ZoneTexte 33"/>
+          <p:cNvSpPr txBox="1"/>
+          <p:nvPr/>
+        </p:nvSpPr>
+        <p:spPr>
+          <a:xfrm>
+            <a:off x="4274615" y="4738011"/>
+            <a:ext cx="2320563" cy="307777"/>
+          </a:xfrm>
+          <a:prstGeom prst="rect">
+            <a:avLst/>
+          </a:prstGeom>
+          <a:noFill/>
+        </p:spPr>
+        <p:txBody>
+          <a:bodyPr wrap="square" rtlCol="0">
+            <a:spAutoFit/>
+          </a:bodyPr>
+          <a:lstStyle/>
+          <a:p>
+            <a:r>
+              <a:rPr lang="fr-FR" sz="1400" dirty="0" smtClean="0"/>
+              <a:t>Quantité: 1</a:t>
+            </a:r>
+            <a:endParaRPr lang="fr-FR" sz="1400" dirty="0"/>
+          </a:p>
+        </p:txBody>
+      </p:sp>
+      <p:sp>
+        <p:nvSpPr>
+          <p:cNvPr id="35" name="ZoneTexte 34"/>
+          <p:cNvSpPr txBox="1"/>
+          <p:nvPr/>
+        </p:nvSpPr>
+        <p:spPr>
+          <a:xfrm>
+            <a:off x="4274615" y="5139241"/>
+            <a:ext cx="2320563" cy="261610"/>
+          </a:xfrm>
+          <a:prstGeom prst="rect">
+            <a:avLst/>
+          </a:prstGeom>
+          <a:noFill/>
+        </p:spPr>
+        <p:txBody>
+          <a:bodyPr wrap="square" rtlCol="0">
+            <a:spAutoFit/>
+          </a:bodyPr>
+          <a:lstStyle/>
+          <a:p>
+            <a:r>
+              <a:rPr lang="fr-FR" sz="1100" dirty="0" smtClean="0">
+                <a:solidFill>
+                  <a:srgbClr val="0070C0"/>
+                </a:solidFill>
+              </a:rPr>
+              <a:t>Modifier la quantité | Supprimer</a:t>
+            </a:r>
+            <a:endParaRPr lang="fr-FR" sz="1100" dirty="0">
+              <a:solidFill>
+                <a:srgbClr val="0070C0"/>
+              </a:solidFill>
+            </a:endParaRPr>
+          </a:p>
+        </p:txBody>
+      </p:sp>
+      <p:sp>
+        <p:nvSpPr>
+          <p:cNvPr id="47" name="Rectangle 46"/>
+          <p:cNvSpPr/>
+          <p:nvPr/>
+        </p:nvSpPr>
+        <p:spPr>
+          <a:xfrm>
+            <a:off x="8653885" y="2912065"/>
+            <a:ext cx="3079582" cy="2953540"/>
+          </a:xfrm>
+          <a:prstGeom prst="rect">
+            <a:avLst/>
+          </a:prstGeom>
+          <a:noFill/>
+        </p:spPr>
+        <p:style>
+          <a:lnRef idx="2">
+            <a:schemeClr val="accent1">
+              <a:shade val="50000"/>
+            </a:schemeClr>
+          </a:lnRef>
+          <a:fillRef idx="1">
+            <a:schemeClr val="accent1"/>
+          </a:fillRef>
+          <a:effectRef idx="0">
+            <a:schemeClr val="accent1"/>
+          </a:effectRef>
+          <a:fontRef idx="minor">
+            <a:schemeClr val="lt1"/>
+          </a:fontRef>
+        </p:style>
+        <p:txBody>
+          <a:bodyPr rtlCol="0" anchor="ctr"/>
+          <a:lstStyle/>
+          <a:p>
+            <a:pPr algn="ctr"/>
+            <a:endParaRPr lang="fr-FR"/>
+          </a:p>
+        </p:txBody>
+      </p:sp>
+      <p:sp>
+        <p:nvSpPr>
+          <p:cNvPr id="53" name="ZoneTexte 52"/>
+          <p:cNvSpPr txBox="1"/>
+          <p:nvPr/>
+        </p:nvSpPr>
+        <p:spPr>
+          <a:xfrm>
+            <a:off x="8801100" y="3282892"/>
+            <a:ext cx="2721309" cy="369332"/>
+          </a:xfrm>
+          <a:prstGeom prst="rect">
+            <a:avLst/>
+          </a:prstGeom>
+          <a:noFill/>
+        </p:spPr>
+        <p:txBody>
+          <a:bodyPr wrap="square" rtlCol="0">
+            <a:spAutoFit/>
+          </a:bodyPr>
+          <a:lstStyle/>
+          <a:p>
+            <a:endParaRPr lang="fr-FR" dirty="0"/>
+          </a:p>
+        </p:txBody>
+      </p:sp>
+      <p:sp>
+        <p:nvSpPr>
+          <p:cNvPr id="61" name="Rectangle 60"/>
+          <p:cNvSpPr/>
+          <p:nvPr/>
+        </p:nvSpPr>
+        <p:spPr>
+          <a:xfrm>
+            <a:off x="8645049" y="2916597"/>
+            <a:ext cx="3076916" cy="432957"/>
+          </a:xfrm>
+          <a:prstGeom prst="rect">
+            <a:avLst/>
+          </a:prstGeom>
+          <a:solidFill>
+            <a:schemeClr val="tx2">
+              <a:lumMod val="75000"/>
+            </a:schemeClr>
+          </a:solidFill>
+        </p:spPr>
+        <p:style>
+          <a:lnRef idx="2">
+            <a:schemeClr val="accent1">
+              <a:shade val="50000"/>
+            </a:schemeClr>
+          </a:lnRef>
+          <a:fillRef idx="1">
+            <a:schemeClr val="accent1"/>
+          </a:fillRef>
+          <a:effectRef idx="0">
+            <a:schemeClr val="accent1"/>
+          </a:effectRef>
+          <a:fontRef idx="minor">
+            <a:schemeClr val="lt1"/>
+          </a:fontRef>
+        </p:style>
+        <p:txBody>
+          <a:bodyPr rtlCol="0" anchor="ctr"/>
+          <a:lstStyle/>
+          <a:p>
+            <a:pPr algn="ctr"/>
+            <a:endParaRPr lang="fr-FR"/>
+          </a:p>
+        </p:txBody>
+      </p:sp>
+      <p:sp>
+        <p:nvSpPr>
+          <p:cNvPr id="55" name="ZoneTexte 54"/>
+          <p:cNvSpPr txBox="1"/>
+          <p:nvPr/>
+        </p:nvSpPr>
+        <p:spPr>
+          <a:xfrm>
+            <a:off x="9352707" y="2965924"/>
+            <a:ext cx="2582144" cy="646331"/>
+          </a:xfrm>
+          <a:prstGeom prst="rect">
+            <a:avLst/>
+          </a:prstGeom>
+          <a:noFill/>
+        </p:spPr>
+        <p:txBody>
+          <a:bodyPr wrap="square" rtlCol="0">
+            <a:spAutoFit/>
+          </a:bodyPr>
+          <a:lstStyle/>
+          <a:p>
+            <a:r>
+              <a:rPr lang="fr-FR" b="1" dirty="0">
+                <a:solidFill>
+                  <a:schemeClr val="bg1"/>
+                </a:solidFill>
+              </a:rPr>
+              <a:t>RECAPITULATIF</a:t>
+            </a:r>
+          </a:p>
+          <a:p>
+            <a:endParaRPr lang="fr-FR" dirty="0"/>
+          </a:p>
+        </p:txBody>
+      </p:sp>
+      <p:cxnSp>
+        <p:nvCxnSpPr>
+          <p:cNvPr id="63" name="Line"/>
+          <p:cNvCxnSpPr>
+            <a:cxnSpLocks/>
+          </p:cNvCxnSpPr>
+          <p:nvPr/>
+        </p:nvCxnSpPr>
+        <p:spPr bwMode="auto">
+          <a:xfrm>
+            <a:off x="8881244" y="4114801"/>
+            <a:ext cx="2641165" cy="17382"/>
+          </a:xfrm>
+          <a:prstGeom prst="line">
+            <a:avLst/>
+          </a:prstGeom>
+          <a:ln w="6350">
+            <a:solidFill>
+              <a:srgbClr val="808080"/>
+            </a:solidFill>
+          </a:ln>
+        </p:spPr>
+        <p:style>
+          <a:lnRef idx="1">
+            <a:schemeClr val="accent1"/>
+          </a:lnRef>
+          <a:fillRef idx="0">
+            <a:schemeClr val="accent1"/>
+          </a:fillRef>
+          <a:effectRef idx="0">
+            <a:schemeClr val="accent1"/>
+          </a:effectRef>
+          <a:fontRef idx="minor">
+            <a:schemeClr val="tx1"/>
+          </a:fontRef>
+        </p:style>
+      </p:cxnSp>
+      <p:cxnSp>
+        <p:nvCxnSpPr>
+          <p:cNvPr id="66" name="Line"/>
+          <p:cNvCxnSpPr>
+            <a:cxnSpLocks/>
+          </p:cNvCxnSpPr>
+          <p:nvPr/>
+        </p:nvCxnSpPr>
+        <p:spPr bwMode="auto">
+          <a:xfrm>
+            <a:off x="8881244" y="4874517"/>
+            <a:ext cx="2641165" cy="17382"/>
+          </a:xfrm>
+          <a:prstGeom prst="line">
+            <a:avLst/>
+          </a:prstGeom>
+          <a:ln w="6350">
+            <a:solidFill>
+              <a:srgbClr val="808080"/>
+            </a:solidFill>
+          </a:ln>
+        </p:spPr>
+        <p:style>
+          <a:lnRef idx="1">
+            <a:schemeClr val="accent1"/>
+          </a:lnRef>
+          <a:fillRef idx="0">
+            <a:schemeClr val="accent1"/>
+          </a:fillRef>
+          <a:effectRef idx="0">
+            <a:schemeClr val="accent1"/>
+          </a:effectRef>
+          <a:fontRef idx="minor">
+            <a:schemeClr val="tx1"/>
+          </a:fontRef>
+        </p:style>
+      </p:cxnSp>
+      <p:sp>
+        <p:nvSpPr>
+          <p:cNvPr id="67" name="ZoneTexte 66"/>
+          <p:cNvSpPr txBox="1"/>
+          <p:nvPr/>
+        </p:nvSpPr>
+        <p:spPr>
+          <a:xfrm>
+            <a:off x="9022763" y="3520381"/>
+            <a:ext cx="2641165" cy="369332"/>
+          </a:xfrm>
+          <a:prstGeom prst="rect">
+            <a:avLst/>
+          </a:prstGeom>
+          <a:noFill/>
+        </p:spPr>
+        <p:txBody>
+          <a:bodyPr wrap="square" rtlCol="0">
+            <a:spAutoFit/>
+          </a:bodyPr>
+          <a:lstStyle/>
+          <a:p>
+            <a:r>
+              <a:rPr lang="fr-FR" dirty="0" smtClean="0"/>
+              <a:t>Total produits : 74,90 €</a:t>
+            </a:r>
+            <a:endParaRPr lang="fr-FR" dirty="0"/>
+          </a:p>
+        </p:txBody>
+      </p:sp>
+      <p:sp>
+        <p:nvSpPr>
+          <p:cNvPr id="68" name="ZoneTexte 67"/>
+          <p:cNvSpPr txBox="1"/>
+          <p:nvPr/>
+        </p:nvSpPr>
+        <p:spPr>
+          <a:xfrm>
+            <a:off x="9061130" y="4318684"/>
+            <a:ext cx="2407237" cy="369332"/>
+          </a:xfrm>
+          <a:prstGeom prst="rect">
+            <a:avLst/>
+          </a:prstGeom>
+          <a:noFill/>
+        </p:spPr>
+        <p:txBody>
+          <a:bodyPr wrap="square" rtlCol="0">
+            <a:spAutoFit/>
+          </a:bodyPr>
+          <a:lstStyle/>
+          <a:p>
+            <a:r>
+              <a:rPr lang="fr-FR" dirty="0" smtClean="0"/>
+              <a:t>Livraison : 6 €</a:t>
+            </a:r>
+            <a:endParaRPr lang="fr-FR" dirty="0"/>
+          </a:p>
+        </p:txBody>
+      </p:sp>
+      <p:sp>
+        <p:nvSpPr>
+          <p:cNvPr id="69" name="ZoneTexte 68"/>
+          <p:cNvSpPr txBox="1"/>
+          <p:nvPr/>
+        </p:nvSpPr>
+        <p:spPr>
+          <a:xfrm>
+            <a:off x="8940265" y="5155292"/>
+            <a:ext cx="2667267" cy="369332"/>
+          </a:xfrm>
+          <a:prstGeom prst="rect">
+            <a:avLst/>
+          </a:prstGeom>
+          <a:noFill/>
+        </p:spPr>
+        <p:txBody>
+          <a:bodyPr wrap="square" rtlCol="0">
+            <a:spAutoFit/>
+          </a:bodyPr>
+          <a:lstStyle/>
+          <a:p>
+            <a:r>
+              <a:rPr lang="fr-FR" b="1" dirty="0" smtClean="0"/>
+              <a:t>Total commande : 80,90 €</a:t>
+            </a:r>
+            <a:endParaRPr lang="fr-FR" b="1" dirty="0"/>
+          </a:p>
+        </p:txBody>
+      </p:sp>
+    </p:spTree>
+    <p:extLst>
+      <p:ext uri="{BB962C8B-B14F-4D97-AF65-F5344CB8AC3E}">
+        <p14:creationId xmlns:p14="http://schemas.microsoft.com/office/powerpoint/2010/main" val="1128701697"/>
+      </p:ext>
+    </p:extLst>
+  </p:cSld>
+  <p:clrMapOvr>
+    <a:masterClrMapping/>
+  </p:clrMapOvr>
+  <p:timing>
+    <p:tnLst>
+      <p:par>
+        <p:cTn id="1" dur="indefinite" restart="never" nodeType="tmRoot"/>
+      </p:par>
+    </p:tnLst>
+  </p:timing>
+</p:sld>
+</file>
+
 <file path=ppt/tags/tag1.xml><?xml version="1.0" encoding="utf-8"?>
 <p:tagLst xmlns:a="http://schemas.openxmlformats.org/drawingml/2006/main" xmlns:r="http://schemas.openxmlformats.org/officeDocument/2006/relationships" xmlns:p="http://schemas.openxmlformats.org/presentationml/2006/main">
   <p:tag name="SMARTSETTINGSHASH" val="PWOa7bLCMN/NfWse0OkDrDXWtXjrMvC+/KEnGxnzoq0="/>
@@ -28411,7 +32083,67 @@
 </p:tagLst>
 </file>
 
+<file path=ppt/tags/tag61.xml><?xml version="1.0" encoding="utf-8"?>
+<p:tagLst xmlns:a="http://schemas.openxmlformats.org/drawingml/2006/main" xmlns:r="http://schemas.openxmlformats.org/officeDocument/2006/relationships" xmlns:p="http://schemas.openxmlformats.org/presentationml/2006/main">
+  <p:tag name="SMARTSETTINGSHASH" val="PWOa7bLCMN/NfWse0OkDrDXWtXjrMvC+/KEnGxnzoq0="/>
+</p:tagLst>
+</file>
+
+<file path=ppt/tags/tag62.xml><?xml version="1.0" encoding="utf-8"?>
+<p:tagLst xmlns:a="http://schemas.openxmlformats.org/drawingml/2006/main" xmlns:r="http://schemas.openxmlformats.org/officeDocument/2006/relationships" xmlns:p="http://schemas.openxmlformats.org/presentationml/2006/main">
+  <p:tag name="SMARTSETTINGSHASH" val="xZU/W0IqlvXPkJ37/hSWg5jSIFh0KZmI7sT1syyiYH8="/>
+</p:tagLst>
+</file>
+
+<file path=ppt/tags/tag63.xml><?xml version="1.0" encoding="utf-8"?>
+<p:tagLst xmlns:a="http://schemas.openxmlformats.org/drawingml/2006/main" xmlns:r="http://schemas.openxmlformats.org/officeDocument/2006/relationships" xmlns:p="http://schemas.openxmlformats.org/presentationml/2006/main">
+  <p:tag name="SMARTSETTINGSHASH" val="SB3bqgv5ghGJknk/m+/9EdPMDkanH9eNosaoBtCx42Q="/>
+</p:tagLst>
+</file>
+
+<file path=ppt/tags/tag64.xml><?xml version="1.0" encoding="utf-8"?>
+<p:tagLst xmlns:a="http://schemas.openxmlformats.org/drawingml/2006/main" xmlns:r="http://schemas.openxmlformats.org/officeDocument/2006/relationships" xmlns:p="http://schemas.openxmlformats.org/presentationml/2006/main">
+  <p:tag name="SMARTSETTINGSHASH" val="xscEFkRiZvbxLfN1YzQGPp4nKBgtuPrjp3QiTCcMWwM="/>
+</p:tagLst>
+</file>
+
+<file path=ppt/tags/tag65.xml><?xml version="1.0" encoding="utf-8"?>
+<p:tagLst xmlns:a="http://schemas.openxmlformats.org/drawingml/2006/main" xmlns:r="http://schemas.openxmlformats.org/officeDocument/2006/relationships" xmlns:p="http://schemas.openxmlformats.org/presentationml/2006/main">
+  <p:tag name="SMARTSETTINGSHASH" val="xscEFkRiZvbxLfN1YzQGPp4nKBgtuPrjp3QiTCcMWwM="/>
+</p:tagLst>
+</file>
+
+<file path=ppt/tags/tag66.xml><?xml version="1.0" encoding="utf-8"?>
+<p:tagLst xmlns:a="http://schemas.openxmlformats.org/drawingml/2006/main" xmlns:r="http://schemas.openxmlformats.org/officeDocument/2006/relationships" xmlns:p="http://schemas.openxmlformats.org/presentationml/2006/main">
+  <p:tag name="SMARTSETTINGSHASH" val="SB3bqgv5ghGJknk/m+/9EdPMDkanH9eNosaoBtCx42Q="/>
+</p:tagLst>
+</file>
+
+<file path=ppt/tags/tag67.xml><?xml version="1.0" encoding="utf-8"?>
+<p:tagLst xmlns:a="http://schemas.openxmlformats.org/drawingml/2006/main" xmlns:r="http://schemas.openxmlformats.org/officeDocument/2006/relationships" xmlns:p="http://schemas.openxmlformats.org/presentationml/2006/main">
+  <p:tag name="SMARTSETTINGSHASH" val="IDSg7uxH1Z/iSOkBSMZyie/SGkHlLE2okQSpqFhp1Ac="/>
+</p:tagLst>
+</file>
+
+<file path=ppt/tags/tag68.xml><?xml version="1.0" encoding="utf-8"?>
+<p:tagLst xmlns:a="http://schemas.openxmlformats.org/drawingml/2006/main" xmlns:r="http://schemas.openxmlformats.org/officeDocument/2006/relationships" xmlns:p="http://schemas.openxmlformats.org/presentationml/2006/main">
+  <p:tag name="SMARTSETTINGSHASH" val="IDSg7uxH1Z/iSOkBSMZyie/SGkHlLE2okQSpqFhp1Ac="/>
+</p:tagLst>
+</file>
+
+<file path=ppt/tags/tag69.xml><?xml version="1.0" encoding="utf-8"?>
+<p:tagLst xmlns:a="http://schemas.openxmlformats.org/drawingml/2006/main" xmlns:r="http://schemas.openxmlformats.org/officeDocument/2006/relationships" xmlns:p="http://schemas.openxmlformats.org/presentationml/2006/main">
+  <p:tag name="SMARTSETTINGSHASH" val="IDSg7uxH1Z/iSOkBSMZyie/SGkHlLE2okQSpqFhp1Ac="/>
+</p:tagLst>
+</file>
+
 <file path=ppt/tags/tag7.xml><?xml version="1.0" encoding="utf-8"?>
+<p:tagLst xmlns:a="http://schemas.openxmlformats.org/drawingml/2006/main" xmlns:r="http://schemas.openxmlformats.org/officeDocument/2006/relationships" xmlns:p="http://schemas.openxmlformats.org/presentationml/2006/main">
+  <p:tag name="SMARTSETTINGSHASH" val="IDSg7uxH1Z/iSOkBSMZyie/SGkHlLE2okQSpqFhp1Ac="/>
+</p:tagLst>
+</file>
+
+<file path=ppt/tags/tag70.xml><?xml version="1.0" encoding="utf-8"?>
 <p:tagLst xmlns:a="http://schemas.openxmlformats.org/drawingml/2006/main" xmlns:r="http://schemas.openxmlformats.org/officeDocument/2006/relationships" xmlns:p="http://schemas.openxmlformats.org/presentationml/2006/main">
   <p:tag name="SMARTSETTINGSHASH" val="IDSg7uxH1Z/iSOkBSMZyie/SGkHlLE2okQSpqFhp1Ac="/>
 </p:tagLst>

--- a/ProjetStage/MaquetteProjetStage.pptx
+++ b/ProjetStage/MaquetteProjetStage.pptx
@@ -12,6 +12,8 @@
     <p:sldId id="260" r:id="rId6"/>
     <p:sldId id="261" r:id="rId7"/>
     <p:sldId id="262" r:id="rId8"/>
+    <p:sldId id="263" r:id="rId9"/>
+    <p:sldId id="264" r:id="rId10"/>
   </p:sldIdLst>
   <p:sldSz cx="12192000" cy="6858000"/>
   <p:notesSz cx="6858000" cy="9144000"/>
@@ -249,7 +251,7 @@
           <a:p>
             <a:fld id="{260E7F35-4855-4D43-B1DE-D4E531001705}" type="datetimeFigureOut">
               <a:rPr lang="fr-FR" smtClean="0"/>
-              <a:t>22/04/2020</a:t>
+              <a:t>23/04/2020</a:t>
             </a:fld>
             <a:endParaRPr lang="fr-FR"/>
           </a:p>
@@ -419,7 +421,7 @@
           <a:p>
             <a:fld id="{260E7F35-4855-4D43-B1DE-D4E531001705}" type="datetimeFigureOut">
               <a:rPr lang="fr-FR" smtClean="0"/>
-              <a:t>22/04/2020</a:t>
+              <a:t>23/04/2020</a:t>
             </a:fld>
             <a:endParaRPr lang="fr-FR"/>
           </a:p>
@@ -599,7 +601,7 @@
           <a:p>
             <a:fld id="{260E7F35-4855-4D43-B1DE-D4E531001705}" type="datetimeFigureOut">
               <a:rPr lang="fr-FR" smtClean="0"/>
-              <a:t>22/04/2020</a:t>
+              <a:t>23/04/2020</a:t>
             </a:fld>
             <a:endParaRPr lang="fr-FR"/>
           </a:p>
@@ -769,7 +771,7 @@
           <a:p>
             <a:fld id="{260E7F35-4855-4D43-B1DE-D4E531001705}" type="datetimeFigureOut">
               <a:rPr lang="fr-FR" smtClean="0"/>
-              <a:t>22/04/2020</a:t>
+              <a:t>23/04/2020</a:t>
             </a:fld>
             <a:endParaRPr lang="fr-FR"/>
           </a:p>
@@ -1015,7 +1017,7 @@
           <a:p>
             <a:fld id="{260E7F35-4855-4D43-B1DE-D4E531001705}" type="datetimeFigureOut">
               <a:rPr lang="fr-FR" smtClean="0"/>
-              <a:t>22/04/2020</a:t>
+              <a:t>23/04/2020</a:t>
             </a:fld>
             <a:endParaRPr lang="fr-FR"/>
           </a:p>
@@ -1247,7 +1249,7 @@
           <a:p>
             <a:fld id="{260E7F35-4855-4D43-B1DE-D4E531001705}" type="datetimeFigureOut">
               <a:rPr lang="fr-FR" smtClean="0"/>
-              <a:t>22/04/2020</a:t>
+              <a:t>23/04/2020</a:t>
             </a:fld>
             <a:endParaRPr lang="fr-FR"/>
           </a:p>
@@ -1614,7 +1616,7 @@
           <a:p>
             <a:fld id="{260E7F35-4855-4D43-B1DE-D4E531001705}" type="datetimeFigureOut">
               <a:rPr lang="fr-FR" smtClean="0"/>
-              <a:t>22/04/2020</a:t>
+              <a:t>23/04/2020</a:t>
             </a:fld>
             <a:endParaRPr lang="fr-FR"/>
           </a:p>
@@ -1732,7 +1734,7 @@
           <a:p>
             <a:fld id="{260E7F35-4855-4D43-B1DE-D4E531001705}" type="datetimeFigureOut">
               <a:rPr lang="fr-FR" smtClean="0"/>
-              <a:t>22/04/2020</a:t>
+              <a:t>23/04/2020</a:t>
             </a:fld>
             <a:endParaRPr lang="fr-FR"/>
           </a:p>
@@ -1827,7 +1829,7 @@
           <a:p>
             <a:fld id="{260E7F35-4855-4D43-B1DE-D4E531001705}" type="datetimeFigureOut">
               <a:rPr lang="fr-FR" smtClean="0"/>
-              <a:t>22/04/2020</a:t>
+              <a:t>23/04/2020</a:t>
             </a:fld>
             <a:endParaRPr lang="fr-FR"/>
           </a:p>
@@ -2104,7 +2106,7 @@
           <a:p>
             <a:fld id="{260E7F35-4855-4D43-B1DE-D4E531001705}" type="datetimeFigureOut">
               <a:rPr lang="fr-FR" smtClean="0"/>
-              <a:t>22/04/2020</a:t>
+              <a:t>23/04/2020</a:t>
             </a:fld>
             <a:endParaRPr lang="fr-FR"/>
           </a:p>
@@ -2357,7 +2359,7 @@
           <a:p>
             <a:fld id="{260E7F35-4855-4D43-B1DE-D4E531001705}" type="datetimeFigureOut">
               <a:rPr lang="fr-FR" smtClean="0"/>
-              <a:t>22/04/2020</a:t>
+              <a:t>23/04/2020</a:t>
             </a:fld>
             <a:endParaRPr lang="fr-FR"/>
           </a:p>
@@ -2570,7 +2572,7 @@
           <a:p>
             <a:fld id="{260E7F35-4855-4D43-B1DE-D4E531001705}" type="datetimeFigureOut">
               <a:rPr lang="fr-FR" smtClean="0"/>
-              <a:t>22/04/2020</a:t>
+              <a:t>23/04/2020</a:t>
             </a:fld>
             <a:endParaRPr lang="fr-FR"/>
           </a:p>
@@ -10614,7 +10616,11 @@
             <a:pPr algn="ctr"/>
             <a:r>
               <a:rPr lang="fr-FR" sz="1400" dirty="0" smtClean="0"/>
-              <a:t>Statuette Law–</a:t>
+              <a:t>Figurine </a:t>
+            </a:r>
+            <a:r>
+              <a:rPr lang="fr-FR" sz="1400" dirty="0" smtClean="0"/>
+              <a:t>Law–</a:t>
             </a:r>
             <a:r>
               <a:rPr lang="fr-FR" sz="1400" dirty="0" err="1" smtClean="0"/>
@@ -31725,6 +31731,3765 @@
     <p:extLst>
       <p:ext uri="{BB962C8B-B14F-4D97-AF65-F5344CB8AC3E}">
         <p14:creationId xmlns:p14="http://schemas.microsoft.com/office/powerpoint/2010/main" val="1128701697"/>
+      </p:ext>
+    </p:extLst>
+  </p:cSld>
+  <p:clrMapOvr>
+    <a:masterClrMapping/>
+  </p:clrMapOvr>
+  <p:timing>
+    <p:tnLst>
+      <p:par>
+        <p:cTn id="1" dur="indefinite" restart="never" nodeType="tmRoot"/>
+      </p:par>
+    </p:tnLst>
+  </p:timing>
+</p:sld>
+</file>
+
+<file path=ppt/slides/slide8.xml><?xml version="1.0" encoding="utf-8"?>
+<p:sld xmlns:a="http://schemas.openxmlformats.org/drawingml/2006/main" xmlns:r="http://schemas.openxmlformats.org/officeDocument/2006/relationships" xmlns:p="http://schemas.openxmlformats.org/presentationml/2006/main">
+  <p:cSld>
+    <p:spTree>
+      <p:nvGrpSpPr>
+        <p:cNvPr id="1" name=""/>
+        <p:cNvGrpSpPr/>
+        <p:nvPr/>
+      </p:nvGrpSpPr>
+      <p:grpSpPr>
+        <a:xfrm>
+          <a:off x="0" y="0"/>
+          <a:ext cx="0" cy="0"/>
+          <a:chOff x="0" y="0"/>
+          <a:chExt cx="0" cy="0"/>
+        </a:xfrm>
+      </p:grpSpPr>
+      <p:pic>
+        <p:nvPicPr>
+          <p:cNvPr id="11" name="Image 10">
+            <a:extLst>
+              <a:ext uri="{FF2B5EF4-FFF2-40B4-BE49-F238E27FC236}">
+                <a16:creationId xmlns:a16="http://schemas.microsoft.com/office/drawing/2014/main" id="{22BDD6C7-5A23-43F7-995C-76453556087E}"/>
+              </a:ext>
+            </a:extLst>
+          </p:cNvPr>
+          <p:cNvPicPr>
+            <a:picLocks noChangeAspect="1"/>
+          </p:cNvPicPr>
+          <p:nvPr/>
+        </p:nvPicPr>
+        <p:blipFill>
+          <a:blip r:embed="rId2">
+            <a:extLst>
+              <a:ext uri="{28A0092B-C50C-407E-A947-70E740481C1C}">
+                <a14:useLocalDpi xmlns:a14="http://schemas.microsoft.com/office/drawing/2010/main" val="0"/>
+              </a:ext>
+            </a:extLst>
+          </a:blip>
+          <a:stretch>
+            <a:fillRect/>
+          </a:stretch>
+        </p:blipFill>
+        <p:spPr>
+          <a:xfrm>
+            <a:off x="3898900" y="317500"/>
+            <a:ext cx="4394200" cy="6223000"/>
+          </a:xfrm>
+          <a:prstGeom prst="rect">
+            <a:avLst/>
+          </a:prstGeom>
+        </p:spPr>
+      </p:pic>
+      <p:sp>
+        <p:nvSpPr>
+          <p:cNvPr id="24" name="Rectangle 23"/>
+          <p:cNvSpPr/>
+          <p:nvPr/>
+        </p:nvSpPr>
+        <p:spPr>
+          <a:xfrm>
+            <a:off x="4899259" y="934390"/>
+            <a:ext cx="2377440" cy="5042898"/>
+          </a:xfrm>
+          <a:prstGeom prst="rect">
+            <a:avLst/>
+          </a:prstGeom>
+          <a:solidFill>
+            <a:schemeClr val="bg1">
+              <a:lumMod val="95000"/>
+            </a:schemeClr>
+          </a:solidFill>
+        </p:spPr>
+        <p:style>
+          <a:lnRef idx="2">
+            <a:schemeClr val="accent1">
+              <a:shade val="50000"/>
+            </a:schemeClr>
+          </a:lnRef>
+          <a:fillRef idx="1">
+            <a:schemeClr val="accent1"/>
+          </a:fillRef>
+          <a:effectRef idx="0">
+            <a:schemeClr val="accent1"/>
+          </a:effectRef>
+          <a:fontRef idx="minor">
+            <a:schemeClr val="lt1"/>
+          </a:fontRef>
+        </p:style>
+        <p:txBody>
+          <a:bodyPr rtlCol="0" anchor="ctr"/>
+          <a:lstStyle/>
+          <a:p>
+            <a:pPr algn="ctr"/>
+            <a:endParaRPr lang="fr-FR"/>
+          </a:p>
+        </p:txBody>
+      </p:sp>
+      <p:sp>
+        <p:nvSpPr>
+          <p:cNvPr id="12" name="Rectangle 11"/>
+          <p:cNvSpPr/>
+          <p:nvPr/>
+        </p:nvSpPr>
+        <p:spPr>
+          <a:xfrm>
+            <a:off x="4899259" y="934390"/>
+            <a:ext cx="2377440" cy="450167"/>
+          </a:xfrm>
+          <a:prstGeom prst="rect">
+            <a:avLst/>
+          </a:prstGeom>
+          <a:solidFill>
+            <a:schemeClr val="tx2">
+              <a:lumMod val="75000"/>
+            </a:schemeClr>
+          </a:solidFill>
+          <a:ln>
+            <a:solidFill>
+              <a:schemeClr val="tx2">
+                <a:lumMod val="75000"/>
+              </a:schemeClr>
+            </a:solidFill>
+          </a:ln>
+        </p:spPr>
+        <p:style>
+          <a:lnRef idx="2">
+            <a:schemeClr val="accent1">
+              <a:shade val="50000"/>
+            </a:schemeClr>
+          </a:lnRef>
+          <a:fillRef idx="1">
+            <a:schemeClr val="accent1"/>
+          </a:fillRef>
+          <a:effectRef idx="0">
+            <a:schemeClr val="accent1"/>
+          </a:effectRef>
+          <a:fontRef idx="minor">
+            <a:schemeClr val="lt1"/>
+          </a:fontRef>
+        </p:style>
+        <p:txBody>
+          <a:bodyPr rtlCol="0" anchor="ctr"/>
+          <a:lstStyle/>
+          <a:p>
+            <a:pPr algn="ctr"/>
+            <a:endParaRPr lang="fr-FR"/>
+          </a:p>
+        </p:txBody>
+      </p:sp>
+      <p:sp>
+        <p:nvSpPr>
+          <p:cNvPr id="13" name="Align Justify"/>
+          <p:cNvSpPr>
+            <a:spLocks noChangeAspect="1" noEditPoints="1"/>
+          </p:cNvSpPr>
+          <p:nvPr/>
+        </p:nvSpPr>
+        <p:spPr bwMode="auto">
+          <a:xfrm>
+            <a:off x="4995752" y="1028697"/>
+            <a:ext cx="288924" cy="261551"/>
+          </a:xfrm>
+          <a:custGeom>
+            <a:avLst/>
+            <a:gdLst>
+              <a:gd name="T0" fmla="*/ 0 w 614"/>
+              <a:gd name="T1" fmla="*/ 0 h 560"/>
+              <a:gd name="T2" fmla="*/ 0 w 614"/>
+              <a:gd name="T3" fmla="*/ 27 h 560"/>
+              <a:gd name="T4" fmla="*/ 614 w 614"/>
+              <a:gd name="T5" fmla="*/ 27 h 560"/>
+              <a:gd name="T6" fmla="*/ 614 w 614"/>
+              <a:gd name="T7" fmla="*/ 0 h 560"/>
+              <a:gd name="T8" fmla="*/ 0 w 614"/>
+              <a:gd name="T9" fmla="*/ 0 h 560"/>
+              <a:gd name="T10" fmla="*/ 0 w 614"/>
+              <a:gd name="T11" fmla="*/ 134 h 560"/>
+              <a:gd name="T12" fmla="*/ 0 w 614"/>
+              <a:gd name="T13" fmla="*/ 160 h 560"/>
+              <a:gd name="T14" fmla="*/ 614 w 614"/>
+              <a:gd name="T15" fmla="*/ 160 h 560"/>
+              <a:gd name="T16" fmla="*/ 614 w 614"/>
+              <a:gd name="T17" fmla="*/ 134 h 560"/>
+              <a:gd name="T18" fmla="*/ 0 w 614"/>
+              <a:gd name="T19" fmla="*/ 134 h 560"/>
+              <a:gd name="T20" fmla="*/ 0 w 614"/>
+              <a:gd name="T21" fmla="*/ 267 h 560"/>
+              <a:gd name="T22" fmla="*/ 0 w 614"/>
+              <a:gd name="T23" fmla="*/ 294 h 560"/>
+              <a:gd name="T24" fmla="*/ 614 w 614"/>
+              <a:gd name="T25" fmla="*/ 294 h 560"/>
+              <a:gd name="T26" fmla="*/ 614 w 614"/>
+              <a:gd name="T27" fmla="*/ 267 h 560"/>
+              <a:gd name="T28" fmla="*/ 0 w 614"/>
+              <a:gd name="T29" fmla="*/ 267 h 560"/>
+              <a:gd name="T30" fmla="*/ 0 w 614"/>
+              <a:gd name="T31" fmla="*/ 400 h 560"/>
+              <a:gd name="T32" fmla="*/ 0 w 614"/>
+              <a:gd name="T33" fmla="*/ 427 h 560"/>
+              <a:gd name="T34" fmla="*/ 614 w 614"/>
+              <a:gd name="T35" fmla="*/ 427 h 560"/>
+              <a:gd name="T36" fmla="*/ 614 w 614"/>
+              <a:gd name="T37" fmla="*/ 400 h 560"/>
+              <a:gd name="T38" fmla="*/ 0 w 614"/>
+              <a:gd name="T39" fmla="*/ 400 h 560"/>
+              <a:gd name="T40" fmla="*/ 0 w 614"/>
+              <a:gd name="T41" fmla="*/ 534 h 560"/>
+              <a:gd name="T42" fmla="*/ 0 w 614"/>
+              <a:gd name="T43" fmla="*/ 560 h 560"/>
+              <a:gd name="T44" fmla="*/ 614 w 614"/>
+              <a:gd name="T45" fmla="*/ 560 h 560"/>
+              <a:gd name="T46" fmla="*/ 614 w 614"/>
+              <a:gd name="T47" fmla="*/ 534 h 560"/>
+              <a:gd name="T48" fmla="*/ 0 w 614"/>
+              <a:gd name="T49" fmla="*/ 534 h 560"/>
+            </a:gdLst>
+            <a:ahLst/>
+            <a:cxnLst>
+              <a:cxn ang="0">
+                <a:pos x="T0" y="T1"/>
+              </a:cxn>
+              <a:cxn ang="0">
+                <a:pos x="T2" y="T3"/>
+              </a:cxn>
+              <a:cxn ang="0">
+                <a:pos x="T4" y="T5"/>
+              </a:cxn>
+              <a:cxn ang="0">
+                <a:pos x="T6" y="T7"/>
+              </a:cxn>
+              <a:cxn ang="0">
+                <a:pos x="T8" y="T9"/>
+              </a:cxn>
+              <a:cxn ang="0">
+                <a:pos x="T10" y="T11"/>
+              </a:cxn>
+              <a:cxn ang="0">
+                <a:pos x="T12" y="T13"/>
+              </a:cxn>
+              <a:cxn ang="0">
+                <a:pos x="T14" y="T15"/>
+              </a:cxn>
+              <a:cxn ang="0">
+                <a:pos x="T16" y="T17"/>
+              </a:cxn>
+              <a:cxn ang="0">
+                <a:pos x="T18" y="T19"/>
+              </a:cxn>
+              <a:cxn ang="0">
+                <a:pos x="T20" y="T21"/>
+              </a:cxn>
+              <a:cxn ang="0">
+                <a:pos x="T22" y="T23"/>
+              </a:cxn>
+              <a:cxn ang="0">
+                <a:pos x="T24" y="T25"/>
+              </a:cxn>
+              <a:cxn ang="0">
+                <a:pos x="T26" y="T27"/>
+              </a:cxn>
+              <a:cxn ang="0">
+                <a:pos x="T28" y="T29"/>
+              </a:cxn>
+              <a:cxn ang="0">
+                <a:pos x="T30" y="T31"/>
+              </a:cxn>
+              <a:cxn ang="0">
+                <a:pos x="T32" y="T33"/>
+              </a:cxn>
+              <a:cxn ang="0">
+                <a:pos x="T34" y="T35"/>
+              </a:cxn>
+              <a:cxn ang="0">
+                <a:pos x="T36" y="T37"/>
+              </a:cxn>
+              <a:cxn ang="0">
+                <a:pos x="T38" y="T39"/>
+              </a:cxn>
+              <a:cxn ang="0">
+                <a:pos x="T40" y="T41"/>
+              </a:cxn>
+              <a:cxn ang="0">
+                <a:pos x="T42" y="T43"/>
+              </a:cxn>
+              <a:cxn ang="0">
+                <a:pos x="T44" y="T45"/>
+              </a:cxn>
+              <a:cxn ang="0">
+                <a:pos x="T46" y="T47"/>
+              </a:cxn>
+              <a:cxn ang="0">
+                <a:pos x="T48" y="T49"/>
+              </a:cxn>
+            </a:cxnLst>
+            <a:rect l="0" t="0" r="r" b="b"/>
+            <a:pathLst>
+              <a:path w="614" h="560">
+                <a:moveTo>
+                  <a:pt x="0" y="0"/>
+                </a:moveTo>
+                <a:lnTo>
+                  <a:pt x="0" y="27"/>
+                </a:lnTo>
+                <a:lnTo>
+                  <a:pt x="614" y="27"/>
+                </a:lnTo>
+                <a:lnTo>
+                  <a:pt x="614" y="0"/>
+                </a:lnTo>
+                <a:lnTo>
+                  <a:pt x="0" y="0"/>
+                </a:lnTo>
+                <a:close/>
+                <a:moveTo>
+                  <a:pt x="0" y="134"/>
+                </a:moveTo>
+                <a:lnTo>
+                  <a:pt x="0" y="160"/>
+                </a:lnTo>
+                <a:lnTo>
+                  <a:pt x="614" y="160"/>
+                </a:lnTo>
+                <a:lnTo>
+                  <a:pt x="614" y="134"/>
+                </a:lnTo>
+                <a:lnTo>
+                  <a:pt x="0" y="134"/>
+                </a:lnTo>
+                <a:close/>
+                <a:moveTo>
+                  <a:pt x="0" y="267"/>
+                </a:moveTo>
+                <a:lnTo>
+                  <a:pt x="0" y="294"/>
+                </a:lnTo>
+                <a:lnTo>
+                  <a:pt x="614" y="294"/>
+                </a:lnTo>
+                <a:lnTo>
+                  <a:pt x="614" y="267"/>
+                </a:lnTo>
+                <a:lnTo>
+                  <a:pt x="0" y="267"/>
+                </a:lnTo>
+                <a:close/>
+                <a:moveTo>
+                  <a:pt x="0" y="400"/>
+                </a:moveTo>
+                <a:lnTo>
+                  <a:pt x="0" y="427"/>
+                </a:lnTo>
+                <a:lnTo>
+                  <a:pt x="614" y="427"/>
+                </a:lnTo>
+                <a:lnTo>
+                  <a:pt x="614" y="400"/>
+                </a:lnTo>
+                <a:lnTo>
+                  <a:pt x="0" y="400"/>
+                </a:lnTo>
+                <a:close/>
+                <a:moveTo>
+                  <a:pt x="0" y="534"/>
+                </a:moveTo>
+                <a:lnTo>
+                  <a:pt x="0" y="560"/>
+                </a:lnTo>
+                <a:lnTo>
+                  <a:pt x="614" y="560"/>
+                </a:lnTo>
+                <a:lnTo>
+                  <a:pt x="614" y="534"/>
+                </a:lnTo>
+                <a:lnTo>
+                  <a:pt x="0" y="534"/>
+                </a:lnTo>
+                <a:close/>
+              </a:path>
+            </a:pathLst>
+          </a:custGeom>
+          <a:solidFill>
+            <a:schemeClr val="bg1"/>
+          </a:solidFill>
+          <a:ln w="9525">
+            <a:solidFill>
+              <a:schemeClr val="bg1"/>
+            </a:solidFill>
+            <a:round/>
+            <a:headEnd/>
+            <a:tailEnd/>
+          </a:ln>
+        </p:spPr>
+        <p:txBody>
+          <a:bodyPr vert="horz" wrap="square" lIns="91440" tIns="45720" rIns="91440" bIns="45720" numCol="1" anchor="t" anchorCtr="0" compatLnSpc="1">
+            <a:prstTxWarp prst="textNoShape">
+              <a:avLst/>
+            </a:prstTxWarp>
+          </a:bodyPr>
+          <a:lstStyle>
+            <a:defPPr>
+              <a:defRPr lang="en-US"/>
+            </a:defPPr>
+            <a:lvl1pPr marL="0" algn="l" defTabSz="914400" rtl="0" eaLnBrk="1" latinLnBrk="0" hangingPunct="1">
+              <a:defRPr sz="1800" kern="1200">
+                <a:solidFill>
+                  <a:schemeClr val="tx1"/>
+                </a:solidFill>
+                <a:latin typeface="+mn-lt"/>
+                <a:ea typeface="+mn-ea"/>
+                <a:cs typeface="+mn-cs"/>
+              </a:defRPr>
+            </a:lvl1pPr>
+            <a:lvl2pPr marL="457200" algn="l" defTabSz="914400" rtl="0" eaLnBrk="1" latinLnBrk="0" hangingPunct="1">
+              <a:defRPr sz="1800" kern="1200">
+                <a:solidFill>
+                  <a:schemeClr val="tx1"/>
+                </a:solidFill>
+                <a:latin typeface="+mn-lt"/>
+                <a:ea typeface="+mn-ea"/>
+                <a:cs typeface="+mn-cs"/>
+              </a:defRPr>
+            </a:lvl2pPr>
+            <a:lvl3pPr marL="914400" algn="l" defTabSz="914400" rtl="0" eaLnBrk="1" latinLnBrk="0" hangingPunct="1">
+              <a:defRPr sz="1800" kern="1200">
+                <a:solidFill>
+                  <a:schemeClr val="tx1"/>
+                </a:solidFill>
+                <a:latin typeface="+mn-lt"/>
+                <a:ea typeface="+mn-ea"/>
+                <a:cs typeface="+mn-cs"/>
+              </a:defRPr>
+            </a:lvl3pPr>
+            <a:lvl4pPr marL="1371600" algn="l" defTabSz="914400" rtl="0" eaLnBrk="1" latinLnBrk="0" hangingPunct="1">
+              <a:defRPr sz="1800" kern="1200">
+                <a:solidFill>
+                  <a:schemeClr val="tx1"/>
+                </a:solidFill>
+                <a:latin typeface="+mn-lt"/>
+                <a:ea typeface="+mn-ea"/>
+                <a:cs typeface="+mn-cs"/>
+              </a:defRPr>
+            </a:lvl4pPr>
+            <a:lvl5pPr marL="1828800" algn="l" defTabSz="914400" rtl="0" eaLnBrk="1" latinLnBrk="0" hangingPunct="1">
+              <a:defRPr sz="1800" kern="1200">
+                <a:solidFill>
+                  <a:schemeClr val="tx1"/>
+                </a:solidFill>
+                <a:latin typeface="+mn-lt"/>
+                <a:ea typeface="+mn-ea"/>
+                <a:cs typeface="+mn-cs"/>
+              </a:defRPr>
+            </a:lvl5pPr>
+            <a:lvl6pPr marL="2286000" algn="l" defTabSz="914400" rtl="0" eaLnBrk="1" latinLnBrk="0" hangingPunct="1">
+              <a:defRPr sz="1800" kern="1200">
+                <a:solidFill>
+                  <a:schemeClr val="tx1"/>
+                </a:solidFill>
+                <a:latin typeface="+mn-lt"/>
+                <a:ea typeface="+mn-ea"/>
+                <a:cs typeface="+mn-cs"/>
+              </a:defRPr>
+            </a:lvl6pPr>
+            <a:lvl7pPr marL="2743200" algn="l" defTabSz="914400" rtl="0" eaLnBrk="1" latinLnBrk="0" hangingPunct="1">
+              <a:defRPr sz="1800" kern="1200">
+                <a:solidFill>
+                  <a:schemeClr val="tx1"/>
+                </a:solidFill>
+                <a:latin typeface="+mn-lt"/>
+                <a:ea typeface="+mn-ea"/>
+                <a:cs typeface="+mn-cs"/>
+              </a:defRPr>
+            </a:lvl7pPr>
+            <a:lvl8pPr marL="3200400" algn="l" defTabSz="914400" rtl="0" eaLnBrk="1" latinLnBrk="0" hangingPunct="1">
+              <a:defRPr sz="1800" kern="1200">
+                <a:solidFill>
+                  <a:schemeClr val="tx1"/>
+                </a:solidFill>
+                <a:latin typeface="+mn-lt"/>
+                <a:ea typeface="+mn-ea"/>
+                <a:cs typeface="+mn-cs"/>
+              </a:defRPr>
+            </a:lvl8pPr>
+            <a:lvl9pPr marL="3657600" algn="l" defTabSz="914400" rtl="0" eaLnBrk="1" latinLnBrk="0" hangingPunct="1">
+              <a:defRPr sz="1800" kern="1200">
+                <a:solidFill>
+                  <a:schemeClr val="tx1"/>
+                </a:solidFill>
+                <a:latin typeface="+mn-lt"/>
+                <a:ea typeface="+mn-ea"/>
+                <a:cs typeface="+mn-cs"/>
+              </a:defRPr>
+            </a:lvl9pPr>
+          </a:lstStyle>
+          <a:p>
+            <a:endParaRPr lang="en-US" sz="900">
+              <a:latin typeface="Segoe UI" panose="020B0502040204020203" pitchFamily="34" charset="0"/>
+              <a:cs typeface="Segoe UI" panose="020B0502040204020203" pitchFamily="34" charset="0"/>
+            </a:endParaRPr>
+          </a:p>
+        </p:txBody>
+      </p:sp>
+      <p:sp>
+        <p:nvSpPr>
+          <p:cNvPr id="14" name="ZoneTexte 13"/>
+          <p:cNvSpPr txBox="1"/>
+          <p:nvPr/>
+        </p:nvSpPr>
+        <p:spPr>
+          <a:xfrm>
+            <a:off x="5275052" y="980571"/>
+            <a:ext cx="875492" cy="369332"/>
+          </a:xfrm>
+          <a:prstGeom prst="rect">
+            <a:avLst/>
+          </a:prstGeom>
+          <a:noFill/>
+        </p:spPr>
+        <p:txBody>
+          <a:bodyPr wrap="square" rtlCol="0">
+            <a:spAutoFit/>
+          </a:bodyPr>
+          <a:lstStyle/>
+          <a:p>
+            <a:r>
+              <a:rPr lang="fr-FR" sz="900" dirty="0" smtClean="0">
+                <a:solidFill>
+                  <a:schemeClr val="bg1"/>
+                </a:solidFill>
+              </a:rPr>
+              <a:t>LES TRESORS DE ONE PIECE</a:t>
+            </a:r>
+            <a:endParaRPr lang="fr-FR" sz="900" dirty="0">
+              <a:solidFill>
+                <a:schemeClr val="bg1"/>
+              </a:solidFill>
+            </a:endParaRPr>
+          </a:p>
+        </p:txBody>
+      </p:sp>
+      <p:pic>
+        <p:nvPicPr>
+          <p:cNvPr id="15" name="Image 14"/>
+          <p:cNvPicPr>
+            <a:picLocks noChangeAspect="1"/>
+          </p:cNvPicPr>
+          <p:nvPr/>
+        </p:nvPicPr>
+        <p:blipFill>
+          <a:blip r:embed="rId3" cstate="print">
+            <a:extLst>
+              <a:ext uri="{28A0092B-C50C-407E-A947-70E740481C1C}">
+                <a14:useLocalDpi xmlns:a14="http://schemas.microsoft.com/office/drawing/2010/main" val="0"/>
+              </a:ext>
+            </a:extLst>
+          </a:blip>
+          <a:stretch>
+            <a:fillRect/>
+          </a:stretch>
+        </p:blipFill>
+        <p:spPr>
+          <a:xfrm>
+            <a:off x="6157006" y="1033334"/>
+            <a:ext cx="256914" cy="256914"/>
+          </a:xfrm>
+          <a:prstGeom prst="rect">
+            <a:avLst/>
+          </a:prstGeom>
+        </p:spPr>
+      </p:pic>
+      <p:pic>
+        <p:nvPicPr>
+          <p:cNvPr id="18" name="Image 17"/>
+          <p:cNvPicPr>
+            <a:picLocks noChangeAspect="1"/>
+          </p:cNvPicPr>
+          <p:nvPr/>
+        </p:nvPicPr>
+        <p:blipFill>
+          <a:blip r:embed="rId4" cstate="print">
+            <a:extLst>
+              <a:ext uri="{28A0092B-C50C-407E-A947-70E740481C1C}">
+                <a14:useLocalDpi xmlns:a14="http://schemas.microsoft.com/office/drawing/2010/main" val="0"/>
+              </a:ext>
+            </a:extLst>
+          </a:blip>
+          <a:stretch>
+            <a:fillRect/>
+          </a:stretch>
+        </p:blipFill>
+        <p:spPr>
+          <a:xfrm>
+            <a:off x="6946968" y="993431"/>
+            <a:ext cx="296817" cy="296817"/>
+          </a:xfrm>
+          <a:prstGeom prst="rect">
+            <a:avLst/>
+          </a:prstGeom>
+        </p:spPr>
+      </p:pic>
+      <p:pic>
+        <p:nvPicPr>
+          <p:cNvPr id="19" name="Image 18"/>
+          <p:cNvPicPr>
+            <a:picLocks noChangeAspect="1"/>
+          </p:cNvPicPr>
+          <p:nvPr/>
+        </p:nvPicPr>
+        <p:blipFill>
+          <a:blip r:embed="rId5" cstate="print">
+            <a:extLst>
+              <a:ext uri="{28A0092B-C50C-407E-A947-70E740481C1C}">
+                <a14:useLocalDpi xmlns:a14="http://schemas.microsoft.com/office/drawing/2010/main" val="0"/>
+              </a:ext>
+            </a:extLst>
+          </a:blip>
+          <a:stretch>
+            <a:fillRect/>
+          </a:stretch>
+        </p:blipFill>
+        <p:spPr>
+          <a:xfrm>
+            <a:off x="6523574" y="989509"/>
+            <a:ext cx="310363" cy="310363"/>
+          </a:xfrm>
+          <a:prstGeom prst="rect">
+            <a:avLst/>
+          </a:prstGeom>
+        </p:spPr>
+      </p:pic>
+      <p:sp>
+        <p:nvSpPr>
+          <p:cNvPr id="20" name="Rectangle 19"/>
+          <p:cNvSpPr/>
+          <p:nvPr/>
+        </p:nvSpPr>
+        <p:spPr>
+          <a:xfrm>
+            <a:off x="4899259" y="1384557"/>
+            <a:ext cx="2377440" cy="915881"/>
+          </a:xfrm>
+          <a:prstGeom prst="rect">
+            <a:avLst/>
+          </a:prstGeom>
+          <a:solidFill>
+            <a:schemeClr val="accent1">
+              <a:lumMod val="40000"/>
+              <a:lumOff val="60000"/>
+            </a:schemeClr>
+          </a:solidFill>
+        </p:spPr>
+        <p:style>
+          <a:lnRef idx="2">
+            <a:schemeClr val="accent1">
+              <a:shade val="50000"/>
+            </a:schemeClr>
+          </a:lnRef>
+          <a:fillRef idx="1">
+            <a:schemeClr val="accent1"/>
+          </a:fillRef>
+          <a:effectRef idx="0">
+            <a:schemeClr val="accent1"/>
+          </a:effectRef>
+          <a:fontRef idx="minor">
+            <a:schemeClr val="lt1"/>
+          </a:fontRef>
+        </p:style>
+        <p:txBody>
+          <a:bodyPr rtlCol="0" anchor="ctr"/>
+          <a:lstStyle/>
+          <a:p>
+            <a:pPr algn="ctr"/>
+            <a:endParaRPr lang="fr-FR"/>
+          </a:p>
+        </p:txBody>
+      </p:sp>
+      <p:sp>
+        <p:nvSpPr>
+          <p:cNvPr id="21" name="ZoneTexte 20"/>
+          <p:cNvSpPr txBox="1"/>
+          <p:nvPr/>
+        </p:nvSpPr>
+        <p:spPr>
+          <a:xfrm>
+            <a:off x="5140214" y="1650058"/>
+            <a:ext cx="2155819" cy="369332"/>
+          </a:xfrm>
+          <a:prstGeom prst="rect">
+            <a:avLst/>
+          </a:prstGeom>
+          <a:noFill/>
+        </p:spPr>
+        <p:txBody>
+          <a:bodyPr wrap="square" rtlCol="0">
+            <a:spAutoFit/>
+          </a:bodyPr>
+          <a:lstStyle/>
+          <a:p>
+            <a:r>
+              <a:rPr lang="fr-FR" dirty="0" err="1" smtClean="0">
+                <a:solidFill>
+                  <a:schemeClr val="tx2">
+                    <a:lumMod val="60000"/>
+                    <a:lumOff val="40000"/>
+                  </a:schemeClr>
+                </a:solidFill>
+              </a:rPr>
+              <a:t>Slideshow</a:t>
+            </a:r>
+            <a:r>
+              <a:rPr lang="fr-FR" dirty="0" smtClean="0">
+                <a:solidFill>
+                  <a:schemeClr val="tx2">
+                    <a:lumMod val="60000"/>
+                    <a:lumOff val="40000"/>
+                  </a:schemeClr>
+                </a:solidFill>
+              </a:rPr>
+              <a:t> images</a:t>
+            </a:r>
+            <a:endParaRPr lang="fr-FR" dirty="0">
+              <a:solidFill>
+                <a:schemeClr val="tx2">
+                  <a:lumMod val="60000"/>
+                  <a:lumOff val="40000"/>
+                </a:schemeClr>
+              </a:solidFill>
+            </a:endParaRPr>
+          </a:p>
+        </p:txBody>
+      </p:sp>
+      <p:sp>
+        <p:nvSpPr>
+          <p:cNvPr id="22" name="ZoneTexte 21"/>
+          <p:cNvSpPr txBox="1"/>
+          <p:nvPr/>
+        </p:nvSpPr>
+        <p:spPr>
+          <a:xfrm>
+            <a:off x="5419100" y="2408115"/>
+            <a:ext cx="1442233" cy="338554"/>
+          </a:xfrm>
+          <a:prstGeom prst="rect">
+            <a:avLst/>
+          </a:prstGeom>
+          <a:noFill/>
+        </p:spPr>
+        <p:txBody>
+          <a:bodyPr wrap="square" rtlCol="0">
+            <a:spAutoFit/>
+          </a:bodyPr>
+          <a:lstStyle/>
+          <a:p>
+            <a:r>
+              <a:rPr lang="fr-FR" sz="1600" dirty="0" smtClean="0"/>
+              <a:t>NOUVEAUTES</a:t>
+            </a:r>
+            <a:endParaRPr lang="fr-FR" sz="1600" dirty="0"/>
+          </a:p>
+        </p:txBody>
+      </p:sp>
+      <p:cxnSp>
+        <p:nvCxnSpPr>
+          <p:cNvPr id="23" name="Line"/>
+          <p:cNvCxnSpPr>
+            <a:cxnSpLocks/>
+          </p:cNvCxnSpPr>
+          <p:nvPr/>
+        </p:nvCxnSpPr>
+        <p:spPr bwMode="auto">
+          <a:xfrm>
+            <a:off x="5380613" y="2693184"/>
+            <a:ext cx="1389112" cy="0"/>
+          </a:xfrm>
+          <a:prstGeom prst="line">
+            <a:avLst/>
+          </a:prstGeom>
+          <a:ln w="6350">
+            <a:solidFill>
+              <a:srgbClr val="808080"/>
+            </a:solidFill>
+          </a:ln>
+        </p:spPr>
+        <p:style>
+          <a:lnRef idx="1">
+            <a:schemeClr val="accent1"/>
+          </a:lnRef>
+          <a:fillRef idx="0">
+            <a:schemeClr val="accent1"/>
+          </a:fillRef>
+          <a:effectRef idx="0">
+            <a:schemeClr val="accent1"/>
+          </a:effectRef>
+          <a:fontRef idx="minor">
+            <a:schemeClr val="tx1"/>
+          </a:fontRef>
+        </p:style>
+      </p:cxnSp>
+      <p:sp>
+        <p:nvSpPr>
+          <p:cNvPr id="25" name="Rectangle 24"/>
+          <p:cNvSpPr/>
+          <p:nvPr/>
+        </p:nvSpPr>
+        <p:spPr>
+          <a:xfrm>
+            <a:off x="5059189" y="2974694"/>
+            <a:ext cx="878621" cy="1133432"/>
+          </a:xfrm>
+          <a:prstGeom prst="rect">
+            <a:avLst/>
+          </a:prstGeom>
+          <a:solidFill>
+            <a:schemeClr val="bg1"/>
+          </a:solidFill>
+          <a:ln w="3175">
+            <a:solidFill>
+              <a:schemeClr val="tx2">
+                <a:lumMod val="75000"/>
+              </a:schemeClr>
+            </a:solidFill>
+          </a:ln>
+        </p:spPr>
+        <p:style>
+          <a:lnRef idx="2">
+            <a:schemeClr val="accent1">
+              <a:shade val="50000"/>
+            </a:schemeClr>
+          </a:lnRef>
+          <a:fillRef idx="1">
+            <a:schemeClr val="accent1"/>
+          </a:fillRef>
+          <a:effectRef idx="0">
+            <a:schemeClr val="accent1"/>
+          </a:effectRef>
+          <a:fontRef idx="minor">
+            <a:schemeClr val="lt1"/>
+          </a:fontRef>
+        </p:style>
+        <p:txBody>
+          <a:bodyPr rtlCol="0" anchor="ctr"/>
+          <a:lstStyle/>
+          <a:p>
+            <a:pPr algn="ctr"/>
+            <a:endParaRPr lang="fr-FR"/>
+          </a:p>
+        </p:txBody>
+      </p:sp>
+      <p:pic>
+        <p:nvPicPr>
+          <p:cNvPr id="27" name="Image 26"/>
+          <p:cNvPicPr>
+            <a:picLocks noChangeAspect="1"/>
+          </p:cNvPicPr>
+          <p:nvPr/>
+        </p:nvPicPr>
+        <p:blipFill>
+          <a:blip r:embed="rId6" cstate="print">
+            <a:extLst>
+              <a:ext uri="{28A0092B-C50C-407E-A947-70E740481C1C}">
+                <a14:useLocalDpi xmlns:a14="http://schemas.microsoft.com/office/drawing/2010/main" val="0"/>
+              </a:ext>
+            </a:extLst>
+          </a:blip>
+          <a:stretch>
+            <a:fillRect/>
+          </a:stretch>
+        </p:blipFill>
+        <p:spPr>
+          <a:xfrm>
+            <a:off x="5124647" y="2991622"/>
+            <a:ext cx="727681" cy="727681"/>
+          </a:xfrm>
+          <a:prstGeom prst="rect">
+            <a:avLst/>
+          </a:prstGeom>
+        </p:spPr>
+      </p:pic>
+      <p:sp>
+        <p:nvSpPr>
+          <p:cNvPr id="28" name="ZoneTexte 27"/>
+          <p:cNvSpPr txBox="1"/>
+          <p:nvPr/>
+        </p:nvSpPr>
+        <p:spPr>
+          <a:xfrm>
+            <a:off x="4995752" y="3646344"/>
+            <a:ext cx="1023082" cy="400110"/>
+          </a:xfrm>
+          <a:prstGeom prst="rect">
+            <a:avLst/>
+          </a:prstGeom>
+          <a:noFill/>
+        </p:spPr>
+        <p:txBody>
+          <a:bodyPr wrap="square" rtlCol="0">
+            <a:spAutoFit/>
+          </a:bodyPr>
+          <a:lstStyle/>
+          <a:p>
+            <a:r>
+              <a:rPr lang="fr-FR" sz="500" dirty="0"/>
+              <a:t>Figurine </a:t>
+            </a:r>
+            <a:r>
+              <a:rPr lang="fr-FR" sz="500" dirty="0" err="1"/>
+              <a:t>Roronoa</a:t>
+            </a:r>
+            <a:r>
+              <a:rPr lang="fr-FR" sz="500" dirty="0"/>
+              <a:t> </a:t>
+            </a:r>
+            <a:r>
+              <a:rPr lang="fr-FR" sz="500" dirty="0" err="1"/>
+              <a:t>Zoro</a:t>
+            </a:r>
+            <a:r>
+              <a:rPr lang="fr-FR" sz="500" dirty="0"/>
+              <a:t> – </a:t>
+            </a:r>
+            <a:r>
+              <a:rPr lang="fr-FR" sz="500" dirty="0" err="1"/>
+              <a:t>Grandista</a:t>
+            </a:r>
+            <a:r>
+              <a:rPr lang="fr-FR" sz="500" dirty="0"/>
+              <a:t> Manga Dimension– 28 cm</a:t>
+            </a:r>
+          </a:p>
+          <a:p>
+            <a:endParaRPr lang="fr-FR" sz="500" dirty="0"/>
+          </a:p>
+        </p:txBody>
+      </p:sp>
+      <p:sp>
+        <p:nvSpPr>
+          <p:cNvPr id="29" name="ZoneTexte 28"/>
+          <p:cNvSpPr txBox="1"/>
+          <p:nvPr/>
+        </p:nvSpPr>
+        <p:spPr>
+          <a:xfrm>
+            <a:off x="5160599" y="3844450"/>
+            <a:ext cx="957526" cy="307777"/>
+          </a:xfrm>
+          <a:prstGeom prst="rect">
+            <a:avLst/>
+          </a:prstGeom>
+          <a:noFill/>
+        </p:spPr>
+        <p:txBody>
+          <a:bodyPr wrap="square" rtlCol="0">
+            <a:spAutoFit/>
+          </a:bodyPr>
+          <a:lstStyle/>
+          <a:p>
+            <a:r>
+              <a:rPr lang="fr-FR" sz="1400" dirty="0" smtClean="0">
+                <a:solidFill>
+                  <a:srgbClr val="C00000"/>
+                </a:solidFill>
+              </a:rPr>
+              <a:t>74,90 €</a:t>
+            </a:r>
+            <a:endParaRPr lang="fr-FR" sz="1400" dirty="0">
+              <a:solidFill>
+                <a:srgbClr val="C00000"/>
+              </a:solidFill>
+            </a:endParaRPr>
+          </a:p>
+        </p:txBody>
+      </p:sp>
+      <p:sp>
+        <p:nvSpPr>
+          <p:cNvPr id="30" name="Rectangle 29"/>
+          <p:cNvSpPr/>
+          <p:nvPr/>
+        </p:nvSpPr>
+        <p:spPr>
+          <a:xfrm>
+            <a:off x="5003264" y="3167029"/>
+            <a:ext cx="588906" cy="151354"/>
+          </a:xfrm>
+          <a:prstGeom prst="rect">
+            <a:avLst/>
+          </a:prstGeom>
+          <a:ln>
+            <a:noFill/>
+          </a:ln>
+        </p:spPr>
+        <p:style>
+          <a:lnRef idx="2">
+            <a:schemeClr val="accent1">
+              <a:shade val="50000"/>
+            </a:schemeClr>
+          </a:lnRef>
+          <a:fillRef idx="1">
+            <a:schemeClr val="accent1"/>
+          </a:fillRef>
+          <a:effectRef idx="0">
+            <a:schemeClr val="accent1"/>
+          </a:effectRef>
+          <a:fontRef idx="minor">
+            <a:schemeClr val="lt1"/>
+          </a:fontRef>
+        </p:style>
+        <p:txBody>
+          <a:bodyPr rtlCol="0" anchor="ctr"/>
+          <a:lstStyle/>
+          <a:p>
+            <a:pPr algn="ctr"/>
+            <a:endParaRPr lang="fr-FR"/>
+          </a:p>
+        </p:txBody>
+      </p:sp>
+      <p:sp>
+        <p:nvSpPr>
+          <p:cNvPr id="31" name="ZoneTexte 30"/>
+          <p:cNvSpPr txBox="1"/>
+          <p:nvPr/>
+        </p:nvSpPr>
+        <p:spPr>
+          <a:xfrm>
+            <a:off x="4937806" y="3126047"/>
+            <a:ext cx="1044598" cy="230832"/>
+          </a:xfrm>
+          <a:prstGeom prst="rect">
+            <a:avLst/>
+          </a:prstGeom>
+          <a:noFill/>
+        </p:spPr>
+        <p:txBody>
+          <a:bodyPr wrap="square" rtlCol="0">
+            <a:spAutoFit/>
+          </a:bodyPr>
+          <a:lstStyle/>
+          <a:p>
+            <a:r>
+              <a:rPr lang="fr-FR" sz="900" dirty="0" smtClean="0">
+                <a:solidFill>
+                  <a:schemeClr val="bg1"/>
+                </a:solidFill>
+              </a:rPr>
+              <a:t>Nouveauté</a:t>
+            </a:r>
+            <a:endParaRPr lang="fr-FR" sz="900" dirty="0">
+              <a:solidFill>
+                <a:schemeClr val="bg1"/>
+              </a:solidFill>
+            </a:endParaRPr>
+          </a:p>
+        </p:txBody>
+      </p:sp>
+      <p:sp>
+        <p:nvSpPr>
+          <p:cNvPr id="32" name="Rectangle 31"/>
+          <p:cNvSpPr/>
+          <p:nvPr/>
+        </p:nvSpPr>
+        <p:spPr>
+          <a:xfrm>
+            <a:off x="6203654" y="2974694"/>
+            <a:ext cx="878621" cy="1133432"/>
+          </a:xfrm>
+          <a:prstGeom prst="rect">
+            <a:avLst/>
+          </a:prstGeom>
+          <a:solidFill>
+            <a:schemeClr val="bg1"/>
+          </a:solidFill>
+          <a:ln w="3175">
+            <a:solidFill>
+              <a:schemeClr val="tx2">
+                <a:lumMod val="75000"/>
+              </a:schemeClr>
+            </a:solidFill>
+          </a:ln>
+        </p:spPr>
+        <p:style>
+          <a:lnRef idx="2">
+            <a:schemeClr val="accent1">
+              <a:shade val="50000"/>
+            </a:schemeClr>
+          </a:lnRef>
+          <a:fillRef idx="1">
+            <a:schemeClr val="accent1"/>
+          </a:fillRef>
+          <a:effectRef idx="0">
+            <a:schemeClr val="accent1"/>
+          </a:effectRef>
+          <a:fontRef idx="minor">
+            <a:schemeClr val="lt1"/>
+          </a:fontRef>
+        </p:style>
+        <p:txBody>
+          <a:bodyPr rtlCol="0" anchor="ctr"/>
+          <a:lstStyle/>
+          <a:p>
+            <a:pPr algn="ctr"/>
+            <a:endParaRPr lang="fr-FR"/>
+          </a:p>
+        </p:txBody>
+      </p:sp>
+      <p:pic>
+        <p:nvPicPr>
+          <p:cNvPr id="33" name="Image 32"/>
+          <p:cNvPicPr>
+            <a:picLocks noChangeAspect="1"/>
+          </p:cNvPicPr>
+          <p:nvPr/>
+        </p:nvPicPr>
+        <p:blipFill>
+          <a:blip r:embed="rId6" cstate="print">
+            <a:extLst>
+              <a:ext uri="{28A0092B-C50C-407E-A947-70E740481C1C}">
+                <a14:useLocalDpi xmlns:a14="http://schemas.microsoft.com/office/drawing/2010/main" val="0"/>
+              </a:ext>
+            </a:extLst>
+          </a:blip>
+          <a:stretch>
+            <a:fillRect/>
+          </a:stretch>
+        </p:blipFill>
+        <p:spPr>
+          <a:xfrm>
+            <a:off x="6269112" y="2991622"/>
+            <a:ext cx="727681" cy="727681"/>
+          </a:xfrm>
+          <a:prstGeom prst="rect">
+            <a:avLst/>
+          </a:prstGeom>
+        </p:spPr>
+      </p:pic>
+      <p:sp>
+        <p:nvSpPr>
+          <p:cNvPr id="34" name="ZoneTexte 33"/>
+          <p:cNvSpPr txBox="1"/>
+          <p:nvPr/>
+        </p:nvSpPr>
+        <p:spPr>
+          <a:xfrm>
+            <a:off x="6140217" y="3646344"/>
+            <a:ext cx="1023082" cy="400110"/>
+          </a:xfrm>
+          <a:prstGeom prst="rect">
+            <a:avLst/>
+          </a:prstGeom>
+          <a:noFill/>
+        </p:spPr>
+        <p:txBody>
+          <a:bodyPr wrap="square" rtlCol="0">
+            <a:spAutoFit/>
+          </a:bodyPr>
+          <a:lstStyle/>
+          <a:p>
+            <a:r>
+              <a:rPr lang="fr-FR" sz="500" dirty="0"/>
+              <a:t>Figurine </a:t>
+            </a:r>
+            <a:r>
+              <a:rPr lang="fr-FR" sz="500" dirty="0" err="1"/>
+              <a:t>Roronoa</a:t>
+            </a:r>
+            <a:r>
+              <a:rPr lang="fr-FR" sz="500" dirty="0"/>
+              <a:t> </a:t>
+            </a:r>
+            <a:r>
+              <a:rPr lang="fr-FR" sz="500" dirty="0" err="1"/>
+              <a:t>Zoro</a:t>
+            </a:r>
+            <a:r>
+              <a:rPr lang="fr-FR" sz="500" dirty="0"/>
+              <a:t> – </a:t>
+            </a:r>
+            <a:r>
+              <a:rPr lang="fr-FR" sz="500" dirty="0" err="1"/>
+              <a:t>Grandista</a:t>
+            </a:r>
+            <a:r>
+              <a:rPr lang="fr-FR" sz="500" dirty="0"/>
+              <a:t> Manga Dimension– 28 cm</a:t>
+            </a:r>
+          </a:p>
+          <a:p>
+            <a:endParaRPr lang="fr-FR" sz="500" dirty="0"/>
+          </a:p>
+        </p:txBody>
+      </p:sp>
+      <p:sp>
+        <p:nvSpPr>
+          <p:cNvPr id="35" name="ZoneTexte 34"/>
+          <p:cNvSpPr txBox="1"/>
+          <p:nvPr/>
+        </p:nvSpPr>
+        <p:spPr>
+          <a:xfrm>
+            <a:off x="6305064" y="3844450"/>
+            <a:ext cx="957526" cy="307777"/>
+          </a:xfrm>
+          <a:prstGeom prst="rect">
+            <a:avLst/>
+          </a:prstGeom>
+          <a:noFill/>
+        </p:spPr>
+        <p:txBody>
+          <a:bodyPr wrap="square" rtlCol="0">
+            <a:spAutoFit/>
+          </a:bodyPr>
+          <a:lstStyle/>
+          <a:p>
+            <a:r>
+              <a:rPr lang="fr-FR" sz="1400" dirty="0" smtClean="0">
+                <a:solidFill>
+                  <a:srgbClr val="C00000"/>
+                </a:solidFill>
+              </a:rPr>
+              <a:t>74,90 €</a:t>
+            </a:r>
+            <a:endParaRPr lang="fr-FR" sz="1400" dirty="0">
+              <a:solidFill>
+                <a:srgbClr val="C00000"/>
+              </a:solidFill>
+            </a:endParaRPr>
+          </a:p>
+        </p:txBody>
+      </p:sp>
+      <p:sp>
+        <p:nvSpPr>
+          <p:cNvPr id="36" name="Rectangle 35"/>
+          <p:cNvSpPr/>
+          <p:nvPr/>
+        </p:nvSpPr>
+        <p:spPr>
+          <a:xfrm>
+            <a:off x="6147729" y="3167029"/>
+            <a:ext cx="588906" cy="151354"/>
+          </a:xfrm>
+          <a:prstGeom prst="rect">
+            <a:avLst/>
+          </a:prstGeom>
+          <a:ln>
+            <a:noFill/>
+          </a:ln>
+        </p:spPr>
+        <p:style>
+          <a:lnRef idx="2">
+            <a:schemeClr val="accent1">
+              <a:shade val="50000"/>
+            </a:schemeClr>
+          </a:lnRef>
+          <a:fillRef idx="1">
+            <a:schemeClr val="accent1"/>
+          </a:fillRef>
+          <a:effectRef idx="0">
+            <a:schemeClr val="accent1"/>
+          </a:effectRef>
+          <a:fontRef idx="minor">
+            <a:schemeClr val="lt1"/>
+          </a:fontRef>
+        </p:style>
+        <p:txBody>
+          <a:bodyPr rtlCol="0" anchor="ctr"/>
+          <a:lstStyle/>
+          <a:p>
+            <a:pPr algn="ctr"/>
+            <a:endParaRPr lang="fr-FR"/>
+          </a:p>
+        </p:txBody>
+      </p:sp>
+      <p:sp>
+        <p:nvSpPr>
+          <p:cNvPr id="37" name="ZoneTexte 36"/>
+          <p:cNvSpPr txBox="1"/>
+          <p:nvPr/>
+        </p:nvSpPr>
+        <p:spPr>
+          <a:xfrm>
+            <a:off x="6082271" y="3126047"/>
+            <a:ext cx="1044598" cy="230832"/>
+          </a:xfrm>
+          <a:prstGeom prst="rect">
+            <a:avLst/>
+          </a:prstGeom>
+          <a:noFill/>
+        </p:spPr>
+        <p:txBody>
+          <a:bodyPr wrap="square" rtlCol="0">
+            <a:spAutoFit/>
+          </a:bodyPr>
+          <a:lstStyle/>
+          <a:p>
+            <a:r>
+              <a:rPr lang="fr-FR" sz="900" dirty="0" smtClean="0">
+                <a:solidFill>
+                  <a:schemeClr val="bg1"/>
+                </a:solidFill>
+              </a:rPr>
+              <a:t>Nouveauté</a:t>
+            </a:r>
+            <a:endParaRPr lang="fr-FR" sz="900" dirty="0">
+              <a:solidFill>
+                <a:schemeClr val="bg1"/>
+              </a:solidFill>
+            </a:endParaRPr>
+          </a:p>
+        </p:txBody>
+      </p:sp>
+      <p:sp>
+        <p:nvSpPr>
+          <p:cNvPr id="40" name="Rectangle 39"/>
+          <p:cNvSpPr/>
+          <p:nvPr/>
+        </p:nvSpPr>
+        <p:spPr>
+          <a:xfrm>
+            <a:off x="5059189" y="4399236"/>
+            <a:ext cx="878621" cy="1133432"/>
+          </a:xfrm>
+          <a:prstGeom prst="rect">
+            <a:avLst/>
+          </a:prstGeom>
+          <a:solidFill>
+            <a:schemeClr val="bg1"/>
+          </a:solidFill>
+          <a:ln w="3175">
+            <a:solidFill>
+              <a:schemeClr val="tx2">
+                <a:lumMod val="75000"/>
+              </a:schemeClr>
+            </a:solidFill>
+          </a:ln>
+        </p:spPr>
+        <p:style>
+          <a:lnRef idx="2">
+            <a:schemeClr val="accent1">
+              <a:shade val="50000"/>
+            </a:schemeClr>
+          </a:lnRef>
+          <a:fillRef idx="1">
+            <a:schemeClr val="accent1"/>
+          </a:fillRef>
+          <a:effectRef idx="0">
+            <a:schemeClr val="accent1"/>
+          </a:effectRef>
+          <a:fontRef idx="minor">
+            <a:schemeClr val="lt1"/>
+          </a:fontRef>
+        </p:style>
+        <p:txBody>
+          <a:bodyPr rtlCol="0" anchor="ctr"/>
+          <a:lstStyle/>
+          <a:p>
+            <a:pPr algn="ctr"/>
+            <a:endParaRPr lang="fr-FR"/>
+          </a:p>
+        </p:txBody>
+      </p:sp>
+      <p:pic>
+        <p:nvPicPr>
+          <p:cNvPr id="41" name="Image 40"/>
+          <p:cNvPicPr>
+            <a:picLocks noChangeAspect="1"/>
+          </p:cNvPicPr>
+          <p:nvPr/>
+        </p:nvPicPr>
+        <p:blipFill>
+          <a:blip r:embed="rId6" cstate="print">
+            <a:extLst>
+              <a:ext uri="{28A0092B-C50C-407E-A947-70E740481C1C}">
+                <a14:useLocalDpi xmlns:a14="http://schemas.microsoft.com/office/drawing/2010/main" val="0"/>
+              </a:ext>
+            </a:extLst>
+          </a:blip>
+          <a:stretch>
+            <a:fillRect/>
+          </a:stretch>
+        </p:blipFill>
+        <p:spPr>
+          <a:xfrm>
+            <a:off x="5124647" y="4416164"/>
+            <a:ext cx="727681" cy="727681"/>
+          </a:xfrm>
+          <a:prstGeom prst="rect">
+            <a:avLst/>
+          </a:prstGeom>
+        </p:spPr>
+      </p:pic>
+      <p:sp>
+        <p:nvSpPr>
+          <p:cNvPr id="42" name="ZoneTexte 41"/>
+          <p:cNvSpPr txBox="1"/>
+          <p:nvPr/>
+        </p:nvSpPr>
+        <p:spPr>
+          <a:xfrm>
+            <a:off x="4995752" y="5070886"/>
+            <a:ext cx="1023082" cy="400110"/>
+          </a:xfrm>
+          <a:prstGeom prst="rect">
+            <a:avLst/>
+          </a:prstGeom>
+          <a:noFill/>
+        </p:spPr>
+        <p:txBody>
+          <a:bodyPr wrap="square" rtlCol="0">
+            <a:spAutoFit/>
+          </a:bodyPr>
+          <a:lstStyle/>
+          <a:p>
+            <a:r>
+              <a:rPr lang="fr-FR" sz="500" dirty="0"/>
+              <a:t>Figurine </a:t>
+            </a:r>
+            <a:r>
+              <a:rPr lang="fr-FR" sz="500" dirty="0" err="1"/>
+              <a:t>Roronoa</a:t>
+            </a:r>
+            <a:r>
+              <a:rPr lang="fr-FR" sz="500" dirty="0"/>
+              <a:t> </a:t>
+            </a:r>
+            <a:r>
+              <a:rPr lang="fr-FR" sz="500" dirty="0" err="1"/>
+              <a:t>Zoro</a:t>
+            </a:r>
+            <a:r>
+              <a:rPr lang="fr-FR" sz="500" dirty="0"/>
+              <a:t> – </a:t>
+            </a:r>
+            <a:r>
+              <a:rPr lang="fr-FR" sz="500" dirty="0" err="1"/>
+              <a:t>Grandista</a:t>
+            </a:r>
+            <a:r>
+              <a:rPr lang="fr-FR" sz="500" dirty="0"/>
+              <a:t> Manga Dimension– 28 cm</a:t>
+            </a:r>
+          </a:p>
+          <a:p>
+            <a:endParaRPr lang="fr-FR" sz="500" dirty="0"/>
+          </a:p>
+        </p:txBody>
+      </p:sp>
+      <p:sp>
+        <p:nvSpPr>
+          <p:cNvPr id="43" name="ZoneTexte 42"/>
+          <p:cNvSpPr txBox="1"/>
+          <p:nvPr/>
+        </p:nvSpPr>
+        <p:spPr>
+          <a:xfrm>
+            <a:off x="5160599" y="5268992"/>
+            <a:ext cx="957526" cy="307777"/>
+          </a:xfrm>
+          <a:prstGeom prst="rect">
+            <a:avLst/>
+          </a:prstGeom>
+          <a:noFill/>
+        </p:spPr>
+        <p:txBody>
+          <a:bodyPr wrap="square" rtlCol="0">
+            <a:spAutoFit/>
+          </a:bodyPr>
+          <a:lstStyle/>
+          <a:p>
+            <a:r>
+              <a:rPr lang="fr-FR" sz="1400" dirty="0" smtClean="0">
+                <a:solidFill>
+                  <a:srgbClr val="C00000"/>
+                </a:solidFill>
+              </a:rPr>
+              <a:t>74,90 €</a:t>
+            </a:r>
+            <a:endParaRPr lang="fr-FR" sz="1400" dirty="0">
+              <a:solidFill>
+                <a:srgbClr val="C00000"/>
+              </a:solidFill>
+            </a:endParaRPr>
+          </a:p>
+        </p:txBody>
+      </p:sp>
+      <p:sp>
+        <p:nvSpPr>
+          <p:cNvPr id="44" name="Rectangle 43"/>
+          <p:cNvSpPr/>
+          <p:nvPr/>
+        </p:nvSpPr>
+        <p:spPr>
+          <a:xfrm>
+            <a:off x="5003264" y="4591571"/>
+            <a:ext cx="588906" cy="151354"/>
+          </a:xfrm>
+          <a:prstGeom prst="rect">
+            <a:avLst/>
+          </a:prstGeom>
+          <a:ln>
+            <a:noFill/>
+          </a:ln>
+        </p:spPr>
+        <p:style>
+          <a:lnRef idx="2">
+            <a:schemeClr val="accent1">
+              <a:shade val="50000"/>
+            </a:schemeClr>
+          </a:lnRef>
+          <a:fillRef idx="1">
+            <a:schemeClr val="accent1"/>
+          </a:fillRef>
+          <a:effectRef idx="0">
+            <a:schemeClr val="accent1"/>
+          </a:effectRef>
+          <a:fontRef idx="minor">
+            <a:schemeClr val="lt1"/>
+          </a:fontRef>
+        </p:style>
+        <p:txBody>
+          <a:bodyPr rtlCol="0" anchor="ctr"/>
+          <a:lstStyle/>
+          <a:p>
+            <a:pPr algn="ctr"/>
+            <a:endParaRPr lang="fr-FR"/>
+          </a:p>
+        </p:txBody>
+      </p:sp>
+      <p:sp>
+        <p:nvSpPr>
+          <p:cNvPr id="45" name="ZoneTexte 44"/>
+          <p:cNvSpPr txBox="1"/>
+          <p:nvPr/>
+        </p:nvSpPr>
+        <p:spPr>
+          <a:xfrm>
+            <a:off x="4937806" y="4550589"/>
+            <a:ext cx="1044598" cy="230832"/>
+          </a:xfrm>
+          <a:prstGeom prst="rect">
+            <a:avLst/>
+          </a:prstGeom>
+          <a:noFill/>
+        </p:spPr>
+        <p:txBody>
+          <a:bodyPr wrap="square" rtlCol="0">
+            <a:spAutoFit/>
+          </a:bodyPr>
+          <a:lstStyle/>
+          <a:p>
+            <a:r>
+              <a:rPr lang="fr-FR" sz="900" dirty="0" smtClean="0">
+                <a:solidFill>
+                  <a:schemeClr val="bg1"/>
+                </a:solidFill>
+              </a:rPr>
+              <a:t>Nouveauté</a:t>
+            </a:r>
+            <a:endParaRPr lang="fr-FR" sz="900" dirty="0">
+              <a:solidFill>
+                <a:schemeClr val="bg1"/>
+              </a:solidFill>
+            </a:endParaRPr>
+          </a:p>
+        </p:txBody>
+      </p:sp>
+      <p:sp>
+        <p:nvSpPr>
+          <p:cNvPr id="46" name="Rectangle 45"/>
+          <p:cNvSpPr/>
+          <p:nvPr/>
+        </p:nvSpPr>
+        <p:spPr>
+          <a:xfrm>
+            <a:off x="6203654" y="4399236"/>
+            <a:ext cx="878621" cy="1133432"/>
+          </a:xfrm>
+          <a:prstGeom prst="rect">
+            <a:avLst/>
+          </a:prstGeom>
+          <a:solidFill>
+            <a:schemeClr val="bg1"/>
+          </a:solidFill>
+          <a:ln w="3175">
+            <a:solidFill>
+              <a:schemeClr val="tx2">
+                <a:lumMod val="75000"/>
+              </a:schemeClr>
+            </a:solidFill>
+          </a:ln>
+        </p:spPr>
+        <p:style>
+          <a:lnRef idx="2">
+            <a:schemeClr val="accent1">
+              <a:shade val="50000"/>
+            </a:schemeClr>
+          </a:lnRef>
+          <a:fillRef idx="1">
+            <a:schemeClr val="accent1"/>
+          </a:fillRef>
+          <a:effectRef idx="0">
+            <a:schemeClr val="accent1"/>
+          </a:effectRef>
+          <a:fontRef idx="minor">
+            <a:schemeClr val="lt1"/>
+          </a:fontRef>
+        </p:style>
+        <p:txBody>
+          <a:bodyPr rtlCol="0" anchor="ctr"/>
+          <a:lstStyle/>
+          <a:p>
+            <a:pPr algn="ctr"/>
+            <a:endParaRPr lang="fr-FR"/>
+          </a:p>
+        </p:txBody>
+      </p:sp>
+      <p:pic>
+        <p:nvPicPr>
+          <p:cNvPr id="47" name="Image 46"/>
+          <p:cNvPicPr>
+            <a:picLocks noChangeAspect="1"/>
+          </p:cNvPicPr>
+          <p:nvPr/>
+        </p:nvPicPr>
+        <p:blipFill>
+          <a:blip r:embed="rId6" cstate="print">
+            <a:extLst>
+              <a:ext uri="{28A0092B-C50C-407E-A947-70E740481C1C}">
+                <a14:useLocalDpi xmlns:a14="http://schemas.microsoft.com/office/drawing/2010/main" val="0"/>
+              </a:ext>
+            </a:extLst>
+          </a:blip>
+          <a:stretch>
+            <a:fillRect/>
+          </a:stretch>
+        </p:blipFill>
+        <p:spPr>
+          <a:xfrm>
+            <a:off x="6269112" y="4416164"/>
+            <a:ext cx="727681" cy="727681"/>
+          </a:xfrm>
+          <a:prstGeom prst="rect">
+            <a:avLst/>
+          </a:prstGeom>
+        </p:spPr>
+      </p:pic>
+      <p:sp>
+        <p:nvSpPr>
+          <p:cNvPr id="48" name="ZoneTexte 47"/>
+          <p:cNvSpPr txBox="1"/>
+          <p:nvPr/>
+        </p:nvSpPr>
+        <p:spPr>
+          <a:xfrm>
+            <a:off x="6140217" y="5070886"/>
+            <a:ext cx="1023082" cy="400110"/>
+          </a:xfrm>
+          <a:prstGeom prst="rect">
+            <a:avLst/>
+          </a:prstGeom>
+          <a:noFill/>
+        </p:spPr>
+        <p:txBody>
+          <a:bodyPr wrap="square" rtlCol="0">
+            <a:spAutoFit/>
+          </a:bodyPr>
+          <a:lstStyle/>
+          <a:p>
+            <a:r>
+              <a:rPr lang="fr-FR" sz="500" dirty="0"/>
+              <a:t>Figurine </a:t>
+            </a:r>
+            <a:r>
+              <a:rPr lang="fr-FR" sz="500" dirty="0" err="1"/>
+              <a:t>Roronoa</a:t>
+            </a:r>
+            <a:r>
+              <a:rPr lang="fr-FR" sz="500" dirty="0"/>
+              <a:t> </a:t>
+            </a:r>
+            <a:r>
+              <a:rPr lang="fr-FR" sz="500" dirty="0" err="1"/>
+              <a:t>Zoro</a:t>
+            </a:r>
+            <a:r>
+              <a:rPr lang="fr-FR" sz="500" dirty="0"/>
+              <a:t> – </a:t>
+            </a:r>
+            <a:r>
+              <a:rPr lang="fr-FR" sz="500" dirty="0" err="1"/>
+              <a:t>Grandista</a:t>
+            </a:r>
+            <a:r>
+              <a:rPr lang="fr-FR" sz="500" dirty="0"/>
+              <a:t> Manga Dimension– 28 cm</a:t>
+            </a:r>
+          </a:p>
+          <a:p>
+            <a:endParaRPr lang="fr-FR" sz="500" dirty="0"/>
+          </a:p>
+        </p:txBody>
+      </p:sp>
+      <p:sp>
+        <p:nvSpPr>
+          <p:cNvPr id="49" name="ZoneTexte 48"/>
+          <p:cNvSpPr txBox="1"/>
+          <p:nvPr/>
+        </p:nvSpPr>
+        <p:spPr>
+          <a:xfrm>
+            <a:off x="6305064" y="5268992"/>
+            <a:ext cx="957526" cy="307777"/>
+          </a:xfrm>
+          <a:prstGeom prst="rect">
+            <a:avLst/>
+          </a:prstGeom>
+          <a:noFill/>
+        </p:spPr>
+        <p:txBody>
+          <a:bodyPr wrap="square" rtlCol="0">
+            <a:spAutoFit/>
+          </a:bodyPr>
+          <a:lstStyle/>
+          <a:p>
+            <a:r>
+              <a:rPr lang="fr-FR" sz="1400" dirty="0" smtClean="0">
+                <a:solidFill>
+                  <a:srgbClr val="C00000"/>
+                </a:solidFill>
+              </a:rPr>
+              <a:t>74,90 €</a:t>
+            </a:r>
+            <a:endParaRPr lang="fr-FR" sz="1400" dirty="0">
+              <a:solidFill>
+                <a:srgbClr val="C00000"/>
+              </a:solidFill>
+            </a:endParaRPr>
+          </a:p>
+        </p:txBody>
+      </p:sp>
+      <p:sp>
+        <p:nvSpPr>
+          <p:cNvPr id="50" name="Rectangle 49"/>
+          <p:cNvSpPr/>
+          <p:nvPr/>
+        </p:nvSpPr>
+        <p:spPr>
+          <a:xfrm>
+            <a:off x="6147729" y="4591571"/>
+            <a:ext cx="588906" cy="151354"/>
+          </a:xfrm>
+          <a:prstGeom prst="rect">
+            <a:avLst/>
+          </a:prstGeom>
+          <a:ln>
+            <a:noFill/>
+          </a:ln>
+        </p:spPr>
+        <p:style>
+          <a:lnRef idx="2">
+            <a:schemeClr val="accent1">
+              <a:shade val="50000"/>
+            </a:schemeClr>
+          </a:lnRef>
+          <a:fillRef idx="1">
+            <a:schemeClr val="accent1"/>
+          </a:fillRef>
+          <a:effectRef idx="0">
+            <a:schemeClr val="accent1"/>
+          </a:effectRef>
+          <a:fontRef idx="minor">
+            <a:schemeClr val="lt1"/>
+          </a:fontRef>
+        </p:style>
+        <p:txBody>
+          <a:bodyPr rtlCol="0" anchor="ctr"/>
+          <a:lstStyle/>
+          <a:p>
+            <a:pPr algn="ctr"/>
+            <a:endParaRPr lang="fr-FR"/>
+          </a:p>
+        </p:txBody>
+      </p:sp>
+      <p:sp>
+        <p:nvSpPr>
+          <p:cNvPr id="51" name="ZoneTexte 50"/>
+          <p:cNvSpPr txBox="1"/>
+          <p:nvPr/>
+        </p:nvSpPr>
+        <p:spPr>
+          <a:xfrm>
+            <a:off x="6082271" y="4550589"/>
+            <a:ext cx="1044598" cy="230832"/>
+          </a:xfrm>
+          <a:prstGeom prst="rect">
+            <a:avLst/>
+          </a:prstGeom>
+          <a:noFill/>
+        </p:spPr>
+        <p:txBody>
+          <a:bodyPr wrap="square" rtlCol="0">
+            <a:spAutoFit/>
+          </a:bodyPr>
+          <a:lstStyle/>
+          <a:p>
+            <a:r>
+              <a:rPr lang="fr-FR" sz="900" dirty="0" smtClean="0">
+                <a:solidFill>
+                  <a:schemeClr val="bg1"/>
+                </a:solidFill>
+              </a:rPr>
+              <a:t>Nouveauté</a:t>
+            </a:r>
+            <a:endParaRPr lang="fr-FR" sz="900" dirty="0">
+              <a:solidFill>
+                <a:schemeClr val="bg1"/>
+              </a:solidFill>
+            </a:endParaRPr>
+          </a:p>
+        </p:txBody>
+      </p:sp>
+      <p:sp>
+        <p:nvSpPr>
+          <p:cNvPr id="52" name="ZoneTexte 51"/>
+          <p:cNvSpPr txBox="1"/>
+          <p:nvPr/>
+        </p:nvSpPr>
+        <p:spPr>
+          <a:xfrm>
+            <a:off x="363557" y="451692"/>
+            <a:ext cx="2776250" cy="369332"/>
+          </a:xfrm>
+          <a:prstGeom prst="rect">
+            <a:avLst/>
+          </a:prstGeom>
+          <a:noFill/>
+        </p:spPr>
+        <p:txBody>
+          <a:bodyPr wrap="square" rtlCol="0">
+            <a:spAutoFit/>
+          </a:bodyPr>
+          <a:lstStyle/>
+          <a:p>
+            <a:r>
+              <a:rPr lang="fr-FR" dirty="0" smtClean="0"/>
+              <a:t>INDEX Smartphone Part 1</a:t>
+            </a:r>
+            <a:endParaRPr lang="fr-FR" dirty="0"/>
+          </a:p>
+        </p:txBody>
+      </p:sp>
+    </p:spTree>
+    <p:extLst>
+      <p:ext uri="{BB962C8B-B14F-4D97-AF65-F5344CB8AC3E}">
+        <p14:creationId xmlns:p14="http://schemas.microsoft.com/office/powerpoint/2010/main" val="2067474390"/>
+      </p:ext>
+    </p:extLst>
+  </p:cSld>
+  <p:clrMapOvr>
+    <a:masterClrMapping/>
+  </p:clrMapOvr>
+  <p:timing>
+    <p:tnLst>
+      <p:par>
+        <p:cTn id="1" dur="indefinite" restart="never" nodeType="tmRoot"/>
+      </p:par>
+    </p:tnLst>
+  </p:timing>
+</p:sld>
+</file>
+
+<file path=ppt/slides/slide9.xml><?xml version="1.0" encoding="utf-8"?>
+<p:sld xmlns:a="http://schemas.openxmlformats.org/drawingml/2006/main" xmlns:r="http://schemas.openxmlformats.org/officeDocument/2006/relationships" xmlns:p="http://schemas.openxmlformats.org/presentationml/2006/main">
+  <p:cSld>
+    <p:spTree>
+      <p:nvGrpSpPr>
+        <p:cNvPr id="1" name=""/>
+        <p:cNvGrpSpPr/>
+        <p:nvPr/>
+      </p:nvGrpSpPr>
+      <p:grpSpPr>
+        <a:xfrm>
+          <a:off x="0" y="0"/>
+          <a:ext cx="0" cy="0"/>
+          <a:chOff x="0" y="0"/>
+          <a:chExt cx="0" cy="0"/>
+        </a:xfrm>
+      </p:grpSpPr>
+      <p:pic>
+        <p:nvPicPr>
+          <p:cNvPr id="11" name="Image 10">
+            <a:extLst>
+              <a:ext uri="{FF2B5EF4-FFF2-40B4-BE49-F238E27FC236}">
+                <a16:creationId xmlns:a16="http://schemas.microsoft.com/office/drawing/2014/main" id="{22BDD6C7-5A23-43F7-995C-76453556087E}"/>
+              </a:ext>
+            </a:extLst>
+          </p:cNvPr>
+          <p:cNvPicPr>
+            <a:picLocks noChangeAspect="1"/>
+          </p:cNvPicPr>
+          <p:nvPr/>
+        </p:nvPicPr>
+        <p:blipFill>
+          <a:blip r:embed="rId2">
+            <a:extLst>
+              <a:ext uri="{28A0092B-C50C-407E-A947-70E740481C1C}">
+                <a14:useLocalDpi xmlns:a14="http://schemas.microsoft.com/office/drawing/2010/main" val="0"/>
+              </a:ext>
+            </a:extLst>
+          </a:blip>
+          <a:stretch>
+            <a:fillRect/>
+          </a:stretch>
+        </p:blipFill>
+        <p:spPr>
+          <a:xfrm>
+            <a:off x="3898900" y="317500"/>
+            <a:ext cx="4394200" cy="6223000"/>
+          </a:xfrm>
+          <a:prstGeom prst="rect">
+            <a:avLst/>
+          </a:prstGeom>
+        </p:spPr>
+      </p:pic>
+      <p:sp>
+        <p:nvSpPr>
+          <p:cNvPr id="24" name="Rectangle 23"/>
+          <p:cNvSpPr/>
+          <p:nvPr/>
+        </p:nvSpPr>
+        <p:spPr>
+          <a:xfrm>
+            <a:off x="4899259" y="934390"/>
+            <a:ext cx="2377440" cy="5042898"/>
+          </a:xfrm>
+          <a:prstGeom prst="rect">
+            <a:avLst/>
+          </a:prstGeom>
+          <a:solidFill>
+            <a:schemeClr val="bg1">
+              <a:lumMod val="95000"/>
+            </a:schemeClr>
+          </a:solidFill>
+        </p:spPr>
+        <p:style>
+          <a:lnRef idx="2">
+            <a:schemeClr val="accent1">
+              <a:shade val="50000"/>
+            </a:schemeClr>
+          </a:lnRef>
+          <a:fillRef idx="1">
+            <a:schemeClr val="accent1"/>
+          </a:fillRef>
+          <a:effectRef idx="0">
+            <a:schemeClr val="accent1"/>
+          </a:effectRef>
+          <a:fontRef idx="minor">
+            <a:schemeClr val="lt1"/>
+          </a:fontRef>
+        </p:style>
+        <p:txBody>
+          <a:bodyPr rtlCol="0" anchor="ctr"/>
+          <a:lstStyle/>
+          <a:p>
+            <a:pPr algn="ctr"/>
+            <a:endParaRPr lang="fr-FR"/>
+          </a:p>
+        </p:txBody>
+      </p:sp>
+      <p:sp>
+        <p:nvSpPr>
+          <p:cNvPr id="12" name="Rectangle 11"/>
+          <p:cNvSpPr/>
+          <p:nvPr/>
+        </p:nvSpPr>
+        <p:spPr>
+          <a:xfrm>
+            <a:off x="4899259" y="934390"/>
+            <a:ext cx="2377440" cy="450167"/>
+          </a:xfrm>
+          <a:prstGeom prst="rect">
+            <a:avLst/>
+          </a:prstGeom>
+          <a:solidFill>
+            <a:schemeClr val="tx2">
+              <a:lumMod val="75000"/>
+            </a:schemeClr>
+          </a:solidFill>
+          <a:ln>
+            <a:solidFill>
+              <a:schemeClr val="tx2">
+                <a:lumMod val="75000"/>
+              </a:schemeClr>
+            </a:solidFill>
+          </a:ln>
+        </p:spPr>
+        <p:style>
+          <a:lnRef idx="2">
+            <a:schemeClr val="accent1">
+              <a:shade val="50000"/>
+            </a:schemeClr>
+          </a:lnRef>
+          <a:fillRef idx="1">
+            <a:schemeClr val="accent1"/>
+          </a:fillRef>
+          <a:effectRef idx="0">
+            <a:schemeClr val="accent1"/>
+          </a:effectRef>
+          <a:fontRef idx="minor">
+            <a:schemeClr val="lt1"/>
+          </a:fontRef>
+        </p:style>
+        <p:txBody>
+          <a:bodyPr rtlCol="0" anchor="ctr"/>
+          <a:lstStyle/>
+          <a:p>
+            <a:pPr algn="ctr"/>
+            <a:endParaRPr lang="fr-FR"/>
+          </a:p>
+        </p:txBody>
+      </p:sp>
+      <p:sp>
+        <p:nvSpPr>
+          <p:cNvPr id="13" name="Align Justify"/>
+          <p:cNvSpPr>
+            <a:spLocks noChangeAspect="1" noEditPoints="1"/>
+          </p:cNvSpPr>
+          <p:nvPr/>
+        </p:nvSpPr>
+        <p:spPr bwMode="auto">
+          <a:xfrm>
+            <a:off x="4995752" y="1028697"/>
+            <a:ext cx="288924" cy="261551"/>
+          </a:xfrm>
+          <a:custGeom>
+            <a:avLst/>
+            <a:gdLst>
+              <a:gd name="T0" fmla="*/ 0 w 614"/>
+              <a:gd name="T1" fmla="*/ 0 h 560"/>
+              <a:gd name="T2" fmla="*/ 0 w 614"/>
+              <a:gd name="T3" fmla="*/ 27 h 560"/>
+              <a:gd name="T4" fmla="*/ 614 w 614"/>
+              <a:gd name="T5" fmla="*/ 27 h 560"/>
+              <a:gd name="T6" fmla="*/ 614 w 614"/>
+              <a:gd name="T7" fmla="*/ 0 h 560"/>
+              <a:gd name="T8" fmla="*/ 0 w 614"/>
+              <a:gd name="T9" fmla="*/ 0 h 560"/>
+              <a:gd name="T10" fmla="*/ 0 w 614"/>
+              <a:gd name="T11" fmla="*/ 134 h 560"/>
+              <a:gd name="T12" fmla="*/ 0 w 614"/>
+              <a:gd name="T13" fmla="*/ 160 h 560"/>
+              <a:gd name="T14" fmla="*/ 614 w 614"/>
+              <a:gd name="T15" fmla="*/ 160 h 560"/>
+              <a:gd name="T16" fmla="*/ 614 w 614"/>
+              <a:gd name="T17" fmla="*/ 134 h 560"/>
+              <a:gd name="T18" fmla="*/ 0 w 614"/>
+              <a:gd name="T19" fmla="*/ 134 h 560"/>
+              <a:gd name="T20" fmla="*/ 0 w 614"/>
+              <a:gd name="T21" fmla="*/ 267 h 560"/>
+              <a:gd name="T22" fmla="*/ 0 w 614"/>
+              <a:gd name="T23" fmla="*/ 294 h 560"/>
+              <a:gd name="T24" fmla="*/ 614 w 614"/>
+              <a:gd name="T25" fmla="*/ 294 h 560"/>
+              <a:gd name="T26" fmla="*/ 614 w 614"/>
+              <a:gd name="T27" fmla="*/ 267 h 560"/>
+              <a:gd name="T28" fmla="*/ 0 w 614"/>
+              <a:gd name="T29" fmla="*/ 267 h 560"/>
+              <a:gd name="T30" fmla="*/ 0 w 614"/>
+              <a:gd name="T31" fmla="*/ 400 h 560"/>
+              <a:gd name="T32" fmla="*/ 0 w 614"/>
+              <a:gd name="T33" fmla="*/ 427 h 560"/>
+              <a:gd name="T34" fmla="*/ 614 w 614"/>
+              <a:gd name="T35" fmla="*/ 427 h 560"/>
+              <a:gd name="T36" fmla="*/ 614 w 614"/>
+              <a:gd name="T37" fmla="*/ 400 h 560"/>
+              <a:gd name="T38" fmla="*/ 0 w 614"/>
+              <a:gd name="T39" fmla="*/ 400 h 560"/>
+              <a:gd name="T40" fmla="*/ 0 w 614"/>
+              <a:gd name="T41" fmla="*/ 534 h 560"/>
+              <a:gd name="T42" fmla="*/ 0 w 614"/>
+              <a:gd name="T43" fmla="*/ 560 h 560"/>
+              <a:gd name="T44" fmla="*/ 614 w 614"/>
+              <a:gd name="T45" fmla="*/ 560 h 560"/>
+              <a:gd name="T46" fmla="*/ 614 w 614"/>
+              <a:gd name="T47" fmla="*/ 534 h 560"/>
+              <a:gd name="T48" fmla="*/ 0 w 614"/>
+              <a:gd name="T49" fmla="*/ 534 h 560"/>
+            </a:gdLst>
+            <a:ahLst/>
+            <a:cxnLst>
+              <a:cxn ang="0">
+                <a:pos x="T0" y="T1"/>
+              </a:cxn>
+              <a:cxn ang="0">
+                <a:pos x="T2" y="T3"/>
+              </a:cxn>
+              <a:cxn ang="0">
+                <a:pos x="T4" y="T5"/>
+              </a:cxn>
+              <a:cxn ang="0">
+                <a:pos x="T6" y="T7"/>
+              </a:cxn>
+              <a:cxn ang="0">
+                <a:pos x="T8" y="T9"/>
+              </a:cxn>
+              <a:cxn ang="0">
+                <a:pos x="T10" y="T11"/>
+              </a:cxn>
+              <a:cxn ang="0">
+                <a:pos x="T12" y="T13"/>
+              </a:cxn>
+              <a:cxn ang="0">
+                <a:pos x="T14" y="T15"/>
+              </a:cxn>
+              <a:cxn ang="0">
+                <a:pos x="T16" y="T17"/>
+              </a:cxn>
+              <a:cxn ang="0">
+                <a:pos x="T18" y="T19"/>
+              </a:cxn>
+              <a:cxn ang="0">
+                <a:pos x="T20" y="T21"/>
+              </a:cxn>
+              <a:cxn ang="0">
+                <a:pos x="T22" y="T23"/>
+              </a:cxn>
+              <a:cxn ang="0">
+                <a:pos x="T24" y="T25"/>
+              </a:cxn>
+              <a:cxn ang="0">
+                <a:pos x="T26" y="T27"/>
+              </a:cxn>
+              <a:cxn ang="0">
+                <a:pos x="T28" y="T29"/>
+              </a:cxn>
+              <a:cxn ang="0">
+                <a:pos x="T30" y="T31"/>
+              </a:cxn>
+              <a:cxn ang="0">
+                <a:pos x="T32" y="T33"/>
+              </a:cxn>
+              <a:cxn ang="0">
+                <a:pos x="T34" y="T35"/>
+              </a:cxn>
+              <a:cxn ang="0">
+                <a:pos x="T36" y="T37"/>
+              </a:cxn>
+              <a:cxn ang="0">
+                <a:pos x="T38" y="T39"/>
+              </a:cxn>
+              <a:cxn ang="0">
+                <a:pos x="T40" y="T41"/>
+              </a:cxn>
+              <a:cxn ang="0">
+                <a:pos x="T42" y="T43"/>
+              </a:cxn>
+              <a:cxn ang="0">
+                <a:pos x="T44" y="T45"/>
+              </a:cxn>
+              <a:cxn ang="0">
+                <a:pos x="T46" y="T47"/>
+              </a:cxn>
+              <a:cxn ang="0">
+                <a:pos x="T48" y="T49"/>
+              </a:cxn>
+            </a:cxnLst>
+            <a:rect l="0" t="0" r="r" b="b"/>
+            <a:pathLst>
+              <a:path w="614" h="560">
+                <a:moveTo>
+                  <a:pt x="0" y="0"/>
+                </a:moveTo>
+                <a:lnTo>
+                  <a:pt x="0" y="27"/>
+                </a:lnTo>
+                <a:lnTo>
+                  <a:pt x="614" y="27"/>
+                </a:lnTo>
+                <a:lnTo>
+                  <a:pt x="614" y="0"/>
+                </a:lnTo>
+                <a:lnTo>
+                  <a:pt x="0" y="0"/>
+                </a:lnTo>
+                <a:close/>
+                <a:moveTo>
+                  <a:pt x="0" y="134"/>
+                </a:moveTo>
+                <a:lnTo>
+                  <a:pt x="0" y="160"/>
+                </a:lnTo>
+                <a:lnTo>
+                  <a:pt x="614" y="160"/>
+                </a:lnTo>
+                <a:lnTo>
+                  <a:pt x="614" y="134"/>
+                </a:lnTo>
+                <a:lnTo>
+                  <a:pt x="0" y="134"/>
+                </a:lnTo>
+                <a:close/>
+                <a:moveTo>
+                  <a:pt x="0" y="267"/>
+                </a:moveTo>
+                <a:lnTo>
+                  <a:pt x="0" y="294"/>
+                </a:lnTo>
+                <a:lnTo>
+                  <a:pt x="614" y="294"/>
+                </a:lnTo>
+                <a:lnTo>
+                  <a:pt x="614" y="267"/>
+                </a:lnTo>
+                <a:lnTo>
+                  <a:pt x="0" y="267"/>
+                </a:lnTo>
+                <a:close/>
+                <a:moveTo>
+                  <a:pt x="0" y="400"/>
+                </a:moveTo>
+                <a:lnTo>
+                  <a:pt x="0" y="427"/>
+                </a:lnTo>
+                <a:lnTo>
+                  <a:pt x="614" y="427"/>
+                </a:lnTo>
+                <a:lnTo>
+                  <a:pt x="614" y="400"/>
+                </a:lnTo>
+                <a:lnTo>
+                  <a:pt x="0" y="400"/>
+                </a:lnTo>
+                <a:close/>
+                <a:moveTo>
+                  <a:pt x="0" y="534"/>
+                </a:moveTo>
+                <a:lnTo>
+                  <a:pt x="0" y="560"/>
+                </a:lnTo>
+                <a:lnTo>
+                  <a:pt x="614" y="560"/>
+                </a:lnTo>
+                <a:lnTo>
+                  <a:pt x="614" y="534"/>
+                </a:lnTo>
+                <a:lnTo>
+                  <a:pt x="0" y="534"/>
+                </a:lnTo>
+                <a:close/>
+              </a:path>
+            </a:pathLst>
+          </a:custGeom>
+          <a:solidFill>
+            <a:schemeClr val="bg1"/>
+          </a:solidFill>
+          <a:ln w="9525">
+            <a:solidFill>
+              <a:schemeClr val="bg1"/>
+            </a:solidFill>
+            <a:round/>
+            <a:headEnd/>
+            <a:tailEnd/>
+          </a:ln>
+        </p:spPr>
+        <p:txBody>
+          <a:bodyPr vert="horz" wrap="square" lIns="91440" tIns="45720" rIns="91440" bIns="45720" numCol="1" anchor="t" anchorCtr="0" compatLnSpc="1">
+            <a:prstTxWarp prst="textNoShape">
+              <a:avLst/>
+            </a:prstTxWarp>
+          </a:bodyPr>
+          <a:lstStyle>
+            <a:defPPr>
+              <a:defRPr lang="en-US"/>
+            </a:defPPr>
+            <a:lvl1pPr marL="0" algn="l" defTabSz="914400" rtl="0" eaLnBrk="1" latinLnBrk="0" hangingPunct="1">
+              <a:defRPr sz="1800" kern="1200">
+                <a:solidFill>
+                  <a:schemeClr val="tx1"/>
+                </a:solidFill>
+                <a:latin typeface="+mn-lt"/>
+                <a:ea typeface="+mn-ea"/>
+                <a:cs typeface="+mn-cs"/>
+              </a:defRPr>
+            </a:lvl1pPr>
+            <a:lvl2pPr marL="457200" algn="l" defTabSz="914400" rtl="0" eaLnBrk="1" latinLnBrk="0" hangingPunct="1">
+              <a:defRPr sz="1800" kern="1200">
+                <a:solidFill>
+                  <a:schemeClr val="tx1"/>
+                </a:solidFill>
+                <a:latin typeface="+mn-lt"/>
+                <a:ea typeface="+mn-ea"/>
+                <a:cs typeface="+mn-cs"/>
+              </a:defRPr>
+            </a:lvl2pPr>
+            <a:lvl3pPr marL="914400" algn="l" defTabSz="914400" rtl="0" eaLnBrk="1" latinLnBrk="0" hangingPunct="1">
+              <a:defRPr sz="1800" kern="1200">
+                <a:solidFill>
+                  <a:schemeClr val="tx1"/>
+                </a:solidFill>
+                <a:latin typeface="+mn-lt"/>
+                <a:ea typeface="+mn-ea"/>
+                <a:cs typeface="+mn-cs"/>
+              </a:defRPr>
+            </a:lvl3pPr>
+            <a:lvl4pPr marL="1371600" algn="l" defTabSz="914400" rtl="0" eaLnBrk="1" latinLnBrk="0" hangingPunct="1">
+              <a:defRPr sz="1800" kern="1200">
+                <a:solidFill>
+                  <a:schemeClr val="tx1"/>
+                </a:solidFill>
+                <a:latin typeface="+mn-lt"/>
+                <a:ea typeface="+mn-ea"/>
+                <a:cs typeface="+mn-cs"/>
+              </a:defRPr>
+            </a:lvl4pPr>
+            <a:lvl5pPr marL="1828800" algn="l" defTabSz="914400" rtl="0" eaLnBrk="1" latinLnBrk="0" hangingPunct="1">
+              <a:defRPr sz="1800" kern="1200">
+                <a:solidFill>
+                  <a:schemeClr val="tx1"/>
+                </a:solidFill>
+                <a:latin typeface="+mn-lt"/>
+                <a:ea typeface="+mn-ea"/>
+                <a:cs typeface="+mn-cs"/>
+              </a:defRPr>
+            </a:lvl5pPr>
+            <a:lvl6pPr marL="2286000" algn="l" defTabSz="914400" rtl="0" eaLnBrk="1" latinLnBrk="0" hangingPunct="1">
+              <a:defRPr sz="1800" kern="1200">
+                <a:solidFill>
+                  <a:schemeClr val="tx1"/>
+                </a:solidFill>
+                <a:latin typeface="+mn-lt"/>
+                <a:ea typeface="+mn-ea"/>
+                <a:cs typeface="+mn-cs"/>
+              </a:defRPr>
+            </a:lvl6pPr>
+            <a:lvl7pPr marL="2743200" algn="l" defTabSz="914400" rtl="0" eaLnBrk="1" latinLnBrk="0" hangingPunct="1">
+              <a:defRPr sz="1800" kern="1200">
+                <a:solidFill>
+                  <a:schemeClr val="tx1"/>
+                </a:solidFill>
+                <a:latin typeface="+mn-lt"/>
+                <a:ea typeface="+mn-ea"/>
+                <a:cs typeface="+mn-cs"/>
+              </a:defRPr>
+            </a:lvl7pPr>
+            <a:lvl8pPr marL="3200400" algn="l" defTabSz="914400" rtl="0" eaLnBrk="1" latinLnBrk="0" hangingPunct="1">
+              <a:defRPr sz="1800" kern="1200">
+                <a:solidFill>
+                  <a:schemeClr val="tx1"/>
+                </a:solidFill>
+                <a:latin typeface="+mn-lt"/>
+                <a:ea typeface="+mn-ea"/>
+                <a:cs typeface="+mn-cs"/>
+              </a:defRPr>
+            </a:lvl8pPr>
+            <a:lvl9pPr marL="3657600" algn="l" defTabSz="914400" rtl="0" eaLnBrk="1" latinLnBrk="0" hangingPunct="1">
+              <a:defRPr sz="1800" kern="1200">
+                <a:solidFill>
+                  <a:schemeClr val="tx1"/>
+                </a:solidFill>
+                <a:latin typeface="+mn-lt"/>
+                <a:ea typeface="+mn-ea"/>
+                <a:cs typeface="+mn-cs"/>
+              </a:defRPr>
+            </a:lvl9pPr>
+          </a:lstStyle>
+          <a:p>
+            <a:endParaRPr lang="en-US" sz="900">
+              <a:latin typeface="Segoe UI" panose="020B0502040204020203" pitchFamily="34" charset="0"/>
+              <a:cs typeface="Segoe UI" panose="020B0502040204020203" pitchFamily="34" charset="0"/>
+            </a:endParaRPr>
+          </a:p>
+        </p:txBody>
+      </p:sp>
+      <p:sp>
+        <p:nvSpPr>
+          <p:cNvPr id="14" name="ZoneTexte 13"/>
+          <p:cNvSpPr txBox="1"/>
+          <p:nvPr/>
+        </p:nvSpPr>
+        <p:spPr>
+          <a:xfrm>
+            <a:off x="5275052" y="980571"/>
+            <a:ext cx="875492" cy="369332"/>
+          </a:xfrm>
+          <a:prstGeom prst="rect">
+            <a:avLst/>
+          </a:prstGeom>
+          <a:noFill/>
+        </p:spPr>
+        <p:txBody>
+          <a:bodyPr wrap="square" rtlCol="0">
+            <a:spAutoFit/>
+          </a:bodyPr>
+          <a:lstStyle/>
+          <a:p>
+            <a:r>
+              <a:rPr lang="fr-FR" sz="900" dirty="0" smtClean="0">
+                <a:solidFill>
+                  <a:schemeClr val="bg1"/>
+                </a:solidFill>
+              </a:rPr>
+              <a:t>LES TRESORS DE ONE PIECE</a:t>
+            </a:r>
+            <a:endParaRPr lang="fr-FR" sz="900" dirty="0">
+              <a:solidFill>
+                <a:schemeClr val="bg1"/>
+              </a:solidFill>
+            </a:endParaRPr>
+          </a:p>
+        </p:txBody>
+      </p:sp>
+      <p:pic>
+        <p:nvPicPr>
+          <p:cNvPr id="15" name="Image 14"/>
+          <p:cNvPicPr>
+            <a:picLocks noChangeAspect="1"/>
+          </p:cNvPicPr>
+          <p:nvPr/>
+        </p:nvPicPr>
+        <p:blipFill>
+          <a:blip r:embed="rId3" cstate="print">
+            <a:extLst>
+              <a:ext uri="{28A0092B-C50C-407E-A947-70E740481C1C}">
+                <a14:useLocalDpi xmlns:a14="http://schemas.microsoft.com/office/drawing/2010/main" val="0"/>
+              </a:ext>
+            </a:extLst>
+          </a:blip>
+          <a:stretch>
+            <a:fillRect/>
+          </a:stretch>
+        </p:blipFill>
+        <p:spPr>
+          <a:xfrm>
+            <a:off x="6157006" y="1033334"/>
+            <a:ext cx="256914" cy="256914"/>
+          </a:xfrm>
+          <a:prstGeom prst="rect">
+            <a:avLst/>
+          </a:prstGeom>
+        </p:spPr>
+      </p:pic>
+      <p:pic>
+        <p:nvPicPr>
+          <p:cNvPr id="18" name="Image 17"/>
+          <p:cNvPicPr>
+            <a:picLocks noChangeAspect="1"/>
+          </p:cNvPicPr>
+          <p:nvPr/>
+        </p:nvPicPr>
+        <p:blipFill>
+          <a:blip r:embed="rId4" cstate="print">
+            <a:extLst>
+              <a:ext uri="{28A0092B-C50C-407E-A947-70E740481C1C}">
+                <a14:useLocalDpi xmlns:a14="http://schemas.microsoft.com/office/drawing/2010/main" val="0"/>
+              </a:ext>
+            </a:extLst>
+          </a:blip>
+          <a:stretch>
+            <a:fillRect/>
+          </a:stretch>
+        </p:blipFill>
+        <p:spPr>
+          <a:xfrm>
+            <a:off x="6946968" y="993431"/>
+            <a:ext cx="296817" cy="296817"/>
+          </a:xfrm>
+          <a:prstGeom prst="rect">
+            <a:avLst/>
+          </a:prstGeom>
+        </p:spPr>
+      </p:pic>
+      <p:pic>
+        <p:nvPicPr>
+          <p:cNvPr id="19" name="Image 18"/>
+          <p:cNvPicPr>
+            <a:picLocks noChangeAspect="1"/>
+          </p:cNvPicPr>
+          <p:nvPr/>
+        </p:nvPicPr>
+        <p:blipFill>
+          <a:blip r:embed="rId5" cstate="print">
+            <a:extLst>
+              <a:ext uri="{28A0092B-C50C-407E-A947-70E740481C1C}">
+                <a14:useLocalDpi xmlns:a14="http://schemas.microsoft.com/office/drawing/2010/main" val="0"/>
+              </a:ext>
+            </a:extLst>
+          </a:blip>
+          <a:stretch>
+            <a:fillRect/>
+          </a:stretch>
+        </p:blipFill>
+        <p:spPr>
+          <a:xfrm>
+            <a:off x="6523574" y="989509"/>
+            <a:ext cx="310363" cy="310363"/>
+          </a:xfrm>
+          <a:prstGeom prst="rect">
+            <a:avLst/>
+          </a:prstGeom>
+        </p:spPr>
+      </p:pic>
+      <p:sp>
+        <p:nvSpPr>
+          <p:cNvPr id="22" name="ZoneTexte 21"/>
+          <p:cNvSpPr txBox="1"/>
+          <p:nvPr/>
+        </p:nvSpPr>
+        <p:spPr>
+          <a:xfrm>
+            <a:off x="5419100" y="1515748"/>
+            <a:ext cx="1442233" cy="338554"/>
+          </a:xfrm>
+          <a:prstGeom prst="rect">
+            <a:avLst/>
+          </a:prstGeom>
+          <a:noFill/>
+        </p:spPr>
+        <p:txBody>
+          <a:bodyPr wrap="square" rtlCol="0">
+            <a:spAutoFit/>
+          </a:bodyPr>
+          <a:lstStyle/>
+          <a:p>
+            <a:r>
+              <a:rPr lang="fr-FR" sz="1600" dirty="0" smtClean="0"/>
+              <a:t>PROMOTIONS</a:t>
+            </a:r>
+            <a:endParaRPr lang="fr-FR" sz="1600" dirty="0"/>
+          </a:p>
+        </p:txBody>
+      </p:sp>
+      <p:cxnSp>
+        <p:nvCxnSpPr>
+          <p:cNvPr id="23" name="Line"/>
+          <p:cNvCxnSpPr>
+            <a:cxnSpLocks/>
+          </p:cNvCxnSpPr>
+          <p:nvPr/>
+        </p:nvCxnSpPr>
+        <p:spPr bwMode="auto">
+          <a:xfrm>
+            <a:off x="5380613" y="1800817"/>
+            <a:ext cx="1389112" cy="0"/>
+          </a:xfrm>
+          <a:prstGeom prst="line">
+            <a:avLst/>
+          </a:prstGeom>
+          <a:ln w="6350">
+            <a:solidFill>
+              <a:srgbClr val="808080"/>
+            </a:solidFill>
+          </a:ln>
+        </p:spPr>
+        <p:style>
+          <a:lnRef idx="1">
+            <a:schemeClr val="accent1"/>
+          </a:lnRef>
+          <a:fillRef idx="0">
+            <a:schemeClr val="accent1"/>
+          </a:fillRef>
+          <a:effectRef idx="0">
+            <a:schemeClr val="accent1"/>
+          </a:effectRef>
+          <a:fontRef idx="minor">
+            <a:schemeClr val="tx1"/>
+          </a:fontRef>
+        </p:style>
+      </p:cxnSp>
+      <p:sp>
+        <p:nvSpPr>
+          <p:cNvPr id="25" name="Rectangle 24"/>
+          <p:cNvSpPr/>
+          <p:nvPr/>
+        </p:nvSpPr>
+        <p:spPr>
+          <a:xfrm>
+            <a:off x="5059189" y="2060296"/>
+            <a:ext cx="878621" cy="1133432"/>
+          </a:xfrm>
+          <a:prstGeom prst="rect">
+            <a:avLst/>
+          </a:prstGeom>
+          <a:solidFill>
+            <a:schemeClr val="bg1"/>
+          </a:solidFill>
+          <a:ln w="3175">
+            <a:solidFill>
+              <a:schemeClr val="tx2">
+                <a:lumMod val="75000"/>
+              </a:schemeClr>
+            </a:solidFill>
+          </a:ln>
+        </p:spPr>
+        <p:style>
+          <a:lnRef idx="2">
+            <a:schemeClr val="accent1">
+              <a:shade val="50000"/>
+            </a:schemeClr>
+          </a:lnRef>
+          <a:fillRef idx="1">
+            <a:schemeClr val="accent1"/>
+          </a:fillRef>
+          <a:effectRef idx="0">
+            <a:schemeClr val="accent1"/>
+          </a:effectRef>
+          <a:fontRef idx="minor">
+            <a:schemeClr val="lt1"/>
+          </a:fontRef>
+        </p:style>
+        <p:txBody>
+          <a:bodyPr rtlCol="0" anchor="ctr"/>
+          <a:lstStyle/>
+          <a:p>
+            <a:pPr algn="ctr"/>
+            <a:endParaRPr lang="fr-FR"/>
+          </a:p>
+        </p:txBody>
+      </p:sp>
+      <p:pic>
+        <p:nvPicPr>
+          <p:cNvPr id="2" name="Image 1"/>
+          <p:cNvPicPr>
+            <a:picLocks noChangeAspect="1"/>
+          </p:cNvPicPr>
+          <p:nvPr/>
+        </p:nvPicPr>
+        <p:blipFill>
+          <a:blip r:embed="rId6" cstate="print">
+            <a:extLst>
+              <a:ext uri="{28A0092B-C50C-407E-A947-70E740481C1C}">
+                <a14:useLocalDpi xmlns:a14="http://schemas.microsoft.com/office/drawing/2010/main" val="0"/>
+              </a:ext>
+            </a:extLst>
+          </a:blip>
+          <a:stretch>
+            <a:fillRect/>
+          </a:stretch>
+        </p:blipFill>
+        <p:spPr>
+          <a:xfrm>
+            <a:off x="5278141" y="2066697"/>
+            <a:ext cx="490242" cy="733616"/>
+          </a:xfrm>
+          <a:prstGeom prst="rect">
+            <a:avLst/>
+          </a:prstGeom>
+        </p:spPr>
+      </p:pic>
+      <p:sp>
+        <p:nvSpPr>
+          <p:cNvPr id="28" name="ZoneTexte 27"/>
+          <p:cNvSpPr txBox="1"/>
+          <p:nvPr/>
+        </p:nvSpPr>
+        <p:spPr>
+          <a:xfrm>
+            <a:off x="4995752" y="2709084"/>
+            <a:ext cx="1023082" cy="415498"/>
+          </a:xfrm>
+          <a:prstGeom prst="rect">
+            <a:avLst/>
+          </a:prstGeom>
+          <a:noFill/>
+        </p:spPr>
+        <p:txBody>
+          <a:bodyPr wrap="square" rtlCol="0">
+            <a:spAutoFit/>
+          </a:bodyPr>
+          <a:lstStyle/>
+          <a:p>
+            <a:pPr algn="ctr"/>
+            <a:r>
+              <a:rPr lang="fr-FR" sz="800" dirty="0"/>
+              <a:t>Figurine Law–</a:t>
+            </a:r>
+            <a:r>
+              <a:rPr lang="fr-FR" sz="800" dirty="0" err="1"/>
+              <a:t>Ishibansho</a:t>
+            </a:r>
+            <a:r>
+              <a:rPr lang="fr-FR" sz="800" dirty="0"/>
+              <a:t>– 27 cm</a:t>
+            </a:r>
+          </a:p>
+          <a:p>
+            <a:endParaRPr lang="fr-FR" sz="500" dirty="0"/>
+          </a:p>
+        </p:txBody>
+      </p:sp>
+      <p:sp>
+        <p:nvSpPr>
+          <p:cNvPr id="29" name="ZoneTexte 28"/>
+          <p:cNvSpPr txBox="1"/>
+          <p:nvPr/>
+        </p:nvSpPr>
+        <p:spPr>
+          <a:xfrm>
+            <a:off x="5301025" y="2930052"/>
+            <a:ext cx="957526" cy="307777"/>
+          </a:xfrm>
+          <a:prstGeom prst="rect">
+            <a:avLst/>
+          </a:prstGeom>
+          <a:noFill/>
+        </p:spPr>
+        <p:txBody>
+          <a:bodyPr wrap="square" rtlCol="0">
+            <a:spAutoFit/>
+          </a:bodyPr>
+          <a:lstStyle/>
+          <a:p>
+            <a:r>
+              <a:rPr lang="fr-FR" sz="1400" dirty="0" smtClean="0">
+                <a:solidFill>
+                  <a:srgbClr val="C00000"/>
+                </a:solidFill>
+              </a:rPr>
+              <a:t>39,90 €</a:t>
+            </a:r>
+            <a:endParaRPr lang="fr-FR" sz="1400" dirty="0">
+              <a:solidFill>
+                <a:srgbClr val="C00000"/>
+              </a:solidFill>
+            </a:endParaRPr>
+          </a:p>
+        </p:txBody>
+      </p:sp>
+      <p:sp>
+        <p:nvSpPr>
+          <p:cNvPr id="30" name="Rectangle 29"/>
+          <p:cNvSpPr/>
+          <p:nvPr/>
+        </p:nvSpPr>
+        <p:spPr>
+          <a:xfrm>
+            <a:off x="5003264" y="2252631"/>
+            <a:ext cx="377349" cy="151354"/>
+          </a:xfrm>
+          <a:prstGeom prst="rect">
+            <a:avLst/>
+          </a:prstGeom>
+          <a:solidFill>
+            <a:srgbClr val="FF0000"/>
+          </a:solidFill>
+          <a:ln>
+            <a:noFill/>
+          </a:ln>
+        </p:spPr>
+        <p:style>
+          <a:lnRef idx="2">
+            <a:schemeClr val="accent1">
+              <a:shade val="50000"/>
+            </a:schemeClr>
+          </a:lnRef>
+          <a:fillRef idx="1">
+            <a:schemeClr val="accent1"/>
+          </a:fillRef>
+          <a:effectRef idx="0">
+            <a:schemeClr val="accent1"/>
+          </a:effectRef>
+          <a:fontRef idx="minor">
+            <a:schemeClr val="lt1"/>
+          </a:fontRef>
+        </p:style>
+        <p:txBody>
+          <a:bodyPr rtlCol="0" anchor="ctr"/>
+          <a:lstStyle/>
+          <a:p>
+            <a:pPr algn="ctr"/>
+            <a:endParaRPr lang="fr-FR"/>
+          </a:p>
+        </p:txBody>
+      </p:sp>
+      <p:sp>
+        <p:nvSpPr>
+          <p:cNvPr id="31" name="ZoneTexte 30"/>
+          <p:cNvSpPr txBox="1"/>
+          <p:nvPr/>
+        </p:nvSpPr>
+        <p:spPr>
+          <a:xfrm>
+            <a:off x="4937806" y="2211649"/>
+            <a:ext cx="519203" cy="230832"/>
+          </a:xfrm>
+          <a:prstGeom prst="rect">
+            <a:avLst/>
+          </a:prstGeom>
+          <a:noFill/>
+        </p:spPr>
+        <p:txBody>
+          <a:bodyPr wrap="square" rtlCol="0">
+            <a:spAutoFit/>
+          </a:bodyPr>
+          <a:lstStyle/>
+          <a:p>
+            <a:r>
+              <a:rPr lang="fr-FR" sz="900" dirty="0" smtClean="0">
+                <a:solidFill>
+                  <a:schemeClr val="bg1"/>
+                </a:solidFill>
+              </a:rPr>
+              <a:t>Promo</a:t>
+            </a:r>
+            <a:endParaRPr lang="fr-FR" sz="900" dirty="0">
+              <a:solidFill>
+                <a:schemeClr val="bg1"/>
+              </a:solidFill>
+            </a:endParaRPr>
+          </a:p>
+        </p:txBody>
+      </p:sp>
+      <p:sp>
+        <p:nvSpPr>
+          <p:cNvPr id="52" name="ZoneTexte 51"/>
+          <p:cNvSpPr txBox="1"/>
+          <p:nvPr/>
+        </p:nvSpPr>
+        <p:spPr>
+          <a:xfrm>
+            <a:off x="363557" y="451692"/>
+            <a:ext cx="2776250" cy="369332"/>
+          </a:xfrm>
+          <a:prstGeom prst="rect">
+            <a:avLst/>
+          </a:prstGeom>
+          <a:noFill/>
+        </p:spPr>
+        <p:txBody>
+          <a:bodyPr wrap="square" rtlCol="0">
+            <a:spAutoFit/>
+          </a:bodyPr>
+          <a:lstStyle/>
+          <a:p>
+            <a:r>
+              <a:rPr lang="fr-FR" dirty="0" smtClean="0"/>
+              <a:t>INDEX Smartphone Part 2</a:t>
+            </a:r>
+            <a:endParaRPr lang="fr-FR" dirty="0"/>
+          </a:p>
+        </p:txBody>
+      </p:sp>
+      <p:sp>
+        <p:nvSpPr>
+          <p:cNvPr id="3" name="ZoneTexte 2"/>
+          <p:cNvSpPr txBox="1"/>
+          <p:nvPr/>
+        </p:nvSpPr>
+        <p:spPr>
+          <a:xfrm>
+            <a:off x="4995752" y="2984685"/>
+            <a:ext cx="489667" cy="215444"/>
+          </a:xfrm>
+          <a:prstGeom prst="rect">
+            <a:avLst/>
+          </a:prstGeom>
+          <a:noFill/>
+        </p:spPr>
+        <p:txBody>
+          <a:bodyPr wrap="square" rtlCol="0">
+            <a:spAutoFit/>
+          </a:bodyPr>
+          <a:lstStyle/>
+          <a:p>
+            <a:r>
+              <a:rPr lang="fr-FR" sz="800" strike="sngStrike" dirty="0" smtClean="0"/>
+              <a:t>59,90€</a:t>
+            </a:r>
+            <a:endParaRPr lang="fr-FR" sz="800" strike="sngStrike" dirty="0"/>
+          </a:p>
+        </p:txBody>
+      </p:sp>
+      <p:sp>
+        <p:nvSpPr>
+          <p:cNvPr id="53" name="Rectangle 52"/>
+          <p:cNvSpPr/>
+          <p:nvPr/>
+        </p:nvSpPr>
+        <p:spPr>
+          <a:xfrm>
+            <a:off x="6189456" y="2060576"/>
+            <a:ext cx="878621" cy="1133432"/>
+          </a:xfrm>
+          <a:prstGeom prst="rect">
+            <a:avLst/>
+          </a:prstGeom>
+          <a:solidFill>
+            <a:schemeClr val="bg1"/>
+          </a:solidFill>
+          <a:ln w="3175">
+            <a:solidFill>
+              <a:schemeClr val="tx2">
+                <a:lumMod val="75000"/>
+              </a:schemeClr>
+            </a:solidFill>
+          </a:ln>
+        </p:spPr>
+        <p:style>
+          <a:lnRef idx="2">
+            <a:schemeClr val="accent1">
+              <a:shade val="50000"/>
+            </a:schemeClr>
+          </a:lnRef>
+          <a:fillRef idx="1">
+            <a:schemeClr val="accent1"/>
+          </a:fillRef>
+          <a:effectRef idx="0">
+            <a:schemeClr val="accent1"/>
+          </a:effectRef>
+          <a:fontRef idx="minor">
+            <a:schemeClr val="lt1"/>
+          </a:fontRef>
+        </p:style>
+        <p:txBody>
+          <a:bodyPr rtlCol="0" anchor="ctr"/>
+          <a:lstStyle/>
+          <a:p>
+            <a:pPr algn="ctr"/>
+            <a:endParaRPr lang="fr-FR"/>
+          </a:p>
+        </p:txBody>
+      </p:sp>
+      <p:pic>
+        <p:nvPicPr>
+          <p:cNvPr id="54" name="Image 53"/>
+          <p:cNvPicPr>
+            <a:picLocks noChangeAspect="1"/>
+          </p:cNvPicPr>
+          <p:nvPr/>
+        </p:nvPicPr>
+        <p:blipFill>
+          <a:blip r:embed="rId6" cstate="print">
+            <a:extLst>
+              <a:ext uri="{28A0092B-C50C-407E-A947-70E740481C1C}">
+                <a14:useLocalDpi xmlns:a14="http://schemas.microsoft.com/office/drawing/2010/main" val="0"/>
+              </a:ext>
+            </a:extLst>
+          </a:blip>
+          <a:stretch>
+            <a:fillRect/>
+          </a:stretch>
+        </p:blipFill>
+        <p:spPr>
+          <a:xfrm>
+            <a:off x="6408408" y="2066977"/>
+            <a:ext cx="490242" cy="733616"/>
+          </a:xfrm>
+          <a:prstGeom prst="rect">
+            <a:avLst/>
+          </a:prstGeom>
+        </p:spPr>
+      </p:pic>
+      <p:sp>
+        <p:nvSpPr>
+          <p:cNvPr id="55" name="ZoneTexte 54"/>
+          <p:cNvSpPr txBox="1"/>
+          <p:nvPr/>
+        </p:nvSpPr>
+        <p:spPr>
+          <a:xfrm>
+            <a:off x="6126019" y="2709364"/>
+            <a:ext cx="1023082" cy="415498"/>
+          </a:xfrm>
+          <a:prstGeom prst="rect">
+            <a:avLst/>
+          </a:prstGeom>
+          <a:noFill/>
+        </p:spPr>
+        <p:txBody>
+          <a:bodyPr wrap="square" rtlCol="0">
+            <a:spAutoFit/>
+          </a:bodyPr>
+          <a:lstStyle/>
+          <a:p>
+            <a:pPr algn="ctr"/>
+            <a:r>
+              <a:rPr lang="fr-FR" sz="800" dirty="0"/>
+              <a:t>Figurine Law–</a:t>
+            </a:r>
+            <a:r>
+              <a:rPr lang="fr-FR" sz="800" dirty="0" err="1"/>
+              <a:t>Ishibansho</a:t>
+            </a:r>
+            <a:r>
+              <a:rPr lang="fr-FR" sz="800" dirty="0"/>
+              <a:t>– 27 cm</a:t>
+            </a:r>
+          </a:p>
+          <a:p>
+            <a:endParaRPr lang="fr-FR" sz="500" dirty="0"/>
+          </a:p>
+        </p:txBody>
+      </p:sp>
+      <p:sp>
+        <p:nvSpPr>
+          <p:cNvPr id="56" name="Rectangle 55"/>
+          <p:cNvSpPr/>
+          <p:nvPr/>
+        </p:nvSpPr>
+        <p:spPr>
+          <a:xfrm>
+            <a:off x="6133531" y="2252911"/>
+            <a:ext cx="377349" cy="151354"/>
+          </a:xfrm>
+          <a:prstGeom prst="rect">
+            <a:avLst/>
+          </a:prstGeom>
+          <a:solidFill>
+            <a:srgbClr val="FF0000"/>
+          </a:solidFill>
+          <a:ln>
+            <a:noFill/>
+          </a:ln>
+        </p:spPr>
+        <p:style>
+          <a:lnRef idx="2">
+            <a:schemeClr val="accent1">
+              <a:shade val="50000"/>
+            </a:schemeClr>
+          </a:lnRef>
+          <a:fillRef idx="1">
+            <a:schemeClr val="accent1"/>
+          </a:fillRef>
+          <a:effectRef idx="0">
+            <a:schemeClr val="accent1"/>
+          </a:effectRef>
+          <a:fontRef idx="minor">
+            <a:schemeClr val="lt1"/>
+          </a:fontRef>
+        </p:style>
+        <p:txBody>
+          <a:bodyPr rtlCol="0" anchor="ctr"/>
+          <a:lstStyle/>
+          <a:p>
+            <a:pPr algn="ctr"/>
+            <a:endParaRPr lang="fr-FR"/>
+          </a:p>
+        </p:txBody>
+      </p:sp>
+      <p:sp>
+        <p:nvSpPr>
+          <p:cNvPr id="57" name="ZoneTexte 56"/>
+          <p:cNvSpPr txBox="1"/>
+          <p:nvPr/>
+        </p:nvSpPr>
+        <p:spPr>
+          <a:xfrm>
+            <a:off x="6068073" y="2211929"/>
+            <a:ext cx="519203" cy="230832"/>
+          </a:xfrm>
+          <a:prstGeom prst="rect">
+            <a:avLst/>
+          </a:prstGeom>
+          <a:noFill/>
+        </p:spPr>
+        <p:txBody>
+          <a:bodyPr wrap="square" rtlCol="0">
+            <a:spAutoFit/>
+          </a:bodyPr>
+          <a:lstStyle/>
+          <a:p>
+            <a:r>
+              <a:rPr lang="fr-FR" sz="900" dirty="0" smtClean="0">
+                <a:solidFill>
+                  <a:schemeClr val="bg1"/>
+                </a:solidFill>
+              </a:rPr>
+              <a:t>Promo</a:t>
+            </a:r>
+            <a:endParaRPr lang="fr-FR" sz="900" dirty="0">
+              <a:solidFill>
+                <a:schemeClr val="bg1"/>
+              </a:solidFill>
+            </a:endParaRPr>
+          </a:p>
+        </p:txBody>
+      </p:sp>
+      <p:sp>
+        <p:nvSpPr>
+          <p:cNvPr id="58" name="ZoneTexte 57"/>
+          <p:cNvSpPr txBox="1"/>
+          <p:nvPr/>
+        </p:nvSpPr>
+        <p:spPr>
+          <a:xfrm>
+            <a:off x="6126019" y="2984965"/>
+            <a:ext cx="489667" cy="215444"/>
+          </a:xfrm>
+          <a:prstGeom prst="rect">
+            <a:avLst/>
+          </a:prstGeom>
+          <a:noFill/>
+        </p:spPr>
+        <p:txBody>
+          <a:bodyPr wrap="square" rtlCol="0">
+            <a:spAutoFit/>
+          </a:bodyPr>
+          <a:lstStyle/>
+          <a:p>
+            <a:r>
+              <a:rPr lang="fr-FR" sz="800" strike="sngStrike" dirty="0" smtClean="0"/>
+              <a:t>59,90€</a:t>
+            </a:r>
+            <a:endParaRPr lang="fr-FR" sz="800" strike="sngStrike" dirty="0"/>
+          </a:p>
+        </p:txBody>
+      </p:sp>
+      <p:sp>
+        <p:nvSpPr>
+          <p:cNvPr id="59" name="Rectangle 58"/>
+          <p:cNvSpPr/>
+          <p:nvPr/>
+        </p:nvSpPr>
+        <p:spPr>
+          <a:xfrm>
+            <a:off x="5059189" y="3377820"/>
+            <a:ext cx="878621" cy="1133432"/>
+          </a:xfrm>
+          <a:prstGeom prst="rect">
+            <a:avLst/>
+          </a:prstGeom>
+          <a:solidFill>
+            <a:schemeClr val="bg1"/>
+          </a:solidFill>
+          <a:ln w="3175">
+            <a:solidFill>
+              <a:schemeClr val="tx2">
+                <a:lumMod val="75000"/>
+              </a:schemeClr>
+            </a:solidFill>
+          </a:ln>
+        </p:spPr>
+        <p:style>
+          <a:lnRef idx="2">
+            <a:schemeClr val="accent1">
+              <a:shade val="50000"/>
+            </a:schemeClr>
+          </a:lnRef>
+          <a:fillRef idx="1">
+            <a:schemeClr val="accent1"/>
+          </a:fillRef>
+          <a:effectRef idx="0">
+            <a:schemeClr val="accent1"/>
+          </a:effectRef>
+          <a:fontRef idx="minor">
+            <a:schemeClr val="lt1"/>
+          </a:fontRef>
+        </p:style>
+        <p:txBody>
+          <a:bodyPr rtlCol="0" anchor="ctr"/>
+          <a:lstStyle/>
+          <a:p>
+            <a:pPr algn="ctr"/>
+            <a:endParaRPr lang="fr-FR"/>
+          </a:p>
+        </p:txBody>
+      </p:sp>
+      <p:pic>
+        <p:nvPicPr>
+          <p:cNvPr id="60" name="Image 59"/>
+          <p:cNvPicPr>
+            <a:picLocks noChangeAspect="1"/>
+          </p:cNvPicPr>
+          <p:nvPr/>
+        </p:nvPicPr>
+        <p:blipFill>
+          <a:blip r:embed="rId6" cstate="print">
+            <a:extLst>
+              <a:ext uri="{28A0092B-C50C-407E-A947-70E740481C1C}">
+                <a14:useLocalDpi xmlns:a14="http://schemas.microsoft.com/office/drawing/2010/main" val="0"/>
+              </a:ext>
+            </a:extLst>
+          </a:blip>
+          <a:stretch>
+            <a:fillRect/>
+          </a:stretch>
+        </p:blipFill>
+        <p:spPr>
+          <a:xfrm>
+            <a:off x="5278141" y="3384221"/>
+            <a:ext cx="490242" cy="733616"/>
+          </a:xfrm>
+          <a:prstGeom prst="rect">
+            <a:avLst/>
+          </a:prstGeom>
+        </p:spPr>
+      </p:pic>
+      <p:sp>
+        <p:nvSpPr>
+          <p:cNvPr id="61" name="ZoneTexte 60"/>
+          <p:cNvSpPr txBox="1"/>
+          <p:nvPr/>
+        </p:nvSpPr>
+        <p:spPr>
+          <a:xfrm>
+            <a:off x="4995752" y="4026608"/>
+            <a:ext cx="1023082" cy="415498"/>
+          </a:xfrm>
+          <a:prstGeom prst="rect">
+            <a:avLst/>
+          </a:prstGeom>
+          <a:noFill/>
+        </p:spPr>
+        <p:txBody>
+          <a:bodyPr wrap="square" rtlCol="0">
+            <a:spAutoFit/>
+          </a:bodyPr>
+          <a:lstStyle/>
+          <a:p>
+            <a:pPr algn="ctr"/>
+            <a:r>
+              <a:rPr lang="fr-FR" sz="800" dirty="0"/>
+              <a:t>Figurine Law–</a:t>
+            </a:r>
+            <a:r>
+              <a:rPr lang="fr-FR" sz="800" dirty="0" err="1"/>
+              <a:t>Ishibansho</a:t>
+            </a:r>
+            <a:r>
+              <a:rPr lang="fr-FR" sz="800" dirty="0"/>
+              <a:t>– 27 cm</a:t>
+            </a:r>
+          </a:p>
+          <a:p>
+            <a:endParaRPr lang="fr-FR" sz="500" dirty="0"/>
+          </a:p>
+        </p:txBody>
+      </p:sp>
+      <p:sp>
+        <p:nvSpPr>
+          <p:cNvPr id="62" name="ZoneTexte 61"/>
+          <p:cNvSpPr txBox="1"/>
+          <p:nvPr/>
+        </p:nvSpPr>
+        <p:spPr>
+          <a:xfrm>
+            <a:off x="5301025" y="4247576"/>
+            <a:ext cx="957526" cy="307777"/>
+          </a:xfrm>
+          <a:prstGeom prst="rect">
+            <a:avLst/>
+          </a:prstGeom>
+          <a:noFill/>
+        </p:spPr>
+        <p:txBody>
+          <a:bodyPr wrap="square" rtlCol="0">
+            <a:spAutoFit/>
+          </a:bodyPr>
+          <a:lstStyle/>
+          <a:p>
+            <a:r>
+              <a:rPr lang="fr-FR" sz="1400" dirty="0" smtClean="0">
+                <a:solidFill>
+                  <a:srgbClr val="C00000"/>
+                </a:solidFill>
+              </a:rPr>
+              <a:t>39,90 €</a:t>
+            </a:r>
+            <a:endParaRPr lang="fr-FR" sz="1400" dirty="0">
+              <a:solidFill>
+                <a:srgbClr val="C00000"/>
+              </a:solidFill>
+            </a:endParaRPr>
+          </a:p>
+        </p:txBody>
+      </p:sp>
+      <p:sp>
+        <p:nvSpPr>
+          <p:cNvPr id="63" name="Rectangle 62"/>
+          <p:cNvSpPr/>
+          <p:nvPr/>
+        </p:nvSpPr>
+        <p:spPr>
+          <a:xfrm>
+            <a:off x="5003264" y="3570155"/>
+            <a:ext cx="377349" cy="151354"/>
+          </a:xfrm>
+          <a:prstGeom prst="rect">
+            <a:avLst/>
+          </a:prstGeom>
+          <a:solidFill>
+            <a:srgbClr val="FF0000"/>
+          </a:solidFill>
+          <a:ln>
+            <a:noFill/>
+          </a:ln>
+        </p:spPr>
+        <p:style>
+          <a:lnRef idx="2">
+            <a:schemeClr val="accent1">
+              <a:shade val="50000"/>
+            </a:schemeClr>
+          </a:lnRef>
+          <a:fillRef idx="1">
+            <a:schemeClr val="accent1"/>
+          </a:fillRef>
+          <a:effectRef idx="0">
+            <a:schemeClr val="accent1"/>
+          </a:effectRef>
+          <a:fontRef idx="minor">
+            <a:schemeClr val="lt1"/>
+          </a:fontRef>
+        </p:style>
+        <p:txBody>
+          <a:bodyPr rtlCol="0" anchor="ctr"/>
+          <a:lstStyle/>
+          <a:p>
+            <a:pPr algn="ctr"/>
+            <a:endParaRPr lang="fr-FR"/>
+          </a:p>
+        </p:txBody>
+      </p:sp>
+      <p:sp>
+        <p:nvSpPr>
+          <p:cNvPr id="64" name="ZoneTexte 63"/>
+          <p:cNvSpPr txBox="1"/>
+          <p:nvPr/>
+        </p:nvSpPr>
+        <p:spPr>
+          <a:xfrm>
+            <a:off x="4937806" y="3529173"/>
+            <a:ext cx="519203" cy="230832"/>
+          </a:xfrm>
+          <a:prstGeom prst="rect">
+            <a:avLst/>
+          </a:prstGeom>
+          <a:noFill/>
+        </p:spPr>
+        <p:txBody>
+          <a:bodyPr wrap="square" rtlCol="0">
+            <a:spAutoFit/>
+          </a:bodyPr>
+          <a:lstStyle/>
+          <a:p>
+            <a:r>
+              <a:rPr lang="fr-FR" sz="900" dirty="0" smtClean="0">
+                <a:solidFill>
+                  <a:schemeClr val="bg1"/>
+                </a:solidFill>
+              </a:rPr>
+              <a:t>Promo</a:t>
+            </a:r>
+            <a:endParaRPr lang="fr-FR" sz="900" dirty="0">
+              <a:solidFill>
+                <a:schemeClr val="bg1"/>
+              </a:solidFill>
+            </a:endParaRPr>
+          </a:p>
+        </p:txBody>
+      </p:sp>
+      <p:sp>
+        <p:nvSpPr>
+          <p:cNvPr id="65" name="ZoneTexte 64"/>
+          <p:cNvSpPr txBox="1"/>
+          <p:nvPr/>
+        </p:nvSpPr>
+        <p:spPr>
+          <a:xfrm>
+            <a:off x="4995752" y="4302209"/>
+            <a:ext cx="489667" cy="215444"/>
+          </a:xfrm>
+          <a:prstGeom prst="rect">
+            <a:avLst/>
+          </a:prstGeom>
+          <a:noFill/>
+        </p:spPr>
+        <p:txBody>
+          <a:bodyPr wrap="square" rtlCol="0">
+            <a:spAutoFit/>
+          </a:bodyPr>
+          <a:lstStyle/>
+          <a:p>
+            <a:r>
+              <a:rPr lang="fr-FR" sz="800" strike="sngStrike" dirty="0" smtClean="0"/>
+              <a:t>59,90€</a:t>
+            </a:r>
+            <a:endParaRPr lang="fr-FR" sz="800" strike="sngStrike" dirty="0"/>
+          </a:p>
+        </p:txBody>
+      </p:sp>
+      <p:sp>
+        <p:nvSpPr>
+          <p:cNvPr id="66" name="Rectangle 65"/>
+          <p:cNvSpPr/>
+          <p:nvPr/>
+        </p:nvSpPr>
+        <p:spPr>
+          <a:xfrm>
+            <a:off x="6189456" y="3378100"/>
+            <a:ext cx="878621" cy="1133432"/>
+          </a:xfrm>
+          <a:prstGeom prst="rect">
+            <a:avLst/>
+          </a:prstGeom>
+          <a:solidFill>
+            <a:schemeClr val="bg1"/>
+          </a:solidFill>
+          <a:ln w="3175">
+            <a:solidFill>
+              <a:schemeClr val="tx2">
+                <a:lumMod val="75000"/>
+              </a:schemeClr>
+            </a:solidFill>
+          </a:ln>
+        </p:spPr>
+        <p:style>
+          <a:lnRef idx="2">
+            <a:schemeClr val="accent1">
+              <a:shade val="50000"/>
+            </a:schemeClr>
+          </a:lnRef>
+          <a:fillRef idx="1">
+            <a:schemeClr val="accent1"/>
+          </a:fillRef>
+          <a:effectRef idx="0">
+            <a:schemeClr val="accent1"/>
+          </a:effectRef>
+          <a:fontRef idx="minor">
+            <a:schemeClr val="lt1"/>
+          </a:fontRef>
+        </p:style>
+        <p:txBody>
+          <a:bodyPr rtlCol="0" anchor="ctr"/>
+          <a:lstStyle/>
+          <a:p>
+            <a:pPr algn="ctr"/>
+            <a:endParaRPr lang="fr-FR"/>
+          </a:p>
+        </p:txBody>
+      </p:sp>
+      <p:pic>
+        <p:nvPicPr>
+          <p:cNvPr id="67" name="Image 66"/>
+          <p:cNvPicPr>
+            <a:picLocks noChangeAspect="1"/>
+          </p:cNvPicPr>
+          <p:nvPr/>
+        </p:nvPicPr>
+        <p:blipFill>
+          <a:blip r:embed="rId6" cstate="print">
+            <a:extLst>
+              <a:ext uri="{28A0092B-C50C-407E-A947-70E740481C1C}">
+                <a14:useLocalDpi xmlns:a14="http://schemas.microsoft.com/office/drawing/2010/main" val="0"/>
+              </a:ext>
+            </a:extLst>
+          </a:blip>
+          <a:stretch>
+            <a:fillRect/>
+          </a:stretch>
+        </p:blipFill>
+        <p:spPr>
+          <a:xfrm>
+            <a:off x="6408408" y="3384501"/>
+            <a:ext cx="490242" cy="733616"/>
+          </a:xfrm>
+          <a:prstGeom prst="rect">
+            <a:avLst/>
+          </a:prstGeom>
+        </p:spPr>
+      </p:pic>
+      <p:sp>
+        <p:nvSpPr>
+          <p:cNvPr id="68" name="ZoneTexte 67"/>
+          <p:cNvSpPr txBox="1"/>
+          <p:nvPr/>
+        </p:nvSpPr>
+        <p:spPr>
+          <a:xfrm>
+            <a:off x="6126019" y="4026888"/>
+            <a:ext cx="1023082" cy="415498"/>
+          </a:xfrm>
+          <a:prstGeom prst="rect">
+            <a:avLst/>
+          </a:prstGeom>
+          <a:noFill/>
+        </p:spPr>
+        <p:txBody>
+          <a:bodyPr wrap="square" rtlCol="0">
+            <a:spAutoFit/>
+          </a:bodyPr>
+          <a:lstStyle/>
+          <a:p>
+            <a:pPr algn="ctr"/>
+            <a:r>
+              <a:rPr lang="fr-FR" sz="800" dirty="0"/>
+              <a:t>Figurine Law–</a:t>
+            </a:r>
+            <a:r>
+              <a:rPr lang="fr-FR" sz="800" dirty="0" err="1"/>
+              <a:t>Ishibansho</a:t>
+            </a:r>
+            <a:r>
+              <a:rPr lang="fr-FR" sz="800" dirty="0"/>
+              <a:t>– 27 cm</a:t>
+            </a:r>
+          </a:p>
+          <a:p>
+            <a:endParaRPr lang="fr-FR" sz="500" dirty="0"/>
+          </a:p>
+        </p:txBody>
+      </p:sp>
+      <p:sp>
+        <p:nvSpPr>
+          <p:cNvPr id="69" name="Rectangle 68"/>
+          <p:cNvSpPr/>
+          <p:nvPr/>
+        </p:nvSpPr>
+        <p:spPr>
+          <a:xfrm>
+            <a:off x="6133531" y="3570435"/>
+            <a:ext cx="377349" cy="151354"/>
+          </a:xfrm>
+          <a:prstGeom prst="rect">
+            <a:avLst/>
+          </a:prstGeom>
+          <a:solidFill>
+            <a:srgbClr val="FF0000"/>
+          </a:solidFill>
+          <a:ln>
+            <a:noFill/>
+          </a:ln>
+        </p:spPr>
+        <p:style>
+          <a:lnRef idx="2">
+            <a:schemeClr val="accent1">
+              <a:shade val="50000"/>
+            </a:schemeClr>
+          </a:lnRef>
+          <a:fillRef idx="1">
+            <a:schemeClr val="accent1"/>
+          </a:fillRef>
+          <a:effectRef idx="0">
+            <a:schemeClr val="accent1"/>
+          </a:effectRef>
+          <a:fontRef idx="minor">
+            <a:schemeClr val="lt1"/>
+          </a:fontRef>
+        </p:style>
+        <p:txBody>
+          <a:bodyPr rtlCol="0" anchor="ctr"/>
+          <a:lstStyle/>
+          <a:p>
+            <a:pPr algn="ctr"/>
+            <a:endParaRPr lang="fr-FR"/>
+          </a:p>
+        </p:txBody>
+      </p:sp>
+      <p:sp>
+        <p:nvSpPr>
+          <p:cNvPr id="70" name="ZoneTexte 69"/>
+          <p:cNvSpPr txBox="1"/>
+          <p:nvPr/>
+        </p:nvSpPr>
+        <p:spPr>
+          <a:xfrm>
+            <a:off x="6068073" y="3529453"/>
+            <a:ext cx="519203" cy="230832"/>
+          </a:xfrm>
+          <a:prstGeom prst="rect">
+            <a:avLst/>
+          </a:prstGeom>
+          <a:noFill/>
+        </p:spPr>
+        <p:txBody>
+          <a:bodyPr wrap="square" rtlCol="0">
+            <a:spAutoFit/>
+          </a:bodyPr>
+          <a:lstStyle/>
+          <a:p>
+            <a:r>
+              <a:rPr lang="fr-FR" sz="900" dirty="0" smtClean="0">
+                <a:solidFill>
+                  <a:schemeClr val="bg1"/>
+                </a:solidFill>
+              </a:rPr>
+              <a:t>Promo</a:t>
+            </a:r>
+            <a:endParaRPr lang="fr-FR" sz="900" dirty="0">
+              <a:solidFill>
+                <a:schemeClr val="bg1"/>
+              </a:solidFill>
+            </a:endParaRPr>
+          </a:p>
+        </p:txBody>
+      </p:sp>
+      <p:sp>
+        <p:nvSpPr>
+          <p:cNvPr id="71" name="ZoneTexte 70"/>
+          <p:cNvSpPr txBox="1"/>
+          <p:nvPr/>
+        </p:nvSpPr>
+        <p:spPr>
+          <a:xfrm>
+            <a:off x="6126019" y="4302489"/>
+            <a:ext cx="489667" cy="215444"/>
+          </a:xfrm>
+          <a:prstGeom prst="rect">
+            <a:avLst/>
+          </a:prstGeom>
+          <a:noFill/>
+        </p:spPr>
+        <p:txBody>
+          <a:bodyPr wrap="square" rtlCol="0">
+            <a:spAutoFit/>
+          </a:bodyPr>
+          <a:lstStyle/>
+          <a:p>
+            <a:r>
+              <a:rPr lang="fr-FR" sz="800" strike="sngStrike" dirty="0" smtClean="0"/>
+              <a:t>59,90€</a:t>
+            </a:r>
+            <a:endParaRPr lang="fr-FR" sz="800" strike="sngStrike" dirty="0"/>
+          </a:p>
+        </p:txBody>
+      </p:sp>
+      <p:sp>
+        <p:nvSpPr>
+          <p:cNvPr id="72" name="ZoneTexte 71"/>
+          <p:cNvSpPr txBox="1"/>
+          <p:nvPr/>
+        </p:nvSpPr>
+        <p:spPr>
+          <a:xfrm>
+            <a:off x="6415666" y="2937021"/>
+            <a:ext cx="957526" cy="307777"/>
+          </a:xfrm>
+          <a:prstGeom prst="rect">
+            <a:avLst/>
+          </a:prstGeom>
+          <a:noFill/>
+        </p:spPr>
+        <p:txBody>
+          <a:bodyPr wrap="square" rtlCol="0">
+            <a:spAutoFit/>
+          </a:bodyPr>
+          <a:lstStyle/>
+          <a:p>
+            <a:r>
+              <a:rPr lang="fr-FR" sz="1400" dirty="0" smtClean="0">
+                <a:solidFill>
+                  <a:srgbClr val="C00000"/>
+                </a:solidFill>
+              </a:rPr>
+              <a:t>39,90 €</a:t>
+            </a:r>
+            <a:endParaRPr lang="fr-FR" sz="1400" dirty="0">
+              <a:solidFill>
+                <a:srgbClr val="C00000"/>
+              </a:solidFill>
+            </a:endParaRPr>
+          </a:p>
+        </p:txBody>
+      </p:sp>
+      <p:sp>
+        <p:nvSpPr>
+          <p:cNvPr id="73" name="ZoneTexte 72"/>
+          <p:cNvSpPr txBox="1"/>
+          <p:nvPr/>
+        </p:nvSpPr>
+        <p:spPr>
+          <a:xfrm>
+            <a:off x="6415666" y="4255184"/>
+            <a:ext cx="957526" cy="307777"/>
+          </a:xfrm>
+          <a:prstGeom prst="rect">
+            <a:avLst/>
+          </a:prstGeom>
+          <a:noFill/>
+        </p:spPr>
+        <p:txBody>
+          <a:bodyPr wrap="square" rtlCol="0">
+            <a:spAutoFit/>
+          </a:bodyPr>
+          <a:lstStyle/>
+          <a:p>
+            <a:r>
+              <a:rPr lang="fr-FR" sz="1400" dirty="0" smtClean="0">
+                <a:solidFill>
+                  <a:srgbClr val="C00000"/>
+                </a:solidFill>
+              </a:rPr>
+              <a:t>39,90 €</a:t>
+            </a:r>
+            <a:endParaRPr lang="fr-FR" sz="1400" dirty="0">
+              <a:solidFill>
+                <a:srgbClr val="C00000"/>
+              </a:solidFill>
+            </a:endParaRPr>
+          </a:p>
+        </p:txBody>
+      </p:sp>
+      <p:sp>
+        <p:nvSpPr>
+          <p:cNvPr id="74" name="Rectangle 73"/>
+          <p:cNvSpPr/>
+          <p:nvPr/>
+        </p:nvSpPr>
+        <p:spPr>
+          <a:xfrm>
+            <a:off x="4899259" y="5062003"/>
+            <a:ext cx="2377440" cy="933848"/>
+          </a:xfrm>
+          <a:prstGeom prst="rect">
+            <a:avLst/>
+          </a:prstGeom>
+          <a:solidFill>
+            <a:schemeClr val="tx2">
+              <a:lumMod val="75000"/>
+            </a:schemeClr>
+          </a:solidFill>
+          <a:ln>
+            <a:solidFill>
+              <a:schemeClr val="tx2">
+                <a:lumMod val="75000"/>
+              </a:schemeClr>
+            </a:solidFill>
+          </a:ln>
+        </p:spPr>
+        <p:style>
+          <a:lnRef idx="2">
+            <a:schemeClr val="accent1">
+              <a:shade val="50000"/>
+            </a:schemeClr>
+          </a:lnRef>
+          <a:fillRef idx="1">
+            <a:schemeClr val="accent1"/>
+          </a:fillRef>
+          <a:effectRef idx="0">
+            <a:schemeClr val="accent1"/>
+          </a:effectRef>
+          <a:fontRef idx="minor">
+            <a:schemeClr val="lt1"/>
+          </a:fontRef>
+        </p:style>
+        <p:txBody>
+          <a:bodyPr rtlCol="0" anchor="ctr"/>
+          <a:lstStyle/>
+          <a:p>
+            <a:pPr algn="ctr"/>
+            <a:endParaRPr lang="fr-FR"/>
+          </a:p>
+        </p:txBody>
+      </p:sp>
+    </p:spTree>
+    <p:extLst>
+      <p:ext uri="{BB962C8B-B14F-4D97-AF65-F5344CB8AC3E}">
+        <p14:creationId xmlns:p14="http://schemas.microsoft.com/office/powerpoint/2010/main" val="2814989864"/>
       </p:ext>
     </p:extLst>
   </p:cSld>

--- a/ProjetStage/MaquetteProjetStage.pptx
+++ b/ProjetStage/MaquetteProjetStage.pptx
@@ -14,6 +14,7 @@
     <p:sldId id="262" r:id="rId8"/>
     <p:sldId id="263" r:id="rId9"/>
     <p:sldId id="264" r:id="rId10"/>
+    <p:sldId id="265" r:id="rId11"/>
   </p:sldIdLst>
   <p:sldSz cx="12192000" cy="6858000"/>
   <p:notesSz cx="6858000" cy="9144000"/>
@@ -6266,6 +6267,1301 @@
 </p:sld>
 </file>
 
+<file path=ppt/slides/slide10.xml><?xml version="1.0" encoding="utf-8"?>
+<p:sld xmlns:a="http://schemas.openxmlformats.org/drawingml/2006/main" xmlns:r="http://schemas.openxmlformats.org/officeDocument/2006/relationships" xmlns:p="http://schemas.openxmlformats.org/presentationml/2006/main">
+  <p:cSld>
+    <p:spTree>
+      <p:nvGrpSpPr>
+        <p:cNvPr id="1" name=""/>
+        <p:cNvGrpSpPr/>
+        <p:nvPr/>
+      </p:nvGrpSpPr>
+      <p:grpSpPr>
+        <a:xfrm>
+          <a:off x="0" y="0"/>
+          <a:ext cx="0" cy="0"/>
+          <a:chOff x="0" y="0"/>
+          <a:chExt cx="0" cy="0"/>
+        </a:xfrm>
+      </p:grpSpPr>
+      <p:pic>
+        <p:nvPicPr>
+          <p:cNvPr id="11" name="Image 10">
+            <a:extLst>
+              <a:ext uri="{FF2B5EF4-FFF2-40B4-BE49-F238E27FC236}">
+                <a16:creationId xmlns:a16="http://schemas.microsoft.com/office/drawing/2014/main" id="{22BDD6C7-5A23-43F7-995C-76453556087E}"/>
+              </a:ext>
+            </a:extLst>
+          </p:cNvPr>
+          <p:cNvPicPr>
+            <a:picLocks noChangeAspect="1"/>
+          </p:cNvPicPr>
+          <p:nvPr/>
+        </p:nvPicPr>
+        <p:blipFill>
+          <a:blip r:embed="rId2">
+            <a:extLst>
+              <a:ext uri="{28A0092B-C50C-407E-A947-70E740481C1C}">
+                <a14:useLocalDpi xmlns:a14="http://schemas.microsoft.com/office/drawing/2010/main" val="0"/>
+              </a:ext>
+            </a:extLst>
+          </a:blip>
+          <a:stretch>
+            <a:fillRect/>
+          </a:stretch>
+        </p:blipFill>
+        <p:spPr>
+          <a:xfrm>
+            <a:off x="3898900" y="317500"/>
+            <a:ext cx="4394200" cy="6223000"/>
+          </a:xfrm>
+          <a:prstGeom prst="rect">
+            <a:avLst/>
+          </a:prstGeom>
+        </p:spPr>
+      </p:pic>
+      <p:sp>
+        <p:nvSpPr>
+          <p:cNvPr id="24" name="Rectangle 23"/>
+          <p:cNvSpPr/>
+          <p:nvPr/>
+        </p:nvSpPr>
+        <p:spPr>
+          <a:xfrm>
+            <a:off x="4899259" y="934390"/>
+            <a:ext cx="2377440" cy="5042898"/>
+          </a:xfrm>
+          <a:prstGeom prst="rect">
+            <a:avLst/>
+          </a:prstGeom>
+          <a:solidFill>
+            <a:schemeClr val="bg1">
+              <a:lumMod val="95000"/>
+            </a:schemeClr>
+          </a:solidFill>
+        </p:spPr>
+        <p:style>
+          <a:lnRef idx="2">
+            <a:schemeClr val="accent1">
+              <a:shade val="50000"/>
+            </a:schemeClr>
+          </a:lnRef>
+          <a:fillRef idx="1">
+            <a:schemeClr val="accent1"/>
+          </a:fillRef>
+          <a:effectRef idx="0">
+            <a:schemeClr val="accent1"/>
+          </a:effectRef>
+          <a:fontRef idx="minor">
+            <a:schemeClr val="lt1"/>
+          </a:fontRef>
+        </p:style>
+        <p:txBody>
+          <a:bodyPr rtlCol="0" anchor="ctr"/>
+          <a:lstStyle/>
+          <a:p>
+            <a:pPr algn="ctr"/>
+            <a:endParaRPr lang="fr-FR"/>
+          </a:p>
+        </p:txBody>
+      </p:sp>
+      <p:sp>
+        <p:nvSpPr>
+          <p:cNvPr id="12" name="Rectangle 11"/>
+          <p:cNvSpPr/>
+          <p:nvPr/>
+        </p:nvSpPr>
+        <p:spPr>
+          <a:xfrm>
+            <a:off x="4899259" y="934390"/>
+            <a:ext cx="2377440" cy="450167"/>
+          </a:xfrm>
+          <a:prstGeom prst="rect">
+            <a:avLst/>
+          </a:prstGeom>
+          <a:solidFill>
+            <a:schemeClr val="tx2">
+              <a:lumMod val="75000"/>
+            </a:schemeClr>
+          </a:solidFill>
+          <a:ln>
+            <a:solidFill>
+              <a:schemeClr val="tx2">
+                <a:lumMod val="75000"/>
+              </a:schemeClr>
+            </a:solidFill>
+          </a:ln>
+        </p:spPr>
+        <p:style>
+          <a:lnRef idx="2">
+            <a:schemeClr val="accent1">
+              <a:shade val="50000"/>
+            </a:schemeClr>
+          </a:lnRef>
+          <a:fillRef idx="1">
+            <a:schemeClr val="accent1"/>
+          </a:fillRef>
+          <a:effectRef idx="0">
+            <a:schemeClr val="accent1"/>
+          </a:effectRef>
+          <a:fontRef idx="minor">
+            <a:schemeClr val="lt1"/>
+          </a:fontRef>
+        </p:style>
+        <p:txBody>
+          <a:bodyPr rtlCol="0" anchor="ctr"/>
+          <a:lstStyle/>
+          <a:p>
+            <a:pPr algn="ctr"/>
+            <a:endParaRPr lang="fr-FR"/>
+          </a:p>
+        </p:txBody>
+      </p:sp>
+      <p:sp>
+        <p:nvSpPr>
+          <p:cNvPr id="13" name="Align Justify"/>
+          <p:cNvSpPr>
+            <a:spLocks noChangeAspect="1" noEditPoints="1"/>
+          </p:cNvSpPr>
+          <p:nvPr/>
+        </p:nvSpPr>
+        <p:spPr bwMode="auto">
+          <a:xfrm>
+            <a:off x="4995752" y="1028697"/>
+            <a:ext cx="288924" cy="261551"/>
+          </a:xfrm>
+          <a:custGeom>
+            <a:avLst/>
+            <a:gdLst>
+              <a:gd name="T0" fmla="*/ 0 w 614"/>
+              <a:gd name="T1" fmla="*/ 0 h 560"/>
+              <a:gd name="T2" fmla="*/ 0 w 614"/>
+              <a:gd name="T3" fmla="*/ 27 h 560"/>
+              <a:gd name="T4" fmla="*/ 614 w 614"/>
+              <a:gd name="T5" fmla="*/ 27 h 560"/>
+              <a:gd name="T6" fmla="*/ 614 w 614"/>
+              <a:gd name="T7" fmla="*/ 0 h 560"/>
+              <a:gd name="T8" fmla="*/ 0 w 614"/>
+              <a:gd name="T9" fmla="*/ 0 h 560"/>
+              <a:gd name="T10" fmla="*/ 0 w 614"/>
+              <a:gd name="T11" fmla="*/ 134 h 560"/>
+              <a:gd name="T12" fmla="*/ 0 w 614"/>
+              <a:gd name="T13" fmla="*/ 160 h 560"/>
+              <a:gd name="T14" fmla="*/ 614 w 614"/>
+              <a:gd name="T15" fmla="*/ 160 h 560"/>
+              <a:gd name="T16" fmla="*/ 614 w 614"/>
+              <a:gd name="T17" fmla="*/ 134 h 560"/>
+              <a:gd name="T18" fmla="*/ 0 w 614"/>
+              <a:gd name="T19" fmla="*/ 134 h 560"/>
+              <a:gd name="T20" fmla="*/ 0 w 614"/>
+              <a:gd name="T21" fmla="*/ 267 h 560"/>
+              <a:gd name="T22" fmla="*/ 0 w 614"/>
+              <a:gd name="T23" fmla="*/ 294 h 560"/>
+              <a:gd name="T24" fmla="*/ 614 w 614"/>
+              <a:gd name="T25" fmla="*/ 294 h 560"/>
+              <a:gd name="T26" fmla="*/ 614 w 614"/>
+              <a:gd name="T27" fmla="*/ 267 h 560"/>
+              <a:gd name="T28" fmla="*/ 0 w 614"/>
+              <a:gd name="T29" fmla="*/ 267 h 560"/>
+              <a:gd name="T30" fmla="*/ 0 w 614"/>
+              <a:gd name="T31" fmla="*/ 400 h 560"/>
+              <a:gd name="T32" fmla="*/ 0 w 614"/>
+              <a:gd name="T33" fmla="*/ 427 h 560"/>
+              <a:gd name="T34" fmla="*/ 614 w 614"/>
+              <a:gd name="T35" fmla="*/ 427 h 560"/>
+              <a:gd name="T36" fmla="*/ 614 w 614"/>
+              <a:gd name="T37" fmla="*/ 400 h 560"/>
+              <a:gd name="T38" fmla="*/ 0 w 614"/>
+              <a:gd name="T39" fmla="*/ 400 h 560"/>
+              <a:gd name="T40" fmla="*/ 0 w 614"/>
+              <a:gd name="T41" fmla="*/ 534 h 560"/>
+              <a:gd name="T42" fmla="*/ 0 w 614"/>
+              <a:gd name="T43" fmla="*/ 560 h 560"/>
+              <a:gd name="T44" fmla="*/ 614 w 614"/>
+              <a:gd name="T45" fmla="*/ 560 h 560"/>
+              <a:gd name="T46" fmla="*/ 614 w 614"/>
+              <a:gd name="T47" fmla="*/ 534 h 560"/>
+              <a:gd name="T48" fmla="*/ 0 w 614"/>
+              <a:gd name="T49" fmla="*/ 534 h 560"/>
+            </a:gdLst>
+            <a:ahLst/>
+            <a:cxnLst>
+              <a:cxn ang="0">
+                <a:pos x="T0" y="T1"/>
+              </a:cxn>
+              <a:cxn ang="0">
+                <a:pos x="T2" y="T3"/>
+              </a:cxn>
+              <a:cxn ang="0">
+                <a:pos x="T4" y="T5"/>
+              </a:cxn>
+              <a:cxn ang="0">
+                <a:pos x="T6" y="T7"/>
+              </a:cxn>
+              <a:cxn ang="0">
+                <a:pos x="T8" y="T9"/>
+              </a:cxn>
+              <a:cxn ang="0">
+                <a:pos x="T10" y="T11"/>
+              </a:cxn>
+              <a:cxn ang="0">
+                <a:pos x="T12" y="T13"/>
+              </a:cxn>
+              <a:cxn ang="0">
+                <a:pos x="T14" y="T15"/>
+              </a:cxn>
+              <a:cxn ang="0">
+                <a:pos x="T16" y="T17"/>
+              </a:cxn>
+              <a:cxn ang="0">
+                <a:pos x="T18" y="T19"/>
+              </a:cxn>
+              <a:cxn ang="0">
+                <a:pos x="T20" y="T21"/>
+              </a:cxn>
+              <a:cxn ang="0">
+                <a:pos x="T22" y="T23"/>
+              </a:cxn>
+              <a:cxn ang="0">
+                <a:pos x="T24" y="T25"/>
+              </a:cxn>
+              <a:cxn ang="0">
+                <a:pos x="T26" y="T27"/>
+              </a:cxn>
+              <a:cxn ang="0">
+                <a:pos x="T28" y="T29"/>
+              </a:cxn>
+              <a:cxn ang="0">
+                <a:pos x="T30" y="T31"/>
+              </a:cxn>
+              <a:cxn ang="0">
+                <a:pos x="T32" y="T33"/>
+              </a:cxn>
+              <a:cxn ang="0">
+                <a:pos x="T34" y="T35"/>
+              </a:cxn>
+              <a:cxn ang="0">
+                <a:pos x="T36" y="T37"/>
+              </a:cxn>
+              <a:cxn ang="0">
+                <a:pos x="T38" y="T39"/>
+              </a:cxn>
+              <a:cxn ang="0">
+                <a:pos x="T40" y="T41"/>
+              </a:cxn>
+              <a:cxn ang="0">
+                <a:pos x="T42" y="T43"/>
+              </a:cxn>
+              <a:cxn ang="0">
+                <a:pos x="T44" y="T45"/>
+              </a:cxn>
+              <a:cxn ang="0">
+                <a:pos x="T46" y="T47"/>
+              </a:cxn>
+              <a:cxn ang="0">
+                <a:pos x="T48" y="T49"/>
+              </a:cxn>
+            </a:cxnLst>
+            <a:rect l="0" t="0" r="r" b="b"/>
+            <a:pathLst>
+              <a:path w="614" h="560">
+                <a:moveTo>
+                  <a:pt x="0" y="0"/>
+                </a:moveTo>
+                <a:lnTo>
+                  <a:pt x="0" y="27"/>
+                </a:lnTo>
+                <a:lnTo>
+                  <a:pt x="614" y="27"/>
+                </a:lnTo>
+                <a:lnTo>
+                  <a:pt x="614" y="0"/>
+                </a:lnTo>
+                <a:lnTo>
+                  <a:pt x="0" y="0"/>
+                </a:lnTo>
+                <a:close/>
+                <a:moveTo>
+                  <a:pt x="0" y="134"/>
+                </a:moveTo>
+                <a:lnTo>
+                  <a:pt x="0" y="160"/>
+                </a:lnTo>
+                <a:lnTo>
+                  <a:pt x="614" y="160"/>
+                </a:lnTo>
+                <a:lnTo>
+                  <a:pt x="614" y="134"/>
+                </a:lnTo>
+                <a:lnTo>
+                  <a:pt x="0" y="134"/>
+                </a:lnTo>
+                <a:close/>
+                <a:moveTo>
+                  <a:pt x="0" y="267"/>
+                </a:moveTo>
+                <a:lnTo>
+                  <a:pt x="0" y="294"/>
+                </a:lnTo>
+                <a:lnTo>
+                  <a:pt x="614" y="294"/>
+                </a:lnTo>
+                <a:lnTo>
+                  <a:pt x="614" y="267"/>
+                </a:lnTo>
+                <a:lnTo>
+                  <a:pt x="0" y="267"/>
+                </a:lnTo>
+                <a:close/>
+                <a:moveTo>
+                  <a:pt x="0" y="400"/>
+                </a:moveTo>
+                <a:lnTo>
+                  <a:pt x="0" y="427"/>
+                </a:lnTo>
+                <a:lnTo>
+                  <a:pt x="614" y="427"/>
+                </a:lnTo>
+                <a:lnTo>
+                  <a:pt x="614" y="400"/>
+                </a:lnTo>
+                <a:lnTo>
+                  <a:pt x="0" y="400"/>
+                </a:lnTo>
+                <a:close/>
+                <a:moveTo>
+                  <a:pt x="0" y="534"/>
+                </a:moveTo>
+                <a:lnTo>
+                  <a:pt x="0" y="560"/>
+                </a:lnTo>
+                <a:lnTo>
+                  <a:pt x="614" y="560"/>
+                </a:lnTo>
+                <a:lnTo>
+                  <a:pt x="614" y="534"/>
+                </a:lnTo>
+                <a:lnTo>
+                  <a:pt x="0" y="534"/>
+                </a:lnTo>
+                <a:close/>
+              </a:path>
+            </a:pathLst>
+          </a:custGeom>
+          <a:solidFill>
+            <a:schemeClr val="bg1"/>
+          </a:solidFill>
+          <a:ln w="9525">
+            <a:solidFill>
+              <a:schemeClr val="bg1"/>
+            </a:solidFill>
+            <a:round/>
+            <a:headEnd/>
+            <a:tailEnd/>
+          </a:ln>
+        </p:spPr>
+        <p:txBody>
+          <a:bodyPr vert="horz" wrap="square" lIns="91440" tIns="45720" rIns="91440" bIns="45720" numCol="1" anchor="t" anchorCtr="0" compatLnSpc="1">
+            <a:prstTxWarp prst="textNoShape">
+              <a:avLst/>
+            </a:prstTxWarp>
+          </a:bodyPr>
+          <a:lstStyle>
+            <a:defPPr>
+              <a:defRPr lang="en-US"/>
+            </a:defPPr>
+            <a:lvl1pPr marL="0" algn="l" defTabSz="914400" rtl="0" eaLnBrk="1" latinLnBrk="0" hangingPunct="1">
+              <a:defRPr sz="1800" kern="1200">
+                <a:solidFill>
+                  <a:schemeClr val="tx1"/>
+                </a:solidFill>
+                <a:latin typeface="+mn-lt"/>
+                <a:ea typeface="+mn-ea"/>
+                <a:cs typeface="+mn-cs"/>
+              </a:defRPr>
+            </a:lvl1pPr>
+            <a:lvl2pPr marL="457200" algn="l" defTabSz="914400" rtl="0" eaLnBrk="1" latinLnBrk="0" hangingPunct="1">
+              <a:defRPr sz="1800" kern="1200">
+                <a:solidFill>
+                  <a:schemeClr val="tx1"/>
+                </a:solidFill>
+                <a:latin typeface="+mn-lt"/>
+                <a:ea typeface="+mn-ea"/>
+                <a:cs typeface="+mn-cs"/>
+              </a:defRPr>
+            </a:lvl2pPr>
+            <a:lvl3pPr marL="914400" algn="l" defTabSz="914400" rtl="0" eaLnBrk="1" latinLnBrk="0" hangingPunct="1">
+              <a:defRPr sz="1800" kern="1200">
+                <a:solidFill>
+                  <a:schemeClr val="tx1"/>
+                </a:solidFill>
+                <a:latin typeface="+mn-lt"/>
+                <a:ea typeface="+mn-ea"/>
+                <a:cs typeface="+mn-cs"/>
+              </a:defRPr>
+            </a:lvl3pPr>
+            <a:lvl4pPr marL="1371600" algn="l" defTabSz="914400" rtl="0" eaLnBrk="1" latinLnBrk="0" hangingPunct="1">
+              <a:defRPr sz="1800" kern="1200">
+                <a:solidFill>
+                  <a:schemeClr val="tx1"/>
+                </a:solidFill>
+                <a:latin typeface="+mn-lt"/>
+                <a:ea typeface="+mn-ea"/>
+                <a:cs typeface="+mn-cs"/>
+              </a:defRPr>
+            </a:lvl4pPr>
+            <a:lvl5pPr marL="1828800" algn="l" defTabSz="914400" rtl="0" eaLnBrk="1" latinLnBrk="0" hangingPunct="1">
+              <a:defRPr sz="1800" kern="1200">
+                <a:solidFill>
+                  <a:schemeClr val="tx1"/>
+                </a:solidFill>
+                <a:latin typeface="+mn-lt"/>
+                <a:ea typeface="+mn-ea"/>
+                <a:cs typeface="+mn-cs"/>
+              </a:defRPr>
+            </a:lvl5pPr>
+            <a:lvl6pPr marL="2286000" algn="l" defTabSz="914400" rtl="0" eaLnBrk="1" latinLnBrk="0" hangingPunct="1">
+              <a:defRPr sz="1800" kern="1200">
+                <a:solidFill>
+                  <a:schemeClr val="tx1"/>
+                </a:solidFill>
+                <a:latin typeface="+mn-lt"/>
+                <a:ea typeface="+mn-ea"/>
+                <a:cs typeface="+mn-cs"/>
+              </a:defRPr>
+            </a:lvl6pPr>
+            <a:lvl7pPr marL="2743200" algn="l" defTabSz="914400" rtl="0" eaLnBrk="1" latinLnBrk="0" hangingPunct="1">
+              <a:defRPr sz="1800" kern="1200">
+                <a:solidFill>
+                  <a:schemeClr val="tx1"/>
+                </a:solidFill>
+                <a:latin typeface="+mn-lt"/>
+                <a:ea typeface="+mn-ea"/>
+                <a:cs typeface="+mn-cs"/>
+              </a:defRPr>
+            </a:lvl7pPr>
+            <a:lvl8pPr marL="3200400" algn="l" defTabSz="914400" rtl="0" eaLnBrk="1" latinLnBrk="0" hangingPunct="1">
+              <a:defRPr sz="1800" kern="1200">
+                <a:solidFill>
+                  <a:schemeClr val="tx1"/>
+                </a:solidFill>
+                <a:latin typeface="+mn-lt"/>
+                <a:ea typeface="+mn-ea"/>
+                <a:cs typeface="+mn-cs"/>
+              </a:defRPr>
+            </a:lvl8pPr>
+            <a:lvl9pPr marL="3657600" algn="l" defTabSz="914400" rtl="0" eaLnBrk="1" latinLnBrk="0" hangingPunct="1">
+              <a:defRPr sz="1800" kern="1200">
+                <a:solidFill>
+                  <a:schemeClr val="tx1"/>
+                </a:solidFill>
+                <a:latin typeface="+mn-lt"/>
+                <a:ea typeface="+mn-ea"/>
+                <a:cs typeface="+mn-cs"/>
+              </a:defRPr>
+            </a:lvl9pPr>
+          </a:lstStyle>
+          <a:p>
+            <a:endParaRPr lang="en-US" sz="900">
+              <a:latin typeface="Segoe UI" panose="020B0502040204020203" pitchFamily="34" charset="0"/>
+              <a:cs typeface="Segoe UI" panose="020B0502040204020203" pitchFamily="34" charset="0"/>
+            </a:endParaRPr>
+          </a:p>
+        </p:txBody>
+      </p:sp>
+      <p:sp>
+        <p:nvSpPr>
+          <p:cNvPr id="14" name="ZoneTexte 13"/>
+          <p:cNvSpPr txBox="1"/>
+          <p:nvPr/>
+        </p:nvSpPr>
+        <p:spPr>
+          <a:xfrm>
+            <a:off x="5317782" y="980571"/>
+            <a:ext cx="875492" cy="369332"/>
+          </a:xfrm>
+          <a:prstGeom prst="rect">
+            <a:avLst/>
+          </a:prstGeom>
+          <a:noFill/>
+        </p:spPr>
+        <p:txBody>
+          <a:bodyPr wrap="square" rtlCol="0">
+            <a:spAutoFit/>
+          </a:bodyPr>
+          <a:lstStyle/>
+          <a:p>
+            <a:r>
+              <a:rPr lang="fr-FR" sz="900" dirty="0" smtClean="0">
+                <a:solidFill>
+                  <a:schemeClr val="bg1"/>
+                </a:solidFill>
+              </a:rPr>
+              <a:t>LES TRESORS DE ONE PIECE</a:t>
+            </a:r>
+            <a:endParaRPr lang="fr-FR" sz="900" dirty="0">
+              <a:solidFill>
+                <a:schemeClr val="bg1"/>
+              </a:solidFill>
+            </a:endParaRPr>
+          </a:p>
+        </p:txBody>
+      </p:sp>
+      <p:pic>
+        <p:nvPicPr>
+          <p:cNvPr id="15" name="Image 14"/>
+          <p:cNvPicPr>
+            <a:picLocks noChangeAspect="1"/>
+          </p:cNvPicPr>
+          <p:nvPr/>
+        </p:nvPicPr>
+        <p:blipFill>
+          <a:blip r:embed="rId3" cstate="print">
+            <a:extLst>
+              <a:ext uri="{28A0092B-C50C-407E-A947-70E740481C1C}">
+                <a14:useLocalDpi xmlns:a14="http://schemas.microsoft.com/office/drawing/2010/main" val="0"/>
+              </a:ext>
+            </a:extLst>
+          </a:blip>
+          <a:stretch>
+            <a:fillRect/>
+          </a:stretch>
+        </p:blipFill>
+        <p:spPr>
+          <a:xfrm>
+            <a:off x="6157006" y="1033334"/>
+            <a:ext cx="256914" cy="256914"/>
+          </a:xfrm>
+          <a:prstGeom prst="rect">
+            <a:avLst/>
+          </a:prstGeom>
+        </p:spPr>
+      </p:pic>
+      <p:pic>
+        <p:nvPicPr>
+          <p:cNvPr id="18" name="Image 17"/>
+          <p:cNvPicPr>
+            <a:picLocks noChangeAspect="1"/>
+          </p:cNvPicPr>
+          <p:nvPr/>
+        </p:nvPicPr>
+        <p:blipFill>
+          <a:blip r:embed="rId4" cstate="print">
+            <a:extLst>
+              <a:ext uri="{28A0092B-C50C-407E-A947-70E740481C1C}">
+                <a14:useLocalDpi xmlns:a14="http://schemas.microsoft.com/office/drawing/2010/main" val="0"/>
+              </a:ext>
+            </a:extLst>
+          </a:blip>
+          <a:stretch>
+            <a:fillRect/>
+          </a:stretch>
+        </p:blipFill>
+        <p:spPr>
+          <a:xfrm>
+            <a:off x="6946968" y="993431"/>
+            <a:ext cx="296817" cy="296817"/>
+          </a:xfrm>
+          <a:prstGeom prst="rect">
+            <a:avLst/>
+          </a:prstGeom>
+        </p:spPr>
+      </p:pic>
+      <p:pic>
+        <p:nvPicPr>
+          <p:cNvPr id="19" name="Image 18"/>
+          <p:cNvPicPr>
+            <a:picLocks noChangeAspect="1"/>
+          </p:cNvPicPr>
+          <p:nvPr/>
+        </p:nvPicPr>
+        <p:blipFill>
+          <a:blip r:embed="rId5" cstate="print">
+            <a:extLst>
+              <a:ext uri="{28A0092B-C50C-407E-A947-70E740481C1C}">
+                <a14:useLocalDpi xmlns:a14="http://schemas.microsoft.com/office/drawing/2010/main" val="0"/>
+              </a:ext>
+            </a:extLst>
+          </a:blip>
+          <a:stretch>
+            <a:fillRect/>
+          </a:stretch>
+        </p:blipFill>
+        <p:spPr>
+          <a:xfrm>
+            <a:off x="6523574" y="989509"/>
+            <a:ext cx="310363" cy="310363"/>
+          </a:xfrm>
+          <a:prstGeom prst="rect">
+            <a:avLst/>
+          </a:prstGeom>
+        </p:spPr>
+      </p:pic>
+      <p:sp>
+        <p:nvSpPr>
+          <p:cNvPr id="20" name="Rectangle 19"/>
+          <p:cNvSpPr/>
+          <p:nvPr/>
+        </p:nvSpPr>
+        <p:spPr>
+          <a:xfrm>
+            <a:off x="4899259" y="1384557"/>
+            <a:ext cx="2377440" cy="4067660"/>
+          </a:xfrm>
+          <a:prstGeom prst="rect">
+            <a:avLst/>
+          </a:prstGeom>
+          <a:solidFill>
+            <a:schemeClr val="accent1">
+              <a:lumMod val="40000"/>
+              <a:lumOff val="60000"/>
+            </a:schemeClr>
+          </a:solidFill>
+        </p:spPr>
+        <p:style>
+          <a:lnRef idx="2">
+            <a:schemeClr val="accent1">
+              <a:shade val="50000"/>
+            </a:schemeClr>
+          </a:lnRef>
+          <a:fillRef idx="1">
+            <a:schemeClr val="accent1"/>
+          </a:fillRef>
+          <a:effectRef idx="0">
+            <a:schemeClr val="accent1"/>
+          </a:effectRef>
+          <a:fontRef idx="minor">
+            <a:schemeClr val="lt1"/>
+          </a:fontRef>
+        </p:style>
+        <p:txBody>
+          <a:bodyPr rtlCol="0" anchor="ctr"/>
+          <a:lstStyle/>
+          <a:p>
+            <a:pPr algn="ctr"/>
+            <a:endParaRPr lang="fr-FR"/>
+          </a:p>
+        </p:txBody>
+      </p:sp>
+      <p:sp>
+        <p:nvSpPr>
+          <p:cNvPr id="52" name="ZoneTexte 51"/>
+          <p:cNvSpPr txBox="1"/>
+          <p:nvPr/>
+        </p:nvSpPr>
+        <p:spPr>
+          <a:xfrm>
+            <a:off x="363557" y="451692"/>
+            <a:ext cx="2776250" cy="646331"/>
+          </a:xfrm>
+          <a:prstGeom prst="rect">
+            <a:avLst/>
+          </a:prstGeom>
+          <a:noFill/>
+        </p:spPr>
+        <p:txBody>
+          <a:bodyPr wrap="square" rtlCol="0">
+            <a:spAutoFit/>
+          </a:bodyPr>
+          <a:lstStyle/>
+          <a:p>
+            <a:r>
+              <a:rPr lang="fr-FR" dirty="0" smtClean="0"/>
+              <a:t>INDEX Smartphone ouverture du menu</a:t>
+            </a:r>
+            <a:endParaRPr lang="fr-FR" dirty="0"/>
+          </a:p>
+        </p:txBody>
+      </p:sp>
+      <p:sp>
+        <p:nvSpPr>
+          <p:cNvPr id="2" name="Rectangle 1"/>
+          <p:cNvSpPr/>
+          <p:nvPr/>
+        </p:nvSpPr>
+        <p:spPr>
+          <a:xfrm>
+            <a:off x="4907805" y="942936"/>
+            <a:ext cx="458955" cy="450165"/>
+          </a:xfrm>
+          <a:prstGeom prst="rect">
+            <a:avLst/>
+          </a:prstGeom>
+          <a:solidFill>
+            <a:schemeClr val="accent1">
+              <a:lumMod val="40000"/>
+              <a:lumOff val="60000"/>
+            </a:schemeClr>
+          </a:solidFill>
+          <a:ln>
+            <a:noFill/>
+          </a:ln>
+        </p:spPr>
+        <p:style>
+          <a:lnRef idx="2">
+            <a:schemeClr val="accent1">
+              <a:shade val="50000"/>
+            </a:schemeClr>
+          </a:lnRef>
+          <a:fillRef idx="1">
+            <a:schemeClr val="accent1"/>
+          </a:fillRef>
+          <a:effectRef idx="0">
+            <a:schemeClr val="accent1"/>
+          </a:effectRef>
+          <a:fontRef idx="minor">
+            <a:schemeClr val="lt1"/>
+          </a:fontRef>
+        </p:style>
+        <p:txBody>
+          <a:bodyPr rtlCol="0" anchor="ctr"/>
+          <a:lstStyle/>
+          <a:p>
+            <a:pPr algn="ctr"/>
+            <a:endParaRPr lang="fr-FR"/>
+          </a:p>
+        </p:txBody>
+      </p:sp>
+      <p:sp>
+        <p:nvSpPr>
+          <p:cNvPr id="3" name="Multiplication 2"/>
+          <p:cNvSpPr/>
+          <p:nvPr/>
+        </p:nvSpPr>
+        <p:spPr>
+          <a:xfrm>
+            <a:off x="4946774" y="979589"/>
+            <a:ext cx="371008" cy="364404"/>
+          </a:xfrm>
+          <a:prstGeom prst="mathMultiply">
+            <a:avLst/>
+          </a:prstGeom>
+          <a:solidFill>
+            <a:schemeClr val="tx1">
+              <a:lumMod val="85000"/>
+              <a:lumOff val="15000"/>
+            </a:schemeClr>
+          </a:solidFill>
+        </p:spPr>
+        <p:style>
+          <a:lnRef idx="2">
+            <a:schemeClr val="accent1">
+              <a:shade val="50000"/>
+            </a:schemeClr>
+          </a:lnRef>
+          <a:fillRef idx="1">
+            <a:schemeClr val="accent1"/>
+          </a:fillRef>
+          <a:effectRef idx="0">
+            <a:schemeClr val="accent1"/>
+          </a:effectRef>
+          <a:fontRef idx="minor">
+            <a:schemeClr val="lt1"/>
+          </a:fontRef>
+        </p:style>
+        <p:txBody>
+          <a:bodyPr rtlCol="0" anchor="ctr"/>
+          <a:lstStyle/>
+          <a:p>
+            <a:pPr algn="ctr"/>
+            <a:endParaRPr lang="fr-FR"/>
+          </a:p>
+        </p:txBody>
+      </p:sp>
+      <p:cxnSp>
+        <p:nvCxnSpPr>
+          <p:cNvPr id="53" name="Line"/>
+          <p:cNvCxnSpPr>
+            <a:cxnSpLocks/>
+          </p:cNvCxnSpPr>
+          <p:nvPr/>
+        </p:nvCxnSpPr>
+        <p:spPr bwMode="auto">
+          <a:xfrm>
+            <a:off x="4893088" y="1947228"/>
+            <a:ext cx="2383611" cy="1213"/>
+          </a:xfrm>
+          <a:prstGeom prst="line">
+            <a:avLst/>
+          </a:prstGeom>
+          <a:ln w="6350">
+            <a:solidFill>
+              <a:srgbClr val="808080"/>
+            </a:solidFill>
+          </a:ln>
+        </p:spPr>
+        <p:style>
+          <a:lnRef idx="1">
+            <a:schemeClr val="accent1"/>
+          </a:lnRef>
+          <a:fillRef idx="0">
+            <a:schemeClr val="accent1"/>
+          </a:fillRef>
+          <a:effectRef idx="0">
+            <a:schemeClr val="accent1"/>
+          </a:effectRef>
+          <a:fontRef idx="minor">
+            <a:schemeClr val="tx1"/>
+          </a:fontRef>
+        </p:style>
+      </p:cxnSp>
+      <p:cxnSp>
+        <p:nvCxnSpPr>
+          <p:cNvPr id="54" name="Line"/>
+          <p:cNvCxnSpPr>
+            <a:cxnSpLocks/>
+          </p:cNvCxnSpPr>
+          <p:nvPr/>
+        </p:nvCxnSpPr>
+        <p:spPr bwMode="auto">
+          <a:xfrm>
+            <a:off x="4904194" y="2509899"/>
+            <a:ext cx="2383611" cy="1213"/>
+          </a:xfrm>
+          <a:prstGeom prst="line">
+            <a:avLst/>
+          </a:prstGeom>
+          <a:ln w="6350">
+            <a:solidFill>
+              <a:srgbClr val="808080"/>
+            </a:solidFill>
+          </a:ln>
+        </p:spPr>
+        <p:style>
+          <a:lnRef idx="1">
+            <a:schemeClr val="accent1"/>
+          </a:lnRef>
+          <a:fillRef idx="0">
+            <a:schemeClr val="accent1"/>
+          </a:fillRef>
+          <a:effectRef idx="0">
+            <a:schemeClr val="accent1"/>
+          </a:effectRef>
+          <a:fontRef idx="minor">
+            <a:schemeClr val="tx1"/>
+          </a:fontRef>
+        </p:style>
+      </p:cxnSp>
+      <p:cxnSp>
+        <p:nvCxnSpPr>
+          <p:cNvPr id="55" name="Line"/>
+          <p:cNvCxnSpPr>
+            <a:cxnSpLocks/>
+          </p:cNvCxnSpPr>
+          <p:nvPr/>
+        </p:nvCxnSpPr>
+        <p:spPr bwMode="auto">
+          <a:xfrm>
+            <a:off x="4906754" y="3072570"/>
+            <a:ext cx="2383611" cy="1213"/>
+          </a:xfrm>
+          <a:prstGeom prst="line">
+            <a:avLst/>
+          </a:prstGeom>
+          <a:ln w="6350">
+            <a:solidFill>
+              <a:srgbClr val="808080"/>
+            </a:solidFill>
+          </a:ln>
+        </p:spPr>
+        <p:style>
+          <a:lnRef idx="1">
+            <a:schemeClr val="accent1"/>
+          </a:lnRef>
+          <a:fillRef idx="0">
+            <a:schemeClr val="accent1"/>
+          </a:fillRef>
+          <a:effectRef idx="0">
+            <a:schemeClr val="accent1"/>
+          </a:effectRef>
+          <a:fontRef idx="minor">
+            <a:schemeClr val="tx1"/>
+          </a:fontRef>
+        </p:style>
+      </p:cxnSp>
+      <p:cxnSp>
+        <p:nvCxnSpPr>
+          <p:cNvPr id="56" name="Line"/>
+          <p:cNvCxnSpPr>
+            <a:cxnSpLocks/>
+          </p:cNvCxnSpPr>
+          <p:nvPr/>
+        </p:nvCxnSpPr>
+        <p:spPr bwMode="auto">
+          <a:xfrm>
+            <a:off x="4900768" y="3635241"/>
+            <a:ext cx="2383611" cy="1213"/>
+          </a:xfrm>
+          <a:prstGeom prst="line">
+            <a:avLst/>
+          </a:prstGeom>
+          <a:ln w="6350">
+            <a:solidFill>
+              <a:srgbClr val="808080"/>
+            </a:solidFill>
+          </a:ln>
+        </p:spPr>
+        <p:style>
+          <a:lnRef idx="1">
+            <a:schemeClr val="accent1"/>
+          </a:lnRef>
+          <a:fillRef idx="0">
+            <a:schemeClr val="accent1"/>
+          </a:fillRef>
+          <a:effectRef idx="0">
+            <a:schemeClr val="accent1"/>
+          </a:effectRef>
+          <a:fontRef idx="minor">
+            <a:schemeClr val="tx1"/>
+          </a:fontRef>
+        </p:style>
+      </p:cxnSp>
+      <p:cxnSp>
+        <p:nvCxnSpPr>
+          <p:cNvPr id="57" name="Line"/>
+          <p:cNvCxnSpPr>
+            <a:cxnSpLocks/>
+          </p:cNvCxnSpPr>
+          <p:nvPr/>
+        </p:nvCxnSpPr>
+        <p:spPr bwMode="auto">
+          <a:xfrm>
+            <a:off x="4911874" y="4197912"/>
+            <a:ext cx="2383611" cy="1213"/>
+          </a:xfrm>
+          <a:prstGeom prst="line">
+            <a:avLst/>
+          </a:prstGeom>
+          <a:ln w="6350">
+            <a:solidFill>
+              <a:srgbClr val="808080"/>
+            </a:solidFill>
+          </a:ln>
+        </p:spPr>
+        <p:style>
+          <a:lnRef idx="1">
+            <a:schemeClr val="accent1"/>
+          </a:lnRef>
+          <a:fillRef idx="0">
+            <a:schemeClr val="accent1"/>
+          </a:fillRef>
+          <a:effectRef idx="0">
+            <a:schemeClr val="accent1"/>
+          </a:effectRef>
+          <a:fontRef idx="minor">
+            <a:schemeClr val="tx1"/>
+          </a:fontRef>
+        </p:style>
+      </p:cxnSp>
+      <p:sp>
+        <p:nvSpPr>
+          <p:cNvPr id="6" name="ZoneTexte 5"/>
+          <p:cNvSpPr txBox="1"/>
+          <p:nvPr/>
+        </p:nvSpPr>
+        <p:spPr>
+          <a:xfrm>
+            <a:off x="4946774" y="1552177"/>
+            <a:ext cx="2297011" cy="369332"/>
+          </a:xfrm>
+          <a:prstGeom prst="rect">
+            <a:avLst/>
+          </a:prstGeom>
+          <a:noFill/>
+        </p:spPr>
+        <p:txBody>
+          <a:bodyPr wrap="square" rtlCol="0">
+            <a:spAutoFit/>
+          </a:bodyPr>
+          <a:lstStyle/>
+          <a:p>
+            <a:r>
+              <a:rPr lang="fr-FR" b="1" dirty="0" smtClean="0">
+                <a:solidFill>
+                  <a:schemeClr val="bg2">
+                    <a:lumMod val="25000"/>
+                  </a:schemeClr>
+                </a:solidFill>
+              </a:rPr>
+              <a:t>ACCUEIL</a:t>
+            </a:r>
+            <a:endParaRPr lang="fr-FR" b="1" dirty="0">
+              <a:solidFill>
+                <a:schemeClr val="bg2">
+                  <a:lumMod val="25000"/>
+                </a:schemeClr>
+              </a:solidFill>
+            </a:endParaRPr>
+          </a:p>
+        </p:txBody>
+      </p:sp>
+      <p:sp>
+        <p:nvSpPr>
+          <p:cNvPr id="58" name="ZoneTexte 57"/>
+          <p:cNvSpPr txBox="1"/>
+          <p:nvPr/>
+        </p:nvSpPr>
+        <p:spPr>
+          <a:xfrm>
+            <a:off x="4946773" y="2054318"/>
+            <a:ext cx="2297011" cy="369332"/>
+          </a:xfrm>
+          <a:prstGeom prst="rect">
+            <a:avLst/>
+          </a:prstGeom>
+          <a:noFill/>
+        </p:spPr>
+        <p:txBody>
+          <a:bodyPr wrap="square" rtlCol="0">
+            <a:spAutoFit/>
+          </a:bodyPr>
+          <a:lstStyle/>
+          <a:p>
+            <a:r>
+              <a:rPr lang="fr-FR" b="1" dirty="0" smtClean="0">
+                <a:solidFill>
+                  <a:schemeClr val="bg2">
+                    <a:lumMod val="25000"/>
+                  </a:schemeClr>
+                </a:solidFill>
+              </a:rPr>
+              <a:t>FIGURINES</a:t>
+            </a:r>
+            <a:endParaRPr lang="fr-FR" b="1" dirty="0">
+              <a:solidFill>
+                <a:schemeClr val="bg2">
+                  <a:lumMod val="25000"/>
+                </a:schemeClr>
+              </a:solidFill>
+            </a:endParaRPr>
+          </a:p>
+        </p:txBody>
+      </p:sp>
+      <p:sp>
+        <p:nvSpPr>
+          <p:cNvPr id="59" name="ZoneTexte 58"/>
+          <p:cNvSpPr txBox="1"/>
+          <p:nvPr/>
+        </p:nvSpPr>
+        <p:spPr>
+          <a:xfrm>
+            <a:off x="4948064" y="2619167"/>
+            <a:ext cx="2297011" cy="369332"/>
+          </a:xfrm>
+          <a:prstGeom prst="rect">
+            <a:avLst/>
+          </a:prstGeom>
+          <a:noFill/>
+        </p:spPr>
+        <p:txBody>
+          <a:bodyPr wrap="square" rtlCol="0">
+            <a:spAutoFit/>
+          </a:bodyPr>
+          <a:lstStyle/>
+          <a:p>
+            <a:r>
+              <a:rPr lang="fr-FR" b="1" dirty="0" smtClean="0">
+                <a:solidFill>
+                  <a:schemeClr val="bg2">
+                    <a:lumMod val="25000"/>
+                  </a:schemeClr>
+                </a:solidFill>
+              </a:rPr>
+              <a:t>LIVRES</a:t>
+            </a:r>
+            <a:endParaRPr lang="fr-FR" b="1" dirty="0">
+              <a:solidFill>
+                <a:schemeClr val="bg2">
+                  <a:lumMod val="25000"/>
+                </a:schemeClr>
+              </a:solidFill>
+            </a:endParaRPr>
+          </a:p>
+        </p:txBody>
+      </p:sp>
+      <p:sp>
+        <p:nvSpPr>
+          <p:cNvPr id="60" name="ZoneTexte 59"/>
+          <p:cNvSpPr txBox="1"/>
+          <p:nvPr/>
+        </p:nvSpPr>
+        <p:spPr>
+          <a:xfrm>
+            <a:off x="4940809" y="3192563"/>
+            <a:ext cx="2297011" cy="369332"/>
+          </a:xfrm>
+          <a:prstGeom prst="rect">
+            <a:avLst/>
+          </a:prstGeom>
+          <a:noFill/>
+        </p:spPr>
+        <p:txBody>
+          <a:bodyPr wrap="square" rtlCol="0">
+            <a:spAutoFit/>
+          </a:bodyPr>
+          <a:lstStyle/>
+          <a:p>
+            <a:r>
+              <a:rPr lang="fr-FR" b="1" dirty="0" smtClean="0">
+                <a:solidFill>
+                  <a:schemeClr val="bg2">
+                    <a:lumMod val="25000"/>
+                  </a:schemeClr>
+                </a:solidFill>
+              </a:rPr>
+              <a:t>DVD &amp; BLU-RAY</a:t>
+            </a:r>
+            <a:endParaRPr lang="fr-FR" b="1" dirty="0">
+              <a:solidFill>
+                <a:schemeClr val="bg2">
+                  <a:lumMod val="25000"/>
+                </a:schemeClr>
+              </a:solidFill>
+            </a:endParaRPr>
+          </a:p>
+        </p:txBody>
+      </p:sp>
+      <p:sp>
+        <p:nvSpPr>
+          <p:cNvPr id="61" name="ZoneTexte 60"/>
+          <p:cNvSpPr txBox="1"/>
+          <p:nvPr/>
+        </p:nvSpPr>
+        <p:spPr>
+          <a:xfrm>
+            <a:off x="4950646" y="3723233"/>
+            <a:ext cx="2297011" cy="369332"/>
+          </a:xfrm>
+          <a:prstGeom prst="rect">
+            <a:avLst/>
+          </a:prstGeom>
+          <a:noFill/>
+        </p:spPr>
+        <p:txBody>
+          <a:bodyPr wrap="square" rtlCol="0">
+            <a:spAutoFit/>
+          </a:bodyPr>
+          <a:lstStyle/>
+          <a:p>
+            <a:r>
+              <a:rPr lang="fr-FR" b="1" dirty="0" smtClean="0">
+                <a:solidFill>
+                  <a:schemeClr val="bg2">
+                    <a:lumMod val="25000"/>
+                  </a:schemeClr>
+                </a:solidFill>
+              </a:rPr>
+              <a:t>VETEMENTS</a:t>
+            </a:r>
+            <a:endParaRPr lang="fr-FR" b="1" dirty="0">
+              <a:solidFill>
+                <a:schemeClr val="bg2">
+                  <a:lumMod val="25000"/>
+                </a:schemeClr>
+              </a:solidFill>
+            </a:endParaRPr>
+          </a:p>
+        </p:txBody>
+      </p:sp>
+      <p:sp>
+        <p:nvSpPr>
+          <p:cNvPr id="62" name="ZoneTexte 61"/>
+          <p:cNvSpPr txBox="1"/>
+          <p:nvPr/>
+        </p:nvSpPr>
+        <p:spPr>
+          <a:xfrm>
+            <a:off x="4984284" y="4315899"/>
+            <a:ext cx="2297011" cy="369332"/>
+          </a:xfrm>
+          <a:prstGeom prst="rect">
+            <a:avLst/>
+          </a:prstGeom>
+          <a:noFill/>
+        </p:spPr>
+        <p:txBody>
+          <a:bodyPr wrap="square" rtlCol="0">
+            <a:spAutoFit/>
+          </a:bodyPr>
+          <a:lstStyle/>
+          <a:p>
+            <a:r>
+              <a:rPr lang="fr-FR" b="1" dirty="0" smtClean="0">
+                <a:solidFill>
+                  <a:schemeClr val="bg2">
+                    <a:lumMod val="25000"/>
+                  </a:schemeClr>
+                </a:solidFill>
+              </a:rPr>
+              <a:t>GOODIES</a:t>
+            </a:r>
+            <a:endParaRPr lang="fr-FR" b="1" dirty="0">
+              <a:solidFill>
+                <a:schemeClr val="bg2">
+                  <a:lumMod val="25000"/>
+                </a:schemeClr>
+              </a:solidFill>
+            </a:endParaRPr>
+          </a:p>
+        </p:txBody>
+      </p:sp>
+      <p:cxnSp>
+        <p:nvCxnSpPr>
+          <p:cNvPr id="63" name="Line"/>
+          <p:cNvCxnSpPr>
+            <a:cxnSpLocks/>
+          </p:cNvCxnSpPr>
+          <p:nvPr/>
+        </p:nvCxnSpPr>
+        <p:spPr bwMode="auto">
+          <a:xfrm>
+            <a:off x="4893088" y="4768872"/>
+            <a:ext cx="2383611" cy="1213"/>
+          </a:xfrm>
+          <a:prstGeom prst="line">
+            <a:avLst/>
+          </a:prstGeom>
+          <a:ln w="6350">
+            <a:solidFill>
+              <a:srgbClr val="808080"/>
+            </a:solidFill>
+          </a:ln>
+        </p:spPr>
+        <p:style>
+          <a:lnRef idx="1">
+            <a:schemeClr val="accent1"/>
+          </a:lnRef>
+          <a:fillRef idx="0">
+            <a:schemeClr val="accent1"/>
+          </a:fillRef>
+          <a:effectRef idx="0">
+            <a:schemeClr val="accent1"/>
+          </a:effectRef>
+          <a:fontRef idx="minor">
+            <a:schemeClr val="tx1"/>
+          </a:fontRef>
+        </p:style>
+      </p:cxnSp>
+    </p:spTree>
+    <p:extLst>
+      <p:ext uri="{BB962C8B-B14F-4D97-AF65-F5344CB8AC3E}">
+        <p14:creationId xmlns:p14="http://schemas.microsoft.com/office/powerpoint/2010/main" val="1174057806"/>
+      </p:ext>
+    </p:extLst>
+  </p:cSld>
+  <p:clrMapOvr>
+    <a:masterClrMapping/>
+  </p:clrMapOvr>
+  <p:timing>
+    <p:tnLst>
+      <p:par>
+        <p:cTn id="1" dur="indefinite" restart="never" nodeType="tmRoot"/>
+      </p:par>
+    </p:tnLst>
+  </p:timing>
+</p:sld>
+</file>
+
 <file path=ppt/slides/slide2.xml><?xml version="1.0" encoding="utf-8"?>
 <p:sld xmlns:a="http://schemas.openxmlformats.org/drawingml/2006/main" xmlns:r="http://schemas.openxmlformats.org/officeDocument/2006/relationships" xmlns:p="http://schemas.openxmlformats.org/presentationml/2006/main">
   <p:cSld>
@@ -31899,7 +33195,9 @@
       </p:sp>
       <p:sp>
         <p:nvSpPr>
-          <p:cNvPr id="13" name="Align Justify"/>
+          <p:cNvPr id="13" name="Align Justify">
+            <a:hlinkClick r:id="rId3" action="ppaction://hlinksldjump"/>
+          </p:cNvPr>
           <p:cNvSpPr>
             <a:spLocks noChangeAspect="1" noEditPoints="1"/>
           </p:cNvSpPr>
@@ -32257,7 +33555,7 @@
         </p:nvSpPr>
         <p:spPr>
           <a:xfrm>
-            <a:off x="5275052" y="980571"/>
+            <a:off x="5317782" y="980571"/>
             <a:ext cx="875492" cy="369332"/>
           </a:xfrm>
           <a:prstGeom prst="rect">
@@ -32290,36 +33588,6 @@
       <p:pic>
         <p:nvPicPr>
           <p:cNvPr id="15" name="Image 14"/>
-          <p:cNvPicPr>
-            <a:picLocks noChangeAspect="1"/>
-          </p:cNvPicPr>
-          <p:nvPr/>
-        </p:nvPicPr>
-        <p:blipFill>
-          <a:blip r:embed="rId3" cstate="print">
-            <a:extLst>
-              <a:ext uri="{28A0092B-C50C-407E-A947-70E740481C1C}">
-                <a14:useLocalDpi xmlns:a14="http://schemas.microsoft.com/office/drawing/2010/main" val="0"/>
-              </a:ext>
-            </a:extLst>
-          </a:blip>
-          <a:stretch>
-            <a:fillRect/>
-          </a:stretch>
-        </p:blipFill>
-        <p:spPr>
-          <a:xfrm>
-            <a:off x="6157006" y="1033334"/>
-            <a:ext cx="256914" cy="256914"/>
-          </a:xfrm>
-          <a:prstGeom prst="rect">
-            <a:avLst/>
-          </a:prstGeom>
-        </p:spPr>
-      </p:pic>
-      <p:pic>
-        <p:nvPicPr>
-          <p:cNvPr id="18" name="Image 17"/>
           <p:cNvPicPr>
             <a:picLocks noChangeAspect="1"/>
           </p:cNvPicPr>
@@ -32339,6 +33607,36 @@
         </p:blipFill>
         <p:spPr>
           <a:xfrm>
+            <a:off x="6157006" y="1033334"/>
+            <a:ext cx="256914" cy="256914"/>
+          </a:xfrm>
+          <a:prstGeom prst="rect">
+            <a:avLst/>
+          </a:prstGeom>
+        </p:spPr>
+      </p:pic>
+      <p:pic>
+        <p:nvPicPr>
+          <p:cNvPr id="18" name="Image 17"/>
+          <p:cNvPicPr>
+            <a:picLocks noChangeAspect="1"/>
+          </p:cNvPicPr>
+          <p:nvPr/>
+        </p:nvPicPr>
+        <p:blipFill>
+          <a:blip r:embed="rId5" cstate="print">
+            <a:extLst>
+              <a:ext uri="{28A0092B-C50C-407E-A947-70E740481C1C}">
+                <a14:useLocalDpi xmlns:a14="http://schemas.microsoft.com/office/drawing/2010/main" val="0"/>
+              </a:ext>
+            </a:extLst>
+          </a:blip>
+          <a:stretch>
+            <a:fillRect/>
+          </a:stretch>
+        </p:blipFill>
+        <p:spPr>
+          <a:xfrm>
             <a:off x="6946968" y="993431"/>
             <a:ext cx="296817" cy="296817"/>
           </a:xfrm>
@@ -32356,7 +33654,7 @@
           <p:nvPr/>
         </p:nvPicPr>
         <p:blipFill>
-          <a:blip r:embed="rId5" cstate="print">
+          <a:blip r:embed="rId6" cstate="print">
             <a:extLst>
               <a:ext uri="{28A0092B-C50C-407E-A947-70E740481C1C}">
                 <a14:useLocalDpi xmlns:a14="http://schemas.microsoft.com/office/drawing/2010/main" val="0"/>
@@ -32604,7 +33902,7 @@
           <p:nvPr/>
         </p:nvPicPr>
         <p:blipFill>
-          <a:blip r:embed="rId6" cstate="print">
+          <a:blip r:embed="rId7" cstate="print">
             <a:extLst>
               <a:ext uri="{28A0092B-C50C-407E-A947-70E740481C1C}">
                 <a14:useLocalDpi xmlns:a14="http://schemas.microsoft.com/office/drawing/2010/main" val="0"/>
@@ -32859,7 +34157,7 @@
           <p:nvPr/>
         </p:nvPicPr>
         <p:blipFill>
-          <a:blip r:embed="rId6" cstate="print">
+          <a:blip r:embed="rId7" cstate="print">
             <a:extLst>
               <a:ext uri="{28A0092B-C50C-407E-A947-70E740481C1C}">
                 <a14:useLocalDpi xmlns:a14="http://schemas.microsoft.com/office/drawing/2010/main" val="0"/>
@@ -33114,7 +34412,7 @@
           <p:nvPr/>
         </p:nvPicPr>
         <p:blipFill>
-          <a:blip r:embed="rId6" cstate="print">
+          <a:blip r:embed="rId7" cstate="print">
             <a:extLst>
               <a:ext uri="{28A0092B-C50C-407E-A947-70E740481C1C}">
                 <a14:useLocalDpi xmlns:a14="http://schemas.microsoft.com/office/drawing/2010/main" val="0"/>
@@ -33369,7 +34667,7 @@
           <p:nvPr/>
         </p:nvPicPr>
         <p:blipFill>
-          <a:blip r:embed="rId6" cstate="print">
+          <a:blip r:embed="rId7" cstate="print">
             <a:extLst>
               <a:ext uri="{28A0092B-C50C-407E-A947-70E740481C1C}">
                 <a14:useLocalDpi xmlns:a14="http://schemas.microsoft.com/office/drawing/2010/main" val="0"/>
@@ -34125,7 +35423,7 @@
         </p:nvSpPr>
         <p:spPr>
           <a:xfrm>
-            <a:off x="5275052" y="980571"/>
+            <a:off x="5317782" y="980571"/>
             <a:ext cx="875492" cy="369332"/>
           </a:xfrm>
           <a:prstGeom prst="rect">
@@ -35486,6 +36784,763 @@
           </a:p>
         </p:txBody>
       </p:sp>
+      <p:cxnSp>
+        <p:nvCxnSpPr>
+          <p:cNvPr id="78" name="Line"/>
+          <p:cNvCxnSpPr>
+            <a:cxnSpLocks/>
+          </p:cNvCxnSpPr>
+          <p:nvPr/>
+        </p:nvCxnSpPr>
+        <p:spPr bwMode="auto">
+          <a:xfrm>
+            <a:off x="5380084" y="5312174"/>
+            <a:ext cx="1389112" cy="0"/>
+          </a:xfrm>
+          <a:prstGeom prst="line">
+            <a:avLst/>
+          </a:prstGeom>
+          <a:ln w="6350">
+            <a:solidFill>
+              <a:srgbClr val="808080"/>
+            </a:solidFill>
+          </a:ln>
+        </p:spPr>
+        <p:style>
+          <a:lnRef idx="1">
+            <a:schemeClr val="accent1"/>
+          </a:lnRef>
+          <a:fillRef idx="0">
+            <a:schemeClr val="accent1"/>
+          </a:fillRef>
+          <a:effectRef idx="0">
+            <a:schemeClr val="accent1"/>
+          </a:effectRef>
+          <a:fontRef idx="minor">
+            <a:schemeClr val="tx1"/>
+          </a:fontRef>
+        </p:style>
+      </p:cxnSp>
+      <p:sp>
+        <p:nvSpPr>
+          <p:cNvPr id="4" name="ZoneTexte 3"/>
+          <p:cNvSpPr txBox="1"/>
+          <p:nvPr/>
+        </p:nvSpPr>
+        <p:spPr>
+          <a:xfrm>
+            <a:off x="5654990" y="5093391"/>
+            <a:ext cx="942058" cy="261610"/>
+          </a:xfrm>
+          <a:prstGeom prst="rect">
+            <a:avLst/>
+          </a:prstGeom>
+          <a:noFill/>
+        </p:spPr>
+        <p:txBody>
+          <a:bodyPr wrap="square" rtlCol="0">
+            <a:spAutoFit/>
+          </a:bodyPr>
+          <a:lstStyle/>
+          <a:p>
+            <a:r>
+              <a:rPr lang="fr-FR" sz="1100" dirty="0" smtClean="0">
+                <a:solidFill>
+                  <a:schemeClr val="bg1"/>
+                </a:solidFill>
+              </a:rPr>
+              <a:t>NOS INFOS</a:t>
+            </a:r>
+            <a:endParaRPr lang="fr-FR" sz="1100" dirty="0">
+              <a:solidFill>
+                <a:schemeClr val="bg1"/>
+              </a:solidFill>
+            </a:endParaRPr>
+          </a:p>
+        </p:txBody>
+      </p:sp>
+      <p:sp>
+        <p:nvSpPr>
+          <p:cNvPr id="5" name="ZoneTexte 4"/>
+          <p:cNvSpPr txBox="1"/>
+          <p:nvPr/>
+        </p:nvSpPr>
+        <p:spPr>
+          <a:xfrm>
+            <a:off x="5655570" y="5355335"/>
+            <a:ext cx="2375652" cy="215444"/>
+          </a:xfrm>
+          <a:prstGeom prst="rect">
+            <a:avLst/>
+          </a:prstGeom>
+          <a:noFill/>
+        </p:spPr>
+        <p:txBody>
+          <a:bodyPr wrap="square" rtlCol="0">
+            <a:spAutoFit/>
+          </a:bodyPr>
+          <a:lstStyle/>
+          <a:p>
+            <a:r>
+              <a:rPr lang="fr-FR" sz="800" dirty="0" smtClean="0">
+                <a:solidFill>
+                  <a:schemeClr val="bg1"/>
+                </a:solidFill>
+              </a:rPr>
+              <a:t>Nous contacter</a:t>
+            </a:r>
+            <a:endParaRPr lang="fr-FR" sz="800" dirty="0">
+              <a:solidFill>
+                <a:schemeClr val="bg1"/>
+              </a:solidFill>
+            </a:endParaRPr>
+          </a:p>
+        </p:txBody>
+      </p:sp>
+      <p:sp>
+        <p:nvSpPr>
+          <p:cNvPr id="75" name="ZoneTexte 74"/>
+          <p:cNvSpPr txBox="1"/>
+          <p:nvPr/>
+        </p:nvSpPr>
+        <p:spPr>
+          <a:xfrm>
+            <a:off x="5568683" y="5627379"/>
+            <a:ext cx="2375652" cy="215444"/>
+          </a:xfrm>
+          <a:prstGeom prst="rect">
+            <a:avLst/>
+          </a:prstGeom>
+          <a:noFill/>
+        </p:spPr>
+        <p:txBody>
+          <a:bodyPr wrap="square" rtlCol="0">
+            <a:spAutoFit/>
+          </a:bodyPr>
+          <a:lstStyle/>
+          <a:p>
+            <a:r>
+              <a:rPr lang="fr-FR" sz="800" dirty="0" smtClean="0">
+                <a:solidFill>
+                  <a:schemeClr val="bg1"/>
+                </a:solidFill>
+              </a:rPr>
+              <a:t>Info </a:t>
+            </a:r>
+            <a:r>
+              <a:rPr lang="fr-FR" sz="800" dirty="0" err="1" smtClean="0">
+                <a:solidFill>
+                  <a:schemeClr val="bg1"/>
+                </a:solidFill>
+              </a:rPr>
+              <a:t>pré-commande</a:t>
+            </a:r>
+            <a:endParaRPr lang="fr-FR" sz="800" dirty="0">
+              <a:solidFill>
+                <a:schemeClr val="bg1"/>
+              </a:solidFill>
+            </a:endParaRPr>
+          </a:p>
+        </p:txBody>
+      </p:sp>
+      <p:sp>
+        <p:nvSpPr>
+          <p:cNvPr id="76" name="ZoneTexte 75"/>
+          <p:cNvSpPr txBox="1"/>
+          <p:nvPr/>
+        </p:nvSpPr>
+        <p:spPr>
+          <a:xfrm>
+            <a:off x="5695446" y="5489222"/>
+            <a:ext cx="2375652" cy="215444"/>
+          </a:xfrm>
+          <a:prstGeom prst="rect">
+            <a:avLst/>
+          </a:prstGeom>
+          <a:noFill/>
+        </p:spPr>
+        <p:txBody>
+          <a:bodyPr wrap="square" rtlCol="0">
+            <a:spAutoFit/>
+          </a:bodyPr>
+          <a:lstStyle/>
+          <a:p>
+            <a:r>
+              <a:rPr lang="fr-FR" sz="800" dirty="0" smtClean="0">
+                <a:solidFill>
+                  <a:schemeClr val="bg1"/>
+                </a:solidFill>
+              </a:rPr>
+              <a:t>Info livraison</a:t>
+            </a:r>
+            <a:endParaRPr lang="fr-FR" sz="800" dirty="0">
+              <a:solidFill>
+                <a:schemeClr val="bg1"/>
+              </a:solidFill>
+            </a:endParaRPr>
+          </a:p>
+        </p:txBody>
+      </p:sp>
+      <p:sp>
+        <p:nvSpPr>
+          <p:cNvPr id="77" name="ZoneTexte 76"/>
+          <p:cNvSpPr txBox="1"/>
+          <p:nvPr/>
+        </p:nvSpPr>
+        <p:spPr>
+          <a:xfrm>
+            <a:off x="5323054" y="5779171"/>
+            <a:ext cx="2375652" cy="215444"/>
+          </a:xfrm>
+          <a:prstGeom prst="rect">
+            <a:avLst/>
+          </a:prstGeom>
+          <a:noFill/>
+        </p:spPr>
+        <p:txBody>
+          <a:bodyPr wrap="square" rtlCol="0">
+            <a:spAutoFit/>
+          </a:bodyPr>
+          <a:lstStyle/>
+          <a:p>
+            <a:r>
+              <a:rPr lang="fr-FR" sz="800" dirty="0" smtClean="0">
+                <a:solidFill>
+                  <a:schemeClr val="bg1"/>
+                </a:solidFill>
+              </a:rPr>
+              <a:t>Conditions générales de ventes</a:t>
+            </a:r>
+            <a:endParaRPr lang="fr-FR" sz="800" dirty="0">
+              <a:solidFill>
+                <a:schemeClr val="bg1"/>
+              </a:solidFill>
+            </a:endParaRPr>
+          </a:p>
+        </p:txBody>
+      </p:sp>
+      <p:sp>
+        <p:nvSpPr>
+          <p:cNvPr id="79" name="Rectangle 78"/>
+          <p:cNvSpPr/>
+          <p:nvPr/>
+        </p:nvSpPr>
+        <p:spPr>
+          <a:xfrm>
+            <a:off x="7536526" y="5054524"/>
+            <a:ext cx="2377440" cy="933848"/>
+          </a:xfrm>
+          <a:prstGeom prst="rect">
+            <a:avLst/>
+          </a:prstGeom>
+          <a:solidFill>
+            <a:schemeClr val="tx2">
+              <a:lumMod val="75000"/>
+            </a:schemeClr>
+          </a:solidFill>
+          <a:ln>
+            <a:solidFill>
+              <a:schemeClr val="tx2">
+                <a:lumMod val="75000"/>
+              </a:schemeClr>
+            </a:solidFill>
+          </a:ln>
+        </p:spPr>
+        <p:style>
+          <a:lnRef idx="2">
+            <a:schemeClr val="accent1">
+              <a:shade val="50000"/>
+            </a:schemeClr>
+          </a:lnRef>
+          <a:fillRef idx="1">
+            <a:schemeClr val="accent1"/>
+          </a:fillRef>
+          <a:effectRef idx="0">
+            <a:schemeClr val="accent1"/>
+          </a:effectRef>
+          <a:fontRef idx="minor">
+            <a:schemeClr val="lt1"/>
+          </a:fontRef>
+        </p:style>
+        <p:txBody>
+          <a:bodyPr rtlCol="0" anchor="ctr"/>
+          <a:lstStyle/>
+          <a:p>
+            <a:pPr algn="ctr"/>
+            <a:endParaRPr lang="fr-FR"/>
+          </a:p>
+        </p:txBody>
+      </p:sp>
+      <p:cxnSp>
+        <p:nvCxnSpPr>
+          <p:cNvPr id="80" name="Line"/>
+          <p:cNvCxnSpPr>
+            <a:cxnSpLocks/>
+          </p:cNvCxnSpPr>
+          <p:nvPr/>
+        </p:nvCxnSpPr>
+        <p:spPr bwMode="auto">
+          <a:xfrm>
+            <a:off x="8017351" y="5304695"/>
+            <a:ext cx="1389112" cy="0"/>
+          </a:xfrm>
+          <a:prstGeom prst="line">
+            <a:avLst/>
+          </a:prstGeom>
+          <a:ln w="6350">
+            <a:solidFill>
+              <a:srgbClr val="808080"/>
+            </a:solidFill>
+          </a:ln>
+        </p:spPr>
+        <p:style>
+          <a:lnRef idx="1">
+            <a:schemeClr val="accent1"/>
+          </a:lnRef>
+          <a:fillRef idx="0">
+            <a:schemeClr val="accent1"/>
+          </a:fillRef>
+          <a:effectRef idx="0">
+            <a:schemeClr val="accent1"/>
+          </a:effectRef>
+          <a:fontRef idx="minor">
+            <a:schemeClr val="tx1"/>
+          </a:fontRef>
+        </p:style>
+      </p:cxnSp>
+      <p:sp>
+        <p:nvSpPr>
+          <p:cNvPr id="81" name="ZoneTexte 80"/>
+          <p:cNvSpPr txBox="1"/>
+          <p:nvPr/>
+        </p:nvSpPr>
+        <p:spPr>
+          <a:xfrm>
+            <a:off x="7722658" y="5068341"/>
+            <a:ext cx="2102534" cy="261610"/>
+          </a:xfrm>
+          <a:prstGeom prst="rect">
+            <a:avLst/>
+          </a:prstGeom>
+          <a:noFill/>
+        </p:spPr>
+        <p:txBody>
+          <a:bodyPr wrap="square" rtlCol="0">
+            <a:spAutoFit/>
+          </a:bodyPr>
+          <a:lstStyle/>
+          <a:p>
+            <a:r>
+              <a:rPr lang="fr-FR" sz="1100" dirty="0" smtClean="0">
+                <a:solidFill>
+                  <a:schemeClr val="bg1"/>
+                </a:solidFill>
+              </a:rPr>
+              <a:t>INSCRIPTION A LA NEWSLETTER</a:t>
+            </a:r>
+            <a:endParaRPr lang="fr-FR" sz="1100" dirty="0">
+              <a:solidFill>
+                <a:schemeClr val="bg1"/>
+              </a:solidFill>
+            </a:endParaRPr>
+          </a:p>
+        </p:txBody>
+      </p:sp>
+      <p:sp>
+        <p:nvSpPr>
+          <p:cNvPr id="82" name="ZoneTexte 81"/>
+          <p:cNvSpPr txBox="1"/>
+          <p:nvPr/>
+        </p:nvSpPr>
+        <p:spPr>
+          <a:xfrm>
+            <a:off x="7524081" y="5295486"/>
+            <a:ext cx="2375652" cy="338554"/>
+          </a:xfrm>
+          <a:prstGeom prst="rect">
+            <a:avLst/>
+          </a:prstGeom>
+          <a:noFill/>
+        </p:spPr>
+        <p:txBody>
+          <a:bodyPr wrap="square" rtlCol="0">
+            <a:spAutoFit/>
+          </a:bodyPr>
+          <a:lstStyle/>
+          <a:p>
+            <a:r>
+              <a:rPr lang="fr-FR" sz="800" i="1" dirty="0">
+                <a:solidFill>
+                  <a:schemeClr val="bg1">
+                    <a:lumMod val="65000"/>
+                  </a:schemeClr>
+                </a:solidFill>
+              </a:rPr>
+              <a:t>Pour être tenu informer des dernières nouveautés et promos</a:t>
+            </a:r>
+            <a:endParaRPr lang="fr-FR" sz="800" i="1" dirty="0">
+              <a:solidFill>
+                <a:schemeClr val="bg1">
+                  <a:lumMod val="65000"/>
+                </a:schemeClr>
+              </a:solidFill>
+            </a:endParaRPr>
+          </a:p>
+        </p:txBody>
+      </p:sp>
+      <p:sp>
+        <p:nvSpPr>
+          <p:cNvPr id="86" name="Rectangle 85"/>
+          <p:cNvSpPr/>
+          <p:nvPr/>
+        </p:nvSpPr>
+        <p:spPr>
+          <a:xfrm>
+            <a:off x="2235339" y="5048728"/>
+            <a:ext cx="2377440" cy="933848"/>
+          </a:xfrm>
+          <a:prstGeom prst="rect">
+            <a:avLst/>
+          </a:prstGeom>
+          <a:solidFill>
+            <a:schemeClr val="tx2">
+              <a:lumMod val="75000"/>
+            </a:schemeClr>
+          </a:solidFill>
+          <a:ln>
+            <a:solidFill>
+              <a:schemeClr val="tx2">
+                <a:lumMod val="75000"/>
+              </a:schemeClr>
+            </a:solidFill>
+          </a:ln>
+        </p:spPr>
+        <p:style>
+          <a:lnRef idx="2">
+            <a:schemeClr val="accent1">
+              <a:shade val="50000"/>
+            </a:schemeClr>
+          </a:lnRef>
+          <a:fillRef idx="1">
+            <a:schemeClr val="accent1"/>
+          </a:fillRef>
+          <a:effectRef idx="0">
+            <a:schemeClr val="accent1"/>
+          </a:effectRef>
+          <a:fontRef idx="minor">
+            <a:schemeClr val="lt1"/>
+          </a:fontRef>
+        </p:style>
+        <p:txBody>
+          <a:bodyPr rtlCol="0" anchor="ctr"/>
+          <a:lstStyle/>
+          <a:p>
+            <a:pPr algn="ctr"/>
+            <a:endParaRPr lang="fr-FR"/>
+          </a:p>
+        </p:txBody>
+      </p:sp>
+      <p:cxnSp>
+        <p:nvCxnSpPr>
+          <p:cNvPr id="87" name="Line"/>
+          <p:cNvCxnSpPr>
+            <a:cxnSpLocks/>
+          </p:cNvCxnSpPr>
+          <p:nvPr/>
+        </p:nvCxnSpPr>
+        <p:spPr bwMode="auto">
+          <a:xfrm>
+            <a:off x="2716164" y="5298899"/>
+            <a:ext cx="1389112" cy="0"/>
+          </a:xfrm>
+          <a:prstGeom prst="line">
+            <a:avLst/>
+          </a:prstGeom>
+          <a:ln w="6350">
+            <a:solidFill>
+              <a:srgbClr val="808080"/>
+            </a:solidFill>
+          </a:ln>
+        </p:spPr>
+        <p:style>
+          <a:lnRef idx="1">
+            <a:schemeClr val="accent1"/>
+          </a:lnRef>
+          <a:fillRef idx="0">
+            <a:schemeClr val="accent1"/>
+          </a:fillRef>
+          <a:effectRef idx="0">
+            <a:schemeClr val="accent1"/>
+          </a:effectRef>
+          <a:fontRef idx="minor">
+            <a:schemeClr val="tx1"/>
+          </a:fontRef>
+        </p:style>
+      </p:cxnSp>
+      <p:sp>
+        <p:nvSpPr>
+          <p:cNvPr id="88" name="ZoneTexte 87"/>
+          <p:cNvSpPr txBox="1"/>
+          <p:nvPr/>
+        </p:nvSpPr>
+        <p:spPr>
+          <a:xfrm>
+            <a:off x="2189726" y="5076180"/>
+            <a:ext cx="2911090" cy="261610"/>
+          </a:xfrm>
+          <a:prstGeom prst="rect">
+            <a:avLst/>
+          </a:prstGeom>
+          <a:noFill/>
+        </p:spPr>
+        <p:txBody>
+          <a:bodyPr wrap="square" rtlCol="0">
+            <a:spAutoFit/>
+          </a:bodyPr>
+          <a:lstStyle/>
+          <a:p>
+            <a:r>
+              <a:rPr lang="fr-FR" sz="1050" dirty="0" smtClean="0">
+                <a:solidFill>
+                  <a:schemeClr val="bg1"/>
+                </a:solidFill>
+              </a:rPr>
+              <a:t>NOUS SUIVRE SUR LES RESEAUX SOCIAUX</a:t>
+            </a:r>
+            <a:endParaRPr lang="fr-FR" sz="1050" dirty="0">
+              <a:solidFill>
+                <a:schemeClr val="bg1"/>
+              </a:solidFill>
+            </a:endParaRPr>
+          </a:p>
+        </p:txBody>
+      </p:sp>
+      <p:sp>
+        <p:nvSpPr>
+          <p:cNvPr id="6" name="Rectangle 5"/>
+          <p:cNvSpPr/>
+          <p:nvPr/>
+        </p:nvSpPr>
+        <p:spPr>
+          <a:xfrm>
+            <a:off x="7827948" y="5588466"/>
+            <a:ext cx="1717704" cy="165067"/>
+          </a:xfrm>
+          <a:prstGeom prst="rect">
+            <a:avLst/>
+          </a:prstGeom>
+          <a:solidFill>
+            <a:schemeClr val="bg1"/>
+          </a:solidFill>
+        </p:spPr>
+        <p:style>
+          <a:lnRef idx="2">
+            <a:schemeClr val="accent1">
+              <a:shade val="50000"/>
+            </a:schemeClr>
+          </a:lnRef>
+          <a:fillRef idx="1">
+            <a:schemeClr val="accent1"/>
+          </a:fillRef>
+          <a:effectRef idx="0">
+            <a:schemeClr val="accent1"/>
+          </a:effectRef>
+          <a:fontRef idx="minor">
+            <a:schemeClr val="lt1"/>
+          </a:fontRef>
+        </p:style>
+        <p:txBody>
+          <a:bodyPr rtlCol="0" anchor="ctr"/>
+          <a:lstStyle/>
+          <a:p>
+            <a:pPr algn="ctr"/>
+            <a:endParaRPr lang="fr-FR"/>
+          </a:p>
+        </p:txBody>
+      </p:sp>
+      <p:sp>
+        <p:nvSpPr>
+          <p:cNvPr id="93" name="Rectangle 92"/>
+          <p:cNvSpPr/>
+          <p:nvPr/>
+        </p:nvSpPr>
+        <p:spPr>
+          <a:xfrm>
+            <a:off x="7827948" y="5800151"/>
+            <a:ext cx="1717704" cy="165067"/>
+          </a:xfrm>
+          <a:prstGeom prst="rect">
+            <a:avLst/>
+          </a:prstGeom>
+          <a:solidFill>
+            <a:srgbClr val="C00000"/>
+          </a:solidFill>
+        </p:spPr>
+        <p:style>
+          <a:lnRef idx="2">
+            <a:schemeClr val="accent1">
+              <a:shade val="50000"/>
+            </a:schemeClr>
+          </a:lnRef>
+          <a:fillRef idx="1">
+            <a:schemeClr val="accent1"/>
+          </a:fillRef>
+          <a:effectRef idx="0">
+            <a:schemeClr val="accent1"/>
+          </a:effectRef>
+          <a:fontRef idx="minor">
+            <a:schemeClr val="lt1"/>
+          </a:fontRef>
+        </p:style>
+        <p:txBody>
+          <a:bodyPr rtlCol="0" anchor="ctr"/>
+          <a:lstStyle/>
+          <a:p>
+            <a:pPr algn="ctr"/>
+            <a:endParaRPr lang="fr-FR"/>
+          </a:p>
+        </p:txBody>
+      </p:sp>
+      <p:sp>
+        <p:nvSpPr>
+          <p:cNvPr id="7" name="ZoneTexte 6"/>
+          <p:cNvSpPr txBox="1"/>
+          <p:nvPr/>
+        </p:nvSpPr>
+        <p:spPr>
+          <a:xfrm>
+            <a:off x="7813715" y="5566083"/>
+            <a:ext cx="1717704" cy="215444"/>
+          </a:xfrm>
+          <a:prstGeom prst="rect">
+            <a:avLst/>
+          </a:prstGeom>
+          <a:noFill/>
+        </p:spPr>
+        <p:txBody>
+          <a:bodyPr wrap="square" rtlCol="0">
+            <a:spAutoFit/>
+          </a:bodyPr>
+          <a:lstStyle/>
+          <a:p>
+            <a:r>
+              <a:rPr lang="fr-FR" sz="800" i="1" dirty="0" smtClean="0">
+                <a:solidFill>
+                  <a:schemeClr val="bg1">
+                    <a:lumMod val="50000"/>
+                  </a:schemeClr>
+                </a:solidFill>
+              </a:rPr>
+              <a:t>VOTRE ADRESSE E-MAIL</a:t>
+            </a:r>
+            <a:endParaRPr lang="fr-FR" sz="800" i="1" dirty="0">
+              <a:solidFill>
+                <a:schemeClr val="bg1">
+                  <a:lumMod val="50000"/>
+                </a:schemeClr>
+              </a:solidFill>
+            </a:endParaRPr>
+          </a:p>
+        </p:txBody>
+      </p:sp>
+      <p:sp>
+        <p:nvSpPr>
+          <p:cNvPr id="8" name="ZoneTexte 7"/>
+          <p:cNvSpPr txBox="1"/>
+          <p:nvPr/>
+        </p:nvSpPr>
+        <p:spPr>
+          <a:xfrm>
+            <a:off x="8127576" y="5748393"/>
+            <a:ext cx="1732628" cy="276999"/>
+          </a:xfrm>
+          <a:prstGeom prst="rect">
+            <a:avLst/>
+          </a:prstGeom>
+          <a:noFill/>
+        </p:spPr>
+        <p:txBody>
+          <a:bodyPr wrap="square" rtlCol="0">
+            <a:spAutoFit/>
+          </a:bodyPr>
+          <a:lstStyle/>
+          <a:p>
+            <a:r>
+              <a:rPr lang="fr-FR" sz="1200" dirty="0" smtClean="0">
+                <a:solidFill>
+                  <a:schemeClr val="bg1"/>
+                </a:solidFill>
+              </a:rPr>
+              <a:t>JE M’ABONNE</a:t>
+            </a:r>
+            <a:endParaRPr lang="fr-FR" sz="1200" dirty="0">
+              <a:solidFill>
+                <a:schemeClr val="bg1"/>
+              </a:solidFill>
+            </a:endParaRPr>
+          </a:p>
+        </p:txBody>
+      </p:sp>
+      <p:pic>
+        <p:nvPicPr>
+          <p:cNvPr id="9" name="Image 8"/>
+          <p:cNvPicPr>
+            <a:picLocks noChangeAspect="1"/>
+          </p:cNvPicPr>
+          <p:nvPr/>
+        </p:nvPicPr>
+        <p:blipFill>
+          <a:blip r:embed="rId7" cstate="print">
+            <a:extLst>
+              <a:ext uri="{28A0092B-C50C-407E-A947-70E740481C1C}">
+                <a14:useLocalDpi xmlns:a14="http://schemas.microsoft.com/office/drawing/2010/main" val="0"/>
+              </a:ext>
+            </a:extLst>
+          </a:blip>
+          <a:stretch>
+            <a:fillRect/>
+          </a:stretch>
+        </p:blipFill>
+        <p:spPr>
+          <a:xfrm>
+            <a:off x="2745809" y="5295486"/>
+            <a:ext cx="545586" cy="612898"/>
+          </a:xfrm>
+          <a:prstGeom prst="rect">
+            <a:avLst/>
+          </a:prstGeom>
+        </p:spPr>
+      </p:pic>
+      <p:pic>
+        <p:nvPicPr>
+          <p:cNvPr id="10" name="Image 9"/>
+          <p:cNvPicPr>
+            <a:picLocks noChangeAspect="1"/>
+          </p:cNvPicPr>
+          <p:nvPr/>
+        </p:nvPicPr>
+        <p:blipFill>
+          <a:blip r:embed="rId8" cstate="print">
+            <a:extLst>
+              <a:ext uri="{28A0092B-C50C-407E-A947-70E740481C1C}">
+                <a14:useLocalDpi xmlns:a14="http://schemas.microsoft.com/office/drawing/2010/main" val="0"/>
+              </a:ext>
+            </a:extLst>
+          </a:blip>
+          <a:stretch>
+            <a:fillRect/>
+          </a:stretch>
+        </p:blipFill>
+        <p:spPr>
+          <a:xfrm>
+            <a:off x="3400456" y="5289052"/>
+            <a:ext cx="574731" cy="615783"/>
+          </a:xfrm>
+          <a:prstGeom prst="rect">
+            <a:avLst/>
+          </a:prstGeom>
+        </p:spPr>
+      </p:pic>
     </p:spTree>
     <p:extLst>
       <p:ext uri="{BB962C8B-B14F-4D97-AF65-F5344CB8AC3E}">

--- a/ProjetStage/MaquetteProjetStage.pptx
+++ b/ProjetStage/MaquetteProjetStage.pptx
@@ -16,6 +16,8 @@
     <p:sldId id="263" r:id="rId10"/>
     <p:sldId id="264" r:id="rId11"/>
     <p:sldId id="265" r:id="rId12"/>
+    <p:sldId id="267" r:id="rId13"/>
+    <p:sldId id="268" r:id="rId14"/>
   </p:sldIdLst>
   <p:sldSz cx="12192000" cy="6858000"/>
   <p:notesSz cx="6858000" cy="9144000"/>
@@ -253,7 +255,7 @@
           <a:p>
             <a:fld id="{260E7F35-4855-4D43-B1DE-D4E531001705}" type="datetimeFigureOut">
               <a:rPr lang="fr-FR" smtClean="0"/>
-              <a:t>23/04/2020</a:t>
+              <a:t>24/04/2020</a:t>
             </a:fld>
             <a:endParaRPr lang="fr-FR"/>
           </a:p>
@@ -423,7 +425,7 @@
           <a:p>
             <a:fld id="{260E7F35-4855-4D43-B1DE-D4E531001705}" type="datetimeFigureOut">
               <a:rPr lang="fr-FR" smtClean="0"/>
-              <a:t>23/04/2020</a:t>
+              <a:t>24/04/2020</a:t>
             </a:fld>
             <a:endParaRPr lang="fr-FR"/>
           </a:p>
@@ -603,7 +605,7 @@
           <a:p>
             <a:fld id="{260E7F35-4855-4D43-B1DE-D4E531001705}" type="datetimeFigureOut">
               <a:rPr lang="fr-FR" smtClean="0"/>
-              <a:t>23/04/2020</a:t>
+              <a:t>24/04/2020</a:t>
             </a:fld>
             <a:endParaRPr lang="fr-FR"/>
           </a:p>
@@ -773,7 +775,7 @@
           <a:p>
             <a:fld id="{260E7F35-4855-4D43-B1DE-D4E531001705}" type="datetimeFigureOut">
               <a:rPr lang="fr-FR" smtClean="0"/>
-              <a:t>23/04/2020</a:t>
+              <a:t>24/04/2020</a:t>
             </a:fld>
             <a:endParaRPr lang="fr-FR"/>
           </a:p>
@@ -1019,7 +1021,7 @@
           <a:p>
             <a:fld id="{260E7F35-4855-4D43-B1DE-D4E531001705}" type="datetimeFigureOut">
               <a:rPr lang="fr-FR" smtClean="0"/>
-              <a:t>23/04/2020</a:t>
+              <a:t>24/04/2020</a:t>
             </a:fld>
             <a:endParaRPr lang="fr-FR"/>
           </a:p>
@@ -1251,7 +1253,7 @@
           <a:p>
             <a:fld id="{260E7F35-4855-4D43-B1DE-D4E531001705}" type="datetimeFigureOut">
               <a:rPr lang="fr-FR" smtClean="0"/>
-              <a:t>23/04/2020</a:t>
+              <a:t>24/04/2020</a:t>
             </a:fld>
             <a:endParaRPr lang="fr-FR"/>
           </a:p>
@@ -1618,7 +1620,7 @@
           <a:p>
             <a:fld id="{260E7F35-4855-4D43-B1DE-D4E531001705}" type="datetimeFigureOut">
               <a:rPr lang="fr-FR" smtClean="0"/>
-              <a:t>23/04/2020</a:t>
+              <a:t>24/04/2020</a:t>
             </a:fld>
             <a:endParaRPr lang="fr-FR"/>
           </a:p>
@@ -1736,7 +1738,7 @@
           <a:p>
             <a:fld id="{260E7F35-4855-4D43-B1DE-D4E531001705}" type="datetimeFigureOut">
               <a:rPr lang="fr-FR" smtClean="0"/>
-              <a:t>23/04/2020</a:t>
+              <a:t>24/04/2020</a:t>
             </a:fld>
             <a:endParaRPr lang="fr-FR"/>
           </a:p>
@@ -1831,7 +1833,7 @@
           <a:p>
             <a:fld id="{260E7F35-4855-4D43-B1DE-D4E531001705}" type="datetimeFigureOut">
               <a:rPr lang="fr-FR" smtClean="0"/>
-              <a:t>23/04/2020</a:t>
+              <a:t>24/04/2020</a:t>
             </a:fld>
             <a:endParaRPr lang="fr-FR"/>
           </a:p>
@@ -2108,7 +2110,7 @@
           <a:p>
             <a:fld id="{260E7F35-4855-4D43-B1DE-D4E531001705}" type="datetimeFigureOut">
               <a:rPr lang="fr-FR" smtClean="0"/>
-              <a:t>23/04/2020</a:t>
+              <a:t>24/04/2020</a:t>
             </a:fld>
             <a:endParaRPr lang="fr-FR"/>
           </a:p>
@@ -2361,7 +2363,7 @@
           <a:p>
             <a:fld id="{260E7F35-4855-4D43-B1DE-D4E531001705}" type="datetimeFigureOut">
               <a:rPr lang="fr-FR" smtClean="0"/>
-              <a:t>23/04/2020</a:t>
+              <a:t>24/04/2020</a:t>
             </a:fld>
             <a:endParaRPr lang="fr-FR"/>
           </a:p>
@@ -2574,7 +2576,7 @@
           <a:p>
             <a:fld id="{260E7F35-4855-4D43-B1DE-D4E531001705}" type="datetimeFigureOut">
               <a:rPr lang="fr-FR" smtClean="0"/>
-              <a:t>23/04/2020</a:t>
+              <a:t>24/04/2020</a:t>
             </a:fld>
             <a:endParaRPr lang="fr-FR"/>
           </a:p>
@@ -8533,13 +8535,6 @@
               </a:rPr>
               <a:t>Pour être tenu informer des dernières nouveautés et promos</a:t>
             </a:r>
-            <a:endParaRPr lang="fr-FR" sz="800" i="1" dirty="0">
-              <a:solidFill>
-                <a:schemeClr val="bg1">
-                  <a:lumMod val="65000"/>
-                </a:schemeClr>
-              </a:solidFill>
-            </a:endParaRPr>
           </a:p>
         </p:txBody>
       </p:sp>
@@ -10197,6 +10192,6224 @@
     <p:extLst>
       <p:ext uri="{BB962C8B-B14F-4D97-AF65-F5344CB8AC3E}">
         <p14:creationId xmlns:p14="http://schemas.microsoft.com/office/powerpoint/2010/main" val="1174057806"/>
+      </p:ext>
+    </p:extLst>
+  </p:cSld>
+  <p:clrMapOvr>
+    <a:masterClrMapping/>
+  </p:clrMapOvr>
+  <p:timing>
+    <p:tnLst>
+      <p:par>
+        <p:cTn id="1" dur="indefinite" restart="never" nodeType="tmRoot"/>
+      </p:par>
+    </p:tnLst>
+  </p:timing>
+</p:sld>
+</file>
+
+<file path=ppt/slides/slide12.xml><?xml version="1.0" encoding="utf-8"?>
+<p:sld xmlns:a="http://schemas.openxmlformats.org/drawingml/2006/main" xmlns:r="http://schemas.openxmlformats.org/officeDocument/2006/relationships" xmlns:p="http://schemas.openxmlformats.org/presentationml/2006/main">
+  <p:cSld>
+    <p:spTree>
+      <p:nvGrpSpPr>
+        <p:cNvPr id="1" name=""/>
+        <p:cNvGrpSpPr/>
+        <p:nvPr/>
+      </p:nvGrpSpPr>
+      <p:grpSpPr>
+        <a:xfrm>
+          <a:off x="0" y="0"/>
+          <a:ext cx="0" cy="0"/>
+          <a:chOff x="0" y="0"/>
+          <a:chExt cx="0" cy="0"/>
+        </a:xfrm>
+      </p:grpSpPr>
+      <p:pic>
+        <p:nvPicPr>
+          <p:cNvPr id="4" name="Image 3">
+            <a:extLst>
+              <a:ext uri="{FF2B5EF4-FFF2-40B4-BE49-F238E27FC236}">
+                <a16:creationId xmlns:a16="http://schemas.microsoft.com/office/drawing/2014/main" id="{D4F4DE52-29D8-479A-9A2E-4EED57A07B8F}"/>
+              </a:ext>
+            </a:extLst>
+          </p:cNvPr>
+          <p:cNvPicPr>
+            <a:picLocks noChangeAspect="1"/>
+          </p:cNvPicPr>
+          <p:nvPr/>
+        </p:nvPicPr>
+        <p:blipFill>
+          <a:blip r:embed="rId2">
+            <a:extLst>
+              <a:ext uri="{28A0092B-C50C-407E-A947-70E740481C1C}">
+                <a14:useLocalDpi xmlns:a14="http://schemas.microsoft.com/office/drawing/2010/main" val="0"/>
+              </a:ext>
+            </a:extLst>
+          </a:blip>
+          <a:stretch>
+            <a:fillRect/>
+          </a:stretch>
+        </p:blipFill>
+        <p:spPr>
+          <a:xfrm>
+            <a:off x="3302267" y="808522"/>
+            <a:ext cx="5135078" cy="5135078"/>
+          </a:xfrm>
+          <a:prstGeom prst="rect">
+            <a:avLst/>
+          </a:prstGeom>
+        </p:spPr>
+      </p:pic>
+      <p:sp>
+        <p:nvSpPr>
+          <p:cNvPr id="5" name="Rectangle 4"/>
+          <p:cNvSpPr/>
+          <p:nvPr/>
+        </p:nvSpPr>
+        <p:spPr>
+          <a:xfrm>
+            <a:off x="4218371" y="1526948"/>
+            <a:ext cx="3337898" cy="4242495"/>
+          </a:xfrm>
+          <a:prstGeom prst="rect">
+            <a:avLst/>
+          </a:prstGeom>
+          <a:solidFill>
+            <a:schemeClr val="bg1">
+              <a:lumMod val="95000"/>
+            </a:schemeClr>
+          </a:solidFill>
+        </p:spPr>
+        <p:style>
+          <a:lnRef idx="2">
+            <a:schemeClr val="accent1">
+              <a:shade val="50000"/>
+            </a:schemeClr>
+          </a:lnRef>
+          <a:fillRef idx="1">
+            <a:schemeClr val="accent1"/>
+          </a:fillRef>
+          <a:effectRef idx="0">
+            <a:schemeClr val="accent1"/>
+          </a:effectRef>
+          <a:fontRef idx="minor">
+            <a:schemeClr val="lt1"/>
+          </a:fontRef>
+        </p:style>
+        <p:txBody>
+          <a:bodyPr rtlCol="0" anchor="ctr"/>
+          <a:lstStyle/>
+          <a:p>
+            <a:pPr algn="ctr"/>
+            <a:endParaRPr lang="fr-FR"/>
+          </a:p>
+        </p:txBody>
+      </p:sp>
+      <p:sp>
+        <p:nvSpPr>
+          <p:cNvPr id="6" name="Rectangle 5"/>
+          <p:cNvSpPr/>
+          <p:nvPr/>
+        </p:nvSpPr>
+        <p:spPr>
+          <a:xfrm>
+            <a:off x="4218371" y="989835"/>
+            <a:ext cx="3337898" cy="458601"/>
+          </a:xfrm>
+          <a:prstGeom prst="rect">
+            <a:avLst/>
+          </a:prstGeom>
+          <a:solidFill>
+            <a:schemeClr val="tx2">
+              <a:lumMod val="75000"/>
+            </a:schemeClr>
+          </a:solidFill>
+          <a:ln>
+            <a:solidFill>
+              <a:schemeClr val="tx2">
+                <a:lumMod val="75000"/>
+              </a:schemeClr>
+            </a:solidFill>
+          </a:ln>
+        </p:spPr>
+        <p:style>
+          <a:lnRef idx="2">
+            <a:schemeClr val="accent1">
+              <a:shade val="50000"/>
+            </a:schemeClr>
+          </a:lnRef>
+          <a:fillRef idx="1">
+            <a:schemeClr val="accent1"/>
+          </a:fillRef>
+          <a:effectRef idx="0">
+            <a:schemeClr val="accent1"/>
+          </a:effectRef>
+          <a:fontRef idx="minor">
+            <a:schemeClr val="lt1"/>
+          </a:fontRef>
+        </p:style>
+        <p:txBody>
+          <a:bodyPr rtlCol="0" anchor="ctr"/>
+          <a:lstStyle/>
+          <a:p>
+            <a:pPr algn="ctr"/>
+            <a:endParaRPr lang="fr-FR"/>
+          </a:p>
+        </p:txBody>
+      </p:sp>
+      <p:sp>
+        <p:nvSpPr>
+          <p:cNvPr id="7" name="Align Justify">
+            <a:hlinkClick r:id="rId3" action="ppaction://hlinksldjump"/>
+          </p:cNvPr>
+          <p:cNvSpPr>
+            <a:spLocks noChangeAspect="1" noEditPoints="1"/>
+          </p:cNvSpPr>
+          <p:nvPr/>
+        </p:nvSpPr>
+        <p:spPr bwMode="auto">
+          <a:xfrm>
+            <a:off x="4314106" y="1077555"/>
+            <a:ext cx="312797" cy="283162"/>
+          </a:xfrm>
+          <a:custGeom>
+            <a:avLst/>
+            <a:gdLst>
+              <a:gd name="T0" fmla="*/ 0 w 614"/>
+              <a:gd name="T1" fmla="*/ 0 h 560"/>
+              <a:gd name="T2" fmla="*/ 0 w 614"/>
+              <a:gd name="T3" fmla="*/ 27 h 560"/>
+              <a:gd name="T4" fmla="*/ 614 w 614"/>
+              <a:gd name="T5" fmla="*/ 27 h 560"/>
+              <a:gd name="T6" fmla="*/ 614 w 614"/>
+              <a:gd name="T7" fmla="*/ 0 h 560"/>
+              <a:gd name="T8" fmla="*/ 0 w 614"/>
+              <a:gd name="T9" fmla="*/ 0 h 560"/>
+              <a:gd name="T10" fmla="*/ 0 w 614"/>
+              <a:gd name="T11" fmla="*/ 134 h 560"/>
+              <a:gd name="T12" fmla="*/ 0 w 614"/>
+              <a:gd name="T13" fmla="*/ 160 h 560"/>
+              <a:gd name="T14" fmla="*/ 614 w 614"/>
+              <a:gd name="T15" fmla="*/ 160 h 560"/>
+              <a:gd name="T16" fmla="*/ 614 w 614"/>
+              <a:gd name="T17" fmla="*/ 134 h 560"/>
+              <a:gd name="T18" fmla="*/ 0 w 614"/>
+              <a:gd name="T19" fmla="*/ 134 h 560"/>
+              <a:gd name="T20" fmla="*/ 0 w 614"/>
+              <a:gd name="T21" fmla="*/ 267 h 560"/>
+              <a:gd name="T22" fmla="*/ 0 w 614"/>
+              <a:gd name="T23" fmla="*/ 294 h 560"/>
+              <a:gd name="T24" fmla="*/ 614 w 614"/>
+              <a:gd name="T25" fmla="*/ 294 h 560"/>
+              <a:gd name="T26" fmla="*/ 614 w 614"/>
+              <a:gd name="T27" fmla="*/ 267 h 560"/>
+              <a:gd name="T28" fmla="*/ 0 w 614"/>
+              <a:gd name="T29" fmla="*/ 267 h 560"/>
+              <a:gd name="T30" fmla="*/ 0 w 614"/>
+              <a:gd name="T31" fmla="*/ 400 h 560"/>
+              <a:gd name="T32" fmla="*/ 0 w 614"/>
+              <a:gd name="T33" fmla="*/ 427 h 560"/>
+              <a:gd name="T34" fmla="*/ 614 w 614"/>
+              <a:gd name="T35" fmla="*/ 427 h 560"/>
+              <a:gd name="T36" fmla="*/ 614 w 614"/>
+              <a:gd name="T37" fmla="*/ 400 h 560"/>
+              <a:gd name="T38" fmla="*/ 0 w 614"/>
+              <a:gd name="T39" fmla="*/ 400 h 560"/>
+              <a:gd name="T40" fmla="*/ 0 w 614"/>
+              <a:gd name="T41" fmla="*/ 534 h 560"/>
+              <a:gd name="T42" fmla="*/ 0 w 614"/>
+              <a:gd name="T43" fmla="*/ 560 h 560"/>
+              <a:gd name="T44" fmla="*/ 614 w 614"/>
+              <a:gd name="T45" fmla="*/ 560 h 560"/>
+              <a:gd name="T46" fmla="*/ 614 w 614"/>
+              <a:gd name="T47" fmla="*/ 534 h 560"/>
+              <a:gd name="T48" fmla="*/ 0 w 614"/>
+              <a:gd name="T49" fmla="*/ 534 h 560"/>
+            </a:gdLst>
+            <a:ahLst/>
+            <a:cxnLst>
+              <a:cxn ang="0">
+                <a:pos x="T0" y="T1"/>
+              </a:cxn>
+              <a:cxn ang="0">
+                <a:pos x="T2" y="T3"/>
+              </a:cxn>
+              <a:cxn ang="0">
+                <a:pos x="T4" y="T5"/>
+              </a:cxn>
+              <a:cxn ang="0">
+                <a:pos x="T6" y="T7"/>
+              </a:cxn>
+              <a:cxn ang="0">
+                <a:pos x="T8" y="T9"/>
+              </a:cxn>
+              <a:cxn ang="0">
+                <a:pos x="T10" y="T11"/>
+              </a:cxn>
+              <a:cxn ang="0">
+                <a:pos x="T12" y="T13"/>
+              </a:cxn>
+              <a:cxn ang="0">
+                <a:pos x="T14" y="T15"/>
+              </a:cxn>
+              <a:cxn ang="0">
+                <a:pos x="T16" y="T17"/>
+              </a:cxn>
+              <a:cxn ang="0">
+                <a:pos x="T18" y="T19"/>
+              </a:cxn>
+              <a:cxn ang="0">
+                <a:pos x="T20" y="T21"/>
+              </a:cxn>
+              <a:cxn ang="0">
+                <a:pos x="T22" y="T23"/>
+              </a:cxn>
+              <a:cxn ang="0">
+                <a:pos x="T24" y="T25"/>
+              </a:cxn>
+              <a:cxn ang="0">
+                <a:pos x="T26" y="T27"/>
+              </a:cxn>
+              <a:cxn ang="0">
+                <a:pos x="T28" y="T29"/>
+              </a:cxn>
+              <a:cxn ang="0">
+                <a:pos x="T30" y="T31"/>
+              </a:cxn>
+              <a:cxn ang="0">
+                <a:pos x="T32" y="T33"/>
+              </a:cxn>
+              <a:cxn ang="0">
+                <a:pos x="T34" y="T35"/>
+              </a:cxn>
+              <a:cxn ang="0">
+                <a:pos x="T36" y="T37"/>
+              </a:cxn>
+              <a:cxn ang="0">
+                <a:pos x="T38" y="T39"/>
+              </a:cxn>
+              <a:cxn ang="0">
+                <a:pos x="T40" y="T41"/>
+              </a:cxn>
+              <a:cxn ang="0">
+                <a:pos x="T42" y="T43"/>
+              </a:cxn>
+              <a:cxn ang="0">
+                <a:pos x="T44" y="T45"/>
+              </a:cxn>
+              <a:cxn ang="0">
+                <a:pos x="T46" y="T47"/>
+              </a:cxn>
+              <a:cxn ang="0">
+                <a:pos x="T48" y="T49"/>
+              </a:cxn>
+            </a:cxnLst>
+            <a:rect l="0" t="0" r="r" b="b"/>
+            <a:pathLst>
+              <a:path w="614" h="560">
+                <a:moveTo>
+                  <a:pt x="0" y="0"/>
+                </a:moveTo>
+                <a:lnTo>
+                  <a:pt x="0" y="27"/>
+                </a:lnTo>
+                <a:lnTo>
+                  <a:pt x="614" y="27"/>
+                </a:lnTo>
+                <a:lnTo>
+                  <a:pt x="614" y="0"/>
+                </a:lnTo>
+                <a:lnTo>
+                  <a:pt x="0" y="0"/>
+                </a:lnTo>
+                <a:close/>
+                <a:moveTo>
+                  <a:pt x="0" y="134"/>
+                </a:moveTo>
+                <a:lnTo>
+                  <a:pt x="0" y="160"/>
+                </a:lnTo>
+                <a:lnTo>
+                  <a:pt x="614" y="160"/>
+                </a:lnTo>
+                <a:lnTo>
+                  <a:pt x="614" y="134"/>
+                </a:lnTo>
+                <a:lnTo>
+                  <a:pt x="0" y="134"/>
+                </a:lnTo>
+                <a:close/>
+                <a:moveTo>
+                  <a:pt x="0" y="267"/>
+                </a:moveTo>
+                <a:lnTo>
+                  <a:pt x="0" y="294"/>
+                </a:lnTo>
+                <a:lnTo>
+                  <a:pt x="614" y="294"/>
+                </a:lnTo>
+                <a:lnTo>
+                  <a:pt x="614" y="267"/>
+                </a:lnTo>
+                <a:lnTo>
+                  <a:pt x="0" y="267"/>
+                </a:lnTo>
+                <a:close/>
+                <a:moveTo>
+                  <a:pt x="0" y="400"/>
+                </a:moveTo>
+                <a:lnTo>
+                  <a:pt x="0" y="427"/>
+                </a:lnTo>
+                <a:lnTo>
+                  <a:pt x="614" y="427"/>
+                </a:lnTo>
+                <a:lnTo>
+                  <a:pt x="614" y="400"/>
+                </a:lnTo>
+                <a:lnTo>
+                  <a:pt x="0" y="400"/>
+                </a:lnTo>
+                <a:close/>
+                <a:moveTo>
+                  <a:pt x="0" y="534"/>
+                </a:moveTo>
+                <a:lnTo>
+                  <a:pt x="0" y="560"/>
+                </a:lnTo>
+                <a:lnTo>
+                  <a:pt x="614" y="560"/>
+                </a:lnTo>
+                <a:lnTo>
+                  <a:pt x="614" y="534"/>
+                </a:lnTo>
+                <a:lnTo>
+                  <a:pt x="0" y="534"/>
+                </a:lnTo>
+                <a:close/>
+              </a:path>
+            </a:pathLst>
+          </a:custGeom>
+          <a:solidFill>
+            <a:schemeClr val="bg1"/>
+          </a:solidFill>
+          <a:ln w="9525">
+            <a:solidFill>
+              <a:schemeClr val="bg1"/>
+            </a:solidFill>
+            <a:round/>
+            <a:headEnd/>
+            <a:tailEnd/>
+          </a:ln>
+        </p:spPr>
+        <p:txBody>
+          <a:bodyPr vert="horz" wrap="square" lIns="91440" tIns="45720" rIns="91440" bIns="45720" numCol="1" anchor="t" anchorCtr="0" compatLnSpc="1">
+            <a:prstTxWarp prst="textNoShape">
+              <a:avLst/>
+            </a:prstTxWarp>
+          </a:bodyPr>
+          <a:lstStyle>
+            <a:defPPr>
+              <a:defRPr lang="en-US"/>
+            </a:defPPr>
+            <a:lvl1pPr marL="0" algn="l" defTabSz="914400" rtl="0" eaLnBrk="1" latinLnBrk="0" hangingPunct="1">
+              <a:defRPr sz="1800" kern="1200">
+                <a:solidFill>
+                  <a:schemeClr val="tx1"/>
+                </a:solidFill>
+                <a:latin typeface="+mn-lt"/>
+                <a:ea typeface="+mn-ea"/>
+                <a:cs typeface="+mn-cs"/>
+              </a:defRPr>
+            </a:lvl1pPr>
+            <a:lvl2pPr marL="457200" algn="l" defTabSz="914400" rtl="0" eaLnBrk="1" latinLnBrk="0" hangingPunct="1">
+              <a:defRPr sz="1800" kern="1200">
+                <a:solidFill>
+                  <a:schemeClr val="tx1"/>
+                </a:solidFill>
+                <a:latin typeface="+mn-lt"/>
+                <a:ea typeface="+mn-ea"/>
+                <a:cs typeface="+mn-cs"/>
+              </a:defRPr>
+            </a:lvl2pPr>
+            <a:lvl3pPr marL="914400" algn="l" defTabSz="914400" rtl="0" eaLnBrk="1" latinLnBrk="0" hangingPunct="1">
+              <a:defRPr sz="1800" kern="1200">
+                <a:solidFill>
+                  <a:schemeClr val="tx1"/>
+                </a:solidFill>
+                <a:latin typeface="+mn-lt"/>
+                <a:ea typeface="+mn-ea"/>
+                <a:cs typeface="+mn-cs"/>
+              </a:defRPr>
+            </a:lvl3pPr>
+            <a:lvl4pPr marL="1371600" algn="l" defTabSz="914400" rtl="0" eaLnBrk="1" latinLnBrk="0" hangingPunct="1">
+              <a:defRPr sz="1800" kern="1200">
+                <a:solidFill>
+                  <a:schemeClr val="tx1"/>
+                </a:solidFill>
+                <a:latin typeface="+mn-lt"/>
+                <a:ea typeface="+mn-ea"/>
+                <a:cs typeface="+mn-cs"/>
+              </a:defRPr>
+            </a:lvl4pPr>
+            <a:lvl5pPr marL="1828800" algn="l" defTabSz="914400" rtl="0" eaLnBrk="1" latinLnBrk="0" hangingPunct="1">
+              <a:defRPr sz="1800" kern="1200">
+                <a:solidFill>
+                  <a:schemeClr val="tx1"/>
+                </a:solidFill>
+                <a:latin typeface="+mn-lt"/>
+                <a:ea typeface="+mn-ea"/>
+                <a:cs typeface="+mn-cs"/>
+              </a:defRPr>
+            </a:lvl5pPr>
+            <a:lvl6pPr marL="2286000" algn="l" defTabSz="914400" rtl="0" eaLnBrk="1" latinLnBrk="0" hangingPunct="1">
+              <a:defRPr sz="1800" kern="1200">
+                <a:solidFill>
+                  <a:schemeClr val="tx1"/>
+                </a:solidFill>
+                <a:latin typeface="+mn-lt"/>
+                <a:ea typeface="+mn-ea"/>
+                <a:cs typeface="+mn-cs"/>
+              </a:defRPr>
+            </a:lvl6pPr>
+            <a:lvl7pPr marL="2743200" algn="l" defTabSz="914400" rtl="0" eaLnBrk="1" latinLnBrk="0" hangingPunct="1">
+              <a:defRPr sz="1800" kern="1200">
+                <a:solidFill>
+                  <a:schemeClr val="tx1"/>
+                </a:solidFill>
+                <a:latin typeface="+mn-lt"/>
+                <a:ea typeface="+mn-ea"/>
+                <a:cs typeface="+mn-cs"/>
+              </a:defRPr>
+            </a:lvl7pPr>
+            <a:lvl8pPr marL="3200400" algn="l" defTabSz="914400" rtl="0" eaLnBrk="1" latinLnBrk="0" hangingPunct="1">
+              <a:defRPr sz="1800" kern="1200">
+                <a:solidFill>
+                  <a:schemeClr val="tx1"/>
+                </a:solidFill>
+                <a:latin typeface="+mn-lt"/>
+                <a:ea typeface="+mn-ea"/>
+                <a:cs typeface="+mn-cs"/>
+              </a:defRPr>
+            </a:lvl8pPr>
+            <a:lvl9pPr marL="3657600" algn="l" defTabSz="914400" rtl="0" eaLnBrk="1" latinLnBrk="0" hangingPunct="1">
+              <a:defRPr sz="1800" kern="1200">
+                <a:solidFill>
+                  <a:schemeClr val="tx1"/>
+                </a:solidFill>
+                <a:latin typeface="+mn-lt"/>
+                <a:ea typeface="+mn-ea"/>
+                <a:cs typeface="+mn-cs"/>
+              </a:defRPr>
+            </a:lvl9pPr>
+          </a:lstStyle>
+          <a:p>
+            <a:endParaRPr lang="en-US" sz="900">
+              <a:latin typeface="Segoe UI" panose="020B0502040204020203" pitchFamily="34" charset="0"/>
+              <a:cs typeface="Segoe UI" panose="020B0502040204020203" pitchFamily="34" charset="0"/>
+            </a:endParaRPr>
+          </a:p>
+        </p:txBody>
+      </p:sp>
+      <p:sp>
+        <p:nvSpPr>
+          <p:cNvPr id="8" name="ZoneTexte 7"/>
+          <p:cNvSpPr txBox="1"/>
+          <p:nvPr/>
+        </p:nvSpPr>
+        <p:spPr>
+          <a:xfrm>
+            <a:off x="4752513" y="1093032"/>
+            <a:ext cx="1531908" cy="230832"/>
+          </a:xfrm>
+          <a:prstGeom prst="rect">
+            <a:avLst/>
+          </a:prstGeom>
+          <a:noFill/>
+        </p:spPr>
+        <p:txBody>
+          <a:bodyPr wrap="square" rtlCol="0">
+            <a:spAutoFit/>
+          </a:bodyPr>
+          <a:lstStyle/>
+          <a:p>
+            <a:r>
+              <a:rPr lang="fr-FR" sz="900" dirty="0" smtClean="0">
+                <a:solidFill>
+                  <a:schemeClr val="bg1"/>
+                </a:solidFill>
+              </a:rPr>
+              <a:t>LES TRESORS DE ONE PIECE</a:t>
+            </a:r>
+            <a:endParaRPr lang="fr-FR" sz="900" dirty="0">
+              <a:solidFill>
+                <a:schemeClr val="bg1"/>
+              </a:solidFill>
+            </a:endParaRPr>
+          </a:p>
+        </p:txBody>
+      </p:sp>
+      <p:pic>
+        <p:nvPicPr>
+          <p:cNvPr id="9" name="Image 8"/>
+          <p:cNvPicPr>
+            <a:picLocks noChangeAspect="1"/>
+          </p:cNvPicPr>
+          <p:nvPr/>
+        </p:nvPicPr>
+        <p:blipFill>
+          <a:blip r:embed="rId4" cstate="print">
+            <a:extLst>
+              <a:ext uri="{28A0092B-C50C-407E-A947-70E740481C1C}">
+                <a14:useLocalDpi xmlns:a14="http://schemas.microsoft.com/office/drawing/2010/main" val="0"/>
+              </a:ext>
+            </a:extLst>
+          </a:blip>
+          <a:stretch>
+            <a:fillRect/>
+          </a:stretch>
+        </p:blipFill>
+        <p:spPr>
+          <a:xfrm>
+            <a:off x="6306633" y="1082574"/>
+            <a:ext cx="278142" cy="278142"/>
+          </a:xfrm>
+          <a:prstGeom prst="rect">
+            <a:avLst/>
+          </a:prstGeom>
+        </p:spPr>
+      </p:pic>
+      <p:pic>
+        <p:nvPicPr>
+          <p:cNvPr id="10" name="Image 9"/>
+          <p:cNvPicPr>
+            <a:picLocks noChangeAspect="1"/>
+          </p:cNvPicPr>
+          <p:nvPr/>
+        </p:nvPicPr>
+        <p:blipFill>
+          <a:blip r:embed="rId5" cstate="print">
+            <a:extLst>
+              <a:ext uri="{28A0092B-C50C-407E-A947-70E740481C1C}">
+                <a14:useLocalDpi xmlns:a14="http://schemas.microsoft.com/office/drawing/2010/main" val="0"/>
+              </a:ext>
+            </a:extLst>
+          </a:blip>
+          <a:stretch>
+            <a:fillRect/>
+          </a:stretch>
+        </p:blipFill>
+        <p:spPr>
+          <a:xfrm>
+            <a:off x="7096595" y="1039375"/>
+            <a:ext cx="321342" cy="321342"/>
+          </a:xfrm>
+          <a:prstGeom prst="rect">
+            <a:avLst/>
+          </a:prstGeom>
+        </p:spPr>
+      </p:pic>
+      <p:pic>
+        <p:nvPicPr>
+          <p:cNvPr id="11" name="Image 10"/>
+          <p:cNvPicPr>
+            <a:picLocks noChangeAspect="1"/>
+          </p:cNvPicPr>
+          <p:nvPr/>
+        </p:nvPicPr>
+        <p:blipFill>
+          <a:blip r:embed="rId6" cstate="print">
+            <a:extLst>
+              <a:ext uri="{28A0092B-C50C-407E-A947-70E740481C1C}">
+                <a14:useLocalDpi xmlns:a14="http://schemas.microsoft.com/office/drawing/2010/main" val="0"/>
+              </a:ext>
+            </a:extLst>
+          </a:blip>
+          <a:stretch>
+            <a:fillRect/>
+          </a:stretch>
+        </p:blipFill>
+        <p:spPr>
+          <a:xfrm>
+            <a:off x="6673201" y="1034333"/>
+            <a:ext cx="336008" cy="336008"/>
+          </a:xfrm>
+          <a:prstGeom prst="rect">
+            <a:avLst/>
+          </a:prstGeom>
+        </p:spPr>
+      </p:pic>
+      <p:sp>
+        <p:nvSpPr>
+          <p:cNvPr id="12" name="Rectangle 11"/>
+          <p:cNvSpPr/>
+          <p:nvPr/>
+        </p:nvSpPr>
+        <p:spPr>
+          <a:xfrm>
+            <a:off x="4197813" y="1458061"/>
+            <a:ext cx="3358456" cy="770513"/>
+          </a:xfrm>
+          <a:prstGeom prst="rect">
+            <a:avLst/>
+          </a:prstGeom>
+          <a:solidFill>
+            <a:schemeClr val="accent1">
+              <a:lumMod val="40000"/>
+              <a:lumOff val="60000"/>
+            </a:schemeClr>
+          </a:solidFill>
+        </p:spPr>
+        <p:style>
+          <a:lnRef idx="2">
+            <a:schemeClr val="accent1">
+              <a:shade val="50000"/>
+            </a:schemeClr>
+          </a:lnRef>
+          <a:fillRef idx="1">
+            <a:schemeClr val="accent1"/>
+          </a:fillRef>
+          <a:effectRef idx="0">
+            <a:schemeClr val="accent1"/>
+          </a:effectRef>
+          <a:fontRef idx="minor">
+            <a:schemeClr val="lt1"/>
+          </a:fontRef>
+        </p:style>
+        <p:txBody>
+          <a:bodyPr rtlCol="0" anchor="ctr"/>
+          <a:lstStyle/>
+          <a:p>
+            <a:pPr algn="ctr"/>
+            <a:endParaRPr lang="fr-FR"/>
+          </a:p>
+        </p:txBody>
+      </p:sp>
+      <p:sp>
+        <p:nvSpPr>
+          <p:cNvPr id="13" name="ZoneTexte 12"/>
+          <p:cNvSpPr txBox="1"/>
+          <p:nvPr/>
+        </p:nvSpPr>
+        <p:spPr>
+          <a:xfrm>
+            <a:off x="4923316" y="1658651"/>
+            <a:ext cx="2333950" cy="369332"/>
+          </a:xfrm>
+          <a:prstGeom prst="rect">
+            <a:avLst/>
+          </a:prstGeom>
+          <a:noFill/>
+        </p:spPr>
+        <p:txBody>
+          <a:bodyPr wrap="square" rtlCol="0">
+            <a:spAutoFit/>
+          </a:bodyPr>
+          <a:lstStyle/>
+          <a:p>
+            <a:r>
+              <a:rPr lang="fr-FR" dirty="0" err="1" smtClean="0">
+                <a:solidFill>
+                  <a:schemeClr val="tx2">
+                    <a:lumMod val="60000"/>
+                    <a:lumOff val="40000"/>
+                  </a:schemeClr>
+                </a:solidFill>
+              </a:rPr>
+              <a:t>Slideshow</a:t>
+            </a:r>
+            <a:r>
+              <a:rPr lang="fr-FR" dirty="0" smtClean="0">
+                <a:solidFill>
+                  <a:schemeClr val="tx2">
+                    <a:lumMod val="60000"/>
+                    <a:lumOff val="40000"/>
+                  </a:schemeClr>
+                </a:solidFill>
+              </a:rPr>
+              <a:t> images</a:t>
+            </a:r>
+            <a:endParaRPr lang="fr-FR" dirty="0">
+              <a:solidFill>
+                <a:schemeClr val="tx2">
+                  <a:lumMod val="60000"/>
+                  <a:lumOff val="40000"/>
+                </a:schemeClr>
+              </a:solidFill>
+            </a:endParaRPr>
+          </a:p>
+        </p:txBody>
+      </p:sp>
+      <p:sp>
+        <p:nvSpPr>
+          <p:cNvPr id="14" name="ZoneTexte 13"/>
+          <p:cNvSpPr txBox="1"/>
+          <p:nvPr/>
+        </p:nvSpPr>
+        <p:spPr>
+          <a:xfrm>
+            <a:off x="5244533" y="2297461"/>
+            <a:ext cx="1561402" cy="338554"/>
+          </a:xfrm>
+          <a:prstGeom prst="rect">
+            <a:avLst/>
+          </a:prstGeom>
+          <a:noFill/>
+        </p:spPr>
+        <p:txBody>
+          <a:bodyPr wrap="square" rtlCol="0">
+            <a:spAutoFit/>
+          </a:bodyPr>
+          <a:lstStyle/>
+          <a:p>
+            <a:r>
+              <a:rPr lang="fr-FR" sz="1600" dirty="0" smtClean="0"/>
+              <a:t>NOUVEAUTES</a:t>
+            </a:r>
+            <a:endParaRPr lang="fr-FR" sz="1600" dirty="0"/>
+          </a:p>
+        </p:txBody>
+      </p:sp>
+      <p:cxnSp>
+        <p:nvCxnSpPr>
+          <p:cNvPr id="15" name="Line"/>
+          <p:cNvCxnSpPr>
+            <a:cxnSpLocks/>
+          </p:cNvCxnSpPr>
+          <p:nvPr/>
+        </p:nvCxnSpPr>
+        <p:spPr bwMode="auto">
+          <a:xfrm>
+            <a:off x="5139544" y="2611926"/>
+            <a:ext cx="1503891" cy="0"/>
+          </a:xfrm>
+          <a:prstGeom prst="line">
+            <a:avLst/>
+          </a:prstGeom>
+          <a:ln w="6350">
+            <a:solidFill>
+              <a:srgbClr val="808080"/>
+            </a:solidFill>
+          </a:ln>
+        </p:spPr>
+        <p:style>
+          <a:lnRef idx="1">
+            <a:schemeClr val="accent1"/>
+          </a:lnRef>
+          <a:fillRef idx="0">
+            <a:schemeClr val="accent1"/>
+          </a:fillRef>
+          <a:effectRef idx="0">
+            <a:schemeClr val="accent1"/>
+          </a:effectRef>
+          <a:fontRef idx="minor">
+            <a:schemeClr val="tx1"/>
+          </a:fontRef>
+        </p:style>
+      </p:cxnSp>
+      <p:sp>
+        <p:nvSpPr>
+          <p:cNvPr id="16" name="Rectangle 15"/>
+          <p:cNvSpPr/>
+          <p:nvPr/>
+        </p:nvSpPr>
+        <p:spPr>
+          <a:xfrm>
+            <a:off x="4782456" y="2790977"/>
+            <a:ext cx="951220" cy="1300520"/>
+          </a:xfrm>
+          <a:prstGeom prst="rect">
+            <a:avLst/>
+          </a:prstGeom>
+          <a:solidFill>
+            <a:schemeClr val="bg1"/>
+          </a:solidFill>
+          <a:ln w="3175">
+            <a:solidFill>
+              <a:schemeClr val="tx2">
+                <a:lumMod val="75000"/>
+              </a:schemeClr>
+            </a:solidFill>
+          </a:ln>
+        </p:spPr>
+        <p:style>
+          <a:lnRef idx="2">
+            <a:schemeClr val="accent1">
+              <a:shade val="50000"/>
+            </a:schemeClr>
+          </a:lnRef>
+          <a:fillRef idx="1">
+            <a:schemeClr val="accent1"/>
+          </a:fillRef>
+          <a:effectRef idx="0">
+            <a:schemeClr val="accent1"/>
+          </a:effectRef>
+          <a:fontRef idx="minor">
+            <a:schemeClr val="lt1"/>
+          </a:fontRef>
+        </p:style>
+        <p:txBody>
+          <a:bodyPr rtlCol="0" anchor="ctr"/>
+          <a:lstStyle/>
+          <a:p>
+            <a:pPr algn="ctr"/>
+            <a:endParaRPr lang="fr-FR"/>
+          </a:p>
+        </p:txBody>
+      </p:sp>
+      <p:pic>
+        <p:nvPicPr>
+          <p:cNvPr id="17" name="Image 16"/>
+          <p:cNvPicPr>
+            <a:picLocks noChangeAspect="1"/>
+          </p:cNvPicPr>
+          <p:nvPr/>
+        </p:nvPicPr>
+        <p:blipFill>
+          <a:blip r:embed="rId7" cstate="print">
+            <a:extLst>
+              <a:ext uri="{28A0092B-C50C-407E-A947-70E740481C1C}">
+                <a14:useLocalDpi xmlns:a14="http://schemas.microsoft.com/office/drawing/2010/main" val="0"/>
+              </a:ext>
+            </a:extLst>
+          </a:blip>
+          <a:stretch>
+            <a:fillRect/>
+          </a:stretch>
+        </p:blipFill>
+        <p:spPr>
+          <a:xfrm>
+            <a:off x="4847914" y="2843623"/>
+            <a:ext cx="787808" cy="787808"/>
+          </a:xfrm>
+          <a:prstGeom prst="rect">
+            <a:avLst/>
+          </a:prstGeom>
+        </p:spPr>
+      </p:pic>
+      <p:sp>
+        <p:nvSpPr>
+          <p:cNvPr id="18" name="ZoneTexte 17"/>
+          <p:cNvSpPr txBox="1"/>
+          <p:nvPr/>
+        </p:nvSpPr>
+        <p:spPr>
+          <a:xfrm>
+            <a:off x="4719018" y="3621975"/>
+            <a:ext cx="1107617" cy="323165"/>
+          </a:xfrm>
+          <a:prstGeom prst="rect">
+            <a:avLst/>
+          </a:prstGeom>
+          <a:noFill/>
+        </p:spPr>
+        <p:txBody>
+          <a:bodyPr wrap="square" rtlCol="0">
+            <a:spAutoFit/>
+          </a:bodyPr>
+          <a:lstStyle/>
+          <a:p>
+            <a:r>
+              <a:rPr lang="fr-FR" sz="500" dirty="0"/>
+              <a:t>Figurine </a:t>
+            </a:r>
+            <a:r>
+              <a:rPr lang="fr-FR" sz="500" dirty="0" err="1"/>
+              <a:t>Roronoa</a:t>
+            </a:r>
+            <a:r>
+              <a:rPr lang="fr-FR" sz="500" dirty="0"/>
+              <a:t> </a:t>
+            </a:r>
+            <a:r>
+              <a:rPr lang="fr-FR" sz="500" dirty="0" err="1"/>
+              <a:t>Zoro</a:t>
+            </a:r>
+            <a:r>
+              <a:rPr lang="fr-FR" sz="500" dirty="0"/>
+              <a:t> – </a:t>
+            </a:r>
+            <a:r>
+              <a:rPr lang="fr-FR" sz="500" dirty="0" err="1"/>
+              <a:t>Grandista</a:t>
+            </a:r>
+            <a:r>
+              <a:rPr lang="fr-FR" sz="500" dirty="0"/>
+              <a:t> Manga Dimension– 28 cm</a:t>
+            </a:r>
+          </a:p>
+          <a:p>
+            <a:endParaRPr lang="fr-FR" sz="500" dirty="0"/>
+          </a:p>
+        </p:txBody>
+      </p:sp>
+      <p:sp>
+        <p:nvSpPr>
+          <p:cNvPr id="19" name="ZoneTexte 18"/>
+          <p:cNvSpPr txBox="1"/>
+          <p:nvPr/>
+        </p:nvSpPr>
+        <p:spPr>
+          <a:xfrm>
+            <a:off x="4883866" y="3805427"/>
+            <a:ext cx="1036644" cy="307777"/>
+          </a:xfrm>
+          <a:prstGeom prst="rect">
+            <a:avLst/>
+          </a:prstGeom>
+          <a:noFill/>
+        </p:spPr>
+        <p:txBody>
+          <a:bodyPr wrap="square" rtlCol="0">
+            <a:spAutoFit/>
+          </a:bodyPr>
+          <a:lstStyle/>
+          <a:p>
+            <a:r>
+              <a:rPr lang="fr-FR" sz="1400" dirty="0" smtClean="0">
+                <a:solidFill>
+                  <a:srgbClr val="C00000"/>
+                </a:solidFill>
+              </a:rPr>
+              <a:t>74,90 €</a:t>
+            </a:r>
+            <a:endParaRPr lang="fr-FR" sz="1400" dirty="0">
+              <a:solidFill>
+                <a:srgbClr val="C00000"/>
+              </a:solidFill>
+            </a:endParaRPr>
+          </a:p>
+        </p:txBody>
+      </p:sp>
+      <p:sp>
+        <p:nvSpPr>
+          <p:cNvPr id="20" name="Rectangle 19"/>
+          <p:cNvSpPr/>
+          <p:nvPr/>
+        </p:nvSpPr>
+        <p:spPr>
+          <a:xfrm>
+            <a:off x="4726531" y="3103178"/>
+            <a:ext cx="637566" cy="127331"/>
+          </a:xfrm>
+          <a:prstGeom prst="rect">
+            <a:avLst/>
+          </a:prstGeom>
+          <a:ln>
+            <a:noFill/>
+          </a:ln>
+        </p:spPr>
+        <p:style>
+          <a:lnRef idx="2">
+            <a:schemeClr val="accent1">
+              <a:shade val="50000"/>
+            </a:schemeClr>
+          </a:lnRef>
+          <a:fillRef idx="1">
+            <a:schemeClr val="accent1"/>
+          </a:fillRef>
+          <a:effectRef idx="0">
+            <a:schemeClr val="accent1"/>
+          </a:effectRef>
+          <a:fontRef idx="minor">
+            <a:schemeClr val="lt1"/>
+          </a:fontRef>
+        </p:style>
+        <p:txBody>
+          <a:bodyPr rtlCol="0" anchor="ctr"/>
+          <a:lstStyle/>
+          <a:p>
+            <a:pPr algn="ctr"/>
+            <a:endParaRPr lang="fr-FR"/>
+          </a:p>
+        </p:txBody>
+      </p:sp>
+      <p:sp>
+        <p:nvSpPr>
+          <p:cNvPr id="21" name="ZoneTexte 20"/>
+          <p:cNvSpPr txBox="1"/>
+          <p:nvPr/>
+        </p:nvSpPr>
+        <p:spPr>
+          <a:xfrm>
+            <a:off x="4661072" y="3074810"/>
+            <a:ext cx="1130911" cy="230832"/>
+          </a:xfrm>
+          <a:prstGeom prst="rect">
+            <a:avLst/>
+          </a:prstGeom>
+          <a:noFill/>
+        </p:spPr>
+        <p:txBody>
+          <a:bodyPr wrap="square" rtlCol="0">
+            <a:spAutoFit/>
+          </a:bodyPr>
+          <a:lstStyle/>
+          <a:p>
+            <a:r>
+              <a:rPr lang="fr-FR" sz="900" dirty="0" smtClean="0">
+                <a:solidFill>
+                  <a:schemeClr val="bg1"/>
+                </a:solidFill>
+              </a:rPr>
+              <a:t>Nouveauté</a:t>
+            </a:r>
+            <a:endParaRPr lang="fr-FR" sz="900" dirty="0">
+              <a:solidFill>
+                <a:schemeClr val="bg1"/>
+              </a:solidFill>
+            </a:endParaRPr>
+          </a:p>
+        </p:txBody>
+      </p:sp>
+      <p:sp>
+        <p:nvSpPr>
+          <p:cNvPr id="22" name="Rectangle 21"/>
+          <p:cNvSpPr/>
+          <p:nvPr/>
+        </p:nvSpPr>
+        <p:spPr>
+          <a:xfrm>
+            <a:off x="5926921" y="2782786"/>
+            <a:ext cx="951220" cy="1308711"/>
+          </a:xfrm>
+          <a:prstGeom prst="rect">
+            <a:avLst/>
+          </a:prstGeom>
+          <a:solidFill>
+            <a:schemeClr val="bg1"/>
+          </a:solidFill>
+          <a:ln w="3175">
+            <a:solidFill>
+              <a:schemeClr val="tx2">
+                <a:lumMod val="75000"/>
+              </a:schemeClr>
+            </a:solidFill>
+          </a:ln>
+        </p:spPr>
+        <p:style>
+          <a:lnRef idx="2">
+            <a:schemeClr val="accent1">
+              <a:shade val="50000"/>
+            </a:schemeClr>
+          </a:lnRef>
+          <a:fillRef idx="1">
+            <a:schemeClr val="accent1"/>
+          </a:fillRef>
+          <a:effectRef idx="0">
+            <a:schemeClr val="accent1"/>
+          </a:effectRef>
+          <a:fontRef idx="minor">
+            <a:schemeClr val="lt1"/>
+          </a:fontRef>
+        </p:style>
+        <p:txBody>
+          <a:bodyPr rtlCol="0" anchor="ctr"/>
+          <a:lstStyle/>
+          <a:p>
+            <a:pPr algn="ctr"/>
+            <a:endParaRPr lang="fr-FR"/>
+          </a:p>
+        </p:txBody>
+      </p:sp>
+      <p:pic>
+        <p:nvPicPr>
+          <p:cNvPr id="23" name="Image 22"/>
+          <p:cNvPicPr>
+            <a:picLocks noChangeAspect="1"/>
+          </p:cNvPicPr>
+          <p:nvPr/>
+        </p:nvPicPr>
+        <p:blipFill>
+          <a:blip r:embed="rId7" cstate="print">
+            <a:extLst>
+              <a:ext uri="{28A0092B-C50C-407E-A947-70E740481C1C}">
+                <a14:useLocalDpi xmlns:a14="http://schemas.microsoft.com/office/drawing/2010/main" val="0"/>
+              </a:ext>
+            </a:extLst>
+          </a:blip>
+          <a:stretch>
+            <a:fillRect/>
+          </a:stretch>
+        </p:blipFill>
+        <p:spPr>
+          <a:xfrm>
+            <a:off x="5992379" y="2843623"/>
+            <a:ext cx="787808" cy="787808"/>
+          </a:xfrm>
+          <a:prstGeom prst="rect">
+            <a:avLst/>
+          </a:prstGeom>
+        </p:spPr>
+      </p:pic>
+      <p:sp>
+        <p:nvSpPr>
+          <p:cNvPr id="24" name="ZoneTexte 23"/>
+          <p:cNvSpPr txBox="1"/>
+          <p:nvPr/>
+        </p:nvSpPr>
+        <p:spPr>
+          <a:xfrm>
+            <a:off x="5863483" y="3621975"/>
+            <a:ext cx="1107617" cy="323165"/>
+          </a:xfrm>
+          <a:prstGeom prst="rect">
+            <a:avLst/>
+          </a:prstGeom>
+          <a:noFill/>
+        </p:spPr>
+        <p:txBody>
+          <a:bodyPr wrap="square" rtlCol="0">
+            <a:spAutoFit/>
+          </a:bodyPr>
+          <a:lstStyle/>
+          <a:p>
+            <a:r>
+              <a:rPr lang="fr-FR" sz="500" dirty="0"/>
+              <a:t>Figurine </a:t>
+            </a:r>
+            <a:r>
+              <a:rPr lang="fr-FR" sz="500" dirty="0" err="1"/>
+              <a:t>Roronoa</a:t>
+            </a:r>
+            <a:r>
+              <a:rPr lang="fr-FR" sz="500" dirty="0"/>
+              <a:t> </a:t>
+            </a:r>
+            <a:r>
+              <a:rPr lang="fr-FR" sz="500" dirty="0" err="1"/>
+              <a:t>Zoro</a:t>
+            </a:r>
+            <a:r>
+              <a:rPr lang="fr-FR" sz="500" dirty="0"/>
+              <a:t> – </a:t>
+            </a:r>
+            <a:r>
+              <a:rPr lang="fr-FR" sz="500" dirty="0" err="1"/>
+              <a:t>Grandista</a:t>
+            </a:r>
+            <a:r>
+              <a:rPr lang="fr-FR" sz="500" dirty="0"/>
+              <a:t> Manga Dimension– 28 cm</a:t>
+            </a:r>
+          </a:p>
+          <a:p>
+            <a:endParaRPr lang="fr-FR" sz="500" dirty="0"/>
+          </a:p>
+        </p:txBody>
+      </p:sp>
+      <p:sp>
+        <p:nvSpPr>
+          <p:cNvPr id="25" name="ZoneTexte 24"/>
+          <p:cNvSpPr txBox="1"/>
+          <p:nvPr/>
+        </p:nvSpPr>
+        <p:spPr>
+          <a:xfrm>
+            <a:off x="6028331" y="3805427"/>
+            <a:ext cx="1036644" cy="307777"/>
+          </a:xfrm>
+          <a:prstGeom prst="rect">
+            <a:avLst/>
+          </a:prstGeom>
+          <a:noFill/>
+        </p:spPr>
+        <p:txBody>
+          <a:bodyPr wrap="square" rtlCol="0">
+            <a:spAutoFit/>
+          </a:bodyPr>
+          <a:lstStyle/>
+          <a:p>
+            <a:r>
+              <a:rPr lang="fr-FR" sz="1400" dirty="0" smtClean="0">
+                <a:solidFill>
+                  <a:srgbClr val="C00000"/>
+                </a:solidFill>
+              </a:rPr>
+              <a:t>74,90 €</a:t>
+            </a:r>
+            <a:endParaRPr lang="fr-FR" sz="1400" dirty="0">
+              <a:solidFill>
+                <a:srgbClr val="C00000"/>
+              </a:solidFill>
+            </a:endParaRPr>
+          </a:p>
+        </p:txBody>
+      </p:sp>
+      <p:sp>
+        <p:nvSpPr>
+          <p:cNvPr id="26" name="Rectangle 25"/>
+          <p:cNvSpPr/>
+          <p:nvPr/>
+        </p:nvSpPr>
+        <p:spPr>
+          <a:xfrm>
+            <a:off x="5870996" y="3103178"/>
+            <a:ext cx="637566" cy="127331"/>
+          </a:xfrm>
+          <a:prstGeom prst="rect">
+            <a:avLst/>
+          </a:prstGeom>
+          <a:ln>
+            <a:noFill/>
+          </a:ln>
+        </p:spPr>
+        <p:style>
+          <a:lnRef idx="2">
+            <a:schemeClr val="accent1">
+              <a:shade val="50000"/>
+            </a:schemeClr>
+          </a:lnRef>
+          <a:fillRef idx="1">
+            <a:schemeClr val="accent1"/>
+          </a:fillRef>
+          <a:effectRef idx="0">
+            <a:schemeClr val="accent1"/>
+          </a:effectRef>
+          <a:fontRef idx="minor">
+            <a:schemeClr val="lt1"/>
+          </a:fontRef>
+        </p:style>
+        <p:txBody>
+          <a:bodyPr rtlCol="0" anchor="ctr"/>
+          <a:lstStyle/>
+          <a:p>
+            <a:pPr algn="ctr"/>
+            <a:endParaRPr lang="fr-FR"/>
+          </a:p>
+        </p:txBody>
+      </p:sp>
+      <p:sp>
+        <p:nvSpPr>
+          <p:cNvPr id="27" name="ZoneTexte 26"/>
+          <p:cNvSpPr txBox="1"/>
+          <p:nvPr/>
+        </p:nvSpPr>
+        <p:spPr>
+          <a:xfrm>
+            <a:off x="5805537" y="3074810"/>
+            <a:ext cx="1130911" cy="230832"/>
+          </a:xfrm>
+          <a:prstGeom prst="rect">
+            <a:avLst/>
+          </a:prstGeom>
+          <a:noFill/>
+        </p:spPr>
+        <p:txBody>
+          <a:bodyPr wrap="square" rtlCol="0">
+            <a:spAutoFit/>
+          </a:bodyPr>
+          <a:lstStyle/>
+          <a:p>
+            <a:r>
+              <a:rPr lang="fr-FR" sz="900" dirty="0" smtClean="0">
+                <a:solidFill>
+                  <a:schemeClr val="bg1"/>
+                </a:solidFill>
+              </a:rPr>
+              <a:t>Nouveauté</a:t>
+            </a:r>
+            <a:endParaRPr lang="fr-FR" sz="900" dirty="0">
+              <a:solidFill>
+                <a:schemeClr val="bg1"/>
+              </a:solidFill>
+            </a:endParaRPr>
+          </a:p>
+        </p:txBody>
+      </p:sp>
+      <p:sp>
+        <p:nvSpPr>
+          <p:cNvPr id="28" name="Rectangle 27"/>
+          <p:cNvSpPr/>
+          <p:nvPr/>
+        </p:nvSpPr>
+        <p:spPr>
+          <a:xfrm>
+            <a:off x="4782456" y="4246459"/>
+            <a:ext cx="951220" cy="1247756"/>
+          </a:xfrm>
+          <a:prstGeom prst="rect">
+            <a:avLst/>
+          </a:prstGeom>
+          <a:solidFill>
+            <a:schemeClr val="bg1"/>
+          </a:solidFill>
+          <a:ln w="3175">
+            <a:solidFill>
+              <a:schemeClr val="tx2">
+                <a:lumMod val="75000"/>
+              </a:schemeClr>
+            </a:solidFill>
+          </a:ln>
+        </p:spPr>
+        <p:style>
+          <a:lnRef idx="2">
+            <a:schemeClr val="accent1">
+              <a:shade val="50000"/>
+            </a:schemeClr>
+          </a:lnRef>
+          <a:fillRef idx="1">
+            <a:schemeClr val="accent1"/>
+          </a:fillRef>
+          <a:effectRef idx="0">
+            <a:schemeClr val="accent1"/>
+          </a:effectRef>
+          <a:fontRef idx="minor">
+            <a:schemeClr val="lt1"/>
+          </a:fontRef>
+        </p:style>
+        <p:txBody>
+          <a:bodyPr rtlCol="0" anchor="ctr"/>
+          <a:lstStyle/>
+          <a:p>
+            <a:pPr algn="ctr"/>
+            <a:endParaRPr lang="fr-FR"/>
+          </a:p>
+        </p:txBody>
+      </p:sp>
+      <p:pic>
+        <p:nvPicPr>
+          <p:cNvPr id="29" name="Image 28"/>
+          <p:cNvPicPr>
+            <a:picLocks noChangeAspect="1"/>
+          </p:cNvPicPr>
+          <p:nvPr/>
+        </p:nvPicPr>
+        <p:blipFill>
+          <a:blip r:embed="rId7" cstate="print">
+            <a:extLst>
+              <a:ext uri="{28A0092B-C50C-407E-A947-70E740481C1C}">
+                <a14:useLocalDpi xmlns:a14="http://schemas.microsoft.com/office/drawing/2010/main" val="0"/>
+              </a:ext>
+            </a:extLst>
+          </a:blip>
+          <a:stretch>
+            <a:fillRect/>
+          </a:stretch>
+        </p:blipFill>
+        <p:spPr>
+          <a:xfrm>
+            <a:off x="4847914" y="4268165"/>
+            <a:ext cx="787808" cy="787808"/>
+          </a:xfrm>
+          <a:prstGeom prst="rect">
+            <a:avLst/>
+          </a:prstGeom>
+        </p:spPr>
+      </p:pic>
+      <p:sp>
+        <p:nvSpPr>
+          <p:cNvPr id="30" name="ZoneTexte 29"/>
+          <p:cNvSpPr txBox="1"/>
+          <p:nvPr/>
+        </p:nvSpPr>
+        <p:spPr>
+          <a:xfrm>
+            <a:off x="4719018" y="5046517"/>
+            <a:ext cx="1107617" cy="323165"/>
+          </a:xfrm>
+          <a:prstGeom prst="rect">
+            <a:avLst/>
+          </a:prstGeom>
+          <a:noFill/>
+        </p:spPr>
+        <p:txBody>
+          <a:bodyPr wrap="square" rtlCol="0">
+            <a:spAutoFit/>
+          </a:bodyPr>
+          <a:lstStyle/>
+          <a:p>
+            <a:r>
+              <a:rPr lang="fr-FR" sz="500" dirty="0"/>
+              <a:t>Figurine </a:t>
+            </a:r>
+            <a:r>
+              <a:rPr lang="fr-FR" sz="500" dirty="0" err="1"/>
+              <a:t>Roronoa</a:t>
+            </a:r>
+            <a:r>
+              <a:rPr lang="fr-FR" sz="500" dirty="0"/>
+              <a:t> </a:t>
+            </a:r>
+            <a:r>
+              <a:rPr lang="fr-FR" sz="500" dirty="0" err="1"/>
+              <a:t>Zoro</a:t>
+            </a:r>
+            <a:r>
+              <a:rPr lang="fr-FR" sz="500" dirty="0"/>
+              <a:t> – </a:t>
+            </a:r>
+            <a:r>
+              <a:rPr lang="fr-FR" sz="500" dirty="0" err="1"/>
+              <a:t>Grandista</a:t>
+            </a:r>
+            <a:r>
+              <a:rPr lang="fr-FR" sz="500" dirty="0"/>
+              <a:t> Manga Dimension– 28 cm</a:t>
+            </a:r>
+          </a:p>
+          <a:p>
+            <a:endParaRPr lang="fr-FR" sz="500" dirty="0"/>
+          </a:p>
+        </p:txBody>
+      </p:sp>
+      <p:sp>
+        <p:nvSpPr>
+          <p:cNvPr id="31" name="ZoneTexte 30"/>
+          <p:cNvSpPr txBox="1"/>
+          <p:nvPr/>
+        </p:nvSpPr>
+        <p:spPr>
+          <a:xfrm>
+            <a:off x="4883866" y="5229969"/>
+            <a:ext cx="1036644" cy="307777"/>
+          </a:xfrm>
+          <a:prstGeom prst="rect">
+            <a:avLst/>
+          </a:prstGeom>
+          <a:noFill/>
+        </p:spPr>
+        <p:txBody>
+          <a:bodyPr wrap="square" rtlCol="0">
+            <a:spAutoFit/>
+          </a:bodyPr>
+          <a:lstStyle/>
+          <a:p>
+            <a:r>
+              <a:rPr lang="fr-FR" sz="1400" dirty="0" smtClean="0">
+                <a:solidFill>
+                  <a:srgbClr val="C00000"/>
+                </a:solidFill>
+              </a:rPr>
+              <a:t>74,90 €</a:t>
+            </a:r>
+            <a:endParaRPr lang="fr-FR" sz="1400" dirty="0">
+              <a:solidFill>
+                <a:srgbClr val="C00000"/>
+              </a:solidFill>
+            </a:endParaRPr>
+          </a:p>
+        </p:txBody>
+      </p:sp>
+      <p:sp>
+        <p:nvSpPr>
+          <p:cNvPr id="32" name="Rectangle 31"/>
+          <p:cNvSpPr/>
+          <p:nvPr/>
+        </p:nvSpPr>
+        <p:spPr>
+          <a:xfrm>
+            <a:off x="4726531" y="4527720"/>
+            <a:ext cx="637566" cy="127331"/>
+          </a:xfrm>
+          <a:prstGeom prst="rect">
+            <a:avLst/>
+          </a:prstGeom>
+          <a:ln>
+            <a:noFill/>
+          </a:ln>
+        </p:spPr>
+        <p:style>
+          <a:lnRef idx="2">
+            <a:schemeClr val="accent1">
+              <a:shade val="50000"/>
+            </a:schemeClr>
+          </a:lnRef>
+          <a:fillRef idx="1">
+            <a:schemeClr val="accent1"/>
+          </a:fillRef>
+          <a:effectRef idx="0">
+            <a:schemeClr val="accent1"/>
+          </a:effectRef>
+          <a:fontRef idx="minor">
+            <a:schemeClr val="lt1"/>
+          </a:fontRef>
+        </p:style>
+        <p:txBody>
+          <a:bodyPr rtlCol="0" anchor="ctr"/>
+          <a:lstStyle/>
+          <a:p>
+            <a:pPr algn="ctr"/>
+            <a:endParaRPr lang="fr-FR"/>
+          </a:p>
+        </p:txBody>
+      </p:sp>
+      <p:sp>
+        <p:nvSpPr>
+          <p:cNvPr id="33" name="ZoneTexte 32"/>
+          <p:cNvSpPr txBox="1"/>
+          <p:nvPr/>
+        </p:nvSpPr>
+        <p:spPr>
+          <a:xfrm>
+            <a:off x="4661072" y="4499352"/>
+            <a:ext cx="1130911" cy="230832"/>
+          </a:xfrm>
+          <a:prstGeom prst="rect">
+            <a:avLst/>
+          </a:prstGeom>
+          <a:noFill/>
+        </p:spPr>
+        <p:txBody>
+          <a:bodyPr wrap="square" rtlCol="0">
+            <a:spAutoFit/>
+          </a:bodyPr>
+          <a:lstStyle/>
+          <a:p>
+            <a:r>
+              <a:rPr lang="fr-FR" sz="900" dirty="0" smtClean="0">
+                <a:solidFill>
+                  <a:schemeClr val="bg1"/>
+                </a:solidFill>
+              </a:rPr>
+              <a:t>Nouveauté</a:t>
+            </a:r>
+            <a:endParaRPr lang="fr-FR" sz="900" dirty="0">
+              <a:solidFill>
+                <a:schemeClr val="bg1"/>
+              </a:solidFill>
+            </a:endParaRPr>
+          </a:p>
+        </p:txBody>
+      </p:sp>
+      <p:sp>
+        <p:nvSpPr>
+          <p:cNvPr id="34" name="Rectangle 33"/>
+          <p:cNvSpPr/>
+          <p:nvPr/>
+        </p:nvSpPr>
+        <p:spPr>
+          <a:xfrm>
+            <a:off x="5926921" y="4238269"/>
+            <a:ext cx="951220" cy="1255946"/>
+          </a:xfrm>
+          <a:prstGeom prst="rect">
+            <a:avLst/>
+          </a:prstGeom>
+          <a:solidFill>
+            <a:schemeClr val="bg1"/>
+          </a:solidFill>
+          <a:ln w="3175">
+            <a:solidFill>
+              <a:schemeClr val="tx2">
+                <a:lumMod val="75000"/>
+              </a:schemeClr>
+            </a:solidFill>
+          </a:ln>
+        </p:spPr>
+        <p:style>
+          <a:lnRef idx="2">
+            <a:schemeClr val="accent1">
+              <a:shade val="50000"/>
+            </a:schemeClr>
+          </a:lnRef>
+          <a:fillRef idx="1">
+            <a:schemeClr val="accent1"/>
+          </a:fillRef>
+          <a:effectRef idx="0">
+            <a:schemeClr val="accent1"/>
+          </a:effectRef>
+          <a:fontRef idx="minor">
+            <a:schemeClr val="lt1"/>
+          </a:fontRef>
+        </p:style>
+        <p:txBody>
+          <a:bodyPr rtlCol="0" anchor="ctr"/>
+          <a:lstStyle/>
+          <a:p>
+            <a:pPr algn="ctr"/>
+            <a:endParaRPr lang="fr-FR"/>
+          </a:p>
+        </p:txBody>
+      </p:sp>
+      <p:pic>
+        <p:nvPicPr>
+          <p:cNvPr id="35" name="Image 34"/>
+          <p:cNvPicPr>
+            <a:picLocks noChangeAspect="1"/>
+          </p:cNvPicPr>
+          <p:nvPr/>
+        </p:nvPicPr>
+        <p:blipFill>
+          <a:blip r:embed="rId7" cstate="print">
+            <a:extLst>
+              <a:ext uri="{28A0092B-C50C-407E-A947-70E740481C1C}">
+                <a14:useLocalDpi xmlns:a14="http://schemas.microsoft.com/office/drawing/2010/main" val="0"/>
+              </a:ext>
+            </a:extLst>
+          </a:blip>
+          <a:stretch>
+            <a:fillRect/>
+          </a:stretch>
+        </p:blipFill>
+        <p:spPr>
+          <a:xfrm>
+            <a:off x="5992379" y="4268165"/>
+            <a:ext cx="787808" cy="787808"/>
+          </a:xfrm>
+          <a:prstGeom prst="rect">
+            <a:avLst/>
+          </a:prstGeom>
+        </p:spPr>
+      </p:pic>
+      <p:sp>
+        <p:nvSpPr>
+          <p:cNvPr id="36" name="ZoneTexte 35"/>
+          <p:cNvSpPr txBox="1"/>
+          <p:nvPr/>
+        </p:nvSpPr>
+        <p:spPr>
+          <a:xfrm>
+            <a:off x="5863483" y="5046517"/>
+            <a:ext cx="1107617" cy="323165"/>
+          </a:xfrm>
+          <a:prstGeom prst="rect">
+            <a:avLst/>
+          </a:prstGeom>
+          <a:noFill/>
+        </p:spPr>
+        <p:txBody>
+          <a:bodyPr wrap="square" rtlCol="0">
+            <a:spAutoFit/>
+          </a:bodyPr>
+          <a:lstStyle/>
+          <a:p>
+            <a:r>
+              <a:rPr lang="fr-FR" sz="500" dirty="0"/>
+              <a:t>Figurine </a:t>
+            </a:r>
+            <a:r>
+              <a:rPr lang="fr-FR" sz="500" dirty="0" err="1"/>
+              <a:t>Roronoa</a:t>
+            </a:r>
+            <a:r>
+              <a:rPr lang="fr-FR" sz="500" dirty="0"/>
+              <a:t> </a:t>
+            </a:r>
+            <a:r>
+              <a:rPr lang="fr-FR" sz="500" dirty="0" err="1"/>
+              <a:t>Zoro</a:t>
+            </a:r>
+            <a:r>
+              <a:rPr lang="fr-FR" sz="500" dirty="0"/>
+              <a:t> – </a:t>
+            </a:r>
+            <a:r>
+              <a:rPr lang="fr-FR" sz="500" dirty="0" err="1"/>
+              <a:t>Grandista</a:t>
+            </a:r>
+            <a:r>
+              <a:rPr lang="fr-FR" sz="500" dirty="0"/>
+              <a:t> Manga Dimension– 28 cm</a:t>
+            </a:r>
+          </a:p>
+          <a:p>
+            <a:endParaRPr lang="fr-FR" sz="500" dirty="0"/>
+          </a:p>
+        </p:txBody>
+      </p:sp>
+      <p:sp>
+        <p:nvSpPr>
+          <p:cNvPr id="37" name="ZoneTexte 36"/>
+          <p:cNvSpPr txBox="1"/>
+          <p:nvPr/>
+        </p:nvSpPr>
+        <p:spPr>
+          <a:xfrm>
+            <a:off x="6028331" y="5229969"/>
+            <a:ext cx="1036644" cy="307777"/>
+          </a:xfrm>
+          <a:prstGeom prst="rect">
+            <a:avLst/>
+          </a:prstGeom>
+          <a:noFill/>
+        </p:spPr>
+        <p:txBody>
+          <a:bodyPr wrap="square" rtlCol="0">
+            <a:spAutoFit/>
+          </a:bodyPr>
+          <a:lstStyle/>
+          <a:p>
+            <a:r>
+              <a:rPr lang="fr-FR" sz="1400" dirty="0" smtClean="0">
+                <a:solidFill>
+                  <a:srgbClr val="C00000"/>
+                </a:solidFill>
+              </a:rPr>
+              <a:t>74,90 €</a:t>
+            </a:r>
+            <a:endParaRPr lang="fr-FR" sz="1400" dirty="0">
+              <a:solidFill>
+                <a:srgbClr val="C00000"/>
+              </a:solidFill>
+            </a:endParaRPr>
+          </a:p>
+        </p:txBody>
+      </p:sp>
+      <p:sp>
+        <p:nvSpPr>
+          <p:cNvPr id="38" name="Rectangle 37"/>
+          <p:cNvSpPr/>
+          <p:nvPr/>
+        </p:nvSpPr>
+        <p:spPr>
+          <a:xfrm>
+            <a:off x="5870996" y="4527720"/>
+            <a:ext cx="637566" cy="127331"/>
+          </a:xfrm>
+          <a:prstGeom prst="rect">
+            <a:avLst/>
+          </a:prstGeom>
+          <a:ln>
+            <a:noFill/>
+          </a:ln>
+        </p:spPr>
+        <p:style>
+          <a:lnRef idx="2">
+            <a:schemeClr val="accent1">
+              <a:shade val="50000"/>
+            </a:schemeClr>
+          </a:lnRef>
+          <a:fillRef idx="1">
+            <a:schemeClr val="accent1"/>
+          </a:fillRef>
+          <a:effectRef idx="0">
+            <a:schemeClr val="accent1"/>
+          </a:effectRef>
+          <a:fontRef idx="minor">
+            <a:schemeClr val="lt1"/>
+          </a:fontRef>
+        </p:style>
+        <p:txBody>
+          <a:bodyPr rtlCol="0" anchor="ctr"/>
+          <a:lstStyle/>
+          <a:p>
+            <a:pPr algn="ctr"/>
+            <a:endParaRPr lang="fr-FR"/>
+          </a:p>
+        </p:txBody>
+      </p:sp>
+      <p:sp>
+        <p:nvSpPr>
+          <p:cNvPr id="39" name="ZoneTexte 38"/>
+          <p:cNvSpPr txBox="1"/>
+          <p:nvPr/>
+        </p:nvSpPr>
+        <p:spPr>
+          <a:xfrm>
+            <a:off x="5805537" y="4499352"/>
+            <a:ext cx="1130911" cy="230832"/>
+          </a:xfrm>
+          <a:prstGeom prst="rect">
+            <a:avLst/>
+          </a:prstGeom>
+          <a:noFill/>
+        </p:spPr>
+        <p:txBody>
+          <a:bodyPr wrap="square" rtlCol="0">
+            <a:spAutoFit/>
+          </a:bodyPr>
+          <a:lstStyle/>
+          <a:p>
+            <a:r>
+              <a:rPr lang="fr-FR" sz="900" dirty="0" smtClean="0">
+                <a:solidFill>
+                  <a:schemeClr val="bg1"/>
+                </a:solidFill>
+              </a:rPr>
+              <a:t>Nouveauté</a:t>
+            </a:r>
+            <a:endParaRPr lang="fr-FR" sz="900" dirty="0">
+              <a:solidFill>
+                <a:schemeClr val="bg1"/>
+              </a:solidFill>
+            </a:endParaRPr>
+          </a:p>
+        </p:txBody>
+      </p:sp>
+    </p:spTree>
+    <p:extLst>
+      <p:ext uri="{BB962C8B-B14F-4D97-AF65-F5344CB8AC3E}">
+        <p14:creationId xmlns:p14="http://schemas.microsoft.com/office/powerpoint/2010/main" val="3917419969"/>
+      </p:ext>
+    </p:extLst>
+  </p:cSld>
+  <p:clrMapOvr>
+    <a:masterClrMapping/>
+  </p:clrMapOvr>
+  <p:timing>
+    <p:tnLst>
+      <p:par>
+        <p:cTn id="1" dur="indefinite" restart="never" nodeType="tmRoot"/>
+      </p:par>
+    </p:tnLst>
+  </p:timing>
+</p:sld>
+</file>
+
+<file path=ppt/slides/slide13.xml><?xml version="1.0" encoding="utf-8"?>
+<p:sld xmlns:a="http://schemas.openxmlformats.org/drawingml/2006/main" xmlns:r="http://schemas.openxmlformats.org/officeDocument/2006/relationships" xmlns:p="http://schemas.openxmlformats.org/presentationml/2006/main">
+  <p:cSld>
+    <p:spTree>
+      <p:nvGrpSpPr>
+        <p:cNvPr id="1" name=""/>
+        <p:cNvGrpSpPr/>
+        <p:nvPr/>
+      </p:nvGrpSpPr>
+      <p:grpSpPr>
+        <a:xfrm>
+          <a:off x="0" y="0"/>
+          <a:ext cx="0" cy="0"/>
+          <a:chOff x="0" y="0"/>
+          <a:chExt cx="0" cy="0"/>
+        </a:xfrm>
+      </p:grpSpPr>
+      <p:pic>
+        <p:nvPicPr>
+          <p:cNvPr id="4" name="Image 3">
+            <a:extLst>
+              <a:ext uri="{FF2B5EF4-FFF2-40B4-BE49-F238E27FC236}">
+                <a16:creationId xmlns:a16="http://schemas.microsoft.com/office/drawing/2014/main" id="{D4F4DE52-29D8-479A-9A2E-4EED57A07B8F}"/>
+              </a:ext>
+            </a:extLst>
+          </p:cNvPr>
+          <p:cNvPicPr>
+            <a:picLocks noChangeAspect="1"/>
+          </p:cNvPicPr>
+          <p:nvPr/>
+        </p:nvPicPr>
+        <p:blipFill>
+          <a:blip r:embed="rId2">
+            <a:extLst>
+              <a:ext uri="{28A0092B-C50C-407E-A947-70E740481C1C}">
+                <a14:useLocalDpi xmlns:a14="http://schemas.microsoft.com/office/drawing/2010/main" val="0"/>
+              </a:ext>
+            </a:extLst>
+          </a:blip>
+          <a:stretch>
+            <a:fillRect/>
+          </a:stretch>
+        </p:blipFill>
+        <p:spPr>
+          <a:xfrm>
+            <a:off x="3302267" y="808522"/>
+            <a:ext cx="5135078" cy="5135078"/>
+          </a:xfrm>
+          <a:prstGeom prst="rect">
+            <a:avLst/>
+          </a:prstGeom>
+        </p:spPr>
+      </p:pic>
+      <p:sp>
+        <p:nvSpPr>
+          <p:cNvPr id="5" name="Rectangle 4"/>
+          <p:cNvSpPr/>
+          <p:nvPr/>
+        </p:nvSpPr>
+        <p:spPr>
+          <a:xfrm>
+            <a:off x="4218371" y="1526948"/>
+            <a:ext cx="3337898" cy="4242495"/>
+          </a:xfrm>
+          <a:prstGeom prst="rect">
+            <a:avLst/>
+          </a:prstGeom>
+          <a:solidFill>
+            <a:schemeClr val="bg1">
+              <a:lumMod val="95000"/>
+            </a:schemeClr>
+          </a:solidFill>
+        </p:spPr>
+        <p:style>
+          <a:lnRef idx="2">
+            <a:schemeClr val="accent1">
+              <a:shade val="50000"/>
+            </a:schemeClr>
+          </a:lnRef>
+          <a:fillRef idx="1">
+            <a:schemeClr val="accent1"/>
+          </a:fillRef>
+          <a:effectRef idx="0">
+            <a:schemeClr val="accent1"/>
+          </a:effectRef>
+          <a:fontRef idx="minor">
+            <a:schemeClr val="lt1"/>
+          </a:fontRef>
+        </p:style>
+        <p:txBody>
+          <a:bodyPr rtlCol="0" anchor="ctr"/>
+          <a:lstStyle/>
+          <a:p>
+            <a:pPr algn="ctr"/>
+            <a:endParaRPr lang="fr-FR"/>
+          </a:p>
+        </p:txBody>
+      </p:sp>
+      <p:sp>
+        <p:nvSpPr>
+          <p:cNvPr id="6" name="Rectangle 5"/>
+          <p:cNvSpPr/>
+          <p:nvPr/>
+        </p:nvSpPr>
+        <p:spPr>
+          <a:xfrm>
+            <a:off x="4218371" y="989835"/>
+            <a:ext cx="3337898" cy="458601"/>
+          </a:xfrm>
+          <a:prstGeom prst="rect">
+            <a:avLst/>
+          </a:prstGeom>
+          <a:solidFill>
+            <a:schemeClr val="tx2">
+              <a:lumMod val="75000"/>
+            </a:schemeClr>
+          </a:solidFill>
+          <a:ln>
+            <a:solidFill>
+              <a:schemeClr val="tx2">
+                <a:lumMod val="75000"/>
+              </a:schemeClr>
+            </a:solidFill>
+          </a:ln>
+        </p:spPr>
+        <p:style>
+          <a:lnRef idx="2">
+            <a:schemeClr val="accent1">
+              <a:shade val="50000"/>
+            </a:schemeClr>
+          </a:lnRef>
+          <a:fillRef idx="1">
+            <a:schemeClr val="accent1"/>
+          </a:fillRef>
+          <a:effectRef idx="0">
+            <a:schemeClr val="accent1"/>
+          </a:effectRef>
+          <a:fontRef idx="minor">
+            <a:schemeClr val="lt1"/>
+          </a:fontRef>
+        </p:style>
+        <p:txBody>
+          <a:bodyPr rtlCol="0" anchor="ctr"/>
+          <a:lstStyle/>
+          <a:p>
+            <a:pPr algn="ctr"/>
+            <a:endParaRPr lang="fr-FR"/>
+          </a:p>
+        </p:txBody>
+      </p:sp>
+      <p:sp>
+        <p:nvSpPr>
+          <p:cNvPr id="7" name="Align Justify">
+            <a:hlinkClick r:id="rId3" action="ppaction://hlinksldjump"/>
+          </p:cNvPr>
+          <p:cNvSpPr>
+            <a:spLocks noChangeAspect="1" noEditPoints="1"/>
+          </p:cNvSpPr>
+          <p:nvPr/>
+        </p:nvSpPr>
+        <p:spPr bwMode="auto">
+          <a:xfrm>
+            <a:off x="4314106" y="1077555"/>
+            <a:ext cx="312797" cy="283162"/>
+          </a:xfrm>
+          <a:custGeom>
+            <a:avLst/>
+            <a:gdLst>
+              <a:gd name="T0" fmla="*/ 0 w 614"/>
+              <a:gd name="T1" fmla="*/ 0 h 560"/>
+              <a:gd name="T2" fmla="*/ 0 w 614"/>
+              <a:gd name="T3" fmla="*/ 27 h 560"/>
+              <a:gd name="T4" fmla="*/ 614 w 614"/>
+              <a:gd name="T5" fmla="*/ 27 h 560"/>
+              <a:gd name="T6" fmla="*/ 614 w 614"/>
+              <a:gd name="T7" fmla="*/ 0 h 560"/>
+              <a:gd name="T8" fmla="*/ 0 w 614"/>
+              <a:gd name="T9" fmla="*/ 0 h 560"/>
+              <a:gd name="T10" fmla="*/ 0 w 614"/>
+              <a:gd name="T11" fmla="*/ 134 h 560"/>
+              <a:gd name="T12" fmla="*/ 0 w 614"/>
+              <a:gd name="T13" fmla="*/ 160 h 560"/>
+              <a:gd name="T14" fmla="*/ 614 w 614"/>
+              <a:gd name="T15" fmla="*/ 160 h 560"/>
+              <a:gd name="T16" fmla="*/ 614 w 614"/>
+              <a:gd name="T17" fmla="*/ 134 h 560"/>
+              <a:gd name="T18" fmla="*/ 0 w 614"/>
+              <a:gd name="T19" fmla="*/ 134 h 560"/>
+              <a:gd name="T20" fmla="*/ 0 w 614"/>
+              <a:gd name="T21" fmla="*/ 267 h 560"/>
+              <a:gd name="T22" fmla="*/ 0 w 614"/>
+              <a:gd name="T23" fmla="*/ 294 h 560"/>
+              <a:gd name="T24" fmla="*/ 614 w 614"/>
+              <a:gd name="T25" fmla="*/ 294 h 560"/>
+              <a:gd name="T26" fmla="*/ 614 w 614"/>
+              <a:gd name="T27" fmla="*/ 267 h 560"/>
+              <a:gd name="T28" fmla="*/ 0 w 614"/>
+              <a:gd name="T29" fmla="*/ 267 h 560"/>
+              <a:gd name="T30" fmla="*/ 0 w 614"/>
+              <a:gd name="T31" fmla="*/ 400 h 560"/>
+              <a:gd name="T32" fmla="*/ 0 w 614"/>
+              <a:gd name="T33" fmla="*/ 427 h 560"/>
+              <a:gd name="T34" fmla="*/ 614 w 614"/>
+              <a:gd name="T35" fmla="*/ 427 h 560"/>
+              <a:gd name="T36" fmla="*/ 614 w 614"/>
+              <a:gd name="T37" fmla="*/ 400 h 560"/>
+              <a:gd name="T38" fmla="*/ 0 w 614"/>
+              <a:gd name="T39" fmla="*/ 400 h 560"/>
+              <a:gd name="T40" fmla="*/ 0 w 614"/>
+              <a:gd name="T41" fmla="*/ 534 h 560"/>
+              <a:gd name="T42" fmla="*/ 0 w 614"/>
+              <a:gd name="T43" fmla="*/ 560 h 560"/>
+              <a:gd name="T44" fmla="*/ 614 w 614"/>
+              <a:gd name="T45" fmla="*/ 560 h 560"/>
+              <a:gd name="T46" fmla="*/ 614 w 614"/>
+              <a:gd name="T47" fmla="*/ 534 h 560"/>
+              <a:gd name="T48" fmla="*/ 0 w 614"/>
+              <a:gd name="T49" fmla="*/ 534 h 560"/>
+            </a:gdLst>
+            <a:ahLst/>
+            <a:cxnLst>
+              <a:cxn ang="0">
+                <a:pos x="T0" y="T1"/>
+              </a:cxn>
+              <a:cxn ang="0">
+                <a:pos x="T2" y="T3"/>
+              </a:cxn>
+              <a:cxn ang="0">
+                <a:pos x="T4" y="T5"/>
+              </a:cxn>
+              <a:cxn ang="0">
+                <a:pos x="T6" y="T7"/>
+              </a:cxn>
+              <a:cxn ang="0">
+                <a:pos x="T8" y="T9"/>
+              </a:cxn>
+              <a:cxn ang="0">
+                <a:pos x="T10" y="T11"/>
+              </a:cxn>
+              <a:cxn ang="0">
+                <a:pos x="T12" y="T13"/>
+              </a:cxn>
+              <a:cxn ang="0">
+                <a:pos x="T14" y="T15"/>
+              </a:cxn>
+              <a:cxn ang="0">
+                <a:pos x="T16" y="T17"/>
+              </a:cxn>
+              <a:cxn ang="0">
+                <a:pos x="T18" y="T19"/>
+              </a:cxn>
+              <a:cxn ang="0">
+                <a:pos x="T20" y="T21"/>
+              </a:cxn>
+              <a:cxn ang="0">
+                <a:pos x="T22" y="T23"/>
+              </a:cxn>
+              <a:cxn ang="0">
+                <a:pos x="T24" y="T25"/>
+              </a:cxn>
+              <a:cxn ang="0">
+                <a:pos x="T26" y="T27"/>
+              </a:cxn>
+              <a:cxn ang="0">
+                <a:pos x="T28" y="T29"/>
+              </a:cxn>
+              <a:cxn ang="0">
+                <a:pos x="T30" y="T31"/>
+              </a:cxn>
+              <a:cxn ang="0">
+                <a:pos x="T32" y="T33"/>
+              </a:cxn>
+              <a:cxn ang="0">
+                <a:pos x="T34" y="T35"/>
+              </a:cxn>
+              <a:cxn ang="0">
+                <a:pos x="T36" y="T37"/>
+              </a:cxn>
+              <a:cxn ang="0">
+                <a:pos x="T38" y="T39"/>
+              </a:cxn>
+              <a:cxn ang="0">
+                <a:pos x="T40" y="T41"/>
+              </a:cxn>
+              <a:cxn ang="0">
+                <a:pos x="T42" y="T43"/>
+              </a:cxn>
+              <a:cxn ang="0">
+                <a:pos x="T44" y="T45"/>
+              </a:cxn>
+              <a:cxn ang="0">
+                <a:pos x="T46" y="T47"/>
+              </a:cxn>
+              <a:cxn ang="0">
+                <a:pos x="T48" y="T49"/>
+              </a:cxn>
+            </a:cxnLst>
+            <a:rect l="0" t="0" r="r" b="b"/>
+            <a:pathLst>
+              <a:path w="614" h="560">
+                <a:moveTo>
+                  <a:pt x="0" y="0"/>
+                </a:moveTo>
+                <a:lnTo>
+                  <a:pt x="0" y="27"/>
+                </a:lnTo>
+                <a:lnTo>
+                  <a:pt x="614" y="27"/>
+                </a:lnTo>
+                <a:lnTo>
+                  <a:pt x="614" y="0"/>
+                </a:lnTo>
+                <a:lnTo>
+                  <a:pt x="0" y="0"/>
+                </a:lnTo>
+                <a:close/>
+                <a:moveTo>
+                  <a:pt x="0" y="134"/>
+                </a:moveTo>
+                <a:lnTo>
+                  <a:pt x="0" y="160"/>
+                </a:lnTo>
+                <a:lnTo>
+                  <a:pt x="614" y="160"/>
+                </a:lnTo>
+                <a:lnTo>
+                  <a:pt x="614" y="134"/>
+                </a:lnTo>
+                <a:lnTo>
+                  <a:pt x="0" y="134"/>
+                </a:lnTo>
+                <a:close/>
+                <a:moveTo>
+                  <a:pt x="0" y="267"/>
+                </a:moveTo>
+                <a:lnTo>
+                  <a:pt x="0" y="294"/>
+                </a:lnTo>
+                <a:lnTo>
+                  <a:pt x="614" y="294"/>
+                </a:lnTo>
+                <a:lnTo>
+                  <a:pt x="614" y="267"/>
+                </a:lnTo>
+                <a:lnTo>
+                  <a:pt x="0" y="267"/>
+                </a:lnTo>
+                <a:close/>
+                <a:moveTo>
+                  <a:pt x="0" y="400"/>
+                </a:moveTo>
+                <a:lnTo>
+                  <a:pt x="0" y="427"/>
+                </a:lnTo>
+                <a:lnTo>
+                  <a:pt x="614" y="427"/>
+                </a:lnTo>
+                <a:lnTo>
+                  <a:pt x="614" y="400"/>
+                </a:lnTo>
+                <a:lnTo>
+                  <a:pt x="0" y="400"/>
+                </a:lnTo>
+                <a:close/>
+                <a:moveTo>
+                  <a:pt x="0" y="534"/>
+                </a:moveTo>
+                <a:lnTo>
+                  <a:pt x="0" y="560"/>
+                </a:lnTo>
+                <a:lnTo>
+                  <a:pt x="614" y="560"/>
+                </a:lnTo>
+                <a:lnTo>
+                  <a:pt x="614" y="534"/>
+                </a:lnTo>
+                <a:lnTo>
+                  <a:pt x="0" y="534"/>
+                </a:lnTo>
+                <a:close/>
+              </a:path>
+            </a:pathLst>
+          </a:custGeom>
+          <a:solidFill>
+            <a:schemeClr val="bg1"/>
+          </a:solidFill>
+          <a:ln w="9525">
+            <a:solidFill>
+              <a:schemeClr val="bg1"/>
+            </a:solidFill>
+            <a:round/>
+            <a:headEnd/>
+            <a:tailEnd/>
+          </a:ln>
+        </p:spPr>
+        <p:txBody>
+          <a:bodyPr vert="horz" wrap="square" lIns="91440" tIns="45720" rIns="91440" bIns="45720" numCol="1" anchor="t" anchorCtr="0" compatLnSpc="1">
+            <a:prstTxWarp prst="textNoShape">
+              <a:avLst/>
+            </a:prstTxWarp>
+          </a:bodyPr>
+          <a:lstStyle>
+            <a:defPPr>
+              <a:defRPr lang="en-US"/>
+            </a:defPPr>
+            <a:lvl1pPr marL="0" algn="l" defTabSz="914400" rtl="0" eaLnBrk="1" latinLnBrk="0" hangingPunct="1">
+              <a:defRPr sz="1800" kern="1200">
+                <a:solidFill>
+                  <a:schemeClr val="tx1"/>
+                </a:solidFill>
+                <a:latin typeface="+mn-lt"/>
+                <a:ea typeface="+mn-ea"/>
+                <a:cs typeface="+mn-cs"/>
+              </a:defRPr>
+            </a:lvl1pPr>
+            <a:lvl2pPr marL="457200" algn="l" defTabSz="914400" rtl="0" eaLnBrk="1" latinLnBrk="0" hangingPunct="1">
+              <a:defRPr sz="1800" kern="1200">
+                <a:solidFill>
+                  <a:schemeClr val="tx1"/>
+                </a:solidFill>
+                <a:latin typeface="+mn-lt"/>
+                <a:ea typeface="+mn-ea"/>
+                <a:cs typeface="+mn-cs"/>
+              </a:defRPr>
+            </a:lvl2pPr>
+            <a:lvl3pPr marL="914400" algn="l" defTabSz="914400" rtl="0" eaLnBrk="1" latinLnBrk="0" hangingPunct="1">
+              <a:defRPr sz="1800" kern="1200">
+                <a:solidFill>
+                  <a:schemeClr val="tx1"/>
+                </a:solidFill>
+                <a:latin typeface="+mn-lt"/>
+                <a:ea typeface="+mn-ea"/>
+                <a:cs typeface="+mn-cs"/>
+              </a:defRPr>
+            </a:lvl3pPr>
+            <a:lvl4pPr marL="1371600" algn="l" defTabSz="914400" rtl="0" eaLnBrk="1" latinLnBrk="0" hangingPunct="1">
+              <a:defRPr sz="1800" kern="1200">
+                <a:solidFill>
+                  <a:schemeClr val="tx1"/>
+                </a:solidFill>
+                <a:latin typeface="+mn-lt"/>
+                <a:ea typeface="+mn-ea"/>
+                <a:cs typeface="+mn-cs"/>
+              </a:defRPr>
+            </a:lvl4pPr>
+            <a:lvl5pPr marL="1828800" algn="l" defTabSz="914400" rtl="0" eaLnBrk="1" latinLnBrk="0" hangingPunct="1">
+              <a:defRPr sz="1800" kern="1200">
+                <a:solidFill>
+                  <a:schemeClr val="tx1"/>
+                </a:solidFill>
+                <a:latin typeface="+mn-lt"/>
+                <a:ea typeface="+mn-ea"/>
+                <a:cs typeface="+mn-cs"/>
+              </a:defRPr>
+            </a:lvl5pPr>
+            <a:lvl6pPr marL="2286000" algn="l" defTabSz="914400" rtl="0" eaLnBrk="1" latinLnBrk="0" hangingPunct="1">
+              <a:defRPr sz="1800" kern="1200">
+                <a:solidFill>
+                  <a:schemeClr val="tx1"/>
+                </a:solidFill>
+                <a:latin typeface="+mn-lt"/>
+                <a:ea typeface="+mn-ea"/>
+                <a:cs typeface="+mn-cs"/>
+              </a:defRPr>
+            </a:lvl6pPr>
+            <a:lvl7pPr marL="2743200" algn="l" defTabSz="914400" rtl="0" eaLnBrk="1" latinLnBrk="0" hangingPunct="1">
+              <a:defRPr sz="1800" kern="1200">
+                <a:solidFill>
+                  <a:schemeClr val="tx1"/>
+                </a:solidFill>
+                <a:latin typeface="+mn-lt"/>
+                <a:ea typeface="+mn-ea"/>
+                <a:cs typeface="+mn-cs"/>
+              </a:defRPr>
+            </a:lvl7pPr>
+            <a:lvl8pPr marL="3200400" algn="l" defTabSz="914400" rtl="0" eaLnBrk="1" latinLnBrk="0" hangingPunct="1">
+              <a:defRPr sz="1800" kern="1200">
+                <a:solidFill>
+                  <a:schemeClr val="tx1"/>
+                </a:solidFill>
+                <a:latin typeface="+mn-lt"/>
+                <a:ea typeface="+mn-ea"/>
+                <a:cs typeface="+mn-cs"/>
+              </a:defRPr>
+            </a:lvl8pPr>
+            <a:lvl9pPr marL="3657600" algn="l" defTabSz="914400" rtl="0" eaLnBrk="1" latinLnBrk="0" hangingPunct="1">
+              <a:defRPr sz="1800" kern="1200">
+                <a:solidFill>
+                  <a:schemeClr val="tx1"/>
+                </a:solidFill>
+                <a:latin typeface="+mn-lt"/>
+                <a:ea typeface="+mn-ea"/>
+                <a:cs typeface="+mn-cs"/>
+              </a:defRPr>
+            </a:lvl9pPr>
+          </a:lstStyle>
+          <a:p>
+            <a:endParaRPr lang="en-US" sz="900">
+              <a:latin typeface="Segoe UI" panose="020B0502040204020203" pitchFamily="34" charset="0"/>
+              <a:cs typeface="Segoe UI" panose="020B0502040204020203" pitchFamily="34" charset="0"/>
+            </a:endParaRPr>
+          </a:p>
+        </p:txBody>
+      </p:sp>
+      <p:sp>
+        <p:nvSpPr>
+          <p:cNvPr id="8" name="ZoneTexte 7"/>
+          <p:cNvSpPr txBox="1"/>
+          <p:nvPr/>
+        </p:nvSpPr>
+        <p:spPr>
+          <a:xfrm>
+            <a:off x="4752513" y="1093032"/>
+            <a:ext cx="1531908" cy="230832"/>
+          </a:xfrm>
+          <a:prstGeom prst="rect">
+            <a:avLst/>
+          </a:prstGeom>
+          <a:noFill/>
+        </p:spPr>
+        <p:txBody>
+          <a:bodyPr wrap="square" rtlCol="0">
+            <a:spAutoFit/>
+          </a:bodyPr>
+          <a:lstStyle/>
+          <a:p>
+            <a:r>
+              <a:rPr lang="fr-FR" sz="900" dirty="0" smtClean="0">
+                <a:solidFill>
+                  <a:schemeClr val="bg1"/>
+                </a:solidFill>
+              </a:rPr>
+              <a:t>LES TRESORS DE ONE PIECE</a:t>
+            </a:r>
+            <a:endParaRPr lang="fr-FR" sz="900" dirty="0">
+              <a:solidFill>
+                <a:schemeClr val="bg1"/>
+              </a:solidFill>
+            </a:endParaRPr>
+          </a:p>
+        </p:txBody>
+      </p:sp>
+      <p:pic>
+        <p:nvPicPr>
+          <p:cNvPr id="9" name="Image 8"/>
+          <p:cNvPicPr>
+            <a:picLocks noChangeAspect="1"/>
+          </p:cNvPicPr>
+          <p:nvPr/>
+        </p:nvPicPr>
+        <p:blipFill>
+          <a:blip r:embed="rId4" cstate="print">
+            <a:extLst>
+              <a:ext uri="{28A0092B-C50C-407E-A947-70E740481C1C}">
+                <a14:useLocalDpi xmlns:a14="http://schemas.microsoft.com/office/drawing/2010/main" val="0"/>
+              </a:ext>
+            </a:extLst>
+          </a:blip>
+          <a:stretch>
+            <a:fillRect/>
+          </a:stretch>
+        </p:blipFill>
+        <p:spPr>
+          <a:xfrm>
+            <a:off x="6476452" y="1082574"/>
+            <a:ext cx="278142" cy="278142"/>
+          </a:xfrm>
+          <a:prstGeom prst="rect">
+            <a:avLst/>
+          </a:prstGeom>
+        </p:spPr>
+      </p:pic>
+      <p:pic>
+        <p:nvPicPr>
+          <p:cNvPr id="10" name="Image 9"/>
+          <p:cNvPicPr>
+            <a:picLocks noChangeAspect="1"/>
+          </p:cNvPicPr>
+          <p:nvPr/>
+        </p:nvPicPr>
+        <p:blipFill>
+          <a:blip r:embed="rId5" cstate="print">
+            <a:extLst>
+              <a:ext uri="{28A0092B-C50C-407E-A947-70E740481C1C}">
+                <a14:useLocalDpi xmlns:a14="http://schemas.microsoft.com/office/drawing/2010/main" val="0"/>
+              </a:ext>
+            </a:extLst>
+          </a:blip>
+          <a:stretch>
+            <a:fillRect/>
+          </a:stretch>
+        </p:blipFill>
+        <p:spPr>
+          <a:xfrm>
+            <a:off x="7266414" y="1039375"/>
+            <a:ext cx="321342" cy="321342"/>
+          </a:xfrm>
+          <a:prstGeom prst="rect">
+            <a:avLst/>
+          </a:prstGeom>
+        </p:spPr>
+      </p:pic>
+      <p:pic>
+        <p:nvPicPr>
+          <p:cNvPr id="11" name="Image 10"/>
+          <p:cNvPicPr>
+            <a:picLocks noChangeAspect="1"/>
+          </p:cNvPicPr>
+          <p:nvPr/>
+        </p:nvPicPr>
+        <p:blipFill>
+          <a:blip r:embed="rId6" cstate="print">
+            <a:extLst>
+              <a:ext uri="{28A0092B-C50C-407E-A947-70E740481C1C}">
+                <a14:useLocalDpi xmlns:a14="http://schemas.microsoft.com/office/drawing/2010/main" val="0"/>
+              </a:ext>
+            </a:extLst>
+          </a:blip>
+          <a:stretch>
+            <a:fillRect/>
+          </a:stretch>
+        </p:blipFill>
+        <p:spPr>
+          <a:xfrm>
+            <a:off x="6843020" y="1034333"/>
+            <a:ext cx="336008" cy="336008"/>
+          </a:xfrm>
+          <a:prstGeom prst="rect">
+            <a:avLst/>
+          </a:prstGeom>
+        </p:spPr>
+      </p:pic>
+      <p:sp>
+        <p:nvSpPr>
+          <p:cNvPr id="12" name="Rectangle 11"/>
+          <p:cNvSpPr/>
+          <p:nvPr/>
+        </p:nvSpPr>
+        <p:spPr>
+          <a:xfrm>
+            <a:off x="4197813" y="1458061"/>
+            <a:ext cx="3358456" cy="770513"/>
+          </a:xfrm>
+          <a:prstGeom prst="rect">
+            <a:avLst/>
+          </a:prstGeom>
+          <a:solidFill>
+            <a:schemeClr val="accent1">
+              <a:lumMod val="40000"/>
+              <a:lumOff val="60000"/>
+            </a:schemeClr>
+          </a:solidFill>
+        </p:spPr>
+        <p:style>
+          <a:lnRef idx="2">
+            <a:schemeClr val="accent1">
+              <a:shade val="50000"/>
+            </a:schemeClr>
+          </a:lnRef>
+          <a:fillRef idx="1">
+            <a:schemeClr val="accent1"/>
+          </a:fillRef>
+          <a:effectRef idx="0">
+            <a:schemeClr val="accent1"/>
+          </a:effectRef>
+          <a:fontRef idx="minor">
+            <a:schemeClr val="lt1"/>
+          </a:fontRef>
+        </p:style>
+        <p:txBody>
+          <a:bodyPr rtlCol="0" anchor="ctr"/>
+          <a:lstStyle/>
+          <a:p>
+            <a:pPr algn="ctr"/>
+            <a:endParaRPr lang="fr-FR"/>
+          </a:p>
+        </p:txBody>
+      </p:sp>
+      <p:sp>
+        <p:nvSpPr>
+          <p:cNvPr id="13" name="ZoneTexte 12"/>
+          <p:cNvSpPr txBox="1"/>
+          <p:nvPr/>
+        </p:nvSpPr>
+        <p:spPr>
+          <a:xfrm>
+            <a:off x="4923316" y="1658651"/>
+            <a:ext cx="2333950" cy="369332"/>
+          </a:xfrm>
+          <a:prstGeom prst="rect">
+            <a:avLst/>
+          </a:prstGeom>
+          <a:noFill/>
+        </p:spPr>
+        <p:txBody>
+          <a:bodyPr wrap="square" rtlCol="0">
+            <a:spAutoFit/>
+          </a:bodyPr>
+          <a:lstStyle/>
+          <a:p>
+            <a:r>
+              <a:rPr lang="fr-FR" dirty="0" err="1" smtClean="0">
+                <a:solidFill>
+                  <a:schemeClr val="tx2">
+                    <a:lumMod val="60000"/>
+                    <a:lumOff val="40000"/>
+                  </a:schemeClr>
+                </a:solidFill>
+              </a:rPr>
+              <a:t>Slideshow</a:t>
+            </a:r>
+            <a:r>
+              <a:rPr lang="fr-FR" dirty="0" smtClean="0">
+                <a:solidFill>
+                  <a:schemeClr val="tx2">
+                    <a:lumMod val="60000"/>
+                    <a:lumOff val="40000"/>
+                  </a:schemeClr>
+                </a:solidFill>
+              </a:rPr>
+              <a:t> images</a:t>
+            </a:r>
+            <a:endParaRPr lang="fr-FR" dirty="0">
+              <a:solidFill>
+                <a:schemeClr val="tx2">
+                  <a:lumMod val="60000"/>
+                  <a:lumOff val="40000"/>
+                </a:schemeClr>
+              </a:solidFill>
+            </a:endParaRPr>
+          </a:p>
+        </p:txBody>
+      </p:sp>
+      <p:sp>
+        <p:nvSpPr>
+          <p:cNvPr id="14" name="ZoneTexte 13"/>
+          <p:cNvSpPr txBox="1"/>
+          <p:nvPr/>
+        </p:nvSpPr>
+        <p:spPr>
+          <a:xfrm>
+            <a:off x="5061651" y="2297461"/>
+            <a:ext cx="1561402" cy="338554"/>
+          </a:xfrm>
+          <a:prstGeom prst="rect">
+            <a:avLst/>
+          </a:prstGeom>
+          <a:noFill/>
+        </p:spPr>
+        <p:txBody>
+          <a:bodyPr wrap="square" rtlCol="0">
+            <a:spAutoFit/>
+          </a:bodyPr>
+          <a:lstStyle/>
+          <a:p>
+            <a:r>
+              <a:rPr lang="fr-FR" sz="1600" dirty="0" smtClean="0"/>
+              <a:t>NOUVEAUTES</a:t>
+            </a:r>
+            <a:endParaRPr lang="fr-FR" sz="1600" dirty="0"/>
+          </a:p>
+        </p:txBody>
+      </p:sp>
+      <p:cxnSp>
+        <p:nvCxnSpPr>
+          <p:cNvPr id="15" name="Line"/>
+          <p:cNvCxnSpPr>
+            <a:cxnSpLocks/>
+          </p:cNvCxnSpPr>
+          <p:nvPr/>
+        </p:nvCxnSpPr>
+        <p:spPr bwMode="auto">
+          <a:xfrm>
+            <a:off x="4956662" y="2611926"/>
+            <a:ext cx="1503891" cy="0"/>
+          </a:xfrm>
+          <a:prstGeom prst="line">
+            <a:avLst/>
+          </a:prstGeom>
+          <a:ln w="6350">
+            <a:solidFill>
+              <a:srgbClr val="808080"/>
+            </a:solidFill>
+          </a:ln>
+        </p:spPr>
+        <p:style>
+          <a:lnRef idx="1">
+            <a:schemeClr val="accent1"/>
+          </a:lnRef>
+          <a:fillRef idx="0">
+            <a:schemeClr val="accent1"/>
+          </a:fillRef>
+          <a:effectRef idx="0">
+            <a:schemeClr val="accent1"/>
+          </a:effectRef>
+          <a:fontRef idx="minor">
+            <a:schemeClr val="tx1"/>
+          </a:fontRef>
+        </p:style>
+      </p:cxnSp>
+      <p:sp>
+        <p:nvSpPr>
+          <p:cNvPr id="16" name="Rectangle 15"/>
+          <p:cNvSpPr/>
+          <p:nvPr/>
+        </p:nvSpPr>
+        <p:spPr>
+          <a:xfrm>
+            <a:off x="4599574" y="2790977"/>
+            <a:ext cx="951220" cy="1300520"/>
+          </a:xfrm>
+          <a:prstGeom prst="rect">
+            <a:avLst/>
+          </a:prstGeom>
+          <a:solidFill>
+            <a:schemeClr val="bg1"/>
+          </a:solidFill>
+          <a:ln w="3175">
+            <a:solidFill>
+              <a:schemeClr val="tx2">
+                <a:lumMod val="75000"/>
+              </a:schemeClr>
+            </a:solidFill>
+          </a:ln>
+        </p:spPr>
+        <p:style>
+          <a:lnRef idx="2">
+            <a:schemeClr val="accent1">
+              <a:shade val="50000"/>
+            </a:schemeClr>
+          </a:lnRef>
+          <a:fillRef idx="1">
+            <a:schemeClr val="accent1"/>
+          </a:fillRef>
+          <a:effectRef idx="0">
+            <a:schemeClr val="accent1"/>
+          </a:effectRef>
+          <a:fontRef idx="minor">
+            <a:schemeClr val="lt1"/>
+          </a:fontRef>
+        </p:style>
+        <p:txBody>
+          <a:bodyPr rtlCol="0" anchor="ctr"/>
+          <a:lstStyle/>
+          <a:p>
+            <a:pPr algn="ctr"/>
+            <a:endParaRPr lang="fr-FR"/>
+          </a:p>
+        </p:txBody>
+      </p:sp>
+      <p:pic>
+        <p:nvPicPr>
+          <p:cNvPr id="17" name="Image 16"/>
+          <p:cNvPicPr>
+            <a:picLocks noChangeAspect="1"/>
+          </p:cNvPicPr>
+          <p:nvPr/>
+        </p:nvPicPr>
+        <p:blipFill>
+          <a:blip r:embed="rId7" cstate="print">
+            <a:extLst>
+              <a:ext uri="{28A0092B-C50C-407E-A947-70E740481C1C}">
+                <a14:useLocalDpi xmlns:a14="http://schemas.microsoft.com/office/drawing/2010/main" val="0"/>
+              </a:ext>
+            </a:extLst>
+          </a:blip>
+          <a:stretch>
+            <a:fillRect/>
+          </a:stretch>
+        </p:blipFill>
+        <p:spPr>
+          <a:xfrm>
+            <a:off x="4665032" y="2843623"/>
+            <a:ext cx="787808" cy="787808"/>
+          </a:xfrm>
+          <a:prstGeom prst="rect">
+            <a:avLst/>
+          </a:prstGeom>
+        </p:spPr>
+      </p:pic>
+      <p:sp>
+        <p:nvSpPr>
+          <p:cNvPr id="18" name="ZoneTexte 17"/>
+          <p:cNvSpPr txBox="1"/>
+          <p:nvPr/>
+        </p:nvSpPr>
+        <p:spPr>
+          <a:xfrm>
+            <a:off x="4536136" y="3621975"/>
+            <a:ext cx="1107617" cy="323165"/>
+          </a:xfrm>
+          <a:prstGeom prst="rect">
+            <a:avLst/>
+          </a:prstGeom>
+          <a:noFill/>
+        </p:spPr>
+        <p:txBody>
+          <a:bodyPr wrap="square" rtlCol="0">
+            <a:spAutoFit/>
+          </a:bodyPr>
+          <a:lstStyle/>
+          <a:p>
+            <a:r>
+              <a:rPr lang="fr-FR" sz="500" dirty="0"/>
+              <a:t>Figurine </a:t>
+            </a:r>
+            <a:r>
+              <a:rPr lang="fr-FR" sz="500" dirty="0" err="1"/>
+              <a:t>Roronoa</a:t>
+            </a:r>
+            <a:r>
+              <a:rPr lang="fr-FR" sz="500" dirty="0"/>
+              <a:t> </a:t>
+            </a:r>
+            <a:r>
+              <a:rPr lang="fr-FR" sz="500" dirty="0" err="1"/>
+              <a:t>Zoro</a:t>
+            </a:r>
+            <a:r>
+              <a:rPr lang="fr-FR" sz="500" dirty="0"/>
+              <a:t> – </a:t>
+            </a:r>
+            <a:r>
+              <a:rPr lang="fr-FR" sz="500" dirty="0" err="1"/>
+              <a:t>Grandista</a:t>
+            </a:r>
+            <a:r>
+              <a:rPr lang="fr-FR" sz="500" dirty="0"/>
+              <a:t> Manga Dimension– 28 cm</a:t>
+            </a:r>
+          </a:p>
+          <a:p>
+            <a:endParaRPr lang="fr-FR" sz="500" dirty="0"/>
+          </a:p>
+        </p:txBody>
+      </p:sp>
+      <p:sp>
+        <p:nvSpPr>
+          <p:cNvPr id="19" name="ZoneTexte 18"/>
+          <p:cNvSpPr txBox="1"/>
+          <p:nvPr/>
+        </p:nvSpPr>
+        <p:spPr>
+          <a:xfrm>
+            <a:off x="4700984" y="3805427"/>
+            <a:ext cx="1036644" cy="307777"/>
+          </a:xfrm>
+          <a:prstGeom prst="rect">
+            <a:avLst/>
+          </a:prstGeom>
+          <a:noFill/>
+        </p:spPr>
+        <p:txBody>
+          <a:bodyPr wrap="square" rtlCol="0">
+            <a:spAutoFit/>
+          </a:bodyPr>
+          <a:lstStyle/>
+          <a:p>
+            <a:r>
+              <a:rPr lang="fr-FR" sz="1400" dirty="0" smtClean="0">
+                <a:solidFill>
+                  <a:srgbClr val="C00000"/>
+                </a:solidFill>
+              </a:rPr>
+              <a:t>74,90 €</a:t>
+            </a:r>
+            <a:endParaRPr lang="fr-FR" sz="1400" dirty="0">
+              <a:solidFill>
+                <a:srgbClr val="C00000"/>
+              </a:solidFill>
+            </a:endParaRPr>
+          </a:p>
+        </p:txBody>
+      </p:sp>
+      <p:sp>
+        <p:nvSpPr>
+          <p:cNvPr id="20" name="Rectangle 19"/>
+          <p:cNvSpPr/>
+          <p:nvPr/>
+        </p:nvSpPr>
+        <p:spPr>
+          <a:xfrm>
+            <a:off x="4543649" y="3103178"/>
+            <a:ext cx="637566" cy="127331"/>
+          </a:xfrm>
+          <a:prstGeom prst="rect">
+            <a:avLst/>
+          </a:prstGeom>
+          <a:ln>
+            <a:noFill/>
+          </a:ln>
+        </p:spPr>
+        <p:style>
+          <a:lnRef idx="2">
+            <a:schemeClr val="accent1">
+              <a:shade val="50000"/>
+            </a:schemeClr>
+          </a:lnRef>
+          <a:fillRef idx="1">
+            <a:schemeClr val="accent1"/>
+          </a:fillRef>
+          <a:effectRef idx="0">
+            <a:schemeClr val="accent1"/>
+          </a:effectRef>
+          <a:fontRef idx="minor">
+            <a:schemeClr val="lt1"/>
+          </a:fontRef>
+        </p:style>
+        <p:txBody>
+          <a:bodyPr rtlCol="0" anchor="ctr"/>
+          <a:lstStyle/>
+          <a:p>
+            <a:pPr algn="ctr"/>
+            <a:endParaRPr lang="fr-FR"/>
+          </a:p>
+        </p:txBody>
+      </p:sp>
+      <p:sp>
+        <p:nvSpPr>
+          <p:cNvPr id="21" name="ZoneTexte 20"/>
+          <p:cNvSpPr txBox="1"/>
+          <p:nvPr/>
+        </p:nvSpPr>
+        <p:spPr>
+          <a:xfrm>
+            <a:off x="4478190" y="3074810"/>
+            <a:ext cx="1130911" cy="230832"/>
+          </a:xfrm>
+          <a:prstGeom prst="rect">
+            <a:avLst/>
+          </a:prstGeom>
+          <a:noFill/>
+        </p:spPr>
+        <p:txBody>
+          <a:bodyPr wrap="square" rtlCol="0">
+            <a:spAutoFit/>
+          </a:bodyPr>
+          <a:lstStyle/>
+          <a:p>
+            <a:r>
+              <a:rPr lang="fr-FR" sz="900" dirty="0" smtClean="0">
+                <a:solidFill>
+                  <a:schemeClr val="bg1"/>
+                </a:solidFill>
+              </a:rPr>
+              <a:t>Nouveauté</a:t>
+            </a:r>
+            <a:endParaRPr lang="fr-FR" sz="900" dirty="0">
+              <a:solidFill>
+                <a:schemeClr val="bg1"/>
+              </a:solidFill>
+            </a:endParaRPr>
+          </a:p>
+        </p:txBody>
+      </p:sp>
+      <p:sp>
+        <p:nvSpPr>
+          <p:cNvPr id="22" name="Rectangle 21"/>
+          <p:cNvSpPr/>
+          <p:nvPr/>
+        </p:nvSpPr>
+        <p:spPr>
+          <a:xfrm>
+            <a:off x="5744039" y="2782786"/>
+            <a:ext cx="951220" cy="1308711"/>
+          </a:xfrm>
+          <a:prstGeom prst="rect">
+            <a:avLst/>
+          </a:prstGeom>
+          <a:solidFill>
+            <a:schemeClr val="bg1"/>
+          </a:solidFill>
+          <a:ln w="3175">
+            <a:solidFill>
+              <a:schemeClr val="tx2">
+                <a:lumMod val="75000"/>
+              </a:schemeClr>
+            </a:solidFill>
+          </a:ln>
+        </p:spPr>
+        <p:style>
+          <a:lnRef idx="2">
+            <a:schemeClr val="accent1">
+              <a:shade val="50000"/>
+            </a:schemeClr>
+          </a:lnRef>
+          <a:fillRef idx="1">
+            <a:schemeClr val="accent1"/>
+          </a:fillRef>
+          <a:effectRef idx="0">
+            <a:schemeClr val="accent1"/>
+          </a:effectRef>
+          <a:fontRef idx="minor">
+            <a:schemeClr val="lt1"/>
+          </a:fontRef>
+        </p:style>
+        <p:txBody>
+          <a:bodyPr rtlCol="0" anchor="ctr"/>
+          <a:lstStyle/>
+          <a:p>
+            <a:pPr algn="ctr"/>
+            <a:endParaRPr lang="fr-FR"/>
+          </a:p>
+        </p:txBody>
+      </p:sp>
+      <p:pic>
+        <p:nvPicPr>
+          <p:cNvPr id="23" name="Image 22"/>
+          <p:cNvPicPr>
+            <a:picLocks noChangeAspect="1"/>
+          </p:cNvPicPr>
+          <p:nvPr/>
+        </p:nvPicPr>
+        <p:blipFill>
+          <a:blip r:embed="rId7" cstate="print">
+            <a:extLst>
+              <a:ext uri="{28A0092B-C50C-407E-A947-70E740481C1C}">
+                <a14:useLocalDpi xmlns:a14="http://schemas.microsoft.com/office/drawing/2010/main" val="0"/>
+              </a:ext>
+            </a:extLst>
+          </a:blip>
+          <a:stretch>
+            <a:fillRect/>
+          </a:stretch>
+        </p:blipFill>
+        <p:spPr>
+          <a:xfrm>
+            <a:off x="5809497" y="2843623"/>
+            <a:ext cx="787808" cy="787808"/>
+          </a:xfrm>
+          <a:prstGeom prst="rect">
+            <a:avLst/>
+          </a:prstGeom>
+        </p:spPr>
+      </p:pic>
+      <p:sp>
+        <p:nvSpPr>
+          <p:cNvPr id="24" name="ZoneTexte 23"/>
+          <p:cNvSpPr txBox="1"/>
+          <p:nvPr/>
+        </p:nvSpPr>
+        <p:spPr>
+          <a:xfrm>
+            <a:off x="5680601" y="3621975"/>
+            <a:ext cx="1107617" cy="323165"/>
+          </a:xfrm>
+          <a:prstGeom prst="rect">
+            <a:avLst/>
+          </a:prstGeom>
+          <a:noFill/>
+        </p:spPr>
+        <p:txBody>
+          <a:bodyPr wrap="square" rtlCol="0">
+            <a:spAutoFit/>
+          </a:bodyPr>
+          <a:lstStyle/>
+          <a:p>
+            <a:r>
+              <a:rPr lang="fr-FR" sz="500" dirty="0"/>
+              <a:t>Figurine </a:t>
+            </a:r>
+            <a:r>
+              <a:rPr lang="fr-FR" sz="500" dirty="0" err="1"/>
+              <a:t>Roronoa</a:t>
+            </a:r>
+            <a:r>
+              <a:rPr lang="fr-FR" sz="500" dirty="0"/>
+              <a:t> </a:t>
+            </a:r>
+            <a:r>
+              <a:rPr lang="fr-FR" sz="500" dirty="0" err="1"/>
+              <a:t>Zoro</a:t>
+            </a:r>
+            <a:r>
+              <a:rPr lang="fr-FR" sz="500" dirty="0"/>
+              <a:t> – </a:t>
+            </a:r>
+            <a:r>
+              <a:rPr lang="fr-FR" sz="500" dirty="0" err="1"/>
+              <a:t>Grandista</a:t>
+            </a:r>
+            <a:r>
+              <a:rPr lang="fr-FR" sz="500" dirty="0"/>
+              <a:t> Manga Dimension– 28 cm</a:t>
+            </a:r>
+          </a:p>
+          <a:p>
+            <a:endParaRPr lang="fr-FR" sz="500" dirty="0"/>
+          </a:p>
+        </p:txBody>
+      </p:sp>
+      <p:sp>
+        <p:nvSpPr>
+          <p:cNvPr id="25" name="ZoneTexte 24"/>
+          <p:cNvSpPr txBox="1"/>
+          <p:nvPr/>
+        </p:nvSpPr>
+        <p:spPr>
+          <a:xfrm>
+            <a:off x="5845449" y="3805427"/>
+            <a:ext cx="1036644" cy="307777"/>
+          </a:xfrm>
+          <a:prstGeom prst="rect">
+            <a:avLst/>
+          </a:prstGeom>
+          <a:noFill/>
+        </p:spPr>
+        <p:txBody>
+          <a:bodyPr wrap="square" rtlCol="0">
+            <a:spAutoFit/>
+          </a:bodyPr>
+          <a:lstStyle/>
+          <a:p>
+            <a:r>
+              <a:rPr lang="fr-FR" sz="1400" dirty="0" smtClean="0">
+                <a:solidFill>
+                  <a:srgbClr val="C00000"/>
+                </a:solidFill>
+              </a:rPr>
+              <a:t>74,90 €</a:t>
+            </a:r>
+            <a:endParaRPr lang="fr-FR" sz="1400" dirty="0">
+              <a:solidFill>
+                <a:srgbClr val="C00000"/>
+              </a:solidFill>
+            </a:endParaRPr>
+          </a:p>
+        </p:txBody>
+      </p:sp>
+      <p:sp>
+        <p:nvSpPr>
+          <p:cNvPr id="26" name="Rectangle 25"/>
+          <p:cNvSpPr/>
+          <p:nvPr/>
+        </p:nvSpPr>
+        <p:spPr>
+          <a:xfrm>
+            <a:off x="5688114" y="3103178"/>
+            <a:ext cx="637566" cy="127331"/>
+          </a:xfrm>
+          <a:prstGeom prst="rect">
+            <a:avLst/>
+          </a:prstGeom>
+          <a:ln>
+            <a:noFill/>
+          </a:ln>
+        </p:spPr>
+        <p:style>
+          <a:lnRef idx="2">
+            <a:schemeClr val="accent1">
+              <a:shade val="50000"/>
+            </a:schemeClr>
+          </a:lnRef>
+          <a:fillRef idx="1">
+            <a:schemeClr val="accent1"/>
+          </a:fillRef>
+          <a:effectRef idx="0">
+            <a:schemeClr val="accent1"/>
+          </a:effectRef>
+          <a:fontRef idx="minor">
+            <a:schemeClr val="lt1"/>
+          </a:fontRef>
+        </p:style>
+        <p:txBody>
+          <a:bodyPr rtlCol="0" anchor="ctr"/>
+          <a:lstStyle/>
+          <a:p>
+            <a:pPr algn="ctr"/>
+            <a:endParaRPr lang="fr-FR"/>
+          </a:p>
+        </p:txBody>
+      </p:sp>
+      <p:sp>
+        <p:nvSpPr>
+          <p:cNvPr id="27" name="ZoneTexte 26"/>
+          <p:cNvSpPr txBox="1"/>
+          <p:nvPr/>
+        </p:nvSpPr>
+        <p:spPr>
+          <a:xfrm>
+            <a:off x="5622655" y="3074810"/>
+            <a:ext cx="1130911" cy="230832"/>
+          </a:xfrm>
+          <a:prstGeom prst="rect">
+            <a:avLst/>
+          </a:prstGeom>
+          <a:noFill/>
+        </p:spPr>
+        <p:txBody>
+          <a:bodyPr wrap="square" rtlCol="0">
+            <a:spAutoFit/>
+          </a:bodyPr>
+          <a:lstStyle/>
+          <a:p>
+            <a:r>
+              <a:rPr lang="fr-FR" sz="900" dirty="0" smtClean="0">
+                <a:solidFill>
+                  <a:schemeClr val="bg1"/>
+                </a:solidFill>
+              </a:rPr>
+              <a:t>Nouveauté</a:t>
+            </a:r>
+            <a:endParaRPr lang="fr-FR" sz="900" dirty="0">
+              <a:solidFill>
+                <a:schemeClr val="bg1"/>
+              </a:solidFill>
+            </a:endParaRPr>
+          </a:p>
+        </p:txBody>
+      </p:sp>
+      <p:sp>
+        <p:nvSpPr>
+          <p:cNvPr id="28" name="Rectangle 27"/>
+          <p:cNvSpPr/>
+          <p:nvPr/>
+        </p:nvSpPr>
+        <p:spPr>
+          <a:xfrm>
+            <a:off x="4782456" y="4246459"/>
+            <a:ext cx="951220" cy="1247756"/>
+          </a:xfrm>
+          <a:prstGeom prst="rect">
+            <a:avLst/>
+          </a:prstGeom>
+          <a:solidFill>
+            <a:schemeClr val="bg1"/>
+          </a:solidFill>
+          <a:ln w="3175">
+            <a:solidFill>
+              <a:schemeClr val="tx2">
+                <a:lumMod val="75000"/>
+              </a:schemeClr>
+            </a:solidFill>
+          </a:ln>
+        </p:spPr>
+        <p:style>
+          <a:lnRef idx="2">
+            <a:schemeClr val="accent1">
+              <a:shade val="50000"/>
+            </a:schemeClr>
+          </a:lnRef>
+          <a:fillRef idx="1">
+            <a:schemeClr val="accent1"/>
+          </a:fillRef>
+          <a:effectRef idx="0">
+            <a:schemeClr val="accent1"/>
+          </a:effectRef>
+          <a:fontRef idx="minor">
+            <a:schemeClr val="lt1"/>
+          </a:fontRef>
+        </p:style>
+        <p:txBody>
+          <a:bodyPr rtlCol="0" anchor="ctr"/>
+          <a:lstStyle/>
+          <a:p>
+            <a:pPr algn="ctr"/>
+            <a:endParaRPr lang="fr-FR"/>
+          </a:p>
+        </p:txBody>
+      </p:sp>
+      <p:pic>
+        <p:nvPicPr>
+          <p:cNvPr id="29" name="Image 28"/>
+          <p:cNvPicPr>
+            <a:picLocks noChangeAspect="1"/>
+          </p:cNvPicPr>
+          <p:nvPr/>
+        </p:nvPicPr>
+        <p:blipFill>
+          <a:blip r:embed="rId7" cstate="print">
+            <a:extLst>
+              <a:ext uri="{28A0092B-C50C-407E-A947-70E740481C1C}">
+                <a14:useLocalDpi xmlns:a14="http://schemas.microsoft.com/office/drawing/2010/main" val="0"/>
+              </a:ext>
+            </a:extLst>
+          </a:blip>
+          <a:stretch>
+            <a:fillRect/>
+          </a:stretch>
+        </p:blipFill>
+        <p:spPr>
+          <a:xfrm>
+            <a:off x="4847914" y="4268165"/>
+            <a:ext cx="787808" cy="787808"/>
+          </a:xfrm>
+          <a:prstGeom prst="rect">
+            <a:avLst/>
+          </a:prstGeom>
+        </p:spPr>
+      </p:pic>
+      <p:sp>
+        <p:nvSpPr>
+          <p:cNvPr id="30" name="ZoneTexte 29"/>
+          <p:cNvSpPr txBox="1"/>
+          <p:nvPr/>
+        </p:nvSpPr>
+        <p:spPr>
+          <a:xfrm>
+            <a:off x="4719018" y="4837509"/>
+            <a:ext cx="1107617" cy="323165"/>
+          </a:xfrm>
+          <a:prstGeom prst="rect">
+            <a:avLst/>
+          </a:prstGeom>
+          <a:noFill/>
+        </p:spPr>
+        <p:txBody>
+          <a:bodyPr wrap="square" rtlCol="0">
+            <a:spAutoFit/>
+          </a:bodyPr>
+          <a:lstStyle/>
+          <a:p>
+            <a:r>
+              <a:rPr lang="fr-FR" sz="500" dirty="0"/>
+              <a:t>Figurine </a:t>
+            </a:r>
+            <a:r>
+              <a:rPr lang="fr-FR" sz="500" dirty="0" err="1"/>
+              <a:t>Roronoa</a:t>
+            </a:r>
+            <a:r>
+              <a:rPr lang="fr-FR" sz="500" dirty="0"/>
+              <a:t> </a:t>
+            </a:r>
+            <a:r>
+              <a:rPr lang="fr-FR" sz="500" dirty="0" err="1"/>
+              <a:t>Zoro</a:t>
+            </a:r>
+            <a:r>
+              <a:rPr lang="fr-FR" sz="500" dirty="0"/>
+              <a:t> – </a:t>
+            </a:r>
+            <a:r>
+              <a:rPr lang="fr-FR" sz="500" dirty="0" err="1"/>
+              <a:t>Grandista</a:t>
+            </a:r>
+            <a:r>
+              <a:rPr lang="fr-FR" sz="500" dirty="0"/>
+              <a:t> Manga Dimension– 28 cm</a:t>
+            </a:r>
+          </a:p>
+          <a:p>
+            <a:endParaRPr lang="fr-FR" sz="500" dirty="0"/>
+          </a:p>
+        </p:txBody>
+      </p:sp>
+      <p:sp>
+        <p:nvSpPr>
+          <p:cNvPr id="31" name="ZoneTexte 30"/>
+          <p:cNvSpPr txBox="1"/>
+          <p:nvPr/>
+        </p:nvSpPr>
+        <p:spPr>
+          <a:xfrm>
+            <a:off x="4648732" y="5020961"/>
+            <a:ext cx="1036644" cy="307777"/>
+          </a:xfrm>
+          <a:prstGeom prst="rect">
+            <a:avLst/>
+          </a:prstGeom>
+          <a:noFill/>
+        </p:spPr>
+        <p:txBody>
+          <a:bodyPr wrap="square" rtlCol="0">
+            <a:spAutoFit/>
+          </a:bodyPr>
+          <a:lstStyle/>
+          <a:p>
+            <a:r>
+              <a:rPr lang="fr-FR" sz="1400" dirty="0" smtClean="0">
+                <a:solidFill>
+                  <a:srgbClr val="C00000"/>
+                </a:solidFill>
+              </a:rPr>
+              <a:t>74,90 €</a:t>
+            </a:r>
+            <a:endParaRPr lang="fr-FR" sz="1400" dirty="0">
+              <a:solidFill>
+                <a:srgbClr val="C00000"/>
+              </a:solidFill>
+            </a:endParaRPr>
+          </a:p>
+        </p:txBody>
+      </p:sp>
+      <p:sp>
+        <p:nvSpPr>
+          <p:cNvPr id="32" name="Rectangle 31"/>
+          <p:cNvSpPr/>
+          <p:nvPr/>
+        </p:nvSpPr>
+        <p:spPr>
+          <a:xfrm>
+            <a:off x="4543649" y="4527720"/>
+            <a:ext cx="637566" cy="127331"/>
+          </a:xfrm>
+          <a:prstGeom prst="rect">
+            <a:avLst/>
+          </a:prstGeom>
+          <a:ln>
+            <a:noFill/>
+          </a:ln>
+        </p:spPr>
+        <p:style>
+          <a:lnRef idx="2">
+            <a:schemeClr val="accent1">
+              <a:shade val="50000"/>
+            </a:schemeClr>
+          </a:lnRef>
+          <a:fillRef idx="1">
+            <a:schemeClr val="accent1"/>
+          </a:fillRef>
+          <a:effectRef idx="0">
+            <a:schemeClr val="accent1"/>
+          </a:effectRef>
+          <a:fontRef idx="minor">
+            <a:schemeClr val="lt1"/>
+          </a:fontRef>
+        </p:style>
+        <p:txBody>
+          <a:bodyPr rtlCol="0" anchor="ctr"/>
+          <a:lstStyle/>
+          <a:p>
+            <a:pPr algn="ctr"/>
+            <a:endParaRPr lang="fr-FR"/>
+          </a:p>
+        </p:txBody>
+      </p:sp>
+      <p:sp>
+        <p:nvSpPr>
+          <p:cNvPr id="33" name="ZoneTexte 32"/>
+          <p:cNvSpPr txBox="1"/>
+          <p:nvPr/>
+        </p:nvSpPr>
+        <p:spPr>
+          <a:xfrm>
+            <a:off x="4478190" y="4499352"/>
+            <a:ext cx="1130911" cy="230832"/>
+          </a:xfrm>
+          <a:prstGeom prst="rect">
+            <a:avLst/>
+          </a:prstGeom>
+          <a:noFill/>
+        </p:spPr>
+        <p:txBody>
+          <a:bodyPr wrap="square" rtlCol="0">
+            <a:spAutoFit/>
+          </a:bodyPr>
+          <a:lstStyle/>
+          <a:p>
+            <a:r>
+              <a:rPr lang="fr-FR" sz="900" dirty="0" smtClean="0">
+                <a:solidFill>
+                  <a:schemeClr val="bg1"/>
+                </a:solidFill>
+              </a:rPr>
+              <a:t>Nouveauté</a:t>
+            </a:r>
+            <a:endParaRPr lang="fr-FR" sz="900" dirty="0">
+              <a:solidFill>
+                <a:schemeClr val="bg1"/>
+              </a:solidFill>
+            </a:endParaRPr>
+          </a:p>
+        </p:txBody>
+      </p:sp>
+      <p:sp>
+        <p:nvSpPr>
+          <p:cNvPr id="34" name="Rectangle 33"/>
+          <p:cNvSpPr/>
+          <p:nvPr/>
+        </p:nvSpPr>
+        <p:spPr>
+          <a:xfrm>
+            <a:off x="5926921" y="4238269"/>
+            <a:ext cx="951220" cy="1255946"/>
+          </a:xfrm>
+          <a:prstGeom prst="rect">
+            <a:avLst/>
+          </a:prstGeom>
+          <a:solidFill>
+            <a:schemeClr val="bg1"/>
+          </a:solidFill>
+          <a:ln w="3175">
+            <a:solidFill>
+              <a:schemeClr val="tx2">
+                <a:lumMod val="75000"/>
+              </a:schemeClr>
+            </a:solidFill>
+          </a:ln>
+        </p:spPr>
+        <p:style>
+          <a:lnRef idx="2">
+            <a:schemeClr val="accent1">
+              <a:shade val="50000"/>
+            </a:schemeClr>
+          </a:lnRef>
+          <a:fillRef idx="1">
+            <a:schemeClr val="accent1"/>
+          </a:fillRef>
+          <a:effectRef idx="0">
+            <a:schemeClr val="accent1"/>
+          </a:effectRef>
+          <a:fontRef idx="minor">
+            <a:schemeClr val="lt1"/>
+          </a:fontRef>
+        </p:style>
+        <p:txBody>
+          <a:bodyPr rtlCol="0" anchor="ctr"/>
+          <a:lstStyle/>
+          <a:p>
+            <a:pPr algn="ctr"/>
+            <a:endParaRPr lang="fr-FR"/>
+          </a:p>
+        </p:txBody>
+      </p:sp>
+      <p:pic>
+        <p:nvPicPr>
+          <p:cNvPr id="35" name="Image 34"/>
+          <p:cNvPicPr>
+            <a:picLocks noChangeAspect="1"/>
+          </p:cNvPicPr>
+          <p:nvPr/>
+        </p:nvPicPr>
+        <p:blipFill>
+          <a:blip r:embed="rId7" cstate="print">
+            <a:extLst>
+              <a:ext uri="{28A0092B-C50C-407E-A947-70E740481C1C}">
+                <a14:useLocalDpi xmlns:a14="http://schemas.microsoft.com/office/drawing/2010/main" val="0"/>
+              </a:ext>
+            </a:extLst>
+          </a:blip>
+          <a:stretch>
+            <a:fillRect/>
+          </a:stretch>
+        </p:blipFill>
+        <p:spPr>
+          <a:xfrm>
+            <a:off x="5992379" y="4268165"/>
+            <a:ext cx="787808" cy="787808"/>
+          </a:xfrm>
+          <a:prstGeom prst="rect">
+            <a:avLst/>
+          </a:prstGeom>
+        </p:spPr>
+      </p:pic>
+      <p:sp>
+        <p:nvSpPr>
+          <p:cNvPr id="36" name="ZoneTexte 35"/>
+          <p:cNvSpPr txBox="1"/>
+          <p:nvPr/>
+        </p:nvSpPr>
+        <p:spPr>
+          <a:xfrm>
+            <a:off x="5628349" y="4837509"/>
+            <a:ext cx="1107617" cy="323165"/>
+          </a:xfrm>
+          <a:prstGeom prst="rect">
+            <a:avLst/>
+          </a:prstGeom>
+          <a:noFill/>
+        </p:spPr>
+        <p:txBody>
+          <a:bodyPr wrap="square" rtlCol="0">
+            <a:spAutoFit/>
+          </a:bodyPr>
+          <a:lstStyle/>
+          <a:p>
+            <a:r>
+              <a:rPr lang="fr-FR" sz="500" dirty="0"/>
+              <a:t>Figurine </a:t>
+            </a:r>
+            <a:r>
+              <a:rPr lang="fr-FR" sz="500" dirty="0" err="1"/>
+              <a:t>Roronoa</a:t>
+            </a:r>
+            <a:r>
+              <a:rPr lang="fr-FR" sz="500" dirty="0"/>
+              <a:t> </a:t>
+            </a:r>
+            <a:r>
+              <a:rPr lang="fr-FR" sz="500" dirty="0" err="1"/>
+              <a:t>Zoro</a:t>
+            </a:r>
+            <a:r>
+              <a:rPr lang="fr-FR" sz="500" dirty="0"/>
+              <a:t> – </a:t>
+            </a:r>
+            <a:r>
+              <a:rPr lang="fr-FR" sz="500" dirty="0" err="1"/>
+              <a:t>Grandista</a:t>
+            </a:r>
+            <a:r>
+              <a:rPr lang="fr-FR" sz="500" dirty="0"/>
+              <a:t> Manga Dimension– 28 cm</a:t>
+            </a:r>
+          </a:p>
+          <a:p>
+            <a:endParaRPr lang="fr-FR" sz="500" dirty="0"/>
+          </a:p>
+        </p:txBody>
+      </p:sp>
+      <p:sp>
+        <p:nvSpPr>
+          <p:cNvPr id="37" name="ZoneTexte 36"/>
+          <p:cNvSpPr txBox="1"/>
+          <p:nvPr/>
+        </p:nvSpPr>
+        <p:spPr>
+          <a:xfrm>
+            <a:off x="5793197" y="5020961"/>
+            <a:ext cx="1036644" cy="307777"/>
+          </a:xfrm>
+          <a:prstGeom prst="rect">
+            <a:avLst/>
+          </a:prstGeom>
+          <a:noFill/>
+        </p:spPr>
+        <p:txBody>
+          <a:bodyPr wrap="square" rtlCol="0">
+            <a:spAutoFit/>
+          </a:bodyPr>
+          <a:lstStyle/>
+          <a:p>
+            <a:r>
+              <a:rPr lang="fr-FR" sz="1400" dirty="0" smtClean="0">
+                <a:solidFill>
+                  <a:srgbClr val="C00000"/>
+                </a:solidFill>
+              </a:rPr>
+              <a:t>74,90 €</a:t>
+            </a:r>
+            <a:endParaRPr lang="fr-FR" sz="1400" dirty="0">
+              <a:solidFill>
+                <a:srgbClr val="C00000"/>
+              </a:solidFill>
+            </a:endParaRPr>
+          </a:p>
+        </p:txBody>
+      </p:sp>
+      <p:sp>
+        <p:nvSpPr>
+          <p:cNvPr id="38" name="Rectangle 37"/>
+          <p:cNvSpPr/>
+          <p:nvPr/>
+        </p:nvSpPr>
+        <p:spPr>
+          <a:xfrm>
+            <a:off x="5688114" y="4527720"/>
+            <a:ext cx="637566" cy="127331"/>
+          </a:xfrm>
+          <a:prstGeom prst="rect">
+            <a:avLst/>
+          </a:prstGeom>
+          <a:ln>
+            <a:noFill/>
+          </a:ln>
+        </p:spPr>
+        <p:style>
+          <a:lnRef idx="2">
+            <a:schemeClr val="accent1">
+              <a:shade val="50000"/>
+            </a:schemeClr>
+          </a:lnRef>
+          <a:fillRef idx="1">
+            <a:schemeClr val="accent1"/>
+          </a:fillRef>
+          <a:effectRef idx="0">
+            <a:schemeClr val="accent1"/>
+          </a:effectRef>
+          <a:fontRef idx="minor">
+            <a:schemeClr val="lt1"/>
+          </a:fontRef>
+        </p:style>
+        <p:txBody>
+          <a:bodyPr rtlCol="0" anchor="ctr"/>
+          <a:lstStyle/>
+          <a:p>
+            <a:pPr algn="ctr"/>
+            <a:endParaRPr lang="fr-FR"/>
+          </a:p>
+        </p:txBody>
+      </p:sp>
+      <p:sp>
+        <p:nvSpPr>
+          <p:cNvPr id="39" name="ZoneTexte 38"/>
+          <p:cNvSpPr txBox="1"/>
+          <p:nvPr/>
+        </p:nvSpPr>
+        <p:spPr>
+          <a:xfrm>
+            <a:off x="5622655" y="4499352"/>
+            <a:ext cx="1130911" cy="230832"/>
+          </a:xfrm>
+          <a:prstGeom prst="rect">
+            <a:avLst/>
+          </a:prstGeom>
+          <a:noFill/>
+        </p:spPr>
+        <p:txBody>
+          <a:bodyPr wrap="square" rtlCol="0">
+            <a:spAutoFit/>
+          </a:bodyPr>
+          <a:lstStyle/>
+          <a:p>
+            <a:r>
+              <a:rPr lang="fr-FR" sz="900" dirty="0" smtClean="0">
+                <a:solidFill>
+                  <a:schemeClr val="bg1"/>
+                </a:solidFill>
+              </a:rPr>
+              <a:t>Nouveauté</a:t>
+            </a:r>
+            <a:endParaRPr lang="fr-FR" sz="900" dirty="0">
+              <a:solidFill>
+                <a:schemeClr val="bg1"/>
+              </a:solidFill>
+            </a:endParaRPr>
+          </a:p>
+        </p:txBody>
+      </p:sp>
+      <p:sp>
+        <p:nvSpPr>
+          <p:cNvPr id="41" name="Rectangle 40"/>
+          <p:cNvSpPr/>
+          <p:nvPr/>
+        </p:nvSpPr>
+        <p:spPr>
+          <a:xfrm>
+            <a:off x="4193182" y="1034332"/>
+            <a:ext cx="3363087" cy="4743603"/>
+          </a:xfrm>
+          <a:prstGeom prst="rect">
+            <a:avLst/>
+          </a:prstGeom>
+          <a:solidFill>
+            <a:schemeClr val="bg1">
+              <a:lumMod val="95000"/>
+            </a:schemeClr>
+          </a:solidFill>
+        </p:spPr>
+        <p:style>
+          <a:lnRef idx="2">
+            <a:schemeClr val="accent1">
+              <a:shade val="50000"/>
+            </a:schemeClr>
+          </a:lnRef>
+          <a:fillRef idx="1">
+            <a:schemeClr val="accent1"/>
+          </a:fillRef>
+          <a:effectRef idx="0">
+            <a:schemeClr val="accent1"/>
+          </a:effectRef>
+          <a:fontRef idx="minor">
+            <a:schemeClr val="lt1"/>
+          </a:fontRef>
+        </p:style>
+        <p:txBody>
+          <a:bodyPr rtlCol="0" anchor="ctr"/>
+          <a:lstStyle/>
+          <a:p>
+            <a:pPr algn="ctr"/>
+            <a:endParaRPr lang="fr-FR"/>
+          </a:p>
+        </p:txBody>
+      </p:sp>
+      <p:sp>
+        <p:nvSpPr>
+          <p:cNvPr id="42" name="Rectangle 41"/>
+          <p:cNvSpPr/>
+          <p:nvPr/>
+        </p:nvSpPr>
+        <p:spPr>
+          <a:xfrm>
+            <a:off x="4205308" y="1012768"/>
+            <a:ext cx="3337898" cy="450167"/>
+          </a:xfrm>
+          <a:prstGeom prst="rect">
+            <a:avLst/>
+          </a:prstGeom>
+          <a:solidFill>
+            <a:schemeClr val="tx2">
+              <a:lumMod val="75000"/>
+            </a:schemeClr>
+          </a:solidFill>
+          <a:ln>
+            <a:solidFill>
+              <a:schemeClr val="tx2">
+                <a:lumMod val="75000"/>
+              </a:schemeClr>
+            </a:solidFill>
+          </a:ln>
+        </p:spPr>
+        <p:style>
+          <a:lnRef idx="2">
+            <a:schemeClr val="accent1">
+              <a:shade val="50000"/>
+            </a:schemeClr>
+          </a:lnRef>
+          <a:fillRef idx="1">
+            <a:schemeClr val="accent1"/>
+          </a:fillRef>
+          <a:effectRef idx="0">
+            <a:schemeClr val="accent1"/>
+          </a:effectRef>
+          <a:fontRef idx="minor">
+            <a:schemeClr val="lt1"/>
+          </a:fontRef>
+        </p:style>
+        <p:txBody>
+          <a:bodyPr rtlCol="0" anchor="ctr"/>
+          <a:lstStyle/>
+          <a:p>
+            <a:pPr algn="ctr"/>
+            <a:endParaRPr lang="fr-FR"/>
+          </a:p>
+        </p:txBody>
+      </p:sp>
+      <p:sp>
+        <p:nvSpPr>
+          <p:cNvPr id="43" name="Align Justify"/>
+          <p:cNvSpPr>
+            <a:spLocks noChangeAspect="1" noEditPoints="1"/>
+          </p:cNvSpPr>
+          <p:nvPr/>
+        </p:nvSpPr>
+        <p:spPr bwMode="auto">
+          <a:xfrm>
+            <a:off x="4329547" y="1067886"/>
+            <a:ext cx="288924" cy="261551"/>
+          </a:xfrm>
+          <a:custGeom>
+            <a:avLst/>
+            <a:gdLst>
+              <a:gd name="T0" fmla="*/ 0 w 614"/>
+              <a:gd name="T1" fmla="*/ 0 h 560"/>
+              <a:gd name="T2" fmla="*/ 0 w 614"/>
+              <a:gd name="T3" fmla="*/ 27 h 560"/>
+              <a:gd name="T4" fmla="*/ 614 w 614"/>
+              <a:gd name="T5" fmla="*/ 27 h 560"/>
+              <a:gd name="T6" fmla="*/ 614 w 614"/>
+              <a:gd name="T7" fmla="*/ 0 h 560"/>
+              <a:gd name="T8" fmla="*/ 0 w 614"/>
+              <a:gd name="T9" fmla="*/ 0 h 560"/>
+              <a:gd name="T10" fmla="*/ 0 w 614"/>
+              <a:gd name="T11" fmla="*/ 134 h 560"/>
+              <a:gd name="T12" fmla="*/ 0 w 614"/>
+              <a:gd name="T13" fmla="*/ 160 h 560"/>
+              <a:gd name="T14" fmla="*/ 614 w 614"/>
+              <a:gd name="T15" fmla="*/ 160 h 560"/>
+              <a:gd name="T16" fmla="*/ 614 w 614"/>
+              <a:gd name="T17" fmla="*/ 134 h 560"/>
+              <a:gd name="T18" fmla="*/ 0 w 614"/>
+              <a:gd name="T19" fmla="*/ 134 h 560"/>
+              <a:gd name="T20" fmla="*/ 0 w 614"/>
+              <a:gd name="T21" fmla="*/ 267 h 560"/>
+              <a:gd name="T22" fmla="*/ 0 w 614"/>
+              <a:gd name="T23" fmla="*/ 294 h 560"/>
+              <a:gd name="T24" fmla="*/ 614 w 614"/>
+              <a:gd name="T25" fmla="*/ 294 h 560"/>
+              <a:gd name="T26" fmla="*/ 614 w 614"/>
+              <a:gd name="T27" fmla="*/ 267 h 560"/>
+              <a:gd name="T28" fmla="*/ 0 w 614"/>
+              <a:gd name="T29" fmla="*/ 267 h 560"/>
+              <a:gd name="T30" fmla="*/ 0 w 614"/>
+              <a:gd name="T31" fmla="*/ 400 h 560"/>
+              <a:gd name="T32" fmla="*/ 0 w 614"/>
+              <a:gd name="T33" fmla="*/ 427 h 560"/>
+              <a:gd name="T34" fmla="*/ 614 w 614"/>
+              <a:gd name="T35" fmla="*/ 427 h 560"/>
+              <a:gd name="T36" fmla="*/ 614 w 614"/>
+              <a:gd name="T37" fmla="*/ 400 h 560"/>
+              <a:gd name="T38" fmla="*/ 0 w 614"/>
+              <a:gd name="T39" fmla="*/ 400 h 560"/>
+              <a:gd name="T40" fmla="*/ 0 w 614"/>
+              <a:gd name="T41" fmla="*/ 534 h 560"/>
+              <a:gd name="T42" fmla="*/ 0 w 614"/>
+              <a:gd name="T43" fmla="*/ 560 h 560"/>
+              <a:gd name="T44" fmla="*/ 614 w 614"/>
+              <a:gd name="T45" fmla="*/ 560 h 560"/>
+              <a:gd name="T46" fmla="*/ 614 w 614"/>
+              <a:gd name="T47" fmla="*/ 534 h 560"/>
+              <a:gd name="T48" fmla="*/ 0 w 614"/>
+              <a:gd name="T49" fmla="*/ 534 h 560"/>
+            </a:gdLst>
+            <a:ahLst/>
+            <a:cxnLst>
+              <a:cxn ang="0">
+                <a:pos x="T0" y="T1"/>
+              </a:cxn>
+              <a:cxn ang="0">
+                <a:pos x="T2" y="T3"/>
+              </a:cxn>
+              <a:cxn ang="0">
+                <a:pos x="T4" y="T5"/>
+              </a:cxn>
+              <a:cxn ang="0">
+                <a:pos x="T6" y="T7"/>
+              </a:cxn>
+              <a:cxn ang="0">
+                <a:pos x="T8" y="T9"/>
+              </a:cxn>
+              <a:cxn ang="0">
+                <a:pos x="T10" y="T11"/>
+              </a:cxn>
+              <a:cxn ang="0">
+                <a:pos x="T12" y="T13"/>
+              </a:cxn>
+              <a:cxn ang="0">
+                <a:pos x="T14" y="T15"/>
+              </a:cxn>
+              <a:cxn ang="0">
+                <a:pos x="T16" y="T17"/>
+              </a:cxn>
+              <a:cxn ang="0">
+                <a:pos x="T18" y="T19"/>
+              </a:cxn>
+              <a:cxn ang="0">
+                <a:pos x="T20" y="T21"/>
+              </a:cxn>
+              <a:cxn ang="0">
+                <a:pos x="T22" y="T23"/>
+              </a:cxn>
+              <a:cxn ang="0">
+                <a:pos x="T24" y="T25"/>
+              </a:cxn>
+              <a:cxn ang="0">
+                <a:pos x="T26" y="T27"/>
+              </a:cxn>
+              <a:cxn ang="0">
+                <a:pos x="T28" y="T29"/>
+              </a:cxn>
+              <a:cxn ang="0">
+                <a:pos x="T30" y="T31"/>
+              </a:cxn>
+              <a:cxn ang="0">
+                <a:pos x="T32" y="T33"/>
+              </a:cxn>
+              <a:cxn ang="0">
+                <a:pos x="T34" y="T35"/>
+              </a:cxn>
+              <a:cxn ang="0">
+                <a:pos x="T36" y="T37"/>
+              </a:cxn>
+              <a:cxn ang="0">
+                <a:pos x="T38" y="T39"/>
+              </a:cxn>
+              <a:cxn ang="0">
+                <a:pos x="T40" y="T41"/>
+              </a:cxn>
+              <a:cxn ang="0">
+                <a:pos x="T42" y="T43"/>
+              </a:cxn>
+              <a:cxn ang="0">
+                <a:pos x="T44" y="T45"/>
+              </a:cxn>
+              <a:cxn ang="0">
+                <a:pos x="T46" y="T47"/>
+              </a:cxn>
+              <a:cxn ang="0">
+                <a:pos x="T48" y="T49"/>
+              </a:cxn>
+            </a:cxnLst>
+            <a:rect l="0" t="0" r="r" b="b"/>
+            <a:pathLst>
+              <a:path w="614" h="560">
+                <a:moveTo>
+                  <a:pt x="0" y="0"/>
+                </a:moveTo>
+                <a:lnTo>
+                  <a:pt x="0" y="27"/>
+                </a:lnTo>
+                <a:lnTo>
+                  <a:pt x="614" y="27"/>
+                </a:lnTo>
+                <a:lnTo>
+                  <a:pt x="614" y="0"/>
+                </a:lnTo>
+                <a:lnTo>
+                  <a:pt x="0" y="0"/>
+                </a:lnTo>
+                <a:close/>
+                <a:moveTo>
+                  <a:pt x="0" y="134"/>
+                </a:moveTo>
+                <a:lnTo>
+                  <a:pt x="0" y="160"/>
+                </a:lnTo>
+                <a:lnTo>
+                  <a:pt x="614" y="160"/>
+                </a:lnTo>
+                <a:lnTo>
+                  <a:pt x="614" y="134"/>
+                </a:lnTo>
+                <a:lnTo>
+                  <a:pt x="0" y="134"/>
+                </a:lnTo>
+                <a:close/>
+                <a:moveTo>
+                  <a:pt x="0" y="267"/>
+                </a:moveTo>
+                <a:lnTo>
+                  <a:pt x="0" y="294"/>
+                </a:lnTo>
+                <a:lnTo>
+                  <a:pt x="614" y="294"/>
+                </a:lnTo>
+                <a:lnTo>
+                  <a:pt x="614" y="267"/>
+                </a:lnTo>
+                <a:lnTo>
+                  <a:pt x="0" y="267"/>
+                </a:lnTo>
+                <a:close/>
+                <a:moveTo>
+                  <a:pt x="0" y="400"/>
+                </a:moveTo>
+                <a:lnTo>
+                  <a:pt x="0" y="427"/>
+                </a:lnTo>
+                <a:lnTo>
+                  <a:pt x="614" y="427"/>
+                </a:lnTo>
+                <a:lnTo>
+                  <a:pt x="614" y="400"/>
+                </a:lnTo>
+                <a:lnTo>
+                  <a:pt x="0" y="400"/>
+                </a:lnTo>
+                <a:close/>
+                <a:moveTo>
+                  <a:pt x="0" y="534"/>
+                </a:moveTo>
+                <a:lnTo>
+                  <a:pt x="0" y="560"/>
+                </a:lnTo>
+                <a:lnTo>
+                  <a:pt x="614" y="560"/>
+                </a:lnTo>
+                <a:lnTo>
+                  <a:pt x="614" y="534"/>
+                </a:lnTo>
+                <a:lnTo>
+                  <a:pt x="0" y="534"/>
+                </a:lnTo>
+                <a:close/>
+              </a:path>
+            </a:pathLst>
+          </a:custGeom>
+          <a:solidFill>
+            <a:schemeClr val="bg1"/>
+          </a:solidFill>
+          <a:ln w="9525">
+            <a:solidFill>
+              <a:schemeClr val="bg1"/>
+            </a:solidFill>
+            <a:round/>
+            <a:headEnd/>
+            <a:tailEnd/>
+          </a:ln>
+        </p:spPr>
+        <p:txBody>
+          <a:bodyPr vert="horz" wrap="square" lIns="91440" tIns="45720" rIns="91440" bIns="45720" numCol="1" anchor="t" anchorCtr="0" compatLnSpc="1">
+            <a:prstTxWarp prst="textNoShape">
+              <a:avLst/>
+            </a:prstTxWarp>
+          </a:bodyPr>
+          <a:lstStyle>
+            <a:defPPr>
+              <a:defRPr lang="en-US"/>
+            </a:defPPr>
+            <a:lvl1pPr marL="0" algn="l" defTabSz="914400" rtl="0" eaLnBrk="1" latinLnBrk="0" hangingPunct="1">
+              <a:defRPr sz="1800" kern="1200">
+                <a:solidFill>
+                  <a:schemeClr val="tx1"/>
+                </a:solidFill>
+                <a:latin typeface="+mn-lt"/>
+                <a:ea typeface="+mn-ea"/>
+                <a:cs typeface="+mn-cs"/>
+              </a:defRPr>
+            </a:lvl1pPr>
+            <a:lvl2pPr marL="457200" algn="l" defTabSz="914400" rtl="0" eaLnBrk="1" latinLnBrk="0" hangingPunct="1">
+              <a:defRPr sz="1800" kern="1200">
+                <a:solidFill>
+                  <a:schemeClr val="tx1"/>
+                </a:solidFill>
+                <a:latin typeface="+mn-lt"/>
+                <a:ea typeface="+mn-ea"/>
+                <a:cs typeface="+mn-cs"/>
+              </a:defRPr>
+            </a:lvl2pPr>
+            <a:lvl3pPr marL="914400" algn="l" defTabSz="914400" rtl="0" eaLnBrk="1" latinLnBrk="0" hangingPunct="1">
+              <a:defRPr sz="1800" kern="1200">
+                <a:solidFill>
+                  <a:schemeClr val="tx1"/>
+                </a:solidFill>
+                <a:latin typeface="+mn-lt"/>
+                <a:ea typeface="+mn-ea"/>
+                <a:cs typeface="+mn-cs"/>
+              </a:defRPr>
+            </a:lvl3pPr>
+            <a:lvl4pPr marL="1371600" algn="l" defTabSz="914400" rtl="0" eaLnBrk="1" latinLnBrk="0" hangingPunct="1">
+              <a:defRPr sz="1800" kern="1200">
+                <a:solidFill>
+                  <a:schemeClr val="tx1"/>
+                </a:solidFill>
+                <a:latin typeface="+mn-lt"/>
+                <a:ea typeface="+mn-ea"/>
+                <a:cs typeface="+mn-cs"/>
+              </a:defRPr>
+            </a:lvl4pPr>
+            <a:lvl5pPr marL="1828800" algn="l" defTabSz="914400" rtl="0" eaLnBrk="1" latinLnBrk="0" hangingPunct="1">
+              <a:defRPr sz="1800" kern="1200">
+                <a:solidFill>
+                  <a:schemeClr val="tx1"/>
+                </a:solidFill>
+                <a:latin typeface="+mn-lt"/>
+                <a:ea typeface="+mn-ea"/>
+                <a:cs typeface="+mn-cs"/>
+              </a:defRPr>
+            </a:lvl5pPr>
+            <a:lvl6pPr marL="2286000" algn="l" defTabSz="914400" rtl="0" eaLnBrk="1" latinLnBrk="0" hangingPunct="1">
+              <a:defRPr sz="1800" kern="1200">
+                <a:solidFill>
+                  <a:schemeClr val="tx1"/>
+                </a:solidFill>
+                <a:latin typeface="+mn-lt"/>
+                <a:ea typeface="+mn-ea"/>
+                <a:cs typeface="+mn-cs"/>
+              </a:defRPr>
+            </a:lvl6pPr>
+            <a:lvl7pPr marL="2743200" algn="l" defTabSz="914400" rtl="0" eaLnBrk="1" latinLnBrk="0" hangingPunct="1">
+              <a:defRPr sz="1800" kern="1200">
+                <a:solidFill>
+                  <a:schemeClr val="tx1"/>
+                </a:solidFill>
+                <a:latin typeface="+mn-lt"/>
+                <a:ea typeface="+mn-ea"/>
+                <a:cs typeface="+mn-cs"/>
+              </a:defRPr>
+            </a:lvl7pPr>
+            <a:lvl8pPr marL="3200400" algn="l" defTabSz="914400" rtl="0" eaLnBrk="1" latinLnBrk="0" hangingPunct="1">
+              <a:defRPr sz="1800" kern="1200">
+                <a:solidFill>
+                  <a:schemeClr val="tx1"/>
+                </a:solidFill>
+                <a:latin typeface="+mn-lt"/>
+                <a:ea typeface="+mn-ea"/>
+                <a:cs typeface="+mn-cs"/>
+              </a:defRPr>
+            </a:lvl8pPr>
+            <a:lvl9pPr marL="3657600" algn="l" defTabSz="914400" rtl="0" eaLnBrk="1" latinLnBrk="0" hangingPunct="1">
+              <a:defRPr sz="1800" kern="1200">
+                <a:solidFill>
+                  <a:schemeClr val="tx1"/>
+                </a:solidFill>
+                <a:latin typeface="+mn-lt"/>
+                <a:ea typeface="+mn-ea"/>
+                <a:cs typeface="+mn-cs"/>
+              </a:defRPr>
+            </a:lvl9pPr>
+          </a:lstStyle>
+          <a:p>
+            <a:endParaRPr lang="en-US" sz="900">
+              <a:latin typeface="Segoe UI" panose="020B0502040204020203" pitchFamily="34" charset="0"/>
+              <a:cs typeface="Segoe UI" panose="020B0502040204020203" pitchFamily="34" charset="0"/>
+            </a:endParaRPr>
+          </a:p>
+        </p:txBody>
+      </p:sp>
+      <p:sp>
+        <p:nvSpPr>
+          <p:cNvPr id="44" name="ZoneTexte 43"/>
+          <p:cNvSpPr txBox="1"/>
+          <p:nvPr/>
+        </p:nvSpPr>
+        <p:spPr>
+          <a:xfrm>
+            <a:off x="4743014" y="1072012"/>
+            <a:ext cx="1778813" cy="230832"/>
+          </a:xfrm>
+          <a:prstGeom prst="rect">
+            <a:avLst/>
+          </a:prstGeom>
+          <a:noFill/>
+        </p:spPr>
+        <p:txBody>
+          <a:bodyPr wrap="square" rtlCol="0">
+            <a:spAutoFit/>
+          </a:bodyPr>
+          <a:lstStyle/>
+          <a:p>
+            <a:r>
+              <a:rPr lang="fr-FR" sz="900" dirty="0" smtClean="0">
+                <a:solidFill>
+                  <a:schemeClr val="bg1"/>
+                </a:solidFill>
+              </a:rPr>
+              <a:t>LES TRESORS DE ONE PIECE</a:t>
+            </a:r>
+            <a:endParaRPr lang="fr-FR" sz="900" dirty="0">
+              <a:solidFill>
+                <a:schemeClr val="bg1"/>
+              </a:solidFill>
+            </a:endParaRPr>
+          </a:p>
+        </p:txBody>
+      </p:sp>
+      <p:pic>
+        <p:nvPicPr>
+          <p:cNvPr id="45" name="Image 44"/>
+          <p:cNvPicPr>
+            <a:picLocks noChangeAspect="1"/>
+          </p:cNvPicPr>
+          <p:nvPr/>
+        </p:nvPicPr>
+        <p:blipFill>
+          <a:blip r:embed="rId4" cstate="print">
+            <a:extLst>
+              <a:ext uri="{28A0092B-C50C-407E-A947-70E740481C1C}">
+                <a14:useLocalDpi xmlns:a14="http://schemas.microsoft.com/office/drawing/2010/main" val="0"/>
+              </a:ext>
+            </a:extLst>
+          </a:blip>
+          <a:stretch>
+            <a:fillRect/>
+          </a:stretch>
+        </p:blipFill>
+        <p:spPr>
+          <a:xfrm>
+            <a:off x="6326825" y="1033334"/>
+            <a:ext cx="256914" cy="256914"/>
+          </a:xfrm>
+          <a:prstGeom prst="rect">
+            <a:avLst/>
+          </a:prstGeom>
+        </p:spPr>
+      </p:pic>
+      <p:pic>
+        <p:nvPicPr>
+          <p:cNvPr id="46" name="Image 45"/>
+          <p:cNvPicPr>
+            <a:picLocks noChangeAspect="1"/>
+          </p:cNvPicPr>
+          <p:nvPr/>
+        </p:nvPicPr>
+        <p:blipFill>
+          <a:blip r:embed="rId5" cstate="print">
+            <a:extLst>
+              <a:ext uri="{28A0092B-C50C-407E-A947-70E740481C1C}">
+                <a14:useLocalDpi xmlns:a14="http://schemas.microsoft.com/office/drawing/2010/main" val="0"/>
+              </a:ext>
+            </a:extLst>
+          </a:blip>
+          <a:stretch>
+            <a:fillRect/>
+          </a:stretch>
+        </p:blipFill>
+        <p:spPr>
+          <a:xfrm>
+            <a:off x="7116787" y="993431"/>
+            <a:ext cx="296817" cy="296817"/>
+          </a:xfrm>
+          <a:prstGeom prst="rect">
+            <a:avLst/>
+          </a:prstGeom>
+        </p:spPr>
+      </p:pic>
+      <p:pic>
+        <p:nvPicPr>
+          <p:cNvPr id="47" name="Image 46"/>
+          <p:cNvPicPr>
+            <a:picLocks noChangeAspect="1"/>
+          </p:cNvPicPr>
+          <p:nvPr/>
+        </p:nvPicPr>
+        <p:blipFill>
+          <a:blip r:embed="rId6" cstate="print">
+            <a:extLst>
+              <a:ext uri="{28A0092B-C50C-407E-A947-70E740481C1C}">
+                <a14:useLocalDpi xmlns:a14="http://schemas.microsoft.com/office/drawing/2010/main" val="0"/>
+              </a:ext>
+            </a:extLst>
+          </a:blip>
+          <a:stretch>
+            <a:fillRect/>
+          </a:stretch>
+        </p:blipFill>
+        <p:spPr>
+          <a:xfrm>
+            <a:off x="6693393" y="989509"/>
+            <a:ext cx="310363" cy="310363"/>
+          </a:xfrm>
+          <a:prstGeom prst="rect">
+            <a:avLst/>
+          </a:prstGeom>
+        </p:spPr>
+      </p:pic>
+      <p:sp>
+        <p:nvSpPr>
+          <p:cNvPr id="48" name="ZoneTexte 47"/>
+          <p:cNvSpPr txBox="1"/>
+          <p:nvPr/>
+        </p:nvSpPr>
+        <p:spPr>
+          <a:xfrm>
+            <a:off x="5183966" y="1515748"/>
+            <a:ext cx="1442233" cy="338554"/>
+          </a:xfrm>
+          <a:prstGeom prst="rect">
+            <a:avLst/>
+          </a:prstGeom>
+          <a:noFill/>
+        </p:spPr>
+        <p:txBody>
+          <a:bodyPr wrap="square" rtlCol="0">
+            <a:spAutoFit/>
+          </a:bodyPr>
+          <a:lstStyle/>
+          <a:p>
+            <a:r>
+              <a:rPr lang="fr-FR" sz="1600" dirty="0" smtClean="0"/>
+              <a:t>PROMOTIONS</a:t>
+            </a:r>
+            <a:endParaRPr lang="fr-FR" sz="1600" dirty="0"/>
+          </a:p>
+        </p:txBody>
+      </p:sp>
+      <p:cxnSp>
+        <p:nvCxnSpPr>
+          <p:cNvPr id="49" name="Line"/>
+          <p:cNvCxnSpPr>
+            <a:cxnSpLocks/>
+          </p:cNvCxnSpPr>
+          <p:nvPr/>
+        </p:nvCxnSpPr>
+        <p:spPr bwMode="auto">
+          <a:xfrm>
+            <a:off x="5145479" y="1800817"/>
+            <a:ext cx="1389112" cy="0"/>
+          </a:xfrm>
+          <a:prstGeom prst="line">
+            <a:avLst/>
+          </a:prstGeom>
+          <a:ln w="6350">
+            <a:solidFill>
+              <a:srgbClr val="808080"/>
+            </a:solidFill>
+          </a:ln>
+        </p:spPr>
+        <p:style>
+          <a:lnRef idx="1">
+            <a:schemeClr val="accent1"/>
+          </a:lnRef>
+          <a:fillRef idx="0">
+            <a:schemeClr val="accent1"/>
+          </a:fillRef>
+          <a:effectRef idx="0">
+            <a:schemeClr val="accent1"/>
+          </a:effectRef>
+          <a:fontRef idx="minor">
+            <a:schemeClr val="tx1"/>
+          </a:fontRef>
+        </p:style>
+      </p:cxnSp>
+      <p:sp>
+        <p:nvSpPr>
+          <p:cNvPr id="50" name="Rectangle 49"/>
+          <p:cNvSpPr/>
+          <p:nvPr/>
+        </p:nvSpPr>
+        <p:spPr>
+          <a:xfrm>
+            <a:off x="4876307" y="2060296"/>
+            <a:ext cx="878621" cy="1133432"/>
+          </a:xfrm>
+          <a:prstGeom prst="rect">
+            <a:avLst/>
+          </a:prstGeom>
+          <a:solidFill>
+            <a:schemeClr val="bg1"/>
+          </a:solidFill>
+          <a:ln w="3175">
+            <a:solidFill>
+              <a:schemeClr val="tx2">
+                <a:lumMod val="75000"/>
+              </a:schemeClr>
+            </a:solidFill>
+          </a:ln>
+        </p:spPr>
+        <p:style>
+          <a:lnRef idx="2">
+            <a:schemeClr val="accent1">
+              <a:shade val="50000"/>
+            </a:schemeClr>
+          </a:lnRef>
+          <a:fillRef idx="1">
+            <a:schemeClr val="accent1"/>
+          </a:fillRef>
+          <a:effectRef idx="0">
+            <a:schemeClr val="accent1"/>
+          </a:effectRef>
+          <a:fontRef idx="minor">
+            <a:schemeClr val="lt1"/>
+          </a:fontRef>
+        </p:style>
+        <p:txBody>
+          <a:bodyPr rtlCol="0" anchor="ctr"/>
+          <a:lstStyle/>
+          <a:p>
+            <a:pPr algn="ctr"/>
+            <a:endParaRPr lang="fr-FR"/>
+          </a:p>
+        </p:txBody>
+      </p:sp>
+      <p:pic>
+        <p:nvPicPr>
+          <p:cNvPr id="51" name="Image 50"/>
+          <p:cNvPicPr>
+            <a:picLocks noChangeAspect="1"/>
+          </p:cNvPicPr>
+          <p:nvPr/>
+        </p:nvPicPr>
+        <p:blipFill>
+          <a:blip r:embed="rId8" cstate="print">
+            <a:extLst>
+              <a:ext uri="{28A0092B-C50C-407E-A947-70E740481C1C}">
+                <a14:useLocalDpi xmlns:a14="http://schemas.microsoft.com/office/drawing/2010/main" val="0"/>
+              </a:ext>
+            </a:extLst>
+          </a:blip>
+          <a:stretch>
+            <a:fillRect/>
+          </a:stretch>
+        </p:blipFill>
+        <p:spPr>
+          <a:xfrm>
+            <a:off x="5095259" y="2066697"/>
+            <a:ext cx="490242" cy="733616"/>
+          </a:xfrm>
+          <a:prstGeom prst="rect">
+            <a:avLst/>
+          </a:prstGeom>
+        </p:spPr>
+      </p:pic>
+      <p:sp>
+        <p:nvSpPr>
+          <p:cNvPr id="52" name="ZoneTexte 51"/>
+          <p:cNvSpPr txBox="1"/>
+          <p:nvPr/>
+        </p:nvSpPr>
+        <p:spPr>
+          <a:xfrm>
+            <a:off x="4812870" y="2709084"/>
+            <a:ext cx="1023082" cy="415498"/>
+          </a:xfrm>
+          <a:prstGeom prst="rect">
+            <a:avLst/>
+          </a:prstGeom>
+          <a:noFill/>
+        </p:spPr>
+        <p:txBody>
+          <a:bodyPr wrap="square" rtlCol="0">
+            <a:spAutoFit/>
+          </a:bodyPr>
+          <a:lstStyle/>
+          <a:p>
+            <a:pPr algn="ctr"/>
+            <a:r>
+              <a:rPr lang="fr-FR" sz="800" dirty="0"/>
+              <a:t>Figurine Law–</a:t>
+            </a:r>
+            <a:r>
+              <a:rPr lang="fr-FR" sz="800" dirty="0" err="1"/>
+              <a:t>Ishibansho</a:t>
+            </a:r>
+            <a:r>
+              <a:rPr lang="fr-FR" sz="800" dirty="0"/>
+              <a:t>– 27 cm</a:t>
+            </a:r>
+          </a:p>
+          <a:p>
+            <a:endParaRPr lang="fr-FR" sz="500" dirty="0"/>
+          </a:p>
+        </p:txBody>
+      </p:sp>
+      <p:sp>
+        <p:nvSpPr>
+          <p:cNvPr id="53" name="ZoneTexte 52"/>
+          <p:cNvSpPr txBox="1"/>
+          <p:nvPr/>
+        </p:nvSpPr>
+        <p:spPr>
+          <a:xfrm>
+            <a:off x="5118143" y="2930052"/>
+            <a:ext cx="957526" cy="307777"/>
+          </a:xfrm>
+          <a:prstGeom prst="rect">
+            <a:avLst/>
+          </a:prstGeom>
+          <a:noFill/>
+        </p:spPr>
+        <p:txBody>
+          <a:bodyPr wrap="square" rtlCol="0">
+            <a:spAutoFit/>
+          </a:bodyPr>
+          <a:lstStyle/>
+          <a:p>
+            <a:r>
+              <a:rPr lang="fr-FR" sz="1400" dirty="0" smtClean="0">
+                <a:solidFill>
+                  <a:srgbClr val="C00000"/>
+                </a:solidFill>
+              </a:rPr>
+              <a:t>39,90 €</a:t>
+            </a:r>
+            <a:endParaRPr lang="fr-FR" sz="1400" dirty="0">
+              <a:solidFill>
+                <a:srgbClr val="C00000"/>
+              </a:solidFill>
+            </a:endParaRPr>
+          </a:p>
+        </p:txBody>
+      </p:sp>
+      <p:sp>
+        <p:nvSpPr>
+          <p:cNvPr id="54" name="Rectangle 53"/>
+          <p:cNvSpPr/>
+          <p:nvPr/>
+        </p:nvSpPr>
+        <p:spPr>
+          <a:xfrm>
+            <a:off x="4820382" y="2252631"/>
+            <a:ext cx="377349" cy="151354"/>
+          </a:xfrm>
+          <a:prstGeom prst="rect">
+            <a:avLst/>
+          </a:prstGeom>
+          <a:solidFill>
+            <a:srgbClr val="FF0000"/>
+          </a:solidFill>
+          <a:ln>
+            <a:noFill/>
+          </a:ln>
+        </p:spPr>
+        <p:style>
+          <a:lnRef idx="2">
+            <a:schemeClr val="accent1">
+              <a:shade val="50000"/>
+            </a:schemeClr>
+          </a:lnRef>
+          <a:fillRef idx="1">
+            <a:schemeClr val="accent1"/>
+          </a:fillRef>
+          <a:effectRef idx="0">
+            <a:schemeClr val="accent1"/>
+          </a:effectRef>
+          <a:fontRef idx="minor">
+            <a:schemeClr val="lt1"/>
+          </a:fontRef>
+        </p:style>
+        <p:txBody>
+          <a:bodyPr rtlCol="0" anchor="ctr"/>
+          <a:lstStyle/>
+          <a:p>
+            <a:pPr algn="ctr"/>
+            <a:endParaRPr lang="fr-FR"/>
+          </a:p>
+        </p:txBody>
+      </p:sp>
+      <p:sp>
+        <p:nvSpPr>
+          <p:cNvPr id="55" name="ZoneTexte 54"/>
+          <p:cNvSpPr txBox="1"/>
+          <p:nvPr/>
+        </p:nvSpPr>
+        <p:spPr>
+          <a:xfrm>
+            <a:off x="4754924" y="2211649"/>
+            <a:ext cx="519203" cy="230832"/>
+          </a:xfrm>
+          <a:prstGeom prst="rect">
+            <a:avLst/>
+          </a:prstGeom>
+          <a:noFill/>
+        </p:spPr>
+        <p:txBody>
+          <a:bodyPr wrap="square" rtlCol="0">
+            <a:spAutoFit/>
+          </a:bodyPr>
+          <a:lstStyle/>
+          <a:p>
+            <a:r>
+              <a:rPr lang="fr-FR" sz="900" dirty="0" smtClean="0">
+                <a:solidFill>
+                  <a:schemeClr val="bg1"/>
+                </a:solidFill>
+              </a:rPr>
+              <a:t>Promo</a:t>
+            </a:r>
+            <a:endParaRPr lang="fr-FR" sz="900" dirty="0">
+              <a:solidFill>
+                <a:schemeClr val="bg1"/>
+              </a:solidFill>
+            </a:endParaRPr>
+          </a:p>
+        </p:txBody>
+      </p:sp>
+      <p:sp>
+        <p:nvSpPr>
+          <p:cNvPr id="56" name="ZoneTexte 55"/>
+          <p:cNvSpPr txBox="1"/>
+          <p:nvPr/>
+        </p:nvSpPr>
+        <p:spPr>
+          <a:xfrm>
+            <a:off x="4812870" y="2984685"/>
+            <a:ext cx="489667" cy="215444"/>
+          </a:xfrm>
+          <a:prstGeom prst="rect">
+            <a:avLst/>
+          </a:prstGeom>
+          <a:noFill/>
+        </p:spPr>
+        <p:txBody>
+          <a:bodyPr wrap="square" rtlCol="0">
+            <a:spAutoFit/>
+          </a:bodyPr>
+          <a:lstStyle/>
+          <a:p>
+            <a:r>
+              <a:rPr lang="fr-FR" sz="800" strike="sngStrike" dirty="0" smtClean="0"/>
+              <a:t>59,90€</a:t>
+            </a:r>
+            <a:endParaRPr lang="fr-FR" sz="800" strike="sngStrike" dirty="0"/>
+          </a:p>
+        </p:txBody>
+      </p:sp>
+      <p:sp>
+        <p:nvSpPr>
+          <p:cNvPr id="57" name="Rectangle 56"/>
+          <p:cNvSpPr/>
+          <p:nvPr/>
+        </p:nvSpPr>
+        <p:spPr>
+          <a:xfrm>
+            <a:off x="6006574" y="2060576"/>
+            <a:ext cx="878621" cy="1133432"/>
+          </a:xfrm>
+          <a:prstGeom prst="rect">
+            <a:avLst/>
+          </a:prstGeom>
+          <a:solidFill>
+            <a:schemeClr val="bg1"/>
+          </a:solidFill>
+          <a:ln w="3175">
+            <a:solidFill>
+              <a:schemeClr val="tx2">
+                <a:lumMod val="75000"/>
+              </a:schemeClr>
+            </a:solidFill>
+          </a:ln>
+        </p:spPr>
+        <p:style>
+          <a:lnRef idx="2">
+            <a:schemeClr val="accent1">
+              <a:shade val="50000"/>
+            </a:schemeClr>
+          </a:lnRef>
+          <a:fillRef idx="1">
+            <a:schemeClr val="accent1"/>
+          </a:fillRef>
+          <a:effectRef idx="0">
+            <a:schemeClr val="accent1"/>
+          </a:effectRef>
+          <a:fontRef idx="minor">
+            <a:schemeClr val="lt1"/>
+          </a:fontRef>
+        </p:style>
+        <p:txBody>
+          <a:bodyPr rtlCol="0" anchor="ctr"/>
+          <a:lstStyle/>
+          <a:p>
+            <a:pPr algn="ctr"/>
+            <a:endParaRPr lang="fr-FR"/>
+          </a:p>
+        </p:txBody>
+      </p:sp>
+      <p:pic>
+        <p:nvPicPr>
+          <p:cNvPr id="58" name="Image 57"/>
+          <p:cNvPicPr>
+            <a:picLocks noChangeAspect="1"/>
+          </p:cNvPicPr>
+          <p:nvPr/>
+        </p:nvPicPr>
+        <p:blipFill>
+          <a:blip r:embed="rId8" cstate="print">
+            <a:extLst>
+              <a:ext uri="{28A0092B-C50C-407E-A947-70E740481C1C}">
+                <a14:useLocalDpi xmlns:a14="http://schemas.microsoft.com/office/drawing/2010/main" val="0"/>
+              </a:ext>
+            </a:extLst>
+          </a:blip>
+          <a:stretch>
+            <a:fillRect/>
+          </a:stretch>
+        </p:blipFill>
+        <p:spPr>
+          <a:xfrm>
+            <a:off x="6225526" y="2066977"/>
+            <a:ext cx="490242" cy="733616"/>
+          </a:xfrm>
+          <a:prstGeom prst="rect">
+            <a:avLst/>
+          </a:prstGeom>
+        </p:spPr>
+      </p:pic>
+      <p:sp>
+        <p:nvSpPr>
+          <p:cNvPr id="59" name="ZoneTexte 58"/>
+          <p:cNvSpPr txBox="1"/>
+          <p:nvPr/>
+        </p:nvSpPr>
+        <p:spPr>
+          <a:xfrm>
+            <a:off x="5943137" y="2709364"/>
+            <a:ext cx="1023082" cy="415498"/>
+          </a:xfrm>
+          <a:prstGeom prst="rect">
+            <a:avLst/>
+          </a:prstGeom>
+          <a:noFill/>
+        </p:spPr>
+        <p:txBody>
+          <a:bodyPr wrap="square" rtlCol="0">
+            <a:spAutoFit/>
+          </a:bodyPr>
+          <a:lstStyle/>
+          <a:p>
+            <a:pPr algn="ctr"/>
+            <a:r>
+              <a:rPr lang="fr-FR" sz="800" dirty="0"/>
+              <a:t>Figurine Law–</a:t>
+            </a:r>
+            <a:r>
+              <a:rPr lang="fr-FR" sz="800" dirty="0" err="1"/>
+              <a:t>Ishibansho</a:t>
+            </a:r>
+            <a:r>
+              <a:rPr lang="fr-FR" sz="800" dirty="0"/>
+              <a:t>– 27 cm</a:t>
+            </a:r>
+          </a:p>
+          <a:p>
+            <a:endParaRPr lang="fr-FR" sz="500" dirty="0"/>
+          </a:p>
+        </p:txBody>
+      </p:sp>
+      <p:sp>
+        <p:nvSpPr>
+          <p:cNvPr id="60" name="Rectangle 59"/>
+          <p:cNvSpPr/>
+          <p:nvPr/>
+        </p:nvSpPr>
+        <p:spPr>
+          <a:xfrm>
+            <a:off x="5950649" y="2252911"/>
+            <a:ext cx="377349" cy="151354"/>
+          </a:xfrm>
+          <a:prstGeom prst="rect">
+            <a:avLst/>
+          </a:prstGeom>
+          <a:solidFill>
+            <a:srgbClr val="FF0000"/>
+          </a:solidFill>
+          <a:ln>
+            <a:noFill/>
+          </a:ln>
+        </p:spPr>
+        <p:style>
+          <a:lnRef idx="2">
+            <a:schemeClr val="accent1">
+              <a:shade val="50000"/>
+            </a:schemeClr>
+          </a:lnRef>
+          <a:fillRef idx="1">
+            <a:schemeClr val="accent1"/>
+          </a:fillRef>
+          <a:effectRef idx="0">
+            <a:schemeClr val="accent1"/>
+          </a:effectRef>
+          <a:fontRef idx="minor">
+            <a:schemeClr val="lt1"/>
+          </a:fontRef>
+        </p:style>
+        <p:txBody>
+          <a:bodyPr rtlCol="0" anchor="ctr"/>
+          <a:lstStyle/>
+          <a:p>
+            <a:pPr algn="ctr"/>
+            <a:endParaRPr lang="fr-FR"/>
+          </a:p>
+        </p:txBody>
+      </p:sp>
+      <p:sp>
+        <p:nvSpPr>
+          <p:cNvPr id="61" name="ZoneTexte 60"/>
+          <p:cNvSpPr txBox="1"/>
+          <p:nvPr/>
+        </p:nvSpPr>
+        <p:spPr>
+          <a:xfrm>
+            <a:off x="5885191" y="2211929"/>
+            <a:ext cx="519203" cy="230832"/>
+          </a:xfrm>
+          <a:prstGeom prst="rect">
+            <a:avLst/>
+          </a:prstGeom>
+          <a:noFill/>
+        </p:spPr>
+        <p:txBody>
+          <a:bodyPr wrap="square" rtlCol="0">
+            <a:spAutoFit/>
+          </a:bodyPr>
+          <a:lstStyle/>
+          <a:p>
+            <a:r>
+              <a:rPr lang="fr-FR" sz="900" dirty="0" smtClean="0">
+                <a:solidFill>
+                  <a:schemeClr val="bg1"/>
+                </a:solidFill>
+              </a:rPr>
+              <a:t>Promo</a:t>
+            </a:r>
+            <a:endParaRPr lang="fr-FR" sz="900" dirty="0">
+              <a:solidFill>
+                <a:schemeClr val="bg1"/>
+              </a:solidFill>
+            </a:endParaRPr>
+          </a:p>
+        </p:txBody>
+      </p:sp>
+      <p:sp>
+        <p:nvSpPr>
+          <p:cNvPr id="62" name="ZoneTexte 61"/>
+          <p:cNvSpPr txBox="1"/>
+          <p:nvPr/>
+        </p:nvSpPr>
+        <p:spPr>
+          <a:xfrm>
+            <a:off x="5943137" y="2984965"/>
+            <a:ext cx="489667" cy="215444"/>
+          </a:xfrm>
+          <a:prstGeom prst="rect">
+            <a:avLst/>
+          </a:prstGeom>
+          <a:noFill/>
+        </p:spPr>
+        <p:txBody>
+          <a:bodyPr wrap="square" rtlCol="0">
+            <a:spAutoFit/>
+          </a:bodyPr>
+          <a:lstStyle/>
+          <a:p>
+            <a:r>
+              <a:rPr lang="fr-FR" sz="800" strike="sngStrike" dirty="0" smtClean="0"/>
+              <a:t>59,90€</a:t>
+            </a:r>
+            <a:endParaRPr lang="fr-FR" sz="800" strike="sngStrike" dirty="0"/>
+          </a:p>
+        </p:txBody>
+      </p:sp>
+      <p:sp>
+        <p:nvSpPr>
+          <p:cNvPr id="63" name="Rectangle 62"/>
+          <p:cNvSpPr/>
+          <p:nvPr/>
+        </p:nvSpPr>
+        <p:spPr>
+          <a:xfrm>
+            <a:off x="4876307" y="3377820"/>
+            <a:ext cx="878621" cy="1133432"/>
+          </a:xfrm>
+          <a:prstGeom prst="rect">
+            <a:avLst/>
+          </a:prstGeom>
+          <a:solidFill>
+            <a:schemeClr val="bg1"/>
+          </a:solidFill>
+          <a:ln w="3175">
+            <a:solidFill>
+              <a:schemeClr val="tx2">
+                <a:lumMod val="75000"/>
+              </a:schemeClr>
+            </a:solidFill>
+          </a:ln>
+        </p:spPr>
+        <p:style>
+          <a:lnRef idx="2">
+            <a:schemeClr val="accent1">
+              <a:shade val="50000"/>
+            </a:schemeClr>
+          </a:lnRef>
+          <a:fillRef idx="1">
+            <a:schemeClr val="accent1"/>
+          </a:fillRef>
+          <a:effectRef idx="0">
+            <a:schemeClr val="accent1"/>
+          </a:effectRef>
+          <a:fontRef idx="minor">
+            <a:schemeClr val="lt1"/>
+          </a:fontRef>
+        </p:style>
+        <p:txBody>
+          <a:bodyPr rtlCol="0" anchor="ctr"/>
+          <a:lstStyle/>
+          <a:p>
+            <a:pPr algn="ctr"/>
+            <a:endParaRPr lang="fr-FR"/>
+          </a:p>
+        </p:txBody>
+      </p:sp>
+      <p:pic>
+        <p:nvPicPr>
+          <p:cNvPr id="64" name="Image 63"/>
+          <p:cNvPicPr>
+            <a:picLocks noChangeAspect="1"/>
+          </p:cNvPicPr>
+          <p:nvPr/>
+        </p:nvPicPr>
+        <p:blipFill>
+          <a:blip r:embed="rId8" cstate="print">
+            <a:extLst>
+              <a:ext uri="{28A0092B-C50C-407E-A947-70E740481C1C}">
+                <a14:useLocalDpi xmlns:a14="http://schemas.microsoft.com/office/drawing/2010/main" val="0"/>
+              </a:ext>
+            </a:extLst>
+          </a:blip>
+          <a:stretch>
+            <a:fillRect/>
+          </a:stretch>
+        </p:blipFill>
+        <p:spPr>
+          <a:xfrm>
+            <a:off x="5095259" y="3384221"/>
+            <a:ext cx="490242" cy="733616"/>
+          </a:xfrm>
+          <a:prstGeom prst="rect">
+            <a:avLst/>
+          </a:prstGeom>
+        </p:spPr>
+      </p:pic>
+      <p:sp>
+        <p:nvSpPr>
+          <p:cNvPr id="65" name="ZoneTexte 64"/>
+          <p:cNvSpPr txBox="1"/>
+          <p:nvPr/>
+        </p:nvSpPr>
+        <p:spPr>
+          <a:xfrm>
+            <a:off x="4812870" y="4026608"/>
+            <a:ext cx="1023082" cy="415498"/>
+          </a:xfrm>
+          <a:prstGeom prst="rect">
+            <a:avLst/>
+          </a:prstGeom>
+          <a:noFill/>
+        </p:spPr>
+        <p:txBody>
+          <a:bodyPr wrap="square" rtlCol="0">
+            <a:spAutoFit/>
+          </a:bodyPr>
+          <a:lstStyle/>
+          <a:p>
+            <a:pPr algn="ctr"/>
+            <a:r>
+              <a:rPr lang="fr-FR" sz="800" dirty="0"/>
+              <a:t>Figurine Law–</a:t>
+            </a:r>
+            <a:r>
+              <a:rPr lang="fr-FR" sz="800" dirty="0" err="1"/>
+              <a:t>Ishibansho</a:t>
+            </a:r>
+            <a:r>
+              <a:rPr lang="fr-FR" sz="800" dirty="0"/>
+              <a:t>– 27 cm</a:t>
+            </a:r>
+          </a:p>
+          <a:p>
+            <a:endParaRPr lang="fr-FR" sz="500" dirty="0"/>
+          </a:p>
+        </p:txBody>
+      </p:sp>
+      <p:sp>
+        <p:nvSpPr>
+          <p:cNvPr id="66" name="ZoneTexte 65"/>
+          <p:cNvSpPr txBox="1"/>
+          <p:nvPr/>
+        </p:nvSpPr>
+        <p:spPr>
+          <a:xfrm>
+            <a:off x="5118143" y="4247576"/>
+            <a:ext cx="957526" cy="307777"/>
+          </a:xfrm>
+          <a:prstGeom prst="rect">
+            <a:avLst/>
+          </a:prstGeom>
+          <a:noFill/>
+        </p:spPr>
+        <p:txBody>
+          <a:bodyPr wrap="square" rtlCol="0">
+            <a:spAutoFit/>
+          </a:bodyPr>
+          <a:lstStyle/>
+          <a:p>
+            <a:r>
+              <a:rPr lang="fr-FR" sz="1400" dirty="0" smtClean="0">
+                <a:solidFill>
+                  <a:srgbClr val="C00000"/>
+                </a:solidFill>
+              </a:rPr>
+              <a:t>39,90 €</a:t>
+            </a:r>
+            <a:endParaRPr lang="fr-FR" sz="1400" dirty="0">
+              <a:solidFill>
+                <a:srgbClr val="C00000"/>
+              </a:solidFill>
+            </a:endParaRPr>
+          </a:p>
+        </p:txBody>
+      </p:sp>
+      <p:sp>
+        <p:nvSpPr>
+          <p:cNvPr id="67" name="Rectangle 66"/>
+          <p:cNvSpPr/>
+          <p:nvPr/>
+        </p:nvSpPr>
+        <p:spPr>
+          <a:xfrm>
+            <a:off x="4820382" y="3570155"/>
+            <a:ext cx="377349" cy="151354"/>
+          </a:xfrm>
+          <a:prstGeom prst="rect">
+            <a:avLst/>
+          </a:prstGeom>
+          <a:solidFill>
+            <a:srgbClr val="FF0000"/>
+          </a:solidFill>
+          <a:ln>
+            <a:noFill/>
+          </a:ln>
+        </p:spPr>
+        <p:style>
+          <a:lnRef idx="2">
+            <a:schemeClr val="accent1">
+              <a:shade val="50000"/>
+            </a:schemeClr>
+          </a:lnRef>
+          <a:fillRef idx="1">
+            <a:schemeClr val="accent1"/>
+          </a:fillRef>
+          <a:effectRef idx="0">
+            <a:schemeClr val="accent1"/>
+          </a:effectRef>
+          <a:fontRef idx="minor">
+            <a:schemeClr val="lt1"/>
+          </a:fontRef>
+        </p:style>
+        <p:txBody>
+          <a:bodyPr rtlCol="0" anchor="ctr"/>
+          <a:lstStyle/>
+          <a:p>
+            <a:pPr algn="ctr"/>
+            <a:endParaRPr lang="fr-FR"/>
+          </a:p>
+        </p:txBody>
+      </p:sp>
+      <p:sp>
+        <p:nvSpPr>
+          <p:cNvPr id="68" name="ZoneTexte 67"/>
+          <p:cNvSpPr txBox="1"/>
+          <p:nvPr/>
+        </p:nvSpPr>
+        <p:spPr>
+          <a:xfrm>
+            <a:off x="4754924" y="3529173"/>
+            <a:ext cx="519203" cy="230832"/>
+          </a:xfrm>
+          <a:prstGeom prst="rect">
+            <a:avLst/>
+          </a:prstGeom>
+          <a:noFill/>
+        </p:spPr>
+        <p:txBody>
+          <a:bodyPr wrap="square" rtlCol="0">
+            <a:spAutoFit/>
+          </a:bodyPr>
+          <a:lstStyle/>
+          <a:p>
+            <a:r>
+              <a:rPr lang="fr-FR" sz="900" dirty="0" smtClean="0">
+                <a:solidFill>
+                  <a:schemeClr val="bg1"/>
+                </a:solidFill>
+              </a:rPr>
+              <a:t>Promo</a:t>
+            </a:r>
+            <a:endParaRPr lang="fr-FR" sz="900" dirty="0">
+              <a:solidFill>
+                <a:schemeClr val="bg1"/>
+              </a:solidFill>
+            </a:endParaRPr>
+          </a:p>
+        </p:txBody>
+      </p:sp>
+      <p:sp>
+        <p:nvSpPr>
+          <p:cNvPr id="69" name="ZoneTexte 68"/>
+          <p:cNvSpPr txBox="1"/>
+          <p:nvPr/>
+        </p:nvSpPr>
+        <p:spPr>
+          <a:xfrm>
+            <a:off x="4812870" y="4302209"/>
+            <a:ext cx="489667" cy="215444"/>
+          </a:xfrm>
+          <a:prstGeom prst="rect">
+            <a:avLst/>
+          </a:prstGeom>
+          <a:noFill/>
+        </p:spPr>
+        <p:txBody>
+          <a:bodyPr wrap="square" rtlCol="0">
+            <a:spAutoFit/>
+          </a:bodyPr>
+          <a:lstStyle/>
+          <a:p>
+            <a:r>
+              <a:rPr lang="fr-FR" sz="800" strike="sngStrike" dirty="0" smtClean="0"/>
+              <a:t>59,90€</a:t>
+            </a:r>
+            <a:endParaRPr lang="fr-FR" sz="800" strike="sngStrike" dirty="0"/>
+          </a:p>
+        </p:txBody>
+      </p:sp>
+      <p:sp>
+        <p:nvSpPr>
+          <p:cNvPr id="70" name="Rectangle 69"/>
+          <p:cNvSpPr/>
+          <p:nvPr/>
+        </p:nvSpPr>
+        <p:spPr>
+          <a:xfrm>
+            <a:off x="6006574" y="3378100"/>
+            <a:ext cx="878621" cy="1133432"/>
+          </a:xfrm>
+          <a:prstGeom prst="rect">
+            <a:avLst/>
+          </a:prstGeom>
+          <a:solidFill>
+            <a:schemeClr val="bg1"/>
+          </a:solidFill>
+          <a:ln w="3175">
+            <a:solidFill>
+              <a:schemeClr val="tx2">
+                <a:lumMod val="75000"/>
+              </a:schemeClr>
+            </a:solidFill>
+          </a:ln>
+        </p:spPr>
+        <p:style>
+          <a:lnRef idx="2">
+            <a:schemeClr val="accent1">
+              <a:shade val="50000"/>
+            </a:schemeClr>
+          </a:lnRef>
+          <a:fillRef idx="1">
+            <a:schemeClr val="accent1"/>
+          </a:fillRef>
+          <a:effectRef idx="0">
+            <a:schemeClr val="accent1"/>
+          </a:effectRef>
+          <a:fontRef idx="minor">
+            <a:schemeClr val="lt1"/>
+          </a:fontRef>
+        </p:style>
+        <p:txBody>
+          <a:bodyPr rtlCol="0" anchor="ctr"/>
+          <a:lstStyle/>
+          <a:p>
+            <a:pPr algn="ctr"/>
+            <a:endParaRPr lang="fr-FR"/>
+          </a:p>
+        </p:txBody>
+      </p:sp>
+      <p:pic>
+        <p:nvPicPr>
+          <p:cNvPr id="71" name="Image 70"/>
+          <p:cNvPicPr>
+            <a:picLocks noChangeAspect="1"/>
+          </p:cNvPicPr>
+          <p:nvPr/>
+        </p:nvPicPr>
+        <p:blipFill>
+          <a:blip r:embed="rId8" cstate="print">
+            <a:extLst>
+              <a:ext uri="{28A0092B-C50C-407E-A947-70E740481C1C}">
+                <a14:useLocalDpi xmlns:a14="http://schemas.microsoft.com/office/drawing/2010/main" val="0"/>
+              </a:ext>
+            </a:extLst>
+          </a:blip>
+          <a:stretch>
+            <a:fillRect/>
+          </a:stretch>
+        </p:blipFill>
+        <p:spPr>
+          <a:xfrm>
+            <a:off x="6225526" y="3384501"/>
+            <a:ext cx="490242" cy="733616"/>
+          </a:xfrm>
+          <a:prstGeom prst="rect">
+            <a:avLst/>
+          </a:prstGeom>
+        </p:spPr>
+      </p:pic>
+      <p:sp>
+        <p:nvSpPr>
+          <p:cNvPr id="72" name="ZoneTexte 71"/>
+          <p:cNvSpPr txBox="1"/>
+          <p:nvPr/>
+        </p:nvSpPr>
+        <p:spPr>
+          <a:xfrm>
+            <a:off x="5943137" y="4026888"/>
+            <a:ext cx="1023082" cy="415498"/>
+          </a:xfrm>
+          <a:prstGeom prst="rect">
+            <a:avLst/>
+          </a:prstGeom>
+          <a:noFill/>
+        </p:spPr>
+        <p:txBody>
+          <a:bodyPr wrap="square" rtlCol="0">
+            <a:spAutoFit/>
+          </a:bodyPr>
+          <a:lstStyle/>
+          <a:p>
+            <a:pPr algn="ctr"/>
+            <a:r>
+              <a:rPr lang="fr-FR" sz="800" dirty="0"/>
+              <a:t>Figurine Law–</a:t>
+            </a:r>
+            <a:r>
+              <a:rPr lang="fr-FR" sz="800" dirty="0" err="1"/>
+              <a:t>Ishibansho</a:t>
+            </a:r>
+            <a:r>
+              <a:rPr lang="fr-FR" sz="800" dirty="0"/>
+              <a:t>– 27 cm</a:t>
+            </a:r>
+          </a:p>
+          <a:p>
+            <a:endParaRPr lang="fr-FR" sz="500" dirty="0"/>
+          </a:p>
+        </p:txBody>
+      </p:sp>
+      <p:sp>
+        <p:nvSpPr>
+          <p:cNvPr id="73" name="Rectangle 72"/>
+          <p:cNvSpPr/>
+          <p:nvPr/>
+        </p:nvSpPr>
+        <p:spPr>
+          <a:xfrm>
+            <a:off x="5950649" y="3570435"/>
+            <a:ext cx="377349" cy="151354"/>
+          </a:xfrm>
+          <a:prstGeom prst="rect">
+            <a:avLst/>
+          </a:prstGeom>
+          <a:solidFill>
+            <a:srgbClr val="FF0000"/>
+          </a:solidFill>
+          <a:ln>
+            <a:noFill/>
+          </a:ln>
+        </p:spPr>
+        <p:style>
+          <a:lnRef idx="2">
+            <a:schemeClr val="accent1">
+              <a:shade val="50000"/>
+            </a:schemeClr>
+          </a:lnRef>
+          <a:fillRef idx="1">
+            <a:schemeClr val="accent1"/>
+          </a:fillRef>
+          <a:effectRef idx="0">
+            <a:schemeClr val="accent1"/>
+          </a:effectRef>
+          <a:fontRef idx="minor">
+            <a:schemeClr val="lt1"/>
+          </a:fontRef>
+        </p:style>
+        <p:txBody>
+          <a:bodyPr rtlCol="0" anchor="ctr"/>
+          <a:lstStyle/>
+          <a:p>
+            <a:pPr algn="ctr"/>
+            <a:endParaRPr lang="fr-FR"/>
+          </a:p>
+        </p:txBody>
+      </p:sp>
+      <p:sp>
+        <p:nvSpPr>
+          <p:cNvPr id="74" name="ZoneTexte 73"/>
+          <p:cNvSpPr txBox="1"/>
+          <p:nvPr/>
+        </p:nvSpPr>
+        <p:spPr>
+          <a:xfrm>
+            <a:off x="5885191" y="3529453"/>
+            <a:ext cx="519203" cy="230832"/>
+          </a:xfrm>
+          <a:prstGeom prst="rect">
+            <a:avLst/>
+          </a:prstGeom>
+          <a:noFill/>
+        </p:spPr>
+        <p:txBody>
+          <a:bodyPr wrap="square" rtlCol="0">
+            <a:spAutoFit/>
+          </a:bodyPr>
+          <a:lstStyle/>
+          <a:p>
+            <a:r>
+              <a:rPr lang="fr-FR" sz="900" dirty="0" smtClean="0">
+                <a:solidFill>
+                  <a:schemeClr val="bg1"/>
+                </a:solidFill>
+              </a:rPr>
+              <a:t>Promo</a:t>
+            </a:r>
+            <a:endParaRPr lang="fr-FR" sz="900" dirty="0">
+              <a:solidFill>
+                <a:schemeClr val="bg1"/>
+              </a:solidFill>
+            </a:endParaRPr>
+          </a:p>
+        </p:txBody>
+      </p:sp>
+      <p:sp>
+        <p:nvSpPr>
+          <p:cNvPr id="75" name="ZoneTexte 74"/>
+          <p:cNvSpPr txBox="1"/>
+          <p:nvPr/>
+        </p:nvSpPr>
+        <p:spPr>
+          <a:xfrm>
+            <a:off x="5943137" y="4302489"/>
+            <a:ext cx="489667" cy="215444"/>
+          </a:xfrm>
+          <a:prstGeom prst="rect">
+            <a:avLst/>
+          </a:prstGeom>
+          <a:noFill/>
+        </p:spPr>
+        <p:txBody>
+          <a:bodyPr wrap="square" rtlCol="0">
+            <a:spAutoFit/>
+          </a:bodyPr>
+          <a:lstStyle/>
+          <a:p>
+            <a:r>
+              <a:rPr lang="fr-FR" sz="800" strike="sngStrike" dirty="0" smtClean="0"/>
+              <a:t>59,90€</a:t>
+            </a:r>
+            <a:endParaRPr lang="fr-FR" sz="800" strike="sngStrike" dirty="0"/>
+          </a:p>
+        </p:txBody>
+      </p:sp>
+      <p:sp>
+        <p:nvSpPr>
+          <p:cNvPr id="76" name="ZoneTexte 75"/>
+          <p:cNvSpPr txBox="1"/>
+          <p:nvPr/>
+        </p:nvSpPr>
+        <p:spPr>
+          <a:xfrm>
+            <a:off x="6232784" y="2937021"/>
+            <a:ext cx="957526" cy="307777"/>
+          </a:xfrm>
+          <a:prstGeom prst="rect">
+            <a:avLst/>
+          </a:prstGeom>
+          <a:noFill/>
+        </p:spPr>
+        <p:txBody>
+          <a:bodyPr wrap="square" rtlCol="0">
+            <a:spAutoFit/>
+          </a:bodyPr>
+          <a:lstStyle/>
+          <a:p>
+            <a:r>
+              <a:rPr lang="fr-FR" sz="1400" dirty="0" smtClean="0">
+                <a:solidFill>
+                  <a:srgbClr val="C00000"/>
+                </a:solidFill>
+              </a:rPr>
+              <a:t>39,90 €</a:t>
+            </a:r>
+            <a:endParaRPr lang="fr-FR" sz="1400" dirty="0">
+              <a:solidFill>
+                <a:srgbClr val="C00000"/>
+              </a:solidFill>
+            </a:endParaRPr>
+          </a:p>
+        </p:txBody>
+      </p:sp>
+      <p:sp>
+        <p:nvSpPr>
+          <p:cNvPr id="77" name="ZoneTexte 76"/>
+          <p:cNvSpPr txBox="1"/>
+          <p:nvPr/>
+        </p:nvSpPr>
+        <p:spPr>
+          <a:xfrm>
+            <a:off x="6232784" y="4255184"/>
+            <a:ext cx="957526" cy="307777"/>
+          </a:xfrm>
+          <a:prstGeom prst="rect">
+            <a:avLst/>
+          </a:prstGeom>
+          <a:noFill/>
+        </p:spPr>
+        <p:txBody>
+          <a:bodyPr wrap="square" rtlCol="0">
+            <a:spAutoFit/>
+          </a:bodyPr>
+          <a:lstStyle/>
+          <a:p>
+            <a:r>
+              <a:rPr lang="fr-FR" sz="1400" dirty="0" smtClean="0">
+                <a:solidFill>
+                  <a:srgbClr val="C00000"/>
+                </a:solidFill>
+              </a:rPr>
+              <a:t>39,90 €</a:t>
+            </a:r>
+            <a:endParaRPr lang="fr-FR" sz="1400" dirty="0">
+              <a:solidFill>
+                <a:srgbClr val="C00000"/>
+              </a:solidFill>
+            </a:endParaRPr>
+          </a:p>
+        </p:txBody>
+      </p:sp>
+      <p:sp>
+        <p:nvSpPr>
+          <p:cNvPr id="78" name="Rectangle 77"/>
+          <p:cNvSpPr/>
+          <p:nvPr/>
+        </p:nvSpPr>
+        <p:spPr>
+          <a:xfrm>
+            <a:off x="4193182" y="4852995"/>
+            <a:ext cx="3363087" cy="933848"/>
+          </a:xfrm>
+          <a:prstGeom prst="rect">
+            <a:avLst/>
+          </a:prstGeom>
+          <a:solidFill>
+            <a:schemeClr val="tx2">
+              <a:lumMod val="75000"/>
+            </a:schemeClr>
+          </a:solidFill>
+          <a:ln>
+            <a:solidFill>
+              <a:schemeClr val="tx2">
+                <a:lumMod val="75000"/>
+              </a:schemeClr>
+            </a:solidFill>
+          </a:ln>
+        </p:spPr>
+        <p:style>
+          <a:lnRef idx="2">
+            <a:schemeClr val="accent1">
+              <a:shade val="50000"/>
+            </a:schemeClr>
+          </a:lnRef>
+          <a:fillRef idx="1">
+            <a:schemeClr val="accent1"/>
+          </a:fillRef>
+          <a:effectRef idx="0">
+            <a:schemeClr val="accent1"/>
+          </a:effectRef>
+          <a:fontRef idx="minor">
+            <a:schemeClr val="lt1"/>
+          </a:fontRef>
+        </p:style>
+        <p:txBody>
+          <a:bodyPr rtlCol="0" anchor="ctr"/>
+          <a:lstStyle/>
+          <a:p>
+            <a:pPr algn="ctr"/>
+            <a:endParaRPr lang="fr-FR"/>
+          </a:p>
+        </p:txBody>
+      </p:sp>
+      <p:cxnSp>
+        <p:nvCxnSpPr>
+          <p:cNvPr id="79" name="Line"/>
+          <p:cNvCxnSpPr>
+            <a:cxnSpLocks/>
+          </p:cNvCxnSpPr>
+          <p:nvPr/>
+        </p:nvCxnSpPr>
+        <p:spPr bwMode="auto">
+          <a:xfrm>
+            <a:off x="5144950" y="5103166"/>
+            <a:ext cx="1389112" cy="0"/>
+          </a:xfrm>
+          <a:prstGeom prst="line">
+            <a:avLst/>
+          </a:prstGeom>
+          <a:ln w="6350">
+            <a:solidFill>
+              <a:srgbClr val="808080"/>
+            </a:solidFill>
+          </a:ln>
+        </p:spPr>
+        <p:style>
+          <a:lnRef idx="1">
+            <a:schemeClr val="accent1"/>
+          </a:lnRef>
+          <a:fillRef idx="0">
+            <a:schemeClr val="accent1"/>
+          </a:fillRef>
+          <a:effectRef idx="0">
+            <a:schemeClr val="accent1"/>
+          </a:effectRef>
+          <a:fontRef idx="minor">
+            <a:schemeClr val="tx1"/>
+          </a:fontRef>
+        </p:style>
+      </p:cxnSp>
+      <p:sp>
+        <p:nvSpPr>
+          <p:cNvPr id="80" name="ZoneTexte 79"/>
+          <p:cNvSpPr txBox="1"/>
+          <p:nvPr/>
+        </p:nvSpPr>
+        <p:spPr>
+          <a:xfrm>
+            <a:off x="5419856" y="4884383"/>
+            <a:ext cx="942058" cy="261610"/>
+          </a:xfrm>
+          <a:prstGeom prst="rect">
+            <a:avLst/>
+          </a:prstGeom>
+          <a:noFill/>
+        </p:spPr>
+        <p:txBody>
+          <a:bodyPr wrap="square" rtlCol="0">
+            <a:spAutoFit/>
+          </a:bodyPr>
+          <a:lstStyle/>
+          <a:p>
+            <a:r>
+              <a:rPr lang="fr-FR" sz="1100" dirty="0" smtClean="0">
+                <a:solidFill>
+                  <a:schemeClr val="bg1"/>
+                </a:solidFill>
+              </a:rPr>
+              <a:t>NOS INFOS</a:t>
+            </a:r>
+            <a:endParaRPr lang="fr-FR" sz="1100" dirty="0">
+              <a:solidFill>
+                <a:schemeClr val="bg1"/>
+              </a:solidFill>
+            </a:endParaRPr>
+          </a:p>
+        </p:txBody>
+      </p:sp>
+      <p:sp>
+        <p:nvSpPr>
+          <p:cNvPr id="81" name="ZoneTexte 80"/>
+          <p:cNvSpPr txBox="1"/>
+          <p:nvPr/>
+        </p:nvSpPr>
+        <p:spPr>
+          <a:xfrm>
+            <a:off x="5420436" y="5146327"/>
+            <a:ext cx="2375652" cy="215444"/>
+          </a:xfrm>
+          <a:prstGeom prst="rect">
+            <a:avLst/>
+          </a:prstGeom>
+          <a:noFill/>
+        </p:spPr>
+        <p:txBody>
+          <a:bodyPr wrap="square" rtlCol="0">
+            <a:spAutoFit/>
+          </a:bodyPr>
+          <a:lstStyle/>
+          <a:p>
+            <a:r>
+              <a:rPr lang="fr-FR" sz="800" dirty="0" smtClean="0">
+                <a:solidFill>
+                  <a:schemeClr val="bg1"/>
+                </a:solidFill>
+              </a:rPr>
+              <a:t>Nous contacter</a:t>
+            </a:r>
+            <a:endParaRPr lang="fr-FR" sz="800" dirty="0">
+              <a:solidFill>
+                <a:schemeClr val="bg1"/>
+              </a:solidFill>
+            </a:endParaRPr>
+          </a:p>
+        </p:txBody>
+      </p:sp>
+      <p:sp>
+        <p:nvSpPr>
+          <p:cNvPr id="82" name="ZoneTexte 81"/>
+          <p:cNvSpPr txBox="1"/>
+          <p:nvPr/>
+        </p:nvSpPr>
+        <p:spPr>
+          <a:xfrm>
+            <a:off x="5333549" y="5418371"/>
+            <a:ext cx="2375652" cy="215444"/>
+          </a:xfrm>
+          <a:prstGeom prst="rect">
+            <a:avLst/>
+          </a:prstGeom>
+          <a:noFill/>
+        </p:spPr>
+        <p:txBody>
+          <a:bodyPr wrap="square" rtlCol="0">
+            <a:spAutoFit/>
+          </a:bodyPr>
+          <a:lstStyle/>
+          <a:p>
+            <a:r>
+              <a:rPr lang="fr-FR" sz="800" dirty="0" smtClean="0">
+                <a:solidFill>
+                  <a:schemeClr val="bg1"/>
+                </a:solidFill>
+              </a:rPr>
+              <a:t>Info </a:t>
+            </a:r>
+            <a:r>
+              <a:rPr lang="fr-FR" sz="800" dirty="0" err="1" smtClean="0">
+                <a:solidFill>
+                  <a:schemeClr val="bg1"/>
+                </a:solidFill>
+              </a:rPr>
+              <a:t>pré-commande</a:t>
+            </a:r>
+            <a:endParaRPr lang="fr-FR" sz="800" dirty="0">
+              <a:solidFill>
+                <a:schemeClr val="bg1"/>
+              </a:solidFill>
+            </a:endParaRPr>
+          </a:p>
+        </p:txBody>
+      </p:sp>
+      <p:sp>
+        <p:nvSpPr>
+          <p:cNvPr id="83" name="ZoneTexte 82"/>
+          <p:cNvSpPr txBox="1"/>
+          <p:nvPr/>
+        </p:nvSpPr>
+        <p:spPr>
+          <a:xfrm>
+            <a:off x="5460312" y="5280214"/>
+            <a:ext cx="2375652" cy="215444"/>
+          </a:xfrm>
+          <a:prstGeom prst="rect">
+            <a:avLst/>
+          </a:prstGeom>
+          <a:noFill/>
+        </p:spPr>
+        <p:txBody>
+          <a:bodyPr wrap="square" rtlCol="0">
+            <a:spAutoFit/>
+          </a:bodyPr>
+          <a:lstStyle/>
+          <a:p>
+            <a:r>
+              <a:rPr lang="fr-FR" sz="800" dirty="0" smtClean="0">
+                <a:solidFill>
+                  <a:schemeClr val="bg1"/>
+                </a:solidFill>
+              </a:rPr>
+              <a:t>Info livraison</a:t>
+            </a:r>
+            <a:endParaRPr lang="fr-FR" sz="800" dirty="0">
+              <a:solidFill>
+                <a:schemeClr val="bg1"/>
+              </a:solidFill>
+            </a:endParaRPr>
+          </a:p>
+        </p:txBody>
+      </p:sp>
+      <p:sp>
+        <p:nvSpPr>
+          <p:cNvPr id="84" name="ZoneTexte 83"/>
+          <p:cNvSpPr txBox="1"/>
+          <p:nvPr/>
+        </p:nvSpPr>
+        <p:spPr>
+          <a:xfrm>
+            <a:off x="5087920" y="5570163"/>
+            <a:ext cx="2375652" cy="215444"/>
+          </a:xfrm>
+          <a:prstGeom prst="rect">
+            <a:avLst/>
+          </a:prstGeom>
+          <a:noFill/>
+        </p:spPr>
+        <p:txBody>
+          <a:bodyPr wrap="square" rtlCol="0">
+            <a:spAutoFit/>
+          </a:bodyPr>
+          <a:lstStyle/>
+          <a:p>
+            <a:r>
+              <a:rPr lang="fr-FR" sz="800" dirty="0" smtClean="0">
+                <a:solidFill>
+                  <a:schemeClr val="bg1"/>
+                </a:solidFill>
+              </a:rPr>
+              <a:t>Conditions générales de ventes</a:t>
+            </a:r>
+            <a:endParaRPr lang="fr-FR" sz="800" dirty="0">
+              <a:solidFill>
+                <a:schemeClr val="bg1"/>
+              </a:solidFill>
+            </a:endParaRPr>
+          </a:p>
+        </p:txBody>
+      </p:sp>
+      <p:sp>
+        <p:nvSpPr>
+          <p:cNvPr id="85" name="Rectangle 84"/>
+          <p:cNvSpPr/>
+          <p:nvPr/>
+        </p:nvSpPr>
+        <p:spPr>
+          <a:xfrm>
+            <a:off x="8681856" y="5054524"/>
+            <a:ext cx="3113903" cy="933848"/>
+          </a:xfrm>
+          <a:prstGeom prst="rect">
+            <a:avLst/>
+          </a:prstGeom>
+          <a:solidFill>
+            <a:schemeClr val="tx2">
+              <a:lumMod val="75000"/>
+            </a:schemeClr>
+          </a:solidFill>
+          <a:ln>
+            <a:solidFill>
+              <a:schemeClr val="tx2">
+                <a:lumMod val="75000"/>
+              </a:schemeClr>
+            </a:solidFill>
+          </a:ln>
+        </p:spPr>
+        <p:style>
+          <a:lnRef idx="2">
+            <a:schemeClr val="accent1">
+              <a:shade val="50000"/>
+            </a:schemeClr>
+          </a:lnRef>
+          <a:fillRef idx="1">
+            <a:schemeClr val="accent1"/>
+          </a:fillRef>
+          <a:effectRef idx="0">
+            <a:schemeClr val="accent1"/>
+          </a:effectRef>
+          <a:fontRef idx="minor">
+            <a:schemeClr val="lt1"/>
+          </a:fontRef>
+        </p:style>
+        <p:txBody>
+          <a:bodyPr rtlCol="0" anchor="ctr"/>
+          <a:lstStyle/>
+          <a:p>
+            <a:pPr algn="ctr"/>
+            <a:endParaRPr lang="fr-FR"/>
+          </a:p>
+        </p:txBody>
+      </p:sp>
+      <p:cxnSp>
+        <p:nvCxnSpPr>
+          <p:cNvPr id="86" name="Line"/>
+          <p:cNvCxnSpPr>
+            <a:cxnSpLocks/>
+          </p:cNvCxnSpPr>
+          <p:nvPr/>
+        </p:nvCxnSpPr>
+        <p:spPr bwMode="auto">
+          <a:xfrm>
+            <a:off x="9624082" y="5304695"/>
+            <a:ext cx="1389112" cy="0"/>
+          </a:xfrm>
+          <a:prstGeom prst="line">
+            <a:avLst/>
+          </a:prstGeom>
+          <a:ln w="6350">
+            <a:solidFill>
+              <a:srgbClr val="808080"/>
+            </a:solidFill>
+          </a:ln>
+        </p:spPr>
+        <p:style>
+          <a:lnRef idx="1">
+            <a:schemeClr val="accent1"/>
+          </a:lnRef>
+          <a:fillRef idx="0">
+            <a:schemeClr val="accent1"/>
+          </a:fillRef>
+          <a:effectRef idx="0">
+            <a:schemeClr val="accent1"/>
+          </a:effectRef>
+          <a:fontRef idx="minor">
+            <a:schemeClr val="tx1"/>
+          </a:fontRef>
+        </p:style>
+      </p:cxnSp>
+      <p:sp>
+        <p:nvSpPr>
+          <p:cNvPr id="87" name="ZoneTexte 86"/>
+          <p:cNvSpPr txBox="1"/>
+          <p:nvPr/>
+        </p:nvSpPr>
+        <p:spPr>
+          <a:xfrm>
+            <a:off x="9329389" y="5068341"/>
+            <a:ext cx="2102534" cy="261610"/>
+          </a:xfrm>
+          <a:prstGeom prst="rect">
+            <a:avLst/>
+          </a:prstGeom>
+          <a:noFill/>
+        </p:spPr>
+        <p:txBody>
+          <a:bodyPr wrap="square" rtlCol="0">
+            <a:spAutoFit/>
+          </a:bodyPr>
+          <a:lstStyle/>
+          <a:p>
+            <a:r>
+              <a:rPr lang="fr-FR" sz="1100" dirty="0" smtClean="0">
+                <a:solidFill>
+                  <a:schemeClr val="bg1"/>
+                </a:solidFill>
+              </a:rPr>
+              <a:t>INSCRIPTION A LA NEWSLETTER</a:t>
+            </a:r>
+            <a:endParaRPr lang="fr-FR" sz="1100" dirty="0">
+              <a:solidFill>
+                <a:schemeClr val="bg1"/>
+              </a:solidFill>
+            </a:endParaRPr>
+          </a:p>
+        </p:txBody>
+      </p:sp>
+      <p:sp>
+        <p:nvSpPr>
+          <p:cNvPr id="88" name="ZoneTexte 87"/>
+          <p:cNvSpPr txBox="1"/>
+          <p:nvPr/>
+        </p:nvSpPr>
+        <p:spPr>
+          <a:xfrm>
+            <a:off x="9130812" y="5295486"/>
+            <a:ext cx="2375652" cy="338554"/>
+          </a:xfrm>
+          <a:prstGeom prst="rect">
+            <a:avLst/>
+          </a:prstGeom>
+          <a:noFill/>
+        </p:spPr>
+        <p:txBody>
+          <a:bodyPr wrap="square" rtlCol="0">
+            <a:spAutoFit/>
+          </a:bodyPr>
+          <a:lstStyle/>
+          <a:p>
+            <a:r>
+              <a:rPr lang="fr-FR" sz="800" i="1" dirty="0">
+                <a:solidFill>
+                  <a:schemeClr val="bg1">
+                    <a:lumMod val="65000"/>
+                  </a:schemeClr>
+                </a:solidFill>
+              </a:rPr>
+              <a:t>Pour être tenu informer des dernières nouveautés et promos</a:t>
+            </a:r>
+          </a:p>
+        </p:txBody>
+      </p:sp>
+      <p:sp>
+        <p:nvSpPr>
+          <p:cNvPr id="89" name="Rectangle 88"/>
+          <p:cNvSpPr/>
+          <p:nvPr/>
+        </p:nvSpPr>
+        <p:spPr>
+          <a:xfrm>
+            <a:off x="707415" y="5062003"/>
+            <a:ext cx="3067037" cy="933848"/>
+          </a:xfrm>
+          <a:prstGeom prst="rect">
+            <a:avLst/>
+          </a:prstGeom>
+          <a:solidFill>
+            <a:schemeClr val="tx2">
+              <a:lumMod val="75000"/>
+            </a:schemeClr>
+          </a:solidFill>
+          <a:ln>
+            <a:solidFill>
+              <a:schemeClr val="tx2">
+                <a:lumMod val="75000"/>
+              </a:schemeClr>
+            </a:solidFill>
+          </a:ln>
+        </p:spPr>
+        <p:style>
+          <a:lnRef idx="2">
+            <a:schemeClr val="accent1">
+              <a:shade val="50000"/>
+            </a:schemeClr>
+          </a:lnRef>
+          <a:fillRef idx="1">
+            <a:schemeClr val="accent1"/>
+          </a:fillRef>
+          <a:effectRef idx="0">
+            <a:schemeClr val="accent1"/>
+          </a:effectRef>
+          <a:fontRef idx="minor">
+            <a:schemeClr val="lt1"/>
+          </a:fontRef>
+        </p:style>
+        <p:txBody>
+          <a:bodyPr rtlCol="0" anchor="ctr"/>
+          <a:lstStyle/>
+          <a:p>
+            <a:pPr algn="ctr"/>
+            <a:endParaRPr lang="fr-FR"/>
+          </a:p>
+        </p:txBody>
+      </p:sp>
+      <p:cxnSp>
+        <p:nvCxnSpPr>
+          <p:cNvPr id="90" name="Line"/>
+          <p:cNvCxnSpPr>
+            <a:cxnSpLocks/>
+          </p:cNvCxnSpPr>
+          <p:nvPr/>
+        </p:nvCxnSpPr>
+        <p:spPr bwMode="auto">
+          <a:xfrm>
+            <a:off x="1580129" y="5312174"/>
+            <a:ext cx="1389112" cy="0"/>
+          </a:xfrm>
+          <a:prstGeom prst="line">
+            <a:avLst/>
+          </a:prstGeom>
+          <a:ln w="6350">
+            <a:solidFill>
+              <a:srgbClr val="808080"/>
+            </a:solidFill>
+          </a:ln>
+        </p:spPr>
+        <p:style>
+          <a:lnRef idx="1">
+            <a:schemeClr val="accent1"/>
+          </a:lnRef>
+          <a:fillRef idx="0">
+            <a:schemeClr val="accent1"/>
+          </a:fillRef>
+          <a:effectRef idx="0">
+            <a:schemeClr val="accent1"/>
+          </a:effectRef>
+          <a:fontRef idx="minor">
+            <a:schemeClr val="tx1"/>
+          </a:fontRef>
+        </p:style>
+      </p:cxnSp>
+      <p:sp>
+        <p:nvSpPr>
+          <p:cNvPr id="91" name="ZoneTexte 90"/>
+          <p:cNvSpPr txBox="1"/>
+          <p:nvPr/>
+        </p:nvSpPr>
+        <p:spPr>
+          <a:xfrm>
+            <a:off x="949991" y="5048058"/>
+            <a:ext cx="2911090" cy="261610"/>
+          </a:xfrm>
+          <a:prstGeom prst="rect">
+            <a:avLst/>
+          </a:prstGeom>
+          <a:noFill/>
+        </p:spPr>
+        <p:txBody>
+          <a:bodyPr wrap="square" rtlCol="0">
+            <a:spAutoFit/>
+          </a:bodyPr>
+          <a:lstStyle/>
+          <a:p>
+            <a:r>
+              <a:rPr lang="fr-FR" sz="1050" dirty="0" smtClean="0">
+                <a:solidFill>
+                  <a:schemeClr val="bg1"/>
+                </a:solidFill>
+              </a:rPr>
+              <a:t>NOUS SUIVRE SUR LES RESEAUX SOCIAUX</a:t>
+            </a:r>
+            <a:endParaRPr lang="fr-FR" sz="1050" dirty="0">
+              <a:solidFill>
+                <a:schemeClr val="bg1"/>
+              </a:solidFill>
+            </a:endParaRPr>
+          </a:p>
+        </p:txBody>
+      </p:sp>
+      <p:sp>
+        <p:nvSpPr>
+          <p:cNvPr id="92" name="Rectangle 91"/>
+          <p:cNvSpPr/>
+          <p:nvPr/>
+        </p:nvSpPr>
+        <p:spPr>
+          <a:xfrm>
+            <a:off x="9434679" y="5588466"/>
+            <a:ext cx="1717704" cy="165067"/>
+          </a:xfrm>
+          <a:prstGeom prst="rect">
+            <a:avLst/>
+          </a:prstGeom>
+          <a:solidFill>
+            <a:schemeClr val="bg1"/>
+          </a:solidFill>
+        </p:spPr>
+        <p:style>
+          <a:lnRef idx="2">
+            <a:schemeClr val="accent1">
+              <a:shade val="50000"/>
+            </a:schemeClr>
+          </a:lnRef>
+          <a:fillRef idx="1">
+            <a:schemeClr val="accent1"/>
+          </a:fillRef>
+          <a:effectRef idx="0">
+            <a:schemeClr val="accent1"/>
+          </a:effectRef>
+          <a:fontRef idx="minor">
+            <a:schemeClr val="lt1"/>
+          </a:fontRef>
+        </p:style>
+        <p:txBody>
+          <a:bodyPr rtlCol="0" anchor="ctr"/>
+          <a:lstStyle/>
+          <a:p>
+            <a:pPr algn="ctr"/>
+            <a:endParaRPr lang="fr-FR"/>
+          </a:p>
+        </p:txBody>
+      </p:sp>
+      <p:sp>
+        <p:nvSpPr>
+          <p:cNvPr id="93" name="Rectangle 92"/>
+          <p:cNvSpPr/>
+          <p:nvPr/>
+        </p:nvSpPr>
+        <p:spPr>
+          <a:xfrm>
+            <a:off x="9434679" y="5800151"/>
+            <a:ext cx="1717704" cy="165067"/>
+          </a:xfrm>
+          <a:prstGeom prst="rect">
+            <a:avLst/>
+          </a:prstGeom>
+          <a:solidFill>
+            <a:srgbClr val="C00000"/>
+          </a:solidFill>
+        </p:spPr>
+        <p:style>
+          <a:lnRef idx="2">
+            <a:schemeClr val="accent1">
+              <a:shade val="50000"/>
+            </a:schemeClr>
+          </a:lnRef>
+          <a:fillRef idx="1">
+            <a:schemeClr val="accent1"/>
+          </a:fillRef>
+          <a:effectRef idx="0">
+            <a:schemeClr val="accent1"/>
+          </a:effectRef>
+          <a:fontRef idx="minor">
+            <a:schemeClr val="lt1"/>
+          </a:fontRef>
+        </p:style>
+        <p:txBody>
+          <a:bodyPr rtlCol="0" anchor="ctr"/>
+          <a:lstStyle/>
+          <a:p>
+            <a:pPr algn="ctr"/>
+            <a:endParaRPr lang="fr-FR"/>
+          </a:p>
+        </p:txBody>
+      </p:sp>
+      <p:sp>
+        <p:nvSpPr>
+          <p:cNvPr id="94" name="ZoneTexte 93"/>
+          <p:cNvSpPr txBox="1"/>
+          <p:nvPr/>
+        </p:nvSpPr>
+        <p:spPr>
+          <a:xfrm>
+            <a:off x="9420446" y="5566083"/>
+            <a:ext cx="1717704" cy="215444"/>
+          </a:xfrm>
+          <a:prstGeom prst="rect">
+            <a:avLst/>
+          </a:prstGeom>
+          <a:noFill/>
+        </p:spPr>
+        <p:txBody>
+          <a:bodyPr wrap="square" rtlCol="0">
+            <a:spAutoFit/>
+          </a:bodyPr>
+          <a:lstStyle/>
+          <a:p>
+            <a:r>
+              <a:rPr lang="fr-FR" sz="800" i="1" dirty="0" smtClean="0">
+                <a:solidFill>
+                  <a:schemeClr val="bg1">
+                    <a:lumMod val="50000"/>
+                  </a:schemeClr>
+                </a:solidFill>
+              </a:rPr>
+              <a:t>VOTRE ADRESSE E-MAIL</a:t>
+            </a:r>
+            <a:endParaRPr lang="fr-FR" sz="800" i="1" dirty="0">
+              <a:solidFill>
+                <a:schemeClr val="bg1">
+                  <a:lumMod val="50000"/>
+                </a:schemeClr>
+              </a:solidFill>
+            </a:endParaRPr>
+          </a:p>
+        </p:txBody>
+      </p:sp>
+      <p:sp>
+        <p:nvSpPr>
+          <p:cNvPr id="95" name="ZoneTexte 94"/>
+          <p:cNvSpPr txBox="1"/>
+          <p:nvPr/>
+        </p:nvSpPr>
+        <p:spPr>
+          <a:xfrm>
+            <a:off x="9734307" y="5748393"/>
+            <a:ext cx="1732628" cy="276999"/>
+          </a:xfrm>
+          <a:prstGeom prst="rect">
+            <a:avLst/>
+          </a:prstGeom>
+          <a:noFill/>
+        </p:spPr>
+        <p:txBody>
+          <a:bodyPr wrap="square" rtlCol="0">
+            <a:spAutoFit/>
+          </a:bodyPr>
+          <a:lstStyle/>
+          <a:p>
+            <a:r>
+              <a:rPr lang="fr-FR" sz="1200" dirty="0" smtClean="0">
+                <a:solidFill>
+                  <a:schemeClr val="bg1"/>
+                </a:solidFill>
+              </a:rPr>
+              <a:t>JE M’ABONNE</a:t>
+            </a:r>
+            <a:endParaRPr lang="fr-FR" sz="1200" dirty="0">
+              <a:solidFill>
+                <a:schemeClr val="bg1"/>
+              </a:solidFill>
+            </a:endParaRPr>
+          </a:p>
+        </p:txBody>
+      </p:sp>
+      <p:pic>
+        <p:nvPicPr>
+          <p:cNvPr id="96" name="Image 95"/>
+          <p:cNvPicPr>
+            <a:picLocks noChangeAspect="1"/>
+          </p:cNvPicPr>
+          <p:nvPr/>
+        </p:nvPicPr>
+        <p:blipFill>
+          <a:blip r:embed="rId9" cstate="print">
+            <a:extLst>
+              <a:ext uri="{28A0092B-C50C-407E-A947-70E740481C1C}">
+                <a14:useLocalDpi xmlns:a14="http://schemas.microsoft.com/office/drawing/2010/main" val="0"/>
+              </a:ext>
+            </a:extLst>
+          </a:blip>
+          <a:stretch>
+            <a:fillRect/>
+          </a:stretch>
+        </p:blipFill>
+        <p:spPr>
+          <a:xfrm>
+            <a:off x="1609774" y="5308761"/>
+            <a:ext cx="545586" cy="612898"/>
+          </a:xfrm>
+          <a:prstGeom prst="rect">
+            <a:avLst/>
+          </a:prstGeom>
+        </p:spPr>
+      </p:pic>
+      <p:pic>
+        <p:nvPicPr>
+          <p:cNvPr id="97" name="Image 96"/>
+          <p:cNvPicPr>
+            <a:picLocks noChangeAspect="1"/>
+          </p:cNvPicPr>
+          <p:nvPr/>
+        </p:nvPicPr>
+        <p:blipFill>
+          <a:blip r:embed="rId10" cstate="print">
+            <a:extLst>
+              <a:ext uri="{28A0092B-C50C-407E-A947-70E740481C1C}">
+                <a14:useLocalDpi xmlns:a14="http://schemas.microsoft.com/office/drawing/2010/main" val="0"/>
+              </a:ext>
+            </a:extLst>
+          </a:blip>
+          <a:stretch>
+            <a:fillRect/>
+          </a:stretch>
+        </p:blipFill>
+        <p:spPr>
+          <a:xfrm>
+            <a:off x="2264421" y="5302327"/>
+            <a:ext cx="574731" cy="615783"/>
+          </a:xfrm>
+          <a:prstGeom prst="rect">
+            <a:avLst/>
+          </a:prstGeom>
+        </p:spPr>
+      </p:pic>
+    </p:spTree>
+    <p:extLst>
+      <p:ext uri="{BB962C8B-B14F-4D97-AF65-F5344CB8AC3E}">
+        <p14:creationId xmlns:p14="http://schemas.microsoft.com/office/powerpoint/2010/main" val="2111197993"/>
       </p:ext>
     </p:extLst>
   </p:cSld>
@@ -14563,11 +20776,7 @@
             <a:pPr algn="ctr"/>
             <a:r>
               <a:rPr lang="fr-FR" sz="1400" dirty="0" smtClean="0"/>
-              <a:t>Figurine </a:t>
-            </a:r>
-            <a:r>
-              <a:rPr lang="fr-FR" sz="1400" dirty="0" smtClean="0"/>
-              <a:t>Law–</a:t>
+              <a:t>Figurine Law–</a:t>
             </a:r>
             <a:r>
               <a:rPr lang="fr-FR" sz="1400" dirty="0" err="1" smtClean="0"/>
@@ -17330,11 +23539,7 @@
             </a:br>
             <a:r>
               <a:rPr lang="fr-FR" dirty="0" smtClean="0"/>
-              <a:t>scroll </a:t>
-            </a:r>
-            <a:r>
-              <a:rPr lang="fr-FR" dirty="0" smtClean="0"/>
-              <a:t>down / ouverture menu</a:t>
+              <a:t>scroll down / ouverture menu</a:t>
             </a:r>
             <a:endParaRPr lang="fr-FR" dirty="0"/>
           </a:p>
@@ -19836,11 +26041,7 @@
             <a:pPr algn="ctr"/>
             <a:r>
               <a:rPr lang="fr-FR" sz="1400" dirty="0" smtClean="0"/>
-              <a:t>Figurine </a:t>
-            </a:r>
-            <a:r>
-              <a:rPr lang="fr-FR" sz="1400" dirty="0" smtClean="0"/>
-              <a:t>Law–</a:t>
+              <a:t>Figurine Law–</a:t>
             </a:r>
             <a:r>
               <a:rPr lang="fr-FR" sz="1400" dirty="0" err="1" smtClean="0"/>

--- a/ProjetStage/MaquetteProjetStage.pptx
+++ b/ProjetStage/MaquetteProjetStage.pptx
@@ -166,10 +166,9 @@
           </a:lstStyle>
           <a:p>
             <a:r>
-              <a:rPr lang="fr-FR" smtClean="0"/>
+              <a:rPr lang="fr-FR"/>
               <a:t>Modifiez le style du titre</a:t>
             </a:r>
-            <a:endParaRPr lang="fr-FR"/>
           </a:p>
         </p:txBody>
       </p:sp>
@@ -231,10 +230,9 @@
           </a:lstStyle>
           <a:p>
             <a:r>
-              <a:rPr lang="fr-FR" smtClean="0"/>
+              <a:rPr lang="fr-FR"/>
               <a:t>Modifier le style des sous-titres du masque</a:t>
             </a:r>
-            <a:endParaRPr lang="fr-FR"/>
           </a:p>
         </p:txBody>
       </p:sp>
@@ -255,7 +253,7 @@
           <a:p>
             <a:fld id="{260E7F35-4855-4D43-B1DE-D4E531001705}" type="datetimeFigureOut">
               <a:rPr lang="fr-FR" smtClean="0"/>
-              <a:t>24/04/2020</a:t>
+              <a:t>05/05/2020</a:t>
             </a:fld>
             <a:endParaRPr lang="fr-FR"/>
           </a:p>
@@ -349,10 +347,9 @@
           <a:lstStyle/>
           <a:p>
             <a:r>
-              <a:rPr lang="fr-FR" smtClean="0"/>
+              <a:rPr lang="fr-FR"/>
               <a:t>Modifiez le style du titre</a:t>
             </a:r>
-            <a:endParaRPr lang="fr-FR"/>
           </a:p>
         </p:txBody>
       </p:sp>
@@ -373,38 +370,37 @@
           <a:p>
             <a:pPr lvl="0"/>
             <a:r>
-              <a:rPr lang="fr-FR" smtClean="0"/>
+              <a:rPr lang="fr-FR"/>
               <a:t>Modifier les styles du texte du masque</a:t>
             </a:r>
           </a:p>
           <a:p>
             <a:pPr lvl="1"/>
             <a:r>
-              <a:rPr lang="fr-FR" smtClean="0"/>
+              <a:rPr lang="fr-FR"/>
               <a:t>Deuxième niveau</a:t>
             </a:r>
           </a:p>
           <a:p>
             <a:pPr lvl="2"/>
             <a:r>
-              <a:rPr lang="fr-FR" smtClean="0"/>
+              <a:rPr lang="fr-FR"/>
               <a:t>Troisième niveau</a:t>
             </a:r>
           </a:p>
           <a:p>
             <a:pPr lvl="3"/>
             <a:r>
-              <a:rPr lang="fr-FR" smtClean="0"/>
+              <a:rPr lang="fr-FR"/>
               <a:t>Quatrième niveau</a:t>
             </a:r>
           </a:p>
           <a:p>
             <a:pPr lvl="4"/>
             <a:r>
-              <a:rPr lang="fr-FR" smtClean="0"/>
+              <a:rPr lang="fr-FR"/>
               <a:t>Cinquième niveau</a:t>
             </a:r>
-            <a:endParaRPr lang="fr-FR"/>
           </a:p>
         </p:txBody>
       </p:sp>
@@ -425,7 +421,7 @@
           <a:p>
             <a:fld id="{260E7F35-4855-4D43-B1DE-D4E531001705}" type="datetimeFigureOut">
               <a:rPr lang="fr-FR" smtClean="0"/>
-              <a:t>24/04/2020</a:t>
+              <a:t>05/05/2020</a:t>
             </a:fld>
             <a:endParaRPr lang="fr-FR"/>
           </a:p>
@@ -524,10 +520,9 @@
           <a:lstStyle/>
           <a:p>
             <a:r>
-              <a:rPr lang="fr-FR" smtClean="0"/>
+              <a:rPr lang="fr-FR"/>
               <a:t>Modifiez le style du titre</a:t>
             </a:r>
-            <a:endParaRPr lang="fr-FR"/>
           </a:p>
         </p:txBody>
       </p:sp>
@@ -553,38 +548,37 @@
           <a:p>
             <a:pPr lvl="0"/>
             <a:r>
-              <a:rPr lang="fr-FR" smtClean="0"/>
+              <a:rPr lang="fr-FR"/>
               <a:t>Modifier les styles du texte du masque</a:t>
             </a:r>
           </a:p>
           <a:p>
             <a:pPr lvl="1"/>
             <a:r>
-              <a:rPr lang="fr-FR" smtClean="0"/>
+              <a:rPr lang="fr-FR"/>
               <a:t>Deuxième niveau</a:t>
             </a:r>
           </a:p>
           <a:p>
             <a:pPr lvl="2"/>
             <a:r>
-              <a:rPr lang="fr-FR" smtClean="0"/>
+              <a:rPr lang="fr-FR"/>
               <a:t>Troisième niveau</a:t>
             </a:r>
           </a:p>
           <a:p>
             <a:pPr lvl="3"/>
             <a:r>
-              <a:rPr lang="fr-FR" smtClean="0"/>
+              <a:rPr lang="fr-FR"/>
               <a:t>Quatrième niveau</a:t>
             </a:r>
           </a:p>
           <a:p>
             <a:pPr lvl="4"/>
             <a:r>
-              <a:rPr lang="fr-FR" smtClean="0"/>
+              <a:rPr lang="fr-FR"/>
               <a:t>Cinquième niveau</a:t>
             </a:r>
-            <a:endParaRPr lang="fr-FR"/>
           </a:p>
         </p:txBody>
       </p:sp>
@@ -605,7 +599,7 @@
           <a:p>
             <a:fld id="{260E7F35-4855-4D43-B1DE-D4E531001705}" type="datetimeFigureOut">
               <a:rPr lang="fr-FR" smtClean="0"/>
-              <a:t>24/04/2020</a:t>
+              <a:t>05/05/2020</a:t>
             </a:fld>
             <a:endParaRPr lang="fr-FR"/>
           </a:p>
@@ -699,10 +693,9 @@
           <a:lstStyle/>
           <a:p>
             <a:r>
-              <a:rPr lang="fr-FR" smtClean="0"/>
+              <a:rPr lang="fr-FR"/>
               <a:t>Modifiez le style du titre</a:t>
             </a:r>
-            <a:endParaRPr lang="fr-FR"/>
           </a:p>
         </p:txBody>
       </p:sp>
@@ -723,38 +716,37 @@
           <a:p>
             <a:pPr lvl="0"/>
             <a:r>
-              <a:rPr lang="fr-FR" smtClean="0"/>
+              <a:rPr lang="fr-FR"/>
               <a:t>Modifier les styles du texte du masque</a:t>
             </a:r>
           </a:p>
           <a:p>
             <a:pPr lvl="1"/>
             <a:r>
-              <a:rPr lang="fr-FR" smtClean="0"/>
+              <a:rPr lang="fr-FR"/>
               <a:t>Deuxième niveau</a:t>
             </a:r>
           </a:p>
           <a:p>
             <a:pPr lvl="2"/>
             <a:r>
-              <a:rPr lang="fr-FR" smtClean="0"/>
+              <a:rPr lang="fr-FR"/>
               <a:t>Troisième niveau</a:t>
             </a:r>
           </a:p>
           <a:p>
             <a:pPr lvl="3"/>
             <a:r>
-              <a:rPr lang="fr-FR" smtClean="0"/>
+              <a:rPr lang="fr-FR"/>
               <a:t>Quatrième niveau</a:t>
             </a:r>
           </a:p>
           <a:p>
             <a:pPr lvl="4"/>
             <a:r>
-              <a:rPr lang="fr-FR" smtClean="0"/>
+              <a:rPr lang="fr-FR"/>
               <a:t>Cinquième niveau</a:t>
             </a:r>
-            <a:endParaRPr lang="fr-FR"/>
           </a:p>
         </p:txBody>
       </p:sp>
@@ -775,7 +767,7 @@
           <a:p>
             <a:fld id="{260E7F35-4855-4D43-B1DE-D4E531001705}" type="datetimeFigureOut">
               <a:rPr lang="fr-FR" smtClean="0"/>
-              <a:t>24/04/2020</a:t>
+              <a:t>05/05/2020</a:t>
             </a:fld>
             <a:endParaRPr lang="fr-FR"/>
           </a:p>
@@ -878,10 +870,9 @@
           </a:lstStyle>
           <a:p>
             <a:r>
-              <a:rPr lang="fr-FR" smtClean="0"/>
+              <a:rPr lang="fr-FR"/>
               <a:t>Modifiez le style du titre</a:t>
             </a:r>
-            <a:endParaRPr lang="fr-FR"/>
           </a:p>
         </p:txBody>
       </p:sp>
@@ -998,7 +989,7 @@
           <a:p>
             <a:pPr lvl="0"/>
             <a:r>
-              <a:rPr lang="fr-FR" smtClean="0"/>
+              <a:rPr lang="fr-FR"/>
               <a:t>Modifier les styles du texte du masque</a:t>
             </a:r>
           </a:p>
@@ -1021,7 +1012,7 @@
           <a:p>
             <a:fld id="{260E7F35-4855-4D43-B1DE-D4E531001705}" type="datetimeFigureOut">
               <a:rPr lang="fr-FR" smtClean="0"/>
-              <a:t>24/04/2020</a:t>
+              <a:t>05/05/2020</a:t>
             </a:fld>
             <a:endParaRPr lang="fr-FR"/>
           </a:p>
@@ -1115,10 +1106,9 @@
           <a:lstStyle/>
           <a:p>
             <a:r>
-              <a:rPr lang="fr-FR" smtClean="0"/>
+              <a:rPr lang="fr-FR"/>
               <a:t>Modifiez le style du titre</a:t>
             </a:r>
-            <a:endParaRPr lang="fr-FR"/>
           </a:p>
         </p:txBody>
       </p:sp>
@@ -1144,38 +1134,37 @@
           <a:p>
             <a:pPr lvl="0"/>
             <a:r>
-              <a:rPr lang="fr-FR" smtClean="0"/>
+              <a:rPr lang="fr-FR"/>
               <a:t>Modifier les styles du texte du masque</a:t>
             </a:r>
           </a:p>
           <a:p>
             <a:pPr lvl="1"/>
             <a:r>
-              <a:rPr lang="fr-FR" smtClean="0"/>
+              <a:rPr lang="fr-FR"/>
               <a:t>Deuxième niveau</a:t>
             </a:r>
           </a:p>
           <a:p>
             <a:pPr lvl="2"/>
             <a:r>
-              <a:rPr lang="fr-FR" smtClean="0"/>
+              <a:rPr lang="fr-FR"/>
               <a:t>Troisième niveau</a:t>
             </a:r>
           </a:p>
           <a:p>
             <a:pPr lvl="3"/>
             <a:r>
-              <a:rPr lang="fr-FR" smtClean="0"/>
+              <a:rPr lang="fr-FR"/>
               <a:t>Quatrième niveau</a:t>
             </a:r>
           </a:p>
           <a:p>
             <a:pPr lvl="4"/>
             <a:r>
-              <a:rPr lang="fr-FR" smtClean="0"/>
+              <a:rPr lang="fr-FR"/>
               <a:t>Cinquième niveau</a:t>
             </a:r>
-            <a:endParaRPr lang="fr-FR"/>
           </a:p>
         </p:txBody>
       </p:sp>
@@ -1201,38 +1190,37 @@
           <a:p>
             <a:pPr lvl="0"/>
             <a:r>
-              <a:rPr lang="fr-FR" smtClean="0"/>
+              <a:rPr lang="fr-FR"/>
               <a:t>Modifier les styles du texte du masque</a:t>
             </a:r>
           </a:p>
           <a:p>
             <a:pPr lvl="1"/>
             <a:r>
-              <a:rPr lang="fr-FR" smtClean="0"/>
+              <a:rPr lang="fr-FR"/>
               <a:t>Deuxième niveau</a:t>
             </a:r>
           </a:p>
           <a:p>
             <a:pPr lvl="2"/>
             <a:r>
-              <a:rPr lang="fr-FR" smtClean="0"/>
+              <a:rPr lang="fr-FR"/>
               <a:t>Troisième niveau</a:t>
             </a:r>
           </a:p>
           <a:p>
             <a:pPr lvl="3"/>
             <a:r>
-              <a:rPr lang="fr-FR" smtClean="0"/>
+              <a:rPr lang="fr-FR"/>
               <a:t>Quatrième niveau</a:t>
             </a:r>
           </a:p>
           <a:p>
             <a:pPr lvl="4"/>
             <a:r>
-              <a:rPr lang="fr-FR" smtClean="0"/>
+              <a:rPr lang="fr-FR"/>
               <a:t>Cinquième niveau</a:t>
             </a:r>
-            <a:endParaRPr lang="fr-FR"/>
           </a:p>
         </p:txBody>
       </p:sp>
@@ -1253,7 +1241,7 @@
           <a:p>
             <a:fld id="{260E7F35-4855-4D43-B1DE-D4E531001705}" type="datetimeFigureOut">
               <a:rPr lang="fr-FR" smtClean="0"/>
-              <a:t>24/04/2020</a:t>
+              <a:t>05/05/2020</a:t>
             </a:fld>
             <a:endParaRPr lang="fr-FR"/>
           </a:p>
@@ -1352,10 +1340,9 @@
           <a:lstStyle/>
           <a:p>
             <a:r>
-              <a:rPr lang="fr-FR" smtClean="0"/>
+              <a:rPr lang="fr-FR"/>
               <a:t>Modifiez le style du titre</a:t>
             </a:r>
-            <a:endParaRPr lang="fr-FR"/>
           </a:p>
         </p:txBody>
       </p:sp>
@@ -1418,7 +1405,7 @@
           <a:p>
             <a:pPr lvl="0"/>
             <a:r>
-              <a:rPr lang="fr-FR" smtClean="0"/>
+              <a:rPr lang="fr-FR"/>
               <a:t>Modifier les styles du texte du masque</a:t>
             </a:r>
           </a:p>
@@ -1446,38 +1433,37 @@
           <a:p>
             <a:pPr lvl="0"/>
             <a:r>
-              <a:rPr lang="fr-FR" smtClean="0"/>
+              <a:rPr lang="fr-FR"/>
               <a:t>Modifier les styles du texte du masque</a:t>
             </a:r>
           </a:p>
           <a:p>
             <a:pPr lvl="1"/>
             <a:r>
-              <a:rPr lang="fr-FR" smtClean="0"/>
+              <a:rPr lang="fr-FR"/>
               <a:t>Deuxième niveau</a:t>
             </a:r>
           </a:p>
           <a:p>
             <a:pPr lvl="2"/>
             <a:r>
-              <a:rPr lang="fr-FR" smtClean="0"/>
+              <a:rPr lang="fr-FR"/>
               <a:t>Troisième niveau</a:t>
             </a:r>
           </a:p>
           <a:p>
             <a:pPr lvl="3"/>
             <a:r>
-              <a:rPr lang="fr-FR" smtClean="0"/>
+              <a:rPr lang="fr-FR"/>
               <a:t>Quatrième niveau</a:t>
             </a:r>
           </a:p>
           <a:p>
             <a:pPr lvl="4"/>
             <a:r>
-              <a:rPr lang="fr-FR" smtClean="0"/>
+              <a:rPr lang="fr-FR"/>
               <a:t>Cinquième niveau</a:t>
             </a:r>
-            <a:endParaRPr lang="fr-FR"/>
           </a:p>
         </p:txBody>
       </p:sp>
@@ -1540,7 +1526,7 @@
           <a:p>
             <a:pPr lvl="0"/>
             <a:r>
-              <a:rPr lang="fr-FR" smtClean="0"/>
+              <a:rPr lang="fr-FR"/>
               <a:t>Modifier les styles du texte du masque</a:t>
             </a:r>
           </a:p>
@@ -1568,38 +1554,37 @@
           <a:p>
             <a:pPr lvl="0"/>
             <a:r>
-              <a:rPr lang="fr-FR" smtClean="0"/>
+              <a:rPr lang="fr-FR"/>
               <a:t>Modifier les styles du texte du masque</a:t>
             </a:r>
           </a:p>
           <a:p>
             <a:pPr lvl="1"/>
             <a:r>
-              <a:rPr lang="fr-FR" smtClean="0"/>
+              <a:rPr lang="fr-FR"/>
               <a:t>Deuxième niveau</a:t>
             </a:r>
           </a:p>
           <a:p>
             <a:pPr lvl="2"/>
             <a:r>
-              <a:rPr lang="fr-FR" smtClean="0"/>
+              <a:rPr lang="fr-FR"/>
               <a:t>Troisième niveau</a:t>
             </a:r>
           </a:p>
           <a:p>
             <a:pPr lvl="3"/>
             <a:r>
-              <a:rPr lang="fr-FR" smtClean="0"/>
+              <a:rPr lang="fr-FR"/>
               <a:t>Quatrième niveau</a:t>
             </a:r>
           </a:p>
           <a:p>
             <a:pPr lvl="4"/>
             <a:r>
-              <a:rPr lang="fr-FR" smtClean="0"/>
+              <a:rPr lang="fr-FR"/>
               <a:t>Cinquième niveau</a:t>
             </a:r>
-            <a:endParaRPr lang="fr-FR"/>
           </a:p>
         </p:txBody>
       </p:sp>
@@ -1620,7 +1605,7 @@
           <a:p>
             <a:fld id="{260E7F35-4855-4D43-B1DE-D4E531001705}" type="datetimeFigureOut">
               <a:rPr lang="fr-FR" smtClean="0"/>
-              <a:t>24/04/2020</a:t>
+              <a:t>05/05/2020</a:t>
             </a:fld>
             <a:endParaRPr lang="fr-FR"/>
           </a:p>
@@ -1714,10 +1699,9 @@
           <a:lstStyle/>
           <a:p>
             <a:r>
-              <a:rPr lang="fr-FR" smtClean="0"/>
+              <a:rPr lang="fr-FR"/>
               <a:t>Modifiez le style du titre</a:t>
             </a:r>
-            <a:endParaRPr lang="fr-FR"/>
           </a:p>
         </p:txBody>
       </p:sp>
@@ -1738,7 +1722,7 @@
           <a:p>
             <a:fld id="{260E7F35-4855-4D43-B1DE-D4E531001705}" type="datetimeFigureOut">
               <a:rPr lang="fr-FR" smtClean="0"/>
-              <a:t>24/04/2020</a:t>
+              <a:t>05/05/2020</a:t>
             </a:fld>
             <a:endParaRPr lang="fr-FR"/>
           </a:p>
@@ -1833,7 +1817,7 @@
           <a:p>
             <a:fld id="{260E7F35-4855-4D43-B1DE-D4E531001705}" type="datetimeFigureOut">
               <a:rPr lang="fr-FR" smtClean="0"/>
-              <a:t>24/04/2020</a:t>
+              <a:t>05/05/2020</a:t>
             </a:fld>
             <a:endParaRPr lang="fr-FR"/>
           </a:p>
@@ -1936,10 +1920,9 @@
           </a:lstStyle>
           <a:p>
             <a:r>
-              <a:rPr lang="fr-FR" smtClean="0"/>
+              <a:rPr lang="fr-FR"/>
               <a:t>Modifiez le style du titre</a:t>
             </a:r>
-            <a:endParaRPr lang="fr-FR"/>
           </a:p>
         </p:txBody>
       </p:sp>
@@ -1993,38 +1976,37 @@
           <a:p>
             <a:pPr lvl="0"/>
             <a:r>
-              <a:rPr lang="fr-FR" smtClean="0"/>
+              <a:rPr lang="fr-FR"/>
               <a:t>Modifier les styles du texte du masque</a:t>
             </a:r>
           </a:p>
           <a:p>
             <a:pPr lvl="1"/>
             <a:r>
-              <a:rPr lang="fr-FR" smtClean="0"/>
+              <a:rPr lang="fr-FR"/>
               <a:t>Deuxième niveau</a:t>
             </a:r>
           </a:p>
           <a:p>
             <a:pPr lvl="2"/>
             <a:r>
-              <a:rPr lang="fr-FR" smtClean="0"/>
+              <a:rPr lang="fr-FR"/>
               <a:t>Troisième niveau</a:t>
             </a:r>
           </a:p>
           <a:p>
             <a:pPr lvl="3"/>
             <a:r>
-              <a:rPr lang="fr-FR" smtClean="0"/>
+              <a:rPr lang="fr-FR"/>
               <a:t>Quatrième niveau</a:t>
             </a:r>
           </a:p>
           <a:p>
             <a:pPr lvl="4"/>
             <a:r>
-              <a:rPr lang="fr-FR" smtClean="0"/>
+              <a:rPr lang="fr-FR"/>
               <a:t>Cinquième niveau</a:t>
             </a:r>
-            <a:endParaRPr lang="fr-FR"/>
           </a:p>
         </p:txBody>
       </p:sp>
@@ -2087,7 +2069,7 @@
           <a:p>
             <a:pPr lvl="0"/>
             <a:r>
-              <a:rPr lang="fr-FR" smtClean="0"/>
+              <a:rPr lang="fr-FR"/>
               <a:t>Modifier les styles du texte du masque</a:t>
             </a:r>
           </a:p>
@@ -2110,7 +2092,7 @@
           <a:p>
             <a:fld id="{260E7F35-4855-4D43-B1DE-D4E531001705}" type="datetimeFigureOut">
               <a:rPr lang="fr-FR" smtClean="0"/>
-              <a:t>24/04/2020</a:t>
+              <a:t>05/05/2020</a:t>
             </a:fld>
             <a:endParaRPr lang="fr-FR"/>
           </a:p>
@@ -2213,10 +2195,9 @@
           </a:lstStyle>
           <a:p>
             <a:r>
-              <a:rPr lang="fr-FR" smtClean="0"/>
+              <a:rPr lang="fr-FR"/>
               <a:t>Modifiez le style du titre</a:t>
             </a:r>
-            <a:endParaRPr lang="fr-FR"/>
           </a:p>
         </p:txBody>
       </p:sp>
@@ -2340,7 +2321,7 @@
           <a:p>
             <a:pPr lvl="0"/>
             <a:r>
-              <a:rPr lang="fr-FR" smtClean="0"/>
+              <a:rPr lang="fr-FR"/>
               <a:t>Modifier les styles du texte du masque</a:t>
             </a:r>
           </a:p>
@@ -2363,7 +2344,7 @@
           <a:p>
             <a:fld id="{260E7F35-4855-4D43-B1DE-D4E531001705}" type="datetimeFigureOut">
               <a:rPr lang="fr-FR" smtClean="0"/>
-              <a:t>24/04/2020</a:t>
+              <a:t>05/05/2020</a:t>
             </a:fld>
             <a:endParaRPr lang="fr-FR"/>
           </a:p>
@@ -2472,10 +2453,9 @@
           <a:lstStyle/>
           <a:p>
             <a:r>
-              <a:rPr lang="fr-FR" smtClean="0"/>
+              <a:rPr lang="fr-FR"/>
               <a:t>Modifiez le style du titre</a:t>
             </a:r>
-            <a:endParaRPr lang="fr-FR"/>
           </a:p>
         </p:txBody>
       </p:sp>
@@ -2506,38 +2486,37 @@
           <a:p>
             <a:pPr lvl="0"/>
             <a:r>
-              <a:rPr lang="fr-FR" smtClean="0"/>
+              <a:rPr lang="fr-FR"/>
               <a:t>Modifier les styles du texte du masque</a:t>
             </a:r>
           </a:p>
           <a:p>
             <a:pPr lvl="1"/>
             <a:r>
-              <a:rPr lang="fr-FR" smtClean="0"/>
+              <a:rPr lang="fr-FR"/>
               <a:t>Deuxième niveau</a:t>
             </a:r>
           </a:p>
           <a:p>
             <a:pPr lvl="2"/>
             <a:r>
-              <a:rPr lang="fr-FR" smtClean="0"/>
+              <a:rPr lang="fr-FR"/>
               <a:t>Troisième niveau</a:t>
             </a:r>
           </a:p>
           <a:p>
             <a:pPr lvl="3"/>
             <a:r>
-              <a:rPr lang="fr-FR" smtClean="0"/>
+              <a:rPr lang="fr-FR"/>
               <a:t>Quatrième niveau</a:t>
             </a:r>
           </a:p>
           <a:p>
             <a:pPr lvl="4"/>
             <a:r>
-              <a:rPr lang="fr-FR" smtClean="0"/>
+              <a:rPr lang="fr-FR"/>
               <a:t>Cinquième niveau</a:t>
             </a:r>
-            <a:endParaRPr lang="fr-FR"/>
           </a:p>
         </p:txBody>
       </p:sp>
@@ -2576,7 +2555,7 @@
           <a:p>
             <a:fld id="{260E7F35-4855-4D43-B1DE-D4E531001705}" type="datetimeFigureOut">
               <a:rPr lang="fr-FR" smtClean="0"/>
-              <a:t>24/04/2020</a:t>
+              <a:t>05/05/2020</a:t>
             </a:fld>
             <a:endParaRPr lang="fr-FR"/>
           </a:p>
@@ -3305,7 +3284,7 @@
             </a:lstStyle>
             <a:p>
               <a:r>
-                <a:rPr lang="en-US" sz="900" dirty="0" smtClean="0">
+                <a:rPr lang="en-US" sz="900" dirty="0">
                   <a:solidFill>
                     <a:srgbClr val="5F5F5F"/>
                   </a:solidFill>
@@ -3314,13 +3293,6 @@
                 </a:rPr>
                 <a:t>Browser</a:t>
               </a:r>
-              <a:endParaRPr lang="en-US" sz="900" dirty="0">
-                <a:solidFill>
-                  <a:srgbClr val="5F5F5F"/>
-                </a:solidFill>
-                <a:latin typeface="Segoe UI" panose="020B0502040204020203" pitchFamily="34" charset="0"/>
-                <a:cs typeface="Segoe UI" panose="020B0502040204020203" pitchFamily="34" charset="0"/>
-              </a:endParaRPr>
             </a:p>
           </p:txBody>
         </p:sp>
@@ -3875,7 +3847,7 @@
             </a:lstStyle>
             <a:p>
               <a:r>
-                <a:rPr lang="en-US" sz="900" noProof="1" smtClean="0">
+                <a:rPr lang="en-US" sz="900" noProof="1">
                   <a:solidFill>
                     <a:srgbClr val="5F5F5F"/>
                   </a:solidFill>
@@ -3884,13 +3856,6 @@
                 </a:rPr>
                 <a:t>www.example.com</a:t>
               </a:r>
-              <a:endParaRPr lang="en-US" sz="900" noProof="1">
-                <a:solidFill>
-                  <a:srgbClr val="5F5F5F"/>
-                </a:solidFill>
-                <a:latin typeface="Segoe UI" panose="020B0502040204020203" pitchFamily="34" charset="0"/>
-                <a:cs typeface="Segoe UI" panose="020B0502040204020203" pitchFamily="34" charset="0"/>
-              </a:endParaRPr>
             </a:p>
           </p:txBody>
         </p:sp>
@@ -4806,10 +4771,9 @@
           <a:lstStyle/>
           <a:p>
             <a:r>
-              <a:rPr lang="fr-FR" dirty="0" smtClean="0"/>
+              <a:rPr lang="fr-FR" dirty="0"/>
               <a:t>INDEX Part1</a:t>
             </a:r>
-            <a:endParaRPr lang="fr-FR" dirty="0"/>
           </a:p>
         </p:txBody>
       </p:sp>
@@ -4919,18 +4883,13 @@
           <a:lstStyle/>
           <a:p>
             <a:r>
-              <a:rPr lang="fr-FR" sz="2800" dirty="0" smtClean="0">
+              <a:rPr lang="fr-FR" sz="2800" dirty="0">
                 <a:solidFill>
                   <a:schemeClr val="bg1"/>
                 </a:solidFill>
               </a:rPr>
               <a:t>LES TRESORS DE ONE PIECE</a:t>
             </a:r>
-            <a:endParaRPr lang="fr-FR" sz="2800" dirty="0">
-              <a:solidFill>
-                <a:schemeClr val="bg1"/>
-              </a:solidFill>
-            </a:endParaRPr>
           </a:p>
         </p:txBody>
       </p:sp>
@@ -4957,7 +4916,7 @@
           <a:lstStyle/>
           <a:p>
             <a:r>
-              <a:rPr lang="fr-FR" sz="1400" dirty="0" smtClean="0">
+              <a:rPr lang="fr-FR" sz="1400" dirty="0">
                 <a:solidFill>
                   <a:schemeClr val="bg1"/>
                 </a:solidFill>
@@ -4996,18 +4955,13 @@
           <a:lstStyle/>
           <a:p>
             <a:r>
-              <a:rPr lang="fr-FR" dirty="0" smtClean="0">
+              <a:rPr lang="fr-FR" dirty="0">
                 <a:solidFill>
                   <a:schemeClr val="bg1"/>
                 </a:solidFill>
               </a:rPr>
               <a:t>HOME</a:t>
             </a:r>
-            <a:endParaRPr lang="fr-FR" dirty="0">
-              <a:solidFill>
-                <a:schemeClr val="bg1"/>
-              </a:solidFill>
-            </a:endParaRPr>
           </a:p>
         </p:txBody>
       </p:sp>
@@ -5034,18 +4988,13 @@
           <a:lstStyle/>
           <a:p>
             <a:r>
-              <a:rPr lang="fr-FR" dirty="0" smtClean="0">
+              <a:rPr lang="fr-FR" dirty="0">
                 <a:solidFill>
                   <a:schemeClr val="bg1"/>
                 </a:solidFill>
               </a:rPr>
               <a:t>FIGURINES</a:t>
             </a:r>
-            <a:endParaRPr lang="fr-FR" dirty="0">
-              <a:solidFill>
-                <a:schemeClr val="bg1"/>
-              </a:solidFill>
-            </a:endParaRPr>
           </a:p>
         </p:txBody>
       </p:sp>
@@ -5072,18 +5021,13 @@
           <a:lstStyle/>
           <a:p>
             <a:r>
-              <a:rPr lang="fr-FR" dirty="0" smtClean="0">
+              <a:rPr lang="fr-FR" dirty="0">
                 <a:solidFill>
                   <a:schemeClr val="bg1"/>
                 </a:solidFill>
               </a:rPr>
               <a:t>VETEMENTS</a:t>
             </a:r>
-            <a:endParaRPr lang="fr-FR" dirty="0">
-              <a:solidFill>
-                <a:schemeClr val="bg1"/>
-              </a:solidFill>
-            </a:endParaRPr>
           </a:p>
         </p:txBody>
       </p:sp>
@@ -5110,18 +5054,13 @@
           <a:lstStyle/>
           <a:p>
             <a:r>
-              <a:rPr lang="fr-FR" dirty="0" smtClean="0">
+              <a:rPr lang="fr-FR" dirty="0">
                 <a:solidFill>
                   <a:schemeClr val="bg1"/>
                 </a:solidFill>
               </a:rPr>
               <a:t>DVD &amp; BLU-RAY</a:t>
             </a:r>
-            <a:endParaRPr lang="fr-FR" dirty="0">
-              <a:solidFill>
-                <a:schemeClr val="bg1"/>
-              </a:solidFill>
-            </a:endParaRPr>
           </a:p>
         </p:txBody>
       </p:sp>
@@ -5148,18 +5087,13 @@
           <a:lstStyle/>
           <a:p>
             <a:r>
-              <a:rPr lang="fr-FR" dirty="0" smtClean="0">
+              <a:rPr lang="fr-FR" dirty="0">
                 <a:solidFill>
                   <a:schemeClr val="bg1"/>
                 </a:solidFill>
               </a:rPr>
               <a:t>LIVRES</a:t>
             </a:r>
-            <a:endParaRPr lang="fr-FR" dirty="0">
-              <a:solidFill>
-                <a:schemeClr val="bg1"/>
-              </a:solidFill>
-            </a:endParaRPr>
           </a:p>
         </p:txBody>
       </p:sp>
@@ -5186,18 +5120,13 @@
           <a:lstStyle/>
           <a:p>
             <a:r>
-              <a:rPr lang="fr-FR" dirty="0" smtClean="0">
+              <a:rPr lang="fr-FR" dirty="0">
                 <a:solidFill>
                   <a:schemeClr val="bg1"/>
                 </a:solidFill>
               </a:rPr>
               <a:t>GOODIES</a:t>
             </a:r>
-            <a:endParaRPr lang="fr-FR" dirty="0">
-              <a:solidFill>
-                <a:schemeClr val="bg1"/>
-              </a:solidFill>
-            </a:endParaRPr>
           </a:p>
         </p:txBody>
       </p:sp>
@@ -6029,7 +5958,7 @@
           <a:lstStyle/>
           <a:p>
             <a:r>
-              <a:rPr lang="fr-FR" sz="5400" dirty="0" smtClean="0">
+              <a:rPr lang="fr-FR" sz="5400" dirty="0">
                 <a:solidFill>
                   <a:schemeClr val="tx2">
                     <a:lumMod val="40000"/>
@@ -6039,14 +5968,6 @@
               </a:rPr>
               <a:t>&gt;</a:t>
             </a:r>
-            <a:endParaRPr lang="fr-FR" sz="5400" dirty="0">
-              <a:solidFill>
-                <a:schemeClr val="tx2">
-                  <a:lumMod val="40000"/>
-                  <a:lumOff val="60000"/>
-                </a:schemeClr>
-              </a:solidFill>
-            </a:endParaRPr>
           </a:p>
         </p:txBody>
       </p:sp>
@@ -6073,10 +5994,9 @@
           <a:lstStyle/>
           <a:p>
             <a:r>
-              <a:rPr lang="fr-FR" dirty="0" smtClean="0"/>
+              <a:rPr lang="fr-FR" dirty="0"/>
               <a:t>Populaire</a:t>
             </a:r>
-            <a:endParaRPr lang="fr-FR" dirty="0"/>
           </a:p>
         </p:txBody>
       </p:sp>
@@ -6103,10 +6023,9 @@
           <a:lstStyle/>
           <a:p>
             <a:r>
-              <a:rPr lang="fr-FR" dirty="0" smtClean="0"/>
+              <a:rPr lang="fr-FR" dirty="0"/>
               <a:t>Promotions</a:t>
             </a:r>
-            <a:endParaRPr lang="fr-FR" dirty="0"/>
           </a:p>
         </p:txBody>
       </p:sp>
@@ -6133,10 +6052,9 @@
           <a:lstStyle/>
           <a:p>
             <a:r>
-              <a:rPr lang="fr-FR" dirty="0" smtClean="0"/>
+              <a:rPr lang="fr-FR" dirty="0"/>
               <a:t>Nouveautés</a:t>
             </a:r>
-            <a:endParaRPr lang="fr-FR" dirty="0"/>
           </a:p>
         </p:txBody>
       </p:sp>
@@ -6239,14 +6157,13 @@
           <a:lstStyle/>
           <a:p>
             <a:r>
-              <a:rPr lang="fr-FR" dirty="0" err="1" smtClean="0"/>
+              <a:rPr lang="fr-FR" dirty="0" err="1"/>
               <a:t>Slideshow</a:t>
             </a:r>
             <a:r>
-              <a:rPr lang="fr-FR" dirty="0" smtClean="0"/>
+              <a:rPr lang="fr-FR" dirty="0"/>
               <a:t> image des produits</a:t>
             </a:r>
-            <a:endParaRPr lang="fr-FR" dirty="0"/>
           </a:p>
         </p:txBody>
       </p:sp>
@@ -6260,13 +6177,6 @@
   <p:clrMapOvr>
     <a:masterClrMapping/>
   </p:clrMapOvr>
-  <p:timing>
-    <p:tnLst>
-      <p:par>
-        <p:cTn id="1" dur="indefinite" restart="never" nodeType="tmRoot"/>
-      </p:par>
-    </p:tnLst>
-  </p:timing>
 </p:sld>
 </file>
 
@@ -6795,18 +6705,13 @@
           <a:lstStyle/>
           <a:p>
             <a:r>
-              <a:rPr lang="fr-FR" sz="900" dirty="0" smtClean="0">
+              <a:rPr lang="fr-FR" sz="900" dirty="0">
                 <a:solidFill>
                   <a:schemeClr val="bg1"/>
                 </a:solidFill>
               </a:rPr>
               <a:t>LES TRESORS DE ONE PIECE</a:t>
             </a:r>
-            <a:endParaRPr lang="fr-FR" sz="900" dirty="0">
-              <a:solidFill>
-                <a:schemeClr val="bg1"/>
-              </a:solidFill>
-            </a:endParaRPr>
           </a:p>
         </p:txBody>
       </p:sp>
@@ -6923,10 +6828,9 @@
           <a:lstStyle/>
           <a:p>
             <a:r>
-              <a:rPr lang="fr-FR" sz="1600" dirty="0" smtClean="0"/>
+              <a:rPr lang="fr-FR" sz="1600" dirty="0"/>
               <a:t>PROMOTIONS</a:t>
             </a:r>
-            <a:endParaRPr lang="fr-FR" sz="1600" dirty="0"/>
           </a:p>
         </p:txBody>
       </p:sp>
@@ -7111,18 +7015,13 @@
           <a:lstStyle/>
           <a:p>
             <a:r>
-              <a:rPr lang="fr-FR" sz="1400" dirty="0" smtClean="0">
+              <a:rPr lang="fr-FR" sz="1400" dirty="0">
                 <a:solidFill>
                   <a:srgbClr val="C00000"/>
                 </a:solidFill>
               </a:rPr>
               <a:t>39,90 €</a:t>
             </a:r>
-            <a:endParaRPr lang="fr-FR" sz="1400" dirty="0">
-              <a:solidFill>
-                <a:srgbClr val="C00000"/>
-              </a:solidFill>
-            </a:endParaRPr>
           </a:p>
         </p:txBody>
       </p:sp>
@@ -7195,18 +7094,13 @@
           <a:lstStyle/>
           <a:p>
             <a:r>
-              <a:rPr lang="fr-FR" sz="900" dirty="0" smtClean="0">
+              <a:rPr lang="fr-FR" sz="900" dirty="0">
                 <a:solidFill>
                   <a:schemeClr val="bg1"/>
                 </a:solidFill>
               </a:rPr>
               <a:t>Promo</a:t>
             </a:r>
-            <a:endParaRPr lang="fr-FR" sz="900" dirty="0">
-              <a:solidFill>
-                <a:schemeClr val="bg1"/>
-              </a:solidFill>
-            </a:endParaRPr>
           </a:p>
         </p:txBody>
       </p:sp>
@@ -7233,10 +7127,9 @@
           <a:lstStyle/>
           <a:p>
             <a:r>
-              <a:rPr lang="fr-FR" dirty="0" smtClean="0"/>
+              <a:rPr lang="fr-FR" dirty="0"/>
               <a:t>INDEX Smartphone Part 2</a:t>
             </a:r>
-            <a:endParaRPr lang="fr-FR" dirty="0"/>
           </a:p>
         </p:txBody>
       </p:sp>
@@ -7263,10 +7156,9 @@
           <a:lstStyle/>
           <a:p>
             <a:r>
-              <a:rPr lang="fr-FR" sz="800" strike="sngStrike" dirty="0" smtClean="0"/>
+              <a:rPr lang="fr-FR" sz="800" strike="sngStrike" dirty="0"/>
               <a:t>59,90€</a:t>
             </a:r>
-            <a:endParaRPr lang="fr-FR" sz="800" strike="sngStrike" dirty="0"/>
           </a:p>
         </p:txBody>
       </p:sp>
@@ -7460,18 +7352,13 @@
           <a:lstStyle/>
           <a:p>
             <a:r>
-              <a:rPr lang="fr-FR" sz="900" dirty="0" smtClean="0">
+              <a:rPr lang="fr-FR" sz="900" dirty="0">
                 <a:solidFill>
                   <a:schemeClr val="bg1"/>
                 </a:solidFill>
               </a:rPr>
               <a:t>Promo</a:t>
             </a:r>
-            <a:endParaRPr lang="fr-FR" sz="900" dirty="0">
-              <a:solidFill>
-                <a:schemeClr val="bg1"/>
-              </a:solidFill>
-            </a:endParaRPr>
           </a:p>
         </p:txBody>
       </p:sp>
@@ -7498,10 +7385,9 @@
           <a:lstStyle/>
           <a:p>
             <a:r>
-              <a:rPr lang="fr-FR" sz="800" strike="sngStrike" dirty="0" smtClean="0"/>
+              <a:rPr lang="fr-FR" sz="800" strike="sngStrike" dirty="0"/>
               <a:t>59,90€</a:t>
             </a:r>
-            <a:endParaRPr lang="fr-FR" sz="800" strike="sngStrike" dirty="0"/>
           </a:p>
         </p:txBody>
       </p:sp>
@@ -7649,18 +7535,13 @@
           <a:lstStyle/>
           <a:p>
             <a:r>
-              <a:rPr lang="fr-FR" sz="1400" dirty="0" smtClean="0">
+              <a:rPr lang="fr-FR" sz="1400" dirty="0">
                 <a:solidFill>
                   <a:srgbClr val="C00000"/>
                 </a:solidFill>
               </a:rPr>
               <a:t>39,90 €</a:t>
             </a:r>
-            <a:endParaRPr lang="fr-FR" sz="1400" dirty="0">
-              <a:solidFill>
-                <a:srgbClr val="C00000"/>
-              </a:solidFill>
-            </a:endParaRPr>
           </a:p>
         </p:txBody>
       </p:sp>
@@ -7733,18 +7614,13 @@
           <a:lstStyle/>
           <a:p>
             <a:r>
-              <a:rPr lang="fr-FR" sz="900" dirty="0" smtClean="0">
+              <a:rPr lang="fr-FR" sz="900" dirty="0">
                 <a:solidFill>
                   <a:schemeClr val="bg1"/>
                 </a:solidFill>
               </a:rPr>
               <a:t>Promo</a:t>
             </a:r>
-            <a:endParaRPr lang="fr-FR" sz="900" dirty="0">
-              <a:solidFill>
-                <a:schemeClr val="bg1"/>
-              </a:solidFill>
-            </a:endParaRPr>
           </a:p>
         </p:txBody>
       </p:sp>
@@ -7771,10 +7647,9 @@
           <a:lstStyle/>
           <a:p>
             <a:r>
-              <a:rPr lang="fr-FR" sz="800" strike="sngStrike" dirty="0" smtClean="0"/>
+              <a:rPr lang="fr-FR" sz="800" strike="sngStrike" dirty="0"/>
               <a:t>59,90€</a:t>
             </a:r>
-            <a:endParaRPr lang="fr-FR" sz="800" strike="sngStrike" dirty="0"/>
           </a:p>
         </p:txBody>
       </p:sp>
@@ -7968,18 +7843,13 @@
           <a:lstStyle/>
           <a:p>
             <a:r>
-              <a:rPr lang="fr-FR" sz="900" dirty="0" smtClean="0">
+              <a:rPr lang="fr-FR" sz="900" dirty="0">
                 <a:solidFill>
                   <a:schemeClr val="bg1"/>
                 </a:solidFill>
               </a:rPr>
               <a:t>Promo</a:t>
             </a:r>
-            <a:endParaRPr lang="fr-FR" sz="900" dirty="0">
-              <a:solidFill>
-                <a:schemeClr val="bg1"/>
-              </a:solidFill>
-            </a:endParaRPr>
           </a:p>
         </p:txBody>
       </p:sp>
@@ -8006,10 +7876,9 @@
           <a:lstStyle/>
           <a:p>
             <a:r>
-              <a:rPr lang="fr-FR" sz="800" strike="sngStrike" dirty="0" smtClean="0"/>
+              <a:rPr lang="fr-FR" sz="800" strike="sngStrike" dirty="0"/>
               <a:t>59,90€</a:t>
             </a:r>
-            <a:endParaRPr lang="fr-FR" sz="800" strike="sngStrike" dirty="0"/>
           </a:p>
         </p:txBody>
       </p:sp>
@@ -8036,18 +7905,13 @@
           <a:lstStyle/>
           <a:p>
             <a:r>
-              <a:rPr lang="fr-FR" sz="1400" dirty="0" smtClean="0">
+              <a:rPr lang="fr-FR" sz="1400" dirty="0">
                 <a:solidFill>
                   <a:srgbClr val="C00000"/>
                 </a:solidFill>
               </a:rPr>
               <a:t>39,90 €</a:t>
             </a:r>
-            <a:endParaRPr lang="fr-FR" sz="1400" dirty="0">
-              <a:solidFill>
-                <a:srgbClr val="C00000"/>
-              </a:solidFill>
-            </a:endParaRPr>
           </a:p>
         </p:txBody>
       </p:sp>
@@ -8074,18 +7938,13 @@
           <a:lstStyle/>
           <a:p>
             <a:r>
-              <a:rPr lang="fr-FR" sz="1400" dirty="0" smtClean="0">
+              <a:rPr lang="fr-FR" sz="1400" dirty="0">
                 <a:solidFill>
                   <a:srgbClr val="C00000"/>
                 </a:solidFill>
               </a:rPr>
               <a:t>39,90 €</a:t>
             </a:r>
-            <a:endParaRPr lang="fr-FR" sz="1400" dirty="0">
-              <a:solidFill>
-                <a:srgbClr val="C00000"/>
-              </a:solidFill>
-            </a:endParaRPr>
           </a:p>
         </p:txBody>
       </p:sp>
@@ -8201,18 +8060,13 @@
           <a:lstStyle/>
           <a:p>
             <a:r>
-              <a:rPr lang="fr-FR" sz="1100" dirty="0" smtClean="0">
+              <a:rPr lang="fr-FR" sz="1100" dirty="0">
                 <a:solidFill>
                   <a:schemeClr val="bg1"/>
                 </a:solidFill>
               </a:rPr>
               <a:t>NOS INFOS</a:t>
             </a:r>
-            <a:endParaRPr lang="fr-FR" sz="1100" dirty="0">
-              <a:solidFill>
-                <a:schemeClr val="bg1"/>
-              </a:solidFill>
-            </a:endParaRPr>
           </a:p>
         </p:txBody>
       </p:sp>
@@ -8239,18 +8093,13 @@
           <a:lstStyle/>
           <a:p>
             <a:r>
-              <a:rPr lang="fr-FR" sz="800" dirty="0" smtClean="0">
+              <a:rPr lang="fr-FR" sz="800" dirty="0">
                 <a:solidFill>
                   <a:schemeClr val="bg1"/>
                 </a:solidFill>
               </a:rPr>
               <a:t>Nous contacter</a:t>
             </a:r>
-            <a:endParaRPr lang="fr-FR" sz="800" dirty="0">
-              <a:solidFill>
-                <a:schemeClr val="bg1"/>
-              </a:solidFill>
-            </a:endParaRPr>
           </a:p>
         </p:txBody>
       </p:sp>
@@ -8277,7 +8126,7 @@
           <a:lstStyle/>
           <a:p>
             <a:r>
-              <a:rPr lang="fr-FR" sz="800" dirty="0" smtClean="0">
+              <a:rPr lang="fr-FR" sz="800" dirty="0">
                 <a:solidFill>
                   <a:schemeClr val="bg1"/>
                 </a:solidFill>
@@ -8285,7 +8134,7 @@
               <a:t>Info </a:t>
             </a:r>
             <a:r>
-              <a:rPr lang="fr-FR" sz="800" dirty="0" err="1" smtClean="0">
+              <a:rPr lang="fr-FR" sz="800" dirty="0" err="1">
                 <a:solidFill>
                   <a:schemeClr val="bg1"/>
                 </a:solidFill>
@@ -8323,18 +8172,13 @@
           <a:lstStyle/>
           <a:p>
             <a:r>
-              <a:rPr lang="fr-FR" sz="800" dirty="0" smtClean="0">
+              <a:rPr lang="fr-FR" sz="800" dirty="0">
                 <a:solidFill>
                   <a:schemeClr val="bg1"/>
                 </a:solidFill>
               </a:rPr>
               <a:t>Info livraison</a:t>
             </a:r>
-            <a:endParaRPr lang="fr-FR" sz="800" dirty="0">
-              <a:solidFill>
-                <a:schemeClr val="bg1"/>
-              </a:solidFill>
-            </a:endParaRPr>
           </a:p>
         </p:txBody>
       </p:sp>
@@ -8361,18 +8205,13 @@
           <a:lstStyle/>
           <a:p>
             <a:r>
-              <a:rPr lang="fr-FR" sz="800" dirty="0" smtClean="0">
+              <a:rPr lang="fr-FR" sz="800" dirty="0">
                 <a:solidFill>
                   <a:schemeClr val="bg1"/>
                 </a:solidFill>
               </a:rPr>
               <a:t>Conditions générales de ventes</a:t>
             </a:r>
-            <a:endParaRPr lang="fr-FR" sz="800" dirty="0">
-              <a:solidFill>
-                <a:schemeClr val="bg1"/>
-              </a:solidFill>
-            </a:endParaRPr>
           </a:p>
         </p:txBody>
       </p:sp>
@@ -8488,18 +8327,13 @@
           <a:lstStyle/>
           <a:p>
             <a:r>
-              <a:rPr lang="fr-FR" sz="1100" dirty="0" smtClean="0">
+              <a:rPr lang="fr-FR" sz="1100" dirty="0">
                 <a:solidFill>
                   <a:schemeClr val="bg1"/>
                 </a:solidFill>
               </a:rPr>
               <a:t>INSCRIPTION A LA NEWSLETTER</a:t>
             </a:r>
-            <a:endParaRPr lang="fr-FR" sz="1100" dirty="0">
-              <a:solidFill>
-                <a:schemeClr val="bg1"/>
-              </a:solidFill>
-            </a:endParaRPr>
           </a:p>
         </p:txBody>
       </p:sp>
@@ -8650,18 +8484,13 @@
           <a:lstStyle/>
           <a:p>
             <a:r>
-              <a:rPr lang="fr-FR" sz="1050" dirty="0" smtClean="0">
+              <a:rPr lang="fr-FR" sz="1050" dirty="0">
                 <a:solidFill>
                   <a:schemeClr val="bg1"/>
                 </a:solidFill>
               </a:rPr>
               <a:t>NOUS SUIVRE SUR LES RESEAUX SOCIAUX</a:t>
             </a:r>
-            <a:endParaRPr lang="fr-FR" sz="1050" dirty="0">
-              <a:solidFill>
-                <a:schemeClr val="bg1"/>
-              </a:solidFill>
-            </a:endParaRPr>
           </a:p>
         </p:txBody>
       </p:sp>
@@ -8774,7 +8603,7 @@
           <a:lstStyle/>
           <a:p>
             <a:r>
-              <a:rPr lang="fr-FR" sz="800" i="1" dirty="0" smtClean="0">
+              <a:rPr lang="fr-FR" sz="800" i="1" dirty="0">
                 <a:solidFill>
                   <a:schemeClr val="bg1">
                     <a:lumMod val="50000"/>
@@ -8783,13 +8612,6 @@
               </a:rPr>
               <a:t>VOTRE ADRESSE E-MAIL</a:t>
             </a:r>
-            <a:endParaRPr lang="fr-FR" sz="800" i="1" dirty="0">
-              <a:solidFill>
-                <a:schemeClr val="bg1">
-                  <a:lumMod val="50000"/>
-                </a:schemeClr>
-              </a:solidFill>
-            </a:endParaRPr>
           </a:p>
         </p:txBody>
       </p:sp>
@@ -8816,18 +8638,13 @@
           <a:lstStyle/>
           <a:p>
             <a:r>
-              <a:rPr lang="fr-FR" sz="1200" dirty="0" smtClean="0">
+              <a:rPr lang="fr-FR" sz="1200" dirty="0">
                 <a:solidFill>
                   <a:schemeClr val="bg1"/>
                 </a:solidFill>
               </a:rPr>
               <a:t>JE M’ABONNE</a:t>
             </a:r>
-            <a:endParaRPr lang="fr-FR" sz="1200" dirty="0">
-              <a:solidFill>
-                <a:schemeClr val="bg1"/>
-              </a:solidFill>
-            </a:endParaRPr>
           </a:p>
         </p:txBody>
       </p:sp>
@@ -8901,13 +8718,6 @@
   <p:clrMapOvr>
     <a:masterClrMapping/>
   </p:clrMapOvr>
-  <p:timing>
-    <p:tnLst>
-      <p:par>
-        <p:cTn id="1" dur="indefinite" restart="never" nodeType="tmRoot"/>
-      </p:par>
-    </p:tnLst>
-  </p:timing>
 </p:sld>
 </file>
 
@@ -9436,18 +9246,13 @@
           <a:lstStyle/>
           <a:p>
             <a:r>
-              <a:rPr lang="fr-FR" sz="900" dirty="0" smtClean="0">
+              <a:rPr lang="fr-FR" sz="900" dirty="0">
                 <a:solidFill>
                   <a:schemeClr val="bg1"/>
                 </a:solidFill>
               </a:rPr>
               <a:t>LES TRESORS DE ONE PIECE</a:t>
             </a:r>
-            <a:endParaRPr lang="fr-FR" sz="900" dirty="0">
-              <a:solidFill>
-                <a:schemeClr val="bg1"/>
-              </a:solidFill>
-            </a:endParaRPr>
           </a:p>
         </p:txBody>
       </p:sp>
@@ -9610,10 +9415,9 @@
           <a:lstStyle/>
           <a:p>
             <a:r>
-              <a:rPr lang="fr-FR" dirty="0" smtClean="0"/>
+              <a:rPr lang="fr-FR" dirty="0"/>
               <a:t>INDEX Smartphone ouverture du menu</a:t>
             </a:r>
-            <a:endParaRPr lang="fr-FR" dirty="0"/>
           </a:p>
         </p:txBody>
       </p:sp>
@@ -9922,7 +9726,7 @@
           <a:lstStyle/>
           <a:p>
             <a:r>
-              <a:rPr lang="fr-FR" b="1" dirty="0" smtClean="0">
+              <a:rPr lang="fr-FR" b="1" dirty="0">
                 <a:solidFill>
                   <a:schemeClr val="bg2">
                     <a:lumMod val="25000"/>
@@ -9931,13 +9735,6 @@
               </a:rPr>
               <a:t>ACCUEIL</a:t>
             </a:r>
-            <a:endParaRPr lang="fr-FR" b="1" dirty="0">
-              <a:solidFill>
-                <a:schemeClr val="bg2">
-                  <a:lumMod val="25000"/>
-                </a:schemeClr>
-              </a:solidFill>
-            </a:endParaRPr>
           </a:p>
         </p:txBody>
       </p:sp>
@@ -9964,7 +9761,7 @@
           <a:lstStyle/>
           <a:p>
             <a:r>
-              <a:rPr lang="fr-FR" b="1" dirty="0" smtClean="0">
+              <a:rPr lang="fr-FR" b="1" dirty="0">
                 <a:solidFill>
                   <a:schemeClr val="bg2">
                     <a:lumMod val="25000"/>
@@ -9973,13 +9770,6 @@
               </a:rPr>
               <a:t>FIGURINES</a:t>
             </a:r>
-            <a:endParaRPr lang="fr-FR" b="1" dirty="0">
-              <a:solidFill>
-                <a:schemeClr val="bg2">
-                  <a:lumMod val="25000"/>
-                </a:schemeClr>
-              </a:solidFill>
-            </a:endParaRPr>
           </a:p>
         </p:txBody>
       </p:sp>
@@ -10006,7 +9796,7 @@
           <a:lstStyle/>
           <a:p>
             <a:r>
-              <a:rPr lang="fr-FR" b="1" dirty="0" smtClean="0">
+              <a:rPr lang="fr-FR" b="1" dirty="0">
                 <a:solidFill>
                   <a:schemeClr val="bg2">
                     <a:lumMod val="25000"/>
@@ -10015,13 +9805,6 @@
               </a:rPr>
               <a:t>LIVRES</a:t>
             </a:r>
-            <a:endParaRPr lang="fr-FR" b="1" dirty="0">
-              <a:solidFill>
-                <a:schemeClr val="bg2">
-                  <a:lumMod val="25000"/>
-                </a:schemeClr>
-              </a:solidFill>
-            </a:endParaRPr>
           </a:p>
         </p:txBody>
       </p:sp>
@@ -10048,7 +9831,7 @@
           <a:lstStyle/>
           <a:p>
             <a:r>
-              <a:rPr lang="fr-FR" b="1" dirty="0" smtClean="0">
+              <a:rPr lang="fr-FR" b="1" dirty="0">
                 <a:solidFill>
                   <a:schemeClr val="bg2">
                     <a:lumMod val="25000"/>
@@ -10057,13 +9840,6 @@
               </a:rPr>
               <a:t>DVD &amp; BLU-RAY</a:t>
             </a:r>
-            <a:endParaRPr lang="fr-FR" b="1" dirty="0">
-              <a:solidFill>
-                <a:schemeClr val="bg2">
-                  <a:lumMod val="25000"/>
-                </a:schemeClr>
-              </a:solidFill>
-            </a:endParaRPr>
           </a:p>
         </p:txBody>
       </p:sp>
@@ -10090,7 +9866,7 @@
           <a:lstStyle/>
           <a:p>
             <a:r>
-              <a:rPr lang="fr-FR" b="1" dirty="0" smtClean="0">
+              <a:rPr lang="fr-FR" b="1" dirty="0">
                 <a:solidFill>
                   <a:schemeClr val="bg2">
                     <a:lumMod val="25000"/>
@@ -10099,13 +9875,6 @@
               </a:rPr>
               <a:t>VETEMENTS</a:t>
             </a:r>
-            <a:endParaRPr lang="fr-FR" b="1" dirty="0">
-              <a:solidFill>
-                <a:schemeClr val="bg2">
-                  <a:lumMod val="25000"/>
-                </a:schemeClr>
-              </a:solidFill>
-            </a:endParaRPr>
           </a:p>
         </p:txBody>
       </p:sp>
@@ -10132,7 +9901,7 @@
           <a:lstStyle/>
           <a:p>
             <a:r>
-              <a:rPr lang="fr-FR" b="1" dirty="0" smtClean="0">
+              <a:rPr lang="fr-FR" b="1" dirty="0">
                 <a:solidFill>
                   <a:schemeClr val="bg2">
                     <a:lumMod val="25000"/>
@@ -10141,13 +9910,6 @@
               </a:rPr>
               <a:t>GOODIES</a:t>
             </a:r>
-            <a:endParaRPr lang="fr-FR" b="1" dirty="0">
-              <a:solidFill>
-                <a:schemeClr val="bg2">
-                  <a:lumMod val="25000"/>
-                </a:schemeClr>
-              </a:solidFill>
-            </a:endParaRPr>
           </a:p>
         </p:txBody>
       </p:sp>
@@ -10198,13 +9960,6 @@
   <p:clrMapOvr>
     <a:masterClrMapping/>
   </p:clrMapOvr>
-  <p:timing>
-    <p:tnLst>
-      <p:par>
-        <p:cTn id="1" dur="indefinite" restart="never" nodeType="tmRoot"/>
-      </p:par>
-    </p:tnLst>
-  </p:timing>
 </p:sld>
 </file>
 
@@ -10735,18 +10490,13 @@
           <a:lstStyle/>
           <a:p>
             <a:r>
-              <a:rPr lang="fr-FR" sz="900" dirty="0" smtClean="0">
+              <a:rPr lang="fr-FR" sz="900" dirty="0">
                 <a:solidFill>
                   <a:schemeClr val="bg1"/>
                 </a:solidFill>
               </a:rPr>
               <a:t>LES TRESORS DE ONE PIECE</a:t>
             </a:r>
-            <a:endParaRPr lang="fr-FR" sz="900" dirty="0">
-              <a:solidFill>
-                <a:schemeClr val="bg1"/>
-              </a:solidFill>
-            </a:endParaRPr>
           </a:p>
         </p:txBody>
       </p:sp>
@@ -10909,7 +10659,7 @@
           <a:lstStyle/>
           <a:p>
             <a:r>
-              <a:rPr lang="fr-FR" dirty="0" err="1" smtClean="0">
+              <a:rPr lang="fr-FR" dirty="0" err="1">
                 <a:solidFill>
                   <a:schemeClr val="tx2">
                     <a:lumMod val="60000"/>
@@ -10920,7 +10670,7 @@
               <a:t>Slideshow</a:t>
             </a:r>
             <a:r>
-              <a:rPr lang="fr-FR" dirty="0" smtClean="0">
+              <a:rPr lang="fr-FR" dirty="0">
                 <a:solidFill>
                   <a:schemeClr val="tx2">
                     <a:lumMod val="60000"/>
@@ -10930,14 +10680,6 @@
               </a:rPr>
               <a:t> images</a:t>
             </a:r>
-            <a:endParaRPr lang="fr-FR" dirty="0">
-              <a:solidFill>
-                <a:schemeClr val="tx2">
-                  <a:lumMod val="60000"/>
-                  <a:lumOff val="40000"/>
-                </a:schemeClr>
-              </a:solidFill>
-            </a:endParaRPr>
           </a:p>
         </p:txBody>
       </p:sp>
@@ -10964,10 +10706,9 @@
           <a:lstStyle/>
           <a:p>
             <a:r>
-              <a:rPr lang="fr-FR" sz="1600" dirty="0" smtClean="0"/>
+              <a:rPr lang="fr-FR" sz="1600" dirty="0"/>
               <a:t>NOUVEAUTES</a:t>
             </a:r>
-            <a:endParaRPr lang="fr-FR" sz="1600" dirty="0"/>
           </a:p>
         </p:txBody>
       </p:sp>
@@ -11167,18 +10908,13 @@
           <a:lstStyle/>
           <a:p>
             <a:r>
-              <a:rPr lang="fr-FR" sz="1400" dirty="0" smtClean="0">
+              <a:rPr lang="fr-FR" sz="1400" dirty="0">
                 <a:solidFill>
                   <a:srgbClr val="C00000"/>
                 </a:solidFill>
               </a:rPr>
               <a:t>74,90 €</a:t>
             </a:r>
-            <a:endParaRPr lang="fr-FR" sz="1400" dirty="0">
-              <a:solidFill>
-                <a:srgbClr val="C00000"/>
-              </a:solidFill>
-            </a:endParaRPr>
           </a:p>
         </p:txBody>
       </p:sp>
@@ -11248,18 +10984,13 @@
           <a:lstStyle/>
           <a:p>
             <a:r>
-              <a:rPr lang="fr-FR" sz="900" dirty="0" smtClean="0">
+              <a:rPr lang="fr-FR" sz="900" dirty="0">
                 <a:solidFill>
                   <a:schemeClr val="bg1"/>
                 </a:solidFill>
               </a:rPr>
               <a:t>Nouveauté</a:t>
             </a:r>
-            <a:endParaRPr lang="fr-FR" sz="900" dirty="0">
-              <a:solidFill>
-                <a:schemeClr val="bg1"/>
-              </a:solidFill>
-            </a:endParaRPr>
           </a:p>
         </p:txBody>
       </p:sp>
@@ -11422,18 +11153,13 @@
           <a:lstStyle/>
           <a:p>
             <a:r>
-              <a:rPr lang="fr-FR" sz="1400" dirty="0" smtClean="0">
+              <a:rPr lang="fr-FR" sz="1400" dirty="0">
                 <a:solidFill>
                   <a:srgbClr val="C00000"/>
                 </a:solidFill>
               </a:rPr>
               <a:t>74,90 €</a:t>
             </a:r>
-            <a:endParaRPr lang="fr-FR" sz="1400" dirty="0">
-              <a:solidFill>
-                <a:srgbClr val="C00000"/>
-              </a:solidFill>
-            </a:endParaRPr>
           </a:p>
         </p:txBody>
       </p:sp>
@@ -11503,18 +11229,13 @@
           <a:lstStyle/>
           <a:p>
             <a:r>
-              <a:rPr lang="fr-FR" sz="900" dirty="0" smtClean="0">
+              <a:rPr lang="fr-FR" sz="900" dirty="0">
                 <a:solidFill>
                   <a:schemeClr val="bg1"/>
                 </a:solidFill>
               </a:rPr>
               <a:t>Nouveauté</a:t>
             </a:r>
-            <a:endParaRPr lang="fr-FR" sz="900" dirty="0">
-              <a:solidFill>
-                <a:schemeClr val="bg1"/>
-              </a:solidFill>
-            </a:endParaRPr>
           </a:p>
         </p:txBody>
       </p:sp>
@@ -11677,18 +11398,13 @@
           <a:lstStyle/>
           <a:p>
             <a:r>
-              <a:rPr lang="fr-FR" sz="1400" dirty="0" smtClean="0">
+              <a:rPr lang="fr-FR" sz="1400" dirty="0">
                 <a:solidFill>
                   <a:srgbClr val="C00000"/>
                 </a:solidFill>
               </a:rPr>
               <a:t>74,90 €</a:t>
             </a:r>
-            <a:endParaRPr lang="fr-FR" sz="1400" dirty="0">
-              <a:solidFill>
-                <a:srgbClr val="C00000"/>
-              </a:solidFill>
-            </a:endParaRPr>
           </a:p>
         </p:txBody>
       </p:sp>
@@ -11758,18 +11474,13 @@
           <a:lstStyle/>
           <a:p>
             <a:r>
-              <a:rPr lang="fr-FR" sz="900" dirty="0" smtClean="0">
+              <a:rPr lang="fr-FR" sz="900" dirty="0">
                 <a:solidFill>
                   <a:schemeClr val="bg1"/>
                 </a:solidFill>
               </a:rPr>
               <a:t>Nouveauté</a:t>
             </a:r>
-            <a:endParaRPr lang="fr-FR" sz="900" dirty="0">
-              <a:solidFill>
-                <a:schemeClr val="bg1"/>
-              </a:solidFill>
-            </a:endParaRPr>
           </a:p>
         </p:txBody>
       </p:sp>
@@ -11932,18 +11643,13 @@
           <a:lstStyle/>
           <a:p>
             <a:r>
-              <a:rPr lang="fr-FR" sz="1400" dirty="0" smtClean="0">
+              <a:rPr lang="fr-FR" sz="1400" dirty="0">
                 <a:solidFill>
                   <a:srgbClr val="C00000"/>
                 </a:solidFill>
               </a:rPr>
               <a:t>74,90 €</a:t>
             </a:r>
-            <a:endParaRPr lang="fr-FR" sz="1400" dirty="0">
-              <a:solidFill>
-                <a:srgbClr val="C00000"/>
-              </a:solidFill>
-            </a:endParaRPr>
           </a:p>
         </p:txBody>
       </p:sp>
@@ -12013,18 +11719,13 @@
           <a:lstStyle/>
           <a:p>
             <a:r>
-              <a:rPr lang="fr-FR" sz="900" dirty="0" smtClean="0">
+              <a:rPr lang="fr-FR" sz="900" dirty="0">
                 <a:solidFill>
                   <a:schemeClr val="bg1"/>
                 </a:solidFill>
               </a:rPr>
               <a:t>Nouveauté</a:t>
             </a:r>
-            <a:endParaRPr lang="fr-FR" sz="900" dirty="0">
-              <a:solidFill>
-                <a:schemeClr val="bg1"/>
-              </a:solidFill>
-            </a:endParaRPr>
           </a:p>
         </p:txBody>
       </p:sp>
@@ -12038,13 +11739,6 @@
   <p:clrMapOvr>
     <a:masterClrMapping/>
   </p:clrMapOvr>
-  <p:timing>
-    <p:tnLst>
-      <p:par>
-        <p:cTn id="1" dur="indefinite" restart="never" nodeType="tmRoot"/>
-      </p:par>
-    </p:tnLst>
-  </p:timing>
 </p:sld>
 </file>
 
@@ -12575,18 +12269,13 @@
           <a:lstStyle/>
           <a:p>
             <a:r>
-              <a:rPr lang="fr-FR" sz="900" dirty="0" smtClean="0">
+              <a:rPr lang="fr-FR" sz="900" dirty="0">
                 <a:solidFill>
                   <a:schemeClr val="bg1"/>
                 </a:solidFill>
               </a:rPr>
               <a:t>LES TRESORS DE ONE PIECE</a:t>
             </a:r>
-            <a:endParaRPr lang="fr-FR" sz="900" dirty="0">
-              <a:solidFill>
-                <a:schemeClr val="bg1"/>
-              </a:solidFill>
-            </a:endParaRPr>
           </a:p>
         </p:txBody>
       </p:sp>
@@ -12749,7 +12438,7 @@
           <a:lstStyle/>
           <a:p>
             <a:r>
-              <a:rPr lang="fr-FR" dirty="0" err="1" smtClean="0">
+              <a:rPr lang="fr-FR" dirty="0" err="1">
                 <a:solidFill>
                   <a:schemeClr val="tx2">
                     <a:lumMod val="60000"/>
@@ -12760,7 +12449,7 @@
               <a:t>Slideshow</a:t>
             </a:r>
             <a:r>
-              <a:rPr lang="fr-FR" dirty="0" smtClean="0">
+              <a:rPr lang="fr-FR" dirty="0">
                 <a:solidFill>
                   <a:schemeClr val="tx2">
                     <a:lumMod val="60000"/>
@@ -12770,14 +12459,6 @@
               </a:rPr>
               <a:t> images</a:t>
             </a:r>
-            <a:endParaRPr lang="fr-FR" dirty="0">
-              <a:solidFill>
-                <a:schemeClr val="tx2">
-                  <a:lumMod val="60000"/>
-                  <a:lumOff val="40000"/>
-                </a:schemeClr>
-              </a:solidFill>
-            </a:endParaRPr>
           </a:p>
         </p:txBody>
       </p:sp>
@@ -12804,10 +12485,9 @@
           <a:lstStyle/>
           <a:p>
             <a:r>
-              <a:rPr lang="fr-FR" sz="1600" dirty="0" smtClean="0"/>
+              <a:rPr lang="fr-FR" sz="1600" dirty="0"/>
               <a:t>NOUVEAUTES</a:t>
             </a:r>
-            <a:endParaRPr lang="fr-FR" sz="1600" dirty="0"/>
           </a:p>
         </p:txBody>
       </p:sp>
@@ -13007,18 +12687,13 @@
           <a:lstStyle/>
           <a:p>
             <a:r>
-              <a:rPr lang="fr-FR" sz="1400" dirty="0" smtClean="0">
+              <a:rPr lang="fr-FR" sz="1400" dirty="0">
                 <a:solidFill>
                   <a:srgbClr val="C00000"/>
                 </a:solidFill>
               </a:rPr>
               <a:t>74,90 €</a:t>
             </a:r>
-            <a:endParaRPr lang="fr-FR" sz="1400" dirty="0">
-              <a:solidFill>
-                <a:srgbClr val="C00000"/>
-              </a:solidFill>
-            </a:endParaRPr>
           </a:p>
         </p:txBody>
       </p:sp>
@@ -13088,18 +12763,13 @@
           <a:lstStyle/>
           <a:p>
             <a:r>
-              <a:rPr lang="fr-FR" sz="900" dirty="0" smtClean="0">
+              <a:rPr lang="fr-FR" sz="900" dirty="0">
                 <a:solidFill>
                   <a:schemeClr val="bg1"/>
                 </a:solidFill>
               </a:rPr>
               <a:t>Nouveauté</a:t>
             </a:r>
-            <a:endParaRPr lang="fr-FR" sz="900" dirty="0">
-              <a:solidFill>
-                <a:schemeClr val="bg1"/>
-              </a:solidFill>
-            </a:endParaRPr>
           </a:p>
         </p:txBody>
       </p:sp>
@@ -13262,18 +12932,13 @@
           <a:lstStyle/>
           <a:p>
             <a:r>
-              <a:rPr lang="fr-FR" sz="1400" dirty="0" smtClean="0">
+              <a:rPr lang="fr-FR" sz="1400" dirty="0">
                 <a:solidFill>
                   <a:srgbClr val="C00000"/>
                 </a:solidFill>
               </a:rPr>
               <a:t>74,90 €</a:t>
             </a:r>
-            <a:endParaRPr lang="fr-FR" sz="1400" dirty="0">
-              <a:solidFill>
-                <a:srgbClr val="C00000"/>
-              </a:solidFill>
-            </a:endParaRPr>
           </a:p>
         </p:txBody>
       </p:sp>
@@ -13343,18 +13008,13 @@
           <a:lstStyle/>
           <a:p>
             <a:r>
-              <a:rPr lang="fr-FR" sz="900" dirty="0" smtClean="0">
+              <a:rPr lang="fr-FR" sz="900" dirty="0">
                 <a:solidFill>
                   <a:schemeClr val="bg1"/>
                 </a:solidFill>
               </a:rPr>
               <a:t>Nouveauté</a:t>
             </a:r>
-            <a:endParaRPr lang="fr-FR" sz="900" dirty="0">
-              <a:solidFill>
-                <a:schemeClr val="bg1"/>
-              </a:solidFill>
-            </a:endParaRPr>
           </a:p>
         </p:txBody>
       </p:sp>
@@ -13517,18 +13177,13 @@
           <a:lstStyle/>
           <a:p>
             <a:r>
-              <a:rPr lang="fr-FR" sz="1400" dirty="0" smtClean="0">
+              <a:rPr lang="fr-FR" sz="1400" dirty="0">
                 <a:solidFill>
                   <a:srgbClr val="C00000"/>
                 </a:solidFill>
               </a:rPr>
               <a:t>74,90 €</a:t>
             </a:r>
-            <a:endParaRPr lang="fr-FR" sz="1400" dirty="0">
-              <a:solidFill>
-                <a:srgbClr val="C00000"/>
-              </a:solidFill>
-            </a:endParaRPr>
           </a:p>
         </p:txBody>
       </p:sp>
@@ -13598,18 +13253,13 @@
           <a:lstStyle/>
           <a:p>
             <a:r>
-              <a:rPr lang="fr-FR" sz="900" dirty="0" smtClean="0">
+              <a:rPr lang="fr-FR" sz="900" dirty="0">
                 <a:solidFill>
                   <a:schemeClr val="bg1"/>
                 </a:solidFill>
               </a:rPr>
               <a:t>Nouveauté</a:t>
             </a:r>
-            <a:endParaRPr lang="fr-FR" sz="900" dirty="0">
-              <a:solidFill>
-                <a:schemeClr val="bg1"/>
-              </a:solidFill>
-            </a:endParaRPr>
           </a:p>
         </p:txBody>
       </p:sp>
@@ -13772,18 +13422,13 @@
           <a:lstStyle/>
           <a:p>
             <a:r>
-              <a:rPr lang="fr-FR" sz="1400" dirty="0" smtClean="0">
+              <a:rPr lang="fr-FR" sz="1400" dirty="0">
                 <a:solidFill>
                   <a:srgbClr val="C00000"/>
                 </a:solidFill>
               </a:rPr>
               <a:t>74,90 €</a:t>
             </a:r>
-            <a:endParaRPr lang="fr-FR" sz="1400" dirty="0">
-              <a:solidFill>
-                <a:srgbClr val="C00000"/>
-              </a:solidFill>
-            </a:endParaRPr>
           </a:p>
         </p:txBody>
       </p:sp>
@@ -13853,18 +13498,13 @@
           <a:lstStyle/>
           <a:p>
             <a:r>
-              <a:rPr lang="fr-FR" sz="900" dirty="0" smtClean="0">
+              <a:rPr lang="fr-FR" sz="900" dirty="0">
                 <a:solidFill>
                   <a:schemeClr val="bg1"/>
                 </a:solidFill>
               </a:rPr>
               <a:t>Nouveauté</a:t>
             </a:r>
-            <a:endParaRPr lang="fr-FR" sz="900" dirty="0">
-              <a:solidFill>
-                <a:schemeClr val="bg1"/>
-              </a:solidFill>
-            </a:endParaRPr>
           </a:p>
         </p:txBody>
       </p:sp>
@@ -14340,18 +13980,13 @@
           <a:lstStyle/>
           <a:p>
             <a:r>
-              <a:rPr lang="fr-FR" sz="900" dirty="0" smtClean="0">
+              <a:rPr lang="fr-FR" sz="900" dirty="0">
                 <a:solidFill>
                   <a:schemeClr val="bg1"/>
                 </a:solidFill>
               </a:rPr>
               <a:t>LES TRESORS DE ONE PIECE</a:t>
             </a:r>
-            <a:endParaRPr lang="fr-FR" sz="900" dirty="0">
-              <a:solidFill>
-                <a:schemeClr val="bg1"/>
-              </a:solidFill>
-            </a:endParaRPr>
           </a:p>
         </p:txBody>
       </p:sp>
@@ -14468,10 +14103,9 @@
           <a:lstStyle/>
           <a:p>
             <a:r>
-              <a:rPr lang="fr-FR" sz="1600" dirty="0" smtClean="0"/>
+              <a:rPr lang="fr-FR" sz="1600" dirty="0"/>
               <a:t>PROMOTIONS</a:t>
             </a:r>
-            <a:endParaRPr lang="fr-FR" sz="1600" dirty="0"/>
           </a:p>
         </p:txBody>
       </p:sp>
@@ -14656,18 +14290,13 @@
           <a:lstStyle/>
           <a:p>
             <a:r>
-              <a:rPr lang="fr-FR" sz="1400" dirty="0" smtClean="0">
+              <a:rPr lang="fr-FR" sz="1400" dirty="0">
                 <a:solidFill>
                   <a:srgbClr val="C00000"/>
                 </a:solidFill>
               </a:rPr>
               <a:t>39,90 €</a:t>
             </a:r>
-            <a:endParaRPr lang="fr-FR" sz="1400" dirty="0">
-              <a:solidFill>
-                <a:srgbClr val="C00000"/>
-              </a:solidFill>
-            </a:endParaRPr>
           </a:p>
         </p:txBody>
       </p:sp>
@@ -14740,18 +14369,13 @@
           <a:lstStyle/>
           <a:p>
             <a:r>
-              <a:rPr lang="fr-FR" sz="900" dirty="0" smtClean="0">
+              <a:rPr lang="fr-FR" sz="900" dirty="0">
                 <a:solidFill>
                   <a:schemeClr val="bg1"/>
                 </a:solidFill>
               </a:rPr>
               <a:t>Promo</a:t>
             </a:r>
-            <a:endParaRPr lang="fr-FR" sz="900" dirty="0">
-              <a:solidFill>
-                <a:schemeClr val="bg1"/>
-              </a:solidFill>
-            </a:endParaRPr>
           </a:p>
         </p:txBody>
       </p:sp>
@@ -14778,10 +14402,9 @@
           <a:lstStyle/>
           <a:p>
             <a:r>
-              <a:rPr lang="fr-FR" sz="800" strike="sngStrike" dirty="0" smtClean="0"/>
+              <a:rPr lang="fr-FR" sz="800" strike="sngStrike" dirty="0"/>
               <a:t>59,90€</a:t>
             </a:r>
-            <a:endParaRPr lang="fr-FR" sz="800" strike="sngStrike" dirty="0"/>
           </a:p>
         </p:txBody>
       </p:sp>
@@ -14975,18 +14598,13 @@
           <a:lstStyle/>
           <a:p>
             <a:r>
-              <a:rPr lang="fr-FR" sz="900" dirty="0" smtClean="0">
+              <a:rPr lang="fr-FR" sz="900" dirty="0">
                 <a:solidFill>
                   <a:schemeClr val="bg1"/>
                 </a:solidFill>
               </a:rPr>
               <a:t>Promo</a:t>
             </a:r>
-            <a:endParaRPr lang="fr-FR" sz="900" dirty="0">
-              <a:solidFill>
-                <a:schemeClr val="bg1"/>
-              </a:solidFill>
-            </a:endParaRPr>
           </a:p>
         </p:txBody>
       </p:sp>
@@ -15013,10 +14631,9 @@
           <a:lstStyle/>
           <a:p>
             <a:r>
-              <a:rPr lang="fr-FR" sz="800" strike="sngStrike" dirty="0" smtClean="0"/>
+              <a:rPr lang="fr-FR" sz="800" strike="sngStrike" dirty="0"/>
               <a:t>59,90€</a:t>
             </a:r>
-            <a:endParaRPr lang="fr-FR" sz="800" strike="sngStrike" dirty="0"/>
           </a:p>
         </p:txBody>
       </p:sp>
@@ -15164,18 +14781,13 @@
           <a:lstStyle/>
           <a:p>
             <a:r>
-              <a:rPr lang="fr-FR" sz="1400" dirty="0" smtClean="0">
+              <a:rPr lang="fr-FR" sz="1400" dirty="0">
                 <a:solidFill>
                   <a:srgbClr val="C00000"/>
                 </a:solidFill>
               </a:rPr>
               <a:t>39,90 €</a:t>
             </a:r>
-            <a:endParaRPr lang="fr-FR" sz="1400" dirty="0">
-              <a:solidFill>
-                <a:srgbClr val="C00000"/>
-              </a:solidFill>
-            </a:endParaRPr>
           </a:p>
         </p:txBody>
       </p:sp>
@@ -15248,18 +14860,13 @@
           <a:lstStyle/>
           <a:p>
             <a:r>
-              <a:rPr lang="fr-FR" sz="900" dirty="0" smtClean="0">
+              <a:rPr lang="fr-FR" sz="900" dirty="0">
                 <a:solidFill>
                   <a:schemeClr val="bg1"/>
                 </a:solidFill>
               </a:rPr>
               <a:t>Promo</a:t>
             </a:r>
-            <a:endParaRPr lang="fr-FR" sz="900" dirty="0">
-              <a:solidFill>
-                <a:schemeClr val="bg1"/>
-              </a:solidFill>
-            </a:endParaRPr>
           </a:p>
         </p:txBody>
       </p:sp>
@@ -15286,10 +14893,9 @@
           <a:lstStyle/>
           <a:p>
             <a:r>
-              <a:rPr lang="fr-FR" sz="800" strike="sngStrike" dirty="0" smtClean="0"/>
+              <a:rPr lang="fr-FR" sz="800" strike="sngStrike" dirty="0"/>
               <a:t>59,90€</a:t>
             </a:r>
-            <a:endParaRPr lang="fr-FR" sz="800" strike="sngStrike" dirty="0"/>
           </a:p>
         </p:txBody>
       </p:sp>
@@ -15483,18 +15089,13 @@
           <a:lstStyle/>
           <a:p>
             <a:r>
-              <a:rPr lang="fr-FR" sz="900" dirty="0" smtClean="0">
+              <a:rPr lang="fr-FR" sz="900" dirty="0">
                 <a:solidFill>
                   <a:schemeClr val="bg1"/>
                 </a:solidFill>
               </a:rPr>
               <a:t>Promo</a:t>
             </a:r>
-            <a:endParaRPr lang="fr-FR" sz="900" dirty="0">
-              <a:solidFill>
-                <a:schemeClr val="bg1"/>
-              </a:solidFill>
-            </a:endParaRPr>
           </a:p>
         </p:txBody>
       </p:sp>
@@ -15521,10 +15122,9 @@
           <a:lstStyle/>
           <a:p>
             <a:r>
-              <a:rPr lang="fr-FR" sz="800" strike="sngStrike" dirty="0" smtClean="0"/>
+              <a:rPr lang="fr-FR" sz="800" strike="sngStrike" dirty="0"/>
               <a:t>59,90€</a:t>
             </a:r>
-            <a:endParaRPr lang="fr-FR" sz="800" strike="sngStrike" dirty="0"/>
           </a:p>
         </p:txBody>
       </p:sp>
@@ -15551,18 +15151,13 @@
           <a:lstStyle/>
           <a:p>
             <a:r>
-              <a:rPr lang="fr-FR" sz="1400" dirty="0" smtClean="0">
+              <a:rPr lang="fr-FR" sz="1400" dirty="0">
                 <a:solidFill>
                   <a:srgbClr val="C00000"/>
                 </a:solidFill>
               </a:rPr>
               <a:t>39,90 €</a:t>
             </a:r>
-            <a:endParaRPr lang="fr-FR" sz="1400" dirty="0">
-              <a:solidFill>
-                <a:srgbClr val="C00000"/>
-              </a:solidFill>
-            </a:endParaRPr>
           </a:p>
         </p:txBody>
       </p:sp>
@@ -15589,18 +15184,13 @@
           <a:lstStyle/>
           <a:p>
             <a:r>
-              <a:rPr lang="fr-FR" sz="1400" dirty="0" smtClean="0">
+              <a:rPr lang="fr-FR" sz="1400" dirty="0">
                 <a:solidFill>
                   <a:srgbClr val="C00000"/>
                 </a:solidFill>
               </a:rPr>
               <a:t>39,90 €</a:t>
             </a:r>
-            <a:endParaRPr lang="fr-FR" sz="1400" dirty="0">
-              <a:solidFill>
-                <a:srgbClr val="C00000"/>
-              </a:solidFill>
-            </a:endParaRPr>
           </a:p>
         </p:txBody>
       </p:sp>
@@ -15716,18 +15306,13 @@
           <a:lstStyle/>
           <a:p>
             <a:r>
-              <a:rPr lang="fr-FR" sz="1100" dirty="0" smtClean="0">
+              <a:rPr lang="fr-FR" sz="1100" dirty="0">
                 <a:solidFill>
                   <a:schemeClr val="bg1"/>
                 </a:solidFill>
               </a:rPr>
               <a:t>NOS INFOS</a:t>
             </a:r>
-            <a:endParaRPr lang="fr-FR" sz="1100" dirty="0">
-              <a:solidFill>
-                <a:schemeClr val="bg1"/>
-              </a:solidFill>
-            </a:endParaRPr>
           </a:p>
         </p:txBody>
       </p:sp>
@@ -15754,18 +15339,13 @@
           <a:lstStyle/>
           <a:p>
             <a:r>
-              <a:rPr lang="fr-FR" sz="800" dirty="0" smtClean="0">
+              <a:rPr lang="fr-FR" sz="800" dirty="0">
                 <a:solidFill>
                   <a:schemeClr val="bg1"/>
                 </a:solidFill>
               </a:rPr>
               <a:t>Nous contacter</a:t>
             </a:r>
-            <a:endParaRPr lang="fr-FR" sz="800" dirty="0">
-              <a:solidFill>
-                <a:schemeClr val="bg1"/>
-              </a:solidFill>
-            </a:endParaRPr>
           </a:p>
         </p:txBody>
       </p:sp>
@@ -15792,7 +15372,7 @@
           <a:lstStyle/>
           <a:p>
             <a:r>
-              <a:rPr lang="fr-FR" sz="800" dirty="0" smtClean="0">
+              <a:rPr lang="fr-FR" sz="800" dirty="0">
                 <a:solidFill>
                   <a:schemeClr val="bg1"/>
                 </a:solidFill>
@@ -15800,7 +15380,7 @@
               <a:t>Info </a:t>
             </a:r>
             <a:r>
-              <a:rPr lang="fr-FR" sz="800" dirty="0" err="1" smtClean="0">
+              <a:rPr lang="fr-FR" sz="800" dirty="0" err="1">
                 <a:solidFill>
                   <a:schemeClr val="bg1"/>
                 </a:solidFill>
@@ -15838,18 +15418,13 @@
           <a:lstStyle/>
           <a:p>
             <a:r>
-              <a:rPr lang="fr-FR" sz="800" dirty="0" smtClean="0">
+              <a:rPr lang="fr-FR" sz="800" dirty="0">
                 <a:solidFill>
                   <a:schemeClr val="bg1"/>
                 </a:solidFill>
               </a:rPr>
               <a:t>Info livraison</a:t>
             </a:r>
-            <a:endParaRPr lang="fr-FR" sz="800" dirty="0">
-              <a:solidFill>
-                <a:schemeClr val="bg1"/>
-              </a:solidFill>
-            </a:endParaRPr>
           </a:p>
         </p:txBody>
       </p:sp>
@@ -15876,18 +15451,13 @@
           <a:lstStyle/>
           <a:p>
             <a:r>
-              <a:rPr lang="fr-FR" sz="800" dirty="0" smtClean="0">
+              <a:rPr lang="fr-FR" sz="800" dirty="0">
                 <a:solidFill>
                   <a:schemeClr val="bg1"/>
                 </a:solidFill>
               </a:rPr>
               <a:t>Conditions générales de ventes</a:t>
             </a:r>
-            <a:endParaRPr lang="fr-FR" sz="800" dirty="0">
-              <a:solidFill>
-                <a:schemeClr val="bg1"/>
-              </a:solidFill>
-            </a:endParaRPr>
           </a:p>
         </p:txBody>
       </p:sp>
@@ -16003,18 +15573,13 @@
           <a:lstStyle/>
           <a:p>
             <a:r>
-              <a:rPr lang="fr-FR" sz="1100" dirty="0" smtClean="0">
+              <a:rPr lang="fr-FR" sz="1100" dirty="0">
                 <a:solidFill>
                   <a:schemeClr val="bg1"/>
                 </a:solidFill>
               </a:rPr>
               <a:t>INSCRIPTION A LA NEWSLETTER</a:t>
             </a:r>
-            <a:endParaRPr lang="fr-FR" sz="1100" dirty="0">
-              <a:solidFill>
-                <a:schemeClr val="bg1"/>
-              </a:solidFill>
-            </a:endParaRPr>
           </a:p>
         </p:txBody>
       </p:sp>
@@ -16165,18 +15730,13 @@
           <a:lstStyle/>
           <a:p>
             <a:r>
-              <a:rPr lang="fr-FR" sz="1050" dirty="0" smtClean="0">
+              <a:rPr lang="fr-FR" sz="1050" dirty="0">
                 <a:solidFill>
                   <a:schemeClr val="bg1"/>
                 </a:solidFill>
               </a:rPr>
               <a:t>NOUS SUIVRE SUR LES RESEAUX SOCIAUX</a:t>
             </a:r>
-            <a:endParaRPr lang="fr-FR" sz="1050" dirty="0">
-              <a:solidFill>
-                <a:schemeClr val="bg1"/>
-              </a:solidFill>
-            </a:endParaRPr>
           </a:p>
         </p:txBody>
       </p:sp>
@@ -16289,7 +15849,7 @@
           <a:lstStyle/>
           <a:p>
             <a:r>
-              <a:rPr lang="fr-FR" sz="800" i="1" dirty="0" smtClean="0">
+              <a:rPr lang="fr-FR" sz="800" i="1" dirty="0">
                 <a:solidFill>
                   <a:schemeClr val="bg1">
                     <a:lumMod val="50000"/>
@@ -16298,13 +15858,6 @@
               </a:rPr>
               <a:t>VOTRE ADRESSE E-MAIL</a:t>
             </a:r>
-            <a:endParaRPr lang="fr-FR" sz="800" i="1" dirty="0">
-              <a:solidFill>
-                <a:schemeClr val="bg1">
-                  <a:lumMod val="50000"/>
-                </a:schemeClr>
-              </a:solidFill>
-            </a:endParaRPr>
           </a:p>
         </p:txBody>
       </p:sp>
@@ -16331,18 +15884,13 @@
           <a:lstStyle/>
           <a:p>
             <a:r>
-              <a:rPr lang="fr-FR" sz="1200" dirty="0" smtClean="0">
+              <a:rPr lang="fr-FR" sz="1200" dirty="0">
                 <a:solidFill>
                   <a:schemeClr val="bg1"/>
                 </a:solidFill>
               </a:rPr>
               <a:t>JE M’ABONNE</a:t>
             </a:r>
-            <a:endParaRPr lang="fr-FR" sz="1200" dirty="0">
-              <a:solidFill>
-                <a:schemeClr val="bg1"/>
-              </a:solidFill>
-            </a:endParaRPr>
           </a:p>
         </p:txBody>
       </p:sp>
@@ -16416,13 +15964,6 @@
   <p:clrMapOvr>
     <a:masterClrMapping/>
   </p:clrMapOvr>
-  <p:timing>
-    <p:tnLst>
-      <p:par>
-        <p:cTn id="1" dur="indefinite" restart="never" nodeType="tmRoot"/>
-      </p:par>
-    </p:tnLst>
-  </p:timing>
 </p:sld>
 </file>
 
@@ -16765,7 +16306,7 @@
             </a:lstStyle>
             <a:p>
               <a:r>
-                <a:rPr lang="en-US" sz="900" dirty="0" smtClean="0">
+                <a:rPr lang="en-US" sz="900" dirty="0">
                   <a:solidFill>
                     <a:srgbClr val="5F5F5F"/>
                   </a:solidFill>
@@ -16774,13 +16315,6 @@
                 </a:rPr>
                 <a:t>Browser</a:t>
               </a:r>
-              <a:endParaRPr lang="en-US" sz="900" dirty="0">
-                <a:solidFill>
-                  <a:srgbClr val="5F5F5F"/>
-                </a:solidFill>
-                <a:latin typeface="Segoe UI" panose="020B0502040204020203" pitchFamily="34" charset="0"/>
-                <a:cs typeface="Segoe UI" panose="020B0502040204020203" pitchFamily="34" charset="0"/>
-              </a:endParaRPr>
             </a:p>
           </p:txBody>
         </p:sp>
@@ -17335,7 +16869,7 @@
             </a:lstStyle>
             <a:p>
               <a:r>
-                <a:rPr lang="en-US" sz="900" noProof="1" smtClean="0">
+                <a:rPr lang="en-US" sz="900" noProof="1">
                   <a:solidFill>
                     <a:srgbClr val="5F5F5F"/>
                   </a:solidFill>
@@ -17344,13 +16878,6 @@
                 </a:rPr>
                 <a:t>www.example.com</a:t>
               </a:r>
-              <a:endParaRPr lang="en-US" sz="900" noProof="1">
-                <a:solidFill>
-                  <a:srgbClr val="5F5F5F"/>
-                </a:solidFill>
-                <a:latin typeface="Segoe UI" panose="020B0502040204020203" pitchFamily="34" charset="0"/>
-                <a:cs typeface="Segoe UI" panose="020B0502040204020203" pitchFamily="34" charset="0"/>
-              </a:endParaRPr>
             </a:p>
           </p:txBody>
         </p:sp>
@@ -18266,17 +17793,16 @@
           <a:lstStyle/>
           <a:p>
             <a:r>
-              <a:rPr lang="fr-FR" dirty="0" smtClean="0"/>
+              <a:rPr lang="fr-FR" dirty="0"/>
               <a:t>INDEX Part2</a:t>
             </a:r>
             <a:br>
-              <a:rPr lang="fr-FR" dirty="0" smtClean="0"/>
+              <a:rPr lang="fr-FR" dirty="0"/>
             </a:br>
             <a:r>
-              <a:rPr lang="fr-FR" dirty="0" smtClean="0"/>
+              <a:rPr lang="fr-FR" dirty="0"/>
               <a:t>scroll down</a:t>
             </a:r>
-            <a:endParaRPr lang="fr-FR" dirty="0"/>
           </a:p>
         </p:txBody>
       </p:sp>
@@ -18348,18 +17874,13 @@
           <a:lstStyle/>
           <a:p>
             <a:r>
-              <a:rPr lang="fr-FR" dirty="0" smtClean="0">
+              <a:rPr lang="fr-FR" dirty="0">
                 <a:solidFill>
                   <a:schemeClr val="bg1"/>
                 </a:solidFill>
               </a:rPr>
               <a:t>LES TRESORS DE ONE PIECE</a:t>
             </a:r>
-            <a:endParaRPr lang="fr-FR" dirty="0">
-              <a:solidFill>
-                <a:schemeClr val="bg1"/>
-              </a:solidFill>
-            </a:endParaRPr>
           </a:p>
         </p:txBody>
       </p:sp>
@@ -19097,10 +18618,9 @@
           <a:lstStyle/>
           <a:p>
             <a:r>
-              <a:rPr lang="fr-FR" dirty="0" smtClean="0"/>
+              <a:rPr lang="fr-FR" dirty="0"/>
               <a:t>Populaire</a:t>
             </a:r>
-            <a:endParaRPr lang="fr-FR" dirty="0"/>
           </a:p>
         </p:txBody>
       </p:sp>
@@ -19127,10 +18647,9 @@
           <a:lstStyle/>
           <a:p>
             <a:r>
-              <a:rPr lang="fr-FR" dirty="0" smtClean="0"/>
+              <a:rPr lang="fr-FR" dirty="0"/>
               <a:t>Promotions</a:t>
             </a:r>
-            <a:endParaRPr lang="fr-FR" dirty="0"/>
           </a:p>
         </p:txBody>
       </p:sp>
@@ -19157,10 +18676,9 @@
           <a:lstStyle/>
           <a:p>
             <a:r>
-              <a:rPr lang="fr-FR" dirty="0" smtClean="0"/>
+              <a:rPr lang="fr-FR" dirty="0"/>
               <a:t>Nouveautés</a:t>
             </a:r>
-            <a:endParaRPr lang="fr-FR" dirty="0"/>
           </a:p>
         </p:txBody>
       </p:sp>
@@ -20489,10 +20007,9 @@
           <a:lstStyle/>
           <a:p>
             <a:r>
-              <a:rPr lang="fr-FR" dirty="0" smtClean="0"/>
+              <a:rPr lang="fr-FR" dirty="0"/>
               <a:t>74,90 €</a:t>
             </a:r>
-            <a:endParaRPr lang="fr-FR" dirty="0"/>
           </a:p>
         </p:txBody>
       </p:sp>
@@ -20562,18 +20079,13 @@
           <a:lstStyle/>
           <a:p>
             <a:r>
-              <a:rPr lang="fr-FR" sz="1600" dirty="0" smtClean="0">
+              <a:rPr lang="fr-FR" sz="1600" dirty="0">
                 <a:solidFill>
                   <a:schemeClr val="bg1"/>
                 </a:solidFill>
               </a:rPr>
               <a:t>AJOUTER AU PANIER</a:t>
             </a:r>
-            <a:endParaRPr lang="fr-FR" sz="1600" dirty="0">
-              <a:solidFill>
-                <a:schemeClr val="bg1"/>
-              </a:solidFill>
-            </a:endParaRPr>
           </a:p>
         </p:txBody>
       </p:sp>
@@ -20681,18 +20193,13 @@
           <a:lstStyle/>
           <a:p>
             <a:r>
-              <a:rPr lang="fr-FR" dirty="0" smtClean="0">
+              <a:rPr lang="fr-FR" dirty="0">
                 <a:solidFill>
                   <a:srgbClr val="FF0000"/>
                 </a:solidFill>
               </a:rPr>
               <a:t>39,90 €</a:t>
             </a:r>
-            <a:endParaRPr lang="fr-FR" dirty="0">
-              <a:solidFill>
-                <a:srgbClr val="FF0000"/>
-              </a:solidFill>
-            </a:endParaRPr>
           </a:p>
         </p:txBody>
       </p:sp>
@@ -20720,34 +20227,33 @@
           <a:p>
             <a:pPr algn="ctr"/>
             <a:r>
-              <a:rPr lang="fr-FR" sz="1400" dirty="0" smtClean="0"/>
+              <a:rPr lang="fr-FR" sz="1400" dirty="0"/>
               <a:t>Figurine </a:t>
             </a:r>
             <a:r>
-              <a:rPr lang="fr-FR" sz="1400" dirty="0" err="1" smtClean="0"/>
+              <a:rPr lang="fr-FR" sz="1400" dirty="0" err="1"/>
               <a:t>Roronoa</a:t>
             </a:r>
             <a:r>
-              <a:rPr lang="fr-FR" sz="1400" dirty="0" smtClean="0"/>
+              <a:rPr lang="fr-FR" sz="1400" dirty="0"/>
               <a:t> </a:t>
             </a:r>
             <a:r>
-              <a:rPr lang="fr-FR" sz="1400" dirty="0" err="1" smtClean="0"/>
+              <a:rPr lang="fr-FR" sz="1400" dirty="0" err="1"/>
               <a:t>Zoro</a:t>
             </a:r>
             <a:r>
-              <a:rPr lang="fr-FR" sz="1400" dirty="0" smtClean="0"/>
+              <a:rPr lang="fr-FR" sz="1400" dirty="0"/>
               <a:t> – </a:t>
             </a:r>
             <a:r>
-              <a:rPr lang="fr-FR" sz="1400" dirty="0" err="1" smtClean="0"/>
+              <a:rPr lang="fr-FR" sz="1400" dirty="0" err="1"/>
               <a:t>Grandista</a:t>
             </a:r>
             <a:r>
-              <a:rPr lang="fr-FR" sz="1400" dirty="0" smtClean="0"/>
+              <a:rPr lang="fr-FR" sz="1400" dirty="0"/>
               <a:t> Manga Dimension– 28 cm</a:t>
             </a:r>
-            <a:endParaRPr lang="fr-FR" sz="1400" dirty="0"/>
           </a:p>
         </p:txBody>
       </p:sp>
@@ -20775,18 +20281,17 @@
           <a:p>
             <a:pPr algn="ctr"/>
             <a:r>
-              <a:rPr lang="fr-FR" sz="1400" dirty="0" smtClean="0"/>
+              <a:rPr lang="fr-FR" sz="1400" dirty="0"/>
               <a:t>Figurine Law–</a:t>
             </a:r>
             <a:r>
-              <a:rPr lang="fr-FR" sz="1400" dirty="0" err="1" smtClean="0"/>
+              <a:rPr lang="fr-FR" sz="1400" dirty="0" err="1"/>
               <a:t>Ishibansho</a:t>
             </a:r>
             <a:r>
-              <a:rPr lang="fr-FR" sz="1400" dirty="0" smtClean="0"/>
+              <a:rPr lang="fr-FR" sz="1400" dirty="0"/>
               <a:t>– 27 cm</a:t>
             </a:r>
-            <a:endParaRPr lang="fr-FR" sz="1400" dirty="0"/>
           </a:p>
         </p:txBody>
       </p:sp>
@@ -20853,18 +20358,13 @@
           <a:lstStyle/>
           <a:p>
             <a:r>
-              <a:rPr lang="fr-FR" sz="1400" dirty="0" smtClean="0">
+              <a:rPr lang="fr-FR" sz="1400" dirty="0">
                 <a:solidFill>
                   <a:schemeClr val="bg1"/>
                 </a:solidFill>
               </a:rPr>
               <a:t>Nouveauté</a:t>
             </a:r>
-            <a:endParaRPr lang="fr-FR" sz="1400" dirty="0">
-              <a:solidFill>
-                <a:schemeClr val="bg1"/>
-              </a:solidFill>
-            </a:endParaRPr>
           </a:p>
         </p:txBody>
       </p:sp>
@@ -20934,18 +20434,13 @@
           <a:lstStyle/>
           <a:p>
             <a:r>
-              <a:rPr lang="fr-FR" sz="1400" dirty="0" smtClean="0">
+              <a:rPr lang="fr-FR" sz="1400" dirty="0">
                 <a:solidFill>
                   <a:schemeClr val="bg1"/>
                 </a:solidFill>
               </a:rPr>
               <a:t>Promo</a:t>
             </a:r>
-            <a:endParaRPr lang="fr-FR" sz="1400" dirty="0">
-              <a:solidFill>
-                <a:schemeClr val="bg1"/>
-              </a:solidFill>
-            </a:endParaRPr>
           </a:p>
         </p:txBody>
       </p:sp>
@@ -20973,13 +20468,8 @@
           <a:p>
             <a:r>
               <a:rPr lang="fr-FR" strike="sngStrike" dirty="0"/>
-              <a:t>5</a:t>
+              <a:t>59,90 €</a:t>
             </a:r>
-            <a:r>
-              <a:rPr lang="fr-FR" strike="sngStrike" dirty="0" smtClean="0"/>
-              <a:t>9,90 €</a:t>
-            </a:r>
-            <a:endParaRPr lang="fr-FR" strike="sngStrike" dirty="0"/>
           </a:p>
         </p:txBody>
       </p:sp>
@@ -21088,10 +20578,9 @@
           <a:p>
             <a:pPr algn="ctr"/>
             <a:r>
-              <a:rPr lang="fr-FR" sz="1400" dirty="0" smtClean="0"/>
+              <a:rPr lang="fr-FR" sz="1400" dirty="0"/>
               <a:t>Casquette Chopper</a:t>
             </a:r>
-            <a:endParaRPr lang="fr-FR" sz="1400" dirty="0"/>
           </a:p>
         </p:txBody>
       </p:sp>
@@ -21118,10 +20607,9 @@
           <a:lstStyle/>
           <a:p>
             <a:r>
-              <a:rPr lang="fr-FR" dirty="0" smtClean="0"/>
+              <a:rPr lang="fr-FR" dirty="0"/>
               <a:t>19,90 €</a:t>
             </a:r>
-            <a:endParaRPr lang="fr-FR" dirty="0"/>
           </a:p>
         </p:txBody>
       </p:sp>
@@ -21681,13 +21169,6 @@
   <p:clrMapOvr>
     <a:masterClrMapping/>
   </p:clrMapOvr>
-  <p:timing>
-    <p:tnLst>
-      <p:par>
-        <p:cTn id="1" dur="indefinite" restart="never" nodeType="tmRoot"/>
-      </p:par>
-    </p:tnLst>
-  </p:timing>
 </p:sld>
 </file>
 
@@ -22030,7 +21511,7 @@
             </a:lstStyle>
             <a:p>
               <a:r>
-                <a:rPr lang="en-US" sz="900" dirty="0" smtClean="0">
+                <a:rPr lang="en-US" sz="900" dirty="0">
                   <a:solidFill>
                     <a:srgbClr val="5F5F5F"/>
                   </a:solidFill>
@@ -22039,13 +21520,6 @@
                 </a:rPr>
                 <a:t>Browser</a:t>
               </a:r>
-              <a:endParaRPr lang="en-US" sz="900" dirty="0">
-                <a:solidFill>
-                  <a:srgbClr val="5F5F5F"/>
-                </a:solidFill>
-                <a:latin typeface="Segoe UI" panose="020B0502040204020203" pitchFamily="34" charset="0"/>
-                <a:cs typeface="Segoe UI" panose="020B0502040204020203" pitchFamily="34" charset="0"/>
-              </a:endParaRPr>
             </a:p>
           </p:txBody>
         </p:sp>
@@ -22600,7 +22074,7 @@
             </a:lstStyle>
             <a:p>
               <a:r>
-                <a:rPr lang="en-US" sz="900" noProof="1" smtClean="0">
+                <a:rPr lang="en-US" sz="900" noProof="1">
                   <a:solidFill>
                     <a:srgbClr val="5F5F5F"/>
                   </a:solidFill>
@@ -22609,13 +22083,6 @@
                 </a:rPr>
                 <a:t>www.example.com</a:t>
               </a:r>
-              <a:endParaRPr lang="en-US" sz="900" noProof="1">
-                <a:solidFill>
-                  <a:srgbClr val="5F5F5F"/>
-                </a:solidFill>
-                <a:latin typeface="Segoe UI" panose="020B0502040204020203" pitchFamily="34" charset="0"/>
-                <a:cs typeface="Segoe UI" panose="020B0502040204020203" pitchFamily="34" charset="0"/>
-              </a:endParaRPr>
             </a:p>
           </p:txBody>
         </p:sp>
@@ -23531,17 +22998,16 @@
           <a:lstStyle/>
           <a:p>
             <a:r>
-              <a:rPr lang="fr-FR" dirty="0" smtClean="0"/>
+              <a:rPr lang="fr-FR" dirty="0"/>
               <a:t>INDEX Part2</a:t>
             </a:r>
             <a:br>
-              <a:rPr lang="fr-FR" dirty="0" smtClean="0"/>
+              <a:rPr lang="fr-FR" dirty="0"/>
             </a:br>
             <a:r>
-              <a:rPr lang="fr-FR" dirty="0" smtClean="0"/>
+              <a:rPr lang="fr-FR" dirty="0"/>
               <a:t>scroll down / ouverture menu</a:t>
             </a:r>
-            <a:endParaRPr lang="fr-FR" dirty="0"/>
           </a:p>
         </p:txBody>
       </p:sp>
@@ -23613,18 +23079,13 @@
           <a:lstStyle/>
           <a:p>
             <a:r>
-              <a:rPr lang="fr-FR" dirty="0" smtClean="0">
+              <a:rPr lang="fr-FR" dirty="0">
                 <a:solidFill>
                   <a:schemeClr val="bg1"/>
                 </a:solidFill>
               </a:rPr>
               <a:t>LES TRESORS DE ONE PIECE</a:t>
             </a:r>
-            <a:endParaRPr lang="fr-FR" dirty="0">
-              <a:solidFill>
-                <a:schemeClr val="bg1"/>
-              </a:solidFill>
-            </a:endParaRPr>
           </a:p>
         </p:txBody>
       </p:sp>
@@ -24362,10 +23823,9 @@
           <a:lstStyle/>
           <a:p>
             <a:r>
-              <a:rPr lang="fr-FR" dirty="0" smtClean="0"/>
+              <a:rPr lang="fr-FR" dirty="0"/>
               <a:t>Populaire</a:t>
             </a:r>
-            <a:endParaRPr lang="fr-FR" dirty="0"/>
           </a:p>
         </p:txBody>
       </p:sp>
@@ -24392,10 +23852,9 @@
           <a:lstStyle/>
           <a:p>
             <a:r>
-              <a:rPr lang="fr-FR" dirty="0" smtClean="0"/>
+              <a:rPr lang="fr-FR" dirty="0"/>
               <a:t>Promotions</a:t>
             </a:r>
-            <a:endParaRPr lang="fr-FR" dirty="0"/>
           </a:p>
         </p:txBody>
       </p:sp>
@@ -24422,10 +23881,9 @@
           <a:lstStyle/>
           <a:p>
             <a:r>
-              <a:rPr lang="fr-FR" dirty="0" smtClean="0"/>
+              <a:rPr lang="fr-FR" dirty="0"/>
               <a:t>Nouveautés</a:t>
             </a:r>
-            <a:endParaRPr lang="fr-FR" dirty="0"/>
           </a:p>
         </p:txBody>
       </p:sp>
@@ -25754,10 +25212,9 @@
           <a:lstStyle/>
           <a:p>
             <a:r>
-              <a:rPr lang="fr-FR" dirty="0" smtClean="0"/>
+              <a:rPr lang="fr-FR" dirty="0"/>
               <a:t>74,90 €</a:t>
             </a:r>
-            <a:endParaRPr lang="fr-FR" dirty="0"/>
           </a:p>
         </p:txBody>
       </p:sp>
@@ -25827,18 +25284,13 @@
           <a:lstStyle/>
           <a:p>
             <a:r>
-              <a:rPr lang="fr-FR" sz="1600" dirty="0" smtClean="0">
+              <a:rPr lang="fr-FR" sz="1600" dirty="0">
                 <a:solidFill>
                   <a:schemeClr val="bg1"/>
                 </a:solidFill>
               </a:rPr>
               <a:t>AJOUTER AU PANIER</a:t>
             </a:r>
-            <a:endParaRPr lang="fr-FR" sz="1600" dirty="0">
-              <a:solidFill>
-                <a:schemeClr val="bg1"/>
-              </a:solidFill>
-            </a:endParaRPr>
           </a:p>
         </p:txBody>
       </p:sp>
@@ -25946,18 +25398,13 @@
           <a:lstStyle/>
           <a:p>
             <a:r>
-              <a:rPr lang="fr-FR" dirty="0" smtClean="0">
+              <a:rPr lang="fr-FR" dirty="0">
                 <a:solidFill>
                   <a:srgbClr val="FF0000"/>
                 </a:solidFill>
               </a:rPr>
               <a:t>39,90 €</a:t>
             </a:r>
-            <a:endParaRPr lang="fr-FR" dirty="0">
-              <a:solidFill>
-                <a:srgbClr val="FF0000"/>
-              </a:solidFill>
-            </a:endParaRPr>
           </a:p>
         </p:txBody>
       </p:sp>
@@ -25985,34 +25432,33 @@
           <a:p>
             <a:pPr algn="ctr"/>
             <a:r>
-              <a:rPr lang="fr-FR" sz="1400" dirty="0" smtClean="0"/>
+              <a:rPr lang="fr-FR" sz="1400" dirty="0"/>
               <a:t>Figurine </a:t>
             </a:r>
             <a:r>
-              <a:rPr lang="fr-FR" sz="1400" dirty="0" err="1" smtClean="0"/>
+              <a:rPr lang="fr-FR" sz="1400" dirty="0" err="1"/>
               <a:t>Roronoa</a:t>
             </a:r>
             <a:r>
-              <a:rPr lang="fr-FR" sz="1400" dirty="0" smtClean="0"/>
+              <a:rPr lang="fr-FR" sz="1400" dirty="0"/>
               <a:t> </a:t>
             </a:r>
             <a:r>
-              <a:rPr lang="fr-FR" sz="1400" dirty="0" err="1" smtClean="0"/>
+              <a:rPr lang="fr-FR" sz="1400" dirty="0" err="1"/>
               <a:t>Zoro</a:t>
             </a:r>
             <a:r>
-              <a:rPr lang="fr-FR" sz="1400" dirty="0" smtClean="0"/>
+              <a:rPr lang="fr-FR" sz="1400" dirty="0"/>
               <a:t> – </a:t>
             </a:r>
             <a:r>
-              <a:rPr lang="fr-FR" sz="1400" dirty="0" err="1" smtClean="0"/>
+              <a:rPr lang="fr-FR" sz="1400" dirty="0" err="1"/>
               <a:t>Grandista</a:t>
             </a:r>
             <a:r>
-              <a:rPr lang="fr-FR" sz="1400" dirty="0" smtClean="0"/>
+              <a:rPr lang="fr-FR" sz="1400" dirty="0"/>
               <a:t> Manga Dimension– 28 cm</a:t>
             </a:r>
-            <a:endParaRPr lang="fr-FR" sz="1400" dirty="0"/>
           </a:p>
         </p:txBody>
       </p:sp>
@@ -26040,18 +25486,17 @@
           <a:p>
             <a:pPr algn="ctr"/>
             <a:r>
-              <a:rPr lang="fr-FR" sz="1400" dirty="0" smtClean="0"/>
+              <a:rPr lang="fr-FR" sz="1400" dirty="0"/>
               <a:t>Figurine Law–</a:t>
             </a:r>
             <a:r>
-              <a:rPr lang="fr-FR" sz="1400" dirty="0" err="1" smtClean="0"/>
+              <a:rPr lang="fr-FR" sz="1400" dirty="0" err="1"/>
               <a:t>Ishibansho</a:t>
             </a:r>
             <a:r>
-              <a:rPr lang="fr-FR" sz="1400" dirty="0" smtClean="0"/>
+              <a:rPr lang="fr-FR" sz="1400" dirty="0"/>
               <a:t>– 27 cm</a:t>
             </a:r>
-            <a:endParaRPr lang="fr-FR" sz="1400" dirty="0"/>
           </a:p>
         </p:txBody>
       </p:sp>
@@ -26118,18 +25563,13 @@
           <a:lstStyle/>
           <a:p>
             <a:r>
-              <a:rPr lang="fr-FR" sz="1400" dirty="0" smtClean="0">
+              <a:rPr lang="fr-FR" sz="1400" dirty="0">
                 <a:solidFill>
                   <a:schemeClr val="bg1"/>
                 </a:solidFill>
               </a:rPr>
               <a:t>Nouveauté</a:t>
             </a:r>
-            <a:endParaRPr lang="fr-FR" sz="1400" dirty="0">
-              <a:solidFill>
-                <a:schemeClr val="bg1"/>
-              </a:solidFill>
-            </a:endParaRPr>
           </a:p>
         </p:txBody>
       </p:sp>
@@ -26199,18 +25639,13 @@
           <a:lstStyle/>
           <a:p>
             <a:r>
-              <a:rPr lang="fr-FR" sz="1400" dirty="0" smtClean="0">
+              <a:rPr lang="fr-FR" sz="1400" dirty="0">
                 <a:solidFill>
                   <a:schemeClr val="bg1"/>
                 </a:solidFill>
               </a:rPr>
               <a:t>Promo</a:t>
             </a:r>
-            <a:endParaRPr lang="fr-FR" sz="1400" dirty="0">
-              <a:solidFill>
-                <a:schemeClr val="bg1"/>
-              </a:solidFill>
-            </a:endParaRPr>
           </a:p>
         </p:txBody>
       </p:sp>
@@ -26238,13 +25673,8 @@
           <a:p>
             <a:r>
               <a:rPr lang="fr-FR" strike="sngStrike" dirty="0"/>
-              <a:t>5</a:t>
+              <a:t>59,90 €</a:t>
             </a:r>
-            <a:r>
-              <a:rPr lang="fr-FR" strike="sngStrike" dirty="0" smtClean="0"/>
-              <a:t>9,90 €</a:t>
-            </a:r>
-            <a:endParaRPr lang="fr-FR" strike="sngStrike" dirty="0"/>
           </a:p>
         </p:txBody>
       </p:sp>
@@ -26353,10 +25783,9 @@
           <a:p>
             <a:pPr algn="ctr"/>
             <a:r>
-              <a:rPr lang="fr-FR" sz="1400" dirty="0" smtClean="0"/>
+              <a:rPr lang="fr-FR" sz="1400" dirty="0"/>
               <a:t>Casquette Chopper</a:t>
             </a:r>
-            <a:endParaRPr lang="fr-FR" sz="1400" dirty="0"/>
           </a:p>
         </p:txBody>
       </p:sp>
@@ -26383,10 +25812,9 @@
           <a:lstStyle/>
           <a:p>
             <a:r>
-              <a:rPr lang="fr-FR" dirty="0" smtClean="0"/>
+              <a:rPr lang="fr-FR" dirty="0"/>
               <a:t>19,90 €</a:t>
             </a:r>
-            <a:endParaRPr lang="fr-FR" dirty="0"/>
           </a:p>
         </p:txBody>
       </p:sp>
@@ -26839,7 +26267,7 @@
           <a:lstStyle/>
           <a:p>
             <a:r>
-              <a:rPr lang="fr-FR" b="1" dirty="0" smtClean="0">
+              <a:rPr lang="fr-FR" b="1" dirty="0">
                 <a:solidFill>
                   <a:schemeClr val="bg2">
                     <a:lumMod val="25000"/>
@@ -26848,13 +26276,6 @@
               </a:rPr>
               <a:t>ACCUEIL</a:t>
             </a:r>
-            <a:endParaRPr lang="fr-FR" b="1" dirty="0">
-              <a:solidFill>
-                <a:schemeClr val="bg2">
-                  <a:lumMod val="25000"/>
-                </a:schemeClr>
-              </a:solidFill>
-            </a:endParaRPr>
           </a:p>
         </p:txBody>
       </p:sp>
@@ -26881,7 +26302,7 @@
           <a:lstStyle/>
           <a:p>
             <a:r>
-              <a:rPr lang="fr-FR" b="1" dirty="0" smtClean="0">
+              <a:rPr lang="fr-FR" b="1" dirty="0">
                 <a:solidFill>
                   <a:schemeClr val="bg2">
                     <a:lumMod val="25000"/>
@@ -26890,13 +26311,6 @@
               </a:rPr>
               <a:t>FIGURINES</a:t>
             </a:r>
-            <a:endParaRPr lang="fr-FR" b="1" dirty="0">
-              <a:solidFill>
-                <a:schemeClr val="bg2">
-                  <a:lumMod val="25000"/>
-                </a:schemeClr>
-              </a:solidFill>
-            </a:endParaRPr>
           </a:p>
         </p:txBody>
       </p:sp>
@@ -26923,7 +26337,7 @@
           <a:lstStyle/>
           <a:p>
             <a:r>
-              <a:rPr lang="fr-FR" b="1" dirty="0" smtClean="0">
+              <a:rPr lang="fr-FR" b="1" dirty="0">
                 <a:solidFill>
                   <a:schemeClr val="bg2">
                     <a:lumMod val="25000"/>
@@ -26932,13 +26346,6 @@
               </a:rPr>
               <a:t>LIVRES</a:t>
             </a:r>
-            <a:endParaRPr lang="fr-FR" b="1" dirty="0">
-              <a:solidFill>
-                <a:schemeClr val="bg2">
-                  <a:lumMod val="25000"/>
-                </a:schemeClr>
-              </a:solidFill>
-            </a:endParaRPr>
           </a:p>
         </p:txBody>
       </p:sp>
@@ -26965,7 +26372,7 @@
           <a:lstStyle/>
           <a:p>
             <a:r>
-              <a:rPr lang="fr-FR" b="1" dirty="0" smtClean="0">
+              <a:rPr lang="fr-FR" b="1" dirty="0">
                 <a:solidFill>
                   <a:schemeClr val="bg2">
                     <a:lumMod val="25000"/>
@@ -26974,13 +26381,6 @@
               </a:rPr>
               <a:t>DVD &amp; BLU-RAY</a:t>
             </a:r>
-            <a:endParaRPr lang="fr-FR" b="1" dirty="0">
-              <a:solidFill>
-                <a:schemeClr val="bg2">
-                  <a:lumMod val="25000"/>
-                </a:schemeClr>
-              </a:solidFill>
-            </a:endParaRPr>
           </a:p>
         </p:txBody>
       </p:sp>
@@ -27007,7 +26407,7 @@
           <a:lstStyle/>
           <a:p>
             <a:r>
-              <a:rPr lang="fr-FR" b="1" dirty="0" smtClean="0">
+              <a:rPr lang="fr-FR" b="1" dirty="0">
                 <a:solidFill>
                   <a:schemeClr val="bg2">
                     <a:lumMod val="25000"/>
@@ -27016,13 +26416,6 @@
               </a:rPr>
               <a:t>VETEMENTS</a:t>
             </a:r>
-            <a:endParaRPr lang="fr-FR" b="1" dirty="0">
-              <a:solidFill>
-                <a:schemeClr val="bg2">
-                  <a:lumMod val="25000"/>
-                </a:schemeClr>
-              </a:solidFill>
-            </a:endParaRPr>
           </a:p>
         </p:txBody>
       </p:sp>
@@ -27049,7 +26442,7 @@
           <a:lstStyle/>
           <a:p>
             <a:r>
-              <a:rPr lang="fr-FR" b="1" dirty="0" smtClean="0">
+              <a:rPr lang="fr-FR" b="1" dirty="0">
                 <a:solidFill>
                   <a:schemeClr val="bg2">
                     <a:lumMod val="25000"/>
@@ -27058,13 +26451,6 @@
               </a:rPr>
               <a:t>GOODIES</a:t>
             </a:r>
-            <a:endParaRPr lang="fr-FR" b="1" dirty="0">
-              <a:solidFill>
-                <a:schemeClr val="bg2">
-                  <a:lumMod val="25000"/>
-                </a:schemeClr>
-              </a:solidFill>
-            </a:endParaRPr>
           </a:p>
         </p:txBody>
       </p:sp>
@@ -27218,13 +26604,6 @@
   <p:clrMapOvr>
     <a:masterClrMapping/>
   </p:clrMapOvr>
-  <p:timing>
-    <p:tnLst>
-      <p:par>
-        <p:cTn id="1" dur="indefinite" restart="never" nodeType="tmRoot"/>
-      </p:par>
-    </p:tnLst>
-  </p:timing>
 </p:sld>
 </file>
 
@@ -27569,7 +26948,7 @@
             </a:lstStyle>
             <a:p>
               <a:r>
-                <a:rPr lang="en-US" sz="900" dirty="0" smtClean="0">
+                <a:rPr lang="en-US" sz="900" dirty="0">
                   <a:solidFill>
                     <a:srgbClr val="5F5F5F"/>
                   </a:solidFill>
@@ -27578,13 +26957,6 @@
                 </a:rPr>
                 <a:t>Browser</a:t>
               </a:r>
-              <a:endParaRPr lang="en-US" sz="900" dirty="0">
-                <a:solidFill>
-                  <a:srgbClr val="5F5F5F"/>
-                </a:solidFill>
-                <a:latin typeface="Segoe UI" panose="020B0502040204020203" pitchFamily="34" charset="0"/>
-                <a:cs typeface="Segoe UI" panose="020B0502040204020203" pitchFamily="34" charset="0"/>
-              </a:endParaRPr>
             </a:p>
           </p:txBody>
         </p:sp>
@@ -28139,7 +27511,7 @@
             </a:lstStyle>
             <a:p>
               <a:r>
-                <a:rPr lang="en-US" sz="900" noProof="1" smtClean="0">
+                <a:rPr lang="en-US" sz="900" noProof="1">
                   <a:solidFill>
                     <a:srgbClr val="5F5F5F"/>
                   </a:solidFill>
@@ -28148,13 +27520,6 @@
                 </a:rPr>
                 <a:t>www.example.com</a:t>
               </a:r>
-              <a:endParaRPr lang="en-US" sz="900" noProof="1">
-                <a:solidFill>
-                  <a:srgbClr val="5F5F5F"/>
-                </a:solidFill>
-                <a:latin typeface="Segoe UI" panose="020B0502040204020203" pitchFamily="34" charset="0"/>
-                <a:cs typeface="Segoe UI" panose="020B0502040204020203" pitchFamily="34" charset="0"/>
-              </a:endParaRPr>
             </a:p>
           </p:txBody>
         </p:sp>
@@ -29070,17 +28435,16 @@
           <a:lstStyle/>
           <a:p>
             <a:r>
-              <a:rPr lang="fr-FR" dirty="0" smtClean="0"/>
+              <a:rPr lang="fr-FR" dirty="0"/>
               <a:t>INDEX Part3</a:t>
             </a:r>
             <a:br>
-              <a:rPr lang="fr-FR" dirty="0" smtClean="0"/>
+              <a:rPr lang="fr-FR" dirty="0"/>
             </a:br>
             <a:r>
-              <a:rPr lang="fr-FR" dirty="0" smtClean="0"/>
+              <a:rPr lang="fr-FR" dirty="0"/>
               <a:t>scroll down</a:t>
             </a:r>
-            <a:endParaRPr lang="fr-FR" dirty="0"/>
           </a:p>
         </p:txBody>
       </p:sp>
@@ -29152,18 +28516,13 @@
           <a:lstStyle/>
           <a:p>
             <a:r>
-              <a:rPr lang="fr-FR" dirty="0" smtClean="0">
+              <a:rPr lang="fr-FR" dirty="0">
                 <a:solidFill>
                   <a:schemeClr val="bg1"/>
                 </a:solidFill>
               </a:rPr>
               <a:t>LES TRESORS DE ONE PIECE</a:t>
             </a:r>
-            <a:endParaRPr lang="fr-FR" dirty="0">
-              <a:solidFill>
-                <a:schemeClr val="bg1"/>
-              </a:solidFill>
-            </a:endParaRPr>
           </a:p>
         </p:txBody>
       </p:sp>
@@ -29901,10 +29260,9 @@
           <a:lstStyle/>
           <a:p>
             <a:r>
-              <a:rPr lang="fr-FR" dirty="0" smtClean="0"/>
+              <a:rPr lang="fr-FR" dirty="0"/>
               <a:t>Populaire</a:t>
             </a:r>
-            <a:endParaRPr lang="fr-FR" dirty="0"/>
           </a:p>
         </p:txBody>
       </p:sp>
@@ -29931,10 +29289,9 @@
           <a:lstStyle/>
           <a:p>
             <a:r>
-              <a:rPr lang="fr-FR" dirty="0" smtClean="0"/>
+              <a:rPr lang="fr-FR" dirty="0"/>
               <a:t>Promotions</a:t>
             </a:r>
-            <a:endParaRPr lang="fr-FR" dirty="0"/>
           </a:p>
         </p:txBody>
       </p:sp>
@@ -29961,10 +29318,9 @@
           <a:lstStyle/>
           <a:p>
             <a:r>
-              <a:rPr lang="fr-FR" dirty="0" smtClean="0"/>
+              <a:rPr lang="fr-FR" dirty="0"/>
               <a:t>Nouveautés</a:t>
             </a:r>
-            <a:endParaRPr lang="fr-FR" dirty="0"/>
           </a:p>
         </p:txBody>
       </p:sp>
@@ -31062,10 +30418,9 @@
           <a:lstStyle/>
           <a:p>
             <a:r>
-              <a:rPr lang="fr-FR" sz="1400" dirty="0" smtClean="0"/>
+              <a:rPr lang="fr-FR" sz="1400" dirty="0"/>
               <a:t>Porte clés Chopper</a:t>
             </a:r>
-            <a:endParaRPr lang="fr-FR" sz="1400" dirty="0"/>
           </a:p>
         </p:txBody>
       </p:sp>
@@ -31092,10 +30447,9 @@
           <a:lstStyle/>
           <a:p>
             <a:r>
-              <a:rPr lang="fr-FR" dirty="0" smtClean="0"/>
+              <a:rPr lang="fr-FR" dirty="0"/>
               <a:t>4,90€</a:t>
             </a:r>
-            <a:endParaRPr lang="fr-FR" dirty="0"/>
           </a:p>
         </p:txBody>
       </p:sp>
@@ -31203,10 +30557,9 @@
           <a:lstStyle/>
           <a:p>
             <a:r>
-              <a:rPr lang="fr-FR" sz="1400" dirty="0" smtClean="0"/>
+              <a:rPr lang="fr-FR" sz="1400" dirty="0"/>
               <a:t>Porte clés Chopper</a:t>
             </a:r>
-            <a:endParaRPr lang="fr-FR" sz="1400" dirty="0"/>
           </a:p>
         </p:txBody>
       </p:sp>
@@ -31233,10 +30586,9 @@
           <a:lstStyle/>
           <a:p>
             <a:r>
-              <a:rPr lang="fr-FR" dirty="0" smtClean="0"/>
+              <a:rPr lang="fr-FR" dirty="0"/>
               <a:t>4,90€</a:t>
             </a:r>
-            <a:endParaRPr lang="fr-FR" dirty="0"/>
           </a:p>
         </p:txBody>
       </p:sp>
@@ -31344,10 +30696,9 @@
           <a:lstStyle/>
           <a:p>
             <a:r>
-              <a:rPr lang="fr-FR" sz="1400" dirty="0" smtClean="0"/>
+              <a:rPr lang="fr-FR" sz="1400" dirty="0"/>
               <a:t>Porte clés Chopper</a:t>
             </a:r>
-            <a:endParaRPr lang="fr-FR" sz="1400" dirty="0"/>
           </a:p>
         </p:txBody>
       </p:sp>
@@ -31374,10 +30725,9 @@
           <a:lstStyle/>
           <a:p>
             <a:r>
-              <a:rPr lang="fr-FR" dirty="0" smtClean="0"/>
+              <a:rPr lang="fr-FR" dirty="0"/>
               <a:t>4,90€</a:t>
             </a:r>
-            <a:endParaRPr lang="fr-FR" dirty="0"/>
           </a:p>
         </p:txBody>
       </p:sp>
@@ -31449,18 +30799,13 @@
           <a:lstStyle/>
           <a:p>
             <a:r>
-              <a:rPr lang="fr-FR" b="1" dirty="0" smtClean="0">
+              <a:rPr lang="fr-FR" b="1" dirty="0">
                 <a:solidFill>
                   <a:schemeClr val="bg1"/>
                 </a:solidFill>
               </a:rPr>
               <a:t>NOS INFOS</a:t>
             </a:r>
-            <a:endParaRPr lang="fr-FR" b="1" dirty="0">
-              <a:solidFill>
-                <a:schemeClr val="bg1"/>
-              </a:solidFill>
-            </a:endParaRPr>
           </a:p>
         </p:txBody>
       </p:sp>
@@ -31517,7 +30862,7 @@
           <a:lstStyle/>
           <a:p>
             <a:r>
-              <a:rPr lang="fr-FR" sz="1200" dirty="0" smtClean="0">
+              <a:rPr lang="fr-FR" sz="1200" dirty="0">
                 <a:solidFill>
                   <a:schemeClr val="bg1">
                     <a:lumMod val="85000"/>
@@ -31526,13 +30871,6 @@
               </a:rPr>
               <a:t>Infos livraison</a:t>
             </a:r>
-            <a:endParaRPr lang="fr-FR" sz="1200" dirty="0">
-              <a:solidFill>
-                <a:schemeClr val="bg1">
-                  <a:lumMod val="85000"/>
-                </a:schemeClr>
-              </a:solidFill>
-            </a:endParaRPr>
           </a:p>
         </p:txBody>
       </p:sp>
@@ -31559,7 +30897,7 @@
           <a:lstStyle/>
           <a:p>
             <a:r>
-              <a:rPr lang="fr-FR" sz="1200" dirty="0" smtClean="0">
+              <a:rPr lang="fr-FR" sz="1200" dirty="0">
                 <a:solidFill>
                   <a:schemeClr val="bg1">
                     <a:lumMod val="85000"/>
@@ -31569,7 +30907,7 @@
               <a:t>Infos </a:t>
             </a:r>
             <a:r>
-              <a:rPr lang="fr-FR" sz="1200" dirty="0" err="1" smtClean="0">
+              <a:rPr lang="fr-FR" sz="1200" dirty="0" err="1">
                 <a:solidFill>
                   <a:schemeClr val="bg1">
                     <a:lumMod val="85000"/>
@@ -31611,7 +30949,7 @@
           <a:lstStyle/>
           <a:p>
             <a:r>
-              <a:rPr lang="fr-FR" sz="1200" dirty="0" smtClean="0">
+              <a:rPr lang="fr-FR" sz="1200" dirty="0">
                 <a:solidFill>
                   <a:schemeClr val="bg1">
                     <a:lumMod val="85000"/>
@@ -31620,13 +30958,6 @@
               </a:rPr>
               <a:t>Nous contacter</a:t>
             </a:r>
-            <a:endParaRPr lang="fr-FR" sz="1200" dirty="0">
-              <a:solidFill>
-                <a:schemeClr val="bg1">
-                  <a:lumMod val="85000"/>
-                </a:schemeClr>
-              </a:solidFill>
-            </a:endParaRPr>
           </a:p>
         </p:txBody>
       </p:sp>
@@ -31653,7 +30984,7 @@
           <a:lstStyle/>
           <a:p>
             <a:r>
-              <a:rPr lang="fr-FR" sz="1200" dirty="0" smtClean="0">
+              <a:rPr lang="fr-FR" sz="1200" dirty="0">
                 <a:solidFill>
                   <a:schemeClr val="bg1">
                     <a:lumMod val="85000"/>
@@ -31662,13 +30993,6 @@
               </a:rPr>
               <a:t>Conditions générales de ventes</a:t>
             </a:r>
-            <a:endParaRPr lang="fr-FR" sz="1200" dirty="0">
-              <a:solidFill>
-                <a:schemeClr val="bg1">
-                  <a:lumMod val="85000"/>
-                </a:schemeClr>
-              </a:solidFill>
-            </a:endParaRPr>
           </a:p>
         </p:txBody>
       </p:sp>
@@ -31695,18 +31019,13 @@
           <a:lstStyle/>
           <a:p>
             <a:r>
-              <a:rPr lang="fr-FR" b="1" dirty="0" smtClean="0">
+              <a:rPr lang="fr-FR" b="1" dirty="0">
                 <a:solidFill>
                   <a:schemeClr val="bg1"/>
                 </a:solidFill>
               </a:rPr>
               <a:t>INSCRIPTION A NOTRE NEWSLETTER</a:t>
             </a:r>
-            <a:endParaRPr lang="fr-FR" b="1" dirty="0">
-              <a:solidFill>
-                <a:schemeClr val="bg1"/>
-              </a:solidFill>
-            </a:endParaRPr>
           </a:p>
         </p:txBody>
       </p:sp>
@@ -31733,22 +31052,35 @@
           <a:lstStyle/>
           <a:p>
             <a:r>
-              <a:rPr lang="fr-FR" sz="1200" dirty="0" smtClean="0">
+              <a:rPr lang="fr-FR" sz="1200" dirty="0">
                 <a:solidFill>
                   <a:schemeClr val="bg1">
                     <a:lumMod val="65000"/>
                   </a:schemeClr>
                 </a:solidFill>
               </a:rPr>
-              <a:t>Pour être tenu informer des dernières nouveautés et promos</a:t>
+              <a:t>Pour être </a:t>
             </a:r>
-            <a:endParaRPr lang="fr-FR" sz="1200" dirty="0">
-              <a:solidFill>
-                <a:schemeClr val="bg1">
-                  <a:lumMod val="65000"/>
-                </a:schemeClr>
-              </a:solidFill>
-            </a:endParaRPr>
+            <a:r>
+              <a:rPr lang="fr-FR" sz="1200">
+                <a:solidFill>
+                  <a:schemeClr val="bg1">
+                    <a:lumMod val="65000"/>
+                  </a:schemeClr>
+                </a:solidFill>
+              </a:rPr>
+              <a:t>tenu informé </a:t>
+            </a:r>
+            <a:r>
+              <a:rPr lang="fr-FR" sz="1200" dirty="0">
+                <a:solidFill>
+                  <a:schemeClr val="bg1">
+                    <a:lumMod val="65000"/>
+                  </a:schemeClr>
+                </a:solidFill>
+              </a:rPr>
+              <a:t>des dernières nouveautés et promos</a:t>
+            </a:r>
           </a:p>
         </p:txBody>
       </p:sp>
@@ -31818,7 +31150,7 @@
           <a:lstStyle/>
           <a:p>
             <a:r>
-              <a:rPr lang="fr-FR" i="1" dirty="0" smtClean="0">
+              <a:rPr lang="fr-FR" i="1" dirty="0">
                 <a:solidFill>
                   <a:schemeClr val="bg1">
                     <a:lumMod val="65000"/>
@@ -31827,13 +31159,6 @@
               </a:rPr>
               <a:t>Adresse email</a:t>
             </a:r>
-            <a:endParaRPr lang="fr-FR" i="1" dirty="0">
-              <a:solidFill>
-                <a:schemeClr val="bg1">
-                  <a:lumMod val="65000"/>
-                </a:schemeClr>
-              </a:solidFill>
-            </a:endParaRPr>
           </a:p>
         </p:txBody>
       </p:sp>
@@ -31903,18 +31228,13 @@
           <a:lstStyle/>
           <a:p>
             <a:r>
-              <a:rPr lang="fr-FR" sz="1400" dirty="0" smtClean="0">
+              <a:rPr lang="fr-FR" sz="1400" dirty="0">
                 <a:solidFill>
                   <a:schemeClr val="bg1"/>
                 </a:solidFill>
               </a:rPr>
               <a:t>JE M’ABONNE</a:t>
             </a:r>
-            <a:endParaRPr lang="fr-FR" sz="1400" dirty="0">
-              <a:solidFill>
-                <a:schemeClr val="bg1"/>
-              </a:solidFill>
-            </a:endParaRPr>
           </a:p>
         </p:txBody>
       </p:sp>
@@ -31988,13 +31308,6 @@
   <p:clrMapOvr>
     <a:masterClrMapping/>
   </p:clrMapOvr>
-  <p:timing>
-    <p:tnLst>
-      <p:par>
-        <p:cTn id="1" dur="indefinite" restart="never" nodeType="tmRoot"/>
-      </p:par>
-    </p:tnLst>
-  </p:timing>
 </p:sld>
 </file>
 
@@ -32339,7 +31652,7 @@
             </a:lstStyle>
             <a:p>
               <a:r>
-                <a:rPr lang="en-US" sz="900" dirty="0" smtClean="0">
+                <a:rPr lang="en-US" sz="900" dirty="0">
                   <a:solidFill>
                     <a:srgbClr val="5F5F5F"/>
                   </a:solidFill>
@@ -32348,13 +31661,6 @@
                 </a:rPr>
                 <a:t>Browser</a:t>
               </a:r>
-              <a:endParaRPr lang="en-US" sz="900" dirty="0">
-                <a:solidFill>
-                  <a:srgbClr val="5F5F5F"/>
-                </a:solidFill>
-                <a:latin typeface="Segoe UI" panose="020B0502040204020203" pitchFamily="34" charset="0"/>
-                <a:cs typeface="Segoe UI" panose="020B0502040204020203" pitchFamily="34" charset="0"/>
-              </a:endParaRPr>
             </a:p>
           </p:txBody>
         </p:sp>
@@ -32909,7 +32215,7 @@
             </a:lstStyle>
             <a:p>
               <a:r>
-                <a:rPr lang="en-US" sz="900" noProof="1" smtClean="0">
+                <a:rPr lang="en-US" sz="900" noProof="1">
                   <a:solidFill>
                     <a:srgbClr val="5F5F5F"/>
                   </a:solidFill>
@@ -32918,13 +32224,6 @@
                 </a:rPr>
                 <a:t>www.example.com</a:t>
               </a:r>
-              <a:endParaRPr lang="en-US" sz="900" noProof="1">
-                <a:solidFill>
-                  <a:srgbClr val="5F5F5F"/>
-                </a:solidFill>
-                <a:latin typeface="Segoe UI" panose="020B0502040204020203" pitchFamily="34" charset="0"/>
-                <a:cs typeface="Segoe UI" panose="020B0502040204020203" pitchFamily="34" charset="0"/>
-              </a:endParaRPr>
             </a:p>
           </p:txBody>
         </p:sp>
@@ -33885,18 +33184,13 @@
           <a:lstStyle/>
           <a:p>
             <a:r>
-              <a:rPr lang="fr-FR" sz="2800" dirty="0" smtClean="0">
+              <a:rPr lang="fr-FR" sz="2800" dirty="0">
                 <a:solidFill>
                   <a:schemeClr val="bg1"/>
                 </a:solidFill>
               </a:rPr>
               <a:t>LES TRESORS DE ONE PIECE</a:t>
             </a:r>
-            <a:endParaRPr lang="fr-FR" sz="2800" dirty="0">
-              <a:solidFill>
-                <a:schemeClr val="bg1"/>
-              </a:solidFill>
-            </a:endParaRPr>
           </a:p>
         </p:txBody>
       </p:sp>
@@ -33923,18 +33217,13 @@
           <a:lstStyle/>
           <a:p>
             <a:r>
-              <a:rPr lang="fr-FR" sz="1400" dirty="0" smtClean="0">
+              <a:rPr lang="fr-FR" sz="1400" dirty="0">
                 <a:solidFill>
                   <a:schemeClr val="bg1"/>
                 </a:solidFill>
               </a:rPr>
               <a:t>Inscription/Connexion</a:t>
             </a:r>
-            <a:endParaRPr lang="fr-FR" sz="1400" dirty="0">
-              <a:solidFill>
-                <a:schemeClr val="bg1"/>
-              </a:solidFill>
-            </a:endParaRPr>
           </a:p>
         </p:txBody>
       </p:sp>
@@ -33961,18 +33250,13 @@
           <a:lstStyle/>
           <a:p>
             <a:r>
-              <a:rPr lang="fr-FR" dirty="0" smtClean="0">
+              <a:rPr lang="fr-FR" dirty="0">
                 <a:solidFill>
                   <a:schemeClr val="bg1"/>
                 </a:solidFill>
               </a:rPr>
               <a:t>HOME</a:t>
             </a:r>
-            <a:endParaRPr lang="fr-FR" dirty="0">
-              <a:solidFill>
-                <a:schemeClr val="bg1"/>
-              </a:solidFill>
-            </a:endParaRPr>
           </a:p>
         </p:txBody>
       </p:sp>
@@ -33999,18 +33283,13 @@
           <a:lstStyle/>
           <a:p>
             <a:r>
-              <a:rPr lang="fr-FR" dirty="0" smtClean="0">
+              <a:rPr lang="fr-FR" dirty="0">
                 <a:solidFill>
                   <a:schemeClr val="bg1"/>
                 </a:solidFill>
               </a:rPr>
               <a:t>FIGURINES</a:t>
             </a:r>
-            <a:endParaRPr lang="fr-FR" dirty="0">
-              <a:solidFill>
-                <a:schemeClr val="bg1"/>
-              </a:solidFill>
-            </a:endParaRPr>
           </a:p>
         </p:txBody>
       </p:sp>
@@ -34037,18 +33316,13 @@
           <a:lstStyle/>
           <a:p>
             <a:r>
-              <a:rPr lang="fr-FR" dirty="0" smtClean="0">
+              <a:rPr lang="fr-FR" dirty="0">
                 <a:solidFill>
                   <a:schemeClr val="bg1"/>
                 </a:solidFill>
               </a:rPr>
               <a:t>VETEMENTS</a:t>
             </a:r>
-            <a:endParaRPr lang="fr-FR" dirty="0">
-              <a:solidFill>
-                <a:schemeClr val="bg1"/>
-              </a:solidFill>
-            </a:endParaRPr>
           </a:p>
         </p:txBody>
       </p:sp>
@@ -34075,18 +33349,13 @@
           <a:lstStyle/>
           <a:p>
             <a:r>
-              <a:rPr lang="fr-FR" dirty="0" smtClean="0">
+              <a:rPr lang="fr-FR" dirty="0">
                 <a:solidFill>
                   <a:schemeClr val="bg1"/>
                 </a:solidFill>
               </a:rPr>
               <a:t>DVD &amp; BLU-RAY</a:t>
             </a:r>
-            <a:endParaRPr lang="fr-FR" dirty="0">
-              <a:solidFill>
-                <a:schemeClr val="bg1"/>
-              </a:solidFill>
-            </a:endParaRPr>
           </a:p>
         </p:txBody>
       </p:sp>
@@ -34113,18 +33382,13 @@
           <a:lstStyle/>
           <a:p>
             <a:r>
-              <a:rPr lang="fr-FR" dirty="0" smtClean="0">
+              <a:rPr lang="fr-FR" dirty="0">
                 <a:solidFill>
                   <a:schemeClr val="bg1"/>
                 </a:solidFill>
               </a:rPr>
               <a:t>LIVRES</a:t>
             </a:r>
-            <a:endParaRPr lang="fr-FR" dirty="0">
-              <a:solidFill>
-                <a:schemeClr val="bg1"/>
-              </a:solidFill>
-            </a:endParaRPr>
           </a:p>
         </p:txBody>
       </p:sp>
@@ -34151,18 +33415,13 @@
           <a:lstStyle/>
           <a:p>
             <a:r>
-              <a:rPr lang="fr-FR" dirty="0" smtClean="0">
+              <a:rPr lang="fr-FR" dirty="0">
                 <a:solidFill>
                   <a:schemeClr val="bg1"/>
                 </a:solidFill>
               </a:rPr>
               <a:t>GOODIES</a:t>
             </a:r>
-            <a:endParaRPr lang="fr-FR" dirty="0">
-              <a:solidFill>
-                <a:schemeClr val="bg1"/>
-              </a:solidFill>
-            </a:endParaRPr>
           </a:p>
         </p:txBody>
       </p:sp>
@@ -35304,13 +34563,8 @@
             </a:r>
             <a:r>
               <a:rPr lang="fr-FR" b="1" dirty="0"/>
-              <a:t> Manga </a:t>
+              <a:t> Manga Dimension</a:t>
             </a:r>
-            <a:r>
-              <a:rPr lang="fr-FR" b="1" dirty="0" smtClean="0"/>
-              <a:t>Dimension</a:t>
-            </a:r>
-            <a:endParaRPr lang="fr-FR" b="1" dirty="0"/>
           </a:p>
           <a:p>
             <a:endParaRPr lang="fr-FR" dirty="0"/>
@@ -35340,7 +34594,7 @@
           <a:lstStyle/>
           <a:p>
             <a:r>
-              <a:rPr lang="fr-FR" sz="1200" i="1" dirty="0" smtClean="0">
+              <a:rPr lang="fr-FR" sz="1200" i="1" dirty="0">
                 <a:solidFill>
                   <a:schemeClr val="bg1">
                     <a:lumMod val="50000"/>
@@ -35535,10 +34789,9 @@
           <a:lstStyle/>
           <a:p>
             <a:r>
-              <a:rPr lang="fr-FR" dirty="0" smtClean="0"/>
+              <a:rPr lang="fr-FR" dirty="0"/>
               <a:t>74,90 € </a:t>
             </a:r>
-            <a:endParaRPr lang="fr-FR" dirty="0"/>
           </a:p>
         </p:txBody>
       </p:sp>
@@ -35705,7 +34958,7 @@
           <a:lstStyle/>
           <a:p>
             <a:r>
-              <a:rPr lang="fr-FR" dirty="0" smtClean="0">
+              <a:rPr lang="fr-FR" dirty="0">
                 <a:solidFill>
                   <a:schemeClr val="tx2">
                     <a:lumMod val="75000"/>
@@ -35714,13 +34967,6 @@
               </a:rPr>
               <a:t>^</a:t>
             </a:r>
-            <a:endParaRPr lang="fr-FR" dirty="0">
-              <a:solidFill>
-                <a:schemeClr val="tx2">
-                  <a:lumMod val="75000"/>
-                </a:schemeClr>
-              </a:solidFill>
-            </a:endParaRPr>
           </a:p>
         </p:txBody>
       </p:sp>
@@ -35747,7 +34993,7 @@
           <a:lstStyle/>
           <a:p>
             <a:r>
-              <a:rPr lang="fr-FR" dirty="0" smtClean="0">
+              <a:rPr lang="fr-FR" dirty="0">
                 <a:solidFill>
                   <a:schemeClr val="tx2">
                     <a:lumMod val="75000"/>
@@ -35756,13 +35002,6 @@
               </a:rPr>
               <a:t>^</a:t>
             </a:r>
-            <a:endParaRPr lang="fr-FR" dirty="0">
-              <a:solidFill>
-                <a:schemeClr val="tx2">
-                  <a:lumMod val="75000"/>
-                </a:schemeClr>
-              </a:solidFill>
-            </a:endParaRPr>
           </a:p>
         </p:txBody>
       </p:sp>
@@ -35789,7 +35028,7 @@
           <a:lstStyle/>
           <a:p>
             <a:r>
-              <a:rPr lang="fr-FR" sz="1200" dirty="0" smtClean="0">
+              <a:rPr lang="fr-FR" sz="1200" dirty="0">
                 <a:solidFill>
                   <a:schemeClr val="tx2">
                     <a:lumMod val="75000"/>
@@ -35798,13 +35037,6 @@
               </a:rPr>
               <a:t>Quantité</a:t>
             </a:r>
-            <a:endParaRPr lang="fr-FR" sz="1200" dirty="0">
-              <a:solidFill>
-                <a:schemeClr val="tx2">
-                  <a:lumMod val="75000"/>
-                </a:schemeClr>
-              </a:solidFill>
-            </a:endParaRPr>
           </a:p>
         </p:txBody>
       </p:sp>
@@ -35831,7 +35063,7 @@
           <a:lstStyle/>
           <a:p>
             <a:r>
-              <a:rPr lang="fr-FR" sz="3200" dirty="0" smtClean="0">
+              <a:rPr lang="fr-FR" sz="3200" dirty="0">
                 <a:solidFill>
                   <a:schemeClr val="tx2">
                     <a:lumMod val="75000"/>
@@ -35840,13 +35072,6 @@
               </a:rPr>
               <a:t>1</a:t>
             </a:r>
-            <a:endParaRPr lang="fr-FR" sz="3200" dirty="0">
-              <a:solidFill>
-                <a:schemeClr val="tx2">
-                  <a:lumMod val="75000"/>
-                </a:schemeClr>
-              </a:solidFill>
-            </a:endParaRPr>
           </a:p>
         </p:txBody>
       </p:sp>
@@ -35925,7 +35150,7 @@
           <a:lstStyle/>
           <a:p>
             <a:r>
-              <a:rPr lang="fr-FR" sz="1600" dirty="0" smtClean="0">
+              <a:rPr lang="fr-FR" sz="1600" dirty="0">
                 <a:solidFill>
                   <a:schemeClr val="bg1"/>
                 </a:solidFill>
@@ -35964,10 +35189,9 @@
           <a:lstStyle/>
           <a:p>
             <a:r>
-              <a:rPr lang="fr-FR" dirty="0" smtClean="0"/>
+              <a:rPr lang="fr-FR" dirty="0"/>
               <a:t>Page de l’objet en vente</a:t>
             </a:r>
-            <a:endParaRPr lang="fr-FR" dirty="0"/>
           </a:p>
         </p:txBody>
       </p:sp>
@@ -35981,13 +35205,6 @@
   <p:clrMapOvr>
     <a:masterClrMapping/>
   </p:clrMapOvr>
-  <p:timing>
-    <p:tnLst>
-      <p:par>
-        <p:cTn id="1" dur="indefinite" restart="never" nodeType="tmRoot"/>
-      </p:par>
-    </p:tnLst>
-  </p:timing>
 </p:sld>
 </file>
 
@@ -36332,7 +35549,7 @@
             </a:lstStyle>
             <a:p>
               <a:r>
-                <a:rPr lang="en-US" sz="900" dirty="0" smtClean="0">
+                <a:rPr lang="en-US" sz="900" dirty="0">
                   <a:solidFill>
                     <a:srgbClr val="5F5F5F"/>
                   </a:solidFill>
@@ -36341,13 +35558,6 @@
                 </a:rPr>
                 <a:t>Browser</a:t>
               </a:r>
-              <a:endParaRPr lang="en-US" sz="900" dirty="0">
-                <a:solidFill>
-                  <a:srgbClr val="5F5F5F"/>
-                </a:solidFill>
-                <a:latin typeface="Segoe UI" panose="020B0502040204020203" pitchFamily="34" charset="0"/>
-                <a:cs typeface="Segoe UI" panose="020B0502040204020203" pitchFamily="34" charset="0"/>
-              </a:endParaRPr>
             </a:p>
           </p:txBody>
         </p:sp>
@@ -36902,7 +36112,7 @@
             </a:lstStyle>
             <a:p>
               <a:r>
-                <a:rPr lang="en-US" sz="900" noProof="1" smtClean="0">
+                <a:rPr lang="en-US" sz="900" noProof="1">
                   <a:solidFill>
                     <a:srgbClr val="5F5F5F"/>
                   </a:solidFill>
@@ -36911,13 +36121,6 @@
                 </a:rPr>
                 <a:t>www.example.com</a:t>
               </a:r>
-              <a:endParaRPr lang="en-US" sz="900" noProof="1">
-                <a:solidFill>
-                  <a:srgbClr val="5F5F5F"/>
-                </a:solidFill>
-                <a:latin typeface="Segoe UI" panose="020B0502040204020203" pitchFamily="34" charset="0"/>
-                <a:cs typeface="Segoe UI" panose="020B0502040204020203" pitchFamily="34" charset="0"/>
-              </a:endParaRPr>
             </a:p>
           </p:txBody>
         </p:sp>
@@ -37878,18 +37081,13 @@
           <a:lstStyle/>
           <a:p>
             <a:r>
-              <a:rPr lang="fr-FR" sz="2800" dirty="0" smtClean="0">
+              <a:rPr lang="fr-FR" sz="2800" dirty="0">
                 <a:solidFill>
                   <a:schemeClr val="bg1"/>
                 </a:solidFill>
               </a:rPr>
               <a:t>LES TRESORS DE ONE PIECE</a:t>
             </a:r>
-            <a:endParaRPr lang="fr-FR" sz="2800" dirty="0">
-              <a:solidFill>
-                <a:schemeClr val="bg1"/>
-              </a:solidFill>
-            </a:endParaRPr>
           </a:p>
         </p:txBody>
       </p:sp>
@@ -37916,18 +37114,13 @@
           <a:lstStyle/>
           <a:p>
             <a:r>
-              <a:rPr lang="fr-FR" dirty="0" smtClean="0">
+              <a:rPr lang="fr-FR" dirty="0">
                 <a:solidFill>
                   <a:schemeClr val="bg1"/>
                 </a:solidFill>
               </a:rPr>
               <a:t>HOME</a:t>
             </a:r>
-            <a:endParaRPr lang="fr-FR" dirty="0">
-              <a:solidFill>
-                <a:schemeClr val="bg1"/>
-              </a:solidFill>
-            </a:endParaRPr>
           </a:p>
         </p:txBody>
       </p:sp>
@@ -37954,18 +37147,13 @@
           <a:lstStyle/>
           <a:p>
             <a:r>
-              <a:rPr lang="fr-FR" dirty="0" smtClean="0">
+              <a:rPr lang="fr-FR" dirty="0">
                 <a:solidFill>
                   <a:schemeClr val="bg1"/>
                 </a:solidFill>
               </a:rPr>
               <a:t>FIGURINES</a:t>
             </a:r>
-            <a:endParaRPr lang="fr-FR" dirty="0">
-              <a:solidFill>
-                <a:schemeClr val="bg1"/>
-              </a:solidFill>
-            </a:endParaRPr>
           </a:p>
         </p:txBody>
       </p:sp>
@@ -37992,18 +37180,13 @@
           <a:lstStyle/>
           <a:p>
             <a:r>
-              <a:rPr lang="fr-FR" dirty="0" smtClean="0">
+              <a:rPr lang="fr-FR" dirty="0">
                 <a:solidFill>
                   <a:schemeClr val="bg1"/>
                 </a:solidFill>
               </a:rPr>
               <a:t>VETEMENTS</a:t>
             </a:r>
-            <a:endParaRPr lang="fr-FR" dirty="0">
-              <a:solidFill>
-                <a:schemeClr val="bg1"/>
-              </a:solidFill>
-            </a:endParaRPr>
           </a:p>
         </p:txBody>
       </p:sp>
@@ -38030,18 +37213,13 @@
           <a:lstStyle/>
           <a:p>
             <a:r>
-              <a:rPr lang="fr-FR" dirty="0" smtClean="0">
+              <a:rPr lang="fr-FR" dirty="0">
                 <a:solidFill>
                   <a:schemeClr val="bg1"/>
                 </a:solidFill>
               </a:rPr>
               <a:t>DVD &amp; BLU-RAY</a:t>
             </a:r>
-            <a:endParaRPr lang="fr-FR" dirty="0">
-              <a:solidFill>
-                <a:schemeClr val="bg1"/>
-              </a:solidFill>
-            </a:endParaRPr>
           </a:p>
         </p:txBody>
       </p:sp>
@@ -38068,18 +37246,13 @@
           <a:lstStyle/>
           <a:p>
             <a:r>
-              <a:rPr lang="fr-FR" dirty="0" smtClean="0">
+              <a:rPr lang="fr-FR" dirty="0">
                 <a:solidFill>
                   <a:schemeClr val="bg1"/>
                 </a:solidFill>
               </a:rPr>
               <a:t>LIVRES</a:t>
             </a:r>
-            <a:endParaRPr lang="fr-FR" dirty="0">
-              <a:solidFill>
-                <a:schemeClr val="bg1"/>
-              </a:solidFill>
-            </a:endParaRPr>
           </a:p>
         </p:txBody>
       </p:sp>
@@ -38106,18 +37279,13 @@
           <a:lstStyle/>
           <a:p>
             <a:r>
-              <a:rPr lang="fr-FR" dirty="0" smtClean="0">
+              <a:rPr lang="fr-FR" dirty="0">
                 <a:solidFill>
                   <a:schemeClr val="bg1"/>
                 </a:solidFill>
               </a:rPr>
               <a:t>GOODIES</a:t>
             </a:r>
-            <a:endParaRPr lang="fr-FR" dirty="0">
-              <a:solidFill>
-                <a:schemeClr val="bg1"/>
-              </a:solidFill>
-            </a:endParaRPr>
           </a:p>
         </p:txBody>
       </p:sp>
@@ -38855,10 +38023,9 @@
           <a:lstStyle/>
           <a:p>
             <a:r>
-              <a:rPr lang="fr-FR" b="1" dirty="0" smtClean="0"/>
+              <a:rPr lang="fr-FR" b="1" dirty="0"/>
               <a:t>IDENTIFIEZ-VOUS</a:t>
             </a:r>
-            <a:endParaRPr lang="fr-FR" b="1" dirty="0"/>
           </a:p>
         </p:txBody>
       </p:sp>
@@ -38974,10 +38141,9 @@
           <a:lstStyle/>
           <a:p>
             <a:r>
-              <a:rPr lang="fr-FR" dirty="0" smtClean="0"/>
+              <a:rPr lang="fr-FR" dirty="0"/>
               <a:t>CREEZ VOTRE COMPTE</a:t>
             </a:r>
-            <a:endParaRPr lang="fr-FR" dirty="0"/>
           </a:p>
         </p:txBody>
       </p:sp>
@@ -39041,7 +38207,7 @@
           <a:lstStyle/>
           <a:p>
             <a:r>
-              <a:rPr lang="fr-FR" sz="1400" i="1" dirty="0" smtClean="0">
+              <a:rPr lang="fr-FR" sz="1400" i="1" dirty="0">
                 <a:solidFill>
                   <a:schemeClr val="bg1">
                     <a:lumMod val="65000"/>
@@ -39050,13 +38216,6 @@
               </a:rPr>
               <a:t>Veuillez saisir votre adresse email pour créer un compte.</a:t>
             </a:r>
-            <a:endParaRPr lang="fr-FR" sz="1400" i="1" dirty="0">
-              <a:solidFill>
-                <a:schemeClr val="bg1">
-                  <a:lumMod val="65000"/>
-                </a:schemeClr>
-              </a:solidFill>
-            </a:endParaRPr>
           </a:p>
         </p:txBody>
       </p:sp>
@@ -39128,10 +38287,9 @@
           <a:lstStyle/>
           <a:p>
             <a:r>
-              <a:rPr lang="fr-FR" sz="1400" dirty="0" smtClean="0"/>
+              <a:rPr lang="fr-FR" sz="1400" dirty="0"/>
               <a:t>Adresse email</a:t>
             </a:r>
-            <a:endParaRPr lang="fr-FR" sz="1400" dirty="0"/>
           </a:p>
         </p:txBody>
       </p:sp>
@@ -39203,18 +38361,13 @@
           <a:lstStyle/>
           <a:p>
             <a:r>
-              <a:rPr lang="fr-FR" sz="1600" dirty="0" smtClean="0">
+              <a:rPr lang="fr-FR" sz="1600" dirty="0">
                 <a:solidFill>
                   <a:schemeClr val="bg1"/>
                 </a:solidFill>
               </a:rPr>
               <a:t>CREEZ VOTRE COMPTE</a:t>
             </a:r>
-            <a:endParaRPr lang="fr-FR" sz="1600" dirty="0">
-              <a:solidFill>
-                <a:schemeClr val="bg1"/>
-              </a:solidFill>
-            </a:endParaRPr>
           </a:p>
         </p:txBody>
       </p:sp>
@@ -39293,10 +38446,9 @@
           <a:lstStyle/>
           <a:p>
             <a:r>
-              <a:rPr lang="fr-FR" dirty="0" smtClean="0"/>
+              <a:rPr lang="fr-FR" dirty="0"/>
               <a:t>DÉJÀ INSCRIT ?</a:t>
             </a:r>
-            <a:endParaRPr lang="fr-FR" dirty="0"/>
           </a:p>
         </p:txBody>
       </p:sp>
@@ -39405,10 +38557,9 @@
           <a:lstStyle/>
           <a:p>
             <a:r>
-              <a:rPr lang="fr-FR" sz="1400" dirty="0" smtClean="0"/>
+              <a:rPr lang="fr-FR" sz="1400" dirty="0"/>
               <a:t>Adresse email</a:t>
             </a:r>
-            <a:endParaRPr lang="fr-FR" sz="1400" dirty="0"/>
           </a:p>
         </p:txBody>
       </p:sp>
@@ -39480,18 +38631,13 @@
           <a:lstStyle/>
           <a:p>
             <a:r>
-              <a:rPr lang="fr-FR" sz="1600" dirty="0" smtClean="0">
+              <a:rPr lang="fr-FR" sz="1600" dirty="0">
                 <a:solidFill>
                   <a:schemeClr val="bg1"/>
                 </a:solidFill>
               </a:rPr>
               <a:t>CONNEXION</a:t>
             </a:r>
-            <a:endParaRPr lang="fr-FR" sz="1600" dirty="0">
-              <a:solidFill>
-                <a:schemeClr val="bg1"/>
-              </a:solidFill>
-            </a:endParaRPr>
           </a:p>
         </p:txBody>
       </p:sp>
@@ -39518,10 +38664,9 @@
           <a:lstStyle/>
           <a:p>
             <a:r>
-              <a:rPr lang="fr-FR" sz="1400" dirty="0" smtClean="0"/>
+              <a:rPr lang="fr-FR" sz="1400" dirty="0"/>
               <a:t>Mot de passe</a:t>
             </a:r>
-            <a:endParaRPr lang="fr-FR" sz="1400" dirty="0"/>
           </a:p>
         </p:txBody>
       </p:sp>
@@ -39593,7 +38738,7 @@
           <a:lstStyle/>
           <a:p>
             <a:r>
-              <a:rPr lang="fr-FR" sz="1000" i="1" u="sng" dirty="0" smtClean="0">
+              <a:rPr lang="fr-FR" sz="1000" i="1" u="sng" dirty="0">
                 <a:solidFill>
                   <a:schemeClr val="tx1">
                     <a:lumMod val="65000"/>
@@ -39603,14 +38748,6 @@
               </a:rPr>
               <a:t>Mot de passe oublié ?</a:t>
             </a:r>
-            <a:endParaRPr lang="fr-FR" sz="1000" i="1" u="sng" dirty="0">
-              <a:solidFill>
-                <a:schemeClr val="tx1">
-                  <a:lumMod val="65000"/>
-                  <a:lumOff val="35000"/>
-                </a:schemeClr>
-              </a:solidFill>
-            </a:endParaRPr>
           </a:p>
         </p:txBody>
       </p:sp>
@@ -39637,10 +38774,9 @@
           <a:lstStyle/>
           <a:p>
             <a:r>
-              <a:rPr lang="fr-FR" dirty="0" smtClean="0"/>
+              <a:rPr lang="fr-FR" dirty="0"/>
               <a:t>Page d’inscription</a:t>
             </a:r>
-            <a:endParaRPr lang="fr-FR" dirty="0"/>
           </a:p>
         </p:txBody>
       </p:sp>
@@ -39654,13 +38790,6 @@
   <p:clrMapOvr>
     <a:masterClrMapping/>
   </p:clrMapOvr>
-  <p:timing>
-    <p:tnLst>
-      <p:par>
-        <p:cTn id="1" dur="indefinite" restart="never" nodeType="tmRoot"/>
-      </p:par>
-    </p:tnLst>
-  </p:timing>
 </p:sld>
 </file>
 
@@ -40005,7 +39134,7 @@
             </a:lstStyle>
             <a:p>
               <a:r>
-                <a:rPr lang="en-US" sz="900" dirty="0" smtClean="0">
+                <a:rPr lang="en-US" sz="900" dirty="0">
                   <a:solidFill>
                     <a:srgbClr val="5F5F5F"/>
                   </a:solidFill>
@@ -40014,13 +39143,6 @@
                 </a:rPr>
                 <a:t>Browser</a:t>
               </a:r>
-              <a:endParaRPr lang="en-US" sz="900" dirty="0">
-                <a:solidFill>
-                  <a:srgbClr val="5F5F5F"/>
-                </a:solidFill>
-                <a:latin typeface="Segoe UI" panose="020B0502040204020203" pitchFamily="34" charset="0"/>
-                <a:cs typeface="Segoe UI" panose="020B0502040204020203" pitchFamily="34" charset="0"/>
-              </a:endParaRPr>
             </a:p>
           </p:txBody>
         </p:sp>
@@ -40575,7 +39697,7 @@
             </a:lstStyle>
             <a:p>
               <a:r>
-                <a:rPr lang="en-US" sz="900" noProof="1" smtClean="0">
+                <a:rPr lang="en-US" sz="900" noProof="1">
                   <a:solidFill>
                     <a:srgbClr val="5F5F5F"/>
                   </a:solidFill>
@@ -40584,13 +39706,6 @@
                 </a:rPr>
                 <a:t>www.example.com</a:t>
               </a:r>
-              <a:endParaRPr lang="en-US" sz="900" noProof="1">
-                <a:solidFill>
-                  <a:srgbClr val="5F5F5F"/>
-                </a:solidFill>
-                <a:latin typeface="Segoe UI" panose="020B0502040204020203" pitchFamily="34" charset="0"/>
-                <a:cs typeface="Segoe UI" panose="020B0502040204020203" pitchFamily="34" charset="0"/>
-              </a:endParaRPr>
             </a:p>
           </p:txBody>
         </p:sp>
@@ -41551,18 +40666,13 @@
           <a:lstStyle/>
           <a:p>
             <a:r>
-              <a:rPr lang="fr-FR" sz="2800" dirty="0" smtClean="0">
+              <a:rPr lang="fr-FR" sz="2800" dirty="0">
                 <a:solidFill>
                   <a:schemeClr val="bg1"/>
                 </a:solidFill>
               </a:rPr>
               <a:t>LES TRESORS DE ONE PIECE</a:t>
             </a:r>
-            <a:endParaRPr lang="fr-FR" sz="2800" dirty="0">
-              <a:solidFill>
-                <a:schemeClr val="bg1"/>
-              </a:solidFill>
-            </a:endParaRPr>
           </a:p>
         </p:txBody>
       </p:sp>
@@ -41589,18 +40699,13 @@
           <a:lstStyle/>
           <a:p>
             <a:r>
-              <a:rPr lang="fr-FR" sz="1400" dirty="0" smtClean="0">
+              <a:rPr lang="fr-FR" sz="1400" dirty="0">
                 <a:solidFill>
                   <a:schemeClr val="bg1"/>
                 </a:solidFill>
               </a:rPr>
               <a:t>Inscription/Connexion</a:t>
             </a:r>
-            <a:endParaRPr lang="fr-FR" sz="1400" dirty="0">
-              <a:solidFill>
-                <a:schemeClr val="bg1"/>
-              </a:solidFill>
-            </a:endParaRPr>
           </a:p>
         </p:txBody>
       </p:sp>
@@ -41627,18 +40732,13 @@
           <a:lstStyle/>
           <a:p>
             <a:r>
-              <a:rPr lang="fr-FR" dirty="0" smtClean="0">
+              <a:rPr lang="fr-FR" dirty="0">
                 <a:solidFill>
                   <a:schemeClr val="bg1"/>
                 </a:solidFill>
               </a:rPr>
               <a:t>HOME</a:t>
             </a:r>
-            <a:endParaRPr lang="fr-FR" dirty="0">
-              <a:solidFill>
-                <a:schemeClr val="bg1"/>
-              </a:solidFill>
-            </a:endParaRPr>
           </a:p>
         </p:txBody>
       </p:sp>
@@ -41665,18 +40765,13 @@
           <a:lstStyle/>
           <a:p>
             <a:r>
-              <a:rPr lang="fr-FR" dirty="0" smtClean="0">
+              <a:rPr lang="fr-FR" dirty="0">
                 <a:solidFill>
                   <a:schemeClr val="bg1"/>
                 </a:solidFill>
               </a:rPr>
               <a:t>FIGURINES</a:t>
             </a:r>
-            <a:endParaRPr lang="fr-FR" dirty="0">
-              <a:solidFill>
-                <a:schemeClr val="bg1"/>
-              </a:solidFill>
-            </a:endParaRPr>
           </a:p>
         </p:txBody>
       </p:sp>
@@ -41703,18 +40798,13 @@
           <a:lstStyle/>
           <a:p>
             <a:r>
-              <a:rPr lang="fr-FR" dirty="0" smtClean="0">
+              <a:rPr lang="fr-FR" dirty="0">
                 <a:solidFill>
                   <a:schemeClr val="bg1"/>
                 </a:solidFill>
               </a:rPr>
               <a:t>VETEMENTS</a:t>
             </a:r>
-            <a:endParaRPr lang="fr-FR" dirty="0">
-              <a:solidFill>
-                <a:schemeClr val="bg1"/>
-              </a:solidFill>
-            </a:endParaRPr>
           </a:p>
         </p:txBody>
       </p:sp>
@@ -41741,18 +40831,13 @@
           <a:lstStyle/>
           <a:p>
             <a:r>
-              <a:rPr lang="fr-FR" dirty="0" smtClean="0">
+              <a:rPr lang="fr-FR" dirty="0">
                 <a:solidFill>
                   <a:schemeClr val="bg1"/>
                 </a:solidFill>
               </a:rPr>
               <a:t>DVD &amp; BLU-RAY</a:t>
             </a:r>
-            <a:endParaRPr lang="fr-FR" dirty="0">
-              <a:solidFill>
-                <a:schemeClr val="bg1"/>
-              </a:solidFill>
-            </a:endParaRPr>
           </a:p>
         </p:txBody>
       </p:sp>
@@ -41779,18 +40864,13 @@
           <a:lstStyle/>
           <a:p>
             <a:r>
-              <a:rPr lang="fr-FR" dirty="0" smtClean="0">
+              <a:rPr lang="fr-FR" dirty="0">
                 <a:solidFill>
                   <a:schemeClr val="bg1"/>
                 </a:solidFill>
               </a:rPr>
               <a:t>LIVRES</a:t>
             </a:r>
-            <a:endParaRPr lang="fr-FR" dirty="0">
-              <a:solidFill>
-                <a:schemeClr val="bg1"/>
-              </a:solidFill>
-            </a:endParaRPr>
           </a:p>
         </p:txBody>
       </p:sp>
@@ -41817,18 +40897,13 @@
           <a:lstStyle/>
           <a:p>
             <a:r>
-              <a:rPr lang="fr-FR" dirty="0" smtClean="0">
+              <a:rPr lang="fr-FR" dirty="0">
                 <a:solidFill>
                   <a:schemeClr val="bg1"/>
                 </a:solidFill>
               </a:rPr>
               <a:t>GOODIES</a:t>
             </a:r>
-            <a:endParaRPr lang="fr-FR" dirty="0">
-              <a:solidFill>
-                <a:schemeClr val="bg1"/>
-              </a:solidFill>
-            </a:endParaRPr>
           </a:p>
         </p:txBody>
       </p:sp>
@@ -42970,13 +42045,8 @@
             </a:r>
             <a:r>
               <a:rPr lang="fr-FR" b="1" dirty="0"/>
-              <a:t> Manga </a:t>
+              <a:t> Manga Dimension</a:t>
             </a:r>
-            <a:r>
-              <a:rPr lang="fr-FR" b="1" dirty="0" smtClean="0"/>
-              <a:t>Dimension</a:t>
-            </a:r>
-            <a:endParaRPr lang="fr-FR" b="1" dirty="0"/>
           </a:p>
           <a:p>
             <a:endParaRPr lang="fr-FR" dirty="0"/>
@@ -43006,7 +42076,7 @@
           <a:lstStyle/>
           <a:p>
             <a:r>
-              <a:rPr lang="fr-FR" sz="1200" i="1" dirty="0" smtClean="0">
+              <a:rPr lang="fr-FR" sz="1200" i="1" dirty="0">
                 <a:solidFill>
                   <a:schemeClr val="bg1">
                     <a:lumMod val="50000"/>
@@ -43201,10 +42271,9 @@
           <a:lstStyle/>
           <a:p>
             <a:r>
-              <a:rPr lang="fr-FR" dirty="0" smtClean="0"/>
+              <a:rPr lang="fr-FR" dirty="0"/>
               <a:t>74,90 € </a:t>
             </a:r>
-            <a:endParaRPr lang="fr-FR" dirty="0"/>
           </a:p>
         </p:txBody>
       </p:sp>
@@ -43371,7 +42440,7 @@
           <a:lstStyle/>
           <a:p>
             <a:r>
-              <a:rPr lang="fr-FR" dirty="0" smtClean="0">
+              <a:rPr lang="fr-FR" dirty="0">
                 <a:solidFill>
                   <a:schemeClr val="tx2">
                     <a:lumMod val="75000"/>
@@ -43380,13 +42449,6 @@
               </a:rPr>
               <a:t>^</a:t>
             </a:r>
-            <a:endParaRPr lang="fr-FR" dirty="0">
-              <a:solidFill>
-                <a:schemeClr val="tx2">
-                  <a:lumMod val="75000"/>
-                </a:schemeClr>
-              </a:solidFill>
-            </a:endParaRPr>
           </a:p>
         </p:txBody>
       </p:sp>
@@ -43413,7 +42475,7 @@
           <a:lstStyle/>
           <a:p>
             <a:r>
-              <a:rPr lang="fr-FR" dirty="0" smtClean="0">
+              <a:rPr lang="fr-FR" dirty="0">
                 <a:solidFill>
                   <a:schemeClr val="tx2">
                     <a:lumMod val="75000"/>
@@ -43422,13 +42484,6 @@
               </a:rPr>
               <a:t>^</a:t>
             </a:r>
-            <a:endParaRPr lang="fr-FR" dirty="0">
-              <a:solidFill>
-                <a:schemeClr val="tx2">
-                  <a:lumMod val="75000"/>
-                </a:schemeClr>
-              </a:solidFill>
-            </a:endParaRPr>
           </a:p>
         </p:txBody>
       </p:sp>
@@ -43455,7 +42510,7 @@
           <a:lstStyle/>
           <a:p>
             <a:r>
-              <a:rPr lang="fr-FR" sz="1200" dirty="0" smtClean="0">
+              <a:rPr lang="fr-FR" sz="1200" dirty="0">
                 <a:solidFill>
                   <a:schemeClr val="tx2">
                     <a:lumMod val="75000"/>
@@ -43464,13 +42519,6 @@
               </a:rPr>
               <a:t>Quantité</a:t>
             </a:r>
-            <a:endParaRPr lang="fr-FR" sz="1200" dirty="0">
-              <a:solidFill>
-                <a:schemeClr val="tx2">
-                  <a:lumMod val="75000"/>
-                </a:schemeClr>
-              </a:solidFill>
-            </a:endParaRPr>
           </a:p>
         </p:txBody>
       </p:sp>
@@ -43497,7 +42545,7 @@
           <a:lstStyle/>
           <a:p>
             <a:r>
-              <a:rPr lang="fr-FR" sz="3200" dirty="0" smtClean="0">
+              <a:rPr lang="fr-FR" sz="3200" dirty="0">
                 <a:solidFill>
                   <a:schemeClr val="tx2">
                     <a:lumMod val="75000"/>
@@ -43506,13 +42554,6 @@
               </a:rPr>
               <a:t>1</a:t>
             </a:r>
-            <a:endParaRPr lang="fr-FR" sz="3200" dirty="0">
-              <a:solidFill>
-                <a:schemeClr val="tx2">
-                  <a:lumMod val="75000"/>
-                </a:schemeClr>
-              </a:solidFill>
-            </a:endParaRPr>
           </a:p>
         </p:txBody>
       </p:sp>
@@ -43589,18 +42630,13 @@
           <a:lstStyle/>
           <a:p>
             <a:r>
-              <a:rPr lang="fr-FR" sz="1600" dirty="0" smtClean="0">
+              <a:rPr lang="fr-FR" sz="1600" dirty="0">
                 <a:solidFill>
                   <a:schemeClr val="bg1"/>
                 </a:solidFill>
               </a:rPr>
               <a:t>Ajouter au panier</a:t>
             </a:r>
-            <a:endParaRPr lang="fr-FR" sz="1600" dirty="0">
-              <a:solidFill>
-                <a:schemeClr val="bg1"/>
-              </a:solidFill>
-            </a:endParaRPr>
           </a:p>
         </p:txBody>
       </p:sp>
@@ -43627,10 +42663,9 @@
           <a:lstStyle/>
           <a:p>
             <a:r>
-              <a:rPr lang="fr-FR" dirty="0" smtClean="0"/>
+              <a:rPr lang="fr-FR" dirty="0"/>
               <a:t>Page de confirmation</a:t>
             </a:r>
-            <a:endParaRPr lang="fr-FR" dirty="0"/>
           </a:p>
         </p:txBody>
       </p:sp>
@@ -43732,10 +42767,9 @@
           <a:lstStyle/>
           <a:p>
             <a:r>
-              <a:rPr lang="fr-FR" b="1" dirty="0" smtClean="0"/>
+              <a:rPr lang="fr-FR" b="1" dirty="0"/>
               <a:t>LE PRODUIT A BIEN ÉTÉ AJOUTE AU PANIER.</a:t>
             </a:r>
-            <a:endParaRPr lang="fr-FR" b="1" dirty="0"/>
           </a:p>
         </p:txBody>
       </p:sp>
@@ -43919,7 +42953,7 @@
           <a:lstStyle/>
           <a:p>
             <a:r>
-              <a:rPr lang="fr-FR" sz="1400" dirty="0" smtClean="0">
+              <a:rPr lang="fr-FR" sz="1400" dirty="0">
                 <a:solidFill>
                   <a:schemeClr val="bg2">
                     <a:lumMod val="50000"/>
@@ -43928,13 +42962,6 @@
               </a:rPr>
               <a:t>Quantité ajoutée : 1</a:t>
             </a:r>
-            <a:endParaRPr lang="fr-FR" sz="1400" dirty="0">
-              <a:solidFill>
-                <a:schemeClr val="bg2">
-                  <a:lumMod val="50000"/>
-                </a:schemeClr>
-              </a:solidFill>
-            </a:endParaRPr>
           </a:p>
         </p:txBody>
       </p:sp>
@@ -44006,18 +43033,13 @@
           <a:lstStyle/>
           <a:p>
             <a:r>
-              <a:rPr lang="fr-FR" b="1" dirty="0" smtClean="0">
+              <a:rPr lang="fr-FR" b="1" dirty="0">
                 <a:solidFill>
                   <a:schemeClr val="bg1"/>
                 </a:solidFill>
               </a:rPr>
               <a:t>CONTINUER MES ACHATS</a:t>
             </a:r>
-            <a:endParaRPr lang="fr-FR" b="1" dirty="0">
-              <a:solidFill>
-                <a:schemeClr val="bg1"/>
-              </a:solidFill>
-            </a:endParaRPr>
           </a:p>
         </p:txBody>
       </p:sp>
@@ -44087,7 +43109,7 @@
           <a:lstStyle/>
           <a:p>
             <a:r>
-              <a:rPr lang="fr-FR" b="1" dirty="0" smtClean="0">
+              <a:rPr lang="fr-FR" b="1" dirty="0">
                 <a:solidFill>
                   <a:schemeClr val="bg1"/>
                 </a:solidFill>
@@ -44113,13 +43135,6 @@
   <p:clrMapOvr>
     <a:masterClrMapping/>
   </p:clrMapOvr>
-  <p:timing>
-    <p:tnLst>
-      <p:par>
-        <p:cTn id="1" dur="indefinite" restart="never" nodeType="tmRoot"/>
-      </p:par>
-    </p:tnLst>
-  </p:timing>
 </p:sld>
 </file>
 
@@ -44464,7 +43479,7 @@
             </a:lstStyle>
             <a:p>
               <a:r>
-                <a:rPr lang="en-US" sz="900" dirty="0" smtClean="0">
+                <a:rPr lang="en-US" sz="900" dirty="0">
                   <a:solidFill>
                     <a:srgbClr val="5F5F5F"/>
                   </a:solidFill>
@@ -44473,13 +43488,6 @@
                 </a:rPr>
                 <a:t>Browser</a:t>
               </a:r>
-              <a:endParaRPr lang="en-US" sz="900" dirty="0">
-                <a:solidFill>
-                  <a:srgbClr val="5F5F5F"/>
-                </a:solidFill>
-                <a:latin typeface="Segoe UI" panose="020B0502040204020203" pitchFamily="34" charset="0"/>
-                <a:cs typeface="Segoe UI" panose="020B0502040204020203" pitchFamily="34" charset="0"/>
-              </a:endParaRPr>
             </a:p>
           </p:txBody>
         </p:sp>
@@ -45034,7 +44042,7 @@
             </a:lstStyle>
             <a:p>
               <a:r>
-                <a:rPr lang="en-US" sz="900" noProof="1" smtClean="0">
+                <a:rPr lang="en-US" sz="900" noProof="1">
                   <a:solidFill>
                     <a:srgbClr val="5F5F5F"/>
                   </a:solidFill>
@@ -45043,13 +44051,6 @@
                 </a:rPr>
                 <a:t>www.example.com</a:t>
               </a:r>
-              <a:endParaRPr lang="en-US" sz="900" noProof="1">
-                <a:solidFill>
-                  <a:srgbClr val="5F5F5F"/>
-                </a:solidFill>
-                <a:latin typeface="Segoe UI" panose="020B0502040204020203" pitchFamily="34" charset="0"/>
-                <a:cs typeface="Segoe UI" panose="020B0502040204020203" pitchFamily="34" charset="0"/>
-              </a:endParaRPr>
             </a:p>
           </p:txBody>
         </p:sp>
@@ -46010,18 +45011,13 @@
           <a:lstStyle/>
           <a:p>
             <a:r>
-              <a:rPr lang="fr-FR" sz="2800" dirty="0" smtClean="0">
+              <a:rPr lang="fr-FR" sz="2800" dirty="0">
                 <a:solidFill>
                   <a:schemeClr val="bg1"/>
                 </a:solidFill>
               </a:rPr>
               <a:t>LES TRESORS DE ONE PIECE</a:t>
             </a:r>
-            <a:endParaRPr lang="fr-FR" sz="2800" dirty="0">
-              <a:solidFill>
-                <a:schemeClr val="bg1"/>
-              </a:solidFill>
-            </a:endParaRPr>
           </a:p>
         </p:txBody>
       </p:sp>
@@ -46048,18 +45044,13 @@
           <a:lstStyle/>
           <a:p>
             <a:r>
-              <a:rPr lang="fr-FR" sz="1400" dirty="0" smtClean="0">
+              <a:rPr lang="fr-FR" sz="1400" dirty="0">
                 <a:solidFill>
                   <a:schemeClr val="bg1"/>
                 </a:solidFill>
               </a:rPr>
               <a:t>Inscription/Connexion</a:t>
             </a:r>
-            <a:endParaRPr lang="fr-FR" sz="1400" dirty="0">
-              <a:solidFill>
-                <a:schemeClr val="bg1"/>
-              </a:solidFill>
-            </a:endParaRPr>
           </a:p>
         </p:txBody>
       </p:sp>
@@ -46086,18 +45077,13 @@
           <a:lstStyle/>
           <a:p>
             <a:r>
-              <a:rPr lang="fr-FR" dirty="0" smtClean="0">
+              <a:rPr lang="fr-FR" dirty="0">
                 <a:solidFill>
                   <a:schemeClr val="bg1"/>
                 </a:solidFill>
               </a:rPr>
               <a:t>HOME</a:t>
             </a:r>
-            <a:endParaRPr lang="fr-FR" dirty="0">
-              <a:solidFill>
-                <a:schemeClr val="bg1"/>
-              </a:solidFill>
-            </a:endParaRPr>
           </a:p>
         </p:txBody>
       </p:sp>
@@ -46124,18 +45110,13 @@
           <a:lstStyle/>
           <a:p>
             <a:r>
-              <a:rPr lang="fr-FR" dirty="0" smtClean="0">
+              <a:rPr lang="fr-FR" dirty="0">
                 <a:solidFill>
                   <a:schemeClr val="bg1"/>
                 </a:solidFill>
               </a:rPr>
               <a:t>FIGURINES</a:t>
             </a:r>
-            <a:endParaRPr lang="fr-FR" dirty="0">
-              <a:solidFill>
-                <a:schemeClr val="bg1"/>
-              </a:solidFill>
-            </a:endParaRPr>
           </a:p>
         </p:txBody>
       </p:sp>
@@ -46162,18 +45143,13 @@
           <a:lstStyle/>
           <a:p>
             <a:r>
-              <a:rPr lang="fr-FR" dirty="0" smtClean="0">
+              <a:rPr lang="fr-FR" dirty="0">
                 <a:solidFill>
                   <a:schemeClr val="bg1"/>
                 </a:solidFill>
               </a:rPr>
               <a:t>VETEMENTS</a:t>
             </a:r>
-            <a:endParaRPr lang="fr-FR" dirty="0">
-              <a:solidFill>
-                <a:schemeClr val="bg1"/>
-              </a:solidFill>
-            </a:endParaRPr>
           </a:p>
         </p:txBody>
       </p:sp>
@@ -46200,18 +45176,13 @@
           <a:lstStyle/>
           <a:p>
             <a:r>
-              <a:rPr lang="fr-FR" dirty="0" smtClean="0">
+              <a:rPr lang="fr-FR" dirty="0">
                 <a:solidFill>
                   <a:schemeClr val="bg1"/>
                 </a:solidFill>
               </a:rPr>
               <a:t>DVD &amp; BLU-RAY</a:t>
             </a:r>
-            <a:endParaRPr lang="fr-FR" dirty="0">
-              <a:solidFill>
-                <a:schemeClr val="bg1"/>
-              </a:solidFill>
-            </a:endParaRPr>
           </a:p>
         </p:txBody>
       </p:sp>
@@ -46238,18 +45209,13 @@
           <a:lstStyle/>
           <a:p>
             <a:r>
-              <a:rPr lang="fr-FR" dirty="0" smtClean="0">
+              <a:rPr lang="fr-FR" dirty="0">
                 <a:solidFill>
                   <a:schemeClr val="bg1"/>
                 </a:solidFill>
               </a:rPr>
               <a:t>LIVRES</a:t>
             </a:r>
-            <a:endParaRPr lang="fr-FR" dirty="0">
-              <a:solidFill>
-                <a:schemeClr val="bg1"/>
-              </a:solidFill>
-            </a:endParaRPr>
           </a:p>
         </p:txBody>
       </p:sp>
@@ -46276,18 +45242,13 @@
           <a:lstStyle/>
           <a:p>
             <a:r>
-              <a:rPr lang="fr-FR" dirty="0" smtClean="0">
+              <a:rPr lang="fr-FR" dirty="0">
                 <a:solidFill>
                   <a:schemeClr val="bg1"/>
                 </a:solidFill>
               </a:rPr>
               <a:t>GOODIES</a:t>
             </a:r>
-            <a:endParaRPr lang="fr-FR" dirty="0">
-              <a:solidFill>
-                <a:schemeClr val="bg1"/>
-              </a:solidFill>
-            </a:endParaRPr>
           </a:p>
         </p:txBody>
       </p:sp>
@@ -47025,10 +45986,9 @@
           <a:lstStyle/>
           <a:p>
             <a:r>
-              <a:rPr lang="fr-FR" dirty="0" smtClean="0"/>
+              <a:rPr lang="fr-FR" dirty="0"/>
               <a:t>Page du panier</a:t>
             </a:r>
-            <a:endParaRPr lang="fr-FR" dirty="0"/>
           </a:p>
         </p:txBody>
       </p:sp>
@@ -47055,7 +46015,7 @@
           <a:lstStyle/>
           <a:p>
             <a:r>
-              <a:rPr lang="fr-FR" sz="3600" dirty="0" smtClean="0">
+              <a:rPr lang="fr-FR" sz="3600" dirty="0">
                 <a:solidFill>
                   <a:srgbClr val="C00000"/>
                 </a:solidFill>
@@ -47063,12 +46023,6 @@
               </a:rPr>
               <a:t>1</a:t>
             </a:r>
-            <a:endParaRPr lang="fr-FR" sz="3600" dirty="0">
-              <a:solidFill>
-                <a:srgbClr val="C00000"/>
-              </a:solidFill>
-              <a:latin typeface="Berlin Sans FB Demi" panose="020E0802020502020306" pitchFamily="34" charset="0"/>
-            </a:endParaRPr>
           </a:p>
         </p:txBody>
       </p:sp>
@@ -47095,10 +46049,9 @@
           <a:lstStyle/>
           <a:p>
             <a:r>
-              <a:rPr lang="fr-FR" b="1" dirty="0" smtClean="0"/>
+              <a:rPr lang="fr-FR" b="1" dirty="0"/>
               <a:t>MON PANIER : 80,90 € </a:t>
             </a:r>
-            <a:endParaRPr lang="fr-FR" b="1" dirty="0"/>
           </a:p>
         </p:txBody>
       </p:sp>
@@ -47255,18 +46208,13 @@
           <a:lstStyle/>
           <a:p>
             <a:r>
-              <a:rPr lang="fr-FR" dirty="0" smtClean="0">
+              <a:rPr lang="fr-FR" dirty="0">
                 <a:solidFill>
                   <a:schemeClr val="bg1"/>
                 </a:solidFill>
               </a:rPr>
               <a:t>1 ARTICLE AU PANIER</a:t>
             </a:r>
-            <a:endParaRPr lang="fr-FR" dirty="0">
-              <a:solidFill>
-                <a:schemeClr val="bg1"/>
-              </a:solidFill>
-            </a:endParaRPr>
           </a:p>
         </p:txBody>
       </p:sp>
@@ -47379,18 +46327,13 @@
           <a:lstStyle/>
           <a:p>
             <a:r>
-              <a:rPr lang="fr-FR" b="1" dirty="0" smtClean="0">
+              <a:rPr lang="fr-FR" b="1" dirty="0">
                 <a:solidFill>
                   <a:srgbClr val="C00000"/>
                 </a:solidFill>
               </a:rPr>
               <a:t>74,90€</a:t>
             </a:r>
-            <a:endParaRPr lang="fr-FR" b="1" dirty="0">
-              <a:solidFill>
-                <a:srgbClr val="C00000"/>
-              </a:solidFill>
-            </a:endParaRPr>
           </a:p>
         </p:txBody>
       </p:sp>
@@ -47417,10 +46360,9 @@
           <a:lstStyle/>
           <a:p>
             <a:r>
-              <a:rPr lang="fr-FR" sz="1400" dirty="0" smtClean="0"/>
+              <a:rPr lang="fr-FR" sz="1400" dirty="0"/>
               <a:t>Quantité: 1</a:t>
             </a:r>
-            <a:endParaRPr lang="fr-FR" sz="1400" dirty="0"/>
           </a:p>
         </p:txBody>
       </p:sp>
@@ -47447,18 +46389,13 @@
           <a:lstStyle/>
           <a:p>
             <a:r>
-              <a:rPr lang="fr-FR" sz="1100" dirty="0" smtClean="0">
+              <a:rPr lang="fr-FR" sz="1100" dirty="0">
                 <a:solidFill>
                   <a:srgbClr val="0070C0"/>
                 </a:solidFill>
               </a:rPr>
               <a:t>Modifier la quantité | Supprimer</a:t>
             </a:r>
-            <a:endParaRPr lang="fr-FR" sz="1100" dirty="0">
-              <a:solidFill>
-                <a:srgbClr val="0070C0"/>
-              </a:solidFill>
-            </a:endParaRPr>
           </a:p>
         </p:txBody>
       </p:sp>
@@ -47707,10 +46644,9 @@
           <a:lstStyle/>
           <a:p>
             <a:r>
-              <a:rPr lang="fr-FR" dirty="0" smtClean="0"/>
+              <a:rPr lang="fr-FR" dirty="0"/>
               <a:t>Total produits : 74,90 €</a:t>
             </a:r>
-            <a:endParaRPr lang="fr-FR" dirty="0"/>
           </a:p>
         </p:txBody>
       </p:sp>
@@ -47737,10 +46673,9 @@
           <a:lstStyle/>
           <a:p>
             <a:r>
-              <a:rPr lang="fr-FR" dirty="0" smtClean="0"/>
+              <a:rPr lang="fr-FR" dirty="0"/>
               <a:t>Livraison : 6 €</a:t>
             </a:r>
-            <a:endParaRPr lang="fr-FR" dirty="0"/>
           </a:p>
         </p:txBody>
       </p:sp>
@@ -47767,10 +46702,9 @@
           <a:lstStyle/>
           <a:p>
             <a:r>
-              <a:rPr lang="fr-FR" b="1" dirty="0" smtClean="0"/>
+              <a:rPr lang="fr-FR" b="1" dirty="0"/>
               <a:t>Total commande : 80,90 €</a:t>
             </a:r>
-            <a:endParaRPr lang="fr-FR" b="1" dirty="0"/>
           </a:p>
         </p:txBody>
       </p:sp>
@@ -47840,18 +46774,13 @@
           <a:lstStyle/>
           <a:p>
             <a:r>
-              <a:rPr lang="fr-FR" b="1" dirty="0" smtClean="0">
+              <a:rPr lang="fr-FR" b="1" dirty="0">
                 <a:solidFill>
                   <a:schemeClr val="bg1"/>
                 </a:solidFill>
               </a:rPr>
               <a:t>COMMANDER</a:t>
             </a:r>
-            <a:endParaRPr lang="fr-FR" b="1" dirty="0">
-              <a:solidFill>
-                <a:schemeClr val="bg1"/>
-              </a:solidFill>
-            </a:endParaRPr>
           </a:p>
         </p:txBody>
       </p:sp>
@@ -47865,13 +46794,6 @@
   <p:clrMapOvr>
     <a:masterClrMapping/>
   </p:clrMapOvr>
-  <p:timing>
-    <p:tnLst>
-      <p:par>
-        <p:cTn id="1" dur="indefinite" restart="never" nodeType="tmRoot"/>
-      </p:par>
-    </p:tnLst>
-  </p:timing>
 </p:sld>
 </file>
 
@@ -48402,18 +47324,13 @@
           <a:lstStyle/>
           <a:p>
             <a:r>
-              <a:rPr lang="fr-FR" sz="900" dirty="0" smtClean="0">
+              <a:rPr lang="fr-FR" sz="900" dirty="0">
                 <a:solidFill>
                   <a:schemeClr val="bg1"/>
                 </a:solidFill>
               </a:rPr>
               <a:t>LES TRESORS DE ONE PIECE</a:t>
             </a:r>
-            <a:endParaRPr lang="fr-FR" sz="900" dirty="0">
-              <a:solidFill>
-                <a:schemeClr val="bg1"/>
-              </a:solidFill>
-            </a:endParaRPr>
           </a:p>
         </p:txBody>
       </p:sp>
@@ -48576,7 +47493,7 @@
           <a:lstStyle/>
           <a:p>
             <a:r>
-              <a:rPr lang="fr-FR" dirty="0" err="1" smtClean="0">
+              <a:rPr lang="fr-FR" dirty="0" err="1">
                 <a:solidFill>
                   <a:schemeClr val="tx2">
                     <a:lumMod val="60000"/>
@@ -48587,7 +47504,7 @@
               <a:t>Slideshow</a:t>
             </a:r>
             <a:r>
-              <a:rPr lang="fr-FR" dirty="0" smtClean="0">
+              <a:rPr lang="fr-FR" dirty="0">
                 <a:solidFill>
                   <a:schemeClr val="tx2">
                     <a:lumMod val="60000"/>
@@ -48597,14 +47514,6 @@
               </a:rPr>
               <a:t> images</a:t>
             </a:r>
-            <a:endParaRPr lang="fr-FR" dirty="0">
-              <a:solidFill>
-                <a:schemeClr val="tx2">
-                  <a:lumMod val="60000"/>
-                  <a:lumOff val="40000"/>
-                </a:schemeClr>
-              </a:solidFill>
-            </a:endParaRPr>
           </a:p>
         </p:txBody>
       </p:sp>
@@ -48631,10 +47540,9 @@
           <a:lstStyle/>
           <a:p>
             <a:r>
-              <a:rPr lang="fr-FR" sz="1600" dirty="0" smtClean="0"/>
+              <a:rPr lang="fr-FR" sz="1600" dirty="0"/>
               <a:t>NOUVEAUTES</a:t>
             </a:r>
-            <a:endParaRPr lang="fr-FR" sz="1600" dirty="0"/>
           </a:p>
         </p:txBody>
       </p:sp>
@@ -48834,18 +47742,13 @@
           <a:lstStyle/>
           <a:p>
             <a:r>
-              <a:rPr lang="fr-FR" sz="1400" dirty="0" smtClean="0">
+              <a:rPr lang="fr-FR" sz="1400" dirty="0">
                 <a:solidFill>
                   <a:srgbClr val="C00000"/>
                 </a:solidFill>
               </a:rPr>
               <a:t>74,90 €</a:t>
             </a:r>
-            <a:endParaRPr lang="fr-FR" sz="1400" dirty="0">
-              <a:solidFill>
-                <a:srgbClr val="C00000"/>
-              </a:solidFill>
-            </a:endParaRPr>
           </a:p>
         </p:txBody>
       </p:sp>
@@ -48915,18 +47818,13 @@
           <a:lstStyle/>
           <a:p>
             <a:r>
-              <a:rPr lang="fr-FR" sz="900" dirty="0" smtClean="0">
+              <a:rPr lang="fr-FR" sz="900" dirty="0">
                 <a:solidFill>
                   <a:schemeClr val="bg1"/>
                 </a:solidFill>
               </a:rPr>
               <a:t>Nouveauté</a:t>
             </a:r>
-            <a:endParaRPr lang="fr-FR" sz="900" dirty="0">
-              <a:solidFill>
-                <a:schemeClr val="bg1"/>
-              </a:solidFill>
-            </a:endParaRPr>
           </a:p>
         </p:txBody>
       </p:sp>
@@ -49089,18 +47987,13 @@
           <a:lstStyle/>
           <a:p>
             <a:r>
-              <a:rPr lang="fr-FR" sz="1400" dirty="0" smtClean="0">
+              <a:rPr lang="fr-FR" sz="1400" dirty="0">
                 <a:solidFill>
                   <a:srgbClr val="C00000"/>
                 </a:solidFill>
               </a:rPr>
               <a:t>74,90 €</a:t>
             </a:r>
-            <a:endParaRPr lang="fr-FR" sz="1400" dirty="0">
-              <a:solidFill>
-                <a:srgbClr val="C00000"/>
-              </a:solidFill>
-            </a:endParaRPr>
           </a:p>
         </p:txBody>
       </p:sp>
@@ -49170,18 +48063,13 @@
           <a:lstStyle/>
           <a:p>
             <a:r>
-              <a:rPr lang="fr-FR" sz="900" dirty="0" smtClean="0">
+              <a:rPr lang="fr-FR" sz="900" dirty="0">
                 <a:solidFill>
                   <a:schemeClr val="bg1"/>
                 </a:solidFill>
               </a:rPr>
               <a:t>Nouveauté</a:t>
             </a:r>
-            <a:endParaRPr lang="fr-FR" sz="900" dirty="0">
-              <a:solidFill>
-                <a:schemeClr val="bg1"/>
-              </a:solidFill>
-            </a:endParaRPr>
           </a:p>
         </p:txBody>
       </p:sp>
@@ -49344,18 +48232,13 @@
           <a:lstStyle/>
           <a:p>
             <a:r>
-              <a:rPr lang="fr-FR" sz="1400" dirty="0" smtClean="0">
+              <a:rPr lang="fr-FR" sz="1400" dirty="0">
                 <a:solidFill>
                   <a:srgbClr val="C00000"/>
                 </a:solidFill>
               </a:rPr>
               <a:t>74,90 €</a:t>
             </a:r>
-            <a:endParaRPr lang="fr-FR" sz="1400" dirty="0">
-              <a:solidFill>
-                <a:srgbClr val="C00000"/>
-              </a:solidFill>
-            </a:endParaRPr>
           </a:p>
         </p:txBody>
       </p:sp>
@@ -49425,18 +48308,13 @@
           <a:lstStyle/>
           <a:p>
             <a:r>
-              <a:rPr lang="fr-FR" sz="900" dirty="0" smtClean="0">
+              <a:rPr lang="fr-FR" sz="900" dirty="0">
                 <a:solidFill>
                   <a:schemeClr val="bg1"/>
                 </a:solidFill>
               </a:rPr>
               <a:t>Nouveauté</a:t>
             </a:r>
-            <a:endParaRPr lang="fr-FR" sz="900" dirty="0">
-              <a:solidFill>
-                <a:schemeClr val="bg1"/>
-              </a:solidFill>
-            </a:endParaRPr>
           </a:p>
         </p:txBody>
       </p:sp>
@@ -49599,18 +48477,13 @@
           <a:lstStyle/>
           <a:p>
             <a:r>
-              <a:rPr lang="fr-FR" sz="1400" dirty="0" smtClean="0">
+              <a:rPr lang="fr-FR" sz="1400" dirty="0">
                 <a:solidFill>
                   <a:srgbClr val="C00000"/>
                 </a:solidFill>
               </a:rPr>
               <a:t>74,90 €</a:t>
             </a:r>
-            <a:endParaRPr lang="fr-FR" sz="1400" dirty="0">
-              <a:solidFill>
-                <a:srgbClr val="C00000"/>
-              </a:solidFill>
-            </a:endParaRPr>
           </a:p>
         </p:txBody>
       </p:sp>
@@ -49680,18 +48553,13 @@
           <a:lstStyle/>
           <a:p>
             <a:r>
-              <a:rPr lang="fr-FR" sz="900" dirty="0" smtClean="0">
+              <a:rPr lang="fr-FR" sz="900" dirty="0">
                 <a:solidFill>
                   <a:schemeClr val="bg1"/>
                 </a:solidFill>
               </a:rPr>
               <a:t>Nouveauté</a:t>
             </a:r>
-            <a:endParaRPr lang="fr-FR" sz="900" dirty="0">
-              <a:solidFill>
-                <a:schemeClr val="bg1"/>
-              </a:solidFill>
-            </a:endParaRPr>
           </a:p>
         </p:txBody>
       </p:sp>
@@ -49718,10 +48586,9 @@
           <a:lstStyle/>
           <a:p>
             <a:r>
-              <a:rPr lang="fr-FR" dirty="0" smtClean="0"/>
+              <a:rPr lang="fr-FR" dirty="0"/>
               <a:t>INDEX Smartphone Part 1</a:t>
             </a:r>
-            <a:endParaRPr lang="fr-FR" dirty="0"/>
           </a:p>
         </p:txBody>
       </p:sp>
@@ -49735,13 +48602,6 @@
   <p:clrMapOvr>
     <a:masterClrMapping/>
   </p:clrMapOvr>
-  <p:timing>
-    <p:tnLst>
-      <p:par>
-        <p:cTn id="1" dur="indefinite" restart="never" nodeType="tmRoot"/>
-      </p:par>
-    </p:tnLst>
-  </p:timing>
 </p:sld>
 </file>
 
